--- a/口頭試問.pptx
+++ b/口頭試問.pptx
@@ -8,13 +8,18 @@
     <p:sldId id="256" r:id="rId2"/>
     <p:sldId id="258" r:id="rId3"/>
     <p:sldId id="259" r:id="rId4"/>
-    <p:sldId id="263" r:id="rId5"/>
-    <p:sldId id="264" r:id="rId6"/>
-    <p:sldId id="260" r:id="rId7"/>
-    <p:sldId id="266" r:id="rId8"/>
-    <p:sldId id="261" r:id="rId9"/>
-    <p:sldId id="262" r:id="rId10"/>
-    <p:sldId id="265" r:id="rId11"/>
+    <p:sldId id="267" r:id="rId5"/>
+    <p:sldId id="271" r:id="rId6"/>
+    <p:sldId id="263" r:id="rId7"/>
+    <p:sldId id="264" r:id="rId8"/>
+    <p:sldId id="260" r:id="rId9"/>
+    <p:sldId id="266" r:id="rId10"/>
+    <p:sldId id="268" r:id="rId11"/>
+    <p:sldId id="269" r:id="rId12"/>
+    <p:sldId id="272" r:id="rId13"/>
+    <p:sldId id="270" r:id="rId14"/>
+    <p:sldId id="261" r:id="rId15"/>
+    <p:sldId id="262" r:id="rId16"/>
   </p:sldIdLst>
   <p:sldSz cx="12192000" cy="6858000"/>
   <p:notesSz cx="6858000" cy="9144000"/>
@@ -341,7 +346,7 @@
           <a:p>
             <a:fld id="{A6E0AD41-3205-554B-A221-F12330F95C4E}" type="datetimeFigureOut">
               <a:rPr kumimoji="1" lang="ja-JP" altLang="en-US" smtClean="0"/>
-              <a:t>2023/9/20</a:t>
+              <a:t>2024/1/22</a:t>
             </a:fld>
             <a:endParaRPr kumimoji="1" lang="ja-JP" altLang="en-US"/>
           </a:p>
@@ -543,7 +548,7 @@
           <a:p>
             <a:fld id="{A6E0AD41-3205-554B-A221-F12330F95C4E}" type="datetimeFigureOut">
               <a:rPr kumimoji="1" lang="ja-JP" altLang="en-US" smtClean="0"/>
-              <a:t>2023/9/20</a:t>
+              <a:t>2024/1/22</a:t>
             </a:fld>
             <a:endParaRPr kumimoji="1" lang="ja-JP" altLang="en-US"/>
           </a:p>
@@ -755,7 +760,7 @@
           <a:p>
             <a:fld id="{A6E0AD41-3205-554B-A221-F12330F95C4E}" type="datetimeFigureOut">
               <a:rPr kumimoji="1" lang="ja-JP" altLang="en-US" smtClean="0"/>
-              <a:t>2023/9/20</a:t>
+              <a:t>2024/1/22</a:t>
             </a:fld>
             <a:endParaRPr kumimoji="1" lang="ja-JP" altLang="en-US"/>
           </a:p>
@@ -957,7 +962,7 @@
           <a:p>
             <a:fld id="{A6E0AD41-3205-554B-A221-F12330F95C4E}" type="datetimeFigureOut">
               <a:rPr kumimoji="1" lang="ja-JP" altLang="en-US" smtClean="0"/>
-              <a:t>2023/9/20</a:t>
+              <a:t>2024/1/22</a:t>
             </a:fld>
             <a:endParaRPr kumimoji="1" lang="ja-JP" altLang="en-US"/>
           </a:p>
@@ -1215,7 +1220,7 @@
           <a:p>
             <a:fld id="{A6E0AD41-3205-554B-A221-F12330F95C4E}" type="datetimeFigureOut">
               <a:rPr kumimoji="1" lang="ja-JP" altLang="en-US" smtClean="0"/>
-              <a:t>2023/9/20</a:t>
+              <a:t>2024/1/22</a:t>
             </a:fld>
             <a:endParaRPr kumimoji="1" lang="ja-JP" altLang="en-US"/>
           </a:p>
@@ -1567,7 +1572,7 @@
           <a:p>
             <a:fld id="{A6E0AD41-3205-554B-A221-F12330F95C4E}" type="datetimeFigureOut">
               <a:rPr kumimoji="1" lang="ja-JP" altLang="en-US" smtClean="0"/>
-              <a:t>2023/9/20</a:t>
+              <a:t>2024/1/22</a:t>
             </a:fld>
             <a:endParaRPr kumimoji="1" lang="ja-JP" altLang="en-US"/>
           </a:p>
@@ -2073,7 +2078,7 @@
           <a:p>
             <a:fld id="{A6E0AD41-3205-554B-A221-F12330F95C4E}" type="datetimeFigureOut">
               <a:rPr kumimoji="1" lang="ja-JP" altLang="en-US" smtClean="0"/>
-              <a:t>2023/9/20</a:t>
+              <a:t>2024/1/22</a:t>
             </a:fld>
             <a:endParaRPr kumimoji="1" lang="ja-JP" altLang="en-US"/>
           </a:p>
@@ -2191,7 +2196,7 @@
           <a:p>
             <a:fld id="{A6E0AD41-3205-554B-A221-F12330F95C4E}" type="datetimeFigureOut">
               <a:rPr kumimoji="1" lang="ja-JP" altLang="en-US" smtClean="0"/>
-              <a:t>2023/9/20</a:t>
+              <a:t>2024/1/22</a:t>
             </a:fld>
             <a:endParaRPr kumimoji="1" lang="ja-JP" altLang="en-US"/>
           </a:p>
@@ -2286,7 +2291,7 @@
           <a:p>
             <a:fld id="{A6E0AD41-3205-554B-A221-F12330F95C4E}" type="datetimeFigureOut">
               <a:rPr kumimoji="1" lang="ja-JP" altLang="en-US" smtClean="0"/>
-              <a:t>2023/9/20</a:t>
+              <a:t>2024/1/22</a:t>
             </a:fld>
             <a:endParaRPr kumimoji="1" lang="ja-JP" altLang="en-US"/>
           </a:p>
@@ -2606,7 +2611,7 @@
           <a:p>
             <a:fld id="{A6E0AD41-3205-554B-A221-F12330F95C4E}" type="datetimeFigureOut">
               <a:rPr kumimoji="1" lang="ja-JP" altLang="en-US" smtClean="0"/>
-              <a:t>2023/9/20</a:t>
+              <a:t>2024/1/22</a:t>
             </a:fld>
             <a:endParaRPr kumimoji="1" lang="ja-JP" altLang="en-US"/>
           </a:p>
@@ -2879,7 +2884,7 @@
           <a:p>
             <a:fld id="{A6E0AD41-3205-554B-A221-F12330F95C4E}" type="datetimeFigureOut">
               <a:rPr kumimoji="1" lang="ja-JP" altLang="en-US" smtClean="0"/>
-              <a:t>2023/9/20</a:t>
+              <a:t>2024/1/22</a:t>
             </a:fld>
             <a:endParaRPr kumimoji="1" lang="ja-JP" altLang="en-US"/>
           </a:p>
@@ -3208,7 +3213,7 @@
           <a:p>
             <a:fld id="{A6E0AD41-3205-554B-A221-F12330F95C4E}" type="datetimeFigureOut">
               <a:rPr kumimoji="1" lang="ja-JP" altLang="en-US" smtClean="0"/>
-              <a:t>2023/9/20</a:t>
+              <a:t>2024/1/22</a:t>
             </a:fld>
             <a:endParaRPr kumimoji="1" lang="ja-JP" altLang="en-US"/>
           </a:p>
@@ -3825,7 +3830,7 @@
         </p:nvSpPr>
         <p:spPr>
           <a:xfrm>
-            <a:off x="0" y="15287"/>
+            <a:off x="0" y="-1"/>
             <a:ext cx="12192000" cy="1077091"/>
           </a:xfrm>
           <a:prstGeom prst="rect">
@@ -3877,7 +3882,7 @@
         <p:spPr>
           <a:xfrm>
             <a:off x="576043" y="1432140"/>
-            <a:ext cx="11039913" cy="3162162"/>
+            <a:ext cx="11039913" cy="5120640"/>
           </a:xfrm>
           <a:prstGeom prst="rect">
             <a:avLst/>
@@ -4128,132 +4133,7 @@
             </a:lvl9pPr>
           </a:lstStyle>
           <a:p>
-            <a:r>
-              <a:rPr lang="ja-JP" altLang="en-US">
-                <a:latin typeface="Hiragino Kaku Gothic ProN W3" panose="020B0300000000000000" pitchFamily="34" charset="-128"/>
-                <a:ea typeface="Hiragino Kaku Gothic ProN W3" panose="020B0300000000000000" pitchFamily="34" charset="-128"/>
-              </a:rPr>
-              <a:t>現在</a:t>
-            </a:r>
-            <a:endParaRPr lang="en-US" altLang="ja-JP" dirty="0">
-              <a:latin typeface="Hiragino Kaku Gothic ProN W3" panose="020B0300000000000000" pitchFamily="34" charset="-128"/>
-              <a:ea typeface="Hiragino Kaku Gothic ProN W3" panose="020B0300000000000000" pitchFamily="34" charset="-128"/>
-            </a:endParaRPr>
-          </a:p>
-          <a:p>
-            <a:pPr lvl="1"/>
-            <a:r>
-              <a:rPr lang="ja-JP" altLang="en-US" sz="2000">
-                <a:latin typeface="Hiragino Kaku Gothic ProN W3" panose="020B0300000000000000" pitchFamily="34" charset="-128"/>
-                <a:ea typeface="Hiragino Kaku Gothic ProN W3" panose="020B0300000000000000" pitchFamily="34" charset="-128"/>
-              </a:rPr>
-              <a:t>機械学習の精度向上のため、</a:t>
-            </a:r>
-            <a:r>
-              <a:rPr lang="en-US" altLang="ja-JP" sz="2000" dirty="0">
-                <a:latin typeface="Hiragino Kaku Gothic ProN W3" panose="020B0300000000000000" pitchFamily="34" charset="-128"/>
-                <a:ea typeface="Hiragino Kaku Gothic ProN W3" panose="020B0300000000000000" pitchFamily="34" charset="-128"/>
-              </a:rPr>
-              <a:t>SVM</a:t>
-            </a:r>
-            <a:r>
-              <a:rPr lang="ja-JP" altLang="en-US" sz="2000">
-                <a:latin typeface="Hiragino Kaku Gothic ProN W3" panose="020B0300000000000000" pitchFamily="34" charset="-128"/>
-                <a:ea typeface="Hiragino Kaku Gothic ProN W3" panose="020B0300000000000000" pitchFamily="34" charset="-128"/>
-              </a:rPr>
-              <a:t>からディープラーニングへの移行作業</a:t>
-            </a:r>
-            <a:endParaRPr lang="en-US" altLang="ja-JP" sz="2000" dirty="0">
-              <a:latin typeface="Hiragino Kaku Gothic ProN W3" panose="020B0300000000000000" pitchFamily="34" charset="-128"/>
-              <a:ea typeface="Hiragino Kaku Gothic ProN W3" panose="020B0300000000000000" pitchFamily="34" charset="-128"/>
-            </a:endParaRPr>
-          </a:p>
-          <a:p>
-            <a:pPr lvl="1"/>
-            <a:endParaRPr lang="en-US" altLang="ja-JP" sz="2000" dirty="0">
-              <a:latin typeface="Hiragino Kaku Gothic ProN W3" panose="020B0300000000000000" pitchFamily="34" charset="-128"/>
-              <a:ea typeface="Hiragino Kaku Gothic ProN W3" panose="020B0300000000000000" pitchFamily="34" charset="-128"/>
-            </a:endParaRPr>
-          </a:p>
-          <a:p>
-            <a:r>
-              <a:rPr lang="ja-JP" altLang="en-US">
-                <a:latin typeface="Hiragino Kaku Gothic ProN W3" panose="020B0300000000000000" pitchFamily="34" charset="-128"/>
-                <a:ea typeface="Hiragino Kaku Gothic ProN W3" panose="020B0300000000000000" pitchFamily="34" charset="-128"/>
-              </a:rPr>
-              <a:t>今後の計画</a:t>
-            </a:r>
-            <a:endParaRPr lang="en-US" altLang="ja-JP" dirty="0">
-              <a:latin typeface="Hiragino Kaku Gothic ProN W3" panose="020B0300000000000000" pitchFamily="34" charset="-128"/>
-              <a:ea typeface="Hiragino Kaku Gothic ProN W3" panose="020B0300000000000000" pitchFamily="34" charset="-128"/>
-            </a:endParaRPr>
-          </a:p>
-          <a:p>
-            <a:pPr lvl="1"/>
-            <a:r>
-              <a:rPr lang="en-US" altLang="ja-JP" sz="2000" dirty="0">
-                <a:latin typeface="Hiragino Kaku Gothic ProN W3" panose="020B0300000000000000" pitchFamily="34" charset="-128"/>
-                <a:ea typeface="Hiragino Kaku Gothic ProN W3" panose="020B0300000000000000" pitchFamily="34" charset="-128"/>
-              </a:rPr>
-              <a:t>10</a:t>
-            </a:r>
-            <a:r>
-              <a:rPr lang="ja-JP" altLang="en-US" sz="2000">
-                <a:latin typeface="Hiragino Kaku Gothic ProN W3" panose="020B0300000000000000" pitchFamily="34" charset="-128"/>
-                <a:ea typeface="Hiragino Kaku Gothic ProN W3" panose="020B0300000000000000" pitchFamily="34" charset="-128"/>
-              </a:rPr>
-              <a:t>月：ディープラーニングへの移行作業終了</a:t>
-            </a:r>
-            <a:endParaRPr lang="en-US" altLang="ja-JP" sz="2000" dirty="0">
-              <a:latin typeface="Hiragino Kaku Gothic ProN W3" panose="020B0300000000000000" pitchFamily="34" charset="-128"/>
-              <a:ea typeface="Hiragino Kaku Gothic ProN W3" panose="020B0300000000000000" pitchFamily="34" charset="-128"/>
-            </a:endParaRPr>
-          </a:p>
-          <a:p>
-            <a:pPr lvl="1"/>
-            <a:r>
-              <a:rPr lang="en-US" altLang="ja-JP" sz="2000" dirty="0">
-                <a:latin typeface="Hiragino Kaku Gothic ProN W3" panose="020B0300000000000000" pitchFamily="34" charset="-128"/>
-                <a:ea typeface="Hiragino Kaku Gothic ProN W3" panose="020B0300000000000000" pitchFamily="34" charset="-128"/>
-              </a:rPr>
-              <a:t>11</a:t>
-            </a:r>
-            <a:r>
-              <a:rPr lang="ja-JP" altLang="en-US" sz="2000">
-                <a:latin typeface="Hiragino Kaku Gothic ProN W3" panose="020B0300000000000000" pitchFamily="34" charset="-128"/>
-                <a:ea typeface="Hiragino Kaku Gothic ProN W3" panose="020B0300000000000000" pitchFamily="34" charset="-128"/>
-              </a:rPr>
-              <a:t>月：被験者実験</a:t>
-            </a:r>
-            <a:endParaRPr lang="en-US" altLang="ja-JP" sz="2000" dirty="0">
-              <a:latin typeface="Hiragino Kaku Gothic ProN W3" panose="020B0300000000000000" pitchFamily="34" charset="-128"/>
-              <a:ea typeface="Hiragino Kaku Gothic ProN W3" panose="020B0300000000000000" pitchFamily="34" charset="-128"/>
-            </a:endParaRPr>
-          </a:p>
-          <a:p>
-            <a:pPr lvl="1"/>
-            <a:r>
-              <a:rPr lang="en-US" altLang="ja-JP" sz="2000" dirty="0">
-                <a:latin typeface="Hiragino Kaku Gothic ProN W3" panose="020B0300000000000000" pitchFamily="34" charset="-128"/>
-                <a:ea typeface="Hiragino Kaku Gothic ProN W3" panose="020B0300000000000000" pitchFamily="34" charset="-128"/>
-              </a:rPr>
-              <a:t>12</a:t>
-            </a:r>
-            <a:r>
-              <a:rPr lang="ja-JP" altLang="en-US" sz="2000">
-                <a:latin typeface="Hiragino Kaku Gothic ProN W3" panose="020B0300000000000000" pitchFamily="34" charset="-128"/>
-                <a:ea typeface="Hiragino Kaku Gothic ProN W3" panose="020B0300000000000000" pitchFamily="34" charset="-128"/>
-              </a:rPr>
-              <a:t>月：論文執筆</a:t>
-            </a:r>
-            <a:endParaRPr lang="en-US" altLang="ja-JP" sz="2000" dirty="0">
-              <a:latin typeface="Hiragino Kaku Gothic ProN W3" panose="020B0300000000000000" pitchFamily="34" charset="-128"/>
-              <a:ea typeface="Hiragino Kaku Gothic ProN W3" panose="020B0300000000000000" pitchFamily="34" charset="-128"/>
-            </a:endParaRPr>
-          </a:p>
-          <a:p>
-            <a:pPr lvl="1"/>
-            <a:endParaRPr lang="ja-JP" altLang="en-US" sz="2000">
+            <a:endParaRPr lang="ja-JP" altLang="en-US">
               <a:latin typeface="Hiragino Kaku Gothic ProN W3" panose="020B0300000000000000" pitchFamily="34" charset="-128"/>
               <a:ea typeface="Hiragino Kaku Gothic ProN W3" panose="020B0300000000000000" pitchFamily="34" charset="-128"/>
             </a:endParaRPr>
@@ -4276,8 +4156,8 @@
         </p:nvSpPr>
         <p:spPr>
           <a:xfrm>
-            <a:off x="252918" y="320508"/>
-            <a:ext cx="5843081" cy="771870"/>
+            <a:off x="252917" y="320508"/>
+            <a:ext cx="11039913" cy="771870"/>
           </a:xfrm>
           <a:prstGeom prst="rect">
             <a:avLst/>
@@ -4307,7 +4187,23 @@
           <a:p>
             <a:r>
               <a:rPr lang="ja-JP" altLang="en-US"/>
-              <a:t>現在の進捗と今後の計画</a:t>
+              <a:t>使用した技術：</a:t>
+            </a:r>
+            <a:r>
+              <a:rPr lang="en-US" altLang="ja-JP" dirty="0"/>
+              <a:t>CNN</a:t>
+            </a:r>
+            <a:r>
+              <a:rPr lang="ja-JP" altLang="en-US"/>
+              <a:t>（</a:t>
+            </a:r>
+            <a:r>
+              <a:rPr lang="en-US" altLang="ja-JP" dirty="0"/>
+              <a:t>Convolutional Neural Network</a:t>
+            </a:r>
+            <a:r>
+              <a:rPr lang="ja-JP" altLang="en-US"/>
+              <a:t>）</a:t>
             </a:r>
           </a:p>
         </p:txBody>
@@ -4315,7 +4211,7 @@
     </p:spTree>
     <p:extLst>
       <p:ext uri="{BB962C8B-B14F-4D97-AF65-F5344CB8AC3E}">
-        <p14:creationId xmlns:p14="http://schemas.microsoft.com/office/powerpoint/2010/main" val="2365562232"/>
+        <p14:creationId xmlns:p14="http://schemas.microsoft.com/office/powerpoint/2010/main" val="1686069956"/>
       </p:ext>
     </p:extLst>
   </p:cSld>
@@ -4325,7 +4221,7 @@
 </p:sld>
 </file>
 
-<file path=ppt/slides/slide2.xml><?xml version="1.0" encoding="utf-8"?>
+<file path=ppt/slides/slide11.xml><?xml version="1.0" encoding="utf-8"?>
 <p:sld xmlns:a="http://schemas.openxmlformats.org/drawingml/2006/main" xmlns:r="http://schemas.openxmlformats.org/officeDocument/2006/relationships" xmlns:p="http://schemas.openxmlformats.org/presentationml/2006/main">
   <p:cSld>
     <p:spTree>
@@ -4659,65 +4555,100 @@
             </a:lvl9pPr>
           </a:lstStyle>
           <a:p>
-            <a:r>
-              <a:rPr lang="ja-JP" altLang="en-US" sz="2400">
-                <a:latin typeface="Hiragino Kaku Gothic ProN W3" panose="020B0300000000000000" pitchFamily="34" charset="-128"/>
-                <a:ea typeface="Hiragino Kaku Gothic ProN W3" panose="020B0300000000000000" pitchFamily="34" charset="-128"/>
-              </a:rPr>
-              <a:t>研究の目的と背景</a:t>
-            </a:r>
-            <a:endParaRPr lang="en-US" altLang="ja-JP" sz="2400" dirty="0">
+            <a:pPr fontAlgn="base"/>
+            <a:r>
+              <a:rPr lang="ja-JP" altLang="en-US">
+                <a:latin typeface="Hiragino Kaku Gothic ProN W3" panose="020B0300000000000000" pitchFamily="34" charset="-128"/>
+                <a:ea typeface="Hiragino Kaku Gothic ProN W3" panose="020B0300000000000000" pitchFamily="34" charset="-128"/>
+              </a:rPr>
+              <a:t>メイクアップは、自分自身でそれが似合っているかどうかを客観的に判断することが難しい</a:t>
+            </a:r>
+          </a:p>
+          <a:p>
+            <a:pPr lvl="1" fontAlgn="base"/>
+            <a:r>
+              <a:rPr lang="ja-JP" altLang="en-US" sz="2000">
+                <a:latin typeface="Hiragino Kaku Gothic ProN W3" panose="020B0300000000000000" pitchFamily="34" charset="-128"/>
+                <a:ea typeface="Hiragino Kaku Gothic ProN W3" panose="020B0300000000000000" pitchFamily="34" charset="-128"/>
+              </a:rPr>
+              <a:t>自分がしているメイクアップに自信が持てず、不安になってしまう</a:t>
+            </a:r>
+          </a:p>
+          <a:p>
+            <a:pPr lvl="1" fontAlgn="base"/>
+            <a:r>
+              <a:rPr lang="ja-JP" altLang="en-US" sz="2000">
+                <a:latin typeface="Hiragino Kaku Gothic ProN W3" panose="020B0300000000000000" pitchFamily="34" charset="-128"/>
+                <a:ea typeface="Hiragino Kaku Gothic ProN W3" panose="020B0300000000000000" pitchFamily="34" charset="-128"/>
+              </a:rPr>
+              <a:t>メイクアップをどう改善したら良いのか分からない</a:t>
+            </a:r>
+            <a:br>
+              <a:rPr lang="ja-JP" altLang="en-US" sz="2000">
+                <a:latin typeface="Hiragino Kaku Gothic ProN W3" panose="020B0300000000000000" pitchFamily="34" charset="-128"/>
+                <a:ea typeface="Hiragino Kaku Gothic ProN W3" panose="020B0300000000000000" pitchFamily="34" charset="-128"/>
+              </a:rPr>
+            </a:br>
+            <a:br>
+              <a:rPr lang="ja-JP" altLang="en-US" sz="2000">
+                <a:latin typeface="Hiragino Kaku Gothic ProN W3" panose="020B0300000000000000" pitchFamily="34" charset="-128"/>
+                <a:ea typeface="Hiragino Kaku Gothic ProN W3" panose="020B0300000000000000" pitchFamily="34" charset="-128"/>
+              </a:rPr>
+            </a:br>
+            <a:endParaRPr lang="ja-JP" altLang="en-US" sz="2000">
               <a:latin typeface="Hiragino Kaku Gothic ProN W3" panose="020B0300000000000000" pitchFamily="34" charset="-128"/>
               <a:ea typeface="Hiragino Kaku Gothic ProN W3" panose="020B0300000000000000" pitchFamily="34" charset="-128"/>
             </a:endParaRPr>
           </a:p>
           <a:p>
-            <a:r>
-              <a:rPr lang="ja-JP" altLang="en-US" sz="2400">
-                <a:latin typeface="Hiragino Kaku Gothic ProN W3" panose="020B0300000000000000" pitchFamily="34" charset="-128"/>
-                <a:ea typeface="Hiragino Kaku Gothic ProN W3" panose="020B0300000000000000" pitchFamily="34" charset="-128"/>
-              </a:rPr>
-              <a:t>関連研究</a:t>
-            </a:r>
-            <a:endParaRPr lang="en-US" altLang="ja-JP" sz="2400" dirty="0">
+            <a:pPr fontAlgn="base"/>
+            <a:r>
+              <a:rPr lang="ja-JP" altLang="en-US">
+                <a:latin typeface="Hiragino Kaku Gothic ProN W3" panose="020B0300000000000000" pitchFamily="34" charset="-128"/>
+                <a:ea typeface="Hiragino Kaku Gothic ProN W3" panose="020B0300000000000000" pitchFamily="34" charset="-128"/>
+              </a:rPr>
+              <a:t>メイクアップの印象を大きく左右する要素としてリップメイクに着目</a:t>
+            </a:r>
+          </a:p>
+          <a:p>
+            <a:pPr fontAlgn="base"/>
+            <a:r>
+              <a:rPr lang="ja-JP" altLang="en-US">
+                <a:latin typeface="Hiragino Kaku Gothic ProN W3" panose="020B0300000000000000" pitchFamily="34" charset="-128"/>
+                <a:ea typeface="Hiragino Kaku Gothic ProN W3" panose="020B0300000000000000" pitchFamily="34" charset="-128"/>
+              </a:rPr>
+              <a:t>人の顔画像から、その人に似合うリップカラーを機械学習で推定・提案するシステムを作成</a:t>
+            </a:r>
+          </a:p>
+          <a:p>
+            <a:pPr lvl="1" fontAlgn="base"/>
+            <a:r>
+              <a:rPr lang="ja-JP" altLang="en-US" sz="2000">
+                <a:latin typeface="Hiragino Kaku Gothic ProN W3" panose="020B0300000000000000" pitchFamily="34" charset="-128"/>
+                <a:ea typeface="Hiragino Kaku Gothic ProN W3" panose="020B0300000000000000" pitchFamily="34" charset="-128"/>
+              </a:rPr>
+              <a:t>似合うと推定されるリップカラーを利用者に提示することで、現在のメイクアップをどう改善すれば良いかの方向性を示すことができる</a:t>
+            </a:r>
+            <a:endParaRPr lang="en-US" altLang="ja-JP" sz="2000" dirty="0">
               <a:latin typeface="Hiragino Kaku Gothic ProN W3" panose="020B0300000000000000" pitchFamily="34" charset="-128"/>
               <a:ea typeface="Hiragino Kaku Gothic ProN W3" panose="020B0300000000000000" pitchFamily="34" charset="-128"/>
             </a:endParaRPr>
           </a:p>
           <a:p>
-            <a:r>
-              <a:rPr lang="ja-JP" altLang="en-US" sz="2400">
-                <a:latin typeface="Hiragino Kaku Gothic ProN W3" panose="020B0300000000000000" pitchFamily="34" charset="-128"/>
-                <a:ea typeface="Hiragino Kaku Gothic ProN W3" panose="020B0300000000000000" pitchFamily="34" charset="-128"/>
-              </a:rPr>
-              <a:t>研究の概要</a:t>
-            </a:r>
-            <a:endParaRPr lang="en-US" altLang="ja-JP" sz="2400" dirty="0">
+            <a:pPr lvl="1" fontAlgn="base"/>
+            <a:r>
+              <a:rPr lang="ja-JP" altLang="en-US" sz="2000">
+                <a:latin typeface="Hiragino Kaku Gothic ProN W3" panose="020B0300000000000000" pitchFamily="34" charset="-128"/>
+                <a:ea typeface="Hiragino Kaku Gothic ProN W3" panose="020B0300000000000000" pitchFamily="34" charset="-128"/>
+              </a:rPr>
+              <a:t>自分が現在使用しているリップカラーと近い色が提示されれば、不安の解消になる</a:t>
+            </a:r>
+          </a:p>
+          <a:p>
+            <a:endParaRPr lang="ja-JP" altLang="en-US">
               <a:latin typeface="Hiragino Kaku Gothic ProN W3" panose="020B0300000000000000" pitchFamily="34" charset="-128"/>
               <a:ea typeface="Hiragino Kaku Gothic ProN W3" panose="020B0300000000000000" pitchFamily="34" charset="-128"/>
             </a:endParaRPr>
-          </a:p>
-          <a:p>
-            <a:r>
-              <a:rPr lang="ja-JP" altLang="en-US" sz="2400">
-                <a:latin typeface="Hiragino Kaku Gothic ProN W3" panose="020B0300000000000000" pitchFamily="34" charset="-128"/>
-                <a:ea typeface="Hiragino Kaku Gothic ProN W3" panose="020B0300000000000000" pitchFamily="34" charset="-128"/>
-              </a:rPr>
-              <a:t>卒業論文との違い</a:t>
-            </a:r>
-            <a:endParaRPr lang="en-US" altLang="ja-JP" sz="2400" dirty="0">
-              <a:latin typeface="Hiragino Kaku Gothic ProN W3" panose="020B0300000000000000" pitchFamily="34" charset="-128"/>
-              <a:ea typeface="Hiragino Kaku Gothic ProN W3" panose="020B0300000000000000" pitchFamily="34" charset="-128"/>
-            </a:endParaRPr>
-          </a:p>
-          <a:p>
-            <a:r>
-              <a:rPr lang="ja-JP" altLang="en-US" sz="2400">
-                <a:latin typeface="Hiragino Kaku Gothic ProN W3" panose="020B0300000000000000" pitchFamily="34" charset="-128"/>
-                <a:ea typeface="Hiragino Kaku Gothic ProN W3" panose="020B0300000000000000" pitchFamily="34" charset="-128"/>
-              </a:rPr>
-              <a:t>現在の進捗と今後の計画</a:t>
-            </a:r>
           </a:p>
         </p:txBody>
       </p:sp>
@@ -4768,7 +4699,7 @@
           <a:p>
             <a:r>
               <a:rPr lang="ja-JP" altLang="en-US"/>
-              <a:t>目次</a:t>
+              <a:t>実験と結果：実験内容</a:t>
             </a:r>
           </a:p>
         </p:txBody>
@@ -4776,7 +4707,7 @@
     </p:spTree>
     <p:extLst>
       <p:ext uri="{BB962C8B-B14F-4D97-AF65-F5344CB8AC3E}">
-        <p14:creationId xmlns:p14="http://schemas.microsoft.com/office/powerpoint/2010/main" val="2675460953"/>
+        <p14:creationId xmlns:p14="http://schemas.microsoft.com/office/powerpoint/2010/main" val="3684630261"/>
       </p:ext>
     </p:extLst>
   </p:cSld>
@@ -4786,7 +4717,7 @@
 </p:sld>
 </file>
 
-<file path=ppt/slides/slide3.xml><?xml version="1.0" encoding="utf-8"?>
+<file path=ppt/slides/slide12.xml><?xml version="1.0" encoding="utf-8"?>
 <p:sld xmlns:a="http://schemas.openxmlformats.org/drawingml/2006/main" xmlns:r="http://schemas.openxmlformats.org/officeDocument/2006/relationships" xmlns:p="http://schemas.openxmlformats.org/presentationml/2006/main">
   <p:cSld>
     <p:spTree>
@@ -5264,7 +5195,7 @@
           <a:p>
             <a:r>
               <a:rPr lang="ja-JP" altLang="en-US"/>
-              <a:t>研究の目的と背景</a:t>
+              <a:t>実験と結果：結果と考察</a:t>
             </a:r>
           </a:p>
         </p:txBody>
@@ -5272,7 +5203,7 @@
     </p:spTree>
     <p:extLst>
       <p:ext uri="{BB962C8B-B14F-4D97-AF65-F5344CB8AC3E}">
-        <p14:creationId xmlns:p14="http://schemas.microsoft.com/office/powerpoint/2010/main" val="744230340"/>
+        <p14:creationId xmlns:p14="http://schemas.microsoft.com/office/powerpoint/2010/main" val="2475445290"/>
       </p:ext>
     </p:extLst>
   </p:cSld>
@@ -5282,7 +5213,7 @@
 </p:sld>
 </file>
 
-<file path=ppt/slides/slide4.xml><?xml version="1.0" encoding="utf-8"?>
+<file path=ppt/slides/slide13.xml><?xml version="1.0" encoding="utf-8"?>
 <p:sld xmlns:a="http://schemas.openxmlformats.org/drawingml/2006/main" xmlns:r="http://schemas.openxmlformats.org/officeDocument/2006/relationships" xmlns:p="http://schemas.openxmlformats.org/presentationml/2006/main">
   <p:cSld>
     <p:spTree>
@@ -5622,1570 +5553,94 @@
                 <a:latin typeface="Hiragino Kaku Gothic ProN W3" panose="020B0300000000000000" pitchFamily="34" charset="-128"/>
                 <a:ea typeface="Hiragino Kaku Gothic ProN W3" panose="020B0300000000000000" pitchFamily="34" charset="-128"/>
               </a:rPr>
-              <a:t>肌色はリップカラーが似合うかどうかの判定にどう影響しているかを明らかにするための研究</a:t>
+              <a:t>メイクアップは、自分自身でそれが似合っているかどうかを客観的に判断することが難しい</a:t>
             </a:r>
           </a:p>
           <a:p>
             <a:pPr lvl="1" fontAlgn="base"/>
             <a:r>
-              <a:rPr lang="en-US" altLang="ja-JP" sz="2000" dirty="0">
-                <a:latin typeface="Hiragino Kaku Gothic ProN W3" panose="020B0300000000000000" pitchFamily="34" charset="-128"/>
-                <a:ea typeface="Hiragino Kaku Gothic ProN W3" panose="020B0300000000000000" pitchFamily="34" charset="-128"/>
-              </a:rPr>
-              <a:t>1</a:t>
-            </a:r>
-            <a:r>
               <a:rPr lang="ja-JP" altLang="en-US" sz="2000">
                 <a:latin typeface="Hiragino Kaku Gothic ProN W3" panose="020B0300000000000000" pitchFamily="34" charset="-128"/>
                 <a:ea typeface="Hiragino Kaku Gothic ProN W3" panose="020B0300000000000000" pitchFamily="34" charset="-128"/>
               </a:rPr>
-              <a:t>人の女性の顔をベースとして、肌色</a:t>
-            </a:r>
-            <a:r>
-              <a:rPr lang="en-US" altLang="ja-JP" sz="2000" dirty="0">
-                <a:latin typeface="Hiragino Kaku Gothic ProN W3" panose="020B0300000000000000" pitchFamily="34" charset="-128"/>
-                <a:ea typeface="Hiragino Kaku Gothic ProN W3" panose="020B0300000000000000" pitchFamily="34" charset="-128"/>
-              </a:rPr>
-              <a:t>5</a:t>
-            </a:r>
+              <a:t>自分がしているメイクアップに自信が持てず、不安になってしまう</a:t>
+            </a:r>
+          </a:p>
+          <a:p>
+            <a:pPr lvl="1" fontAlgn="base"/>
             <a:r>
               <a:rPr lang="ja-JP" altLang="en-US" sz="2000">
                 <a:latin typeface="Hiragino Kaku Gothic ProN W3" panose="020B0300000000000000" pitchFamily="34" charset="-128"/>
                 <a:ea typeface="Hiragino Kaku Gothic ProN W3" panose="020B0300000000000000" pitchFamily="34" charset="-128"/>
               </a:rPr>
-              <a:t>色</a:t>
-            </a:r>
-            <a:r>
-              <a:rPr lang="en-US" altLang="ja-JP" sz="2000" dirty="0">
-                <a:latin typeface="Hiragino Kaku Gothic ProN W3" panose="020B0300000000000000" pitchFamily="34" charset="-128"/>
-                <a:ea typeface="Hiragino Kaku Gothic ProN W3" panose="020B0300000000000000" pitchFamily="34" charset="-128"/>
-              </a:rPr>
-              <a:t>×</a:t>
-            </a:r>
-            <a:r>
+              <a:t>メイクアップをどう改善したら良いのか分からない</a:t>
+            </a:r>
+            <a:br>
               <a:rPr lang="ja-JP" altLang="en-US" sz="2000">
                 <a:latin typeface="Hiragino Kaku Gothic ProN W3" panose="020B0300000000000000" pitchFamily="34" charset="-128"/>
                 <a:ea typeface="Hiragino Kaku Gothic ProN W3" panose="020B0300000000000000" pitchFamily="34" charset="-128"/>
               </a:rPr>
-              <a:t>リップカラー</a:t>
-            </a:r>
-            <a:r>
-              <a:rPr lang="en-US" altLang="ja-JP" sz="2000" dirty="0">
-                <a:latin typeface="Hiragino Kaku Gothic ProN W3" panose="020B0300000000000000" pitchFamily="34" charset="-128"/>
-                <a:ea typeface="Hiragino Kaku Gothic ProN W3" panose="020B0300000000000000" pitchFamily="34" charset="-128"/>
-              </a:rPr>
-              <a:t>17</a:t>
-            </a:r>
-            <a:r>
+            </a:br>
+            <a:br>
               <a:rPr lang="ja-JP" altLang="en-US" sz="2000">
                 <a:latin typeface="Hiragino Kaku Gothic ProN W3" panose="020B0300000000000000" pitchFamily="34" charset="-128"/>
                 <a:ea typeface="Hiragino Kaku Gothic ProN W3" panose="020B0300000000000000" pitchFamily="34" charset="-128"/>
               </a:rPr>
-              <a:t>色の合計</a:t>
-            </a:r>
-            <a:r>
-              <a:rPr lang="en-US" altLang="ja-JP" sz="2000" dirty="0">
-                <a:latin typeface="Hiragino Kaku Gothic ProN W3" panose="020B0300000000000000" pitchFamily="34" charset="-128"/>
-                <a:ea typeface="Hiragino Kaku Gothic ProN W3" panose="020B0300000000000000" pitchFamily="34" charset="-128"/>
-              </a:rPr>
-              <a:t>85</a:t>
-            </a:r>
-            <a:r>
-              <a:rPr lang="ja-JP" altLang="en-US" sz="2000">
-                <a:latin typeface="Hiragino Kaku Gothic ProN W3" panose="020B0300000000000000" pitchFamily="34" charset="-128"/>
-                <a:ea typeface="Hiragino Kaku Gothic ProN W3" panose="020B0300000000000000" pitchFamily="34" charset="-128"/>
-              </a:rPr>
-              <a:t>種類の顔写真を作成</a:t>
-            </a:r>
-          </a:p>
-          <a:p>
-            <a:pPr lvl="1" fontAlgn="base"/>
-            <a:r>
-              <a:rPr lang="ja-JP" altLang="en-US" sz="2000">
-                <a:latin typeface="Hiragino Kaku Gothic ProN W3" panose="020B0300000000000000" pitchFamily="34" charset="-128"/>
-                <a:ea typeface="Hiragino Kaku Gothic ProN W3" panose="020B0300000000000000" pitchFamily="34" charset="-128"/>
-              </a:rPr>
-              <a:t>それらを被験者に見せて、リップカラーが似合っているかどうかのアンケート調査を実施</a:t>
-            </a:r>
-          </a:p>
-          <a:p>
-            <a:pPr lvl="1" fontAlgn="base"/>
-            <a:r>
-              <a:rPr lang="ja-JP" altLang="en-US" sz="2000">
-                <a:latin typeface="Hiragino Kaku Gothic ProN W3" panose="020B0300000000000000" pitchFamily="34" charset="-128"/>
-                <a:ea typeface="Hiragino Kaku Gothic ProN W3" panose="020B0300000000000000" pitchFamily="34" charset="-128"/>
-              </a:rPr>
-              <a:t>得られた結果を色彩調和論の観点から分析し、肌色と似合うリップカラーの関係性を明らかにしようとした</a:t>
-            </a:r>
-          </a:p>
-          <a:p>
-            <a:pPr lvl="1" fontAlgn="base"/>
-            <a:r>
-              <a:rPr lang="ja-JP" altLang="en-US" sz="2000">
-                <a:latin typeface="Hiragino Kaku Gothic ProN W3" panose="020B0300000000000000" pitchFamily="34" charset="-128"/>
-                <a:ea typeface="Hiragino Kaku Gothic ProN W3" panose="020B0300000000000000" pitchFamily="34" charset="-128"/>
-              </a:rPr>
-              <a:t>実験の結果</a:t>
-            </a:r>
-          </a:p>
-          <a:p>
-            <a:pPr lvl="2" fontAlgn="base"/>
-            <a:r>
-              <a:rPr lang="ja-JP" altLang="en-US" sz="2000">
-                <a:latin typeface="Hiragino Kaku Gothic ProN W3" panose="020B0300000000000000" pitchFamily="34" charset="-128"/>
-                <a:ea typeface="Hiragino Kaku Gothic ProN W3" panose="020B0300000000000000" pitchFamily="34" charset="-128"/>
-              </a:rPr>
-              <a:t>肌色と似合うリップカラーにはある程度の関係性がある（リップカラーと肌色の明度差、色相差、彩度差の順で影響）</a:t>
-            </a:r>
-          </a:p>
-          <a:p>
-            <a:pPr fontAlgn="base"/>
-            <a:r>
-              <a:rPr lang="ja-JP" altLang="en-US">
-                <a:latin typeface="Hiragino Kaku Gothic ProN W3" panose="020B0300000000000000" pitchFamily="34" charset="-128"/>
-                <a:ea typeface="Hiragino Kaku Gothic ProN W3" panose="020B0300000000000000" pitchFamily="34" charset="-128"/>
-              </a:rPr>
-              <a:t>肌色から似合うリップカラーを機械学習で推定するという方法は、ある程度妥当性があると言える</a:t>
-            </a:r>
-            <a:endParaRPr lang="en-US" altLang="ja-JP" dirty="0">
+            </a:br>
+            <a:endParaRPr lang="ja-JP" altLang="en-US" sz="2000">
               <a:latin typeface="Hiragino Kaku Gothic ProN W3" panose="020B0300000000000000" pitchFamily="34" charset="-128"/>
               <a:ea typeface="Hiragino Kaku Gothic ProN W3" panose="020B0300000000000000" pitchFamily="34" charset="-128"/>
             </a:endParaRPr>
           </a:p>
           <a:p>
             <a:pPr fontAlgn="base"/>
-            <a:endParaRPr lang="en-US" altLang="ja-JP" dirty="0">
+            <a:r>
+              <a:rPr lang="ja-JP" altLang="en-US">
+                <a:latin typeface="Hiragino Kaku Gothic ProN W3" panose="020B0300000000000000" pitchFamily="34" charset="-128"/>
+                <a:ea typeface="Hiragino Kaku Gothic ProN W3" panose="020B0300000000000000" pitchFamily="34" charset="-128"/>
+              </a:rPr>
+              <a:t>メイクアップの印象を大きく左右する要素としてリップメイクに着目</a:t>
+            </a:r>
+          </a:p>
+          <a:p>
+            <a:pPr fontAlgn="base"/>
+            <a:r>
+              <a:rPr lang="ja-JP" altLang="en-US">
+                <a:latin typeface="Hiragino Kaku Gothic ProN W3" panose="020B0300000000000000" pitchFamily="34" charset="-128"/>
+                <a:ea typeface="Hiragino Kaku Gothic ProN W3" panose="020B0300000000000000" pitchFamily="34" charset="-128"/>
+              </a:rPr>
+              <a:t>人の顔画像から、その人に似合うリップカラーを機械学習で推定・提案するシステムを作成</a:t>
+            </a:r>
+          </a:p>
+          <a:p>
+            <a:pPr lvl="1" fontAlgn="base"/>
+            <a:r>
+              <a:rPr lang="ja-JP" altLang="en-US" sz="2000">
+                <a:latin typeface="Hiragino Kaku Gothic ProN W3" panose="020B0300000000000000" pitchFamily="34" charset="-128"/>
+                <a:ea typeface="Hiragino Kaku Gothic ProN W3" panose="020B0300000000000000" pitchFamily="34" charset="-128"/>
+              </a:rPr>
+              <a:t>似合うと推定されるリップカラーを利用者に提示することで、現在のメイクアップをどう改善すれば良いかの方向性を示すことができる</a:t>
+            </a:r>
+            <a:endParaRPr lang="en-US" altLang="ja-JP" sz="2000" dirty="0">
               <a:latin typeface="Hiragino Kaku Gothic ProN W3" panose="020B0300000000000000" pitchFamily="34" charset="-128"/>
               <a:ea typeface="Hiragino Kaku Gothic ProN W3" panose="020B0300000000000000" pitchFamily="34" charset="-128"/>
             </a:endParaRPr>
           </a:p>
           <a:p>
-            <a:pPr marL="0" indent="0" fontAlgn="base">
-              <a:buNone/>
-            </a:pPr>
-            <a:endParaRPr lang="en-US" altLang="ja-JP" dirty="0">
-              <a:latin typeface="Hiragino Kaku Gothic ProN W3" panose="020B0300000000000000" pitchFamily="34" charset="-128"/>
-              <a:ea typeface="Hiragino Kaku Gothic ProN W3" panose="020B0300000000000000" pitchFamily="34" charset="-128"/>
-            </a:endParaRPr>
-          </a:p>
-          <a:p>
-            <a:pPr marL="0" indent="0" algn="r" rtl="0">
-              <a:spcBef>
-                <a:spcPts val="0"/>
-              </a:spcBef>
-              <a:spcAft>
-                <a:spcPts val="0"/>
-              </a:spcAft>
-              <a:buNone/>
-            </a:pPr>
-            <a:r>
-              <a:rPr lang="ja-JP" altLang="en-US" sz="1400" u="none" strike="noStrike">
-                <a:solidFill>
-                  <a:srgbClr val="666666"/>
-                </a:solidFill>
-                <a:effectLst/>
-                <a:latin typeface="Hiragino Kaku Gothic ProN W3" panose="020B0300000000000000" pitchFamily="34" charset="-128"/>
-                <a:ea typeface="Hiragino Kaku Gothic ProN W3" panose="020B0300000000000000" pitchFamily="34" charset="-128"/>
-              </a:rPr>
-              <a:t>平山 賢哉</a:t>
-            </a:r>
-            <a:r>
-              <a:rPr lang="en-US" altLang="ja-JP" sz="1400" u="none" strike="noStrike" dirty="0">
-                <a:solidFill>
-                  <a:srgbClr val="666666"/>
-                </a:solidFill>
-                <a:effectLst/>
-                <a:latin typeface="Hiragino Kaku Gothic ProN W3" panose="020B0300000000000000" pitchFamily="34" charset="-128"/>
-                <a:ea typeface="Hiragino Kaku Gothic ProN W3" panose="020B0300000000000000" pitchFamily="34" charset="-128"/>
-              </a:rPr>
-              <a:t>, </a:t>
-            </a:r>
-            <a:r>
-              <a:rPr lang="ja-JP" altLang="en-US" sz="1400" u="none" strike="noStrike">
-                <a:solidFill>
-                  <a:srgbClr val="666666"/>
-                </a:solidFill>
-                <a:effectLst/>
-                <a:latin typeface="Hiragino Kaku Gothic ProN W3" panose="020B0300000000000000" pitchFamily="34" charset="-128"/>
-                <a:ea typeface="Hiragino Kaku Gothic ProN W3" panose="020B0300000000000000" pitchFamily="34" charset="-128"/>
-              </a:rPr>
-              <a:t>山本 美恵子</a:t>
-            </a:r>
-            <a:r>
-              <a:rPr lang="en-US" altLang="ja-JP" sz="1400" u="none" strike="noStrike" dirty="0">
-                <a:solidFill>
-                  <a:srgbClr val="666666"/>
-                </a:solidFill>
-                <a:effectLst/>
-                <a:latin typeface="Hiragino Kaku Gothic ProN W3" panose="020B0300000000000000" pitchFamily="34" charset="-128"/>
-                <a:ea typeface="Hiragino Kaku Gothic ProN W3" panose="020B0300000000000000" pitchFamily="34" charset="-128"/>
-              </a:rPr>
-              <a:t>, </a:t>
-            </a:r>
-            <a:r>
-              <a:rPr lang="ja-JP" altLang="en-US" sz="1400" u="none" strike="noStrike">
-                <a:solidFill>
-                  <a:srgbClr val="666666"/>
-                </a:solidFill>
-                <a:effectLst/>
-                <a:latin typeface="Hiragino Kaku Gothic ProN W3" panose="020B0300000000000000" pitchFamily="34" charset="-128"/>
-                <a:ea typeface="Hiragino Kaku Gothic ProN W3" panose="020B0300000000000000" pitchFamily="34" charset="-128"/>
-              </a:rPr>
-              <a:t>山崎 和広</a:t>
-            </a:r>
-            <a:r>
-              <a:rPr lang="en-US" altLang="ja-JP" sz="1400" u="none" strike="noStrike" dirty="0">
-                <a:solidFill>
-                  <a:srgbClr val="666666"/>
-                </a:solidFill>
-                <a:effectLst/>
-                <a:latin typeface="Hiragino Kaku Gothic ProN W3" panose="020B0300000000000000" pitchFamily="34" charset="-128"/>
-                <a:ea typeface="Hiragino Kaku Gothic ProN W3" panose="020B0300000000000000" pitchFamily="34" charset="-128"/>
-              </a:rPr>
-              <a:t>, </a:t>
-            </a:r>
-            <a:r>
-              <a:rPr lang="ja-JP" altLang="en-US" sz="1400" u="none" strike="noStrike">
-                <a:solidFill>
-                  <a:srgbClr val="666666"/>
-                </a:solidFill>
-                <a:effectLst/>
-                <a:latin typeface="Hiragino Kaku Gothic ProN W3" panose="020B0300000000000000" pitchFamily="34" charset="-128"/>
-                <a:ea typeface="Hiragino Kaku Gothic ProN W3" panose="020B0300000000000000" pitchFamily="34" charset="-128"/>
-              </a:rPr>
-              <a:t>木村 知史</a:t>
-            </a:r>
-            <a:r>
-              <a:rPr lang="en-US" altLang="ja-JP" sz="1400" u="none" strike="noStrike" dirty="0">
-                <a:solidFill>
-                  <a:srgbClr val="666666"/>
-                </a:solidFill>
-                <a:effectLst/>
-                <a:latin typeface="Hiragino Kaku Gothic ProN W3" panose="020B0300000000000000" pitchFamily="34" charset="-128"/>
-                <a:ea typeface="Hiragino Kaku Gothic ProN W3" panose="020B0300000000000000" pitchFamily="34" charset="-128"/>
-              </a:rPr>
-              <a:t>, </a:t>
-            </a:r>
-            <a:r>
-              <a:rPr lang="ja-JP" altLang="en-US" sz="1400" u="none" strike="noStrike">
-                <a:solidFill>
-                  <a:srgbClr val="666666"/>
-                </a:solidFill>
-                <a:effectLst/>
-                <a:latin typeface="Hiragino Kaku Gothic ProN W3" panose="020B0300000000000000" pitchFamily="34" charset="-128"/>
-                <a:ea typeface="Hiragino Kaku Gothic ProN W3" panose="020B0300000000000000" pitchFamily="34" charset="-128"/>
-              </a:rPr>
-              <a:t>肌色と似合うリップカラーの色彩調和に関する研究</a:t>
-            </a:r>
-            <a:r>
-              <a:rPr lang="en-US" altLang="ja-JP" sz="1400" u="none" strike="noStrike" dirty="0">
-                <a:solidFill>
-                  <a:srgbClr val="666666"/>
-                </a:solidFill>
-                <a:effectLst/>
-                <a:latin typeface="Hiragino Kaku Gothic ProN W3" panose="020B0300000000000000" pitchFamily="34" charset="-128"/>
-                <a:ea typeface="Hiragino Kaku Gothic ProN W3" panose="020B0300000000000000" pitchFamily="34" charset="-128"/>
-              </a:rPr>
-              <a:t>, </a:t>
-            </a:r>
-            <a:endParaRPr lang="ja-JP" altLang="en-US" sz="1400">
-              <a:effectLst/>
-              <a:latin typeface="Hiragino Kaku Gothic ProN W3" panose="020B0300000000000000" pitchFamily="34" charset="-128"/>
-              <a:ea typeface="Hiragino Kaku Gothic ProN W3" panose="020B0300000000000000" pitchFamily="34" charset="-128"/>
-            </a:endParaRPr>
-          </a:p>
-          <a:p>
-            <a:pPr marL="0" indent="0" algn="r" rtl="0">
-              <a:spcBef>
-                <a:spcPts val="0"/>
-              </a:spcBef>
-              <a:spcAft>
-                <a:spcPts val="0"/>
-              </a:spcAft>
-              <a:buNone/>
-            </a:pPr>
-            <a:r>
-              <a:rPr lang="ja-JP" altLang="en-US" sz="1400" u="none" strike="noStrike">
-                <a:solidFill>
-                  <a:srgbClr val="666666"/>
-                </a:solidFill>
-                <a:effectLst/>
-                <a:latin typeface="Hiragino Kaku Gothic ProN W3" panose="020B0300000000000000" pitchFamily="34" charset="-128"/>
-                <a:ea typeface="Hiragino Kaku Gothic ProN W3" panose="020B0300000000000000" pitchFamily="34" charset="-128"/>
-              </a:rPr>
-              <a:t>日本化粧品技術者会誌</a:t>
-            </a:r>
-            <a:r>
-              <a:rPr lang="en-US" altLang="ja-JP" sz="1400" u="none" strike="noStrike" dirty="0">
-                <a:solidFill>
-                  <a:srgbClr val="666666"/>
-                </a:solidFill>
-                <a:effectLst/>
-                <a:latin typeface="Hiragino Kaku Gothic ProN W3" panose="020B0300000000000000" pitchFamily="34" charset="-128"/>
-                <a:ea typeface="Hiragino Kaku Gothic ProN W3" panose="020B0300000000000000" pitchFamily="34" charset="-128"/>
-              </a:rPr>
-              <a:t>, 32</a:t>
-            </a:r>
-            <a:r>
-              <a:rPr lang="ja-JP" altLang="en-US" sz="1400" u="none" strike="noStrike">
-                <a:solidFill>
-                  <a:srgbClr val="666666"/>
-                </a:solidFill>
-                <a:effectLst/>
-                <a:latin typeface="Hiragino Kaku Gothic ProN W3" panose="020B0300000000000000" pitchFamily="34" charset="-128"/>
-                <a:ea typeface="Hiragino Kaku Gothic ProN W3" panose="020B0300000000000000" pitchFamily="34" charset="-128"/>
-              </a:rPr>
-              <a:t>巻</a:t>
-            </a:r>
-            <a:r>
-              <a:rPr lang="en-US" altLang="ja-JP" sz="1400" u="none" strike="noStrike" dirty="0">
-                <a:solidFill>
-                  <a:srgbClr val="666666"/>
-                </a:solidFill>
-                <a:effectLst/>
-                <a:latin typeface="Hiragino Kaku Gothic ProN W3" panose="020B0300000000000000" pitchFamily="34" charset="-128"/>
-                <a:ea typeface="Hiragino Kaku Gothic ProN W3" panose="020B0300000000000000" pitchFamily="34" charset="-128"/>
-              </a:rPr>
-              <a:t>2</a:t>
-            </a:r>
-            <a:r>
-              <a:rPr lang="ja-JP" altLang="en-US" sz="1400" u="none" strike="noStrike">
-                <a:solidFill>
-                  <a:srgbClr val="666666"/>
-                </a:solidFill>
-                <a:effectLst/>
-                <a:latin typeface="Hiragino Kaku Gothic ProN W3" panose="020B0300000000000000" pitchFamily="34" charset="-128"/>
-                <a:ea typeface="Hiragino Kaku Gothic ProN W3" panose="020B0300000000000000" pitchFamily="34" charset="-128"/>
-              </a:rPr>
-              <a:t>号</a:t>
-            </a:r>
-            <a:r>
-              <a:rPr lang="en-US" altLang="ja-JP" sz="1400" u="none" strike="noStrike" dirty="0">
-                <a:solidFill>
-                  <a:srgbClr val="666666"/>
-                </a:solidFill>
-                <a:effectLst/>
-                <a:latin typeface="Hiragino Kaku Gothic ProN W3" panose="020B0300000000000000" pitchFamily="34" charset="-128"/>
-                <a:ea typeface="Hiragino Kaku Gothic ProN W3" panose="020B0300000000000000" pitchFamily="34" charset="-128"/>
-              </a:rPr>
-              <a:t>, 1998</a:t>
-            </a:r>
-            <a:r>
-              <a:rPr lang="ja-JP" altLang="en-US" sz="1400" u="none" strike="noStrike">
-                <a:solidFill>
-                  <a:srgbClr val="666666"/>
-                </a:solidFill>
-                <a:effectLst/>
-                <a:latin typeface="Hiragino Kaku Gothic ProN W3" panose="020B0300000000000000" pitchFamily="34" charset="-128"/>
-                <a:ea typeface="Hiragino Kaku Gothic ProN W3" panose="020B0300000000000000" pitchFamily="34" charset="-128"/>
-              </a:rPr>
-              <a:t>年</a:t>
-            </a:r>
-            <a:r>
-              <a:rPr lang="en-US" altLang="ja-JP" sz="1400" u="none" strike="noStrike" dirty="0">
-                <a:solidFill>
-                  <a:srgbClr val="666666"/>
-                </a:solidFill>
-                <a:effectLst/>
-                <a:latin typeface="Hiragino Kaku Gothic ProN W3" panose="020B0300000000000000" pitchFamily="34" charset="-128"/>
-                <a:ea typeface="Hiragino Kaku Gothic ProN W3" panose="020B0300000000000000" pitchFamily="34" charset="-128"/>
-              </a:rPr>
-              <a:t>, </a:t>
-            </a:r>
-            <a:r>
-              <a:rPr lang="en" altLang="ja-JP" sz="1400" u="none" strike="noStrike" dirty="0">
-                <a:solidFill>
-                  <a:srgbClr val="666666"/>
-                </a:solidFill>
-                <a:effectLst/>
-                <a:latin typeface="Hiragino Kaku Gothic ProN W3" panose="020B0300000000000000" pitchFamily="34" charset="-128"/>
-                <a:ea typeface="Hiragino Kaku Gothic ProN W3" panose="020B0300000000000000" pitchFamily="34" charset="-128"/>
-              </a:rPr>
-              <a:t>P.170-177</a:t>
-            </a:r>
-            <a:endParaRPr lang="en" altLang="ja-JP" sz="1400" dirty="0">
-              <a:effectLst/>
-              <a:latin typeface="Hiragino Kaku Gothic ProN W3" panose="020B0300000000000000" pitchFamily="34" charset="-128"/>
-              <a:ea typeface="Hiragino Kaku Gothic ProN W3" panose="020B0300000000000000" pitchFamily="34" charset="-128"/>
-            </a:endParaRPr>
-          </a:p>
-        </p:txBody>
-      </p:sp>
-      <p:sp>
-        <p:nvSpPr>
-          <p:cNvPr id="6" name="タイトル 1">
-            <a:extLst>
-              <a:ext uri="{FF2B5EF4-FFF2-40B4-BE49-F238E27FC236}">
-                <a16:creationId xmlns:a16="http://schemas.microsoft.com/office/drawing/2014/main" id="{45A7B92C-AE3D-91D6-227C-099A94786625}"/>
-              </a:ext>
-            </a:extLst>
-          </p:cNvPr>
-          <p:cNvSpPr txBox="1">
-            <a:spLocks/>
-          </p:cNvSpPr>
-          <p:nvPr/>
-        </p:nvSpPr>
-        <p:spPr>
-          <a:xfrm>
-            <a:off x="252918" y="320508"/>
-            <a:ext cx="11757850" cy="771870"/>
-          </a:xfrm>
-          <a:prstGeom prst="rect">
-            <a:avLst/>
-          </a:prstGeom>
-        </p:spPr>
-        <p:txBody>
-          <a:bodyPr/>
-          <a:lstStyle>
-            <a:lvl1pPr algn="l" defTabSz="914400" rtl="0" eaLnBrk="1" latinLnBrk="0" hangingPunct="1">
-              <a:lnSpc>
-                <a:spcPct val="90000"/>
-              </a:lnSpc>
-              <a:spcBef>
-                <a:spcPct val="0"/>
-              </a:spcBef>
-              <a:buNone/>
-              <a:defRPr kumimoji="1" sz="3600" kern="1200" spc="-60" baseline="0">
-                <a:solidFill>
-                  <a:srgbClr val="FFFFFF"/>
-                </a:solidFill>
-                <a:latin typeface="+mj-lt"/>
-                <a:ea typeface="+mj-ea"/>
-                <a:cs typeface="+mj-cs"/>
-              </a:defRPr>
-            </a:lvl1pPr>
-          </a:lstStyle>
-          <a:p>
-            <a:r>
-              <a:rPr lang="ja-JP" altLang="en-US" sz="3000"/>
-              <a:t>関連研究① </a:t>
-            </a:r>
-            <a:r>
-              <a:rPr lang="en-US" altLang="ja-JP" sz="3000" dirty="0"/>
-              <a:t>『</a:t>
-            </a:r>
-            <a:r>
-              <a:rPr lang="ja-JP" altLang="en-US" sz="3000"/>
-              <a:t>肌色と似合うリップカラーの色彩調和に関する研究</a:t>
-            </a:r>
-            <a:r>
-              <a:rPr lang="en-US" altLang="ja-JP" sz="3000" dirty="0"/>
-              <a:t>』</a:t>
-            </a:r>
-            <a:endParaRPr lang="ja-JP" altLang="en-US" sz="3000"/>
-          </a:p>
-        </p:txBody>
-      </p:sp>
-    </p:spTree>
-    <p:extLst>
-      <p:ext uri="{BB962C8B-B14F-4D97-AF65-F5344CB8AC3E}">
-        <p14:creationId xmlns:p14="http://schemas.microsoft.com/office/powerpoint/2010/main" val="3708408085"/>
-      </p:ext>
-    </p:extLst>
-  </p:cSld>
-  <p:clrMapOvr>
-    <a:masterClrMapping/>
-  </p:clrMapOvr>
-</p:sld>
-</file>
-
-<file path=ppt/slides/slide5.xml><?xml version="1.0" encoding="utf-8"?>
-<p:sld xmlns:a="http://schemas.openxmlformats.org/drawingml/2006/main" xmlns:r="http://schemas.openxmlformats.org/officeDocument/2006/relationships" xmlns:p="http://schemas.openxmlformats.org/presentationml/2006/main">
-  <p:cSld>
-    <p:spTree>
-      <p:nvGrpSpPr>
-        <p:cNvPr id="1" name=""/>
-        <p:cNvGrpSpPr/>
-        <p:nvPr/>
-      </p:nvGrpSpPr>
-      <p:grpSpPr>
-        <a:xfrm>
-          <a:off x="0" y="0"/>
-          <a:ext cx="0" cy="0"/>
-          <a:chOff x="0" y="0"/>
-          <a:chExt cx="0" cy="0"/>
-        </a:xfrm>
-      </p:grpSpPr>
-      <p:sp>
-        <p:nvSpPr>
-          <p:cNvPr id="7" name="正方形/長方形 6">
-            <a:extLst>
-              <a:ext uri="{FF2B5EF4-FFF2-40B4-BE49-F238E27FC236}">
-                <a16:creationId xmlns:a16="http://schemas.microsoft.com/office/drawing/2014/main" id="{D98ECB46-E3D4-3A0B-1D69-28EB8A1887F1}"/>
-              </a:ext>
-            </a:extLst>
-          </p:cNvPr>
-          <p:cNvSpPr/>
-          <p:nvPr/>
-        </p:nvSpPr>
-        <p:spPr>
-          <a:xfrm>
-            <a:off x="0" y="-1"/>
-            <a:ext cx="12192000" cy="1077091"/>
-          </a:xfrm>
-          <a:prstGeom prst="rect">
-            <a:avLst/>
-          </a:prstGeom>
-          <a:ln>
-            <a:noFill/>
-          </a:ln>
-        </p:spPr>
-        <p:style>
-          <a:lnRef idx="2">
-            <a:schemeClr val="accent1">
-              <a:shade val="50000"/>
-            </a:schemeClr>
-          </a:lnRef>
-          <a:fillRef idx="1">
-            <a:schemeClr val="accent1"/>
-          </a:fillRef>
-          <a:effectRef idx="0">
-            <a:schemeClr val="accent1"/>
-          </a:effectRef>
-          <a:fontRef idx="minor">
-            <a:schemeClr val="lt1"/>
-          </a:fontRef>
-        </p:style>
-        <p:txBody>
-          <a:bodyPr rtlCol="0" anchor="ctr"/>
-          <a:lstStyle/>
-          <a:p>
-            <a:pPr algn="ctr"/>
-            <a:endParaRPr kumimoji="1" lang="ja-JP" altLang="en-US"/>
-          </a:p>
-        </p:txBody>
-      </p:sp>
-      <p:sp>
-        <p:nvSpPr>
-          <p:cNvPr id="5" name="コンテンツ プレースホルダー 2">
-            <a:extLst>
-              <a:ext uri="{FF2B5EF4-FFF2-40B4-BE49-F238E27FC236}">
-                <a16:creationId xmlns:a16="http://schemas.microsoft.com/office/drawing/2014/main" id="{B040927F-1E6A-C26C-3C46-978E4552B438}"/>
-              </a:ext>
-            </a:extLst>
-          </p:cNvPr>
-          <p:cNvSpPr txBox="1">
-            <a:spLocks/>
-          </p:cNvSpPr>
-          <p:nvPr/>
-        </p:nvSpPr>
-        <p:spPr>
-          <a:xfrm>
-            <a:off x="576043" y="1432140"/>
-            <a:ext cx="11039913" cy="5120640"/>
-          </a:xfrm>
-          <a:prstGeom prst="rect">
-            <a:avLst/>
-          </a:prstGeom>
-        </p:spPr>
-        <p:txBody>
-          <a:bodyPr/>
-          <a:lstStyle>
-            <a:lvl1pPr marL="182880" indent="-182880" algn="l" defTabSz="914400" rtl="0" eaLnBrk="1" latinLnBrk="0" hangingPunct="1">
-              <a:lnSpc>
-                <a:spcPct val="90000"/>
-              </a:lnSpc>
-              <a:spcBef>
-                <a:spcPts val="1200"/>
-              </a:spcBef>
-              <a:buClr>
-                <a:schemeClr val="accent1"/>
-              </a:buClr>
-              <a:buFont typeface="Wingdings 2" pitchFamily="18" charset="2"/>
-              <a:buChar char=""/>
-              <a:defRPr kumimoji="1" sz="2000" kern="1200">
-                <a:solidFill>
-                  <a:schemeClr val="tx1">
-                    <a:lumMod val="65000"/>
-                    <a:lumOff val="35000"/>
-                  </a:schemeClr>
-                </a:solidFill>
-                <a:latin typeface="+mn-lt"/>
-                <a:ea typeface="+mn-ea"/>
-                <a:cs typeface="+mn-cs"/>
-              </a:defRPr>
-            </a:lvl1pPr>
-            <a:lvl2pPr marL="685800" indent="-182880" algn="l" defTabSz="914400" rtl="0" eaLnBrk="1" latinLnBrk="0" hangingPunct="1">
-              <a:lnSpc>
-                <a:spcPct val="90000"/>
-              </a:lnSpc>
-              <a:spcBef>
-                <a:spcPts val="250"/>
-              </a:spcBef>
-              <a:spcAft>
-                <a:spcPts val="250"/>
-              </a:spcAft>
-              <a:buClr>
-                <a:schemeClr val="accent1"/>
-              </a:buClr>
-              <a:buFont typeface="Wingdings 2" pitchFamily="18" charset="2"/>
-              <a:buChar char=""/>
-              <a:defRPr kumimoji="1" sz="1800" kern="1200">
-                <a:solidFill>
-                  <a:schemeClr val="tx1">
-                    <a:lumMod val="65000"/>
-                    <a:lumOff val="35000"/>
-                  </a:schemeClr>
-                </a:solidFill>
-                <a:latin typeface="+mn-lt"/>
-                <a:ea typeface="+mn-ea"/>
-                <a:cs typeface="+mn-cs"/>
-              </a:defRPr>
-            </a:lvl2pPr>
-            <a:lvl3pPr marL="1143000" indent="-182880" algn="l" defTabSz="914400" rtl="0" eaLnBrk="1" latinLnBrk="0" hangingPunct="1">
-              <a:lnSpc>
-                <a:spcPct val="90000"/>
-              </a:lnSpc>
-              <a:spcBef>
-                <a:spcPts val="250"/>
-              </a:spcBef>
-              <a:spcAft>
-                <a:spcPts val="250"/>
-              </a:spcAft>
-              <a:buClr>
-                <a:schemeClr val="accent1"/>
-              </a:buClr>
-              <a:buFont typeface="Wingdings 2" pitchFamily="18" charset="2"/>
-              <a:buChar char=""/>
-              <a:defRPr kumimoji="1" sz="1600" kern="1200">
-                <a:solidFill>
-                  <a:schemeClr val="tx1">
-                    <a:lumMod val="65000"/>
-                    <a:lumOff val="35000"/>
-                  </a:schemeClr>
-                </a:solidFill>
-                <a:latin typeface="+mn-lt"/>
-                <a:ea typeface="+mn-ea"/>
-                <a:cs typeface="+mn-cs"/>
-              </a:defRPr>
-            </a:lvl3pPr>
-            <a:lvl4pPr marL="1600200" indent="-182880" algn="l" defTabSz="914400" rtl="0" eaLnBrk="1" latinLnBrk="0" hangingPunct="1">
-              <a:lnSpc>
-                <a:spcPct val="90000"/>
-              </a:lnSpc>
-              <a:spcBef>
-                <a:spcPts val="250"/>
-              </a:spcBef>
-              <a:spcAft>
-                <a:spcPts val="250"/>
-              </a:spcAft>
-              <a:buClr>
-                <a:schemeClr val="accent1"/>
-              </a:buClr>
-              <a:buFont typeface="Wingdings 2" pitchFamily="18" charset="2"/>
-              <a:buChar char=""/>
-              <a:defRPr kumimoji="1" sz="1400" kern="1200">
-                <a:solidFill>
-                  <a:schemeClr val="tx1">
-                    <a:lumMod val="65000"/>
-                    <a:lumOff val="35000"/>
-                  </a:schemeClr>
-                </a:solidFill>
-                <a:latin typeface="+mn-lt"/>
-                <a:ea typeface="+mn-ea"/>
-                <a:cs typeface="+mn-cs"/>
-              </a:defRPr>
-            </a:lvl4pPr>
-            <a:lvl5pPr marL="2057400" indent="-182880" algn="l" defTabSz="914400" rtl="0" eaLnBrk="1" latinLnBrk="0" hangingPunct="1">
-              <a:lnSpc>
-                <a:spcPct val="90000"/>
-              </a:lnSpc>
-              <a:spcBef>
-                <a:spcPts val="250"/>
-              </a:spcBef>
-              <a:spcAft>
-                <a:spcPts val="250"/>
-              </a:spcAft>
-              <a:buClr>
-                <a:schemeClr val="accent1"/>
-              </a:buClr>
-              <a:buFont typeface="Wingdings 2" pitchFamily="18" charset="2"/>
-              <a:buChar char=""/>
-              <a:defRPr kumimoji="1" sz="1400" kern="1200">
-                <a:solidFill>
-                  <a:schemeClr val="tx1">
-                    <a:lumMod val="65000"/>
-                    <a:lumOff val="35000"/>
-                  </a:schemeClr>
-                </a:solidFill>
-                <a:latin typeface="+mn-lt"/>
-                <a:ea typeface="+mn-ea"/>
-                <a:cs typeface="+mn-cs"/>
-              </a:defRPr>
-            </a:lvl5pPr>
-            <a:lvl6pPr marL="2514600" indent="-228600" algn="l" defTabSz="914400" rtl="0" eaLnBrk="1" latinLnBrk="0" hangingPunct="1">
-              <a:lnSpc>
-                <a:spcPct val="90000"/>
-              </a:lnSpc>
-              <a:spcBef>
-                <a:spcPts val="250"/>
-              </a:spcBef>
-              <a:spcAft>
-                <a:spcPts val="250"/>
-              </a:spcAft>
-              <a:buClr>
-                <a:schemeClr val="accent1"/>
-              </a:buClr>
-              <a:buFont typeface="Wingdings 2" pitchFamily="18" charset="2"/>
-              <a:buChar char=""/>
-              <a:defRPr kumimoji="1" sz="1400" kern="1200">
-                <a:solidFill>
-                  <a:schemeClr val="tx1">
-                    <a:lumMod val="65000"/>
-                    <a:lumOff val="35000"/>
-                  </a:schemeClr>
-                </a:solidFill>
-                <a:latin typeface="+mn-lt"/>
-                <a:ea typeface="+mn-ea"/>
-                <a:cs typeface="+mn-cs"/>
-              </a:defRPr>
-            </a:lvl6pPr>
-            <a:lvl7pPr marL="2971800" indent="-228600" algn="l" defTabSz="914400" rtl="0" eaLnBrk="1" latinLnBrk="0" hangingPunct="1">
-              <a:lnSpc>
-                <a:spcPct val="90000"/>
-              </a:lnSpc>
-              <a:spcBef>
-                <a:spcPts val="250"/>
-              </a:spcBef>
-              <a:spcAft>
-                <a:spcPts val="250"/>
-              </a:spcAft>
-              <a:buClr>
-                <a:schemeClr val="accent1"/>
-              </a:buClr>
-              <a:buFont typeface="Wingdings 2" pitchFamily="18" charset="2"/>
-              <a:buChar char=""/>
-              <a:defRPr kumimoji="1" sz="1400" kern="1200">
-                <a:solidFill>
-                  <a:schemeClr val="tx1">
-                    <a:lumMod val="65000"/>
-                    <a:lumOff val="35000"/>
-                  </a:schemeClr>
-                </a:solidFill>
-                <a:latin typeface="+mn-lt"/>
-                <a:ea typeface="+mn-ea"/>
-                <a:cs typeface="+mn-cs"/>
-              </a:defRPr>
-            </a:lvl7pPr>
-            <a:lvl8pPr marL="3429000" indent="-228600" algn="l" defTabSz="914400" rtl="0" eaLnBrk="1" latinLnBrk="0" hangingPunct="1">
-              <a:lnSpc>
-                <a:spcPct val="90000"/>
-              </a:lnSpc>
-              <a:spcBef>
-                <a:spcPts val="250"/>
-              </a:spcBef>
-              <a:spcAft>
-                <a:spcPts val="250"/>
-              </a:spcAft>
-              <a:buClr>
-                <a:schemeClr val="accent1"/>
-              </a:buClr>
-              <a:buFont typeface="Wingdings 2" pitchFamily="18" charset="2"/>
-              <a:buChar char=""/>
-              <a:defRPr kumimoji="1" sz="1400" kern="1200">
-                <a:solidFill>
-                  <a:schemeClr val="tx1">
-                    <a:lumMod val="65000"/>
-                    <a:lumOff val="35000"/>
-                  </a:schemeClr>
-                </a:solidFill>
-                <a:latin typeface="+mn-lt"/>
-                <a:ea typeface="+mn-ea"/>
-                <a:cs typeface="+mn-cs"/>
-              </a:defRPr>
-            </a:lvl8pPr>
-            <a:lvl9pPr marL="3886200" indent="-228600" algn="l" defTabSz="914400" rtl="0" eaLnBrk="1" latinLnBrk="0" hangingPunct="1">
-              <a:lnSpc>
-                <a:spcPct val="90000"/>
-              </a:lnSpc>
-              <a:spcBef>
-                <a:spcPts val="250"/>
-              </a:spcBef>
-              <a:spcAft>
-                <a:spcPts val="250"/>
-              </a:spcAft>
-              <a:buClr>
-                <a:schemeClr val="accent1"/>
-              </a:buClr>
-              <a:buFont typeface="Wingdings 2" pitchFamily="18" charset="2"/>
-              <a:buChar char=""/>
-              <a:defRPr kumimoji="1" sz="1400" kern="1200">
-                <a:solidFill>
-                  <a:schemeClr val="tx1">
-                    <a:lumMod val="65000"/>
-                    <a:lumOff val="35000"/>
-                  </a:schemeClr>
-                </a:solidFill>
-                <a:latin typeface="+mn-lt"/>
-                <a:ea typeface="+mn-ea"/>
-                <a:cs typeface="+mn-cs"/>
-              </a:defRPr>
-            </a:lvl9pPr>
-          </a:lstStyle>
-          <a:p>
-            <a:pPr fontAlgn="base"/>
-            <a:r>
-              <a:rPr lang="ja-JP" altLang="en-US">
-                <a:latin typeface="Hiragino Kaku Gothic ProN W3" panose="020B0300000000000000" pitchFamily="34" charset="-128"/>
-                <a:ea typeface="Hiragino Kaku Gothic ProN W3" panose="020B0300000000000000" pitchFamily="34" charset="-128"/>
-              </a:rPr>
-              <a:t>顔の形状特徴とヘアスタイルの関係を機械学習モデルに学習させることにより、システム利用者の顔に最も似合うヘアスタイルを提案</a:t>
-            </a:r>
-            <a:endParaRPr lang="en-US" altLang="ja-JP" dirty="0">
-              <a:latin typeface="Hiragino Kaku Gothic ProN W3" panose="020B0300000000000000" pitchFamily="34" charset="-128"/>
-              <a:ea typeface="Hiragino Kaku Gothic ProN W3" panose="020B0300000000000000" pitchFamily="34" charset="-128"/>
-            </a:endParaRPr>
-          </a:p>
-          <a:p>
-            <a:pPr marL="0" indent="0" fontAlgn="base">
-              <a:buNone/>
-            </a:pPr>
+            <a:pPr lvl="1" fontAlgn="base"/>
+            <a:r>
+              <a:rPr lang="ja-JP" altLang="en-US" sz="2000">
+                <a:latin typeface="Hiragino Kaku Gothic ProN W3" panose="020B0300000000000000" pitchFamily="34" charset="-128"/>
+                <a:ea typeface="Hiragino Kaku Gothic ProN W3" panose="020B0300000000000000" pitchFamily="34" charset="-128"/>
+              </a:rPr>
+              <a:t>自分が現在使用しているリップカラーと近い色が提示されれば、不安の解消になる</a:t>
+            </a:r>
+          </a:p>
+          <a:p>
             <a:endParaRPr lang="ja-JP" altLang="en-US">
               <a:latin typeface="Hiragino Kaku Gothic ProN W3" panose="020B0300000000000000" pitchFamily="34" charset="-128"/>
               <a:ea typeface="Hiragino Kaku Gothic ProN W3" panose="020B0300000000000000" pitchFamily="34" charset="-128"/>
             </a:endParaRPr>
-          </a:p>
-          <a:p>
-            <a:pPr fontAlgn="base"/>
-            <a:r>
-              <a:rPr lang="ja-JP" altLang="en-US">
-                <a:latin typeface="Hiragino Kaku Gothic ProN W3" panose="020B0300000000000000" pitchFamily="34" charset="-128"/>
-                <a:ea typeface="Hiragino Kaku Gothic ProN W3" panose="020B0300000000000000" pitchFamily="34" charset="-128"/>
-              </a:rPr>
-              <a:t>注目した点</a:t>
-            </a:r>
-            <a:r>
-              <a:rPr lang="en-US" altLang="ja-JP" dirty="0">
-                <a:latin typeface="Hiragino Kaku Gothic ProN W3" panose="020B0300000000000000" pitchFamily="34" charset="-128"/>
-                <a:ea typeface="Hiragino Kaku Gothic ProN W3" panose="020B0300000000000000" pitchFamily="34" charset="-128"/>
-              </a:rPr>
-              <a:t>→</a:t>
-            </a:r>
-            <a:r>
-              <a:rPr lang="ja-JP" altLang="en-US">
-                <a:latin typeface="Hiragino Kaku Gothic ProN W3" panose="020B0300000000000000" pitchFamily="34" charset="-128"/>
-                <a:ea typeface="Hiragino Kaku Gothic ProN W3" panose="020B0300000000000000" pitchFamily="34" charset="-128"/>
-              </a:rPr>
-              <a:t>「似合う」の定義</a:t>
-            </a:r>
-            <a:endParaRPr lang="en-US" altLang="ja-JP" dirty="0">
-              <a:latin typeface="Hiragino Kaku Gothic ProN W3" panose="020B0300000000000000" pitchFamily="34" charset="-128"/>
-              <a:ea typeface="Hiragino Kaku Gothic ProN W3" panose="020B0300000000000000" pitchFamily="34" charset="-128"/>
-            </a:endParaRPr>
-          </a:p>
-          <a:p>
-            <a:pPr fontAlgn="base"/>
-            <a:r>
-              <a:rPr lang="ja-JP" altLang="en-US">
-                <a:latin typeface="Hiragino Kaku Gothic ProN W3" panose="020B0300000000000000" pitchFamily="34" charset="-128"/>
-                <a:ea typeface="Hiragino Kaku Gothic ProN W3" panose="020B0300000000000000" pitchFamily="34" charset="-128"/>
-              </a:rPr>
-              <a:t>ヘアスタイルの成功例の定義＝ヘアカタログに載っているようなプロのヘアスタイリストが提案する髪型</a:t>
-            </a:r>
-            <a:endParaRPr lang="en-US" altLang="ja-JP" dirty="0">
-              <a:latin typeface="Hiragino Kaku Gothic ProN W3" panose="020B0300000000000000" pitchFamily="34" charset="-128"/>
-              <a:ea typeface="Hiragino Kaku Gothic ProN W3" panose="020B0300000000000000" pitchFamily="34" charset="-128"/>
-            </a:endParaRPr>
-          </a:p>
-          <a:p>
-            <a:pPr lvl="1" fontAlgn="base"/>
-            <a:r>
-              <a:rPr lang="ja-JP" altLang="en-US" sz="2000">
-                <a:latin typeface="Hiragino Kaku Gothic ProN W3" panose="020B0300000000000000" pitchFamily="34" charset="-128"/>
-                <a:ea typeface="Hiragino Kaku Gothic ProN W3" panose="020B0300000000000000" pitchFamily="34" charset="-128"/>
-              </a:rPr>
-              <a:t>機械学習の教師データとして、ヘアカタログの写真を使用</a:t>
-            </a:r>
-          </a:p>
-          <a:p>
-            <a:pPr lvl="1" fontAlgn="base"/>
-            <a:r>
-              <a:rPr lang="ja-JP" altLang="en-US" sz="2000">
-                <a:latin typeface="Hiragino Kaku Gothic ProN W3" panose="020B0300000000000000" pitchFamily="34" charset="-128"/>
-                <a:ea typeface="Hiragino Kaku Gothic ProN W3" panose="020B0300000000000000" pitchFamily="34" charset="-128"/>
-              </a:rPr>
-              <a:t>これを参考に、今回は美容情報サイトに載っているプロのメイクアップアーティストが行ったメイクアップを成功例と定義し、機械学習の教師データとした（詳細は後述）</a:t>
-            </a:r>
-            <a:endParaRPr lang="en-US" altLang="ja-JP" sz="2000" dirty="0">
-              <a:latin typeface="Hiragino Kaku Gothic ProN W3" panose="020B0300000000000000" pitchFamily="34" charset="-128"/>
-              <a:ea typeface="Hiragino Kaku Gothic ProN W3" panose="020B0300000000000000" pitchFamily="34" charset="-128"/>
-            </a:endParaRPr>
-          </a:p>
-          <a:p>
-            <a:pPr lvl="1" fontAlgn="base"/>
-            <a:endParaRPr lang="en-US" altLang="ja-JP" sz="2000" dirty="0">
-              <a:latin typeface="Hiragino Kaku Gothic ProN W3" panose="020B0300000000000000" pitchFamily="34" charset="-128"/>
-              <a:ea typeface="Hiragino Kaku Gothic ProN W3" panose="020B0300000000000000" pitchFamily="34" charset="-128"/>
-            </a:endParaRPr>
-          </a:p>
-          <a:p>
-            <a:pPr lvl="1" fontAlgn="base"/>
-            <a:endParaRPr lang="en-US" altLang="ja-JP" sz="2000" dirty="0">
-              <a:latin typeface="Hiragino Kaku Gothic ProN W3" panose="020B0300000000000000" pitchFamily="34" charset="-128"/>
-              <a:ea typeface="Hiragino Kaku Gothic ProN W3" panose="020B0300000000000000" pitchFamily="34" charset="-128"/>
-            </a:endParaRPr>
-          </a:p>
-          <a:p>
-            <a:pPr lvl="1" fontAlgn="base"/>
-            <a:endParaRPr lang="en-US" altLang="ja-JP" sz="2000" dirty="0">
-              <a:latin typeface="Hiragino Kaku Gothic ProN W3" panose="020B0300000000000000" pitchFamily="34" charset="-128"/>
-              <a:ea typeface="Hiragino Kaku Gothic ProN W3" panose="020B0300000000000000" pitchFamily="34" charset="-128"/>
-            </a:endParaRPr>
-          </a:p>
-          <a:p>
-            <a:pPr lvl="1" fontAlgn="base"/>
-            <a:endParaRPr lang="ja-JP" altLang="en-US" sz="2000">
-              <a:latin typeface="Hiragino Kaku Gothic ProN W3" panose="020B0300000000000000" pitchFamily="34" charset="-128"/>
-              <a:ea typeface="Hiragino Kaku Gothic ProN W3" panose="020B0300000000000000" pitchFamily="34" charset="-128"/>
-            </a:endParaRPr>
-          </a:p>
-          <a:p>
-            <a:pPr fontAlgn="base"/>
-            <a:endParaRPr lang="en-US" altLang="ja-JP" dirty="0">
-              <a:latin typeface="Hiragino Kaku Gothic ProN W3" panose="020B0300000000000000" pitchFamily="34" charset="-128"/>
-              <a:ea typeface="Hiragino Kaku Gothic ProN W3" panose="020B0300000000000000" pitchFamily="34" charset="-128"/>
-            </a:endParaRPr>
-          </a:p>
-          <a:p>
-            <a:pPr marL="0" indent="0" fontAlgn="base">
-              <a:buNone/>
-            </a:pPr>
-            <a:endParaRPr lang="en-US" altLang="ja-JP" dirty="0">
-              <a:latin typeface="Hiragino Kaku Gothic ProN W3" panose="020B0300000000000000" pitchFamily="34" charset="-128"/>
-              <a:ea typeface="Hiragino Kaku Gothic ProN W3" panose="020B0300000000000000" pitchFamily="34" charset="-128"/>
-            </a:endParaRPr>
-          </a:p>
-          <a:p>
-            <a:pPr marL="0" indent="0" algn="r" rtl="0">
-              <a:spcBef>
-                <a:spcPts val="0"/>
-              </a:spcBef>
-              <a:spcAft>
-                <a:spcPts val="0"/>
-              </a:spcAft>
-              <a:buNone/>
-            </a:pPr>
-            <a:r>
-              <a:rPr lang="ja-JP" altLang="en-US" sz="1400" u="none" strike="noStrike">
-                <a:solidFill>
-                  <a:srgbClr val="666666"/>
-                </a:solidFill>
-                <a:effectLst/>
-                <a:latin typeface="Hiragino Kaku Gothic ProN W3" panose="020B0300000000000000" pitchFamily="34" charset="-128"/>
-                <a:ea typeface="Hiragino Kaku Gothic ProN W3" panose="020B0300000000000000" pitchFamily="34" charset="-128"/>
-              </a:rPr>
-              <a:t>渡辺 眞子</a:t>
-            </a:r>
-            <a:r>
-              <a:rPr lang="en-US" altLang="ja-JP" sz="1400" u="none" strike="noStrike" dirty="0">
-                <a:solidFill>
-                  <a:srgbClr val="666666"/>
-                </a:solidFill>
-                <a:effectLst/>
-                <a:latin typeface="Hiragino Kaku Gothic ProN W3" panose="020B0300000000000000" pitchFamily="34" charset="-128"/>
-                <a:ea typeface="Hiragino Kaku Gothic ProN W3" panose="020B0300000000000000" pitchFamily="34" charset="-128"/>
-              </a:rPr>
-              <a:t>, </a:t>
-            </a:r>
-            <a:r>
-              <a:rPr lang="en" altLang="ja-JP" sz="1400" u="none" strike="noStrike" dirty="0">
-                <a:solidFill>
-                  <a:srgbClr val="666666"/>
-                </a:solidFill>
-                <a:effectLst/>
-                <a:latin typeface="Hiragino Kaku Gothic ProN W3" panose="020B0300000000000000" pitchFamily="34" charset="-128"/>
-                <a:ea typeface="Hiragino Kaku Gothic ProN W3" panose="020B0300000000000000" pitchFamily="34" charset="-128"/>
-              </a:rPr>
-              <a:t>YANG Wei, MAO </a:t>
-            </a:r>
-            <a:r>
-              <a:rPr lang="en" altLang="ja-JP" sz="1400" u="none" strike="noStrike" dirty="0" err="1">
-                <a:solidFill>
-                  <a:srgbClr val="666666"/>
-                </a:solidFill>
-                <a:effectLst/>
-                <a:latin typeface="Hiragino Kaku Gothic ProN W3" panose="020B0300000000000000" pitchFamily="34" charset="-128"/>
-                <a:ea typeface="Hiragino Kaku Gothic ProN W3" panose="020B0300000000000000" pitchFamily="34" charset="-128"/>
-              </a:rPr>
-              <a:t>Xiaoyang</a:t>
-            </a:r>
-            <a:r>
-              <a:rPr lang="en" altLang="ja-JP" sz="1400" u="none" strike="noStrike" dirty="0">
-                <a:solidFill>
-                  <a:srgbClr val="666666"/>
-                </a:solidFill>
-                <a:effectLst/>
-                <a:latin typeface="Hiragino Kaku Gothic ProN W3" panose="020B0300000000000000" pitchFamily="34" charset="-128"/>
-                <a:ea typeface="Hiragino Kaku Gothic ProN W3" panose="020B0300000000000000" pitchFamily="34" charset="-128"/>
-              </a:rPr>
-              <a:t>, </a:t>
-            </a:r>
-            <a:r>
-              <a:rPr lang="ja-JP" altLang="en-US" sz="1400" u="none" strike="noStrike">
-                <a:solidFill>
-                  <a:srgbClr val="666666"/>
-                </a:solidFill>
-                <a:effectLst/>
-                <a:latin typeface="Hiragino Kaku Gothic ProN W3" panose="020B0300000000000000" pitchFamily="34" charset="-128"/>
-                <a:ea typeface="Hiragino Kaku Gothic ProN W3" panose="020B0300000000000000" pitchFamily="34" charset="-128"/>
-              </a:rPr>
-              <a:t>豊浦正広</a:t>
-            </a:r>
-            <a:r>
-              <a:rPr lang="en-US" altLang="ja-JP" sz="1400" u="none" strike="noStrike" dirty="0">
-                <a:solidFill>
-                  <a:srgbClr val="666666"/>
-                </a:solidFill>
-                <a:effectLst/>
-                <a:latin typeface="Hiragino Kaku Gothic ProN W3" panose="020B0300000000000000" pitchFamily="34" charset="-128"/>
-                <a:ea typeface="Hiragino Kaku Gothic ProN W3" panose="020B0300000000000000" pitchFamily="34" charset="-128"/>
-              </a:rPr>
-              <a:t>, </a:t>
-            </a:r>
-            <a:r>
-              <a:rPr lang="ja-JP" altLang="en-US" sz="1400" u="none" strike="noStrike">
-                <a:solidFill>
-                  <a:srgbClr val="666666"/>
-                </a:solidFill>
-                <a:effectLst/>
-                <a:latin typeface="Hiragino Kaku Gothic ProN W3" panose="020B0300000000000000" pitchFamily="34" charset="-128"/>
-                <a:ea typeface="Hiragino Kaku Gothic ProN W3" panose="020B0300000000000000" pitchFamily="34" charset="-128"/>
-              </a:rPr>
-              <a:t>例に基づくヘアスタイルアドバイザ</a:t>
-            </a:r>
-            <a:r>
-              <a:rPr lang="en-US" altLang="ja-JP" sz="1400" u="none" strike="noStrike" dirty="0">
-                <a:solidFill>
-                  <a:srgbClr val="666666"/>
-                </a:solidFill>
-                <a:effectLst/>
-                <a:latin typeface="Hiragino Kaku Gothic ProN W3" panose="020B0300000000000000" pitchFamily="34" charset="-128"/>
-                <a:ea typeface="Hiragino Kaku Gothic ProN W3" panose="020B0300000000000000" pitchFamily="34" charset="-128"/>
-              </a:rPr>
-              <a:t>, </a:t>
-            </a:r>
-            <a:r>
-              <a:rPr lang="ja-JP" altLang="en-US" sz="1400" u="none" strike="noStrike">
-                <a:solidFill>
-                  <a:srgbClr val="666666"/>
-                </a:solidFill>
-                <a:effectLst/>
-                <a:latin typeface="Hiragino Kaku Gothic ProN W3" panose="020B0300000000000000" pitchFamily="34" charset="-128"/>
-                <a:ea typeface="Hiragino Kaku Gothic ProN W3" panose="020B0300000000000000" pitchFamily="34" charset="-128"/>
-              </a:rPr>
-              <a:t>芸術科学会論文誌</a:t>
-            </a:r>
-            <a:r>
-              <a:rPr lang="en-US" altLang="ja-JP" sz="1400" u="none" strike="noStrike" dirty="0">
-                <a:solidFill>
-                  <a:srgbClr val="666666"/>
-                </a:solidFill>
-                <a:effectLst/>
-                <a:latin typeface="Hiragino Kaku Gothic ProN W3" panose="020B0300000000000000" pitchFamily="34" charset="-128"/>
-                <a:ea typeface="Hiragino Kaku Gothic ProN W3" panose="020B0300000000000000" pitchFamily="34" charset="-128"/>
-              </a:rPr>
-              <a:t>, 2010</a:t>
-            </a:r>
-            <a:r>
-              <a:rPr lang="ja-JP" altLang="en-US" sz="1400" u="none" strike="noStrike">
-                <a:solidFill>
-                  <a:srgbClr val="666666"/>
-                </a:solidFill>
-                <a:effectLst/>
-                <a:latin typeface="Hiragino Kaku Gothic ProN W3" panose="020B0300000000000000" pitchFamily="34" charset="-128"/>
-                <a:ea typeface="Hiragino Kaku Gothic ProN W3" panose="020B0300000000000000" pitchFamily="34" charset="-128"/>
-              </a:rPr>
-              <a:t>年</a:t>
-            </a:r>
-            <a:r>
-              <a:rPr lang="en-US" altLang="ja-JP" sz="1400" u="none" strike="noStrike" dirty="0">
-                <a:solidFill>
-                  <a:srgbClr val="666666"/>
-                </a:solidFill>
-                <a:effectLst/>
-                <a:latin typeface="Hiragino Kaku Gothic ProN W3" panose="020B0300000000000000" pitchFamily="34" charset="-128"/>
-                <a:ea typeface="Hiragino Kaku Gothic ProN W3" panose="020B0300000000000000" pitchFamily="34" charset="-128"/>
-              </a:rPr>
-              <a:t>6</a:t>
-            </a:r>
-            <a:r>
-              <a:rPr lang="ja-JP" altLang="en-US" sz="1400" u="none" strike="noStrike">
-                <a:solidFill>
-                  <a:srgbClr val="666666"/>
-                </a:solidFill>
-                <a:effectLst/>
-                <a:latin typeface="Hiragino Kaku Gothic ProN W3" panose="020B0300000000000000" pitchFamily="34" charset="-128"/>
-                <a:ea typeface="Hiragino Kaku Gothic ProN W3" panose="020B0300000000000000" pitchFamily="34" charset="-128"/>
-              </a:rPr>
-              <a:t>月</a:t>
-            </a:r>
-            <a:r>
-              <a:rPr lang="en-US" altLang="ja-JP" sz="1400" u="none" strike="noStrike" dirty="0">
-                <a:solidFill>
-                  <a:srgbClr val="666666"/>
-                </a:solidFill>
-                <a:effectLst/>
-                <a:latin typeface="Hiragino Kaku Gothic ProN W3" panose="020B0300000000000000" pitchFamily="34" charset="-128"/>
-                <a:ea typeface="Hiragino Kaku Gothic ProN W3" panose="020B0300000000000000" pitchFamily="34" charset="-128"/>
-              </a:rPr>
-              <a:t>, </a:t>
-            </a:r>
-            <a:r>
-              <a:rPr lang="en" altLang="ja-JP" sz="1400" u="none" strike="noStrike" dirty="0">
-                <a:solidFill>
-                  <a:srgbClr val="666666"/>
-                </a:solidFill>
-                <a:effectLst/>
-                <a:latin typeface="Hiragino Kaku Gothic ProN W3" panose="020B0300000000000000" pitchFamily="34" charset="-128"/>
-                <a:ea typeface="Hiragino Kaku Gothic ProN W3" panose="020B0300000000000000" pitchFamily="34" charset="-128"/>
-              </a:rPr>
-              <a:t>P.195-204</a:t>
-            </a:r>
-            <a:endParaRPr lang="en" altLang="ja-JP" sz="1400" dirty="0">
-              <a:effectLst/>
-              <a:latin typeface="Hiragino Kaku Gothic ProN W3" panose="020B0300000000000000" pitchFamily="34" charset="-128"/>
-              <a:ea typeface="Hiragino Kaku Gothic ProN W3" panose="020B0300000000000000" pitchFamily="34" charset="-128"/>
-            </a:endParaRPr>
-          </a:p>
-        </p:txBody>
-      </p:sp>
-      <p:sp>
-        <p:nvSpPr>
-          <p:cNvPr id="6" name="タイトル 1">
-            <a:extLst>
-              <a:ext uri="{FF2B5EF4-FFF2-40B4-BE49-F238E27FC236}">
-                <a16:creationId xmlns:a16="http://schemas.microsoft.com/office/drawing/2014/main" id="{45A7B92C-AE3D-91D6-227C-099A94786625}"/>
-              </a:ext>
-            </a:extLst>
-          </p:cNvPr>
-          <p:cNvSpPr txBox="1">
-            <a:spLocks/>
-          </p:cNvSpPr>
-          <p:nvPr/>
-        </p:nvSpPr>
-        <p:spPr>
-          <a:xfrm>
-            <a:off x="252918" y="320508"/>
-            <a:ext cx="11757850" cy="771870"/>
-          </a:xfrm>
-          <a:prstGeom prst="rect">
-            <a:avLst/>
-          </a:prstGeom>
-        </p:spPr>
-        <p:txBody>
-          <a:bodyPr/>
-          <a:lstStyle>
-            <a:lvl1pPr algn="l" defTabSz="914400" rtl="0" eaLnBrk="1" latinLnBrk="0" hangingPunct="1">
-              <a:lnSpc>
-                <a:spcPct val="90000"/>
-              </a:lnSpc>
-              <a:spcBef>
-                <a:spcPct val="0"/>
-              </a:spcBef>
-              <a:buNone/>
-              <a:defRPr kumimoji="1" sz="3600" kern="1200" spc="-60" baseline="0">
-                <a:solidFill>
-                  <a:srgbClr val="FFFFFF"/>
-                </a:solidFill>
-                <a:latin typeface="+mj-lt"/>
-                <a:ea typeface="+mj-ea"/>
-                <a:cs typeface="+mj-cs"/>
-              </a:defRPr>
-            </a:lvl1pPr>
-          </a:lstStyle>
-          <a:p>
-            <a:r>
-              <a:rPr lang="ja-JP" altLang="en-US" sz="3000"/>
-              <a:t>関連研究</a:t>
-            </a:r>
-            <a:r>
-              <a:rPr lang="en-US" altLang="ja-JP" sz="3000" dirty="0"/>
-              <a:t>②</a:t>
-            </a:r>
-            <a:r>
-              <a:rPr lang="ja-JP" altLang="en-US" sz="3000"/>
-              <a:t> </a:t>
-            </a:r>
-            <a:r>
-              <a:rPr lang="en-US" altLang="ja-JP" sz="3000" dirty="0"/>
-              <a:t>『</a:t>
-            </a:r>
-            <a:r>
-              <a:rPr lang="ja-JP" altLang="en-US" sz="3000"/>
-              <a:t>例に基づくヘアスタイルアドバイザ</a:t>
-            </a:r>
-            <a:r>
-              <a:rPr lang="en-US" altLang="ja-JP" sz="3000" dirty="0"/>
-              <a:t>』</a:t>
-            </a:r>
-            <a:endParaRPr lang="ja-JP" altLang="en-US" sz="3000"/>
-          </a:p>
-        </p:txBody>
-      </p:sp>
-    </p:spTree>
-    <p:extLst>
-      <p:ext uri="{BB962C8B-B14F-4D97-AF65-F5344CB8AC3E}">
-        <p14:creationId xmlns:p14="http://schemas.microsoft.com/office/powerpoint/2010/main" val="4270228438"/>
-      </p:ext>
-    </p:extLst>
-  </p:cSld>
-  <p:clrMapOvr>
-    <a:masterClrMapping/>
-  </p:clrMapOvr>
-</p:sld>
-</file>
-
-<file path=ppt/slides/slide6.xml><?xml version="1.0" encoding="utf-8"?>
-<p:sld xmlns:a="http://schemas.openxmlformats.org/drawingml/2006/main" xmlns:r="http://schemas.openxmlformats.org/officeDocument/2006/relationships" xmlns:p="http://schemas.openxmlformats.org/presentationml/2006/main">
-  <p:cSld>
-    <p:spTree>
-      <p:nvGrpSpPr>
-        <p:cNvPr id="1" name=""/>
-        <p:cNvGrpSpPr/>
-        <p:nvPr/>
-      </p:nvGrpSpPr>
-      <p:grpSpPr>
-        <a:xfrm>
-          <a:off x="0" y="0"/>
-          <a:ext cx="0" cy="0"/>
-          <a:chOff x="0" y="0"/>
-          <a:chExt cx="0" cy="0"/>
-        </a:xfrm>
-      </p:grpSpPr>
-      <p:sp>
-        <p:nvSpPr>
-          <p:cNvPr id="7" name="正方形/長方形 6">
-            <a:extLst>
-              <a:ext uri="{FF2B5EF4-FFF2-40B4-BE49-F238E27FC236}">
-                <a16:creationId xmlns:a16="http://schemas.microsoft.com/office/drawing/2014/main" id="{D98ECB46-E3D4-3A0B-1D69-28EB8A1887F1}"/>
-              </a:ext>
-            </a:extLst>
-          </p:cNvPr>
-          <p:cNvSpPr/>
-          <p:nvPr/>
-        </p:nvSpPr>
-        <p:spPr>
-          <a:xfrm>
-            <a:off x="0" y="-1"/>
-            <a:ext cx="12192000" cy="1077091"/>
-          </a:xfrm>
-          <a:prstGeom prst="rect">
-            <a:avLst/>
-          </a:prstGeom>
-          <a:ln>
-            <a:noFill/>
-          </a:ln>
-        </p:spPr>
-        <p:style>
-          <a:lnRef idx="2">
-            <a:schemeClr val="accent1">
-              <a:shade val="50000"/>
-            </a:schemeClr>
-          </a:lnRef>
-          <a:fillRef idx="1">
-            <a:schemeClr val="accent1"/>
-          </a:fillRef>
-          <a:effectRef idx="0">
-            <a:schemeClr val="accent1"/>
-          </a:effectRef>
-          <a:fontRef idx="minor">
-            <a:schemeClr val="lt1"/>
-          </a:fontRef>
-        </p:style>
-        <p:txBody>
-          <a:bodyPr rtlCol="0" anchor="ctr"/>
-          <a:lstStyle/>
-          <a:p>
-            <a:pPr algn="ctr"/>
-            <a:endParaRPr kumimoji="1" lang="ja-JP" altLang="en-US"/>
-          </a:p>
-        </p:txBody>
-      </p:sp>
-      <p:sp>
-        <p:nvSpPr>
-          <p:cNvPr id="5" name="コンテンツ プレースホルダー 2">
-            <a:extLst>
-              <a:ext uri="{FF2B5EF4-FFF2-40B4-BE49-F238E27FC236}">
-                <a16:creationId xmlns:a16="http://schemas.microsoft.com/office/drawing/2014/main" id="{B040927F-1E6A-C26C-3C46-978E4552B438}"/>
-              </a:ext>
-            </a:extLst>
-          </p:cNvPr>
-          <p:cNvSpPr txBox="1">
-            <a:spLocks/>
-          </p:cNvSpPr>
-          <p:nvPr/>
-        </p:nvSpPr>
-        <p:spPr>
-          <a:xfrm>
-            <a:off x="576043" y="1432140"/>
-            <a:ext cx="11039913" cy="686592"/>
-          </a:xfrm>
-          <a:prstGeom prst="rect">
-            <a:avLst/>
-          </a:prstGeom>
-        </p:spPr>
-        <p:txBody>
-          <a:bodyPr/>
-          <a:lstStyle>
-            <a:lvl1pPr marL="182880" indent="-182880" algn="l" defTabSz="914400" rtl="0" eaLnBrk="1" latinLnBrk="0" hangingPunct="1">
-              <a:lnSpc>
-                <a:spcPct val="90000"/>
-              </a:lnSpc>
-              <a:spcBef>
-                <a:spcPts val="1200"/>
-              </a:spcBef>
-              <a:buClr>
-                <a:schemeClr val="accent1"/>
-              </a:buClr>
-              <a:buFont typeface="Wingdings 2" pitchFamily="18" charset="2"/>
-              <a:buChar char=""/>
-              <a:defRPr kumimoji="1" sz="2000" kern="1200">
-                <a:solidFill>
-                  <a:schemeClr val="tx1">
-                    <a:lumMod val="65000"/>
-                    <a:lumOff val="35000"/>
-                  </a:schemeClr>
-                </a:solidFill>
-                <a:latin typeface="+mn-lt"/>
-                <a:ea typeface="+mn-ea"/>
-                <a:cs typeface="+mn-cs"/>
-              </a:defRPr>
-            </a:lvl1pPr>
-            <a:lvl2pPr marL="685800" indent="-182880" algn="l" defTabSz="914400" rtl="0" eaLnBrk="1" latinLnBrk="0" hangingPunct="1">
-              <a:lnSpc>
-                <a:spcPct val="90000"/>
-              </a:lnSpc>
-              <a:spcBef>
-                <a:spcPts val="250"/>
-              </a:spcBef>
-              <a:spcAft>
-                <a:spcPts val="250"/>
-              </a:spcAft>
-              <a:buClr>
-                <a:schemeClr val="accent1"/>
-              </a:buClr>
-              <a:buFont typeface="Wingdings 2" pitchFamily="18" charset="2"/>
-              <a:buChar char=""/>
-              <a:defRPr kumimoji="1" sz="1800" kern="1200">
-                <a:solidFill>
-                  <a:schemeClr val="tx1">
-                    <a:lumMod val="65000"/>
-                    <a:lumOff val="35000"/>
-                  </a:schemeClr>
-                </a:solidFill>
-                <a:latin typeface="+mn-lt"/>
-                <a:ea typeface="+mn-ea"/>
-                <a:cs typeface="+mn-cs"/>
-              </a:defRPr>
-            </a:lvl2pPr>
-            <a:lvl3pPr marL="1143000" indent="-182880" algn="l" defTabSz="914400" rtl="0" eaLnBrk="1" latinLnBrk="0" hangingPunct="1">
-              <a:lnSpc>
-                <a:spcPct val="90000"/>
-              </a:lnSpc>
-              <a:spcBef>
-                <a:spcPts val="250"/>
-              </a:spcBef>
-              <a:spcAft>
-                <a:spcPts val="250"/>
-              </a:spcAft>
-              <a:buClr>
-                <a:schemeClr val="accent1"/>
-              </a:buClr>
-              <a:buFont typeface="Wingdings 2" pitchFamily="18" charset="2"/>
-              <a:buChar char=""/>
-              <a:defRPr kumimoji="1" sz="1600" kern="1200">
-                <a:solidFill>
-                  <a:schemeClr val="tx1">
-                    <a:lumMod val="65000"/>
-                    <a:lumOff val="35000"/>
-                  </a:schemeClr>
-                </a:solidFill>
-                <a:latin typeface="+mn-lt"/>
-                <a:ea typeface="+mn-ea"/>
-                <a:cs typeface="+mn-cs"/>
-              </a:defRPr>
-            </a:lvl3pPr>
-            <a:lvl4pPr marL="1600200" indent="-182880" algn="l" defTabSz="914400" rtl="0" eaLnBrk="1" latinLnBrk="0" hangingPunct="1">
-              <a:lnSpc>
-                <a:spcPct val="90000"/>
-              </a:lnSpc>
-              <a:spcBef>
-                <a:spcPts val="250"/>
-              </a:spcBef>
-              <a:spcAft>
-                <a:spcPts val="250"/>
-              </a:spcAft>
-              <a:buClr>
-                <a:schemeClr val="accent1"/>
-              </a:buClr>
-              <a:buFont typeface="Wingdings 2" pitchFamily="18" charset="2"/>
-              <a:buChar char=""/>
-              <a:defRPr kumimoji="1" sz="1400" kern="1200">
-                <a:solidFill>
-                  <a:schemeClr val="tx1">
-                    <a:lumMod val="65000"/>
-                    <a:lumOff val="35000"/>
-                  </a:schemeClr>
-                </a:solidFill>
-                <a:latin typeface="+mn-lt"/>
-                <a:ea typeface="+mn-ea"/>
-                <a:cs typeface="+mn-cs"/>
-              </a:defRPr>
-            </a:lvl4pPr>
-            <a:lvl5pPr marL="2057400" indent="-182880" algn="l" defTabSz="914400" rtl="0" eaLnBrk="1" latinLnBrk="0" hangingPunct="1">
-              <a:lnSpc>
-                <a:spcPct val="90000"/>
-              </a:lnSpc>
-              <a:spcBef>
-                <a:spcPts val="250"/>
-              </a:spcBef>
-              <a:spcAft>
-                <a:spcPts val="250"/>
-              </a:spcAft>
-              <a:buClr>
-                <a:schemeClr val="accent1"/>
-              </a:buClr>
-              <a:buFont typeface="Wingdings 2" pitchFamily="18" charset="2"/>
-              <a:buChar char=""/>
-              <a:defRPr kumimoji="1" sz="1400" kern="1200">
-                <a:solidFill>
-                  <a:schemeClr val="tx1">
-                    <a:lumMod val="65000"/>
-                    <a:lumOff val="35000"/>
-                  </a:schemeClr>
-                </a:solidFill>
-                <a:latin typeface="+mn-lt"/>
-                <a:ea typeface="+mn-ea"/>
-                <a:cs typeface="+mn-cs"/>
-              </a:defRPr>
-            </a:lvl5pPr>
-            <a:lvl6pPr marL="2514600" indent="-228600" algn="l" defTabSz="914400" rtl="0" eaLnBrk="1" latinLnBrk="0" hangingPunct="1">
-              <a:lnSpc>
-                <a:spcPct val="90000"/>
-              </a:lnSpc>
-              <a:spcBef>
-                <a:spcPts val="250"/>
-              </a:spcBef>
-              <a:spcAft>
-                <a:spcPts val="250"/>
-              </a:spcAft>
-              <a:buClr>
-                <a:schemeClr val="accent1"/>
-              </a:buClr>
-              <a:buFont typeface="Wingdings 2" pitchFamily="18" charset="2"/>
-              <a:buChar char=""/>
-              <a:defRPr kumimoji="1" sz="1400" kern="1200">
-                <a:solidFill>
-                  <a:schemeClr val="tx1">
-                    <a:lumMod val="65000"/>
-                    <a:lumOff val="35000"/>
-                  </a:schemeClr>
-                </a:solidFill>
-                <a:latin typeface="+mn-lt"/>
-                <a:ea typeface="+mn-ea"/>
-                <a:cs typeface="+mn-cs"/>
-              </a:defRPr>
-            </a:lvl6pPr>
-            <a:lvl7pPr marL="2971800" indent="-228600" algn="l" defTabSz="914400" rtl="0" eaLnBrk="1" latinLnBrk="0" hangingPunct="1">
-              <a:lnSpc>
-                <a:spcPct val="90000"/>
-              </a:lnSpc>
-              <a:spcBef>
-                <a:spcPts val="250"/>
-              </a:spcBef>
-              <a:spcAft>
-                <a:spcPts val="250"/>
-              </a:spcAft>
-              <a:buClr>
-                <a:schemeClr val="accent1"/>
-              </a:buClr>
-              <a:buFont typeface="Wingdings 2" pitchFamily="18" charset="2"/>
-              <a:buChar char=""/>
-              <a:defRPr kumimoji="1" sz="1400" kern="1200">
-                <a:solidFill>
-                  <a:schemeClr val="tx1">
-                    <a:lumMod val="65000"/>
-                    <a:lumOff val="35000"/>
-                  </a:schemeClr>
-                </a:solidFill>
-                <a:latin typeface="+mn-lt"/>
-                <a:ea typeface="+mn-ea"/>
-                <a:cs typeface="+mn-cs"/>
-              </a:defRPr>
-            </a:lvl7pPr>
-            <a:lvl8pPr marL="3429000" indent="-228600" algn="l" defTabSz="914400" rtl="0" eaLnBrk="1" latinLnBrk="0" hangingPunct="1">
-              <a:lnSpc>
-                <a:spcPct val="90000"/>
-              </a:lnSpc>
-              <a:spcBef>
-                <a:spcPts val="250"/>
-              </a:spcBef>
-              <a:spcAft>
-                <a:spcPts val="250"/>
-              </a:spcAft>
-              <a:buClr>
-                <a:schemeClr val="accent1"/>
-              </a:buClr>
-              <a:buFont typeface="Wingdings 2" pitchFamily="18" charset="2"/>
-              <a:buChar char=""/>
-              <a:defRPr kumimoji="1" sz="1400" kern="1200">
-                <a:solidFill>
-                  <a:schemeClr val="tx1">
-                    <a:lumMod val="65000"/>
-                    <a:lumOff val="35000"/>
-                  </a:schemeClr>
-                </a:solidFill>
-                <a:latin typeface="+mn-lt"/>
-                <a:ea typeface="+mn-ea"/>
-                <a:cs typeface="+mn-cs"/>
-              </a:defRPr>
-            </a:lvl8pPr>
-            <a:lvl9pPr marL="3886200" indent="-228600" algn="l" defTabSz="914400" rtl="0" eaLnBrk="1" latinLnBrk="0" hangingPunct="1">
-              <a:lnSpc>
-                <a:spcPct val="90000"/>
-              </a:lnSpc>
-              <a:spcBef>
-                <a:spcPts val="250"/>
-              </a:spcBef>
-              <a:spcAft>
-                <a:spcPts val="250"/>
-              </a:spcAft>
-              <a:buClr>
-                <a:schemeClr val="accent1"/>
-              </a:buClr>
-              <a:buFont typeface="Wingdings 2" pitchFamily="18" charset="2"/>
-              <a:buChar char=""/>
-              <a:defRPr kumimoji="1" sz="1400" kern="1200">
-                <a:solidFill>
-                  <a:schemeClr val="tx1">
-                    <a:lumMod val="65000"/>
-                    <a:lumOff val="35000"/>
-                  </a:schemeClr>
-                </a:solidFill>
-                <a:latin typeface="+mn-lt"/>
-                <a:ea typeface="+mn-ea"/>
-                <a:cs typeface="+mn-cs"/>
-              </a:defRPr>
-            </a:lvl9pPr>
-          </a:lstStyle>
-          <a:p>
-            <a:r>
-              <a:rPr lang="ja-JP" altLang="en-US">
-                <a:latin typeface="Hiragino Kaku Gothic ProN W3" panose="020B0300000000000000" pitchFamily="34" charset="-128"/>
-                <a:ea typeface="Hiragino Kaku Gothic ProN W3" panose="020B0300000000000000" pitchFamily="34" charset="-128"/>
-              </a:rPr>
-              <a:t>研究の目的：機械学習を使って、ユーザーに似合うリップカラーを推定、提示する</a:t>
-            </a:r>
-            <a:endParaRPr lang="en-US" altLang="ja-JP" dirty="0">
-              <a:latin typeface="Hiragino Kaku Gothic ProN W3" panose="020B0300000000000000" pitchFamily="34" charset="-128"/>
-              <a:ea typeface="Hiragino Kaku Gothic ProN W3" panose="020B0300000000000000" pitchFamily="34" charset="-128"/>
-            </a:endParaRPr>
-          </a:p>
-          <a:p>
-            <a:endParaRPr lang="en-US" altLang="ja-JP" dirty="0"/>
-          </a:p>
-          <a:p>
-            <a:endParaRPr lang="ja-JP" altLang="en-US"/>
           </a:p>
         </p:txBody>
       </p:sp>
@@ -7236,362 +5691,15 @@
           <a:p>
             <a:r>
               <a:rPr lang="ja-JP" altLang="en-US"/>
-              <a:t>研究の概要</a:t>
+              <a:t>今後の課題・展望</a:t>
             </a:r>
           </a:p>
         </p:txBody>
       </p:sp>
-      <p:sp>
-        <p:nvSpPr>
-          <p:cNvPr id="2" name="正方形/長方形 1">
-            <a:extLst>
-              <a:ext uri="{FF2B5EF4-FFF2-40B4-BE49-F238E27FC236}">
-                <a16:creationId xmlns:a16="http://schemas.microsoft.com/office/drawing/2014/main" id="{9C22C84C-98E3-5902-3E60-DB66562821D2}"/>
-              </a:ext>
-            </a:extLst>
-          </p:cNvPr>
-          <p:cNvSpPr/>
-          <p:nvPr/>
-        </p:nvSpPr>
-        <p:spPr>
-          <a:xfrm>
-            <a:off x="2088891" y="2701383"/>
-            <a:ext cx="2118731" cy="1455234"/>
-          </a:xfrm>
-          <a:prstGeom prst="rect">
-            <a:avLst/>
-          </a:prstGeom>
-        </p:spPr>
-        <p:style>
-          <a:lnRef idx="2">
-            <a:schemeClr val="accent1">
-              <a:shade val="50000"/>
-            </a:schemeClr>
-          </a:lnRef>
-          <a:fillRef idx="1">
-            <a:schemeClr val="accent1"/>
-          </a:fillRef>
-          <a:effectRef idx="0">
-            <a:schemeClr val="accent1"/>
-          </a:effectRef>
-          <a:fontRef idx="minor">
-            <a:schemeClr val="lt1"/>
-          </a:fontRef>
-        </p:style>
-        <p:txBody>
-          <a:bodyPr rtlCol="0" anchor="ctr"/>
-          <a:lstStyle/>
-          <a:p>
-            <a:pPr algn="ctr"/>
-            <a:r>
-              <a:rPr kumimoji="1" lang="ja-JP" altLang="en-US"/>
-              <a:t>ユーザの</a:t>
-            </a:r>
-            <a:endParaRPr kumimoji="1" lang="en-US" altLang="ja-JP" dirty="0"/>
-          </a:p>
-          <a:p>
-            <a:pPr algn="ctr"/>
-            <a:r>
-              <a:rPr kumimoji="1" lang="ja-JP" altLang="en-US"/>
-              <a:t>顔写真</a:t>
-            </a:r>
-          </a:p>
-        </p:txBody>
-      </p:sp>
-      <p:sp>
-        <p:nvSpPr>
-          <p:cNvPr id="3" name="正方形/長方形 2">
-            <a:extLst>
-              <a:ext uri="{FF2B5EF4-FFF2-40B4-BE49-F238E27FC236}">
-                <a16:creationId xmlns:a16="http://schemas.microsoft.com/office/drawing/2014/main" id="{3DBF45C6-D291-47D3-A61D-7DD64B4F27E5}"/>
-              </a:ext>
-            </a:extLst>
-          </p:cNvPr>
-          <p:cNvSpPr/>
-          <p:nvPr/>
-        </p:nvSpPr>
-        <p:spPr>
-          <a:xfrm>
-            <a:off x="5036633" y="2701383"/>
-            <a:ext cx="2118731" cy="1455234"/>
-          </a:xfrm>
-          <a:prstGeom prst="rect">
-            <a:avLst/>
-          </a:prstGeom>
-        </p:spPr>
-        <p:style>
-          <a:lnRef idx="2">
-            <a:schemeClr val="accent1">
-              <a:shade val="50000"/>
-            </a:schemeClr>
-          </a:lnRef>
-          <a:fillRef idx="1">
-            <a:schemeClr val="accent1"/>
-          </a:fillRef>
-          <a:effectRef idx="0">
-            <a:schemeClr val="accent1"/>
-          </a:effectRef>
-          <a:fontRef idx="minor">
-            <a:schemeClr val="lt1"/>
-          </a:fontRef>
-        </p:style>
-        <p:txBody>
-          <a:bodyPr rtlCol="0" anchor="ctr"/>
-          <a:lstStyle/>
-          <a:p>
-            <a:pPr algn="ctr"/>
-            <a:r>
-              <a:rPr kumimoji="1" lang="ja-JP" altLang="en-US"/>
-              <a:t>機械学習</a:t>
-            </a:r>
-            <a:endParaRPr kumimoji="1" lang="en-US" altLang="ja-JP" dirty="0"/>
-          </a:p>
-          <a:p>
-            <a:pPr algn="ctr"/>
-            <a:r>
-              <a:rPr kumimoji="1" lang="ja-JP" altLang="en-US"/>
-              <a:t>モデル</a:t>
-            </a:r>
-          </a:p>
-        </p:txBody>
-      </p:sp>
-      <p:sp>
-        <p:nvSpPr>
-          <p:cNvPr id="4" name="正方形/長方形 3">
-            <a:extLst>
-              <a:ext uri="{FF2B5EF4-FFF2-40B4-BE49-F238E27FC236}">
-                <a16:creationId xmlns:a16="http://schemas.microsoft.com/office/drawing/2014/main" id="{0A65B00B-3F52-3EE1-21D0-02445B5EE9C0}"/>
-              </a:ext>
-            </a:extLst>
-          </p:cNvPr>
-          <p:cNvSpPr/>
-          <p:nvPr/>
-        </p:nvSpPr>
-        <p:spPr>
-          <a:xfrm>
-            <a:off x="7984375" y="2701383"/>
-            <a:ext cx="2118731" cy="1455234"/>
-          </a:xfrm>
-          <a:prstGeom prst="rect">
-            <a:avLst/>
-          </a:prstGeom>
-        </p:spPr>
-        <p:style>
-          <a:lnRef idx="2">
-            <a:schemeClr val="accent1">
-              <a:shade val="50000"/>
-            </a:schemeClr>
-          </a:lnRef>
-          <a:fillRef idx="1">
-            <a:schemeClr val="accent1"/>
-          </a:fillRef>
-          <a:effectRef idx="0">
-            <a:schemeClr val="accent1"/>
-          </a:effectRef>
-          <a:fontRef idx="minor">
-            <a:schemeClr val="lt1"/>
-          </a:fontRef>
-        </p:style>
-        <p:txBody>
-          <a:bodyPr rtlCol="0" anchor="ctr"/>
-          <a:lstStyle/>
-          <a:p>
-            <a:pPr algn="ctr"/>
-            <a:r>
-              <a:rPr kumimoji="1" lang="ja-JP" altLang="en-US"/>
-              <a:t>ユーザに似合う</a:t>
-            </a:r>
-            <a:endParaRPr kumimoji="1" lang="en-US" altLang="ja-JP" dirty="0"/>
-          </a:p>
-          <a:p>
-            <a:pPr algn="ctr"/>
-            <a:r>
-              <a:rPr kumimoji="1" lang="ja-JP" altLang="en-US"/>
-              <a:t>リップカラー</a:t>
-            </a:r>
-            <a:endParaRPr kumimoji="1" lang="en-US" altLang="ja-JP" dirty="0"/>
-          </a:p>
-          <a:p>
-            <a:pPr algn="ctr"/>
-            <a:r>
-              <a:rPr kumimoji="1" lang="ja-JP" altLang="en-US"/>
-              <a:t>の提示</a:t>
-            </a:r>
-          </a:p>
-        </p:txBody>
-      </p:sp>
-      <p:sp>
-        <p:nvSpPr>
-          <p:cNvPr id="8" name="正方形/長方形 7">
-            <a:extLst>
-              <a:ext uri="{FF2B5EF4-FFF2-40B4-BE49-F238E27FC236}">
-                <a16:creationId xmlns:a16="http://schemas.microsoft.com/office/drawing/2014/main" id="{AAA2F6BA-C655-5B59-6792-3E6CA58B80EE}"/>
-              </a:ext>
-            </a:extLst>
-          </p:cNvPr>
-          <p:cNvSpPr/>
-          <p:nvPr/>
-        </p:nvSpPr>
-        <p:spPr>
-          <a:xfrm>
-            <a:off x="5036633" y="4724979"/>
-            <a:ext cx="2118731" cy="1455234"/>
-          </a:xfrm>
-          <a:prstGeom prst="rect">
-            <a:avLst/>
-          </a:prstGeom>
-        </p:spPr>
-        <p:style>
-          <a:lnRef idx="2">
-            <a:schemeClr val="accent1">
-              <a:shade val="50000"/>
-            </a:schemeClr>
-          </a:lnRef>
-          <a:fillRef idx="1">
-            <a:schemeClr val="accent1"/>
-          </a:fillRef>
-          <a:effectRef idx="0">
-            <a:schemeClr val="accent1"/>
-          </a:effectRef>
-          <a:fontRef idx="minor">
-            <a:schemeClr val="lt1"/>
-          </a:fontRef>
-        </p:style>
-        <p:txBody>
-          <a:bodyPr rtlCol="0" anchor="ctr"/>
-          <a:lstStyle/>
-          <a:p>
-            <a:pPr algn="ctr"/>
-            <a:r>
-              <a:rPr kumimoji="1" lang="ja-JP" altLang="en-US"/>
-              <a:t>学習データ</a:t>
-            </a:r>
-          </a:p>
-        </p:txBody>
-      </p:sp>
-      <p:cxnSp>
-        <p:nvCxnSpPr>
-          <p:cNvPr id="10" name="直線矢印コネクタ 9">
-            <a:extLst>
-              <a:ext uri="{FF2B5EF4-FFF2-40B4-BE49-F238E27FC236}">
-                <a16:creationId xmlns:a16="http://schemas.microsoft.com/office/drawing/2014/main" id="{115C9D9E-C004-1503-9DCC-5552EB84358C}"/>
-              </a:ext>
-            </a:extLst>
-          </p:cNvPr>
-          <p:cNvCxnSpPr/>
-          <p:nvPr/>
-        </p:nvCxnSpPr>
-        <p:spPr>
-          <a:xfrm>
-            <a:off x="4382429" y="3429000"/>
-            <a:ext cx="501805" cy="0"/>
-          </a:xfrm>
-          <a:prstGeom prst="straightConnector1">
-            <a:avLst/>
-          </a:prstGeom>
-          <a:ln>
-            <a:tailEnd type="triangle"/>
-          </a:ln>
-        </p:spPr>
-        <p:style>
-          <a:lnRef idx="1">
-            <a:schemeClr val="dk1"/>
-          </a:lnRef>
-          <a:fillRef idx="0">
-            <a:schemeClr val="dk1"/>
-          </a:fillRef>
-          <a:effectRef idx="0">
-            <a:schemeClr val="dk1"/>
-          </a:effectRef>
-          <a:fontRef idx="minor">
-            <a:schemeClr val="tx1"/>
-          </a:fontRef>
-        </p:style>
-      </p:cxnSp>
-      <p:cxnSp>
-        <p:nvCxnSpPr>
-          <p:cNvPr id="11" name="直線矢印コネクタ 10">
-            <a:extLst>
-              <a:ext uri="{FF2B5EF4-FFF2-40B4-BE49-F238E27FC236}">
-                <a16:creationId xmlns:a16="http://schemas.microsoft.com/office/drawing/2014/main" id="{D8039561-BF70-8E02-8A1B-40033D6BA3C4}"/>
-              </a:ext>
-            </a:extLst>
-          </p:cNvPr>
-          <p:cNvCxnSpPr/>
-          <p:nvPr/>
-        </p:nvCxnSpPr>
-        <p:spPr>
-          <a:xfrm>
-            <a:off x="7344936" y="3419707"/>
-            <a:ext cx="501805" cy="0"/>
-          </a:xfrm>
-          <a:prstGeom prst="straightConnector1">
-            <a:avLst/>
-          </a:prstGeom>
-          <a:ln>
-            <a:tailEnd type="triangle"/>
-          </a:ln>
-        </p:spPr>
-        <p:style>
-          <a:lnRef idx="1">
-            <a:schemeClr val="dk1"/>
-          </a:lnRef>
-          <a:fillRef idx="0">
-            <a:schemeClr val="dk1"/>
-          </a:fillRef>
-          <a:effectRef idx="0">
-            <a:schemeClr val="dk1"/>
-          </a:effectRef>
-          <a:fontRef idx="minor">
-            <a:schemeClr val="tx1"/>
-          </a:fontRef>
-        </p:style>
-      </p:cxnSp>
-      <p:cxnSp>
-        <p:nvCxnSpPr>
-          <p:cNvPr id="12" name="直線矢印コネクタ 11">
-            <a:extLst>
-              <a:ext uri="{FF2B5EF4-FFF2-40B4-BE49-F238E27FC236}">
-                <a16:creationId xmlns:a16="http://schemas.microsoft.com/office/drawing/2014/main" id="{60052A9E-8E25-F5C6-5FFC-A53460D3FA7C}"/>
-              </a:ext>
-            </a:extLst>
-          </p:cNvPr>
-          <p:cNvCxnSpPr>
-            <a:cxnSpLocks/>
-          </p:cNvCxnSpPr>
-          <p:nvPr/>
-        </p:nvCxnSpPr>
-        <p:spPr>
-          <a:xfrm flipH="1" flipV="1">
-            <a:off x="6092281" y="4263307"/>
-            <a:ext cx="3717" cy="354981"/>
-          </a:xfrm>
-          <a:prstGeom prst="straightConnector1">
-            <a:avLst/>
-          </a:prstGeom>
-          <a:ln>
-            <a:tailEnd type="triangle"/>
-          </a:ln>
-        </p:spPr>
-        <p:style>
-          <a:lnRef idx="1">
-            <a:schemeClr val="dk1"/>
-          </a:lnRef>
-          <a:fillRef idx="0">
-            <a:schemeClr val="dk1"/>
-          </a:fillRef>
-          <a:effectRef idx="0">
-            <a:schemeClr val="dk1"/>
-          </a:effectRef>
-          <a:fontRef idx="minor">
-            <a:schemeClr val="tx1"/>
-          </a:fontRef>
-        </p:style>
-      </p:cxnSp>
     </p:spTree>
     <p:extLst>
       <p:ext uri="{BB962C8B-B14F-4D97-AF65-F5344CB8AC3E}">
-        <p14:creationId xmlns:p14="http://schemas.microsoft.com/office/powerpoint/2010/main" val="3498508370"/>
+        <p14:creationId xmlns:p14="http://schemas.microsoft.com/office/powerpoint/2010/main" val="2606106253"/>
       </p:ext>
     </p:extLst>
   </p:cSld>
@@ -7601,862 +5709,8 @@
 </p:sld>
 </file>
 
-<file path=ppt/slides/slide7.xml><?xml version="1.0" encoding="utf-8"?>
-<p:sld xmlns:a="http://schemas.openxmlformats.org/drawingml/2006/main" xmlns:r="http://schemas.openxmlformats.org/officeDocument/2006/relationships" xmlns:p="http://schemas.openxmlformats.org/presentationml/2006/main">
-  <p:cSld>
-    <p:spTree>
-      <p:nvGrpSpPr>
-        <p:cNvPr id="1" name=""/>
-        <p:cNvGrpSpPr/>
-        <p:nvPr/>
-      </p:nvGrpSpPr>
-      <p:grpSpPr>
-        <a:xfrm>
-          <a:off x="0" y="0"/>
-          <a:ext cx="0" cy="0"/>
-          <a:chOff x="0" y="0"/>
-          <a:chExt cx="0" cy="0"/>
-        </a:xfrm>
-      </p:grpSpPr>
-      <p:sp>
-        <p:nvSpPr>
-          <p:cNvPr id="7" name="正方形/長方形 6">
-            <a:extLst>
-              <a:ext uri="{FF2B5EF4-FFF2-40B4-BE49-F238E27FC236}">
-                <a16:creationId xmlns:a16="http://schemas.microsoft.com/office/drawing/2014/main" id="{D98ECB46-E3D4-3A0B-1D69-28EB8A1887F1}"/>
-              </a:ext>
-            </a:extLst>
-          </p:cNvPr>
-          <p:cNvSpPr/>
-          <p:nvPr/>
-        </p:nvSpPr>
-        <p:spPr>
-          <a:xfrm>
-            <a:off x="0" y="-1"/>
-            <a:ext cx="12192000" cy="1077091"/>
-          </a:xfrm>
-          <a:prstGeom prst="rect">
-            <a:avLst/>
-          </a:prstGeom>
-          <a:ln>
-            <a:noFill/>
-          </a:ln>
-        </p:spPr>
-        <p:style>
-          <a:lnRef idx="2">
-            <a:schemeClr val="accent1">
-              <a:shade val="50000"/>
-            </a:schemeClr>
-          </a:lnRef>
-          <a:fillRef idx="1">
-            <a:schemeClr val="accent1"/>
-          </a:fillRef>
-          <a:effectRef idx="0">
-            <a:schemeClr val="accent1"/>
-          </a:effectRef>
-          <a:fontRef idx="minor">
-            <a:schemeClr val="lt1"/>
-          </a:fontRef>
-        </p:style>
-        <p:txBody>
-          <a:bodyPr rtlCol="0" anchor="ctr"/>
-          <a:lstStyle/>
-          <a:p>
-            <a:pPr algn="ctr"/>
-            <a:endParaRPr kumimoji="1" lang="ja-JP" altLang="en-US"/>
-          </a:p>
-        </p:txBody>
-      </p:sp>
-      <p:sp>
-        <p:nvSpPr>
-          <p:cNvPr id="5" name="コンテンツ プレースホルダー 2">
-            <a:extLst>
-              <a:ext uri="{FF2B5EF4-FFF2-40B4-BE49-F238E27FC236}">
-                <a16:creationId xmlns:a16="http://schemas.microsoft.com/office/drawing/2014/main" id="{B040927F-1E6A-C26C-3C46-978E4552B438}"/>
-              </a:ext>
-            </a:extLst>
-          </p:cNvPr>
-          <p:cNvSpPr txBox="1">
-            <a:spLocks/>
-          </p:cNvSpPr>
-          <p:nvPr/>
-        </p:nvSpPr>
-        <p:spPr>
-          <a:xfrm>
-            <a:off x="576043" y="1432140"/>
-            <a:ext cx="11039913" cy="5120640"/>
-          </a:xfrm>
-          <a:prstGeom prst="rect">
-            <a:avLst/>
-          </a:prstGeom>
-        </p:spPr>
-        <p:txBody>
-          <a:bodyPr/>
-          <a:lstStyle>
-            <a:lvl1pPr marL="182880" indent="-182880" algn="l" defTabSz="914400" rtl="0" eaLnBrk="1" latinLnBrk="0" hangingPunct="1">
-              <a:lnSpc>
-                <a:spcPct val="90000"/>
-              </a:lnSpc>
-              <a:spcBef>
-                <a:spcPts val="1200"/>
-              </a:spcBef>
-              <a:buClr>
-                <a:schemeClr val="accent1"/>
-              </a:buClr>
-              <a:buFont typeface="Wingdings 2" pitchFamily="18" charset="2"/>
-              <a:buChar char=""/>
-              <a:defRPr kumimoji="1" sz="2000" kern="1200">
-                <a:solidFill>
-                  <a:schemeClr val="tx1">
-                    <a:lumMod val="65000"/>
-                    <a:lumOff val="35000"/>
-                  </a:schemeClr>
-                </a:solidFill>
-                <a:latin typeface="+mn-lt"/>
-                <a:ea typeface="+mn-ea"/>
-                <a:cs typeface="+mn-cs"/>
-              </a:defRPr>
-            </a:lvl1pPr>
-            <a:lvl2pPr marL="685800" indent="-182880" algn="l" defTabSz="914400" rtl="0" eaLnBrk="1" latinLnBrk="0" hangingPunct="1">
-              <a:lnSpc>
-                <a:spcPct val="90000"/>
-              </a:lnSpc>
-              <a:spcBef>
-                <a:spcPts val="250"/>
-              </a:spcBef>
-              <a:spcAft>
-                <a:spcPts val="250"/>
-              </a:spcAft>
-              <a:buClr>
-                <a:schemeClr val="accent1"/>
-              </a:buClr>
-              <a:buFont typeface="Wingdings 2" pitchFamily="18" charset="2"/>
-              <a:buChar char=""/>
-              <a:defRPr kumimoji="1" sz="1800" kern="1200">
-                <a:solidFill>
-                  <a:schemeClr val="tx1">
-                    <a:lumMod val="65000"/>
-                    <a:lumOff val="35000"/>
-                  </a:schemeClr>
-                </a:solidFill>
-                <a:latin typeface="+mn-lt"/>
-                <a:ea typeface="+mn-ea"/>
-                <a:cs typeface="+mn-cs"/>
-              </a:defRPr>
-            </a:lvl2pPr>
-            <a:lvl3pPr marL="1143000" indent="-182880" algn="l" defTabSz="914400" rtl="0" eaLnBrk="1" latinLnBrk="0" hangingPunct="1">
-              <a:lnSpc>
-                <a:spcPct val="90000"/>
-              </a:lnSpc>
-              <a:spcBef>
-                <a:spcPts val="250"/>
-              </a:spcBef>
-              <a:spcAft>
-                <a:spcPts val="250"/>
-              </a:spcAft>
-              <a:buClr>
-                <a:schemeClr val="accent1"/>
-              </a:buClr>
-              <a:buFont typeface="Wingdings 2" pitchFamily="18" charset="2"/>
-              <a:buChar char=""/>
-              <a:defRPr kumimoji="1" sz="1600" kern="1200">
-                <a:solidFill>
-                  <a:schemeClr val="tx1">
-                    <a:lumMod val="65000"/>
-                    <a:lumOff val="35000"/>
-                  </a:schemeClr>
-                </a:solidFill>
-                <a:latin typeface="+mn-lt"/>
-                <a:ea typeface="+mn-ea"/>
-                <a:cs typeface="+mn-cs"/>
-              </a:defRPr>
-            </a:lvl3pPr>
-            <a:lvl4pPr marL="1600200" indent="-182880" algn="l" defTabSz="914400" rtl="0" eaLnBrk="1" latinLnBrk="0" hangingPunct="1">
-              <a:lnSpc>
-                <a:spcPct val="90000"/>
-              </a:lnSpc>
-              <a:spcBef>
-                <a:spcPts val="250"/>
-              </a:spcBef>
-              <a:spcAft>
-                <a:spcPts val="250"/>
-              </a:spcAft>
-              <a:buClr>
-                <a:schemeClr val="accent1"/>
-              </a:buClr>
-              <a:buFont typeface="Wingdings 2" pitchFamily="18" charset="2"/>
-              <a:buChar char=""/>
-              <a:defRPr kumimoji="1" sz="1400" kern="1200">
-                <a:solidFill>
-                  <a:schemeClr val="tx1">
-                    <a:lumMod val="65000"/>
-                    <a:lumOff val="35000"/>
-                  </a:schemeClr>
-                </a:solidFill>
-                <a:latin typeface="+mn-lt"/>
-                <a:ea typeface="+mn-ea"/>
-                <a:cs typeface="+mn-cs"/>
-              </a:defRPr>
-            </a:lvl4pPr>
-            <a:lvl5pPr marL="2057400" indent="-182880" algn="l" defTabSz="914400" rtl="0" eaLnBrk="1" latinLnBrk="0" hangingPunct="1">
-              <a:lnSpc>
-                <a:spcPct val="90000"/>
-              </a:lnSpc>
-              <a:spcBef>
-                <a:spcPts val="250"/>
-              </a:spcBef>
-              <a:spcAft>
-                <a:spcPts val="250"/>
-              </a:spcAft>
-              <a:buClr>
-                <a:schemeClr val="accent1"/>
-              </a:buClr>
-              <a:buFont typeface="Wingdings 2" pitchFamily="18" charset="2"/>
-              <a:buChar char=""/>
-              <a:defRPr kumimoji="1" sz="1400" kern="1200">
-                <a:solidFill>
-                  <a:schemeClr val="tx1">
-                    <a:lumMod val="65000"/>
-                    <a:lumOff val="35000"/>
-                  </a:schemeClr>
-                </a:solidFill>
-                <a:latin typeface="+mn-lt"/>
-                <a:ea typeface="+mn-ea"/>
-                <a:cs typeface="+mn-cs"/>
-              </a:defRPr>
-            </a:lvl5pPr>
-            <a:lvl6pPr marL="2514600" indent="-228600" algn="l" defTabSz="914400" rtl="0" eaLnBrk="1" latinLnBrk="0" hangingPunct="1">
-              <a:lnSpc>
-                <a:spcPct val="90000"/>
-              </a:lnSpc>
-              <a:spcBef>
-                <a:spcPts val="250"/>
-              </a:spcBef>
-              <a:spcAft>
-                <a:spcPts val="250"/>
-              </a:spcAft>
-              <a:buClr>
-                <a:schemeClr val="accent1"/>
-              </a:buClr>
-              <a:buFont typeface="Wingdings 2" pitchFamily="18" charset="2"/>
-              <a:buChar char=""/>
-              <a:defRPr kumimoji="1" sz="1400" kern="1200">
-                <a:solidFill>
-                  <a:schemeClr val="tx1">
-                    <a:lumMod val="65000"/>
-                    <a:lumOff val="35000"/>
-                  </a:schemeClr>
-                </a:solidFill>
-                <a:latin typeface="+mn-lt"/>
-                <a:ea typeface="+mn-ea"/>
-                <a:cs typeface="+mn-cs"/>
-              </a:defRPr>
-            </a:lvl6pPr>
-            <a:lvl7pPr marL="2971800" indent="-228600" algn="l" defTabSz="914400" rtl="0" eaLnBrk="1" latinLnBrk="0" hangingPunct="1">
-              <a:lnSpc>
-                <a:spcPct val="90000"/>
-              </a:lnSpc>
-              <a:spcBef>
-                <a:spcPts val="250"/>
-              </a:spcBef>
-              <a:spcAft>
-                <a:spcPts val="250"/>
-              </a:spcAft>
-              <a:buClr>
-                <a:schemeClr val="accent1"/>
-              </a:buClr>
-              <a:buFont typeface="Wingdings 2" pitchFamily="18" charset="2"/>
-              <a:buChar char=""/>
-              <a:defRPr kumimoji="1" sz="1400" kern="1200">
-                <a:solidFill>
-                  <a:schemeClr val="tx1">
-                    <a:lumMod val="65000"/>
-                    <a:lumOff val="35000"/>
-                  </a:schemeClr>
-                </a:solidFill>
-                <a:latin typeface="+mn-lt"/>
-                <a:ea typeface="+mn-ea"/>
-                <a:cs typeface="+mn-cs"/>
-              </a:defRPr>
-            </a:lvl7pPr>
-            <a:lvl8pPr marL="3429000" indent="-228600" algn="l" defTabSz="914400" rtl="0" eaLnBrk="1" latinLnBrk="0" hangingPunct="1">
-              <a:lnSpc>
-                <a:spcPct val="90000"/>
-              </a:lnSpc>
-              <a:spcBef>
-                <a:spcPts val="250"/>
-              </a:spcBef>
-              <a:spcAft>
-                <a:spcPts val="250"/>
-              </a:spcAft>
-              <a:buClr>
-                <a:schemeClr val="accent1"/>
-              </a:buClr>
-              <a:buFont typeface="Wingdings 2" pitchFamily="18" charset="2"/>
-              <a:buChar char=""/>
-              <a:defRPr kumimoji="1" sz="1400" kern="1200">
-                <a:solidFill>
-                  <a:schemeClr val="tx1">
-                    <a:lumMod val="65000"/>
-                    <a:lumOff val="35000"/>
-                  </a:schemeClr>
-                </a:solidFill>
-                <a:latin typeface="+mn-lt"/>
-                <a:ea typeface="+mn-ea"/>
-                <a:cs typeface="+mn-cs"/>
-              </a:defRPr>
-            </a:lvl8pPr>
-            <a:lvl9pPr marL="3886200" indent="-228600" algn="l" defTabSz="914400" rtl="0" eaLnBrk="1" latinLnBrk="0" hangingPunct="1">
-              <a:lnSpc>
-                <a:spcPct val="90000"/>
-              </a:lnSpc>
-              <a:spcBef>
-                <a:spcPts val="250"/>
-              </a:spcBef>
-              <a:spcAft>
-                <a:spcPts val="250"/>
-              </a:spcAft>
-              <a:buClr>
-                <a:schemeClr val="accent1"/>
-              </a:buClr>
-              <a:buFont typeface="Wingdings 2" pitchFamily="18" charset="2"/>
-              <a:buChar char=""/>
-              <a:defRPr kumimoji="1" sz="1400" kern="1200">
-                <a:solidFill>
-                  <a:schemeClr val="tx1">
-                    <a:lumMod val="65000"/>
-                    <a:lumOff val="35000"/>
-                  </a:schemeClr>
-                </a:solidFill>
-                <a:latin typeface="+mn-lt"/>
-                <a:ea typeface="+mn-ea"/>
-                <a:cs typeface="+mn-cs"/>
-              </a:defRPr>
-            </a:lvl9pPr>
-          </a:lstStyle>
-          <a:p>
-            <a:pPr fontAlgn="base">
-              <a:spcBef>
-                <a:spcPts val="0"/>
-              </a:spcBef>
-              <a:spcAft>
-                <a:spcPts val="1200"/>
-              </a:spcAft>
-              <a:buFont typeface="Arial" panose="020B0604020202020204" pitchFamily="34" charset="0"/>
-              <a:buChar char="•"/>
-            </a:pPr>
-            <a:r>
-              <a:rPr lang="ja-JP" altLang="en-US" sz="2000" u="none" strike="noStrike">
-                <a:solidFill>
-                  <a:srgbClr val="695D46"/>
-                </a:solidFill>
-                <a:effectLst/>
-                <a:latin typeface="Hiragino Kaku Gothic ProN W3" panose="020B0300000000000000" pitchFamily="34" charset="-128"/>
-                <a:ea typeface="Hiragino Kaku Gothic ProN W3" panose="020B0300000000000000" pitchFamily="34" charset="-128"/>
-              </a:rPr>
-              <a:t>本研究では、「リップメイクの正解＝プロのメイクアップアーティストが施したメイク」と定義し、機械学習の教師データとして使用</a:t>
-            </a:r>
-            <a:endParaRPr lang="en" altLang="ja-JP" u="none" strike="noStrike" dirty="0">
-              <a:solidFill>
-                <a:srgbClr val="695D46"/>
-              </a:solidFill>
-              <a:effectLst/>
-              <a:latin typeface="Hiragino Kaku Gothic ProN W3" panose="020B0300000000000000" pitchFamily="34" charset="-128"/>
-              <a:ea typeface="Hiragino Kaku Gothic ProN W3" panose="020B0300000000000000" pitchFamily="34" charset="-128"/>
-            </a:endParaRPr>
-          </a:p>
-          <a:p>
-            <a:pPr lvl="1" fontAlgn="base">
-              <a:spcBef>
-                <a:spcPts val="0"/>
-              </a:spcBef>
-              <a:spcAft>
-                <a:spcPts val="1200"/>
-              </a:spcAft>
-              <a:buFont typeface="Arial" panose="020B0604020202020204" pitchFamily="34" charset="0"/>
-              <a:buChar char="•"/>
-            </a:pPr>
-            <a:r>
-              <a:rPr lang="en" altLang="ja-JP" sz="2000" u="none" strike="noStrike" dirty="0">
-                <a:solidFill>
-                  <a:srgbClr val="695D46"/>
-                </a:solidFill>
-                <a:effectLst/>
-                <a:latin typeface="Hiragino Kaku Gothic ProN W3" panose="020B0300000000000000" pitchFamily="34" charset="-128"/>
-                <a:ea typeface="Hiragino Kaku Gothic ProN W3" panose="020B0300000000000000" pitchFamily="34" charset="-128"/>
-              </a:rPr>
-              <a:t>『MAQUIA ONLINE』</a:t>
-            </a:r>
-            <a:r>
-              <a:rPr lang="ja-JP" altLang="en-US" sz="2000" u="none" strike="noStrike">
-                <a:solidFill>
-                  <a:srgbClr val="695D46"/>
-                </a:solidFill>
-                <a:effectLst/>
-                <a:latin typeface="Hiragino Kaku Gothic ProN W3" panose="020B0300000000000000" pitchFamily="34" charset="-128"/>
-                <a:ea typeface="Hiragino Kaku Gothic ProN W3" panose="020B0300000000000000" pitchFamily="34" charset="-128"/>
-              </a:rPr>
-              <a:t>という、美容雑誌</a:t>
-            </a:r>
-            <a:r>
-              <a:rPr lang="en-US" altLang="ja-JP" sz="2000" u="none" strike="noStrike" dirty="0">
-                <a:solidFill>
-                  <a:srgbClr val="695D46"/>
-                </a:solidFill>
-                <a:effectLst/>
-                <a:latin typeface="Hiragino Kaku Gothic ProN W3" panose="020B0300000000000000" pitchFamily="34" charset="-128"/>
-                <a:ea typeface="Hiragino Kaku Gothic ProN W3" panose="020B0300000000000000" pitchFamily="34" charset="-128"/>
-              </a:rPr>
-              <a:t>『</a:t>
-            </a:r>
-            <a:r>
-              <a:rPr lang="en" altLang="ja-JP" sz="2000" u="none" strike="noStrike" dirty="0">
-                <a:solidFill>
-                  <a:srgbClr val="695D46"/>
-                </a:solidFill>
-                <a:effectLst/>
-                <a:latin typeface="Hiragino Kaku Gothic ProN W3" panose="020B0300000000000000" pitchFamily="34" charset="-128"/>
-                <a:ea typeface="Hiragino Kaku Gothic ProN W3" panose="020B0300000000000000" pitchFamily="34" charset="-128"/>
-              </a:rPr>
-              <a:t>MAQUIA』</a:t>
-            </a:r>
-            <a:r>
-              <a:rPr lang="ja-JP" altLang="en-US" sz="2000" u="none" strike="noStrike">
-                <a:solidFill>
-                  <a:srgbClr val="695D46"/>
-                </a:solidFill>
-                <a:effectLst/>
-                <a:latin typeface="Hiragino Kaku Gothic ProN W3" panose="020B0300000000000000" pitchFamily="34" charset="-128"/>
-                <a:ea typeface="Hiragino Kaku Gothic ProN W3" panose="020B0300000000000000" pitchFamily="34" charset="-128"/>
-              </a:rPr>
-              <a:t>の公式</a:t>
-            </a:r>
-            <a:r>
-              <a:rPr lang="en" altLang="ja-JP" sz="2000" u="none" strike="noStrike" dirty="0">
-                <a:solidFill>
-                  <a:srgbClr val="695D46"/>
-                </a:solidFill>
-                <a:effectLst/>
-                <a:latin typeface="Hiragino Kaku Gothic ProN W3" panose="020B0300000000000000" pitchFamily="34" charset="-128"/>
-                <a:ea typeface="Hiragino Kaku Gothic ProN W3" panose="020B0300000000000000" pitchFamily="34" charset="-128"/>
-              </a:rPr>
-              <a:t>Web</a:t>
-            </a:r>
-            <a:r>
-              <a:rPr lang="ja-JP" altLang="en-US" sz="2000" u="none" strike="noStrike">
-                <a:solidFill>
-                  <a:srgbClr val="695D46"/>
-                </a:solidFill>
-                <a:effectLst/>
-                <a:latin typeface="Hiragino Kaku Gothic ProN W3" panose="020B0300000000000000" pitchFamily="34" charset="-128"/>
-                <a:ea typeface="Hiragino Kaku Gothic ProN W3" panose="020B0300000000000000" pitchFamily="34" charset="-128"/>
-              </a:rPr>
-              <a:t>サイトからメイクアップ後の顔画像をスクレイピング</a:t>
-            </a:r>
-            <a:endParaRPr lang="en-US" altLang="ja-JP" sz="2000" dirty="0">
-              <a:solidFill>
-                <a:srgbClr val="695D46"/>
-              </a:solidFill>
-              <a:latin typeface="Hiragino Kaku Gothic ProN W3" panose="020B0300000000000000" pitchFamily="34" charset="-128"/>
-              <a:ea typeface="Hiragino Kaku Gothic ProN W3" panose="020B0300000000000000" pitchFamily="34" charset="-128"/>
-            </a:endParaRPr>
-          </a:p>
-          <a:p>
-            <a:pPr lvl="1" fontAlgn="base">
-              <a:spcBef>
-                <a:spcPts val="0"/>
-              </a:spcBef>
-              <a:spcAft>
-                <a:spcPts val="1200"/>
-              </a:spcAft>
-              <a:buFont typeface="Arial" panose="020B0604020202020204" pitchFamily="34" charset="0"/>
-              <a:buChar char="•"/>
-            </a:pPr>
-            <a:endParaRPr lang="en-US" altLang="ja-JP" sz="2000" dirty="0">
-              <a:solidFill>
-                <a:srgbClr val="695D46"/>
-              </a:solidFill>
-              <a:latin typeface="Hiragino Kaku Gothic ProN W3" panose="020B0300000000000000" pitchFamily="34" charset="-128"/>
-              <a:ea typeface="Hiragino Kaku Gothic ProN W3" panose="020B0300000000000000" pitchFamily="34" charset="-128"/>
-            </a:endParaRPr>
-          </a:p>
-          <a:p>
-            <a:pPr lvl="1" fontAlgn="base">
-              <a:spcBef>
-                <a:spcPts val="0"/>
-              </a:spcBef>
-              <a:spcAft>
-                <a:spcPts val="1200"/>
-              </a:spcAft>
-              <a:buFont typeface="Arial" panose="020B0604020202020204" pitchFamily="34" charset="0"/>
-              <a:buChar char="•"/>
-            </a:pPr>
-            <a:endParaRPr lang="en-US" altLang="ja-JP" sz="2000" u="none" strike="noStrike" dirty="0">
-              <a:solidFill>
-                <a:srgbClr val="695D46"/>
-              </a:solidFill>
-              <a:effectLst/>
-              <a:latin typeface="Hiragino Kaku Gothic ProN W3" panose="020B0300000000000000" pitchFamily="34" charset="-128"/>
-              <a:ea typeface="Hiragino Kaku Gothic ProN W3" panose="020B0300000000000000" pitchFamily="34" charset="-128"/>
-            </a:endParaRPr>
-          </a:p>
-          <a:p>
-            <a:pPr lvl="1" fontAlgn="base">
-              <a:spcBef>
-                <a:spcPts val="0"/>
-              </a:spcBef>
-              <a:spcAft>
-                <a:spcPts val="1200"/>
-              </a:spcAft>
-              <a:buFont typeface="Arial" panose="020B0604020202020204" pitchFamily="34" charset="0"/>
-              <a:buChar char="•"/>
-            </a:pPr>
-            <a:endParaRPr lang="en-US" altLang="ja-JP" sz="2000" dirty="0">
-              <a:solidFill>
-                <a:srgbClr val="695D46"/>
-              </a:solidFill>
-              <a:latin typeface="Hiragino Kaku Gothic ProN W3" panose="020B0300000000000000" pitchFamily="34" charset="-128"/>
-              <a:ea typeface="Hiragino Kaku Gothic ProN W3" panose="020B0300000000000000" pitchFamily="34" charset="-128"/>
-            </a:endParaRPr>
-          </a:p>
-          <a:p>
-            <a:pPr lvl="1" fontAlgn="base">
-              <a:spcBef>
-                <a:spcPts val="0"/>
-              </a:spcBef>
-              <a:spcAft>
-                <a:spcPts val="1200"/>
-              </a:spcAft>
-              <a:buFont typeface="Arial" panose="020B0604020202020204" pitchFamily="34" charset="0"/>
-              <a:buChar char="•"/>
-            </a:pPr>
-            <a:endParaRPr lang="en-US" altLang="ja-JP" sz="2000" u="none" strike="noStrike" dirty="0">
-              <a:solidFill>
-                <a:srgbClr val="695D46"/>
-              </a:solidFill>
-              <a:effectLst/>
-              <a:latin typeface="Hiragino Kaku Gothic ProN W3" panose="020B0300000000000000" pitchFamily="34" charset="-128"/>
-              <a:ea typeface="Hiragino Kaku Gothic ProN W3" panose="020B0300000000000000" pitchFamily="34" charset="-128"/>
-            </a:endParaRPr>
-          </a:p>
-          <a:p>
-            <a:pPr lvl="1" fontAlgn="base">
-              <a:spcBef>
-                <a:spcPts val="0"/>
-              </a:spcBef>
-              <a:spcAft>
-                <a:spcPts val="1200"/>
-              </a:spcAft>
-              <a:buFont typeface="Arial" panose="020B0604020202020204" pitchFamily="34" charset="0"/>
-              <a:buChar char="•"/>
-            </a:pPr>
-            <a:endParaRPr lang="en-US" altLang="ja-JP" sz="2000" dirty="0">
-              <a:solidFill>
-                <a:srgbClr val="695D46"/>
-              </a:solidFill>
-              <a:latin typeface="Hiragino Kaku Gothic ProN W3" panose="020B0300000000000000" pitchFamily="34" charset="-128"/>
-              <a:ea typeface="Hiragino Kaku Gothic ProN W3" panose="020B0300000000000000" pitchFamily="34" charset="-128"/>
-            </a:endParaRPr>
-          </a:p>
-          <a:p>
-            <a:pPr lvl="1" fontAlgn="base">
-              <a:spcBef>
-                <a:spcPts val="0"/>
-              </a:spcBef>
-              <a:spcAft>
-                <a:spcPts val="1200"/>
-              </a:spcAft>
-              <a:buFont typeface="Arial" panose="020B0604020202020204" pitchFamily="34" charset="0"/>
-              <a:buChar char="•"/>
-            </a:pPr>
-            <a:endParaRPr lang="en-US" altLang="ja-JP" sz="2000" u="none" strike="noStrike" dirty="0">
-              <a:solidFill>
-                <a:srgbClr val="695D46"/>
-              </a:solidFill>
-              <a:effectLst/>
-              <a:latin typeface="Hiragino Kaku Gothic ProN W3" panose="020B0300000000000000" pitchFamily="34" charset="-128"/>
-              <a:ea typeface="Hiragino Kaku Gothic ProN W3" panose="020B0300000000000000" pitchFamily="34" charset="-128"/>
-            </a:endParaRPr>
-          </a:p>
-          <a:p>
-            <a:pPr lvl="1" fontAlgn="base">
-              <a:spcBef>
-                <a:spcPts val="0"/>
-              </a:spcBef>
-              <a:spcAft>
-                <a:spcPts val="1200"/>
-              </a:spcAft>
-              <a:buFont typeface="Arial" panose="020B0604020202020204" pitchFamily="34" charset="0"/>
-              <a:buChar char="•"/>
-            </a:pPr>
-            <a:endParaRPr lang="en-US" altLang="ja-JP" sz="2000" dirty="0">
-              <a:solidFill>
-                <a:srgbClr val="695D46"/>
-              </a:solidFill>
-              <a:latin typeface="Hiragino Kaku Gothic ProN W3" panose="020B0300000000000000" pitchFamily="34" charset="-128"/>
-              <a:ea typeface="Hiragino Kaku Gothic ProN W3" panose="020B0300000000000000" pitchFamily="34" charset="-128"/>
-            </a:endParaRPr>
-          </a:p>
-          <a:p>
-            <a:pPr lvl="1" fontAlgn="base">
-              <a:spcBef>
-                <a:spcPts val="0"/>
-              </a:spcBef>
-              <a:spcAft>
-                <a:spcPts val="1200"/>
-              </a:spcAft>
-              <a:buFont typeface="Arial" panose="020B0604020202020204" pitchFamily="34" charset="0"/>
-              <a:buChar char="•"/>
-            </a:pPr>
-            <a:endParaRPr lang="en-US" altLang="ja-JP" sz="2000" u="none" strike="noStrike" dirty="0">
-              <a:solidFill>
-                <a:srgbClr val="695D46"/>
-              </a:solidFill>
-              <a:effectLst/>
-              <a:latin typeface="Hiragino Kaku Gothic ProN W3" panose="020B0300000000000000" pitchFamily="34" charset="-128"/>
-              <a:ea typeface="Hiragino Kaku Gothic ProN W3" panose="020B0300000000000000" pitchFamily="34" charset="-128"/>
-            </a:endParaRPr>
-          </a:p>
-          <a:p>
-            <a:pPr marL="502920" lvl="1" indent="0" algn="r" fontAlgn="base">
-              <a:spcBef>
-                <a:spcPts val="0"/>
-              </a:spcBef>
-              <a:spcAft>
-                <a:spcPts val="1200"/>
-              </a:spcAft>
-              <a:buNone/>
-            </a:pPr>
-            <a:r>
-              <a:rPr lang="ja-JP" altLang="en-US" sz="1400" u="none" strike="noStrike">
-                <a:solidFill>
-                  <a:srgbClr val="695D46"/>
-                </a:solidFill>
-                <a:effectLst/>
-                <a:latin typeface="Hiragino Kaku Gothic ProN W3" panose="020B0300000000000000" pitchFamily="34" charset="-128"/>
-                <a:ea typeface="Hiragino Kaku Gothic ProN W3" panose="020B0300000000000000" pitchFamily="34" charset="-128"/>
-              </a:rPr>
-              <a:t>引用元：集英社</a:t>
-            </a:r>
-            <a:r>
-              <a:rPr lang="en-US" altLang="ja-JP" sz="1400" u="none" strike="noStrike" dirty="0">
-                <a:solidFill>
-                  <a:srgbClr val="695D46"/>
-                </a:solidFill>
-                <a:effectLst/>
-                <a:latin typeface="Hiragino Kaku Gothic ProN W3" panose="020B0300000000000000" pitchFamily="34" charset="-128"/>
-                <a:ea typeface="Hiragino Kaku Gothic ProN W3" panose="020B0300000000000000" pitchFamily="34" charset="-128"/>
-              </a:rPr>
-              <a:t> 『MAQUIA </a:t>
-            </a:r>
-            <a:r>
-              <a:rPr lang="en-US" altLang="ja-JP" sz="1400" u="none" strike="noStrike" dirty="0" err="1">
-                <a:solidFill>
-                  <a:srgbClr val="695D46"/>
-                </a:solidFill>
-                <a:effectLst/>
-                <a:latin typeface="Hiragino Kaku Gothic ProN W3" panose="020B0300000000000000" pitchFamily="34" charset="-128"/>
-                <a:ea typeface="Hiragino Kaku Gothic ProN W3" panose="020B0300000000000000" pitchFamily="34" charset="-128"/>
-              </a:rPr>
-              <a:t>ONLINE』https</a:t>
-            </a:r>
-            <a:r>
-              <a:rPr lang="en-US" altLang="ja-JP" sz="1400" u="none" strike="noStrike" dirty="0">
-                <a:solidFill>
-                  <a:srgbClr val="695D46"/>
-                </a:solidFill>
-                <a:effectLst/>
-                <a:latin typeface="Hiragino Kaku Gothic ProN W3" panose="020B0300000000000000" pitchFamily="34" charset="-128"/>
-                <a:ea typeface="Hiragino Kaku Gothic ProN W3" panose="020B0300000000000000" pitchFamily="34" charset="-128"/>
-              </a:rPr>
-              <a:t>://</a:t>
-            </a:r>
-            <a:r>
-              <a:rPr lang="en-US" altLang="ja-JP" sz="1400" u="none" strike="noStrike" dirty="0" err="1">
-                <a:solidFill>
-                  <a:srgbClr val="695D46"/>
-                </a:solidFill>
-                <a:effectLst/>
-                <a:latin typeface="Hiragino Kaku Gothic ProN W3" panose="020B0300000000000000" pitchFamily="34" charset="-128"/>
-                <a:ea typeface="Hiragino Kaku Gothic ProN W3" panose="020B0300000000000000" pitchFamily="34" charset="-128"/>
-              </a:rPr>
-              <a:t>maquia.hpplus.jp</a:t>
-            </a:r>
-            <a:r>
-              <a:rPr lang="en-US" altLang="ja-JP" sz="1400" u="none" strike="noStrike" dirty="0">
-                <a:solidFill>
-                  <a:srgbClr val="695D46"/>
-                </a:solidFill>
-                <a:effectLst/>
-                <a:latin typeface="Hiragino Kaku Gothic ProN W3" panose="020B0300000000000000" pitchFamily="34" charset="-128"/>
-                <a:ea typeface="Hiragino Kaku Gothic ProN W3" panose="020B0300000000000000" pitchFamily="34" charset="-128"/>
-              </a:rPr>
-              <a:t>/makeup/</a:t>
-            </a:r>
-          </a:p>
-        </p:txBody>
-      </p:sp>
-      <p:sp>
-        <p:nvSpPr>
-          <p:cNvPr id="6" name="タイトル 1">
-            <a:extLst>
-              <a:ext uri="{FF2B5EF4-FFF2-40B4-BE49-F238E27FC236}">
-                <a16:creationId xmlns:a16="http://schemas.microsoft.com/office/drawing/2014/main" id="{45A7B92C-AE3D-91D6-227C-099A94786625}"/>
-              </a:ext>
-            </a:extLst>
-          </p:cNvPr>
-          <p:cNvSpPr txBox="1">
-            <a:spLocks/>
-          </p:cNvSpPr>
-          <p:nvPr/>
-        </p:nvSpPr>
-        <p:spPr>
-          <a:xfrm>
-            <a:off x="252918" y="320508"/>
-            <a:ext cx="5843081" cy="771870"/>
-          </a:xfrm>
-          <a:prstGeom prst="rect">
-            <a:avLst/>
-          </a:prstGeom>
-        </p:spPr>
-        <p:txBody>
-          <a:bodyPr/>
-          <a:lstStyle>
-            <a:lvl1pPr algn="l" defTabSz="914400" rtl="0" eaLnBrk="1" latinLnBrk="0" hangingPunct="1">
-              <a:lnSpc>
-                <a:spcPct val="90000"/>
-              </a:lnSpc>
-              <a:spcBef>
-                <a:spcPct val="0"/>
-              </a:spcBef>
-              <a:buNone/>
-              <a:defRPr kumimoji="1" sz="3600" kern="1200" spc="-60" baseline="0">
-                <a:solidFill>
-                  <a:srgbClr val="FFFFFF"/>
-                </a:solidFill>
-                <a:latin typeface="+mj-lt"/>
-                <a:ea typeface="+mj-ea"/>
-                <a:cs typeface="+mj-cs"/>
-              </a:defRPr>
-            </a:lvl1pPr>
-          </a:lstStyle>
-          <a:p>
-            <a:r>
-              <a:rPr lang="ja-JP" altLang="en-US"/>
-              <a:t>学習データについて</a:t>
-            </a:r>
-          </a:p>
-        </p:txBody>
-      </p:sp>
-      <p:pic>
-        <p:nvPicPr>
-          <p:cNvPr id="1026" name="Picture 2" descr="この秋は“グレージュな眉”が気分。手に入れるべきアイテムを教えます_1">
-            <a:extLst>
-              <a:ext uri="{FF2B5EF4-FFF2-40B4-BE49-F238E27FC236}">
-                <a16:creationId xmlns:a16="http://schemas.microsoft.com/office/drawing/2014/main" id="{D5C85BA9-477A-0F96-2DF1-289146BBC8A0}"/>
-              </a:ext>
-            </a:extLst>
-          </p:cNvPr>
-          <p:cNvPicPr>
-            <a:picLocks noChangeAspect="1" noChangeArrowheads="1"/>
-          </p:cNvPicPr>
-          <p:nvPr/>
-        </p:nvPicPr>
-        <p:blipFill>
-          <a:blip r:embed="rId2">
-            <a:extLst>
-              <a:ext uri="{28A0092B-C50C-407E-A947-70E740481C1C}">
-                <a14:useLocalDpi xmlns:a14="http://schemas.microsoft.com/office/drawing/2010/main" val="0"/>
-              </a:ext>
-            </a:extLst>
-          </a:blip>
-          <a:srcRect/>
-          <a:stretch>
-            <a:fillRect/>
-          </a:stretch>
-        </p:blipFill>
-        <p:spPr bwMode="auto">
-          <a:xfrm>
-            <a:off x="1863810" y="3052114"/>
-            <a:ext cx="3142315" cy="3142315"/>
-          </a:xfrm>
-          <a:prstGeom prst="rect">
-            <a:avLst/>
-          </a:prstGeom>
-          <a:noFill/>
-          <a:extLst>
-            <a:ext uri="{909E8E84-426E-40DD-AFC4-6F175D3DCCD1}">
-              <a14:hiddenFill xmlns:a14="http://schemas.microsoft.com/office/drawing/2010/main">
-                <a:solidFill>
-                  <a:srgbClr val="FFFFFF"/>
-                </a:solidFill>
-              </a14:hiddenFill>
-            </a:ext>
-          </a:extLst>
-        </p:spPr>
-      </p:pic>
-      <p:pic>
-        <p:nvPicPr>
-          <p:cNvPr id="1028" name="Picture 4" descr="ベースメイク">
-            <a:extLst>
-              <a:ext uri="{FF2B5EF4-FFF2-40B4-BE49-F238E27FC236}">
-                <a16:creationId xmlns:a16="http://schemas.microsoft.com/office/drawing/2014/main" id="{541CCF27-D820-433C-5A5F-A799CCF50442}"/>
-              </a:ext>
-            </a:extLst>
-          </p:cNvPr>
-          <p:cNvPicPr>
-            <a:picLocks noChangeAspect="1" noChangeArrowheads="1"/>
-          </p:cNvPicPr>
-          <p:nvPr/>
-        </p:nvPicPr>
-        <p:blipFill>
-          <a:blip r:embed="rId3">
-            <a:extLst>
-              <a:ext uri="{28A0092B-C50C-407E-A947-70E740481C1C}">
-                <a14:useLocalDpi xmlns:a14="http://schemas.microsoft.com/office/drawing/2010/main" val="0"/>
-              </a:ext>
-            </a:extLst>
-          </a:blip>
-          <a:srcRect/>
-          <a:stretch>
-            <a:fillRect/>
-          </a:stretch>
-        </p:blipFill>
-        <p:spPr bwMode="auto">
-          <a:xfrm>
-            <a:off x="5428315" y="3429000"/>
-            <a:ext cx="3558746" cy="2496862"/>
-          </a:xfrm>
-          <a:prstGeom prst="rect">
-            <a:avLst/>
-          </a:prstGeom>
-          <a:noFill/>
-          <a:extLst>
-            <a:ext uri="{909E8E84-426E-40DD-AFC4-6F175D3DCCD1}">
-              <a14:hiddenFill xmlns:a14="http://schemas.microsoft.com/office/drawing/2010/main">
-                <a:solidFill>
-                  <a:srgbClr val="FFFFFF"/>
-                </a:solidFill>
-              </a14:hiddenFill>
-            </a:ext>
-          </a:extLst>
-        </p:spPr>
-      </p:pic>
-    </p:spTree>
-    <p:extLst>
-      <p:ext uri="{BB962C8B-B14F-4D97-AF65-F5344CB8AC3E}">
-        <p14:creationId xmlns:p14="http://schemas.microsoft.com/office/powerpoint/2010/main" val="1382549501"/>
-      </p:ext>
-    </p:extLst>
-  </p:cSld>
-  <p:clrMapOvr>
-    <a:masterClrMapping/>
-  </p:clrMapOvr>
-</p:sld>
-</file>
-
-<file path=ppt/slides/slide8.xml><?xml version="1.0" encoding="utf-8"?>
-<p:sld xmlns:a="http://schemas.openxmlformats.org/drawingml/2006/main" xmlns:r="http://schemas.openxmlformats.org/officeDocument/2006/relationships" xmlns:p="http://schemas.openxmlformats.org/presentationml/2006/main">
+<file path=ppt/slides/slide14.xml><?xml version="1.0" encoding="utf-8"?>
+<p:sld xmlns:a="http://schemas.openxmlformats.org/drawingml/2006/main" xmlns:r="http://schemas.openxmlformats.org/officeDocument/2006/relationships" xmlns:p="http://schemas.openxmlformats.org/presentationml/2006/main" show="0">
   <p:cSld>
     <p:spTree>
       <p:nvGrpSpPr>
@@ -9353,8 +6607,8 @@
 </p:sld>
 </file>
 
-<file path=ppt/slides/slide9.xml><?xml version="1.0" encoding="utf-8"?>
-<p:sld xmlns:a="http://schemas.openxmlformats.org/drawingml/2006/main" xmlns:r="http://schemas.openxmlformats.org/officeDocument/2006/relationships" xmlns:p="http://schemas.openxmlformats.org/presentationml/2006/main">
+<file path=ppt/slides/slide15.xml><?xml version="1.0" encoding="utf-8"?>
+<p:sld xmlns:a="http://schemas.openxmlformats.org/drawingml/2006/main" xmlns:r="http://schemas.openxmlformats.org/officeDocument/2006/relationships" xmlns:p="http://schemas.openxmlformats.org/presentationml/2006/main" show="0">
   <p:cSld>
     <p:spTree>
       <p:nvGrpSpPr>
@@ -9904,6 +7158,4987 @@
     <p:extLst>
       <p:ext uri="{BB962C8B-B14F-4D97-AF65-F5344CB8AC3E}">
         <p14:creationId xmlns:p14="http://schemas.microsoft.com/office/powerpoint/2010/main" val="1722437370"/>
+      </p:ext>
+    </p:extLst>
+  </p:cSld>
+  <p:clrMapOvr>
+    <a:masterClrMapping/>
+  </p:clrMapOvr>
+</p:sld>
+</file>
+
+<file path=ppt/slides/slide2.xml><?xml version="1.0" encoding="utf-8"?>
+<p:sld xmlns:a="http://schemas.openxmlformats.org/drawingml/2006/main" xmlns:r="http://schemas.openxmlformats.org/officeDocument/2006/relationships" xmlns:p="http://schemas.openxmlformats.org/presentationml/2006/main">
+  <p:cSld>
+    <p:spTree>
+      <p:nvGrpSpPr>
+        <p:cNvPr id="1" name=""/>
+        <p:cNvGrpSpPr/>
+        <p:nvPr/>
+      </p:nvGrpSpPr>
+      <p:grpSpPr>
+        <a:xfrm>
+          <a:off x="0" y="0"/>
+          <a:ext cx="0" cy="0"/>
+          <a:chOff x="0" y="0"/>
+          <a:chExt cx="0" cy="0"/>
+        </a:xfrm>
+      </p:grpSpPr>
+      <p:sp>
+        <p:nvSpPr>
+          <p:cNvPr id="7" name="正方形/長方形 6">
+            <a:extLst>
+              <a:ext uri="{FF2B5EF4-FFF2-40B4-BE49-F238E27FC236}">
+                <a16:creationId xmlns:a16="http://schemas.microsoft.com/office/drawing/2014/main" id="{D98ECB46-E3D4-3A0B-1D69-28EB8A1887F1}"/>
+              </a:ext>
+            </a:extLst>
+          </p:cNvPr>
+          <p:cNvSpPr/>
+          <p:nvPr/>
+        </p:nvSpPr>
+        <p:spPr>
+          <a:xfrm>
+            <a:off x="0" y="-1"/>
+            <a:ext cx="12192000" cy="1077091"/>
+          </a:xfrm>
+          <a:prstGeom prst="rect">
+            <a:avLst/>
+          </a:prstGeom>
+          <a:ln>
+            <a:noFill/>
+          </a:ln>
+        </p:spPr>
+        <p:style>
+          <a:lnRef idx="2">
+            <a:schemeClr val="accent1">
+              <a:shade val="50000"/>
+            </a:schemeClr>
+          </a:lnRef>
+          <a:fillRef idx="1">
+            <a:schemeClr val="accent1"/>
+          </a:fillRef>
+          <a:effectRef idx="0">
+            <a:schemeClr val="accent1"/>
+          </a:effectRef>
+          <a:fontRef idx="minor">
+            <a:schemeClr val="lt1"/>
+          </a:fontRef>
+        </p:style>
+        <p:txBody>
+          <a:bodyPr rtlCol="0" anchor="ctr"/>
+          <a:lstStyle/>
+          <a:p>
+            <a:pPr algn="ctr"/>
+            <a:endParaRPr kumimoji="1" lang="ja-JP" altLang="en-US"/>
+          </a:p>
+        </p:txBody>
+      </p:sp>
+      <p:sp>
+        <p:nvSpPr>
+          <p:cNvPr id="5" name="コンテンツ プレースホルダー 2">
+            <a:extLst>
+              <a:ext uri="{FF2B5EF4-FFF2-40B4-BE49-F238E27FC236}">
+                <a16:creationId xmlns:a16="http://schemas.microsoft.com/office/drawing/2014/main" id="{B040927F-1E6A-C26C-3C46-978E4552B438}"/>
+              </a:ext>
+            </a:extLst>
+          </p:cNvPr>
+          <p:cNvSpPr txBox="1">
+            <a:spLocks/>
+          </p:cNvSpPr>
+          <p:nvPr/>
+        </p:nvSpPr>
+        <p:spPr>
+          <a:xfrm>
+            <a:off x="576043" y="1432140"/>
+            <a:ext cx="11039913" cy="5120640"/>
+          </a:xfrm>
+          <a:prstGeom prst="rect">
+            <a:avLst/>
+          </a:prstGeom>
+        </p:spPr>
+        <p:txBody>
+          <a:bodyPr/>
+          <a:lstStyle>
+            <a:lvl1pPr marL="182880" indent="-182880" algn="l" defTabSz="914400" rtl="0" eaLnBrk="1" latinLnBrk="0" hangingPunct="1">
+              <a:lnSpc>
+                <a:spcPct val="90000"/>
+              </a:lnSpc>
+              <a:spcBef>
+                <a:spcPts val="1200"/>
+              </a:spcBef>
+              <a:buClr>
+                <a:schemeClr val="accent1"/>
+              </a:buClr>
+              <a:buFont typeface="Wingdings 2" pitchFamily="18" charset="2"/>
+              <a:buChar char=""/>
+              <a:defRPr kumimoji="1" sz="2000" kern="1200">
+                <a:solidFill>
+                  <a:schemeClr val="tx1">
+                    <a:lumMod val="65000"/>
+                    <a:lumOff val="35000"/>
+                  </a:schemeClr>
+                </a:solidFill>
+                <a:latin typeface="+mn-lt"/>
+                <a:ea typeface="+mn-ea"/>
+                <a:cs typeface="+mn-cs"/>
+              </a:defRPr>
+            </a:lvl1pPr>
+            <a:lvl2pPr marL="685800" indent="-182880" algn="l" defTabSz="914400" rtl="0" eaLnBrk="1" latinLnBrk="0" hangingPunct="1">
+              <a:lnSpc>
+                <a:spcPct val="90000"/>
+              </a:lnSpc>
+              <a:spcBef>
+                <a:spcPts val="250"/>
+              </a:spcBef>
+              <a:spcAft>
+                <a:spcPts val="250"/>
+              </a:spcAft>
+              <a:buClr>
+                <a:schemeClr val="accent1"/>
+              </a:buClr>
+              <a:buFont typeface="Wingdings 2" pitchFamily="18" charset="2"/>
+              <a:buChar char=""/>
+              <a:defRPr kumimoji="1" sz="1800" kern="1200">
+                <a:solidFill>
+                  <a:schemeClr val="tx1">
+                    <a:lumMod val="65000"/>
+                    <a:lumOff val="35000"/>
+                  </a:schemeClr>
+                </a:solidFill>
+                <a:latin typeface="+mn-lt"/>
+                <a:ea typeface="+mn-ea"/>
+                <a:cs typeface="+mn-cs"/>
+              </a:defRPr>
+            </a:lvl2pPr>
+            <a:lvl3pPr marL="1143000" indent="-182880" algn="l" defTabSz="914400" rtl="0" eaLnBrk="1" latinLnBrk="0" hangingPunct="1">
+              <a:lnSpc>
+                <a:spcPct val="90000"/>
+              </a:lnSpc>
+              <a:spcBef>
+                <a:spcPts val="250"/>
+              </a:spcBef>
+              <a:spcAft>
+                <a:spcPts val="250"/>
+              </a:spcAft>
+              <a:buClr>
+                <a:schemeClr val="accent1"/>
+              </a:buClr>
+              <a:buFont typeface="Wingdings 2" pitchFamily="18" charset="2"/>
+              <a:buChar char=""/>
+              <a:defRPr kumimoji="1" sz="1600" kern="1200">
+                <a:solidFill>
+                  <a:schemeClr val="tx1">
+                    <a:lumMod val="65000"/>
+                    <a:lumOff val="35000"/>
+                  </a:schemeClr>
+                </a:solidFill>
+                <a:latin typeface="+mn-lt"/>
+                <a:ea typeface="+mn-ea"/>
+                <a:cs typeface="+mn-cs"/>
+              </a:defRPr>
+            </a:lvl3pPr>
+            <a:lvl4pPr marL="1600200" indent="-182880" algn="l" defTabSz="914400" rtl="0" eaLnBrk="1" latinLnBrk="0" hangingPunct="1">
+              <a:lnSpc>
+                <a:spcPct val="90000"/>
+              </a:lnSpc>
+              <a:spcBef>
+                <a:spcPts val="250"/>
+              </a:spcBef>
+              <a:spcAft>
+                <a:spcPts val="250"/>
+              </a:spcAft>
+              <a:buClr>
+                <a:schemeClr val="accent1"/>
+              </a:buClr>
+              <a:buFont typeface="Wingdings 2" pitchFamily="18" charset="2"/>
+              <a:buChar char=""/>
+              <a:defRPr kumimoji="1" sz="1400" kern="1200">
+                <a:solidFill>
+                  <a:schemeClr val="tx1">
+                    <a:lumMod val="65000"/>
+                    <a:lumOff val="35000"/>
+                  </a:schemeClr>
+                </a:solidFill>
+                <a:latin typeface="+mn-lt"/>
+                <a:ea typeface="+mn-ea"/>
+                <a:cs typeface="+mn-cs"/>
+              </a:defRPr>
+            </a:lvl4pPr>
+            <a:lvl5pPr marL="2057400" indent="-182880" algn="l" defTabSz="914400" rtl="0" eaLnBrk="1" latinLnBrk="0" hangingPunct="1">
+              <a:lnSpc>
+                <a:spcPct val="90000"/>
+              </a:lnSpc>
+              <a:spcBef>
+                <a:spcPts val="250"/>
+              </a:spcBef>
+              <a:spcAft>
+                <a:spcPts val="250"/>
+              </a:spcAft>
+              <a:buClr>
+                <a:schemeClr val="accent1"/>
+              </a:buClr>
+              <a:buFont typeface="Wingdings 2" pitchFamily="18" charset="2"/>
+              <a:buChar char=""/>
+              <a:defRPr kumimoji="1" sz="1400" kern="1200">
+                <a:solidFill>
+                  <a:schemeClr val="tx1">
+                    <a:lumMod val="65000"/>
+                    <a:lumOff val="35000"/>
+                  </a:schemeClr>
+                </a:solidFill>
+                <a:latin typeface="+mn-lt"/>
+                <a:ea typeface="+mn-ea"/>
+                <a:cs typeface="+mn-cs"/>
+              </a:defRPr>
+            </a:lvl5pPr>
+            <a:lvl6pPr marL="2514600" indent="-228600" algn="l" defTabSz="914400" rtl="0" eaLnBrk="1" latinLnBrk="0" hangingPunct="1">
+              <a:lnSpc>
+                <a:spcPct val="90000"/>
+              </a:lnSpc>
+              <a:spcBef>
+                <a:spcPts val="250"/>
+              </a:spcBef>
+              <a:spcAft>
+                <a:spcPts val="250"/>
+              </a:spcAft>
+              <a:buClr>
+                <a:schemeClr val="accent1"/>
+              </a:buClr>
+              <a:buFont typeface="Wingdings 2" pitchFamily="18" charset="2"/>
+              <a:buChar char=""/>
+              <a:defRPr kumimoji="1" sz="1400" kern="1200">
+                <a:solidFill>
+                  <a:schemeClr val="tx1">
+                    <a:lumMod val="65000"/>
+                    <a:lumOff val="35000"/>
+                  </a:schemeClr>
+                </a:solidFill>
+                <a:latin typeface="+mn-lt"/>
+                <a:ea typeface="+mn-ea"/>
+                <a:cs typeface="+mn-cs"/>
+              </a:defRPr>
+            </a:lvl6pPr>
+            <a:lvl7pPr marL="2971800" indent="-228600" algn="l" defTabSz="914400" rtl="0" eaLnBrk="1" latinLnBrk="0" hangingPunct="1">
+              <a:lnSpc>
+                <a:spcPct val="90000"/>
+              </a:lnSpc>
+              <a:spcBef>
+                <a:spcPts val="250"/>
+              </a:spcBef>
+              <a:spcAft>
+                <a:spcPts val="250"/>
+              </a:spcAft>
+              <a:buClr>
+                <a:schemeClr val="accent1"/>
+              </a:buClr>
+              <a:buFont typeface="Wingdings 2" pitchFamily="18" charset="2"/>
+              <a:buChar char=""/>
+              <a:defRPr kumimoji="1" sz="1400" kern="1200">
+                <a:solidFill>
+                  <a:schemeClr val="tx1">
+                    <a:lumMod val="65000"/>
+                    <a:lumOff val="35000"/>
+                  </a:schemeClr>
+                </a:solidFill>
+                <a:latin typeface="+mn-lt"/>
+                <a:ea typeface="+mn-ea"/>
+                <a:cs typeface="+mn-cs"/>
+              </a:defRPr>
+            </a:lvl7pPr>
+            <a:lvl8pPr marL="3429000" indent="-228600" algn="l" defTabSz="914400" rtl="0" eaLnBrk="1" latinLnBrk="0" hangingPunct="1">
+              <a:lnSpc>
+                <a:spcPct val="90000"/>
+              </a:lnSpc>
+              <a:spcBef>
+                <a:spcPts val="250"/>
+              </a:spcBef>
+              <a:spcAft>
+                <a:spcPts val="250"/>
+              </a:spcAft>
+              <a:buClr>
+                <a:schemeClr val="accent1"/>
+              </a:buClr>
+              <a:buFont typeface="Wingdings 2" pitchFamily="18" charset="2"/>
+              <a:buChar char=""/>
+              <a:defRPr kumimoji="1" sz="1400" kern="1200">
+                <a:solidFill>
+                  <a:schemeClr val="tx1">
+                    <a:lumMod val="65000"/>
+                    <a:lumOff val="35000"/>
+                  </a:schemeClr>
+                </a:solidFill>
+                <a:latin typeface="+mn-lt"/>
+                <a:ea typeface="+mn-ea"/>
+                <a:cs typeface="+mn-cs"/>
+              </a:defRPr>
+            </a:lvl8pPr>
+            <a:lvl9pPr marL="3886200" indent="-228600" algn="l" defTabSz="914400" rtl="0" eaLnBrk="1" latinLnBrk="0" hangingPunct="1">
+              <a:lnSpc>
+                <a:spcPct val="90000"/>
+              </a:lnSpc>
+              <a:spcBef>
+                <a:spcPts val="250"/>
+              </a:spcBef>
+              <a:spcAft>
+                <a:spcPts val="250"/>
+              </a:spcAft>
+              <a:buClr>
+                <a:schemeClr val="accent1"/>
+              </a:buClr>
+              <a:buFont typeface="Wingdings 2" pitchFamily="18" charset="2"/>
+              <a:buChar char=""/>
+              <a:defRPr kumimoji="1" sz="1400" kern="1200">
+                <a:solidFill>
+                  <a:schemeClr val="tx1">
+                    <a:lumMod val="65000"/>
+                    <a:lumOff val="35000"/>
+                  </a:schemeClr>
+                </a:solidFill>
+                <a:latin typeface="+mn-lt"/>
+                <a:ea typeface="+mn-ea"/>
+                <a:cs typeface="+mn-cs"/>
+              </a:defRPr>
+            </a:lvl9pPr>
+          </a:lstStyle>
+          <a:p>
+            <a:r>
+              <a:rPr lang="ja-JP" altLang="en-US" sz="2400">
+                <a:latin typeface="Hiragino Kaku Gothic ProN W3" panose="020B0300000000000000" pitchFamily="34" charset="-128"/>
+                <a:ea typeface="Hiragino Kaku Gothic ProN W3" panose="020B0300000000000000" pitchFamily="34" charset="-128"/>
+              </a:rPr>
+              <a:t>研究の目的と背景</a:t>
+            </a:r>
+            <a:endParaRPr lang="en-US" altLang="ja-JP" sz="2400" dirty="0">
+              <a:latin typeface="Hiragino Kaku Gothic ProN W3" panose="020B0300000000000000" pitchFamily="34" charset="-128"/>
+              <a:ea typeface="Hiragino Kaku Gothic ProN W3" panose="020B0300000000000000" pitchFamily="34" charset="-128"/>
+            </a:endParaRPr>
+          </a:p>
+          <a:p>
+            <a:r>
+              <a:rPr lang="ja-JP" altLang="en-US" sz="2400">
+                <a:latin typeface="Hiragino Kaku Gothic ProN W3" panose="020B0300000000000000" pitchFamily="34" charset="-128"/>
+                <a:ea typeface="Hiragino Kaku Gothic ProN W3" panose="020B0300000000000000" pitchFamily="34" charset="-128"/>
+              </a:rPr>
+              <a:t>関連システム</a:t>
+            </a:r>
+            <a:endParaRPr lang="en-US" altLang="ja-JP" sz="2400" dirty="0">
+              <a:latin typeface="Hiragino Kaku Gothic ProN W3" panose="020B0300000000000000" pitchFamily="34" charset="-128"/>
+              <a:ea typeface="Hiragino Kaku Gothic ProN W3" panose="020B0300000000000000" pitchFamily="34" charset="-128"/>
+            </a:endParaRPr>
+          </a:p>
+          <a:p>
+            <a:r>
+              <a:rPr lang="ja-JP" altLang="en-US" sz="2400">
+                <a:latin typeface="Hiragino Kaku Gothic ProN W3" panose="020B0300000000000000" pitchFamily="34" charset="-128"/>
+                <a:ea typeface="Hiragino Kaku Gothic ProN W3" panose="020B0300000000000000" pitchFamily="34" charset="-128"/>
+              </a:rPr>
+              <a:t>関連研究</a:t>
+            </a:r>
+            <a:endParaRPr lang="en-US" altLang="ja-JP" sz="2400" dirty="0">
+              <a:latin typeface="Hiragino Kaku Gothic ProN W3" panose="020B0300000000000000" pitchFamily="34" charset="-128"/>
+              <a:ea typeface="Hiragino Kaku Gothic ProN W3" panose="020B0300000000000000" pitchFamily="34" charset="-128"/>
+            </a:endParaRPr>
+          </a:p>
+          <a:p>
+            <a:r>
+              <a:rPr lang="ja-JP" altLang="en-US" sz="2400">
+                <a:latin typeface="Hiragino Kaku Gothic ProN W3" panose="020B0300000000000000" pitchFamily="34" charset="-128"/>
+                <a:ea typeface="Hiragino Kaku Gothic ProN W3" panose="020B0300000000000000" pitchFamily="34" charset="-128"/>
+              </a:rPr>
+              <a:t>システムの概要</a:t>
+            </a:r>
+            <a:endParaRPr lang="en-US" altLang="ja-JP" sz="2400" dirty="0">
+              <a:latin typeface="Hiragino Kaku Gothic ProN W3" panose="020B0300000000000000" pitchFamily="34" charset="-128"/>
+              <a:ea typeface="Hiragino Kaku Gothic ProN W3" panose="020B0300000000000000" pitchFamily="34" charset="-128"/>
+            </a:endParaRPr>
+          </a:p>
+          <a:p>
+            <a:r>
+              <a:rPr lang="ja-JP" altLang="en-US" sz="2400">
+                <a:latin typeface="Hiragino Kaku Gothic ProN W3" panose="020B0300000000000000" pitchFamily="34" charset="-128"/>
+                <a:ea typeface="Hiragino Kaku Gothic ProN W3" panose="020B0300000000000000" pitchFamily="34" charset="-128"/>
+              </a:rPr>
+              <a:t>使用した技術</a:t>
+            </a:r>
+            <a:endParaRPr lang="en-US" altLang="ja-JP" sz="2400" dirty="0">
+              <a:latin typeface="Hiragino Kaku Gothic ProN W3" panose="020B0300000000000000" pitchFamily="34" charset="-128"/>
+              <a:ea typeface="Hiragino Kaku Gothic ProN W3" panose="020B0300000000000000" pitchFamily="34" charset="-128"/>
+            </a:endParaRPr>
+          </a:p>
+          <a:p>
+            <a:r>
+              <a:rPr lang="ja-JP" altLang="en-US" sz="2400">
+                <a:latin typeface="Hiragino Kaku Gothic ProN W3" panose="020B0300000000000000" pitchFamily="34" charset="-128"/>
+                <a:ea typeface="Hiragino Kaku Gothic ProN W3" panose="020B0300000000000000" pitchFamily="34" charset="-128"/>
+              </a:rPr>
+              <a:t>実験と結果</a:t>
+            </a:r>
+            <a:endParaRPr lang="en-US" altLang="ja-JP" sz="2400" dirty="0">
+              <a:latin typeface="Hiragino Kaku Gothic ProN W3" panose="020B0300000000000000" pitchFamily="34" charset="-128"/>
+              <a:ea typeface="Hiragino Kaku Gothic ProN W3" panose="020B0300000000000000" pitchFamily="34" charset="-128"/>
+            </a:endParaRPr>
+          </a:p>
+          <a:p>
+            <a:r>
+              <a:rPr lang="ja-JP" altLang="en-US" sz="2400">
+                <a:latin typeface="Hiragino Kaku Gothic ProN W3" panose="020B0300000000000000" pitchFamily="34" charset="-128"/>
+                <a:ea typeface="Hiragino Kaku Gothic ProN W3" panose="020B0300000000000000" pitchFamily="34" charset="-128"/>
+              </a:rPr>
+              <a:t>今後の課題・展望</a:t>
+            </a:r>
+          </a:p>
+        </p:txBody>
+      </p:sp>
+      <p:sp>
+        <p:nvSpPr>
+          <p:cNvPr id="6" name="タイトル 1">
+            <a:extLst>
+              <a:ext uri="{FF2B5EF4-FFF2-40B4-BE49-F238E27FC236}">
+                <a16:creationId xmlns:a16="http://schemas.microsoft.com/office/drawing/2014/main" id="{45A7B92C-AE3D-91D6-227C-099A94786625}"/>
+              </a:ext>
+            </a:extLst>
+          </p:cNvPr>
+          <p:cNvSpPr txBox="1">
+            <a:spLocks/>
+          </p:cNvSpPr>
+          <p:nvPr/>
+        </p:nvSpPr>
+        <p:spPr>
+          <a:xfrm>
+            <a:off x="252918" y="320508"/>
+            <a:ext cx="5843081" cy="771870"/>
+          </a:xfrm>
+          <a:prstGeom prst="rect">
+            <a:avLst/>
+          </a:prstGeom>
+        </p:spPr>
+        <p:txBody>
+          <a:bodyPr/>
+          <a:lstStyle>
+            <a:lvl1pPr algn="l" defTabSz="914400" rtl="0" eaLnBrk="1" latinLnBrk="0" hangingPunct="1">
+              <a:lnSpc>
+                <a:spcPct val="90000"/>
+              </a:lnSpc>
+              <a:spcBef>
+                <a:spcPct val="0"/>
+              </a:spcBef>
+              <a:buNone/>
+              <a:defRPr kumimoji="1" sz="3600" kern="1200" spc="-60" baseline="0">
+                <a:solidFill>
+                  <a:srgbClr val="FFFFFF"/>
+                </a:solidFill>
+                <a:latin typeface="+mj-lt"/>
+                <a:ea typeface="+mj-ea"/>
+                <a:cs typeface="+mj-cs"/>
+              </a:defRPr>
+            </a:lvl1pPr>
+          </a:lstStyle>
+          <a:p>
+            <a:r>
+              <a:rPr lang="ja-JP" altLang="en-US"/>
+              <a:t>目次</a:t>
+            </a:r>
+          </a:p>
+        </p:txBody>
+      </p:sp>
+    </p:spTree>
+    <p:extLst>
+      <p:ext uri="{BB962C8B-B14F-4D97-AF65-F5344CB8AC3E}">
+        <p14:creationId xmlns:p14="http://schemas.microsoft.com/office/powerpoint/2010/main" val="2675460953"/>
+      </p:ext>
+    </p:extLst>
+  </p:cSld>
+  <p:clrMapOvr>
+    <a:masterClrMapping/>
+  </p:clrMapOvr>
+</p:sld>
+</file>
+
+<file path=ppt/slides/slide3.xml><?xml version="1.0" encoding="utf-8"?>
+<p:sld xmlns:a="http://schemas.openxmlformats.org/drawingml/2006/main" xmlns:r="http://schemas.openxmlformats.org/officeDocument/2006/relationships" xmlns:p="http://schemas.openxmlformats.org/presentationml/2006/main">
+  <p:cSld>
+    <p:spTree>
+      <p:nvGrpSpPr>
+        <p:cNvPr id="1" name=""/>
+        <p:cNvGrpSpPr/>
+        <p:nvPr/>
+      </p:nvGrpSpPr>
+      <p:grpSpPr>
+        <a:xfrm>
+          <a:off x="0" y="0"/>
+          <a:ext cx="0" cy="0"/>
+          <a:chOff x="0" y="0"/>
+          <a:chExt cx="0" cy="0"/>
+        </a:xfrm>
+      </p:grpSpPr>
+      <p:sp>
+        <p:nvSpPr>
+          <p:cNvPr id="7" name="正方形/長方形 6">
+            <a:extLst>
+              <a:ext uri="{FF2B5EF4-FFF2-40B4-BE49-F238E27FC236}">
+                <a16:creationId xmlns:a16="http://schemas.microsoft.com/office/drawing/2014/main" id="{D98ECB46-E3D4-3A0B-1D69-28EB8A1887F1}"/>
+              </a:ext>
+            </a:extLst>
+          </p:cNvPr>
+          <p:cNvSpPr/>
+          <p:nvPr/>
+        </p:nvSpPr>
+        <p:spPr>
+          <a:xfrm>
+            <a:off x="0" y="-1"/>
+            <a:ext cx="12192000" cy="1077091"/>
+          </a:xfrm>
+          <a:prstGeom prst="rect">
+            <a:avLst/>
+          </a:prstGeom>
+          <a:ln>
+            <a:noFill/>
+          </a:ln>
+        </p:spPr>
+        <p:style>
+          <a:lnRef idx="2">
+            <a:schemeClr val="accent1">
+              <a:shade val="50000"/>
+            </a:schemeClr>
+          </a:lnRef>
+          <a:fillRef idx="1">
+            <a:schemeClr val="accent1"/>
+          </a:fillRef>
+          <a:effectRef idx="0">
+            <a:schemeClr val="accent1"/>
+          </a:effectRef>
+          <a:fontRef idx="minor">
+            <a:schemeClr val="lt1"/>
+          </a:fontRef>
+        </p:style>
+        <p:txBody>
+          <a:bodyPr rtlCol="0" anchor="ctr"/>
+          <a:lstStyle/>
+          <a:p>
+            <a:pPr algn="ctr"/>
+            <a:endParaRPr kumimoji="1" lang="ja-JP" altLang="en-US"/>
+          </a:p>
+        </p:txBody>
+      </p:sp>
+      <p:sp>
+        <p:nvSpPr>
+          <p:cNvPr id="5" name="コンテンツ プレースホルダー 2">
+            <a:extLst>
+              <a:ext uri="{FF2B5EF4-FFF2-40B4-BE49-F238E27FC236}">
+                <a16:creationId xmlns:a16="http://schemas.microsoft.com/office/drawing/2014/main" id="{B040927F-1E6A-C26C-3C46-978E4552B438}"/>
+              </a:ext>
+            </a:extLst>
+          </p:cNvPr>
+          <p:cNvSpPr txBox="1">
+            <a:spLocks/>
+          </p:cNvSpPr>
+          <p:nvPr/>
+        </p:nvSpPr>
+        <p:spPr>
+          <a:xfrm>
+            <a:off x="576043" y="1432140"/>
+            <a:ext cx="11039913" cy="5120640"/>
+          </a:xfrm>
+          <a:prstGeom prst="rect">
+            <a:avLst/>
+          </a:prstGeom>
+        </p:spPr>
+        <p:txBody>
+          <a:bodyPr/>
+          <a:lstStyle>
+            <a:lvl1pPr marL="182880" indent="-182880" algn="l" defTabSz="914400" rtl="0" eaLnBrk="1" latinLnBrk="0" hangingPunct="1">
+              <a:lnSpc>
+                <a:spcPct val="90000"/>
+              </a:lnSpc>
+              <a:spcBef>
+                <a:spcPts val="1200"/>
+              </a:spcBef>
+              <a:buClr>
+                <a:schemeClr val="accent1"/>
+              </a:buClr>
+              <a:buFont typeface="Wingdings 2" pitchFamily="18" charset="2"/>
+              <a:buChar char=""/>
+              <a:defRPr kumimoji="1" sz="2000" kern="1200">
+                <a:solidFill>
+                  <a:schemeClr val="tx1">
+                    <a:lumMod val="65000"/>
+                    <a:lumOff val="35000"/>
+                  </a:schemeClr>
+                </a:solidFill>
+                <a:latin typeface="+mn-lt"/>
+                <a:ea typeface="+mn-ea"/>
+                <a:cs typeface="+mn-cs"/>
+              </a:defRPr>
+            </a:lvl1pPr>
+            <a:lvl2pPr marL="685800" indent="-182880" algn="l" defTabSz="914400" rtl="0" eaLnBrk="1" latinLnBrk="0" hangingPunct="1">
+              <a:lnSpc>
+                <a:spcPct val="90000"/>
+              </a:lnSpc>
+              <a:spcBef>
+                <a:spcPts val="250"/>
+              </a:spcBef>
+              <a:spcAft>
+                <a:spcPts val="250"/>
+              </a:spcAft>
+              <a:buClr>
+                <a:schemeClr val="accent1"/>
+              </a:buClr>
+              <a:buFont typeface="Wingdings 2" pitchFamily="18" charset="2"/>
+              <a:buChar char=""/>
+              <a:defRPr kumimoji="1" sz="1800" kern="1200">
+                <a:solidFill>
+                  <a:schemeClr val="tx1">
+                    <a:lumMod val="65000"/>
+                    <a:lumOff val="35000"/>
+                  </a:schemeClr>
+                </a:solidFill>
+                <a:latin typeface="+mn-lt"/>
+                <a:ea typeface="+mn-ea"/>
+                <a:cs typeface="+mn-cs"/>
+              </a:defRPr>
+            </a:lvl2pPr>
+            <a:lvl3pPr marL="1143000" indent="-182880" algn="l" defTabSz="914400" rtl="0" eaLnBrk="1" latinLnBrk="0" hangingPunct="1">
+              <a:lnSpc>
+                <a:spcPct val="90000"/>
+              </a:lnSpc>
+              <a:spcBef>
+                <a:spcPts val="250"/>
+              </a:spcBef>
+              <a:spcAft>
+                <a:spcPts val="250"/>
+              </a:spcAft>
+              <a:buClr>
+                <a:schemeClr val="accent1"/>
+              </a:buClr>
+              <a:buFont typeface="Wingdings 2" pitchFamily="18" charset="2"/>
+              <a:buChar char=""/>
+              <a:defRPr kumimoji="1" sz="1600" kern="1200">
+                <a:solidFill>
+                  <a:schemeClr val="tx1">
+                    <a:lumMod val="65000"/>
+                    <a:lumOff val="35000"/>
+                  </a:schemeClr>
+                </a:solidFill>
+                <a:latin typeface="+mn-lt"/>
+                <a:ea typeface="+mn-ea"/>
+                <a:cs typeface="+mn-cs"/>
+              </a:defRPr>
+            </a:lvl3pPr>
+            <a:lvl4pPr marL="1600200" indent="-182880" algn="l" defTabSz="914400" rtl="0" eaLnBrk="1" latinLnBrk="0" hangingPunct="1">
+              <a:lnSpc>
+                <a:spcPct val="90000"/>
+              </a:lnSpc>
+              <a:spcBef>
+                <a:spcPts val="250"/>
+              </a:spcBef>
+              <a:spcAft>
+                <a:spcPts val="250"/>
+              </a:spcAft>
+              <a:buClr>
+                <a:schemeClr val="accent1"/>
+              </a:buClr>
+              <a:buFont typeface="Wingdings 2" pitchFamily="18" charset="2"/>
+              <a:buChar char=""/>
+              <a:defRPr kumimoji="1" sz="1400" kern="1200">
+                <a:solidFill>
+                  <a:schemeClr val="tx1">
+                    <a:lumMod val="65000"/>
+                    <a:lumOff val="35000"/>
+                  </a:schemeClr>
+                </a:solidFill>
+                <a:latin typeface="+mn-lt"/>
+                <a:ea typeface="+mn-ea"/>
+                <a:cs typeface="+mn-cs"/>
+              </a:defRPr>
+            </a:lvl4pPr>
+            <a:lvl5pPr marL="2057400" indent="-182880" algn="l" defTabSz="914400" rtl="0" eaLnBrk="1" latinLnBrk="0" hangingPunct="1">
+              <a:lnSpc>
+                <a:spcPct val="90000"/>
+              </a:lnSpc>
+              <a:spcBef>
+                <a:spcPts val="250"/>
+              </a:spcBef>
+              <a:spcAft>
+                <a:spcPts val="250"/>
+              </a:spcAft>
+              <a:buClr>
+                <a:schemeClr val="accent1"/>
+              </a:buClr>
+              <a:buFont typeface="Wingdings 2" pitchFamily="18" charset="2"/>
+              <a:buChar char=""/>
+              <a:defRPr kumimoji="1" sz="1400" kern="1200">
+                <a:solidFill>
+                  <a:schemeClr val="tx1">
+                    <a:lumMod val="65000"/>
+                    <a:lumOff val="35000"/>
+                  </a:schemeClr>
+                </a:solidFill>
+                <a:latin typeface="+mn-lt"/>
+                <a:ea typeface="+mn-ea"/>
+                <a:cs typeface="+mn-cs"/>
+              </a:defRPr>
+            </a:lvl5pPr>
+            <a:lvl6pPr marL="2514600" indent="-228600" algn="l" defTabSz="914400" rtl="0" eaLnBrk="1" latinLnBrk="0" hangingPunct="1">
+              <a:lnSpc>
+                <a:spcPct val="90000"/>
+              </a:lnSpc>
+              <a:spcBef>
+                <a:spcPts val="250"/>
+              </a:spcBef>
+              <a:spcAft>
+                <a:spcPts val="250"/>
+              </a:spcAft>
+              <a:buClr>
+                <a:schemeClr val="accent1"/>
+              </a:buClr>
+              <a:buFont typeface="Wingdings 2" pitchFamily="18" charset="2"/>
+              <a:buChar char=""/>
+              <a:defRPr kumimoji="1" sz="1400" kern="1200">
+                <a:solidFill>
+                  <a:schemeClr val="tx1">
+                    <a:lumMod val="65000"/>
+                    <a:lumOff val="35000"/>
+                  </a:schemeClr>
+                </a:solidFill>
+                <a:latin typeface="+mn-lt"/>
+                <a:ea typeface="+mn-ea"/>
+                <a:cs typeface="+mn-cs"/>
+              </a:defRPr>
+            </a:lvl6pPr>
+            <a:lvl7pPr marL="2971800" indent="-228600" algn="l" defTabSz="914400" rtl="0" eaLnBrk="1" latinLnBrk="0" hangingPunct="1">
+              <a:lnSpc>
+                <a:spcPct val="90000"/>
+              </a:lnSpc>
+              <a:spcBef>
+                <a:spcPts val="250"/>
+              </a:spcBef>
+              <a:spcAft>
+                <a:spcPts val="250"/>
+              </a:spcAft>
+              <a:buClr>
+                <a:schemeClr val="accent1"/>
+              </a:buClr>
+              <a:buFont typeface="Wingdings 2" pitchFamily="18" charset="2"/>
+              <a:buChar char=""/>
+              <a:defRPr kumimoji="1" sz="1400" kern="1200">
+                <a:solidFill>
+                  <a:schemeClr val="tx1">
+                    <a:lumMod val="65000"/>
+                    <a:lumOff val="35000"/>
+                  </a:schemeClr>
+                </a:solidFill>
+                <a:latin typeface="+mn-lt"/>
+                <a:ea typeface="+mn-ea"/>
+                <a:cs typeface="+mn-cs"/>
+              </a:defRPr>
+            </a:lvl7pPr>
+            <a:lvl8pPr marL="3429000" indent="-228600" algn="l" defTabSz="914400" rtl="0" eaLnBrk="1" latinLnBrk="0" hangingPunct="1">
+              <a:lnSpc>
+                <a:spcPct val="90000"/>
+              </a:lnSpc>
+              <a:spcBef>
+                <a:spcPts val="250"/>
+              </a:spcBef>
+              <a:spcAft>
+                <a:spcPts val="250"/>
+              </a:spcAft>
+              <a:buClr>
+                <a:schemeClr val="accent1"/>
+              </a:buClr>
+              <a:buFont typeface="Wingdings 2" pitchFamily="18" charset="2"/>
+              <a:buChar char=""/>
+              <a:defRPr kumimoji="1" sz="1400" kern="1200">
+                <a:solidFill>
+                  <a:schemeClr val="tx1">
+                    <a:lumMod val="65000"/>
+                    <a:lumOff val="35000"/>
+                  </a:schemeClr>
+                </a:solidFill>
+                <a:latin typeface="+mn-lt"/>
+                <a:ea typeface="+mn-ea"/>
+                <a:cs typeface="+mn-cs"/>
+              </a:defRPr>
+            </a:lvl8pPr>
+            <a:lvl9pPr marL="3886200" indent="-228600" algn="l" defTabSz="914400" rtl="0" eaLnBrk="1" latinLnBrk="0" hangingPunct="1">
+              <a:lnSpc>
+                <a:spcPct val="90000"/>
+              </a:lnSpc>
+              <a:spcBef>
+                <a:spcPts val="250"/>
+              </a:spcBef>
+              <a:spcAft>
+                <a:spcPts val="250"/>
+              </a:spcAft>
+              <a:buClr>
+                <a:schemeClr val="accent1"/>
+              </a:buClr>
+              <a:buFont typeface="Wingdings 2" pitchFamily="18" charset="2"/>
+              <a:buChar char=""/>
+              <a:defRPr kumimoji="1" sz="1400" kern="1200">
+                <a:solidFill>
+                  <a:schemeClr val="tx1">
+                    <a:lumMod val="65000"/>
+                    <a:lumOff val="35000"/>
+                  </a:schemeClr>
+                </a:solidFill>
+                <a:latin typeface="+mn-lt"/>
+                <a:ea typeface="+mn-ea"/>
+                <a:cs typeface="+mn-cs"/>
+              </a:defRPr>
+            </a:lvl9pPr>
+          </a:lstStyle>
+          <a:p>
+            <a:pPr fontAlgn="base"/>
+            <a:r>
+              <a:rPr lang="ja-JP" altLang="en-US">
+                <a:latin typeface="Hiragino Kaku Gothic ProN W3" panose="020B0300000000000000" pitchFamily="34" charset="-128"/>
+                <a:ea typeface="Hiragino Kaku Gothic ProN W3" panose="020B0300000000000000" pitchFamily="34" charset="-128"/>
+              </a:rPr>
+              <a:t>メイクアップは、自分自身でそれが似合っているかどうかを客観的に判断することが難しい</a:t>
+            </a:r>
+          </a:p>
+          <a:p>
+            <a:pPr lvl="1" fontAlgn="base"/>
+            <a:r>
+              <a:rPr lang="ja-JP" altLang="en-US" sz="2000">
+                <a:latin typeface="Hiragino Kaku Gothic ProN W3" panose="020B0300000000000000" pitchFamily="34" charset="-128"/>
+                <a:ea typeface="Hiragino Kaku Gothic ProN W3" panose="020B0300000000000000" pitchFamily="34" charset="-128"/>
+              </a:rPr>
+              <a:t>自分がしているメイクアップに自信が持てず、不安になってしまう</a:t>
+            </a:r>
+          </a:p>
+          <a:p>
+            <a:pPr lvl="1" fontAlgn="base"/>
+            <a:r>
+              <a:rPr lang="ja-JP" altLang="en-US" sz="2000">
+                <a:latin typeface="Hiragino Kaku Gothic ProN W3" panose="020B0300000000000000" pitchFamily="34" charset="-128"/>
+                <a:ea typeface="Hiragino Kaku Gothic ProN W3" panose="020B0300000000000000" pitchFamily="34" charset="-128"/>
+              </a:rPr>
+              <a:t>メイクアップをどう改善したら良いのか分からない</a:t>
+            </a:r>
+            <a:br>
+              <a:rPr lang="ja-JP" altLang="en-US" sz="2000">
+                <a:latin typeface="Hiragino Kaku Gothic ProN W3" panose="020B0300000000000000" pitchFamily="34" charset="-128"/>
+                <a:ea typeface="Hiragino Kaku Gothic ProN W3" panose="020B0300000000000000" pitchFamily="34" charset="-128"/>
+              </a:rPr>
+            </a:br>
+            <a:br>
+              <a:rPr lang="ja-JP" altLang="en-US" sz="2000">
+                <a:latin typeface="Hiragino Kaku Gothic ProN W3" panose="020B0300000000000000" pitchFamily="34" charset="-128"/>
+                <a:ea typeface="Hiragino Kaku Gothic ProN W3" panose="020B0300000000000000" pitchFamily="34" charset="-128"/>
+              </a:rPr>
+            </a:br>
+            <a:endParaRPr lang="ja-JP" altLang="en-US" sz="2000">
+              <a:latin typeface="Hiragino Kaku Gothic ProN W3" panose="020B0300000000000000" pitchFamily="34" charset="-128"/>
+              <a:ea typeface="Hiragino Kaku Gothic ProN W3" panose="020B0300000000000000" pitchFamily="34" charset="-128"/>
+            </a:endParaRPr>
+          </a:p>
+          <a:p>
+            <a:pPr fontAlgn="base"/>
+            <a:r>
+              <a:rPr lang="ja-JP" altLang="en-US">
+                <a:latin typeface="Hiragino Kaku Gothic ProN W3" panose="020B0300000000000000" pitchFamily="34" charset="-128"/>
+                <a:ea typeface="Hiragino Kaku Gothic ProN W3" panose="020B0300000000000000" pitchFamily="34" charset="-128"/>
+              </a:rPr>
+              <a:t>メイクアップの印象を大きく左右する要素としてリップメイクに着目</a:t>
+            </a:r>
+          </a:p>
+          <a:p>
+            <a:pPr fontAlgn="base"/>
+            <a:r>
+              <a:rPr lang="ja-JP" altLang="en-US">
+                <a:latin typeface="Hiragino Kaku Gothic ProN W3" panose="020B0300000000000000" pitchFamily="34" charset="-128"/>
+                <a:ea typeface="Hiragino Kaku Gothic ProN W3" panose="020B0300000000000000" pitchFamily="34" charset="-128"/>
+              </a:rPr>
+              <a:t>人の顔画像から、その人に似合うリップカラーを機械学習で推定・提案するシステムを作成</a:t>
+            </a:r>
+          </a:p>
+          <a:p>
+            <a:pPr lvl="1" fontAlgn="base"/>
+            <a:r>
+              <a:rPr lang="ja-JP" altLang="en-US" sz="2000">
+                <a:latin typeface="Hiragino Kaku Gothic ProN W3" panose="020B0300000000000000" pitchFamily="34" charset="-128"/>
+                <a:ea typeface="Hiragino Kaku Gothic ProN W3" panose="020B0300000000000000" pitchFamily="34" charset="-128"/>
+              </a:rPr>
+              <a:t>似合うと推定されるリップカラーを利用者に提示することで、現在のメイクアップをどう改善すれば良いかの方向性を示すことができる</a:t>
+            </a:r>
+            <a:endParaRPr lang="en-US" altLang="ja-JP" sz="2000" dirty="0">
+              <a:latin typeface="Hiragino Kaku Gothic ProN W3" panose="020B0300000000000000" pitchFamily="34" charset="-128"/>
+              <a:ea typeface="Hiragino Kaku Gothic ProN W3" panose="020B0300000000000000" pitchFamily="34" charset="-128"/>
+            </a:endParaRPr>
+          </a:p>
+          <a:p>
+            <a:pPr lvl="1" fontAlgn="base"/>
+            <a:r>
+              <a:rPr lang="ja-JP" altLang="en-US" sz="2000">
+                <a:latin typeface="Hiragino Kaku Gothic ProN W3" panose="020B0300000000000000" pitchFamily="34" charset="-128"/>
+                <a:ea typeface="Hiragino Kaku Gothic ProN W3" panose="020B0300000000000000" pitchFamily="34" charset="-128"/>
+              </a:rPr>
+              <a:t>自分が現在使用しているリップカラーと近い色が提示されれば、不安の解消になる</a:t>
+            </a:r>
+          </a:p>
+          <a:p>
+            <a:endParaRPr lang="ja-JP" altLang="en-US">
+              <a:latin typeface="Hiragino Kaku Gothic ProN W3" panose="020B0300000000000000" pitchFamily="34" charset="-128"/>
+              <a:ea typeface="Hiragino Kaku Gothic ProN W3" panose="020B0300000000000000" pitchFamily="34" charset="-128"/>
+            </a:endParaRPr>
+          </a:p>
+        </p:txBody>
+      </p:sp>
+      <p:sp>
+        <p:nvSpPr>
+          <p:cNvPr id="6" name="タイトル 1">
+            <a:extLst>
+              <a:ext uri="{FF2B5EF4-FFF2-40B4-BE49-F238E27FC236}">
+                <a16:creationId xmlns:a16="http://schemas.microsoft.com/office/drawing/2014/main" id="{45A7B92C-AE3D-91D6-227C-099A94786625}"/>
+              </a:ext>
+            </a:extLst>
+          </p:cNvPr>
+          <p:cNvSpPr txBox="1">
+            <a:spLocks/>
+          </p:cNvSpPr>
+          <p:nvPr/>
+        </p:nvSpPr>
+        <p:spPr>
+          <a:xfrm>
+            <a:off x="252918" y="320508"/>
+            <a:ext cx="5843081" cy="771870"/>
+          </a:xfrm>
+          <a:prstGeom prst="rect">
+            <a:avLst/>
+          </a:prstGeom>
+        </p:spPr>
+        <p:txBody>
+          <a:bodyPr/>
+          <a:lstStyle>
+            <a:lvl1pPr algn="l" defTabSz="914400" rtl="0" eaLnBrk="1" latinLnBrk="0" hangingPunct="1">
+              <a:lnSpc>
+                <a:spcPct val="90000"/>
+              </a:lnSpc>
+              <a:spcBef>
+                <a:spcPct val="0"/>
+              </a:spcBef>
+              <a:buNone/>
+              <a:defRPr kumimoji="1" sz="3600" kern="1200" spc="-60" baseline="0">
+                <a:solidFill>
+                  <a:srgbClr val="FFFFFF"/>
+                </a:solidFill>
+                <a:latin typeface="+mj-lt"/>
+                <a:ea typeface="+mj-ea"/>
+                <a:cs typeface="+mj-cs"/>
+              </a:defRPr>
+            </a:lvl1pPr>
+          </a:lstStyle>
+          <a:p>
+            <a:r>
+              <a:rPr lang="ja-JP" altLang="en-US"/>
+              <a:t>研究の目的と背景</a:t>
+            </a:r>
+          </a:p>
+        </p:txBody>
+      </p:sp>
+    </p:spTree>
+    <p:extLst>
+      <p:ext uri="{BB962C8B-B14F-4D97-AF65-F5344CB8AC3E}">
+        <p14:creationId xmlns:p14="http://schemas.microsoft.com/office/powerpoint/2010/main" val="744230340"/>
+      </p:ext>
+    </p:extLst>
+  </p:cSld>
+  <p:clrMapOvr>
+    <a:masterClrMapping/>
+  </p:clrMapOvr>
+</p:sld>
+</file>
+
+<file path=ppt/slides/slide4.xml><?xml version="1.0" encoding="utf-8"?>
+<p:sld xmlns:a="http://schemas.openxmlformats.org/drawingml/2006/main" xmlns:r="http://schemas.openxmlformats.org/officeDocument/2006/relationships" xmlns:p="http://schemas.openxmlformats.org/presentationml/2006/main">
+  <p:cSld>
+    <p:spTree>
+      <p:nvGrpSpPr>
+        <p:cNvPr id="1" name=""/>
+        <p:cNvGrpSpPr/>
+        <p:nvPr/>
+      </p:nvGrpSpPr>
+      <p:grpSpPr>
+        <a:xfrm>
+          <a:off x="0" y="0"/>
+          <a:ext cx="0" cy="0"/>
+          <a:chOff x="0" y="0"/>
+          <a:chExt cx="0" cy="0"/>
+        </a:xfrm>
+      </p:grpSpPr>
+      <p:sp>
+        <p:nvSpPr>
+          <p:cNvPr id="7" name="正方形/長方形 6">
+            <a:extLst>
+              <a:ext uri="{FF2B5EF4-FFF2-40B4-BE49-F238E27FC236}">
+                <a16:creationId xmlns:a16="http://schemas.microsoft.com/office/drawing/2014/main" id="{D98ECB46-E3D4-3A0B-1D69-28EB8A1887F1}"/>
+              </a:ext>
+            </a:extLst>
+          </p:cNvPr>
+          <p:cNvSpPr/>
+          <p:nvPr/>
+        </p:nvSpPr>
+        <p:spPr>
+          <a:xfrm>
+            <a:off x="0" y="-1"/>
+            <a:ext cx="12192000" cy="1077091"/>
+          </a:xfrm>
+          <a:prstGeom prst="rect">
+            <a:avLst/>
+          </a:prstGeom>
+          <a:ln>
+            <a:noFill/>
+          </a:ln>
+        </p:spPr>
+        <p:style>
+          <a:lnRef idx="2">
+            <a:schemeClr val="accent1">
+              <a:shade val="50000"/>
+            </a:schemeClr>
+          </a:lnRef>
+          <a:fillRef idx="1">
+            <a:schemeClr val="accent1"/>
+          </a:fillRef>
+          <a:effectRef idx="0">
+            <a:schemeClr val="accent1"/>
+          </a:effectRef>
+          <a:fontRef idx="minor">
+            <a:schemeClr val="lt1"/>
+          </a:fontRef>
+        </p:style>
+        <p:txBody>
+          <a:bodyPr rtlCol="0" anchor="ctr"/>
+          <a:lstStyle/>
+          <a:p>
+            <a:pPr algn="ctr"/>
+            <a:endParaRPr kumimoji="1" lang="ja-JP" altLang="en-US"/>
+          </a:p>
+        </p:txBody>
+      </p:sp>
+      <p:sp>
+        <p:nvSpPr>
+          <p:cNvPr id="5" name="コンテンツ プレースホルダー 2">
+            <a:extLst>
+              <a:ext uri="{FF2B5EF4-FFF2-40B4-BE49-F238E27FC236}">
+                <a16:creationId xmlns:a16="http://schemas.microsoft.com/office/drawing/2014/main" id="{B040927F-1E6A-C26C-3C46-978E4552B438}"/>
+              </a:ext>
+            </a:extLst>
+          </p:cNvPr>
+          <p:cNvSpPr txBox="1">
+            <a:spLocks/>
+          </p:cNvSpPr>
+          <p:nvPr/>
+        </p:nvSpPr>
+        <p:spPr>
+          <a:xfrm>
+            <a:off x="576043" y="1432140"/>
+            <a:ext cx="11039913" cy="5120640"/>
+          </a:xfrm>
+          <a:prstGeom prst="rect">
+            <a:avLst/>
+          </a:prstGeom>
+        </p:spPr>
+        <p:txBody>
+          <a:bodyPr/>
+          <a:lstStyle>
+            <a:lvl1pPr marL="182880" indent="-182880" algn="l" defTabSz="914400" rtl="0" eaLnBrk="1" latinLnBrk="0" hangingPunct="1">
+              <a:lnSpc>
+                <a:spcPct val="90000"/>
+              </a:lnSpc>
+              <a:spcBef>
+                <a:spcPts val="1200"/>
+              </a:spcBef>
+              <a:buClr>
+                <a:schemeClr val="accent1"/>
+              </a:buClr>
+              <a:buFont typeface="Wingdings 2" pitchFamily="18" charset="2"/>
+              <a:buChar char=""/>
+              <a:defRPr kumimoji="1" sz="2000" kern="1200">
+                <a:solidFill>
+                  <a:schemeClr val="tx1">
+                    <a:lumMod val="65000"/>
+                    <a:lumOff val="35000"/>
+                  </a:schemeClr>
+                </a:solidFill>
+                <a:latin typeface="+mn-lt"/>
+                <a:ea typeface="+mn-ea"/>
+                <a:cs typeface="+mn-cs"/>
+              </a:defRPr>
+            </a:lvl1pPr>
+            <a:lvl2pPr marL="685800" indent="-182880" algn="l" defTabSz="914400" rtl="0" eaLnBrk="1" latinLnBrk="0" hangingPunct="1">
+              <a:lnSpc>
+                <a:spcPct val="90000"/>
+              </a:lnSpc>
+              <a:spcBef>
+                <a:spcPts val="250"/>
+              </a:spcBef>
+              <a:spcAft>
+                <a:spcPts val="250"/>
+              </a:spcAft>
+              <a:buClr>
+                <a:schemeClr val="accent1"/>
+              </a:buClr>
+              <a:buFont typeface="Wingdings 2" pitchFamily="18" charset="2"/>
+              <a:buChar char=""/>
+              <a:defRPr kumimoji="1" sz="1800" kern="1200">
+                <a:solidFill>
+                  <a:schemeClr val="tx1">
+                    <a:lumMod val="65000"/>
+                    <a:lumOff val="35000"/>
+                  </a:schemeClr>
+                </a:solidFill>
+                <a:latin typeface="+mn-lt"/>
+                <a:ea typeface="+mn-ea"/>
+                <a:cs typeface="+mn-cs"/>
+              </a:defRPr>
+            </a:lvl2pPr>
+            <a:lvl3pPr marL="1143000" indent="-182880" algn="l" defTabSz="914400" rtl="0" eaLnBrk="1" latinLnBrk="0" hangingPunct="1">
+              <a:lnSpc>
+                <a:spcPct val="90000"/>
+              </a:lnSpc>
+              <a:spcBef>
+                <a:spcPts val="250"/>
+              </a:spcBef>
+              <a:spcAft>
+                <a:spcPts val="250"/>
+              </a:spcAft>
+              <a:buClr>
+                <a:schemeClr val="accent1"/>
+              </a:buClr>
+              <a:buFont typeface="Wingdings 2" pitchFamily="18" charset="2"/>
+              <a:buChar char=""/>
+              <a:defRPr kumimoji="1" sz="1600" kern="1200">
+                <a:solidFill>
+                  <a:schemeClr val="tx1">
+                    <a:lumMod val="65000"/>
+                    <a:lumOff val="35000"/>
+                  </a:schemeClr>
+                </a:solidFill>
+                <a:latin typeface="+mn-lt"/>
+                <a:ea typeface="+mn-ea"/>
+                <a:cs typeface="+mn-cs"/>
+              </a:defRPr>
+            </a:lvl3pPr>
+            <a:lvl4pPr marL="1600200" indent="-182880" algn="l" defTabSz="914400" rtl="0" eaLnBrk="1" latinLnBrk="0" hangingPunct="1">
+              <a:lnSpc>
+                <a:spcPct val="90000"/>
+              </a:lnSpc>
+              <a:spcBef>
+                <a:spcPts val="250"/>
+              </a:spcBef>
+              <a:spcAft>
+                <a:spcPts val="250"/>
+              </a:spcAft>
+              <a:buClr>
+                <a:schemeClr val="accent1"/>
+              </a:buClr>
+              <a:buFont typeface="Wingdings 2" pitchFamily="18" charset="2"/>
+              <a:buChar char=""/>
+              <a:defRPr kumimoji="1" sz="1400" kern="1200">
+                <a:solidFill>
+                  <a:schemeClr val="tx1">
+                    <a:lumMod val="65000"/>
+                    <a:lumOff val="35000"/>
+                  </a:schemeClr>
+                </a:solidFill>
+                <a:latin typeface="+mn-lt"/>
+                <a:ea typeface="+mn-ea"/>
+                <a:cs typeface="+mn-cs"/>
+              </a:defRPr>
+            </a:lvl4pPr>
+            <a:lvl5pPr marL="2057400" indent="-182880" algn="l" defTabSz="914400" rtl="0" eaLnBrk="1" latinLnBrk="0" hangingPunct="1">
+              <a:lnSpc>
+                <a:spcPct val="90000"/>
+              </a:lnSpc>
+              <a:spcBef>
+                <a:spcPts val="250"/>
+              </a:spcBef>
+              <a:spcAft>
+                <a:spcPts val="250"/>
+              </a:spcAft>
+              <a:buClr>
+                <a:schemeClr val="accent1"/>
+              </a:buClr>
+              <a:buFont typeface="Wingdings 2" pitchFamily="18" charset="2"/>
+              <a:buChar char=""/>
+              <a:defRPr kumimoji="1" sz="1400" kern="1200">
+                <a:solidFill>
+                  <a:schemeClr val="tx1">
+                    <a:lumMod val="65000"/>
+                    <a:lumOff val="35000"/>
+                  </a:schemeClr>
+                </a:solidFill>
+                <a:latin typeface="+mn-lt"/>
+                <a:ea typeface="+mn-ea"/>
+                <a:cs typeface="+mn-cs"/>
+              </a:defRPr>
+            </a:lvl5pPr>
+            <a:lvl6pPr marL="2514600" indent="-228600" algn="l" defTabSz="914400" rtl="0" eaLnBrk="1" latinLnBrk="0" hangingPunct="1">
+              <a:lnSpc>
+                <a:spcPct val="90000"/>
+              </a:lnSpc>
+              <a:spcBef>
+                <a:spcPts val="250"/>
+              </a:spcBef>
+              <a:spcAft>
+                <a:spcPts val="250"/>
+              </a:spcAft>
+              <a:buClr>
+                <a:schemeClr val="accent1"/>
+              </a:buClr>
+              <a:buFont typeface="Wingdings 2" pitchFamily="18" charset="2"/>
+              <a:buChar char=""/>
+              <a:defRPr kumimoji="1" sz="1400" kern="1200">
+                <a:solidFill>
+                  <a:schemeClr val="tx1">
+                    <a:lumMod val="65000"/>
+                    <a:lumOff val="35000"/>
+                  </a:schemeClr>
+                </a:solidFill>
+                <a:latin typeface="+mn-lt"/>
+                <a:ea typeface="+mn-ea"/>
+                <a:cs typeface="+mn-cs"/>
+              </a:defRPr>
+            </a:lvl6pPr>
+            <a:lvl7pPr marL="2971800" indent="-228600" algn="l" defTabSz="914400" rtl="0" eaLnBrk="1" latinLnBrk="0" hangingPunct="1">
+              <a:lnSpc>
+                <a:spcPct val="90000"/>
+              </a:lnSpc>
+              <a:spcBef>
+                <a:spcPts val="250"/>
+              </a:spcBef>
+              <a:spcAft>
+                <a:spcPts val="250"/>
+              </a:spcAft>
+              <a:buClr>
+                <a:schemeClr val="accent1"/>
+              </a:buClr>
+              <a:buFont typeface="Wingdings 2" pitchFamily="18" charset="2"/>
+              <a:buChar char=""/>
+              <a:defRPr kumimoji="1" sz="1400" kern="1200">
+                <a:solidFill>
+                  <a:schemeClr val="tx1">
+                    <a:lumMod val="65000"/>
+                    <a:lumOff val="35000"/>
+                  </a:schemeClr>
+                </a:solidFill>
+                <a:latin typeface="+mn-lt"/>
+                <a:ea typeface="+mn-ea"/>
+                <a:cs typeface="+mn-cs"/>
+              </a:defRPr>
+            </a:lvl7pPr>
+            <a:lvl8pPr marL="3429000" indent="-228600" algn="l" defTabSz="914400" rtl="0" eaLnBrk="1" latinLnBrk="0" hangingPunct="1">
+              <a:lnSpc>
+                <a:spcPct val="90000"/>
+              </a:lnSpc>
+              <a:spcBef>
+                <a:spcPts val="250"/>
+              </a:spcBef>
+              <a:spcAft>
+                <a:spcPts val="250"/>
+              </a:spcAft>
+              <a:buClr>
+                <a:schemeClr val="accent1"/>
+              </a:buClr>
+              <a:buFont typeface="Wingdings 2" pitchFamily="18" charset="2"/>
+              <a:buChar char=""/>
+              <a:defRPr kumimoji="1" sz="1400" kern="1200">
+                <a:solidFill>
+                  <a:schemeClr val="tx1">
+                    <a:lumMod val="65000"/>
+                    <a:lumOff val="35000"/>
+                  </a:schemeClr>
+                </a:solidFill>
+                <a:latin typeface="+mn-lt"/>
+                <a:ea typeface="+mn-ea"/>
+                <a:cs typeface="+mn-cs"/>
+              </a:defRPr>
+            </a:lvl8pPr>
+            <a:lvl9pPr marL="3886200" indent="-228600" algn="l" defTabSz="914400" rtl="0" eaLnBrk="1" latinLnBrk="0" hangingPunct="1">
+              <a:lnSpc>
+                <a:spcPct val="90000"/>
+              </a:lnSpc>
+              <a:spcBef>
+                <a:spcPts val="250"/>
+              </a:spcBef>
+              <a:spcAft>
+                <a:spcPts val="250"/>
+              </a:spcAft>
+              <a:buClr>
+                <a:schemeClr val="accent1"/>
+              </a:buClr>
+              <a:buFont typeface="Wingdings 2" pitchFamily="18" charset="2"/>
+              <a:buChar char=""/>
+              <a:defRPr kumimoji="1" sz="1400" kern="1200">
+                <a:solidFill>
+                  <a:schemeClr val="tx1">
+                    <a:lumMod val="65000"/>
+                    <a:lumOff val="35000"/>
+                  </a:schemeClr>
+                </a:solidFill>
+                <a:latin typeface="+mn-lt"/>
+                <a:ea typeface="+mn-ea"/>
+                <a:cs typeface="+mn-cs"/>
+              </a:defRPr>
+            </a:lvl9pPr>
+          </a:lstStyle>
+          <a:p>
+            <a:endParaRPr lang="ja-JP" altLang="en-US">
+              <a:latin typeface="Hiragino Kaku Gothic ProN W3" panose="020B0300000000000000" pitchFamily="34" charset="-128"/>
+              <a:ea typeface="Hiragino Kaku Gothic ProN W3" panose="020B0300000000000000" pitchFamily="34" charset="-128"/>
+            </a:endParaRPr>
+          </a:p>
+        </p:txBody>
+      </p:sp>
+      <p:sp>
+        <p:nvSpPr>
+          <p:cNvPr id="6" name="タイトル 1">
+            <a:extLst>
+              <a:ext uri="{FF2B5EF4-FFF2-40B4-BE49-F238E27FC236}">
+                <a16:creationId xmlns:a16="http://schemas.microsoft.com/office/drawing/2014/main" id="{45A7B92C-AE3D-91D6-227C-099A94786625}"/>
+              </a:ext>
+            </a:extLst>
+          </p:cNvPr>
+          <p:cNvSpPr txBox="1">
+            <a:spLocks/>
+          </p:cNvSpPr>
+          <p:nvPr/>
+        </p:nvSpPr>
+        <p:spPr>
+          <a:xfrm>
+            <a:off x="252918" y="320508"/>
+            <a:ext cx="6599827" cy="771870"/>
+          </a:xfrm>
+          <a:prstGeom prst="rect">
+            <a:avLst/>
+          </a:prstGeom>
+        </p:spPr>
+        <p:txBody>
+          <a:bodyPr/>
+          <a:lstStyle>
+            <a:lvl1pPr algn="l" defTabSz="914400" rtl="0" eaLnBrk="1" latinLnBrk="0" hangingPunct="1">
+              <a:lnSpc>
+                <a:spcPct val="90000"/>
+              </a:lnSpc>
+              <a:spcBef>
+                <a:spcPct val="0"/>
+              </a:spcBef>
+              <a:buNone/>
+              <a:defRPr kumimoji="1" sz="3600" kern="1200" spc="-60" baseline="0">
+                <a:solidFill>
+                  <a:srgbClr val="FFFFFF"/>
+                </a:solidFill>
+                <a:latin typeface="+mj-lt"/>
+                <a:ea typeface="+mj-ea"/>
+                <a:cs typeface="+mj-cs"/>
+              </a:defRPr>
+            </a:lvl1pPr>
+          </a:lstStyle>
+          <a:p>
+            <a:r>
+              <a:rPr lang="ja-JP" altLang="en-US"/>
+              <a:t>関連システム①　</a:t>
+            </a:r>
+            <a:r>
+              <a:rPr lang="en-US" altLang="ja-JP" dirty="0"/>
+              <a:t>JINS BRAIN</a:t>
+            </a:r>
+            <a:endParaRPr lang="ja-JP" altLang="en-US"/>
+          </a:p>
+        </p:txBody>
+      </p:sp>
+    </p:spTree>
+    <p:extLst>
+      <p:ext uri="{BB962C8B-B14F-4D97-AF65-F5344CB8AC3E}">
+        <p14:creationId xmlns:p14="http://schemas.microsoft.com/office/powerpoint/2010/main" val="694897158"/>
+      </p:ext>
+    </p:extLst>
+  </p:cSld>
+  <p:clrMapOvr>
+    <a:masterClrMapping/>
+  </p:clrMapOvr>
+</p:sld>
+</file>
+
+<file path=ppt/slides/slide5.xml><?xml version="1.0" encoding="utf-8"?>
+<p:sld xmlns:a="http://schemas.openxmlformats.org/drawingml/2006/main" xmlns:r="http://schemas.openxmlformats.org/officeDocument/2006/relationships" xmlns:p="http://schemas.openxmlformats.org/presentationml/2006/main">
+  <p:cSld>
+    <p:spTree>
+      <p:nvGrpSpPr>
+        <p:cNvPr id="1" name=""/>
+        <p:cNvGrpSpPr/>
+        <p:nvPr/>
+      </p:nvGrpSpPr>
+      <p:grpSpPr>
+        <a:xfrm>
+          <a:off x="0" y="0"/>
+          <a:ext cx="0" cy="0"/>
+          <a:chOff x="0" y="0"/>
+          <a:chExt cx="0" cy="0"/>
+        </a:xfrm>
+      </p:grpSpPr>
+      <p:sp>
+        <p:nvSpPr>
+          <p:cNvPr id="7" name="正方形/長方形 6">
+            <a:extLst>
+              <a:ext uri="{FF2B5EF4-FFF2-40B4-BE49-F238E27FC236}">
+                <a16:creationId xmlns:a16="http://schemas.microsoft.com/office/drawing/2014/main" id="{D98ECB46-E3D4-3A0B-1D69-28EB8A1887F1}"/>
+              </a:ext>
+            </a:extLst>
+          </p:cNvPr>
+          <p:cNvSpPr/>
+          <p:nvPr/>
+        </p:nvSpPr>
+        <p:spPr>
+          <a:xfrm>
+            <a:off x="0" y="-1"/>
+            <a:ext cx="12192000" cy="1077091"/>
+          </a:xfrm>
+          <a:prstGeom prst="rect">
+            <a:avLst/>
+          </a:prstGeom>
+          <a:ln>
+            <a:noFill/>
+          </a:ln>
+        </p:spPr>
+        <p:style>
+          <a:lnRef idx="2">
+            <a:schemeClr val="accent1">
+              <a:shade val="50000"/>
+            </a:schemeClr>
+          </a:lnRef>
+          <a:fillRef idx="1">
+            <a:schemeClr val="accent1"/>
+          </a:fillRef>
+          <a:effectRef idx="0">
+            <a:schemeClr val="accent1"/>
+          </a:effectRef>
+          <a:fontRef idx="minor">
+            <a:schemeClr val="lt1"/>
+          </a:fontRef>
+        </p:style>
+        <p:txBody>
+          <a:bodyPr rtlCol="0" anchor="ctr"/>
+          <a:lstStyle/>
+          <a:p>
+            <a:pPr algn="ctr"/>
+            <a:endParaRPr kumimoji="1" lang="ja-JP" altLang="en-US"/>
+          </a:p>
+        </p:txBody>
+      </p:sp>
+      <p:sp>
+        <p:nvSpPr>
+          <p:cNvPr id="5" name="コンテンツ プレースホルダー 2">
+            <a:extLst>
+              <a:ext uri="{FF2B5EF4-FFF2-40B4-BE49-F238E27FC236}">
+                <a16:creationId xmlns:a16="http://schemas.microsoft.com/office/drawing/2014/main" id="{B040927F-1E6A-C26C-3C46-978E4552B438}"/>
+              </a:ext>
+            </a:extLst>
+          </p:cNvPr>
+          <p:cNvSpPr txBox="1">
+            <a:spLocks/>
+          </p:cNvSpPr>
+          <p:nvPr/>
+        </p:nvSpPr>
+        <p:spPr>
+          <a:xfrm>
+            <a:off x="576043" y="1432140"/>
+            <a:ext cx="11039913" cy="5120640"/>
+          </a:xfrm>
+          <a:prstGeom prst="rect">
+            <a:avLst/>
+          </a:prstGeom>
+        </p:spPr>
+        <p:txBody>
+          <a:bodyPr/>
+          <a:lstStyle>
+            <a:lvl1pPr marL="182880" indent="-182880" algn="l" defTabSz="914400" rtl="0" eaLnBrk="1" latinLnBrk="0" hangingPunct="1">
+              <a:lnSpc>
+                <a:spcPct val="90000"/>
+              </a:lnSpc>
+              <a:spcBef>
+                <a:spcPts val="1200"/>
+              </a:spcBef>
+              <a:buClr>
+                <a:schemeClr val="accent1"/>
+              </a:buClr>
+              <a:buFont typeface="Wingdings 2" pitchFamily="18" charset="2"/>
+              <a:buChar char=""/>
+              <a:defRPr kumimoji="1" sz="2000" kern="1200">
+                <a:solidFill>
+                  <a:schemeClr val="tx1">
+                    <a:lumMod val="65000"/>
+                    <a:lumOff val="35000"/>
+                  </a:schemeClr>
+                </a:solidFill>
+                <a:latin typeface="+mn-lt"/>
+                <a:ea typeface="+mn-ea"/>
+                <a:cs typeface="+mn-cs"/>
+              </a:defRPr>
+            </a:lvl1pPr>
+            <a:lvl2pPr marL="685800" indent="-182880" algn="l" defTabSz="914400" rtl="0" eaLnBrk="1" latinLnBrk="0" hangingPunct="1">
+              <a:lnSpc>
+                <a:spcPct val="90000"/>
+              </a:lnSpc>
+              <a:spcBef>
+                <a:spcPts val="250"/>
+              </a:spcBef>
+              <a:spcAft>
+                <a:spcPts val="250"/>
+              </a:spcAft>
+              <a:buClr>
+                <a:schemeClr val="accent1"/>
+              </a:buClr>
+              <a:buFont typeface="Wingdings 2" pitchFamily="18" charset="2"/>
+              <a:buChar char=""/>
+              <a:defRPr kumimoji="1" sz="1800" kern="1200">
+                <a:solidFill>
+                  <a:schemeClr val="tx1">
+                    <a:lumMod val="65000"/>
+                    <a:lumOff val="35000"/>
+                  </a:schemeClr>
+                </a:solidFill>
+                <a:latin typeface="+mn-lt"/>
+                <a:ea typeface="+mn-ea"/>
+                <a:cs typeface="+mn-cs"/>
+              </a:defRPr>
+            </a:lvl2pPr>
+            <a:lvl3pPr marL="1143000" indent="-182880" algn="l" defTabSz="914400" rtl="0" eaLnBrk="1" latinLnBrk="0" hangingPunct="1">
+              <a:lnSpc>
+                <a:spcPct val="90000"/>
+              </a:lnSpc>
+              <a:spcBef>
+                <a:spcPts val="250"/>
+              </a:spcBef>
+              <a:spcAft>
+                <a:spcPts val="250"/>
+              </a:spcAft>
+              <a:buClr>
+                <a:schemeClr val="accent1"/>
+              </a:buClr>
+              <a:buFont typeface="Wingdings 2" pitchFamily="18" charset="2"/>
+              <a:buChar char=""/>
+              <a:defRPr kumimoji="1" sz="1600" kern="1200">
+                <a:solidFill>
+                  <a:schemeClr val="tx1">
+                    <a:lumMod val="65000"/>
+                    <a:lumOff val="35000"/>
+                  </a:schemeClr>
+                </a:solidFill>
+                <a:latin typeface="+mn-lt"/>
+                <a:ea typeface="+mn-ea"/>
+                <a:cs typeface="+mn-cs"/>
+              </a:defRPr>
+            </a:lvl3pPr>
+            <a:lvl4pPr marL="1600200" indent="-182880" algn="l" defTabSz="914400" rtl="0" eaLnBrk="1" latinLnBrk="0" hangingPunct="1">
+              <a:lnSpc>
+                <a:spcPct val="90000"/>
+              </a:lnSpc>
+              <a:spcBef>
+                <a:spcPts val="250"/>
+              </a:spcBef>
+              <a:spcAft>
+                <a:spcPts val="250"/>
+              </a:spcAft>
+              <a:buClr>
+                <a:schemeClr val="accent1"/>
+              </a:buClr>
+              <a:buFont typeface="Wingdings 2" pitchFamily="18" charset="2"/>
+              <a:buChar char=""/>
+              <a:defRPr kumimoji="1" sz="1400" kern="1200">
+                <a:solidFill>
+                  <a:schemeClr val="tx1">
+                    <a:lumMod val="65000"/>
+                    <a:lumOff val="35000"/>
+                  </a:schemeClr>
+                </a:solidFill>
+                <a:latin typeface="+mn-lt"/>
+                <a:ea typeface="+mn-ea"/>
+                <a:cs typeface="+mn-cs"/>
+              </a:defRPr>
+            </a:lvl4pPr>
+            <a:lvl5pPr marL="2057400" indent="-182880" algn="l" defTabSz="914400" rtl="0" eaLnBrk="1" latinLnBrk="0" hangingPunct="1">
+              <a:lnSpc>
+                <a:spcPct val="90000"/>
+              </a:lnSpc>
+              <a:spcBef>
+                <a:spcPts val="250"/>
+              </a:spcBef>
+              <a:spcAft>
+                <a:spcPts val="250"/>
+              </a:spcAft>
+              <a:buClr>
+                <a:schemeClr val="accent1"/>
+              </a:buClr>
+              <a:buFont typeface="Wingdings 2" pitchFamily="18" charset="2"/>
+              <a:buChar char=""/>
+              <a:defRPr kumimoji="1" sz="1400" kern="1200">
+                <a:solidFill>
+                  <a:schemeClr val="tx1">
+                    <a:lumMod val="65000"/>
+                    <a:lumOff val="35000"/>
+                  </a:schemeClr>
+                </a:solidFill>
+                <a:latin typeface="+mn-lt"/>
+                <a:ea typeface="+mn-ea"/>
+                <a:cs typeface="+mn-cs"/>
+              </a:defRPr>
+            </a:lvl5pPr>
+            <a:lvl6pPr marL="2514600" indent="-228600" algn="l" defTabSz="914400" rtl="0" eaLnBrk="1" latinLnBrk="0" hangingPunct="1">
+              <a:lnSpc>
+                <a:spcPct val="90000"/>
+              </a:lnSpc>
+              <a:spcBef>
+                <a:spcPts val="250"/>
+              </a:spcBef>
+              <a:spcAft>
+                <a:spcPts val="250"/>
+              </a:spcAft>
+              <a:buClr>
+                <a:schemeClr val="accent1"/>
+              </a:buClr>
+              <a:buFont typeface="Wingdings 2" pitchFamily="18" charset="2"/>
+              <a:buChar char=""/>
+              <a:defRPr kumimoji="1" sz="1400" kern="1200">
+                <a:solidFill>
+                  <a:schemeClr val="tx1">
+                    <a:lumMod val="65000"/>
+                    <a:lumOff val="35000"/>
+                  </a:schemeClr>
+                </a:solidFill>
+                <a:latin typeface="+mn-lt"/>
+                <a:ea typeface="+mn-ea"/>
+                <a:cs typeface="+mn-cs"/>
+              </a:defRPr>
+            </a:lvl6pPr>
+            <a:lvl7pPr marL="2971800" indent="-228600" algn="l" defTabSz="914400" rtl="0" eaLnBrk="1" latinLnBrk="0" hangingPunct="1">
+              <a:lnSpc>
+                <a:spcPct val="90000"/>
+              </a:lnSpc>
+              <a:spcBef>
+                <a:spcPts val="250"/>
+              </a:spcBef>
+              <a:spcAft>
+                <a:spcPts val="250"/>
+              </a:spcAft>
+              <a:buClr>
+                <a:schemeClr val="accent1"/>
+              </a:buClr>
+              <a:buFont typeface="Wingdings 2" pitchFamily="18" charset="2"/>
+              <a:buChar char=""/>
+              <a:defRPr kumimoji="1" sz="1400" kern="1200">
+                <a:solidFill>
+                  <a:schemeClr val="tx1">
+                    <a:lumMod val="65000"/>
+                    <a:lumOff val="35000"/>
+                  </a:schemeClr>
+                </a:solidFill>
+                <a:latin typeface="+mn-lt"/>
+                <a:ea typeface="+mn-ea"/>
+                <a:cs typeface="+mn-cs"/>
+              </a:defRPr>
+            </a:lvl7pPr>
+            <a:lvl8pPr marL="3429000" indent="-228600" algn="l" defTabSz="914400" rtl="0" eaLnBrk="1" latinLnBrk="0" hangingPunct="1">
+              <a:lnSpc>
+                <a:spcPct val="90000"/>
+              </a:lnSpc>
+              <a:spcBef>
+                <a:spcPts val="250"/>
+              </a:spcBef>
+              <a:spcAft>
+                <a:spcPts val="250"/>
+              </a:spcAft>
+              <a:buClr>
+                <a:schemeClr val="accent1"/>
+              </a:buClr>
+              <a:buFont typeface="Wingdings 2" pitchFamily="18" charset="2"/>
+              <a:buChar char=""/>
+              <a:defRPr kumimoji="1" sz="1400" kern="1200">
+                <a:solidFill>
+                  <a:schemeClr val="tx1">
+                    <a:lumMod val="65000"/>
+                    <a:lumOff val="35000"/>
+                  </a:schemeClr>
+                </a:solidFill>
+                <a:latin typeface="+mn-lt"/>
+                <a:ea typeface="+mn-ea"/>
+                <a:cs typeface="+mn-cs"/>
+              </a:defRPr>
+            </a:lvl8pPr>
+            <a:lvl9pPr marL="3886200" indent="-228600" algn="l" defTabSz="914400" rtl="0" eaLnBrk="1" latinLnBrk="0" hangingPunct="1">
+              <a:lnSpc>
+                <a:spcPct val="90000"/>
+              </a:lnSpc>
+              <a:spcBef>
+                <a:spcPts val="250"/>
+              </a:spcBef>
+              <a:spcAft>
+                <a:spcPts val="250"/>
+              </a:spcAft>
+              <a:buClr>
+                <a:schemeClr val="accent1"/>
+              </a:buClr>
+              <a:buFont typeface="Wingdings 2" pitchFamily="18" charset="2"/>
+              <a:buChar char=""/>
+              <a:defRPr kumimoji="1" sz="1400" kern="1200">
+                <a:solidFill>
+                  <a:schemeClr val="tx1">
+                    <a:lumMod val="65000"/>
+                    <a:lumOff val="35000"/>
+                  </a:schemeClr>
+                </a:solidFill>
+                <a:latin typeface="+mn-lt"/>
+                <a:ea typeface="+mn-ea"/>
+                <a:cs typeface="+mn-cs"/>
+              </a:defRPr>
+            </a:lvl9pPr>
+          </a:lstStyle>
+          <a:p>
+            <a:endParaRPr lang="ja-JP" altLang="en-US">
+              <a:latin typeface="Hiragino Kaku Gothic ProN W3" panose="020B0300000000000000" pitchFamily="34" charset="-128"/>
+              <a:ea typeface="Hiragino Kaku Gothic ProN W3" panose="020B0300000000000000" pitchFamily="34" charset="-128"/>
+            </a:endParaRPr>
+          </a:p>
+        </p:txBody>
+      </p:sp>
+      <p:sp>
+        <p:nvSpPr>
+          <p:cNvPr id="6" name="タイトル 1">
+            <a:extLst>
+              <a:ext uri="{FF2B5EF4-FFF2-40B4-BE49-F238E27FC236}">
+                <a16:creationId xmlns:a16="http://schemas.microsoft.com/office/drawing/2014/main" id="{45A7B92C-AE3D-91D6-227C-099A94786625}"/>
+              </a:ext>
+            </a:extLst>
+          </p:cNvPr>
+          <p:cNvSpPr txBox="1">
+            <a:spLocks/>
+          </p:cNvSpPr>
+          <p:nvPr/>
+        </p:nvSpPr>
+        <p:spPr>
+          <a:xfrm>
+            <a:off x="252918" y="320508"/>
+            <a:ext cx="9206392" cy="771870"/>
+          </a:xfrm>
+          <a:prstGeom prst="rect">
+            <a:avLst/>
+          </a:prstGeom>
+        </p:spPr>
+        <p:txBody>
+          <a:bodyPr/>
+          <a:lstStyle>
+            <a:lvl1pPr algn="l" defTabSz="914400" rtl="0" eaLnBrk="1" latinLnBrk="0" hangingPunct="1">
+              <a:lnSpc>
+                <a:spcPct val="90000"/>
+              </a:lnSpc>
+              <a:spcBef>
+                <a:spcPct val="0"/>
+              </a:spcBef>
+              <a:buNone/>
+              <a:defRPr kumimoji="1" sz="3600" kern="1200" spc="-60" baseline="0">
+                <a:solidFill>
+                  <a:srgbClr val="FFFFFF"/>
+                </a:solidFill>
+                <a:latin typeface="+mj-lt"/>
+                <a:ea typeface="+mj-ea"/>
+                <a:cs typeface="+mj-cs"/>
+              </a:defRPr>
+            </a:lvl1pPr>
+          </a:lstStyle>
+          <a:p>
+            <a:r>
+              <a:rPr lang="ja-JP" altLang="en-US"/>
+              <a:t>関連システム②　</a:t>
+            </a:r>
+            <a:r>
+              <a:rPr lang="en-US" altLang="ja-JP" dirty="0"/>
+              <a:t>AR</a:t>
+            </a:r>
+            <a:r>
+              <a:rPr lang="ja-JP" altLang="en-US"/>
+              <a:t>タッチアップシステム</a:t>
+            </a:r>
+          </a:p>
+        </p:txBody>
+      </p:sp>
+    </p:spTree>
+    <p:extLst>
+      <p:ext uri="{BB962C8B-B14F-4D97-AF65-F5344CB8AC3E}">
+        <p14:creationId xmlns:p14="http://schemas.microsoft.com/office/powerpoint/2010/main" val="966176335"/>
+      </p:ext>
+    </p:extLst>
+  </p:cSld>
+  <p:clrMapOvr>
+    <a:masterClrMapping/>
+  </p:clrMapOvr>
+</p:sld>
+</file>
+
+<file path=ppt/slides/slide6.xml><?xml version="1.0" encoding="utf-8"?>
+<p:sld xmlns:a="http://schemas.openxmlformats.org/drawingml/2006/main" xmlns:r="http://schemas.openxmlformats.org/officeDocument/2006/relationships" xmlns:p="http://schemas.openxmlformats.org/presentationml/2006/main">
+  <p:cSld>
+    <p:spTree>
+      <p:nvGrpSpPr>
+        <p:cNvPr id="1" name=""/>
+        <p:cNvGrpSpPr/>
+        <p:nvPr/>
+      </p:nvGrpSpPr>
+      <p:grpSpPr>
+        <a:xfrm>
+          <a:off x="0" y="0"/>
+          <a:ext cx="0" cy="0"/>
+          <a:chOff x="0" y="0"/>
+          <a:chExt cx="0" cy="0"/>
+        </a:xfrm>
+      </p:grpSpPr>
+      <p:sp>
+        <p:nvSpPr>
+          <p:cNvPr id="7" name="正方形/長方形 6">
+            <a:extLst>
+              <a:ext uri="{FF2B5EF4-FFF2-40B4-BE49-F238E27FC236}">
+                <a16:creationId xmlns:a16="http://schemas.microsoft.com/office/drawing/2014/main" id="{D98ECB46-E3D4-3A0B-1D69-28EB8A1887F1}"/>
+              </a:ext>
+            </a:extLst>
+          </p:cNvPr>
+          <p:cNvSpPr/>
+          <p:nvPr/>
+        </p:nvSpPr>
+        <p:spPr>
+          <a:xfrm>
+            <a:off x="0" y="-1"/>
+            <a:ext cx="12192000" cy="1077091"/>
+          </a:xfrm>
+          <a:prstGeom prst="rect">
+            <a:avLst/>
+          </a:prstGeom>
+          <a:ln>
+            <a:noFill/>
+          </a:ln>
+        </p:spPr>
+        <p:style>
+          <a:lnRef idx="2">
+            <a:schemeClr val="accent1">
+              <a:shade val="50000"/>
+            </a:schemeClr>
+          </a:lnRef>
+          <a:fillRef idx="1">
+            <a:schemeClr val="accent1"/>
+          </a:fillRef>
+          <a:effectRef idx="0">
+            <a:schemeClr val="accent1"/>
+          </a:effectRef>
+          <a:fontRef idx="minor">
+            <a:schemeClr val="lt1"/>
+          </a:fontRef>
+        </p:style>
+        <p:txBody>
+          <a:bodyPr rtlCol="0" anchor="ctr"/>
+          <a:lstStyle/>
+          <a:p>
+            <a:pPr algn="ctr"/>
+            <a:endParaRPr kumimoji="1" lang="ja-JP" altLang="en-US"/>
+          </a:p>
+        </p:txBody>
+      </p:sp>
+      <p:sp>
+        <p:nvSpPr>
+          <p:cNvPr id="5" name="コンテンツ プレースホルダー 2">
+            <a:extLst>
+              <a:ext uri="{FF2B5EF4-FFF2-40B4-BE49-F238E27FC236}">
+                <a16:creationId xmlns:a16="http://schemas.microsoft.com/office/drawing/2014/main" id="{B040927F-1E6A-C26C-3C46-978E4552B438}"/>
+              </a:ext>
+            </a:extLst>
+          </p:cNvPr>
+          <p:cNvSpPr txBox="1">
+            <a:spLocks/>
+          </p:cNvSpPr>
+          <p:nvPr/>
+        </p:nvSpPr>
+        <p:spPr>
+          <a:xfrm>
+            <a:off x="576043" y="1432140"/>
+            <a:ext cx="11039913" cy="5120640"/>
+          </a:xfrm>
+          <a:prstGeom prst="rect">
+            <a:avLst/>
+          </a:prstGeom>
+        </p:spPr>
+        <p:txBody>
+          <a:bodyPr/>
+          <a:lstStyle>
+            <a:lvl1pPr marL="182880" indent="-182880" algn="l" defTabSz="914400" rtl="0" eaLnBrk="1" latinLnBrk="0" hangingPunct="1">
+              <a:lnSpc>
+                <a:spcPct val="90000"/>
+              </a:lnSpc>
+              <a:spcBef>
+                <a:spcPts val="1200"/>
+              </a:spcBef>
+              <a:buClr>
+                <a:schemeClr val="accent1"/>
+              </a:buClr>
+              <a:buFont typeface="Wingdings 2" pitchFamily="18" charset="2"/>
+              <a:buChar char=""/>
+              <a:defRPr kumimoji="1" sz="2000" kern="1200">
+                <a:solidFill>
+                  <a:schemeClr val="tx1">
+                    <a:lumMod val="65000"/>
+                    <a:lumOff val="35000"/>
+                  </a:schemeClr>
+                </a:solidFill>
+                <a:latin typeface="+mn-lt"/>
+                <a:ea typeface="+mn-ea"/>
+                <a:cs typeface="+mn-cs"/>
+              </a:defRPr>
+            </a:lvl1pPr>
+            <a:lvl2pPr marL="685800" indent="-182880" algn="l" defTabSz="914400" rtl="0" eaLnBrk="1" latinLnBrk="0" hangingPunct="1">
+              <a:lnSpc>
+                <a:spcPct val="90000"/>
+              </a:lnSpc>
+              <a:spcBef>
+                <a:spcPts val="250"/>
+              </a:spcBef>
+              <a:spcAft>
+                <a:spcPts val="250"/>
+              </a:spcAft>
+              <a:buClr>
+                <a:schemeClr val="accent1"/>
+              </a:buClr>
+              <a:buFont typeface="Wingdings 2" pitchFamily="18" charset="2"/>
+              <a:buChar char=""/>
+              <a:defRPr kumimoji="1" sz="1800" kern="1200">
+                <a:solidFill>
+                  <a:schemeClr val="tx1">
+                    <a:lumMod val="65000"/>
+                    <a:lumOff val="35000"/>
+                  </a:schemeClr>
+                </a:solidFill>
+                <a:latin typeface="+mn-lt"/>
+                <a:ea typeface="+mn-ea"/>
+                <a:cs typeface="+mn-cs"/>
+              </a:defRPr>
+            </a:lvl2pPr>
+            <a:lvl3pPr marL="1143000" indent="-182880" algn="l" defTabSz="914400" rtl="0" eaLnBrk="1" latinLnBrk="0" hangingPunct="1">
+              <a:lnSpc>
+                <a:spcPct val="90000"/>
+              </a:lnSpc>
+              <a:spcBef>
+                <a:spcPts val="250"/>
+              </a:spcBef>
+              <a:spcAft>
+                <a:spcPts val="250"/>
+              </a:spcAft>
+              <a:buClr>
+                <a:schemeClr val="accent1"/>
+              </a:buClr>
+              <a:buFont typeface="Wingdings 2" pitchFamily="18" charset="2"/>
+              <a:buChar char=""/>
+              <a:defRPr kumimoji="1" sz="1600" kern="1200">
+                <a:solidFill>
+                  <a:schemeClr val="tx1">
+                    <a:lumMod val="65000"/>
+                    <a:lumOff val="35000"/>
+                  </a:schemeClr>
+                </a:solidFill>
+                <a:latin typeface="+mn-lt"/>
+                <a:ea typeface="+mn-ea"/>
+                <a:cs typeface="+mn-cs"/>
+              </a:defRPr>
+            </a:lvl3pPr>
+            <a:lvl4pPr marL="1600200" indent="-182880" algn="l" defTabSz="914400" rtl="0" eaLnBrk="1" latinLnBrk="0" hangingPunct="1">
+              <a:lnSpc>
+                <a:spcPct val="90000"/>
+              </a:lnSpc>
+              <a:spcBef>
+                <a:spcPts val="250"/>
+              </a:spcBef>
+              <a:spcAft>
+                <a:spcPts val="250"/>
+              </a:spcAft>
+              <a:buClr>
+                <a:schemeClr val="accent1"/>
+              </a:buClr>
+              <a:buFont typeface="Wingdings 2" pitchFamily="18" charset="2"/>
+              <a:buChar char=""/>
+              <a:defRPr kumimoji="1" sz="1400" kern="1200">
+                <a:solidFill>
+                  <a:schemeClr val="tx1">
+                    <a:lumMod val="65000"/>
+                    <a:lumOff val="35000"/>
+                  </a:schemeClr>
+                </a:solidFill>
+                <a:latin typeface="+mn-lt"/>
+                <a:ea typeface="+mn-ea"/>
+                <a:cs typeface="+mn-cs"/>
+              </a:defRPr>
+            </a:lvl4pPr>
+            <a:lvl5pPr marL="2057400" indent="-182880" algn="l" defTabSz="914400" rtl="0" eaLnBrk="1" latinLnBrk="0" hangingPunct="1">
+              <a:lnSpc>
+                <a:spcPct val="90000"/>
+              </a:lnSpc>
+              <a:spcBef>
+                <a:spcPts val="250"/>
+              </a:spcBef>
+              <a:spcAft>
+                <a:spcPts val="250"/>
+              </a:spcAft>
+              <a:buClr>
+                <a:schemeClr val="accent1"/>
+              </a:buClr>
+              <a:buFont typeface="Wingdings 2" pitchFamily="18" charset="2"/>
+              <a:buChar char=""/>
+              <a:defRPr kumimoji="1" sz="1400" kern="1200">
+                <a:solidFill>
+                  <a:schemeClr val="tx1">
+                    <a:lumMod val="65000"/>
+                    <a:lumOff val="35000"/>
+                  </a:schemeClr>
+                </a:solidFill>
+                <a:latin typeface="+mn-lt"/>
+                <a:ea typeface="+mn-ea"/>
+                <a:cs typeface="+mn-cs"/>
+              </a:defRPr>
+            </a:lvl5pPr>
+            <a:lvl6pPr marL="2514600" indent="-228600" algn="l" defTabSz="914400" rtl="0" eaLnBrk="1" latinLnBrk="0" hangingPunct="1">
+              <a:lnSpc>
+                <a:spcPct val="90000"/>
+              </a:lnSpc>
+              <a:spcBef>
+                <a:spcPts val="250"/>
+              </a:spcBef>
+              <a:spcAft>
+                <a:spcPts val="250"/>
+              </a:spcAft>
+              <a:buClr>
+                <a:schemeClr val="accent1"/>
+              </a:buClr>
+              <a:buFont typeface="Wingdings 2" pitchFamily="18" charset="2"/>
+              <a:buChar char=""/>
+              <a:defRPr kumimoji="1" sz="1400" kern="1200">
+                <a:solidFill>
+                  <a:schemeClr val="tx1">
+                    <a:lumMod val="65000"/>
+                    <a:lumOff val="35000"/>
+                  </a:schemeClr>
+                </a:solidFill>
+                <a:latin typeface="+mn-lt"/>
+                <a:ea typeface="+mn-ea"/>
+                <a:cs typeface="+mn-cs"/>
+              </a:defRPr>
+            </a:lvl6pPr>
+            <a:lvl7pPr marL="2971800" indent="-228600" algn="l" defTabSz="914400" rtl="0" eaLnBrk="1" latinLnBrk="0" hangingPunct="1">
+              <a:lnSpc>
+                <a:spcPct val="90000"/>
+              </a:lnSpc>
+              <a:spcBef>
+                <a:spcPts val="250"/>
+              </a:spcBef>
+              <a:spcAft>
+                <a:spcPts val="250"/>
+              </a:spcAft>
+              <a:buClr>
+                <a:schemeClr val="accent1"/>
+              </a:buClr>
+              <a:buFont typeface="Wingdings 2" pitchFamily="18" charset="2"/>
+              <a:buChar char=""/>
+              <a:defRPr kumimoji="1" sz="1400" kern="1200">
+                <a:solidFill>
+                  <a:schemeClr val="tx1">
+                    <a:lumMod val="65000"/>
+                    <a:lumOff val="35000"/>
+                  </a:schemeClr>
+                </a:solidFill>
+                <a:latin typeface="+mn-lt"/>
+                <a:ea typeface="+mn-ea"/>
+                <a:cs typeface="+mn-cs"/>
+              </a:defRPr>
+            </a:lvl7pPr>
+            <a:lvl8pPr marL="3429000" indent="-228600" algn="l" defTabSz="914400" rtl="0" eaLnBrk="1" latinLnBrk="0" hangingPunct="1">
+              <a:lnSpc>
+                <a:spcPct val="90000"/>
+              </a:lnSpc>
+              <a:spcBef>
+                <a:spcPts val="250"/>
+              </a:spcBef>
+              <a:spcAft>
+                <a:spcPts val="250"/>
+              </a:spcAft>
+              <a:buClr>
+                <a:schemeClr val="accent1"/>
+              </a:buClr>
+              <a:buFont typeface="Wingdings 2" pitchFamily="18" charset="2"/>
+              <a:buChar char=""/>
+              <a:defRPr kumimoji="1" sz="1400" kern="1200">
+                <a:solidFill>
+                  <a:schemeClr val="tx1">
+                    <a:lumMod val="65000"/>
+                    <a:lumOff val="35000"/>
+                  </a:schemeClr>
+                </a:solidFill>
+                <a:latin typeface="+mn-lt"/>
+                <a:ea typeface="+mn-ea"/>
+                <a:cs typeface="+mn-cs"/>
+              </a:defRPr>
+            </a:lvl8pPr>
+            <a:lvl9pPr marL="3886200" indent="-228600" algn="l" defTabSz="914400" rtl="0" eaLnBrk="1" latinLnBrk="0" hangingPunct="1">
+              <a:lnSpc>
+                <a:spcPct val="90000"/>
+              </a:lnSpc>
+              <a:spcBef>
+                <a:spcPts val="250"/>
+              </a:spcBef>
+              <a:spcAft>
+                <a:spcPts val="250"/>
+              </a:spcAft>
+              <a:buClr>
+                <a:schemeClr val="accent1"/>
+              </a:buClr>
+              <a:buFont typeface="Wingdings 2" pitchFamily="18" charset="2"/>
+              <a:buChar char=""/>
+              <a:defRPr kumimoji="1" sz="1400" kern="1200">
+                <a:solidFill>
+                  <a:schemeClr val="tx1">
+                    <a:lumMod val="65000"/>
+                    <a:lumOff val="35000"/>
+                  </a:schemeClr>
+                </a:solidFill>
+                <a:latin typeface="+mn-lt"/>
+                <a:ea typeface="+mn-ea"/>
+                <a:cs typeface="+mn-cs"/>
+              </a:defRPr>
+            </a:lvl9pPr>
+          </a:lstStyle>
+          <a:p>
+            <a:pPr fontAlgn="base"/>
+            <a:r>
+              <a:rPr lang="ja-JP" altLang="en-US">
+                <a:latin typeface="Hiragino Kaku Gothic ProN W3" panose="020B0300000000000000" pitchFamily="34" charset="-128"/>
+                <a:ea typeface="Hiragino Kaku Gothic ProN W3" panose="020B0300000000000000" pitchFamily="34" charset="-128"/>
+              </a:rPr>
+              <a:t>肌色はリップカラーが似合うかどうかの判定にどう影響しているかを明らかにするための研究</a:t>
+            </a:r>
+          </a:p>
+          <a:p>
+            <a:pPr lvl="1" fontAlgn="base"/>
+            <a:r>
+              <a:rPr lang="en-US" altLang="ja-JP" sz="2000" dirty="0">
+                <a:latin typeface="Hiragino Kaku Gothic ProN W3" panose="020B0300000000000000" pitchFamily="34" charset="-128"/>
+                <a:ea typeface="Hiragino Kaku Gothic ProN W3" panose="020B0300000000000000" pitchFamily="34" charset="-128"/>
+              </a:rPr>
+              <a:t>1</a:t>
+            </a:r>
+            <a:r>
+              <a:rPr lang="ja-JP" altLang="en-US" sz="2000">
+                <a:latin typeface="Hiragino Kaku Gothic ProN W3" panose="020B0300000000000000" pitchFamily="34" charset="-128"/>
+                <a:ea typeface="Hiragino Kaku Gothic ProN W3" panose="020B0300000000000000" pitchFamily="34" charset="-128"/>
+              </a:rPr>
+              <a:t>人の女性の顔をベースとして、肌色</a:t>
+            </a:r>
+            <a:r>
+              <a:rPr lang="en-US" altLang="ja-JP" sz="2000" dirty="0">
+                <a:latin typeface="Hiragino Kaku Gothic ProN W3" panose="020B0300000000000000" pitchFamily="34" charset="-128"/>
+                <a:ea typeface="Hiragino Kaku Gothic ProN W3" panose="020B0300000000000000" pitchFamily="34" charset="-128"/>
+              </a:rPr>
+              <a:t>5</a:t>
+            </a:r>
+            <a:r>
+              <a:rPr lang="ja-JP" altLang="en-US" sz="2000">
+                <a:latin typeface="Hiragino Kaku Gothic ProN W3" panose="020B0300000000000000" pitchFamily="34" charset="-128"/>
+                <a:ea typeface="Hiragino Kaku Gothic ProN W3" panose="020B0300000000000000" pitchFamily="34" charset="-128"/>
+              </a:rPr>
+              <a:t>色</a:t>
+            </a:r>
+            <a:r>
+              <a:rPr lang="en-US" altLang="ja-JP" sz="2000" dirty="0">
+                <a:latin typeface="Hiragino Kaku Gothic ProN W3" panose="020B0300000000000000" pitchFamily="34" charset="-128"/>
+                <a:ea typeface="Hiragino Kaku Gothic ProN W3" panose="020B0300000000000000" pitchFamily="34" charset="-128"/>
+              </a:rPr>
+              <a:t>×</a:t>
+            </a:r>
+            <a:r>
+              <a:rPr lang="ja-JP" altLang="en-US" sz="2000">
+                <a:latin typeface="Hiragino Kaku Gothic ProN W3" panose="020B0300000000000000" pitchFamily="34" charset="-128"/>
+                <a:ea typeface="Hiragino Kaku Gothic ProN W3" panose="020B0300000000000000" pitchFamily="34" charset="-128"/>
+              </a:rPr>
+              <a:t>リップカラー</a:t>
+            </a:r>
+            <a:r>
+              <a:rPr lang="en-US" altLang="ja-JP" sz="2000" dirty="0">
+                <a:latin typeface="Hiragino Kaku Gothic ProN W3" panose="020B0300000000000000" pitchFamily="34" charset="-128"/>
+                <a:ea typeface="Hiragino Kaku Gothic ProN W3" panose="020B0300000000000000" pitchFamily="34" charset="-128"/>
+              </a:rPr>
+              <a:t>17</a:t>
+            </a:r>
+            <a:r>
+              <a:rPr lang="ja-JP" altLang="en-US" sz="2000">
+                <a:latin typeface="Hiragino Kaku Gothic ProN W3" panose="020B0300000000000000" pitchFamily="34" charset="-128"/>
+                <a:ea typeface="Hiragino Kaku Gothic ProN W3" panose="020B0300000000000000" pitchFamily="34" charset="-128"/>
+              </a:rPr>
+              <a:t>色の合計</a:t>
+            </a:r>
+            <a:r>
+              <a:rPr lang="en-US" altLang="ja-JP" sz="2000" dirty="0">
+                <a:latin typeface="Hiragino Kaku Gothic ProN W3" panose="020B0300000000000000" pitchFamily="34" charset="-128"/>
+                <a:ea typeface="Hiragino Kaku Gothic ProN W3" panose="020B0300000000000000" pitchFamily="34" charset="-128"/>
+              </a:rPr>
+              <a:t>85</a:t>
+            </a:r>
+            <a:r>
+              <a:rPr lang="ja-JP" altLang="en-US" sz="2000">
+                <a:latin typeface="Hiragino Kaku Gothic ProN W3" panose="020B0300000000000000" pitchFamily="34" charset="-128"/>
+                <a:ea typeface="Hiragino Kaku Gothic ProN W3" panose="020B0300000000000000" pitchFamily="34" charset="-128"/>
+              </a:rPr>
+              <a:t>種類の顔写真を作成</a:t>
+            </a:r>
+          </a:p>
+          <a:p>
+            <a:pPr lvl="1" fontAlgn="base"/>
+            <a:r>
+              <a:rPr lang="ja-JP" altLang="en-US" sz="2000">
+                <a:latin typeface="Hiragino Kaku Gothic ProN W3" panose="020B0300000000000000" pitchFamily="34" charset="-128"/>
+                <a:ea typeface="Hiragino Kaku Gothic ProN W3" panose="020B0300000000000000" pitchFamily="34" charset="-128"/>
+              </a:rPr>
+              <a:t>それらを被験者に見せて、リップカラーが似合っているかどうかのアンケート調査を実施</a:t>
+            </a:r>
+          </a:p>
+          <a:p>
+            <a:pPr lvl="1" fontAlgn="base"/>
+            <a:r>
+              <a:rPr lang="ja-JP" altLang="en-US" sz="2000">
+                <a:latin typeface="Hiragino Kaku Gothic ProN W3" panose="020B0300000000000000" pitchFamily="34" charset="-128"/>
+                <a:ea typeface="Hiragino Kaku Gothic ProN W3" panose="020B0300000000000000" pitchFamily="34" charset="-128"/>
+              </a:rPr>
+              <a:t>得られた結果を色彩調和論の観点から分析し、肌色と似合うリップカラーの関係性を明らかにしようとした</a:t>
+            </a:r>
+          </a:p>
+          <a:p>
+            <a:pPr lvl="1" fontAlgn="base"/>
+            <a:r>
+              <a:rPr lang="ja-JP" altLang="en-US" sz="2000">
+                <a:latin typeface="Hiragino Kaku Gothic ProN W3" panose="020B0300000000000000" pitchFamily="34" charset="-128"/>
+                <a:ea typeface="Hiragino Kaku Gothic ProN W3" panose="020B0300000000000000" pitchFamily="34" charset="-128"/>
+              </a:rPr>
+              <a:t>実験の結果</a:t>
+            </a:r>
+          </a:p>
+          <a:p>
+            <a:pPr lvl="2" fontAlgn="base"/>
+            <a:r>
+              <a:rPr lang="ja-JP" altLang="en-US" sz="2000">
+                <a:latin typeface="Hiragino Kaku Gothic ProN W3" panose="020B0300000000000000" pitchFamily="34" charset="-128"/>
+                <a:ea typeface="Hiragino Kaku Gothic ProN W3" panose="020B0300000000000000" pitchFamily="34" charset="-128"/>
+              </a:rPr>
+              <a:t>肌色と似合うリップカラーにはある程度の関係性がある（リップカラーと肌色の明度差、色相差、彩度差の順で影響）</a:t>
+            </a:r>
+          </a:p>
+          <a:p>
+            <a:pPr fontAlgn="base"/>
+            <a:r>
+              <a:rPr lang="ja-JP" altLang="en-US">
+                <a:latin typeface="Hiragino Kaku Gothic ProN W3" panose="020B0300000000000000" pitchFamily="34" charset="-128"/>
+                <a:ea typeface="Hiragino Kaku Gothic ProN W3" panose="020B0300000000000000" pitchFamily="34" charset="-128"/>
+              </a:rPr>
+              <a:t>肌色から似合うリップカラーを機械学習で推定するという方法は、ある程度妥当性があると言える</a:t>
+            </a:r>
+            <a:endParaRPr lang="en-US" altLang="ja-JP" dirty="0">
+              <a:latin typeface="Hiragino Kaku Gothic ProN W3" panose="020B0300000000000000" pitchFamily="34" charset="-128"/>
+              <a:ea typeface="Hiragino Kaku Gothic ProN W3" panose="020B0300000000000000" pitchFamily="34" charset="-128"/>
+            </a:endParaRPr>
+          </a:p>
+          <a:p>
+            <a:pPr fontAlgn="base"/>
+            <a:endParaRPr lang="en-US" altLang="ja-JP" dirty="0">
+              <a:latin typeface="Hiragino Kaku Gothic ProN W3" panose="020B0300000000000000" pitchFamily="34" charset="-128"/>
+              <a:ea typeface="Hiragino Kaku Gothic ProN W3" panose="020B0300000000000000" pitchFamily="34" charset="-128"/>
+            </a:endParaRPr>
+          </a:p>
+          <a:p>
+            <a:pPr marL="0" indent="0" fontAlgn="base">
+              <a:buNone/>
+            </a:pPr>
+            <a:endParaRPr lang="en-US" altLang="ja-JP" dirty="0">
+              <a:latin typeface="Hiragino Kaku Gothic ProN W3" panose="020B0300000000000000" pitchFamily="34" charset="-128"/>
+              <a:ea typeface="Hiragino Kaku Gothic ProN W3" panose="020B0300000000000000" pitchFamily="34" charset="-128"/>
+            </a:endParaRPr>
+          </a:p>
+          <a:p>
+            <a:pPr marL="0" indent="0" algn="r" rtl="0">
+              <a:spcBef>
+                <a:spcPts val="0"/>
+              </a:spcBef>
+              <a:spcAft>
+                <a:spcPts val="0"/>
+              </a:spcAft>
+              <a:buNone/>
+            </a:pPr>
+            <a:r>
+              <a:rPr lang="ja-JP" altLang="en-US" sz="1400" u="none" strike="noStrike">
+                <a:solidFill>
+                  <a:srgbClr val="666666"/>
+                </a:solidFill>
+                <a:effectLst/>
+                <a:latin typeface="Hiragino Kaku Gothic ProN W3" panose="020B0300000000000000" pitchFamily="34" charset="-128"/>
+                <a:ea typeface="Hiragino Kaku Gothic ProN W3" panose="020B0300000000000000" pitchFamily="34" charset="-128"/>
+              </a:rPr>
+              <a:t>平山 賢哉</a:t>
+            </a:r>
+            <a:r>
+              <a:rPr lang="en-US" altLang="ja-JP" sz="1400" u="none" strike="noStrike" dirty="0">
+                <a:solidFill>
+                  <a:srgbClr val="666666"/>
+                </a:solidFill>
+                <a:effectLst/>
+                <a:latin typeface="Hiragino Kaku Gothic ProN W3" panose="020B0300000000000000" pitchFamily="34" charset="-128"/>
+                <a:ea typeface="Hiragino Kaku Gothic ProN W3" panose="020B0300000000000000" pitchFamily="34" charset="-128"/>
+              </a:rPr>
+              <a:t>, </a:t>
+            </a:r>
+            <a:r>
+              <a:rPr lang="ja-JP" altLang="en-US" sz="1400" u="none" strike="noStrike">
+                <a:solidFill>
+                  <a:srgbClr val="666666"/>
+                </a:solidFill>
+                <a:effectLst/>
+                <a:latin typeface="Hiragino Kaku Gothic ProN W3" panose="020B0300000000000000" pitchFamily="34" charset="-128"/>
+                <a:ea typeface="Hiragino Kaku Gothic ProN W3" panose="020B0300000000000000" pitchFamily="34" charset="-128"/>
+              </a:rPr>
+              <a:t>山本 美恵子</a:t>
+            </a:r>
+            <a:r>
+              <a:rPr lang="en-US" altLang="ja-JP" sz="1400" u="none" strike="noStrike" dirty="0">
+                <a:solidFill>
+                  <a:srgbClr val="666666"/>
+                </a:solidFill>
+                <a:effectLst/>
+                <a:latin typeface="Hiragino Kaku Gothic ProN W3" panose="020B0300000000000000" pitchFamily="34" charset="-128"/>
+                <a:ea typeface="Hiragino Kaku Gothic ProN W3" panose="020B0300000000000000" pitchFamily="34" charset="-128"/>
+              </a:rPr>
+              <a:t>, </a:t>
+            </a:r>
+            <a:r>
+              <a:rPr lang="ja-JP" altLang="en-US" sz="1400" u="none" strike="noStrike">
+                <a:solidFill>
+                  <a:srgbClr val="666666"/>
+                </a:solidFill>
+                <a:effectLst/>
+                <a:latin typeface="Hiragino Kaku Gothic ProN W3" panose="020B0300000000000000" pitchFamily="34" charset="-128"/>
+                <a:ea typeface="Hiragino Kaku Gothic ProN W3" panose="020B0300000000000000" pitchFamily="34" charset="-128"/>
+              </a:rPr>
+              <a:t>山崎 和広</a:t>
+            </a:r>
+            <a:r>
+              <a:rPr lang="en-US" altLang="ja-JP" sz="1400" u="none" strike="noStrike" dirty="0">
+                <a:solidFill>
+                  <a:srgbClr val="666666"/>
+                </a:solidFill>
+                <a:effectLst/>
+                <a:latin typeface="Hiragino Kaku Gothic ProN W3" panose="020B0300000000000000" pitchFamily="34" charset="-128"/>
+                <a:ea typeface="Hiragino Kaku Gothic ProN W3" panose="020B0300000000000000" pitchFamily="34" charset="-128"/>
+              </a:rPr>
+              <a:t>, </a:t>
+            </a:r>
+            <a:r>
+              <a:rPr lang="ja-JP" altLang="en-US" sz="1400" u="none" strike="noStrike">
+                <a:solidFill>
+                  <a:srgbClr val="666666"/>
+                </a:solidFill>
+                <a:effectLst/>
+                <a:latin typeface="Hiragino Kaku Gothic ProN W3" panose="020B0300000000000000" pitchFamily="34" charset="-128"/>
+                <a:ea typeface="Hiragino Kaku Gothic ProN W3" panose="020B0300000000000000" pitchFamily="34" charset="-128"/>
+              </a:rPr>
+              <a:t>木村 知史</a:t>
+            </a:r>
+            <a:r>
+              <a:rPr lang="en-US" altLang="ja-JP" sz="1400" u="none" strike="noStrike" dirty="0">
+                <a:solidFill>
+                  <a:srgbClr val="666666"/>
+                </a:solidFill>
+                <a:effectLst/>
+                <a:latin typeface="Hiragino Kaku Gothic ProN W3" panose="020B0300000000000000" pitchFamily="34" charset="-128"/>
+                <a:ea typeface="Hiragino Kaku Gothic ProN W3" panose="020B0300000000000000" pitchFamily="34" charset="-128"/>
+              </a:rPr>
+              <a:t>, </a:t>
+            </a:r>
+            <a:r>
+              <a:rPr lang="ja-JP" altLang="en-US" sz="1400" u="none" strike="noStrike">
+                <a:solidFill>
+                  <a:srgbClr val="666666"/>
+                </a:solidFill>
+                <a:effectLst/>
+                <a:latin typeface="Hiragino Kaku Gothic ProN W3" panose="020B0300000000000000" pitchFamily="34" charset="-128"/>
+                <a:ea typeface="Hiragino Kaku Gothic ProN W3" panose="020B0300000000000000" pitchFamily="34" charset="-128"/>
+              </a:rPr>
+              <a:t>肌色と似合うリップカラーの色彩調和に関する研究</a:t>
+            </a:r>
+            <a:r>
+              <a:rPr lang="en-US" altLang="ja-JP" sz="1400" u="none" strike="noStrike" dirty="0">
+                <a:solidFill>
+                  <a:srgbClr val="666666"/>
+                </a:solidFill>
+                <a:effectLst/>
+                <a:latin typeface="Hiragino Kaku Gothic ProN W3" panose="020B0300000000000000" pitchFamily="34" charset="-128"/>
+                <a:ea typeface="Hiragino Kaku Gothic ProN W3" panose="020B0300000000000000" pitchFamily="34" charset="-128"/>
+              </a:rPr>
+              <a:t>, </a:t>
+            </a:r>
+            <a:endParaRPr lang="ja-JP" altLang="en-US" sz="1400">
+              <a:effectLst/>
+              <a:latin typeface="Hiragino Kaku Gothic ProN W3" panose="020B0300000000000000" pitchFamily="34" charset="-128"/>
+              <a:ea typeface="Hiragino Kaku Gothic ProN W3" panose="020B0300000000000000" pitchFamily="34" charset="-128"/>
+            </a:endParaRPr>
+          </a:p>
+          <a:p>
+            <a:pPr marL="0" indent="0" algn="r" rtl="0">
+              <a:spcBef>
+                <a:spcPts val="0"/>
+              </a:spcBef>
+              <a:spcAft>
+                <a:spcPts val="0"/>
+              </a:spcAft>
+              <a:buNone/>
+            </a:pPr>
+            <a:r>
+              <a:rPr lang="ja-JP" altLang="en-US" sz="1400" u="none" strike="noStrike">
+                <a:solidFill>
+                  <a:srgbClr val="666666"/>
+                </a:solidFill>
+                <a:effectLst/>
+                <a:latin typeface="Hiragino Kaku Gothic ProN W3" panose="020B0300000000000000" pitchFamily="34" charset="-128"/>
+                <a:ea typeface="Hiragino Kaku Gothic ProN W3" panose="020B0300000000000000" pitchFamily="34" charset="-128"/>
+              </a:rPr>
+              <a:t>日本化粧品技術者会誌</a:t>
+            </a:r>
+            <a:r>
+              <a:rPr lang="en-US" altLang="ja-JP" sz="1400" u="none" strike="noStrike" dirty="0">
+                <a:solidFill>
+                  <a:srgbClr val="666666"/>
+                </a:solidFill>
+                <a:effectLst/>
+                <a:latin typeface="Hiragino Kaku Gothic ProN W3" panose="020B0300000000000000" pitchFamily="34" charset="-128"/>
+                <a:ea typeface="Hiragino Kaku Gothic ProN W3" panose="020B0300000000000000" pitchFamily="34" charset="-128"/>
+              </a:rPr>
+              <a:t>, 32</a:t>
+            </a:r>
+            <a:r>
+              <a:rPr lang="ja-JP" altLang="en-US" sz="1400" u="none" strike="noStrike">
+                <a:solidFill>
+                  <a:srgbClr val="666666"/>
+                </a:solidFill>
+                <a:effectLst/>
+                <a:latin typeface="Hiragino Kaku Gothic ProN W3" panose="020B0300000000000000" pitchFamily="34" charset="-128"/>
+                <a:ea typeface="Hiragino Kaku Gothic ProN W3" panose="020B0300000000000000" pitchFamily="34" charset="-128"/>
+              </a:rPr>
+              <a:t>巻</a:t>
+            </a:r>
+            <a:r>
+              <a:rPr lang="en-US" altLang="ja-JP" sz="1400" u="none" strike="noStrike" dirty="0">
+                <a:solidFill>
+                  <a:srgbClr val="666666"/>
+                </a:solidFill>
+                <a:effectLst/>
+                <a:latin typeface="Hiragino Kaku Gothic ProN W3" panose="020B0300000000000000" pitchFamily="34" charset="-128"/>
+                <a:ea typeface="Hiragino Kaku Gothic ProN W3" panose="020B0300000000000000" pitchFamily="34" charset="-128"/>
+              </a:rPr>
+              <a:t>2</a:t>
+            </a:r>
+            <a:r>
+              <a:rPr lang="ja-JP" altLang="en-US" sz="1400" u="none" strike="noStrike">
+                <a:solidFill>
+                  <a:srgbClr val="666666"/>
+                </a:solidFill>
+                <a:effectLst/>
+                <a:latin typeface="Hiragino Kaku Gothic ProN W3" panose="020B0300000000000000" pitchFamily="34" charset="-128"/>
+                <a:ea typeface="Hiragino Kaku Gothic ProN W3" panose="020B0300000000000000" pitchFamily="34" charset="-128"/>
+              </a:rPr>
+              <a:t>号</a:t>
+            </a:r>
+            <a:r>
+              <a:rPr lang="en-US" altLang="ja-JP" sz="1400" u="none" strike="noStrike" dirty="0">
+                <a:solidFill>
+                  <a:srgbClr val="666666"/>
+                </a:solidFill>
+                <a:effectLst/>
+                <a:latin typeface="Hiragino Kaku Gothic ProN W3" panose="020B0300000000000000" pitchFamily="34" charset="-128"/>
+                <a:ea typeface="Hiragino Kaku Gothic ProN W3" panose="020B0300000000000000" pitchFamily="34" charset="-128"/>
+              </a:rPr>
+              <a:t>, 1998</a:t>
+            </a:r>
+            <a:r>
+              <a:rPr lang="ja-JP" altLang="en-US" sz="1400" u="none" strike="noStrike">
+                <a:solidFill>
+                  <a:srgbClr val="666666"/>
+                </a:solidFill>
+                <a:effectLst/>
+                <a:latin typeface="Hiragino Kaku Gothic ProN W3" panose="020B0300000000000000" pitchFamily="34" charset="-128"/>
+                <a:ea typeface="Hiragino Kaku Gothic ProN W3" panose="020B0300000000000000" pitchFamily="34" charset="-128"/>
+              </a:rPr>
+              <a:t>年</a:t>
+            </a:r>
+            <a:r>
+              <a:rPr lang="en-US" altLang="ja-JP" sz="1400" u="none" strike="noStrike" dirty="0">
+                <a:solidFill>
+                  <a:srgbClr val="666666"/>
+                </a:solidFill>
+                <a:effectLst/>
+                <a:latin typeface="Hiragino Kaku Gothic ProN W3" panose="020B0300000000000000" pitchFamily="34" charset="-128"/>
+                <a:ea typeface="Hiragino Kaku Gothic ProN W3" panose="020B0300000000000000" pitchFamily="34" charset="-128"/>
+              </a:rPr>
+              <a:t>, </a:t>
+            </a:r>
+            <a:r>
+              <a:rPr lang="en" altLang="ja-JP" sz="1400" u="none" strike="noStrike" dirty="0">
+                <a:solidFill>
+                  <a:srgbClr val="666666"/>
+                </a:solidFill>
+                <a:effectLst/>
+                <a:latin typeface="Hiragino Kaku Gothic ProN W3" panose="020B0300000000000000" pitchFamily="34" charset="-128"/>
+                <a:ea typeface="Hiragino Kaku Gothic ProN W3" panose="020B0300000000000000" pitchFamily="34" charset="-128"/>
+              </a:rPr>
+              <a:t>P.170-177</a:t>
+            </a:r>
+            <a:endParaRPr lang="en" altLang="ja-JP" sz="1400" dirty="0">
+              <a:effectLst/>
+              <a:latin typeface="Hiragino Kaku Gothic ProN W3" panose="020B0300000000000000" pitchFamily="34" charset="-128"/>
+              <a:ea typeface="Hiragino Kaku Gothic ProN W3" panose="020B0300000000000000" pitchFamily="34" charset="-128"/>
+            </a:endParaRPr>
+          </a:p>
+        </p:txBody>
+      </p:sp>
+      <p:sp>
+        <p:nvSpPr>
+          <p:cNvPr id="6" name="タイトル 1">
+            <a:extLst>
+              <a:ext uri="{FF2B5EF4-FFF2-40B4-BE49-F238E27FC236}">
+                <a16:creationId xmlns:a16="http://schemas.microsoft.com/office/drawing/2014/main" id="{45A7B92C-AE3D-91D6-227C-099A94786625}"/>
+              </a:ext>
+            </a:extLst>
+          </p:cNvPr>
+          <p:cNvSpPr txBox="1">
+            <a:spLocks/>
+          </p:cNvSpPr>
+          <p:nvPr/>
+        </p:nvSpPr>
+        <p:spPr>
+          <a:xfrm>
+            <a:off x="252918" y="320508"/>
+            <a:ext cx="11757850" cy="771870"/>
+          </a:xfrm>
+          <a:prstGeom prst="rect">
+            <a:avLst/>
+          </a:prstGeom>
+        </p:spPr>
+        <p:txBody>
+          <a:bodyPr/>
+          <a:lstStyle>
+            <a:lvl1pPr algn="l" defTabSz="914400" rtl="0" eaLnBrk="1" latinLnBrk="0" hangingPunct="1">
+              <a:lnSpc>
+                <a:spcPct val="90000"/>
+              </a:lnSpc>
+              <a:spcBef>
+                <a:spcPct val="0"/>
+              </a:spcBef>
+              <a:buNone/>
+              <a:defRPr kumimoji="1" sz="3600" kern="1200" spc="-60" baseline="0">
+                <a:solidFill>
+                  <a:srgbClr val="FFFFFF"/>
+                </a:solidFill>
+                <a:latin typeface="+mj-lt"/>
+                <a:ea typeface="+mj-ea"/>
+                <a:cs typeface="+mj-cs"/>
+              </a:defRPr>
+            </a:lvl1pPr>
+          </a:lstStyle>
+          <a:p>
+            <a:r>
+              <a:rPr lang="ja-JP" altLang="en-US" sz="3000"/>
+              <a:t>関連研究① </a:t>
+            </a:r>
+            <a:r>
+              <a:rPr lang="en-US" altLang="ja-JP" sz="3000" dirty="0"/>
+              <a:t>『</a:t>
+            </a:r>
+            <a:r>
+              <a:rPr lang="ja-JP" altLang="en-US" sz="3000"/>
+              <a:t>肌色と似合うリップカラーの色彩調和に関する研究</a:t>
+            </a:r>
+            <a:r>
+              <a:rPr lang="en-US" altLang="ja-JP" sz="3000" dirty="0"/>
+              <a:t>』</a:t>
+            </a:r>
+            <a:endParaRPr lang="ja-JP" altLang="en-US" sz="3000"/>
+          </a:p>
+        </p:txBody>
+      </p:sp>
+    </p:spTree>
+    <p:extLst>
+      <p:ext uri="{BB962C8B-B14F-4D97-AF65-F5344CB8AC3E}">
+        <p14:creationId xmlns:p14="http://schemas.microsoft.com/office/powerpoint/2010/main" val="3708408085"/>
+      </p:ext>
+    </p:extLst>
+  </p:cSld>
+  <p:clrMapOvr>
+    <a:masterClrMapping/>
+  </p:clrMapOvr>
+</p:sld>
+</file>
+
+<file path=ppt/slides/slide7.xml><?xml version="1.0" encoding="utf-8"?>
+<p:sld xmlns:a="http://schemas.openxmlformats.org/drawingml/2006/main" xmlns:r="http://schemas.openxmlformats.org/officeDocument/2006/relationships" xmlns:p="http://schemas.openxmlformats.org/presentationml/2006/main">
+  <p:cSld>
+    <p:spTree>
+      <p:nvGrpSpPr>
+        <p:cNvPr id="1" name=""/>
+        <p:cNvGrpSpPr/>
+        <p:nvPr/>
+      </p:nvGrpSpPr>
+      <p:grpSpPr>
+        <a:xfrm>
+          <a:off x="0" y="0"/>
+          <a:ext cx="0" cy="0"/>
+          <a:chOff x="0" y="0"/>
+          <a:chExt cx="0" cy="0"/>
+        </a:xfrm>
+      </p:grpSpPr>
+      <p:sp>
+        <p:nvSpPr>
+          <p:cNvPr id="7" name="正方形/長方形 6">
+            <a:extLst>
+              <a:ext uri="{FF2B5EF4-FFF2-40B4-BE49-F238E27FC236}">
+                <a16:creationId xmlns:a16="http://schemas.microsoft.com/office/drawing/2014/main" id="{D98ECB46-E3D4-3A0B-1D69-28EB8A1887F1}"/>
+              </a:ext>
+            </a:extLst>
+          </p:cNvPr>
+          <p:cNvSpPr/>
+          <p:nvPr/>
+        </p:nvSpPr>
+        <p:spPr>
+          <a:xfrm>
+            <a:off x="0" y="-1"/>
+            <a:ext cx="12192000" cy="1077091"/>
+          </a:xfrm>
+          <a:prstGeom prst="rect">
+            <a:avLst/>
+          </a:prstGeom>
+          <a:ln>
+            <a:noFill/>
+          </a:ln>
+        </p:spPr>
+        <p:style>
+          <a:lnRef idx="2">
+            <a:schemeClr val="accent1">
+              <a:shade val="50000"/>
+            </a:schemeClr>
+          </a:lnRef>
+          <a:fillRef idx="1">
+            <a:schemeClr val="accent1"/>
+          </a:fillRef>
+          <a:effectRef idx="0">
+            <a:schemeClr val="accent1"/>
+          </a:effectRef>
+          <a:fontRef idx="minor">
+            <a:schemeClr val="lt1"/>
+          </a:fontRef>
+        </p:style>
+        <p:txBody>
+          <a:bodyPr rtlCol="0" anchor="ctr"/>
+          <a:lstStyle/>
+          <a:p>
+            <a:pPr algn="ctr"/>
+            <a:endParaRPr kumimoji="1" lang="ja-JP" altLang="en-US"/>
+          </a:p>
+        </p:txBody>
+      </p:sp>
+      <p:sp>
+        <p:nvSpPr>
+          <p:cNvPr id="5" name="コンテンツ プレースホルダー 2">
+            <a:extLst>
+              <a:ext uri="{FF2B5EF4-FFF2-40B4-BE49-F238E27FC236}">
+                <a16:creationId xmlns:a16="http://schemas.microsoft.com/office/drawing/2014/main" id="{B040927F-1E6A-C26C-3C46-978E4552B438}"/>
+              </a:ext>
+            </a:extLst>
+          </p:cNvPr>
+          <p:cNvSpPr txBox="1">
+            <a:spLocks/>
+          </p:cNvSpPr>
+          <p:nvPr/>
+        </p:nvSpPr>
+        <p:spPr>
+          <a:xfrm>
+            <a:off x="576043" y="1432140"/>
+            <a:ext cx="11039913" cy="5120640"/>
+          </a:xfrm>
+          <a:prstGeom prst="rect">
+            <a:avLst/>
+          </a:prstGeom>
+        </p:spPr>
+        <p:txBody>
+          <a:bodyPr/>
+          <a:lstStyle>
+            <a:lvl1pPr marL="182880" indent="-182880" algn="l" defTabSz="914400" rtl="0" eaLnBrk="1" latinLnBrk="0" hangingPunct="1">
+              <a:lnSpc>
+                <a:spcPct val="90000"/>
+              </a:lnSpc>
+              <a:spcBef>
+                <a:spcPts val="1200"/>
+              </a:spcBef>
+              <a:buClr>
+                <a:schemeClr val="accent1"/>
+              </a:buClr>
+              <a:buFont typeface="Wingdings 2" pitchFamily="18" charset="2"/>
+              <a:buChar char=""/>
+              <a:defRPr kumimoji="1" sz="2000" kern="1200">
+                <a:solidFill>
+                  <a:schemeClr val="tx1">
+                    <a:lumMod val="65000"/>
+                    <a:lumOff val="35000"/>
+                  </a:schemeClr>
+                </a:solidFill>
+                <a:latin typeface="+mn-lt"/>
+                <a:ea typeface="+mn-ea"/>
+                <a:cs typeface="+mn-cs"/>
+              </a:defRPr>
+            </a:lvl1pPr>
+            <a:lvl2pPr marL="685800" indent="-182880" algn="l" defTabSz="914400" rtl="0" eaLnBrk="1" latinLnBrk="0" hangingPunct="1">
+              <a:lnSpc>
+                <a:spcPct val="90000"/>
+              </a:lnSpc>
+              <a:spcBef>
+                <a:spcPts val="250"/>
+              </a:spcBef>
+              <a:spcAft>
+                <a:spcPts val="250"/>
+              </a:spcAft>
+              <a:buClr>
+                <a:schemeClr val="accent1"/>
+              </a:buClr>
+              <a:buFont typeface="Wingdings 2" pitchFamily="18" charset="2"/>
+              <a:buChar char=""/>
+              <a:defRPr kumimoji="1" sz="1800" kern="1200">
+                <a:solidFill>
+                  <a:schemeClr val="tx1">
+                    <a:lumMod val="65000"/>
+                    <a:lumOff val="35000"/>
+                  </a:schemeClr>
+                </a:solidFill>
+                <a:latin typeface="+mn-lt"/>
+                <a:ea typeface="+mn-ea"/>
+                <a:cs typeface="+mn-cs"/>
+              </a:defRPr>
+            </a:lvl2pPr>
+            <a:lvl3pPr marL="1143000" indent="-182880" algn="l" defTabSz="914400" rtl="0" eaLnBrk="1" latinLnBrk="0" hangingPunct="1">
+              <a:lnSpc>
+                <a:spcPct val="90000"/>
+              </a:lnSpc>
+              <a:spcBef>
+                <a:spcPts val="250"/>
+              </a:spcBef>
+              <a:spcAft>
+                <a:spcPts val="250"/>
+              </a:spcAft>
+              <a:buClr>
+                <a:schemeClr val="accent1"/>
+              </a:buClr>
+              <a:buFont typeface="Wingdings 2" pitchFamily="18" charset="2"/>
+              <a:buChar char=""/>
+              <a:defRPr kumimoji="1" sz="1600" kern="1200">
+                <a:solidFill>
+                  <a:schemeClr val="tx1">
+                    <a:lumMod val="65000"/>
+                    <a:lumOff val="35000"/>
+                  </a:schemeClr>
+                </a:solidFill>
+                <a:latin typeface="+mn-lt"/>
+                <a:ea typeface="+mn-ea"/>
+                <a:cs typeface="+mn-cs"/>
+              </a:defRPr>
+            </a:lvl3pPr>
+            <a:lvl4pPr marL="1600200" indent="-182880" algn="l" defTabSz="914400" rtl="0" eaLnBrk="1" latinLnBrk="0" hangingPunct="1">
+              <a:lnSpc>
+                <a:spcPct val="90000"/>
+              </a:lnSpc>
+              <a:spcBef>
+                <a:spcPts val="250"/>
+              </a:spcBef>
+              <a:spcAft>
+                <a:spcPts val="250"/>
+              </a:spcAft>
+              <a:buClr>
+                <a:schemeClr val="accent1"/>
+              </a:buClr>
+              <a:buFont typeface="Wingdings 2" pitchFamily="18" charset="2"/>
+              <a:buChar char=""/>
+              <a:defRPr kumimoji="1" sz="1400" kern="1200">
+                <a:solidFill>
+                  <a:schemeClr val="tx1">
+                    <a:lumMod val="65000"/>
+                    <a:lumOff val="35000"/>
+                  </a:schemeClr>
+                </a:solidFill>
+                <a:latin typeface="+mn-lt"/>
+                <a:ea typeface="+mn-ea"/>
+                <a:cs typeface="+mn-cs"/>
+              </a:defRPr>
+            </a:lvl4pPr>
+            <a:lvl5pPr marL="2057400" indent="-182880" algn="l" defTabSz="914400" rtl="0" eaLnBrk="1" latinLnBrk="0" hangingPunct="1">
+              <a:lnSpc>
+                <a:spcPct val="90000"/>
+              </a:lnSpc>
+              <a:spcBef>
+                <a:spcPts val="250"/>
+              </a:spcBef>
+              <a:spcAft>
+                <a:spcPts val="250"/>
+              </a:spcAft>
+              <a:buClr>
+                <a:schemeClr val="accent1"/>
+              </a:buClr>
+              <a:buFont typeface="Wingdings 2" pitchFamily="18" charset="2"/>
+              <a:buChar char=""/>
+              <a:defRPr kumimoji="1" sz="1400" kern="1200">
+                <a:solidFill>
+                  <a:schemeClr val="tx1">
+                    <a:lumMod val="65000"/>
+                    <a:lumOff val="35000"/>
+                  </a:schemeClr>
+                </a:solidFill>
+                <a:latin typeface="+mn-lt"/>
+                <a:ea typeface="+mn-ea"/>
+                <a:cs typeface="+mn-cs"/>
+              </a:defRPr>
+            </a:lvl5pPr>
+            <a:lvl6pPr marL="2514600" indent="-228600" algn="l" defTabSz="914400" rtl="0" eaLnBrk="1" latinLnBrk="0" hangingPunct="1">
+              <a:lnSpc>
+                <a:spcPct val="90000"/>
+              </a:lnSpc>
+              <a:spcBef>
+                <a:spcPts val="250"/>
+              </a:spcBef>
+              <a:spcAft>
+                <a:spcPts val="250"/>
+              </a:spcAft>
+              <a:buClr>
+                <a:schemeClr val="accent1"/>
+              </a:buClr>
+              <a:buFont typeface="Wingdings 2" pitchFamily="18" charset="2"/>
+              <a:buChar char=""/>
+              <a:defRPr kumimoji="1" sz="1400" kern="1200">
+                <a:solidFill>
+                  <a:schemeClr val="tx1">
+                    <a:lumMod val="65000"/>
+                    <a:lumOff val="35000"/>
+                  </a:schemeClr>
+                </a:solidFill>
+                <a:latin typeface="+mn-lt"/>
+                <a:ea typeface="+mn-ea"/>
+                <a:cs typeface="+mn-cs"/>
+              </a:defRPr>
+            </a:lvl6pPr>
+            <a:lvl7pPr marL="2971800" indent="-228600" algn="l" defTabSz="914400" rtl="0" eaLnBrk="1" latinLnBrk="0" hangingPunct="1">
+              <a:lnSpc>
+                <a:spcPct val="90000"/>
+              </a:lnSpc>
+              <a:spcBef>
+                <a:spcPts val="250"/>
+              </a:spcBef>
+              <a:spcAft>
+                <a:spcPts val="250"/>
+              </a:spcAft>
+              <a:buClr>
+                <a:schemeClr val="accent1"/>
+              </a:buClr>
+              <a:buFont typeface="Wingdings 2" pitchFamily="18" charset="2"/>
+              <a:buChar char=""/>
+              <a:defRPr kumimoji="1" sz="1400" kern="1200">
+                <a:solidFill>
+                  <a:schemeClr val="tx1">
+                    <a:lumMod val="65000"/>
+                    <a:lumOff val="35000"/>
+                  </a:schemeClr>
+                </a:solidFill>
+                <a:latin typeface="+mn-lt"/>
+                <a:ea typeface="+mn-ea"/>
+                <a:cs typeface="+mn-cs"/>
+              </a:defRPr>
+            </a:lvl7pPr>
+            <a:lvl8pPr marL="3429000" indent="-228600" algn="l" defTabSz="914400" rtl="0" eaLnBrk="1" latinLnBrk="0" hangingPunct="1">
+              <a:lnSpc>
+                <a:spcPct val="90000"/>
+              </a:lnSpc>
+              <a:spcBef>
+                <a:spcPts val="250"/>
+              </a:spcBef>
+              <a:spcAft>
+                <a:spcPts val="250"/>
+              </a:spcAft>
+              <a:buClr>
+                <a:schemeClr val="accent1"/>
+              </a:buClr>
+              <a:buFont typeface="Wingdings 2" pitchFamily="18" charset="2"/>
+              <a:buChar char=""/>
+              <a:defRPr kumimoji="1" sz="1400" kern="1200">
+                <a:solidFill>
+                  <a:schemeClr val="tx1">
+                    <a:lumMod val="65000"/>
+                    <a:lumOff val="35000"/>
+                  </a:schemeClr>
+                </a:solidFill>
+                <a:latin typeface="+mn-lt"/>
+                <a:ea typeface="+mn-ea"/>
+                <a:cs typeface="+mn-cs"/>
+              </a:defRPr>
+            </a:lvl8pPr>
+            <a:lvl9pPr marL="3886200" indent="-228600" algn="l" defTabSz="914400" rtl="0" eaLnBrk="1" latinLnBrk="0" hangingPunct="1">
+              <a:lnSpc>
+                <a:spcPct val="90000"/>
+              </a:lnSpc>
+              <a:spcBef>
+                <a:spcPts val="250"/>
+              </a:spcBef>
+              <a:spcAft>
+                <a:spcPts val="250"/>
+              </a:spcAft>
+              <a:buClr>
+                <a:schemeClr val="accent1"/>
+              </a:buClr>
+              <a:buFont typeface="Wingdings 2" pitchFamily="18" charset="2"/>
+              <a:buChar char=""/>
+              <a:defRPr kumimoji="1" sz="1400" kern="1200">
+                <a:solidFill>
+                  <a:schemeClr val="tx1">
+                    <a:lumMod val="65000"/>
+                    <a:lumOff val="35000"/>
+                  </a:schemeClr>
+                </a:solidFill>
+                <a:latin typeface="+mn-lt"/>
+                <a:ea typeface="+mn-ea"/>
+                <a:cs typeface="+mn-cs"/>
+              </a:defRPr>
+            </a:lvl9pPr>
+          </a:lstStyle>
+          <a:p>
+            <a:pPr fontAlgn="base"/>
+            <a:r>
+              <a:rPr lang="ja-JP" altLang="en-US">
+                <a:latin typeface="Hiragino Kaku Gothic ProN W3" panose="020B0300000000000000" pitchFamily="34" charset="-128"/>
+                <a:ea typeface="Hiragino Kaku Gothic ProN W3" panose="020B0300000000000000" pitchFamily="34" charset="-128"/>
+              </a:rPr>
+              <a:t>顔の形状特徴とヘアスタイルの関係を機械学習モデルに学習させることにより、システム利用者の顔に最も似合うヘアスタイルを提案</a:t>
+            </a:r>
+            <a:endParaRPr lang="en-US" altLang="ja-JP" dirty="0">
+              <a:latin typeface="Hiragino Kaku Gothic ProN W3" panose="020B0300000000000000" pitchFamily="34" charset="-128"/>
+              <a:ea typeface="Hiragino Kaku Gothic ProN W3" panose="020B0300000000000000" pitchFamily="34" charset="-128"/>
+            </a:endParaRPr>
+          </a:p>
+          <a:p>
+            <a:pPr marL="0" indent="0" fontAlgn="base">
+              <a:buNone/>
+            </a:pPr>
+            <a:endParaRPr lang="ja-JP" altLang="en-US">
+              <a:latin typeface="Hiragino Kaku Gothic ProN W3" panose="020B0300000000000000" pitchFamily="34" charset="-128"/>
+              <a:ea typeface="Hiragino Kaku Gothic ProN W3" panose="020B0300000000000000" pitchFamily="34" charset="-128"/>
+            </a:endParaRPr>
+          </a:p>
+          <a:p>
+            <a:pPr fontAlgn="base"/>
+            <a:r>
+              <a:rPr lang="ja-JP" altLang="en-US">
+                <a:latin typeface="Hiragino Kaku Gothic ProN W3" panose="020B0300000000000000" pitchFamily="34" charset="-128"/>
+                <a:ea typeface="Hiragino Kaku Gothic ProN W3" panose="020B0300000000000000" pitchFamily="34" charset="-128"/>
+              </a:rPr>
+              <a:t>注目した点</a:t>
+            </a:r>
+            <a:r>
+              <a:rPr lang="en-US" altLang="ja-JP" dirty="0">
+                <a:latin typeface="Hiragino Kaku Gothic ProN W3" panose="020B0300000000000000" pitchFamily="34" charset="-128"/>
+                <a:ea typeface="Hiragino Kaku Gothic ProN W3" panose="020B0300000000000000" pitchFamily="34" charset="-128"/>
+              </a:rPr>
+              <a:t>→</a:t>
+            </a:r>
+            <a:r>
+              <a:rPr lang="ja-JP" altLang="en-US">
+                <a:latin typeface="Hiragino Kaku Gothic ProN W3" panose="020B0300000000000000" pitchFamily="34" charset="-128"/>
+                <a:ea typeface="Hiragino Kaku Gothic ProN W3" panose="020B0300000000000000" pitchFamily="34" charset="-128"/>
+              </a:rPr>
+              <a:t>「似合う」の定義</a:t>
+            </a:r>
+            <a:endParaRPr lang="en-US" altLang="ja-JP" dirty="0">
+              <a:latin typeface="Hiragino Kaku Gothic ProN W3" panose="020B0300000000000000" pitchFamily="34" charset="-128"/>
+              <a:ea typeface="Hiragino Kaku Gothic ProN W3" panose="020B0300000000000000" pitchFamily="34" charset="-128"/>
+            </a:endParaRPr>
+          </a:p>
+          <a:p>
+            <a:pPr fontAlgn="base"/>
+            <a:r>
+              <a:rPr lang="ja-JP" altLang="en-US">
+                <a:latin typeface="Hiragino Kaku Gothic ProN W3" panose="020B0300000000000000" pitchFamily="34" charset="-128"/>
+                <a:ea typeface="Hiragino Kaku Gothic ProN W3" panose="020B0300000000000000" pitchFamily="34" charset="-128"/>
+              </a:rPr>
+              <a:t>ヘアスタイルの成功例の定義＝ヘアカタログに載っているようなプロのヘアスタイリストが提案する髪型</a:t>
+            </a:r>
+            <a:endParaRPr lang="en-US" altLang="ja-JP" dirty="0">
+              <a:latin typeface="Hiragino Kaku Gothic ProN W3" panose="020B0300000000000000" pitchFamily="34" charset="-128"/>
+              <a:ea typeface="Hiragino Kaku Gothic ProN W3" panose="020B0300000000000000" pitchFamily="34" charset="-128"/>
+            </a:endParaRPr>
+          </a:p>
+          <a:p>
+            <a:pPr lvl="1" fontAlgn="base"/>
+            <a:r>
+              <a:rPr lang="ja-JP" altLang="en-US" sz="2000">
+                <a:latin typeface="Hiragino Kaku Gothic ProN W3" panose="020B0300000000000000" pitchFamily="34" charset="-128"/>
+                <a:ea typeface="Hiragino Kaku Gothic ProN W3" panose="020B0300000000000000" pitchFamily="34" charset="-128"/>
+              </a:rPr>
+              <a:t>機械学習の教師データとして、ヘアカタログの写真を使用</a:t>
+            </a:r>
+          </a:p>
+          <a:p>
+            <a:pPr lvl="1" fontAlgn="base"/>
+            <a:r>
+              <a:rPr lang="ja-JP" altLang="en-US" sz="2000">
+                <a:latin typeface="Hiragino Kaku Gothic ProN W3" panose="020B0300000000000000" pitchFamily="34" charset="-128"/>
+                <a:ea typeface="Hiragino Kaku Gothic ProN W3" panose="020B0300000000000000" pitchFamily="34" charset="-128"/>
+              </a:rPr>
+              <a:t>これを参考に、今回は美容情報サイトに載っているプロのメイクアップアーティストが行ったメイクアップを成功例と定義し、機械学習の教師データとした（詳細は後述）</a:t>
+            </a:r>
+            <a:endParaRPr lang="en-US" altLang="ja-JP" sz="2000" dirty="0">
+              <a:latin typeface="Hiragino Kaku Gothic ProN W3" panose="020B0300000000000000" pitchFamily="34" charset="-128"/>
+              <a:ea typeface="Hiragino Kaku Gothic ProN W3" panose="020B0300000000000000" pitchFamily="34" charset="-128"/>
+            </a:endParaRPr>
+          </a:p>
+          <a:p>
+            <a:pPr lvl="1" fontAlgn="base"/>
+            <a:endParaRPr lang="en-US" altLang="ja-JP" sz="2000" dirty="0">
+              <a:latin typeface="Hiragino Kaku Gothic ProN W3" panose="020B0300000000000000" pitchFamily="34" charset="-128"/>
+              <a:ea typeface="Hiragino Kaku Gothic ProN W3" panose="020B0300000000000000" pitchFamily="34" charset="-128"/>
+            </a:endParaRPr>
+          </a:p>
+          <a:p>
+            <a:pPr lvl="1" fontAlgn="base"/>
+            <a:endParaRPr lang="en-US" altLang="ja-JP" sz="2000" dirty="0">
+              <a:latin typeface="Hiragino Kaku Gothic ProN W3" panose="020B0300000000000000" pitchFamily="34" charset="-128"/>
+              <a:ea typeface="Hiragino Kaku Gothic ProN W3" panose="020B0300000000000000" pitchFamily="34" charset="-128"/>
+            </a:endParaRPr>
+          </a:p>
+          <a:p>
+            <a:pPr lvl="1" fontAlgn="base"/>
+            <a:endParaRPr lang="en-US" altLang="ja-JP" sz="2000" dirty="0">
+              <a:latin typeface="Hiragino Kaku Gothic ProN W3" panose="020B0300000000000000" pitchFamily="34" charset="-128"/>
+              <a:ea typeface="Hiragino Kaku Gothic ProN W3" panose="020B0300000000000000" pitchFamily="34" charset="-128"/>
+            </a:endParaRPr>
+          </a:p>
+          <a:p>
+            <a:pPr lvl="1" fontAlgn="base"/>
+            <a:endParaRPr lang="ja-JP" altLang="en-US" sz="2000">
+              <a:latin typeface="Hiragino Kaku Gothic ProN W3" panose="020B0300000000000000" pitchFamily="34" charset="-128"/>
+              <a:ea typeface="Hiragino Kaku Gothic ProN W3" panose="020B0300000000000000" pitchFamily="34" charset="-128"/>
+            </a:endParaRPr>
+          </a:p>
+          <a:p>
+            <a:pPr fontAlgn="base"/>
+            <a:endParaRPr lang="en-US" altLang="ja-JP" dirty="0">
+              <a:latin typeface="Hiragino Kaku Gothic ProN W3" panose="020B0300000000000000" pitchFamily="34" charset="-128"/>
+              <a:ea typeface="Hiragino Kaku Gothic ProN W3" panose="020B0300000000000000" pitchFamily="34" charset="-128"/>
+            </a:endParaRPr>
+          </a:p>
+          <a:p>
+            <a:pPr marL="0" indent="0" fontAlgn="base">
+              <a:buNone/>
+            </a:pPr>
+            <a:endParaRPr lang="en-US" altLang="ja-JP" dirty="0">
+              <a:latin typeface="Hiragino Kaku Gothic ProN W3" panose="020B0300000000000000" pitchFamily="34" charset="-128"/>
+              <a:ea typeface="Hiragino Kaku Gothic ProN W3" panose="020B0300000000000000" pitchFamily="34" charset="-128"/>
+            </a:endParaRPr>
+          </a:p>
+          <a:p>
+            <a:pPr marL="0" indent="0" algn="r" rtl="0">
+              <a:spcBef>
+                <a:spcPts val="0"/>
+              </a:spcBef>
+              <a:spcAft>
+                <a:spcPts val="0"/>
+              </a:spcAft>
+              <a:buNone/>
+            </a:pPr>
+            <a:r>
+              <a:rPr lang="ja-JP" altLang="en-US" sz="1400" u="none" strike="noStrike">
+                <a:solidFill>
+                  <a:srgbClr val="666666"/>
+                </a:solidFill>
+                <a:effectLst/>
+                <a:latin typeface="Hiragino Kaku Gothic ProN W3" panose="020B0300000000000000" pitchFamily="34" charset="-128"/>
+                <a:ea typeface="Hiragino Kaku Gothic ProN W3" panose="020B0300000000000000" pitchFamily="34" charset="-128"/>
+              </a:rPr>
+              <a:t>渡辺 眞子</a:t>
+            </a:r>
+            <a:r>
+              <a:rPr lang="en-US" altLang="ja-JP" sz="1400" u="none" strike="noStrike" dirty="0">
+                <a:solidFill>
+                  <a:srgbClr val="666666"/>
+                </a:solidFill>
+                <a:effectLst/>
+                <a:latin typeface="Hiragino Kaku Gothic ProN W3" panose="020B0300000000000000" pitchFamily="34" charset="-128"/>
+                <a:ea typeface="Hiragino Kaku Gothic ProN W3" panose="020B0300000000000000" pitchFamily="34" charset="-128"/>
+              </a:rPr>
+              <a:t>, </a:t>
+            </a:r>
+            <a:r>
+              <a:rPr lang="en" altLang="ja-JP" sz="1400" u="none" strike="noStrike" dirty="0">
+                <a:solidFill>
+                  <a:srgbClr val="666666"/>
+                </a:solidFill>
+                <a:effectLst/>
+                <a:latin typeface="Hiragino Kaku Gothic ProN W3" panose="020B0300000000000000" pitchFamily="34" charset="-128"/>
+                <a:ea typeface="Hiragino Kaku Gothic ProN W3" panose="020B0300000000000000" pitchFamily="34" charset="-128"/>
+              </a:rPr>
+              <a:t>YANG Wei, MAO </a:t>
+            </a:r>
+            <a:r>
+              <a:rPr lang="en" altLang="ja-JP" sz="1400" u="none" strike="noStrike" dirty="0" err="1">
+                <a:solidFill>
+                  <a:srgbClr val="666666"/>
+                </a:solidFill>
+                <a:effectLst/>
+                <a:latin typeface="Hiragino Kaku Gothic ProN W3" panose="020B0300000000000000" pitchFamily="34" charset="-128"/>
+                <a:ea typeface="Hiragino Kaku Gothic ProN W3" panose="020B0300000000000000" pitchFamily="34" charset="-128"/>
+              </a:rPr>
+              <a:t>Xiaoyang</a:t>
+            </a:r>
+            <a:r>
+              <a:rPr lang="en" altLang="ja-JP" sz="1400" u="none" strike="noStrike" dirty="0">
+                <a:solidFill>
+                  <a:srgbClr val="666666"/>
+                </a:solidFill>
+                <a:effectLst/>
+                <a:latin typeface="Hiragino Kaku Gothic ProN W3" panose="020B0300000000000000" pitchFamily="34" charset="-128"/>
+                <a:ea typeface="Hiragino Kaku Gothic ProN W3" panose="020B0300000000000000" pitchFamily="34" charset="-128"/>
+              </a:rPr>
+              <a:t>, </a:t>
+            </a:r>
+            <a:r>
+              <a:rPr lang="ja-JP" altLang="en-US" sz="1400" u="none" strike="noStrike">
+                <a:solidFill>
+                  <a:srgbClr val="666666"/>
+                </a:solidFill>
+                <a:effectLst/>
+                <a:latin typeface="Hiragino Kaku Gothic ProN W3" panose="020B0300000000000000" pitchFamily="34" charset="-128"/>
+                <a:ea typeface="Hiragino Kaku Gothic ProN W3" panose="020B0300000000000000" pitchFamily="34" charset="-128"/>
+              </a:rPr>
+              <a:t>豊浦正広</a:t>
+            </a:r>
+            <a:r>
+              <a:rPr lang="en-US" altLang="ja-JP" sz="1400" u="none" strike="noStrike" dirty="0">
+                <a:solidFill>
+                  <a:srgbClr val="666666"/>
+                </a:solidFill>
+                <a:effectLst/>
+                <a:latin typeface="Hiragino Kaku Gothic ProN W3" panose="020B0300000000000000" pitchFamily="34" charset="-128"/>
+                <a:ea typeface="Hiragino Kaku Gothic ProN W3" panose="020B0300000000000000" pitchFamily="34" charset="-128"/>
+              </a:rPr>
+              <a:t>, </a:t>
+            </a:r>
+            <a:r>
+              <a:rPr lang="ja-JP" altLang="en-US" sz="1400" u="none" strike="noStrike">
+                <a:solidFill>
+                  <a:srgbClr val="666666"/>
+                </a:solidFill>
+                <a:effectLst/>
+                <a:latin typeface="Hiragino Kaku Gothic ProN W3" panose="020B0300000000000000" pitchFamily="34" charset="-128"/>
+                <a:ea typeface="Hiragino Kaku Gothic ProN W3" panose="020B0300000000000000" pitchFamily="34" charset="-128"/>
+              </a:rPr>
+              <a:t>例に基づくヘアスタイルアドバイザ</a:t>
+            </a:r>
+            <a:r>
+              <a:rPr lang="en-US" altLang="ja-JP" sz="1400" u="none" strike="noStrike" dirty="0">
+                <a:solidFill>
+                  <a:srgbClr val="666666"/>
+                </a:solidFill>
+                <a:effectLst/>
+                <a:latin typeface="Hiragino Kaku Gothic ProN W3" panose="020B0300000000000000" pitchFamily="34" charset="-128"/>
+                <a:ea typeface="Hiragino Kaku Gothic ProN W3" panose="020B0300000000000000" pitchFamily="34" charset="-128"/>
+              </a:rPr>
+              <a:t>, </a:t>
+            </a:r>
+            <a:r>
+              <a:rPr lang="ja-JP" altLang="en-US" sz="1400" u="none" strike="noStrike">
+                <a:solidFill>
+                  <a:srgbClr val="666666"/>
+                </a:solidFill>
+                <a:effectLst/>
+                <a:latin typeface="Hiragino Kaku Gothic ProN W3" panose="020B0300000000000000" pitchFamily="34" charset="-128"/>
+                <a:ea typeface="Hiragino Kaku Gothic ProN W3" panose="020B0300000000000000" pitchFamily="34" charset="-128"/>
+              </a:rPr>
+              <a:t>芸術科学会論文誌</a:t>
+            </a:r>
+            <a:r>
+              <a:rPr lang="en-US" altLang="ja-JP" sz="1400" u="none" strike="noStrike" dirty="0">
+                <a:solidFill>
+                  <a:srgbClr val="666666"/>
+                </a:solidFill>
+                <a:effectLst/>
+                <a:latin typeface="Hiragino Kaku Gothic ProN W3" panose="020B0300000000000000" pitchFamily="34" charset="-128"/>
+                <a:ea typeface="Hiragino Kaku Gothic ProN W3" panose="020B0300000000000000" pitchFamily="34" charset="-128"/>
+              </a:rPr>
+              <a:t>, 2010</a:t>
+            </a:r>
+            <a:r>
+              <a:rPr lang="ja-JP" altLang="en-US" sz="1400" u="none" strike="noStrike">
+                <a:solidFill>
+                  <a:srgbClr val="666666"/>
+                </a:solidFill>
+                <a:effectLst/>
+                <a:latin typeface="Hiragino Kaku Gothic ProN W3" panose="020B0300000000000000" pitchFamily="34" charset="-128"/>
+                <a:ea typeface="Hiragino Kaku Gothic ProN W3" panose="020B0300000000000000" pitchFamily="34" charset="-128"/>
+              </a:rPr>
+              <a:t>年</a:t>
+            </a:r>
+            <a:r>
+              <a:rPr lang="en-US" altLang="ja-JP" sz="1400" u="none" strike="noStrike" dirty="0">
+                <a:solidFill>
+                  <a:srgbClr val="666666"/>
+                </a:solidFill>
+                <a:effectLst/>
+                <a:latin typeface="Hiragino Kaku Gothic ProN W3" panose="020B0300000000000000" pitchFamily="34" charset="-128"/>
+                <a:ea typeface="Hiragino Kaku Gothic ProN W3" panose="020B0300000000000000" pitchFamily="34" charset="-128"/>
+              </a:rPr>
+              <a:t>6</a:t>
+            </a:r>
+            <a:r>
+              <a:rPr lang="ja-JP" altLang="en-US" sz="1400" u="none" strike="noStrike">
+                <a:solidFill>
+                  <a:srgbClr val="666666"/>
+                </a:solidFill>
+                <a:effectLst/>
+                <a:latin typeface="Hiragino Kaku Gothic ProN W3" panose="020B0300000000000000" pitchFamily="34" charset="-128"/>
+                <a:ea typeface="Hiragino Kaku Gothic ProN W3" panose="020B0300000000000000" pitchFamily="34" charset="-128"/>
+              </a:rPr>
+              <a:t>月</a:t>
+            </a:r>
+            <a:r>
+              <a:rPr lang="en-US" altLang="ja-JP" sz="1400" u="none" strike="noStrike" dirty="0">
+                <a:solidFill>
+                  <a:srgbClr val="666666"/>
+                </a:solidFill>
+                <a:effectLst/>
+                <a:latin typeface="Hiragino Kaku Gothic ProN W3" panose="020B0300000000000000" pitchFamily="34" charset="-128"/>
+                <a:ea typeface="Hiragino Kaku Gothic ProN W3" panose="020B0300000000000000" pitchFamily="34" charset="-128"/>
+              </a:rPr>
+              <a:t>, </a:t>
+            </a:r>
+            <a:r>
+              <a:rPr lang="en" altLang="ja-JP" sz="1400" u="none" strike="noStrike" dirty="0">
+                <a:solidFill>
+                  <a:srgbClr val="666666"/>
+                </a:solidFill>
+                <a:effectLst/>
+                <a:latin typeface="Hiragino Kaku Gothic ProN W3" panose="020B0300000000000000" pitchFamily="34" charset="-128"/>
+                <a:ea typeface="Hiragino Kaku Gothic ProN W3" panose="020B0300000000000000" pitchFamily="34" charset="-128"/>
+              </a:rPr>
+              <a:t>P.195-204</a:t>
+            </a:r>
+            <a:endParaRPr lang="en" altLang="ja-JP" sz="1400" dirty="0">
+              <a:effectLst/>
+              <a:latin typeface="Hiragino Kaku Gothic ProN W3" panose="020B0300000000000000" pitchFamily="34" charset="-128"/>
+              <a:ea typeface="Hiragino Kaku Gothic ProN W3" panose="020B0300000000000000" pitchFamily="34" charset="-128"/>
+            </a:endParaRPr>
+          </a:p>
+        </p:txBody>
+      </p:sp>
+      <p:sp>
+        <p:nvSpPr>
+          <p:cNvPr id="6" name="タイトル 1">
+            <a:extLst>
+              <a:ext uri="{FF2B5EF4-FFF2-40B4-BE49-F238E27FC236}">
+                <a16:creationId xmlns:a16="http://schemas.microsoft.com/office/drawing/2014/main" id="{45A7B92C-AE3D-91D6-227C-099A94786625}"/>
+              </a:ext>
+            </a:extLst>
+          </p:cNvPr>
+          <p:cNvSpPr txBox="1">
+            <a:spLocks/>
+          </p:cNvSpPr>
+          <p:nvPr/>
+        </p:nvSpPr>
+        <p:spPr>
+          <a:xfrm>
+            <a:off x="252918" y="320508"/>
+            <a:ext cx="11757850" cy="771870"/>
+          </a:xfrm>
+          <a:prstGeom prst="rect">
+            <a:avLst/>
+          </a:prstGeom>
+        </p:spPr>
+        <p:txBody>
+          <a:bodyPr/>
+          <a:lstStyle>
+            <a:lvl1pPr algn="l" defTabSz="914400" rtl="0" eaLnBrk="1" latinLnBrk="0" hangingPunct="1">
+              <a:lnSpc>
+                <a:spcPct val="90000"/>
+              </a:lnSpc>
+              <a:spcBef>
+                <a:spcPct val="0"/>
+              </a:spcBef>
+              <a:buNone/>
+              <a:defRPr kumimoji="1" sz="3600" kern="1200" spc="-60" baseline="0">
+                <a:solidFill>
+                  <a:srgbClr val="FFFFFF"/>
+                </a:solidFill>
+                <a:latin typeface="+mj-lt"/>
+                <a:ea typeface="+mj-ea"/>
+                <a:cs typeface="+mj-cs"/>
+              </a:defRPr>
+            </a:lvl1pPr>
+          </a:lstStyle>
+          <a:p>
+            <a:r>
+              <a:rPr lang="ja-JP" altLang="en-US" sz="3000"/>
+              <a:t>関連研究</a:t>
+            </a:r>
+            <a:r>
+              <a:rPr lang="en-US" altLang="ja-JP" sz="3000" dirty="0"/>
+              <a:t>②</a:t>
+            </a:r>
+            <a:r>
+              <a:rPr lang="ja-JP" altLang="en-US" sz="3000"/>
+              <a:t> </a:t>
+            </a:r>
+            <a:r>
+              <a:rPr lang="en-US" altLang="ja-JP" sz="3000" dirty="0"/>
+              <a:t>『</a:t>
+            </a:r>
+            <a:r>
+              <a:rPr lang="ja-JP" altLang="en-US" sz="3000"/>
+              <a:t>例に基づくヘアスタイルアドバイザ</a:t>
+            </a:r>
+            <a:r>
+              <a:rPr lang="en-US" altLang="ja-JP" sz="3000" dirty="0"/>
+              <a:t>』</a:t>
+            </a:r>
+            <a:endParaRPr lang="ja-JP" altLang="en-US" sz="3000"/>
+          </a:p>
+        </p:txBody>
+      </p:sp>
+    </p:spTree>
+    <p:extLst>
+      <p:ext uri="{BB962C8B-B14F-4D97-AF65-F5344CB8AC3E}">
+        <p14:creationId xmlns:p14="http://schemas.microsoft.com/office/powerpoint/2010/main" val="4270228438"/>
+      </p:ext>
+    </p:extLst>
+  </p:cSld>
+  <p:clrMapOvr>
+    <a:masterClrMapping/>
+  </p:clrMapOvr>
+</p:sld>
+</file>
+
+<file path=ppt/slides/slide8.xml><?xml version="1.0" encoding="utf-8"?>
+<p:sld xmlns:a="http://schemas.openxmlformats.org/drawingml/2006/main" xmlns:r="http://schemas.openxmlformats.org/officeDocument/2006/relationships" xmlns:p="http://schemas.openxmlformats.org/presentationml/2006/main">
+  <p:cSld>
+    <p:spTree>
+      <p:nvGrpSpPr>
+        <p:cNvPr id="1" name=""/>
+        <p:cNvGrpSpPr/>
+        <p:nvPr/>
+      </p:nvGrpSpPr>
+      <p:grpSpPr>
+        <a:xfrm>
+          <a:off x="0" y="0"/>
+          <a:ext cx="0" cy="0"/>
+          <a:chOff x="0" y="0"/>
+          <a:chExt cx="0" cy="0"/>
+        </a:xfrm>
+      </p:grpSpPr>
+      <p:sp>
+        <p:nvSpPr>
+          <p:cNvPr id="7" name="正方形/長方形 6">
+            <a:extLst>
+              <a:ext uri="{FF2B5EF4-FFF2-40B4-BE49-F238E27FC236}">
+                <a16:creationId xmlns:a16="http://schemas.microsoft.com/office/drawing/2014/main" id="{D98ECB46-E3D4-3A0B-1D69-28EB8A1887F1}"/>
+              </a:ext>
+            </a:extLst>
+          </p:cNvPr>
+          <p:cNvSpPr/>
+          <p:nvPr/>
+        </p:nvSpPr>
+        <p:spPr>
+          <a:xfrm>
+            <a:off x="0" y="-1"/>
+            <a:ext cx="12192000" cy="1077091"/>
+          </a:xfrm>
+          <a:prstGeom prst="rect">
+            <a:avLst/>
+          </a:prstGeom>
+          <a:ln>
+            <a:noFill/>
+          </a:ln>
+        </p:spPr>
+        <p:style>
+          <a:lnRef idx="2">
+            <a:schemeClr val="accent1">
+              <a:shade val="50000"/>
+            </a:schemeClr>
+          </a:lnRef>
+          <a:fillRef idx="1">
+            <a:schemeClr val="accent1"/>
+          </a:fillRef>
+          <a:effectRef idx="0">
+            <a:schemeClr val="accent1"/>
+          </a:effectRef>
+          <a:fontRef idx="minor">
+            <a:schemeClr val="lt1"/>
+          </a:fontRef>
+        </p:style>
+        <p:txBody>
+          <a:bodyPr rtlCol="0" anchor="ctr"/>
+          <a:lstStyle/>
+          <a:p>
+            <a:pPr algn="ctr"/>
+            <a:endParaRPr kumimoji="1" lang="ja-JP" altLang="en-US"/>
+          </a:p>
+        </p:txBody>
+      </p:sp>
+      <p:sp>
+        <p:nvSpPr>
+          <p:cNvPr id="5" name="コンテンツ プレースホルダー 2">
+            <a:extLst>
+              <a:ext uri="{FF2B5EF4-FFF2-40B4-BE49-F238E27FC236}">
+                <a16:creationId xmlns:a16="http://schemas.microsoft.com/office/drawing/2014/main" id="{B040927F-1E6A-C26C-3C46-978E4552B438}"/>
+              </a:ext>
+            </a:extLst>
+          </p:cNvPr>
+          <p:cNvSpPr txBox="1">
+            <a:spLocks/>
+          </p:cNvSpPr>
+          <p:nvPr/>
+        </p:nvSpPr>
+        <p:spPr>
+          <a:xfrm>
+            <a:off x="576043" y="1432140"/>
+            <a:ext cx="11039913" cy="686592"/>
+          </a:xfrm>
+          <a:prstGeom prst="rect">
+            <a:avLst/>
+          </a:prstGeom>
+        </p:spPr>
+        <p:txBody>
+          <a:bodyPr/>
+          <a:lstStyle>
+            <a:lvl1pPr marL="182880" indent="-182880" algn="l" defTabSz="914400" rtl="0" eaLnBrk="1" latinLnBrk="0" hangingPunct="1">
+              <a:lnSpc>
+                <a:spcPct val="90000"/>
+              </a:lnSpc>
+              <a:spcBef>
+                <a:spcPts val="1200"/>
+              </a:spcBef>
+              <a:buClr>
+                <a:schemeClr val="accent1"/>
+              </a:buClr>
+              <a:buFont typeface="Wingdings 2" pitchFamily="18" charset="2"/>
+              <a:buChar char=""/>
+              <a:defRPr kumimoji="1" sz="2000" kern="1200">
+                <a:solidFill>
+                  <a:schemeClr val="tx1">
+                    <a:lumMod val="65000"/>
+                    <a:lumOff val="35000"/>
+                  </a:schemeClr>
+                </a:solidFill>
+                <a:latin typeface="+mn-lt"/>
+                <a:ea typeface="+mn-ea"/>
+                <a:cs typeface="+mn-cs"/>
+              </a:defRPr>
+            </a:lvl1pPr>
+            <a:lvl2pPr marL="685800" indent="-182880" algn="l" defTabSz="914400" rtl="0" eaLnBrk="1" latinLnBrk="0" hangingPunct="1">
+              <a:lnSpc>
+                <a:spcPct val="90000"/>
+              </a:lnSpc>
+              <a:spcBef>
+                <a:spcPts val="250"/>
+              </a:spcBef>
+              <a:spcAft>
+                <a:spcPts val="250"/>
+              </a:spcAft>
+              <a:buClr>
+                <a:schemeClr val="accent1"/>
+              </a:buClr>
+              <a:buFont typeface="Wingdings 2" pitchFamily="18" charset="2"/>
+              <a:buChar char=""/>
+              <a:defRPr kumimoji="1" sz="1800" kern="1200">
+                <a:solidFill>
+                  <a:schemeClr val="tx1">
+                    <a:lumMod val="65000"/>
+                    <a:lumOff val="35000"/>
+                  </a:schemeClr>
+                </a:solidFill>
+                <a:latin typeface="+mn-lt"/>
+                <a:ea typeface="+mn-ea"/>
+                <a:cs typeface="+mn-cs"/>
+              </a:defRPr>
+            </a:lvl2pPr>
+            <a:lvl3pPr marL="1143000" indent="-182880" algn="l" defTabSz="914400" rtl="0" eaLnBrk="1" latinLnBrk="0" hangingPunct="1">
+              <a:lnSpc>
+                <a:spcPct val="90000"/>
+              </a:lnSpc>
+              <a:spcBef>
+                <a:spcPts val="250"/>
+              </a:spcBef>
+              <a:spcAft>
+                <a:spcPts val="250"/>
+              </a:spcAft>
+              <a:buClr>
+                <a:schemeClr val="accent1"/>
+              </a:buClr>
+              <a:buFont typeface="Wingdings 2" pitchFamily="18" charset="2"/>
+              <a:buChar char=""/>
+              <a:defRPr kumimoji="1" sz="1600" kern="1200">
+                <a:solidFill>
+                  <a:schemeClr val="tx1">
+                    <a:lumMod val="65000"/>
+                    <a:lumOff val="35000"/>
+                  </a:schemeClr>
+                </a:solidFill>
+                <a:latin typeface="+mn-lt"/>
+                <a:ea typeface="+mn-ea"/>
+                <a:cs typeface="+mn-cs"/>
+              </a:defRPr>
+            </a:lvl3pPr>
+            <a:lvl4pPr marL="1600200" indent="-182880" algn="l" defTabSz="914400" rtl="0" eaLnBrk="1" latinLnBrk="0" hangingPunct="1">
+              <a:lnSpc>
+                <a:spcPct val="90000"/>
+              </a:lnSpc>
+              <a:spcBef>
+                <a:spcPts val="250"/>
+              </a:spcBef>
+              <a:spcAft>
+                <a:spcPts val="250"/>
+              </a:spcAft>
+              <a:buClr>
+                <a:schemeClr val="accent1"/>
+              </a:buClr>
+              <a:buFont typeface="Wingdings 2" pitchFamily="18" charset="2"/>
+              <a:buChar char=""/>
+              <a:defRPr kumimoji="1" sz="1400" kern="1200">
+                <a:solidFill>
+                  <a:schemeClr val="tx1">
+                    <a:lumMod val="65000"/>
+                    <a:lumOff val="35000"/>
+                  </a:schemeClr>
+                </a:solidFill>
+                <a:latin typeface="+mn-lt"/>
+                <a:ea typeface="+mn-ea"/>
+                <a:cs typeface="+mn-cs"/>
+              </a:defRPr>
+            </a:lvl4pPr>
+            <a:lvl5pPr marL="2057400" indent="-182880" algn="l" defTabSz="914400" rtl="0" eaLnBrk="1" latinLnBrk="0" hangingPunct="1">
+              <a:lnSpc>
+                <a:spcPct val="90000"/>
+              </a:lnSpc>
+              <a:spcBef>
+                <a:spcPts val="250"/>
+              </a:spcBef>
+              <a:spcAft>
+                <a:spcPts val="250"/>
+              </a:spcAft>
+              <a:buClr>
+                <a:schemeClr val="accent1"/>
+              </a:buClr>
+              <a:buFont typeface="Wingdings 2" pitchFamily="18" charset="2"/>
+              <a:buChar char=""/>
+              <a:defRPr kumimoji="1" sz="1400" kern="1200">
+                <a:solidFill>
+                  <a:schemeClr val="tx1">
+                    <a:lumMod val="65000"/>
+                    <a:lumOff val="35000"/>
+                  </a:schemeClr>
+                </a:solidFill>
+                <a:latin typeface="+mn-lt"/>
+                <a:ea typeface="+mn-ea"/>
+                <a:cs typeface="+mn-cs"/>
+              </a:defRPr>
+            </a:lvl5pPr>
+            <a:lvl6pPr marL="2514600" indent="-228600" algn="l" defTabSz="914400" rtl="0" eaLnBrk="1" latinLnBrk="0" hangingPunct="1">
+              <a:lnSpc>
+                <a:spcPct val="90000"/>
+              </a:lnSpc>
+              <a:spcBef>
+                <a:spcPts val="250"/>
+              </a:spcBef>
+              <a:spcAft>
+                <a:spcPts val="250"/>
+              </a:spcAft>
+              <a:buClr>
+                <a:schemeClr val="accent1"/>
+              </a:buClr>
+              <a:buFont typeface="Wingdings 2" pitchFamily="18" charset="2"/>
+              <a:buChar char=""/>
+              <a:defRPr kumimoji="1" sz="1400" kern="1200">
+                <a:solidFill>
+                  <a:schemeClr val="tx1">
+                    <a:lumMod val="65000"/>
+                    <a:lumOff val="35000"/>
+                  </a:schemeClr>
+                </a:solidFill>
+                <a:latin typeface="+mn-lt"/>
+                <a:ea typeface="+mn-ea"/>
+                <a:cs typeface="+mn-cs"/>
+              </a:defRPr>
+            </a:lvl6pPr>
+            <a:lvl7pPr marL="2971800" indent="-228600" algn="l" defTabSz="914400" rtl="0" eaLnBrk="1" latinLnBrk="0" hangingPunct="1">
+              <a:lnSpc>
+                <a:spcPct val="90000"/>
+              </a:lnSpc>
+              <a:spcBef>
+                <a:spcPts val="250"/>
+              </a:spcBef>
+              <a:spcAft>
+                <a:spcPts val="250"/>
+              </a:spcAft>
+              <a:buClr>
+                <a:schemeClr val="accent1"/>
+              </a:buClr>
+              <a:buFont typeface="Wingdings 2" pitchFamily="18" charset="2"/>
+              <a:buChar char=""/>
+              <a:defRPr kumimoji="1" sz="1400" kern="1200">
+                <a:solidFill>
+                  <a:schemeClr val="tx1">
+                    <a:lumMod val="65000"/>
+                    <a:lumOff val="35000"/>
+                  </a:schemeClr>
+                </a:solidFill>
+                <a:latin typeface="+mn-lt"/>
+                <a:ea typeface="+mn-ea"/>
+                <a:cs typeface="+mn-cs"/>
+              </a:defRPr>
+            </a:lvl7pPr>
+            <a:lvl8pPr marL="3429000" indent="-228600" algn="l" defTabSz="914400" rtl="0" eaLnBrk="1" latinLnBrk="0" hangingPunct="1">
+              <a:lnSpc>
+                <a:spcPct val="90000"/>
+              </a:lnSpc>
+              <a:spcBef>
+                <a:spcPts val="250"/>
+              </a:spcBef>
+              <a:spcAft>
+                <a:spcPts val="250"/>
+              </a:spcAft>
+              <a:buClr>
+                <a:schemeClr val="accent1"/>
+              </a:buClr>
+              <a:buFont typeface="Wingdings 2" pitchFamily="18" charset="2"/>
+              <a:buChar char=""/>
+              <a:defRPr kumimoji="1" sz="1400" kern="1200">
+                <a:solidFill>
+                  <a:schemeClr val="tx1">
+                    <a:lumMod val="65000"/>
+                    <a:lumOff val="35000"/>
+                  </a:schemeClr>
+                </a:solidFill>
+                <a:latin typeface="+mn-lt"/>
+                <a:ea typeface="+mn-ea"/>
+                <a:cs typeface="+mn-cs"/>
+              </a:defRPr>
+            </a:lvl8pPr>
+            <a:lvl9pPr marL="3886200" indent="-228600" algn="l" defTabSz="914400" rtl="0" eaLnBrk="1" latinLnBrk="0" hangingPunct="1">
+              <a:lnSpc>
+                <a:spcPct val="90000"/>
+              </a:lnSpc>
+              <a:spcBef>
+                <a:spcPts val="250"/>
+              </a:spcBef>
+              <a:spcAft>
+                <a:spcPts val="250"/>
+              </a:spcAft>
+              <a:buClr>
+                <a:schemeClr val="accent1"/>
+              </a:buClr>
+              <a:buFont typeface="Wingdings 2" pitchFamily="18" charset="2"/>
+              <a:buChar char=""/>
+              <a:defRPr kumimoji="1" sz="1400" kern="1200">
+                <a:solidFill>
+                  <a:schemeClr val="tx1">
+                    <a:lumMod val="65000"/>
+                    <a:lumOff val="35000"/>
+                  </a:schemeClr>
+                </a:solidFill>
+                <a:latin typeface="+mn-lt"/>
+                <a:ea typeface="+mn-ea"/>
+                <a:cs typeface="+mn-cs"/>
+              </a:defRPr>
+            </a:lvl9pPr>
+          </a:lstStyle>
+          <a:p>
+            <a:r>
+              <a:rPr lang="ja-JP" altLang="en-US">
+                <a:latin typeface="Hiragino Kaku Gothic ProN W3" panose="020B0300000000000000" pitchFamily="34" charset="-128"/>
+                <a:ea typeface="Hiragino Kaku Gothic ProN W3" panose="020B0300000000000000" pitchFamily="34" charset="-128"/>
+              </a:rPr>
+              <a:t>研究の目的：機械学習を使って、ユーザーに似合うリップカラーを推定、提示する</a:t>
+            </a:r>
+            <a:endParaRPr lang="en-US" altLang="ja-JP" dirty="0">
+              <a:latin typeface="Hiragino Kaku Gothic ProN W3" panose="020B0300000000000000" pitchFamily="34" charset="-128"/>
+              <a:ea typeface="Hiragino Kaku Gothic ProN W3" panose="020B0300000000000000" pitchFamily="34" charset="-128"/>
+            </a:endParaRPr>
+          </a:p>
+          <a:p>
+            <a:endParaRPr lang="en-US" altLang="ja-JP" dirty="0"/>
+          </a:p>
+          <a:p>
+            <a:endParaRPr lang="ja-JP" altLang="en-US"/>
+          </a:p>
+        </p:txBody>
+      </p:sp>
+      <p:sp>
+        <p:nvSpPr>
+          <p:cNvPr id="6" name="タイトル 1">
+            <a:extLst>
+              <a:ext uri="{FF2B5EF4-FFF2-40B4-BE49-F238E27FC236}">
+                <a16:creationId xmlns:a16="http://schemas.microsoft.com/office/drawing/2014/main" id="{45A7B92C-AE3D-91D6-227C-099A94786625}"/>
+              </a:ext>
+            </a:extLst>
+          </p:cNvPr>
+          <p:cNvSpPr txBox="1">
+            <a:spLocks/>
+          </p:cNvSpPr>
+          <p:nvPr/>
+        </p:nvSpPr>
+        <p:spPr>
+          <a:xfrm>
+            <a:off x="252918" y="320508"/>
+            <a:ext cx="5843081" cy="771870"/>
+          </a:xfrm>
+          <a:prstGeom prst="rect">
+            <a:avLst/>
+          </a:prstGeom>
+        </p:spPr>
+        <p:txBody>
+          <a:bodyPr/>
+          <a:lstStyle>
+            <a:lvl1pPr algn="l" defTabSz="914400" rtl="0" eaLnBrk="1" latinLnBrk="0" hangingPunct="1">
+              <a:lnSpc>
+                <a:spcPct val="90000"/>
+              </a:lnSpc>
+              <a:spcBef>
+                <a:spcPct val="0"/>
+              </a:spcBef>
+              <a:buNone/>
+              <a:defRPr kumimoji="1" sz="3600" kern="1200" spc="-60" baseline="0">
+                <a:solidFill>
+                  <a:srgbClr val="FFFFFF"/>
+                </a:solidFill>
+                <a:latin typeface="+mj-lt"/>
+                <a:ea typeface="+mj-ea"/>
+                <a:cs typeface="+mj-cs"/>
+              </a:defRPr>
+            </a:lvl1pPr>
+          </a:lstStyle>
+          <a:p>
+            <a:r>
+              <a:rPr lang="ja-JP" altLang="en-US"/>
+              <a:t>システムの概要</a:t>
+            </a:r>
+          </a:p>
+        </p:txBody>
+      </p:sp>
+      <p:sp>
+        <p:nvSpPr>
+          <p:cNvPr id="2" name="正方形/長方形 1">
+            <a:extLst>
+              <a:ext uri="{FF2B5EF4-FFF2-40B4-BE49-F238E27FC236}">
+                <a16:creationId xmlns:a16="http://schemas.microsoft.com/office/drawing/2014/main" id="{9C22C84C-98E3-5902-3E60-DB66562821D2}"/>
+              </a:ext>
+            </a:extLst>
+          </p:cNvPr>
+          <p:cNvSpPr/>
+          <p:nvPr/>
+        </p:nvSpPr>
+        <p:spPr>
+          <a:xfrm>
+            <a:off x="2088891" y="2701383"/>
+            <a:ext cx="2118731" cy="1455234"/>
+          </a:xfrm>
+          <a:prstGeom prst="rect">
+            <a:avLst/>
+          </a:prstGeom>
+        </p:spPr>
+        <p:style>
+          <a:lnRef idx="2">
+            <a:schemeClr val="accent1">
+              <a:shade val="50000"/>
+            </a:schemeClr>
+          </a:lnRef>
+          <a:fillRef idx="1">
+            <a:schemeClr val="accent1"/>
+          </a:fillRef>
+          <a:effectRef idx="0">
+            <a:schemeClr val="accent1"/>
+          </a:effectRef>
+          <a:fontRef idx="minor">
+            <a:schemeClr val="lt1"/>
+          </a:fontRef>
+        </p:style>
+        <p:txBody>
+          <a:bodyPr rtlCol="0" anchor="ctr"/>
+          <a:lstStyle/>
+          <a:p>
+            <a:pPr algn="ctr"/>
+            <a:r>
+              <a:rPr kumimoji="1" lang="ja-JP" altLang="en-US"/>
+              <a:t>ユーザの</a:t>
+            </a:r>
+            <a:endParaRPr kumimoji="1" lang="en-US" altLang="ja-JP" dirty="0"/>
+          </a:p>
+          <a:p>
+            <a:pPr algn="ctr"/>
+            <a:r>
+              <a:rPr kumimoji="1" lang="ja-JP" altLang="en-US"/>
+              <a:t>顔写真</a:t>
+            </a:r>
+          </a:p>
+        </p:txBody>
+      </p:sp>
+      <p:sp>
+        <p:nvSpPr>
+          <p:cNvPr id="3" name="正方形/長方形 2">
+            <a:extLst>
+              <a:ext uri="{FF2B5EF4-FFF2-40B4-BE49-F238E27FC236}">
+                <a16:creationId xmlns:a16="http://schemas.microsoft.com/office/drawing/2014/main" id="{3DBF45C6-D291-47D3-A61D-7DD64B4F27E5}"/>
+              </a:ext>
+            </a:extLst>
+          </p:cNvPr>
+          <p:cNvSpPr/>
+          <p:nvPr/>
+        </p:nvSpPr>
+        <p:spPr>
+          <a:xfrm>
+            <a:off x="5036633" y="2701383"/>
+            <a:ext cx="2118731" cy="1455234"/>
+          </a:xfrm>
+          <a:prstGeom prst="rect">
+            <a:avLst/>
+          </a:prstGeom>
+        </p:spPr>
+        <p:style>
+          <a:lnRef idx="2">
+            <a:schemeClr val="accent1">
+              <a:shade val="50000"/>
+            </a:schemeClr>
+          </a:lnRef>
+          <a:fillRef idx="1">
+            <a:schemeClr val="accent1"/>
+          </a:fillRef>
+          <a:effectRef idx="0">
+            <a:schemeClr val="accent1"/>
+          </a:effectRef>
+          <a:fontRef idx="minor">
+            <a:schemeClr val="lt1"/>
+          </a:fontRef>
+        </p:style>
+        <p:txBody>
+          <a:bodyPr rtlCol="0" anchor="ctr"/>
+          <a:lstStyle/>
+          <a:p>
+            <a:pPr algn="ctr"/>
+            <a:r>
+              <a:rPr kumimoji="1" lang="ja-JP" altLang="en-US"/>
+              <a:t>機械学習</a:t>
+            </a:r>
+            <a:endParaRPr kumimoji="1" lang="en-US" altLang="ja-JP" dirty="0"/>
+          </a:p>
+          <a:p>
+            <a:pPr algn="ctr"/>
+            <a:r>
+              <a:rPr kumimoji="1" lang="ja-JP" altLang="en-US"/>
+              <a:t>モデル</a:t>
+            </a:r>
+          </a:p>
+        </p:txBody>
+      </p:sp>
+      <p:sp>
+        <p:nvSpPr>
+          <p:cNvPr id="4" name="正方形/長方形 3">
+            <a:extLst>
+              <a:ext uri="{FF2B5EF4-FFF2-40B4-BE49-F238E27FC236}">
+                <a16:creationId xmlns:a16="http://schemas.microsoft.com/office/drawing/2014/main" id="{0A65B00B-3F52-3EE1-21D0-02445B5EE9C0}"/>
+              </a:ext>
+            </a:extLst>
+          </p:cNvPr>
+          <p:cNvSpPr/>
+          <p:nvPr/>
+        </p:nvSpPr>
+        <p:spPr>
+          <a:xfrm>
+            <a:off x="7984375" y="2701383"/>
+            <a:ext cx="2118731" cy="1455234"/>
+          </a:xfrm>
+          <a:prstGeom prst="rect">
+            <a:avLst/>
+          </a:prstGeom>
+        </p:spPr>
+        <p:style>
+          <a:lnRef idx="2">
+            <a:schemeClr val="accent1">
+              <a:shade val="50000"/>
+            </a:schemeClr>
+          </a:lnRef>
+          <a:fillRef idx="1">
+            <a:schemeClr val="accent1"/>
+          </a:fillRef>
+          <a:effectRef idx="0">
+            <a:schemeClr val="accent1"/>
+          </a:effectRef>
+          <a:fontRef idx="minor">
+            <a:schemeClr val="lt1"/>
+          </a:fontRef>
+        </p:style>
+        <p:txBody>
+          <a:bodyPr rtlCol="0" anchor="ctr"/>
+          <a:lstStyle/>
+          <a:p>
+            <a:pPr algn="ctr"/>
+            <a:r>
+              <a:rPr kumimoji="1" lang="ja-JP" altLang="en-US"/>
+              <a:t>ユーザに似合う</a:t>
+            </a:r>
+            <a:endParaRPr kumimoji="1" lang="en-US" altLang="ja-JP" dirty="0"/>
+          </a:p>
+          <a:p>
+            <a:pPr algn="ctr"/>
+            <a:r>
+              <a:rPr kumimoji="1" lang="ja-JP" altLang="en-US"/>
+              <a:t>リップカラー</a:t>
+            </a:r>
+            <a:endParaRPr kumimoji="1" lang="en-US" altLang="ja-JP" dirty="0"/>
+          </a:p>
+          <a:p>
+            <a:pPr algn="ctr"/>
+            <a:r>
+              <a:rPr kumimoji="1" lang="ja-JP" altLang="en-US"/>
+              <a:t>の提示</a:t>
+            </a:r>
+          </a:p>
+        </p:txBody>
+      </p:sp>
+      <p:sp>
+        <p:nvSpPr>
+          <p:cNvPr id="8" name="正方形/長方形 7">
+            <a:extLst>
+              <a:ext uri="{FF2B5EF4-FFF2-40B4-BE49-F238E27FC236}">
+                <a16:creationId xmlns:a16="http://schemas.microsoft.com/office/drawing/2014/main" id="{AAA2F6BA-C655-5B59-6792-3E6CA58B80EE}"/>
+              </a:ext>
+            </a:extLst>
+          </p:cNvPr>
+          <p:cNvSpPr/>
+          <p:nvPr/>
+        </p:nvSpPr>
+        <p:spPr>
+          <a:xfrm>
+            <a:off x="5036633" y="4724979"/>
+            <a:ext cx="2118731" cy="1455234"/>
+          </a:xfrm>
+          <a:prstGeom prst="rect">
+            <a:avLst/>
+          </a:prstGeom>
+        </p:spPr>
+        <p:style>
+          <a:lnRef idx="2">
+            <a:schemeClr val="accent1">
+              <a:shade val="50000"/>
+            </a:schemeClr>
+          </a:lnRef>
+          <a:fillRef idx="1">
+            <a:schemeClr val="accent1"/>
+          </a:fillRef>
+          <a:effectRef idx="0">
+            <a:schemeClr val="accent1"/>
+          </a:effectRef>
+          <a:fontRef idx="minor">
+            <a:schemeClr val="lt1"/>
+          </a:fontRef>
+        </p:style>
+        <p:txBody>
+          <a:bodyPr rtlCol="0" anchor="ctr"/>
+          <a:lstStyle/>
+          <a:p>
+            <a:pPr algn="ctr"/>
+            <a:r>
+              <a:rPr kumimoji="1" lang="ja-JP" altLang="en-US"/>
+              <a:t>学習データ</a:t>
+            </a:r>
+          </a:p>
+        </p:txBody>
+      </p:sp>
+      <p:cxnSp>
+        <p:nvCxnSpPr>
+          <p:cNvPr id="10" name="直線矢印コネクタ 9">
+            <a:extLst>
+              <a:ext uri="{FF2B5EF4-FFF2-40B4-BE49-F238E27FC236}">
+                <a16:creationId xmlns:a16="http://schemas.microsoft.com/office/drawing/2014/main" id="{115C9D9E-C004-1503-9DCC-5552EB84358C}"/>
+              </a:ext>
+            </a:extLst>
+          </p:cNvPr>
+          <p:cNvCxnSpPr/>
+          <p:nvPr/>
+        </p:nvCxnSpPr>
+        <p:spPr>
+          <a:xfrm>
+            <a:off x="4382429" y="3429000"/>
+            <a:ext cx="501805" cy="0"/>
+          </a:xfrm>
+          <a:prstGeom prst="straightConnector1">
+            <a:avLst/>
+          </a:prstGeom>
+          <a:ln>
+            <a:tailEnd type="triangle"/>
+          </a:ln>
+        </p:spPr>
+        <p:style>
+          <a:lnRef idx="1">
+            <a:schemeClr val="dk1"/>
+          </a:lnRef>
+          <a:fillRef idx="0">
+            <a:schemeClr val="dk1"/>
+          </a:fillRef>
+          <a:effectRef idx="0">
+            <a:schemeClr val="dk1"/>
+          </a:effectRef>
+          <a:fontRef idx="minor">
+            <a:schemeClr val="tx1"/>
+          </a:fontRef>
+        </p:style>
+      </p:cxnSp>
+      <p:cxnSp>
+        <p:nvCxnSpPr>
+          <p:cNvPr id="11" name="直線矢印コネクタ 10">
+            <a:extLst>
+              <a:ext uri="{FF2B5EF4-FFF2-40B4-BE49-F238E27FC236}">
+                <a16:creationId xmlns:a16="http://schemas.microsoft.com/office/drawing/2014/main" id="{D8039561-BF70-8E02-8A1B-40033D6BA3C4}"/>
+              </a:ext>
+            </a:extLst>
+          </p:cNvPr>
+          <p:cNvCxnSpPr/>
+          <p:nvPr/>
+        </p:nvCxnSpPr>
+        <p:spPr>
+          <a:xfrm>
+            <a:off x="7344936" y="3419707"/>
+            <a:ext cx="501805" cy="0"/>
+          </a:xfrm>
+          <a:prstGeom prst="straightConnector1">
+            <a:avLst/>
+          </a:prstGeom>
+          <a:ln>
+            <a:tailEnd type="triangle"/>
+          </a:ln>
+        </p:spPr>
+        <p:style>
+          <a:lnRef idx="1">
+            <a:schemeClr val="dk1"/>
+          </a:lnRef>
+          <a:fillRef idx="0">
+            <a:schemeClr val="dk1"/>
+          </a:fillRef>
+          <a:effectRef idx="0">
+            <a:schemeClr val="dk1"/>
+          </a:effectRef>
+          <a:fontRef idx="minor">
+            <a:schemeClr val="tx1"/>
+          </a:fontRef>
+        </p:style>
+      </p:cxnSp>
+      <p:cxnSp>
+        <p:nvCxnSpPr>
+          <p:cNvPr id="12" name="直線矢印コネクタ 11">
+            <a:extLst>
+              <a:ext uri="{FF2B5EF4-FFF2-40B4-BE49-F238E27FC236}">
+                <a16:creationId xmlns:a16="http://schemas.microsoft.com/office/drawing/2014/main" id="{60052A9E-8E25-F5C6-5FFC-A53460D3FA7C}"/>
+              </a:ext>
+            </a:extLst>
+          </p:cNvPr>
+          <p:cNvCxnSpPr>
+            <a:cxnSpLocks/>
+          </p:cNvCxnSpPr>
+          <p:nvPr/>
+        </p:nvCxnSpPr>
+        <p:spPr>
+          <a:xfrm flipH="1" flipV="1">
+            <a:off x="6092281" y="4263307"/>
+            <a:ext cx="3717" cy="354981"/>
+          </a:xfrm>
+          <a:prstGeom prst="straightConnector1">
+            <a:avLst/>
+          </a:prstGeom>
+          <a:ln>
+            <a:tailEnd type="triangle"/>
+          </a:ln>
+        </p:spPr>
+        <p:style>
+          <a:lnRef idx="1">
+            <a:schemeClr val="dk1"/>
+          </a:lnRef>
+          <a:fillRef idx="0">
+            <a:schemeClr val="dk1"/>
+          </a:fillRef>
+          <a:effectRef idx="0">
+            <a:schemeClr val="dk1"/>
+          </a:effectRef>
+          <a:fontRef idx="minor">
+            <a:schemeClr val="tx1"/>
+          </a:fontRef>
+        </p:style>
+      </p:cxnSp>
+    </p:spTree>
+    <p:extLst>
+      <p:ext uri="{BB962C8B-B14F-4D97-AF65-F5344CB8AC3E}">
+        <p14:creationId xmlns:p14="http://schemas.microsoft.com/office/powerpoint/2010/main" val="3498508370"/>
+      </p:ext>
+    </p:extLst>
+  </p:cSld>
+  <p:clrMapOvr>
+    <a:masterClrMapping/>
+  </p:clrMapOvr>
+</p:sld>
+</file>
+
+<file path=ppt/slides/slide9.xml><?xml version="1.0" encoding="utf-8"?>
+<p:sld xmlns:a="http://schemas.openxmlformats.org/drawingml/2006/main" xmlns:r="http://schemas.openxmlformats.org/officeDocument/2006/relationships" xmlns:p="http://schemas.openxmlformats.org/presentationml/2006/main">
+  <p:cSld>
+    <p:spTree>
+      <p:nvGrpSpPr>
+        <p:cNvPr id="1" name=""/>
+        <p:cNvGrpSpPr/>
+        <p:nvPr/>
+      </p:nvGrpSpPr>
+      <p:grpSpPr>
+        <a:xfrm>
+          <a:off x="0" y="0"/>
+          <a:ext cx="0" cy="0"/>
+          <a:chOff x="0" y="0"/>
+          <a:chExt cx="0" cy="0"/>
+        </a:xfrm>
+      </p:grpSpPr>
+      <p:sp>
+        <p:nvSpPr>
+          <p:cNvPr id="7" name="正方形/長方形 6">
+            <a:extLst>
+              <a:ext uri="{FF2B5EF4-FFF2-40B4-BE49-F238E27FC236}">
+                <a16:creationId xmlns:a16="http://schemas.microsoft.com/office/drawing/2014/main" id="{D98ECB46-E3D4-3A0B-1D69-28EB8A1887F1}"/>
+              </a:ext>
+            </a:extLst>
+          </p:cNvPr>
+          <p:cNvSpPr/>
+          <p:nvPr/>
+        </p:nvSpPr>
+        <p:spPr>
+          <a:xfrm>
+            <a:off x="0" y="-1"/>
+            <a:ext cx="12192000" cy="1077091"/>
+          </a:xfrm>
+          <a:prstGeom prst="rect">
+            <a:avLst/>
+          </a:prstGeom>
+          <a:ln>
+            <a:noFill/>
+          </a:ln>
+        </p:spPr>
+        <p:style>
+          <a:lnRef idx="2">
+            <a:schemeClr val="accent1">
+              <a:shade val="50000"/>
+            </a:schemeClr>
+          </a:lnRef>
+          <a:fillRef idx="1">
+            <a:schemeClr val="accent1"/>
+          </a:fillRef>
+          <a:effectRef idx="0">
+            <a:schemeClr val="accent1"/>
+          </a:effectRef>
+          <a:fontRef idx="minor">
+            <a:schemeClr val="lt1"/>
+          </a:fontRef>
+        </p:style>
+        <p:txBody>
+          <a:bodyPr rtlCol="0" anchor="ctr"/>
+          <a:lstStyle/>
+          <a:p>
+            <a:pPr algn="ctr"/>
+            <a:endParaRPr kumimoji="1" lang="ja-JP" altLang="en-US"/>
+          </a:p>
+        </p:txBody>
+      </p:sp>
+      <p:sp>
+        <p:nvSpPr>
+          <p:cNvPr id="5" name="コンテンツ プレースホルダー 2">
+            <a:extLst>
+              <a:ext uri="{FF2B5EF4-FFF2-40B4-BE49-F238E27FC236}">
+                <a16:creationId xmlns:a16="http://schemas.microsoft.com/office/drawing/2014/main" id="{B040927F-1E6A-C26C-3C46-978E4552B438}"/>
+              </a:ext>
+            </a:extLst>
+          </p:cNvPr>
+          <p:cNvSpPr txBox="1">
+            <a:spLocks/>
+          </p:cNvSpPr>
+          <p:nvPr/>
+        </p:nvSpPr>
+        <p:spPr>
+          <a:xfrm>
+            <a:off x="576043" y="1432140"/>
+            <a:ext cx="11039913" cy="5120640"/>
+          </a:xfrm>
+          <a:prstGeom prst="rect">
+            <a:avLst/>
+          </a:prstGeom>
+        </p:spPr>
+        <p:txBody>
+          <a:bodyPr/>
+          <a:lstStyle>
+            <a:lvl1pPr marL="182880" indent="-182880" algn="l" defTabSz="914400" rtl="0" eaLnBrk="1" latinLnBrk="0" hangingPunct="1">
+              <a:lnSpc>
+                <a:spcPct val="90000"/>
+              </a:lnSpc>
+              <a:spcBef>
+                <a:spcPts val="1200"/>
+              </a:spcBef>
+              <a:buClr>
+                <a:schemeClr val="accent1"/>
+              </a:buClr>
+              <a:buFont typeface="Wingdings 2" pitchFamily="18" charset="2"/>
+              <a:buChar char=""/>
+              <a:defRPr kumimoji="1" sz="2000" kern="1200">
+                <a:solidFill>
+                  <a:schemeClr val="tx1">
+                    <a:lumMod val="65000"/>
+                    <a:lumOff val="35000"/>
+                  </a:schemeClr>
+                </a:solidFill>
+                <a:latin typeface="+mn-lt"/>
+                <a:ea typeface="+mn-ea"/>
+                <a:cs typeface="+mn-cs"/>
+              </a:defRPr>
+            </a:lvl1pPr>
+            <a:lvl2pPr marL="685800" indent="-182880" algn="l" defTabSz="914400" rtl="0" eaLnBrk="1" latinLnBrk="0" hangingPunct="1">
+              <a:lnSpc>
+                <a:spcPct val="90000"/>
+              </a:lnSpc>
+              <a:spcBef>
+                <a:spcPts val="250"/>
+              </a:spcBef>
+              <a:spcAft>
+                <a:spcPts val="250"/>
+              </a:spcAft>
+              <a:buClr>
+                <a:schemeClr val="accent1"/>
+              </a:buClr>
+              <a:buFont typeface="Wingdings 2" pitchFamily="18" charset="2"/>
+              <a:buChar char=""/>
+              <a:defRPr kumimoji="1" sz="1800" kern="1200">
+                <a:solidFill>
+                  <a:schemeClr val="tx1">
+                    <a:lumMod val="65000"/>
+                    <a:lumOff val="35000"/>
+                  </a:schemeClr>
+                </a:solidFill>
+                <a:latin typeface="+mn-lt"/>
+                <a:ea typeface="+mn-ea"/>
+                <a:cs typeface="+mn-cs"/>
+              </a:defRPr>
+            </a:lvl2pPr>
+            <a:lvl3pPr marL="1143000" indent="-182880" algn="l" defTabSz="914400" rtl="0" eaLnBrk="1" latinLnBrk="0" hangingPunct="1">
+              <a:lnSpc>
+                <a:spcPct val="90000"/>
+              </a:lnSpc>
+              <a:spcBef>
+                <a:spcPts val="250"/>
+              </a:spcBef>
+              <a:spcAft>
+                <a:spcPts val="250"/>
+              </a:spcAft>
+              <a:buClr>
+                <a:schemeClr val="accent1"/>
+              </a:buClr>
+              <a:buFont typeface="Wingdings 2" pitchFamily="18" charset="2"/>
+              <a:buChar char=""/>
+              <a:defRPr kumimoji="1" sz="1600" kern="1200">
+                <a:solidFill>
+                  <a:schemeClr val="tx1">
+                    <a:lumMod val="65000"/>
+                    <a:lumOff val="35000"/>
+                  </a:schemeClr>
+                </a:solidFill>
+                <a:latin typeface="+mn-lt"/>
+                <a:ea typeface="+mn-ea"/>
+                <a:cs typeface="+mn-cs"/>
+              </a:defRPr>
+            </a:lvl3pPr>
+            <a:lvl4pPr marL="1600200" indent="-182880" algn="l" defTabSz="914400" rtl="0" eaLnBrk="1" latinLnBrk="0" hangingPunct="1">
+              <a:lnSpc>
+                <a:spcPct val="90000"/>
+              </a:lnSpc>
+              <a:spcBef>
+                <a:spcPts val="250"/>
+              </a:spcBef>
+              <a:spcAft>
+                <a:spcPts val="250"/>
+              </a:spcAft>
+              <a:buClr>
+                <a:schemeClr val="accent1"/>
+              </a:buClr>
+              <a:buFont typeface="Wingdings 2" pitchFamily="18" charset="2"/>
+              <a:buChar char=""/>
+              <a:defRPr kumimoji="1" sz="1400" kern="1200">
+                <a:solidFill>
+                  <a:schemeClr val="tx1">
+                    <a:lumMod val="65000"/>
+                    <a:lumOff val="35000"/>
+                  </a:schemeClr>
+                </a:solidFill>
+                <a:latin typeface="+mn-lt"/>
+                <a:ea typeface="+mn-ea"/>
+                <a:cs typeface="+mn-cs"/>
+              </a:defRPr>
+            </a:lvl4pPr>
+            <a:lvl5pPr marL="2057400" indent="-182880" algn="l" defTabSz="914400" rtl="0" eaLnBrk="1" latinLnBrk="0" hangingPunct="1">
+              <a:lnSpc>
+                <a:spcPct val="90000"/>
+              </a:lnSpc>
+              <a:spcBef>
+                <a:spcPts val="250"/>
+              </a:spcBef>
+              <a:spcAft>
+                <a:spcPts val="250"/>
+              </a:spcAft>
+              <a:buClr>
+                <a:schemeClr val="accent1"/>
+              </a:buClr>
+              <a:buFont typeface="Wingdings 2" pitchFamily="18" charset="2"/>
+              <a:buChar char=""/>
+              <a:defRPr kumimoji="1" sz="1400" kern="1200">
+                <a:solidFill>
+                  <a:schemeClr val="tx1">
+                    <a:lumMod val="65000"/>
+                    <a:lumOff val="35000"/>
+                  </a:schemeClr>
+                </a:solidFill>
+                <a:latin typeface="+mn-lt"/>
+                <a:ea typeface="+mn-ea"/>
+                <a:cs typeface="+mn-cs"/>
+              </a:defRPr>
+            </a:lvl5pPr>
+            <a:lvl6pPr marL="2514600" indent="-228600" algn="l" defTabSz="914400" rtl="0" eaLnBrk="1" latinLnBrk="0" hangingPunct="1">
+              <a:lnSpc>
+                <a:spcPct val="90000"/>
+              </a:lnSpc>
+              <a:spcBef>
+                <a:spcPts val="250"/>
+              </a:spcBef>
+              <a:spcAft>
+                <a:spcPts val="250"/>
+              </a:spcAft>
+              <a:buClr>
+                <a:schemeClr val="accent1"/>
+              </a:buClr>
+              <a:buFont typeface="Wingdings 2" pitchFamily="18" charset="2"/>
+              <a:buChar char=""/>
+              <a:defRPr kumimoji="1" sz="1400" kern="1200">
+                <a:solidFill>
+                  <a:schemeClr val="tx1">
+                    <a:lumMod val="65000"/>
+                    <a:lumOff val="35000"/>
+                  </a:schemeClr>
+                </a:solidFill>
+                <a:latin typeface="+mn-lt"/>
+                <a:ea typeface="+mn-ea"/>
+                <a:cs typeface="+mn-cs"/>
+              </a:defRPr>
+            </a:lvl6pPr>
+            <a:lvl7pPr marL="2971800" indent="-228600" algn="l" defTabSz="914400" rtl="0" eaLnBrk="1" latinLnBrk="0" hangingPunct="1">
+              <a:lnSpc>
+                <a:spcPct val="90000"/>
+              </a:lnSpc>
+              <a:spcBef>
+                <a:spcPts val="250"/>
+              </a:spcBef>
+              <a:spcAft>
+                <a:spcPts val="250"/>
+              </a:spcAft>
+              <a:buClr>
+                <a:schemeClr val="accent1"/>
+              </a:buClr>
+              <a:buFont typeface="Wingdings 2" pitchFamily="18" charset="2"/>
+              <a:buChar char=""/>
+              <a:defRPr kumimoji="1" sz="1400" kern="1200">
+                <a:solidFill>
+                  <a:schemeClr val="tx1">
+                    <a:lumMod val="65000"/>
+                    <a:lumOff val="35000"/>
+                  </a:schemeClr>
+                </a:solidFill>
+                <a:latin typeface="+mn-lt"/>
+                <a:ea typeface="+mn-ea"/>
+                <a:cs typeface="+mn-cs"/>
+              </a:defRPr>
+            </a:lvl7pPr>
+            <a:lvl8pPr marL="3429000" indent="-228600" algn="l" defTabSz="914400" rtl="0" eaLnBrk="1" latinLnBrk="0" hangingPunct="1">
+              <a:lnSpc>
+                <a:spcPct val="90000"/>
+              </a:lnSpc>
+              <a:spcBef>
+                <a:spcPts val="250"/>
+              </a:spcBef>
+              <a:spcAft>
+                <a:spcPts val="250"/>
+              </a:spcAft>
+              <a:buClr>
+                <a:schemeClr val="accent1"/>
+              </a:buClr>
+              <a:buFont typeface="Wingdings 2" pitchFamily="18" charset="2"/>
+              <a:buChar char=""/>
+              <a:defRPr kumimoji="1" sz="1400" kern="1200">
+                <a:solidFill>
+                  <a:schemeClr val="tx1">
+                    <a:lumMod val="65000"/>
+                    <a:lumOff val="35000"/>
+                  </a:schemeClr>
+                </a:solidFill>
+                <a:latin typeface="+mn-lt"/>
+                <a:ea typeface="+mn-ea"/>
+                <a:cs typeface="+mn-cs"/>
+              </a:defRPr>
+            </a:lvl8pPr>
+            <a:lvl9pPr marL="3886200" indent="-228600" algn="l" defTabSz="914400" rtl="0" eaLnBrk="1" latinLnBrk="0" hangingPunct="1">
+              <a:lnSpc>
+                <a:spcPct val="90000"/>
+              </a:lnSpc>
+              <a:spcBef>
+                <a:spcPts val="250"/>
+              </a:spcBef>
+              <a:spcAft>
+                <a:spcPts val="250"/>
+              </a:spcAft>
+              <a:buClr>
+                <a:schemeClr val="accent1"/>
+              </a:buClr>
+              <a:buFont typeface="Wingdings 2" pitchFamily="18" charset="2"/>
+              <a:buChar char=""/>
+              <a:defRPr kumimoji="1" sz="1400" kern="1200">
+                <a:solidFill>
+                  <a:schemeClr val="tx1">
+                    <a:lumMod val="65000"/>
+                    <a:lumOff val="35000"/>
+                  </a:schemeClr>
+                </a:solidFill>
+                <a:latin typeface="+mn-lt"/>
+                <a:ea typeface="+mn-ea"/>
+                <a:cs typeface="+mn-cs"/>
+              </a:defRPr>
+            </a:lvl9pPr>
+          </a:lstStyle>
+          <a:p>
+            <a:pPr fontAlgn="base">
+              <a:spcBef>
+                <a:spcPts val="0"/>
+              </a:spcBef>
+              <a:spcAft>
+                <a:spcPts val="1200"/>
+              </a:spcAft>
+              <a:buFont typeface="Arial" panose="020B0604020202020204" pitchFamily="34" charset="0"/>
+              <a:buChar char="•"/>
+            </a:pPr>
+            <a:r>
+              <a:rPr lang="ja-JP" altLang="en-US" sz="2000" u="none" strike="noStrike">
+                <a:solidFill>
+                  <a:srgbClr val="695D46"/>
+                </a:solidFill>
+                <a:effectLst/>
+                <a:latin typeface="Hiragino Kaku Gothic ProN W3" panose="020B0300000000000000" pitchFamily="34" charset="-128"/>
+                <a:ea typeface="Hiragino Kaku Gothic ProN W3" panose="020B0300000000000000" pitchFamily="34" charset="-128"/>
+              </a:rPr>
+              <a:t>本研究では、「リップメイクの正解＝プロのメイクアップアーティストが施したメイク」と定義し、機械学習の教師データとして使用</a:t>
+            </a:r>
+            <a:endParaRPr lang="en" altLang="ja-JP" u="none" strike="noStrike" dirty="0">
+              <a:solidFill>
+                <a:srgbClr val="695D46"/>
+              </a:solidFill>
+              <a:effectLst/>
+              <a:latin typeface="Hiragino Kaku Gothic ProN W3" panose="020B0300000000000000" pitchFamily="34" charset="-128"/>
+              <a:ea typeface="Hiragino Kaku Gothic ProN W3" panose="020B0300000000000000" pitchFamily="34" charset="-128"/>
+            </a:endParaRPr>
+          </a:p>
+          <a:p>
+            <a:pPr lvl="1" fontAlgn="base">
+              <a:spcBef>
+                <a:spcPts val="0"/>
+              </a:spcBef>
+              <a:spcAft>
+                <a:spcPts val="1200"/>
+              </a:spcAft>
+              <a:buFont typeface="Arial" panose="020B0604020202020204" pitchFamily="34" charset="0"/>
+              <a:buChar char="•"/>
+            </a:pPr>
+            <a:r>
+              <a:rPr lang="en" altLang="ja-JP" sz="2000" u="none" strike="noStrike" dirty="0">
+                <a:solidFill>
+                  <a:srgbClr val="695D46"/>
+                </a:solidFill>
+                <a:effectLst/>
+                <a:latin typeface="Hiragino Kaku Gothic ProN W3" panose="020B0300000000000000" pitchFamily="34" charset="-128"/>
+                <a:ea typeface="Hiragino Kaku Gothic ProN W3" panose="020B0300000000000000" pitchFamily="34" charset="-128"/>
+              </a:rPr>
+              <a:t>『MAQUIA ONLINE』</a:t>
+            </a:r>
+            <a:r>
+              <a:rPr lang="ja-JP" altLang="en-US" sz="2000" u="none" strike="noStrike">
+                <a:solidFill>
+                  <a:srgbClr val="695D46"/>
+                </a:solidFill>
+                <a:effectLst/>
+                <a:latin typeface="Hiragino Kaku Gothic ProN W3" panose="020B0300000000000000" pitchFamily="34" charset="-128"/>
+                <a:ea typeface="Hiragino Kaku Gothic ProN W3" panose="020B0300000000000000" pitchFamily="34" charset="-128"/>
+              </a:rPr>
+              <a:t>という、美容雑誌</a:t>
+            </a:r>
+            <a:r>
+              <a:rPr lang="en-US" altLang="ja-JP" sz="2000" u="none" strike="noStrike" dirty="0">
+                <a:solidFill>
+                  <a:srgbClr val="695D46"/>
+                </a:solidFill>
+                <a:effectLst/>
+                <a:latin typeface="Hiragino Kaku Gothic ProN W3" panose="020B0300000000000000" pitchFamily="34" charset="-128"/>
+                <a:ea typeface="Hiragino Kaku Gothic ProN W3" panose="020B0300000000000000" pitchFamily="34" charset="-128"/>
+              </a:rPr>
+              <a:t>『</a:t>
+            </a:r>
+            <a:r>
+              <a:rPr lang="en" altLang="ja-JP" sz="2000" u="none" strike="noStrike" dirty="0">
+                <a:solidFill>
+                  <a:srgbClr val="695D46"/>
+                </a:solidFill>
+                <a:effectLst/>
+                <a:latin typeface="Hiragino Kaku Gothic ProN W3" panose="020B0300000000000000" pitchFamily="34" charset="-128"/>
+                <a:ea typeface="Hiragino Kaku Gothic ProN W3" panose="020B0300000000000000" pitchFamily="34" charset="-128"/>
+              </a:rPr>
+              <a:t>MAQUIA』</a:t>
+            </a:r>
+            <a:r>
+              <a:rPr lang="ja-JP" altLang="en-US" sz="2000" u="none" strike="noStrike">
+                <a:solidFill>
+                  <a:srgbClr val="695D46"/>
+                </a:solidFill>
+                <a:effectLst/>
+                <a:latin typeface="Hiragino Kaku Gothic ProN W3" panose="020B0300000000000000" pitchFamily="34" charset="-128"/>
+                <a:ea typeface="Hiragino Kaku Gothic ProN W3" panose="020B0300000000000000" pitchFamily="34" charset="-128"/>
+              </a:rPr>
+              <a:t>の公式</a:t>
+            </a:r>
+            <a:r>
+              <a:rPr lang="en" altLang="ja-JP" sz="2000" u="none" strike="noStrike" dirty="0">
+                <a:solidFill>
+                  <a:srgbClr val="695D46"/>
+                </a:solidFill>
+                <a:effectLst/>
+                <a:latin typeface="Hiragino Kaku Gothic ProN W3" panose="020B0300000000000000" pitchFamily="34" charset="-128"/>
+                <a:ea typeface="Hiragino Kaku Gothic ProN W3" panose="020B0300000000000000" pitchFamily="34" charset="-128"/>
+              </a:rPr>
+              <a:t>Web</a:t>
+            </a:r>
+            <a:r>
+              <a:rPr lang="ja-JP" altLang="en-US" sz="2000" u="none" strike="noStrike">
+                <a:solidFill>
+                  <a:srgbClr val="695D46"/>
+                </a:solidFill>
+                <a:effectLst/>
+                <a:latin typeface="Hiragino Kaku Gothic ProN W3" panose="020B0300000000000000" pitchFamily="34" charset="-128"/>
+                <a:ea typeface="Hiragino Kaku Gothic ProN W3" panose="020B0300000000000000" pitchFamily="34" charset="-128"/>
+              </a:rPr>
+              <a:t>サイトからメイクアップ後の顔画像をスクレイピング</a:t>
+            </a:r>
+            <a:endParaRPr lang="en-US" altLang="ja-JP" sz="2000" dirty="0">
+              <a:solidFill>
+                <a:srgbClr val="695D46"/>
+              </a:solidFill>
+              <a:latin typeface="Hiragino Kaku Gothic ProN W3" panose="020B0300000000000000" pitchFamily="34" charset="-128"/>
+              <a:ea typeface="Hiragino Kaku Gothic ProN W3" panose="020B0300000000000000" pitchFamily="34" charset="-128"/>
+            </a:endParaRPr>
+          </a:p>
+          <a:p>
+            <a:pPr lvl="1" fontAlgn="base">
+              <a:spcBef>
+                <a:spcPts val="0"/>
+              </a:spcBef>
+              <a:spcAft>
+                <a:spcPts val="1200"/>
+              </a:spcAft>
+              <a:buFont typeface="Arial" panose="020B0604020202020204" pitchFamily="34" charset="0"/>
+              <a:buChar char="•"/>
+            </a:pPr>
+            <a:endParaRPr lang="en-US" altLang="ja-JP" sz="2000" dirty="0">
+              <a:solidFill>
+                <a:srgbClr val="695D46"/>
+              </a:solidFill>
+              <a:latin typeface="Hiragino Kaku Gothic ProN W3" panose="020B0300000000000000" pitchFamily="34" charset="-128"/>
+              <a:ea typeface="Hiragino Kaku Gothic ProN W3" panose="020B0300000000000000" pitchFamily="34" charset="-128"/>
+            </a:endParaRPr>
+          </a:p>
+          <a:p>
+            <a:pPr lvl="1" fontAlgn="base">
+              <a:spcBef>
+                <a:spcPts val="0"/>
+              </a:spcBef>
+              <a:spcAft>
+                <a:spcPts val="1200"/>
+              </a:spcAft>
+              <a:buFont typeface="Arial" panose="020B0604020202020204" pitchFamily="34" charset="0"/>
+              <a:buChar char="•"/>
+            </a:pPr>
+            <a:endParaRPr lang="en-US" altLang="ja-JP" sz="2000" u="none" strike="noStrike" dirty="0">
+              <a:solidFill>
+                <a:srgbClr val="695D46"/>
+              </a:solidFill>
+              <a:effectLst/>
+              <a:latin typeface="Hiragino Kaku Gothic ProN W3" panose="020B0300000000000000" pitchFamily="34" charset="-128"/>
+              <a:ea typeface="Hiragino Kaku Gothic ProN W3" panose="020B0300000000000000" pitchFamily="34" charset="-128"/>
+            </a:endParaRPr>
+          </a:p>
+          <a:p>
+            <a:pPr lvl="1" fontAlgn="base">
+              <a:spcBef>
+                <a:spcPts val="0"/>
+              </a:spcBef>
+              <a:spcAft>
+                <a:spcPts val="1200"/>
+              </a:spcAft>
+              <a:buFont typeface="Arial" panose="020B0604020202020204" pitchFamily="34" charset="0"/>
+              <a:buChar char="•"/>
+            </a:pPr>
+            <a:endParaRPr lang="en-US" altLang="ja-JP" sz="2000" dirty="0">
+              <a:solidFill>
+                <a:srgbClr val="695D46"/>
+              </a:solidFill>
+              <a:latin typeface="Hiragino Kaku Gothic ProN W3" panose="020B0300000000000000" pitchFamily="34" charset="-128"/>
+              <a:ea typeface="Hiragino Kaku Gothic ProN W3" panose="020B0300000000000000" pitchFamily="34" charset="-128"/>
+            </a:endParaRPr>
+          </a:p>
+          <a:p>
+            <a:pPr lvl="1" fontAlgn="base">
+              <a:spcBef>
+                <a:spcPts val="0"/>
+              </a:spcBef>
+              <a:spcAft>
+                <a:spcPts val="1200"/>
+              </a:spcAft>
+              <a:buFont typeface="Arial" panose="020B0604020202020204" pitchFamily="34" charset="0"/>
+              <a:buChar char="•"/>
+            </a:pPr>
+            <a:endParaRPr lang="en-US" altLang="ja-JP" sz="2000" u="none" strike="noStrike" dirty="0">
+              <a:solidFill>
+                <a:srgbClr val="695D46"/>
+              </a:solidFill>
+              <a:effectLst/>
+              <a:latin typeface="Hiragino Kaku Gothic ProN W3" panose="020B0300000000000000" pitchFamily="34" charset="-128"/>
+              <a:ea typeface="Hiragino Kaku Gothic ProN W3" panose="020B0300000000000000" pitchFamily="34" charset="-128"/>
+            </a:endParaRPr>
+          </a:p>
+          <a:p>
+            <a:pPr lvl="1" fontAlgn="base">
+              <a:spcBef>
+                <a:spcPts val="0"/>
+              </a:spcBef>
+              <a:spcAft>
+                <a:spcPts val="1200"/>
+              </a:spcAft>
+              <a:buFont typeface="Arial" panose="020B0604020202020204" pitchFamily="34" charset="0"/>
+              <a:buChar char="•"/>
+            </a:pPr>
+            <a:endParaRPr lang="en-US" altLang="ja-JP" sz="2000" dirty="0">
+              <a:solidFill>
+                <a:srgbClr val="695D46"/>
+              </a:solidFill>
+              <a:latin typeface="Hiragino Kaku Gothic ProN W3" panose="020B0300000000000000" pitchFamily="34" charset="-128"/>
+              <a:ea typeface="Hiragino Kaku Gothic ProN W3" panose="020B0300000000000000" pitchFamily="34" charset="-128"/>
+            </a:endParaRPr>
+          </a:p>
+          <a:p>
+            <a:pPr lvl="1" fontAlgn="base">
+              <a:spcBef>
+                <a:spcPts val="0"/>
+              </a:spcBef>
+              <a:spcAft>
+                <a:spcPts val="1200"/>
+              </a:spcAft>
+              <a:buFont typeface="Arial" panose="020B0604020202020204" pitchFamily="34" charset="0"/>
+              <a:buChar char="•"/>
+            </a:pPr>
+            <a:endParaRPr lang="en-US" altLang="ja-JP" sz="2000" u="none" strike="noStrike" dirty="0">
+              <a:solidFill>
+                <a:srgbClr val="695D46"/>
+              </a:solidFill>
+              <a:effectLst/>
+              <a:latin typeface="Hiragino Kaku Gothic ProN W3" panose="020B0300000000000000" pitchFamily="34" charset="-128"/>
+              <a:ea typeface="Hiragino Kaku Gothic ProN W3" panose="020B0300000000000000" pitchFamily="34" charset="-128"/>
+            </a:endParaRPr>
+          </a:p>
+          <a:p>
+            <a:pPr lvl="1" fontAlgn="base">
+              <a:spcBef>
+                <a:spcPts val="0"/>
+              </a:spcBef>
+              <a:spcAft>
+                <a:spcPts val="1200"/>
+              </a:spcAft>
+              <a:buFont typeface="Arial" panose="020B0604020202020204" pitchFamily="34" charset="0"/>
+              <a:buChar char="•"/>
+            </a:pPr>
+            <a:endParaRPr lang="en-US" altLang="ja-JP" sz="2000" dirty="0">
+              <a:solidFill>
+                <a:srgbClr val="695D46"/>
+              </a:solidFill>
+              <a:latin typeface="Hiragino Kaku Gothic ProN W3" panose="020B0300000000000000" pitchFamily="34" charset="-128"/>
+              <a:ea typeface="Hiragino Kaku Gothic ProN W3" panose="020B0300000000000000" pitchFamily="34" charset="-128"/>
+            </a:endParaRPr>
+          </a:p>
+          <a:p>
+            <a:pPr lvl="1" fontAlgn="base">
+              <a:spcBef>
+                <a:spcPts val="0"/>
+              </a:spcBef>
+              <a:spcAft>
+                <a:spcPts val="1200"/>
+              </a:spcAft>
+              <a:buFont typeface="Arial" panose="020B0604020202020204" pitchFamily="34" charset="0"/>
+              <a:buChar char="•"/>
+            </a:pPr>
+            <a:endParaRPr lang="en-US" altLang="ja-JP" sz="2000" u="none" strike="noStrike" dirty="0">
+              <a:solidFill>
+                <a:srgbClr val="695D46"/>
+              </a:solidFill>
+              <a:effectLst/>
+              <a:latin typeface="Hiragino Kaku Gothic ProN W3" panose="020B0300000000000000" pitchFamily="34" charset="-128"/>
+              <a:ea typeface="Hiragino Kaku Gothic ProN W3" panose="020B0300000000000000" pitchFamily="34" charset="-128"/>
+            </a:endParaRPr>
+          </a:p>
+          <a:p>
+            <a:pPr marL="502920" lvl="1" indent="0" algn="r" fontAlgn="base">
+              <a:spcBef>
+                <a:spcPts val="0"/>
+              </a:spcBef>
+              <a:spcAft>
+                <a:spcPts val="1200"/>
+              </a:spcAft>
+              <a:buNone/>
+            </a:pPr>
+            <a:r>
+              <a:rPr lang="ja-JP" altLang="en-US" sz="1400" u="none" strike="noStrike">
+                <a:solidFill>
+                  <a:srgbClr val="695D46"/>
+                </a:solidFill>
+                <a:effectLst/>
+                <a:latin typeface="Hiragino Kaku Gothic ProN W3" panose="020B0300000000000000" pitchFamily="34" charset="-128"/>
+                <a:ea typeface="Hiragino Kaku Gothic ProN W3" panose="020B0300000000000000" pitchFamily="34" charset="-128"/>
+              </a:rPr>
+              <a:t>引用元：集英社</a:t>
+            </a:r>
+            <a:r>
+              <a:rPr lang="en-US" altLang="ja-JP" sz="1400" u="none" strike="noStrike" dirty="0">
+                <a:solidFill>
+                  <a:srgbClr val="695D46"/>
+                </a:solidFill>
+                <a:effectLst/>
+                <a:latin typeface="Hiragino Kaku Gothic ProN W3" panose="020B0300000000000000" pitchFamily="34" charset="-128"/>
+                <a:ea typeface="Hiragino Kaku Gothic ProN W3" panose="020B0300000000000000" pitchFamily="34" charset="-128"/>
+              </a:rPr>
+              <a:t> 『MAQUIA </a:t>
+            </a:r>
+            <a:r>
+              <a:rPr lang="en-US" altLang="ja-JP" sz="1400" u="none" strike="noStrike" dirty="0" err="1">
+                <a:solidFill>
+                  <a:srgbClr val="695D46"/>
+                </a:solidFill>
+                <a:effectLst/>
+                <a:latin typeface="Hiragino Kaku Gothic ProN W3" panose="020B0300000000000000" pitchFamily="34" charset="-128"/>
+                <a:ea typeface="Hiragino Kaku Gothic ProN W3" panose="020B0300000000000000" pitchFamily="34" charset="-128"/>
+              </a:rPr>
+              <a:t>ONLINE』https</a:t>
+            </a:r>
+            <a:r>
+              <a:rPr lang="en-US" altLang="ja-JP" sz="1400" u="none" strike="noStrike" dirty="0">
+                <a:solidFill>
+                  <a:srgbClr val="695D46"/>
+                </a:solidFill>
+                <a:effectLst/>
+                <a:latin typeface="Hiragino Kaku Gothic ProN W3" panose="020B0300000000000000" pitchFamily="34" charset="-128"/>
+                <a:ea typeface="Hiragino Kaku Gothic ProN W3" panose="020B0300000000000000" pitchFamily="34" charset="-128"/>
+              </a:rPr>
+              <a:t>://</a:t>
+            </a:r>
+            <a:r>
+              <a:rPr lang="en-US" altLang="ja-JP" sz="1400" u="none" strike="noStrike" dirty="0" err="1">
+                <a:solidFill>
+                  <a:srgbClr val="695D46"/>
+                </a:solidFill>
+                <a:effectLst/>
+                <a:latin typeface="Hiragino Kaku Gothic ProN W3" panose="020B0300000000000000" pitchFamily="34" charset="-128"/>
+                <a:ea typeface="Hiragino Kaku Gothic ProN W3" panose="020B0300000000000000" pitchFamily="34" charset="-128"/>
+              </a:rPr>
+              <a:t>maquia.hpplus.jp</a:t>
+            </a:r>
+            <a:r>
+              <a:rPr lang="en-US" altLang="ja-JP" sz="1400" u="none" strike="noStrike" dirty="0">
+                <a:solidFill>
+                  <a:srgbClr val="695D46"/>
+                </a:solidFill>
+                <a:effectLst/>
+                <a:latin typeface="Hiragino Kaku Gothic ProN W3" panose="020B0300000000000000" pitchFamily="34" charset="-128"/>
+                <a:ea typeface="Hiragino Kaku Gothic ProN W3" panose="020B0300000000000000" pitchFamily="34" charset="-128"/>
+              </a:rPr>
+              <a:t>/makeup/</a:t>
+            </a:r>
+          </a:p>
+        </p:txBody>
+      </p:sp>
+      <p:sp>
+        <p:nvSpPr>
+          <p:cNvPr id="6" name="タイトル 1">
+            <a:extLst>
+              <a:ext uri="{FF2B5EF4-FFF2-40B4-BE49-F238E27FC236}">
+                <a16:creationId xmlns:a16="http://schemas.microsoft.com/office/drawing/2014/main" id="{45A7B92C-AE3D-91D6-227C-099A94786625}"/>
+              </a:ext>
+            </a:extLst>
+          </p:cNvPr>
+          <p:cNvSpPr txBox="1">
+            <a:spLocks/>
+          </p:cNvSpPr>
+          <p:nvPr/>
+        </p:nvSpPr>
+        <p:spPr>
+          <a:xfrm>
+            <a:off x="252918" y="320508"/>
+            <a:ext cx="8502199" cy="771870"/>
+          </a:xfrm>
+          <a:prstGeom prst="rect">
+            <a:avLst/>
+          </a:prstGeom>
+        </p:spPr>
+        <p:txBody>
+          <a:bodyPr/>
+          <a:lstStyle>
+            <a:lvl1pPr algn="l" defTabSz="914400" rtl="0" eaLnBrk="1" latinLnBrk="0" hangingPunct="1">
+              <a:lnSpc>
+                <a:spcPct val="90000"/>
+              </a:lnSpc>
+              <a:spcBef>
+                <a:spcPct val="0"/>
+              </a:spcBef>
+              <a:buNone/>
+              <a:defRPr kumimoji="1" sz="3600" kern="1200" spc="-60" baseline="0">
+                <a:solidFill>
+                  <a:srgbClr val="FFFFFF"/>
+                </a:solidFill>
+                <a:latin typeface="+mj-lt"/>
+                <a:ea typeface="+mj-ea"/>
+                <a:cs typeface="+mj-cs"/>
+              </a:defRPr>
+            </a:lvl1pPr>
+          </a:lstStyle>
+          <a:p>
+            <a:r>
+              <a:rPr lang="ja-JP" altLang="en-US"/>
+              <a:t>システムの概要：学習データについて</a:t>
+            </a:r>
+          </a:p>
+        </p:txBody>
+      </p:sp>
+      <p:pic>
+        <p:nvPicPr>
+          <p:cNvPr id="1026" name="Picture 2" descr="この秋は“グレージュな眉”が気分。手に入れるべきアイテムを教えます_1">
+            <a:extLst>
+              <a:ext uri="{FF2B5EF4-FFF2-40B4-BE49-F238E27FC236}">
+                <a16:creationId xmlns:a16="http://schemas.microsoft.com/office/drawing/2014/main" id="{D5C85BA9-477A-0F96-2DF1-289146BBC8A0}"/>
+              </a:ext>
+            </a:extLst>
+          </p:cNvPr>
+          <p:cNvPicPr>
+            <a:picLocks noChangeAspect="1" noChangeArrowheads="1"/>
+          </p:cNvPicPr>
+          <p:nvPr/>
+        </p:nvPicPr>
+        <p:blipFill>
+          <a:blip r:embed="rId2">
+            <a:extLst>
+              <a:ext uri="{28A0092B-C50C-407E-A947-70E740481C1C}">
+                <a14:useLocalDpi xmlns:a14="http://schemas.microsoft.com/office/drawing/2010/main" val="0"/>
+              </a:ext>
+            </a:extLst>
+          </a:blip>
+          <a:srcRect/>
+          <a:stretch>
+            <a:fillRect/>
+          </a:stretch>
+        </p:blipFill>
+        <p:spPr bwMode="auto">
+          <a:xfrm>
+            <a:off x="1863810" y="3052114"/>
+            <a:ext cx="3142315" cy="3142315"/>
+          </a:xfrm>
+          <a:prstGeom prst="rect">
+            <a:avLst/>
+          </a:prstGeom>
+          <a:noFill/>
+          <a:extLst>
+            <a:ext uri="{909E8E84-426E-40DD-AFC4-6F175D3DCCD1}">
+              <a14:hiddenFill xmlns:a14="http://schemas.microsoft.com/office/drawing/2010/main">
+                <a:solidFill>
+                  <a:srgbClr val="FFFFFF"/>
+                </a:solidFill>
+              </a14:hiddenFill>
+            </a:ext>
+          </a:extLst>
+        </p:spPr>
+      </p:pic>
+      <p:pic>
+        <p:nvPicPr>
+          <p:cNvPr id="1028" name="Picture 4" descr="ベースメイク">
+            <a:extLst>
+              <a:ext uri="{FF2B5EF4-FFF2-40B4-BE49-F238E27FC236}">
+                <a16:creationId xmlns:a16="http://schemas.microsoft.com/office/drawing/2014/main" id="{541CCF27-D820-433C-5A5F-A799CCF50442}"/>
+              </a:ext>
+            </a:extLst>
+          </p:cNvPr>
+          <p:cNvPicPr>
+            <a:picLocks noChangeAspect="1" noChangeArrowheads="1"/>
+          </p:cNvPicPr>
+          <p:nvPr/>
+        </p:nvPicPr>
+        <p:blipFill>
+          <a:blip r:embed="rId3">
+            <a:extLst>
+              <a:ext uri="{28A0092B-C50C-407E-A947-70E740481C1C}">
+                <a14:useLocalDpi xmlns:a14="http://schemas.microsoft.com/office/drawing/2010/main" val="0"/>
+              </a:ext>
+            </a:extLst>
+          </a:blip>
+          <a:srcRect/>
+          <a:stretch>
+            <a:fillRect/>
+          </a:stretch>
+        </p:blipFill>
+        <p:spPr bwMode="auto">
+          <a:xfrm>
+            <a:off x="5428315" y="3429000"/>
+            <a:ext cx="3558746" cy="2496862"/>
+          </a:xfrm>
+          <a:prstGeom prst="rect">
+            <a:avLst/>
+          </a:prstGeom>
+          <a:noFill/>
+          <a:extLst>
+            <a:ext uri="{909E8E84-426E-40DD-AFC4-6F175D3DCCD1}">
+              <a14:hiddenFill xmlns:a14="http://schemas.microsoft.com/office/drawing/2010/main">
+                <a:solidFill>
+                  <a:srgbClr val="FFFFFF"/>
+                </a:solidFill>
+              </a14:hiddenFill>
+            </a:ext>
+          </a:extLst>
+        </p:spPr>
+      </p:pic>
+    </p:spTree>
+    <p:extLst>
+      <p:ext uri="{BB962C8B-B14F-4D97-AF65-F5344CB8AC3E}">
+        <p14:creationId xmlns:p14="http://schemas.microsoft.com/office/powerpoint/2010/main" val="1382549501"/>
       </p:ext>
     </p:extLst>
   </p:cSld>

--- a/口頭試問.pptx
+++ b/口頭試問.pptx
@@ -17,9 +17,11 @@
     <p:sldId id="268" r:id="rId11"/>
     <p:sldId id="269" r:id="rId12"/>
     <p:sldId id="272" r:id="rId13"/>
-    <p:sldId id="270" r:id="rId14"/>
-    <p:sldId id="261" r:id="rId15"/>
-    <p:sldId id="262" r:id="rId16"/>
+    <p:sldId id="273" r:id="rId14"/>
+    <p:sldId id="274" r:id="rId15"/>
+    <p:sldId id="270" r:id="rId16"/>
+    <p:sldId id="261" r:id="rId17"/>
+    <p:sldId id="262" r:id="rId18"/>
   </p:sldIdLst>
   <p:sldSz cx="12192000" cy="6858000"/>
   <p:notesSz cx="6858000" cy="9144000"/>
@@ -346,7 +348,7 @@
           <a:p>
             <a:fld id="{A6E0AD41-3205-554B-A221-F12330F95C4E}" type="datetimeFigureOut">
               <a:rPr kumimoji="1" lang="ja-JP" altLang="en-US" smtClean="0"/>
-              <a:t>2024/1/22</a:t>
+              <a:t>2024/1/24</a:t>
             </a:fld>
             <a:endParaRPr kumimoji="1" lang="ja-JP" altLang="en-US"/>
           </a:p>
@@ -548,7 +550,7 @@
           <a:p>
             <a:fld id="{A6E0AD41-3205-554B-A221-F12330F95C4E}" type="datetimeFigureOut">
               <a:rPr kumimoji="1" lang="ja-JP" altLang="en-US" smtClean="0"/>
-              <a:t>2024/1/22</a:t>
+              <a:t>2024/1/24</a:t>
             </a:fld>
             <a:endParaRPr kumimoji="1" lang="ja-JP" altLang="en-US"/>
           </a:p>
@@ -760,7 +762,7 @@
           <a:p>
             <a:fld id="{A6E0AD41-3205-554B-A221-F12330F95C4E}" type="datetimeFigureOut">
               <a:rPr kumimoji="1" lang="ja-JP" altLang="en-US" smtClean="0"/>
-              <a:t>2024/1/22</a:t>
+              <a:t>2024/1/24</a:t>
             </a:fld>
             <a:endParaRPr kumimoji="1" lang="ja-JP" altLang="en-US"/>
           </a:p>
@@ -962,7 +964,7 @@
           <a:p>
             <a:fld id="{A6E0AD41-3205-554B-A221-F12330F95C4E}" type="datetimeFigureOut">
               <a:rPr kumimoji="1" lang="ja-JP" altLang="en-US" smtClean="0"/>
-              <a:t>2024/1/22</a:t>
+              <a:t>2024/1/24</a:t>
             </a:fld>
             <a:endParaRPr kumimoji="1" lang="ja-JP" altLang="en-US"/>
           </a:p>
@@ -1220,7 +1222,7 @@
           <a:p>
             <a:fld id="{A6E0AD41-3205-554B-A221-F12330F95C4E}" type="datetimeFigureOut">
               <a:rPr kumimoji="1" lang="ja-JP" altLang="en-US" smtClean="0"/>
-              <a:t>2024/1/22</a:t>
+              <a:t>2024/1/24</a:t>
             </a:fld>
             <a:endParaRPr kumimoji="1" lang="ja-JP" altLang="en-US"/>
           </a:p>
@@ -1572,7 +1574,7 @@
           <a:p>
             <a:fld id="{A6E0AD41-3205-554B-A221-F12330F95C4E}" type="datetimeFigureOut">
               <a:rPr kumimoji="1" lang="ja-JP" altLang="en-US" smtClean="0"/>
-              <a:t>2024/1/22</a:t>
+              <a:t>2024/1/24</a:t>
             </a:fld>
             <a:endParaRPr kumimoji="1" lang="ja-JP" altLang="en-US"/>
           </a:p>
@@ -2078,7 +2080,7 @@
           <a:p>
             <a:fld id="{A6E0AD41-3205-554B-A221-F12330F95C4E}" type="datetimeFigureOut">
               <a:rPr kumimoji="1" lang="ja-JP" altLang="en-US" smtClean="0"/>
-              <a:t>2024/1/22</a:t>
+              <a:t>2024/1/24</a:t>
             </a:fld>
             <a:endParaRPr kumimoji="1" lang="ja-JP" altLang="en-US"/>
           </a:p>
@@ -2196,7 +2198,7 @@
           <a:p>
             <a:fld id="{A6E0AD41-3205-554B-A221-F12330F95C4E}" type="datetimeFigureOut">
               <a:rPr kumimoji="1" lang="ja-JP" altLang="en-US" smtClean="0"/>
-              <a:t>2024/1/22</a:t>
+              <a:t>2024/1/24</a:t>
             </a:fld>
             <a:endParaRPr kumimoji="1" lang="ja-JP" altLang="en-US"/>
           </a:p>
@@ -2291,7 +2293,7 @@
           <a:p>
             <a:fld id="{A6E0AD41-3205-554B-A221-F12330F95C4E}" type="datetimeFigureOut">
               <a:rPr kumimoji="1" lang="ja-JP" altLang="en-US" smtClean="0"/>
-              <a:t>2024/1/22</a:t>
+              <a:t>2024/1/24</a:t>
             </a:fld>
             <a:endParaRPr kumimoji="1" lang="ja-JP" altLang="en-US"/>
           </a:p>
@@ -2611,7 +2613,7 @@
           <a:p>
             <a:fld id="{A6E0AD41-3205-554B-A221-F12330F95C4E}" type="datetimeFigureOut">
               <a:rPr kumimoji="1" lang="ja-JP" altLang="en-US" smtClean="0"/>
-              <a:t>2024/1/22</a:t>
+              <a:t>2024/1/24</a:t>
             </a:fld>
             <a:endParaRPr kumimoji="1" lang="ja-JP" altLang="en-US"/>
           </a:p>
@@ -2884,7 +2886,7 @@
           <a:p>
             <a:fld id="{A6E0AD41-3205-554B-A221-F12330F95C4E}" type="datetimeFigureOut">
               <a:rPr kumimoji="1" lang="ja-JP" altLang="en-US" smtClean="0"/>
-              <a:t>2024/1/22</a:t>
+              <a:t>2024/1/24</a:t>
             </a:fld>
             <a:endParaRPr kumimoji="1" lang="ja-JP" altLang="en-US"/>
           </a:p>
@@ -3213,7 +3215,7 @@
           <a:p>
             <a:fld id="{A6E0AD41-3205-554B-A221-F12330F95C4E}" type="datetimeFigureOut">
               <a:rPr kumimoji="1" lang="ja-JP" altLang="en-US" smtClean="0"/>
-              <a:t>2024/1/22</a:t>
+              <a:t>2024/1/24</a:t>
             </a:fld>
             <a:endParaRPr kumimoji="1" lang="ja-JP" altLang="en-US"/>
           </a:p>
@@ -4555,96 +4557,68 @@
             </a:lvl9pPr>
           </a:lstStyle>
           <a:p>
-            <a:pPr fontAlgn="base"/>
+            <a:pPr marL="457200" indent="-457200">
+              <a:buFont typeface="+mj-lt"/>
+              <a:buAutoNum type="arabicPeriod"/>
+            </a:pPr>
+            <a:r>
+              <a:rPr lang="en-US" altLang="ja-JP" dirty="0">
+                <a:latin typeface="Hiragino Kaku Gothic ProN W3" panose="020B0300000000000000" pitchFamily="34" charset="-128"/>
+                <a:ea typeface="Hiragino Kaku Gothic ProN W3" panose="020B0300000000000000" pitchFamily="34" charset="-128"/>
+              </a:rPr>
+              <a:t>MAQUIA ONLINE</a:t>
+            </a:r>
             <a:r>
               <a:rPr lang="ja-JP" altLang="en-US">
                 <a:latin typeface="Hiragino Kaku Gothic ProN W3" panose="020B0300000000000000" pitchFamily="34" charset="-128"/>
                 <a:ea typeface="Hiragino Kaku Gothic ProN W3" panose="020B0300000000000000" pitchFamily="34" charset="-128"/>
               </a:rPr>
-              <a:t>メイクアップは、自分自身でそれが似合っているかどうかを客観的に判断することが難しい</a:t>
-            </a:r>
-          </a:p>
-          <a:p>
-            <a:pPr lvl="1" fontAlgn="base"/>
-            <a:r>
-              <a:rPr lang="ja-JP" altLang="en-US" sz="2000">
-                <a:latin typeface="Hiragino Kaku Gothic ProN W3" panose="020B0300000000000000" pitchFamily="34" charset="-128"/>
-                <a:ea typeface="Hiragino Kaku Gothic ProN W3" panose="020B0300000000000000" pitchFamily="34" charset="-128"/>
-              </a:rPr>
-              <a:t>自分がしているメイクアップに自信が持てず、不安になってしまう</a:t>
-            </a:r>
-          </a:p>
-          <a:p>
-            <a:pPr lvl="1" fontAlgn="base"/>
-            <a:r>
-              <a:rPr lang="ja-JP" altLang="en-US" sz="2000">
-                <a:latin typeface="Hiragino Kaku Gothic ProN W3" panose="020B0300000000000000" pitchFamily="34" charset="-128"/>
-                <a:ea typeface="Hiragino Kaku Gothic ProN W3" panose="020B0300000000000000" pitchFamily="34" charset="-128"/>
-              </a:rPr>
-              <a:t>メイクアップをどう改善したら良いのか分からない</a:t>
-            </a:r>
-            <a:br>
-              <a:rPr lang="ja-JP" altLang="en-US" sz="2000">
-                <a:latin typeface="Hiragino Kaku Gothic ProN W3" panose="020B0300000000000000" pitchFamily="34" charset="-128"/>
-                <a:ea typeface="Hiragino Kaku Gothic ProN W3" panose="020B0300000000000000" pitchFamily="34" charset="-128"/>
-              </a:rPr>
-            </a:br>
-            <a:br>
-              <a:rPr lang="ja-JP" altLang="en-US" sz="2000">
-                <a:latin typeface="Hiragino Kaku Gothic ProN W3" panose="020B0300000000000000" pitchFamily="34" charset="-128"/>
-                <a:ea typeface="Hiragino Kaku Gothic ProN W3" panose="020B0300000000000000" pitchFamily="34" charset="-128"/>
-              </a:rPr>
-            </a:br>
-            <a:endParaRPr lang="ja-JP" altLang="en-US" sz="2000">
+              <a:t>の未学習の画像を使用した実験</a:t>
+            </a:r>
+            <a:endParaRPr lang="en-US" altLang="ja-JP" dirty="0">
               <a:latin typeface="Hiragino Kaku Gothic ProN W3" panose="020B0300000000000000" pitchFamily="34" charset="-128"/>
               <a:ea typeface="Hiragino Kaku Gothic ProN W3" panose="020B0300000000000000" pitchFamily="34" charset="-128"/>
             </a:endParaRPr>
           </a:p>
           <a:p>
-            <a:pPr fontAlgn="base"/>
+            <a:pPr marL="457200" indent="-457200">
+              <a:buFont typeface="+mj-lt"/>
+              <a:buAutoNum type="arabicPeriod"/>
+            </a:pPr>
             <a:r>
               <a:rPr lang="ja-JP" altLang="en-US">
                 <a:latin typeface="Hiragino Kaku Gothic ProN W3" panose="020B0300000000000000" pitchFamily="34" charset="-128"/>
                 <a:ea typeface="Hiragino Kaku Gothic ProN W3" panose="020B0300000000000000" pitchFamily="34" charset="-128"/>
               </a:rPr>
-              <a:t>メイクアップの印象を大きく左右する要素としてリップメイクに着目</a:t>
-            </a:r>
-          </a:p>
-          <a:p>
-            <a:pPr fontAlgn="base"/>
-            <a:r>
-              <a:rPr lang="ja-JP" altLang="en-US">
-                <a:latin typeface="Hiragino Kaku Gothic ProN W3" panose="020B0300000000000000" pitchFamily="34" charset="-128"/>
-                <a:ea typeface="Hiragino Kaku Gothic ProN W3" panose="020B0300000000000000" pitchFamily="34" charset="-128"/>
-              </a:rPr>
-              <a:t>人の顔画像から、その人に似合うリップカラーを機械学習で推定・提案するシステムを作成</a:t>
-            </a:r>
-          </a:p>
-          <a:p>
-            <a:pPr lvl="1" fontAlgn="base"/>
-            <a:r>
-              <a:rPr lang="ja-JP" altLang="en-US" sz="2000">
-                <a:latin typeface="Hiragino Kaku Gothic ProN W3" panose="020B0300000000000000" pitchFamily="34" charset="-128"/>
-                <a:ea typeface="Hiragino Kaku Gothic ProN W3" panose="020B0300000000000000" pitchFamily="34" charset="-128"/>
-              </a:rPr>
-              <a:t>似合うと推定されるリップカラーを利用者に提示することで、現在のメイクアップをどう改善すれば良いかの方向性を示すことができる</a:t>
-            </a:r>
-            <a:endParaRPr lang="en-US" altLang="ja-JP" sz="2000" dirty="0">
+              <a:t>学習データとは異なる媒体の画像を使用した実験</a:t>
+            </a:r>
+            <a:endParaRPr lang="en-US" altLang="ja-JP" dirty="0">
               <a:latin typeface="Hiragino Kaku Gothic ProN W3" panose="020B0300000000000000" pitchFamily="34" charset="-128"/>
               <a:ea typeface="Hiragino Kaku Gothic ProN W3" panose="020B0300000000000000" pitchFamily="34" charset="-128"/>
             </a:endParaRPr>
           </a:p>
           <a:p>
-            <a:pPr lvl="1" fontAlgn="base"/>
-            <a:r>
-              <a:rPr lang="ja-JP" altLang="en-US" sz="2000">
-                <a:latin typeface="Hiragino Kaku Gothic ProN W3" panose="020B0300000000000000" pitchFamily="34" charset="-128"/>
-                <a:ea typeface="Hiragino Kaku Gothic ProN W3" panose="020B0300000000000000" pitchFamily="34" charset="-128"/>
-              </a:rPr>
-              <a:t>自分が現在使用しているリップカラーと近い色が提示されれば、不安の解消になる</a:t>
-            </a:r>
-          </a:p>
-          <a:p>
+            <a:pPr marL="457200" indent="-457200">
+              <a:buFont typeface="+mj-lt"/>
+              <a:buAutoNum type="arabicPeriod"/>
+            </a:pPr>
+            <a:r>
+              <a:rPr lang="ja-JP" altLang="en-US">
+                <a:latin typeface="Hiragino Kaku Gothic ProN W3" panose="020B0300000000000000" pitchFamily="34" charset="-128"/>
+                <a:ea typeface="Hiragino Kaku Gothic ProN W3" panose="020B0300000000000000" pitchFamily="34" charset="-128"/>
+              </a:rPr>
+              <a:t>実際の使用を想定した実験</a:t>
+            </a:r>
+            <a:endParaRPr lang="en-US" altLang="ja-JP" dirty="0">
+              <a:latin typeface="Hiragino Kaku Gothic ProN W3" panose="020B0300000000000000" pitchFamily="34" charset="-128"/>
+              <a:ea typeface="Hiragino Kaku Gothic ProN W3" panose="020B0300000000000000" pitchFamily="34" charset="-128"/>
+            </a:endParaRPr>
+          </a:p>
+          <a:p>
+            <a:pPr marL="457200" indent="-457200">
+              <a:buFont typeface="+mj-lt"/>
+              <a:buAutoNum type="arabicPeriod"/>
+            </a:pPr>
             <a:endParaRPr lang="ja-JP" altLang="en-US">
               <a:latin typeface="Hiragino Kaku Gothic ProN W3" panose="020B0300000000000000" pitchFamily="34" charset="-128"/>
               <a:ea typeface="Hiragino Kaku Gothic ProN W3" panose="020B0300000000000000" pitchFamily="34" charset="-128"/>
@@ -5165,7 +5139,7 @@
         <p:spPr>
           <a:xfrm>
             <a:off x="252918" y="320508"/>
-            <a:ext cx="5843081" cy="771870"/>
+            <a:ext cx="11039913" cy="771870"/>
           </a:xfrm>
           <a:prstGeom prst="rect">
             <a:avLst/>
@@ -5194,9 +5168,26 @@
           </a:lstStyle>
           <a:p>
             <a:r>
-              <a:rPr lang="ja-JP" altLang="en-US"/>
-              <a:t>実験と結果：結果と考察</a:t>
-            </a:r>
+              <a:rPr lang="en-US" altLang="ja-JP" dirty="0">
+                <a:latin typeface="Hiragino Kaku Gothic ProN W3" panose="020B0300000000000000" pitchFamily="34" charset="-128"/>
+                <a:ea typeface="Hiragino Kaku Gothic ProN W3" panose="020B0300000000000000" pitchFamily="34" charset="-128"/>
+              </a:rPr>
+              <a:t>①MAQUIA ONLINE</a:t>
+            </a:r>
+            <a:r>
+              <a:rPr lang="ja-JP" altLang="en-US">
+                <a:latin typeface="Hiragino Kaku Gothic ProN W3" panose="020B0300000000000000" pitchFamily="34" charset="-128"/>
+                <a:ea typeface="Hiragino Kaku Gothic ProN W3" panose="020B0300000000000000" pitchFamily="34" charset="-128"/>
+              </a:rPr>
+              <a:t>の未学習の画像を使用した実験</a:t>
+            </a:r>
+            <a:endParaRPr lang="en-US" altLang="ja-JP" dirty="0">
+              <a:latin typeface="Hiragino Kaku Gothic ProN W3" panose="020B0300000000000000" pitchFamily="34" charset="-128"/>
+              <a:ea typeface="Hiragino Kaku Gothic ProN W3" panose="020B0300000000000000" pitchFamily="34" charset="-128"/>
+            </a:endParaRPr>
+          </a:p>
+          <a:p>
+            <a:endParaRPr lang="ja-JP" altLang="en-US"/>
           </a:p>
         </p:txBody>
       </p:sp>
@@ -5661,6 +5652,1019 @@
         <p:spPr>
           <a:xfrm>
             <a:off x="252918" y="320508"/>
+            <a:ext cx="11039913" cy="771870"/>
+          </a:xfrm>
+          <a:prstGeom prst="rect">
+            <a:avLst/>
+          </a:prstGeom>
+        </p:spPr>
+        <p:txBody>
+          <a:bodyPr/>
+          <a:lstStyle>
+            <a:lvl1pPr algn="l" defTabSz="914400" rtl="0" eaLnBrk="1" latinLnBrk="0" hangingPunct="1">
+              <a:lnSpc>
+                <a:spcPct val="90000"/>
+              </a:lnSpc>
+              <a:spcBef>
+                <a:spcPct val="0"/>
+              </a:spcBef>
+              <a:buNone/>
+              <a:defRPr kumimoji="1" sz="3600" kern="1200" spc="-60" baseline="0">
+                <a:solidFill>
+                  <a:srgbClr val="FFFFFF"/>
+                </a:solidFill>
+                <a:latin typeface="+mj-lt"/>
+                <a:ea typeface="+mj-ea"/>
+                <a:cs typeface="+mj-cs"/>
+              </a:defRPr>
+            </a:lvl1pPr>
+          </a:lstStyle>
+          <a:p>
+            <a:r>
+              <a:rPr lang="ja-JP" altLang="en-US">
+                <a:latin typeface="Hiragino Kaku Gothic ProN W3" panose="020B0300000000000000" pitchFamily="34" charset="-128"/>
+                <a:ea typeface="Hiragino Kaku Gothic ProN W3" panose="020B0300000000000000" pitchFamily="34" charset="-128"/>
+              </a:rPr>
+              <a:t>②学習データとは異なる媒体の画像を使用した実験</a:t>
+            </a:r>
+            <a:endParaRPr lang="en-US" altLang="ja-JP" dirty="0">
+              <a:latin typeface="Hiragino Kaku Gothic ProN W3" panose="020B0300000000000000" pitchFamily="34" charset="-128"/>
+              <a:ea typeface="Hiragino Kaku Gothic ProN W3" panose="020B0300000000000000" pitchFamily="34" charset="-128"/>
+            </a:endParaRPr>
+          </a:p>
+        </p:txBody>
+      </p:sp>
+    </p:spTree>
+    <p:extLst>
+      <p:ext uri="{BB962C8B-B14F-4D97-AF65-F5344CB8AC3E}">
+        <p14:creationId xmlns:p14="http://schemas.microsoft.com/office/powerpoint/2010/main" val="1126001223"/>
+      </p:ext>
+    </p:extLst>
+  </p:cSld>
+  <p:clrMapOvr>
+    <a:masterClrMapping/>
+  </p:clrMapOvr>
+</p:sld>
+</file>
+
+<file path=ppt/slides/slide14.xml><?xml version="1.0" encoding="utf-8"?>
+<p:sld xmlns:a="http://schemas.openxmlformats.org/drawingml/2006/main" xmlns:r="http://schemas.openxmlformats.org/officeDocument/2006/relationships" xmlns:p="http://schemas.openxmlformats.org/presentationml/2006/main">
+  <p:cSld>
+    <p:spTree>
+      <p:nvGrpSpPr>
+        <p:cNvPr id="1" name=""/>
+        <p:cNvGrpSpPr/>
+        <p:nvPr/>
+      </p:nvGrpSpPr>
+      <p:grpSpPr>
+        <a:xfrm>
+          <a:off x="0" y="0"/>
+          <a:ext cx="0" cy="0"/>
+          <a:chOff x="0" y="0"/>
+          <a:chExt cx="0" cy="0"/>
+        </a:xfrm>
+      </p:grpSpPr>
+      <p:sp>
+        <p:nvSpPr>
+          <p:cNvPr id="7" name="正方形/長方形 6">
+            <a:extLst>
+              <a:ext uri="{FF2B5EF4-FFF2-40B4-BE49-F238E27FC236}">
+                <a16:creationId xmlns:a16="http://schemas.microsoft.com/office/drawing/2014/main" id="{D98ECB46-E3D4-3A0B-1D69-28EB8A1887F1}"/>
+              </a:ext>
+            </a:extLst>
+          </p:cNvPr>
+          <p:cNvSpPr/>
+          <p:nvPr/>
+        </p:nvSpPr>
+        <p:spPr>
+          <a:xfrm>
+            <a:off x="0" y="-1"/>
+            <a:ext cx="12192000" cy="1077091"/>
+          </a:xfrm>
+          <a:prstGeom prst="rect">
+            <a:avLst/>
+          </a:prstGeom>
+          <a:ln>
+            <a:noFill/>
+          </a:ln>
+        </p:spPr>
+        <p:style>
+          <a:lnRef idx="2">
+            <a:schemeClr val="accent1">
+              <a:shade val="50000"/>
+            </a:schemeClr>
+          </a:lnRef>
+          <a:fillRef idx="1">
+            <a:schemeClr val="accent1"/>
+          </a:fillRef>
+          <a:effectRef idx="0">
+            <a:schemeClr val="accent1"/>
+          </a:effectRef>
+          <a:fontRef idx="minor">
+            <a:schemeClr val="lt1"/>
+          </a:fontRef>
+        </p:style>
+        <p:txBody>
+          <a:bodyPr rtlCol="0" anchor="ctr"/>
+          <a:lstStyle/>
+          <a:p>
+            <a:pPr algn="ctr"/>
+            <a:endParaRPr kumimoji="1" lang="ja-JP" altLang="en-US"/>
+          </a:p>
+        </p:txBody>
+      </p:sp>
+      <p:sp>
+        <p:nvSpPr>
+          <p:cNvPr id="5" name="コンテンツ プレースホルダー 2">
+            <a:extLst>
+              <a:ext uri="{FF2B5EF4-FFF2-40B4-BE49-F238E27FC236}">
+                <a16:creationId xmlns:a16="http://schemas.microsoft.com/office/drawing/2014/main" id="{B040927F-1E6A-C26C-3C46-978E4552B438}"/>
+              </a:ext>
+            </a:extLst>
+          </p:cNvPr>
+          <p:cNvSpPr txBox="1">
+            <a:spLocks/>
+          </p:cNvSpPr>
+          <p:nvPr/>
+        </p:nvSpPr>
+        <p:spPr>
+          <a:xfrm>
+            <a:off x="576043" y="1432140"/>
+            <a:ext cx="11039913" cy="5120640"/>
+          </a:xfrm>
+          <a:prstGeom prst="rect">
+            <a:avLst/>
+          </a:prstGeom>
+        </p:spPr>
+        <p:txBody>
+          <a:bodyPr/>
+          <a:lstStyle>
+            <a:lvl1pPr marL="182880" indent="-182880" algn="l" defTabSz="914400" rtl="0" eaLnBrk="1" latinLnBrk="0" hangingPunct="1">
+              <a:lnSpc>
+                <a:spcPct val="90000"/>
+              </a:lnSpc>
+              <a:spcBef>
+                <a:spcPts val="1200"/>
+              </a:spcBef>
+              <a:buClr>
+                <a:schemeClr val="accent1"/>
+              </a:buClr>
+              <a:buFont typeface="Wingdings 2" pitchFamily="18" charset="2"/>
+              <a:buChar char=""/>
+              <a:defRPr kumimoji="1" sz="2000" kern="1200">
+                <a:solidFill>
+                  <a:schemeClr val="tx1">
+                    <a:lumMod val="65000"/>
+                    <a:lumOff val="35000"/>
+                  </a:schemeClr>
+                </a:solidFill>
+                <a:latin typeface="+mn-lt"/>
+                <a:ea typeface="+mn-ea"/>
+                <a:cs typeface="+mn-cs"/>
+              </a:defRPr>
+            </a:lvl1pPr>
+            <a:lvl2pPr marL="685800" indent="-182880" algn="l" defTabSz="914400" rtl="0" eaLnBrk="1" latinLnBrk="0" hangingPunct="1">
+              <a:lnSpc>
+                <a:spcPct val="90000"/>
+              </a:lnSpc>
+              <a:spcBef>
+                <a:spcPts val="250"/>
+              </a:spcBef>
+              <a:spcAft>
+                <a:spcPts val="250"/>
+              </a:spcAft>
+              <a:buClr>
+                <a:schemeClr val="accent1"/>
+              </a:buClr>
+              <a:buFont typeface="Wingdings 2" pitchFamily="18" charset="2"/>
+              <a:buChar char=""/>
+              <a:defRPr kumimoji="1" sz="1800" kern="1200">
+                <a:solidFill>
+                  <a:schemeClr val="tx1">
+                    <a:lumMod val="65000"/>
+                    <a:lumOff val="35000"/>
+                  </a:schemeClr>
+                </a:solidFill>
+                <a:latin typeface="+mn-lt"/>
+                <a:ea typeface="+mn-ea"/>
+                <a:cs typeface="+mn-cs"/>
+              </a:defRPr>
+            </a:lvl2pPr>
+            <a:lvl3pPr marL="1143000" indent="-182880" algn="l" defTabSz="914400" rtl="0" eaLnBrk="1" latinLnBrk="0" hangingPunct="1">
+              <a:lnSpc>
+                <a:spcPct val="90000"/>
+              </a:lnSpc>
+              <a:spcBef>
+                <a:spcPts val="250"/>
+              </a:spcBef>
+              <a:spcAft>
+                <a:spcPts val="250"/>
+              </a:spcAft>
+              <a:buClr>
+                <a:schemeClr val="accent1"/>
+              </a:buClr>
+              <a:buFont typeface="Wingdings 2" pitchFamily="18" charset="2"/>
+              <a:buChar char=""/>
+              <a:defRPr kumimoji="1" sz="1600" kern="1200">
+                <a:solidFill>
+                  <a:schemeClr val="tx1">
+                    <a:lumMod val="65000"/>
+                    <a:lumOff val="35000"/>
+                  </a:schemeClr>
+                </a:solidFill>
+                <a:latin typeface="+mn-lt"/>
+                <a:ea typeface="+mn-ea"/>
+                <a:cs typeface="+mn-cs"/>
+              </a:defRPr>
+            </a:lvl3pPr>
+            <a:lvl4pPr marL="1600200" indent="-182880" algn="l" defTabSz="914400" rtl="0" eaLnBrk="1" latinLnBrk="0" hangingPunct="1">
+              <a:lnSpc>
+                <a:spcPct val="90000"/>
+              </a:lnSpc>
+              <a:spcBef>
+                <a:spcPts val="250"/>
+              </a:spcBef>
+              <a:spcAft>
+                <a:spcPts val="250"/>
+              </a:spcAft>
+              <a:buClr>
+                <a:schemeClr val="accent1"/>
+              </a:buClr>
+              <a:buFont typeface="Wingdings 2" pitchFamily="18" charset="2"/>
+              <a:buChar char=""/>
+              <a:defRPr kumimoji="1" sz="1400" kern="1200">
+                <a:solidFill>
+                  <a:schemeClr val="tx1">
+                    <a:lumMod val="65000"/>
+                    <a:lumOff val="35000"/>
+                  </a:schemeClr>
+                </a:solidFill>
+                <a:latin typeface="+mn-lt"/>
+                <a:ea typeface="+mn-ea"/>
+                <a:cs typeface="+mn-cs"/>
+              </a:defRPr>
+            </a:lvl4pPr>
+            <a:lvl5pPr marL="2057400" indent="-182880" algn="l" defTabSz="914400" rtl="0" eaLnBrk="1" latinLnBrk="0" hangingPunct="1">
+              <a:lnSpc>
+                <a:spcPct val="90000"/>
+              </a:lnSpc>
+              <a:spcBef>
+                <a:spcPts val="250"/>
+              </a:spcBef>
+              <a:spcAft>
+                <a:spcPts val="250"/>
+              </a:spcAft>
+              <a:buClr>
+                <a:schemeClr val="accent1"/>
+              </a:buClr>
+              <a:buFont typeface="Wingdings 2" pitchFamily="18" charset="2"/>
+              <a:buChar char=""/>
+              <a:defRPr kumimoji="1" sz="1400" kern="1200">
+                <a:solidFill>
+                  <a:schemeClr val="tx1">
+                    <a:lumMod val="65000"/>
+                    <a:lumOff val="35000"/>
+                  </a:schemeClr>
+                </a:solidFill>
+                <a:latin typeface="+mn-lt"/>
+                <a:ea typeface="+mn-ea"/>
+                <a:cs typeface="+mn-cs"/>
+              </a:defRPr>
+            </a:lvl5pPr>
+            <a:lvl6pPr marL="2514600" indent="-228600" algn="l" defTabSz="914400" rtl="0" eaLnBrk="1" latinLnBrk="0" hangingPunct="1">
+              <a:lnSpc>
+                <a:spcPct val="90000"/>
+              </a:lnSpc>
+              <a:spcBef>
+                <a:spcPts val="250"/>
+              </a:spcBef>
+              <a:spcAft>
+                <a:spcPts val="250"/>
+              </a:spcAft>
+              <a:buClr>
+                <a:schemeClr val="accent1"/>
+              </a:buClr>
+              <a:buFont typeface="Wingdings 2" pitchFamily="18" charset="2"/>
+              <a:buChar char=""/>
+              <a:defRPr kumimoji="1" sz="1400" kern="1200">
+                <a:solidFill>
+                  <a:schemeClr val="tx1">
+                    <a:lumMod val="65000"/>
+                    <a:lumOff val="35000"/>
+                  </a:schemeClr>
+                </a:solidFill>
+                <a:latin typeface="+mn-lt"/>
+                <a:ea typeface="+mn-ea"/>
+                <a:cs typeface="+mn-cs"/>
+              </a:defRPr>
+            </a:lvl6pPr>
+            <a:lvl7pPr marL="2971800" indent="-228600" algn="l" defTabSz="914400" rtl="0" eaLnBrk="1" latinLnBrk="0" hangingPunct="1">
+              <a:lnSpc>
+                <a:spcPct val="90000"/>
+              </a:lnSpc>
+              <a:spcBef>
+                <a:spcPts val="250"/>
+              </a:spcBef>
+              <a:spcAft>
+                <a:spcPts val="250"/>
+              </a:spcAft>
+              <a:buClr>
+                <a:schemeClr val="accent1"/>
+              </a:buClr>
+              <a:buFont typeface="Wingdings 2" pitchFamily="18" charset="2"/>
+              <a:buChar char=""/>
+              <a:defRPr kumimoji="1" sz="1400" kern="1200">
+                <a:solidFill>
+                  <a:schemeClr val="tx1">
+                    <a:lumMod val="65000"/>
+                    <a:lumOff val="35000"/>
+                  </a:schemeClr>
+                </a:solidFill>
+                <a:latin typeface="+mn-lt"/>
+                <a:ea typeface="+mn-ea"/>
+                <a:cs typeface="+mn-cs"/>
+              </a:defRPr>
+            </a:lvl7pPr>
+            <a:lvl8pPr marL="3429000" indent="-228600" algn="l" defTabSz="914400" rtl="0" eaLnBrk="1" latinLnBrk="0" hangingPunct="1">
+              <a:lnSpc>
+                <a:spcPct val="90000"/>
+              </a:lnSpc>
+              <a:spcBef>
+                <a:spcPts val="250"/>
+              </a:spcBef>
+              <a:spcAft>
+                <a:spcPts val="250"/>
+              </a:spcAft>
+              <a:buClr>
+                <a:schemeClr val="accent1"/>
+              </a:buClr>
+              <a:buFont typeface="Wingdings 2" pitchFamily="18" charset="2"/>
+              <a:buChar char=""/>
+              <a:defRPr kumimoji="1" sz="1400" kern="1200">
+                <a:solidFill>
+                  <a:schemeClr val="tx1">
+                    <a:lumMod val="65000"/>
+                    <a:lumOff val="35000"/>
+                  </a:schemeClr>
+                </a:solidFill>
+                <a:latin typeface="+mn-lt"/>
+                <a:ea typeface="+mn-ea"/>
+                <a:cs typeface="+mn-cs"/>
+              </a:defRPr>
+            </a:lvl8pPr>
+            <a:lvl9pPr marL="3886200" indent="-228600" algn="l" defTabSz="914400" rtl="0" eaLnBrk="1" latinLnBrk="0" hangingPunct="1">
+              <a:lnSpc>
+                <a:spcPct val="90000"/>
+              </a:lnSpc>
+              <a:spcBef>
+                <a:spcPts val="250"/>
+              </a:spcBef>
+              <a:spcAft>
+                <a:spcPts val="250"/>
+              </a:spcAft>
+              <a:buClr>
+                <a:schemeClr val="accent1"/>
+              </a:buClr>
+              <a:buFont typeface="Wingdings 2" pitchFamily="18" charset="2"/>
+              <a:buChar char=""/>
+              <a:defRPr kumimoji="1" sz="1400" kern="1200">
+                <a:solidFill>
+                  <a:schemeClr val="tx1">
+                    <a:lumMod val="65000"/>
+                    <a:lumOff val="35000"/>
+                  </a:schemeClr>
+                </a:solidFill>
+                <a:latin typeface="+mn-lt"/>
+                <a:ea typeface="+mn-ea"/>
+                <a:cs typeface="+mn-cs"/>
+              </a:defRPr>
+            </a:lvl9pPr>
+          </a:lstStyle>
+          <a:p>
+            <a:pPr fontAlgn="base"/>
+            <a:r>
+              <a:rPr lang="ja-JP" altLang="en-US">
+                <a:latin typeface="Hiragino Kaku Gothic ProN W3" panose="020B0300000000000000" pitchFamily="34" charset="-128"/>
+                <a:ea typeface="Hiragino Kaku Gothic ProN W3" panose="020B0300000000000000" pitchFamily="34" charset="-128"/>
+              </a:rPr>
+              <a:t>メイクアップは、自分自身でそれが似合っているかどうかを客観的に判断することが難しい</a:t>
+            </a:r>
+          </a:p>
+          <a:p>
+            <a:pPr lvl="1" fontAlgn="base"/>
+            <a:r>
+              <a:rPr lang="ja-JP" altLang="en-US" sz="2000">
+                <a:latin typeface="Hiragino Kaku Gothic ProN W3" panose="020B0300000000000000" pitchFamily="34" charset="-128"/>
+                <a:ea typeface="Hiragino Kaku Gothic ProN W3" panose="020B0300000000000000" pitchFamily="34" charset="-128"/>
+              </a:rPr>
+              <a:t>自分がしているメイクアップに自信が持てず、不安になってしまう</a:t>
+            </a:r>
+          </a:p>
+          <a:p>
+            <a:pPr lvl="1" fontAlgn="base"/>
+            <a:r>
+              <a:rPr lang="ja-JP" altLang="en-US" sz="2000">
+                <a:latin typeface="Hiragino Kaku Gothic ProN W3" panose="020B0300000000000000" pitchFamily="34" charset="-128"/>
+                <a:ea typeface="Hiragino Kaku Gothic ProN W3" panose="020B0300000000000000" pitchFamily="34" charset="-128"/>
+              </a:rPr>
+              <a:t>メイクアップをどう改善したら良いのか分からない</a:t>
+            </a:r>
+            <a:br>
+              <a:rPr lang="ja-JP" altLang="en-US" sz="2000">
+                <a:latin typeface="Hiragino Kaku Gothic ProN W3" panose="020B0300000000000000" pitchFamily="34" charset="-128"/>
+                <a:ea typeface="Hiragino Kaku Gothic ProN W3" panose="020B0300000000000000" pitchFamily="34" charset="-128"/>
+              </a:rPr>
+            </a:br>
+            <a:br>
+              <a:rPr lang="ja-JP" altLang="en-US" sz="2000">
+                <a:latin typeface="Hiragino Kaku Gothic ProN W3" panose="020B0300000000000000" pitchFamily="34" charset="-128"/>
+                <a:ea typeface="Hiragino Kaku Gothic ProN W3" panose="020B0300000000000000" pitchFamily="34" charset="-128"/>
+              </a:rPr>
+            </a:br>
+            <a:endParaRPr lang="ja-JP" altLang="en-US" sz="2000">
+              <a:latin typeface="Hiragino Kaku Gothic ProN W3" panose="020B0300000000000000" pitchFamily="34" charset="-128"/>
+              <a:ea typeface="Hiragino Kaku Gothic ProN W3" panose="020B0300000000000000" pitchFamily="34" charset="-128"/>
+            </a:endParaRPr>
+          </a:p>
+          <a:p>
+            <a:pPr fontAlgn="base"/>
+            <a:r>
+              <a:rPr lang="ja-JP" altLang="en-US">
+                <a:latin typeface="Hiragino Kaku Gothic ProN W3" panose="020B0300000000000000" pitchFamily="34" charset="-128"/>
+                <a:ea typeface="Hiragino Kaku Gothic ProN W3" panose="020B0300000000000000" pitchFamily="34" charset="-128"/>
+              </a:rPr>
+              <a:t>メイクアップの印象を大きく左右する要素としてリップメイクに着目</a:t>
+            </a:r>
+          </a:p>
+          <a:p>
+            <a:pPr fontAlgn="base"/>
+            <a:r>
+              <a:rPr lang="ja-JP" altLang="en-US">
+                <a:latin typeface="Hiragino Kaku Gothic ProN W3" panose="020B0300000000000000" pitchFamily="34" charset="-128"/>
+                <a:ea typeface="Hiragino Kaku Gothic ProN W3" panose="020B0300000000000000" pitchFamily="34" charset="-128"/>
+              </a:rPr>
+              <a:t>人の顔画像から、その人に似合うリップカラーを機械学習で推定・提案するシステムを作成</a:t>
+            </a:r>
+          </a:p>
+          <a:p>
+            <a:pPr lvl="1" fontAlgn="base"/>
+            <a:r>
+              <a:rPr lang="ja-JP" altLang="en-US" sz="2000">
+                <a:latin typeface="Hiragino Kaku Gothic ProN W3" panose="020B0300000000000000" pitchFamily="34" charset="-128"/>
+                <a:ea typeface="Hiragino Kaku Gothic ProN W3" panose="020B0300000000000000" pitchFamily="34" charset="-128"/>
+              </a:rPr>
+              <a:t>似合うと推定されるリップカラーを利用者に提示することで、現在のメイクアップをどう改善すれば良いかの方向性を示すことができる</a:t>
+            </a:r>
+            <a:endParaRPr lang="en-US" altLang="ja-JP" sz="2000" dirty="0">
+              <a:latin typeface="Hiragino Kaku Gothic ProN W3" panose="020B0300000000000000" pitchFamily="34" charset="-128"/>
+              <a:ea typeface="Hiragino Kaku Gothic ProN W3" panose="020B0300000000000000" pitchFamily="34" charset="-128"/>
+            </a:endParaRPr>
+          </a:p>
+          <a:p>
+            <a:pPr lvl="1" fontAlgn="base"/>
+            <a:r>
+              <a:rPr lang="ja-JP" altLang="en-US" sz="2000">
+                <a:latin typeface="Hiragino Kaku Gothic ProN W3" panose="020B0300000000000000" pitchFamily="34" charset="-128"/>
+                <a:ea typeface="Hiragino Kaku Gothic ProN W3" panose="020B0300000000000000" pitchFamily="34" charset="-128"/>
+              </a:rPr>
+              <a:t>自分が現在使用しているリップカラーと近い色が提示されれば、不安の解消になる</a:t>
+            </a:r>
+          </a:p>
+          <a:p>
+            <a:endParaRPr lang="ja-JP" altLang="en-US">
+              <a:latin typeface="Hiragino Kaku Gothic ProN W3" panose="020B0300000000000000" pitchFamily="34" charset="-128"/>
+              <a:ea typeface="Hiragino Kaku Gothic ProN W3" panose="020B0300000000000000" pitchFamily="34" charset="-128"/>
+            </a:endParaRPr>
+          </a:p>
+        </p:txBody>
+      </p:sp>
+      <p:sp>
+        <p:nvSpPr>
+          <p:cNvPr id="6" name="タイトル 1">
+            <a:extLst>
+              <a:ext uri="{FF2B5EF4-FFF2-40B4-BE49-F238E27FC236}">
+                <a16:creationId xmlns:a16="http://schemas.microsoft.com/office/drawing/2014/main" id="{45A7B92C-AE3D-91D6-227C-099A94786625}"/>
+              </a:ext>
+            </a:extLst>
+          </p:cNvPr>
+          <p:cNvSpPr txBox="1">
+            <a:spLocks/>
+          </p:cNvSpPr>
+          <p:nvPr/>
+        </p:nvSpPr>
+        <p:spPr>
+          <a:xfrm>
+            <a:off x="252918" y="320508"/>
+            <a:ext cx="11039913" cy="771870"/>
+          </a:xfrm>
+          <a:prstGeom prst="rect">
+            <a:avLst/>
+          </a:prstGeom>
+        </p:spPr>
+        <p:txBody>
+          <a:bodyPr/>
+          <a:lstStyle>
+            <a:lvl1pPr algn="l" defTabSz="914400" rtl="0" eaLnBrk="1" latinLnBrk="0" hangingPunct="1">
+              <a:lnSpc>
+                <a:spcPct val="90000"/>
+              </a:lnSpc>
+              <a:spcBef>
+                <a:spcPct val="0"/>
+              </a:spcBef>
+              <a:buNone/>
+              <a:defRPr kumimoji="1" sz="3600" kern="1200" spc="-60" baseline="0">
+                <a:solidFill>
+                  <a:srgbClr val="FFFFFF"/>
+                </a:solidFill>
+                <a:latin typeface="+mj-lt"/>
+                <a:ea typeface="+mj-ea"/>
+                <a:cs typeface="+mj-cs"/>
+              </a:defRPr>
+            </a:lvl1pPr>
+          </a:lstStyle>
+          <a:p>
+            <a:r>
+              <a:rPr lang="en-US" altLang="ja-JP" dirty="0">
+                <a:latin typeface="Hiragino Kaku Gothic ProN W3" panose="020B0300000000000000" pitchFamily="34" charset="-128"/>
+                <a:ea typeface="Hiragino Kaku Gothic ProN W3" panose="020B0300000000000000" pitchFamily="34" charset="-128"/>
+              </a:rPr>
+              <a:t>③</a:t>
+            </a:r>
+            <a:r>
+              <a:rPr lang="ja-JP" altLang="en-US">
+                <a:latin typeface="Hiragino Kaku Gothic ProN W3" panose="020B0300000000000000" pitchFamily="34" charset="-128"/>
+                <a:ea typeface="Hiragino Kaku Gothic ProN W3" panose="020B0300000000000000" pitchFamily="34" charset="-128"/>
+              </a:rPr>
+              <a:t>実際の使用を想定した実験</a:t>
+            </a:r>
+            <a:endParaRPr lang="en-US" altLang="ja-JP" dirty="0">
+              <a:latin typeface="Hiragino Kaku Gothic ProN W3" panose="020B0300000000000000" pitchFamily="34" charset="-128"/>
+              <a:ea typeface="Hiragino Kaku Gothic ProN W3" panose="020B0300000000000000" pitchFamily="34" charset="-128"/>
+            </a:endParaRPr>
+          </a:p>
+        </p:txBody>
+      </p:sp>
+    </p:spTree>
+    <p:extLst>
+      <p:ext uri="{BB962C8B-B14F-4D97-AF65-F5344CB8AC3E}">
+        <p14:creationId xmlns:p14="http://schemas.microsoft.com/office/powerpoint/2010/main" val="2146276442"/>
+      </p:ext>
+    </p:extLst>
+  </p:cSld>
+  <p:clrMapOvr>
+    <a:masterClrMapping/>
+  </p:clrMapOvr>
+</p:sld>
+</file>
+
+<file path=ppt/slides/slide15.xml><?xml version="1.0" encoding="utf-8"?>
+<p:sld xmlns:a="http://schemas.openxmlformats.org/drawingml/2006/main" xmlns:r="http://schemas.openxmlformats.org/officeDocument/2006/relationships" xmlns:p="http://schemas.openxmlformats.org/presentationml/2006/main">
+  <p:cSld>
+    <p:spTree>
+      <p:nvGrpSpPr>
+        <p:cNvPr id="1" name=""/>
+        <p:cNvGrpSpPr/>
+        <p:nvPr/>
+      </p:nvGrpSpPr>
+      <p:grpSpPr>
+        <a:xfrm>
+          <a:off x="0" y="0"/>
+          <a:ext cx="0" cy="0"/>
+          <a:chOff x="0" y="0"/>
+          <a:chExt cx="0" cy="0"/>
+        </a:xfrm>
+      </p:grpSpPr>
+      <p:sp>
+        <p:nvSpPr>
+          <p:cNvPr id="7" name="正方形/長方形 6">
+            <a:extLst>
+              <a:ext uri="{FF2B5EF4-FFF2-40B4-BE49-F238E27FC236}">
+                <a16:creationId xmlns:a16="http://schemas.microsoft.com/office/drawing/2014/main" id="{D98ECB46-E3D4-3A0B-1D69-28EB8A1887F1}"/>
+              </a:ext>
+            </a:extLst>
+          </p:cNvPr>
+          <p:cNvSpPr/>
+          <p:nvPr/>
+        </p:nvSpPr>
+        <p:spPr>
+          <a:xfrm>
+            <a:off x="0" y="-1"/>
+            <a:ext cx="12192000" cy="1077091"/>
+          </a:xfrm>
+          <a:prstGeom prst="rect">
+            <a:avLst/>
+          </a:prstGeom>
+          <a:ln>
+            <a:noFill/>
+          </a:ln>
+        </p:spPr>
+        <p:style>
+          <a:lnRef idx="2">
+            <a:schemeClr val="accent1">
+              <a:shade val="50000"/>
+            </a:schemeClr>
+          </a:lnRef>
+          <a:fillRef idx="1">
+            <a:schemeClr val="accent1"/>
+          </a:fillRef>
+          <a:effectRef idx="0">
+            <a:schemeClr val="accent1"/>
+          </a:effectRef>
+          <a:fontRef idx="minor">
+            <a:schemeClr val="lt1"/>
+          </a:fontRef>
+        </p:style>
+        <p:txBody>
+          <a:bodyPr rtlCol="0" anchor="ctr"/>
+          <a:lstStyle/>
+          <a:p>
+            <a:pPr algn="ctr"/>
+            <a:endParaRPr kumimoji="1" lang="ja-JP" altLang="en-US"/>
+          </a:p>
+        </p:txBody>
+      </p:sp>
+      <p:sp>
+        <p:nvSpPr>
+          <p:cNvPr id="5" name="コンテンツ プレースホルダー 2">
+            <a:extLst>
+              <a:ext uri="{FF2B5EF4-FFF2-40B4-BE49-F238E27FC236}">
+                <a16:creationId xmlns:a16="http://schemas.microsoft.com/office/drawing/2014/main" id="{B040927F-1E6A-C26C-3C46-978E4552B438}"/>
+              </a:ext>
+            </a:extLst>
+          </p:cNvPr>
+          <p:cNvSpPr txBox="1">
+            <a:spLocks/>
+          </p:cNvSpPr>
+          <p:nvPr/>
+        </p:nvSpPr>
+        <p:spPr>
+          <a:xfrm>
+            <a:off x="576043" y="1432140"/>
+            <a:ext cx="11039913" cy="5120640"/>
+          </a:xfrm>
+          <a:prstGeom prst="rect">
+            <a:avLst/>
+          </a:prstGeom>
+        </p:spPr>
+        <p:txBody>
+          <a:bodyPr/>
+          <a:lstStyle>
+            <a:lvl1pPr marL="182880" indent="-182880" algn="l" defTabSz="914400" rtl="0" eaLnBrk="1" latinLnBrk="0" hangingPunct="1">
+              <a:lnSpc>
+                <a:spcPct val="90000"/>
+              </a:lnSpc>
+              <a:spcBef>
+                <a:spcPts val="1200"/>
+              </a:spcBef>
+              <a:buClr>
+                <a:schemeClr val="accent1"/>
+              </a:buClr>
+              <a:buFont typeface="Wingdings 2" pitchFamily="18" charset="2"/>
+              <a:buChar char=""/>
+              <a:defRPr kumimoji="1" sz="2000" kern="1200">
+                <a:solidFill>
+                  <a:schemeClr val="tx1">
+                    <a:lumMod val="65000"/>
+                    <a:lumOff val="35000"/>
+                  </a:schemeClr>
+                </a:solidFill>
+                <a:latin typeface="+mn-lt"/>
+                <a:ea typeface="+mn-ea"/>
+                <a:cs typeface="+mn-cs"/>
+              </a:defRPr>
+            </a:lvl1pPr>
+            <a:lvl2pPr marL="685800" indent="-182880" algn="l" defTabSz="914400" rtl="0" eaLnBrk="1" latinLnBrk="0" hangingPunct="1">
+              <a:lnSpc>
+                <a:spcPct val="90000"/>
+              </a:lnSpc>
+              <a:spcBef>
+                <a:spcPts val="250"/>
+              </a:spcBef>
+              <a:spcAft>
+                <a:spcPts val="250"/>
+              </a:spcAft>
+              <a:buClr>
+                <a:schemeClr val="accent1"/>
+              </a:buClr>
+              <a:buFont typeface="Wingdings 2" pitchFamily="18" charset="2"/>
+              <a:buChar char=""/>
+              <a:defRPr kumimoji="1" sz="1800" kern="1200">
+                <a:solidFill>
+                  <a:schemeClr val="tx1">
+                    <a:lumMod val="65000"/>
+                    <a:lumOff val="35000"/>
+                  </a:schemeClr>
+                </a:solidFill>
+                <a:latin typeface="+mn-lt"/>
+                <a:ea typeface="+mn-ea"/>
+                <a:cs typeface="+mn-cs"/>
+              </a:defRPr>
+            </a:lvl2pPr>
+            <a:lvl3pPr marL="1143000" indent="-182880" algn="l" defTabSz="914400" rtl="0" eaLnBrk="1" latinLnBrk="0" hangingPunct="1">
+              <a:lnSpc>
+                <a:spcPct val="90000"/>
+              </a:lnSpc>
+              <a:spcBef>
+                <a:spcPts val="250"/>
+              </a:spcBef>
+              <a:spcAft>
+                <a:spcPts val="250"/>
+              </a:spcAft>
+              <a:buClr>
+                <a:schemeClr val="accent1"/>
+              </a:buClr>
+              <a:buFont typeface="Wingdings 2" pitchFamily="18" charset="2"/>
+              <a:buChar char=""/>
+              <a:defRPr kumimoji="1" sz="1600" kern="1200">
+                <a:solidFill>
+                  <a:schemeClr val="tx1">
+                    <a:lumMod val="65000"/>
+                    <a:lumOff val="35000"/>
+                  </a:schemeClr>
+                </a:solidFill>
+                <a:latin typeface="+mn-lt"/>
+                <a:ea typeface="+mn-ea"/>
+                <a:cs typeface="+mn-cs"/>
+              </a:defRPr>
+            </a:lvl3pPr>
+            <a:lvl4pPr marL="1600200" indent="-182880" algn="l" defTabSz="914400" rtl="0" eaLnBrk="1" latinLnBrk="0" hangingPunct="1">
+              <a:lnSpc>
+                <a:spcPct val="90000"/>
+              </a:lnSpc>
+              <a:spcBef>
+                <a:spcPts val="250"/>
+              </a:spcBef>
+              <a:spcAft>
+                <a:spcPts val="250"/>
+              </a:spcAft>
+              <a:buClr>
+                <a:schemeClr val="accent1"/>
+              </a:buClr>
+              <a:buFont typeface="Wingdings 2" pitchFamily="18" charset="2"/>
+              <a:buChar char=""/>
+              <a:defRPr kumimoji="1" sz="1400" kern="1200">
+                <a:solidFill>
+                  <a:schemeClr val="tx1">
+                    <a:lumMod val="65000"/>
+                    <a:lumOff val="35000"/>
+                  </a:schemeClr>
+                </a:solidFill>
+                <a:latin typeface="+mn-lt"/>
+                <a:ea typeface="+mn-ea"/>
+                <a:cs typeface="+mn-cs"/>
+              </a:defRPr>
+            </a:lvl4pPr>
+            <a:lvl5pPr marL="2057400" indent="-182880" algn="l" defTabSz="914400" rtl="0" eaLnBrk="1" latinLnBrk="0" hangingPunct="1">
+              <a:lnSpc>
+                <a:spcPct val="90000"/>
+              </a:lnSpc>
+              <a:spcBef>
+                <a:spcPts val="250"/>
+              </a:spcBef>
+              <a:spcAft>
+                <a:spcPts val="250"/>
+              </a:spcAft>
+              <a:buClr>
+                <a:schemeClr val="accent1"/>
+              </a:buClr>
+              <a:buFont typeface="Wingdings 2" pitchFamily="18" charset="2"/>
+              <a:buChar char=""/>
+              <a:defRPr kumimoji="1" sz="1400" kern="1200">
+                <a:solidFill>
+                  <a:schemeClr val="tx1">
+                    <a:lumMod val="65000"/>
+                    <a:lumOff val="35000"/>
+                  </a:schemeClr>
+                </a:solidFill>
+                <a:latin typeface="+mn-lt"/>
+                <a:ea typeface="+mn-ea"/>
+                <a:cs typeface="+mn-cs"/>
+              </a:defRPr>
+            </a:lvl5pPr>
+            <a:lvl6pPr marL="2514600" indent="-228600" algn="l" defTabSz="914400" rtl="0" eaLnBrk="1" latinLnBrk="0" hangingPunct="1">
+              <a:lnSpc>
+                <a:spcPct val="90000"/>
+              </a:lnSpc>
+              <a:spcBef>
+                <a:spcPts val="250"/>
+              </a:spcBef>
+              <a:spcAft>
+                <a:spcPts val="250"/>
+              </a:spcAft>
+              <a:buClr>
+                <a:schemeClr val="accent1"/>
+              </a:buClr>
+              <a:buFont typeface="Wingdings 2" pitchFamily="18" charset="2"/>
+              <a:buChar char=""/>
+              <a:defRPr kumimoji="1" sz="1400" kern="1200">
+                <a:solidFill>
+                  <a:schemeClr val="tx1">
+                    <a:lumMod val="65000"/>
+                    <a:lumOff val="35000"/>
+                  </a:schemeClr>
+                </a:solidFill>
+                <a:latin typeface="+mn-lt"/>
+                <a:ea typeface="+mn-ea"/>
+                <a:cs typeface="+mn-cs"/>
+              </a:defRPr>
+            </a:lvl6pPr>
+            <a:lvl7pPr marL="2971800" indent="-228600" algn="l" defTabSz="914400" rtl="0" eaLnBrk="1" latinLnBrk="0" hangingPunct="1">
+              <a:lnSpc>
+                <a:spcPct val="90000"/>
+              </a:lnSpc>
+              <a:spcBef>
+                <a:spcPts val="250"/>
+              </a:spcBef>
+              <a:spcAft>
+                <a:spcPts val="250"/>
+              </a:spcAft>
+              <a:buClr>
+                <a:schemeClr val="accent1"/>
+              </a:buClr>
+              <a:buFont typeface="Wingdings 2" pitchFamily="18" charset="2"/>
+              <a:buChar char=""/>
+              <a:defRPr kumimoji="1" sz="1400" kern="1200">
+                <a:solidFill>
+                  <a:schemeClr val="tx1">
+                    <a:lumMod val="65000"/>
+                    <a:lumOff val="35000"/>
+                  </a:schemeClr>
+                </a:solidFill>
+                <a:latin typeface="+mn-lt"/>
+                <a:ea typeface="+mn-ea"/>
+                <a:cs typeface="+mn-cs"/>
+              </a:defRPr>
+            </a:lvl7pPr>
+            <a:lvl8pPr marL="3429000" indent="-228600" algn="l" defTabSz="914400" rtl="0" eaLnBrk="1" latinLnBrk="0" hangingPunct="1">
+              <a:lnSpc>
+                <a:spcPct val="90000"/>
+              </a:lnSpc>
+              <a:spcBef>
+                <a:spcPts val="250"/>
+              </a:spcBef>
+              <a:spcAft>
+                <a:spcPts val="250"/>
+              </a:spcAft>
+              <a:buClr>
+                <a:schemeClr val="accent1"/>
+              </a:buClr>
+              <a:buFont typeface="Wingdings 2" pitchFamily="18" charset="2"/>
+              <a:buChar char=""/>
+              <a:defRPr kumimoji="1" sz="1400" kern="1200">
+                <a:solidFill>
+                  <a:schemeClr val="tx1">
+                    <a:lumMod val="65000"/>
+                    <a:lumOff val="35000"/>
+                  </a:schemeClr>
+                </a:solidFill>
+                <a:latin typeface="+mn-lt"/>
+                <a:ea typeface="+mn-ea"/>
+                <a:cs typeface="+mn-cs"/>
+              </a:defRPr>
+            </a:lvl8pPr>
+            <a:lvl9pPr marL="3886200" indent="-228600" algn="l" defTabSz="914400" rtl="0" eaLnBrk="1" latinLnBrk="0" hangingPunct="1">
+              <a:lnSpc>
+                <a:spcPct val="90000"/>
+              </a:lnSpc>
+              <a:spcBef>
+                <a:spcPts val="250"/>
+              </a:spcBef>
+              <a:spcAft>
+                <a:spcPts val="250"/>
+              </a:spcAft>
+              <a:buClr>
+                <a:schemeClr val="accent1"/>
+              </a:buClr>
+              <a:buFont typeface="Wingdings 2" pitchFamily="18" charset="2"/>
+              <a:buChar char=""/>
+              <a:defRPr kumimoji="1" sz="1400" kern="1200">
+                <a:solidFill>
+                  <a:schemeClr val="tx1">
+                    <a:lumMod val="65000"/>
+                    <a:lumOff val="35000"/>
+                  </a:schemeClr>
+                </a:solidFill>
+                <a:latin typeface="+mn-lt"/>
+                <a:ea typeface="+mn-ea"/>
+                <a:cs typeface="+mn-cs"/>
+              </a:defRPr>
+            </a:lvl9pPr>
+          </a:lstStyle>
+          <a:p>
+            <a:pPr fontAlgn="base"/>
+            <a:r>
+              <a:rPr lang="ja-JP" altLang="en-US">
+                <a:latin typeface="Hiragino Kaku Gothic ProN W3" panose="020B0300000000000000" pitchFamily="34" charset="-128"/>
+                <a:ea typeface="Hiragino Kaku Gothic ProN W3" panose="020B0300000000000000" pitchFamily="34" charset="-128"/>
+              </a:rPr>
+              <a:t>メイクアップは、自分自身でそれが似合っているかどうかを客観的に判断することが難しい</a:t>
+            </a:r>
+          </a:p>
+          <a:p>
+            <a:pPr lvl="1" fontAlgn="base"/>
+            <a:r>
+              <a:rPr lang="ja-JP" altLang="en-US" sz="2000">
+                <a:latin typeface="Hiragino Kaku Gothic ProN W3" panose="020B0300000000000000" pitchFamily="34" charset="-128"/>
+                <a:ea typeface="Hiragino Kaku Gothic ProN W3" panose="020B0300000000000000" pitchFamily="34" charset="-128"/>
+              </a:rPr>
+              <a:t>自分がしているメイクアップに自信が持てず、不安になってしまう</a:t>
+            </a:r>
+          </a:p>
+          <a:p>
+            <a:pPr lvl="1" fontAlgn="base"/>
+            <a:r>
+              <a:rPr lang="ja-JP" altLang="en-US" sz="2000">
+                <a:latin typeface="Hiragino Kaku Gothic ProN W3" panose="020B0300000000000000" pitchFamily="34" charset="-128"/>
+                <a:ea typeface="Hiragino Kaku Gothic ProN W3" panose="020B0300000000000000" pitchFamily="34" charset="-128"/>
+              </a:rPr>
+              <a:t>メイクアップをどう改善したら良いのか分からない</a:t>
+            </a:r>
+            <a:br>
+              <a:rPr lang="ja-JP" altLang="en-US" sz="2000">
+                <a:latin typeface="Hiragino Kaku Gothic ProN W3" panose="020B0300000000000000" pitchFamily="34" charset="-128"/>
+                <a:ea typeface="Hiragino Kaku Gothic ProN W3" panose="020B0300000000000000" pitchFamily="34" charset="-128"/>
+              </a:rPr>
+            </a:br>
+            <a:br>
+              <a:rPr lang="ja-JP" altLang="en-US" sz="2000">
+                <a:latin typeface="Hiragino Kaku Gothic ProN W3" panose="020B0300000000000000" pitchFamily="34" charset="-128"/>
+                <a:ea typeface="Hiragino Kaku Gothic ProN W3" panose="020B0300000000000000" pitchFamily="34" charset="-128"/>
+              </a:rPr>
+            </a:br>
+            <a:endParaRPr lang="ja-JP" altLang="en-US" sz="2000">
+              <a:latin typeface="Hiragino Kaku Gothic ProN W3" panose="020B0300000000000000" pitchFamily="34" charset="-128"/>
+              <a:ea typeface="Hiragino Kaku Gothic ProN W3" panose="020B0300000000000000" pitchFamily="34" charset="-128"/>
+            </a:endParaRPr>
+          </a:p>
+          <a:p>
+            <a:pPr fontAlgn="base"/>
+            <a:r>
+              <a:rPr lang="ja-JP" altLang="en-US">
+                <a:latin typeface="Hiragino Kaku Gothic ProN W3" panose="020B0300000000000000" pitchFamily="34" charset="-128"/>
+                <a:ea typeface="Hiragino Kaku Gothic ProN W3" panose="020B0300000000000000" pitchFamily="34" charset="-128"/>
+              </a:rPr>
+              <a:t>メイクアップの印象を大きく左右する要素としてリップメイクに着目</a:t>
+            </a:r>
+          </a:p>
+          <a:p>
+            <a:pPr fontAlgn="base"/>
+            <a:r>
+              <a:rPr lang="ja-JP" altLang="en-US">
+                <a:latin typeface="Hiragino Kaku Gothic ProN W3" panose="020B0300000000000000" pitchFamily="34" charset="-128"/>
+                <a:ea typeface="Hiragino Kaku Gothic ProN W3" panose="020B0300000000000000" pitchFamily="34" charset="-128"/>
+              </a:rPr>
+              <a:t>人の顔画像から、その人に似合うリップカラーを機械学習で推定・提案するシステムを作成</a:t>
+            </a:r>
+          </a:p>
+          <a:p>
+            <a:pPr lvl="1" fontAlgn="base"/>
+            <a:r>
+              <a:rPr lang="ja-JP" altLang="en-US" sz="2000">
+                <a:latin typeface="Hiragino Kaku Gothic ProN W3" panose="020B0300000000000000" pitchFamily="34" charset="-128"/>
+                <a:ea typeface="Hiragino Kaku Gothic ProN W3" panose="020B0300000000000000" pitchFamily="34" charset="-128"/>
+              </a:rPr>
+              <a:t>似合うと推定されるリップカラーを利用者に提示することで、現在のメイクアップをどう改善すれば良いかの方向性を示すことができる</a:t>
+            </a:r>
+            <a:endParaRPr lang="en-US" altLang="ja-JP" sz="2000" dirty="0">
+              <a:latin typeface="Hiragino Kaku Gothic ProN W3" panose="020B0300000000000000" pitchFamily="34" charset="-128"/>
+              <a:ea typeface="Hiragino Kaku Gothic ProN W3" panose="020B0300000000000000" pitchFamily="34" charset="-128"/>
+            </a:endParaRPr>
+          </a:p>
+          <a:p>
+            <a:pPr lvl="1" fontAlgn="base"/>
+            <a:r>
+              <a:rPr lang="ja-JP" altLang="en-US" sz="2000">
+                <a:latin typeface="Hiragino Kaku Gothic ProN W3" panose="020B0300000000000000" pitchFamily="34" charset="-128"/>
+                <a:ea typeface="Hiragino Kaku Gothic ProN W3" panose="020B0300000000000000" pitchFamily="34" charset="-128"/>
+              </a:rPr>
+              <a:t>自分が現在使用しているリップカラーと近い色が提示されれば、不安の解消になる</a:t>
+            </a:r>
+          </a:p>
+          <a:p>
+            <a:endParaRPr lang="ja-JP" altLang="en-US">
+              <a:latin typeface="Hiragino Kaku Gothic ProN W3" panose="020B0300000000000000" pitchFamily="34" charset="-128"/>
+              <a:ea typeface="Hiragino Kaku Gothic ProN W3" panose="020B0300000000000000" pitchFamily="34" charset="-128"/>
+            </a:endParaRPr>
+          </a:p>
+        </p:txBody>
+      </p:sp>
+      <p:sp>
+        <p:nvSpPr>
+          <p:cNvPr id="6" name="タイトル 1">
+            <a:extLst>
+              <a:ext uri="{FF2B5EF4-FFF2-40B4-BE49-F238E27FC236}">
+                <a16:creationId xmlns:a16="http://schemas.microsoft.com/office/drawing/2014/main" id="{45A7B92C-AE3D-91D6-227C-099A94786625}"/>
+              </a:ext>
+            </a:extLst>
+          </p:cNvPr>
+          <p:cNvSpPr txBox="1">
+            <a:spLocks/>
+          </p:cNvSpPr>
+          <p:nvPr/>
+        </p:nvSpPr>
+        <p:spPr>
+          <a:xfrm>
+            <a:off x="252918" y="320508"/>
             <a:ext cx="5843081" cy="771870"/>
           </a:xfrm>
           <a:prstGeom prst="rect">
@@ -5709,7 +6713,7 @@
 </p:sld>
 </file>
 
-<file path=ppt/slides/slide14.xml><?xml version="1.0" encoding="utf-8"?>
+<file path=ppt/slides/slide16.xml><?xml version="1.0" encoding="utf-8"?>
 <p:sld xmlns:a="http://schemas.openxmlformats.org/drawingml/2006/main" xmlns:r="http://schemas.openxmlformats.org/officeDocument/2006/relationships" xmlns:p="http://schemas.openxmlformats.org/presentationml/2006/main" show="0">
   <p:cSld>
     <p:spTree>
@@ -6607,7 +7611,7 @@
 </p:sld>
 </file>
 
-<file path=ppt/slides/slide15.xml><?xml version="1.0" encoding="utf-8"?>
+<file path=ppt/slides/slide17.xml><?xml version="1.0" encoding="utf-8"?>
 <p:sld xmlns:a="http://schemas.openxmlformats.org/drawingml/2006/main" xmlns:r="http://schemas.openxmlformats.org/officeDocument/2006/relationships" xmlns:p="http://schemas.openxmlformats.org/presentationml/2006/main" show="0">
   <p:cSld>
     <p:spTree>
@@ -8548,6 +9552,284 @@
           </a:p>
         </p:txBody>
       </p:sp>
+      <p:pic>
+        <p:nvPicPr>
+          <p:cNvPr id="1026" name="Picture 2" descr="「JINS BRAIN」">
+            <a:extLst>
+              <a:ext uri="{FF2B5EF4-FFF2-40B4-BE49-F238E27FC236}">
+                <a16:creationId xmlns:a16="http://schemas.microsoft.com/office/drawing/2014/main" id="{876A5EA2-9FBE-ADC5-4E8B-E7E4BE76A565}"/>
+              </a:ext>
+            </a:extLst>
+          </p:cNvPr>
+          <p:cNvPicPr>
+            <a:picLocks noChangeAspect="1" noChangeArrowheads="1"/>
+          </p:cNvPicPr>
+          <p:nvPr/>
+        </p:nvPicPr>
+        <p:blipFill>
+          <a:blip r:embed="rId2">
+            <a:extLst>
+              <a:ext uri="{28A0092B-C50C-407E-A947-70E740481C1C}">
+                <a14:useLocalDpi xmlns:a14="http://schemas.microsoft.com/office/drawing/2010/main" val="0"/>
+              </a:ext>
+            </a:extLst>
+          </a:blip>
+          <a:srcRect/>
+          <a:stretch>
+            <a:fillRect/>
+          </a:stretch>
+        </p:blipFill>
+        <p:spPr bwMode="auto">
+          <a:xfrm>
+            <a:off x="761180" y="1660416"/>
+            <a:ext cx="6091565" cy="4057212"/>
+          </a:xfrm>
+          <a:prstGeom prst="rect">
+            <a:avLst/>
+          </a:prstGeom>
+          <a:noFill/>
+          <a:ln>
+            <a:solidFill>
+              <a:schemeClr val="bg2"/>
+            </a:solidFill>
+          </a:ln>
+          <a:extLst>
+            <a:ext uri="{909E8E84-426E-40DD-AFC4-6F175D3DCCD1}">
+              <a14:hiddenFill xmlns:a14="http://schemas.microsoft.com/office/drawing/2010/main">
+                <a:solidFill>
+                  <a:srgbClr val="FFFFFF"/>
+                </a:solidFill>
+              </a14:hiddenFill>
+            </a:ext>
+          </a:extLst>
+        </p:spPr>
+      </p:pic>
+      <p:sp>
+        <p:nvSpPr>
+          <p:cNvPr id="3" name="テキスト ボックス 2">
+            <a:extLst>
+              <a:ext uri="{FF2B5EF4-FFF2-40B4-BE49-F238E27FC236}">
+                <a16:creationId xmlns:a16="http://schemas.microsoft.com/office/drawing/2014/main" id="{52F40507-44B5-DE6D-7788-D0A129F24CCD}"/>
+              </a:ext>
+            </a:extLst>
+          </p:cNvPr>
+          <p:cNvSpPr txBox="1"/>
+          <p:nvPr/>
+        </p:nvSpPr>
+        <p:spPr>
+          <a:xfrm>
+            <a:off x="5055476" y="6000859"/>
+            <a:ext cx="6316717" cy="400110"/>
+          </a:xfrm>
+          <a:prstGeom prst="rect">
+            <a:avLst/>
+          </a:prstGeom>
+          <a:noFill/>
+        </p:spPr>
+        <p:txBody>
+          <a:bodyPr wrap="square">
+            <a:spAutoFit/>
+          </a:bodyPr>
+          <a:lstStyle/>
+          <a:p>
+            <a:pPr marL="502920" lvl="1" algn="r" fontAlgn="base">
+              <a:spcAft>
+                <a:spcPts val="1200"/>
+              </a:spcAft>
+            </a:pPr>
+            <a:r>
+              <a:rPr lang="ja-JP" altLang="en-US" sz="1000" u="none" strike="noStrike">
+                <a:solidFill>
+                  <a:srgbClr val="695D46"/>
+                </a:solidFill>
+                <a:effectLst/>
+                <a:latin typeface="Hiragino Kaku Gothic ProN W3" panose="020B0300000000000000" pitchFamily="34" charset="-128"/>
+                <a:ea typeface="Hiragino Kaku Gothic ProN W3" panose="020B0300000000000000" pitchFamily="34" charset="-128"/>
+              </a:rPr>
+              <a:t>引用元：</a:t>
+            </a:r>
+            <a:r>
+              <a:rPr lang="en-US" altLang="ja-JP" sz="1000" dirty="0">
+                <a:solidFill>
+                  <a:srgbClr val="695D46"/>
+                </a:solidFill>
+                <a:latin typeface="Hiragino Kaku Gothic ProN W3" panose="020B0300000000000000" pitchFamily="34" charset="-128"/>
+                <a:ea typeface="Hiragino Kaku Gothic ProN W3" panose="020B0300000000000000" pitchFamily="34" charset="-128"/>
+              </a:rPr>
+              <a:t>@</a:t>
+            </a:r>
+            <a:r>
+              <a:rPr lang="en-US" altLang="ja-JP" sz="1000" dirty="0" err="1">
+                <a:solidFill>
+                  <a:srgbClr val="695D46"/>
+                </a:solidFill>
+                <a:latin typeface="Hiragino Kaku Gothic ProN W3" panose="020B0300000000000000" pitchFamily="34" charset="-128"/>
+                <a:ea typeface="Hiragino Kaku Gothic ProN W3" panose="020B0300000000000000" pitchFamily="34" charset="-128"/>
+              </a:rPr>
+              <a:t>Press『AI</a:t>
+            </a:r>
+            <a:r>
+              <a:rPr lang="ja-JP" altLang="en-US" sz="1000">
+                <a:solidFill>
+                  <a:srgbClr val="695D46"/>
+                </a:solidFill>
+                <a:latin typeface="Hiragino Kaku Gothic ProN W3" panose="020B0300000000000000" pitchFamily="34" charset="-128"/>
+                <a:ea typeface="Hiragino Kaku Gothic ProN W3" panose="020B0300000000000000" pitchFamily="34" charset="-128"/>
+              </a:rPr>
+              <a:t>を駆使したメガネの次世代型ショールーミング店舗 「</a:t>
+            </a:r>
+            <a:r>
+              <a:rPr lang="en-US" altLang="ja-JP" sz="1000" dirty="0">
+                <a:solidFill>
+                  <a:srgbClr val="695D46"/>
+                </a:solidFill>
+                <a:latin typeface="Hiragino Kaku Gothic ProN W3" panose="020B0300000000000000" pitchFamily="34" charset="-128"/>
+                <a:ea typeface="Hiragino Kaku Gothic ProN W3" panose="020B0300000000000000" pitchFamily="34" charset="-128"/>
+              </a:rPr>
+              <a:t>JINS BRAIN Lab.</a:t>
+            </a:r>
+            <a:r>
+              <a:rPr lang="ja-JP" altLang="en-US" sz="1000">
+                <a:solidFill>
+                  <a:srgbClr val="695D46"/>
+                </a:solidFill>
+                <a:latin typeface="Hiragino Kaku Gothic ProN W3" panose="020B0300000000000000" pitchFamily="34" charset="-128"/>
+                <a:ea typeface="Hiragino Kaku Gothic ProN W3" panose="020B0300000000000000" pitchFamily="34" charset="-128"/>
+              </a:rPr>
+              <a:t>エキュート上野店」</a:t>
+            </a:r>
+            <a:r>
+              <a:rPr lang="en-US" altLang="ja-JP" sz="1000" dirty="0">
+                <a:solidFill>
+                  <a:srgbClr val="695D46"/>
+                </a:solidFill>
+                <a:latin typeface="Hiragino Kaku Gothic ProN W3" panose="020B0300000000000000" pitchFamily="34" charset="-128"/>
+                <a:ea typeface="Hiragino Kaku Gothic ProN W3" panose="020B0300000000000000" pitchFamily="34" charset="-128"/>
+              </a:rPr>
+              <a:t>2019</a:t>
+            </a:r>
+            <a:r>
+              <a:rPr lang="ja-JP" altLang="en-US" sz="1000">
+                <a:solidFill>
+                  <a:srgbClr val="695D46"/>
+                </a:solidFill>
+                <a:latin typeface="Hiragino Kaku Gothic ProN W3" panose="020B0300000000000000" pitchFamily="34" charset="-128"/>
+                <a:ea typeface="Hiragino Kaku Gothic ProN W3" panose="020B0300000000000000" pitchFamily="34" charset="-128"/>
+              </a:rPr>
+              <a:t>年</a:t>
+            </a:r>
+            <a:r>
+              <a:rPr lang="en-US" altLang="ja-JP" sz="1000" dirty="0">
+                <a:solidFill>
+                  <a:srgbClr val="695D46"/>
+                </a:solidFill>
+                <a:latin typeface="Hiragino Kaku Gothic ProN W3" panose="020B0300000000000000" pitchFamily="34" charset="-128"/>
+                <a:ea typeface="Hiragino Kaku Gothic ProN W3" panose="020B0300000000000000" pitchFamily="34" charset="-128"/>
+              </a:rPr>
+              <a:t>1</a:t>
+            </a:r>
+            <a:r>
+              <a:rPr lang="ja-JP" altLang="en-US" sz="1000">
+                <a:solidFill>
+                  <a:srgbClr val="695D46"/>
+                </a:solidFill>
+                <a:latin typeface="Hiragino Kaku Gothic ProN W3" panose="020B0300000000000000" pitchFamily="34" charset="-128"/>
+                <a:ea typeface="Hiragino Kaku Gothic ProN W3" panose="020B0300000000000000" pitchFamily="34" charset="-128"/>
+              </a:rPr>
+              <a:t>月</a:t>
+            </a:r>
+            <a:r>
+              <a:rPr lang="en-US" altLang="ja-JP" sz="1000" dirty="0">
+                <a:solidFill>
+                  <a:srgbClr val="695D46"/>
+                </a:solidFill>
+                <a:latin typeface="Hiragino Kaku Gothic ProN W3" panose="020B0300000000000000" pitchFamily="34" charset="-128"/>
+                <a:ea typeface="Hiragino Kaku Gothic ProN W3" panose="020B0300000000000000" pitchFamily="34" charset="-128"/>
+              </a:rPr>
+              <a:t>25</a:t>
+            </a:r>
+            <a:r>
+              <a:rPr lang="ja-JP" altLang="en-US" sz="1000">
+                <a:solidFill>
+                  <a:srgbClr val="695D46"/>
+                </a:solidFill>
+                <a:latin typeface="Hiragino Kaku Gothic ProN W3" panose="020B0300000000000000" pitchFamily="34" charset="-128"/>
+                <a:ea typeface="Hiragino Kaku Gothic ProN W3" panose="020B0300000000000000" pitchFamily="34" charset="-128"/>
+              </a:rPr>
+              <a:t>日</a:t>
+            </a:r>
+            <a:r>
+              <a:rPr lang="en-US" altLang="ja-JP" sz="1000" dirty="0">
+                <a:solidFill>
+                  <a:srgbClr val="695D46"/>
+                </a:solidFill>
+                <a:latin typeface="Hiragino Kaku Gothic ProN W3" panose="020B0300000000000000" pitchFamily="34" charset="-128"/>
+                <a:ea typeface="Hiragino Kaku Gothic ProN W3" panose="020B0300000000000000" pitchFamily="34" charset="-128"/>
+              </a:rPr>
+              <a:t>(</a:t>
+            </a:r>
+            <a:r>
+              <a:rPr lang="ja-JP" altLang="en-US" sz="1000">
+                <a:solidFill>
+                  <a:srgbClr val="695D46"/>
+                </a:solidFill>
+                <a:latin typeface="Hiragino Kaku Gothic ProN W3" panose="020B0300000000000000" pitchFamily="34" charset="-128"/>
+                <a:ea typeface="Hiragino Kaku Gothic ProN W3" panose="020B0300000000000000" pitchFamily="34" charset="-128"/>
+              </a:rPr>
+              <a:t>金</a:t>
+            </a:r>
+            <a:r>
+              <a:rPr lang="en-US" altLang="ja-JP" sz="1000" dirty="0">
+                <a:solidFill>
+                  <a:srgbClr val="695D46"/>
+                </a:solidFill>
+                <a:latin typeface="Hiragino Kaku Gothic ProN W3" panose="020B0300000000000000" pitchFamily="34" charset="-128"/>
+                <a:ea typeface="Hiragino Kaku Gothic ProN W3" panose="020B0300000000000000" pitchFamily="34" charset="-128"/>
+              </a:rPr>
+              <a:t>)</a:t>
+            </a:r>
+            <a:r>
+              <a:rPr lang="ja-JP" altLang="en-US" sz="1000">
+                <a:solidFill>
+                  <a:srgbClr val="695D46"/>
+                </a:solidFill>
+                <a:latin typeface="Hiragino Kaku Gothic ProN W3" panose="020B0300000000000000" pitchFamily="34" charset="-128"/>
+                <a:ea typeface="Hiragino Kaku Gothic ProN W3" panose="020B0300000000000000" pitchFamily="34" charset="-128"/>
+              </a:rPr>
+              <a:t>オープン</a:t>
+            </a:r>
+            <a:r>
+              <a:rPr lang="en-US" altLang="ja-JP" sz="1000" dirty="0">
+                <a:solidFill>
+                  <a:srgbClr val="695D46"/>
+                </a:solidFill>
+                <a:latin typeface="Hiragino Kaku Gothic ProN W3" panose="020B0300000000000000" pitchFamily="34" charset="-128"/>
+                <a:ea typeface="Hiragino Kaku Gothic ProN W3" panose="020B0300000000000000" pitchFamily="34" charset="-128"/>
+              </a:rPr>
+              <a:t>』</a:t>
+            </a:r>
+            <a:r>
+              <a:rPr lang="en-US" altLang="ja-JP" sz="1000" dirty="0">
+                <a:solidFill>
+                  <a:srgbClr val="695D46"/>
+                </a:solidFill>
+                <a:latin typeface="Hiragino Kaku Gothic ProN W3" panose="020B0300000000000000" pitchFamily="34" charset="-128"/>
+                <a:ea typeface="Hiragino Kaku Gothic ProN W3" panose="020B0300000000000000" pitchFamily="34" charset="-128"/>
+                <a:hlinkClick r:id="rId3"/>
+              </a:rPr>
+              <a:t>https://www.atpress.ne.jp/news/175815</a:t>
+            </a:r>
+            <a:endParaRPr lang="en-US" altLang="ja-JP" sz="1000" u="none" strike="noStrike" dirty="0">
+              <a:solidFill>
+                <a:srgbClr val="695D46"/>
+              </a:solidFill>
+              <a:effectLst/>
+              <a:latin typeface="Hiragino Kaku Gothic ProN W3" panose="020B0300000000000000" pitchFamily="34" charset="-128"/>
+              <a:ea typeface="Hiragino Kaku Gothic ProN W3" panose="020B0300000000000000" pitchFamily="34" charset="-128"/>
+            </a:endParaRPr>
+          </a:p>
+        </p:txBody>
+      </p:sp>
     </p:spTree>
     <p:extLst>
       <p:ext uri="{BB962C8B-B14F-4D97-AF65-F5344CB8AC3E}">
@@ -8962,6 +10244,514 @@
           </a:p>
         </p:txBody>
       </p:sp>
+      <p:sp>
+        <p:nvSpPr>
+          <p:cNvPr id="2" name="コンテンツ プレースホルダー 2">
+            <a:extLst>
+              <a:ext uri="{FF2B5EF4-FFF2-40B4-BE49-F238E27FC236}">
+                <a16:creationId xmlns:a16="http://schemas.microsoft.com/office/drawing/2014/main" id="{C05379BC-BEA7-6292-0F1D-810173FF1F53}"/>
+              </a:ext>
+            </a:extLst>
+          </p:cNvPr>
+          <p:cNvSpPr txBox="1">
+            <a:spLocks/>
+          </p:cNvSpPr>
+          <p:nvPr/>
+        </p:nvSpPr>
+        <p:spPr>
+          <a:xfrm>
+            <a:off x="5328745" y="1584540"/>
+            <a:ext cx="6439611" cy="5120640"/>
+          </a:xfrm>
+          <a:prstGeom prst="rect">
+            <a:avLst/>
+          </a:prstGeom>
+        </p:spPr>
+        <p:txBody>
+          <a:bodyPr/>
+          <a:lstStyle>
+            <a:lvl1pPr marL="182880" indent="-182880" algn="l" defTabSz="914400" rtl="0" eaLnBrk="1" latinLnBrk="0" hangingPunct="1">
+              <a:lnSpc>
+                <a:spcPct val="90000"/>
+              </a:lnSpc>
+              <a:spcBef>
+                <a:spcPts val="1200"/>
+              </a:spcBef>
+              <a:buClr>
+                <a:schemeClr val="accent1"/>
+              </a:buClr>
+              <a:buFont typeface="Wingdings 2" pitchFamily="18" charset="2"/>
+              <a:buChar char=""/>
+              <a:defRPr kumimoji="1" sz="2000" kern="1200">
+                <a:solidFill>
+                  <a:schemeClr val="tx1">
+                    <a:lumMod val="65000"/>
+                    <a:lumOff val="35000"/>
+                  </a:schemeClr>
+                </a:solidFill>
+                <a:latin typeface="+mn-lt"/>
+                <a:ea typeface="+mn-ea"/>
+                <a:cs typeface="+mn-cs"/>
+              </a:defRPr>
+            </a:lvl1pPr>
+            <a:lvl2pPr marL="685800" indent="-182880" algn="l" defTabSz="914400" rtl="0" eaLnBrk="1" latinLnBrk="0" hangingPunct="1">
+              <a:lnSpc>
+                <a:spcPct val="90000"/>
+              </a:lnSpc>
+              <a:spcBef>
+                <a:spcPts val="250"/>
+              </a:spcBef>
+              <a:spcAft>
+                <a:spcPts val="250"/>
+              </a:spcAft>
+              <a:buClr>
+                <a:schemeClr val="accent1"/>
+              </a:buClr>
+              <a:buFont typeface="Wingdings 2" pitchFamily="18" charset="2"/>
+              <a:buChar char=""/>
+              <a:defRPr kumimoji="1" sz="1800" kern="1200">
+                <a:solidFill>
+                  <a:schemeClr val="tx1">
+                    <a:lumMod val="65000"/>
+                    <a:lumOff val="35000"/>
+                  </a:schemeClr>
+                </a:solidFill>
+                <a:latin typeface="+mn-lt"/>
+                <a:ea typeface="+mn-ea"/>
+                <a:cs typeface="+mn-cs"/>
+              </a:defRPr>
+            </a:lvl2pPr>
+            <a:lvl3pPr marL="1143000" indent="-182880" algn="l" defTabSz="914400" rtl="0" eaLnBrk="1" latinLnBrk="0" hangingPunct="1">
+              <a:lnSpc>
+                <a:spcPct val="90000"/>
+              </a:lnSpc>
+              <a:spcBef>
+                <a:spcPts val="250"/>
+              </a:spcBef>
+              <a:spcAft>
+                <a:spcPts val="250"/>
+              </a:spcAft>
+              <a:buClr>
+                <a:schemeClr val="accent1"/>
+              </a:buClr>
+              <a:buFont typeface="Wingdings 2" pitchFamily="18" charset="2"/>
+              <a:buChar char=""/>
+              <a:defRPr kumimoji="1" sz="1600" kern="1200">
+                <a:solidFill>
+                  <a:schemeClr val="tx1">
+                    <a:lumMod val="65000"/>
+                    <a:lumOff val="35000"/>
+                  </a:schemeClr>
+                </a:solidFill>
+                <a:latin typeface="+mn-lt"/>
+                <a:ea typeface="+mn-ea"/>
+                <a:cs typeface="+mn-cs"/>
+              </a:defRPr>
+            </a:lvl3pPr>
+            <a:lvl4pPr marL="1600200" indent="-182880" algn="l" defTabSz="914400" rtl="0" eaLnBrk="1" latinLnBrk="0" hangingPunct="1">
+              <a:lnSpc>
+                <a:spcPct val="90000"/>
+              </a:lnSpc>
+              <a:spcBef>
+                <a:spcPts val="250"/>
+              </a:spcBef>
+              <a:spcAft>
+                <a:spcPts val="250"/>
+              </a:spcAft>
+              <a:buClr>
+                <a:schemeClr val="accent1"/>
+              </a:buClr>
+              <a:buFont typeface="Wingdings 2" pitchFamily="18" charset="2"/>
+              <a:buChar char=""/>
+              <a:defRPr kumimoji="1" sz="1400" kern="1200">
+                <a:solidFill>
+                  <a:schemeClr val="tx1">
+                    <a:lumMod val="65000"/>
+                    <a:lumOff val="35000"/>
+                  </a:schemeClr>
+                </a:solidFill>
+                <a:latin typeface="+mn-lt"/>
+                <a:ea typeface="+mn-ea"/>
+                <a:cs typeface="+mn-cs"/>
+              </a:defRPr>
+            </a:lvl4pPr>
+            <a:lvl5pPr marL="2057400" indent="-182880" algn="l" defTabSz="914400" rtl="0" eaLnBrk="1" latinLnBrk="0" hangingPunct="1">
+              <a:lnSpc>
+                <a:spcPct val="90000"/>
+              </a:lnSpc>
+              <a:spcBef>
+                <a:spcPts val="250"/>
+              </a:spcBef>
+              <a:spcAft>
+                <a:spcPts val="250"/>
+              </a:spcAft>
+              <a:buClr>
+                <a:schemeClr val="accent1"/>
+              </a:buClr>
+              <a:buFont typeface="Wingdings 2" pitchFamily="18" charset="2"/>
+              <a:buChar char=""/>
+              <a:defRPr kumimoji="1" sz="1400" kern="1200">
+                <a:solidFill>
+                  <a:schemeClr val="tx1">
+                    <a:lumMod val="65000"/>
+                    <a:lumOff val="35000"/>
+                  </a:schemeClr>
+                </a:solidFill>
+                <a:latin typeface="+mn-lt"/>
+                <a:ea typeface="+mn-ea"/>
+                <a:cs typeface="+mn-cs"/>
+              </a:defRPr>
+            </a:lvl5pPr>
+            <a:lvl6pPr marL="2514600" indent="-228600" algn="l" defTabSz="914400" rtl="0" eaLnBrk="1" latinLnBrk="0" hangingPunct="1">
+              <a:lnSpc>
+                <a:spcPct val="90000"/>
+              </a:lnSpc>
+              <a:spcBef>
+                <a:spcPts val="250"/>
+              </a:spcBef>
+              <a:spcAft>
+                <a:spcPts val="250"/>
+              </a:spcAft>
+              <a:buClr>
+                <a:schemeClr val="accent1"/>
+              </a:buClr>
+              <a:buFont typeface="Wingdings 2" pitchFamily="18" charset="2"/>
+              <a:buChar char=""/>
+              <a:defRPr kumimoji="1" sz="1400" kern="1200">
+                <a:solidFill>
+                  <a:schemeClr val="tx1">
+                    <a:lumMod val="65000"/>
+                    <a:lumOff val="35000"/>
+                  </a:schemeClr>
+                </a:solidFill>
+                <a:latin typeface="+mn-lt"/>
+                <a:ea typeface="+mn-ea"/>
+                <a:cs typeface="+mn-cs"/>
+              </a:defRPr>
+            </a:lvl6pPr>
+            <a:lvl7pPr marL="2971800" indent="-228600" algn="l" defTabSz="914400" rtl="0" eaLnBrk="1" latinLnBrk="0" hangingPunct="1">
+              <a:lnSpc>
+                <a:spcPct val="90000"/>
+              </a:lnSpc>
+              <a:spcBef>
+                <a:spcPts val="250"/>
+              </a:spcBef>
+              <a:spcAft>
+                <a:spcPts val="250"/>
+              </a:spcAft>
+              <a:buClr>
+                <a:schemeClr val="accent1"/>
+              </a:buClr>
+              <a:buFont typeface="Wingdings 2" pitchFamily="18" charset="2"/>
+              <a:buChar char=""/>
+              <a:defRPr kumimoji="1" sz="1400" kern="1200">
+                <a:solidFill>
+                  <a:schemeClr val="tx1">
+                    <a:lumMod val="65000"/>
+                    <a:lumOff val="35000"/>
+                  </a:schemeClr>
+                </a:solidFill>
+                <a:latin typeface="+mn-lt"/>
+                <a:ea typeface="+mn-ea"/>
+                <a:cs typeface="+mn-cs"/>
+              </a:defRPr>
+            </a:lvl7pPr>
+            <a:lvl8pPr marL="3429000" indent="-228600" algn="l" defTabSz="914400" rtl="0" eaLnBrk="1" latinLnBrk="0" hangingPunct="1">
+              <a:lnSpc>
+                <a:spcPct val="90000"/>
+              </a:lnSpc>
+              <a:spcBef>
+                <a:spcPts val="250"/>
+              </a:spcBef>
+              <a:spcAft>
+                <a:spcPts val="250"/>
+              </a:spcAft>
+              <a:buClr>
+                <a:schemeClr val="accent1"/>
+              </a:buClr>
+              <a:buFont typeface="Wingdings 2" pitchFamily="18" charset="2"/>
+              <a:buChar char=""/>
+              <a:defRPr kumimoji="1" sz="1400" kern="1200">
+                <a:solidFill>
+                  <a:schemeClr val="tx1">
+                    <a:lumMod val="65000"/>
+                    <a:lumOff val="35000"/>
+                  </a:schemeClr>
+                </a:solidFill>
+                <a:latin typeface="+mn-lt"/>
+                <a:ea typeface="+mn-ea"/>
+                <a:cs typeface="+mn-cs"/>
+              </a:defRPr>
+            </a:lvl8pPr>
+            <a:lvl9pPr marL="3886200" indent="-228600" algn="l" defTabSz="914400" rtl="0" eaLnBrk="1" latinLnBrk="0" hangingPunct="1">
+              <a:lnSpc>
+                <a:spcPct val="90000"/>
+              </a:lnSpc>
+              <a:spcBef>
+                <a:spcPts val="250"/>
+              </a:spcBef>
+              <a:spcAft>
+                <a:spcPts val="250"/>
+              </a:spcAft>
+              <a:buClr>
+                <a:schemeClr val="accent1"/>
+              </a:buClr>
+              <a:buFont typeface="Wingdings 2" pitchFamily="18" charset="2"/>
+              <a:buChar char=""/>
+              <a:defRPr kumimoji="1" sz="1400" kern="1200">
+                <a:solidFill>
+                  <a:schemeClr val="tx1">
+                    <a:lumMod val="65000"/>
+                    <a:lumOff val="35000"/>
+                  </a:schemeClr>
+                </a:solidFill>
+                <a:latin typeface="+mn-lt"/>
+                <a:ea typeface="+mn-ea"/>
+                <a:cs typeface="+mn-cs"/>
+              </a:defRPr>
+            </a:lvl9pPr>
+          </a:lstStyle>
+          <a:p>
+            <a:pPr fontAlgn="base"/>
+            <a:r>
+              <a:rPr lang="ja-JP" altLang="en-US">
+                <a:latin typeface="Hiragino Kaku Gothic ProN W3" panose="020B0300000000000000" pitchFamily="34" charset="-128"/>
+                <a:ea typeface="Hiragino Kaku Gothic ProN W3" panose="020B0300000000000000" pitchFamily="34" charset="-128"/>
+              </a:rPr>
+              <a:t>タッチアップ＝化粧品を実際に肌に乗せて試すこと</a:t>
+            </a:r>
+            <a:endParaRPr lang="en-US" altLang="ja-JP" dirty="0">
+              <a:latin typeface="Hiragino Kaku Gothic ProN W3" panose="020B0300000000000000" pitchFamily="34" charset="-128"/>
+              <a:ea typeface="Hiragino Kaku Gothic ProN W3" panose="020B0300000000000000" pitchFamily="34" charset="-128"/>
+            </a:endParaRPr>
+          </a:p>
+          <a:p>
+            <a:pPr fontAlgn="base"/>
+            <a:r>
+              <a:rPr lang="en-US" altLang="ja-JP" dirty="0">
+                <a:latin typeface="Hiragino Kaku Gothic ProN W3" panose="020B0300000000000000" pitchFamily="34" charset="-128"/>
+                <a:ea typeface="Hiragino Kaku Gothic ProN W3" panose="020B0300000000000000" pitchFamily="34" charset="-128"/>
+              </a:rPr>
+              <a:t>AR</a:t>
+            </a:r>
+            <a:r>
+              <a:rPr lang="ja-JP" altLang="en-US">
+                <a:latin typeface="Hiragino Kaku Gothic ProN W3" panose="020B0300000000000000" pitchFamily="34" charset="-128"/>
+                <a:ea typeface="Hiragino Kaku Gothic ProN W3" panose="020B0300000000000000" pitchFamily="34" charset="-128"/>
+              </a:rPr>
+              <a:t>＝拡張現実。カメラなどのデバイスを使用し、現実世界にデジタル情報を重ねて表示する技術</a:t>
+            </a:r>
+            <a:endParaRPr lang="en-US" altLang="ja-JP" dirty="0">
+              <a:latin typeface="Hiragino Kaku Gothic ProN W3" panose="020B0300000000000000" pitchFamily="34" charset="-128"/>
+              <a:ea typeface="Hiragino Kaku Gothic ProN W3" panose="020B0300000000000000" pitchFamily="34" charset="-128"/>
+            </a:endParaRPr>
+          </a:p>
+          <a:p>
+            <a:pPr fontAlgn="base"/>
+            <a:r>
+              <a:rPr lang="en-US" altLang="ja-JP" dirty="0">
+                <a:latin typeface="Hiragino Kaku Gothic ProN W3" panose="020B0300000000000000" pitchFamily="34" charset="-128"/>
+                <a:ea typeface="Hiragino Kaku Gothic ProN W3" panose="020B0300000000000000" pitchFamily="34" charset="-128"/>
+              </a:rPr>
+              <a:t>AR</a:t>
+            </a:r>
+            <a:r>
+              <a:rPr lang="ja-JP" altLang="en-US">
+                <a:latin typeface="Hiragino Kaku Gothic ProN W3" panose="020B0300000000000000" pitchFamily="34" charset="-128"/>
+                <a:ea typeface="Hiragino Kaku Gothic ProN W3" panose="020B0300000000000000" pitchFamily="34" charset="-128"/>
+              </a:rPr>
+              <a:t>タッチアップシステム＝スマートフォンや専用デバイスを使用し、自身の顔で化粧品を試した際のイメージ画像を生成することで、実際に化粧品を顔に乗せることなく使用イメージを確認できるシステム</a:t>
+            </a:r>
+            <a:endParaRPr lang="en-US" altLang="ja-JP" dirty="0">
+              <a:latin typeface="Hiragino Kaku Gothic ProN W3" panose="020B0300000000000000" pitchFamily="34" charset="-128"/>
+              <a:ea typeface="Hiragino Kaku Gothic ProN W3" panose="020B0300000000000000" pitchFamily="34" charset="-128"/>
+            </a:endParaRPr>
+          </a:p>
+          <a:p>
+            <a:pPr marL="0" indent="0" fontAlgn="base">
+              <a:buNone/>
+            </a:pPr>
+            <a:endParaRPr lang="en-US" altLang="ja-JP" dirty="0">
+              <a:latin typeface="Hiragino Kaku Gothic ProN W3" panose="020B0300000000000000" pitchFamily="34" charset="-128"/>
+              <a:ea typeface="Hiragino Kaku Gothic ProN W3" panose="020B0300000000000000" pitchFamily="34" charset="-128"/>
+            </a:endParaRPr>
+          </a:p>
+          <a:p>
+            <a:pPr marL="0" indent="0" fontAlgn="base">
+              <a:buNone/>
+            </a:pPr>
+            <a:endParaRPr lang="en-US" altLang="ja-JP" dirty="0">
+              <a:latin typeface="Hiragino Kaku Gothic ProN W3" panose="020B0300000000000000" pitchFamily="34" charset="-128"/>
+              <a:ea typeface="Hiragino Kaku Gothic ProN W3" panose="020B0300000000000000" pitchFamily="34" charset="-128"/>
+            </a:endParaRPr>
+          </a:p>
+          <a:p>
+            <a:pPr marL="0" indent="0" algn="r">
+              <a:spcBef>
+                <a:spcPts val="0"/>
+              </a:spcBef>
+              <a:buNone/>
+            </a:pPr>
+            <a:r>
+              <a:rPr lang="ja-JP" altLang="en-US" sz="1400" u="none" strike="noStrike">
+                <a:solidFill>
+                  <a:srgbClr val="666666"/>
+                </a:solidFill>
+                <a:effectLst/>
+                <a:latin typeface="Hiragino Kaku Gothic ProN W3" panose="020B0300000000000000" pitchFamily="34" charset="-128"/>
+                <a:ea typeface="Hiragino Kaku Gothic ProN W3" panose="020B0300000000000000" pitchFamily="34" charset="-128"/>
+              </a:rPr>
+              <a:t>出典：</a:t>
+            </a:r>
+            <a:r>
+              <a:rPr lang="en-US" altLang="ja-JP" sz="1400" u="none" strike="noStrike" dirty="0">
+                <a:solidFill>
+                  <a:srgbClr val="666666"/>
+                </a:solidFill>
+                <a:effectLst/>
+                <a:latin typeface="Hiragino Kaku Gothic ProN W3" panose="020B0300000000000000" pitchFamily="34" charset="-128"/>
+                <a:ea typeface="Hiragino Kaku Gothic ProN W3" panose="020B0300000000000000" pitchFamily="34" charset="-128"/>
+              </a:rPr>
+              <a:t>PR TIMES『</a:t>
+            </a:r>
+            <a:r>
+              <a:rPr lang="ja-JP" altLang="en-US" sz="1400" u="none" strike="noStrike">
+                <a:solidFill>
+                  <a:srgbClr val="666666"/>
+                </a:solidFill>
+                <a:effectLst/>
+                <a:latin typeface="Hiragino Kaku Gothic ProN W3" panose="020B0300000000000000" pitchFamily="34" charset="-128"/>
+                <a:ea typeface="Hiragino Kaku Gothic ProN W3" panose="020B0300000000000000" pitchFamily="34" charset="-128"/>
+              </a:rPr>
+              <a:t>資生堂、「ワタシプラス カラーシミュレーション」を　</a:t>
+            </a:r>
+            <a:r>
+              <a:rPr lang="en-US" altLang="ja-JP" sz="1400" u="none" strike="noStrike" dirty="0">
+                <a:solidFill>
+                  <a:srgbClr val="666666"/>
+                </a:solidFill>
+                <a:effectLst/>
+                <a:latin typeface="Hiragino Kaku Gothic ProN W3" panose="020B0300000000000000" pitchFamily="34" charset="-128"/>
+                <a:ea typeface="Hiragino Kaku Gothic ProN W3" panose="020B0300000000000000" pitchFamily="34" charset="-128"/>
+              </a:rPr>
+              <a:t>6</a:t>
+            </a:r>
+            <a:r>
+              <a:rPr lang="ja-JP" altLang="en-US" sz="1400" u="none" strike="noStrike">
+                <a:solidFill>
+                  <a:srgbClr val="666666"/>
+                </a:solidFill>
+                <a:effectLst/>
+                <a:latin typeface="Hiragino Kaku Gothic ProN W3" panose="020B0300000000000000" pitchFamily="34" charset="-128"/>
+                <a:ea typeface="Hiragino Kaku Gothic ProN W3" panose="020B0300000000000000" pitchFamily="34" charset="-128"/>
+              </a:rPr>
+              <a:t>月</a:t>
+            </a:r>
+            <a:r>
+              <a:rPr lang="en-US" altLang="ja-JP" sz="1400" u="none" strike="noStrike" dirty="0">
+                <a:solidFill>
+                  <a:srgbClr val="666666"/>
+                </a:solidFill>
+                <a:effectLst/>
+                <a:latin typeface="Hiragino Kaku Gothic ProN W3" panose="020B0300000000000000" pitchFamily="34" charset="-128"/>
+                <a:ea typeface="Hiragino Kaku Gothic ProN W3" panose="020B0300000000000000" pitchFamily="34" charset="-128"/>
+              </a:rPr>
+              <a:t>28</a:t>
+            </a:r>
+            <a:r>
+              <a:rPr lang="ja-JP" altLang="en-US" sz="1400" u="none" strike="noStrike">
+                <a:solidFill>
+                  <a:srgbClr val="666666"/>
+                </a:solidFill>
+                <a:effectLst/>
+                <a:latin typeface="Hiragino Kaku Gothic ProN W3" panose="020B0300000000000000" pitchFamily="34" charset="-128"/>
+                <a:ea typeface="Hiragino Kaku Gothic ProN W3" panose="020B0300000000000000" pitchFamily="34" charset="-128"/>
+              </a:rPr>
+              <a:t>日（水）リニューアル</a:t>
+            </a:r>
+            <a:r>
+              <a:rPr lang="en-US" altLang="ja-JP" sz="1400" u="none" strike="noStrike" dirty="0">
+                <a:solidFill>
+                  <a:srgbClr val="666666"/>
+                </a:solidFill>
+                <a:effectLst/>
+                <a:latin typeface="Hiragino Kaku Gothic ProN W3" panose="020B0300000000000000" pitchFamily="34" charset="-128"/>
+                <a:ea typeface="Hiragino Kaku Gothic ProN W3" panose="020B0300000000000000" pitchFamily="34" charset="-128"/>
+              </a:rPr>
+              <a:t>』</a:t>
+            </a:r>
+            <a:r>
+              <a:rPr lang="en-US" altLang="ja-JP" sz="1400" u="none" strike="noStrike" dirty="0">
+                <a:solidFill>
+                  <a:srgbClr val="666666"/>
+                </a:solidFill>
+                <a:effectLst/>
+                <a:latin typeface="Hiragino Kaku Gothic ProN W3" panose="020B0300000000000000" pitchFamily="34" charset="-128"/>
+                <a:ea typeface="Hiragino Kaku Gothic ProN W3" panose="020B0300000000000000" pitchFamily="34" charset="-128"/>
+                <a:hlinkClick r:id="rId2"/>
+              </a:rPr>
+              <a:t>https://prtimes.jp/main/html/rd/p/000000900.000005794.html</a:t>
+            </a:r>
+            <a:endParaRPr lang="en" altLang="ja-JP" sz="1400" dirty="0">
+              <a:effectLst/>
+              <a:latin typeface="Hiragino Kaku Gothic ProN W3" panose="020B0300000000000000" pitchFamily="34" charset="-128"/>
+              <a:ea typeface="Hiragino Kaku Gothic ProN W3" panose="020B0300000000000000" pitchFamily="34" charset="-128"/>
+            </a:endParaRPr>
+          </a:p>
+        </p:txBody>
+      </p:sp>
+      <p:pic>
+        <p:nvPicPr>
+          <p:cNvPr id="2050" name="Picture 2">
+            <a:extLst>
+              <a:ext uri="{FF2B5EF4-FFF2-40B4-BE49-F238E27FC236}">
+                <a16:creationId xmlns:a16="http://schemas.microsoft.com/office/drawing/2014/main" id="{1A18143A-8C82-C8B7-2698-E3C98B5BC89B}"/>
+              </a:ext>
+            </a:extLst>
+          </p:cNvPr>
+          <p:cNvPicPr>
+            <a:picLocks noChangeAspect="1" noChangeArrowheads="1"/>
+          </p:cNvPicPr>
+          <p:nvPr/>
+        </p:nvPicPr>
+        <p:blipFill>
+          <a:blip r:embed="rId3">
+            <a:extLst>
+              <a:ext uri="{28A0092B-C50C-407E-A947-70E740481C1C}">
+                <a14:useLocalDpi xmlns:a14="http://schemas.microsoft.com/office/drawing/2010/main" val="0"/>
+              </a:ext>
+            </a:extLst>
+          </a:blip>
+          <a:srcRect/>
+          <a:stretch>
+            <a:fillRect/>
+          </a:stretch>
+        </p:blipFill>
+        <p:spPr bwMode="auto">
+          <a:xfrm>
+            <a:off x="726965" y="2505763"/>
+            <a:ext cx="3958840" cy="1846474"/>
+          </a:xfrm>
+          <a:prstGeom prst="rect">
+            <a:avLst/>
+          </a:prstGeom>
+          <a:noFill/>
+          <a:ln>
+            <a:solidFill>
+              <a:schemeClr val="bg2"/>
+            </a:solidFill>
+          </a:ln>
+          <a:extLst>
+            <a:ext uri="{909E8E84-426E-40DD-AFC4-6F175D3DCCD1}">
+              <a14:hiddenFill xmlns:a14="http://schemas.microsoft.com/office/drawing/2010/main">
+                <a:solidFill>
+                  <a:srgbClr val="FFFFFF"/>
+                </a:solidFill>
+              </a14:hiddenFill>
+            </a:ext>
+          </a:extLst>
+        </p:spPr>
+      </p:pic>
     </p:spTree>
     <p:extLst>
       <p:ext uri="{BB962C8B-B14F-4D97-AF65-F5344CB8AC3E}">

--- a/口頭試問.pptx
+++ b/口頭試問.pptx
@@ -20,8 +20,12 @@
     <p:sldId id="273" r:id="rId14"/>
     <p:sldId id="274" r:id="rId15"/>
     <p:sldId id="270" r:id="rId16"/>
-    <p:sldId id="261" r:id="rId17"/>
-    <p:sldId id="262" r:id="rId18"/>
+    <p:sldId id="275" r:id="rId17"/>
+    <p:sldId id="276" r:id="rId18"/>
+    <p:sldId id="277" r:id="rId19"/>
+    <p:sldId id="278" r:id="rId20"/>
+    <p:sldId id="261" r:id="rId21"/>
+    <p:sldId id="262" r:id="rId22"/>
   </p:sldIdLst>
   <p:sldSz cx="12192000" cy="6858000"/>
   <p:notesSz cx="6858000" cy="9144000"/>
@@ -348,7 +352,7 @@
           <a:p>
             <a:fld id="{A6E0AD41-3205-554B-A221-F12330F95C4E}" type="datetimeFigureOut">
               <a:rPr kumimoji="1" lang="ja-JP" altLang="en-US" smtClean="0"/>
-              <a:t>2024/1/24</a:t>
+              <a:t>2024/1/26</a:t>
             </a:fld>
             <a:endParaRPr kumimoji="1" lang="ja-JP" altLang="en-US"/>
           </a:p>
@@ -550,7 +554,7 @@
           <a:p>
             <a:fld id="{A6E0AD41-3205-554B-A221-F12330F95C4E}" type="datetimeFigureOut">
               <a:rPr kumimoji="1" lang="ja-JP" altLang="en-US" smtClean="0"/>
-              <a:t>2024/1/24</a:t>
+              <a:t>2024/1/26</a:t>
             </a:fld>
             <a:endParaRPr kumimoji="1" lang="ja-JP" altLang="en-US"/>
           </a:p>
@@ -762,7 +766,7 @@
           <a:p>
             <a:fld id="{A6E0AD41-3205-554B-A221-F12330F95C4E}" type="datetimeFigureOut">
               <a:rPr kumimoji="1" lang="ja-JP" altLang="en-US" smtClean="0"/>
-              <a:t>2024/1/24</a:t>
+              <a:t>2024/1/26</a:t>
             </a:fld>
             <a:endParaRPr kumimoji="1" lang="ja-JP" altLang="en-US"/>
           </a:p>
@@ -964,7 +968,7 @@
           <a:p>
             <a:fld id="{A6E0AD41-3205-554B-A221-F12330F95C4E}" type="datetimeFigureOut">
               <a:rPr kumimoji="1" lang="ja-JP" altLang="en-US" smtClean="0"/>
-              <a:t>2024/1/24</a:t>
+              <a:t>2024/1/26</a:t>
             </a:fld>
             <a:endParaRPr kumimoji="1" lang="ja-JP" altLang="en-US"/>
           </a:p>
@@ -1222,7 +1226,7 @@
           <a:p>
             <a:fld id="{A6E0AD41-3205-554B-A221-F12330F95C4E}" type="datetimeFigureOut">
               <a:rPr kumimoji="1" lang="ja-JP" altLang="en-US" smtClean="0"/>
-              <a:t>2024/1/24</a:t>
+              <a:t>2024/1/26</a:t>
             </a:fld>
             <a:endParaRPr kumimoji="1" lang="ja-JP" altLang="en-US"/>
           </a:p>
@@ -1574,7 +1578,7 @@
           <a:p>
             <a:fld id="{A6E0AD41-3205-554B-A221-F12330F95C4E}" type="datetimeFigureOut">
               <a:rPr kumimoji="1" lang="ja-JP" altLang="en-US" smtClean="0"/>
-              <a:t>2024/1/24</a:t>
+              <a:t>2024/1/26</a:t>
             </a:fld>
             <a:endParaRPr kumimoji="1" lang="ja-JP" altLang="en-US"/>
           </a:p>
@@ -2080,7 +2084,7 @@
           <a:p>
             <a:fld id="{A6E0AD41-3205-554B-A221-F12330F95C4E}" type="datetimeFigureOut">
               <a:rPr kumimoji="1" lang="ja-JP" altLang="en-US" smtClean="0"/>
-              <a:t>2024/1/24</a:t>
+              <a:t>2024/1/26</a:t>
             </a:fld>
             <a:endParaRPr kumimoji="1" lang="ja-JP" altLang="en-US"/>
           </a:p>
@@ -2198,7 +2202,7 @@
           <a:p>
             <a:fld id="{A6E0AD41-3205-554B-A221-F12330F95C4E}" type="datetimeFigureOut">
               <a:rPr kumimoji="1" lang="ja-JP" altLang="en-US" smtClean="0"/>
-              <a:t>2024/1/24</a:t>
+              <a:t>2024/1/26</a:t>
             </a:fld>
             <a:endParaRPr kumimoji="1" lang="ja-JP" altLang="en-US"/>
           </a:p>
@@ -2293,7 +2297,7 @@
           <a:p>
             <a:fld id="{A6E0AD41-3205-554B-A221-F12330F95C4E}" type="datetimeFigureOut">
               <a:rPr kumimoji="1" lang="ja-JP" altLang="en-US" smtClean="0"/>
-              <a:t>2024/1/24</a:t>
+              <a:t>2024/1/26</a:t>
             </a:fld>
             <a:endParaRPr kumimoji="1" lang="ja-JP" altLang="en-US"/>
           </a:p>
@@ -2613,7 +2617,7 @@
           <a:p>
             <a:fld id="{A6E0AD41-3205-554B-A221-F12330F95C4E}" type="datetimeFigureOut">
               <a:rPr kumimoji="1" lang="ja-JP" altLang="en-US" smtClean="0"/>
-              <a:t>2024/1/24</a:t>
+              <a:t>2024/1/26</a:t>
             </a:fld>
             <a:endParaRPr kumimoji="1" lang="ja-JP" altLang="en-US"/>
           </a:p>
@@ -2886,7 +2890,7 @@
           <a:p>
             <a:fld id="{A6E0AD41-3205-554B-A221-F12330F95C4E}" type="datetimeFigureOut">
               <a:rPr kumimoji="1" lang="ja-JP" altLang="en-US" smtClean="0"/>
-              <a:t>2024/1/24</a:t>
+              <a:t>2024/1/26</a:t>
             </a:fld>
             <a:endParaRPr kumimoji="1" lang="ja-JP" altLang="en-US"/>
           </a:p>
@@ -3215,7 +3219,7 @@
           <a:p>
             <a:fld id="{A6E0AD41-3205-554B-A221-F12330F95C4E}" type="datetimeFigureOut">
               <a:rPr kumimoji="1" lang="ja-JP" altLang="en-US" smtClean="0"/>
-              <a:t>2024/1/24</a:t>
+              <a:t>2024/1/26</a:t>
             </a:fld>
             <a:endParaRPr kumimoji="1" lang="ja-JP" altLang="en-US"/>
           </a:p>
@@ -6557,41 +6561,9 @@
                 <a:latin typeface="Hiragino Kaku Gothic ProN W3" panose="020B0300000000000000" pitchFamily="34" charset="-128"/>
                 <a:ea typeface="Hiragino Kaku Gothic ProN W3" panose="020B0300000000000000" pitchFamily="34" charset="-128"/>
               </a:rPr>
-              <a:t>メイクアップは、自分自身でそれが似合っているかどうかを客観的に判断することが難しい</a:t>
-            </a:r>
-          </a:p>
-          <a:p>
-            <a:pPr lvl="1" fontAlgn="base"/>
-            <a:r>
-              <a:rPr lang="ja-JP" altLang="en-US" sz="2000">
-                <a:latin typeface="Hiragino Kaku Gothic ProN W3" panose="020B0300000000000000" pitchFamily="34" charset="-128"/>
-                <a:ea typeface="Hiragino Kaku Gothic ProN W3" panose="020B0300000000000000" pitchFamily="34" charset="-128"/>
-              </a:rPr>
-              <a:t>自分がしているメイクアップに自信が持てず、不安になってしまう</a:t>
-            </a:r>
-          </a:p>
-          <a:p>
-            <a:pPr lvl="1" fontAlgn="base"/>
-            <a:r>
-              <a:rPr lang="ja-JP" altLang="en-US" sz="2000">
-                <a:latin typeface="Hiragino Kaku Gothic ProN W3" panose="020B0300000000000000" pitchFamily="34" charset="-128"/>
-                <a:ea typeface="Hiragino Kaku Gothic ProN W3" panose="020B0300000000000000" pitchFamily="34" charset="-128"/>
-              </a:rPr>
-              <a:t>メイクアップをどう改善したら良いのか分からない</a:t>
-            </a:r>
-            <a:br>
-              <a:rPr lang="ja-JP" altLang="en-US" sz="2000">
-                <a:latin typeface="Hiragino Kaku Gothic ProN W3" panose="020B0300000000000000" pitchFamily="34" charset="-128"/>
-                <a:ea typeface="Hiragino Kaku Gothic ProN W3" panose="020B0300000000000000" pitchFamily="34" charset="-128"/>
-              </a:rPr>
-            </a:br>
-            <a:br>
-              <a:rPr lang="ja-JP" altLang="en-US" sz="2000">
-                <a:latin typeface="Hiragino Kaku Gothic ProN W3" panose="020B0300000000000000" pitchFamily="34" charset="-128"/>
-                <a:ea typeface="Hiragino Kaku Gothic ProN W3" panose="020B0300000000000000" pitchFamily="34" charset="-128"/>
-              </a:rPr>
-            </a:br>
-            <a:endParaRPr lang="ja-JP" altLang="en-US" sz="2000">
+              <a:t>学習データの違いによる推定の差異の再検討</a:t>
+            </a:r>
+            <a:endParaRPr lang="en-US" altLang="ja-JP" dirty="0">
               <a:latin typeface="Hiragino Kaku Gothic ProN W3" panose="020B0300000000000000" pitchFamily="34" charset="-128"/>
               <a:ea typeface="Hiragino Kaku Gothic ProN W3" panose="020B0300000000000000" pitchFamily="34" charset="-128"/>
             </a:endParaRPr>
@@ -6603,48 +6575,36 @@
                 <a:latin typeface="Hiragino Kaku Gothic ProN W3" panose="020B0300000000000000" pitchFamily="34" charset="-128"/>
                 <a:ea typeface="Hiragino Kaku Gothic ProN W3" panose="020B0300000000000000" pitchFamily="34" charset="-128"/>
               </a:rPr>
-              <a:t>メイクアップの印象を大きく左右する要素としてリップメイクに着目</a:t>
-            </a:r>
-          </a:p>
-          <a:p>
-            <a:pPr fontAlgn="base"/>
-            <a:r>
-              <a:rPr lang="ja-JP" altLang="en-US">
-                <a:latin typeface="Hiragino Kaku Gothic ProN W3" panose="020B0300000000000000" pitchFamily="34" charset="-128"/>
-                <a:ea typeface="Hiragino Kaku Gothic ProN W3" panose="020B0300000000000000" pitchFamily="34" charset="-128"/>
-              </a:rPr>
-              <a:t>人の顔画像から、その人に似合うリップカラーを機械学習で推定・提案するシステムを作成</a:t>
-            </a:r>
-          </a:p>
-          <a:p>
-            <a:pPr lvl="1" fontAlgn="base"/>
-            <a:r>
-              <a:rPr lang="ja-JP" altLang="en-US" sz="2000">
-                <a:latin typeface="Hiragino Kaku Gothic ProN W3" panose="020B0300000000000000" pitchFamily="34" charset="-128"/>
-                <a:ea typeface="Hiragino Kaku Gothic ProN W3" panose="020B0300000000000000" pitchFamily="34" charset="-128"/>
-              </a:rPr>
-              <a:t>似合うと推定されるリップカラーを利用者に提示することで、現在のメイクアップをどう改善すれば良いかの方向性を示すことができる</a:t>
-            </a:r>
-            <a:endParaRPr lang="en-US" altLang="ja-JP" sz="2000" dirty="0">
+              <a:t>システム利用者に合わせた教師データの作成</a:t>
+            </a:r>
+            <a:endParaRPr lang="en-US" altLang="ja-JP" dirty="0">
               <a:latin typeface="Hiragino Kaku Gothic ProN W3" panose="020B0300000000000000" pitchFamily="34" charset="-128"/>
               <a:ea typeface="Hiragino Kaku Gothic ProN W3" panose="020B0300000000000000" pitchFamily="34" charset="-128"/>
             </a:endParaRPr>
           </a:p>
           <a:p>
-            <a:pPr lvl="1" fontAlgn="base"/>
-            <a:r>
-              <a:rPr lang="ja-JP" altLang="en-US" sz="2000">
-                <a:latin typeface="Hiragino Kaku Gothic ProN W3" panose="020B0300000000000000" pitchFamily="34" charset="-128"/>
-                <a:ea typeface="Hiragino Kaku Gothic ProN W3" panose="020B0300000000000000" pitchFamily="34" charset="-128"/>
-              </a:rPr>
-              <a:t>自分が現在使用しているリップカラーと近い色が提示されれば、不安の解消になる</a:t>
-            </a:r>
-          </a:p>
-          <a:p>
-            <a:endParaRPr lang="ja-JP" altLang="en-US">
+            <a:pPr fontAlgn="base"/>
+            <a:r>
+              <a:rPr lang="ja-JP" altLang="en-US">
+                <a:latin typeface="Hiragino Kaku Gothic ProN W3" panose="020B0300000000000000" pitchFamily="34" charset="-128"/>
+                <a:ea typeface="Hiragino Kaku Gothic ProN W3" panose="020B0300000000000000" pitchFamily="34" charset="-128"/>
+              </a:rPr>
+              <a:t>教師データの質の向上</a:t>
+            </a:r>
+            <a:endParaRPr lang="en-US" altLang="ja-JP" dirty="0">
               <a:latin typeface="Hiragino Kaku Gothic ProN W3" panose="020B0300000000000000" pitchFamily="34" charset="-128"/>
               <a:ea typeface="Hiragino Kaku Gothic ProN W3" panose="020B0300000000000000" pitchFamily="34" charset="-128"/>
             </a:endParaRPr>
+          </a:p>
+          <a:p>
+            <a:pPr fontAlgn="base"/>
+            <a:r>
+              <a:rPr lang="ja-JP" altLang="en-US">
+                <a:latin typeface="Hiragino Kaku Gothic ProN W3" panose="020B0300000000000000" pitchFamily="34" charset="-128"/>
+                <a:ea typeface="Hiragino Kaku Gothic ProN W3" panose="020B0300000000000000" pitchFamily="34" charset="-128"/>
+              </a:rPr>
+              <a:t>被験者実験での効果の検証と、アプトプットの形の検討</a:t>
+            </a:r>
           </a:p>
         </p:txBody>
       </p:sp>
@@ -6714,6 +6674,2350 @@
 </file>
 
 <file path=ppt/slides/slide16.xml><?xml version="1.0" encoding="utf-8"?>
+<p:sld xmlns:a="http://schemas.openxmlformats.org/drawingml/2006/main" xmlns:r="http://schemas.openxmlformats.org/officeDocument/2006/relationships" xmlns:p="http://schemas.openxmlformats.org/presentationml/2006/main">
+  <p:cSld>
+    <p:spTree>
+      <p:nvGrpSpPr>
+        <p:cNvPr id="1" name=""/>
+        <p:cNvGrpSpPr/>
+        <p:nvPr/>
+      </p:nvGrpSpPr>
+      <p:grpSpPr>
+        <a:xfrm>
+          <a:off x="0" y="0"/>
+          <a:ext cx="0" cy="0"/>
+          <a:chOff x="0" y="0"/>
+          <a:chExt cx="0" cy="0"/>
+        </a:xfrm>
+      </p:grpSpPr>
+      <p:sp>
+        <p:nvSpPr>
+          <p:cNvPr id="7" name="正方形/長方形 6">
+            <a:extLst>
+              <a:ext uri="{FF2B5EF4-FFF2-40B4-BE49-F238E27FC236}">
+                <a16:creationId xmlns:a16="http://schemas.microsoft.com/office/drawing/2014/main" id="{D98ECB46-E3D4-3A0B-1D69-28EB8A1887F1}"/>
+              </a:ext>
+            </a:extLst>
+          </p:cNvPr>
+          <p:cNvSpPr/>
+          <p:nvPr/>
+        </p:nvSpPr>
+        <p:spPr>
+          <a:xfrm>
+            <a:off x="0" y="-1"/>
+            <a:ext cx="12192000" cy="1077091"/>
+          </a:xfrm>
+          <a:prstGeom prst="rect">
+            <a:avLst/>
+          </a:prstGeom>
+          <a:ln>
+            <a:noFill/>
+          </a:ln>
+        </p:spPr>
+        <p:style>
+          <a:lnRef idx="2">
+            <a:schemeClr val="accent1">
+              <a:shade val="50000"/>
+            </a:schemeClr>
+          </a:lnRef>
+          <a:fillRef idx="1">
+            <a:schemeClr val="accent1"/>
+          </a:fillRef>
+          <a:effectRef idx="0">
+            <a:schemeClr val="accent1"/>
+          </a:effectRef>
+          <a:fontRef idx="minor">
+            <a:schemeClr val="lt1"/>
+          </a:fontRef>
+        </p:style>
+        <p:txBody>
+          <a:bodyPr rtlCol="0" anchor="ctr"/>
+          <a:lstStyle/>
+          <a:p>
+            <a:pPr algn="ctr"/>
+            <a:endParaRPr kumimoji="1" lang="ja-JP" altLang="en-US"/>
+          </a:p>
+        </p:txBody>
+      </p:sp>
+      <p:sp>
+        <p:nvSpPr>
+          <p:cNvPr id="5" name="コンテンツ プレースホルダー 2">
+            <a:extLst>
+              <a:ext uri="{FF2B5EF4-FFF2-40B4-BE49-F238E27FC236}">
+                <a16:creationId xmlns:a16="http://schemas.microsoft.com/office/drawing/2014/main" id="{B040927F-1E6A-C26C-3C46-978E4552B438}"/>
+              </a:ext>
+            </a:extLst>
+          </p:cNvPr>
+          <p:cNvSpPr txBox="1">
+            <a:spLocks/>
+          </p:cNvSpPr>
+          <p:nvPr/>
+        </p:nvSpPr>
+        <p:spPr>
+          <a:xfrm>
+            <a:off x="576043" y="1432140"/>
+            <a:ext cx="11039913" cy="5120640"/>
+          </a:xfrm>
+          <a:prstGeom prst="rect">
+            <a:avLst/>
+          </a:prstGeom>
+        </p:spPr>
+        <p:txBody>
+          <a:bodyPr/>
+          <a:lstStyle>
+            <a:lvl1pPr marL="182880" indent="-182880" algn="l" defTabSz="914400" rtl="0" eaLnBrk="1" latinLnBrk="0" hangingPunct="1">
+              <a:lnSpc>
+                <a:spcPct val="90000"/>
+              </a:lnSpc>
+              <a:spcBef>
+                <a:spcPts val="1200"/>
+              </a:spcBef>
+              <a:buClr>
+                <a:schemeClr val="accent1"/>
+              </a:buClr>
+              <a:buFont typeface="Wingdings 2" pitchFamily="18" charset="2"/>
+              <a:buChar char=""/>
+              <a:defRPr kumimoji="1" sz="2000" kern="1200">
+                <a:solidFill>
+                  <a:schemeClr val="tx1">
+                    <a:lumMod val="65000"/>
+                    <a:lumOff val="35000"/>
+                  </a:schemeClr>
+                </a:solidFill>
+                <a:latin typeface="+mn-lt"/>
+                <a:ea typeface="+mn-ea"/>
+                <a:cs typeface="+mn-cs"/>
+              </a:defRPr>
+            </a:lvl1pPr>
+            <a:lvl2pPr marL="685800" indent="-182880" algn="l" defTabSz="914400" rtl="0" eaLnBrk="1" latinLnBrk="0" hangingPunct="1">
+              <a:lnSpc>
+                <a:spcPct val="90000"/>
+              </a:lnSpc>
+              <a:spcBef>
+                <a:spcPts val="250"/>
+              </a:spcBef>
+              <a:spcAft>
+                <a:spcPts val="250"/>
+              </a:spcAft>
+              <a:buClr>
+                <a:schemeClr val="accent1"/>
+              </a:buClr>
+              <a:buFont typeface="Wingdings 2" pitchFamily="18" charset="2"/>
+              <a:buChar char=""/>
+              <a:defRPr kumimoji="1" sz="1800" kern="1200">
+                <a:solidFill>
+                  <a:schemeClr val="tx1">
+                    <a:lumMod val="65000"/>
+                    <a:lumOff val="35000"/>
+                  </a:schemeClr>
+                </a:solidFill>
+                <a:latin typeface="+mn-lt"/>
+                <a:ea typeface="+mn-ea"/>
+                <a:cs typeface="+mn-cs"/>
+              </a:defRPr>
+            </a:lvl2pPr>
+            <a:lvl3pPr marL="1143000" indent="-182880" algn="l" defTabSz="914400" rtl="0" eaLnBrk="1" latinLnBrk="0" hangingPunct="1">
+              <a:lnSpc>
+                <a:spcPct val="90000"/>
+              </a:lnSpc>
+              <a:spcBef>
+                <a:spcPts val="250"/>
+              </a:spcBef>
+              <a:spcAft>
+                <a:spcPts val="250"/>
+              </a:spcAft>
+              <a:buClr>
+                <a:schemeClr val="accent1"/>
+              </a:buClr>
+              <a:buFont typeface="Wingdings 2" pitchFamily="18" charset="2"/>
+              <a:buChar char=""/>
+              <a:defRPr kumimoji="1" sz="1600" kern="1200">
+                <a:solidFill>
+                  <a:schemeClr val="tx1">
+                    <a:lumMod val="65000"/>
+                    <a:lumOff val="35000"/>
+                  </a:schemeClr>
+                </a:solidFill>
+                <a:latin typeface="+mn-lt"/>
+                <a:ea typeface="+mn-ea"/>
+                <a:cs typeface="+mn-cs"/>
+              </a:defRPr>
+            </a:lvl3pPr>
+            <a:lvl4pPr marL="1600200" indent="-182880" algn="l" defTabSz="914400" rtl="0" eaLnBrk="1" latinLnBrk="0" hangingPunct="1">
+              <a:lnSpc>
+                <a:spcPct val="90000"/>
+              </a:lnSpc>
+              <a:spcBef>
+                <a:spcPts val="250"/>
+              </a:spcBef>
+              <a:spcAft>
+                <a:spcPts val="250"/>
+              </a:spcAft>
+              <a:buClr>
+                <a:schemeClr val="accent1"/>
+              </a:buClr>
+              <a:buFont typeface="Wingdings 2" pitchFamily="18" charset="2"/>
+              <a:buChar char=""/>
+              <a:defRPr kumimoji="1" sz="1400" kern="1200">
+                <a:solidFill>
+                  <a:schemeClr val="tx1">
+                    <a:lumMod val="65000"/>
+                    <a:lumOff val="35000"/>
+                  </a:schemeClr>
+                </a:solidFill>
+                <a:latin typeface="+mn-lt"/>
+                <a:ea typeface="+mn-ea"/>
+                <a:cs typeface="+mn-cs"/>
+              </a:defRPr>
+            </a:lvl4pPr>
+            <a:lvl5pPr marL="2057400" indent="-182880" algn="l" defTabSz="914400" rtl="0" eaLnBrk="1" latinLnBrk="0" hangingPunct="1">
+              <a:lnSpc>
+                <a:spcPct val="90000"/>
+              </a:lnSpc>
+              <a:spcBef>
+                <a:spcPts val="250"/>
+              </a:spcBef>
+              <a:spcAft>
+                <a:spcPts val="250"/>
+              </a:spcAft>
+              <a:buClr>
+                <a:schemeClr val="accent1"/>
+              </a:buClr>
+              <a:buFont typeface="Wingdings 2" pitchFamily="18" charset="2"/>
+              <a:buChar char=""/>
+              <a:defRPr kumimoji="1" sz="1400" kern="1200">
+                <a:solidFill>
+                  <a:schemeClr val="tx1">
+                    <a:lumMod val="65000"/>
+                    <a:lumOff val="35000"/>
+                  </a:schemeClr>
+                </a:solidFill>
+                <a:latin typeface="+mn-lt"/>
+                <a:ea typeface="+mn-ea"/>
+                <a:cs typeface="+mn-cs"/>
+              </a:defRPr>
+            </a:lvl5pPr>
+            <a:lvl6pPr marL="2514600" indent="-228600" algn="l" defTabSz="914400" rtl="0" eaLnBrk="1" latinLnBrk="0" hangingPunct="1">
+              <a:lnSpc>
+                <a:spcPct val="90000"/>
+              </a:lnSpc>
+              <a:spcBef>
+                <a:spcPts val="250"/>
+              </a:spcBef>
+              <a:spcAft>
+                <a:spcPts val="250"/>
+              </a:spcAft>
+              <a:buClr>
+                <a:schemeClr val="accent1"/>
+              </a:buClr>
+              <a:buFont typeface="Wingdings 2" pitchFamily="18" charset="2"/>
+              <a:buChar char=""/>
+              <a:defRPr kumimoji="1" sz="1400" kern="1200">
+                <a:solidFill>
+                  <a:schemeClr val="tx1">
+                    <a:lumMod val="65000"/>
+                    <a:lumOff val="35000"/>
+                  </a:schemeClr>
+                </a:solidFill>
+                <a:latin typeface="+mn-lt"/>
+                <a:ea typeface="+mn-ea"/>
+                <a:cs typeface="+mn-cs"/>
+              </a:defRPr>
+            </a:lvl6pPr>
+            <a:lvl7pPr marL="2971800" indent="-228600" algn="l" defTabSz="914400" rtl="0" eaLnBrk="1" latinLnBrk="0" hangingPunct="1">
+              <a:lnSpc>
+                <a:spcPct val="90000"/>
+              </a:lnSpc>
+              <a:spcBef>
+                <a:spcPts val="250"/>
+              </a:spcBef>
+              <a:spcAft>
+                <a:spcPts val="250"/>
+              </a:spcAft>
+              <a:buClr>
+                <a:schemeClr val="accent1"/>
+              </a:buClr>
+              <a:buFont typeface="Wingdings 2" pitchFamily="18" charset="2"/>
+              <a:buChar char=""/>
+              <a:defRPr kumimoji="1" sz="1400" kern="1200">
+                <a:solidFill>
+                  <a:schemeClr val="tx1">
+                    <a:lumMod val="65000"/>
+                    <a:lumOff val="35000"/>
+                  </a:schemeClr>
+                </a:solidFill>
+                <a:latin typeface="+mn-lt"/>
+                <a:ea typeface="+mn-ea"/>
+                <a:cs typeface="+mn-cs"/>
+              </a:defRPr>
+            </a:lvl7pPr>
+            <a:lvl8pPr marL="3429000" indent="-228600" algn="l" defTabSz="914400" rtl="0" eaLnBrk="1" latinLnBrk="0" hangingPunct="1">
+              <a:lnSpc>
+                <a:spcPct val="90000"/>
+              </a:lnSpc>
+              <a:spcBef>
+                <a:spcPts val="250"/>
+              </a:spcBef>
+              <a:spcAft>
+                <a:spcPts val="250"/>
+              </a:spcAft>
+              <a:buClr>
+                <a:schemeClr val="accent1"/>
+              </a:buClr>
+              <a:buFont typeface="Wingdings 2" pitchFamily="18" charset="2"/>
+              <a:buChar char=""/>
+              <a:defRPr kumimoji="1" sz="1400" kern="1200">
+                <a:solidFill>
+                  <a:schemeClr val="tx1">
+                    <a:lumMod val="65000"/>
+                    <a:lumOff val="35000"/>
+                  </a:schemeClr>
+                </a:solidFill>
+                <a:latin typeface="+mn-lt"/>
+                <a:ea typeface="+mn-ea"/>
+                <a:cs typeface="+mn-cs"/>
+              </a:defRPr>
+            </a:lvl8pPr>
+            <a:lvl9pPr marL="3886200" indent="-228600" algn="l" defTabSz="914400" rtl="0" eaLnBrk="1" latinLnBrk="0" hangingPunct="1">
+              <a:lnSpc>
+                <a:spcPct val="90000"/>
+              </a:lnSpc>
+              <a:spcBef>
+                <a:spcPts val="250"/>
+              </a:spcBef>
+              <a:spcAft>
+                <a:spcPts val="250"/>
+              </a:spcAft>
+              <a:buClr>
+                <a:schemeClr val="accent1"/>
+              </a:buClr>
+              <a:buFont typeface="Wingdings 2" pitchFamily="18" charset="2"/>
+              <a:buChar char=""/>
+              <a:defRPr kumimoji="1" sz="1400" kern="1200">
+                <a:solidFill>
+                  <a:schemeClr val="tx1">
+                    <a:lumMod val="65000"/>
+                    <a:lumOff val="35000"/>
+                  </a:schemeClr>
+                </a:solidFill>
+                <a:latin typeface="+mn-lt"/>
+                <a:ea typeface="+mn-ea"/>
+                <a:cs typeface="+mn-cs"/>
+              </a:defRPr>
+            </a:lvl9pPr>
+          </a:lstStyle>
+          <a:p>
+            <a:pPr fontAlgn="base"/>
+            <a:r>
+              <a:rPr lang="ja-JP" altLang="en-US">
+                <a:latin typeface="Hiragino Kaku Gothic ProN W3" panose="020B0300000000000000" pitchFamily="34" charset="-128"/>
+                <a:ea typeface="Hiragino Kaku Gothic ProN W3" panose="020B0300000000000000" pitchFamily="34" charset="-128"/>
+              </a:rPr>
+              <a:t>学習データの違いによる推定の差異の再検討</a:t>
+            </a:r>
+            <a:endParaRPr lang="en-US" altLang="ja-JP" dirty="0">
+              <a:latin typeface="Hiragino Kaku Gothic ProN W3" panose="020B0300000000000000" pitchFamily="34" charset="-128"/>
+              <a:ea typeface="Hiragino Kaku Gothic ProN W3" panose="020B0300000000000000" pitchFamily="34" charset="-128"/>
+            </a:endParaRPr>
+          </a:p>
+          <a:p>
+            <a:pPr fontAlgn="base"/>
+            <a:r>
+              <a:rPr lang="ja-JP" altLang="en-US">
+                <a:latin typeface="Hiragino Kaku Gothic ProN W3" panose="020B0300000000000000" pitchFamily="34" charset="-128"/>
+                <a:ea typeface="Hiragino Kaku Gothic ProN W3" panose="020B0300000000000000" pitchFamily="34" charset="-128"/>
+              </a:rPr>
+              <a:t>システム利用者に合わせた教師データの作成</a:t>
+            </a:r>
+            <a:endParaRPr lang="en-US" altLang="ja-JP" dirty="0">
+              <a:latin typeface="Hiragino Kaku Gothic ProN W3" panose="020B0300000000000000" pitchFamily="34" charset="-128"/>
+              <a:ea typeface="Hiragino Kaku Gothic ProN W3" panose="020B0300000000000000" pitchFamily="34" charset="-128"/>
+            </a:endParaRPr>
+          </a:p>
+          <a:p>
+            <a:pPr fontAlgn="base"/>
+            <a:r>
+              <a:rPr lang="ja-JP" altLang="en-US">
+                <a:latin typeface="Hiragino Kaku Gothic ProN W3" panose="020B0300000000000000" pitchFamily="34" charset="-128"/>
+                <a:ea typeface="Hiragino Kaku Gothic ProN W3" panose="020B0300000000000000" pitchFamily="34" charset="-128"/>
+              </a:rPr>
+              <a:t>教師データの質の向上</a:t>
+            </a:r>
+            <a:endParaRPr lang="en-US" altLang="ja-JP" dirty="0">
+              <a:latin typeface="Hiragino Kaku Gothic ProN W3" panose="020B0300000000000000" pitchFamily="34" charset="-128"/>
+              <a:ea typeface="Hiragino Kaku Gothic ProN W3" panose="020B0300000000000000" pitchFamily="34" charset="-128"/>
+            </a:endParaRPr>
+          </a:p>
+          <a:p>
+            <a:pPr fontAlgn="base"/>
+            <a:r>
+              <a:rPr lang="ja-JP" altLang="en-US">
+                <a:latin typeface="Hiragino Kaku Gothic ProN W3" panose="020B0300000000000000" pitchFamily="34" charset="-128"/>
+                <a:ea typeface="Hiragino Kaku Gothic ProN W3" panose="020B0300000000000000" pitchFamily="34" charset="-128"/>
+              </a:rPr>
+              <a:t>被験者実験での効果の検証と、アプトプットの形の検討</a:t>
+            </a:r>
+          </a:p>
+        </p:txBody>
+      </p:sp>
+      <p:sp>
+        <p:nvSpPr>
+          <p:cNvPr id="6" name="タイトル 1">
+            <a:extLst>
+              <a:ext uri="{FF2B5EF4-FFF2-40B4-BE49-F238E27FC236}">
+                <a16:creationId xmlns:a16="http://schemas.microsoft.com/office/drawing/2014/main" id="{45A7B92C-AE3D-91D6-227C-099A94786625}"/>
+              </a:ext>
+            </a:extLst>
+          </p:cNvPr>
+          <p:cNvSpPr txBox="1">
+            <a:spLocks/>
+          </p:cNvSpPr>
+          <p:nvPr/>
+        </p:nvSpPr>
+        <p:spPr>
+          <a:xfrm>
+            <a:off x="252918" y="320508"/>
+            <a:ext cx="10215385" cy="771870"/>
+          </a:xfrm>
+          <a:prstGeom prst="rect">
+            <a:avLst/>
+          </a:prstGeom>
+        </p:spPr>
+        <p:txBody>
+          <a:bodyPr/>
+          <a:lstStyle>
+            <a:lvl1pPr algn="l" defTabSz="914400" rtl="0" eaLnBrk="1" latinLnBrk="0" hangingPunct="1">
+              <a:lnSpc>
+                <a:spcPct val="90000"/>
+              </a:lnSpc>
+              <a:spcBef>
+                <a:spcPct val="0"/>
+              </a:spcBef>
+              <a:buNone/>
+              <a:defRPr kumimoji="1" sz="3600" kern="1200" spc="-60" baseline="0">
+                <a:solidFill>
+                  <a:srgbClr val="FFFFFF"/>
+                </a:solidFill>
+                <a:latin typeface="+mj-lt"/>
+                <a:ea typeface="+mj-ea"/>
+                <a:cs typeface="+mj-cs"/>
+              </a:defRPr>
+            </a:lvl1pPr>
+          </a:lstStyle>
+          <a:p>
+            <a:r>
+              <a:rPr lang="ja-JP" altLang="en-US"/>
+              <a:t>①</a:t>
+            </a:r>
+            <a:r>
+              <a:rPr lang="ja-JP" altLang="en-US">
+                <a:latin typeface="Hiragino Kaku Gothic ProN W3" panose="020B0300000000000000" pitchFamily="34" charset="-128"/>
+                <a:ea typeface="Hiragino Kaku Gothic ProN W3" panose="020B0300000000000000" pitchFamily="34" charset="-128"/>
+              </a:rPr>
+              <a:t>学習データの違いによる推定の差異の再検討</a:t>
+            </a:r>
+            <a:endParaRPr lang="en-US" altLang="ja-JP" dirty="0">
+              <a:latin typeface="Hiragino Kaku Gothic ProN W3" panose="020B0300000000000000" pitchFamily="34" charset="-128"/>
+              <a:ea typeface="Hiragino Kaku Gothic ProN W3" panose="020B0300000000000000" pitchFamily="34" charset="-128"/>
+            </a:endParaRPr>
+          </a:p>
+          <a:p>
+            <a:endParaRPr lang="ja-JP" altLang="en-US"/>
+          </a:p>
+        </p:txBody>
+      </p:sp>
+    </p:spTree>
+    <p:extLst>
+      <p:ext uri="{BB962C8B-B14F-4D97-AF65-F5344CB8AC3E}">
+        <p14:creationId xmlns:p14="http://schemas.microsoft.com/office/powerpoint/2010/main" val="2810340915"/>
+      </p:ext>
+    </p:extLst>
+  </p:cSld>
+  <p:clrMapOvr>
+    <a:masterClrMapping/>
+  </p:clrMapOvr>
+</p:sld>
+</file>
+
+<file path=ppt/slides/slide17.xml><?xml version="1.0" encoding="utf-8"?>
+<p:sld xmlns:a="http://schemas.openxmlformats.org/drawingml/2006/main" xmlns:r="http://schemas.openxmlformats.org/officeDocument/2006/relationships" xmlns:p="http://schemas.openxmlformats.org/presentationml/2006/main">
+  <p:cSld>
+    <p:spTree>
+      <p:nvGrpSpPr>
+        <p:cNvPr id="1" name=""/>
+        <p:cNvGrpSpPr/>
+        <p:nvPr/>
+      </p:nvGrpSpPr>
+      <p:grpSpPr>
+        <a:xfrm>
+          <a:off x="0" y="0"/>
+          <a:ext cx="0" cy="0"/>
+          <a:chOff x="0" y="0"/>
+          <a:chExt cx="0" cy="0"/>
+        </a:xfrm>
+      </p:grpSpPr>
+      <p:sp>
+        <p:nvSpPr>
+          <p:cNvPr id="7" name="正方形/長方形 6">
+            <a:extLst>
+              <a:ext uri="{FF2B5EF4-FFF2-40B4-BE49-F238E27FC236}">
+                <a16:creationId xmlns:a16="http://schemas.microsoft.com/office/drawing/2014/main" id="{D98ECB46-E3D4-3A0B-1D69-28EB8A1887F1}"/>
+              </a:ext>
+            </a:extLst>
+          </p:cNvPr>
+          <p:cNvSpPr/>
+          <p:nvPr/>
+        </p:nvSpPr>
+        <p:spPr>
+          <a:xfrm>
+            <a:off x="0" y="-1"/>
+            <a:ext cx="12192000" cy="1077091"/>
+          </a:xfrm>
+          <a:prstGeom prst="rect">
+            <a:avLst/>
+          </a:prstGeom>
+          <a:ln>
+            <a:noFill/>
+          </a:ln>
+        </p:spPr>
+        <p:style>
+          <a:lnRef idx="2">
+            <a:schemeClr val="accent1">
+              <a:shade val="50000"/>
+            </a:schemeClr>
+          </a:lnRef>
+          <a:fillRef idx="1">
+            <a:schemeClr val="accent1"/>
+          </a:fillRef>
+          <a:effectRef idx="0">
+            <a:schemeClr val="accent1"/>
+          </a:effectRef>
+          <a:fontRef idx="minor">
+            <a:schemeClr val="lt1"/>
+          </a:fontRef>
+        </p:style>
+        <p:txBody>
+          <a:bodyPr rtlCol="0" anchor="ctr"/>
+          <a:lstStyle/>
+          <a:p>
+            <a:pPr algn="ctr"/>
+            <a:endParaRPr kumimoji="1" lang="ja-JP" altLang="en-US"/>
+          </a:p>
+        </p:txBody>
+      </p:sp>
+      <p:sp>
+        <p:nvSpPr>
+          <p:cNvPr id="5" name="コンテンツ プレースホルダー 2">
+            <a:extLst>
+              <a:ext uri="{FF2B5EF4-FFF2-40B4-BE49-F238E27FC236}">
+                <a16:creationId xmlns:a16="http://schemas.microsoft.com/office/drawing/2014/main" id="{B040927F-1E6A-C26C-3C46-978E4552B438}"/>
+              </a:ext>
+            </a:extLst>
+          </p:cNvPr>
+          <p:cNvSpPr txBox="1">
+            <a:spLocks/>
+          </p:cNvSpPr>
+          <p:nvPr/>
+        </p:nvSpPr>
+        <p:spPr>
+          <a:xfrm>
+            <a:off x="576043" y="1432140"/>
+            <a:ext cx="11039913" cy="5120640"/>
+          </a:xfrm>
+          <a:prstGeom prst="rect">
+            <a:avLst/>
+          </a:prstGeom>
+        </p:spPr>
+        <p:txBody>
+          <a:bodyPr/>
+          <a:lstStyle>
+            <a:lvl1pPr marL="182880" indent="-182880" algn="l" defTabSz="914400" rtl="0" eaLnBrk="1" latinLnBrk="0" hangingPunct="1">
+              <a:lnSpc>
+                <a:spcPct val="90000"/>
+              </a:lnSpc>
+              <a:spcBef>
+                <a:spcPts val="1200"/>
+              </a:spcBef>
+              <a:buClr>
+                <a:schemeClr val="accent1"/>
+              </a:buClr>
+              <a:buFont typeface="Wingdings 2" pitchFamily="18" charset="2"/>
+              <a:buChar char=""/>
+              <a:defRPr kumimoji="1" sz="2000" kern="1200">
+                <a:solidFill>
+                  <a:schemeClr val="tx1">
+                    <a:lumMod val="65000"/>
+                    <a:lumOff val="35000"/>
+                  </a:schemeClr>
+                </a:solidFill>
+                <a:latin typeface="+mn-lt"/>
+                <a:ea typeface="+mn-ea"/>
+                <a:cs typeface="+mn-cs"/>
+              </a:defRPr>
+            </a:lvl1pPr>
+            <a:lvl2pPr marL="685800" indent="-182880" algn="l" defTabSz="914400" rtl="0" eaLnBrk="1" latinLnBrk="0" hangingPunct="1">
+              <a:lnSpc>
+                <a:spcPct val="90000"/>
+              </a:lnSpc>
+              <a:spcBef>
+                <a:spcPts val="250"/>
+              </a:spcBef>
+              <a:spcAft>
+                <a:spcPts val="250"/>
+              </a:spcAft>
+              <a:buClr>
+                <a:schemeClr val="accent1"/>
+              </a:buClr>
+              <a:buFont typeface="Wingdings 2" pitchFamily="18" charset="2"/>
+              <a:buChar char=""/>
+              <a:defRPr kumimoji="1" sz="1800" kern="1200">
+                <a:solidFill>
+                  <a:schemeClr val="tx1">
+                    <a:lumMod val="65000"/>
+                    <a:lumOff val="35000"/>
+                  </a:schemeClr>
+                </a:solidFill>
+                <a:latin typeface="+mn-lt"/>
+                <a:ea typeface="+mn-ea"/>
+                <a:cs typeface="+mn-cs"/>
+              </a:defRPr>
+            </a:lvl2pPr>
+            <a:lvl3pPr marL="1143000" indent="-182880" algn="l" defTabSz="914400" rtl="0" eaLnBrk="1" latinLnBrk="0" hangingPunct="1">
+              <a:lnSpc>
+                <a:spcPct val="90000"/>
+              </a:lnSpc>
+              <a:spcBef>
+                <a:spcPts val="250"/>
+              </a:spcBef>
+              <a:spcAft>
+                <a:spcPts val="250"/>
+              </a:spcAft>
+              <a:buClr>
+                <a:schemeClr val="accent1"/>
+              </a:buClr>
+              <a:buFont typeface="Wingdings 2" pitchFamily="18" charset="2"/>
+              <a:buChar char=""/>
+              <a:defRPr kumimoji="1" sz="1600" kern="1200">
+                <a:solidFill>
+                  <a:schemeClr val="tx1">
+                    <a:lumMod val="65000"/>
+                    <a:lumOff val="35000"/>
+                  </a:schemeClr>
+                </a:solidFill>
+                <a:latin typeface="+mn-lt"/>
+                <a:ea typeface="+mn-ea"/>
+                <a:cs typeface="+mn-cs"/>
+              </a:defRPr>
+            </a:lvl3pPr>
+            <a:lvl4pPr marL="1600200" indent="-182880" algn="l" defTabSz="914400" rtl="0" eaLnBrk="1" latinLnBrk="0" hangingPunct="1">
+              <a:lnSpc>
+                <a:spcPct val="90000"/>
+              </a:lnSpc>
+              <a:spcBef>
+                <a:spcPts val="250"/>
+              </a:spcBef>
+              <a:spcAft>
+                <a:spcPts val="250"/>
+              </a:spcAft>
+              <a:buClr>
+                <a:schemeClr val="accent1"/>
+              </a:buClr>
+              <a:buFont typeface="Wingdings 2" pitchFamily="18" charset="2"/>
+              <a:buChar char=""/>
+              <a:defRPr kumimoji="1" sz="1400" kern="1200">
+                <a:solidFill>
+                  <a:schemeClr val="tx1">
+                    <a:lumMod val="65000"/>
+                    <a:lumOff val="35000"/>
+                  </a:schemeClr>
+                </a:solidFill>
+                <a:latin typeface="+mn-lt"/>
+                <a:ea typeface="+mn-ea"/>
+                <a:cs typeface="+mn-cs"/>
+              </a:defRPr>
+            </a:lvl4pPr>
+            <a:lvl5pPr marL="2057400" indent="-182880" algn="l" defTabSz="914400" rtl="0" eaLnBrk="1" latinLnBrk="0" hangingPunct="1">
+              <a:lnSpc>
+                <a:spcPct val="90000"/>
+              </a:lnSpc>
+              <a:spcBef>
+                <a:spcPts val="250"/>
+              </a:spcBef>
+              <a:spcAft>
+                <a:spcPts val="250"/>
+              </a:spcAft>
+              <a:buClr>
+                <a:schemeClr val="accent1"/>
+              </a:buClr>
+              <a:buFont typeface="Wingdings 2" pitchFamily="18" charset="2"/>
+              <a:buChar char=""/>
+              <a:defRPr kumimoji="1" sz="1400" kern="1200">
+                <a:solidFill>
+                  <a:schemeClr val="tx1">
+                    <a:lumMod val="65000"/>
+                    <a:lumOff val="35000"/>
+                  </a:schemeClr>
+                </a:solidFill>
+                <a:latin typeface="+mn-lt"/>
+                <a:ea typeface="+mn-ea"/>
+                <a:cs typeface="+mn-cs"/>
+              </a:defRPr>
+            </a:lvl5pPr>
+            <a:lvl6pPr marL="2514600" indent="-228600" algn="l" defTabSz="914400" rtl="0" eaLnBrk="1" latinLnBrk="0" hangingPunct="1">
+              <a:lnSpc>
+                <a:spcPct val="90000"/>
+              </a:lnSpc>
+              <a:spcBef>
+                <a:spcPts val="250"/>
+              </a:spcBef>
+              <a:spcAft>
+                <a:spcPts val="250"/>
+              </a:spcAft>
+              <a:buClr>
+                <a:schemeClr val="accent1"/>
+              </a:buClr>
+              <a:buFont typeface="Wingdings 2" pitchFamily="18" charset="2"/>
+              <a:buChar char=""/>
+              <a:defRPr kumimoji="1" sz="1400" kern="1200">
+                <a:solidFill>
+                  <a:schemeClr val="tx1">
+                    <a:lumMod val="65000"/>
+                    <a:lumOff val="35000"/>
+                  </a:schemeClr>
+                </a:solidFill>
+                <a:latin typeface="+mn-lt"/>
+                <a:ea typeface="+mn-ea"/>
+                <a:cs typeface="+mn-cs"/>
+              </a:defRPr>
+            </a:lvl6pPr>
+            <a:lvl7pPr marL="2971800" indent="-228600" algn="l" defTabSz="914400" rtl="0" eaLnBrk="1" latinLnBrk="0" hangingPunct="1">
+              <a:lnSpc>
+                <a:spcPct val="90000"/>
+              </a:lnSpc>
+              <a:spcBef>
+                <a:spcPts val="250"/>
+              </a:spcBef>
+              <a:spcAft>
+                <a:spcPts val="250"/>
+              </a:spcAft>
+              <a:buClr>
+                <a:schemeClr val="accent1"/>
+              </a:buClr>
+              <a:buFont typeface="Wingdings 2" pitchFamily="18" charset="2"/>
+              <a:buChar char=""/>
+              <a:defRPr kumimoji="1" sz="1400" kern="1200">
+                <a:solidFill>
+                  <a:schemeClr val="tx1">
+                    <a:lumMod val="65000"/>
+                    <a:lumOff val="35000"/>
+                  </a:schemeClr>
+                </a:solidFill>
+                <a:latin typeface="+mn-lt"/>
+                <a:ea typeface="+mn-ea"/>
+                <a:cs typeface="+mn-cs"/>
+              </a:defRPr>
+            </a:lvl7pPr>
+            <a:lvl8pPr marL="3429000" indent="-228600" algn="l" defTabSz="914400" rtl="0" eaLnBrk="1" latinLnBrk="0" hangingPunct="1">
+              <a:lnSpc>
+                <a:spcPct val="90000"/>
+              </a:lnSpc>
+              <a:spcBef>
+                <a:spcPts val="250"/>
+              </a:spcBef>
+              <a:spcAft>
+                <a:spcPts val="250"/>
+              </a:spcAft>
+              <a:buClr>
+                <a:schemeClr val="accent1"/>
+              </a:buClr>
+              <a:buFont typeface="Wingdings 2" pitchFamily="18" charset="2"/>
+              <a:buChar char=""/>
+              <a:defRPr kumimoji="1" sz="1400" kern="1200">
+                <a:solidFill>
+                  <a:schemeClr val="tx1">
+                    <a:lumMod val="65000"/>
+                    <a:lumOff val="35000"/>
+                  </a:schemeClr>
+                </a:solidFill>
+                <a:latin typeface="+mn-lt"/>
+                <a:ea typeface="+mn-ea"/>
+                <a:cs typeface="+mn-cs"/>
+              </a:defRPr>
+            </a:lvl8pPr>
+            <a:lvl9pPr marL="3886200" indent="-228600" algn="l" defTabSz="914400" rtl="0" eaLnBrk="1" latinLnBrk="0" hangingPunct="1">
+              <a:lnSpc>
+                <a:spcPct val="90000"/>
+              </a:lnSpc>
+              <a:spcBef>
+                <a:spcPts val="250"/>
+              </a:spcBef>
+              <a:spcAft>
+                <a:spcPts val="250"/>
+              </a:spcAft>
+              <a:buClr>
+                <a:schemeClr val="accent1"/>
+              </a:buClr>
+              <a:buFont typeface="Wingdings 2" pitchFamily="18" charset="2"/>
+              <a:buChar char=""/>
+              <a:defRPr kumimoji="1" sz="1400" kern="1200">
+                <a:solidFill>
+                  <a:schemeClr val="tx1">
+                    <a:lumMod val="65000"/>
+                    <a:lumOff val="35000"/>
+                  </a:schemeClr>
+                </a:solidFill>
+                <a:latin typeface="+mn-lt"/>
+                <a:ea typeface="+mn-ea"/>
+                <a:cs typeface="+mn-cs"/>
+              </a:defRPr>
+            </a:lvl9pPr>
+          </a:lstStyle>
+          <a:p>
+            <a:pPr fontAlgn="base"/>
+            <a:r>
+              <a:rPr lang="ja-JP" altLang="en-US">
+                <a:latin typeface="Hiragino Kaku Gothic ProN W3" panose="020B0300000000000000" pitchFamily="34" charset="-128"/>
+                <a:ea typeface="Hiragino Kaku Gothic ProN W3" panose="020B0300000000000000" pitchFamily="34" charset="-128"/>
+              </a:rPr>
+              <a:t>学習データの違いによる推定の差異の再検討</a:t>
+            </a:r>
+            <a:endParaRPr lang="en-US" altLang="ja-JP" dirty="0">
+              <a:latin typeface="Hiragino Kaku Gothic ProN W3" panose="020B0300000000000000" pitchFamily="34" charset="-128"/>
+              <a:ea typeface="Hiragino Kaku Gothic ProN W3" panose="020B0300000000000000" pitchFamily="34" charset="-128"/>
+            </a:endParaRPr>
+          </a:p>
+          <a:p>
+            <a:pPr fontAlgn="base"/>
+            <a:r>
+              <a:rPr lang="ja-JP" altLang="en-US">
+                <a:latin typeface="Hiragino Kaku Gothic ProN W3" panose="020B0300000000000000" pitchFamily="34" charset="-128"/>
+                <a:ea typeface="Hiragino Kaku Gothic ProN W3" panose="020B0300000000000000" pitchFamily="34" charset="-128"/>
+              </a:rPr>
+              <a:t>システム利用者に合わせた教師データの作成</a:t>
+            </a:r>
+            <a:endParaRPr lang="en-US" altLang="ja-JP" dirty="0">
+              <a:latin typeface="Hiragino Kaku Gothic ProN W3" panose="020B0300000000000000" pitchFamily="34" charset="-128"/>
+              <a:ea typeface="Hiragino Kaku Gothic ProN W3" panose="020B0300000000000000" pitchFamily="34" charset="-128"/>
+            </a:endParaRPr>
+          </a:p>
+          <a:p>
+            <a:pPr fontAlgn="base"/>
+            <a:r>
+              <a:rPr lang="ja-JP" altLang="en-US">
+                <a:latin typeface="Hiragino Kaku Gothic ProN W3" panose="020B0300000000000000" pitchFamily="34" charset="-128"/>
+                <a:ea typeface="Hiragino Kaku Gothic ProN W3" panose="020B0300000000000000" pitchFamily="34" charset="-128"/>
+              </a:rPr>
+              <a:t>教師データの質の向上</a:t>
+            </a:r>
+            <a:endParaRPr lang="en-US" altLang="ja-JP" dirty="0">
+              <a:latin typeface="Hiragino Kaku Gothic ProN W3" panose="020B0300000000000000" pitchFamily="34" charset="-128"/>
+              <a:ea typeface="Hiragino Kaku Gothic ProN W3" panose="020B0300000000000000" pitchFamily="34" charset="-128"/>
+            </a:endParaRPr>
+          </a:p>
+          <a:p>
+            <a:pPr fontAlgn="base"/>
+            <a:r>
+              <a:rPr lang="ja-JP" altLang="en-US">
+                <a:latin typeface="Hiragino Kaku Gothic ProN W3" panose="020B0300000000000000" pitchFamily="34" charset="-128"/>
+                <a:ea typeface="Hiragino Kaku Gothic ProN W3" panose="020B0300000000000000" pitchFamily="34" charset="-128"/>
+              </a:rPr>
+              <a:t>被験者実験での効果の検証と、アプトプットの形の検討</a:t>
+            </a:r>
+          </a:p>
+        </p:txBody>
+      </p:sp>
+      <p:sp>
+        <p:nvSpPr>
+          <p:cNvPr id="6" name="タイトル 1">
+            <a:extLst>
+              <a:ext uri="{FF2B5EF4-FFF2-40B4-BE49-F238E27FC236}">
+                <a16:creationId xmlns:a16="http://schemas.microsoft.com/office/drawing/2014/main" id="{45A7B92C-AE3D-91D6-227C-099A94786625}"/>
+              </a:ext>
+            </a:extLst>
+          </p:cNvPr>
+          <p:cNvSpPr txBox="1">
+            <a:spLocks/>
+          </p:cNvSpPr>
+          <p:nvPr/>
+        </p:nvSpPr>
+        <p:spPr>
+          <a:xfrm>
+            <a:off x="252918" y="320508"/>
+            <a:ext cx="10015689" cy="771870"/>
+          </a:xfrm>
+          <a:prstGeom prst="rect">
+            <a:avLst/>
+          </a:prstGeom>
+        </p:spPr>
+        <p:txBody>
+          <a:bodyPr/>
+          <a:lstStyle>
+            <a:lvl1pPr algn="l" defTabSz="914400" rtl="0" eaLnBrk="1" latinLnBrk="0" hangingPunct="1">
+              <a:lnSpc>
+                <a:spcPct val="90000"/>
+              </a:lnSpc>
+              <a:spcBef>
+                <a:spcPct val="0"/>
+              </a:spcBef>
+              <a:buNone/>
+              <a:defRPr kumimoji="1" sz="3600" kern="1200" spc="-60" baseline="0">
+                <a:solidFill>
+                  <a:srgbClr val="FFFFFF"/>
+                </a:solidFill>
+                <a:latin typeface="+mj-lt"/>
+                <a:ea typeface="+mj-ea"/>
+                <a:cs typeface="+mj-cs"/>
+              </a:defRPr>
+            </a:lvl1pPr>
+          </a:lstStyle>
+          <a:p>
+            <a:r>
+              <a:rPr lang="ja-JP" altLang="en-US"/>
+              <a:t>②</a:t>
+            </a:r>
+            <a:r>
+              <a:rPr lang="ja-JP" altLang="en-US">
+                <a:latin typeface="Hiragino Kaku Gothic ProN W3" panose="020B0300000000000000" pitchFamily="34" charset="-128"/>
+                <a:ea typeface="Hiragino Kaku Gothic ProN W3" panose="020B0300000000000000" pitchFamily="34" charset="-128"/>
+              </a:rPr>
+              <a:t>システム利用者に合わせた教師データの作成</a:t>
+            </a:r>
+            <a:endParaRPr lang="en-US" altLang="ja-JP" dirty="0">
+              <a:latin typeface="Hiragino Kaku Gothic ProN W3" panose="020B0300000000000000" pitchFamily="34" charset="-128"/>
+              <a:ea typeface="Hiragino Kaku Gothic ProN W3" panose="020B0300000000000000" pitchFamily="34" charset="-128"/>
+            </a:endParaRPr>
+          </a:p>
+          <a:p>
+            <a:endParaRPr lang="ja-JP" altLang="en-US"/>
+          </a:p>
+        </p:txBody>
+      </p:sp>
+    </p:spTree>
+    <p:extLst>
+      <p:ext uri="{BB962C8B-B14F-4D97-AF65-F5344CB8AC3E}">
+        <p14:creationId xmlns:p14="http://schemas.microsoft.com/office/powerpoint/2010/main" val="824329744"/>
+      </p:ext>
+    </p:extLst>
+  </p:cSld>
+  <p:clrMapOvr>
+    <a:masterClrMapping/>
+  </p:clrMapOvr>
+</p:sld>
+</file>
+
+<file path=ppt/slides/slide18.xml><?xml version="1.0" encoding="utf-8"?>
+<p:sld xmlns:a="http://schemas.openxmlformats.org/drawingml/2006/main" xmlns:r="http://schemas.openxmlformats.org/officeDocument/2006/relationships" xmlns:p="http://schemas.openxmlformats.org/presentationml/2006/main">
+  <p:cSld>
+    <p:spTree>
+      <p:nvGrpSpPr>
+        <p:cNvPr id="1" name=""/>
+        <p:cNvGrpSpPr/>
+        <p:nvPr/>
+      </p:nvGrpSpPr>
+      <p:grpSpPr>
+        <a:xfrm>
+          <a:off x="0" y="0"/>
+          <a:ext cx="0" cy="0"/>
+          <a:chOff x="0" y="0"/>
+          <a:chExt cx="0" cy="0"/>
+        </a:xfrm>
+      </p:grpSpPr>
+      <p:sp>
+        <p:nvSpPr>
+          <p:cNvPr id="7" name="正方形/長方形 6">
+            <a:extLst>
+              <a:ext uri="{FF2B5EF4-FFF2-40B4-BE49-F238E27FC236}">
+                <a16:creationId xmlns:a16="http://schemas.microsoft.com/office/drawing/2014/main" id="{D98ECB46-E3D4-3A0B-1D69-28EB8A1887F1}"/>
+              </a:ext>
+            </a:extLst>
+          </p:cNvPr>
+          <p:cNvSpPr/>
+          <p:nvPr/>
+        </p:nvSpPr>
+        <p:spPr>
+          <a:xfrm>
+            <a:off x="0" y="-1"/>
+            <a:ext cx="12192000" cy="1077091"/>
+          </a:xfrm>
+          <a:prstGeom prst="rect">
+            <a:avLst/>
+          </a:prstGeom>
+          <a:ln>
+            <a:noFill/>
+          </a:ln>
+        </p:spPr>
+        <p:style>
+          <a:lnRef idx="2">
+            <a:schemeClr val="accent1">
+              <a:shade val="50000"/>
+            </a:schemeClr>
+          </a:lnRef>
+          <a:fillRef idx="1">
+            <a:schemeClr val="accent1"/>
+          </a:fillRef>
+          <a:effectRef idx="0">
+            <a:schemeClr val="accent1"/>
+          </a:effectRef>
+          <a:fontRef idx="minor">
+            <a:schemeClr val="lt1"/>
+          </a:fontRef>
+        </p:style>
+        <p:txBody>
+          <a:bodyPr rtlCol="0" anchor="ctr"/>
+          <a:lstStyle/>
+          <a:p>
+            <a:pPr algn="ctr"/>
+            <a:endParaRPr kumimoji="1" lang="ja-JP" altLang="en-US"/>
+          </a:p>
+        </p:txBody>
+      </p:sp>
+      <p:sp>
+        <p:nvSpPr>
+          <p:cNvPr id="5" name="コンテンツ プレースホルダー 2">
+            <a:extLst>
+              <a:ext uri="{FF2B5EF4-FFF2-40B4-BE49-F238E27FC236}">
+                <a16:creationId xmlns:a16="http://schemas.microsoft.com/office/drawing/2014/main" id="{B040927F-1E6A-C26C-3C46-978E4552B438}"/>
+              </a:ext>
+            </a:extLst>
+          </p:cNvPr>
+          <p:cNvSpPr txBox="1">
+            <a:spLocks/>
+          </p:cNvSpPr>
+          <p:nvPr/>
+        </p:nvSpPr>
+        <p:spPr>
+          <a:xfrm>
+            <a:off x="576043" y="1432140"/>
+            <a:ext cx="11039913" cy="5120640"/>
+          </a:xfrm>
+          <a:prstGeom prst="rect">
+            <a:avLst/>
+          </a:prstGeom>
+        </p:spPr>
+        <p:txBody>
+          <a:bodyPr/>
+          <a:lstStyle>
+            <a:lvl1pPr marL="182880" indent="-182880" algn="l" defTabSz="914400" rtl="0" eaLnBrk="1" latinLnBrk="0" hangingPunct="1">
+              <a:lnSpc>
+                <a:spcPct val="90000"/>
+              </a:lnSpc>
+              <a:spcBef>
+                <a:spcPts val="1200"/>
+              </a:spcBef>
+              <a:buClr>
+                <a:schemeClr val="accent1"/>
+              </a:buClr>
+              <a:buFont typeface="Wingdings 2" pitchFamily="18" charset="2"/>
+              <a:buChar char=""/>
+              <a:defRPr kumimoji="1" sz="2000" kern="1200">
+                <a:solidFill>
+                  <a:schemeClr val="tx1">
+                    <a:lumMod val="65000"/>
+                    <a:lumOff val="35000"/>
+                  </a:schemeClr>
+                </a:solidFill>
+                <a:latin typeface="+mn-lt"/>
+                <a:ea typeface="+mn-ea"/>
+                <a:cs typeface="+mn-cs"/>
+              </a:defRPr>
+            </a:lvl1pPr>
+            <a:lvl2pPr marL="685800" indent="-182880" algn="l" defTabSz="914400" rtl="0" eaLnBrk="1" latinLnBrk="0" hangingPunct="1">
+              <a:lnSpc>
+                <a:spcPct val="90000"/>
+              </a:lnSpc>
+              <a:spcBef>
+                <a:spcPts val="250"/>
+              </a:spcBef>
+              <a:spcAft>
+                <a:spcPts val="250"/>
+              </a:spcAft>
+              <a:buClr>
+                <a:schemeClr val="accent1"/>
+              </a:buClr>
+              <a:buFont typeface="Wingdings 2" pitchFamily="18" charset="2"/>
+              <a:buChar char=""/>
+              <a:defRPr kumimoji="1" sz="1800" kern="1200">
+                <a:solidFill>
+                  <a:schemeClr val="tx1">
+                    <a:lumMod val="65000"/>
+                    <a:lumOff val="35000"/>
+                  </a:schemeClr>
+                </a:solidFill>
+                <a:latin typeface="+mn-lt"/>
+                <a:ea typeface="+mn-ea"/>
+                <a:cs typeface="+mn-cs"/>
+              </a:defRPr>
+            </a:lvl2pPr>
+            <a:lvl3pPr marL="1143000" indent="-182880" algn="l" defTabSz="914400" rtl="0" eaLnBrk="1" latinLnBrk="0" hangingPunct="1">
+              <a:lnSpc>
+                <a:spcPct val="90000"/>
+              </a:lnSpc>
+              <a:spcBef>
+                <a:spcPts val="250"/>
+              </a:spcBef>
+              <a:spcAft>
+                <a:spcPts val="250"/>
+              </a:spcAft>
+              <a:buClr>
+                <a:schemeClr val="accent1"/>
+              </a:buClr>
+              <a:buFont typeface="Wingdings 2" pitchFamily="18" charset="2"/>
+              <a:buChar char=""/>
+              <a:defRPr kumimoji="1" sz="1600" kern="1200">
+                <a:solidFill>
+                  <a:schemeClr val="tx1">
+                    <a:lumMod val="65000"/>
+                    <a:lumOff val="35000"/>
+                  </a:schemeClr>
+                </a:solidFill>
+                <a:latin typeface="+mn-lt"/>
+                <a:ea typeface="+mn-ea"/>
+                <a:cs typeface="+mn-cs"/>
+              </a:defRPr>
+            </a:lvl3pPr>
+            <a:lvl4pPr marL="1600200" indent="-182880" algn="l" defTabSz="914400" rtl="0" eaLnBrk="1" latinLnBrk="0" hangingPunct="1">
+              <a:lnSpc>
+                <a:spcPct val="90000"/>
+              </a:lnSpc>
+              <a:spcBef>
+                <a:spcPts val="250"/>
+              </a:spcBef>
+              <a:spcAft>
+                <a:spcPts val="250"/>
+              </a:spcAft>
+              <a:buClr>
+                <a:schemeClr val="accent1"/>
+              </a:buClr>
+              <a:buFont typeface="Wingdings 2" pitchFamily="18" charset="2"/>
+              <a:buChar char=""/>
+              <a:defRPr kumimoji="1" sz="1400" kern="1200">
+                <a:solidFill>
+                  <a:schemeClr val="tx1">
+                    <a:lumMod val="65000"/>
+                    <a:lumOff val="35000"/>
+                  </a:schemeClr>
+                </a:solidFill>
+                <a:latin typeface="+mn-lt"/>
+                <a:ea typeface="+mn-ea"/>
+                <a:cs typeface="+mn-cs"/>
+              </a:defRPr>
+            </a:lvl4pPr>
+            <a:lvl5pPr marL="2057400" indent="-182880" algn="l" defTabSz="914400" rtl="0" eaLnBrk="1" latinLnBrk="0" hangingPunct="1">
+              <a:lnSpc>
+                <a:spcPct val="90000"/>
+              </a:lnSpc>
+              <a:spcBef>
+                <a:spcPts val="250"/>
+              </a:spcBef>
+              <a:spcAft>
+                <a:spcPts val="250"/>
+              </a:spcAft>
+              <a:buClr>
+                <a:schemeClr val="accent1"/>
+              </a:buClr>
+              <a:buFont typeface="Wingdings 2" pitchFamily="18" charset="2"/>
+              <a:buChar char=""/>
+              <a:defRPr kumimoji="1" sz="1400" kern="1200">
+                <a:solidFill>
+                  <a:schemeClr val="tx1">
+                    <a:lumMod val="65000"/>
+                    <a:lumOff val="35000"/>
+                  </a:schemeClr>
+                </a:solidFill>
+                <a:latin typeface="+mn-lt"/>
+                <a:ea typeface="+mn-ea"/>
+                <a:cs typeface="+mn-cs"/>
+              </a:defRPr>
+            </a:lvl5pPr>
+            <a:lvl6pPr marL="2514600" indent="-228600" algn="l" defTabSz="914400" rtl="0" eaLnBrk="1" latinLnBrk="0" hangingPunct="1">
+              <a:lnSpc>
+                <a:spcPct val="90000"/>
+              </a:lnSpc>
+              <a:spcBef>
+                <a:spcPts val="250"/>
+              </a:spcBef>
+              <a:spcAft>
+                <a:spcPts val="250"/>
+              </a:spcAft>
+              <a:buClr>
+                <a:schemeClr val="accent1"/>
+              </a:buClr>
+              <a:buFont typeface="Wingdings 2" pitchFamily="18" charset="2"/>
+              <a:buChar char=""/>
+              <a:defRPr kumimoji="1" sz="1400" kern="1200">
+                <a:solidFill>
+                  <a:schemeClr val="tx1">
+                    <a:lumMod val="65000"/>
+                    <a:lumOff val="35000"/>
+                  </a:schemeClr>
+                </a:solidFill>
+                <a:latin typeface="+mn-lt"/>
+                <a:ea typeface="+mn-ea"/>
+                <a:cs typeface="+mn-cs"/>
+              </a:defRPr>
+            </a:lvl6pPr>
+            <a:lvl7pPr marL="2971800" indent="-228600" algn="l" defTabSz="914400" rtl="0" eaLnBrk="1" latinLnBrk="0" hangingPunct="1">
+              <a:lnSpc>
+                <a:spcPct val="90000"/>
+              </a:lnSpc>
+              <a:spcBef>
+                <a:spcPts val="250"/>
+              </a:spcBef>
+              <a:spcAft>
+                <a:spcPts val="250"/>
+              </a:spcAft>
+              <a:buClr>
+                <a:schemeClr val="accent1"/>
+              </a:buClr>
+              <a:buFont typeface="Wingdings 2" pitchFamily="18" charset="2"/>
+              <a:buChar char=""/>
+              <a:defRPr kumimoji="1" sz="1400" kern="1200">
+                <a:solidFill>
+                  <a:schemeClr val="tx1">
+                    <a:lumMod val="65000"/>
+                    <a:lumOff val="35000"/>
+                  </a:schemeClr>
+                </a:solidFill>
+                <a:latin typeface="+mn-lt"/>
+                <a:ea typeface="+mn-ea"/>
+                <a:cs typeface="+mn-cs"/>
+              </a:defRPr>
+            </a:lvl7pPr>
+            <a:lvl8pPr marL="3429000" indent="-228600" algn="l" defTabSz="914400" rtl="0" eaLnBrk="1" latinLnBrk="0" hangingPunct="1">
+              <a:lnSpc>
+                <a:spcPct val="90000"/>
+              </a:lnSpc>
+              <a:spcBef>
+                <a:spcPts val="250"/>
+              </a:spcBef>
+              <a:spcAft>
+                <a:spcPts val="250"/>
+              </a:spcAft>
+              <a:buClr>
+                <a:schemeClr val="accent1"/>
+              </a:buClr>
+              <a:buFont typeface="Wingdings 2" pitchFamily="18" charset="2"/>
+              <a:buChar char=""/>
+              <a:defRPr kumimoji="1" sz="1400" kern="1200">
+                <a:solidFill>
+                  <a:schemeClr val="tx1">
+                    <a:lumMod val="65000"/>
+                    <a:lumOff val="35000"/>
+                  </a:schemeClr>
+                </a:solidFill>
+                <a:latin typeface="+mn-lt"/>
+                <a:ea typeface="+mn-ea"/>
+                <a:cs typeface="+mn-cs"/>
+              </a:defRPr>
+            </a:lvl8pPr>
+            <a:lvl9pPr marL="3886200" indent="-228600" algn="l" defTabSz="914400" rtl="0" eaLnBrk="1" latinLnBrk="0" hangingPunct="1">
+              <a:lnSpc>
+                <a:spcPct val="90000"/>
+              </a:lnSpc>
+              <a:spcBef>
+                <a:spcPts val="250"/>
+              </a:spcBef>
+              <a:spcAft>
+                <a:spcPts val="250"/>
+              </a:spcAft>
+              <a:buClr>
+                <a:schemeClr val="accent1"/>
+              </a:buClr>
+              <a:buFont typeface="Wingdings 2" pitchFamily="18" charset="2"/>
+              <a:buChar char=""/>
+              <a:defRPr kumimoji="1" sz="1400" kern="1200">
+                <a:solidFill>
+                  <a:schemeClr val="tx1">
+                    <a:lumMod val="65000"/>
+                    <a:lumOff val="35000"/>
+                  </a:schemeClr>
+                </a:solidFill>
+                <a:latin typeface="+mn-lt"/>
+                <a:ea typeface="+mn-ea"/>
+                <a:cs typeface="+mn-cs"/>
+              </a:defRPr>
+            </a:lvl9pPr>
+          </a:lstStyle>
+          <a:p>
+            <a:pPr fontAlgn="base"/>
+            <a:r>
+              <a:rPr lang="ja-JP" altLang="en-US">
+                <a:latin typeface="Hiragino Kaku Gothic ProN W3" panose="020B0300000000000000" pitchFamily="34" charset="-128"/>
+                <a:ea typeface="Hiragino Kaku Gothic ProN W3" panose="020B0300000000000000" pitchFamily="34" charset="-128"/>
+              </a:rPr>
+              <a:t>学習データの違いによる推定の差異の再検討</a:t>
+            </a:r>
+            <a:endParaRPr lang="en-US" altLang="ja-JP" dirty="0">
+              <a:latin typeface="Hiragino Kaku Gothic ProN W3" panose="020B0300000000000000" pitchFamily="34" charset="-128"/>
+              <a:ea typeface="Hiragino Kaku Gothic ProN W3" panose="020B0300000000000000" pitchFamily="34" charset="-128"/>
+            </a:endParaRPr>
+          </a:p>
+          <a:p>
+            <a:pPr fontAlgn="base"/>
+            <a:r>
+              <a:rPr lang="ja-JP" altLang="en-US">
+                <a:latin typeface="Hiragino Kaku Gothic ProN W3" panose="020B0300000000000000" pitchFamily="34" charset="-128"/>
+                <a:ea typeface="Hiragino Kaku Gothic ProN W3" panose="020B0300000000000000" pitchFamily="34" charset="-128"/>
+              </a:rPr>
+              <a:t>システム利用者に合わせた教師データの作成</a:t>
+            </a:r>
+            <a:endParaRPr lang="en-US" altLang="ja-JP" dirty="0">
+              <a:latin typeface="Hiragino Kaku Gothic ProN W3" panose="020B0300000000000000" pitchFamily="34" charset="-128"/>
+              <a:ea typeface="Hiragino Kaku Gothic ProN W3" panose="020B0300000000000000" pitchFamily="34" charset="-128"/>
+            </a:endParaRPr>
+          </a:p>
+          <a:p>
+            <a:pPr fontAlgn="base"/>
+            <a:r>
+              <a:rPr lang="ja-JP" altLang="en-US">
+                <a:latin typeface="Hiragino Kaku Gothic ProN W3" panose="020B0300000000000000" pitchFamily="34" charset="-128"/>
+                <a:ea typeface="Hiragino Kaku Gothic ProN W3" panose="020B0300000000000000" pitchFamily="34" charset="-128"/>
+              </a:rPr>
+              <a:t>教師データの質の向上</a:t>
+            </a:r>
+            <a:endParaRPr lang="en-US" altLang="ja-JP" dirty="0">
+              <a:latin typeface="Hiragino Kaku Gothic ProN W3" panose="020B0300000000000000" pitchFamily="34" charset="-128"/>
+              <a:ea typeface="Hiragino Kaku Gothic ProN W3" panose="020B0300000000000000" pitchFamily="34" charset="-128"/>
+            </a:endParaRPr>
+          </a:p>
+          <a:p>
+            <a:pPr fontAlgn="base"/>
+            <a:r>
+              <a:rPr lang="ja-JP" altLang="en-US">
+                <a:latin typeface="Hiragino Kaku Gothic ProN W3" panose="020B0300000000000000" pitchFamily="34" charset="-128"/>
+                <a:ea typeface="Hiragino Kaku Gothic ProN W3" panose="020B0300000000000000" pitchFamily="34" charset="-128"/>
+              </a:rPr>
+              <a:t>被験者実験での効果の検証と、アプトプットの形の検討</a:t>
+            </a:r>
+          </a:p>
+        </p:txBody>
+      </p:sp>
+      <p:sp>
+        <p:nvSpPr>
+          <p:cNvPr id="6" name="タイトル 1">
+            <a:extLst>
+              <a:ext uri="{FF2B5EF4-FFF2-40B4-BE49-F238E27FC236}">
+                <a16:creationId xmlns:a16="http://schemas.microsoft.com/office/drawing/2014/main" id="{45A7B92C-AE3D-91D6-227C-099A94786625}"/>
+              </a:ext>
+            </a:extLst>
+          </p:cNvPr>
+          <p:cNvSpPr txBox="1">
+            <a:spLocks/>
+          </p:cNvSpPr>
+          <p:nvPr/>
+        </p:nvSpPr>
+        <p:spPr>
+          <a:xfrm>
+            <a:off x="252918" y="320508"/>
+            <a:ext cx="5843081" cy="771870"/>
+          </a:xfrm>
+          <a:prstGeom prst="rect">
+            <a:avLst/>
+          </a:prstGeom>
+        </p:spPr>
+        <p:txBody>
+          <a:bodyPr/>
+          <a:lstStyle>
+            <a:lvl1pPr algn="l" defTabSz="914400" rtl="0" eaLnBrk="1" latinLnBrk="0" hangingPunct="1">
+              <a:lnSpc>
+                <a:spcPct val="90000"/>
+              </a:lnSpc>
+              <a:spcBef>
+                <a:spcPct val="0"/>
+              </a:spcBef>
+              <a:buNone/>
+              <a:defRPr kumimoji="1" sz="3600" kern="1200" spc="-60" baseline="0">
+                <a:solidFill>
+                  <a:srgbClr val="FFFFFF"/>
+                </a:solidFill>
+                <a:latin typeface="+mj-lt"/>
+                <a:ea typeface="+mj-ea"/>
+                <a:cs typeface="+mj-cs"/>
+              </a:defRPr>
+            </a:lvl1pPr>
+          </a:lstStyle>
+          <a:p>
+            <a:r>
+              <a:rPr lang="ja-JP" altLang="en-US"/>
+              <a:t>③</a:t>
+            </a:r>
+            <a:r>
+              <a:rPr lang="ja-JP" altLang="en-US">
+                <a:latin typeface="Hiragino Kaku Gothic ProN W3" panose="020B0300000000000000" pitchFamily="34" charset="-128"/>
+                <a:ea typeface="Hiragino Kaku Gothic ProN W3" panose="020B0300000000000000" pitchFamily="34" charset="-128"/>
+              </a:rPr>
+              <a:t>教師データの質の向上</a:t>
+            </a:r>
+            <a:endParaRPr lang="en-US" altLang="ja-JP" dirty="0">
+              <a:latin typeface="Hiragino Kaku Gothic ProN W3" panose="020B0300000000000000" pitchFamily="34" charset="-128"/>
+              <a:ea typeface="Hiragino Kaku Gothic ProN W3" panose="020B0300000000000000" pitchFamily="34" charset="-128"/>
+            </a:endParaRPr>
+          </a:p>
+        </p:txBody>
+      </p:sp>
+    </p:spTree>
+    <p:extLst>
+      <p:ext uri="{BB962C8B-B14F-4D97-AF65-F5344CB8AC3E}">
+        <p14:creationId xmlns:p14="http://schemas.microsoft.com/office/powerpoint/2010/main" val="3405429668"/>
+      </p:ext>
+    </p:extLst>
+  </p:cSld>
+  <p:clrMapOvr>
+    <a:masterClrMapping/>
+  </p:clrMapOvr>
+</p:sld>
+</file>
+
+<file path=ppt/slides/slide19.xml><?xml version="1.0" encoding="utf-8"?>
+<p:sld xmlns:a="http://schemas.openxmlformats.org/drawingml/2006/main" xmlns:r="http://schemas.openxmlformats.org/officeDocument/2006/relationships" xmlns:p="http://schemas.openxmlformats.org/presentationml/2006/main">
+  <p:cSld>
+    <p:spTree>
+      <p:nvGrpSpPr>
+        <p:cNvPr id="1" name=""/>
+        <p:cNvGrpSpPr/>
+        <p:nvPr/>
+      </p:nvGrpSpPr>
+      <p:grpSpPr>
+        <a:xfrm>
+          <a:off x="0" y="0"/>
+          <a:ext cx="0" cy="0"/>
+          <a:chOff x="0" y="0"/>
+          <a:chExt cx="0" cy="0"/>
+        </a:xfrm>
+      </p:grpSpPr>
+      <p:sp>
+        <p:nvSpPr>
+          <p:cNvPr id="7" name="正方形/長方形 6">
+            <a:extLst>
+              <a:ext uri="{FF2B5EF4-FFF2-40B4-BE49-F238E27FC236}">
+                <a16:creationId xmlns:a16="http://schemas.microsoft.com/office/drawing/2014/main" id="{D98ECB46-E3D4-3A0B-1D69-28EB8A1887F1}"/>
+              </a:ext>
+            </a:extLst>
+          </p:cNvPr>
+          <p:cNvSpPr/>
+          <p:nvPr/>
+        </p:nvSpPr>
+        <p:spPr>
+          <a:xfrm>
+            <a:off x="0" y="-1"/>
+            <a:ext cx="12192000" cy="1077091"/>
+          </a:xfrm>
+          <a:prstGeom prst="rect">
+            <a:avLst/>
+          </a:prstGeom>
+          <a:ln>
+            <a:noFill/>
+          </a:ln>
+        </p:spPr>
+        <p:style>
+          <a:lnRef idx="2">
+            <a:schemeClr val="accent1">
+              <a:shade val="50000"/>
+            </a:schemeClr>
+          </a:lnRef>
+          <a:fillRef idx="1">
+            <a:schemeClr val="accent1"/>
+          </a:fillRef>
+          <a:effectRef idx="0">
+            <a:schemeClr val="accent1"/>
+          </a:effectRef>
+          <a:fontRef idx="minor">
+            <a:schemeClr val="lt1"/>
+          </a:fontRef>
+        </p:style>
+        <p:txBody>
+          <a:bodyPr rtlCol="0" anchor="ctr"/>
+          <a:lstStyle/>
+          <a:p>
+            <a:pPr algn="ctr"/>
+            <a:endParaRPr kumimoji="1" lang="ja-JP" altLang="en-US"/>
+          </a:p>
+        </p:txBody>
+      </p:sp>
+      <p:sp>
+        <p:nvSpPr>
+          <p:cNvPr id="5" name="コンテンツ プレースホルダー 2">
+            <a:extLst>
+              <a:ext uri="{FF2B5EF4-FFF2-40B4-BE49-F238E27FC236}">
+                <a16:creationId xmlns:a16="http://schemas.microsoft.com/office/drawing/2014/main" id="{B040927F-1E6A-C26C-3C46-978E4552B438}"/>
+              </a:ext>
+            </a:extLst>
+          </p:cNvPr>
+          <p:cNvSpPr txBox="1">
+            <a:spLocks/>
+          </p:cNvSpPr>
+          <p:nvPr/>
+        </p:nvSpPr>
+        <p:spPr>
+          <a:xfrm>
+            <a:off x="576043" y="1432140"/>
+            <a:ext cx="11039913" cy="5120640"/>
+          </a:xfrm>
+          <a:prstGeom prst="rect">
+            <a:avLst/>
+          </a:prstGeom>
+        </p:spPr>
+        <p:txBody>
+          <a:bodyPr/>
+          <a:lstStyle>
+            <a:lvl1pPr marL="182880" indent="-182880" algn="l" defTabSz="914400" rtl="0" eaLnBrk="1" latinLnBrk="0" hangingPunct="1">
+              <a:lnSpc>
+                <a:spcPct val="90000"/>
+              </a:lnSpc>
+              <a:spcBef>
+                <a:spcPts val="1200"/>
+              </a:spcBef>
+              <a:buClr>
+                <a:schemeClr val="accent1"/>
+              </a:buClr>
+              <a:buFont typeface="Wingdings 2" pitchFamily="18" charset="2"/>
+              <a:buChar char=""/>
+              <a:defRPr kumimoji="1" sz="2000" kern="1200">
+                <a:solidFill>
+                  <a:schemeClr val="tx1">
+                    <a:lumMod val="65000"/>
+                    <a:lumOff val="35000"/>
+                  </a:schemeClr>
+                </a:solidFill>
+                <a:latin typeface="+mn-lt"/>
+                <a:ea typeface="+mn-ea"/>
+                <a:cs typeface="+mn-cs"/>
+              </a:defRPr>
+            </a:lvl1pPr>
+            <a:lvl2pPr marL="685800" indent="-182880" algn="l" defTabSz="914400" rtl="0" eaLnBrk="1" latinLnBrk="0" hangingPunct="1">
+              <a:lnSpc>
+                <a:spcPct val="90000"/>
+              </a:lnSpc>
+              <a:spcBef>
+                <a:spcPts val="250"/>
+              </a:spcBef>
+              <a:spcAft>
+                <a:spcPts val="250"/>
+              </a:spcAft>
+              <a:buClr>
+                <a:schemeClr val="accent1"/>
+              </a:buClr>
+              <a:buFont typeface="Wingdings 2" pitchFamily="18" charset="2"/>
+              <a:buChar char=""/>
+              <a:defRPr kumimoji="1" sz="1800" kern="1200">
+                <a:solidFill>
+                  <a:schemeClr val="tx1">
+                    <a:lumMod val="65000"/>
+                    <a:lumOff val="35000"/>
+                  </a:schemeClr>
+                </a:solidFill>
+                <a:latin typeface="+mn-lt"/>
+                <a:ea typeface="+mn-ea"/>
+                <a:cs typeface="+mn-cs"/>
+              </a:defRPr>
+            </a:lvl2pPr>
+            <a:lvl3pPr marL="1143000" indent="-182880" algn="l" defTabSz="914400" rtl="0" eaLnBrk="1" latinLnBrk="0" hangingPunct="1">
+              <a:lnSpc>
+                <a:spcPct val="90000"/>
+              </a:lnSpc>
+              <a:spcBef>
+                <a:spcPts val="250"/>
+              </a:spcBef>
+              <a:spcAft>
+                <a:spcPts val="250"/>
+              </a:spcAft>
+              <a:buClr>
+                <a:schemeClr val="accent1"/>
+              </a:buClr>
+              <a:buFont typeface="Wingdings 2" pitchFamily="18" charset="2"/>
+              <a:buChar char=""/>
+              <a:defRPr kumimoji="1" sz="1600" kern="1200">
+                <a:solidFill>
+                  <a:schemeClr val="tx1">
+                    <a:lumMod val="65000"/>
+                    <a:lumOff val="35000"/>
+                  </a:schemeClr>
+                </a:solidFill>
+                <a:latin typeface="+mn-lt"/>
+                <a:ea typeface="+mn-ea"/>
+                <a:cs typeface="+mn-cs"/>
+              </a:defRPr>
+            </a:lvl3pPr>
+            <a:lvl4pPr marL="1600200" indent="-182880" algn="l" defTabSz="914400" rtl="0" eaLnBrk="1" latinLnBrk="0" hangingPunct="1">
+              <a:lnSpc>
+                <a:spcPct val="90000"/>
+              </a:lnSpc>
+              <a:spcBef>
+                <a:spcPts val="250"/>
+              </a:spcBef>
+              <a:spcAft>
+                <a:spcPts val="250"/>
+              </a:spcAft>
+              <a:buClr>
+                <a:schemeClr val="accent1"/>
+              </a:buClr>
+              <a:buFont typeface="Wingdings 2" pitchFamily="18" charset="2"/>
+              <a:buChar char=""/>
+              <a:defRPr kumimoji="1" sz="1400" kern="1200">
+                <a:solidFill>
+                  <a:schemeClr val="tx1">
+                    <a:lumMod val="65000"/>
+                    <a:lumOff val="35000"/>
+                  </a:schemeClr>
+                </a:solidFill>
+                <a:latin typeface="+mn-lt"/>
+                <a:ea typeface="+mn-ea"/>
+                <a:cs typeface="+mn-cs"/>
+              </a:defRPr>
+            </a:lvl4pPr>
+            <a:lvl5pPr marL="2057400" indent="-182880" algn="l" defTabSz="914400" rtl="0" eaLnBrk="1" latinLnBrk="0" hangingPunct="1">
+              <a:lnSpc>
+                <a:spcPct val="90000"/>
+              </a:lnSpc>
+              <a:spcBef>
+                <a:spcPts val="250"/>
+              </a:spcBef>
+              <a:spcAft>
+                <a:spcPts val="250"/>
+              </a:spcAft>
+              <a:buClr>
+                <a:schemeClr val="accent1"/>
+              </a:buClr>
+              <a:buFont typeface="Wingdings 2" pitchFamily="18" charset="2"/>
+              <a:buChar char=""/>
+              <a:defRPr kumimoji="1" sz="1400" kern="1200">
+                <a:solidFill>
+                  <a:schemeClr val="tx1">
+                    <a:lumMod val="65000"/>
+                    <a:lumOff val="35000"/>
+                  </a:schemeClr>
+                </a:solidFill>
+                <a:latin typeface="+mn-lt"/>
+                <a:ea typeface="+mn-ea"/>
+                <a:cs typeface="+mn-cs"/>
+              </a:defRPr>
+            </a:lvl5pPr>
+            <a:lvl6pPr marL="2514600" indent="-228600" algn="l" defTabSz="914400" rtl="0" eaLnBrk="1" latinLnBrk="0" hangingPunct="1">
+              <a:lnSpc>
+                <a:spcPct val="90000"/>
+              </a:lnSpc>
+              <a:spcBef>
+                <a:spcPts val="250"/>
+              </a:spcBef>
+              <a:spcAft>
+                <a:spcPts val="250"/>
+              </a:spcAft>
+              <a:buClr>
+                <a:schemeClr val="accent1"/>
+              </a:buClr>
+              <a:buFont typeface="Wingdings 2" pitchFamily="18" charset="2"/>
+              <a:buChar char=""/>
+              <a:defRPr kumimoji="1" sz="1400" kern="1200">
+                <a:solidFill>
+                  <a:schemeClr val="tx1">
+                    <a:lumMod val="65000"/>
+                    <a:lumOff val="35000"/>
+                  </a:schemeClr>
+                </a:solidFill>
+                <a:latin typeface="+mn-lt"/>
+                <a:ea typeface="+mn-ea"/>
+                <a:cs typeface="+mn-cs"/>
+              </a:defRPr>
+            </a:lvl6pPr>
+            <a:lvl7pPr marL="2971800" indent="-228600" algn="l" defTabSz="914400" rtl="0" eaLnBrk="1" latinLnBrk="0" hangingPunct="1">
+              <a:lnSpc>
+                <a:spcPct val="90000"/>
+              </a:lnSpc>
+              <a:spcBef>
+                <a:spcPts val="250"/>
+              </a:spcBef>
+              <a:spcAft>
+                <a:spcPts val="250"/>
+              </a:spcAft>
+              <a:buClr>
+                <a:schemeClr val="accent1"/>
+              </a:buClr>
+              <a:buFont typeface="Wingdings 2" pitchFamily="18" charset="2"/>
+              <a:buChar char=""/>
+              <a:defRPr kumimoji="1" sz="1400" kern="1200">
+                <a:solidFill>
+                  <a:schemeClr val="tx1">
+                    <a:lumMod val="65000"/>
+                    <a:lumOff val="35000"/>
+                  </a:schemeClr>
+                </a:solidFill>
+                <a:latin typeface="+mn-lt"/>
+                <a:ea typeface="+mn-ea"/>
+                <a:cs typeface="+mn-cs"/>
+              </a:defRPr>
+            </a:lvl7pPr>
+            <a:lvl8pPr marL="3429000" indent="-228600" algn="l" defTabSz="914400" rtl="0" eaLnBrk="1" latinLnBrk="0" hangingPunct="1">
+              <a:lnSpc>
+                <a:spcPct val="90000"/>
+              </a:lnSpc>
+              <a:spcBef>
+                <a:spcPts val="250"/>
+              </a:spcBef>
+              <a:spcAft>
+                <a:spcPts val="250"/>
+              </a:spcAft>
+              <a:buClr>
+                <a:schemeClr val="accent1"/>
+              </a:buClr>
+              <a:buFont typeface="Wingdings 2" pitchFamily="18" charset="2"/>
+              <a:buChar char=""/>
+              <a:defRPr kumimoji="1" sz="1400" kern="1200">
+                <a:solidFill>
+                  <a:schemeClr val="tx1">
+                    <a:lumMod val="65000"/>
+                    <a:lumOff val="35000"/>
+                  </a:schemeClr>
+                </a:solidFill>
+                <a:latin typeface="+mn-lt"/>
+                <a:ea typeface="+mn-ea"/>
+                <a:cs typeface="+mn-cs"/>
+              </a:defRPr>
+            </a:lvl8pPr>
+            <a:lvl9pPr marL="3886200" indent="-228600" algn="l" defTabSz="914400" rtl="0" eaLnBrk="1" latinLnBrk="0" hangingPunct="1">
+              <a:lnSpc>
+                <a:spcPct val="90000"/>
+              </a:lnSpc>
+              <a:spcBef>
+                <a:spcPts val="250"/>
+              </a:spcBef>
+              <a:spcAft>
+                <a:spcPts val="250"/>
+              </a:spcAft>
+              <a:buClr>
+                <a:schemeClr val="accent1"/>
+              </a:buClr>
+              <a:buFont typeface="Wingdings 2" pitchFamily="18" charset="2"/>
+              <a:buChar char=""/>
+              <a:defRPr kumimoji="1" sz="1400" kern="1200">
+                <a:solidFill>
+                  <a:schemeClr val="tx1">
+                    <a:lumMod val="65000"/>
+                    <a:lumOff val="35000"/>
+                  </a:schemeClr>
+                </a:solidFill>
+                <a:latin typeface="+mn-lt"/>
+                <a:ea typeface="+mn-ea"/>
+                <a:cs typeface="+mn-cs"/>
+              </a:defRPr>
+            </a:lvl9pPr>
+          </a:lstStyle>
+          <a:p>
+            <a:pPr fontAlgn="base"/>
+            <a:r>
+              <a:rPr lang="ja-JP" altLang="en-US">
+                <a:latin typeface="Hiragino Kaku Gothic ProN W3" panose="020B0300000000000000" pitchFamily="34" charset="-128"/>
+                <a:ea typeface="Hiragino Kaku Gothic ProN W3" panose="020B0300000000000000" pitchFamily="34" charset="-128"/>
+              </a:rPr>
+              <a:t>学習データの違いによる推定の差異の再検討</a:t>
+            </a:r>
+            <a:endParaRPr lang="en-US" altLang="ja-JP" dirty="0">
+              <a:latin typeface="Hiragino Kaku Gothic ProN W3" panose="020B0300000000000000" pitchFamily="34" charset="-128"/>
+              <a:ea typeface="Hiragino Kaku Gothic ProN W3" panose="020B0300000000000000" pitchFamily="34" charset="-128"/>
+            </a:endParaRPr>
+          </a:p>
+          <a:p>
+            <a:pPr fontAlgn="base"/>
+            <a:r>
+              <a:rPr lang="ja-JP" altLang="en-US">
+                <a:latin typeface="Hiragino Kaku Gothic ProN W3" panose="020B0300000000000000" pitchFamily="34" charset="-128"/>
+                <a:ea typeface="Hiragino Kaku Gothic ProN W3" panose="020B0300000000000000" pitchFamily="34" charset="-128"/>
+              </a:rPr>
+              <a:t>システム利用者に合わせた教師データの作成</a:t>
+            </a:r>
+            <a:endParaRPr lang="en-US" altLang="ja-JP" dirty="0">
+              <a:latin typeface="Hiragino Kaku Gothic ProN W3" panose="020B0300000000000000" pitchFamily="34" charset="-128"/>
+              <a:ea typeface="Hiragino Kaku Gothic ProN W3" panose="020B0300000000000000" pitchFamily="34" charset="-128"/>
+            </a:endParaRPr>
+          </a:p>
+          <a:p>
+            <a:pPr fontAlgn="base"/>
+            <a:r>
+              <a:rPr lang="ja-JP" altLang="en-US">
+                <a:latin typeface="Hiragino Kaku Gothic ProN W3" panose="020B0300000000000000" pitchFamily="34" charset="-128"/>
+                <a:ea typeface="Hiragino Kaku Gothic ProN W3" panose="020B0300000000000000" pitchFamily="34" charset="-128"/>
+              </a:rPr>
+              <a:t>教師データの質の向上</a:t>
+            </a:r>
+            <a:endParaRPr lang="en-US" altLang="ja-JP" dirty="0">
+              <a:latin typeface="Hiragino Kaku Gothic ProN W3" panose="020B0300000000000000" pitchFamily="34" charset="-128"/>
+              <a:ea typeface="Hiragino Kaku Gothic ProN W3" panose="020B0300000000000000" pitchFamily="34" charset="-128"/>
+            </a:endParaRPr>
+          </a:p>
+          <a:p>
+            <a:pPr fontAlgn="base"/>
+            <a:r>
+              <a:rPr lang="ja-JP" altLang="en-US">
+                <a:latin typeface="Hiragino Kaku Gothic ProN W3" panose="020B0300000000000000" pitchFamily="34" charset="-128"/>
+                <a:ea typeface="Hiragino Kaku Gothic ProN W3" panose="020B0300000000000000" pitchFamily="34" charset="-128"/>
+              </a:rPr>
+              <a:t>被験者実験での効果の検証と、アプトプットの形の検討</a:t>
+            </a:r>
+          </a:p>
+        </p:txBody>
+      </p:sp>
+      <p:sp>
+        <p:nvSpPr>
+          <p:cNvPr id="6" name="タイトル 1">
+            <a:extLst>
+              <a:ext uri="{FF2B5EF4-FFF2-40B4-BE49-F238E27FC236}">
+                <a16:creationId xmlns:a16="http://schemas.microsoft.com/office/drawing/2014/main" id="{45A7B92C-AE3D-91D6-227C-099A94786625}"/>
+              </a:ext>
+            </a:extLst>
+          </p:cNvPr>
+          <p:cNvSpPr txBox="1">
+            <a:spLocks/>
+          </p:cNvSpPr>
+          <p:nvPr/>
+        </p:nvSpPr>
+        <p:spPr>
+          <a:xfrm>
+            <a:off x="252918" y="320508"/>
+            <a:ext cx="11939082" cy="771870"/>
+          </a:xfrm>
+          <a:prstGeom prst="rect">
+            <a:avLst/>
+          </a:prstGeom>
+        </p:spPr>
+        <p:txBody>
+          <a:bodyPr/>
+          <a:lstStyle>
+            <a:lvl1pPr algn="l" defTabSz="914400" rtl="0" eaLnBrk="1" latinLnBrk="0" hangingPunct="1">
+              <a:lnSpc>
+                <a:spcPct val="90000"/>
+              </a:lnSpc>
+              <a:spcBef>
+                <a:spcPct val="0"/>
+              </a:spcBef>
+              <a:buNone/>
+              <a:defRPr kumimoji="1" sz="3600" kern="1200" spc="-60" baseline="0">
+                <a:solidFill>
+                  <a:srgbClr val="FFFFFF"/>
+                </a:solidFill>
+                <a:latin typeface="+mj-lt"/>
+                <a:ea typeface="+mj-ea"/>
+                <a:cs typeface="+mj-cs"/>
+              </a:defRPr>
+            </a:lvl1pPr>
+          </a:lstStyle>
+          <a:p>
+            <a:r>
+              <a:rPr lang="ja-JP" altLang="en-US"/>
+              <a:t>④</a:t>
+            </a:r>
+            <a:r>
+              <a:rPr lang="ja-JP" altLang="en-US">
+                <a:latin typeface="Hiragino Kaku Gothic ProN W3" panose="020B0300000000000000" pitchFamily="34" charset="-128"/>
+                <a:ea typeface="Hiragino Kaku Gothic ProN W3" panose="020B0300000000000000" pitchFamily="34" charset="-128"/>
+              </a:rPr>
+              <a:t>被験者実験での効果の検証と、アプトプットの形の検討</a:t>
+            </a:r>
+          </a:p>
+          <a:p>
+            <a:endParaRPr lang="ja-JP" altLang="en-US"/>
+          </a:p>
+        </p:txBody>
+      </p:sp>
+    </p:spTree>
+    <p:extLst>
+      <p:ext uri="{BB962C8B-B14F-4D97-AF65-F5344CB8AC3E}">
+        <p14:creationId xmlns:p14="http://schemas.microsoft.com/office/powerpoint/2010/main" val="2819782249"/>
+      </p:ext>
+    </p:extLst>
+  </p:cSld>
+  <p:clrMapOvr>
+    <a:masterClrMapping/>
+  </p:clrMapOvr>
+</p:sld>
+</file>
+
+<file path=ppt/slides/slide2.xml><?xml version="1.0" encoding="utf-8"?>
+<p:sld xmlns:a="http://schemas.openxmlformats.org/drawingml/2006/main" xmlns:r="http://schemas.openxmlformats.org/officeDocument/2006/relationships" xmlns:p="http://schemas.openxmlformats.org/presentationml/2006/main">
+  <p:cSld>
+    <p:spTree>
+      <p:nvGrpSpPr>
+        <p:cNvPr id="1" name=""/>
+        <p:cNvGrpSpPr/>
+        <p:nvPr/>
+      </p:nvGrpSpPr>
+      <p:grpSpPr>
+        <a:xfrm>
+          <a:off x="0" y="0"/>
+          <a:ext cx="0" cy="0"/>
+          <a:chOff x="0" y="0"/>
+          <a:chExt cx="0" cy="0"/>
+        </a:xfrm>
+      </p:grpSpPr>
+      <p:sp>
+        <p:nvSpPr>
+          <p:cNvPr id="7" name="正方形/長方形 6">
+            <a:extLst>
+              <a:ext uri="{FF2B5EF4-FFF2-40B4-BE49-F238E27FC236}">
+                <a16:creationId xmlns:a16="http://schemas.microsoft.com/office/drawing/2014/main" id="{D98ECB46-E3D4-3A0B-1D69-28EB8A1887F1}"/>
+              </a:ext>
+            </a:extLst>
+          </p:cNvPr>
+          <p:cNvSpPr/>
+          <p:nvPr/>
+        </p:nvSpPr>
+        <p:spPr>
+          <a:xfrm>
+            <a:off x="0" y="-1"/>
+            <a:ext cx="12192000" cy="1077091"/>
+          </a:xfrm>
+          <a:prstGeom prst="rect">
+            <a:avLst/>
+          </a:prstGeom>
+          <a:ln>
+            <a:noFill/>
+          </a:ln>
+        </p:spPr>
+        <p:style>
+          <a:lnRef idx="2">
+            <a:schemeClr val="accent1">
+              <a:shade val="50000"/>
+            </a:schemeClr>
+          </a:lnRef>
+          <a:fillRef idx="1">
+            <a:schemeClr val="accent1"/>
+          </a:fillRef>
+          <a:effectRef idx="0">
+            <a:schemeClr val="accent1"/>
+          </a:effectRef>
+          <a:fontRef idx="minor">
+            <a:schemeClr val="lt1"/>
+          </a:fontRef>
+        </p:style>
+        <p:txBody>
+          <a:bodyPr rtlCol="0" anchor="ctr"/>
+          <a:lstStyle/>
+          <a:p>
+            <a:pPr algn="ctr"/>
+            <a:endParaRPr kumimoji="1" lang="ja-JP" altLang="en-US"/>
+          </a:p>
+        </p:txBody>
+      </p:sp>
+      <p:sp>
+        <p:nvSpPr>
+          <p:cNvPr id="5" name="コンテンツ プレースホルダー 2">
+            <a:extLst>
+              <a:ext uri="{FF2B5EF4-FFF2-40B4-BE49-F238E27FC236}">
+                <a16:creationId xmlns:a16="http://schemas.microsoft.com/office/drawing/2014/main" id="{B040927F-1E6A-C26C-3C46-978E4552B438}"/>
+              </a:ext>
+            </a:extLst>
+          </p:cNvPr>
+          <p:cNvSpPr txBox="1">
+            <a:spLocks/>
+          </p:cNvSpPr>
+          <p:nvPr/>
+        </p:nvSpPr>
+        <p:spPr>
+          <a:xfrm>
+            <a:off x="576043" y="1432140"/>
+            <a:ext cx="11039913" cy="5120640"/>
+          </a:xfrm>
+          <a:prstGeom prst="rect">
+            <a:avLst/>
+          </a:prstGeom>
+        </p:spPr>
+        <p:txBody>
+          <a:bodyPr/>
+          <a:lstStyle>
+            <a:lvl1pPr marL="182880" indent="-182880" algn="l" defTabSz="914400" rtl="0" eaLnBrk="1" latinLnBrk="0" hangingPunct="1">
+              <a:lnSpc>
+                <a:spcPct val="90000"/>
+              </a:lnSpc>
+              <a:spcBef>
+                <a:spcPts val="1200"/>
+              </a:spcBef>
+              <a:buClr>
+                <a:schemeClr val="accent1"/>
+              </a:buClr>
+              <a:buFont typeface="Wingdings 2" pitchFamily="18" charset="2"/>
+              <a:buChar char=""/>
+              <a:defRPr kumimoji="1" sz="2000" kern="1200">
+                <a:solidFill>
+                  <a:schemeClr val="tx1">
+                    <a:lumMod val="65000"/>
+                    <a:lumOff val="35000"/>
+                  </a:schemeClr>
+                </a:solidFill>
+                <a:latin typeface="+mn-lt"/>
+                <a:ea typeface="+mn-ea"/>
+                <a:cs typeface="+mn-cs"/>
+              </a:defRPr>
+            </a:lvl1pPr>
+            <a:lvl2pPr marL="685800" indent="-182880" algn="l" defTabSz="914400" rtl="0" eaLnBrk="1" latinLnBrk="0" hangingPunct="1">
+              <a:lnSpc>
+                <a:spcPct val="90000"/>
+              </a:lnSpc>
+              <a:spcBef>
+                <a:spcPts val="250"/>
+              </a:spcBef>
+              <a:spcAft>
+                <a:spcPts val="250"/>
+              </a:spcAft>
+              <a:buClr>
+                <a:schemeClr val="accent1"/>
+              </a:buClr>
+              <a:buFont typeface="Wingdings 2" pitchFamily="18" charset="2"/>
+              <a:buChar char=""/>
+              <a:defRPr kumimoji="1" sz="1800" kern="1200">
+                <a:solidFill>
+                  <a:schemeClr val="tx1">
+                    <a:lumMod val="65000"/>
+                    <a:lumOff val="35000"/>
+                  </a:schemeClr>
+                </a:solidFill>
+                <a:latin typeface="+mn-lt"/>
+                <a:ea typeface="+mn-ea"/>
+                <a:cs typeface="+mn-cs"/>
+              </a:defRPr>
+            </a:lvl2pPr>
+            <a:lvl3pPr marL="1143000" indent="-182880" algn="l" defTabSz="914400" rtl="0" eaLnBrk="1" latinLnBrk="0" hangingPunct="1">
+              <a:lnSpc>
+                <a:spcPct val="90000"/>
+              </a:lnSpc>
+              <a:spcBef>
+                <a:spcPts val="250"/>
+              </a:spcBef>
+              <a:spcAft>
+                <a:spcPts val="250"/>
+              </a:spcAft>
+              <a:buClr>
+                <a:schemeClr val="accent1"/>
+              </a:buClr>
+              <a:buFont typeface="Wingdings 2" pitchFamily="18" charset="2"/>
+              <a:buChar char=""/>
+              <a:defRPr kumimoji="1" sz="1600" kern="1200">
+                <a:solidFill>
+                  <a:schemeClr val="tx1">
+                    <a:lumMod val="65000"/>
+                    <a:lumOff val="35000"/>
+                  </a:schemeClr>
+                </a:solidFill>
+                <a:latin typeface="+mn-lt"/>
+                <a:ea typeface="+mn-ea"/>
+                <a:cs typeface="+mn-cs"/>
+              </a:defRPr>
+            </a:lvl3pPr>
+            <a:lvl4pPr marL="1600200" indent="-182880" algn="l" defTabSz="914400" rtl="0" eaLnBrk="1" latinLnBrk="0" hangingPunct="1">
+              <a:lnSpc>
+                <a:spcPct val="90000"/>
+              </a:lnSpc>
+              <a:spcBef>
+                <a:spcPts val="250"/>
+              </a:spcBef>
+              <a:spcAft>
+                <a:spcPts val="250"/>
+              </a:spcAft>
+              <a:buClr>
+                <a:schemeClr val="accent1"/>
+              </a:buClr>
+              <a:buFont typeface="Wingdings 2" pitchFamily="18" charset="2"/>
+              <a:buChar char=""/>
+              <a:defRPr kumimoji="1" sz="1400" kern="1200">
+                <a:solidFill>
+                  <a:schemeClr val="tx1">
+                    <a:lumMod val="65000"/>
+                    <a:lumOff val="35000"/>
+                  </a:schemeClr>
+                </a:solidFill>
+                <a:latin typeface="+mn-lt"/>
+                <a:ea typeface="+mn-ea"/>
+                <a:cs typeface="+mn-cs"/>
+              </a:defRPr>
+            </a:lvl4pPr>
+            <a:lvl5pPr marL="2057400" indent="-182880" algn="l" defTabSz="914400" rtl="0" eaLnBrk="1" latinLnBrk="0" hangingPunct="1">
+              <a:lnSpc>
+                <a:spcPct val="90000"/>
+              </a:lnSpc>
+              <a:spcBef>
+                <a:spcPts val="250"/>
+              </a:spcBef>
+              <a:spcAft>
+                <a:spcPts val="250"/>
+              </a:spcAft>
+              <a:buClr>
+                <a:schemeClr val="accent1"/>
+              </a:buClr>
+              <a:buFont typeface="Wingdings 2" pitchFamily="18" charset="2"/>
+              <a:buChar char=""/>
+              <a:defRPr kumimoji="1" sz="1400" kern="1200">
+                <a:solidFill>
+                  <a:schemeClr val="tx1">
+                    <a:lumMod val="65000"/>
+                    <a:lumOff val="35000"/>
+                  </a:schemeClr>
+                </a:solidFill>
+                <a:latin typeface="+mn-lt"/>
+                <a:ea typeface="+mn-ea"/>
+                <a:cs typeface="+mn-cs"/>
+              </a:defRPr>
+            </a:lvl5pPr>
+            <a:lvl6pPr marL="2514600" indent="-228600" algn="l" defTabSz="914400" rtl="0" eaLnBrk="1" latinLnBrk="0" hangingPunct="1">
+              <a:lnSpc>
+                <a:spcPct val="90000"/>
+              </a:lnSpc>
+              <a:spcBef>
+                <a:spcPts val="250"/>
+              </a:spcBef>
+              <a:spcAft>
+                <a:spcPts val="250"/>
+              </a:spcAft>
+              <a:buClr>
+                <a:schemeClr val="accent1"/>
+              </a:buClr>
+              <a:buFont typeface="Wingdings 2" pitchFamily="18" charset="2"/>
+              <a:buChar char=""/>
+              <a:defRPr kumimoji="1" sz="1400" kern="1200">
+                <a:solidFill>
+                  <a:schemeClr val="tx1">
+                    <a:lumMod val="65000"/>
+                    <a:lumOff val="35000"/>
+                  </a:schemeClr>
+                </a:solidFill>
+                <a:latin typeface="+mn-lt"/>
+                <a:ea typeface="+mn-ea"/>
+                <a:cs typeface="+mn-cs"/>
+              </a:defRPr>
+            </a:lvl6pPr>
+            <a:lvl7pPr marL="2971800" indent="-228600" algn="l" defTabSz="914400" rtl="0" eaLnBrk="1" latinLnBrk="0" hangingPunct="1">
+              <a:lnSpc>
+                <a:spcPct val="90000"/>
+              </a:lnSpc>
+              <a:spcBef>
+                <a:spcPts val="250"/>
+              </a:spcBef>
+              <a:spcAft>
+                <a:spcPts val="250"/>
+              </a:spcAft>
+              <a:buClr>
+                <a:schemeClr val="accent1"/>
+              </a:buClr>
+              <a:buFont typeface="Wingdings 2" pitchFamily="18" charset="2"/>
+              <a:buChar char=""/>
+              <a:defRPr kumimoji="1" sz="1400" kern="1200">
+                <a:solidFill>
+                  <a:schemeClr val="tx1">
+                    <a:lumMod val="65000"/>
+                    <a:lumOff val="35000"/>
+                  </a:schemeClr>
+                </a:solidFill>
+                <a:latin typeface="+mn-lt"/>
+                <a:ea typeface="+mn-ea"/>
+                <a:cs typeface="+mn-cs"/>
+              </a:defRPr>
+            </a:lvl7pPr>
+            <a:lvl8pPr marL="3429000" indent="-228600" algn="l" defTabSz="914400" rtl="0" eaLnBrk="1" latinLnBrk="0" hangingPunct="1">
+              <a:lnSpc>
+                <a:spcPct val="90000"/>
+              </a:lnSpc>
+              <a:spcBef>
+                <a:spcPts val="250"/>
+              </a:spcBef>
+              <a:spcAft>
+                <a:spcPts val="250"/>
+              </a:spcAft>
+              <a:buClr>
+                <a:schemeClr val="accent1"/>
+              </a:buClr>
+              <a:buFont typeface="Wingdings 2" pitchFamily="18" charset="2"/>
+              <a:buChar char=""/>
+              <a:defRPr kumimoji="1" sz="1400" kern="1200">
+                <a:solidFill>
+                  <a:schemeClr val="tx1">
+                    <a:lumMod val="65000"/>
+                    <a:lumOff val="35000"/>
+                  </a:schemeClr>
+                </a:solidFill>
+                <a:latin typeface="+mn-lt"/>
+                <a:ea typeface="+mn-ea"/>
+                <a:cs typeface="+mn-cs"/>
+              </a:defRPr>
+            </a:lvl8pPr>
+            <a:lvl9pPr marL="3886200" indent="-228600" algn="l" defTabSz="914400" rtl="0" eaLnBrk="1" latinLnBrk="0" hangingPunct="1">
+              <a:lnSpc>
+                <a:spcPct val="90000"/>
+              </a:lnSpc>
+              <a:spcBef>
+                <a:spcPts val="250"/>
+              </a:spcBef>
+              <a:spcAft>
+                <a:spcPts val="250"/>
+              </a:spcAft>
+              <a:buClr>
+                <a:schemeClr val="accent1"/>
+              </a:buClr>
+              <a:buFont typeface="Wingdings 2" pitchFamily="18" charset="2"/>
+              <a:buChar char=""/>
+              <a:defRPr kumimoji="1" sz="1400" kern="1200">
+                <a:solidFill>
+                  <a:schemeClr val="tx1">
+                    <a:lumMod val="65000"/>
+                    <a:lumOff val="35000"/>
+                  </a:schemeClr>
+                </a:solidFill>
+                <a:latin typeface="+mn-lt"/>
+                <a:ea typeface="+mn-ea"/>
+                <a:cs typeface="+mn-cs"/>
+              </a:defRPr>
+            </a:lvl9pPr>
+          </a:lstStyle>
+          <a:p>
+            <a:r>
+              <a:rPr lang="ja-JP" altLang="en-US" sz="2400">
+                <a:latin typeface="Hiragino Kaku Gothic ProN W3" panose="020B0300000000000000" pitchFamily="34" charset="-128"/>
+                <a:ea typeface="Hiragino Kaku Gothic ProN W3" panose="020B0300000000000000" pitchFamily="34" charset="-128"/>
+              </a:rPr>
+              <a:t>研究の目的と背景</a:t>
+            </a:r>
+            <a:endParaRPr lang="en-US" altLang="ja-JP" sz="2400" dirty="0">
+              <a:latin typeface="Hiragino Kaku Gothic ProN W3" panose="020B0300000000000000" pitchFamily="34" charset="-128"/>
+              <a:ea typeface="Hiragino Kaku Gothic ProN W3" panose="020B0300000000000000" pitchFamily="34" charset="-128"/>
+            </a:endParaRPr>
+          </a:p>
+          <a:p>
+            <a:r>
+              <a:rPr lang="ja-JP" altLang="en-US" sz="2400">
+                <a:latin typeface="Hiragino Kaku Gothic ProN W3" panose="020B0300000000000000" pitchFamily="34" charset="-128"/>
+                <a:ea typeface="Hiragino Kaku Gothic ProN W3" panose="020B0300000000000000" pitchFamily="34" charset="-128"/>
+              </a:rPr>
+              <a:t>関連システム</a:t>
+            </a:r>
+            <a:endParaRPr lang="en-US" altLang="ja-JP" sz="2400" dirty="0">
+              <a:latin typeface="Hiragino Kaku Gothic ProN W3" panose="020B0300000000000000" pitchFamily="34" charset="-128"/>
+              <a:ea typeface="Hiragino Kaku Gothic ProN W3" panose="020B0300000000000000" pitchFamily="34" charset="-128"/>
+            </a:endParaRPr>
+          </a:p>
+          <a:p>
+            <a:r>
+              <a:rPr lang="ja-JP" altLang="en-US" sz="2400">
+                <a:latin typeface="Hiragino Kaku Gothic ProN W3" panose="020B0300000000000000" pitchFamily="34" charset="-128"/>
+                <a:ea typeface="Hiragino Kaku Gothic ProN W3" panose="020B0300000000000000" pitchFamily="34" charset="-128"/>
+              </a:rPr>
+              <a:t>関連研究</a:t>
+            </a:r>
+            <a:endParaRPr lang="en-US" altLang="ja-JP" sz="2400" dirty="0">
+              <a:latin typeface="Hiragino Kaku Gothic ProN W3" panose="020B0300000000000000" pitchFamily="34" charset="-128"/>
+              <a:ea typeface="Hiragino Kaku Gothic ProN W3" panose="020B0300000000000000" pitchFamily="34" charset="-128"/>
+            </a:endParaRPr>
+          </a:p>
+          <a:p>
+            <a:r>
+              <a:rPr lang="ja-JP" altLang="en-US" sz="2400">
+                <a:latin typeface="Hiragino Kaku Gothic ProN W3" panose="020B0300000000000000" pitchFamily="34" charset="-128"/>
+                <a:ea typeface="Hiragino Kaku Gothic ProN W3" panose="020B0300000000000000" pitchFamily="34" charset="-128"/>
+              </a:rPr>
+              <a:t>システムの概要</a:t>
+            </a:r>
+            <a:endParaRPr lang="en-US" altLang="ja-JP" sz="2400" dirty="0">
+              <a:latin typeface="Hiragino Kaku Gothic ProN W3" panose="020B0300000000000000" pitchFamily="34" charset="-128"/>
+              <a:ea typeface="Hiragino Kaku Gothic ProN W3" panose="020B0300000000000000" pitchFamily="34" charset="-128"/>
+            </a:endParaRPr>
+          </a:p>
+          <a:p>
+            <a:r>
+              <a:rPr lang="ja-JP" altLang="en-US" sz="2400">
+                <a:latin typeface="Hiragino Kaku Gothic ProN W3" panose="020B0300000000000000" pitchFamily="34" charset="-128"/>
+                <a:ea typeface="Hiragino Kaku Gothic ProN W3" panose="020B0300000000000000" pitchFamily="34" charset="-128"/>
+              </a:rPr>
+              <a:t>使用した技術</a:t>
+            </a:r>
+            <a:endParaRPr lang="en-US" altLang="ja-JP" sz="2400" dirty="0">
+              <a:latin typeface="Hiragino Kaku Gothic ProN W3" panose="020B0300000000000000" pitchFamily="34" charset="-128"/>
+              <a:ea typeface="Hiragino Kaku Gothic ProN W3" panose="020B0300000000000000" pitchFamily="34" charset="-128"/>
+            </a:endParaRPr>
+          </a:p>
+          <a:p>
+            <a:r>
+              <a:rPr lang="ja-JP" altLang="en-US" sz="2400">
+                <a:latin typeface="Hiragino Kaku Gothic ProN W3" panose="020B0300000000000000" pitchFamily="34" charset="-128"/>
+                <a:ea typeface="Hiragino Kaku Gothic ProN W3" panose="020B0300000000000000" pitchFamily="34" charset="-128"/>
+              </a:rPr>
+              <a:t>実験と結果</a:t>
+            </a:r>
+            <a:endParaRPr lang="en-US" altLang="ja-JP" sz="2400" dirty="0">
+              <a:latin typeface="Hiragino Kaku Gothic ProN W3" panose="020B0300000000000000" pitchFamily="34" charset="-128"/>
+              <a:ea typeface="Hiragino Kaku Gothic ProN W3" panose="020B0300000000000000" pitchFamily="34" charset="-128"/>
+            </a:endParaRPr>
+          </a:p>
+          <a:p>
+            <a:r>
+              <a:rPr lang="ja-JP" altLang="en-US" sz="2400">
+                <a:latin typeface="Hiragino Kaku Gothic ProN W3" panose="020B0300000000000000" pitchFamily="34" charset="-128"/>
+                <a:ea typeface="Hiragino Kaku Gothic ProN W3" panose="020B0300000000000000" pitchFamily="34" charset="-128"/>
+              </a:rPr>
+              <a:t>今後の課題・展望</a:t>
+            </a:r>
+          </a:p>
+        </p:txBody>
+      </p:sp>
+      <p:sp>
+        <p:nvSpPr>
+          <p:cNvPr id="6" name="タイトル 1">
+            <a:extLst>
+              <a:ext uri="{FF2B5EF4-FFF2-40B4-BE49-F238E27FC236}">
+                <a16:creationId xmlns:a16="http://schemas.microsoft.com/office/drawing/2014/main" id="{45A7B92C-AE3D-91D6-227C-099A94786625}"/>
+              </a:ext>
+            </a:extLst>
+          </p:cNvPr>
+          <p:cNvSpPr txBox="1">
+            <a:spLocks/>
+          </p:cNvSpPr>
+          <p:nvPr/>
+        </p:nvSpPr>
+        <p:spPr>
+          <a:xfrm>
+            <a:off x="252918" y="320508"/>
+            <a:ext cx="5843081" cy="771870"/>
+          </a:xfrm>
+          <a:prstGeom prst="rect">
+            <a:avLst/>
+          </a:prstGeom>
+        </p:spPr>
+        <p:txBody>
+          <a:bodyPr/>
+          <a:lstStyle>
+            <a:lvl1pPr algn="l" defTabSz="914400" rtl="0" eaLnBrk="1" latinLnBrk="0" hangingPunct="1">
+              <a:lnSpc>
+                <a:spcPct val="90000"/>
+              </a:lnSpc>
+              <a:spcBef>
+                <a:spcPct val="0"/>
+              </a:spcBef>
+              <a:buNone/>
+              <a:defRPr kumimoji="1" sz="3600" kern="1200" spc="-60" baseline="0">
+                <a:solidFill>
+                  <a:srgbClr val="FFFFFF"/>
+                </a:solidFill>
+                <a:latin typeface="+mj-lt"/>
+                <a:ea typeface="+mj-ea"/>
+                <a:cs typeface="+mj-cs"/>
+              </a:defRPr>
+            </a:lvl1pPr>
+          </a:lstStyle>
+          <a:p>
+            <a:r>
+              <a:rPr lang="ja-JP" altLang="en-US"/>
+              <a:t>目次</a:t>
+            </a:r>
+          </a:p>
+        </p:txBody>
+      </p:sp>
+    </p:spTree>
+    <p:extLst>
+      <p:ext uri="{BB962C8B-B14F-4D97-AF65-F5344CB8AC3E}">
+        <p14:creationId xmlns:p14="http://schemas.microsoft.com/office/powerpoint/2010/main" val="2675460953"/>
+      </p:ext>
+    </p:extLst>
+  </p:cSld>
+  <p:clrMapOvr>
+    <a:masterClrMapping/>
+  </p:clrMapOvr>
+</p:sld>
+</file>
+
+<file path=ppt/slides/slide20.xml><?xml version="1.0" encoding="utf-8"?>
 <p:sld xmlns:a="http://schemas.openxmlformats.org/drawingml/2006/main" xmlns:r="http://schemas.openxmlformats.org/officeDocument/2006/relationships" xmlns:p="http://schemas.openxmlformats.org/presentationml/2006/main" show="0">
   <p:cSld>
     <p:spTree>
@@ -7611,7 +9915,7 @@
 </p:sld>
 </file>
 
-<file path=ppt/slides/slide17.xml><?xml version="1.0" encoding="utf-8"?>
+<file path=ppt/slides/slide21.xml><?xml version="1.0" encoding="utf-8"?>
 <p:sld xmlns:a="http://schemas.openxmlformats.org/drawingml/2006/main" xmlns:r="http://schemas.openxmlformats.org/officeDocument/2006/relationships" xmlns:p="http://schemas.openxmlformats.org/presentationml/2006/main" show="0">
   <p:cSld>
     <p:spTree>
@@ -8162,493 +10466,6 @@
     <p:extLst>
       <p:ext uri="{BB962C8B-B14F-4D97-AF65-F5344CB8AC3E}">
         <p14:creationId xmlns:p14="http://schemas.microsoft.com/office/powerpoint/2010/main" val="1722437370"/>
-      </p:ext>
-    </p:extLst>
-  </p:cSld>
-  <p:clrMapOvr>
-    <a:masterClrMapping/>
-  </p:clrMapOvr>
-</p:sld>
-</file>
-
-<file path=ppt/slides/slide2.xml><?xml version="1.0" encoding="utf-8"?>
-<p:sld xmlns:a="http://schemas.openxmlformats.org/drawingml/2006/main" xmlns:r="http://schemas.openxmlformats.org/officeDocument/2006/relationships" xmlns:p="http://schemas.openxmlformats.org/presentationml/2006/main">
-  <p:cSld>
-    <p:spTree>
-      <p:nvGrpSpPr>
-        <p:cNvPr id="1" name=""/>
-        <p:cNvGrpSpPr/>
-        <p:nvPr/>
-      </p:nvGrpSpPr>
-      <p:grpSpPr>
-        <a:xfrm>
-          <a:off x="0" y="0"/>
-          <a:ext cx="0" cy="0"/>
-          <a:chOff x="0" y="0"/>
-          <a:chExt cx="0" cy="0"/>
-        </a:xfrm>
-      </p:grpSpPr>
-      <p:sp>
-        <p:nvSpPr>
-          <p:cNvPr id="7" name="正方形/長方形 6">
-            <a:extLst>
-              <a:ext uri="{FF2B5EF4-FFF2-40B4-BE49-F238E27FC236}">
-                <a16:creationId xmlns:a16="http://schemas.microsoft.com/office/drawing/2014/main" id="{D98ECB46-E3D4-3A0B-1D69-28EB8A1887F1}"/>
-              </a:ext>
-            </a:extLst>
-          </p:cNvPr>
-          <p:cNvSpPr/>
-          <p:nvPr/>
-        </p:nvSpPr>
-        <p:spPr>
-          <a:xfrm>
-            <a:off x="0" y="-1"/>
-            <a:ext cx="12192000" cy="1077091"/>
-          </a:xfrm>
-          <a:prstGeom prst="rect">
-            <a:avLst/>
-          </a:prstGeom>
-          <a:ln>
-            <a:noFill/>
-          </a:ln>
-        </p:spPr>
-        <p:style>
-          <a:lnRef idx="2">
-            <a:schemeClr val="accent1">
-              <a:shade val="50000"/>
-            </a:schemeClr>
-          </a:lnRef>
-          <a:fillRef idx="1">
-            <a:schemeClr val="accent1"/>
-          </a:fillRef>
-          <a:effectRef idx="0">
-            <a:schemeClr val="accent1"/>
-          </a:effectRef>
-          <a:fontRef idx="minor">
-            <a:schemeClr val="lt1"/>
-          </a:fontRef>
-        </p:style>
-        <p:txBody>
-          <a:bodyPr rtlCol="0" anchor="ctr"/>
-          <a:lstStyle/>
-          <a:p>
-            <a:pPr algn="ctr"/>
-            <a:endParaRPr kumimoji="1" lang="ja-JP" altLang="en-US"/>
-          </a:p>
-        </p:txBody>
-      </p:sp>
-      <p:sp>
-        <p:nvSpPr>
-          <p:cNvPr id="5" name="コンテンツ プレースホルダー 2">
-            <a:extLst>
-              <a:ext uri="{FF2B5EF4-FFF2-40B4-BE49-F238E27FC236}">
-                <a16:creationId xmlns:a16="http://schemas.microsoft.com/office/drawing/2014/main" id="{B040927F-1E6A-C26C-3C46-978E4552B438}"/>
-              </a:ext>
-            </a:extLst>
-          </p:cNvPr>
-          <p:cNvSpPr txBox="1">
-            <a:spLocks/>
-          </p:cNvSpPr>
-          <p:nvPr/>
-        </p:nvSpPr>
-        <p:spPr>
-          <a:xfrm>
-            <a:off x="576043" y="1432140"/>
-            <a:ext cx="11039913" cy="5120640"/>
-          </a:xfrm>
-          <a:prstGeom prst="rect">
-            <a:avLst/>
-          </a:prstGeom>
-        </p:spPr>
-        <p:txBody>
-          <a:bodyPr/>
-          <a:lstStyle>
-            <a:lvl1pPr marL="182880" indent="-182880" algn="l" defTabSz="914400" rtl="0" eaLnBrk="1" latinLnBrk="0" hangingPunct="1">
-              <a:lnSpc>
-                <a:spcPct val="90000"/>
-              </a:lnSpc>
-              <a:spcBef>
-                <a:spcPts val="1200"/>
-              </a:spcBef>
-              <a:buClr>
-                <a:schemeClr val="accent1"/>
-              </a:buClr>
-              <a:buFont typeface="Wingdings 2" pitchFamily="18" charset="2"/>
-              <a:buChar char=""/>
-              <a:defRPr kumimoji="1" sz="2000" kern="1200">
-                <a:solidFill>
-                  <a:schemeClr val="tx1">
-                    <a:lumMod val="65000"/>
-                    <a:lumOff val="35000"/>
-                  </a:schemeClr>
-                </a:solidFill>
-                <a:latin typeface="+mn-lt"/>
-                <a:ea typeface="+mn-ea"/>
-                <a:cs typeface="+mn-cs"/>
-              </a:defRPr>
-            </a:lvl1pPr>
-            <a:lvl2pPr marL="685800" indent="-182880" algn="l" defTabSz="914400" rtl="0" eaLnBrk="1" latinLnBrk="0" hangingPunct="1">
-              <a:lnSpc>
-                <a:spcPct val="90000"/>
-              </a:lnSpc>
-              <a:spcBef>
-                <a:spcPts val="250"/>
-              </a:spcBef>
-              <a:spcAft>
-                <a:spcPts val="250"/>
-              </a:spcAft>
-              <a:buClr>
-                <a:schemeClr val="accent1"/>
-              </a:buClr>
-              <a:buFont typeface="Wingdings 2" pitchFamily="18" charset="2"/>
-              <a:buChar char=""/>
-              <a:defRPr kumimoji="1" sz="1800" kern="1200">
-                <a:solidFill>
-                  <a:schemeClr val="tx1">
-                    <a:lumMod val="65000"/>
-                    <a:lumOff val="35000"/>
-                  </a:schemeClr>
-                </a:solidFill>
-                <a:latin typeface="+mn-lt"/>
-                <a:ea typeface="+mn-ea"/>
-                <a:cs typeface="+mn-cs"/>
-              </a:defRPr>
-            </a:lvl2pPr>
-            <a:lvl3pPr marL="1143000" indent="-182880" algn="l" defTabSz="914400" rtl="0" eaLnBrk="1" latinLnBrk="0" hangingPunct="1">
-              <a:lnSpc>
-                <a:spcPct val="90000"/>
-              </a:lnSpc>
-              <a:spcBef>
-                <a:spcPts val="250"/>
-              </a:spcBef>
-              <a:spcAft>
-                <a:spcPts val="250"/>
-              </a:spcAft>
-              <a:buClr>
-                <a:schemeClr val="accent1"/>
-              </a:buClr>
-              <a:buFont typeface="Wingdings 2" pitchFamily="18" charset="2"/>
-              <a:buChar char=""/>
-              <a:defRPr kumimoji="1" sz="1600" kern="1200">
-                <a:solidFill>
-                  <a:schemeClr val="tx1">
-                    <a:lumMod val="65000"/>
-                    <a:lumOff val="35000"/>
-                  </a:schemeClr>
-                </a:solidFill>
-                <a:latin typeface="+mn-lt"/>
-                <a:ea typeface="+mn-ea"/>
-                <a:cs typeface="+mn-cs"/>
-              </a:defRPr>
-            </a:lvl3pPr>
-            <a:lvl4pPr marL="1600200" indent="-182880" algn="l" defTabSz="914400" rtl="0" eaLnBrk="1" latinLnBrk="0" hangingPunct="1">
-              <a:lnSpc>
-                <a:spcPct val="90000"/>
-              </a:lnSpc>
-              <a:spcBef>
-                <a:spcPts val="250"/>
-              </a:spcBef>
-              <a:spcAft>
-                <a:spcPts val="250"/>
-              </a:spcAft>
-              <a:buClr>
-                <a:schemeClr val="accent1"/>
-              </a:buClr>
-              <a:buFont typeface="Wingdings 2" pitchFamily="18" charset="2"/>
-              <a:buChar char=""/>
-              <a:defRPr kumimoji="1" sz="1400" kern="1200">
-                <a:solidFill>
-                  <a:schemeClr val="tx1">
-                    <a:lumMod val="65000"/>
-                    <a:lumOff val="35000"/>
-                  </a:schemeClr>
-                </a:solidFill>
-                <a:latin typeface="+mn-lt"/>
-                <a:ea typeface="+mn-ea"/>
-                <a:cs typeface="+mn-cs"/>
-              </a:defRPr>
-            </a:lvl4pPr>
-            <a:lvl5pPr marL="2057400" indent="-182880" algn="l" defTabSz="914400" rtl="0" eaLnBrk="1" latinLnBrk="0" hangingPunct="1">
-              <a:lnSpc>
-                <a:spcPct val="90000"/>
-              </a:lnSpc>
-              <a:spcBef>
-                <a:spcPts val="250"/>
-              </a:spcBef>
-              <a:spcAft>
-                <a:spcPts val="250"/>
-              </a:spcAft>
-              <a:buClr>
-                <a:schemeClr val="accent1"/>
-              </a:buClr>
-              <a:buFont typeface="Wingdings 2" pitchFamily="18" charset="2"/>
-              <a:buChar char=""/>
-              <a:defRPr kumimoji="1" sz="1400" kern="1200">
-                <a:solidFill>
-                  <a:schemeClr val="tx1">
-                    <a:lumMod val="65000"/>
-                    <a:lumOff val="35000"/>
-                  </a:schemeClr>
-                </a:solidFill>
-                <a:latin typeface="+mn-lt"/>
-                <a:ea typeface="+mn-ea"/>
-                <a:cs typeface="+mn-cs"/>
-              </a:defRPr>
-            </a:lvl5pPr>
-            <a:lvl6pPr marL="2514600" indent="-228600" algn="l" defTabSz="914400" rtl="0" eaLnBrk="1" latinLnBrk="0" hangingPunct="1">
-              <a:lnSpc>
-                <a:spcPct val="90000"/>
-              </a:lnSpc>
-              <a:spcBef>
-                <a:spcPts val="250"/>
-              </a:spcBef>
-              <a:spcAft>
-                <a:spcPts val="250"/>
-              </a:spcAft>
-              <a:buClr>
-                <a:schemeClr val="accent1"/>
-              </a:buClr>
-              <a:buFont typeface="Wingdings 2" pitchFamily="18" charset="2"/>
-              <a:buChar char=""/>
-              <a:defRPr kumimoji="1" sz="1400" kern="1200">
-                <a:solidFill>
-                  <a:schemeClr val="tx1">
-                    <a:lumMod val="65000"/>
-                    <a:lumOff val="35000"/>
-                  </a:schemeClr>
-                </a:solidFill>
-                <a:latin typeface="+mn-lt"/>
-                <a:ea typeface="+mn-ea"/>
-                <a:cs typeface="+mn-cs"/>
-              </a:defRPr>
-            </a:lvl6pPr>
-            <a:lvl7pPr marL="2971800" indent="-228600" algn="l" defTabSz="914400" rtl="0" eaLnBrk="1" latinLnBrk="0" hangingPunct="1">
-              <a:lnSpc>
-                <a:spcPct val="90000"/>
-              </a:lnSpc>
-              <a:spcBef>
-                <a:spcPts val="250"/>
-              </a:spcBef>
-              <a:spcAft>
-                <a:spcPts val="250"/>
-              </a:spcAft>
-              <a:buClr>
-                <a:schemeClr val="accent1"/>
-              </a:buClr>
-              <a:buFont typeface="Wingdings 2" pitchFamily="18" charset="2"/>
-              <a:buChar char=""/>
-              <a:defRPr kumimoji="1" sz="1400" kern="1200">
-                <a:solidFill>
-                  <a:schemeClr val="tx1">
-                    <a:lumMod val="65000"/>
-                    <a:lumOff val="35000"/>
-                  </a:schemeClr>
-                </a:solidFill>
-                <a:latin typeface="+mn-lt"/>
-                <a:ea typeface="+mn-ea"/>
-                <a:cs typeface="+mn-cs"/>
-              </a:defRPr>
-            </a:lvl7pPr>
-            <a:lvl8pPr marL="3429000" indent="-228600" algn="l" defTabSz="914400" rtl="0" eaLnBrk="1" latinLnBrk="0" hangingPunct="1">
-              <a:lnSpc>
-                <a:spcPct val="90000"/>
-              </a:lnSpc>
-              <a:spcBef>
-                <a:spcPts val="250"/>
-              </a:spcBef>
-              <a:spcAft>
-                <a:spcPts val="250"/>
-              </a:spcAft>
-              <a:buClr>
-                <a:schemeClr val="accent1"/>
-              </a:buClr>
-              <a:buFont typeface="Wingdings 2" pitchFamily="18" charset="2"/>
-              <a:buChar char=""/>
-              <a:defRPr kumimoji="1" sz="1400" kern="1200">
-                <a:solidFill>
-                  <a:schemeClr val="tx1">
-                    <a:lumMod val="65000"/>
-                    <a:lumOff val="35000"/>
-                  </a:schemeClr>
-                </a:solidFill>
-                <a:latin typeface="+mn-lt"/>
-                <a:ea typeface="+mn-ea"/>
-                <a:cs typeface="+mn-cs"/>
-              </a:defRPr>
-            </a:lvl8pPr>
-            <a:lvl9pPr marL="3886200" indent="-228600" algn="l" defTabSz="914400" rtl="0" eaLnBrk="1" latinLnBrk="0" hangingPunct="1">
-              <a:lnSpc>
-                <a:spcPct val="90000"/>
-              </a:lnSpc>
-              <a:spcBef>
-                <a:spcPts val="250"/>
-              </a:spcBef>
-              <a:spcAft>
-                <a:spcPts val="250"/>
-              </a:spcAft>
-              <a:buClr>
-                <a:schemeClr val="accent1"/>
-              </a:buClr>
-              <a:buFont typeface="Wingdings 2" pitchFamily="18" charset="2"/>
-              <a:buChar char=""/>
-              <a:defRPr kumimoji="1" sz="1400" kern="1200">
-                <a:solidFill>
-                  <a:schemeClr val="tx1">
-                    <a:lumMod val="65000"/>
-                    <a:lumOff val="35000"/>
-                  </a:schemeClr>
-                </a:solidFill>
-                <a:latin typeface="+mn-lt"/>
-                <a:ea typeface="+mn-ea"/>
-                <a:cs typeface="+mn-cs"/>
-              </a:defRPr>
-            </a:lvl9pPr>
-          </a:lstStyle>
-          <a:p>
-            <a:r>
-              <a:rPr lang="ja-JP" altLang="en-US" sz="2400">
-                <a:latin typeface="Hiragino Kaku Gothic ProN W3" panose="020B0300000000000000" pitchFamily="34" charset="-128"/>
-                <a:ea typeface="Hiragino Kaku Gothic ProN W3" panose="020B0300000000000000" pitchFamily="34" charset="-128"/>
-              </a:rPr>
-              <a:t>研究の目的と背景</a:t>
-            </a:r>
-            <a:endParaRPr lang="en-US" altLang="ja-JP" sz="2400" dirty="0">
-              <a:latin typeface="Hiragino Kaku Gothic ProN W3" panose="020B0300000000000000" pitchFamily="34" charset="-128"/>
-              <a:ea typeface="Hiragino Kaku Gothic ProN W3" panose="020B0300000000000000" pitchFamily="34" charset="-128"/>
-            </a:endParaRPr>
-          </a:p>
-          <a:p>
-            <a:r>
-              <a:rPr lang="ja-JP" altLang="en-US" sz="2400">
-                <a:latin typeface="Hiragino Kaku Gothic ProN W3" panose="020B0300000000000000" pitchFamily="34" charset="-128"/>
-                <a:ea typeface="Hiragino Kaku Gothic ProN W3" panose="020B0300000000000000" pitchFamily="34" charset="-128"/>
-              </a:rPr>
-              <a:t>関連システム</a:t>
-            </a:r>
-            <a:endParaRPr lang="en-US" altLang="ja-JP" sz="2400" dirty="0">
-              <a:latin typeface="Hiragino Kaku Gothic ProN W3" panose="020B0300000000000000" pitchFamily="34" charset="-128"/>
-              <a:ea typeface="Hiragino Kaku Gothic ProN W3" panose="020B0300000000000000" pitchFamily="34" charset="-128"/>
-            </a:endParaRPr>
-          </a:p>
-          <a:p>
-            <a:r>
-              <a:rPr lang="ja-JP" altLang="en-US" sz="2400">
-                <a:latin typeface="Hiragino Kaku Gothic ProN W3" panose="020B0300000000000000" pitchFamily="34" charset="-128"/>
-                <a:ea typeface="Hiragino Kaku Gothic ProN W3" panose="020B0300000000000000" pitchFamily="34" charset="-128"/>
-              </a:rPr>
-              <a:t>関連研究</a:t>
-            </a:r>
-            <a:endParaRPr lang="en-US" altLang="ja-JP" sz="2400" dirty="0">
-              <a:latin typeface="Hiragino Kaku Gothic ProN W3" panose="020B0300000000000000" pitchFamily="34" charset="-128"/>
-              <a:ea typeface="Hiragino Kaku Gothic ProN W3" panose="020B0300000000000000" pitchFamily="34" charset="-128"/>
-            </a:endParaRPr>
-          </a:p>
-          <a:p>
-            <a:r>
-              <a:rPr lang="ja-JP" altLang="en-US" sz="2400">
-                <a:latin typeface="Hiragino Kaku Gothic ProN W3" panose="020B0300000000000000" pitchFamily="34" charset="-128"/>
-                <a:ea typeface="Hiragino Kaku Gothic ProN W3" panose="020B0300000000000000" pitchFamily="34" charset="-128"/>
-              </a:rPr>
-              <a:t>システムの概要</a:t>
-            </a:r>
-            <a:endParaRPr lang="en-US" altLang="ja-JP" sz="2400" dirty="0">
-              <a:latin typeface="Hiragino Kaku Gothic ProN W3" panose="020B0300000000000000" pitchFamily="34" charset="-128"/>
-              <a:ea typeface="Hiragino Kaku Gothic ProN W3" panose="020B0300000000000000" pitchFamily="34" charset="-128"/>
-            </a:endParaRPr>
-          </a:p>
-          <a:p>
-            <a:r>
-              <a:rPr lang="ja-JP" altLang="en-US" sz="2400">
-                <a:latin typeface="Hiragino Kaku Gothic ProN W3" panose="020B0300000000000000" pitchFamily="34" charset="-128"/>
-                <a:ea typeface="Hiragino Kaku Gothic ProN W3" panose="020B0300000000000000" pitchFamily="34" charset="-128"/>
-              </a:rPr>
-              <a:t>使用した技術</a:t>
-            </a:r>
-            <a:endParaRPr lang="en-US" altLang="ja-JP" sz="2400" dirty="0">
-              <a:latin typeface="Hiragino Kaku Gothic ProN W3" panose="020B0300000000000000" pitchFamily="34" charset="-128"/>
-              <a:ea typeface="Hiragino Kaku Gothic ProN W3" panose="020B0300000000000000" pitchFamily="34" charset="-128"/>
-            </a:endParaRPr>
-          </a:p>
-          <a:p>
-            <a:r>
-              <a:rPr lang="ja-JP" altLang="en-US" sz="2400">
-                <a:latin typeface="Hiragino Kaku Gothic ProN W3" panose="020B0300000000000000" pitchFamily="34" charset="-128"/>
-                <a:ea typeface="Hiragino Kaku Gothic ProN W3" panose="020B0300000000000000" pitchFamily="34" charset="-128"/>
-              </a:rPr>
-              <a:t>実験と結果</a:t>
-            </a:r>
-            <a:endParaRPr lang="en-US" altLang="ja-JP" sz="2400" dirty="0">
-              <a:latin typeface="Hiragino Kaku Gothic ProN W3" panose="020B0300000000000000" pitchFamily="34" charset="-128"/>
-              <a:ea typeface="Hiragino Kaku Gothic ProN W3" panose="020B0300000000000000" pitchFamily="34" charset="-128"/>
-            </a:endParaRPr>
-          </a:p>
-          <a:p>
-            <a:r>
-              <a:rPr lang="ja-JP" altLang="en-US" sz="2400">
-                <a:latin typeface="Hiragino Kaku Gothic ProN W3" panose="020B0300000000000000" pitchFamily="34" charset="-128"/>
-                <a:ea typeface="Hiragino Kaku Gothic ProN W3" panose="020B0300000000000000" pitchFamily="34" charset="-128"/>
-              </a:rPr>
-              <a:t>今後の課題・展望</a:t>
-            </a:r>
-          </a:p>
-        </p:txBody>
-      </p:sp>
-      <p:sp>
-        <p:nvSpPr>
-          <p:cNvPr id="6" name="タイトル 1">
-            <a:extLst>
-              <a:ext uri="{FF2B5EF4-FFF2-40B4-BE49-F238E27FC236}">
-                <a16:creationId xmlns:a16="http://schemas.microsoft.com/office/drawing/2014/main" id="{45A7B92C-AE3D-91D6-227C-099A94786625}"/>
-              </a:ext>
-            </a:extLst>
-          </p:cNvPr>
-          <p:cNvSpPr txBox="1">
-            <a:spLocks/>
-          </p:cNvSpPr>
-          <p:nvPr/>
-        </p:nvSpPr>
-        <p:spPr>
-          <a:xfrm>
-            <a:off x="252918" y="320508"/>
-            <a:ext cx="5843081" cy="771870"/>
-          </a:xfrm>
-          <a:prstGeom prst="rect">
-            <a:avLst/>
-          </a:prstGeom>
-        </p:spPr>
-        <p:txBody>
-          <a:bodyPr/>
-          <a:lstStyle>
-            <a:lvl1pPr algn="l" defTabSz="914400" rtl="0" eaLnBrk="1" latinLnBrk="0" hangingPunct="1">
-              <a:lnSpc>
-                <a:spcPct val="90000"/>
-              </a:lnSpc>
-              <a:spcBef>
-                <a:spcPct val="0"/>
-              </a:spcBef>
-              <a:buNone/>
-              <a:defRPr kumimoji="1" sz="3600" kern="1200" spc="-60" baseline="0">
-                <a:solidFill>
-                  <a:srgbClr val="FFFFFF"/>
-                </a:solidFill>
-                <a:latin typeface="+mj-lt"/>
-                <a:ea typeface="+mj-ea"/>
-                <a:cs typeface="+mj-cs"/>
-              </a:defRPr>
-            </a:lvl1pPr>
-          </a:lstStyle>
-          <a:p>
-            <a:r>
-              <a:rPr lang="ja-JP" altLang="en-US"/>
-              <a:t>目次</a:t>
-            </a:r>
-          </a:p>
-        </p:txBody>
-      </p:sp>
-    </p:spTree>
-    <p:extLst>
-      <p:ext uri="{BB962C8B-B14F-4D97-AF65-F5344CB8AC3E}">
-        <p14:creationId xmlns:p14="http://schemas.microsoft.com/office/powerpoint/2010/main" val="2675460953"/>
       </p:ext>
     </p:extLst>
   </p:cSld>
@@ -9827,6 +11644,338 @@
               <a:latin typeface="Hiragino Kaku Gothic ProN W3" panose="020B0300000000000000" pitchFamily="34" charset="-128"/>
               <a:ea typeface="Hiragino Kaku Gothic ProN W3" panose="020B0300000000000000" pitchFamily="34" charset="-128"/>
             </a:endParaRPr>
+          </a:p>
+        </p:txBody>
+      </p:sp>
+      <p:sp>
+        <p:nvSpPr>
+          <p:cNvPr id="4" name="コンテンツ プレースホルダー 2">
+            <a:extLst>
+              <a:ext uri="{FF2B5EF4-FFF2-40B4-BE49-F238E27FC236}">
+                <a16:creationId xmlns:a16="http://schemas.microsoft.com/office/drawing/2014/main" id="{DAB0C320-EDCE-D72F-8296-0EA72B726E91}"/>
+              </a:ext>
+            </a:extLst>
+          </p:cNvPr>
+          <p:cNvSpPr txBox="1">
+            <a:spLocks/>
+          </p:cNvSpPr>
+          <p:nvPr/>
+        </p:nvSpPr>
+        <p:spPr>
+          <a:xfrm>
+            <a:off x="7262648" y="1584540"/>
+            <a:ext cx="4505708" cy="5120640"/>
+          </a:xfrm>
+          <a:prstGeom prst="rect">
+            <a:avLst/>
+          </a:prstGeom>
+        </p:spPr>
+        <p:txBody>
+          <a:bodyPr/>
+          <a:lstStyle>
+            <a:lvl1pPr marL="182880" indent="-182880" algn="l" defTabSz="914400" rtl="0" eaLnBrk="1" latinLnBrk="0" hangingPunct="1">
+              <a:lnSpc>
+                <a:spcPct val="90000"/>
+              </a:lnSpc>
+              <a:spcBef>
+                <a:spcPts val="1200"/>
+              </a:spcBef>
+              <a:buClr>
+                <a:schemeClr val="accent1"/>
+              </a:buClr>
+              <a:buFont typeface="Wingdings 2" pitchFamily="18" charset="2"/>
+              <a:buChar char=""/>
+              <a:defRPr kumimoji="1" sz="2000" kern="1200">
+                <a:solidFill>
+                  <a:schemeClr val="tx1">
+                    <a:lumMod val="65000"/>
+                    <a:lumOff val="35000"/>
+                  </a:schemeClr>
+                </a:solidFill>
+                <a:latin typeface="+mn-lt"/>
+                <a:ea typeface="+mn-ea"/>
+                <a:cs typeface="+mn-cs"/>
+              </a:defRPr>
+            </a:lvl1pPr>
+            <a:lvl2pPr marL="685800" indent="-182880" algn="l" defTabSz="914400" rtl="0" eaLnBrk="1" latinLnBrk="0" hangingPunct="1">
+              <a:lnSpc>
+                <a:spcPct val="90000"/>
+              </a:lnSpc>
+              <a:spcBef>
+                <a:spcPts val="250"/>
+              </a:spcBef>
+              <a:spcAft>
+                <a:spcPts val="250"/>
+              </a:spcAft>
+              <a:buClr>
+                <a:schemeClr val="accent1"/>
+              </a:buClr>
+              <a:buFont typeface="Wingdings 2" pitchFamily="18" charset="2"/>
+              <a:buChar char=""/>
+              <a:defRPr kumimoji="1" sz="1800" kern="1200">
+                <a:solidFill>
+                  <a:schemeClr val="tx1">
+                    <a:lumMod val="65000"/>
+                    <a:lumOff val="35000"/>
+                  </a:schemeClr>
+                </a:solidFill>
+                <a:latin typeface="+mn-lt"/>
+                <a:ea typeface="+mn-ea"/>
+                <a:cs typeface="+mn-cs"/>
+              </a:defRPr>
+            </a:lvl2pPr>
+            <a:lvl3pPr marL="1143000" indent="-182880" algn="l" defTabSz="914400" rtl="0" eaLnBrk="1" latinLnBrk="0" hangingPunct="1">
+              <a:lnSpc>
+                <a:spcPct val="90000"/>
+              </a:lnSpc>
+              <a:spcBef>
+                <a:spcPts val="250"/>
+              </a:spcBef>
+              <a:spcAft>
+                <a:spcPts val="250"/>
+              </a:spcAft>
+              <a:buClr>
+                <a:schemeClr val="accent1"/>
+              </a:buClr>
+              <a:buFont typeface="Wingdings 2" pitchFamily="18" charset="2"/>
+              <a:buChar char=""/>
+              <a:defRPr kumimoji="1" sz="1600" kern="1200">
+                <a:solidFill>
+                  <a:schemeClr val="tx1">
+                    <a:lumMod val="65000"/>
+                    <a:lumOff val="35000"/>
+                  </a:schemeClr>
+                </a:solidFill>
+                <a:latin typeface="+mn-lt"/>
+                <a:ea typeface="+mn-ea"/>
+                <a:cs typeface="+mn-cs"/>
+              </a:defRPr>
+            </a:lvl3pPr>
+            <a:lvl4pPr marL="1600200" indent="-182880" algn="l" defTabSz="914400" rtl="0" eaLnBrk="1" latinLnBrk="0" hangingPunct="1">
+              <a:lnSpc>
+                <a:spcPct val="90000"/>
+              </a:lnSpc>
+              <a:spcBef>
+                <a:spcPts val="250"/>
+              </a:spcBef>
+              <a:spcAft>
+                <a:spcPts val="250"/>
+              </a:spcAft>
+              <a:buClr>
+                <a:schemeClr val="accent1"/>
+              </a:buClr>
+              <a:buFont typeface="Wingdings 2" pitchFamily="18" charset="2"/>
+              <a:buChar char=""/>
+              <a:defRPr kumimoji="1" sz="1400" kern="1200">
+                <a:solidFill>
+                  <a:schemeClr val="tx1">
+                    <a:lumMod val="65000"/>
+                    <a:lumOff val="35000"/>
+                  </a:schemeClr>
+                </a:solidFill>
+                <a:latin typeface="+mn-lt"/>
+                <a:ea typeface="+mn-ea"/>
+                <a:cs typeface="+mn-cs"/>
+              </a:defRPr>
+            </a:lvl4pPr>
+            <a:lvl5pPr marL="2057400" indent="-182880" algn="l" defTabSz="914400" rtl="0" eaLnBrk="1" latinLnBrk="0" hangingPunct="1">
+              <a:lnSpc>
+                <a:spcPct val="90000"/>
+              </a:lnSpc>
+              <a:spcBef>
+                <a:spcPts val="250"/>
+              </a:spcBef>
+              <a:spcAft>
+                <a:spcPts val="250"/>
+              </a:spcAft>
+              <a:buClr>
+                <a:schemeClr val="accent1"/>
+              </a:buClr>
+              <a:buFont typeface="Wingdings 2" pitchFamily="18" charset="2"/>
+              <a:buChar char=""/>
+              <a:defRPr kumimoji="1" sz="1400" kern="1200">
+                <a:solidFill>
+                  <a:schemeClr val="tx1">
+                    <a:lumMod val="65000"/>
+                    <a:lumOff val="35000"/>
+                  </a:schemeClr>
+                </a:solidFill>
+                <a:latin typeface="+mn-lt"/>
+                <a:ea typeface="+mn-ea"/>
+                <a:cs typeface="+mn-cs"/>
+              </a:defRPr>
+            </a:lvl5pPr>
+            <a:lvl6pPr marL="2514600" indent="-228600" algn="l" defTabSz="914400" rtl="0" eaLnBrk="1" latinLnBrk="0" hangingPunct="1">
+              <a:lnSpc>
+                <a:spcPct val="90000"/>
+              </a:lnSpc>
+              <a:spcBef>
+                <a:spcPts val="250"/>
+              </a:spcBef>
+              <a:spcAft>
+                <a:spcPts val="250"/>
+              </a:spcAft>
+              <a:buClr>
+                <a:schemeClr val="accent1"/>
+              </a:buClr>
+              <a:buFont typeface="Wingdings 2" pitchFamily="18" charset="2"/>
+              <a:buChar char=""/>
+              <a:defRPr kumimoji="1" sz="1400" kern="1200">
+                <a:solidFill>
+                  <a:schemeClr val="tx1">
+                    <a:lumMod val="65000"/>
+                    <a:lumOff val="35000"/>
+                  </a:schemeClr>
+                </a:solidFill>
+                <a:latin typeface="+mn-lt"/>
+                <a:ea typeface="+mn-ea"/>
+                <a:cs typeface="+mn-cs"/>
+              </a:defRPr>
+            </a:lvl6pPr>
+            <a:lvl7pPr marL="2971800" indent="-228600" algn="l" defTabSz="914400" rtl="0" eaLnBrk="1" latinLnBrk="0" hangingPunct="1">
+              <a:lnSpc>
+                <a:spcPct val="90000"/>
+              </a:lnSpc>
+              <a:spcBef>
+                <a:spcPts val="250"/>
+              </a:spcBef>
+              <a:spcAft>
+                <a:spcPts val="250"/>
+              </a:spcAft>
+              <a:buClr>
+                <a:schemeClr val="accent1"/>
+              </a:buClr>
+              <a:buFont typeface="Wingdings 2" pitchFamily="18" charset="2"/>
+              <a:buChar char=""/>
+              <a:defRPr kumimoji="1" sz="1400" kern="1200">
+                <a:solidFill>
+                  <a:schemeClr val="tx1">
+                    <a:lumMod val="65000"/>
+                    <a:lumOff val="35000"/>
+                  </a:schemeClr>
+                </a:solidFill>
+                <a:latin typeface="+mn-lt"/>
+                <a:ea typeface="+mn-ea"/>
+                <a:cs typeface="+mn-cs"/>
+              </a:defRPr>
+            </a:lvl7pPr>
+            <a:lvl8pPr marL="3429000" indent="-228600" algn="l" defTabSz="914400" rtl="0" eaLnBrk="1" latinLnBrk="0" hangingPunct="1">
+              <a:lnSpc>
+                <a:spcPct val="90000"/>
+              </a:lnSpc>
+              <a:spcBef>
+                <a:spcPts val="250"/>
+              </a:spcBef>
+              <a:spcAft>
+                <a:spcPts val="250"/>
+              </a:spcAft>
+              <a:buClr>
+                <a:schemeClr val="accent1"/>
+              </a:buClr>
+              <a:buFont typeface="Wingdings 2" pitchFamily="18" charset="2"/>
+              <a:buChar char=""/>
+              <a:defRPr kumimoji="1" sz="1400" kern="1200">
+                <a:solidFill>
+                  <a:schemeClr val="tx1">
+                    <a:lumMod val="65000"/>
+                    <a:lumOff val="35000"/>
+                  </a:schemeClr>
+                </a:solidFill>
+                <a:latin typeface="+mn-lt"/>
+                <a:ea typeface="+mn-ea"/>
+                <a:cs typeface="+mn-cs"/>
+              </a:defRPr>
+            </a:lvl8pPr>
+            <a:lvl9pPr marL="3886200" indent="-228600" algn="l" defTabSz="914400" rtl="0" eaLnBrk="1" latinLnBrk="0" hangingPunct="1">
+              <a:lnSpc>
+                <a:spcPct val="90000"/>
+              </a:lnSpc>
+              <a:spcBef>
+                <a:spcPts val="250"/>
+              </a:spcBef>
+              <a:spcAft>
+                <a:spcPts val="250"/>
+              </a:spcAft>
+              <a:buClr>
+                <a:schemeClr val="accent1"/>
+              </a:buClr>
+              <a:buFont typeface="Wingdings 2" pitchFamily="18" charset="2"/>
+              <a:buChar char=""/>
+              <a:defRPr kumimoji="1" sz="1400" kern="1200">
+                <a:solidFill>
+                  <a:schemeClr val="tx1">
+                    <a:lumMod val="65000"/>
+                    <a:lumOff val="35000"/>
+                  </a:schemeClr>
+                </a:solidFill>
+                <a:latin typeface="+mn-lt"/>
+                <a:ea typeface="+mn-ea"/>
+                <a:cs typeface="+mn-cs"/>
+              </a:defRPr>
+            </a:lvl9pPr>
+          </a:lstStyle>
+          <a:p>
+            <a:r>
+              <a:rPr lang="ja-JP" altLang="en-US">
+                <a:latin typeface="Hiragino Kaku Gothic ProN W3" panose="020B0300000000000000" pitchFamily="34" charset="-128"/>
+                <a:ea typeface="Hiragino Kaku Gothic ProN W3" panose="020B0300000000000000" pitchFamily="34" charset="-128"/>
+              </a:rPr>
+              <a:t>株式会社</a:t>
+            </a:r>
+            <a:r>
+              <a:rPr lang="en" altLang="ja-JP" dirty="0">
+                <a:latin typeface="Hiragino Kaku Gothic ProN W3" panose="020B0300000000000000" pitchFamily="34" charset="-128"/>
+                <a:ea typeface="Hiragino Kaku Gothic ProN W3" panose="020B0300000000000000" pitchFamily="34" charset="-128"/>
+              </a:rPr>
+              <a:t>JINS</a:t>
+            </a:r>
+            <a:r>
+              <a:rPr lang="ja-JP" altLang="en-US">
+                <a:latin typeface="Hiragino Kaku Gothic ProN W3" panose="020B0300000000000000" pitchFamily="34" charset="-128"/>
+                <a:ea typeface="Hiragino Kaku Gothic ProN W3" panose="020B0300000000000000" pitchFamily="34" charset="-128"/>
+              </a:rPr>
+              <a:t>ホールディングスが提供するメガネの試着システム </a:t>
+            </a:r>
+            <a:endParaRPr lang="en-US" altLang="ja-JP" dirty="0">
+              <a:latin typeface="Hiragino Kaku Gothic ProN W3" panose="020B0300000000000000" pitchFamily="34" charset="-128"/>
+              <a:ea typeface="Hiragino Kaku Gothic ProN W3" panose="020B0300000000000000" pitchFamily="34" charset="-128"/>
+            </a:endParaRPr>
+          </a:p>
+          <a:p>
+            <a:r>
+              <a:rPr lang="ja-JP" altLang="en-US">
+                <a:latin typeface="Hiragino Kaku Gothic ProN W3" panose="020B0300000000000000" pitchFamily="34" charset="-128"/>
+                <a:ea typeface="Hiragino Kaku Gothic ProN W3" panose="020B0300000000000000" pitchFamily="34" charset="-128"/>
+              </a:rPr>
+              <a:t>メガネを試着した状態で、スマホのカメラもしくは店舗に設置されている専用機器で顔写真を撮影すると、</a:t>
+            </a:r>
+            <a:r>
+              <a:rPr lang="en" altLang="ja-JP" dirty="0">
+                <a:latin typeface="Hiragino Kaku Gothic ProN W3" panose="020B0300000000000000" pitchFamily="34" charset="-128"/>
+                <a:ea typeface="Hiragino Kaku Gothic ProN W3" panose="020B0300000000000000" pitchFamily="34" charset="-128"/>
+              </a:rPr>
+              <a:t>AI</a:t>
+            </a:r>
+            <a:r>
+              <a:rPr lang="ja-JP" altLang="en-US">
+                <a:latin typeface="Hiragino Kaku Gothic ProN W3" panose="020B0300000000000000" pitchFamily="34" charset="-128"/>
+                <a:ea typeface="Hiragino Kaku Gothic ProN W3" panose="020B0300000000000000" pitchFamily="34" charset="-128"/>
+              </a:rPr>
+              <a:t>がそのメガネの「似合い度」を判定するというもの</a:t>
+            </a:r>
+            <a:endParaRPr lang="en-US" altLang="ja-JP" dirty="0">
+              <a:latin typeface="Hiragino Kaku Gothic ProN W3" panose="020B0300000000000000" pitchFamily="34" charset="-128"/>
+              <a:ea typeface="Hiragino Kaku Gothic ProN W3" panose="020B0300000000000000" pitchFamily="34" charset="-128"/>
+            </a:endParaRPr>
+          </a:p>
+          <a:p>
+            <a:r>
+              <a:rPr lang="ja-JP" altLang="en-US">
+                <a:latin typeface="Hiragino Kaku Gothic ProN W3" panose="020B0300000000000000" pitchFamily="34" charset="-128"/>
+                <a:ea typeface="Hiragino Kaku Gothic ProN W3" panose="020B0300000000000000" pitchFamily="34" charset="-128"/>
+              </a:rPr>
+              <a:t>店舗在庫の中からメガネを「似合い度順」でレコメンドする機能もある </a:t>
+            </a:r>
           </a:p>
         </p:txBody>
       </p:sp>

--- a/口頭試問.pptx
+++ b/口頭試問.pptx
@@ -14,18 +14,22 @@
     <p:sldId id="264" r:id="rId8"/>
     <p:sldId id="260" r:id="rId9"/>
     <p:sldId id="266" r:id="rId10"/>
-    <p:sldId id="268" r:id="rId11"/>
-    <p:sldId id="269" r:id="rId12"/>
-    <p:sldId id="272" r:id="rId13"/>
-    <p:sldId id="273" r:id="rId14"/>
-    <p:sldId id="274" r:id="rId15"/>
-    <p:sldId id="270" r:id="rId16"/>
-    <p:sldId id="275" r:id="rId17"/>
-    <p:sldId id="276" r:id="rId18"/>
-    <p:sldId id="277" r:id="rId19"/>
-    <p:sldId id="278" r:id="rId20"/>
-    <p:sldId id="261" r:id="rId21"/>
-    <p:sldId id="262" r:id="rId22"/>
+    <p:sldId id="279" r:id="rId11"/>
+    <p:sldId id="280" r:id="rId12"/>
+    <p:sldId id="268" r:id="rId13"/>
+    <p:sldId id="281" r:id="rId14"/>
+    <p:sldId id="269" r:id="rId15"/>
+    <p:sldId id="272" r:id="rId16"/>
+    <p:sldId id="273" r:id="rId17"/>
+    <p:sldId id="282" r:id="rId18"/>
+    <p:sldId id="274" r:id="rId19"/>
+    <p:sldId id="270" r:id="rId20"/>
+    <p:sldId id="275" r:id="rId21"/>
+    <p:sldId id="276" r:id="rId22"/>
+    <p:sldId id="277" r:id="rId23"/>
+    <p:sldId id="278" r:id="rId24"/>
+    <p:sldId id="261" r:id="rId25"/>
+    <p:sldId id="262" r:id="rId26"/>
   </p:sldIdLst>
   <p:sldSz cx="12192000" cy="6858000"/>
   <p:notesSz cx="6858000" cy="9144000"/>
@@ -879,8 +883,26 @@
         </p:nvSpPr>
         <p:spPr/>
         <p:txBody>
-          <a:bodyPr/>
-          <a:lstStyle/>
+          <a:bodyPr>
+            <a:normAutofit/>
+          </a:bodyPr>
+          <a:lstStyle>
+            <a:lvl1pPr>
+              <a:defRPr sz="2000"/>
+            </a:lvl1pPr>
+            <a:lvl2pPr>
+              <a:defRPr sz="2000"/>
+            </a:lvl2pPr>
+            <a:lvl3pPr>
+              <a:defRPr sz="2000"/>
+            </a:lvl3pPr>
+            <a:lvl4pPr>
+              <a:defRPr sz="2000"/>
+            </a:lvl4pPr>
+            <a:lvl5pPr>
+              <a:defRPr sz="2000"/>
+            </a:lvl5pPr>
+          </a:lstStyle>
           <a:p>
             <a:pPr lvl="0"/>
             <a:r>
@@ -895,7 +917,7 @@
               <a:t>第 </a:t>
             </a:r>
             <a:r>
-              <a:rPr lang="en-US" altLang="ja-JP"/>
+              <a:rPr lang="en-US" altLang="ja-JP" dirty="0"/>
               <a:t>2 </a:t>
             </a:r>
             <a:r>
@@ -910,7 +932,7 @@
               <a:t>第 </a:t>
             </a:r>
             <a:r>
-              <a:rPr lang="en-US" altLang="ja-JP"/>
+              <a:rPr lang="en-US" altLang="ja-JP" dirty="0"/>
               <a:t>3 </a:t>
             </a:r>
             <a:r>
@@ -925,7 +947,7 @@
               <a:t>第 </a:t>
             </a:r>
             <a:r>
-              <a:rPr lang="en-US" altLang="ja-JP"/>
+              <a:rPr lang="en-US" altLang="ja-JP" dirty="0"/>
               <a:t>4 </a:t>
             </a:r>
             <a:r>
@@ -940,7 +962,7 @@
               <a:t>第 </a:t>
             </a:r>
             <a:r>
-              <a:rPr lang="en-US" altLang="ja-JP"/>
+              <a:rPr lang="en-US" altLang="ja-JP" dirty="0"/>
               <a:t>5 </a:t>
             </a:r>
             <a:r>
@@ -1344,22 +1366,24 @@
           </a:xfrm>
         </p:spPr>
         <p:txBody>
-          <a:bodyPr/>
+          <a:bodyPr>
+            <a:normAutofit/>
+          </a:bodyPr>
           <a:lstStyle>
             <a:lvl1pPr>
               <a:defRPr sz="2000"/>
             </a:lvl1pPr>
             <a:lvl2pPr>
-              <a:defRPr sz="1800"/>
+              <a:defRPr sz="2000"/>
             </a:lvl2pPr>
             <a:lvl3pPr>
-              <a:defRPr sz="1600"/>
+              <a:defRPr sz="2000"/>
             </a:lvl3pPr>
             <a:lvl4pPr>
-              <a:defRPr sz="1400"/>
+              <a:defRPr sz="2000"/>
             </a:lvl4pPr>
             <a:lvl5pPr>
-              <a:defRPr sz="1400"/>
+              <a:defRPr sz="2000"/>
             </a:lvl5pPr>
             <a:lvl6pPr>
               <a:defRPr sz="1400"/>
@@ -1388,7 +1412,7 @@
               <a:t>第 </a:t>
             </a:r>
             <a:r>
-              <a:rPr lang="en-US" altLang="ja-JP"/>
+              <a:rPr lang="en-US" altLang="ja-JP" dirty="0"/>
               <a:t>2 </a:t>
             </a:r>
             <a:r>
@@ -1403,7 +1427,7 @@
               <a:t>第 </a:t>
             </a:r>
             <a:r>
-              <a:rPr lang="en-US" altLang="ja-JP"/>
+              <a:rPr lang="en-US" altLang="ja-JP" dirty="0"/>
               <a:t>3 </a:t>
             </a:r>
             <a:r>
@@ -1418,7 +1442,7 @@
               <a:t>第 </a:t>
             </a:r>
             <a:r>
-              <a:rPr lang="en-US" altLang="ja-JP"/>
+              <a:rPr lang="en-US" altLang="ja-JP" dirty="0"/>
               <a:t>4 </a:t>
             </a:r>
             <a:r>
@@ -1433,7 +1457,7 @@
               <a:t>第 </a:t>
             </a:r>
             <a:r>
-              <a:rPr lang="en-US" altLang="ja-JP"/>
+              <a:rPr lang="en-US" altLang="ja-JP" dirty="0"/>
               <a:t>5 </a:t>
             </a:r>
             <a:r>
@@ -1467,16 +1491,16 @@
               <a:defRPr sz="2000"/>
             </a:lvl1pPr>
             <a:lvl2pPr>
-              <a:defRPr sz="1800"/>
+              <a:defRPr sz="2000"/>
             </a:lvl2pPr>
             <a:lvl3pPr>
-              <a:defRPr sz="1600"/>
+              <a:defRPr sz="2000"/>
             </a:lvl3pPr>
             <a:lvl4pPr>
-              <a:defRPr sz="1400"/>
+              <a:defRPr sz="2000"/>
             </a:lvl4pPr>
             <a:lvl5pPr>
-              <a:defRPr sz="1400"/>
+              <a:defRPr sz="2000"/>
             </a:lvl5pPr>
             <a:lvl6pPr>
               <a:defRPr sz="1400"/>
@@ -1505,7 +1529,7 @@
               <a:t>第 </a:t>
             </a:r>
             <a:r>
-              <a:rPr lang="en-US" altLang="ja-JP"/>
+              <a:rPr lang="en-US" altLang="ja-JP" dirty="0"/>
               <a:t>2 </a:t>
             </a:r>
             <a:r>
@@ -1520,7 +1544,7 @@
               <a:t>第 </a:t>
             </a:r>
             <a:r>
-              <a:rPr lang="en-US" altLang="ja-JP"/>
+              <a:rPr lang="en-US" altLang="ja-JP" dirty="0"/>
               <a:t>3 </a:t>
             </a:r>
             <a:r>
@@ -1535,7 +1559,7 @@
               <a:t>第 </a:t>
             </a:r>
             <a:r>
-              <a:rPr lang="en-US" altLang="ja-JP"/>
+              <a:rPr lang="en-US" altLang="ja-JP" dirty="0"/>
               <a:t>4 </a:t>
             </a:r>
             <a:r>
@@ -1550,7 +1574,7 @@
               <a:t>第 </a:t>
             </a:r>
             <a:r>
-              <a:rPr lang="en-US" altLang="ja-JP"/>
+              <a:rPr lang="en-US" altLang="ja-JP" dirty="0"/>
               <a:t>5 </a:t>
             </a:r>
             <a:r>
@@ -1779,16 +1803,16 @@
               <a:defRPr sz="2000"/>
             </a:lvl1pPr>
             <a:lvl2pPr>
-              <a:defRPr sz="1800"/>
+              <a:defRPr sz="2000"/>
             </a:lvl2pPr>
             <a:lvl3pPr>
-              <a:defRPr sz="1600"/>
+              <a:defRPr sz="2000"/>
             </a:lvl3pPr>
             <a:lvl4pPr>
-              <a:defRPr sz="1400"/>
+              <a:defRPr sz="2000"/>
             </a:lvl4pPr>
             <a:lvl5pPr>
-              <a:defRPr sz="1400"/>
+              <a:defRPr sz="2000"/>
             </a:lvl5pPr>
             <a:lvl6pPr>
               <a:defRPr sz="1400"/>
@@ -1817,7 +1841,7 @@
               <a:t>第 </a:t>
             </a:r>
             <a:r>
-              <a:rPr lang="en-US" altLang="ja-JP"/>
+              <a:rPr lang="en-US" altLang="ja-JP" dirty="0"/>
               <a:t>2 </a:t>
             </a:r>
             <a:r>
@@ -1832,7 +1856,7 @@
               <a:t>第 </a:t>
             </a:r>
             <a:r>
-              <a:rPr lang="en-US" altLang="ja-JP"/>
+              <a:rPr lang="en-US" altLang="ja-JP" dirty="0"/>
               <a:t>3 </a:t>
             </a:r>
             <a:r>
@@ -1847,7 +1871,7 @@
               <a:t>第 </a:t>
             </a:r>
             <a:r>
-              <a:rPr lang="en-US" altLang="ja-JP"/>
+              <a:rPr lang="en-US" altLang="ja-JP" dirty="0"/>
               <a:t>4 </a:t>
             </a:r>
             <a:r>
@@ -1862,7 +1886,7 @@
               <a:t>第 </a:t>
             </a:r>
             <a:r>
-              <a:rPr lang="en-US" altLang="ja-JP"/>
+              <a:rPr lang="en-US" altLang="ja-JP" dirty="0"/>
               <a:t>5 </a:t>
             </a:r>
             <a:r>
@@ -1973,16 +1997,16 @@
               <a:defRPr sz="2000"/>
             </a:lvl1pPr>
             <a:lvl2pPr>
-              <a:defRPr sz="1800"/>
+              <a:defRPr sz="2000"/>
             </a:lvl2pPr>
             <a:lvl3pPr>
-              <a:defRPr sz="1600"/>
+              <a:defRPr sz="2000"/>
             </a:lvl3pPr>
             <a:lvl4pPr>
-              <a:defRPr sz="1400"/>
+              <a:defRPr sz="2000"/>
             </a:lvl4pPr>
             <a:lvl5pPr>
-              <a:defRPr sz="1400"/>
+              <a:defRPr sz="2000"/>
             </a:lvl5pPr>
             <a:lvl6pPr>
               <a:defRPr sz="1400"/>
@@ -2011,7 +2035,7 @@
               <a:t>第 </a:t>
             </a:r>
             <a:r>
-              <a:rPr lang="en-US" altLang="ja-JP"/>
+              <a:rPr lang="en-US" altLang="ja-JP" dirty="0"/>
               <a:t>2 </a:t>
             </a:r>
             <a:r>
@@ -2026,7 +2050,7 @@
               <a:t>第 </a:t>
             </a:r>
             <a:r>
-              <a:rPr lang="en-US" altLang="ja-JP"/>
+              <a:rPr lang="en-US" altLang="ja-JP" dirty="0"/>
               <a:t>3 </a:t>
             </a:r>
             <a:r>
@@ -2041,7 +2065,7 @@
               <a:t>第 </a:t>
             </a:r>
             <a:r>
-              <a:rPr lang="en-US" altLang="ja-JP"/>
+              <a:rPr lang="en-US" altLang="ja-JP" dirty="0"/>
               <a:t>4 </a:t>
             </a:r>
             <a:r>
@@ -2056,7 +2080,7 @@
               <a:t>第 </a:t>
             </a:r>
             <a:r>
-              <a:rPr lang="en-US" altLang="ja-JP"/>
+              <a:rPr lang="en-US" altLang="ja-JP" dirty="0"/>
               <a:t>5 </a:t>
             </a:r>
             <a:r>
@@ -2432,16 +2456,16 @@
               <a:defRPr sz="2000"/>
             </a:lvl1pPr>
             <a:lvl2pPr>
-              <a:defRPr sz="1800"/>
+              <a:defRPr sz="2000"/>
             </a:lvl2pPr>
             <a:lvl3pPr>
-              <a:defRPr sz="1600"/>
+              <a:defRPr sz="2000"/>
             </a:lvl3pPr>
             <a:lvl4pPr>
-              <a:defRPr sz="1400"/>
+              <a:defRPr sz="2000"/>
             </a:lvl4pPr>
             <a:lvl5pPr>
-              <a:defRPr sz="1400"/>
+              <a:defRPr sz="2000"/>
             </a:lvl5pPr>
             <a:lvl6pPr>
               <a:defRPr sz="1400"/>
@@ -2470,7 +2494,7 @@
               <a:t>第 </a:t>
             </a:r>
             <a:r>
-              <a:rPr lang="en-US" altLang="ja-JP"/>
+              <a:rPr lang="en-US" altLang="ja-JP" dirty="0"/>
               <a:t>2 </a:t>
             </a:r>
             <a:r>
@@ -2485,7 +2509,7 @@
               <a:t>第 </a:t>
             </a:r>
             <a:r>
-              <a:rPr lang="en-US" altLang="ja-JP"/>
+              <a:rPr lang="en-US" altLang="ja-JP" dirty="0"/>
               <a:t>3 </a:t>
             </a:r>
             <a:r>
@@ -2500,7 +2524,7 @@
               <a:t>第 </a:t>
             </a:r>
             <a:r>
-              <a:rPr lang="en-US" altLang="ja-JP"/>
+              <a:rPr lang="en-US" altLang="ja-JP" dirty="0"/>
               <a:t>4 </a:t>
             </a:r>
             <a:r>
@@ -2515,7 +2539,7 @@
               <a:t>第 </a:t>
             </a:r>
             <a:r>
-              <a:rPr lang="en-US" altLang="ja-JP"/>
+              <a:rPr lang="en-US" altLang="ja-JP" dirty="0"/>
               <a:t>5 </a:t>
             </a:r>
             <a:r>
@@ -3127,7 +3151,7 @@
               <a:t>第 </a:t>
             </a:r>
             <a:r>
-              <a:rPr lang="en-US" altLang="ja-JP"/>
+              <a:rPr lang="en-US" altLang="ja-JP" dirty="0"/>
               <a:t>2 </a:t>
             </a:r>
             <a:r>
@@ -3142,7 +3166,7 @@
               <a:t>第 </a:t>
             </a:r>
             <a:r>
-              <a:rPr lang="en-US" altLang="ja-JP"/>
+              <a:rPr lang="en-US" altLang="ja-JP" dirty="0"/>
               <a:t>3 </a:t>
             </a:r>
             <a:r>
@@ -3157,7 +3181,7 @@
               <a:t>第 </a:t>
             </a:r>
             <a:r>
-              <a:rPr lang="en-US" altLang="ja-JP"/>
+              <a:rPr lang="en-US" altLang="ja-JP" dirty="0"/>
               <a:t>4 </a:t>
             </a:r>
             <a:r>
@@ -3172,7 +3196,7 @@
               <a:t>第 </a:t>
             </a:r>
             <a:r>
-              <a:rPr lang="en-US" altLang="ja-JP"/>
+              <a:rPr lang="en-US" altLang="ja-JP" dirty="0"/>
               <a:t>5 </a:t>
             </a:r>
             <a:r>
@@ -3383,7 +3407,7 @@
         </a:buClr>
         <a:buFont typeface="Wingdings 2" pitchFamily="18" charset="2"/>
         <a:buChar char=""/>
-        <a:defRPr kumimoji="1" sz="1800" kern="1200">
+        <a:defRPr kumimoji="1" sz="2000" kern="1200">
           <a:solidFill>
             <a:schemeClr val="tx1">
               <a:lumMod val="65000"/>
@@ -3410,7 +3434,7 @@
         </a:buClr>
         <a:buFont typeface="Wingdings 2" pitchFamily="18" charset="2"/>
         <a:buChar char=""/>
-        <a:defRPr kumimoji="1" sz="1600" kern="1200">
+        <a:defRPr kumimoji="1" sz="2000" kern="1200">
           <a:solidFill>
             <a:schemeClr val="tx1">
               <a:lumMod val="65000"/>
@@ -3437,7 +3461,7 @@
         </a:buClr>
         <a:buFont typeface="Wingdings 2" pitchFamily="18" charset="2"/>
         <a:buChar char=""/>
-        <a:defRPr kumimoji="1" sz="1400" kern="1200">
+        <a:defRPr kumimoji="1" sz="2000" kern="1200">
           <a:solidFill>
             <a:schemeClr val="tx1">
               <a:lumMod val="65000"/>
@@ -3464,7 +3488,7 @@
         </a:buClr>
         <a:buFont typeface="Wingdings 2" pitchFamily="18" charset="2"/>
         <a:buChar char=""/>
-        <a:defRPr kumimoji="1" sz="1400" kern="1200">
+        <a:defRPr kumimoji="1" sz="2000" kern="1200">
           <a:solidFill>
             <a:schemeClr val="tx1">
               <a:lumMod val="65000"/>
@@ -4139,7 +4163,150 @@
             </a:lvl9pPr>
           </a:lstStyle>
           <a:p>
-            <a:endParaRPr lang="ja-JP" altLang="en-US">
+            <a:pPr fontAlgn="base">
+              <a:spcBef>
+                <a:spcPts val="0"/>
+              </a:spcBef>
+              <a:spcAft>
+                <a:spcPts val="1200"/>
+              </a:spcAft>
+              <a:buFont typeface="Arial" panose="020B0604020202020204" pitchFamily="34" charset="0"/>
+              <a:buChar char="•"/>
+            </a:pPr>
+            <a:r>
+              <a:rPr lang="ja-JP" altLang="en-US" sz="2000" u="none" strike="noStrike">
+                <a:solidFill>
+                  <a:srgbClr val="695D46"/>
+                </a:solidFill>
+                <a:effectLst/>
+                <a:latin typeface="Hiragino Kaku Gothic ProN W3" panose="020B0300000000000000" pitchFamily="34" charset="-128"/>
+                <a:ea typeface="Hiragino Kaku Gothic ProN W3" panose="020B0300000000000000" pitchFamily="34" charset="-128"/>
+              </a:rPr>
+              <a:t>学習データの入力部分（顔画像データ）の加工</a:t>
+            </a:r>
+            <a:endParaRPr lang="en-US" altLang="ja-JP" sz="2000" u="none" strike="noStrike" dirty="0">
+              <a:solidFill>
+                <a:srgbClr val="695D46"/>
+              </a:solidFill>
+              <a:effectLst/>
+              <a:latin typeface="Hiragino Kaku Gothic ProN W3" panose="020B0300000000000000" pitchFamily="34" charset="-128"/>
+              <a:ea typeface="Hiragino Kaku Gothic ProN W3" panose="020B0300000000000000" pitchFamily="34" charset="-128"/>
+            </a:endParaRPr>
+          </a:p>
+          <a:p>
+            <a:pPr lvl="1" fontAlgn="base">
+              <a:spcBef>
+                <a:spcPts val="0"/>
+              </a:spcBef>
+              <a:spcAft>
+                <a:spcPts val="1200"/>
+              </a:spcAft>
+              <a:buFont typeface="Arial" panose="020B0604020202020204" pitchFamily="34" charset="0"/>
+              <a:buChar char="•"/>
+            </a:pPr>
+            <a:r>
+              <a:rPr lang="en-US" altLang="ja-JP" sz="2000" dirty="0">
+                <a:solidFill>
+                  <a:srgbClr val="695D46"/>
+                </a:solidFill>
+                <a:latin typeface="Hiragino Kaku Gothic ProN W3" panose="020B0300000000000000" pitchFamily="34" charset="-128"/>
+                <a:ea typeface="Hiragino Kaku Gothic ProN W3" panose="020B0300000000000000" pitchFamily="34" charset="-128"/>
+              </a:rPr>
+              <a:t>OpenCV, </a:t>
+            </a:r>
+            <a:r>
+              <a:rPr lang="en-US" altLang="ja-JP" sz="2000" dirty="0" err="1">
+                <a:solidFill>
+                  <a:srgbClr val="695D46"/>
+                </a:solidFill>
+                <a:latin typeface="Hiragino Kaku Gothic ProN W3" panose="020B0300000000000000" pitchFamily="34" charset="-128"/>
+                <a:ea typeface="Hiragino Kaku Gothic ProN W3" panose="020B0300000000000000" pitchFamily="34" charset="-128"/>
+              </a:rPr>
+              <a:t>dlib</a:t>
+            </a:r>
+            <a:r>
+              <a:rPr lang="ja-JP" altLang="en-US" sz="2000">
+                <a:solidFill>
+                  <a:srgbClr val="695D46"/>
+                </a:solidFill>
+                <a:latin typeface="Hiragino Kaku Gothic ProN W3" panose="020B0300000000000000" pitchFamily="34" charset="-128"/>
+                <a:ea typeface="Hiragino Kaku Gothic ProN W3" panose="020B0300000000000000" pitchFamily="34" charset="-128"/>
+              </a:rPr>
+              <a:t>（画像処理のためのライブラリ）を使用</a:t>
+            </a:r>
+            <a:endParaRPr lang="en-US" altLang="ja-JP" sz="2000" dirty="0">
+              <a:solidFill>
+                <a:srgbClr val="695D46"/>
+              </a:solidFill>
+              <a:latin typeface="Hiragino Kaku Gothic ProN W3" panose="020B0300000000000000" pitchFamily="34" charset="-128"/>
+              <a:ea typeface="Hiragino Kaku Gothic ProN W3" panose="020B0300000000000000" pitchFamily="34" charset="-128"/>
+            </a:endParaRPr>
+          </a:p>
+          <a:p>
+            <a:pPr lvl="1" fontAlgn="base">
+              <a:spcBef>
+                <a:spcPts val="0"/>
+              </a:spcBef>
+              <a:spcAft>
+                <a:spcPts val="1200"/>
+              </a:spcAft>
+              <a:buFont typeface="Arial" panose="020B0604020202020204" pitchFamily="34" charset="0"/>
+              <a:buChar char="•"/>
+            </a:pPr>
+            <a:r>
+              <a:rPr lang="ja-JP" altLang="en-US" sz="2000">
+                <a:solidFill>
+                  <a:srgbClr val="695D46"/>
+                </a:solidFill>
+                <a:latin typeface="Hiragino Kaku Gothic ProN W3" panose="020B0300000000000000" pitchFamily="34" charset="-128"/>
+                <a:ea typeface="Hiragino Kaku Gothic ProN W3" panose="020B0300000000000000" pitchFamily="34" charset="-128"/>
+              </a:rPr>
+              <a:t>顔領域の拡大、唇領域の切り取りを行った</a:t>
+            </a:r>
+            <a:endParaRPr lang="en-US" altLang="ja-JP" sz="2000" u="none" strike="noStrike" dirty="0">
+              <a:solidFill>
+                <a:srgbClr val="695D46"/>
+              </a:solidFill>
+              <a:effectLst/>
+              <a:latin typeface="Hiragino Kaku Gothic ProN W3" panose="020B0300000000000000" pitchFamily="34" charset="-128"/>
+              <a:ea typeface="Hiragino Kaku Gothic ProN W3" panose="020B0300000000000000" pitchFamily="34" charset="-128"/>
+            </a:endParaRPr>
+          </a:p>
+          <a:p>
+            <a:pPr lvl="1" fontAlgn="base">
+              <a:spcBef>
+                <a:spcPts val="0"/>
+              </a:spcBef>
+              <a:spcAft>
+                <a:spcPts val="1200"/>
+              </a:spcAft>
+              <a:buFont typeface="Arial" panose="020B0604020202020204" pitchFamily="34" charset="0"/>
+              <a:buChar char="•"/>
+            </a:pPr>
+            <a:endParaRPr lang="en-US" altLang="ja-JP" sz="2000" u="none" strike="noStrike" dirty="0">
+              <a:solidFill>
+                <a:srgbClr val="695D46"/>
+              </a:solidFill>
+              <a:effectLst/>
+              <a:latin typeface="Hiragino Kaku Gothic ProN W3" panose="020B0300000000000000" pitchFamily="34" charset="-128"/>
+              <a:ea typeface="Hiragino Kaku Gothic ProN W3" panose="020B0300000000000000" pitchFamily="34" charset="-128"/>
+            </a:endParaRPr>
+          </a:p>
+          <a:p>
+            <a:pPr lvl="1" fontAlgn="base">
+              <a:spcBef>
+                <a:spcPts val="0"/>
+              </a:spcBef>
+              <a:spcAft>
+                <a:spcPts val="1200"/>
+              </a:spcAft>
+              <a:buFont typeface="Arial" panose="020B0604020202020204" pitchFamily="34" charset="0"/>
+              <a:buChar char="•"/>
+            </a:pPr>
+            <a:endParaRPr lang="en-US" altLang="ja-JP" sz="2000" dirty="0">
+              <a:solidFill>
+                <a:srgbClr val="695D46"/>
+              </a:solidFill>
               <a:latin typeface="Hiragino Kaku Gothic ProN W3" panose="020B0300000000000000" pitchFamily="34" charset="-128"/>
               <a:ea typeface="Hiragino Kaku Gothic ProN W3" panose="020B0300000000000000" pitchFamily="34" charset="-128"/>
             </a:endParaRPr>
@@ -4162,8 +4329,8 @@
         </p:nvSpPr>
         <p:spPr>
           <a:xfrm>
-            <a:off x="252917" y="320508"/>
-            <a:ext cx="11039913" cy="771870"/>
+            <a:off x="252918" y="320508"/>
+            <a:ext cx="10057730" cy="771870"/>
           </a:xfrm>
           <a:prstGeom prst="rect">
             <a:avLst/>
@@ -4193,31 +4360,183 @@
           <a:p>
             <a:r>
               <a:rPr lang="ja-JP" altLang="en-US"/>
-              <a:t>使用した技術：</a:t>
-            </a:r>
-            <a:r>
-              <a:rPr lang="en-US" altLang="ja-JP" dirty="0"/>
-              <a:t>CNN</a:t>
-            </a:r>
-            <a:r>
-              <a:rPr lang="ja-JP" altLang="en-US"/>
-              <a:t>（</a:t>
-            </a:r>
-            <a:r>
-              <a:rPr lang="en-US" altLang="ja-JP" dirty="0"/>
-              <a:t>Convolutional Neural Network</a:t>
-            </a:r>
-            <a:r>
-              <a:rPr lang="ja-JP" altLang="en-US"/>
-              <a:t>）</a:t>
+              <a:t>システムの概要：学習データについて（入力）</a:t>
             </a:r>
           </a:p>
         </p:txBody>
       </p:sp>
+      <p:pic>
+        <p:nvPicPr>
+          <p:cNvPr id="3" name="図 2">
+            <a:extLst>
+              <a:ext uri="{FF2B5EF4-FFF2-40B4-BE49-F238E27FC236}">
+                <a16:creationId xmlns:a16="http://schemas.microsoft.com/office/drawing/2014/main" id="{8C09751B-9E8E-E46F-A560-8A6F46957EC4}"/>
+              </a:ext>
+            </a:extLst>
+          </p:cNvPr>
+          <p:cNvPicPr>
+            <a:picLocks noChangeAspect="1"/>
+          </p:cNvPicPr>
+          <p:nvPr/>
+        </p:nvPicPr>
+        <p:blipFill>
+          <a:blip r:embed="rId2"/>
+          <a:stretch>
+            <a:fillRect/>
+          </a:stretch>
+        </p:blipFill>
+        <p:spPr>
+          <a:xfrm>
+            <a:off x="8142457" y="3607676"/>
+            <a:ext cx="1955800" cy="1955800"/>
+          </a:xfrm>
+          <a:prstGeom prst="rect">
+            <a:avLst/>
+          </a:prstGeom>
+        </p:spPr>
+      </p:pic>
+      <p:pic>
+        <p:nvPicPr>
+          <p:cNvPr id="9" name="図 8">
+            <a:extLst>
+              <a:ext uri="{FF2B5EF4-FFF2-40B4-BE49-F238E27FC236}">
+                <a16:creationId xmlns:a16="http://schemas.microsoft.com/office/drawing/2014/main" id="{4012FB34-88DC-C3C8-50FE-B35FE5CCDCD3}"/>
+              </a:ext>
+            </a:extLst>
+          </p:cNvPr>
+          <p:cNvPicPr>
+            <a:picLocks noChangeAspect="1"/>
+          </p:cNvPicPr>
+          <p:nvPr/>
+        </p:nvPicPr>
+        <p:blipFill>
+          <a:blip r:embed="rId3"/>
+          <a:stretch>
+            <a:fillRect/>
+          </a:stretch>
+        </p:blipFill>
+        <p:spPr>
+          <a:xfrm>
+            <a:off x="1644602" y="3014608"/>
+            <a:ext cx="2404939" cy="3141936"/>
+          </a:xfrm>
+          <a:prstGeom prst="rect">
+            <a:avLst/>
+          </a:prstGeom>
+        </p:spPr>
+      </p:pic>
+      <p:pic>
+        <p:nvPicPr>
+          <p:cNvPr id="11" name="図 10">
+            <a:extLst>
+              <a:ext uri="{FF2B5EF4-FFF2-40B4-BE49-F238E27FC236}">
+                <a16:creationId xmlns:a16="http://schemas.microsoft.com/office/drawing/2014/main" id="{B7C59908-0AA4-A8D7-2F47-7D0537310FD9}"/>
+              </a:ext>
+            </a:extLst>
+          </p:cNvPr>
+          <p:cNvPicPr>
+            <a:picLocks noChangeAspect="1"/>
+          </p:cNvPicPr>
+          <p:nvPr/>
+        </p:nvPicPr>
+        <p:blipFill>
+          <a:blip r:embed="rId4"/>
+          <a:stretch>
+            <a:fillRect/>
+          </a:stretch>
+        </p:blipFill>
+        <p:spPr>
+          <a:xfrm>
+            <a:off x="5118099" y="3607676"/>
+            <a:ext cx="1955800" cy="1955800"/>
+          </a:xfrm>
+          <a:prstGeom prst="rect">
+            <a:avLst/>
+          </a:prstGeom>
+        </p:spPr>
+      </p:pic>
+      <p:cxnSp>
+        <p:nvCxnSpPr>
+          <p:cNvPr id="12" name="直線矢印コネクタ 11">
+            <a:extLst>
+              <a:ext uri="{FF2B5EF4-FFF2-40B4-BE49-F238E27FC236}">
+                <a16:creationId xmlns:a16="http://schemas.microsoft.com/office/drawing/2014/main" id="{E6ACECB0-333C-C316-6D5A-5781BFCD7AF5}"/>
+              </a:ext>
+            </a:extLst>
+          </p:cNvPr>
+          <p:cNvCxnSpPr/>
+          <p:nvPr/>
+        </p:nvCxnSpPr>
+        <p:spPr>
+          <a:xfrm>
+            <a:off x="4340389" y="4553612"/>
+            <a:ext cx="501805" cy="0"/>
+          </a:xfrm>
+          <a:prstGeom prst="straightConnector1">
+            <a:avLst/>
+          </a:prstGeom>
+          <a:ln>
+            <a:tailEnd type="triangle"/>
+          </a:ln>
+        </p:spPr>
+        <p:style>
+          <a:lnRef idx="1">
+            <a:schemeClr val="dk1"/>
+          </a:lnRef>
+          <a:fillRef idx="0">
+            <a:schemeClr val="dk1"/>
+          </a:fillRef>
+          <a:effectRef idx="0">
+            <a:schemeClr val="dk1"/>
+          </a:effectRef>
+          <a:fontRef idx="minor">
+            <a:schemeClr val="tx1"/>
+          </a:fontRef>
+        </p:style>
+      </p:cxnSp>
+      <p:cxnSp>
+        <p:nvCxnSpPr>
+          <p:cNvPr id="13" name="直線矢印コネクタ 12">
+            <a:extLst>
+              <a:ext uri="{FF2B5EF4-FFF2-40B4-BE49-F238E27FC236}">
+                <a16:creationId xmlns:a16="http://schemas.microsoft.com/office/drawing/2014/main" id="{1683E13A-45E2-DF2A-9B82-952BCEE622F6}"/>
+              </a:ext>
+            </a:extLst>
+          </p:cNvPr>
+          <p:cNvCxnSpPr/>
+          <p:nvPr/>
+        </p:nvCxnSpPr>
+        <p:spPr>
+          <a:xfrm>
+            <a:off x="7346346" y="4556244"/>
+            <a:ext cx="501805" cy="0"/>
+          </a:xfrm>
+          <a:prstGeom prst="straightConnector1">
+            <a:avLst/>
+          </a:prstGeom>
+          <a:ln>
+            <a:tailEnd type="triangle"/>
+          </a:ln>
+        </p:spPr>
+        <p:style>
+          <a:lnRef idx="1">
+            <a:schemeClr val="dk1"/>
+          </a:lnRef>
+          <a:fillRef idx="0">
+            <a:schemeClr val="dk1"/>
+          </a:fillRef>
+          <a:effectRef idx="0">
+            <a:schemeClr val="dk1"/>
+          </a:effectRef>
+          <a:fontRef idx="minor">
+            <a:schemeClr val="tx1"/>
+          </a:fontRef>
+        </p:style>
+      </p:cxnSp>
     </p:spTree>
     <p:extLst>
       <p:ext uri="{BB962C8B-B14F-4D97-AF65-F5344CB8AC3E}">
-        <p14:creationId xmlns:p14="http://schemas.microsoft.com/office/powerpoint/2010/main" val="1686069956"/>
+        <p14:creationId xmlns:p14="http://schemas.microsoft.com/office/powerpoint/2010/main" val="3458651193"/>
       </p:ext>
     </p:extLst>
   </p:cSld>
@@ -4561,69 +4880,198 @@
             </a:lvl9pPr>
           </a:lstStyle>
           <a:p>
-            <a:pPr marL="457200" indent="-457200">
-              <a:buFont typeface="+mj-lt"/>
-              <a:buAutoNum type="arabicPeriod"/>
+            <a:pPr fontAlgn="base">
+              <a:spcBef>
+                <a:spcPts val="0"/>
+              </a:spcBef>
+              <a:spcAft>
+                <a:spcPts val="1200"/>
+              </a:spcAft>
+              <a:buFont typeface="Arial" panose="020B0604020202020204" pitchFamily="34" charset="0"/>
+              <a:buChar char="•"/>
             </a:pPr>
             <a:r>
-              <a:rPr lang="en-US" altLang="ja-JP" dirty="0">
-                <a:latin typeface="Hiragino Kaku Gothic ProN W3" panose="020B0300000000000000" pitchFamily="34" charset="-128"/>
-                <a:ea typeface="Hiragino Kaku Gothic ProN W3" panose="020B0300000000000000" pitchFamily="34" charset="-128"/>
-              </a:rPr>
-              <a:t>MAQUIA ONLINE</a:t>
-            </a:r>
-            <a:r>
-              <a:rPr lang="ja-JP" altLang="en-US">
-                <a:latin typeface="Hiragino Kaku Gothic ProN W3" panose="020B0300000000000000" pitchFamily="34" charset="-128"/>
-                <a:ea typeface="Hiragino Kaku Gothic ProN W3" panose="020B0300000000000000" pitchFamily="34" charset="-128"/>
-              </a:rPr>
-              <a:t>の未学習の画像を使用した実験</a:t>
-            </a:r>
-            <a:endParaRPr lang="en-US" altLang="ja-JP" dirty="0">
+              <a:rPr lang="ja-JP" altLang="en-US" sz="2000" u="none" strike="noStrike">
+                <a:solidFill>
+                  <a:srgbClr val="695D46"/>
+                </a:solidFill>
+                <a:effectLst/>
+                <a:latin typeface="Hiragino Kaku Gothic ProN W3" panose="020B0300000000000000" pitchFamily="34" charset="-128"/>
+                <a:ea typeface="Hiragino Kaku Gothic ProN W3" panose="020B0300000000000000" pitchFamily="34" charset="-128"/>
+              </a:rPr>
+              <a:t>学習データの出力</a:t>
+            </a:r>
+            <a:endParaRPr lang="en-US" altLang="ja-JP" sz="2000" u="none" strike="noStrike" dirty="0">
+              <a:solidFill>
+                <a:srgbClr val="695D46"/>
+              </a:solidFill>
+              <a:effectLst/>
               <a:latin typeface="Hiragino Kaku Gothic ProN W3" panose="020B0300000000000000" pitchFamily="34" charset="-128"/>
               <a:ea typeface="Hiragino Kaku Gothic ProN W3" panose="020B0300000000000000" pitchFamily="34" charset="-128"/>
             </a:endParaRPr>
           </a:p>
           <a:p>
-            <a:pPr marL="457200" indent="-457200">
-              <a:buFont typeface="+mj-lt"/>
-              <a:buAutoNum type="arabicPeriod"/>
+            <a:pPr lvl="1" fontAlgn="base">
+              <a:spcBef>
+                <a:spcPts val="0"/>
+              </a:spcBef>
+              <a:spcAft>
+                <a:spcPts val="1200"/>
+              </a:spcAft>
+              <a:buFont typeface="Arial" panose="020B0604020202020204" pitchFamily="34" charset="0"/>
+              <a:buChar char="•"/>
             </a:pPr>
             <a:r>
-              <a:rPr lang="ja-JP" altLang="en-US">
-                <a:latin typeface="Hiragino Kaku Gothic ProN W3" panose="020B0300000000000000" pitchFamily="34" charset="-128"/>
-                <a:ea typeface="Hiragino Kaku Gothic ProN W3" panose="020B0300000000000000" pitchFamily="34" charset="-128"/>
-              </a:rPr>
-              <a:t>学習データとは異なる媒体の画像を使用した実験</a:t>
-            </a:r>
-            <a:endParaRPr lang="en-US" altLang="ja-JP" dirty="0">
+              <a:rPr lang="ja-JP" altLang="en-US" sz="2000">
+                <a:solidFill>
+                  <a:srgbClr val="695D46"/>
+                </a:solidFill>
+                <a:latin typeface="Hiragino Kaku Gothic ProN W3" panose="020B0300000000000000" pitchFamily="34" charset="-128"/>
+                <a:ea typeface="Hiragino Kaku Gothic ProN W3" panose="020B0300000000000000" pitchFamily="34" charset="-128"/>
+              </a:rPr>
+              <a:t>顔写真から、以下の手順でリップカラーを計算した</a:t>
+            </a:r>
+            <a:endParaRPr lang="en-US" altLang="ja-JP" sz="2000" dirty="0">
+              <a:solidFill>
+                <a:srgbClr val="695D46"/>
+              </a:solidFill>
               <a:latin typeface="Hiragino Kaku Gothic ProN W3" panose="020B0300000000000000" pitchFamily="34" charset="-128"/>
               <a:ea typeface="Hiragino Kaku Gothic ProN W3" panose="020B0300000000000000" pitchFamily="34" charset="-128"/>
             </a:endParaRPr>
           </a:p>
           <a:p>
-            <a:pPr marL="457200" indent="-457200">
-              <a:buFont typeface="+mj-lt"/>
-              <a:buAutoNum type="arabicPeriod"/>
+            <a:pPr lvl="2" fontAlgn="base">
+              <a:spcBef>
+                <a:spcPts val="0"/>
+              </a:spcBef>
+              <a:spcAft>
+                <a:spcPts val="1200"/>
+              </a:spcAft>
+              <a:buFont typeface="Arial" panose="020B0604020202020204" pitchFamily="34" charset="0"/>
+              <a:buChar char="•"/>
             </a:pPr>
             <a:r>
-              <a:rPr lang="ja-JP" altLang="en-US">
-                <a:latin typeface="Hiragino Kaku Gothic ProN W3" panose="020B0300000000000000" pitchFamily="34" charset="-128"/>
-                <a:ea typeface="Hiragino Kaku Gothic ProN W3" panose="020B0300000000000000" pitchFamily="34" charset="-128"/>
-              </a:rPr>
-              <a:t>実際の使用を想定した実験</a:t>
-            </a:r>
-            <a:endParaRPr lang="en-US" altLang="ja-JP" dirty="0">
+              <a:rPr lang="en-US" altLang="ja-JP" sz="1800" dirty="0" err="1">
+                <a:solidFill>
+                  <a:srgbClr val="695D46"/>
+                </a:solidFill>
+                <a:latin typeface="Hiragino Kaku Gothic ProN W3" panose="020B0300000000000000" pitchFamily="34" charset="-128"/>
+                <a:ea typeface="Hiragino Kaku Gothic ProN W3" panose="020B0300000000000000" pitchFamily="34" charset="-128"/>
+              </a:rPr>
+              <a:t>dlib</a:t>
+            </a:r>
+            <a:r>
+              <a:rPr lang="ja-JP" altLang="en-US" sz="1800">
+                <a:solidFill>
+                  <a:srgbClr val="695D46"/>
+                </a:solidFill>
+                <a:latin typeface="Hiragino Kaku Gothic ProN W3" panose="020B0300000000000000" pitchFamily="34" charset="-128"/>
+                <a:ea typeface="Hiragino Kaku Gothic ProN W3" panose="020B0300000000000000" pitchFamily="34" charset="-128"/>
+              </a:rPr>
+              <a:t>で顔のランドマーク検出</a:t>
+            </a:r>
+            <a:endParaRPr lang="en-US" altLang="ja-JP" sz="1800" dirty="0">
+              <a:solidFill>
+                <a:srgbClr val="695D46"/>
+              </a:solidFill>
               <a:latin typeface="Hiragino Kaku Gothic ProN W3" panose="020B0300000000000000" pitchFamily="34" charset="-128"/>
               <a:ea typeface="Hiragino Kaku Gothic ProN W3" panose="020B0300000000000000" pitchFamily="34" charset="-128"/>
             </a:endParaRPr>
           </a:p>
           <a:p>
-            <a:pPr marL="457200" indent="-457200">
-              <a:buFont typeface="+mj-lt"/>
-              <a:buAutoNum type="arabicPeriod"/>
+            <a:pPr lvl="2" fontAlgn="base">
+              <a:spcBef>
+                <a:spcPts val="0"/>
+              </a:spcBef>
+              <a:spcAft>
+                <a:spcPts val="1200"/>
+              </a:spcAft>
+              <a:buFont typeface="Arial" panose="020B0604020202020204" pitchFamily="34" charset="0"/>
+              <a:buChar char="•"/>
             </a:pPr>
-            <a:endParaRPr lang="ja-JP" altLang="en-US">
+            <a:r>
+              <a:rPr lang="ja-JP" altLang="en-US" sz="1800">
+                <a:solidFill>
+                  <a:srgbClr val="695D46"/>
+                </a:solidFill>
+                <a:latin typeface="Hiragino Kaku Gothic ProN W3" panose="020B0300000000000000" pitchFamily="34" charset="-128"/>
+                <a:ea typeface="Hiragino Kaku Gothic ProN W3" panose="020B0300000000000000" pitchFamily="34" charset="-128"/>
+              </a:rPr>
+              <a:t>下唇の中心</a:t>
+            </a:r>
+            <a:r>
+              <a:rPr lang="en-US" altLang="ja-JP" sz="1800" dirty="0">
+                <a:solidFill>
+                  <a:srgbClr val="695D46"/>
+                </a:solidFill>
+                <a:latin typeface="Hiragino Kaku Gothic ProN W3" panose="020B0300000000000000" pitchFamily="34" charset="-128"/>
+                <a:ea typeface="Hiragino Kaku Gothic ProN W3" panose="020B0300000000000000" pitchFamily="34" charset="-128"/>
+              </a:rPr>
+              <a:t>6</a:t>
+            </a:r>
+            <a:r>
+              <a:rPr lang="ja-JP" altLang="en-US" sz="1800">
+                <a:solidFill>
+                  <a:srgbClr val="695D46"/>
+                </a:solidFill>
+                <a:latin typeface="Hiragino Kaku Gothic ProN W3" panose="020B0300000000000000" pitchFamily="34" charset="-128"/>
+                <a:ea typeface="Hiragino Kaku Gothic ProN W3" panose="020B0300000000000000" pitchFamily="34" charset="-128"/>
+              </a:rPr>
+              <a:t>点の座標で画像を切り取り</a:t>
+            </a:r>
+            <a:endParaRPr lang="en-US" altLang="ja-JP" sz="1800" dirty="0">
+              <a:solidFill>
+                <a:srgbClr val="695D46"/>
+              </a:solidFill>
+              <a:latin typeface="Hiragino Kaku Gothic ProN W3" panose="020B0300000000000000" pitchFamily="34" charset="-128"/>
+              <a:ea typeface="Hiragino Kaku Gothic ProN W3" panose="020B0300000000000000" pitchFamily="34" charset="-128"/>
+            </a:endParaRPr>
+          </a:p>
+          <a:p>
+            <a:pPr lvl="2" fontAlgn="base">
+              <a:spcBef>
+                <a:spcPts val="0"/>
+              </a:spcBef>
+              <a:spcAft>
+                <a:spcPts val="1200"/>
+              </a:spcAft>
+              <a:buFont typeface="Arial" panose="020B0604020202020204" pitchFamily="34" charset="0"/>
+              <a:buChar char="•"/>
+            </a:pPr>
+            <a:r>
+              <a:rPr lang="ja-JP" altLang="en-US" sz="1800">
+                <a:solidFill>
+                  <a:srgbClr val="695D46"/>
+                </a:solidFill>
+                <a:latin typeface="Hiragino Kaku Gothic ProN W3" panose="020B0300000000000000" pitchFamily="34" charset="-128"/>
+                <a:ea typeface="Hiragino Kaku Gothic ProN W3" panose="020B0300000000000000" pitchFamily="34" charset="-128"/>
+              </a:rPr>
+              <a:t>座標内のピクセルの</a:t>
+            </a:r>
+            <a:r>
+              <a:rPr lang="en-US" altLang="ja-JP" sz="1800" dirty="0">
+                <a:solidFill>
+                  <a:srgbClr val="695D46"/>
+                </a:solidFill>
+                <a:latin typeface="Hiragino Kaku Gothic ProN W3" panose="020B0300000000000000" pitchFamily="34" charset="-128"/>
+                <a:ea typeface="Hiragino Kaku Gothic ProN W3" panose="020B0300000000000000" pitchFamily="34" charset="-128"/>
+              </a:rPr>
+              <a:t>RGB</a:t>
+            </a:r>
+            <a:r>
+              <a:rPr lang="ja-JP" altLang="en-US" sz="1800">
+                <a:solidFill>
+                  <a:srgbClr val="695D46"/>
+                </a:solidFill>
+                <a:latin typeface="Hiragino Kaku Gothic ProN W3" panose="020B0300000000000000" pitchFamily="34" charset="-128"/>
+                <a:ea typeface="Hiragino Kaku Gothic ProN W3" panose="020B0300000000000000" pitchFamily="34" charset="-128"/>
+              </a:rPr>
+              <a:t>の平均値を計算</a:t>
+            </a:r>
+            <a:endParaRPr lang="en-US" altLang="ja-JP" sz="1800" dirty="0">
+              <a:solidFill>
+                <a:srgbClr val="695D46"/>
+              </a:solidFill>
               <a:latin typeface="Hiragino Kaku Gothic ProN W3" panose="020B0300000000000000" pitchFamily="34" charset="-128"/>
               <a:ea typeface="Hiragino Kaku Gothic ProN W3" panose="020B0300000000000000" pitchFamily="34" charset="-128"/>
             </a:endParaRPr>
@@ -4647,7 +5095,7 @@
         <p:spPr>
           <a:xfrm>
             <a:off x="252918" y="320508"/>
-            <a:ext cx="5843081" cy="771870"/>
+            <a:ext cx="10173344" cy="771870"/>
           </a:xfrm>
           <a:prstGeom prst="rect">
             <a:avLst/>
@@ -4677,15 +5125,205 @@
           <a:p>
             <a:r>
               <a:rPr lang="ja-JP" altLang="en-US"/>
-              <a:t>実験と結果：実験内容</a:t>
+              <a:t>システムの概要：学習データについて（出力）</a:t>
             </a:r>
           </a:p>
         </p:txBody>
       </p:sp>
+      <p:pic>
+        <p:nvPicPr>
+          <p:cNvPr id="3" name="図 2">
+            <a:extLst>
+              <a:ext uri="{FF2B5EF4-FFF2-40B4-BE49-F238E27FC236}">
+                <a16:creationId xmlns:a16="http://schemas.microsoft.com/office/drawing/2014/main" id="{86BE7482-04A7-BF5F-C6E6-852F24C2FC04}"/>
+              </a:ext>
+            </a:extLst>
+          </p:cNvPr>
+          <p:cNvPicPr>
+            <a:picLocks noChangeAspect="1"/>
+          </p:cNvPicPr>
+          <p:nvPr/>
+        </p:nvPicPr>
+        <p:blipFill>
+          <a:blip r:embed="rId2"/>
+          <a:stretch>
+            <a:fillRect/>
+          </a:stretch>
+        </p:blipFill>
+        <p:spPr>
+          <a:xfrm>
+            <a:off x="1960691" y="4034497"/>
+            <a:ext cx="1955800" cy="1955800"/>
+          </a:xfrm>
+          <a:prstGeom prst="rect">
+            <a:avLst/>
+          </a:prstGeom>
+        </p:spPr>
+      </p:pic>
+      <p:sp>
+        <p:nvSpPr>
+          <p:cNvPr id="15" name="正方形/長方形 14">
+            <a:extLst>
+              <a:ext uri="{FF2B5EF4-FFF2-40B4-BE49-F238E27FC236}">
+                <a16:creationId xmlns:a16="http://schemas.microsoft.com/office/drawing/2014/main" id="{74915D7E-8641-2D0E-0AE5-BD3891853391}"/>
+              </a:ext>
+            </a:extLst>
+          </p:cNvPr>
+          <p:cNvSpPr/>
+          <p:nvPr/>
+        </p:nvSpPr>
+        <p:spPr>
+          <a:xfrm>
+            <a:off x="8275507" y="4460373"/>
+            <a:ext cx="1175079" cy="1169207"/>
+          </a:xfrm>
+          <a:prstGeom prst="rect">
+            <a:avLst/>
+          </a:prstGeom>
+          <a:solidFill>
+            <a:srgbClr val="E6886E"/>
+          </a:solidFill>
+          <a:ln>
+            <a:noFill/>
+          </a:ln>
+        </p:spPr>
+        <p:style>
+          <a:lnRef idx="2">
+            <a:schemeClr val="accent1">
+              <a:shade val="15000"/>
+            </a:schemeClr>
+          </a:lnRef>
+          <a:fillRef idx="1">
+            <a:schemeClr val="accent1"/>
+          </a:fillRef>
+          <a:effectRef idx="0">
+            <a:schemeClr val="accent1"/>
+          </a:effectRef>
+          <a:fontRef idx="minor">
+            <a:schemeClr val="lt1"/>
+          </a:fontRef>
+        </p:style>
+        <p:txBody>
+          <a:bodyPr rtlCol="0" anchor="ctr"/>
+          <a:lstStyle/>
+          <a:p>
+            <a:pPr algn="ctr"/>
+            <a:endParaRPr kumimoji="1" lang="ja-JP" altLang="en-US"/>
+          </a:p>
+        </p:txBody>
+      </p:sp>
+      <p:pic>
+        <p:nvPicPr>
+          <p:cNvPr id="22" name="図 21">
+            <a:extLst>
+              <a:ext uri="{FF2B5EF4-FFF2-40B4-BE49-F238E27FC236}">
+                <a16:creationId xmlns:a16="http://schemas.microsoft.com/office/drawing/2014/main" id="{6EC713DD-6CA6-31CC-E13B-95A9F8B7E6D1}"/>
+              </a:ext>
+            </a:extLst>
+          </p:cNvPr>
+          <p:cNvPicPr>
+            <a:picLocks noChangeAspect="1"/>
+          </p:cNvPicPr>
+          <p:nvPr/>
+        </p:nvPicPr>
+        <p:blipFill>
+          <a:blip r:embed="rId3"/>
+          <a:stretch>
+            <a:fillRect/>
+          </a:stretch>
+        </p:blipFill>
+        <p:spPr>
+          <a:xfrm>
+            <a:off x="5118099" y="4034497"/>
+            <a:ext cx="1955800" cy="1955800"/>
+          </a:xfrm>
+          <a:prstGeom prst="rect">
+            <a:avLst/>
+          </a:prstGeom>
+        </p:spPr>
+      </p:pic>
+      <p:cxnSp>
+        <p:nvCxnSpPr>
+          <p:cNvPr id="23" name="直線矢印コネクタ 22">
+            <a:extLst>
+              <a:ext uri="{FF2B5EF4-FFF2-40B4-BE49-F238E27FC236}">
+                <a16:creationId xmlns:a16="http://schemas.microsoft.com/office/drawing/2014/main" id="{D1AD610C-4655-59CC-F8EA-A9D249FF3B6B}"/>
+              </a:ext>
+            </a:extLst>
+          </p:cNvPr>
+          <p:cNvCxnSpPr/>
+          <p:nvPr/>
+        </p:nvCxnSpPr>
+        <p:spPr>
+          <a:xfrm>
+            <a:off x="4266817" y="5089640"/>
+            <a:ext cx="501805" cy="0"/>
+          </a:xfrm>
+          <a:prstGeom prst="straightConnector1">
+            <a:avLst/>
+          </a:prstGeom>
+          <a:ln>
+            <a:tailEnd type="triangle"/>
+          </a:ln>
+        </p:spPr>
+        <p:style>
+          <a:lnRef idx="1">
+            <a:schemeClr val="dk1"/>
+          </a:lnRef>
+          <a:fillRef idx="0">
+            <a:schemeClr val="dk1"/>
+          </a:fillRef>
+          <a:effectRef idx="0">
+            <a:schemeClr val="dk1"/>
+          </a:effectRef>
+          <a:fontRef idx="minor">
+            <a:schemeClr val="tx1"/>
+          </a:fontRef>
+        </p:style>
+      </p:cxnSp>
+      <p:cxnSp>
+        <p:nvCxnSpPr>
+          <p:cNvPr id="24" name="直線矢印コネクタ 23">
+            <a:extLst>
+              <a:ext uri="{FF2B5EF4-FFF2-40B4-BE49-F238E27FC236}">
+                <a16:creationId xmlns:a16="http://schemas.microsoft.com/office/drawing/2014/main" id="{0DB557AA-8180-439E-A72E-E29B51C1E7A1}"/>
+              </a:ext>
+            </a:extLst>
+          </p:cNvPr>
+          <p:cNvCxnSpPr/>
+          <p:nvPr/>
+        </p:nvCxnSpPr>
+        <p:spPr>
+          <a:xfrm>
+            <a:off x="7393644" y="5044987"/>
+            <a:ext cx="501805" cy="0"/>
+          </a:xfrm>
+          <a:prstGeom prst="straightConnector1">
+            <a:avLst/>
+          </a:prstGeom>
+          <a:ln>
+            <a:tailEnd type="triangle"/>
+          </a:ln>
+        </p:spPr>
+        <p:style>
+          <a:lnRef idx="1">
+            <a:schemeClr val="dk1"/>
+          </a:lnRef>
+          <a:fillRef idx="0">
+            <a:schemeClr val="dk1"/>
+          </a:fillRef>
+          <a:effectRef idx="0">
+            <a:schemeClr val="dk1"/>
+          </a:effectRef>
+          <a:fontRef idx="minor">
+            <a:schemeClr val="tx1"/>
+          </a:fontRef>
+        </p:style>
+      </p:cxnSp>
     </p:spTree>
     <p:extLst>
       <p:ext uri="{BB962C8B-B14F-4D97-AF65-F5344CB8AC3E}">
-        <p14:creationId xmlns:p14="http://schemas.microsoft.com/office/powerpoint/2010/main" val="3684630261"/>
+        <p14:creationId xmlns:p14="http://schemas.microsoft.com/office/powerpoint/2010/main" val="1103154780"/>
       </p:ext>
     </p:extLst>
   </p:cSld>
@@ -5029,96 +5667,6 @@
             </a:lvl9pPr>
           </a:lstStyle>
           <a:p>
-            <a:pPr fontAlgn="base"/>
-            <a:r>
-              <a:rPr lang="ja-JP" altLang="en-US">
-                <a:latin typeface="Hiragino Kaku Gothic ProN W3" panose="020B0300000000000000" pitchFamily="34" charset="-128"/>
-                <a:ea typeface="Hiragino Kaku Gothic ProN W3" panose="020B0300000000000000" pitchFamily="34" charset="-128"/>
-              </a:rPr>
-              <a:t>メイクアップは、自分自身でそれが似合っているかどうかを客観的に判断することが難しい</a:t>
-            </a:r>
-          </a:p>
-          <a:p>
-            <a:pPr lvl="1" fontAlgn="base"/>
-            <a:r>
-              <a:rPr lang="ja-JP" altLang="en-US" sz="2000">
-                <a:latin typeface="Hiragino Kaku Gothic ProN W3" panose="020B0300000000000000" pitchFamily="34" charset="-128"/>
-                <a:ea typeface="Hiragino Kaku Gothic ProN W3" panose="020B0300000000000000" pitchFamily="34" charset="-128"/>
-              </a:rPr>
-              <a:t>自分がしているメイクアップに自信が持てず、不安になってしまう</a:t>
-            </a:r>
-          </a:p>
-          <a:p>
-            <a:pPr lvl="1" fontAlgn="base"/>
-            <a:r>
-              <a:rPr lang="ja-JP" altLang="en-US" sz="2000">
-                <a:latin typeface="Hiragino Kaku Gothic ProN W3" panose="020B0300000000000000" pitchFamily="34" charset="-128"/>
-                <a:ea typeface="Hiragino Kaku Gothic ProN W3" panose="020B0300000000000000" pitchFamily="34" charset="-128"/>
-              </a:rPr>
-              <a:t>メイクアップをどう改善したら良いのか分からない</a:t>
-            </a:r>
-            <a:br>
-              <a:rPr lang="ja-JP" altLang="en-US" sz="2000">
-                <a:latin typeface="Hiragino Kaku Gothic ProN W3" panose="020B0300000000000000" pitchFamily="34" charset="-128"/>
-                <a:ea typeface="Hiragino Kaku Gothic ProN W3" panose="020B0300000000000000" pitchFamily="34" charset="-128"/>
-              </a:rPr>
-            </a:br>
-            <a:br>
-              <a:rPr lang="ja-JP" altLang="en-US" sz="2000">
-                <a:latin typeface="Hiragino Kaku Gothic ProN W3" panose="020B0300000000000000" pitchFamily="34" charset="-128"/>
-                <a:ea typeface="Hiragino Kaku Gothic ProN W3" panose="020B0300000000000000" pitchFamily="34" charset="-128"/>
-              </a:rPr>
-            </a:br>
-            <a:endParaRPr lang="ja-JP" altLang="en-US" sz="2000">
-              <a:latin typeface="Hiragino Kaku Gothic ProN W3" panose="020B0300000000000000" pitchFamily="34" charset="-128"/>
-              <a:ea typeface="Hiragino Kaku Gothic ProN W3" panose="020B0300000000000000" pitchFamily="34" charset="-128"/>
-            </a:endParaRPr>
-          </a:p>
-          <a:p>
-            <a:pPr fontAlgn="base"/>
-            <a:r>
-              <a:rPr lang="ja-JP" altLang="en-US">
-                <a:latin typeface="Hiragino Kaku Gothic ProN W3" panose="020B0300000000000000" pitchFamily="34" charset="-128"/>
-                <a:ea typeface="Hiragino Kaku Gothic ProN W3" panose="020B0300000000000000" pitchFamily="34" charset="-128"/>
-              </a:rPr>
-              <a:t>メイクアップの印象を大きく左右する要素としてリップメイクに着目</a:t>
-            </a:r>
-          </a:p>
-          <a:p>
-            <a:pPr fontAlgn="base"/>
-            <a:r>
-              <a:rPr lang="ja-JP" altLang="en-US">
-                <a:latin typeface="Hiragino Kaku Gothic ProN W3" panose="020B0300000000000000" pitchFamily="34" charset="-128"/>
-                <a:ea typeface="Hiragino Kaku Gothic ProN W3" panose="020B0300000000000000" pitchFamily="34" charset="-128"/>
-              </a:rPr>
-              <a:t>人の顔画像から、その人に似合うリップカラーを機械学習で推定・提案するシステムを作成</a:t>
-            </a:r>
-          </a:p>
-          <a:p>
-            <a:pPr lvl="1" fontAlgn="base"/>
-            <a:r>
-              <a:rPr lang="ja-JP" altLang="en-US" sz="2000">
-                <a:latin typeface="Hiragino Kaku Gothic ProN W3" panose="020B0300000000000000" pitchFamily="34" charset="-128"/>
-                <a:ea typeface="Hiragino Kaku Gothic ProN W3" panose="020B0300000000000000" pitchFamily="34" charset="-128"/>
-              </a:rPr>
-              <a:t>似合うと推定されるリップカラーを利用者に提示することで、現在のメイクアップをどう改善すれば良いかの方向性を示すことができる</a:t>
-            </a:r>
-            <a:endParaRPr lang="en-US" altLang="ja-JP" sz="2000" dirty="0">
-              <a:latin typeface="Hiragino Kaku Gothic ProN W3" panose="020B0300000000000000" pitchFamily="34" charset="-128"/>
-              <a:ea typeface="Hiragino Kaku Gothic ProN W3" panose="020B0300000000000000" pitchFamily="34" charset="-128"/>
-            </a:endParaRPr>
-          </a:p>
-          <a:p>
-            <a:pPr lvl="1" fontAlgn="base"/>
-            <a:r>
-              <a:rPr lang="ja-JP" altLang="en-US" sz="2000">
-                <a:latin typeface="Hiragino Kaku Gothic ProN W3" panose="020B0300000000000000" pitchFamily="34" charset="-128"/>
-                <a:ea typeface="Hiragino Kaku Gothic ProN W3" panose="020B0300000000000000" pitchFamily="34" charset="-128"/>
-              </a:rPr>
-              <a:t>自分が現在使用しているリップカラーと近い色が提示されれば、不安の解消になる</a:t>
-            </a:r>
-          </a:p>
-          <a:p>
             <a:endParaRPr lang="ja-JP" altLang="en-US">
               <a:latin typeface="Hiragino Kaku Gothic ProN W3" panose="020B0300000000000000" pitchFamily="34" charset="-128"/>
               <a:ea typeface="Hiragino Kaku Gothic ProN W3" panose="020B0300000000000000" pitchFamily="34" charset="-128"/>
@@ -5142,7 +5690,7 @@
         </p:nvSpPr>
         <p:spPr>
           <a:xfrm>
-            <a:off x="252918" y="320508"/>
+            <a:off x="252917" y="320508"/>
             <a:ext cx="11039913" cy="771870"/>
           </a:xfrm>
           <a:prstGeom prst="rect">
@@ -5172,33 +5720,600 @@
           </a:lstStyle>
           <a:p>
             <a:r>
-              <a:rPr lang="en-US" altLang="ja-JP" dirty="0">
-                <a:latin typeface="Hiragino Kaku Gothic ProN W3" panose="020B0300000000000000" pitchFamily="34" charset="-128"/>
-                <a:ea typeface="Hiragino Kaku Gothic ProN W3" panose="020B0300000000000000" pitchFamily="34" charset="-128"/>
-              </a:rPr>
-              <a:t>①MAQUIA ONLINE</a:t>
+              <a:rPr lang="ja-JP" altLang="en-US"/>
+              <a:t>使用した技術：</a:t>
+            </a:r>
+            <a:r>
+              <a:rPr lang="en-US" altLang="ja-JP" dirty="0"/>
+              <a:t>CNN</a:t>
+            </a:r>
+            <a:r>
+              <a:rPr lang="ja-JP" altLang="en-US"/>
+              <a:t>（</a:t>
+            </a:r>
+            <a:r>
+              <a:rPr lang="en-US" altLang="ja-JP" dirty="0"/>
+              <a:t>Convolutional Neural Network</a:t>
+            </a:r>
+            <a:r>
+              <a:rPr lang="ja-JP" altLang="en-US"/>
+              <a:t>）</a:t>
+            </a:r>
+          </a:p>
+        </p:txBody>
+      </p:sp>
+      <p:sp>
+        <p:nvSpPr>
+          <p:cNvPr id="2" name="コンテンツ プレースホルダー 2">
+            <a:extLst>
+              <a:ext uri="{FF2B5EF4-FFF2-40B4-BE49-F238E27FC236}">
+                <a16:creationId xmlns:a16="http://schemas.microsoft.com/office/drawing/2014/main" id="{2A8B6722-9453-DAB6-414A-529561B63BDB}"/>
+              </a:ext>
+            </a:extLst>
+          </p:cNvPr>
+          <p:cNvSpPr txBox="1">
+            <a:spLocks/>
+          </p:cNvSpPr>
+          <p:nvPr/>
+        </p:nvSpPr>
+        <p:spPr>
+          <a:xfrm>
+            <a:off x="728443" y="1584540"/>
+            <a:ext cx="11039913" cy="5120640"/>
+          </a:xfrm>
+          <a:prstGeom prst="rect">
+            <a:avLst/>
+          </a:prstGeom>
+        </p:spPr>
+        <p:txBody>
+          <a:bodyPr/>
+          <a:lstStyle>
+            <a:lvl1pPr marL="182880" indent="-182880" algn="l" defTabSz="914400" rtl="0" eaLnBrk="1" latinLnBrk="0" hangingPunct="1">
+              <a:lnSpc>
+                <a:spcPct val="90000"/>
+              </a:lnSpc>
+              <a:spcBef>
+                <a:spcPts val="1200"/>
+              </a:spcBef>
+              <a:buClr>
+                <a:schemeClr val="accent1"/>
+              </a:buClr>
+              <a:buFont typeface="Wingdings 2" pitchFamily="18" charset="2"/>
+              <a:buChar char=""/>
+              <a:defRPr kumimoji="1" sz="2000" kern="1200">
+                <a:solidFill>
+                  <a:schemeClr val="tx1">
+                    <a:lumMod val="65000"/>
+                    <a:lumOff val="35000"/>
+                  </a:schemeClr>
+                </a:solidFill>
+                <a:latin typeface="+mn-lt"/>
+                <a:ea typeface="+mn-ea"/>
+                <a:cs typeface="+mn-cs"/>
+              </a:defRPr>
+            </a:lvl1pPr>
+            <a:lvl2pPr marL="685800" indent="-182880" algn="l" defTabSz="914400" rtl="0" eaLnBrk="1" latinLnBrk="0" hangingPunct="1">
+              <a:lnSpc>
+                <a:spcPct val="90000"/>
+              </a:lnSpc>
+              <a:spcBef>
+                <a:spcPts val="250"/>
+              </a:spcBef>
+              <a:spcAft>
+                <a:spcPts val="250"/>
+              </a:spcAft>
+              <a:buClr>
+                <a:schemeClr val="accent1"/>
+              </a:buClr>
+              <a:buFont typeface="Wingdings 2" pitchFamily="18" charset="2"/>
+              <a:buChar char=""/>
+              <a:defRPr kumimoji="1" sz="1800" kern="1200">
+                <a:solidFill>
+                  <a:schemeClr val="tx1">
+                    <a:lumMod val="65000"/>
+                    <a:lumOff val="35000"/>
+                  </a:schemeClr>
+                </a:solidFill>
+                <a:latin typeface="+mn-lt"/>
+                <a:ea typeface="+mn-ea"/>
+                <a:cs typeface="+mn-cs"/>
+              </a:defRPr>
+            </a:lvl2pPr>
+            <a:lvl3pPr marL="1143000" indent="-182880" algn="l" defTabSz="914400" rtl="0" eaLnBrk="1" latinLnBrk="0" hangingPunct="1">
+              <a:lnSpc>
+                <a:spcPct val="90000"/>
+              </a:lnSpc>
+              <a:spcBef>
+                <a:spcPts val="250"/>
+              </a:spcBef>
+              <a:spcAft>
+                <a:spcPts val="250"/>
+              </a:spcAft>
+              <a:buClr>
+                <a:schemeClr val="accent1"/>
+              </a:buClr>
+              <a:buFont typeface="Wingdings 2" pitchFamily="18" charset="2"/>
+              <a:buChar char=""/>
+              <a:defRPr kumimoji="1" sz="1600" kern="1200">
+                <a:solidFill>
+                  <a:schemeClr val="tx1">
+                    <a:lumMod val="65000"/>
+                    <a:lumOff val="35000"/>
+                  </a:schemeClr>
+                </a:solidFill>
+                <a:latin typeface="+mn-lt"/>
+                <a:ea typeface="+mn-ea"/>
+                <a:cs typeface="+mn-cs"/>
+              </a:defRPr>
+            </a:lvl3pPr>
+            <a:lvl4pPr marL="1600200" indent="-182880" algn="l" defTabSz="914400" rtl="0" eaLnBrk="1" latinLnBrk="0" hangingPunct="1">
+              <a:lnSpc>
+                <a:spcPct val="90000"/>
+              </a:lnSpc>
+              <a:spcBef>
+                <a:spcPts val="250"/>
+              </a:spcBef>
+              <a:spcAft>
+                <a:spcPts val="250"/>
+              </a:spcAft>
+              <a:buClr>
+                <a:schemeClr val="accent1"/>
+              </a:buClr>
+              <a:buFont typeface="Wingdings 2" pitchFamily="18" charset="2"/>
+              <a:buChar char=""/>
+              <a:defRPr kumimoji="1" sz="1400" kern="1200">
+                <a:solidFill>
+                  <a:schemeClr val="tx1">
+                    <a:lumMod val="65000"/>
+                    <a:lumOff val="35000"/>
+                  </a:schemeClr>
+                </a:solidFill>
+                <a:latin typeface="+mn-lt"/>
+                <a:ea typeface="+mn-ea"/>
+                <a:cs typeface="+mn-cs"/>
+              </a:defRPr>
+            </a:lvl4pPr>
+            <a:lvl5pPr marL="2057400" indent="-182880" algn="l" defTabSz="914400" rtl="0" eaLnBrk="1" latinLnBrk="0" hangingPunct="1">
+              <a:lnSpc>
+                <a:spcPct val="90000"/>
+              </a:lnSpc>
+              <a:spcBef>
+                <a:spcPts val="250"/>
+              </a:spcBef>
+              <a:spcAft>
+                <a:spcPts val="250"/>
+              </a:spcAft>
+              <a:buClr>
+                <a:schemeClr val="accent1"/>
+              </a:buClr>
+              <a:buFont typeface="Wingdings 2" pitchFamily="18" charset="2"/>
+              <a:buChar char=""/>
+              <a:defRPr kumimoji="1" sz="1400" kern="1200">
+                <a:solidFill>
+                  <a:schemeClr val="tx1">
+                    <a:lumMod val="65000"/>
+                    <a:lumOff val="35000"/>
+                  </a:schemeClr>
+                </a:solidFill>
+                <a:latin typeface="+mn-lt"/>
+                <a:ea typeface="+mn-ea"/>
+                <a:cs typeface="+mn-cs"/>
+              </a:defRPr>
+            </a:lvl5pPr>
+            <a:lvl6pPr marL="2514600" indent="-228600" algn="l" defTabSz="914400" rtl="0" eaLnBrk="1" latinLnBrk="0" hangingPunct="1">
+              <a:lnSpc>
+                <a:spcPct val="90000"/>
+              </a:lnSpc>
+              <a:spcBef>
+                <a:spcPts val="250"/>
+              </a:spcBef>
+              <a:spcAft>
+                <a:spcPts val="250"/>
+              </a:spcAft>
+              <a:buClr>
+                <a:schemeClr val="accent1"/>
+              </a:buClr>
+              <a:buFont typeface="Wingdings 2" pitchFamily="18" charset="2"/>
+              <a:buChar char=""/>
+              <a:defRPr kumimoji="1" sz="1400" kern="1200">
+                <a:solidFill>
+                  <a:schemeClr val="tx1">
+                    <a:lumMod val="65000"/>
+                    <a:lumOff val="35000"/>
+                  </a:schemeClr>
+                </a:solidFill>
+                <a:latin typeface="+mn-lt"/>
+                <a:ea typeface="+mn-ea"/>
+                <a:cs typeface="+mn-cs"/>
+              </a:defRPr>
+            </a:lvl6pPr>
+            <a:lvl7pPr marL="2971800" indent="-228600" algn="l" defTabSz="914400" rtl="0" eaLnBrk="1" latinLnBrk="0" hangingPunct="1">
+              <a:lnSpc>
+                <a:spcPct val="90000"/>
+              </a:lnSpc>
+              <a:spcBef>
+                <a:spcPts val="250"/>
+              </a:spcBef>
+              <a:spcAft>
+                <a:spcPts val="250"/>
+              </a:spcAft>
+              <a:buClr>
+                <a:schemeClr val="accent1"/>
+              </a:buClr>
+              <a:buFont typeface="Wingdings 2" pitchFamily="18" charset="2"/>
+              <a:buChar char=""/>
+              <a:defRPr kumimoji="1" sz="1400" kern="1200">
+                <a:solidFill>
+                  <a:schemeClr val="tx1">
+                    <a:lumMod val="65000"/>
+                    <a:lumOff val="35000"/>
+                  </a:schemeClr>
+                </a:solidFill>
+                <a:latin typeface="+mn-lt"/>
+                <a:ea typeface="+mn-ea"/>
+                <a:cs typeface="+mn-cs"/>
+              </a:defRPr>
+            </a:lvl7pPr>
+            <a:lvl8pPr marL="3429000" indent="-228600" algn="l" defTabSz="914400" rtl="0" eaLnBrk="1" latinLnBrk="0" hangingPunct="1">
+              <a:lnSpc>
+                <a:spcPct val="90000"/>
+              </a:lnSpc>
+              <a:spcBef>
+                <a:spcPts val="250"/>
+              </a:spcBef>
+              <a:spcAft>
+                <a:spcPts val="250"/>
+              </a:spcAft>
+              <a:buClr>
+                <a:schemeClr val="accent1"/>
+              </a:buClr>
+              <a:buFont typeface="Wingdings 2" pitchFamily="18" charset="2"/>
+              <a:buChar char=""/>
+              <a:defRPr kumimoji="1" sz="1400" kern="1200">
+                <a:solidFill>
+                  <a:schemeClr val="tx1">
+                    <a:lumMod val="65000"/>
+                    <a:lumOff val="35000"/>
+                  </a:schemeClr>
+                </a:solidFill>
+                <a:latin typeface="+mn-lt"/>
+                <a:ea typeface="+mn-ea"/>
+                <a:cs typeface="+mn-cs"/>
+              </a:defRPr>
+            </a:lvl8pPr>
+            <a:lvl9pPr marL="3886200" indent="-228600" algn="l" defTabSz="914400" rtl="0" eaLnBrk="1" latinLnBrk="0" hangingPunct="1">
+              <a:lnSpc>
+                <a:spcPct val="90000"/>
+              </a:lnSpc>
+              <a:spcBef>
+                <a:spcPts val="250"/>
+              </a:spcBef>
+              <a:spcAft>
+                <a:spcPts val="250"/>
+              </a:spcAft>
+              <a:buClr>
+                <a:schemeClr val="accent1"/>
+              </a:buClr>
+              <a:buFont typeface="Wingdings 2" pitchFamily="18" charset="2"/>
+              <a:buChar char=""/>
+              <a:defRPr kumimoji="1" sz="1400" kern="1200">
+                <a:solidFill>
+                  <a:schemeClr val="tx1">
+                    <a:lumMod val="65000"/>
+                    <a:lumOff val="35000"/>
+                  </a:schemeClr>
+                </a:solidFill>
+                <a:latin typeface="+mn-lt"/>
+                <a:ea typeface="+mn-ea"/>
+                <a:cs typeface="+mn-cs"/>
+              </a:defRPr>
+            </a:lvl9pPr>
+          </a:lstStyle>
+          <a:p>
+            <a:pPr fontAlgn="base">
+              <a:spcBef>
+                <a:spcPts val="0"/>
+              </a:spcBef>
+              <a:spcAft>
+                <a:spcPts val="1200"/>
+              </a:spcAft>
+              <a:buFont typeface="Arial" panose="020B0604020202020204" pitchFamily="34" charset="0"/>
+              <a:buChar char="•"/>
+            </a:pPr>
+            <a:r>
+              <a:rPr lang="en" altLang="ja-JP" dirty="0">
+                <a:solidFill>
+                  <a:srgbClr val="695D46"/>
+                </a:solidFill>
+                <a:latin typeface="Hiragino Kaku Gothic ProN W3" panose="020B0300000000000000" pitchFamily="34" charset="-128"/>
+                <a:ea typeface="Hiragino Kaku Gothic ProN W3" panose="020B0300000000000000" pitchFamily="34" charset="-128"/>
+              </a:rPr>
+              <a:t>CNN</a:t>
             </a:r>
             <a:r>
               <a:rPr lang="ja-JP" altLang="en-US">
-                <a:latin typeface="Hiragino Kaku Gothic ProN W3" panose="020B0300000000000000" pitchFamily="34" charset="-128"/>
-                <a:ea typeface="Hiragino Kaku Gothic ProN W3" panose="020B0300000000000000" pitchFamily="34" charset="-128"/>
-              </a:rPr>
-              <a:t>の未学習の画像を使用した実験</a:t>
+                <a:solidFill>
+                  <a:srgbClr val="695D46"/>
+                </a:solidFill>
+                <a:latin typeface="Hiragino Kaku Gothic ProN W3" panose="020B0300000000000000" pitchFamily="34" charset="-128"/>
+                <a:ea typeface="Hiragino Kaku Gothic ProN W3" panose="020B0300000000000000" pitchFamily="34" charset="-128"/>
+              </a:rPr>
+              <a:t>（</a:t>
+            </a:r>
+            <a:r>
+              <a:rPr lang="en" altLang="ja-JP" dirty="0">
+                <a:solidFill>
+                  <a:srgbClr val="695D46"/>
+                </a:solidFill>
+                <a:latin typeface="Hiragino Kaku Gothic ProN W3" panose="020B0300000000000000" pitchFamily="34" charset="-128"/>
+                <a:ea typeface="Hiragino Kaku Gothic ProN W3" panose="020B0300000000000000" pitchFamily="34" charset="-128"/>
+              </a:rPr>
+              <a:t>Convolutional Neural Network</a:t>
+            </a:r>
+            <a:r>
+              <a:rPr lang="ja-JP" altLang="en-US">
+                <a:solidFill>
+                  <a:srgbClr val="695D46"/>
+                </a:solidFill>
+                <a:latin typeface="Hiragino Kaku Gothic ProN W3" panose="020B0300000000000000" pitchFamily="34" charset="-128"/>
+                <a:ea typeface="Hiragino Kaku Gothic ProN W3" panose="020B0300000000000000" pitchFamily="34" charset="-128"/>
+              </a:rPr>
+              <a:t>）</a:t>
             </a:r>
             <a:endParaRPr lang="en-US" altLang="ja-JP" dirty="0">
+              <a:solidFill>
+                <a:srgbClr val="695D46"/>
+              </a:solidFill>
               <a:latin typeface="Hiragino Kaku Gothic ProN W3" panose="020B0300000000000000" pitchFamily="34" charset="-128"/>
               <a:ea typeface="Hiragino Kaku Gothic ProN W3" panose="020B0300000000000000" pitchFamily="34" charset="-128"/>
             </a:endParaRPr>
           </a:p>
           <a:p>
-            <a:endParaRPr lang="ja-JP" altLang="en-US"/>
+            <a:pPr fontAlgn="base">
+              <a:spcBef>
+                <a:spcPts val="0"/>
+              </a:spcBef>
+              <a:spcAft>
+                <a:spcPts val="1200"/>
+              </a:spcAft>
+              <a:buFont typeface="Arial" panose="020B0604020202020204" pitchFamily="34" charset="0"/>
+              <a:buChar char="•"/>
+            </a:pPr>
+            <a:endParaRPr lang="en-US" altLang="ja-JP" dirty="0">
+              <a:solidFill>
+                <a:srgbClr val="695D46"/>
+              </a:solidFill>
+              <a:latin typeface="Hiragino Kaku Gothic ProN W3" panose="020B0300000000000000" pitchFamily="34" charset="-128"/>
+              <a:ea typeface="Hiragino Kaku Gothic ProN W3" panose="020B0300000000000000" pitchFamily="34" charset="-128"/>
+            </a:endParaRPr>
+          </a:p>
+          <a:p>
+            <a:pPr fontAlgn="base">
+              <a:spcBef>
+                <a:spcPts val="0"/>
+              </a:spcBef>
+              <a:spcAft>
+                <a:spcPts val="1200"/>
+              </a:spcAft>
+              <a:buFont typeface="Arial" panose="020B0604020202020204" pitchFamily="34" charset="0"/>
+              <a:buChar char="•"/>
+            </a:pPr>
+            <a:r>
+              <a:rPr lang="ja-JP" altLang="en-US">
+                <a:solidFill>
+                  <a:srgbClr val="695D46"/>
+                </a:solidFill>
+                <a:latin typeface="Hiragino Kaku Gothic ProN W3" panose="020B0300000000000000" pitchFamily="34" charset="-128"/>
+                <a:ea typeface="Hiragino Kaku Gothic ProN W3" panose="020B0300000000000000" pitchFamily="34" charset="-128"/>
+              </a:rPr>
+              <a:t>カテゴリ分けや物体認識など、画像処理の分野で高いパフォーマンスを発揮している</a:t>
+            </a:r>
+            <a:endParaRPr lang="en-US" altLang="ja-JP" dirty="0">
+              <a:solidFill>
+                <a:srgbClr val="695D46"/>
+              </a:solidFill>
+              <a:latin typeface="Hiragino Kaku Gothic ProN W3" panose="020B0300000000000000" pitchFamily="34" charset="-128"/>
+              <a:ea typeface="Hiragino Kaku Gothic ProN W3" panose="020B0300000000000000" pitchFamily="34" charset="-128"/>
+            </a:endParaRPr>
+          </a:p>
+          <a:p>
+            <a:pPr marL="0" indent="0" fontAlgn="base">
+              <a:spcBef>
+                <a:spcPts val="0"/>
+              </a:spcBef>
+              <a:spcAft>
+                <a:spcPts val="1200"/>
+              </a:spcAft>
+              <a:buNone/>
+            </a:pPr>
+            <a:endParaRPr lang="en-US" altLang="ja-JP" dirty="0">
+              <a:solidFill>
+                <a:srgbClr val="695D46"/>
+              </a:solidFill>
+              <a:latin typeface="Hiragino Kaku Gothic ProN W3" panose="020B0300000000000000" pitchFamily="34" charset="-128"/>
+              <a:ea typeface="Hiragino Kaku Gothic ProN W3" panose="020B0300000000000000" pitchFamily="34" charset="-128"/>
+            </a:endParaRPr>
+          </a:p>
+          <a:p>
+            <a:pPr fontAlgn="base">
+              <a:spcBef>
+                <a:spcPts val="0"/>
+              </a:spcBef>
+              <a:spcAft>
+                <a:spcPts val="1200"/>
+              </a:spcAft>
+              <a:buFont typeface="Arial" panose="020B0604020202020204" pitchFamily="34" charset="0"/>
+              <a:buChar char="•"/>
+            </a:pPr>
+            <a:r>
+              <a:rPr lang="ja-JP" altLang="en-US">
+                <a:solidFill>
+                  <a:srgbClr val="695D46"/>
+                </a:solidFill>
+                <a:latin typeface="Hiragino Kaku Gothic ProN W3" panose="020B0300000000000000" pitchFamily="34" charset="-128"/>
+                <a:ea typeface="Hiragino Kaku Gothic ProN W3" panose="020B0300000000000000" pitchFamily="34" charset="-128"/>
+              </a:rPr>
+              <a:t>例）</a:t>
+            </a:r>
+            <a:endParaRPr lang="en-US" altLang="ja-JP" dirty="0">
+              <a:solidFill>
+                <a:srgbClr val="695D46"/>
+              </a:solidFill>
+              <a:latin typeface="Hiragino Kaku Gothic ProN W3" panose="020B0300000000000000" pitchFamily="34" charset="-128"/>
+              <a:ea typeface="Hiragino Kaku Gothic ProN W3" panose="020B0300000000000000" pitchFamily="34" charset="-128"/>
+            </a:endParaRPr>
+          </a:p>
+          <a:p>
+            <a:pPr lvl="1" fontAlgn="base">
+              <a:spcBef>
+                <a:spcPts val="0"/>
+              </a:spcBef>
+              <a:spcAft>
+                <a:spcPts val="1200"/>
+              </a:spcAft>
+              <a:buFont typeface="Arial" panose="020B0604020202020204" pitchFamily="34" charset="0"/>
+              <a:buChar char="•"/>
+            </a:pPr>
+            <a:r>
+              <a:rPr lang="ja-JP" altLang="en-US" sz="2000">
+                <a:solidFill>
+                  <a:srgbClr val="695D46"/>
+                </a:solidFill>
+                <a:latin typeface="Hiragino Kaku Gothic ProN W3" panose="020B0300000000000000" pitchFamily="34" charset="-128"/>
+                <a:ea typeface="Hiragino Kaku Gothic ProN W3" panose="020B0300000000000000" pitchFamily="34" charset="-128"/>
+              </a:rPr>
+              <a:t>画像の説明文を自動生成する（</a:t>
+            </a:r>
+            <a:r>
+              <a:rPr lang="en-US" altLang="ja-JP" sz="2000" dirty="0">
+                <a:solidFill>
+                  <a:srgbClr val="695D46"/>
+                </a:solidFill>
+                <a:latin typeface="Hiragino Kaku Gothic ProN W3" panose="020B0300000000000000" pitchFamily="34" charset="-128"/>
+                <a:ea typeface="Hiragino Kaku Gothic ProN W3" panose="020B0300000000000000" pitchFamily="34" charset="-128"/>
+              </a:rPr>
+              <a:t>Google</a:t>
+            </a:r>
+            <a:r>
+              <a:rPr lang="ja-JP" altLang="en-US" sz="2000">
+                <a:solidFill>
+                  <a:srgbClr val="695D46"/>
+                </a:solidFill>
+                <a:latin typeface="Hiragino Kaku Gothic ProN W3" panose="020B0300000000000000" pitchFamily="34" charset="-128"/>
+                <a:ea typeface="Hiragino Kaku Gothic ProN W3" panose="020B0300000000000000" pitchFamily="34" charset="-128"/>
+              </a:rPr>
+              <a:t>）</a:t>
+            </a:r>
+            <a:endParaRPr lang="en-US" altLang="ja-JP" sz="2000" dirty="0">
+              <a:solidFill>
+                <a:srgbClr val="695D46"/>
+              </a:solidFill>
+              <a:latin typeface="Hiragino Kaku Gothic ProN W3" panose="020B0300000000000000" pitchFamily="34" charset="-128"/>
+              <a:ea typeface="Hiragino Kaku Gothic ProN W3" panose="020B0300000000000000" pitchFamily="34" charset="-128"/>
+            </a:endParaRPr>
+          </a:p>
+          <a:p>
+            <a:pPr lvl="1" fontAlgn="base">
+              <a:spcBef>
+                <a:spcPts val="0"/>
+              </a:spcBef>
+              <a:spcAft>
+                <a:spcPts val="1200"/>
+              </a:spcAft>
+              <a:buFont typeface="Arial" panose="020B0604020202020204" pitchFamily="34" charset="0"/>
+              <a:buChar char="•"/>
+            </a:pPr>
+            <a:r>
+              <a:rPr lang="ja-JP" altLang="en-US" sz="2000">
+                <a:solidFill>
+                  <a:srgbClr val="695D46"/>
+                </a:solidFill>
+                <a:latin typeface="Hiragino Kaku Gothic ProN W3" panose="020B0300000000000000" pitchFamily="34" charset="-128"/>
+                <a:ea typeface="Hiragino Kaku Gothic ProN W3" panose="020B0300000000000000" pitchFamily="34" charset="-128"/>
+              </a:rPr>
+              <a:t>ドライブレコーダーの動画から道路の欠陥などを検出する</a:t>
+            </a:r>
+            <a:endParaRPr lang="en-US" altLang="ja-JP" sz="2000" dirty="0">
+              <a:solidFill>
+                <a:srgbClr val="695D46"/>
+              </a:solidFill>
+              <a:latin typeface="Hiragino Kaku Gothic ProN W3" panose="020B0300000000000000" pitchFamily="34" charset="-128"/>
+              <a:ea typeface="Hiragino Kaku Gothic ProN W3" panose="020B0300000000000000" pitchFamily="34" charset="-128"/>
+            </a:endParaRPr>
+          </a:p>
+          <a:p>
+            <a:pPr lvl="1" fontAlgn="base">
+              <a:spcBef>
+                <a:spcPts val="0"/>
+              </a:spcBef>
+              <a:spcAft>
+                <a:spcPts val="1200"/>
+              </a:spcAft>
+              <a:buFont typeface="Arial" panose="020B0604020202020204" pitchFamily="34" charset="0"/>
+              <a:buChar char="•"/>
+            </a:pPr>
+            <a:r>
+              <a:rPr lang="ja-JP" altLang="en-US" sz="2000">
+                <a:solidFill>
+                  <a:srgbClr val="695D46"/>
+                </a:solidFill>
+                <a:latin typeface="Hiragino Kaku Gothic ProN W3" panose="020B0300000000000000" pitchFamily="34" charset="-128"/>
+                <a:ea typeface="Hiragino Kaku Gothic ProN W3" panose="020B0300000000000000" pitchFamily="34" charset="-128"/>
+              </a:rPr>
+              <a:t>レントゲンから病状を診断する</a:t>
+            </a:r>
+            <a:endParaRPr lang="en-US" altLang="ja-JP" sz="2000" dirty="0">
+              <a:solidFill>
+                <a:srgbClr val="695D46"/>
+              </a:solidFill>
+              <a:latin typeface="Hiragino Kaku Gothic ProN W3" panose="020B0300000000000000" pitchFamily="34" charset="-128"/>
+              <a:ea typeface="Hiragino Kaku Gothic ProN W3" panose="020B0300000000000000" pitchFamily="34" charset="-128"/>
+            </a:endParaRPr>
+          </a:p>
+          <a:p>
+            <a:pPr lvl="1" fontAlgn="base">
+              <a:spcBef>
+                <a:spcPts val="0"/>
+              </a:spcBef>
+              <a:spcAft>
+                <a:spcPts val="1200"/>
+              </a:spcAft>
+              <a:buFont typeface="Arial" panose="020B0604020202020204" pitchFamily="34" charset="0"/>
+              <a:buChar char="•"/>
+            </a:pPr>
+            <a:endParaRPr lang="ja-JP" altLang="en-US" sz="2000">
+              <a:solidFill>
+                <a:srgbClr val="695D46"/>
+              </a:solidFill>
+              <a:latin typeface="Hiragino Kaku Gothic ProN W3" panose="020B0300000000000000" pitchFamily="34" charset="-128"/>
+              <a:ea typeface="Hiragino Kaku Gothic ProN W3" panose="020B0300000000000000" pitchFamily="34" charset="-128"/>
+            </a:endParaRPr>
+          </a:p>
+          <a:p>
+            <a:pPr fontAlgn="base">
+              <a:spcBef>
+                <a:spcPts val="0"/>
+              </a:spcBef>
+              <a:spcAft>
+                <a:spcPts val="1200"/>
+              </a:spcAft>
+              <a:buFont typeface="Arial" panose="020B0604020202020204" pitchFamily="34" charset="0"/>
+              <a:buChar char="•"/>
+            </a:pPr>
+            <a:endParaRPr lang="en-US" altLang="ja-JP" sz="1800" dirty="0">
+              <a:solidFill>
+                <a:srgbClr val="695D46"/>
+              </a:solidFill>
+              <a:latin typeface="Hiragino Kaku Gothic ProN W3" panose="020B0300000000000000" pitchFamily="34" charset="-128"/>
+              <a:ea typeface="Hiragino Kaku Gothic ProN W3" panose="020B0300000000000000" pitchFamily="34" charset="-128"/>
+            </a:endParaRPr>
           </a:p>
         </p:txBody>
       </p:sp>
     </p:spTree>
     <p:extLst>
       <p:ext uri="{BB962C8B-B14F-4D97-AF65-F5344CB8AC3E}">
-        <p14:creationId xmlns:p14="http://schemas.microsoft.com/office/powerpoint/2010/main" val="2475445290"/>
+        <p14:creationId xmlns:p14="http://schemas.microsoft.com/office/powerpoint/2010/main" val="1686069956"/>
       </p:ext>
     </p:extLst>
   </p:cSld>
@@ -5542,96 +6657,6 @@
             </a:lvl9pPr>
           </a:lstStyle>
           <a:p>
-            <a:pPr fontAlgn="base"/>
-            <a:r>
-              <a:rPr lang="ja-JP" altLang="en-US">
-                <a:latin typeface="Hiragino Kaku Gothic ProN W3" panose="020B0300000000000000" pitchFamily="34" charset="-128"/>
-                <a:ea typeface="Hiragino Kaku Gothic ProN W3" panose="020B0300000000000000" pitchFamily="34" charset="-128"/>
-              </a:rPr>
-              <a:t>メイクアップは、自分自身でそれが似合っているかどうかを客観的に判断することが難しい</a:t>
-            </a:r>
-          </a:p>
-          <a:p>
-            <a:pPr lvl="1" fontAlgn="base"/>
-            <a:r>
-              <a:rPr lang="ja-JP" altLang="en-US" sz="2000">
-                <a:latin typeface="Hiragino Kaku Gothic ProN W3" panose="020B0300000000000000" pitchFamily="34" charset="-128"/>
-                <a:ea typeface="Hiragino Kaku Gothic ProN W3" panose="020B0300000000000000" pitchFamily="34" charset="-128"/>
-              </a:rPr>
-              <a:t>自分がしているメイクアップに自信が持てず、不安になってしまう</a:t>
-            </a:r>
-          </a:p>
-          <a:p>
-            <a:pPr lvl="1" fontAlgn="base"/>
-            <a:r>
-              <a:rPr lang="ja-JP" altLang="en-US" sz="2000">
-                <a:latin typeface="Hiragino Kaku Gothic ProN W3" panose="020B0300000000000000" pitchFamily="34" charset="-128"/>
-                <a:ea typeface="Hiragino Kaku Gothic ProN W3" panose="020B0300000000000000" pitchFamily="34" charset="-128"/>
-              </a:rPr>
-              <a:t>メイクアップをどう改善したら良いのか分からない</a:t>
-            </a:r>
-            <a:br>
-              <a:rPr lang="ja-JP" altLang="en-US" sz="2000">
-                <a:latin typeface="Hiragino Kaku Gothic ProN W3" panose="020B0300000000000000" pitchFamily="34" charset="-128"/>
-                <a:ea typeface="Hiragino Kaku Gothic ProN W3" panose="020B0300000000000000" pitchFamily="34" charset="-128"/>
-              </a:rPr>
-            </a:br>
-            <a:br>
-              <a:rPr lang="ja-JP" altLang="en-US" sz="2000">
-                <a:latin typeface="Hiragino Kaku Gothic ProN W3" panose="020B0300000000000000" pitchFamily="34" charset="-128"/>
-                <a:ea typeface="Hiragino Kaku Gothic ProN W3" panose="020B0300000000000000" pitchFamily="34" charset="-128"/>
-              </a:rPr>
-            </a:br>
-            <a:endParaRPr lang="ja-JP" altLang="en-US" sz="2000">
-              <a:latin typeface="Hiragino Kaku Gothic ProN W3" panose="020B0300000000000000" pitchFamily="34" charset="-128"/>
-              <a:ea typeface="Hiragino Kaku Gothic ProN W3" panose="020B0300000000000000" pitchFamily="34" charset="-128"/>
-            </a:endParaRPr>
-          </a:p>
-          <a:p>
-            <a:pPr fontAlgn="base"/>
-            <a:r>
-              <a:rPr lang="ja-JP" altLang="en-US">
-                <a:latin typeface="Hiragino Kaku Gothic ProN W3" panose="020B0300000000000000" pitchFamily="34" charset="-128"/>
-                <a:ea typeface="Hiragino Kaku Gothic ProN W3" panose="020B0300000000000000" pitchFamily="34" charset="-128"/>
-              </a:rPr>
-              <a:t>メイクアップの印象を大きく左右する要素としてリップメイクに着目</a:t>
-            </a:r>
-          </a:p>
-          <a:p>
-            <a:pPr fontAlgn="base"/>
-            <a:r>
-              <a:rPr lang="ja-JP" altLang="en-US">
-                <a:latin typeface="Hiragino Kaku Gothic ProN W3" panose="020B0300000000000000" pitchFamily="34" charset="-128"/>
-                <a:ea typeface="Hiragino Kaku Gothic ProN W3" panose="020B0300000000000000" pitchFamily="34" charset="-128"/>
-              </a:rPr>
-              <a:t>人の顔画像から、その人に似合うリップカラーを機械学習で推定・提案するシステムを作成</a:t>
-            </a:r>
-          </a:p>
-          <a:p>
-            <a:pPr lvl="1" fontAlgn="base"/>
-            <a:r>
-              <a:rPr lang="ja-JP" altLang="en-US" sz="2000">
-                <a:latin typeface="Hiragino Kaku Gothic ProN W3" panose="020B0300000000000000" pitchFamily="34" charset="-128"/>
-                <a:ea typeface="Hiragino Kaku Gothic ProN W3" panose="020B0300000000000000" pitchFamily="34" charset="-128"/>
-              </a:rPr>
-              <a:t>似合うと推定されるリップカラーを利用者に提示することで、現在のメイクアップをどう改善すれば良いかの方向性を示すことができる</a:t>
-            </a:r>
-            <a:endParaRPr lang="en-US" altLang="ja-JP" sz="2000" dirty="0">
-              <a:latin typeface="Hiragino Kaku Gothic ProN W3" panose="020B0300000000000000" pitchFamily="34" charset="-128"/>
-              <a:ea typeface="Hiragino Kaku Gothic ProN W3" panose="020B0300000000000000" pitchFamily="34" charset="-128"/>
-            </a:endParaRPr>
-          </a:p>
-          <a:p>
-            <a:pPr lvl="1" fontAlgn="base"/>
-            <a:r>
-              <a:rPr lang="ja-JP" altLang="en-US" sz="2000">
-                <a:latin typeface="Hiragino Kaku Gothic ProN W3" panose="020B0300000000000000" pitchFamily="34" charset="-128"/>
-                <a:ea typeface="Hiragino Kaku Gothic ProN W3" panose="020B0300000000000000" pitchFamily="34" charset="-128"/>
-              </a:rPr>
-              <a:t>自分が現在使用しているリップカラーと近い色が提示されれば、不安の解消になる</a:t>
-            </a:r>
-          </a:p>
-          <a:p>
             <a:endParaRPr lang="ja-JP" altLang="en-US">
               <a:latin typeface="Hiragino Kaku Gothic ProN W3" panose="020B0300000000000000" pitchFamily="34" charset="-128"/>
               <a:ea typeface="Hiragino Kaku Gothic ProN W3" panose="020B0300000000000000" pitchFamily="34" charset="-128"/>
@@ -5655,7 +6680,7 @@
         </p:nvSpPr>
         <p:spPr>
           <a:xfrm>
-            <a:off x="252918" y="320508"/>
+            <a:off x="252917" y="320508"/>
             <a:ext cx="11039913" cy="771870"/>
           </a:xfrm>
           <a:prstGeom prst="rect">
@@ -5685,13 +6710,543 @@
           </a:lstStyle>
           <a:p>
             <a:r>
+              <a:rPr lang="ja-JP" altLang="en-US"/>
+              <a:t>機械学習モデルの作成</a:t>
+            </a:r>
+          </a:p>
+        </p:txBody>
+      </p:sp>
+      <p:sp>
+        <p:nvSpPr>
+          <p:cNvPr id="2" name="コンテンツ プレースホルダー 2">
+            <a:extLst>
+              <a:ext uri="{FF2B5EF4-FFF2-40B4-BE49-F238E27FC236}">
+                <a16:creationId xmlns:a16="http://schemas.microsoft.com/office/drawing/2014/main" id="{24645129-3E8F-E201-13EC-816286AC9781}"/>
+              </a:ext>
+            </a:extLst>
+          </p:cNvPr>
+          <p:cNvSpPr txBox="1">
+            <a:spLocks/>
+          </p:cNvSpPr>
+          <p:nvPr/>
+        </p:nvSpPr>
+        <p:spPr>
+          <a:xfrm>
+            <a:off x="728443" y="1584540"/>
+            <a:ext cx="11039913" cy="5120640"/>
+          </a:xfrm>
+          <a:prstGeom prst="rect">
+            <a:avLst/>
+          </a:prstGeom>
+        </p:spPr>
+        <p:txBody>
+          <a:bodyPr/>
+          <a:lstStyle>
+            <a:lvl1pPr marL="182880" indent="-182880" algn="l" defTabSz="914400" rtl="0" eaLnBrk="1" latinLnBrk="0" hangingPunct="1">
+              <a:lnSpc>
+                <a:spcPct val="90000"/>
+              </a:lnSpc>
+              <a:spcBef>
+                <a:spcPts val="1200"/>
+              </a:spcBef>
+              <a:buClr>
+                <a:schemeClr val="accent1"/>
+              </a:buClr>
+              <a:buFont typeface="Wingdings 2" pitchFamily="18" charset="2"/>
+              <a:buChar char=""/>
+              <a:defRPr kumimoji="1" sz="2000" kern="1200">
+                <a:solidFill>
+                  <a:schemeClr val="tx1">
+                    <a:lumMod val="65000"/>
+                    <a:lumOff val="35000"/>
+                  </a:schemeClr>
+                </a:solidFill>
+                <a:latin typeface="+mn-lt"/>
+                <a:ea typeface="+mn-ea"/>
+                <a:cs typeface="+mn-cs"/>
+              </a:defRPr>
+            </a:lvl1pPr>
+            <a:lvl2pPr marL="685800" indent="-182880" algn="l" defTabSz="914400" rtl="0" eaLnBrk="1" latinLnBrk="0" hangingPunct="1">
+              <a:lnSpc>
+                <a:spcPct val="90000"/>
+              </a:lnSpc>
+              <a:spcBef>
+                <a:spcPts val="250"/>
+              </a:spcBef>
+              <a:spcAft>
+                <a:spcPts val="250"/>
+              </a:spcAft>
+              <a:buClr>
+                <a:schemeClr val="accent1"/>
+              </a:buClr>
+              <a:buFont typeface="Wingdings 2" pitchFamily="18" charset="2"/>
+              <a:buChar char=""/>
+              <a:defRPr kumimoji="1" sz="1800" kern="1200">
+                <a:solidFill>
+                  <a:schemeClr val="tx1">
+                    <a:lumMod val="65000"/>
+                    <a:lumOff val="35000"/>
+                  </a:schemeClr>
+                </a:solidFill>
+                <a:latin typeface="+mn-lt"/>
+                <a:ea typeface="+mn-ea"/>
+                <a:cs typeface="+mn-cs"/>
+              </a:defRPr>
+            </a:lvl2pPr>
+            <a:lvl3pPr marL="1143000" indent="-182880" algn="l" defTabSz="914400" rtl="0" eaLnBrk="1" latinLnBrk="0" hangingPunct="1">
+              <a:lnSpc>
+                <a:spcPct val="90000"/>
+              </a:lnSpc>
+              <a:spcBef>
+                <a:spcPts val="250"/>
+              </a:spcBef>
+              <a:spcAft>
+                <a:spcPts val="250"/>
+              </a:spcAft>
+              <a:buClr>
+                <a:schemeClr val="accent1"/>
+              </a:buClr>
+              <a:buFont typeface="Wingdings 2" pitchFamily="18" charset="2"/>
+              <a:buChar char=""/>
+              <a:defRPr kumimoji="1" sz="1600" kern="1200">
+                <a:solidFill>
+                  <a:schemeClr val="tx1">
+                    <a:lumMod val="65000"/>
+                    <a:lumOff val="35000"/>
+                  </a:schemeClr>
+                </a:solidFill>
+                <a:latin typeface="+mn-lt"/>
+                <a:ea typeface="+mn-ea"/>
+                <a:cs typeface="+mn-cs"/>
+              </a:defRPr>
+            </a:lvl3pPr>
+            <a:lvl4pPr marL="1600200" indent="-182880" algn="l" defTabSz="914400" rtl="0" eaLnBrk="1" latinLnBrk="0" hangingPunct="1">
+              <a:lnSpc>
+                <a:spcPct val="90000"/>
+              </a:lnSpc>
+              <a:spcBef>
+                <a:spcPts val="250"/>
+              </a:spcBef>
+              <a:spcAft>
+                <a:spcPts val="250"/>
+              </a:spcAft>
+              <a:buClr>
+                <a:schemeClr val="accent1"/>
+              </a:buClr>
+              <a:buFont typeface="Wingdings 2" pitchFamily="18" charset="2"/>
+              <a:buChar char=""/>
+              <a:defRPr kumimoji="1" sz="1400" kern="1200">
+                <a:solidFill>
+                  <a:schemeClr val="tx1">
+                    <a:lumMod val="65000"/>
+                    <a:lumOff val="35000"/>
+                  </a:schemeClr>
+                </a:solidFill>
+                <a:latin typeface="+mn-lt"/>
+                <a:ea typeface="+mn-ea"/>
+                <a:cs typeface="+mn-cs"/>
+              </a:defRPr>
+            </a:lvl4pPr>
+            <a:lvl5pPr marL="2057400" indent="-182880" algn="l" defTabSz="914400" rtl="0" eaLnBrk="1" latinLnBrk="0" hangingPunct="1">
+              <a:lnSpc>
+                <a:spcPct val="90000"/>
+              </a:lnSpc>
+              <a:spcBef>
+                <a:spcPts val="250"/>
+              </a:spcBef>
+              <a:spcAft>
+                <a:spcPts val="250"/>
+              </a:spcAft>
+              <a:buClr>
+                <a:schemeClr val="accent1"/>
+              </a:buClr>
+              <a:buFont typeface="Wingdings 2" pitchFamily="18" charset="2"/>
+              <a:buChar char=""/>
+              <a:defRPr kumimoji="1" sz="1400" kern="1200">
+                <a:solidFill>
+                  <a:schemeClr val="tx1">
+                    <a:lumMod val="65000"/>
+                    <a:lumOff val="35000"/>
+                  </a:schemeClr>
+                </a:solidFill>
+                <a:latin typeface="+mn-lt"/>
+                <a:ea typeface="+mn-ea"/>
+                <a:cs typeface="+mn-cs"/>
+              </a:defRPr>
+            </a:lvl5pPr>
+            <a:lvl6pPr marL="2514600" indent="-228600" algn="l" defTabSz="914400" rtl="0" eaLnBrk="1" latinLnBrk="0" hangingPunct="1">
+              <a:lnSpc>
+                <a:spcPct val="90000"/>
+              </a:lnSpc>
+              <a:spcBef>
+                <a:spcPts val="250"/>
+              </a:spcBef>
+              <a:spcAft>
+                <a:spcPts val="250"/>
+              </a:spcAft>
+              <a:buClr>
+                <a:schemeClr val="accent1"/>
+              </a:buClr>
+              <a:buFont typeface="Wingdings 2" pitchFamily="18" charset="2"/>
+              <a:buChar char=""/>
+              <a:defRPr kumimoji="1" sz="1400" kern="1200">
+                <a:solidFill>
+                  <a:schemeClr val="tx1">
+                    <a:lumMod val="65000"/>
+                    <a:lumOff val="35000"/>
+                  </a:schemeClr>
+                </a:solidFill>
+                <a:latin typeface="+mn-lt"/>
+                <a:ea typeface="+mn-ea"/>
+                <a:cs typeface="+mn-cs"/>
+              </a:defRPr>
+            </a:lvl6pPr>
+            <a:lvl7pPr marL="2971800" indent="-228600" algn="l" defTabSz="914400" rtl="0" eaLnBrk="1" latinLnBrk="0" hangingPunct="1">
+              <a:lnSpc>
+                <a:spcPct val="90000"/>
+              </a:lnSpc>
+              <a:spcBef>
+                <a:spcPts val="250"/>
+              </a:spcBef>
+              <a:spcAft>
+                <a:spcPts val="250"/>
+              </a:spcAft>
+              <a:buClr>
+                <a:schemeClr val="accent1"/>
+              </a:buClr>
+              <a:buFont typeface="Wingdings 2" pitchFamily="18" charset="2"/>
+              <a:buChar char=""/>
+              <a:defRPr kumimoji="1" sz="1400" kern="1200">
+                <a:solidFill>
+                  <a:schemeClr val="tx1">
+                    <a:lumMod val="65000"/>
+                    <a:lumOff val="35000"/>
+                  </a:schemeClr>
+                </a:solidFill>
+                <a:latin typeface="+mn-lt"/>
+                <a:ea typeface="+mn-ea"/>
+                <a:cs typeface="+mn-cs"/>
+              </a:defRPr>
+            </a:lvl7pPr>
+            <a:lvl8pPr marL="3429000" indent="-228600" algn="l" defTabSz="914400" rtl="0" eaLnBrk="1" latinLnBrk="0" hangingPunct="1">
+              <a:lnSpc>
+                <a:spcPct val="90000"/>
+              </a:lnSpc>
+              <a:spcBef>
+                <a:spcPts val="250"/>
+              </a:spcBef>
+              <a:spcAft>
+                <a:spcPts val="250"/>
+              </a:spcAft>
+              <a:buClr>
+                <a:schemeClr val="accent1"/>
+              </a:buClr>
+              <a:buFont typeface="Wingdings 2" pitchFamily="18" charset="2"/>
+              <a:buChar char=""/>
+              <a:defRPr kumimoji="1" sz="1400" kern="1200">
+                <a:solidFill>
+                  <a:schemeClr val="tx1">
+                    <a:lumMod val="65000"/>
+                    <a:lumOff val="35000"/>
+                  </a:schemeClr>
+                </a:solidFill>
+                <a:latin typeface="+mn-lt"/>
+                <a:ea typeface="+mn-ea"/>
+                <a:cs typeface="+mn-cs"/>
+              </a:defRPr>
+            </a:lvl8pPr>
+            <a:lvl9pPr marL="3886200" indent="-228600" algn="l" defTabSz="914400" rtl="0" eaLnBrk="1" latinLnBrk="0" hangingPunct="1">
+              <a:lnSpc>
+                <a:spcPct val="90000"/>
+              </a:lnSpc>
+              <a:spcBef>
+                <a:spcPts val="250"/>
+              </a:spcBef>
+              <a:spcAft>
+                <a:spcPts val="250"/>
+              </a:spcAft>
+              <a:buClr>
+                <a:schemeClr val="accent1"/>
+              </a:buClr>
+              <a:buFont typeface="Wingdings 2" pitchFamily="18" charset="2"/>
+              <a:buChar char=""/>
+              <a:defRPr kumimoji="1" sz="1400" kern="1200">
+                <a:solidFill>
+                  <a:schemeClr val="tx1">
+                    <a:lumMod val="65000"/>
+                    <a:lumOff val="35000"/>
+                  </a:schemeClr>
+                </a:solidFill>
+                <a:latin typeface="+mn-lt"/>
+                <a:ea typeface="+mn-ea"/>
+                <a:cs typeface="+mn-cs"/>
+              </a:defRPr>
+            </a:lvl9pPr>
+          </a:lstStyle>
+          <a:p>
+            <a:pPr fontAlgn="base">
+              <a:spcBef>
+                <a:spcPts val="0"/>
+              </a:spcBef>
+              <a:spcAft>
+                <a:spcPts val="1200"/>
+              </a:spcAft>
+              <a:buFont typeface="Arial" panose="020B0604020202020204" pitchFamily="34" charset="0"/>
+              <a:buChar char="•"/>
+            </a:pPr>
+            <a:r>
+              <a:rPr lang="ja-JP" altLang="en-US" sz="2000" u="none" strike="noStrike">
+                <a:solidFill>
+                  <a:srgbClr val="695D46"/>
+                </a:solidFill>
+                <a:effectLst/>
+                <a:latin typeface="Hiragino Kaku Gothic ProN W3" panose="020B0300000000000000" pitchFamily="34" charset="-128"/>
+                <a:ea typeface="Hiragino Kaku Gothic ProN W3" panose="020B0300000000000000" pitchFamily="34" charset="-128"/>
+              </a:rPr>
+              <a:t>学習データ</a:t>
+            </a:r>
+            <a:endParaRPr lang="en-US" altLang="ja-JP" sz="2000" u="none" strike="noStrike" dirty="0">
+              <a:solidFill>
+                <a:srgbClr val="695D46"/>
+              </a:solidFill>
+              <a:effectLst/>
+              <a:latin typeface="Hiragino Kaku Gothic ProN W3" panose="020B0300000000000000" pitchFamily="34" charset="-128"/>
+              <a:ea typeface="Hiragino Kaku Gothic ProN W3" panose="020B0300000000000000" pitchFamily="34" charset="-128"/>
+            </a:endParaRPr>
+          </a:p>
+          <a:p>
+            <a:pPr lvl="1" fontAlgn="base">
+              <a:spcBef>
+                <a:spcPts val="0"/>
+              </a:spcBef>
+              <a:spcAft>
+                <a:spcPts val="1200"/>
+              </a:spcAft>
+              <a:buFont typeface="Arial" panose="020B0604020202020204" pitchFamily="34" charset="0"/>
+              <a:buChar char="•"/>
+            </a:pPr>
+            <a:r>
+              <a:rPr lang="ja-JP" altLang="en-US" sz="2000">
+                <a:solidFill>
+                  <a:srgbClr val="695D46"/>
+                </a:solidFill>
+                <a:latin typeface="Hiragino Kaku Gothic ProN W3" panose="020B0300000000000000" pitchFamily="34" charset="-128"/>
+                <a:ea typeface="Hiragino Kaku Gothic ProN W3" panose="020B0300000000000000" pitchFamily="34" charset="-128"/>
+              </a:rPr>
+              <a:t>スクレイピングした画像データ</a:t>
+            </a:r>
+            <a:r>
+              <a:rPr lang="en-US" altLang="ja-JP" sz="2000" dirty="0">
+                <a:solidFill>
+                  <a:srgbClr val="695D46"/>
+                </a:solidFill>
+                <a:latin typeface="Hiragino Kaku Gothic ProN W3" panose="020B0300000000000000" pitchFamily="34" charset="-128"/>
+                <a:ea typeface="Hiragino Kaku Gothic ProN W3" panose="020B0300000000000000" pitchFamily="34" charset="-128"/>
+              </a:rPr>
+              <a:t>2,400</a:t>
+            </a:r>
+            <a:r>
+              <a:rPr lang="ja-JP" altLang="en-US" sz="2000">
+                <a:solidFill>
+                  <a:srgbClr val="695D46"/>
+                </a:solidFill>
+                <a:latin typeface="Hiragino Kaku Gothic ProN W3" panose="020B0300000000000000" pitchFamily="34" charset="-128"/>
+                <a:ea typeface="Hiragino Kaku Gothic ProN W3" panose="020B0300000000000000" pitchFamily="34" charset="-128"/>
+              </a:rPr>
+              <a:t>枚のうち、リップカラーの抽出などのデータ加工が可能だった</a:t>
+            </a:r>
+            <a:r>
+              <a:rPr lang="en-US" altLang="ja-JP" sz="2000" dirty="0">
+                <a:solidFill>
+                  <a:srgbClr val="695D46"/>
+                </a:solidFill>
+                <a:latin typeface="Hiragino Kaku Gothic ProN W3" panose="020B0300000000000000" pitchFamily="34" charset="-128"/>
+                <a:ea typeface="Hiragino Kaku Gothic ProN W3" panose="020B0300000000000000" pitchFamily="34" charset="-128"/>
+              </a:rPr>
+              <a:t>1,099</a:t>
+            </a:r>
+            <a:r>
+              <a:rPr lang="ja-JP" altLang="en-US" sz="2000">
+                <a:solidFill>
+                  <a:srgbClr val="695D46"/>
+                </a:solidFill>
+                <a:latin typeface="Hiragino Kaku Gothic ProN W3" panose="020B0300000000000000" pitchFamily="34" charset="-128"/>
+                <a:ea typeface="Hiragino Kaku Gothic ProN W3" panose="020B0300000000000000" pitchFamily="34" charset="-128"/>
+              </a:rPr>
+              <a:t>件</a:t>
+            </a:r>
+            <a:endParaRPr lang="en-US" altLang="ja-JP" sz="2000" dirty="0">
+              <a:solidFill>
+                <a:srgbClr val="695D46"/>
+              </a:solidFill>
+              <a:latin typeface="Hiragino Kaku Gothic ProN W3" panose="020B0300000000000000" pitchFamily="34" charset="-128"/>
+              <a:ea typeface="Hiragino Kaku Gothic ProN W3" panose="020B0300000000000000" pitchFamily="34" charset="-128"/>
+            </a:endParaRPr>
+          </a:p>
+          <a:p>
+            <a:pPr lvl="2" fontAlgn="base">
+              <a:spcBef>
+                <a:spcPts val="0"/>
+              </a:spcBef>
+              <a:spcAft>
+                <a:spcPts val="1200"/>
+              </a:spcAft>
+              <a:buFont typeface="Arial" panose="020B0604020202020204" pitchFamily="34" charset="0"/>
+              <a:buChar char="•"/>
+            </a:pPr>
+            <a:r>
+              <a:rPr lang="en-US" altLang="ja-JP" sz="2000" dirty="0">
+                <a:solidFill>
+                  <a:srgbClr val="695D46"/>
+                </a:solidFill>
+                <a:latin typeface="Hiragino Kaku Gothic ProN W3" panose="020B0300000000000000" pitchFamily="34" charset="-128"/>
+                <a:ea typeface="Hiragino Kaku Gothic ProN W3" panose="020B0300000000000000" pitchFamily="34" charset="-128"/>
+              </a:rPr>
+              <a:t>8</a:t>
+            </a:r>
+            <a:r>
+              <a:rPr lang="ja-JP" altLang="en-US" sz="2000">
+                <a:solidFill>
+                  <a:srgbClr val="695D46"/>
+                </a:solidFill>
+                <a:latin typeface="Hiragino Kaku Gothic ProN W3" panose="020B0300000000000000" pitchFamily="34" charset="-128"/>
+                <a:ea typeface="Hiragino Kaku Gothic ProN W3" panose="020B0300000000000000" pitchFamily="34" charset="-128"/>
+              </a:rPr>
+              <a:t>割の〇〇件を教示データ、</a:t>
+            </a:r>
+            <a:r>
+              <a:rPr lang="en-US" altLang="ja-JP" sz="2000" dirty="0">
+                <a:solidFill>
+                  <a:srgbClr val="695D46"/>
+                </a:solidFill>
+                <a:latin typeface="Hiragino Kaku Gothic ProN W3" panose="020B0300000000000000" pitchFamily="34" charset="-128"/>
+                <a:ea typeface="Hiragino Kaku Gothic ProN W3" panose="020B0300000000000000" pitchFamily="34" charset="-128"/>
+              </a:rPr>
+              <a:t>2</a:t>
+            </a:r>
+            <a:r>
+              <a:rPr lang="ja-JP" altLang="en-US" sz="2000">
+                <a:solidFill>
+                  <a:srgbClr val="695D46"/>
+                </a:solidFill>
+                <a:latin typeface="Hiragino Kaku Gothic ProN W3" panose="020B0300000000000000" pitchFamily="34" charset="-128"/>
+                <a:ea typeface="Hiragino Kaku Gothic ProN W3" panose="020B0300000000000000" pitchFamily="34" charset="-128"/>
+              </a:rPr>
+              <a:t>割の〇〇件をテストデータとした</a:t>
+            </a:r>
+            <a:endParaRPr lang="en-US" altLang="ja-JP" sz="2000" dirty="0">
+              <a:solidFill>
+                <a:srgbClr val="695D46"/>
+              </a:solidFill>
+              <a:latin typeface="Hiragino Kaku Gothic ProN W3" panose="020B0300000000000000" pitchFamily="34" charset="-128"/>
+              <a:ea typeface="Hiragino Kaku Gothic ProN W3" panose="020B0300000000000000" pitchFamily="34" charset="-128"/>
+            </a:endParaRPr>
+          </a:p>
+          <a:p>
+            <a:pPr lvl="2" fontAlgn="base">
+              <a:spcBef>
+                <a:spcPts val="0"/>
+              </a:spcBef>
+              <a:spcAft>
+                <a:spcPts val="1200"/>
+              </a:spcAft>
+              <a:buFont typeface="Arial" panose="020B0604020202020204" pitchFamily="34" charset="0"/>
+              <a:buChar char="•"/>
+            </a:pPr>
+            <a:endParaRPr lang="en-US" altLang="ja-JP" sz="2000" dirty="0">
+              <a:solidFill>
+                <a:srgbClr val="695D46"/>
+              </a:solidFill>
+              <a:latin typeface="Hiragino Kaku Gothic ProN W3" panose="020B0300000000000000" pitchFamily="34" charset="-128"/>
+              <a:ea typeface="Hiragino Kaku Gothic ProN W3" panose="020B0300000000000000" pitchFamily="34" charset="-128"/>
+            </a:endParaRPr>
+          </a:p>
+          <a:p>
+            <a:pPr fontAlgn="base">
+              <a:spcBef>
+                <a:spcPts val="0"/>
+              </a:spcBef>
+              <a:spcAft>
+                <a:spcPts val="1200"/>
+              </a:spcAft>
+              <a:buFont typeface="Arial" panose="020B0604020202020204" pitchFamily="34" charset="0"/>
+              <a:buChar char="•"/>
+            </a:pPr>
+            <a:r>
               <a:rPr lang="ja-JP" altLang="en-US">
-                <a:latin typeface="Hiragino Kaku Gothic ProN W3" panose="020B0300000000000000" pitchFamily="34" charset="-128"/>
-                <a:ea typeface="Hiragino Kaku Gothic ProN W3" panose="020B0300000000000000" pitchFamily="34" charset="-128"/>
-              </a:rPr>
-              <a:t>②学習データとは異なる媒体の画像を使用した実験</a:t>
-            </a:r>
-            <a:endParaRPr lang="en-US" altLang="ja-JP" dirty="0">
+                <a:solidFill>
+                  <a:srgbClr val="695D46"/>
+                </a:solidFill>
+                <a:latin typeface="Hiragino Kaku Gothic ProN W3" panose="020B0300000000000000" pitchFamily="34" charset="-128"/>
+                <a:ea typeface="Hiragino Kaku Gothic ProN W3" panose="020B0300000000000000" pitchFamily="34" charset="-128"/>
+              </a:rPr>
+              <a:t>バッチサイズ</a:t>
+            </a:r>
+            <a:r>
+              <a:rPr lang="en-US" altLang="ja-JP" dirty="0">
+                <a:solidFill>
+                  <a:srgbClr val="695D46"/>
+                </a:solidFill>
+                <a:latin typeface="Hiragino Kaku Gothic ProN W3" panose="020B0300000000000000" pitchFamily="34" charset="-128"/>
+                <a:ea typeface="Hiragino Kaku Gothic ProN W3" panose="020B0300000000000000" pitchFamily="34" charset="-128"/>
+              </a:rPr>
+              <a:t>32</a:t>
+            </a:r>
+            <a:r>
+              <a:rPr lang="ja-JP" altLang="en-US">
+                <a:solidFill>
+                  <a:srgbClr val="695D46"/>
+                </a:solidFill>
+                <a:latin typeface="Hiragino Kaku Gothic ProN W3" panose="020B0300000000000000" pitchFamily="34" charset="-128"/>
+                <a:ea typeface="Hiragino Kaku Gothic ProN W3" panose="020B0300000000000000" pitchFamily="34" charset="-128"/>
+              </a:rPr>
+              <a:t>、エポック数</a:t>
+            </a:r>
+            <a:r>
+              <a:rPr lang="en-US" altLang="ja-JP" dirty="0">
+                <a:solidFill>
+                  <a:srgbClr val="695D46"/>
+                </a:solidFill>
+                <a:latin typeface="Hiragino Kaku Gothic ProN W3" panose="020B0300000000000000" pitchFamily="34" charset="-128"/>
+                <a:ea typeface="Hiragino Kaku Gothic ProN W3" panose="020B0300000000000000" pitchFamily="34" charset="-128"/>
+              </a:rPr>
+              <a:t>100</a:t>
+            </a:r>
+          </a:p>
+          <a:p>
+            <a:pPr lvl="1" fontAlgn="base">
+              <a:spcBef>
+                <a:spcPts val="0"/>
+              </a:spcBef>
+              <a:spcAft>
+                <a:spcPts val="1200"/>
+              </a:spcAft>
+              <a:buFont typeface="Arial" panose="020B0604020202020204" pitchFamily="34" charset="0"/>
+              <a:buChar char="•"/>
+            </a:pPr>
+            <a:endParaRPr lang="en-US" altLang="ja-JP" sz="2200" dirty="0">
+              <a:solidFill>
+                <a:srgbClr val="695D46"/>
+              </a:solidFill>
+              <a:latin typeface="Hiragino Kaku Gothic ProN W3" panose="020B0300000000000000" pitchFamily="34" charset="-128"/>
+              <a:ea typeface="Hiragino Kaku Gothic ProN W3" panose="020B0300000000000000" pitchFamily="34" charset="-128"/>
+            </a:endParaRPr>
+          </a:p>
+          <a:p>
+            <a:pPr lvl="1" fontAlgn="base">
+              <a:spcBef>
+                <a:spcPts val="0"/>
+              </a:spcBef>
+              <a:spcAft>
+                <a:spcPts val="1200"/>
+              </a:spcAft>
+              <a:buFont typeface="Arial" panose="020B0604020202020204" pitchFamily="34" charset="0"/>
+              <a:buChar char="•"/>
+            </a:pPr>
+            <a:endParaRPr lang="en-US" altLang="ja-JP" sz="2000" dirty="0">
+              <a:solidFill>
+                <a:srgbClr val="695D46"/>
+              </a:solidFill>
               <a:latin typeface="Hiragino Kaku Gothic ProN W3" panose="020B0300000000000000" pitchFamily="34" charset="-128"/>
               <a:ea typeface="Hiragino Kaku Gothic ProN W3" panose="020B0300000000000000" pitchFamily="34" charset="-128"/>
             </a:endParaRPr>
@@ -5701,7 +7256,7 @@
     </p:spTree>
     <p:extLst>
       <p:ext uri="{BB962C8B-B14F-4D97-AF65-F5344CB8AC3E}">
-        <p14:creationId xmlns:p14="http://schemas.microsoft.com/office/powerpoint/2010/main" val="1126001223"/>
+        <p14:creationId xmlns:p14="http://schemas.microsoft.com/office/powerpoint/2010/main" val="773375552"/>
       </p:ext>
     </p:extLst>
   </p:cSld>
@@ -6045,96 +7600,68 @@
             </a:lvl9pPr>
           </a:lstStyle>
           <a:p>
-            <a:pPr fontAlgn="base"/>
+            <a:pPr marL="457200" indent="-457200">
+              <a:buFont typeface="+mj-lt"/>
+              <a:buAutoNum type="arabicPeriod"/>
+            </a:pPr>
+            <a:r>
+              <a:rPr lang="en-US" altLang="ja-JP" dirty="0">
+                <a:latin typeface="Hiragino Kaku Gothic ProN W3" panose="020B0300000000000000" pitchFamily="34" charset="-128"/>
+                <a:ea typeface="Hiragino Kaku Gothic ProN W3" panose="020B0300000000000000" pitchFamily="34" charset="-128"/>
+              </a:rPr>
+              <a:t>MAQUIA ONLINE</a:t>
+            </a:r>
             <a:r>
               <a:rPr lang="ja-JP" altLang="en-US">
                 <a:latin typeface="Hiragino Kaku Gothic ProN W3" panose="020B0300000000000000" pitchFamily="34" charset="-128"/>
                 <a:ea typeface="Hiragino Kaku Gothic ProN W3" panose="020B0300000000000000" pitchFamily="34" charset="-128"/>
               </a:rPr>
-              <a:t>メイクアップは、自分自身でそれが似合っているかどうかを客観的に判断することが難しい</a:t>
-            </a:r>
-          </a:p>
-          <a:p>
-            <a:pPr lvl="1" fontAlgn="base"/>
-            <a:r>
-              <a:rPr lang="ja-JP" altLang="en-US" sz="2000">
-                <a:latin typeface="Hiragino Kaku Gothic ProN W3" panose="020B0300000000000000" pitchFamily="34" charset="-128"/>
-                <a:ea typeface="Hiragino Kaku Gothic ProN W3" panose="020B0300000000000000" pitchFamily="34" charset="-128"/>
-              </a:rPr>
-              <a:t>自分がしているメイクアップに自信が持てず、不安になってしまう</a:t>
-            </a:r>
-          </a:p>
-          <a:p>
-            <a:pPr lvl="1" fontAlgn="base"/>
-            <a:r>
-              <a:rPr lang="ja-JP" altLang="en-US" sz="2000">
-                <a:latin typeface="Hiragino Kaku Gothic ProN W3" panose="020B0300000000000000" pitchFamily="34" charset="-128"/>
-                <a:ea typeface="Hiragino Kaku Gothic ProN W3" panose="020B0300000000000000" pitchFamily="34" charset="-128"/>
-              </a:rPr>
-              <a:t>メイクアップをどう改善したら良いのか分からない</a:t>
-            </a:r>
-            <a:br>
-              <a:rPr lang="ja-JP" altLang="en-US" sz="2000">
-                <a:latin typeface="Hiragino Kaku Gothic ProN W3" panose="020B0300000000000000" pitchFamily="34" charset="-128"/>
-                <a:ea typeface="Hiragino Kaku Gothic ProN W3" panose="020B0300000000000000" pitchFamily="34" charset="-128"/>
-              </a:rPr>
-            </a:br>
-            <a:br>
-              <a:rPr lang="ja-JP" altLang="en-US" sz="2000">
-                <a:latin typeface="Hiragino Kaku Gothic ProN W3" panose="020B0300000000000000" pitchFamily="34" charset="-128"/>
-                <a:ea typeface="Hiragino Kaku Gothic ProN W3" panose="020B0300000000000000" pitchFamily="34" charset="-128"/>
-              </a:rPr>
-            </a:br>
-            <a:endParaRPr lang="ja-JP" altLang="en-US" sz="2000">
+              <a:t>の未学習の画像を使用した実験</a:t>
+            </a:r>
+            <a:endParaRPr lang="en-US" altLang="ja-JP" dirty="0">
               <a:latin typeface="Hiragino Kaku Gothic ProN W3" panose="020B0300000000000000" pitchFamily="34" charset="-128"/>
               <a:ea typeface="Hiragino Kaku Gothic ProN W3" panose="020B0300000000000000" pitchFamily="34" charset="-128"/>
             </a:endParaRPr>
           </a:p>
           <a:p>
-            <a:pPr fontAlgn="base"/>
+            <a:pPr marL="457200" indent="-457200">
+              <a:buFont typeface="+mj-lt"/>
+              <a:buAutoNum type="arabicPeriod"/>
+            </a:pPr>
             <a:r>
               <a:rPr lang="ja-JP" altLang="en-US">
                 <a:latin typeface="Hiragino Kaku Gothic ProN W3" panose="020B0300000000000000" pitchFamily="34" charset="-128"/>
                 <a:ea typeface="Hiragino Kaku Gothic ProN W3" panose="020B0300000000000000" pitchFamily="34" charset="-128"/>
               </a:rPr>
-              <a:t>メイクアップの印象を大きく左右する要素としてリップメイクに着目</a:t>
-            </a:r>
-          </a:p>
-          <a:p>
-            <a:pPr fontAlgn="base"/>
-            <a:r>
-              <a:rPr lang="ja-JP" altLang="en-US">
-                <a:latin typeface="Hiragino Kaku Gothic ProN W3" panose="020B0300000000000000" pitchFamily="34" charset="-128"/>
-                <a:ea typeface="Hiragino Kaku Gothic ProN W3" panose="020B0300000000000000" pitchFamily="34" charset="-128"/>
-              </a:rPr>
-              <a:t>人の顔画像から、その人に似合うリップカラーを機械学習で推定・提案するシステムを作成</a:t>
-            </a:r>
-          </a:p>
-          <a:p>
-            <a:pPr lvl="1" fontAlgn="base"/>
-            <a:r>
-              <a:rPr lang="ja-JP" altLang="en-US" sz="2000">
-                <a:latin typeface="Hiragino Kaku Gothic ProN W3" panose="020B0300000000000000" pitchFamily="34" charset="-128"/>
-                <a:ea typeface="Hiragino Kaku Gothic ProN W3" panose="020B0300000000000000" pitchFamily="34" charset="-128"/>
-              </a:rPr>
-              <a:t>似合うと推定されるリップカラーを利用者に提示することで、現在のメイクアップをどう改善すれば良いかの方向性を示すことができる</a:t>
-            </a:r>
-            <a:endParaRPr lang="en-US" altLang="ja-JP" sz="2000" dirty="0">
+              <a:t>学習データとは異なる媒体の画像を使用した実験</a:t>
+            </a:r>
+            <a:endParaRPr lang="en-US" altLang="ja-JP" dirty="0">
               <a:latin typeface="Hiragino Kaku Gothic ProN W3" panose="020B0300000000000000" pitchFamily="34" charset="-128"/>
               <a:ea typeface="Hiragino Kaku Gothic ProN W3" panose="020B0300000000000000" pitchFamily="34" charset="-128"/>
             </a:endParaRPr>
           </a:p>
           <a:p>
-            <a:pPr lvl="1" fontAlgn="base"/>
-            <a:r>
-              <a:rPr lang="ja-JP" altLang="en-US" sz="2000">
-                <a:latin typeface="Hiragino Kaku Gothic ProN W3" panose="020B0300000000000000" pitchFamily="34" charset="-128"/>
-                <a:ea typeface="Hiragino Kaku Gothic ProN W3" panose="020B0300000000000000" pitchFamily="34" charset="-128"/>
-              </a:rPr>
-              <a:t>自分が現在使用しているリップカラーと近い色が提示されれば、不安の解消になる</a:t>
-            </a:r>
-          </a:p>
-          <a:p>
+            <a:pPr marL="457200" indent="-457200">
+              <a:buFont typeface="+mj-lt"/>
+              <a:buAutoNum type="arabicPeriod"/>
+            </a:pPr>
+            <a:r>
+              <a:rPr lang="ja-JP" altLang="en-US">
+                <a:latin typeface="Hiragino Kaku Gothic ProN W3" panose="020B0300000000000000" pitchFamily="34" charset="-128"/>
+                <a:ea typeface="Hiragino Kaku Gothic ProN W3" panose="020B0300000000000000" pitchFamily="34" charset="-128"/>
+              </a:rPr>
+              <a:t>実際の使用を想定した実験</a:t>
+            </a:r>
+            <a:endParaRPr lang="en-US" altLang="ja-JP" dirty="0">
+              <a:latin typeface="Hiragino Kaku Gothic ProN W3" panose="020B0300000000000000" pitchFamily="34" charset="-128"/>
+              <a:ea typeface="Hiragino Kaku Gothic ProN W3" panose="020B0300000000000000" pitchFamily="34" charset="-128"/>
+            </a:endParaRPr>
+          </a:p>
+          <a:p>
+            <a:pPr marL="457200" indent="-457200">
+              <a:buFont typeface="+mj-lt"/>
+              <a:buAutoNum type="arabicPeriod"/>
+            </a:pPr>
             <a:endParaRPr lang="ja-JP" altLang="en-US">
               <a:latin typeface="Hiragino Kaku Gothic ProN W3" panose="020B0300000000000000" pitchFamily="34" charset="-128"/>
               <a:ea typeface="Hiragino Kaku Gothic ProN W3" panose="020B0300000000000000" pitchFamily="34" charset="-128"/>
@@ -6159,7 +7686,7 @@
         <p:spPr>
           <a:xfrm>
             <a:off x="252918" y="320508"/>
-            <a:ext cx="11039913" cy="771870"/>
+            <a:ext cx="5843081" cy="771870"/>
           </a:xfrm>
           <a:prstGeom prst="rect">
             <a:avLst/>
@@ -6188,30 +7715,16 @@
           </a:lstStyle>
           <a:p>
             <a:r>
-              <a:rPr lang="en-US" altLang="ja-JP" dirty="0">
-                <a:latin typeface="Hiragino Kaku Gothic ProN W3" panose="020B0300000000000000" pitchFamily="34" charset="-128"/>
-                <a:ea typeface="Hiragino Kaku Gothic ProN W3" panose="020B0300000000000000" pitchFamily="34" charset="-128"/>
-              </a:rPr>
-              <a:t>③</a:t>
-            </a:r>
-            <a:r>
-              <a:rPr lang="ja-JP" altLang="en-US">
-                <a:latin typeface="Hiragino Kaku Gothic ProN W3" panose="020B0300000000000000" pitchFamily="34" charset="-128"/>
-                <a:ea typeface="Hiragino Kaku Gothic ProN W3" panose="020B0300000000000000" pitchFamily="34" charset="-128"/>
-              </a:rPr>
-              <a:t>実際の使用を想定した実験</a:t>
-            </a:r>
-            <a:endParaRPr lang="en-US" altLang="ja-JP" dirty="0">
-              <a:latin typeface="Hiragino Kaku Gothic ProN W3" panose="020B0300000000000000" pitchFamily="34" charset="-128"/>
-              <a:ea typeface="Hiragino Kaku Gothic ProN W3" panose="020B0300000000000000" pitchFamily="34" charset="-128"/>
-            </a:endParaRPr>
+              <a:rPr lang="ja-JP" altLang="en-US"/>
+              <a:t>実験と結果：実験内容</a:t>
+            </a:r>
           </a:p>
         </p:txBody>
       </p:sp>
     </p:spTree>
     <p:extLst>
       <p:ext uri="{BB962C8B-B14F-4D97-AF65-F5344CB8AC3E}">
-        <p14:creationId xmlns:p14="http://schemas.microsoft.com/office/powerpoint/2010/main" val="2146276442"/>
+        <p14:creationId xmlns:p14="http://schemas.microsoft.com/office/powerpoint/2010/main" val="3684630261"/>
       </p:ext>
     </p:extLst>
   </p:cSld>
@@ -6561,7 +8074,35 @@
                 <a:latin typeface="Hiragino Kaku Gothic ProN W3" panose="020B0300000000000000" pitchFamily="34" charset="-128"/>
                 <a:ea typeface="Hiragino Kaku Gothic ProN W3" panose="020B0300000000000000" pitchFamily="34" charset="-128"/>
               </a:rPr>
-              <a:t>学習データの違いによる推定の差異の再検討</a:t>
+              <a:t>教師データに使用した</a:t>
+            </a:r>
+            <a:r>
+              <a:rPr lang="en" altLang="ja-JP" dirty="0">
+                <a:latin typeface="Hiragino Kaku Gothic ProN W3" panose="020B0300000000000000" pitchFamily="34" charset="-128"/>
+                <a:ea typeface="Hiragino Kaku Gothic ProN W3" panose="020B0300000000000000" pitchFamily="34" charset="-128"/>
+              </a:rPr>
+              <a:t>『MAQUIA ONLINE』</a:t>
+            </a:r>
+            <a:r>
+              <a:rPr lang="ja-JP" altLang="en-US">
+                <a:latin typeface="Hiragino Kaku Gothic ProN W3" panose="020B0300000000000000" pitchFamily="34" charset="-128"/>
+                <a:ea typeface="Hiragino Kaku Gothic ProN W3" panose="020B0300000000000000" pitchFamily="34" charset="-128"/>
+              </a:rPr>
+              <a:t>から、未学習のメイクアップ画像を</a:t>
+            </a:r>
+            <a:r>
+              <a:rPr lang="en-US" altLang="ja-JP" dirty="0">
+                <a:latin typeface="Hiragino Kaku Gothic ProN W3" panose="020B0300000000000000" pitchFamily="34" charset="-128"/>
+                <a:ea typeface="Hiragino Kaku Gothic ProN W3" panose="020B0300000000000000" pitchFamily="34" charset="-128"/>
+              </a:rPr>
+              <a:t>10</a:t>
+            </a:r>
+            <a:r>
+              <a:rPr lang="ja-JP" altLang="en-US">
+                <a:latin typeface="Hiragino Kaku Gothic ProN W3" panose="020B0300000000000000" pitchFamily="34" charset="-128"/>
+                <a:ea typeface="Hiragino Kaku Gothic ProN W3" panose="020B0300000000000000" pitchFamily="34" charset="-128"/>
+              </a:rPr>
+              <a:t>件選んだ</a:t>
             </a:r>
             <a:endParaRPr lang="en-US" altLang="ja-JP" dirty="0">
               <a:latin typeface="Hiragino Kaku Gothic ProN W3" panose="020B0300000000000000" pitchFamily="34" charset="-128"/>
@@ -6575,7 +8116,7 @@
                 <a:latin typeface="Hiragino Kaku Gothic ProN W3" panose="020B0300000000000000" pitchFamily="34" charset="-128"/>
                 <a:ea typeface="Hiragino Kaku Gothic ProN W3" panose="020B0300000000000000" pitchFamily="34" charset="-128"/>
               </a:rPr>
-              <a:t>システム利用者に合わせた教師データの作成</a:t>
+              <a:t>そしてその画像を使用し、作成した機械学習モデルで実際にリップカラーの推定を行った</a:t>
             </a:r>
             <a:endParaRPr lang="en-US" altLang="ja-JP" dirty="0">
               <a:latin typeface="Hiragino Kaku Gothic ProN W3" panose="020B0300000000000000" pitchFamily="34" charset="-128"/>
@@ -6584,13 +8125,6 @@
           </a:p>
           <a:p>
             <a:pPr fontAlgn="base"/>
-            <a:r>
-              <a:rPr lang="ja-JP" altLang="en-US">
-                <a:latin typeface="Hiragino Kaku Gothic ProN W3" panose="020B0300000000000000" pitchFamily="34" charset="-128"/>
-                <a:ea typeface="Hiragino Kaku Gothic ProN W3" panose="020B0300000000000000" pitchFamily="34" charset="-128"/>
-              </a:rPr>
-              <a:t>教師データの質の向上</a:t>
-            </a:r>
             <a:endParaRPr lang="en-US" altLang="ja-JP" dirty="0">
               <a:latin typeface="Hiragino Kaku Gothic ProN W3" panose="020B0300000000000000" pitchFamily="34" charset="-128"/>
               <a:ea typeface="Hiragino Kaku Gothic ProN W3" panose="020B0300000000000000" pitchFamily="34" charset="-128"/>
@@ -6603,7 +8137,35 @@
                 <a:latin typeface="Hiragino Kaku Gothic ProN W3" panose="020B0300000000000000" pitchFamily="34" charset="-128"/>
                 <a:ea typeface="Hiragino Kaku Gothic ProN W3" panose="020B0300000000000000" pitchFamily="34" charset="-128"/>
               </a:rPr>
-              <a:t>被験者実験での効果の検証と、アプトプットの形の検討</a:t>
+              <a:t>結果</a:t>
+            </a:r>
+            <a:endParaRPr lang="en-US" altLang="ja-JP" dirty="0">
+              <a:latin typeface="Hiragino Kaku Gothic ProN W3" panose="020B0300000000000000" pitchFamily="34" charset="-128"/>
+              <a:ea typeface="Hiragino Kaku Gothic ProN W3" panose="020B0300000000000000" pitchFamily="34" charset="-128"/>
+            </a:endParaRPr>
+          </a:p>
+          <a:p>
+            <a:pPr lvl="1" fontAlgn="base"/>
+            <a:r>
+              <a:rPr lang="ja-JP" altLang="en-US" sz="2000">
+                <a:latin typeface="Hiragino Kaku Gothic ProN W3" panose="020B0300000000000000" pitchFamily="34" charset="-128"/>
+                <a:ea typeface="Hiragino Kaku Gothic ProN W3" panose="020B0300000000000000" pitchFamily="34" charset="-128"/>
+              </a:rPr>
+              <a:t>どの画像についても、抽出したリップカラーよりも暗く、くすんだカラーが推定結果となった。画像によっては暗すぎる、くすみすぎている色が推定されることもあった。</a:t>
+            </a:r>
+            <a:endParaRPr lang="en-US" altLang="ja-JP" sz="2000" dirty="0">
+              <a:latin typeface="Hiragino Kaku Gothic ProN W3" panose="020B0300000000000000" pitchFamily="34" charset="-128"/>
+              <a:ea typeface="Hiragino Kaku Gothic ProN W3" panose="020B0300000000000000" pitchFamily="34" charset="-128"/>
+            </a:endParaRPr>
+          </a:p>
+          <a:p>
+            <a:pPr lvl="1" fontAlgn="base"/>
+            <a:r>
+              <a:rPr lang="ja-JP" altLang="en-US" sz="2000">
+                <a:latin typeface="Hiragino Kaku Gothic ProN W3" panose="020B0300000000000000" pitchFamily="34" charset="-128"/>
+                <a:ea typeface="Hiragino Kaku Gothic ProN W3" panose="020B0300000000000000" pitchFamily="34" charset="-128"/>
+              </a:rPr>
+              <a:t>しかし色の系統（ピンク系、オレンジ系など）は同じであることが多かった。</a:t>
             </a:r>
           </a:p>
         </p:txBody>
@@ -6625,7 +8187,7 @@
         <p:spPr>
           <a:xfrm>
             <a:off x="252918" y="320508"/>
-            <a:ext cx="5843081" cy="771870"/>
+            <a:ext cx="11039913" cy="771870"/>
           </a:xfrm>
           <a:prstGeom prst="rect">
             <a:avLst/>
@@ -6654,16 +8216,235 @@
           </a:lstStyle>
           <a:p>
             <a:r>
-              <a:rPr lang="ja-JP" altLang="en-US"/>
-              <a:t>今後の課題・展望</a:t>
-            </a:r>
+              <a:rPr lang="en-US" altLang="ja-JP" dirty="0">
+                <a:latin typeface="Hiragino Kaku Gothic ProN W3" panose="020B0300000000000000" pitchFamily="34" charset="-128"/>
+                <a:ea typeface="Hiragino Kaku Gothic ProN W3" panose="020B0300000000000000" pitchFamily="34" charset="-128"/>
+              </a:rPr>
+              <a:t>①MAQUIA ONLINE</a:t>
+            </a:r>
+            <a:r>
+              <a:rPr lang="ja-JP" altLang="en-US">
+                <a:latin typeface="Hiragino Kaku Gothic ProN W3" panose="020B0300000000000000" pitchFamily="34" charset="-128"/>
+                <a:ea typeface="Hiragino Kaku Gothic ProN W3" panose="020B0300000000000000" pitchFamily="34" charset="-128"/>
+              </a:rPr>
+              <a:t>の未学習の画像を使用した実験</a:t>
+            </a:r>
+            <a:endParaRPr lang="en-US" altLang="ja-JP" dirty="0">
+              <a:latin typeface="Hiragino Kaku Gothic ProN W3" panose="020B0300000000000000" pitchFamily="34" charset="-128"/>
+              <a:ea typeface="Hiragino Kaku Gothic ProN W3" panose="020B0300000000000000" pitchFamily="34" charset="-128"/>
+            </a:endParaRPr>
+          </a:p>
+          <a:p>
+            <a:endParaRPr lang="ja-JP" altLang="en-US"/>
+          </a:p>
+        </p:txBody>
+      </p:sp>
+      <p:pic>
+        <p:nvPicPr>
+          <p:cNvPr id="3" name="図 2">
+            <a:extLst>
+              <a:ext uri="{FF2B5EF4-FFF2-40B4-BE49-F238E27FC236}">
+                <a16:creationId xmlns:a16="http://schemas.microsoft.com/office/drawing/2014/main" id="{E85BB489-D980-EE2D-5ADB-3B7F32CDE9BF}"/>
+              </a:ext>
+            </a:extLst>
+          </p:cNvPr>
+          <p:cNvPicPr>
+            <a:picLocks noChangeAspect="1"/>
+          </p:cNvPicPr>
+          <p:nvPr/>
+        </p:nvPicPr>
+        <p:blipFill>
+          <a:blip r:embed="rId2"/>
+          <a:stretch>
+            <a:fillRect/>
+          </a:stretch>
+        </p:blipFill>
+        <p:spPr>
+          <a:xfrm>
+            <a:off x="2061780" y="4873953"/>
+            <a:ext cx="786524" cy="786524"/>
+          </a:xfrm>
+          <a:prstGeom prst="rect">
+            <a:avLst/>
+          </a:prstGeom>
+        </p:spPr>
+      </p:pic>
+      <p:pic>
+        <p:nvPicPr>
+          <p:cNvPr id="8" name="図 7">
+            <a:extLst>
+              <a:ext uri="{FF2B5EF4-FFF2-40B4-BE49-F238E27FC236}">
+                <a16:creationId xmlns:a16="http://schemas.microsoft.com/office/drawing/2014/main" id="{E812D0EE-3DD4-DC7C-6AE8-374821E46658}"/>
+              </a:ext>
+            </a:extLst>
+          </p:cNvPr>
+          <p:cNvPicPr>
+            <a:picLocks noChangeAspect="1"/>
+          </p:cNvPicPr>
+          <p:nvPr/>
+        </p:nvPicPr>
+        <p:blipFill>
+          <a:blip r:embed="rId3"/>
+          <a:stretch>
+            <a:fillRect/>
+          </a:stretch>
+        </p:blipFill>
+        <p:spPr>
+          <a:xfrm>
+            <a:off x="3245507" y="4949715"/>
+            <a:ext cx="635000" cy="635000"/>
+          </a:xfrm>
+          <a:prstGeom prst="rect">
+            <a:avLst/>
+          </a:prstGeom>
+        </p:spPr>
+      </p:pic>
+      <p:pic>
+        <p:nvPicPr>
+          <p:cNvPr id="10" name="図 9">
+            <a:extLst>
+              <a:ext uri="{FF2B5EF4-FFF2-40B4-BE49-F238E27FC236}">
+                <a16:creationId xmlns:a16="http://schemas.microsoft.com/office/drawing/2014/main" id="{B774EA16-5904-0D36-C01F-21B2EF135F72}"/>
+              </a:ext>
+            </a:extLst>
+          </p:cNvPr>
+          <p:cNvPicPr>
+            <a:picLocks noChangeAspect="1"/>
+          </p:cNvPicPr>
+          <p:nvPr/>
+        </p:nvPicPr>
+        <p:blipFill>
+          <a:blip r:embed="rId4"/>
+          <a:stretch>
+            <a:fillRect/>
+          </a:stretch>
+        </p:blipFill>
+        <p:spPr>
+          <a:xfrm>
+            <a:off x="4180928" y="4949715"/>
+            <a:ext cx="635000" cy="635000"/>
+          </a:xfrm>
+          <a:prstGeom prst="rect">
+            <a:avLst/>
+          </a:prstGeom>
+        </p:spPr>
+      </p:pic>
+      <p:pic>
+        <p:nvPicPr>
+          <p:cNvPr id="12" name="図 11">
+            <a:extLst>
+              <a:ext uri="{FF2B5EF4-FFF2-40B4-BE49-F238E27FC236}">
+                <a16:creationId xmlns:a16="http://schemas.microsoft.com/office/drawing/2014/main" id="{0FF2BAD7-7778-6939-DD8E-83079CDCBBAC}"/>
+              </a:ext>
+            </a:extLst>
+          </p:cNvPr>
+          <p:cNvPicPr>
+            <a:picLocks noChangeAspect="1"/>
+          </p:cNvPicPr>
+          <p:nvPr/>
+        </p:nvPicPr>
+        <p:blipFill>
+          <a:blip r:embed="rId5"/>
+          <a:stretch>
+            <a:fillRect/>
+          </a:stretch>
+        </p:blipFill>
+        <p:spPr>
+          <a:xfrm>
+            <a:off x="6465014" y="4235450"/>
+            <a:ext cx="977900" cy="977900"/>
+          </a:xfrm>
+          <a:prstGeom prst="rect">
+            <a:avLst/>
+          </a:prstGeom>
+        </p:spPr>
+      </p:pic>
+      <p:pic>
+        <p:nvPicPr>
+          <p:cNvPr id="16" name="図 15">
+            <a:extLst>
+              <a:ext uri="{FF2B5EF4-FFF2-40B4-BE49-F238E27FC236}">
+                <a16:creationId xmlns:a16="http://schemas.microsoft.com/office/drawing/2014/main" id="{83B22EE4-8C15-3D8A-83FE-E3AF7E6112AD}"/>
+              </a:ext>
+            </a:extLst>
+          </p:cNvPr>
+          <p:cNvPicPr>
+            <a:picLocks noChangeAspect="1"/>
+          </p:cNvPicPr>
+          <p:nvPr/>
+        </p:nvPicPr>
+        <p:blipFill>
+          <a:blip r:embed="rId6"/>
+          <a:stretch>
+            <a:fillRect/>
+          </a:stretch>
+        </p:blipFill>
+        <p:spPr>
+          <a:xfrm>
+            <a:off x="8722985" y="4406900"/>
+            <a:ext cx="635000" cy="635000"/>
+          </a:xfrm>
+          <a:prstGeom prst="rect">
+            <a:avLst/>
+          </a:prstGeom>
+        </p:spPr>
+      </p:pic>
+      <p:sp>
+        <p:nvSpPr>
+          <p:cNvPr id="17" name="正方形/長方形 16">
+            <a:extLst>
+              <a:ext uri="{FF2B5EF4-FFF2-40B4-BE49-F238E27FC236}">
+                <a16:creationId xmlns:a16="http://schemas.microsoft.com/office/drawing/2014/main" id="{684028A3-1B82-F3E2-BA0E-959F36CFD4CD}"/>
+              </a:ext>
+            </a:extLst>
+          </p:cNvPr>
+          <p:cNvSpPr/>
+          <p:nvPr/>
+        </p:nvSpPr>
+        <p:spPr>
+          <a:xfrm>
+            <a:off x="7705562" y="4406900"/>
+            <a:ext cx="635000" cy="635000"/>
+          </a:xfrm>
+          <a:prstGeom prst="rect">
+            <a:avLst/>
+          </a:prstGeom>
+          <a:solidFill>
+            <a:srgbClr val="E6886E"/>
+          </a:solidFill>
+          <a:ln>
+            <a:noFill/>
+          </a:ln>
+        </p:spPr>
+        <p:style>
+          <a:lnRef idx="2">
+            <a:schemeClr val="accent1">
+              <a:shade val="15000"/>
+            </a:schemeClr>
+          </a:lnRef>
+          <a:fillRef idx="1">
+            <a:schemeClr val="accent1"/>
+          </a:fillRef>
+          <a:effectRef idx="0">
+            <a:schemeClr val="accent1"/>
+          </a:effectRef>
+          <a:fontRef idx="minor">
+            <a:schemeClr val="lt1"/>
+          </a:fontRef>
+        </p:style>
+        <p:txBody>
+          <a:bodyPr rtlCol="0" anchor="ctr"/>
+          <a:lstStyle/>
+          <a:p>
+            <a:pPr algn="ctr"/>
+            <a:endParaRPr kumimoji="1" lang="ja-JP" altLang="en-US"/>
           </a:p>
         </p:txBody>
       </p:sp>
     </p:spTree>
     <p:extLst>
       <p:ext uri="{BB962C8B-B14F-4D97-AF65-F5344CB8AC3E}">
-        <p14:creationId xmlns:p14="http://schemas.microsoft.com/office/powerpoint/2010/main" val="2606106253"/>
+        <p14:creationId xmlns:p14="http://schemas.microsoft.com/office/powerpoint/2010/main" val="2475445290"/>
       </p:ext>
     </p:extLst>
   </p:cSld>
@@ -7009,11 +8790,32 @@
           <a:p>
             <a:pPr fontAlgn="base"/>
             <a:r>
+              <a:rPr lang="en-US" altLang="ja-JP" dirty="0">
+                <a:latin typeface="Hiragino Kaku Gothic ProN W3" panose="020B0300000000000000" pitchFamily="34" charset="-128"/>
+                <a:ea typeface="Hiragino Kaku Gothic ProN W3" panose="020B0300000000000000" pitchFamily="34" charset="-128"/>
+              </a:rPr>
+              <a:t>『</a:t>
+            </a:r>
+            <a:r>
+              <a:rPr lang="en-US" altLang="ja-JP" dirty="0" err="1">
+                <a:latin typeface="Hiragino Kaku Gothic ProN W3" panose="020B0300000000000000" pitchFamily="34" charset="-128"/>
+                <a:ea typeface="Hiragino Kaku Gothic ProN W3" panose="020B0300000000000000" pitchFamily="34" charset="-128"/>
+              </a:rPr>
+              <a:t>popteen</a:t>
+            </a:r>
+            <a:r>
+              <a:rPr lang="en-US" altLang="ja-JP" dirty="0">
+                <a:latin typeface="Hiragino Kaku Gothic ProN W3" panose="020B0300000000000000" pitchFamily="34" charset="-128"/>
+                <a:ea typeface="Hiragino Kaku Gothic ProN W3" panose="020B0300000000000000" pitchFamily="34" charset="-128"/>
+              </a:rPr>
+              <a:t> Media』</a:t>
+            </a:r>
+            <a:r>
               <a:rPr lang="ja-JP" altLang="en-US">
                 <a:latin typeface="Hiragino Kaku Gothic ProN W3" panose="020B0300000000000000" pitchFamily="34" charset="-128"/>
                 <a:ea typeface="Hiragino Kaku Gothic ProN W3" panose="020B0300000000000000" pitchFamily="34" charset="-128"/>
               </a:rPr>
-              <a:t>学習データの違いによる推定の差異の再検討</a:t>
+              <a:t>というファッション媒体のメイクアップ画像を使用して実験を行った</a:t>
             </a:r>
             <a:endParaRPr lang="en-US" altLang="ja-JP" dirty="0">
               <a:latin typeface="Hiragino Kaku Gothic ProN W3" panose="020B0300000000000000" pitchFamily="34" charset="-128"/>
@@ -7021,13 +8823,90 @@
             </a:endParaRPr>
           </a:p>
           <a:p>
+            <a:pPr lvl="1" fontAlgn="base"/>
+            <a:r>
+              <a:rPr lang="en-US" altLang="ja-JP" sz="2000" dirty="0">
+                <a:latin typeface="Hiragino Kaku Gothic ProN W3" panose="020B0300000000000000" pitchFamily="34" charset="-128"/>
+                <a:ea typeface="Hiragino Kaku Gothic ProN W3" panose="020B0300000000000000" pitchFamily="34" charset="-128"/>
+              </a:rPr>
+              <a:t>『MAQUIA』</a:t>
+            </a:r>
+            <a:r>
+              <a:rPr lang="ja-JP" altLang="en-US" sz="2000">
+                <a:latin typeface="Hiragino Kaku Gothic ProN W3" panose="020B0300000000000000" pitchFamily="34" charset="-128"/>
+                <a:ea typeface="Hiragino Kaku Gothic ProN W3" panose="020B0300000000000000" pitchFamily="34" charset="-128"/>
+              </a:rPr>
+              <a:t>は</a:t>
+            </a:r>
+            <a:r>
+              <a:rPr lang="en-US" altLang="ja-JP" sz="2000" dirty="0">
+                <a:latin typeface="Hiragino Kaku Gothic ProN W3" panose="020B0300000000000000" pitchFamily="34" charset="-128"/>
+                <a:ea typeface="Hiragino Kaku Gothic ProN W3" panose="020B0300000000000000" pitchFamily="34" charset="-128"/>
+              </a:rPr>
+              <a:t>20</a:t>
+            </a:r>
+            <a:r>
+              <a:rPr lang="ja-JP" altLang="en-US" sz="2000">
+                <a:latin typeface="Hiragino Kaku Gothic ProN W3" panose="020B0300000000000000" pitchFamily="34" charset="-128"/>
+                <a:ea typeface="Hiragino Kaku Gothic ProN W3" panose="020B0300000000000000" pitchFamily="34" charset="-128"/>
+              </a:rPr>
+              <a:t>代後半</a:t>
+            </a:r>
+            <a:r>
+              <a:rPr lang="en-US" altLang="ja-JP" sz="2000" dirty="0">
+                <a:latin typeface="Hiragino Kaku Gothic ProN W3" panose="020B0300000000000000" pitchFamily="34" charset="-128"/>
+                <a:ea typeface="Hiragino Kaku Gothic ProN W3" panose="020B0300000000000000" pitchFamily="34" charset="-128"/>
+              </a:rPr>
+              <a:t>〜30</a:t>
+            </a:r>
+            <a:r>
+              <a:rPr lang="ja-JP" altLang="en-US" sz="2000">
+                <a:latin typeface="Hiragino Kaku Gothic ProN W3" panose="020B0300000000000000" pitchFamily="34" charset="-128"/>
+                <a:ea typeface="Hiragino Kaku Gothic ProN W3" panose="020B0300000000000000" pitchFamily="34" charset="-128"/>
+              </a:rPr>
+              <a:t>代をメインターゲットにした媒体であるのに対し、</a:t>
+            </a:r>
+            <a:r>
+              <a:rPr lang="en-US" altLang="ja-JP" sz="2000" dirty="0">
+                <a:latin typeface="Hiragino Kaku Gothic ProN W3" panose="020B0300000000000000" pitchFamily="34" charset="-128"/>
+                <a:ea typeface="Hiragino Kaku Gothic ProN W3" panose="020B0300000000000000" pitchFamily="34" charset="-128"/>
+              </a:rPr>
+              <a:t>『</a:t>
+            </a:r>
+            <a:r>
+              <a:rPr lang="en-US" altLang="ja-JP" sz="2000" dirty="0" err="1">
+                <a:latin typeface="Hiragino Kaku Gothic ProN W3" panose="020B0300000000000000" pitchFamily="34" charset="-128"/>
+                <a:ea typeface="Hiragino Kaku Gothic ProN W3" panose="020B0300000000000000" pitchFamily="34" charset="-128"/>
+              </a:rPr>
+              <a:t>popteen</a:t>
+            </a:r>
+            <a:r>
+              <a:rPr lang="en-US" altLang="ja-JP" sz="2000" dirty="0">
+                <a:latin typeface="Hiragino Kaku Gothic ProN W3" panose="020B0300000000000000" pitchFamily="34" charset="-128"/>
+                <a:ea typeface="Hiragino Kaku Gothic ProN W3" panose="020B0300000000000000" pitchFamily="34" charset="-128"/>
+              </a:rPr>
+              <a:t> Media』</a:t>
+            </a:r>
+            <a:r>
+              <a:rPr lang="ja-JP" altLang="en-US" sz="2000">
+                <a:latin typeface="Hiragino Kaku Gothic ProN W3" panose="020B0300000000000000" pitchFamily="34" charset="-128"/>
+                <a:ea typeface="Hiragino Kaku Gothic ProN W3" panose="020B0300000000000000" pitchFamily="34" charset="-128"/>
+              </a:rPr>
+              <a:t>はティーンエイジャーをターゲットとしたメディア </a:t>
+            </a:r>
+            <a:endParaRPr lang="en-US" altLang="ja-JP" sz="2000" dirty="0">
+              <a:latin typeface="Hiragino Kaku Gothic ProN W3" panose="020B0300000000000000" pitchFamily="34" charset="-128"/>
+              <a:ea typeface="Hiragino Kaku Gothic ProN W3" panose="020B0300000000000000" pitchFamily="34" charset="-128"/>
+            </a:endParaRPr>
+          </a:p>
+          <a:p>
             <a:pPr fontAlgn="base"/>
             <a:r>
               <a:rPr lang="ja-JP" altLang="en-US">
                 <a:latin typeface="Hiragino Kaku Gothic ProN W3" panose="020B0300000000000000" pitchFamily="34" charset="-128"/>
                 <a:ea typeface="Hiragino Kaku Gothic ProN W3" panose="020B0300000000000000" pitchFamily="34" charset="-128"/>
               </a:rPr>
-              <a:t>システム利用者に合わせた教師データの作成</a:t>
+              <a:t>「学習データの画像のモデルと、推定したい顔画像の人物の年齢が離れていた場合、リップカラーの推定が上手くできないのではないか」という仮説を検証するために実験を行った</a:t>
             </a:r>
             <a:endParaRPr lang="en-US" altLang="ja-JP" dirty="0">
               <a:latin typeface="Hiragino Kaku Gothic ProN W3" panose="020B0300000000000000" pitchFamily="34" charset="-128"/>
@@ -7036,13 +8915,6 @@
           </a:p>
           <a:p>
             <a:pPr fontAlgn="base"/>
-            <a:r>
-              <a:rPr lang="ja-JP" altLang="en-US">
-                <a:latin typeface="Hiragino Kaku Gothic ProN W3" panose="020B0300000000000000" pitchFamily="34" charset="-128"/>
-                <a:ea typeface="Hiragino Kaku Gothic ProN W3" panose="020B0300000000000000" pitchFamily="34" charset="-128"/>
-              </a:rPr>
-              <a:t>教師データの質の向上</a:t>
-            </a:r>
             <a:endParaRPr lang="en-US" altLang="ja-JP" dirty="0">
               <a:latin typeface="Hiragino Kaku Gothic ProN W3" panose="020B0300000000000000" pitchFamily="34" charset="-128"/>
               <a:ea typeface="Hiragino Kaku Gothic ProN W3" panose="020B0300000000000000" pitchFamily="34" charset="-128"/>
@@ -7055,8 +8927,117 @@
                 <a:latin typeface="Hiragino Kaku Gothic ProN W3" panose="020B0300000000000000" pitchFamily="34" charset="-128"/>
                 <a:ea typeface="Hiragino Kaku Gothic ProN W3" panose="020B0300000000000000" pitchFamily="34" charset="-128"/>
               </a:rPr>
-              <a:t>被験者実験での効果の検証と、アプトプットの形の検討</a:t>
-            </a:r>
+              <a:t>実験手順</a:t>
+            </a:r>
+            <a:endParaRPr lang="en-US" altLang="ja-JP" dirty="0">
+              <a:latin typeface="Hiragino Kaku Gothic ProN W3" panose="020B0300000000000000" pitchFamily="34" charset="-128"/>
+              <a:ea typeface="Hiragino Kaku Gothic ProN W3" panose="020B0300000000000000" pitchFamily="34" charset="-128"/>
+            </a:endParaRPr>
+          </a:p>
+          <a:p>
+            <a:pPr lvl="1" fontAlgn="base"/>
+            <a:r>
+              <a:rPr lang="en-US" altLang="ja-JP" sz="2000" dirty="0">
+                <a:latin typeface="Hiragino Kaku Gothic ProN W3" panose="020B0300000000000000" pitchFamily="34" charset="-128"/>
+                <a:ea typeface="Hiragino Kaku Gothic ProN W3" panose="020B0300000000000000" pitchFamily="34" charset="-128"/>
+              </a:rPr>
+              <a:t>『</a:t>
+            </a:r>
+            <a:r>
+              <a:rPr lang="en-US" altLang="ja-JP" sz="2000" dirty="0" err="1">
+                <a:latin typeface="Hiragino Kaku Gothic ProN W3" panose="020B0300000000000000" pitchFamily="34" charset="-128"/>
+                <a:ea typeface="Hiragino Kaku Gothic ProN W3" panose="020B0300000000000000" pitchFamily="34" charset="-128"/>
+              </a:rPr>
+              <a:t>popteen</a:t>
+            </a:r>
+            <a:r>
+              <a:rPr lang="en-US" altLang="ja-JP" sz="2000" dirty="0">
+                <a:latin typeface="Hiragino Kaku Gothic ProN W3" panose="020B0300000000000000" pitchFamily="34" charset="-128"/>
+                <a:ea typeface="Hiragino Kaku Gothic ProN W3" panose="020B0300000000000000" pitchFamily="34" charset="-128"/>
+              </a:rPr>
+              <a:t> Media』</a:t>
+            </a:r>
+            <a:r>
+              <a:rPr lang="ja-JP" altLang="en-US" sz="2000">
+                <a:latin typeface="Hiragino Kaku Gothic ProN W3" panose="020B0300000000000000" pitchFamily="34" charset="-128"/>
+                <a:ea typeface="Hiragino Kaku Gothic ProN W3" panose="020B0300000000000000" pitchFamily="34" charset="-128"/>
+              </a:rPr>
+              <a:t>からメイクアップ画像を</a:t>
+            </a:r>
+            <a:r>
+              <a:rPr lang="en-US" altLang="ja-JP" sz="2000" dirty="0">
+                <a:latin typeface="Hiragino Kaku Gothic ProN W3" panose="020B0300000000000000" pitchFamily="34" charset="-128"/>
+                <a:ea typeface="Hiragino Kaku Gothic ProN W3" panose="020B0300000000000000" pitchFamily="34" charset="-128"/>
+              </a:rPr>
+              <a:t>10</a:t>
+            </a:r>
+            <a:r>
+              <a:rPr lang="ja-JP" altLang="en-US" sz="2000">
+                <a:latin typeface="Hiragino Kaku Gothic ProN W3" panose="020B0300000000000000" pitchFamily="34" charset="-128"/>
+                <a:ea typeface="Hiragino Kaku Gothic ProN W3" panose="020B0300000000000000" pitchFamily="34" charset="-128"/>
+              </a:rPr>
+              <a:t>件選び、機械学習モデルでリップカラーの推定を行った</a:t>
+            </a:r>
+            <a:endParaRPr lang="en-US" altLang="ja-JP" sz="2000" dirty="0">
+              <a:latin typeface="Hiragino Kaku Gothic ProN W3" panose="020B0300000000000000" pitchFamily="34" charset="-128"/>
+              <a:ea typeface="Hiragino Kaku Gothic ProN W3" panose="020B0300000000000000" pitchFamily="34" charset="-128"/>
+            </a:endParaRPr>
+          </a:p>
+          <a:p>
+            <a:pPr lvl="1" fontAlgn="base"/>
+            <a:r>
+              <a:rPr lang="ja-JP" altLang="en-US" sz="2000">
+                <a:latin typeface="Hiragino Kaku Gothic ProN W3" panose="020B0300000000000000" pitchFamily="34" charset="-128"/>
+                <a:ea typeface="Hiragino Kaku Gothic ProN W3" panose="020B0300000000000000" pitchFamily="34" charset="-128"/>
+              </a:rPr>
+              <a:t>①で行った</a:t>
+            </a:r>
+            <a:r>
+              <a:rPr lang="en-US" altLang="ja-JP" sz="2000" dirty="0">
+                <a:latin typeface="Hiragino Kaku Gothic ProN W3" panose="020B0300000000000000" pitchFamily="34" charset="-128"/>
+                <a:ea typeface="Hiragino Kaku Gothic ProN W3" panose="020B0300000000000000" pitchFamily="34" charset="-128"/>
+              </a:rPr>
+              <a:t>MAQUIA</a:t>
+            </a:r>
+            <a:r>
+              <a:rPr lang="ja-JP" altLang="en-US" sz="2000">
+                <a:latin typeface="Hiragino Kaku Gothic ProN W3" panose="020B0300000000000000" pitchFamily="34" charset="-128"/>
+                <a:ea typeface="Hiragino Kaku Gothic ProN W3" panose="020B0300000000000000" pitchFamily="34" charset="-128"/>
+              </a:rPr>
+              <a:t>の画像を使用した実験と比較して、どちらの方が元の画像に近いリップカラーが推定できているかを比較した</a:t>
+            </a:r>
+            <a:endParaRPr lang="en-US" altLang="ja-JP" sz="2000" dirty="0">
+              <a:latin typeface="Hiragino Kaku Gothic ProN W3" panose="020B0300000000000000" pitchFamily="34" charset="-128"/>
+              <a:ea typeface="Hiragino Kaku Gothic ProN W3" panose="020B0300000000000000" pitchFamily="34" charset="-128"/>
+            </a:endParaRPr>
+          </a:p>
+          <a:p>
+            <a:pPr lvl="1" fontAlgn="base"/>
+            <a:r>
+              <a:rPr lang="ja-JP" altLang="en-US" sz="2000">
+                <a:latin typeface="Hiragino Kaku Gothic ProN W3" panose="020B0300000000000000" pitchFamily="34" charset="-128"/>
+                <a:ea typeface="Hiragino Kaku Gothic ProN W3" panose="020B0300000000000000" pitchFamily="34" charset="-128"/>
+              </a:rPr>
+              <a:t>リップカラーの比較は、元画像のリップカラーと推定したリップカラーのコサイン類似度を計算することで行った</a:t>
+            </a:r>
+            <a:endParaRPr lang="en-US" altLang="ja-JP" sz="1800" dirty="0">
+              <a:latin typeface="Hiragino Kaku Gothic ProN W3" panose="020B0300000000000000" pitchFamily="34" charset="-128"/>
+              <a:ea typeface="Hiragino Kaku Gothic ProN W3" panose="020B0300000000000000" pitchFamily="34" charset="-128"/>
+            </a:endParaRPr>
+          </a:p>
+          <a:p>
+            <a:pPr fontAlgn="base"/>
+            <a:endParaRPr lang="en-US" altLang="ja-JP" dirty="0">
+              <a:latin typeface="Hiragino Kaku Gothic ProN W3" panose="020B0300000000000000" pitchFamily="34" charset="-128"/>
+              <a:ea typeface="Hiragino Kaku Gothic ProN W3" panose="020B0300000000000000" pitchFamily="34" charset="-128"/>
+            </a:endParaRPr>
+          </a:p>
+          <a:p>
+            <a:pPr lvl="1" fontAlgn="base"/>
+            <a:endParaRPr lang="en-US" altLang="ja-JP" sz="2000" dirty="0">
+              <a:latin typeface="Hiragino Kaku Gothic ProN W3" panose="020B0300000000000000" pitchFamily="34" charset="-128"/>
+              <a:ea typeface="Hiragino Kaku Gothic ProN W3" panose="020B0300000000000000" pitchFamily="34" charset="-128"/>
+            </a:endParaRPr>
           </a:p>
         </p:txBody>
       </p:sp>
@@ -7077,7 +9058,7 @@
         <p:spPr>
           <a:xfrm>
             <a:off x="252918" y="320508"/>
-            <a:ext cx="10215385" cy="771870"/>
+            <a:ext cx="11039913" cy="771870"/>
           </a:xfrm>
           <a:prstGeom prst="rect">
             <a:avLst/>
@@ -7106,30 +9087,23 @@
           </a:lstStyle>
           <a:p>
             <a:r>
-              <a:rPr lang="ja-JP" altLang="en-US"/>
-              <a:t>①</a:t>
-            </a:r>
-            <a:r>
               <a:rPr lang="ja-JP" altLang="en-US">
                 <a:latin typeface="Hiragino Kaku Gothic ProN W3" panose="020B0300000000000000" pitchFamily="34" charset="-128"/>
                 <a:ea typeface="Hiragino Kaku Gothic ProN W3" panose="020B0300000000000000" pitchFamily="34" charset="-128"/>
               </a:rPr>
-              <a:t>学習データの違いによる推定の差異の再検討</a:t>
+              <a:t>②学習データとは異なる媒体の画像を使用した実験</a:t>
             </a:r>
             <a:endParaRPr lang="en-US" altLang="ja-JP" dirty="0">
               <a:latin typeface="Hiragino Kaku Gothic ProN W3" panose="020B0300000000000000" pitchFamily="34" charset="-128"/>
               <a:ea typeface="Hiragino Kaku Gothic ProN W3" panose="020B0300000000000000" pitchFamily="34" charset="-128"/>
             </a:endParaRPr>
-          </a:p>
-          <a:p>
-            <a:endParaRPr lang="ja-JP" altLang="en-US"/>
           </a:p>
         </p:txBody>
       </p:sp>
     </p:spTree>
     <p:extLst>
       <p:ext uri="{BB962C8B-B14F-4D97-AF65-F5344CB8AC3E}">
-        <p14:creationId xmlns:p14="http://schemas.microsoft.com/office/powerpoint/2010/main" val="2810340915"/>
+        <p14:creationId xmlns:p14="http://schemas.microsoft.com/office/powerpoint/2010/main" val="1126001223"/>
       </p:ext>
     </p:extLst>
   </p:cSld>
@@ -7479,7 +9453,7 @@
                 <a:latin typeface="Hiragino Kaku Gothic ProN W3" panose="020B0300000000000000" pitchFamily="34" charset="-128"/>
                 <a:ea typeface="Hiragino Kaku Gothic ProN W3" panose="020B0300000000000000" pitchFamily="34" charset="-128"/>
               </a:rPr>
-              <a:t>学習データの違いによる推定の差異の再検討</a:t>
+              <a:t>実験結果</a:t>
             </a:r>
             <a:endParaRPr lang="en-US" altLang="ja-JP" dirty="0">
               <a:latin typeface="Hiragino Kaku Gothic ProN W3" panose="020B0300000000000000" pitchFamily="34" charset="-128"/>
@@ -7487,42 +9461,11 @@
             </a:endParaRPr>
           </a:p>
           <a:p>
-            <a:pPr fontAlgn="base"/>
-            <a:r>
-              <a:rPr lang="ja-JP" altLang="en-US">
-                <a:latin typeface="Hiragino Kaku Gothic ProN W3" panose="020B0300000000000000" pitchFamily="34" charset="-128"/>
-                <a:ea typeface="Hiragino Kaku Gothic ProN W3" panose="020B0300000000000000" pitchFamily="34" charset="-128"/>
-              </a:rPr>
-              <a:t>システム利用者に合わせた教師データの作成</a:t>
-            </a:r>
-            <a:endParaRPr lang="en-US" altLang="ja-JP" dirty="0">
+            <a:pPr lvl="1" fontAlgn="base"/>
+            <a:endParaRPr lang="en-US" altLang="ja-JP" sz="2000" dirty="0">
               <a:latin typeface="Hiragino Kaku Gothic ProN W3" panose="020B0300000000000000" pitchFamily="34" charset="-128"/>
               <a:ea typeface="Hiragino Kaku Gothic ProN W3" panose="020B0300000000000000" pitchFamily="34" charset="-128"/>
             </a:endParaRPr>
-          </a:p>
-          <a:p>
-            <a:pPr fontAlgn="base"/>
-            <a:r>
-              <a:rPr lang="ja-JP" altLang="en-US">
-                <a:latin typeface="Hiragino Kaku Gothic ProN W3" panose="020B0300000000000000" pitchFamily="34" charset="-128"/>
-                <a:ea typeface="Hiragino Kaku Gothic ProN W3" panose="020B0300000000000000" pitchFamily="34" charset="-128"/>
-              </a:rPr>
-              <a:t>教師データの質の向上</a:t>
-            </a:r>
-            <a:endParaRPr lang="en-US" altLang="ja-JP" dirty="0">
-              <a:latin typeface="Hiragino Kaku Gothic ProN W3" panose="020B0300000000000000" pitchFamily="34" charset="-128"/>
-              <a:ea typeface="Hiragino Kaku Gothic ProN W3" panose="020B0300000000000000" pitchFamily="34" charset="-128"/>
-            </a:endParaRPr>
-          </a:p>
-          <a:p>
-            <a:pPr fontAlgn="base"/>
-            <a:r>
-              <a:rPr lang="ja-JP" altLang="en-US">
-                <a:latin typeface="Hiragino Kaku Gothic ProN W3" panose="020B0300000000000000" pitchFamily="34" charset="-128"/>
-                <a:ea typeface="Hiragino Kaku Gothic ProN W3" panose="020B0300000000000000" pitchFamily="34" charset="-128"/>
-              </a:rPr>
-              <a:t>被験者実験での効果の検証と、アプトプットの形の検討</a:t>
-            </a:r>
           </a:p>
         </p:txBody>
       </p:sp>
@@ -7543,7 +9486,7 @@
         <p:spPr>
           <a:xfrm>
             <a:off x="252918" y="320508"/>
-            <a:ext cx="10015689" cy="771870"/>
+            <a:ext cx="11039913" cy="771870"/>
           </a:xfrm>
           <a:prstGeom prst="rect">
             <a:avLst/>
@@ -7572,30 +9515,23 @@
           </a:lstStyle>
           <a:p>
             <a:r>
-              <a:rPr lang="ja-JP" altLang="en-US"/>
-              <a:t>②</a:t>
-            </a:r>
-            <a:r>
               <a:rPr lang="ja-JP" altLang="en-US">
                 <a:latin typeface="Hiragino Kaku Gothic ProN W3" panose="020B0300000000000000" pitchFamily="34" charset="-128"/>
                 <a:ea typeface="Hiragino Kaku Gothic ProN W3" panose="020B0300000000000000" pitchFamily="34" charset="-128"/>
               </a:rPr>
-              <a:t>システム利用者に合わせた教師データの作成</a:t>
+              <a:t>②学習データとは異なる媒体の画像を使用した実験</a:t>
             </a:r>
             <a:endParaRPr lang="en-US" altLang="ja-JP" dirty="0">
               <a:latin typeface="Hiragino Kaku Gothic ProN W3" panose="020B0300000000000000" pitchFamily="34" charset="-128"/>
               <a:ea typeface="Hiragino Kaku Gothic ProN W3" panose="020B0300000000000000" pitchFamily="34" charset="-128"/>
             </a:endParaRPr>
-          </a:p>
-          <a:p>
-            <a:endParaRPr lang="ja-JP" altLang="en-US"/>
           </a:p>
         </p:txBody>
       </p:sp>
     </p:spTree>
     <p:extLst>
       <p:ext uri="{BB962C8B-B14F-4D97-AF65-F5344CB8AC3E}">
-        <p14:creationId xmlns:p14="http://schemas.microsoft.com/office/powerpoint/2010/main" val="824329744"/>
+        <p14:creationId xmlns:p14="http://schemas.microsoft.com/office/powerpoint/2010/main" val="3860281592"/>
       </p:ext>
     </p:extLst>
   </p:cSld>
@@ -7945,49 +9881,7 @@
                 <a:latin typeface="Hiragino Kaku Gothic ProN W3" panose="020B0300000000000000" pitchFamily="34" charset="-128"/>
                 <a:ea typeface="Hiragino Kaku Gothic ProN W3" panose="020B0300000000000000" pitchFamily="34" charset="-128"/>
               </a:rPr>
-              <a:t>学習データの違いによる推定の差異の再検討</a:t>
-            </a:r>
-            <a:endParaRPr lang="en-US" altLang="ja-JP" dirty="0">
-              <a:latin typeface="Hiragino Kaku Gothic ProN W3" panose="020B0300000000000000" pitchFamily="34" charset="-128"/>
-              <a:ea typeface="Hiragino Kaku Gothic ProN W3" panose="020B0300000000000000" pitchFamily="34" charset="-128"/>
-            </a:endParaRPr>
-          </a:p>
-          <a:p>
-            <a:pPr fontAlgn="base"/>
-            <a:r>
-              <a:rPr lang="ja-JP" altLang="en-US">
-                <a:latin typeface="Hiragino Kaku Gothic ProN W3" panose="020B0300000000000000" pitchFamily="34" charset="-128"/>
-                <a:ea typeface="Hiragino Kaku Gothic ProN W3" panose="020B0300000000000000" pitchFamily="34" charset="-128"/>
-              </a:rPr>
-              <a:t>システム利用者に合わせた教師データの作成</a:t>
-            </a:r>
-            <a:endParaRPr lang="en-US" altLang="ja-JP" dirty="0">
-              <a:latin typeface="Hiragino Kaku Gothic ProN W3" panose="020B0300000000000000" pitchFamily="34" charset="-128"/>
-              <a:ea typeface="Hiragino Kaku Gothic ProN W3" panose="020B0300000000000000" pitchFamily="34" charset="-128"/>
-            </a:endParaRPr>
-          </a:p>
-          <a:p>
-            <a:pPr fontAlgn="base"/>
-            <a:r>
-              <a:rPr lang="ja-JP" altLang="en-US">
-                <a:latin typeface="Hiragino Kaku Gothic ProN W3" panose="020B0300000000000000" pitchFamily="34" charset="-128"/>
-                <a:ea typeface="Hiragino Kaku Gothic ProN W3" panose="020B0300000000000000" pitchFamily="34" charset="-128"/>
-              </a:rPr>
-              <a:t>教師データの質の向上</a:t>
-            </a:r>
-            <a:endParaRPr lang="en-US" altLang="ja-JP" dirty="0">
-              <a:latin typeface="Hiragino Kaku Gothic ProN W3" panose="020B0300000000000000" pitchFamily="34" charset="-128"/>
-              <a:ea typeface="Hiragino Kaku Gothic ProN W3" panose="020B0300000000000000" pitchFamily="34" charset="-128"/>
-            </a:endParaRPr>
-          </a:p>
-          <a:p>
-            <a:pPr fontAlgn="base"/>
-            <a:r>
-              <a:rPr lang="ja-JP" altLang="en-US">
-                <a:latin typeface="Hiragino Kaku Gothic ProN W3" panose="020B0300000000000000" pitchFamily="34" charset="-128"/>
-                <a:ea typeface="Hiragino Kaku Gothic ProN W3" panose="020B0300000000000000" pitchFamily="34" charset="-128"/>
-              </a:rPr>
-              <a:t>被験者実験での効果の検証と、アプトプットの形の検討</a:t>
+              <a:t>あああ</a:t>
             </a:r>
           </a:p>
         </p:txBody>
@@ -8009,7 +9903,7 @@
         <p:spPr>
           <a:xfrm>
             <a:off x="252918" y="320508"/>
-            <a:ext cx="5843081" cy="771870"/>
+            <a:ext cx="11039913" cy="771870"/>
           </a:xfrm>
           <a:prstGeom prst="rect">
             <a:avLst/>
@@ -8038,7 +9932,10 @@
           </a:lstStyle>
           <a:p>
             <a:r>
-              <a:rPr lang="ja-JP" altLang="en-US"/>
+              <a:rPr lang="en-US" altLang="ja-JP" dirty="0">
+                <a:latin typeface="Hiragino Kaku Gothic ProN W3" panose="020B0300000000000000" pitchFamily="34" charset="-128"/>
+                <a:ea typeface="Hiragino Kaku Gothic ProN W3" panose="020B0300000000000000" pitchFamily="34" charset="-128"/>
+              </a:rPr>
               <a:t>③</a:t>
             </a:r>
             <a:r>
@@ -8046,7 +9943,7 @@
                 <a:latin typeface="Hiragino Kaku Gothic ProN W3" panose="020B0300000000000000" pitchFamily="34" charset="-128"/>
                 <a:ea typeface="Hiragino Kaku Gothic ProN W3" panose="020B0300000000000000" pitchFamily="34" charset="-128"/>
               </a:rPr>
-              <a:t>教師データの質の向上</a:t>
+              <a:t>実際の使用を想定した実験</a:t>
             </a:r>
             <a:endParaRPr lang="en-US" altLang="ja-JP" dirty="0">
               <a:latin typeface="Hiragino Kaku Gothic ProN W3" panose="020B0300000000000000" pitchFamily="34" charset="-128"/>
@@ -8058,7 +9955,7 @@
     </p:spTree>
     <p:extLst>
       <p:ext uri="{BB962C8B-B14F-4D97-AF65-F5344CB8AC3E}">
-        <p14:creationId xmlns:p14="http://schemas.microsoft.com/office/powerpoint/2010/main" val="3405429668"/>
+        <p14:creationId xmlns:p14="http://schemas.microsoft.com/office/powerpoint/2010/main" val="2146276442"/>
       </p:ext>
     </p:extLst>
   </p:cSld>
@@ -8472,7 +10369,7 @@
         <p:spPr>
           <a:xfrm>
             <a:off x="252918" y="320508"/>
-            <a:ext cx="11939082" cy="771870"/>
+            <a:ext cx="5843081" cy="771870"/>
           </a:xfrm>
           <a:prstGeom prst="rect">
             <a:avLst/>
@@ -8502,25 +10399,15 @@
           <a:p>
             <a:r>
               <a:rPr lang="ja-JP" altLang="en-US"/>
-              <a:t>④</a:t>
-            </a:r>
-            <a:r>
-              <a:rPr lang="ja-JP" altLang="en-US">
-                <a:latin typeface="Hiragino Kaku Gothic ProN W3" panose="020B0300000000000000" pitchFamily="34" charset="-128"/>
-                <a:ea typeface="Hiragino Kaku Gothic ProN W3" panose="020B0300000000000000" pitchFamily="34" charset="-128"/>
-              </a:rPr>
-              <a:t>被験者実験での効果の検証と、アプトプットの形の検討</a:t>
-            </a:r>
-          </a:p>
-          <a:p>
-            <a:endParaRPr lang="ja-JP" altLang="en-US"/>
+              <a:t>今後の課題・展望</a:t>
+            </a:r>
           </a:p>
         </p:txBody>
       </p:sp>
     </p:spTree>
     <p:extLst>
       <p:ext uri="{BB962C8B-B14F-4D97-AF65-F5344CB8AC3E}">
-        <p14:creationId xmlns:p14="http://schemas.microsoft.com/office/powerpoint/2010/main" val="2819782249"/>
+        <p14:creationId xmlns:p14="http://schemas.microsoft.com/office/powerpoint/2010/main" val="2606106253"/>
       </p:ext>
     </p:extLst>
   </p:cSld>
@@ -9018,6 +10905,1695 @@
 </file>
 
 <file path=ppt/slides/slide20.xml><?xml version="1.0" encoding="utf-8"?>
+<p:sld xmlns:a="http://schemas.openxmlformats.org/drawingml/2006/main" xmlns:r="http://schemas.openxmlformats.org/officeDocument/2006/relationships" xmlns:p="http://schemas.openxmlformats.org/presentationml/2006/main">
+  <p:cSld>
+    <p:spTree>
+      <p:nvGrpSpPr>
+        <p:cNvPr id="1" name=""/>
+        <p:cNvGrpSpPr/>
+        <p:nvPr/>
+      </p:nvGrpSpPr>
+      <p:grpSpPr>
+        <a:xfrm>
+          <a:off x="0" y="0"/>
+          <a:ext cx="0" cy="0"/>
+          <a:chOff x="0" y="0"/>
+          <a:chExt cx="0" cy="0"/>
+        </a:xfrm>
+      </p:grpSpPr>
+      <p:sp>
+        <p:nvSpPr>
+          <p:cNvPr id="7" name="正方形/長方形 6">
+            <a:extLst>
+              <a:ext uri="{FF2B5EF4-FFF2-40B4-BE49-F238E27FC236}">
+                <a16:creationId xmlns:a16="http://schemas.microsoft.com/office/drawing/2014/main" id="{D98ECB46-E3D4-3A0B-1D69-28EB8A1887F1}"/>
+              </a:ext>
+            </a:extLst>
+          </p:cNvPr>
+          <p:cNvSpPr/>
+          <p:nvPr/>
+        </p:nvSpPr>
+        <p:spPr>
+          <a:xfrm>
+            <a:off x="0" y="-1"/>
+            <a:ext cx="12192000" cy="1077091"/>
+          </a:xfrm>
+          <a:prstGeom prst="rect">
+            <a:avLst/>
+          </a:prstGeom>
+          <a:ln>
+            <a:noFill/>
+          </a:ln>
+        </p:spPr>
+        <p:style>
+          <a:lnRef idx="2">
+            <a:schemeClr val="accent1">
+              <a:shade val="50000"/>
+            </a:schemeClr>
+          </a:lnRef>
+          <a:fillRef idx="1">
+            <a:schemeClr val="accent1"/>
+          </a:fillRef>
+          <a:effectRef idx="0">
+            <a:schemeClr val="accent1"/>
+          </a:effectRef>
+          <a:fontRef idx="minor">
+            <a:schemeClr val="lt1"/>
+          </a:fontRef>
+        </p:style>
+        <p:txBody>
+          <a:bodyPr rtlCol="0" anchor="ctr"/>
+          <a:lstStyle/>
+          <a:p>
+            <a:pPr algn="ctr"/>
+            <a:endParaRPr kumimoji="1" lang="ja-JP" altLang="en-US"/>
+          </a:p>
+        </p:txBody>
+      </p:sp>
+      <p:sp>
+        <p:nvSpPr>
+          <p:cNvPr id="5" name="コンテンツ プレースホルダー 2">
+            <a:extLst>
+              <a:ext uri="{FF2B5EF4-FFF2-40B4-BE49-F238E27FC236}">
+                <a16:creationId xmlns:a16="http://schemas.microsoft.com/office/drawing/2014/main" id="{B040927F-1E6A-C26C-3C46-978E4552B438}"/>
+              </a:ext>
+            </a:extLst>
+          </p:cNvPr>
+          <p:cNvSpPr txBox="1">
+            <a:spLocks/>
+          </p:cNvSpPr>
+          <p:nvPr/>
+        </p:nvSpPr>
+        <p:spPr>
+          <a:xfrm>
+            <a:off x="576043" y="1432140"/>
+            <a:ext cx="11039913" cy="5120640"/>
+          </a:xfrm>
+          <a:prstGeom prst="rect">
+            <a:avLst/>
+          </a:prstGeom>
+        </p:spPr>
+        <p:txBody>
+          <a:bodyPr/>
+          <a:lstStyle>
+            <a:lvl1pPr marL="182880" indent="-182880" algn="l" defTabSz="914400" rtl="0" eaLnBrk="1" latinLnBrk="0" hangingPunct="1">
+              <a:lnSpc>
+                <a:spcPct val="90000"/>
+              </a:lnSpc>
+              <a:spcBef>
+                <a:spcPts val="1200"/>
+              </a:spcBef>
+              <a:buClr>
+                <a:schemeClr val="accent1"/>
+              </a:buClr>
+              <a:buFont typeface="Wingdings 2" pitchFamily="18" charset="2"/>
+              <a:buChar char=""/>
+              <a:defRPr kumimoji="1" sz="2000" kern="1200">
+                <a:solidFill>
+                  <a:schemeClr val="tx1">
+                    <a:lumMod val="65000"/>
+                    <a:lumOff val="35000"/>
+                  </a:schemeClr>
+                </a:solidFill>
+                <a:latin typeface="+mn-lt"/>
+                <a:ea typeface="+mn-ea"/>
+                <a:cs typeface="+mn-cs"/>
+              </a:defRPr>
+            </a:lvl1pPr>
+            <a:lvl2pPr marL="685800" indent="-182880" algn="l" defTabSz="914400" rtl="0" eaLnBrk="1" latinLnBrk="0" hangingPunct="1">
+              <a:lnSpc>
+                <a:spcPct val="90000"/>
+              </a:lnSpc>
+              <a:spcBef>
+                <a:spcPts val="250"/>
+              </a:spcBef>
+              <a:spcAft>
+                <a:spcPts val="250"/>
+              </a:spcAft>
+              <a:buClr>
+                <a:schemeClr val="accent1"/>
+              </a:buClr>
+              <a:buFont typeface="Wingdings 2" pitchFamily="18" charset="2"/>
+              <a:buChar char=""/>
+              <a:defRPr kumimoji="1" sz="1800" kern="1200">
+                <a:solidFill>
+                  <a:schemeClr val="tx1">
+                    <a:lumMod val="65000"/>
+                    <a:lumOff val="35000"/>
+                  </a:schemeClr>
+                </a:solidFill>
+                <a:latin typeface="+mn-lt"/>
+                <a:ea typeface="+mn-ea"/>
+                <a:cs typeface="+mn-cs"/>
+              </a:defRPr>
+            </a:lvl2pPr>
+            <a:lvl3pPr marL="1143000" indent="-182880" algn="l" defTabSz="914400" rtl="0" eaLnBrk="1" latinLnBrk="0" hangingPunct="1">
+              <a:lnSpc>
+                <a:spcPct val="90000"/>
+              </a:lnSpc>
+              <a:spcBef>
+                <a:spcPts val="250"/>
+              </a:spcBef>
+              <a:spcAft>
+                <a:spcPts val="250"/>
+              </a:spcAft>
+              <a:buClr>
+                <a:schemeClr val="accent1"/>
+              </a:buClr>
+              <a:buFont typeface="Wingdings 2" pitchFamily="18" charset="2"/>
+              <a:buChar char=""/>
+              <a:defRPr kumimoji="1" sz="1600" kern="1200">
+                <a:solidFill>
+                  <a:schemeClr val="tx1">
+                    <a:lumMod val="65000"/>
+                    <a:lumOff val="35000"/>
+                  </a:schemeClr>
+                </a:solidFill>
+                <a:latin typeface="+mn-lt"/>
+                <a:ea typeface="+mn-ea"/>
+                <a:cs typeface="+mn-cs"/>
+              </a:defRPr>
+            </a:lvl3pPr>
+            <a:lvl4pPr marL="1600200" indent="-182880" algn="l" defTabSz="914400" rtl="0" eaLnBrk="1" latinLnBrk="0" hangingPunct="1">
+              <a:lnSpc>
+                <a:spcPct val="90000"/>
+              </a:lnSpc>
+              <a:spcBef>
+                <a:spcPts val="250"/>
+              </a:spcBef>
+              <a:spcAft>
+                <a:spcPts val="250"/>
+              </a:spcAft>
+              <a:buClr>
+                <a:schemeClr val="accent1"/>
+              </a:buClr>
+              <a:buFont typeface="Wingdings 2" pitchFamily="18" charset="2"/>
+              <a:buChar char=""/>
+              <a:defRPr kumimoji="1" sz="1400" kern="1200">
+                <a:solidFill>
+                  <a:schemeClr val="tx1">
+                    <a:lumMod val="65000"/>
+                    <a:lumOff val="35000"/>
+                  </a:schemeClr>
+                </a:solidFill>
+                <a:latin typeface="+mn-lt"/>
+                <a:ea typeface="+mn-ea"/>
+                <a:cs typeface="+mn-cs"/>
+              </a:defRPr>
+            </a:lvl4pPr>
+            <a:lvl5pPr marL="2057400" indent="-182880" algn="l" defTabSz="914400" rtl="0" eaLnBrk="1" latinLnBrk="0" hangingPunct="1">
+              <a:lnSpc>
+                <a:spcPct val="90000"/>
+              </a:lnSpc>
+              <a:spcBef>
+                <a:spcPts val="250"/>
+              </a:spcBef>
+              <a:spcAft>
+                <a:spcPts val="250"/>
+              </a:spcAft>
+              <a:buClr>
+                <a:schemeClr val="accent1"/>
+              </a:buClr>
+              <a:buFont typeface="Wingdings 2" pitchFamily="18" charset="2"/>
+              <a:buChar char=""/>
+              <a:defRPr kumimoji="1" sz="1400" kern="1200">
+                <a:solidFill>
+                  <a:schemeClr val="tx1">
+                    <a:lumMod val="65000"/>
+                    <a:lumOff val="35000"/>
+                  </a:schemeClr>
+                </a:solidFill>
+                <a:latin typeface="+mn-lt"/>
+                <a:ea typeface="+mn-ea"/>
+                <a:cs typeface="+mn-cs"/>
+              </a:defRPr>
+            </a:lvl5pPr>
+            <a:lvl6pPr marL="2514600" indent="-228600" algn="l" defTabSz="914400" rtl="0" eaLnBrk="1" latinLnBrk="0" hangingPunct="1">
+              <a:lnSpc>
+                <a:spcPct val="90000"/>
+              </a:lnSpc>
+              <a:spcBef>
+                <a:spcPts val="250"/>
+              </a:spcBef>
+              <a:spcAft>
+                <a:spcPts val="250"/>
+              </a:spcAft>
+              <a:buClr>
+                <a:schemeClr val="accent1"/>
+              </a:buClr>
+              <a:buFont typeface="Wingdings 2" pitchFamily="18" charset="2"/>
+              <a:buChar char=""/>
+              <a:defRPr kumimoji="1" sz="1400" kern="1200">
+                <a:solidFill>
+                  <a:schemeClr val="tx1">
+                    <a:lumMod val="65000"/>
+                    <a:lumOff val="35000"/>
+                  </a:schemeClr>
+                </a:solidFill>
+                <a:latin typeface="+mn-lt"/>
+                <a:ea typeface="+mn-ea"/>
+                <a:cs typeface="+mn-cs"/>
+              </a:defRPr>
+            </a:lvl6pPr>
+            <a:lvl7pPr marL="2971800" indent="-228600" algn="l" defTabSz="914400" rtl="0" eaLnBrk="1" latinLnBrk="0" hangingPunct="1">
+              <a:lnSpc>
+                <a:spcPct val="90000"/>
+              </a:lnSpc>
+              <a:spcBef>
+                <a:spcPts val="250"/>
+              </a:spcBef>
+              <a:spcAft>
+                <a:spcPts val="250"/>
+              </a:spcAft>
+              <a:buClr>
+                <a:schemeClr val="accent1"/>
+              </a:buClr>
+              <a:buFont typeface="Wingdings 2" pitchFamily="18" charset="2"/>
+              <a:buChar char=""/>
+              <a:defRPr kumimoji="1" sz="1400" kern="1200">
+                <a:solidFill>
+                  <a:schemeClr val="tx1">
+                    <a:lumMod val="65000"/>
+                    <a:lumOff val="35000"/>
+                  </a:schemeClr>
+                </a:solidFill>
+                <a:latin typeface="+mn-lt"/>
+                <a:ea typeface="+mn-ea"/>
+                <a:cs typeface="+mn-cs"/>
+              </a:defRPr>
+            </a:lvl7pPr>
+            <a:lvl8pPr marL="3429000" indent="-228600" algn="l" defTabSz="914400" rtl="0" eaLnBrk="1" latinLnBrk="0" hangingPunct="1">
+              <a:lnSpc>
+                <a:spcPct val="90000"/>
+              </a:lnSpc>
+              <a:spcBef>
+                <a:spcPts val="250"/>
+              </a:spcBef>
+              <a:spcAft>
+                <a:spcPts val="250"/>
+              </a:spcAft>
+              <a:buClr>
+                <a:schemeClr val="accent1"/>
+              </a:buClr>
+              <a:buFont typeface="Wingdings 2" pitchFamily="18" charset="2"/>
+              <a:buChar char=""/>
+              <a:defRPr kumimoji="1" sz="1400" kern="1200">
+                <a:solidFill>
+                  <a:schemeClr val="tx1">
+                    <a:lumMod val="65000"/>
+                    <a:lumOff val="35000"/>
+                  </a:schemeClr>
+                </a:solidFill>
+                <a:latin typeface="+mn-lt"/>
+                <a:ea typeface="+mn-ea"/>
+                <a:cs typeface="+mn-cs"/>
+              </a:defRPr>
+            </a:lvl8pPr>
+            <a:lvl9pPr marL="3886200" indent="-228600" algn="l" defTabSz="914400" rtl="0" eaLnBrk="1" latinLnBrk="0" hangingPunct="1">
+              <a:lnSpc>
+                <a:spcPct val="90000"/>
+              </a:lnSpc>
+              <a:spcBef>
+                <a:spcPts val="250"/>
+              </a:spcBef>
+              <a:spcAft>
+                <a:spcPts val="250"/>
+              </a:spcAft>
+              <a:buClr>
+                <a:schemeClr val="accent1"/>
+              </a:buClr>
+              <a:buFont typeface="Wingdings 2" pitchFamily="18" charset="2"/>
+              <a:buChar char=""/>
+              <a:defRPr kumimoji="1" sz="1400" kern="1200">
+                <a:solidFill>
+                  <a:schemeClr val="tx1">
+                    <a:lumMod val="65000"/>
+                    <a:lumOff val="35000"/>
+                  </a:schemeClr>
+                </a:solidFill>
+                <a:latin typeface="+mn-lt"/>
+                <a:ea typeface="+mn-ea"/>
+                <a:cs typeface="+mn-cs"/>
+              </a:defRPr>
+            </a:lvl9pPr>
+          </a:lstStyle>
+          <a:p>
+            <a:pPr fontAlgn="base"/>
+            <a:r>
+              <a:rPr lang="ja-JP" altLang="en-US">
+                <a:latin typeface="Hiragino Kaku Gothic ProN W3" panose="020B0300000000000000" pitchFamily="34" charset="-128"/>
+                <a:ea typeface="Hiragino Kaku Gothic ProN W3" panose="020B0300000000000000" pitchFamily="34" charset="-128"/>
+              </a:rPr>
+              <a:t>あああ</a:t>
+            </a:r>
+          </a:p>
+        </p:txBody>
+      </p:sp>
+      <p:sp>
+        <p:nvSpPr>
+          <p:cNvPr id="6" name="タイトル 1">
+            <a:extLst>
+              <a:ext uri="{FF2B5EF4-FFF2-40B4-BE49-F238E27FC236}">
+                <a16:creationId xmlns:a16="http://schemas.microsoft.com/office/drawing/2014/main" id="{45A7B92C-AE3D-91D6-227C-099A94786625}"/>
+              </a:ext>
+            </a:extLst>
+          </p:cNvPr>
+          <p:cNvSpPr txBox="1">
+            <a:spLocks/>
+          </p:cNvSpPr>
+          <p:nvPr/>
+        </p:nvSpPr>
+        <p:spPr>
+          <a:xfrm>
+            <a:off x="252918" y="320508"/>
+            <a:ext cx="10215385" cy="771870"/>
+          </a:xfrm>
+          <a:prstGeom prst="rect">
+            <a:avLst/>
+          </a:prstGeom>
+        </p:spPr>
+        <p:txBody>
+          <a:bodyPr/>
+          <a:lstStyle>
+            <a:lvl1pPr algn="l" defTabSz="914400" rtl="0" eaLnBrk="1" latinLnBrk="0" hangingPunct="1">
+              <a:lnSpc>
+                <a:spcPct val="90000"/>
+              </a:lnSpc>
+              <a:spcBef>
+                <a:spcPct val="0"/>
+              </a:spcBef>
+              <a:buNone/>
+              <a:defRPr kumimoji="1" sz="3600" kern="1200" spc="-60" baseline="0">
+                <a:solidFill>
+                  <a:srgbClr val="FFFFFF"/>
+                </a:solidFill>
+                <a:latin typeface="+mj-lt"/>
+                <a:ea typeface="+mj-ea"/>
+                <a:cs typeface="+mj-cs"/>
+              </a:defRPr>
+            </a:lvl1pPr>
+          </a:lstStyle>
+          <a:p>
+            <a:r>
+              <a:rPr lang="ja-JP" altLang="en-US"/>
+              <a:t>①</a:t>
+            </a:r>
+            <a:r>
+              <a:rPr lang="ja-JP" altLang="en-US">
+                <a:latin typeface="Hiragino Kaku Gothic ProN W3" panose="020B0300000000000000" pitchFamily="34" charset="-128"/>
+                <a:ea typeface="Hiragino Kaku Gothic ProN W3" panose="020B0300000000000000" pitchFamily="34" charset="-128"/>
+              </a:rPr>
+              <a:t>学習データの違いによる推定の差異の再検討</a:t>
+            </a:r>
+            <a:endParaRPr lang="en-US" altLang="ja-JP" dirty="0">
+              <a:latin typeface="Hiragino Kaku Gothic ProN W3" panose="020B0300000000000000" pitchFamily="34" charset="-128"/>
+              <a:ea typeface="Hiragino Kaku Gothic ProN W3" panose="020B0300000000000000" pitchFamily="34" charset="-128"/>
+            </a:endParaRPr>
+          </a:p>
+          <a:p>
+            <a:endParaRPr lang="ja-JP" altLang="en-US"/>
+          </a:p>
+        </p:txBody>
+      </p:sp>
+    </p:spTree>
+    <p:extLst>
+      <p:ext uri="{BB962C8B-B14F-4D97-AF65-F5344CB8AC3E}">
+        <p14:creationId xmlns:p14="http://schemas.microsoft.com/office/powerpoint/2010/main" val="2810340915"/>
+      </p:ext>
+    </p:extLst>
+  </p:cSld>
+  <p:clrMapOvr>
+    <a:masterClrMapping/>
+  </p:clrMapOvr>
+</p:sld>
+</file>
+
+<file path=ppt/slides/slide21.xml><?xml version="1.0" encoding="utf-8"?>
+<p:sld xmlns:a="http://schemas.openxmlformats.org/drawingml/2006/main" xmlns:r="http://schemas.openxmlformats.org/officeDocument/2006/relationships" xmlns:p="http://schemas.openxmlformats.org/presentationml/2006/main">
+  <p:cSld>
+    <p:spTree>
+      <p:nvGrpSpPr>
+        <p:cNvPr id="1" name=""/>
+        <p:cNvGrpSpPr/>
+        <p:nvPr/>
+      </p:nvGrpSpPr>
+      <p:grpSpPr>
+        <a:xfrm>
+          <a:off x="0" y="0"/>
+          <a:ext cx="0" cy="0"/>
+          <a:chOff x="0" y="0"/>
+          <a:chExt cx="0" cy="0"/>
+        </a:xfrm>
+      </p:grpSpPr>
+      <p:sp>
+        <p:nvSpPr>
+          <p:cNvPr id="7" name="正方形/長方形 6">
+            <a:extLst>
+              <a:ext uri="{FF2B5EF4-FFF2-40B4-BE49-F238E27FC236}">
+                <a16:creationId xmlns:a16="http://schemas.microsoft.com/office/drawing/2014/main" id="{D98ECB46-E3D4-3A0B-1D69-28EB8A1887F1}"/>
+              </a:ext>
+            </a:extLst>
+          </p:cNvPr>
+          <p:cNvSpPr/>
+          <p:nvPr/>
+        </p:nvSpPr>
+        <p:spPr>
+          <a:xfrm>
+            <a:off x="0" y="-1"/>
+            <a:ext cx="12192000" cy="1077091"/>
+          </a:xfrm>
+          <a:prstGeom prst="rect">
+            <a:avLst/>
+          </a:prstGeom>
+          <a:ln>
+            <a:noFill/>
+          </a:ln>
+        </p:spPr>
+        <p:style>
+          <a:lnRef idx="2">
+            <a:schemeClr val="accent1">
+              <a:shade val="50000"/>
+            </a:schemeClr>
+          </a:lnRef>
+          <a:fillRef idx="1">
+            <a:schemeClr val="accent1"/>
+          </a:fillRef>
+          <a:effectRef idx="0">
+            <a:schemeClr val="accent1"/>
+          </a:effectRef>
+          <a:fontRef idx="minor">
+            <a:schemeClr val="lt1"/>
+          </a:fontRef>
+        </p:style>
+        <p:txBody>
+          <a:bodyPr rtlCol="0" anchor="ctr"/>
+          <a:lstStyle/>
+          <a:p>
+            <a:pPr algn="ctr"/>
+            <a:endParaRPr kumimoji="1" lang="ja-JP" altLang="en-US"/>
+          </a:p>
+        </p:txBody>
+      </p:sp>
+      <p:sp>
+        <p:nvSpPr>
+          <p:cNvPr id="5" name="コンテンツ プレースホルダー 2">
+            <a:extLst>
+              <a:ext uri="{FF2B5EF4-FFF2-40B4-BE49-F238E27FC236}">
+                <a16:creationId xmlns:a16="http://schemas.microsoft.com/office/drawing/2014/main" id="{B040927F-1E6A-C26C-3C46-978E4552B438}"/>
+              </a:ext>
+            </a:extLst>
+          </p:cNvPr>
+          <p:cNvSpPr txBox="1">
+            <a:spLocks/>
+          </p:cNvSpPr>
+          <p:nvPr/>
+        </p:nvSpPr>
+        <p:spPr>
+          <a:xfrm>
+            <a:off x="576043" y="1432140"/>
+            <a:ext cx="11039913" cy="5120640"/>
+          </a:xfrm>
+          <a:prstGeom prst="rect">
+            <a:avLst/>
+          </a:prstGeom>
+        </p:spPr>
+        <p:txBody>
+          <a:bodyPr/>
+          <a:lstStyle>
+            <a:lvl1pPr marL="182880" indent="-182880" algn="l" defTabSz="914400" rtl="0" eaLnBrk="1" latinLnBrk="0" hangingPunct="1">
+              <a:lnSpc>
+                <a:spcPct val="90000"/>
+              </a:lnSpc>
+              <a:spcBef>
+                <a:spcPts val="1200"/>
+              </a:spcBef>
+              <a:buClr>
+                <a:schemeClr val="accent1"/>
+              </a:buClr>
+              <a:buFont typeface="Wingdings 2" pitchFamily="18" charset="2"/>
+              <a:buChar char=""/>
+              <a:defRPr kumimoji="1" sz="2000" kern="1200">
+                <a:solidFill>
+                  <a:schemeClr val="tx1">
+                    <a:lumMod val="65000"/>
+                    <a:lumOff val="35000"/>
+                  </a:schemeClr>
+                </a:solidFill>
+                <a:latin typeface="+mn-lt"/>
+                <a:ea typeface="+mn-ea"/>
+                <a:cs typeface="+mn-cs"/>
+              </a:defRPr>
+            </a:lvl1pPr>
+            <a:lvl2pPr marL="685800" indent="-182880" algn="l" defTabSz="914400" rtl="0" eaLnBrk="1" latinLnBrk="0" hangingPunct="1">
+              <a:lnSpc>
+                <a:spcPct val="90000"/>
+              </a:lnSpc>
+              <a:spcBef>
+                <a:spcPts val="250"/>
+              </a:spcBef>
+              <a:spcAft>
+                <a:spcPts val="250"/>
+              </a:spcAft>
+              <a:buClr>
+                <a:schemeClr val="accent1"/>
+              </a:buClr>
+              <a:buFont typeface="Wingdings 2" pitchFamily="18" charset="2"/>
+              <a:buChar char=""/>
+              <a:defRPr kumimoji="1" sz="1800" kern="1200">
+                <a:solidFill>
+                  <a:schemeClr val="tx1">
+                    <a:lumMod val="65000"/>
+                    <a:lumOff val="35000"/>
+                  </a:schemeClr>
+                </a:solidFill>
+                <a:latin typeface="+mn-lt"/>
+                <a:ea typeface="+mn-ea"/>
+                <a:cs typeface="+mn-cs"/>
+              </a:defRPr>
+            </a:lvl2pPr>
+            <a:lvl3pPr marL="1143000" indent="-182880" algn="l" defTabSz="914400" rtl="0" eaLnBrk="1" latinLnBrk="0" hangingPunct="1">
+              <a:lnSpc>
+                <a:spcPct val="90000"/>
+              </a:lnSpc>
+              <a:spcBef>
+                <a:spcPts val="250"/>
+              </a:spcBef>
+              <a:spcAft>
+                <a:spcPts val="250"/>
+              </a:spcAft>
+              <a:buClr>
+                <a:schemeClr val="accent1"/>
+              </a:buClr>
+              <a:buFont typeface="Wingdings 2" pitchFamily="18" charset="2"/>
+              <a:buChar char=""/>
+              <a:defRPr kumimoji="1" sz="1600" kern="1200">
+                <a:solidFill>
+                  <a:schemeClr val="tx1">
+                    <a:lumMod val="65000"/>
+                    <a:lumOff val="35000"/>
+                  </a:schemeClr>
+                </a:solidFill>
+                <a:latin typeface="+mn-lt"/>
+                <a:ea typeface="+mn-ea"/>
+                <a:cs typeface="+mn-cs"/>
+              </a:defRPr>
+            </a:lvl3pPr>
+            <a:lvl4pPr marL="1600200" indent="-182880" algn="l" defTabSz="914400" rtl="0" eaLnBrk="1" latinLnBrk="0" hangingPunct="1">
+              <a:lnSpc>
+                <a:spcPct val="90000"/>
+              </a:lnSpc>
+              <a:spcBef>
+                <a:spcPts val="250"/>
+              </a:spcBef>
+              <a:spcAft>
+                <a:spcPts val="250"/>
+              </a:spcAft>
+              <a:buClr>
+                <a:schemeClr val="accent1"/>
+              </a:buClr>
+              <a:buFont typeface="Wingdings 2" pitchFamily="18" charset="2"/>
+              <a:buChar char=""/>
+              <a:defRPr kumimoji="1" sz="1400" kern="1200">
+                <a:solidFill>
+                  <a:schemeClr val="tx1">
+                    <a:lumMod val="65000"/>
+                    <a:lumOff val="35000"/>
+                  </a:schemeClr>
+                </a:solidFill>
+                <a:latin typeface="+mn-lt"/>
+                <a:ea typeface="+mn-ea"/>
+                <a:cs typeface="+mn-cs"/>
+              </a:defRPr>
+            </a:lvl4pPr>
+            <a:lvl5pPr marL="2057400" indent="-182880" algn="l" defTabSz="914400" rtl="0" eaLnBrk="1" latinLnBrk="0" hangingPunct="1">
+              <a:lnSpc>
+                <a:spcPct val="90000"/>
+              </a:lnSpc>
+              <a:spcBef>
+                <a:spcPts val="250"/>
+              </a:spcBef>
+              <a:spcAft>
+                <a:spcPts val="250"/>
+              </a:spcAft>
+              <a:buClr>
+                <a:schemeClr val="accent1"/>
+              </a:buClr>
+              <a:buFont typeface="Wingdings 2" pitchFamily="18" charset="2"/>
+              <a:buChar char=""/>
+              <a:defRPr kumimoji="1" sz="1400" kern="1200">
+                <a:solidFill>
+                  <a:schemeClr val="tx1">
+                    <a:lumMod val="65000"/>
+                    <a:lumOff val="35000"/>
+                  </a:schemeClr>
+                </a:solidFill>
+                <a:latin typeface="+mn-lt"/>
+                <a:ea typeface="+mn-ea"/>
+                <a:cs typeface="+mn-cs"/>
+              </a:defRPr>
+            </a:lvl5pPr>
+            <a:lvl6pPr marL="2514600" indent="-228600" algn="l" defTabSz="914400" rtl="0" eaLnBrk="1" latinLnBrk="0" hangingPunct="1">
+              <a:lnSpc>
+                <a:spcPct val="90000"/>
+              </a:lnSpc>
+              <a:spcBef>
+                <a:spcPts val="250"/>
+              </a:spcBef>
+              <a:spcAft>
+                <a:spcPts val="250"/>
+              </a:spcAft>
+              <a:buClr>
+                <a:schemeClr val="accent1"/>
+              </a:buClr>
+              <a:buFont typeface="Wingdings 2" pitchFamily="18" charset="2"/>
+              <a:buChar char=""/>
+              <a:defRPr kumimoji="1" sz="1400" kern="1200">
+                <a:solidFill>
+                  <a:schemeClr val="tx1">
+                    <a:lumMod val="65000"/>
+                    <a:lumOff val="35000"/>
+                  </a:schemeClr>
+                </a:solidFill>
+                <a:latin typeface="+mn-lt"/>
+                <a:ea typeface="+mn-ea"/>
+                <a:cs typeface="+mn-cs"/>
+              </a:defRPr>
+            </a:lvl6pPr>
+            <a:lvl7pPr marL="2971800" indent="-228600" algn="l" defTabSz="914400" rtl="0" eaLnBrk="1" latinLnBrk="0" hangingPunct="1">
+              <a:lnSpc>
+                <a:spcPct val="90000"/>
+              </a:lnSpc>
+              <a:spcBef>
+                <a:spcPts val="250"/>
+              </a:spcBef>
+              <a:spcAft>
+                <a:spcPts val="250"/>
+              </a:spcAft>
+              <a:buClr>
+                <a:schemeClr val="accent1"/>
+              </a:buClr>
+              <a:buFont typeface="Wingdings 2" pitchFamily="18" charset="2"/>
+              <a:buChar char=""/>
+              <a:defRPr kumimoji="1" sz="1400" kern="1200">
+                <a:solidFill>
+                  <a:schemeClr val="tx1">
+                    <a:lumMod val="65000"/>
+                    <a:lumOff val="35000"/>
+                  </a:schemeClr>
+                </a:solidFill>
+                <a:latin typeface="+mn-lt"/>
+                <a:ea typeface="+mn-ea"/>
+                <a:cs typeface="+mn-cs"/>
+              </a:defRPr>
+            </a:lvl7pPr>
+            <a:lvl8pPr marL="3429000" indent="-228600" algn="l" defTabSz="914400" rtl="0" eaLnBrk="1" latinLnBrk="0" hangingPunct="1">
+              <a:lnSpc>
+                <a:spcPct val="90000"/>
+              </a:lnSpc>
+              <a:spcBef>
+                <a:spcPts val="250"/>
+              </a:spcBef>
+              <a:spcAft>
+                <a:spcPts val="250"/>
+              </a:spcAft>
+              <a:buClr>
+                <a:schemeClr val="accent1"/>
+              </a:buClr>
+              <a:buFont typeface="Wingdings 2" pitchFamily="18" charset="2"/>
+              <a:buChar char=""/>
+              <a:defRPr kumimoji="1" sz="1400" kern="1200">
+                <a:solidFill>
+                  <a:schemeClr val="tx1">
+                    <a:lumMod val="65000"/>
+                    <a:lumOff val="35000"/>
+                  </a:schemeClr>
+                </a:solidFill>
+                <a:latin typeface="+mn-lt"/>
+                <a:ea typeface="+mn-ea"/>
+                <a:cs typeface="+mn-cs"/>
+              </a:defRPr>
+            </a:lvl8pPr>
+            <a:lvl9pPr marL="3886200" indent="-228600" algn="l" defTabSz="914400" rtl="0" eaLnBrk="1" latinLnBrk="0" hangingPunct="1">
+              <a:lnSpc>
+                <a:spcPct val="90000"/>
+              </a:lnSpc>
+              <a:spcBef>
+                <a:spcPts val="250"/>
+              </a:spcBef>
+              <a:spcAft>
+                <a:spcPts val="250"/>
+              </a:spcAft>
+              <a:buClr>
+                <a:schemeClr val="accent1"/>
+              </a:buClr>
+              <a:buFont typeface="Wingdings 2" pitchFamily="18" charset="2"/>
+              <a:buChar char=""/>
+              <a:defRPr kumimoji="1" sz="1400" kern="1200">
+                <a:solidFill>
+                  <a:schemeClr val="tx1">
+                    <a:lumMod val="65000"/>
+                    <a:lumOff val="35000"/>
+                  </a:schemeClr>
+                </a:solidFill>
+                <a:latin typeface="+mn-lt"/>
+                <a:ea typeface="+mn-ea"/>
+                <a:cs typeface="+mn-cs"/>
+              </a:defRPr>
+            </a:lvl9pPr>
+          </a:lstStyle>
+          <a:p>
+            <a:pPr fontAlgn="base"/>
+            <a:r>
+              <a:rPr lang="ja-JP" altLang="en-US">
+                <a:latin typeface="Hiragino Kaku Gothic ProN W3" panose="020B0300000000000000" pitchFamily="34" charset="-128"/>
+                <a:ea typeface="Hiragino Kaku Gothic ProN W3" panose="020B0300000000000000" pitchFamily="34" charset="-128"/>
+              </a:rPr>
+              <a:t>あああ</a:t>
+            </a:r>
+          </a:p>
+        </p:txBody>
+      </p:sp>
+      <p:sp>
+        <p:nvSpPr>
+          <p:cNvPr id="6" name="タイトル 1">
+            <a:extLst>
+              <a:ext uri="{FF2B5EF4-FFF2-40B4-BE49-F238E27FC236}">
+                <a16:creationId xmlns:a16="http://schemas.microsoft.com/office/drawing/2014/main" id="{45A7B92C-AE3D-91D6-227C-099A94786625}"/>
+              </a:ext>
+            </a:extLst>
+          </p:cNvPr>
+          <p:cNvSpPr txBox="1">
+            <a:spLocks/>
+          </p:cNvSpPr>
+          <p:nvPr/>
+        </p:nvSpPr>
+        <p:spPr>
+          <a:xfrm>
+            <a:off x="252918" y="320508"/>
+            <a:ext cx="10015689" cy="771870"/>
+          </a:xfrm>
+          <a:prstGeom prst="rect">
+            <a:avLst/>
+          </a:prstGeom>
+        </p:spPr>
+        <p:txBody>
+          <a:bodyPr/>
+          <a:lstStyle>
+            <a:lvl1pPr algn="l" defTabSz="914400" rtl="0" eaLnBrk="1" latinLnBrk="0" hangingPunct="1">
+              <a:lnSpc>
+                <a:spcPct val="90000"/>
+              </a:lnSpc>
+              <a:spcBef>
+                <a:spcPct val="0"/>
+              </a:spcBef>
+              <a:buNone/>
+              <a:defRPr kumimoji="1" sz="3600" kern="1200" spc="-60" baseline="0">
+                <a:solidFill>
+                  <a:srgbClr val="FFFFFF"/>
+                </a:solidFill>
+                <a:latin typeface="+mj-lt"/>
+                <a:ea typeface="+mj-ea"/>
+                <a:cs typeface="+mj-cs"/>
+              </a:defRPr>
+            </a:lvl1pPr>
+          </a:lstStyle>
+          <a:p>
+            <a:r>
+              <a:rPr lang="ja-JP" altLang="en-US"/>
+              <a:t>②</a:t>
+            </a:r>
+            <a:r>
+              <a:rPr lang="ja-JP" altLang="en-US">
+                <a:latin typeface="Hiragino Kaku Gothic ProN W3" panose="020B0300000000000000" pitchFamily="34" charset="-128"/>
+                <a:ea typeface="Hiragino Kaku Gothic ProN W3" panose="020B0300000000000000" pitchFamily="34" charset="-128"/>
+              </a:rPr>
+              <a:t>システム利用者に合わせた教師データの作成</a:t>
+            </a:r>
+            <a:endParaRPr lang="en-US" altLang="ja-JP" dirty="0">
+              <a:latin typeface="Hiragino Kaku Gothic ProN W3" panose="020B0300000000000000" pitchFamily="34" charset="-128"/>
+              <a:ea typeface="Hiragino Kaku Gothic ProN W3" panose="020B0300000000000000" pitchFamily="34" charset="-128"/>
+            </a:endParaRPr>
+          </a:p>
+          <a:p>
+            <a:endParaRPr lang="ja-JP" altLang="en-US"/>
+          </a:p>
+        </p:txBody>
+      </p:sp>
+    </p:spTree>
+    <p:extLst>
+      <p:ext uri="{BB962C8B-B14F-4D97-AF65-F5344CB8AC3E}">
+        <p14:creationId xmlns:p14="http://schemas.microsoft.com/office/powerpoint/2010/main" val="824329744"/>
+      </p:ext>
+    </p:extLst>
+  </p:cSld>
+  <p:clrMapOvr>
+    <a:masterClrMapping/>
+  </p:clrMapOvr>
+</p:sld>
+</file>
+
+<file path=ppt/slides/slide22.xml><?xml version="1.0" encoding="utf-8"?>
+<p:sld xmlns:a="http://schemas.openxmlformats.org/drawingml/2006/main" xmlns:r="http://schemas.openxmlformats.org/officeDocument/2006/relationships" xmlns:p="http://schemas.openxmlformats.org/presentationml/2006/main">
+  <p:cSld>
+    <p:spTree>
+      <p:nvGrpSpPr>
+        <p:cNvPr id="1" name=""/>
+        <p:cNvGrpSpPr/>
+        <p:nvPr/>
+      </p:nvGrpSpPr>
+      <p:grpSpPr>
+        <a:xfrm>
+          <a:off x="0" y="0"/>
+          <a:ext cx="0" cy="0"/>
+          <a:chOff x="0" y="0"/>
+          <a:chExt cx="0" cy="0"/>
+        </a:xfrm>
+      </p:grpSpPr>
+      <p:sp>
+        <p:nvSpPr>
+          <p:cNvPr id="7" name="正方形/長方形 6">
+            <a:extLst>
+              <a:ext uri="{FF2B5EF4-FFF2-40B4-BE49-F238E27FC236}">
+                <a16:creationId xmlns:a16="http://schemas.microsoft.com/office/drawing/2014/main" id="{D98ECB46-E3D4-3A0B-1D69-28EB8A1887F1}"/>
+              </a:ext>
+            </a:extLst>
+          </p:cNvPr>
+          <p:cNvSpPr/>
+          <p:nvPr/>
+        </p:nvSpPr>
+        <p:spPr>
+          <a:xfrm>
+            <a:off x="0" y="-1"/>
+            <a:ext cx="12192000" cy="1077091"/>
+          </a:xfrm>
+          <a:prstGeom prst="rect">
+            <a:avLst/>
+          </a:prstGeom>
+          <a:ln>
+            <a:noFill/>
+          </a:ln>
+        </p:spPr>
+        <p:style>
+          <a:lnRef idx="2">
+            <a:schemeClr val="accent1">
+              <a:shade val="50000"/>
+            </a:schemeClr>
+          </a:lnRef>
+          <a:fillRef idx="1">
+            <a:schemeClr val="accent1"/>
+          </a:fillRef>
+          <a:effectRef idx="0">
+            <a:schemeClr val="accent1"/>
+          </a:effectRef>
+          <a:fontRef idx="minor">
+            <a:schemeClr val="lt1"/>
+          </a:fontRef>
+        </p:style>
+        <p:txBody>
+          <a:bodyPr rtlCol="0" anchor="ctr"/>
+          <a:lstStyle/>
+          <a:p>
+            <a:pPr algn="ctr"/>
+            <a:endParaRPr kumimoji="1" lang="ja-JP" altLang="en-US"/>
+          </a:p>
+        </p:txBody>
+      </p:sp>
+      <p:sp>
+        <p:nvSpPr>
+          <p:cNvPr id="5" name="コンテンツ プレースホルダー 2">
+            <a:extLst>
+              <a:ext uri="{FF2B5EF4-FFF2-40B4-BE49-F238E27FC236}">
+                <a16:creationId xmlns:a16="http://schemas.microsoft.com/office/drawing/2014/main" id="{B040927F-1E6A-C26C-3C46-978E4552B438}"/>
+              </a:ext>
+            </a:extLst>
+          </p:cNvPr>
+          <p:cNvSpPr txBox="1">
+            <a:spLocks/>
+          </p:cNvSpPr>
+          <p:nvPr/>
+        </p:nvSpPr>
+        <p:spPr>
+          <a:xfrm>
+            <a:off x="576043" y="1432140"/>
+            <a:ext cx="11039913" cy="5120640"/>
+          </a:xfrm>
+          <a:prstGeom prst="rect">
+            <a:avLst/>
+          </a:prstGeom>
+        </p:spPr>
+        <p:txBody>
+          <a:bodyPr/>
+          <a:lstStyle>
+            <a:lvl1pPr marL="182880" indent="-182880" algn="l" defTabSz="914400" rtl="0" eaLnBrk="1" latinLnBrk="0" hangingPunct="1">
+              <a:lnSpc>
+                <a:spcPct val="90000"/>
+              </a:lnSpc>
+              <a:spcBef>
+                <a:spcPts val="1200"/>
+              </a:spcBef>
+              <a:buClr>
+                <a:schemeClr val="accent1"/>
+              </a:buClr>
+              <a:buFont typeface="Wingdings 2" pitchFamily="18" charset="2"/>
+              <a:buChar char=""/>
+              <a:defRPr kumimoji="1" sz="2000" kern="1200">
+                <a:solidFill>
+                  <a:schemeClr val="tx1">
+                    <a:lumMod val="65000"/>
+                    <a:lumOff val="35000"/>
+                  </a:schemeClr>
+                </a:solidFill>
+                <a:latin typeface="+mn-lt"/>
+                <a:ea typeface="+mn-ea"/>
+                <a:cs typeface="+mn-cs"/>
+              </a:defRPr>
+            </a:lvl1pPr>
+            <a:lvl2pPr marL="685800" indent="-182880" algn="l" defTabSz="914400" rtl="0" eaLnBrk="1" latinLnBrk="0" hangingPunct="1">
+              <a:lnSpc>
+                <a:spcPct val="90000"/>
+              </a:lnSpc>
+              <a:spcBef>
+                <a:spcPts val="250"/>
+              </a:spcBef>
+              <a:spcAft>
+                <a:spcPts val="250"/>
+              </a:spcAft>
+              <a:buClr>
+                <a:schemeClr val="accent1"/>
+              </a:buClr>
+              <a:buFont typeface="Wingdings 2" pitchFamily="18" charset="2"/>
+              <a:buChar char=""/>
+              <a:defRPr kumimoji="1" sz="1800" kern="1200">
+                <a:solidFill>
+                  <a:schemeClr val="tx1">
+                    <a:lumMod val="65000"/>
+                    <a:lumOff val="35000"/>
+                  </a:schemeClr>
+                </a:solidFill>
+                <a:latin typeface="+mn-lt"/>
+                <a:ea typeface="+mn-ea"/>
+                <a:cs typeface="+mn-cs"/>
+              </a:defRPr>
+            </a:lvl2pPr>
+            <a:lvl3pPr marL="1143000" indent="-182880" algn="l" defTabSz="914400" rtl="0" eaLnBrk="1" latinLnBrk="0" hangingPunct="1">
+              <a:lnSpc>
+                <a:spcPct val="90000"/>
+              </a:lnSpc>
+              <a:spcBef>
+                <a:spcPts val="250"/>
+              </a:spcBef>
+              <a:spcAft>
+                <a:spcPts val="250"/>
+              </a:spcAft>
+              <a:buClr>
+                <a:schemeClr val="accent1"/>
+              </a:buClr>
+              <a:buFont typeface="Wingdings 2" pitchFamily="18" charset="2"/>
+              <a:buChar char=""/>
+              <a:defRPr kumimoji="1" sz="1600" kern="1200">
+                <a:solidFill>
+                  <a:schemeClr val="tx1">
+                    <a:lumMod val="65000"/>
+                    <a:lumOff val="35000"/>
+                  </a:schemeClr>
+                </a:solidFill>
+                <a:latin typeface="+mn-lt"/>
+                <a:ea typeface="+mn-ea"/>
+                <a:cs typeface="+mn-cs"/>
+              </a:defRPr>
+            </a:lvl3pPr>
+            <a:lvl4pPr marL="1600200" indent="-182880" algn="l" defTabSz="914400" rtl="0" eaLnBrk="1" latinLnBrk="0" hangingPunct="1">
+              <a:lnSpc>
+                <a:spcPct val="90000"/>
+              </a:lnSpc>
+              <a:spcBef>
+                <a:spcPts val="250"/>
+              </a:spcBef>
+              <a:spcAft>
+                <a:spcPts val="250"/>
+              </a:spcAft>
+              <a:buClr>
+                <a:schemeClr val="accent1"/>
+              </a:buClr>
+              <a:buFont typeface="Wingdings 2" pitchFamily="18" charset="2"/>
+              <a:buChar char=""/>
+              <a:defRPr kumimoji="1" sz="1400" kern="1200">
+                <a:solidFill>
+                  <a:schemeClr val="tx1">
+                    <a:lumMod val="65000"/>
+                    <a:lumOff val="35000"/>
+                  </a:schemeClr>
+                </a:solidFill>
+                <a:latin typeface="+mn-lt"/>
+                <a:ea typeface="+mn-ea"/>
+                <a:cs typeface="+mn-cs"/>
+              </a:defRPr>
+            </a:lvl4pPr>
+            <a:lvl5pPr marL="2057400" indent="-182880" algn="l" defTabSz="914400" rtl="0" eaLnBrk="1" latinLnBrk="0" hangingPunct="1">
+              <a:lnSpc>
+                <a:spcPct val="90000"/>
+              </a:lnSpc>
+              <a:spcBef>
+                <a:spcPts val="250"/>
+              </a:spcBef>
+              <a:spcAft>
+                <a:spcPts val="250"/>
+              </a:spcAft>
+              <a:buClr>
+                <a:schemeClr val="accent1"/>
+              </a:buClr>
+              <a:buFont typeface="Wingdings 2" pitchFamily="18" charset="2"/>
+              <a:buChar char=""/>
+              <a:defRPr kumimoji="1" sz="1400" kern="1200">
+                <a:solidFill>
+                  <a:schemeClr val="tx1">
+                    <a:lumMod val="65000"/>
+                    <a:lumOff val="35000"/>
+                  </a:schemeClr>
+                </a:solidFill>
+                <a:latin typeface="+mn-lt"/>
+                <a:ea typeface="+mn-ea"/>
+                <a:cs typeface="+mn-cs"/>
+              </a:defRPr>
+            </a:lvl5pPr>
+            <a:lvl6pPr marL="2514600" indent="-228600" algn="l" defTabSz="914400" rtl="0" eaLnBrk="1" latinLnBrk="0" hangingPunct="1">
+              <a:lnSpc>
+                <a:spcPct val="90000"/>
+              </a:lnSpc>
+              <a:spcBef>
+                <a:spcPts val="250"/>
+              </a:spcBef>
+              <a:spcAft>
+                <a:spcPts val="250"/>
+              </a:spcAft>
+              <a:buClr>
+                <a:schemeClr val="accent1"/>
+              </a:buClr>
+              <a:buFont typeface="Wingdings 2" pitchFamily="18" charset="2"/>
+              <a:buChar char=""/>
+              <a:defRPr kumimoji="1" sz="1400" kern="1200">
+                <a:solidFill>
+                  <a:schemeClr val="tx1">
+                    <a:lumMod val="65000"/>
+                    <a:lumOff val="35000"/>
+                  </a:schemeClr>
+                </a:solidFill>
+                <a:latin typeface="+mn-lt"/>
+                <a:ea typeface="+mn-ea"/>
+                <a:cs typeface="+mn-cs"/>
+              </a:defRPr>
+            </a:lvl6pPr>
+            <a:lvl7pPr marL="2971800" indent="-228600" algn="l" defTabSz="914400" rtl="0" eaLnBrk="1" latinLnBrk="0" hangingPunct="1">
+              <a:lnSpc>
+                <a:spcPct val="90000"/>
+              </a:lnSpc>
+              <a:spcBef>
+                <a:spcPts val="250"/>
+              </a:spcBef>
+              <a:spcAft>
+                <a:spcPts val="250"/>
+              </a:spcAft>
+              <a:buClr>
+                <a:schemeClr val="accent1"/>
+              </a:buClr>
+              <a:buFont typeface="Wingdings 2" pitchFamily="18" charset="2"/>
+              <a:buChar char=""/>
+              <a:defRPr kumimoji="1" sz="1400" kern="1200">
+                <a:solidFill>
+                  <a:schemeClr val="tx1">
+                    <a:lumMod val="65000"/>
+                    <a:lumOff val="35000"/>
+                  </a:schemeClr>
+                </a:solidFill>
+                <a:latin typeface="+mn-lt"/>
+                <a:ea typeface="+mn-ea"/>
+                <a:cs typeface="+mn-cs"/>
+              </a:defRPr>
+            </a:lvl7pPr>
+            <a:lvl8pPr marL="3429000" indent="-228600" algn="l" defTabSz="914400" rtl="0" eaLnBrk="1" latinLnBrk="0" hangingPunct="1">
+              <a:lnSpc>
+                <a:spcPct val="90000"/>
+              </a:lnSpc>
+              <a:spcBef>
+                <a:spcPts val="250"/>
+              </a:spcBef>
+              <a:spcAft>
+                <a:spcPts val="250"/>
+              </a:spcAft>
+              <a:buClr>
+                <a:schemeClr val="accent1"/>
+              </a:buClr>
+              <a:buFont typeface="Wingdings 2" pitchFamily="18" charset="2"/>
+              <a:buChar char=""/>
+              <a:defRPr kumimoji="1" sz="1400" kern="1200">
+                <a:solidFill>
+                  <a:schemeClr val="tx1">
+                    <a:lumMod val="65000"/>
+                    <a:lumOff val="35000"/>
+                  </a:schemeClr>
+                </a:solidFill>
+                <a:latin typeface="+mn-lt"/>
+                <a:ea typeface="+mn-ea"/>
+                <a:cs typeface="+mn-cs"/>
+              </a:defRPr>
+            </a:lvl8pPr>
+            <a:lvl9pPr marL="3886200" indent="-228600" algn="l" defTabSz="914400" rtl="0" eaLnBrk="1" latinLnBrk="0" hangingPunct="1">
+              <a:lnSpc>
+                <a:spcPct val="90000"/>
+              </a:lnSpc>
+              <a:spcBef>
+                <a:spcPts val="250"/>
+              </a:spcBef>
+              <a:spcAft>
+                <a:spcPts val="250"/>
+              </a:spcAft>
+              <a:buClr>
+                <a:schemeClr val="accent1"/>
+              </a:buClr>
+              <a:buFont typeface="Wingdings 2" pitchFamily="18" charset="2"/>
+              <a:buChar char=""/>
+              <a:defRPr kumimoji="1" sz="1400" kern="1200">
+                <a:solidFill>
+                  <a:schemeClr val="tx1">
+                    <a:lumMod val="65000"/>
+                    <a:lumOff val="35000"/>
+                  </a:schemeClr>
+                </a:solidFill>
+                <a:latin typeface="+mn-lt"/>
+                <a:ea typeface="+mn-ea"/>
+                <a:cs typeface="+mn-cs"/>
+              </a:defRPr>
+            </a:lvl9pPr>
+          </a:lstStyle>
+          <a:p>
+            <a:pPr fontAlgn="base"/>
+            <a:r>
+              <a:rPr lang="ja-JP" altLang="en-US">
+                <a:latin typeface="Hiragino Kaku Gothic ProN W3" panose="020B0300000000000000" pitchFamily="34" charset="-128"/>
+                <a:ea typeface="Hiragino Kaku Gothic ProN W3" panose="020B0300000000000000" pitchFamily="34" charset="-128"/>
+              </a:rPr>
+              <a:t>あああ</a:t>
+            </a:r>
+          </a:p>
+        </p:txBody>
+      </p:sp>
+      <p:sp>
+        <p:nvSpPr>
+          <p:cNvPr id="6" name="タイトル 1">
+            <a:extLst>
+              <a:ext uri="{FF2B5EF4-FFF2-40B4-BE49-F238E27FC236}">
+                <a16:creationId xmlns:a16="http://schemas.microsoft.com/office/drawing/2014/main" id="{45A7B92C-AE3D-91D6-227C-099A94786625}"/>
+              </a:ext>
+            </a:extLst>
+          </p:cNvPr>
+          <p:cNvSpPr txBox="1">
+            <a:spLocks/>
+          </p:cNvSpPr>
+          <p:nvPr/>
+        </p:nvSpPr>
+        <p:spPr>
+          <a:xfrm>
+            <a:off x="252918" y="320508"/>
+            <a:ext cx="5843081" cy="771870"/>
+          </a:xfrm>
+          <a:prstGeom prst="rect">
+            <a:avLst/>
+          </a:prstGeom>
+        </p:spPr>
+        <p:txBody>
+          <a:bodyPr/>
+          <a:lstStyle>
+            <a:lvl1pPr algn="l" defTabSz="914400" rtl="0" eaLnBrk="1" latinLnBrk="0" hangingPunct="1">
+              <a:lnSpc>
+                <a:spcPct val="90000"/>
+              </a:lnSpc>
+              <a:spcBef>
+                <a:spcPct val="0"/>
+              </a:spcBef>
+              <a:buNone/>
+              <a:defRPr kumimoji="1" sz="3600" kern="1200" spc="-60" baseline="0">
+                <a:solidFill>
+                  <a:srgbClr val="FFFFFF"/>
+                </a:solidFill>
+                <a:latin typeface="+mj-lt"/>
+                <a:ea typeface="+mj-ea"/>
+                <a:cs typeface="+mj-cs"/>
+              </a:defRPr>
+            </a:lvl1pPr>
+          </a:lstStyle>
+          <a:p>
+            <a:r>
+              <a:rPr lang="ja-JP" altLang="en-US"/>
+              <a:t>③</a:t>
+            </a:r>
+            <a:r>
+              <a:rPr lang="ja-JP" altLang="en-US">
+                <a:latin typeface="Hiragino Kaku Gothic ProN W3" panose="020B0300000000000000" pitchFamily="34" charset="-128"/>
+                <a:ea typeface="Hiragino Kaku Gothic ProN W3" panose="020B0300000000000000" pitchFamily="34" charset="-128"/>
+              </a:rPr>
+              <a:t>教師データの質の向上</a:t>
+            </a:r>
+            <a:endParaRPr lang="en-US" altLang="ja-JP" dirty="0">
+              <a:latin typeface="Hiragino Kaku Gothic ProN W3" panose="020B0300000000000000" pitchFamily="34" charset="-128"/>
+              <a:ea typeface="Hiragino Kaku Gothic ProN W3" panose="020B0300000000000000" pitchFamily="34" charset="-128"/>
+            </a:endParaRPr>
+          </a:p>
+        </p:txBody>
+      </p:sp>
+    </p:spTree>
+    <p:extLst>
+      <p:ext uri="{BB962C8B-B14F-4D97-AF65-F5344CB8AC3E}">
+        <p14:creationId xmlns:p14="http://schemas.microsoft.com/office/powerpoint/2010/main" val="3405429668"/>
+      </p:ext>
+    </p:extLst>
+  </p:cSld>
+  <p:clrMapOvr>
+    <a:masterClrMapping/>
+  </p:clrMapOvr>
+</p:sld>
+</file>
+
+<file path=ppt/slides/slide23.xml><?xml version="1.0" encoding="utf-8"?>
+<p:sld xmlns:a="http://schemas.openxmlformats.org/drawingml/2006/main" xmlns:r="http://schemas.openxmlformats.org/officeDocument/2006/relationships" xmlns:p="http://schemas.openxmlformats.org/presentationml/2006/main">
+  <p:cSld>
+    <p:spTree>
+      <p:nvGrpSpPr>
+        <p:cNvPr id="1" name=""/>
+        <p:cNvGrpSpPr/>
+        <p:nvPr/>
+      </p:nvGrpSpPr>
+      <p:grpSpPr>
+        <a:xfrm>
+          <a:off x="0" y="0"/>
+          <a:ext cx="0" cy="0"/>
+          <a:chOff x="0" y="0"/>
+          <a:chExt cx="0" cy="0"/>
+        </a:xfrm>
+      </p:grpSpPr>
+      <p:sp>
+        <p:nvSpPr>
+          <p:cNvPr id="7" name="正方形/長方形 6">
+            <a:extLst>
+              <a:ext uri="{FF2B5EF4-FFF2-40B4-BE49-F238E27FC236}">
+                <a16:creationId xmlns:a16="http://schemas.microsoft.com/office/drawing/2014/main" id="{D98ECB46-E3D4-3A0B-1D69-28EB8A1887F1}"/>
+              </a:ext>
+            </a:extLst>
+          </p:cNvPr>
+          <p:cNvSpPr/>
+          <p:nvPr/>
+        </p:nvSpPr>
+        <p:spPr>
+          <a:xfrm>
+            <a:off x="0" y="-1"/>
+            <a:ext cx="12192000" cy="1077091"/>
+          </a:xfrm>
+          <a:prstGeom prst="rect">
+            <a:avLst/>
+          </a:prstGeom>
+          <a:ln>
+            <a:noFill/>
+          </a:ln>
+        </p:spPr>
+        <p:style>
+          <a:lnRef idx="2">
+            <a:schemeClr val="accent1">
+              <a:shade val="50000"/>
+            </a:schemeClr>
+          </a:lnRef>
+          <a:fillRef idx="1">
+            <a:schemeClr val="accent1"/>
+          </a:fillRef>
+          <a:effectRef idx="0">
+            <a:schemeClr val="accent1"/>
+          </a:effectRef>
+          <a:fontRef idx="minor">
+            <a:schemeClr val="lt1"/>
+          </a:fontRef>
+        </p:style>
+        <p:txBody>
+          <a:bodyPr rtlCol="0" anchor="ctr"/>
+          <a:lstStyle/>
+          <a:p>
+            <a:pPr algn="ctr"/>
+            <a:endParaRPr kumimoji="1" lang="ja-JP" altLang="en-US"/>
+          </a:p>
+        </p:txBody>
+      </p:sp>
+      <p:sp>
+        <p:nvSpPr>
+          <p:cNvPr id="5" name="コンテンツ プレースホルダー 2">
+            <a:extLst>
+              <a:ext uri="{FF2B5EF4-FFF2-40B4-BE49-F238E27FC236}">
+                <a16:creationId xmlns:a16="http://schemas.microsoft.com/office/drawing/2014/main" id="{B040927F-1E6A-C26C-3C46-978E4552B438}"/>
+              </a:ext>
+            </a:extLst>
+          </p:cNvPr>
+          <p:cNvSpPr txBox="1">
+            <a:spLocks/>
+          </p:cNvSpPr>
+          <p:nvPr/>
+        </p:nvSpPr>
+        <p:spPr>
+          <a:xfrm>
+            <a:off x="576043" y="1432140"/>
+            <a:ext cx="11039913" cy="5120640"/>
+          </a:xfrm>
+          <a:prstGeom prst="rect">
+            <a:avLst/>
+          </a:prstGeom>
+        </p:spPr>
+        <p:txBody>
+          <a:bodyPr/>
+          <a:lstStyle>
+            <a:lvl1pPr marL="182880" indent="-182880" algn="l" defTabSz="914400" rtl="0" eaLnBrk="1" latinLnBrk="0" hangingPunct="1">
+              <a:lnSpc>
+                <a:spcPct val="90000"/>
+              </a:lnSpc>
+              <a:spcBef>
+                <a:spcPts val="1200"/>
+              </a:spcBef>
+              <a:buClr>
+                <a:schemeClr val="accent1"/>
+              </a:buClr>
+              <a:buFont typeface="Wingdings 2" pitchFamily="18" charset="2"/>
+              <a:buChar char=""/>
+              <a:defRPr kumimoji="1" sz="2000" kern="1200">
+                <a:solidFill>
+                  <a:schemeClr val="tx1">
+                    <a:lumMod val="65000"/>
+                    <a:lumOff val="35000"/>
+                  </a:schemeClr>
+                </a:solidFill>
+                <a:latin typeface="+mn-lt"/>
+                <a:ea typeface="+mn-ea"/>
+                <a:cs typeface="+mn-cs"/>
+              </a:defRPr>
+            </a:lvl1pPr>
+            <a:lvl2pPr marL="685800" indent="-182880" algn="l" defTabSz="914400" rtl="0" eaLnBrk="1" latinLnBrk="0" hangingPunct="1">
+              <a:lnSpc>
+                <a:spcPct val="90000"/>
+              </a:lnSpc>
+              <a:spcBef>
+                <a:spcPts val="250"/>
+              </a:spcBef>
+              <a:spcAft>
+                <a:spcPts val="250"/>
+              </a:spcAft>
+              <a:buClr>
+                <a:schemeClr val="accent1"/>
+              </a:buClr>
+              <a:buFont typeface="Wingdings 2" pitchFamily="18" charset="2"/>
+              <a:buChar char=""/>
+              <a:defRPr kumimoji="1" sz="1800" kern="1200">
+                <a:solidFill>
+                  <a:schemeClr val="tx1">
+                    <a:lumMod val="65000"/>
+                    <a:lumOff val="35000"/>
+                  </a:schemeClr>
+                </a:solidFill>
+                <a:latin typeface="+mn-lt"/>
+                <a:ea typeface="+mn-ea"/>
+                <a:cs typeface="+mn-cs"/>
+              </a:defRPr>
+            </a:lvl2pPr>
+            <a:lvl3pPr marL="1143000" indent="-182880" algn="l" defTabSz="914400" rtl="0" eaLnBrk="1" latinLnBrk="0" hangingPunct="1">
+              <a:lnSpc>
+                <a:spcPct val="90000"/>
+              </a:lnSpc>
+              <a:spcBef>
+                <a:spcPts val="250"/>
+              </a:spcBef>
+              <a:spcAft>
+                <a:spcPts val="250"/>
+              </a:spcAft>
+              <a:buClr>
+                <a:schemeClr val="accent1"/>
+              </a:buClr>
+              <a:buFont typeface="Wingdings 2" pitchFamily="18" charset="2"/>
+              <a:buChar char=""/>
+              <a:defRPr kumimoji="1" sz="1600" kern="1200">
+                <a:solidFill>
+                  <a:schemeClr val="tx1">
+                    <a:lumMod val="65000"/>
+                    <a:lumOff val="35000"/>
+                  </a:schemeClr>
+                </a:solidFill>
+                <a:latin typeface="+mn-lt"/>
+                <a:ea typeface="+mn-ea"/>
+                <a:cs typeface="+mn-cs"/>
+              </a:defRPr>
+            </a:lvl3pPr>
+            <a:lvl4pPr marL="1600200" indent="-182880" algn="l" defTabSz="914400" rtl="0" eaLnBrk="1" latinLnBrk="0" hangingPunct="1">
+              <a:lnSpc>
+                <a:spcPct val="90000"/>
+              </a:lnSpc>
+              <a:spcBef>
+                <a:spcPts val="250"/>
+              </a:spcBef>
+              <a:spcAft>
+                <a:spcPts val="250"/>
+              </a:spcAft>
+              <a:buClr>
+                <a:schemeClr val="accent1"/>
+              </a:buClr>
+              <a:buFont typeface="Wingdings 2" pitchFamily="18" charset="2"/>
+              <a:buChar char=""/>
+              <a:defRPr kumimoji="1" sz="1400" kern="1200">
+                <a:solidFill>
+                  <a:schemeClr val="tx1">
+                    <a:lumMod val="65000"/>
+                    <a:lumOff val="35000"/>
+                  </a:schemeClr>
+                </a:solidFill>
+                <a:latin typeface="+mn-lt"/>
+                <a:ea typeface="+mn-ea"/>
+                <a:cs typeface="+mn-cs"/>
+              </a:defRPr>
+            </a:lvl4pPr>
+            <a:lvl5pPr marL="2057400" indent="-182880" algn="l" defTabSz="914400" rtl="0" eaLnBrk="1" latinLnBrk="0" hangingPunct="1">
+              <a:lnSpc>
+                <a:spcPct val="90000"/>
+              </a:lnSpc>
+              <a:spcBef>
+                <a:spcPts val="250"/>
+              </a:spcBef>
+              <a:spcAft>
+                <a:spcPts val="250"/>
+              </a:spcAft>
+              <a:buClr>
+                <a:schemeClr val="accent1"/>
+              </a:buClr>
+              <a:buFont typeface="Wingdings 2" pitchFamily="18" charset="2"/>
+              <a:buChar char=""/>
+              <a:defRPr kumimoji="1" sz="1400" kern="1200">
+                <a:solidFill>
+                  <a:schemeClr val="tx1">
+                    <a:lumMod val="65000"/>
+                    <a:lumOff val="35000"/>
+                  </a:schemeClr>
+                </a:solidFill>
+                <a:latin typeface="+mn-lt"/>
+                <a:ea typeface="+mn-ea"/>
+                <a:cs typeface="+mn-cs"/>
+              </a:defRPr>
+            </a:lvl5pPr>
+            <a:lvl6pPr marL="2514600" indent="-228600" algn="l" defTabSz="914400" rtl="0" eaLnBrk="1" latinLnBrk="0" hangingPunct="1">
+              <a:lnSpc>
+                <a:spcPct val="90000"/>
+              </a:lnSpc>
+              <a:spcBef>
+                <a:spcPts val="250"/>
+              </a:spcBef>
+              <a:spcAft>
+                <a:spcPts val="250"/>
+              </a:spcAft>
+              <a:buClr>
+                <a:schemeClr val="accent1"/>
+              </a:buClr>
+              <a:buFont typeface="Wingdings 2" pitchFamily="18" charset="2"/>
+              <a:buChar char=""/>
+              <a:defRPr kumimoji="1" sz="1400" kern="1200">
+                <a:solidFill>
+                  <a:schemeClr val="tx1">
+                    <a:lumMod val="65000"/>
+                    <a:lumOff val="35000"/>
+                  </a:schemeClr>
+                </a:solidFill>
+                <a:latin typeface="+mn-lt"/>
+                <a:ea typeface="+mn-ea"/>
+                <a:cs typeface="+mn-cs"/>
+              </a:defRPr>
+            </a:lvl6pPr>
+            <a:lvl7pPr marL="2971800" indent="-228600" algn="l" defTabSz="914400" rtl="0" eaLnBrk="1" latinLnBrk="0" hangingPunct="1">
+              <a:lnSpc>
+                <a:spcPct val="90000"/>
+              </a:lnSpc>
+              <a:spcBef>
+                <a:spcPts val="250"/>
+              </a:spcBef>
+              <a:spcAft>
+                <a:spcPts val="250"/>
+              </a:spcAft>
+              <a:buClr>
+                <a:schemeClr val="accent1"/>
+              </a:buClr>
+              <a:buFont typeface="Wingdings 2" pitchFamily="18" charset="2"/>
+              <a:buChar char=""/>
+              <a:defRPr kumimoji="1" sz="1400" kern="1200">
+                <a:solidFill>
+                  <a:schemeClr val="tx1">
+                    <a:lumMod val="65000"/>
+                    <a:lumOff val="35000"/>
+                  </a:schemeClr>
+                </a:solidFill>
+                <a:latin typeface="+mn-lt"/>
+                <a:ea typeface="+mn-ea"/>
+                <a:cs typeface="+mn-cs"/>
+              </a:defRPr>
+            </a:lvl7pPr>
+            <a:lvl8pPr marL="3429000" indent="-228600" algn="l" defTabSz="914400" rtl="0" eaLnBrk="1" latinLnBrk="0" hangingPunct="1">
+              <a:lnSpc>
+                <a:spcPct val="90000"/>
+              </a:lnSpc>
+              <a:spcBef>
+                <a:spcPts val="250"/>
+              </a:spcBef>
+              <a:spcAft>
+                <a:spcPts val="250"/>
+              </a:spcAft>
+              <a:buClr>
+                <a:schemeClr val="accent1"/>
+              </a:buClr>
+              <a:buFont typeface="Wingdings 2" pitchFamily="18" charset="2"/>
+              <a:buChar char=""/>
+              <a:defRPr kumimoji="1" sz="1400" kern="1200">
+                <a:solidFill>
+                  <a:schemeClr val="tx1">
+                    <a:lumMod val="65000"/>
+                    <a:lumOff val="35000"/>
+                  </a:schemeClr>
+                </a:solidFill>
+                <a:latin typeface="+mn-lt"/>
+                <a:ea typeface="+mn-ea"/>
+                <a:cs typeface="+mn-cs"/>
+              </a:defRPr>
+            </a:lvl8pPr>
+            <a:lvl9pPr marL="3886200" indent="-228600" algn="l" defTabSz="914400" rtl="0" eaLnBrk="1" latinLnBrk="0" hangingPunct="1">
+              <a:lnSpc>
+                <a:spcPct val="90000"/>
+              </a:lnSpc>
+              <a:spcBef>
+                <a:spcPts val="250"/>
+              </a:spcBef>
+              <a:spcAft>
+                <a:spcPts val="250"/>
+              </a:spcAft>
+              <a:buClr>
+                <a:schemeClr val="accent1"/>
+              </a:buClr>
+              <a:buFont typeface="Wingdings 2" pitchFamily="18" charset="2"/>
+              <a:buChar char=""/>
+              <a:defRPr kumimoji="1" sz="1400" kern="1200">
+                <a:solidFill>
+                  <a:schemeClr val="tx1">
+                    <a:lumMod val="65000"/>
+                    <a:lumOff val="35000"/>
+                  </a:schemeClr>
+                </a:solidFill>
+                <a:latin typeface="+mn-lt"/>
+                <a:ea typeface="+mn-ea"/>
+                <a:cs typeface="+mn-cs"/>
+              </a:defRPr>
+            </a:lvl9pPr>
+          </a:lstStyle>
+          <a:p>
+            <a:pPr fontAlgn="base"/>
+            <a:r>
+              <a:rPr lang="ja-JP" altLang="en-US">
+                <a:latin typeface="Hiragino Kaku Gothic ProN W3" panose="020B0300000000000000" pitchFamily="34" charset="-128"/>
+                <a:ea typeface="Hiragino Kaku Gothic ProN W3" panose="020B0300000000000000" pitchFamily="34" charset="-128"/>
+              </a:rPr>
+              <a:t>あああ</a:t>
+            </a:r>
+          </a:p>
+        </p:txBody>
+      </p:sp>
+      <p:sp>
+        <p:nvSpPr>
+          <p:cNvPr id="6" name="タイトル 1">
+            <a:extLst>
+              <a:ext uri="{FF2B5EF4-FFF2-40B4-BE49-F238E27FC236}">
+                <a16:creationId xmlns:a16="http://schemas.microsoft.com/office/drawing/2014/main" id="{45A7B92C-AE3D-91D6-227C-099A94786625}"/>
+              </a:ext>
+            </a:extLst>
+          </p:cNvPr>
+          <p:cNvSpPr txBox="1">
+            <a:spLocks/>
+          </p:cNvSpPr>
+          <p:nvPr/>
+        </p:nvSpPr>
+        <p:spPr>
+          <a:xfrm>
+            <a:off x="252918" y="320508"/>
+            <a:ext cx="11939082" cy="771870"/>
+          </a:xfrm>
+          <a:prstGeom prst="rect">
+            <a:avLst/>
+          </a:prstGeom>
+        </p:spPr>
+        <p:txBody>
+          <a:bodyPr/>
+          <a:lstStyle>
+            <a:lvl1pPr algn="l" defTabSz="914400" rtl="0" eaLnBrk="1" latinLnBrk="0" hangingPunct="1">
+              <a:lnSpc>
+                <a:spcPct val="90000"/>
+              </a:lnSpc>
+              <a:spcBef>
+                <a:spcPct val="0"/>
+              </a:spcBef>
+              <a:buNone/>
+              <a:defRPr kumimoji="1" sz="3600" kern="1200" spc="-60" baseline="0">
+                <a:solidFill>
+                  <a:srgbClr val="FFFFFF"/>
+                </a:solidFill>
+                <a:latin typeface="+mj-lt"/>
+                <a:ea typeface="+mj-ea"/>
+                <a:cs typeface="+mj-cs"/>
+              </a:defRPr>
+            </a:lvl1pPr>
+          </a:lstStyle>
+          <a:p>
+            <a:r>
+              <a:rPr lang="ja-JP" altLang="en-US"/>
+              <a:t>④</a:t>
+            </a:r>
+            <a:r>
+              <a:rPr lang="ja-JP" altLang="en-US">
+                <a:latin typeface="Hiragino Kaku Gothic ProN W3" panose="020B0300000000000000" pitchFamily="34" charset="-128"/>
+                <a:ea typeface="Hiragino Kaku Gothic ProN W3" panose="020B0300000000000000" pitchFamily="34" charset="-128"/>
+              </a:rPr>
+              <a:t>被験者実験での効果の検証と、アプトプットの形の検討</a:t>
+            </a:r>
+          </a:p>
+          <a:p>
+            <a:endParaRPr lang="ja-JP" altLang="en-US"/>
+          </a:p>
+        </p:txBody>
+      </p:sp>
+    </p:spTree>
+    <p:extLst>
+      <p:ext uri="{BB962C8B-B14F-4D97-AF65-F5344CB8AC3E}">
+        <p14:creationId xmlns:p14="http://schemas.microsoft.com/office/powerpoint/2010/main" val="2819782249"/>
+      </p:ext>
+    </p:extLst>
+  </p:cSld>
+  <p:clrMapOvr>
+    <a:masterClrMapping/>
+  </p:clrMapOvr>
+</p:sld>
+</file>
+
+<file path=ppt/slides/slide24.xml><?xml version="1.0" encoding="utf-8"?>
 <p:sld xmlns:a="http://schemas.openxmlformats.org/drawingml/2006/main" xmlns:r="http://schemas.openxmlformats.org/officeDocument/2006/relationships" xmlns:p="http://schemas.openxmlformats.org/presentationml/2006/main" show="0">
   <p:cSld>
     <p:spTree>
@@ -9915,7 +13491,7 @@
 </p:sld>
 </file>
 
-<file path=ppt/slides/slide21.xml><?xml version="1.0" encoding="utf-8"?>
+<file path=ppt/slides/slide25.xml><?xml version="1.0" encoding="utf-8"?>
 <p:sld xmlns:a="http://schemas.openxmlformats.org/drawingml/2006/main" xmlns:r="http://schemas.openxmlformats.org/officeDocument/2006/relationships" xmlns:p="http://schemas.openxmlformats.org/presentationml/2006/main" show="0">
   <p:cSld>
     <p:spTree>
@@ -11663,8 +15239,8 @@
         </p:nvSpPr>
         <p:spPr>
           <a:xfrm>
-            <a:off x="7262648" y="1584540"/>
-            <a:ext cx="4505708" cy="5120640"/>
+            <a:off x="7168056" y="1584540"/>
+            <a:ext cx="4708635" cy="5120640"/>
           </a:xfrm>
           <a:prstGeom prst="rect">
             <a:avLst/>
@@ -12001,7 +15577,7 @@
                 <a:latin typeface="Hiragino Kaku Gothic ProN W3" panose="020B0300000000000000" pitchFamily="34" charset="-128"/>
                 <a:ea typeface="Hiragino Kaku Gothic ProN W3" panose="020B0300000000000000" pitchFamily="34" charset="-128"/>
               </a:rPr>
-              <a:t>の「似合い度を商品選びの参考にする」というところから着想を得ている </a:t>
+              <a:t>の「似合っているかどうかを人工知能に判定させる」というところから着想を得ている </a:t>
             </a:r>
           </a:p>
         </p:txBody>
@@ -14610,7 +18186,7 @@
         </p:nvSpPr>
         <p:spPr>
           <a:xfrm>
-            <a:off x="576043" y="1432140"/>
+            <a:off x="576043" y="1348060"/>
             <a:ext cx="11039913" cy="686592"/>
           </a:xfrm>
           <a:prstGeom prst="rect">
@@ -14948,7 +18524,7 @@
         </p:nvSpPr>
         <p:spPr>
           <a:xfrm>
-            <a:off x="2088891" y="2701383"/>
+            <a:off x="2088891" y="1976174"/>
             <a:ext cx="2118731" cy="1455234"/>
           </a:xfrm>
           <a:prstGeom prst="rect">
@@ -15005,7 +18581,7 @@
         </p:nvSpPr>
         <p:spPr>
           <a:xfrm>
-            <a:off x="5036633" y="2701383"/>
+            <a:off x="5036633" y="1976174"/>
             <a:ext cx="2118731" cy="1455234"/>
           </a:xfrm>
           <a:prstGeom prst="rect">
@@ -15062,7 +18638,7 @@
         </p:nvSpPr>
         <p:spPr>
           <a:xfrm>
-            <a:off x="7984375" y="2701383"/>
+            <a:off x="7984375" y="1976174"/>
             <a:ext cx="2118731" cy="1455234"/>
           </a:xfrm>
           <a:prstGeom prst="rect">
@@ -15127,7 +18703,7 @@
         </p:nvSpPr>
         <p:spPr>
           <a:xfrm>
-            <a:off x="5036633" y="4724979"/>
+            <a:off x="5036633" y="3999770"/>
             <a:ext cx="2118731" cy="1455234"/>
           </a:xfrm>
           <a:prstGeom prst="rect">
@@ -15176,7 +18752,7 @@
         </p:nvCxnSpPr>
         <p:spPr>
           <a:xfrm>
-            <a:off x="4382429" y="3429000"/>
+            <a:off x="4382429" y="2703791"/>
             <a:ext cx="501805" cy="0"/>
           </a:xfrm>
           <a:prstGeom prst="straightConnector1">
@@ -15215,7 +18791,7 @@
         </p:nvCxnSpPr>
         <p:spPr>
           <a:xfrm>
-            <a:off x="7344936" y="3419707"/>
+            <a:off x="7344936" y="2694498"/>
             <a:ext cx="501805" cy="0"/>
           </a:xfrm>
           <a:prstGeom prst="straightConnector1">
@@ -15256,7 +18832,7 @@
         </p:nvCxnSpPr>
         <p:spPr>
           <a:xfrm flipH="1" flipV="1">
-            <a:off x="6092281" y="4263307"/>
+            <a:off x="6092281" y="3538098"/>
             <a:ext cx="3717" cy="354981"/>
           </a:xfrm>
           <a:prstGeom prst="straightConnector1">
@@ -15281,6 +18857,241 @@
           </a:fontRef>
         </p:style>
       </p:cxnSp>
+      <p:pic>
+        <p:nvPicPr>
+          <p:cNvPr id="13" name="図 12">
+            <a:extLst>
+              <a:ext uri="{FF2B5EF4-FFF2-40B4-BE49-F238E27FC236}">
+                <a16:creationId xmlns:a16="http://schemas.microsoft.com/office/drawing/2014/main" id="{D1B4C338-9EB2-BCC7-D87E-CEDB19ACF15E}"/>
+              </a:ext>
+            </a:extLst>
+          </p:cNvPr>
+          <p:cNvPicPr>
+            <a:picLocks noChangeAspect="1"/>
+          </p:cNvPicPr>
+          <p:nvPr/>
+        </p:nvPicPr>
+        <p:blipFill rotWithShape="1">
+          <a:blip r:embed="rId2"/>
+          <a:srcRect t="15706" b="9732"/>
+          <a:stretch/>
+        </p:blipFill>
+        <p:spPr>
+          <a:xfrm>
+            <a:off x="1066483" y="1976174"/>
+            <a:ext cx="832836" cy="1455234"/>
+          </a:xfrm>
+          <a:prstGeom prst="rect">
+            <a:avLst/>
+          </a:prstGeom>
+        </p:spPr>
+      </p:pic>
+      <p:sp>
+        <p:nvSpPr>
+          <p:cNvPr id="15" name="テキスト ボックス 14">
+            <a:extLst>
+              <a:ext uri="{FF2B5EF4-FFF2-40B4-BE49-F238E27FC236}">
+                <a16:creationId xmlns:a16="http://schemas.microsoft.com/office/drawing/2014/main" id="{DC9C57B9-AC76-95E1-9C8D-FEA60F12F168}"/>
+              </a:ext>
+            </a:extLst>
+          </p:cNvPr>
+          <p:cNvSpPr txBox="1"/>
+          <p:nvPr/>
+        </p:nvSpPr>
+        <p:spPr>
+          <a:xfrm>
+            <a:off x="10240740" y="2692744"/>
+            <a:ext cx="1051034" cy="738664"/>
+          </a:xfrm>
+          <a:prstGeom prst="rect">
+            <a:avLst/>
+          </a:prstGeom>
+          <a:noFill/>
+        </p:spPr>
+        <p:txBody>
+          <a:bodyPr wrap="square" rtlCol="0">
+            <a:spAutoFit/>
+          </a:bodyPr>
+          <a:lstStyle/>
+          <a:p>
+            <a:r>
+              <a:rPr kumimoji="1" lang="en-US" altLang="ja-JP" sz="1400" dirty="0">
+                <a:solidFill>
+                  <a:schemeClr val="tx2"/>
+                </a:solidFill>
+                <a:latin typeface="Hiragino Kaku Gothic ProN W3" panose="020B0300000000000000" pitchFamily="34" charset="-128"/>
+                <a:ea typeface="Hiragino Kaku Gothic ProN W3" panose="020B0300000000000000" pitchFamily="34" charset="-128"/>
+              </a:rPr>
+              <a:t>R : 243</a:t>
+            </a:r>
+          </a:p>
+          <a:p>
+            <a:r>
+              <a:rPr kumimoji="1" lang="en-US" altLang="ja-JP" sz="1400" dirty="0">
+                <a:solidFill>
+                  <a:schemeClr val="tx2"/>
+                </a:solidFill>
+                <a:latin typeface="Hiragino Kaku Gothic ProN W3" panose="020B0300000000000000" pitchFamily="34" charset="-128"/>
+                <a:ea typeface="Hiragino Kaku Gothic ProN W3" panose="020B0300000000000000" pitchFamily="34" charset="-128"/>
+              </a:rPr>
+              <a:t>G : 132</a:t>
+            </a:r>
+          </a:p>
+          <a:p>
+            <a:r>
+              <a:rPr kumimoji="1" lang="en-US" altLang="ja-JP" sz="1400" dirty="0">
+                <a:solidFill>
+                  <a:schemeClr val="tx2"/>
+                </a:solidFill>
+                <a:latin typeface="Hiragino Kaku Gothic ProN W3" panose="020B0300000000000000" pitchFamily="34" charset="-128"/>
+                <a:ea typeface="Hiragino Kaku Gothic ProN W3" panose="020B0300000000000000" pitchFamily="34" charset="-128"/>
+              </a:rPr>
+              <a:t>B : 128</a:t>
+            </a:r>
+            <a:endParaRPr kumimoji="1" lang="ja-JP" altLang="en-US" sz="1400">
+              <a:solidFill>
+                <a:schemeClr val="tx2"/>
+              </a:solidFill>
+              <a:latin typeface="Hiragino Kaku Gothic ProN W3" panose="020B0300000000000000" pitchFamily="34" charset="-128"/>
+              <a:ea typeface="Hiragino Kaku Gothic ProN W3" panose="020B0300000000000000" pitchFamily="34" charset="-128"/>
+            </a:endParaRPr>
+          </a:p>
+        </p:txBody>
+      </p:sp>
+      <p:pic>
+        <p:nvPicPr>
+          <p:cNvPr id="16" name="図 15">
+            <a:extLst>
+              <a:ext uri="{FF2B5EF4-FFF2-40B4-BE49-F238E27FC236}">
+                <a16:creationId xmlns:a16="http://schemas.microsoft.com/office/drawing/2014/main" id="{B278FE40-EDCC-1D2F-C945-FC6833F51B12}"/>
+              </a:ext>
+            </a:extLst>
+          </p:cNvPr>
+          <p:cNvPicPr>
+            <a:picLocks noChangeAspect="1"/>
+          </p:cNvPicPr>
+          <p:nvPr/>
+        </p:nvPicPr>
+        <p:blipFill>
+          <a:blip r:embed="rId3"/>
+          <a:stretch>
+            <a:fillRect/>
+          </a:stretch>
+        </p:blipFill>
+        <p:spPr>
+          <a:xfrm>
+            <a:off x="5119126" y="5582715"/>
+            <a:ext cx="1095476" cy="1095476"/>
+          </a:xfrm>
+          <a:prstGeom prst="rect">
+            <a:avLst/>
+          </a:prstGeom>
+        </p:spPr>
+      </p:pic>
+      <p:sp>
+        <p:nvSpPr>
+          <p:cNvPr id="17" name="正方形/長方形 16">
+            <a:extLst>
+              <a:ext uri="{FF2B5EF4-FFF2-40B4-BE49-F238E27FC236}">
+                <a16:creationId xmlns:a16="http://schemas.microsoft.com/office/drawing/2014/main" id="{635E616B-1BEC-31B7-7261-D92B731CC4B8}"/>
+              </a:ext>
+            </a:extLst>
+          </p:cNvPr>
+          <p:cNvSpPr/>
+          <p:nvPr/>
+        </p:nvSpPr>
+        <p:spPr>
+          <a:xfrm>
+            <a:off x="6367088" y="5792589"/>
+            <a:ext cx="704193" cy="675728"/>
+          </a:xfrm>
+          <a:prstGeom prst="rect">
+            <a:avLst/>
+          </a:prstGeom>
+          <a:solidFill>
+            <a:srgbClr val="E6886E"/>
+          </a:solidFill>
+          <a:ln>
+            <a:noFill/>
+          </a:ln>
+        </p:spPr>
+        <p:style>
+          <a:lnRef idx="2">
+            <a:schemeClr val="accent1">
+              <a:shade val="15000"/>
+            </a:schemeClr>
+          </a:lnRef>
+          <a:fillRef idx="1">
+            <a:schemeClr val="accent1"/>
+          </a:fillRef>
+          <a:effectRef idx="0">
+            <a:schemeClr val="accent1"/>
+          </a:effectRef>
+          <a:fontRef idx="minor">
+            <a:schemeClr val="lt1"/>
+          </a:fontRef>
+        </p:style>
+        <p:txBody>
+          <a:bodyPr rtlCol="0" anchor="ctr"/>
+          <a:lstStyle/>
+          <a:p>
+            <a:pPr algn="ctr"/>
+            <a:endParaRPr kumimoji="1" lang="ja-JP" altLang="en-US"/>
+          </a:p>
+        </p:txBody>
+      </p:sp>
+      <p:sp>
+        <p:nvSpPr>
+          <p:cNvPr id="18" name="正方形/長方形 17">
+            <a:extLst>
+              <a:ext uri="{FF2B5EF4-FFF2-40B4-BE49-F238E27FC236}">
+                <a16:creationId xmlns:a16="http://schemas.microsoft.com/office/drawing/2014/main" id="{1531592A-6DC6-E7B3-2D48-1DDE04FD3347}"/>
+              </a:ext>
+            </a:extLst>
+          </p:cNvPr>
+          <p:cNvSpPr/>
+          <p:nvPr/>
+        </p:nvSpPr>
+        <p:spPr>
+          <a:xfrm>
+            <a:off x="10318249" y="2058934"/>
+            <a:ext cx="541282" cy="546467"/>
+          </a:xfrm>
+          <a:prstGeom prst="rect">
+            <a:avLst/>
+          </a:prstGeom>
+          <a:solidFill>
+            <a:srgbClr val="F38480"/>
+          </a:solidFill>
+          <a:ln>
+            <a:noFill/>
+          </a:ln>
+        </p:spPr>
+        <p:style>
+          <a:lnRef idx="2">
+            <a:schemeClr val="accent1">
+              <a:shade val="15000"/>
+            </a:schemeClr>
+          </a:lnRef>
+          <a:fillRef idx="1">
+            <a:schemeClr val="accent1"/>
+          </a:fillRef>
+          <a:effectRef idx="0">
+            <a:schemeClr val="accent1"/>
+          </a:effectRef>
+          <a:fontRef idx="minor">
+            <a:schemeClr val="lt1"/>
+          </a:fontRef>
+        </p:style>
+        <p:txBody>
+          <a:bodyPr rtlCol="0" anchor="ctr"/>
+          <a:lstStyle/>
+          <a:p>
+            <a:pPr algn="ctr"/>
+            <a:endParaRPr kumimoji="1" lang="ja-JP" altLang="en-US"/>
+          </a:p>
+        </p:txBody>
+      </p:sp>
     </p:spTree>
     <p:extLst>
       <p:ext uri="{BB962C8B-B14F-4D97-AF65-F5344CB8AC3E}">
@@ -15744,12 +19555,35 @@
                 <a:latin typeface="Hiragino Kaku Gothic ProN W3" panose="020B0300000000000000" pitchFamily="34" charset="-128"/>
                 <a:ea typeface="Hiragino Kaku Gothic ProN W3" panose="020B0300000000000000" pitchFamily="34" charset="-128"/>
               </a:rPr>
-              <a:t>サイトからメイクアップ後の顔画像をスクレイピング</a:t>
-            </a:r>
-            <a:endParaRPr lang="en-US" altLang="ja-JP" sz="2000" dirty="0">
+              <a:t>サイトからメイクアップ後の顔画像</a:t>
+            </a:r>
+            <a:r>
+              <a:rPr lang="en-US" altLang="ja-JP" sz="2000" u="none" strike="noStrike" dirty="0">
+                <a:solidFill>
+                  <a:srgbClr val="695D46"/>
+                </a:solidFill>
+                <a:effectLst/>
+                <a:latin typeface="Hiragino Kaku Gothic ProN W3" panose="020B0300000000000000" pitchFamily="34" charset="-128"/>
+                <a:ea typeface="Hiragino Kaku Gothic ProN W3" panose="020B0300000000000000" pitchFamily="34" charset="-128"/>
+              </a:rPr>
+              <a:t>2,400</a:t>
+            </a:r>
+            <a:r>
+              <a:rPr lang="ja-JP" altLang="en-US" sz="2000" u="none" strike="noStrike">
+                <a:solidFill>
+                  <a:srgbClr val="695D46"/>
+                </a:solidFill>
+                <a:effectLst/>
+                <a:latin typeface="Hiragino Kaku Gothic ProN W3" panose="020B0300000000000000" pitchFamily="34" charset="-128"/>
+                <a:ea typeface="Hiragino Kaku Gothic ProN W3" panose="020B0300000000000000" pitchFamily="34" charset="-128"/>
+              </a:rPr>
+              <a:t>枚をスクレイピング</a:t>
+            </a:r>
+            <a:endParaRPr lang="en-US" altLang="ja-JP" sz="2000" u="none" strike="noStrike" dirty="0">
               <a:solidFill>
                 <a:srgbClr val="695D46"/>
               </a:solidFill>
+              <a:effectLst/>
               <a:latin typeface="Hiragino Kaku Gothic ProN W3" panose="020B0300000000000000" pitchFamily="34" charset="-128"/>
               <a:ea typeface="Hiragino Kaku Gothic ProN W3" panose="020B0300000000000000" pitchFamily="34" charset="-128"/>
             </a:endParaRPr>
@@ -16043,96 +19877,62 @@
       </p:sp>
       <p:pic>
         <p:nvPicPr>
-          <p:cNvPr id="1026" name="Picture 2" descr="この秋は“グレージュな眉”が気分。手に入れるべきアイテムを教えます_1">
+          <p:cNvPr id="3" name="図 2">
             <a:extLst>
               <a:ext uri="{FF2B5EF4-FFF2-40B4-BE49-F238E27FC236}">
-                <a16:creationId xmlns:a16="http://schemas.microsoft.com/office/drawing/2014/main" id="{D5C85BA9-477A-0F96-2DF1-289146BBC8A0}"/>
+                <a16:creationId xmlns:a16="http://schemas.microsoft.com/office/drawing/2014/main" id="{0ABD5F24-D64A-6F81-6406-1E35CC157588}"/>
               </a:ext>
             </a:extLst>
           </p:cNvPr>
           <p:cNvPicPr>
-            <a:picLocks noChangeAspect="1" noChangeArrowheads="1"/>
+            <a:picLocks noChangeAspect="1"/>
           </p:cNvPicPr>
           <p:nvPr/>
         </p:nvPicPr>
         <p:blipFill>
-          <a:blip r:embed="rId2">
-            <a:extLst>
-              <a:ext uri="{28A0092B-C50C-407E-A947-70E740481C1C}">
-                <a14:useLocalDpi xmlns:a14="http://schemas.microsoft.com/office/drawing/2010/main" val="0"/>
-              </a:ext>
-            </a:extLst>
-          </a:blip>
-          <a:srcRect/>
+          <a:blip r:embed="rId2"/>
           <a:stretch>
             <a:fillRect/>
           </a:stretch>
         </p:blipFill>
-        <p:spPr bwMode="auto">
+        <p:spPr>
           <a:xfrm>
-            <a:off x="1863810" y="3052114"/>
-            <a:ext cx="3142315" cy="3142315"/>
+            <a:off x="3017263" y="2942897"/>
+            <a:ext cx="2404939" cy="3141936"/>
           </a:xfrm>
           <a:prstGeom prst="rect">
             <a:avLst/>
           </a:prstGeom>
-          <a:noFill/>
-          <a:extLst>
-            <a:ext uri="{909E8E84-426E-40DD-AFC4-6F175D3DCCD1}">
-              <a14:hiddenFill xmlns:a14="http://schemas.microsoft.com/office/drawing/2010/main">
-                <a:solidFill>
-                  <a:srgbClr val="FFFFFF"/>
-                </a:solidFill>
-              </a14:hiddenFill>
-            </a:ext>
-          </a:extLst>
         </p:spPr>
       </p:pic>
       <p:pic>
         <p:nvPicPr>
-          <p:cNvPr id="1028" name="Picture 4" descr="ベースメイク">
+          <p:cNvPr id="8" name="図 7">
             <a:extLst>
               <a:ext uri="{FF2B5EF4-FFF2-40B4-BE49-F238E27FC236}">
-                <a16:creationId xmlns:a16="http://schemas.microsoft.com/office/drawing/2014/main" id="{541CCF27-D820-433C-5A5F-A799CCF50442}"/>
+                <a16:creationId xmlns:a16="http://schemas.microsoft.com/office/drawing/2014/main" id="{C5666779-5F91-3D7B-7131-039C89CC1730}"/>
               </a:ext>
             </a:extLst>
           </p:cNvPr>
           <p:cNvPicPr>
-            <a:picLocks noChangeAspect="1" noChangeArrowheads="1"/>
+            <a:picLocks noChangeAspect="1"/>
           </p:cNvPicPr>
           <p:nvPr/>
         </p:nvPicPr>
         <p:blipFill>
-          <a:blip r:embed="rId3">
-            <a:extLst>
-              <a:ext uri="{28A0092B-C50C-407E-A947-70E740481C1C}">
-                <a14:useLocalDpi xmlns:a14="http://schemas.microsoft.com/office/drawing/2010/main" val="0"/>
-              </a:ext>
-            </a:extLst>
-          </a:blip>
-          <a:srcRect/>
+          <a:blip r:embed="rId3"/>
           <a:stretch>
             <a:fillRect/>
           </a:stretch>
         </p:blipFill>
-        <p:spPr bwMode="auto">
+        <p:spPr>
           <a:xfrm>
-            <a:off x="5428315" y="3429000"/>
-            <a:ext cx="3558746" cy="2496862"/>
+            <a:off x="6096000" y="2942897"/>
+            <a:ext cx="2404939" cy="3141936"/>
           </a:xfrm>
           <a:prstGeom prst="rect">
             <a:avLst/>
           </a:prstGeom>
-          <a:noFill/>
-          <a:extLst>
-            <a:ext uri="{909E8E84-426E-40DD-AFC4-6F175D3DCCD1}">
-              <a14:hiddenFill xmlns:a14="http://schemas.microsoft.com/office/drawing/2010/main">
-                <a:solidFill>
-                  <a:srgbClr val="FFFFFF"/>
-                </a:solidFill>
-              </a14:hiddenFill>
-            </a:ext>
-          </a:extLst>
         </p:spPr>
       </p:pic>
     </p:spTree>

--- a/口頭試問.pptx
+++ b/口頭試問.pptx
@@ -21,15 +21,12 @@
     <p:sldId id="269" r:id="rId15"/>
     <p:sldId id="272" r:id="rId16"/>
     <p:sldId id="273" r:id="rId17"/>
-    <p:sldId id="282" r:id="rId18"/>
-    <p:sldId id="274" r:id="rId19"/>
-    <p:sldId id="270" r:id="rId20"/>
-    <p:sldId id="275" r:id="rId21"/>
-    <p:sldId id="276" r:id="rId22"/>
-    <p:sldId id="277" r:id="rId23"/>
-    <p:sldId id="278" r:id="rId24"/>
-    <p:sldId id="261" r:id="rId25"/>
-    <p:sldId id="262" r:id="rId26"/>
+    <p:sldId id="283" r:id="rId18"/>
+    <p:sldId id="282" r:id="rId19"/>
+    <p:sldId id="274" r:id="rId20"/>
+    <p:sldId id="270" r:id="rId21"/>
+    <p:sldId id="261" r:id="rId22"/>
+    <p:sldId id="262" r:id="rId23"/>
   </p:sldIdLst>
   <p:sldSz cx="12192000" cy="6858000"/>
   <p:notesSz cx="6858000" cy="9144000"/>
@@ -6021,6 +6018,16 @@
               <a:buChar char="•"/>
             </a:pPr>
             <a:r>
+              <a:rPr lang="ja-JP" altLang="en-US">
+                <a:solidFill>
+                  <a:srgbClr val="695D46"/>
+                </a:solidFill>
+                <a:latin typeface="Hiragino Kaku Gothic ProN W3" panose="020B0300000000000000" pitchFamily="34" charset="-128"/>
+                <a:ea typeface="Hiragino Kaku Gothic ProN W3" panose="020B0300000000000000" pitchFamily="34" charset="-128"/>
+              </a:rPr>
+              <a:t>機械学習ネットワークには</a:t>
+            </a:r>
+            <a:r>
               <a:rPr lang="en" altLang="ja-JP" dirty="0">
                 <a:solidFill>
                   <a:srgbClr val="695D46"/>
@@ -6058,7 +6065,7 @@
                 <a:latin typeface="Hiragino Kaku Gothic ProN W3" panose="020B0300000000000000" pitchFamily="34" charset="-128"/>
                 <a:ea typeface="Hiragino Kaku Gothic ProN W3" panose="020B0300000000000000" pitchFamily="34" charset="-128"/>
               </a:rPr>
-              <a:t>）</a:t>
+              <a:t>）を使用した</a:t>
             </a:r>
             <a:endParaRPr lang="en-US" altLang="ja-JP" dirty="0">
               <a:solidFill>
@@ -6069,7 +6076,7 @@
             </a:endParaRPr>
           </a:p>
           <a:p>
-            <a:pPr fontAlgn="base">
+            <a:pPr lvl="1" fontAlgn="base">
               <a:spcBef>
                 <a:spcPts val="0"/>
               </a:spcBef>
@@ -6079,7 +6086,17 @@
               <a:buFont typeface="Arial" panose="020B0604020202020204" pitchFamily="34" charset="0"/>
               <a:buChar char="•"/>
             </a:pPr>
-            <a:endParaRPr lang="en-US" altLang="ja-JP" dirty="0">
+            <a:r>
+              <a:rPr lang="ja-JP" altLang="en-US" sz="2000">
+                <a:solidFill>
+                  <a:srgbClr val="695D46"/>
+                </a:solidFill>
+                <a:latin typeface="Hiragino Kaku Gothic ProN W3" panose="020B0300000000000000" pitchFamily="34" charset="-128"/>
+                <a:ea typeface="Hiragino Kaku Gothic ProN W3" panose="020B0300000000000000" pitchFamily="34" charset="-128"/>
+              </a:rPr>
+              <a:t>カテゴリ分けや物体認識など、画像処理の分野で高いパフォーマンスを発揮している</a:t>
+            </a:r>
+            <a:endParaRPr lang="en-US" altLang="ja-JP" sz="2000" dirty="0">
               <a:solidFill>
                 <a:srgbClr val="695D46"/>
               </a:solidFill>
@@ -6088,7 +6105,7 @@
             </a:endParaRPr>
           </a:p>
           <a:p>
-            <a:pPr fontAlgn="base">
+            <a:pPr lvl="1" fontAlgn="base">
               <a:spcBef>
                 <a:spcPts val="0"/>
               </a:spcBef>
@@ -6099,16 +6116,26 @@
               <a:buChar char="•"/>
             </a:pPr>
             <a:r>
-              <a:rPr lang="ja-JP" altLang="en-US">
+              <a:rPr lang="en-US" altLang="ja-JP" sz="2000" dirty="0" err="1">
                 <a:solidFill>
                   <a:srgbClr val="695D46"/>
                 </a:solidFill>
                 <a:latin typeface="Hiragino Kaku Gothic ProN W3" panose="020B0300000000000000" pitchFamily="34" charset="-128"/>
                 <a:ea typeface="Hiragino Kaku Gothic ProN W3" panose="020B0300000000000000" pitchFamily="34" charset="-128"/>
               </a:rPr>
-              <a:t>カテゴリ分けや物体認識など、画像処理の分野で高いパフォーマンスを発揮している</a:t>
-            </a:r>
-            <a:endParaRPr lang="en-US" altLang="ja-JP" dirty="0">
+              <a:t>keras</a:t>
+            </a:r>
+            <a:r>
+              <a:rPr lang="ja-JP" altLang="en-US" sz="2000">
+                <a:solidFill>
+                  <a:srgbClr val="695D46"/>
+                </a:solidFill>
+                <a:latin typeface="Hiragino Kaku Gothic ProN W3" panose="020B0300000000000000" pitchFamily="34" charset="-128"/>
+                <a:ea typeface="Hiragino Kaku Gothic ProN W3" panose="020B0300000000000000" pitchFamily="34" charset="-128"/>
+              </a:rPr>
+              <a:t>などの機械学習ライブラリで簡単に実装ができる</a:t>
+            </a:r>
+            <a:endParaRPr lang="en-US" altLang="ja-JP" sz="2000" dirty="0">
               <a:solidFill>
                 <a:srgbClr val="695D46"/>
               </a:solidFill>
@@ -7112,7 +7139,7 @@
                 <a:latin typeface="Hiragino Kaku Gothic ProN W3" panose="020B0300000000000000" pitchFamily="34" charset="-128"/>
                 <a:ea typeface="Hiragino Kaku Gothic ProN W3" panose="020B0300000000000000" pitchFamily="34" charset="-128"/>
               </a:rPr>
-              <a:t>割の〇〇件を教示データ、</a:t>
+              <a:t>割の</a:t>
             </a:r>
             <a:r>
               <a:rPr lang="en-US" altLang="ja-JP" sz="2000" dirty="0">
@@ -7122,6 +7149,26 @@
                 <a:latin typeface="Hiragino Kaku Gothic ProN W3" panose="020B0300000000000000" pitchFamily="34" charset="-128"/>
                 <a:ea typeface="Hiragino Kaku Gothic ProN W3" panose="020B0300000000000000" pitchFamily="34" charset="-128"/>
               </a:rPr>
+              <a:t>879</a:t>
+            </a:r>
+            <a:r>
+              <a:rPr lang="ja-JP" altLang="en-US" sz="2000">
+                <a:solidFill>
+                  <a:srgbClr val="695D46"/>
+                </a:solidFill>
+                <a:latin typeface="Hiragino Kaku Gothic ProN W3" panose="020B0300000000000000" pitchFamily="34" charset="-128"/>
+                <a:ea typeface="Hiragino Kaku Gothic ProN W3" panose="020B0300000000000000" pitchFamily="34" charset="-128"/>
+              </a:rPr>
+              <a:t>件を教示データ、</a:t>
+            </a:r>
+            <a:r>
+              <a:rPr lang="en-US" altLang="ja-JP" sz="2000" dirty="0">
+                <a:solidFill>
+                  <a:srgbClr val="695D46"/>
+                </a:solidFill>
+                <a:latin typeface="Hiragino Kaku Gothic ProN W3" panose="020B0300000000000000" pitchFamily="34" charset="-128"/>
+                <a:ea typeface="Hiragino Kaku Gothic ProN W3" panose="020B0300000000000000" pitchFamily="34" charset="-128"/>
+              </a:rPr>
               <a:t>2</a:t>
             </a:r>
             <a:r>
@@ -7132,7 +7179,27 @@
                 <a:latin typeface="Hiragino Kaku Gothic ProN W3" panose="020B0300000000000000" pitchFamily="34" charset="-128"/>
                 <a:ea typeface="Hiragino Kaku Gothic ProN W3" panose="020B0300000000000000" pitchFamily="34" charset="-128"/>
               </a:rPr>
-              <a:t>割の〇〇件をテストデータとした</a:t>
+              <a:t>割の</a:t>
+            </a:r>
+            <a:r>
+              <a:rPr lang="en-US" altLang="ja-JP" sz="2000" dirty="0">
+                <a:solidFill>
+                  <a:srgbClr val="695D46"/>
+                </a:solidFill>
+                <a:latin typeface="Hiragino Kaku Gothic ProN W3" panose="020B0300000000000000" pitchFamily="34" charset="-128"/>
+                <a:ea typeface="Hiragino Kaku Gothic ProN W3" panose="020B0300000000000000" pitchFamily="34" charset="-128"/>
+              </a:rPr>
+              <a:t>220</a:t>
+            </a:r>
+            <a:r>
+              <a:rPr lang="ja-JP" altLang="en-US" sz="2000">
+                <a:solidFill>
+                  <a:srgbClr val="695D46"/>
+                </a:solidFill>
+                <a:latin typeface="Hiragino Kaku Gothic ProN W3" panose="020B0300000000000000" pitchFamily="34" charset="-128"/>
+                <a:ea typeface="Hiragino Kaku Gothic ProN W3" panose="020B0300000000000000" pitchFamily="34" charset="-128"/>
+              </a:rPr>
+              <a:t>件をテストデータとした</a:t>
             </a:r>
             <a:endParaRPr lang="en-US" altLang="ja-JP" sz="2000" dirty="0">
               <a:solidFill>
@@ -8261,8 +8328,8 @@
         </p:blipFill>
         <p:spPr>
           <a:xfrm>
-            <a:off x="2061780" y="4873953"/>
-            <a:ext cx="786524" cy="786524"/>
+            <a:off x="987536" y="4651047"/>
+            <a:ext cx="1339850" cy="1339850"/>
           </a:xfrm>
           <a:prstGeom prst="rect">
             <a:avLst/>
@@ -8291,8 +8358,8 @@
         </p:blipFill>
         <p:spPr>
           <a:xfrm>
-            <a:off x="3245507" y="4949715"/>
-            <a:ext cx="635000" cy="635000"/>
+            <a:off x="2583356" y="4651046"/>
+            <a:ext cx="1339849" cy="1339849"/>
           </a:xfrm>
           <a:prstGeom prst="rect">
             <a:avLst/>
@@ -8321,8 +8388,8 @@
         </p:blipFill>
         <p:spPr>
           <a:xfrm>
-            <a:off x="4180928" y="4949715"/>
-            <a:ext cx="635000" cy="635000"/>
+            <a:off x="4179174" y="4660898"/>
+            <a:ext cx="1339849" cy="1339849"/>
           </a:xfrm>
           <a:prstGeom prst="rect">
             <a:avLst/>
@@ -8351,38 +8418,8 @@
         </p:blipFill>
         <p:spPr>
           <a:xfrm>
-            <a:off x="6465014" y="4235450"/>
-            <a:ext cx="977900" cy="977900"/>
-          </a:xfrm>
-          <a:prstGeom prst="rect">
-            <a:avLst/>
-          </a:prstGeom>
-        </p:spPr>
-      </p:pic>
-      <p:pic>
-        <p:nvPicPr>
-          <p:cNvPr id="16" name="図 15">
-            <a:extLst>
-              <a:ext uri="{FF2B5EF4-FFF2-40B4-BE49-F238E27FC236}">
-                <a16:creationId xmlns:a16="http://schemas.microsoft.com/office/drawing/2014/main" id="{83B22EE4-8C15-3D8A-83FE-E3AF7E6112AD}"/>
-              </a:ext>
-            </a:extLst>
-          </p:cNvPr>
-          <p:cNvPicPr>
-            <a:picLocks noChangeAspect="1"/>
-          </p:cNvPicPr>
-          <p:nvPr/>
-        </p:nvPicPr>
-        <p:blipFill>
-          <a:blip r:embed="rId6"/>
-          <a:stretch>
-            <a:fillRect/>
-          </a:stretch>
-        </p:blipFill>
-        <p:spPr>
-          <a:xfrm>
-            <a:off x="8722985" y="4406900"/>
-            <a:ext cx="635000" cy="635000"/>
+            <a:off x="6465014" y="4651046"/>
+            <a:ext cx="1339848" cy="1339848"/>
           </a:xfrm>
           <a:prstGeom prst="rect">
             <a:avLst/>
@@ -8403,8 +8440,8 @@
         </p:nvSpPr>
         <p:spPr>
           <a:xfrm>
-            <a:off x="7705562" y="4406900"/>
-            <a:ext cx="635000" cy="635000"/>
+            <a:off x="8060831" y="4660897"/>
+            <a:ext cx="1297153" cy="1339847"/>
           </a:xfrm>
           <a:prstGeom prst="rect">
             <a:avLst/>
@@ -8438,6 +8475,368 @@
           <a:p>
             <a:pPr algn="ctr"/>
             <a:endParaRPr kumimoji="1" lang="ja-JP" altLang="en-US"/>
+          </a:p>
+        </p:txBody>
+      </p:sp>
+      <p:pic>
+        <p:nvPicPr>
+          <p:cNvPr id="18" name="図 17">
+            <a:extLst>
+              <a:ext uri="{FF2B5EF4-FFF2-40B4-BE49-F238E27FC236}">
+                <a16:creationId xmlns:a16="http://schemas.microsoft.com/office/drawing/2014/main" id="{8D0952D6-2482-42EC-6A99-442247615ABE}"/>
+              </a:ext>
+            </a:extLst>
+          </p:cNvPr>
+          <p:cNvPicPr>
+            <a:picLocks noChangeAspect="1"/>
+          </p:cNvPicPr>
+          <p:nvPr/>
+        </p:nvPicPr>
+        <p:blipFill>
+          <a:blip r:embed="rId6"/>
+          <a:stretch>
+            <a:fillRect/>
+          </a:stretch>
+        </p:blipFill>
+        <p:spPr>
+          <a:xfrm>
+            <a:off x="9608643" y="4660896"/>
+            <a:ext cx="1339847" cy="1339847"/>
+          </a:xfrm>
+          <a:prstGeom prst="rect">
+            <a:avLst/>
+          </a:prstGeom>
+        </p:spPr>
+      </p:pic>
+      <p:sp>
+        <p:nvSpPr>
+          <p:cNvPr id="19" name="テキスト ボックス 18">
+            <a:extLst>
+              <a:ext uri="{FF2B5EF4-FFF2-40B4-BE49-F238E27FC236}">
+                <a16:creationId xmlns:a16="http://schemas.microsoft.com/office/drawing/2014/main" id="{930286F1-9ED7-D1BC-F2CA-1B78307C802B}"/>
+              </a:ext>
+            </a:extLst>
+          </p:cNvPr>
+          <p:cNvSpPr txBox="1"/>
+          <p:nvPr/>
+        </p:nvSpPr>
+        <p:spPr>
+          <a:xfrm>
+            <a:off x="987536" y="6169572"/>
+            <a:ext cx="1339850" cy="307777"/>
+          </a:xfrm>
+          <a:prstGeom prst="rect">
+            <a:avLst/>
+          </a:prstGeom>
+          <a:noFill/>
+        </p:spPr>
+        <p:txBody>
+          <a:bodyPr wrap="square" rtlCol="0">
+            <a:spAutoFit/>
+          </a:bodyPr>
+          <a:lstStyle/>
+          <a:p>
+            <a:pPr algn="ctr"/>
+            <a:r>
+              <a:rPr kumimoji="1" lang="ja-JP" altLang="en-US" sz="1400">
+                <a:solidFill>
+                  <a:schemeClr val="tx2"/>
+                </a:solidFill>
+                <a:latin typeface="Hiragino Kaku Gothic ProN W3" panose="020B0300000000000000" pitchFamily="34" charset="-128"/>
+                <a:ea typeface="Hiragino Kaku Gothic ProN W3" panose="020B0300000000000000" pitchFamily="34" charset="-128"/>
+              </a:rPr>
+              <a:t>入力画像</a:t>
+            </a:r>
+          </a:p>
+        </p:txBody>
+      </p:sp>
+      <p:sp>
+        <p:nvSpPr>
+          <p:cNvPr id="20" name="テキスト ボックス 19">
+            <a:extLst>
+              <a:ext uri="{FF2B5EF4-FFF2-40B4-BE49-F238E27FC236}">
+                <a16:creationId xmlns:a16="http://schemas.microsoft.com/office/drawing/2014/main" id="{E53C4B1E-EA2F-5C3A-45DC-DD8DD61C730E}"/>
+              </a:ext>
+            </a:extLst>
+          </p:cNvPr>
+          <p:cNvSpPr txBox="1"/>
+          <p:nvPr/>
+        </p:nvSpPr>
+        <p:spPr>
+          <a:xfrm>
+            <a:off x="6465012" y="6186577"/>
+            <a:ext cx="1339850" cy="307777"/>
+          </a:xfrm>
+          <a:prstGeom prst="rect">
+            <a:avLst/>
+          </a:prstGeom>
+          <a:noFill/>
+        </p:spPr>
+        <p:txBody>
+          <a:bodyPr wrap="square" rtlCol="0">
+            <a:spAutoFit/>
+          </a:bodyPr>
+          <a:lstStyle/>
+          <a:p>
+            <a:pPr algn="ctr"/>
+            <a:r>
+              <a:rPr kumimoji="1" lang="ja-JP" altLang="en-US" sz="1400">
+                <a:solidFill>
+                  <a:schemeClr val="tx2"/>
+                </a:solidFill>
+                <a:latin typeface="Hiragino Kaku Gothic ProN W3" panose="020B0300000000000000" pitchFamily="34" charset="-128"/>
+                <a:ea typeface="Hiragino Kaku Gothic ProN W3" panose="020B0300000000000000" pitchFamily="34" charset="-128"/>
+              </a:rPr>
+              <a:t>入力画像</a:t>
+            </a:r>
+          </a:p>
+        </p:txBody>
+      </p:sp>
+      <p:sp>
+        <p:nvSpPr>
+          <p:cNvPr id="21" name="テキスト ボックス 20">
+            <a:extLst>
+              <a:ext uri="{FF2B5EF4-FFF2-40B4-BE49-F238E27FC236}">
+                <a16:creationId xmlns:a16="http://schemas.microsoft.com/office/drawing/2014/main" id="{1A17080F-359A-F3C9-E104-342CFB686268}"/>
+              </a:ext>
+            </a:extLst>
+          </p:cNvPr>
+          <p:cNvSpPr txBox="1"/>
+          <p:nvPr/>
+        </p:nvSpPr>
+        <p:spPr>
+          <a:xfrm>
+            <a:off x="2530775" y="6113324"/>
+            <a:ext cx="1339850" cy="523220"/>
+          </a:xfrm>
+          <a:prstGeom prst="rect">
+            <a:avLst/>
+          </a:prstGeom>
+          <a:noFill/>
+        </p:spPr>
+        <p:txBody>
+          <a:bodyPr wrap="square" rtlCol="0">
+            <a:spAutoFit/>
+          </a:bodyPr>
+          <a:lstStyle/>
+          <a:p>
+            <a:pPr algn="ctr"/>
+            <a:r>
+              <a:rPr kumimoji="1" lang="ja-JP" altLang="en-US" sz="1400">
+                <a:solidFill>
+                  <a:schemeClr val="tx2"/>
+                </a:solidFill>
+                <a:latin typeface="Hiragino Kaku Gothic ProN W3" panose="020B0300000000000000" pitchFamily="34" charset="-128"/>
+                <a:ea typeface="Hiragino Kaku Gothic ProN W3" panose="020B0300000000000000" pitchFamily="34" charset="-128"/>
+              </a:rPr>
+              <a:t>実際の</a:t>
+            </a:r>
+            <a:endParaRPr kumimoji="1" lang="en-US" altLang="ja-JP" sz="1400" dirty="0">
+              <a:solidFill>
+                <a:schemeClr val="tx2"/>
+              </a:solidFill>
+              <a:latin typeface="Hiragino Kaku Gothic ProN W3" panose="020B0300000000000000" pitchFamily="34" charset="-128"/>
+              <a:ea typeface="Hiragino Kaku Gothic ProN W3" panose="020B0300000000000000" pitchFamily="34" charset="-128"/>
+            </a:endParaRPr>
+          </a:p>
+          <a:p>
+            <a:pPr algn="ctr"/>
+            <a:r>
+              <a:rPr kumimoji="1" lang="ja-JP" altLang="en-US" sz="1400">
+                <a:solidFill>
+                  <a:schemeClr val="tx2"/>
+                </a:solidFill>
+                <a:latin typeface="Hiragino Kaku Gothic ProN W3" panose="020B0300000000000000" pitchFamily="34" charset="-128"/>
+                <a:ea typeface="Hiragino Kaku Gothic ProN W3" panose="020B0300000000000000" pitchFamily="34" charset="-128"/>
+              </a:rPr>
+              <a:t>リップカラー</a:t>
+            </a:r>
+          </a:p>
+        </p:txBody>
+      </p:sp>
+      <p:sp>
+        <p:nvSpPr>
+          <p:cNvPr id="22" name="テキスト ボックス 21">
+            <a:extLst>
+              <a:ext uri="{FF2B5EF4-FFF2-40B4-BE49-F238E27FC236}">
+                <a16:creationId xmlns:a16="http://schemas.microsoft.com/office/drawing/2014/main" id="{05CD1E56-B8AE-919A-89CD-3BFC0AD399FC}"/>
+              </a:ext>
+            </a:extLst>
+          </p:cNvPr>
+          <p:cNvSpPr txBox="1"/>
+          <p:nvPr/>
+        </p:nvSpPr>
+        <p:spPr>
+          <a:xfrm>
+            <a:off x="4179173" y="6116751"/>
+            <a:ext cx="1339850" cy="523220"/>
+          </a:xfrm>
+          <a:prstGeom prst="rect">
+            <a:avLst/>
+          </a:prstGeom>
+          <a:noFill/>
+        </p:spPr>
+        <p:txBody>
+          <a:bodyPr wrap="square" rtlCol="0">
+            <a:spAutoFit/>
+          </a:bodyPr>
+          <a:lstStyle/>
+          <a:p>
+            <a:pPr algn="ctr"/>
+            <a:r>
+              <a:rPr kumimoji="1" lang="ja-JP" altLang="en-US" sz="1400">
+                <a:solidFill>
+                  <a:schemeClr val="tx2"/>
+                </a:solidFill>
+                <a:latin typeface="Hiragino Kaku Gothic ProN W3" panose="020B0300000000000000" pitchFamily="34" charset="-128"/>
+                <a:ea typeface="Hiragino Kaku Gothic ProN W3" panose="020B0300000000000000" pitchFamily="34" charset="-128"/>
+              </a:rPr>
+              <a:t>推定した</a:t>
+            </a:r>
+            <a:endParaRPr kumimoji="1" lang="en-US" altLang="ja-JP" sz="1400" dirty="0">
+              <a:solidFill>
+                <a:schemeClr val="tx2"/>
+              </a:solidFill>
+              <a:latin typeface="Hiragino Kaku Gothic ProN W3" panose="020B0300000000000000" pitchFamily="34" charset="-128"/>
+              <a:ea typeface="Hiragino Kaku Gothic ProN W3" panose="020B0300000000000000" pitchFamily="34" charset="-128"/>
+            </a:endParaRPr>
+          </a:p>
+          <a:p>
+            <a:pPr algn="ctr"/>
+            <a:r>
+              <a:rPr kumimoji="1" lang="ja-JP" altLang="en-US" sz="1400">
+                <a:solidFill>
+                  <a:schemeClr val="tx2"/>
+                </a:solidFill>
+                <a:latin typeface="Hiragino Kaku Gothic ProN W3" panose="020B0300000000000000" pitchFamily="34" charset="-128"/>
+                <a:ea typeface="Hiragino Kaku Gothic ProN W3" panose="020B0300000000000000" pitchFamily="34" charset="-128"/>
+              </a:rPr>
+              <a:t>リップカラー</a:t>
+            </a:r>
+          </a:p>
+        </p:txBody>
+      </p:sp>
+      <p:sp>
+        <p:nvSpPr>
+          <p:cNvPr id="23" name="テキスト ボックス 22">
+            <a:extLst>
+              <a:ext uri="{FF2B5EF4-FFF2-40B4-BE49-F238E27FC236}">
+                <a16:creationId xmlns:a16="http://schemas.microsoft.com/office/drawing/2014/main" id="{3D160F3F-103D-DDD8-8AF5-C8E739AF970A}"/>
+              </a:ext>
+            </a:extLst>
+          </p:cNvPr>
+          <p:cNvSpPr txBox="1"/>
+          <p:nvPr/>
+        </p:nvSpPr>
+        <p:spPr>
+          <a:xfrm>
+            <a:off x="8060831" y="6113324"/>
+            <a:ext cx="1339850" cy="523220"/>
+          </a:xfrm>
+          <a:prstGeom prst="rect">
+            <a:avLst/>
+          </a:prstGeom>
+          <a:noFill/>
+        </p:spPr>
+        <p:txBody>
+          <a:bodyPr wrap="square" rtlCol="0">
+            <a:spAutoFit/>
+          </a:bodyPr>
+          <a:lstStyle/>
+          <a:p>
+            <a:pPr algn="ctr"/>
+            <a:r>
+              <a:rPr kumimoji="1" lang="ja-JP" altLang="en-US" sz="1400">
+                <a:solidFill>
+                  <a:schemeClr val="tx2"/>
+                </a:solidFill>
+                <a:latin typeface="Hiragino Kaku Gothic ProN W3" panose="020B0300000000000000" pitchFamily="34" charset="-128"/>
+                <a:ea typeface="Hiragino Kaku Gothic ProN W3" panose="020B0300000000000000" pitchFamily="34" charset="-128"/>
+              </a:rPr>
+              <a:t>実際の</a:t>
+            </a:r>
+            <a:endParaRPr kumimoji="1" lang="en-US" altLang="ja-JP" sz="1400" dirty="0">
+              <a:solidFill>
+                <a:schemeClr val="tx2"/>
+              </a:solidFill>
+              <a:latin typeface="Hiragino Kaku Gothic ProN W3" panose="020B0300000000000000" pitchFamily="34" charset="-128"/>
+              <a:ea typeface="Hiragino Kaku Gothic ProN W3" panose="020B0300000000000000" pitchFamily="34" charset="-128"/>
+            </a:endParaRPr>
+          </a:p>
+          <a:p>
+            <a:pPr algn="ctr"/>
+            <a:r>
+              <a:rPr kumimoji="1" lang="ja-JP" altLang="en-US" sz="1400">
+                <a:solidFill>
+                  <a:schemeClr val="tx2"/>
+                </a:solidFill>
+                <a:latin typeface="Hiragino Kaku Gothic ProN W3" panose="020B0300000000000000" pitchFamily="34" charset="-128"/>
+                <a:ea typeface="Hiragino Kaku Gothic ProN W3" panose="020B0300000000000000" pitchFamily="34" charset="-128"/>
+              </a:rPr>
+              <a:t>リップカラー</a:t>
+            </a:r>
+          </a:p>
+        </p:txBody>
+      </p:sp>
+      <p:sp>
+        <p:nvSpPr>
+          <p:cNvPr id="24" name="テキスト ボックス 23">
+            <a:extLst>
+              <a:ext uri="{FF2B5EF4-FFF2-40B4-BE49-F238E27FC236}">
+                <a16:creationId xmlns:a16="http://schemas.microsoft.com/office/drawing/2014/main" id="{A3AF61E4-7D97-FAB1-124F-18A715CB1A25}"/>
+              </a:ext>
+            </a:extLst>
+          </p:cNvPr>
+          <p:cNvSpPr txBox="1"/>
+          <p:nvPr/>
+        </p:nvSpPr>
+        <p:spPr>
+          <a:xfrm>
+            <a:off x="9608643" y="6113324"/>
+            <a:ext cx="1339850" cy="523220"/>
+          </a:xfrm>
+          <a:prstGeom prst="rect">
+            <a:avLst/>
+          </a:prstGeom>
+          <a:noFill/>
+        </p:spPr>
+        <p:txBody>
+          <a:bodyPr wrap="square" rtlCol="0">
+            <a:spAutoFit/>
+          </a:bodyPr>
+          <a:lstStyle/>
+          <a:p>
+            <a:pPr algn="ctr"/>
+            <a:r>
+              <a:rPr kumimoji="1" lang="ja-JP" altLang="en-US" sz="1400">
+                <a:solidFill>
+                  <a:schemeClr val="tx2"/>
+                </a:solidFill>
+                <a:latin typeface="Hiragino Kaku Gothic ProN W3" panose="020B0300000000000000" pitchFamily="34" charset="-128"/>
+                <a:ea typeface="Hiragino Kaku Gothic ProN W3" panose="020B0300000000000000" pitchFamily="34" charset="-128"/>
+              </a:rPr>
+              <a:t>推定した</a:t>
+            </a:r>
+            <a:endParaRPr kumimoji="1" lang="en-US" altLang="ja-JP" sz="1400" dirty="0">
+              <a:solidFill>
+                <a:schemeClr val="tx2"/>
+              </a:solidFill>
+              <a:latin typeface="Hiragino Kaku Gothic ProN W3" panose="020B0300000000000000" pitchFamily="34" charset="-128"/>
+              <a:ea typeface="Hiragino Kaku Gothic ProN W3" panose="020B0300000000000000" pitchFamily="34" charset="-128"/>
+            </a:endParaRPr>
+          </a:p>
+          <a:p>
+            <a:pPr algn="ctr"/>
+            <a:r>
+              <a:rPr kumimoji="1" lang="ja-JP" altLang="en-US" sz="1400">
+                <a:solidFill>
+                  <a:schemeClr val="tx2"/>
+                </a:solidFill>
+                <a:latin typeface="Hiragino Kaku Gothic ProN W3" panose="020B0300000000000000" pitchFamily="34" charset="-128"/>
+                <a:ea typeface="Hiragino Kaku Gothic ProN W3" panose="020B0300000000000000" pitchFamily="34" charset="-128"/>
+              </a:rPr>
+              <a:t>リップカラー</a:t>
+            </a:r>
           </a:p>
         </p:txBody>
       </p:sp>
@@ -8520,527 +8919,948 @@
           </a:p>
         </p:txBody>
       </p:sp>
-      <p:sp>
-        <p:nvSpPr>
-          <p:cNvPr id="5" name="コンテンツ プレースホルダー 2">
-            <a:extLst>
-              <a:ext uri="{FF2B5EF4-FFF2-40B4-BE49-F238E27FC236}">
-                <a16:creationId xmlns:a16="http://schemas.microsoft.com/office/drawing/2014/main" id="{B040927F-1E6A-C26C-3C46-978E4552B438}"/>
-              </a:ext>
-            </a:extLst>
-          </p:cNvPr>
-          <p:cNvSpPr txBox="1">
-            <a:spLocks/>
-          </p:cNvSpPr>
-          <p:nvPr/>
-        </p:nvSpPr>
-        <p:spPr>
-          <a:xfrm>
-            <a:off x="576043" y="1432140"/>
-            <a:ext cx="11039913" cy="5120640"/>
-          </a:xfrm>
-          <a:prstGeom prst="rect">
-            <a:avLst/>
-          </a:prstGeom>
-        </p:spPr>
-        <p:txBody>
-          <a:bodyPr/>
-          <a:lstStyle>
-            <a:lvl1pPr marL="182880" indent="-182880" algn="l" defTabSz="914400" rtl="0" eaLnBrk="1" latinLnBrk="0" hangingPunct="1">
-              <a:lnSpc>
-                <a:spcPct val="90000"/>
-              </a:lnSpc>
-              <a:spcBef>
-                <a:spcPts val="1200"/>
-              </a:spcBef>
-              <a:buClr>
-                <a:schemeClr val="accent1"/>
-              </a:buClr>
-              <a:buFont typeface="Wingdings 2" pitchFamily="18" charset="2"/>
-              <a:buChar char=""/>
-              <a:defRPr kumimoji="1" sz="2000" kern="1200">
-                <a:solidFill>
-                  <a:schemeClr val="tx1">
-                    <a:lumMod val="65000"/>
-                    <a:lumOff val="35000"/>
-                  </a:schemeClr>
-                </a:solidFill>
-                <a:latin typeface="+mn-lt"/>
-                <a:ea typeface="+mn-ea"/>
-                <a:cs typeface="+mn-cs"/>
-              </a:defRPr>
-            </a:lvl1pPr>
-            <a:lvl2pPr marL="685800" indent="-182880" algn="l" defTabSz="914400" rtl="0" eaLnBrk="1" latinLnBrk="0" hangingPunct="1">
-              <a:lnSpc>
-                <a:spcPct val="90000"/>
-              </a:lnSpc>
-              <a:spcBef>
-                <a:spcPts val="250"/>
-              </a:spcBef>
-              <a:spcAft>
-                <a:spcPts val="250"/>
-              </a:spcAft>
-              <a:buClr>
-                <a:schemeClr val="accent1"/>
-              </a:buClr>
-              <a:buFont typeface="Wingdings 2" pitchFamily="18" charset="2"/>
-              <a:buChar char=""/>
-              <a:defRPr kumimoji="1" sz="1800" kern="1200">
-                <a:solidFill>
-                  <a:schemeClr val="tx1">
-                    <a:lumMod val="65000"/>
-                    <a:lumOff val="35000"/>
-                  </a:schemeClr>
-                </a:solidFill>
-                <a:latin typeface="+mn-lt"/>
-                <a:ea typeface="+mn-ea"/>
-                <a:cs typeface="+mn-cs"/>
-              </a:defRPr>
-            </a:lvl2pPr>
-            <a:lvl3pPr marL="1143000" indent="-182880" algn="l" defTabSz="914400" rtl="0" eaLnBrk="1" latinLnBrk="0" hangingPunct="1">
-              <a:lnSpc>
-                <a:spcPct val="90000"/>
-              </a:lnSpc>
-              <a:spcBef>
-                <a:spcPts val="250"/>
-              </a:spcBef>
-              <a:spcAft>
-                <a:spcPts val="250"/>
-              </a:spcAft>
-              <a:buClr>
-                <a:schemeClr val="accent1"/>
-              </a:buClr>
-              <a:buFont typeface="Wingdings 2" pitchFamily="18" charset="2"/>
-              <a:buChar char=""/>
-              <a:defRPr kumimoji="1" sz="1600" kern="1200">
-                <a:solidFill>
-                  <a:schemeClr val="tx1">
-                    <a:lumMod val="65000"/>
-                    <a:lumOff val="35000"/>
-                  </a:schemeClr>
-                </a:solidFill>
-                <a:latin typeface="+mn-lt"/>
-                <a:ea typeface="+mn-ea"/>
-                <a:cs typeface="+mn-cs"/>
-              </a:defRPr>
-            </a:lvl3pPr>
-            <a:lvl4pPr marL="1600200" indent="-182880" algn="l" defTabSz="914400" rtl="0" eaLnBrk="1" latinLnBrk="0" hangingPunct="1">
-              <a:lnSpc>
-                <a:spcPct val="90000"/>
-              </a:lnSpc>
-              <a:spcBef>
-                <a:spcPts val="250"/>
-              </a:spcBef>
-              <a:spcAft>
-                <a:spcPts val="250"/>
-              </a:spcAft>
-              <a:buClr>
-                <a:schemeClr val="accent1"/>
-              </a:buClr>
-              <a:buFont typeface="Wingdings 2" pitchFamily="18" charset="2"/>
-              <a:buChar char=""/>
-              <a:defRPr kumimoji="1" sz="1400" kern="1200">
-                <a:solidFill>
-                  <a:schemeClr val="tx1">
-                    <a:lumMod val="65000"/>
-                    <a:lumOff val="35000"/>
-                  </a:schemeClr>
-                </a:solidFill>
-                <a:latin typeface="+mn-lt"/>
-                <a:ea typeface="+mn-ea"/>
-                <a:cs typeface="+mn-cs"/>
-              </a:defRPr>
-            </a:lvl4pPr>
-            <a:lvl5pPr marL="2057400" indent="-182880" algn="l" defTabSz="914400" rtl="0" eaLnBrk="1" latinLnBrk="0" hangingPunct="1">
-              <a:lnSpc>
-                <a:spcPct val="90000"/>
-              </a:lnSpc>
-              <a:spcBef>
-                <a:spcPts val="250"/>
-              </a:spcBef>
-              <a:spcAft>
-                <a:spcPts val="250"/>
-              </a:spcAft>
-              <a:buClr>
-                <a:schemeClr val="accent1"/>
-              </a:buClr>
-              <a:buFont typeface="Wingdings 2" pitchFamily="18" charset="2"/>
-              <a:buChar char=""/>
-              <a:defRPr kumimoji="1" sz="1400" kern="1200">
-                <a:solidFill>
-                  <a:schemeClr val="tx1">
-                    <a:lumMod val="65000"/>
-                    <a:lumOff val="35000"/>
-                  </a:schemeClr>
-                </a:solidFill>
-                <a:latin typeface="+mn-lt"/>
-                <a:ea typeface="+mn-ea"/>
-                <a:cs typeface="+mn-cs"/>
-              </a:defRPr>
-            </a:lvl5pPr>
-            <a:lvl6pPr marL="2514600" indent="-228600" algn="l" defTabSz="914400" rtl="0" eaLnBrk="1" latinLnBrk="0" hangingPunct="1">
-              <a:lnSpc>
-                <a:spcPct val="90000"/>
-              </a:lnSpc>
-              <a:spcBef>
-                <a:spcPts val="250"/>
-              </a:spcBef>
-              <a:spcAft>
-                <a:spcPts val="250"/>
-              </a:spcAft>
-              <a:buClr>
-                <a:schemeClr val="accent1"/>
-              </a:buClr>
-              <a:buFont typeface="Wingdings 2" pitchFamily="18" charset="2"/>
-              <a:buChar char=""/>
-              <a:defRPr kumimoji="1" sz="1400" kern="1200">
-                <a:solidFill>
-                  <a:schemeClr val="tx1">
-                    <a:lumMod val="65000"/>
-                    <a:lumOff val="35000"/>
-                  </a:schemeClr>
-                </a:solidFill>
-                <a:latin typeface="+mn-lt"/>
-                <a:ea typeface="+mn-ea"/>
-                <a:cs typeface="+mn-cs"/>
-              </a:defRPr>
-            </a:lvl6pPr>
-            <a:lvl7pPr marL="2971800" indent="-228600" algn="l" defTabSz="914400" rtl="0" eaLnBrk="1" latinLnBrk="0" hangingPunct="1">
-              <a:lnSpc>
-                <a:spcPct val="90000"/>
-              </a:lnSpc>
-              <a:spcBef>
-                <a:spcPts val="250"/>
-              </a:spcBef>
-              <a:spcAft>
-                <a:spcPts val="250"/>
-              </a:spcAft>
-              <a:buClr>
-                <a:schemeClr val="accent1"/>
-              </a:buClr>
-              <a:buFont typeface="Wingdings 2" pitchFamily="18" charset="2"/>
-              <a:buChar char=""/>
-              <a:defRPr kumimoji="1" sz="1400" kern="1200">
-                <a:solidFill>
-                  <a:schemeClr val="tx1">
-                    <a:lumMod val="65000"/>
-                    <a:lumOff val="35000"/>
-                  </a:schemeClr>
-                </a:solidFill>
-                <a:latin typeface="+mn-lt"/>
-                <a:ea typeface="+mn-ea"/>
-                <a:cs typeface="+mn-cs"/>
-              </a:defRPr>
-            </a:lvl7pPr>
-            <a:lvl8pPr marL="3429000" indent="-228600" algn="l" defTabSz="914400" rtl="0" eaLnBrk="1" latinLnBrk="0" hangingPunct="1">
-              <a:lnSpc>
-                <a:spcPct val="90000"/>
-              </a:lnSpc>
-              <a:spcBef>
-                <a:spcPts val="250"/>
-              </a:spcBef>
-              <a:spcAft>
-                <a:spcPts val="250"/>
-              </a:spcAft>
-              <a:buClr>
-                <a:schemeClr val="accent1"/>
-              </a:buClr>
-              <a:buFont typeface="Wingdings 2" pitchFamily="18" charset="2"/>
-              <a:buChar char=""/>
-              <a:defRPr kumimoji="1" sz="1400" kern="1200">
-                <a:solidFill>
-                  <a:schemeClr val="tx1">
-                    <a:lumMod val="65000"/>
-                    <a:lumOff val="35000"/>
-                  </a:schemeClr>
-                </a:solidFill>
-                <a:latin typeface="+mn-lt"/>
-                <a:ea typeface="+mn-ea"/>
-                <a:cs typeface="+mn-cs"/>
-              </a:defRPr>
-            </a:lvl8pPr>
-            <a:lvl9pPr marL="3886200" indent="-228600" algn="l" defTabSz="914400" rtl="0" eaLnBrk="1" latinLnBrk="0" hangingPunct="1">
-              <a:lnSpc>
-                <a:spcPct val="90000"/>
-              </a:lnSpc>
-              <a:spcBef>
-                <a:spcPts val="250"/>
-              </a:spcBef>
-              <a:spcAft>
-                <a:spcPts val="250"/>
-              </a:spcAft>
-              <a:buClr>
-                <a:schemeClr val="accent1"/>
-              </a:buClr>
-              <a:buFont typeface="Wingdings 2" pitchFamily="18" charset="2"/>
-              <a:buChar char=""/>
-              <a:defRPr kumimoji="1" sz="1400" kern="1200">
-                <a:solidFill>
-                  <a:schemeClr val="tx1">
-                    <a:lumMod val="65000"/>
-                    <a:lumOff val="35000"/>
-                  </a:schemeClr>
-                </a:solidFill>
-                <a:latin typeface="+mn-lt"/>
-                <a:ea typeface="+mn-ea"/>
-                <a:cs typeface="+mn-cs"/>
-              </a:defRPr>
-            </a:lvl9pPr>
-          </a:lstStyle>
-          <a:p>
-            <a:pPr fontAlgn="base"/>
-            <a:r>
-              <a:rPr lang="en-US" altLang="ja-JP" dirty="0">
-                <a:latin typeface="Hiragino Kaku Gothic ProN W3" panose="020B0300000000000000" pitchFamily="34" charset="-128"/>
-                <a:ea typeface="Hiragino Kaku Gothic ProN W3" panose="020B0300000000000000" pitchFamily="34" charset="-128"/>
-              </a:rPr>
-              <a:t>『</a:t>
-            </a:r>
-            <a:r>
-              <a:rPr lang="en-US" altLang="ja-JP" dirty="0" err="1">
-                <a:latin typeface="Hiragino Kaku Gothic ProN W3" panose="020B0300000000000000" pitchFamily="34" charset="-128"/>
-                <a:ea typeface="Hiragino Kaku Gothic ProN W3" panose="020B0300000000000000" pitchFamily="34" charset="-128"/>
-              </a:rPr>
-              <a:t>popteen</a:t>
-            </a:r>
-            <a:r>
-              <a:rPr lang="en-US" altLang="ja-JP" dirty="0">
-                <a:latin typeface="Hiragino Kaku Gothic ProN W3" panose="020B0300000000000000" pitchFamily="34" charset="-128"/>
-                <a:ea typeface="Hiragino Kaku Gothic ProN W3" panose="020B0300000000000000" pitchFamily="34" charset="-128"/>
-              </a:rPr>
-              <a:t> Media』</a:t>
-            </a:r>
-            <a:r>
-              <a:rPr lang="ja-JP" altLang="en-US">
-                <a:latin typeface="Hiragino Kaku Gothic ProN W3" panose="020B0300000000000000" pitchFamily="34" charset="-128"/>
-                <a:ea typeface="Hiragino Kaku Gothic ProN W3" panose="020B0300000000000000" pitchFamily="34" charset="-128"/>
-              </a:rPr>
-              <a:t>というファッション媒体のメイクアップ画像を使用して実験を行った</a:t>
-            </a:r>
-            <a:endParaRPr lang="en-US" altLang="ja-JP" dirty="0">
-              <a:latin typeface="Hiragino Kaku Gothic ProN W3" panose="020B0300000000000000" pitchFamily="34" charset="-128"/>
-              <a:ea typeface="Hiragino Kaku Gothic ProN W3" panose="020B0300000000000000" pitchFamily="34" charset="-128"/>
-            </a:endParaRPr>
-          </a:p>
-          <a:p>
-            <a:pPr lvl="1" fontAlgn="base"/>
-            <a:r>
-              <a:rPr lang="en-US" altLang="ja-JP" sz="2000" dirty="0">
-                <a:latin typeface="Hiragino Kaku Gothic ProN W3" panose="020B0300000000000000" pitchFamily="34" charset="-128"/>
-                <a:ea typeface="Hiragino Kaku Gothic ProN W3" panose="020B0300000000000000" pitchFamily="34" charset="-128"/>
-              </a:rPr>
-              <a:t>『MAQUIA』</a:t>
-            </a:r>
-            <a:r>
-              <a:rPr lang="ja-JP" altLang="en-US" sz="2000">
-                <a:latin typeface="Hiragino Kaku Gothic ProN W3" panose="020B0300000000000000" pitchFamily="34" charset="-128"/>
-                <a:ea typeface="Hiragino Kaku Gothic ProN W3" panose="020B0300000000000000" pitchFamily="34" charset="-128"/>
-              </a:rPr>
-              <a:t>は</a:t>
-            </a:r>
-            <a:r>
-              <a:rPr lang="en-US" altLang="ja-JP" sz="2000" dirty="0">
-                <a:latin typeface="Hiragino Kaku Gothic ProN W3" panose="020B0300000000000000" pitchFamily="34" charset="-128"/>
-                <a:ea typeface="Hiragino Kaku Gothic ProN W3" panose="020B0300000000000000" pitchFamily="34" charset="-128"/>
-              </a:rPr>
-              <a:t>20</a:t>
-            </a:r>
-            <a:r>
-              <a:rPr lang="ja-JP" altLang="en-US" sz="2000">
-                <a:latin typeface="Hiragino Kaku Gothic ProN W3" panose="020B0300000000000000" pitchFamily="34" charset="-128"/>
-                <a:ea typeface="Hiragino Kaku Gothic ProN W3" panose="020B0300000000000000" pitchFamily="34" charset="-128"/>
-              </a:rPr>
-              <a:t>代後半</a:t>
-            </a:r>
-            <a:r>
-              <a:rPr lang="en-US" altLang="ja-JP" sz="2000" dirty="0">
-                <a:latin typeface="Hiragino Kaku Gothic ProN W3" panose="020B0300000000000000" pitchFamily="34" charset="-128"/>
-                <a:ea typeface="Hiragino Kaku Gothic ProN W3" panose="020B0300000000000000" pitchFamily="34" charset="-128"/>
-              </a:rPr>
-              <a:t>〜30</a:t>
-            </a:r>
-            <a:r>
-              <a:rPr lang="ja-JP" altLang="en-US" sz="2000">
-                <a:latin typeface="Hiragino Kaku Gothic ProN W3" panose="020B0300000000000000" pitchFamily="34" charset="-128"/>
-                <a:ea typeface="Hiragino Kaku Gothic ProN W3" panose="020B0300000000000000" pitchFamily="34" charset="-128"/>
-              </a:rPr>
-              <a:t>代をメインターゲットにした媒体であるのに対し、</a:t>
-            </a:r>
-            <a:r>
-              <a:rPr lang="en-US" altLang="ja-JP" sz="2000" dirty="0">
-                <a:latin typeface="Hiragino Kaku Gothic ProN W3" panose="020B0300000000000000" pitchFamily="34" charset="-128"/>
-                <a:ea typeface="Hiragino Kaku Gothic ProN W3" panose="020B0300000000000000" pitchFamily="34" charset="-128"/>
-              </a:rPr>
-              <a:t>『</a:t>
-            </a:r>
-            <a:r>
-              <a:rPr lang="en-US" altLang="ja-JP" sz="2000" dirty="0" err="1">
-                <a:latin typeface="Hiragino Kaku Gothic ProN W3" panose="020B0300000000000000" pitchFamily="34" charset="-128"/>
-                <a:ea typeface="Hiragino Kaku Gothic ProN W3" panose="020B0300000000000000" pitchFamily="34" charset="-128"/>
-              </a:rPr>
-              <a:t>popteen</a:t>
-            </a:r>
-            <a:r>
-              <a:rPr lang="en-US" altLang="ja-JP" sz="2000" dirty="0">
-                <a:latin typeface="Hiragino Kaku Gothic ProN W3" panose="020B0300000000000000" pitchFamily="34" charset="-128"/>
-                <a:ea typeface="Hiragino Kaku Gothic ProN W3" panose="020B0300000000000000" pitchFamily="34" charset="-128"/>
-              </a:rPr>
-              <a:t> Media』</a:t>
-            </a:r>
-            <a:r>
-              <a:rPr lang="ja-JP" altLang="en-US" sz="2000">
-                <a:latin typeface="Hiragino Kaku Gothic ProN W3" panose="020B0300000000000000" pitchFamily="34" charset="-128"/>
-                <a:ea typeface="Hiragino Kaku Gothic ProN W3" panose="020B0300000000000000" pitchFamily="34" charset="-128"/>
-              </a:rPr>
-              <a:t>はティーンエイジャーをターゲットとしたメディア </a:t>
-            </a:r>
-            <a:endParaRPr lang="en-US" altLang="ja-JP" sz="2000" dirty="0">
-              <a:latin typeface="Hiragino Kaku Gothic ProN W3" panose="020B0300000000000000" pitchFamily="34" charset="-128"/>
-              <a:ea typeface="Hiragino Kaku Gothic ProN W3" panose="020B0300000000000000" pitchFamily="34" charset="-128"/>
-            </a:endParaRPr>
-          </a:p>
-          <a:p>
-            <a:pPr fontAlgn="base"/>
-            <a:r>
-              <a:rPr lang="ja-JP" altLang="en-US">
-                <a:latin typeface="Hiragino Kaku Gothic ProN W3" panose="020B0300000000000000" pitchFamily="34" charset="-128"/>
-                <a:ea typeface="Hiragino Kaku Gothic ProN W3" panose="020B0300000000000000" pitchFamily="34" charset="-128"/>
-              </a:rPr>
-              <a:t>「学習データの画像のモデルと、推定したい顔画像の人物の年齢が離れていた場合、リップカラーの推定が上手くできないのではないか」という仮説を検証するために実験を行った</a:t>
-            </a:r>
-            <a:endParaRPr lang="en-US" altLang="ja-JP" dirty="0">
-              <a:latin typeface="Hiragino Kaku Gothic ProN W3" panose="020B0300000000000000" pitchFamily="34" charset="-128"/>
-              <a:ea typeface="Hiragino Kaku Gothic ProN W3" panose="020B0300000000000000" pitchFamily="34" charset="-128"/>
-            </a:endParaRPr>
-          </a:p>
-          <a:p>
-            <a:pPr fontAlgn="base"/>
-            <a:endParaRPr lang="en-US" altLang="ja-JP" dirty="0">
-              <a:latin typeface="Hiragino Kaku Gothic ProN W3" panose="020B0300000000000000" pitchFamily="34" charset="-128"/>
-              <a:ea typeface="Hiragino Kaku Gothic ProN W3" panose="020B0300000000000000" pitchFamily="34" charset="-128"/>
-            </a:endParaRPr>
-          </a:p>
-          <a:p>
-            <a:pPr fontAlgn="base"/>
-            <a:r>
-              <a:rPr lang="ja-JP" altLang="en-US">
-                <a:latin typeface="Hiragino Kaku Gothic ProN W3" panose="020B0300000000000000" pitchFamily="34" charset="-128"/>
-                <a:ea typeface="Hiragino Kaku Gothic ProN W3" panose="020B0300000000000000" pitchFamily="34" charset="-128"/>
-              </a:rPr>
-              <a:t>実験手順</a:t>
-            </a:r>
-            <a:endParaRPr lang="en-US" altLang="ja-JP" dirty="0">
-              <a:latin typeface="Hiragino Kaku Gothic ProN W3" panose="020B0300000000000000" pitchFamily="34" charset="-128"/>
-              <a:ea typeface="Hiragino Kaku Gothic ProN W3" panose="020B0300000000000000" pitchFamily="34" charset="-128"/>
-            </a:endParaRPr>
-          </a:p>
-          <a:p>
-            <a:pPr lvl="1" fontAlgn="base"/>
-            <a:r>
-              <a:rPr lang="en-US" altLang="ja-JP" sz="2000" dirty="0">
-                <a:latin typeface="Hiragino Kaku Gothic ProN W3" panose="020B0300000000000000" pitchFamily="34" charset="-128"/>
-                <a:ea typeface="Hiragino Kaku Gothic ProN W3" panose="020B0300000000000000" pitchFamily="34" charset="-128"/>
-              </a:rPr>
-              <a:t>『</a:t>
-            </a:r>
-            <a:r>
-              <a:rPr lang="en-US" altLang="ja-JP" sz="2000" dirty="0" err="1">
-                <a:latin typeface="Hiragino Kaku Gothic ProN W3" panose="020B0300000000000000" pitchFamily="34" charset="-128"/>
-                <a:ea typeface="Hiragino Kaku Gothic ProN W3" panose="020B0300000000000000" pitchFamily="34" charset="-128"/>
-              </a:rPr>
-              <a:t>popteen</a:t>
-            </a:r>
-            <a:r>
-              <a:rPr lang="en-US" altLang="ja-JP" sz="2000" dirty="0">
-                <a:latin typeface="Hiragino Kaku Gothic ProN W3" panose="020B0300000000000000" pitchFamily="34" charset="-128"/>
-                <a:ea typeface="Hiragino Kaku Gothic ProN W3" panose="020B0300000000000000" pitchFamily="34" charset="-128"/>
-              </a:rPr>
-              <a:t> Media』</a:t>
-            </a:r>
-            <a:r>
-              <a:rPr lang="ja-JP" altLang="en-US" sz="2000">
-                <a:latin typeface="Hiragino Kaku Gothic ProN W3" panose="020B0300000000000000" pitchFamily="34" charset="-128"/>
-                <a:ea typeface="Hiragino Kaku Gothic ProN W3" panose="020B0300000000000000" pitchFamily="34" charset="-128"/>
-              </a:rPr>
-              <a:t>からメイクアップ画像を</a:t>
-            </a:r>
-            <a:r>
-              <a:rPr lang="en-US" altLang="ja-JP" sz="2000" dirty="0">
-                <a:latin typeface="Hiragino Kaku Gothic ProN W3" panose="020B0300000000000000" pitchFamily="34" charset="-128"/>
-                <a:ea typeface="Hiragino Kaku Gothic ProN W3" panose="020B0300000000000000" pitchFamily="34" charset="-128"/>
-              </a:rPr>
-              <a:t>10</a:t>
-            </a:r>
-            <a:r>
-              <a:rPr lang="ja-JP" altLang="en-US" sz="2000">
-                <a:latin typeface="Hiragino Kaku Gothic ProN W3" panose="020B0300000000000000" pitchFamily="34" charset="-128"/>
-                <a:ea typeface="Hiragino Kaku Gothic ProN W3" panose="020B0300000000000000" pitchFamily="34" charset="-128"/>
-              </a:rPr>
-              <a:t>件選び、機械学習モデルでリップカラーの推定を行った</a:t>
-            </a:r>
-            <a:endParaRPr lang="en-US" altLang="ja-JP" sz="2000" dirty="0">
-              <a:latin typeface="Hiragino Kaku Gothic ProN W3" panose="020B0300000000000000" pitchFamily="34" charset="-128"/>
-              <a:ea typeface="Hiragino Kaku Gothic ProN W3" panose="020B0300000000000000" pitchFamily="34" charset="-128"/>
-            </a:endParaRPr>
-          </a:p>
-          <a:p>
-            <a:pPr lvl="1" fontAlgn="base"/>
-            <a:r>
-              <a:rPr lang="ja-JP" altLang="en-US" sz="2000">
-                <a:latin typeface="Hiragino Kaku Gothic ProN W3" panose="020B0300000000000000" pitchFamily="34" charset="-128"/>
-                <a:ea typeface="Hiragino Kaku Gothic ProN W3" panose="020B0300000000000000" pitchFamily="34" charset="-128"/>
-              </a:rPr>
-              <a:t>①で行った</a:t>
-            </a:r>
-            <a:r>
-              <a:rPr lang="en-US" altLang="ja-JP" sz="2000" dirty="0">
-                <a:latin typeface="Hiragino Kaku Gothic ProN W3" panose="020B0300000000000000" pitchFamily="34" charset="-128"/>
-                <a:ea typeface="Hiragino Kaku Gothic ProN W3" panose="020B0300000000000000" pitchFamily="34" charset="-128"/>
-              </a:rPr>
-              <a:t>MAQUIA</a:t>
-            </a:r>
-            <a:r>
-              <a:rPr lang="ja-JP" altLang="en-US" sz="2000">
-                <a:latin typeface="Hiragino Kaku Gothic ProN W3" panose="020B0300000000000000" pitchFamily="34" charset="-128"/>
-                <a:ea typeface="Hiragino Kaku Gothic ProN W3" panose="020B0300000000000000" pitchFamily="34" charset="-128"/>
-              </a:rPr>
-              <a:t>の画像を使用した実験と比較して、どちらの方が元の画像に近いリップカラーが推定できているかを比較した</a:t>
-            </a:r>
-            <a:endParaRPr lang="en-US" altLang="ja-JP" sz="2000" dirty="0">
-              <a:latin typeface="Hiragino Kaku Gothic ProN W3" panose="020B0300000000000000" pitchFamily="34" charset="-128"/>
-              <a:ea typeface="Hiragino Kaku Gothic ProN W3" panose="020B0300000000000000" pitchFamily="34" charset="-128"/>
-            </a:endParaRPr>
-          </a:p>
-          <a:p>
-            <a:pPr lvl="1" fontAlgn="base"/>
-            <a:r>
-              <a:rPr lang="ja-JP" altLang="en-US" sz="2000">
-                <a:latin typeface="Hiragino Kaku Gothic ProN W3" panose="020B0300000000000000" pitchFamily="34" charset="-128"/>
-                <a:ea typeface="Hiragino Kaku Gothic ProN W3" panose="020B0300000000000000" pitchFamily="34" charset="-128"/>
-              </a:rPr>
-              <a:t>リップカラーの比較は、元画像のリップカラーと推定したリップカラーのコサイン類似度を計算することで行った</a:t>
-            </a:r>
-            <a:endParaRPr lang="en-US" altLang="ja-JP" sz="1800" dirty="0">
-              <a:latin typeface="Hiragino Kaku Gothic ProN W3" panose="020B0300000000000000" pitchFamily="34" charset="-128"/>
-              <a:ea typeface="Hiragino Kaku Gothic ProN W3" panose="020B0300000000000000" pitchFamily="34" charset="-128"/>
-            </a:endParaRPr>
-          </a:p>
-          <a:p>
-            <a:pPr fontAlgn="base"/>
-            <a:endParaRPr lang="en-US" altLang="ja-JP" dirty="0">
-              <a:latin typeface="Hiragino Kaku Gothic ProN W3" panose="020B0300000000000000" pitchFamily="34" charset="-128"/>
-              <a:ea typeface="Hiragino Kaku Gothic ProN W3" panose="020B0300000000000000" pitchFamily="34" charset="-128"/>
-            </a:endParaRPr>
-          </a:p>
-          <a:p>
-            <a:pPr lvl="1" fontAlgn="base"/>
-            <a:endParaRPr lang="en-US" altLang="ja-JP" sz="2000" dirty="0">
-              <a:latin typeface="Hiragino Kaku Gothic ProN W3" panose="020B0300000000000000" pitchFamily="34" charset="-128"/>
-              <a:ea typeface="Hiragino Kaku Gothic ProN W3" panose="020B0300000000000000" pitchFamily="34" charset="-128"/>
-            </a:endParaRPr>
-          </a:p>
-        </p:txBody>
-      </p:sp>
+      <mc:AlternateContent xmlns:mc="http://schemas.openxmlformats.org/markup-compatibility/2006">
+        <mc:Choice xmlns:a14="http://schemas.microsoft.com/office/drawing/2010/main" Requires="a14">
+          <p:sp>
+            <p:nvSpPr>
+              <p:cNvPr id="5" name="コンテンツ プレースホルダー 2">
+                <a:extLst>
+                  <a:ext uri="{FF2B5EF4-FFF2-40B4-BE49-F238E27FC236}">
+                    <a16:creationId xmlns:a16="http://schemas.microsoft.com/office/drawing/2014/main" id="{B040927F-1E6A-C26C-3C46-978E4552B438}"/>
+                  </a:ext>
+                </a:extLst>
+              </p:cNvPr>
+              <p:cNvSpPr txBox="1">
+                <a:spLocks/>
+              </p:cNvSpPr>
+              <p:nvPr/>
+            </p:nvSpPr>
+            <p:spPr>
+              <a:xfrm>
+                <a:off x="576043" y="1432140"/>
+                <a:ext cx="11039913" cy="5120640"/>
+              </a:xfrm>
+              <a:prstGeom prst="rect">
+                <a:avLst/>
+              </a:prstGeom>
+            </p:spPr>
+            <p:txBody>
+              <a:bodyPr/>
+              <a:lstStyle>
+                <a:lvl1pPr marL="182880" indent="-182880" algn="l" defTabSz="914400" rtl="0" eaLnBrk="1" latinLnBrk="0" hangingPunct="1">
+                  <a:lnSpc>
+                    <a:spcPct val="90000"/>
+                  </a:lnSpc>
+                  <a:spcBef>
+                    <a:spcPts val="1200"/>
+                  </a:spcBef>
+                  <a:buClr>
+                    <a:schemeClr val="accent1"/>
+                  </a:buClr>
+                  <a:buFont typeface="Wingdings 2" pitchFamily="18" charset="2"/>
+                  <a:buChar char=""/>
+                  <a:defRPr kumimoji="1" sz="2000" kern="1200">
+                    <a:solidFill>
+                      <a:schemeClr val="tx1">
+                        <a:lumMod val="65000"/>
+                        <a:lumOff val="35000"/>
+                      </a:schemeClr>
+                    </a:solidFill>
+                    <a:latin typeface="+mn-lt"/>
+                    <a:ea typeface="+mn-ea"/>
+                    <a:cs typeface="+mn-cs"/>
+                  </a:defRPr>
+                </a:lvl1pPr>
+                <a:lvl2pPr marL="685800" indent="-182880" algn="l" defTabSz="914400" rtl="0" eaLnBrk="1" latinLnBrk="0" hangingPunct="1">
+                  <a:lnSpc>
+                    <a:spcPct val="90000"/>
+                  </a:lnSpc>
+                  <a:spcBef>
+                    <a:spcPts val="250"/>
+                  </a:spcBef>
+                  <a:spcAft>
+                    <a:spcPts val="250"/>
+                  </a:spcAft>
+                  <a:buClr>
+                    <a:schemeClr val="accent1"/>
+                  </a:buClr>
+                  <a:buFont typeface="Wingdings 2" pitchFamily="18" charset="2"/>
+                  <a:buChar char=""/>
+                  <a:defRPr kumimoji="1" sz="1800" kern="1200">
+                    <a:solidFill>
+                      <a:schemeClr val="tx1">
+                        <a:lumMod val="65000"/>
+                        <a:lumOff val="35000"/>
+                      </a:schemeClr>
+                    </a:solidFill>
+                    <a:latin typeface="+mn-lt"/>
+                    <a:ea typeface="+mn-ea"/>
+                    <a:cs typeface="+mn-cs"/>
+                  </a:defRPr>
+                </a:lvl2pPr>
+                <a:lvl3pPr marL="1143000" indent="-182880" algn="l" defTabSz="914400" rtl="0" eaLnBrk="1" latinLnBrk="0" hangingPunct="1">
+                  <a:lnSpc>
+                    <a:spcPct val="90000"/>
+                  </a:lnSpc>
+                  <a:spcBef>
+                    <a:spcPts val="250"/>
+                  </a:spcBef>
+                  <a:spcAft>
+                    <a:spcPts val="250"/>
+                  </a:spcAft>
+                  <a:buClr>
+                    <a:schemeClr val="accent1"/>
+                  </a:buClr>
+                  <a:buFont typeface="Wingdings 2" pitchFamily="18" charset="2"/>
+                  <a:buChar char=""/>
+                  <a:defRPr kumimoji="1" sz="1600" kern="1200">
+                    <a:solidFill>
+                      <a:schemeClr val="tx1">
+                        <a:lumMod val="65000"/>
+                        <a:lumOff val="35000"/>
+                      </a:schemeClr>
+                    </a:solidFill>
+                    <a:latin typeface="+mn-lt"/>
+                    <a:ea typeface="+mn-ea"/>
+                    <a:cs typeface="+mn-cs"/>
+                  </a:defRPr>
+                </a:lvl3pPr>
+                <a:lvl4pPr marL="1600200" indent="-182880" algn="l" defTabSz="914400" rtl="0" eaLnBrk="1" latinLnBrk="0" hangingPunct="1">
+                  <a:lnSpc>
+                    <a:spcPct val="90000"/>
+                  </a:lnSpc>
+                  <a:spcBef>
+                    <a:spcPts val="250"/>
+                  </a:spcBef>
+                  <a:spcAft>
+                    <a:spcPts val="250"/>
+                  </a:spcAft>
+                  <a:buClr>
+                    <a:schemeClr val="accent1"/>
+                  </a:buClr>
+                  <a:buFont typeface="Wingdings 2" pitchFamily="18" charset="2"/>
+                  <a:buChar char=""/>
+                  <a:defRPr kumimoji="1" sz="1400" kern="1200">
+                    <a:solidFill>
+                      <a:schemeClr val="tx1">
+                        <a:lumMod val="65000"/>
+                        <a:lumOff val="35000"/>
+                      </a:schemeClr>
+                    </a:solidFill>
+                    <a:latin typeface="+mn-lt"/>
+                    <a:ea typeface="+mn-ea"/>
+                    <a:cs typeface="+mn-cs"/>
+                  </a:defRPr>
+                </a:lvl4pPr>
+                <a:lvl5pPr marL="2057400" indent="-182880" algn="l" defTabSz="914400" rtl="0" eaLnBrk="1" latinLnBrk="0" hangingPunct="1">
+                  <a:lnSpc>
+                    <a:spcPct val="90000"/>
+                  </a:lnSpc>
+                  <a:spcBef>
+                    <a:spcPts val="250"/>
+                  </a:spcBef>
+                  <a:spcAft>
+                    <a:spcPts val="250"/>
+                  </a:spcAft>
+                  <a:buClr>
+                    <a:schemeClr val="accent1"/>
+                  </a:buClr>
+                  <a:buFont typeface="Wingdings 2" pitchFamily="18" charset="2"/>
+                  <a:buChar char=""/>
+                  <a:defRPr kumimoji="1" sz="1400" kern="1200">
+                    <a:solidFill>
+                      <a:schemeClr val="tx1">
+                        <a:lumMod val="65000"/>
+                        <a:lumOff val="35000"/>
+                      </a:schemeClr>
+                    </a:solidFill>
+                    <a:latin typeface="+mn-lt"/>
+                    <a:ea typeface="+mn-ea"/>
+                    <a:cs typeface="+mn-cs"/>
+                  </a:defRPr>
+                </a:lvl5pPr>
+                <a:lvl6pPr marL="2514600" indent="-228600" algn="l" defTabSz="914400" rtl="0" eaLnBrk="1" latinLnBrk="0" hangingPunct="1">
+                  <a:lnSpc>
+                    <a:spcPct val="90000"/>
+                  </a:lnSpc>
+                  <a:spcBef>
+                    <a:spcPts val="250"/>
+                  </a:spcBef>
+                  <a:spcAft>
+                    <a:spcPts val="250"/>
+                  </a:spcAft>
+                  <a:buClr>
+                    <a:schemeClr val="accent1"/>
+                  </a:buClr>
+                  <a:buFont typeface="Wingdings 2" pitchFamily="18" charset="2"/>
+                  <a:buChar char=""/>
+                  <a:defRPr kumimoji="1" sz="1400" kern="1200">
+                    <a:solidFill>
+                      <a:schemeClr val="tx1">
+                        <a:lumMod val="65000"/>
+                        <a:lumOff val="35000"/>
+                      </a:schemeClr>
+                    </a:solidFill>
+                    <a:latin typeface="+mn-lt"/>
+                    <a:ea typeface="+mn-ea"/>
+                    <a:cs typeface="+mn-cs"/>
+                  </a:defRPr>
+                </a:lvl6pPr>
+                <a:lvl7pPr marL="2971800" indent="-228600" algn="l" defTabSz="914400" rtl="0" eaLnBrk="1" latinLnBrk="0" hangingPunct="1">
+                  <a:lnSpc>
+                    <a:spcPct val="90000"/>
+                  </a:lnSpc>
+                  <a:spcBef>
+                    <a:spcPts val="250"/>
+                  </a:spcBef>
+                  <a:spcAft>
+                    <a:spcPts val="250"/>
+                  </a:spcAft>
+                  <a:buClr>
+                    <a:schemeClr val="accent1"/>
+                  </a:buClr>
+                  <a:buFont typeface="Wingdings 2" pitchFamily="18" charset="2"/>
+                  <a:buChar char=""/>
+                  <a:defRPr kumimoji="1" sz="1400" kern="1200">
+                    <a:solidFill>
+                      <a:schemeClr val="tx1">
+                        <a:lumMod val="65000"/>
+                        <a:lumOff val="35000"/>
+                      </a:schemeClr>
+                    </a:solidFill>
+                    <a:latin typeface="+mn-lt"/>
+                    <a:ea typeface="+mn-ea"/>
+                    <a:cs typeface="+mn-cs"/>
+                  </a:defRPr>
+                </a:lvl7pPr>
+                <a:lvl8pPr marL="3429000" indent="-228600" algn="l" defTabSz="914400" rtl="0" eaLnBrk="1" latinLnBrk="0" hangingPunct="1">
+                  <a:lnSpc>
+                    <a:spcPct val="90000"/>
+                  </a:lnSpc>
+                  <a:spcBef>
+                    <a:spcPts val="250"/>
+                  </a:spcBef>
+                  <a:spcAft>
+                    <a:spcPts val="250"/>
+                  </a:spcAft>
+                  <a:buClr>
+                    <a:schemeClr val="accent1"/>
+                  </a:buClr>
+                  <a:buFont typeface="Wingdings 2" pitchFamily="18" charset="2"/>
+                  <a:buChar char=""/>
+                  <a:defRPr kumimoji="1" sz="1400" kern="1200">
+                    <a:solidFill>
+                      <a:schemeClr val="tx1">
+                        <a:lumMod val="65000"/>
+                        <a:lumOff val="35000"/>
+                      </a:schemeClr>
+                    </a:solidFill>
+                    <a:latin typeface="+mn-lt"/>
+                    <a:ea typeface="+mn-ea"/>
+                    <a:cs typeface="+mn-cs"/>
+                  </a:defRPr>
+                </a:lvl8pPr>
+                <a:lvl9pPr marL="3886200" indent="-228600" algn="l" defTabSz="914400" rtl="0" eaLnBrk="1" latinLnBrk="0" hangingPunct="1">
+                  <a:lnSpc>
+                    <a:spcPct val="90000"/>
+                  </a:lnSpc>
+                  <a:spcBef>
+                    <a:spcPts val="250"/>
+                  </a:spcBef>
+                  <a:spcAft>
+                    <a:spcPts val="250"/>
+                  </a:spcAft>
+                  <a:buClr>
+                    <a:schemeClr val="accent1"/>
+                  </a:buClr>
+                  <a:buFont typeface="Wingdings 2" pitchFamily="18" charset="2"/>
+                  <a:buChar char=""/>
+                  <a:defRPr kumimoji="1" sz="1400" kern="1200">
+                    <a:solidFill>
+                      <a:schemeClr val="tx1">
+                        <a:lumMod val="65000"/>
+                        <a:lumOff val="35000"/>
+                      </a:schemeClr>
+                    </a:solidFill>
+                    <a:latin typeface="+mn-lt"/>
+                    <a:ea typeface="+mn-ea"/>
+                    <a:cs typeface="+mn-cs"/>
+                  </a:defRPr>
+                </a:lvl9pPr>
+              </a:lstStyle>
+              <a:p>
+                <a:pPr fontAlgn="base"/>
+                <a:r>
+                  <a:rPr lang="en-US" altLang="ja-JP" dirty="0">
+                    <a:latin typeface="Hiragino Kaku Gothic ProN W3" panose="020B0300000000000000" pitchFamily="34" charset="-128"/>
+                    <a:ea typeface="Hiragino Kaku Gothic ProN W3" panose="020B0300000000000000" pitchFamily="34" charset="-128"/>
+                  </a:rPr>
+                  <a:t>『</a:t>
+                </a:r>
+                <a:r>
+                  <a:rPr lang="en-US" altLang="ja-JP" dirty="0" err="1">
+                    <a:latin typeface="Hiragino Kaku Gothic ProN W3" panose="020B0300000000000000" pitchFamily="34" charset="-128"/>
+                    <a:ea typeface="Hiragino Kaku Gothic ProN W3" panose="020B0300000000000000" pitchFamily="34" charset="-128"/>
+                  </a:rPr>
+                  <a:t>popteen</a:t>
+                </a:r>
+                <a:r>
+                  <a:rPr lang="en-US" altLang="ja-JP" dirty="0">
+                    <a:latin typeface="Hiragino Kaku Gothic ProN W3" panose="020B0300000000000000" pitchFamily="34" charset="-128"/>
+                    <a:ea typeface="Hiragino Kaku Gothic ProN W3" panose="020B0300000000000000" pitchFamily="34" charset="-128"/>
+                  </a:rPr>
+                  <a:t> Media』</a:t>
+                </a:r>
+                <a:r>
+                  <a:rPr lang="ja-JP" altLang="en-US">
+                    <a:latin typeface="Hiragino Kaku Gothic ProN W3" panose="020B0300000000000000" pitchFamily="34" charset="-128"/>
+                    <a:ea typeface="Hiragino Kaku Gothic ProN W3" panose="020B0300000000000000" pitchFamily="34" charset="-128"/>
+                  </a:rPr>
+                  <a:t>というファッション媒体のメイクアップ画像を使用して実験を行った</a:t>
+                </a:r>
+                <a:endParaRPr lang="en-US" altLang="ja-JP" dirty="0">
+                  <a:latin typeface="Hiragino Kaku Gothic ProN W3" panose="020B0300000000000000" pitchFamily="34" charset="-128"/>
+                  <a:ea typeface="Hiragino Kaku Gothic ProN W3" panose="020B0300000000000000" pitchFamily="34" charset="-128"/>
+                </a:endParaRPr>
+              </a:p>
+              <a:p>
+                <a:pPr lvl="1" fontAlgn="base"/>
+                <a:r>
+                  <a:rPr lang="en-US" altLang="ja-JP" sz="2000" dirty="0">
+                    <a:latin typeface="Hiragino Kaku Gothic ProN W3" panose="020B0300000000000000" pitchFamily="34" charset="-128"/>
+                    <a:ea typeface="Hiragino Kaku Gothic ProN W3" panose="020B0300000000000000" pitchFamily="34" charset="-128"/>
+                  </a:rPr>
+                  <a:t>『MAQUIA』</a:t>
+                </a:r>
+                <a:r>
+                  <a:rPr lang="ja-JP" altLang="en-US" sz="2000">
+                    <a:latin typeface="Hiragino Kaku Gothic ProN W3" panose="020B0300000000000000" pitchFamily="34" charset="-128"/>
+                    <a:ea typeface="Hiragino Kaku Gothic ProN W3" panose="020B0300000000000000" pitchFamily="34" charset="-128"/>
+                  </a:rPr>
+                  <a:t>は</a:t>
+                </a:r>
+                <a:r>
+                  <a:rPr lang="en-US" altLang="ja-JP" sz="2000" dirty="0">
+                    <a:latin typeface="Hiragino Kaku Gothic ProN W3" panose="020B0300000000000000" pitchFamily="34" charset="-128"/>
+                    <a:ea typeface="Hiragino Kaku Gothic ProN W3" panose="020B0300000000000000" pitchFamily="34" charset="-128"/>
+                  </a:rPr>
+                  <a:t>20</a:t>
+                </a:r>
+                <a:r>
+                  <a:rPr lang="ja-JP" altLang="en-US" sz="2000">
+                    <a:latin typeface="Hiragino Kaku Gothic ProN W3" panose="020B0300000000000000" pitchFamily="34" charset="-128"/>
+                    <a:ea typeface="Hiragino Kaku Gothic ProN W3" panose="020B0300000000000000" pitchFamily="34" charset="-128"/>
+                  </a:rPr>
+                  <a:t>代後半</a:t>
+                </a:r>
+                <a:r>
+                  <a:rPr lang="en-US" altLang="ja-JP" sz="2000" dirty="0">
+                    <a:latin typeface="Hiragino Kaku Gothic ProN W3" panose="020B0300000000000000" pitchFamily="34" charset="-128"/>
+                    <a:ea typeface="Hiragino Kaku Gothic ProN W3" panose="020B0300000000000000" pitchFamily="34" charset="-128"/>
+                  </a:rPr>
+                  <a:t>〜30</a:t>
+                </a:r>
+                <a:r>
+                  <a:rPr lang="ja-JP" altLang="en-US" sz="2000">
+                    <a:latin typeface="Hiragino Kaku Gothic ProN W3" panose="020B0300000000000000" pitchFamily="34" charset="-128"/>
+                    <a:ea typeface="Hiragino Kaku Gothic ProN W3" panose="020B0300000000000000" pitchFamily="34" charset="-128"/>
+                  </a:rPr>
+                  <a:t>代をメインターゲットにした媒体であるのに対し、</a:t>
+                </a:r>
+                <a:r>
+                  <a:rPr lang="en-US" altLang="ja-JP" sz="2000" dirty="0">
+                    <a:latin typeface="Hiragino Kaku Gothic ProN W3" panose="020B0300000000000000" pitchFamily="34" charset="-128"/>
+                    <a:ea typeface="Hiragino Kaku Gothic ProN W3" panose="020B0300000000000000" pitchFamily="34" charset="-128"/>
+                  </a:rPr>
+                  <a:t>『</a:t>
+                </a:r>
+                <a:r>
+                  <a:rPr lang="en-US" altLang="ja-JP" sz="2000" dirty="0" err="1">
+                    <a:latin typeface="Hiragino Kaku Gothic ProN W3" panose="020B0300000000000000" pitchFamily="34" charset="-128"/>
+                    <a:ea typeface="Hiragino Kaku Gothic ProN W3" panose="020B0300000000000000" pitchFamily="34" charset="-128"/>
+                  </a:rPr>
+                  <a:t>popteen</a:t>
+                </a:r>
+                <a:r>
+                  <a:rPr lang="en-US" altLang="ja-JP" sz="2000" dirty="0">
+                    <a:latin typeface="Hiragino Kaku Gothic ProN W3" panose="020B0300000000000000" pitchFamily="34" charset="-128"/>
+                    <a:ea typeface="Hiragino Kaku Gothic ProN W3" panose="020B0300000000000000" pitchFamily="34" charset="-128"/>
+                  </a:rPr>
+                  <a:t> Media』</a:t>
+                </a:r>
+                <a:r>
+                  <a:rPr lang="ja-JP" altLang="en-US" sz="2000">
+                    <a:latin typeface="Hiragino Kaku Gothic ProN W3" panose="020B0300000000000000" pitchFamily="34" charset="-128"/>
+                    <a:ea typeface="Hiragino Kaku Gothic ProN W3" panose="020B0300000000000000" pitchFamily="34" charset="-128"/>
+                  </a:rPr>
+                  <a:t>はティーンエイジャーをターゲットとしたメディア </a:t>
+                </a:r>
+                <a:endParaRPr lang="en-US" altLang="ja-JP" sz="2000" dirty="0">
+                  <a:latin typeface="Hiragino Kaku Gothic ProN W3" panose="020B0300000000000000" pitchFamily="34" charset="-128"/>
+                  <a:ea typeface="Hiragino Kaku Gothic ProN W3" panose="020B0300000000000000" pitchFamily="34" charset="-128"/>
+                </a:endParaRPr>
+              </a:p>
+              <a:p>
+                <a:pPr fontAlgn="base"/>
+                <a:r>
+                  <a:rPr lang="ja-JP" altLang="en-US">
+                    <a:latin typeface="Hiragino Kaku Gothic ProN W3" panose="020B0300000000000000" pitchFamily="34" charset="-128"/>
+                    <a:ea typeface="Hiragino Kaku Gothic ProN W3" panose="020B0300000000000000" pitchFamily="34" charset="-128"/>
+                  </a:rPr>
+                  <a:t>「学習データの画像のモデルと、推定したい顔画像の人物の年齢が離れていた場合、リップカラーの推定が上手くできないのではないか」という仮説を検証するために実験を行った</a:t>
+                </a:r>
+                <a:endParaRPr lang="en-US" altLang="ja-JP" dirty="0">
+                  <a:latin typeface="Hiragino Kaku Gothic ProN W3" panose="020B0300000000000000" pitchFamily="34" charset="-128"/>
+                  <a:ea typeface="Hiragino Kaku Gothic ProN W3" panose="020B0300000000000000" pitchFamily="34" charset="-128"/>
+                </a:endParaRPr>
+              </a:p>
+              <a:p>
+                <a:pPr fontAlgn="base"/>
+                <a:endParaRPr lang="en-US" altLang="ja-JP" dirty="0">
+                  <a:latin typeface="Hiragino Kaku Gothic ProN W3" panose="020B0300000000000000" pitchFamily="34" charset="-128"/>
+                  <a:ea typeface="Hiragino Kaku Gothic ProN W3" panose="020B0300000000000000" pitchFamily="34" charset="-128"/>
+                </a:endParaRPr>
+              </a:p>
+              <a:p>
+                <a:pPr fontAlgn="base"/>
+                <a:r>
+                  <a:rPr lang="ja-JP" altLang="en-US">
+                    <a:latin typeface="Hiragino Kaku Gothic ProN W3" panose="020B0300000000000000" pitchFamily="34" charset="-128"/>
+                    <a:ea typeface="Hiragino Kaku Gothic ProN W3" panose="020B0300000000000000" pitchFamily="34" charset="-128"/>
+                  </a:rPr>
+                  <a:t>実験手順</a:t>
+                </a:r>
+                <a:endParaRPr lang="en-US" altLang="ja-JP" dirty="0">
+                  <a:latin typeface="Hiragino Kaku Gothic ProN W3" panose="020B0300000000000000" pitchFamily="34" charset="-128"/>
+                  <a:ea typeface="Hiragino Kaku Gothic ProN W3" panose="020B0300000000000000" pitchFamily="34" charset="-128"/>
+                </a:endParaRPr>
+              </a:p>
+              <a:p>
+                <a:pPr lvl="1" fontAlgn="base"/>
+                <a:r>
+                  <a:rPr lang="en-US" altLang="ja-JP" sz="2000" dirty="0">
+                    <a:latin typeface="Hiragino Kaku Gothic ProN W3" panose="020B0300000000000000" pitchFamily="34" charset="-128"/>
+                    <a:ea typeface="Hiragino Kaku Gothic ProN W3" panose="020B0300000000000000" pitchFamily="34" charset="-128"/>
+                  </a:rPr>
+                  <a:t>『</a:t>
+                </a:r>
+                <a:r>
+                  <a:rPr lang="en-US" altLang="ja-JP" sz="2000" dirty="0" err="1">
+                    <a:latin typeface="Hiragino Kaku Gothic ProN W3" panose="020B0300000000000000" pitchFamily="34" charset="-128"/>
+                    <a:ea typeface="Hiragino Kaku Gothic ProN W3" panose="020B0300000000000000" pitchFamily="34" charset="-128"/>
+                  </a:rPr>
+                  <a:t>popteen</a:t>
+                </a:r>
+                <a:r>
+                  <a:rPr lang="en-US" altLang="ja-JP" sz="2000" dirty="0">
+                    <a:latin typeface="Hiragino Kaku Gothic ProN W3" panose="020B0300000000000000" pitchFamily="34" charset="-128"/>
+                    <a:ea typeface="Hiragino Kaku Gothic ProN W3" panose="020B0300000000000000" pitchFamily="34" charset="-128"/>
+                  </a:rPr>
+                  <a:t> Media』</a:t>
+                </a:r>
+                <a:r>
+                  <a:rPr lang="ja-JP" altLang="en-US" sz="2000">
+                    <a:latin typeface="Hiragino Kaku Gothic ProN W3" panose="020B0300000000000000" pitchFamily="34" charset="-128"/>
+                    <a:ea typeface="Hiragino Kaku Gothic ProN W3" panose="020B0300000000000000" pitchFamily="34" charset="-128"/>
+                  </a:rPr>
+                  <a:t>からメイクアップ画像を</a:t>
+                </a:r>
+                <a:r>
+                  <a:rPr lang="en-US" altLang="ja-JP" sz="2000" dirty="0">
+                    <a:latin typeface="Hiragino Kaku Gothic ProN W3" panose="020B0300000000000000" pitchFamily="34" charset="-128"/>
+                    <a:ea typeface="Hiragino Kaku Gothic ProN W3" panose="020B0300000000000000" pitchFamily="34" charset="-128"/>
+                  </a:rPr>
+                  <a:t>10</a:t>
+                </a:r>
+                <a:r>
+                  <a:rPr lang="ja-JP" altLang="en-US" sz="2000">
+                    <a:latin typeface="Hiragino Kaku Gothic ProN W3" panose="020B0300000000000000" pitchFamily="34" charset="-128"/>
+                    <a:ea typeface="Hiragino Kaku Gothic ProN W3" panose="020B0300000000000000" pitchFamily="34" charset="-128"/>
+                  </a:rPr>
+                  <a:t>件選び、機械学習モデルでリップカラーの推定を行った</a:t>
+                </a:r>
+                <a:endParaRPr lang="en-US" altLang="ja-JP" sz="2000" dirty="0">
+                  <a:latin typeface="Hiragino Kaku Gothic ProN W3" panose="020B0300000000000000" pitchFamily="34" charset="-128"/>
+                  <a:ea typeface="Hiragino Kaku Gothic ProN W3" panose="020B0300000000000000" pitchFamily="34" charset="-128"/>
+                </a:endParaRPr>
+              </a:p>
+              <a:p>
+                <a:pPr lvl="1" fontAlgn="base"/>
+                <a:r>
+                  <a:rPr lang="ja-JP" altLang="en-US" sz="2000">
+                    <a:latin typeface="Hiragino Kaku Gothic ProN W3" panose="020B0300000000000000" pitchFamily="34" charset="-128"/>
+                    <a:ea typeface="Hiragino Kaku Gothic ProN W3" panose="020B0300000000000000" pitchFamily="34" charset="-128"/>
+                  </a:rPr>
+                  <a:t>①で行った</a:t>
+                </a:r>
+                <a:r>
+                  <a:rPr lang="en-US" altLang="ja-JP" sz="2000" dirty="0">
+                    <a:latin typeface="Hiragino Kaku Gothic ProN W3" panose="020B0300000000000000" pitchFamily="34" charset="-128"/>
+                    <a:ea typeface="Hiragino Kaku Gothic ProN W3" panose="020B0300000000000000" pitchFamily="34" charset="-128"/>
+                  </a:rPr>
+                  <a:t>MAQUIA</a:t>
+                </a:r>
+                <a:r>
+                  <a:rPr lang="ja-JP" altLang="en-US" sz="2000">
+                    <a:latin typeface="Hiragino Kaku Gothic ProN W3" panose="020B0300000000000000" pitchFamily="34" charset="-128"/>
+                    <a:ea typeface="Hiragino Kaku Gothic ProN W3" panose="020B0300000000000000" pitchFamily="34" charset="-128"/>
+                  </a:rPr>
+                  <a:t>の画像を使用した実験と比較して、どちらの方が元の画像に近いリップカラーが推定できているかを比較した</a:t>
+                </a:r>
+                <a:endParaRPr lang="en-US" altLang="ja-JP" sz="2000" dirty="0">
+                  <a:latin typeface="Hiragino Kaku Gothic ProN W3" panose="020B0300000000000000" pitchFamily="34" charset="-128"/>
+                  <a:ea typeface="Hiragino Kaku Gothic ProN W3" panose="020B0300000000000000" pitchFamily="34" charset="-128"/>
+                </a:endParaRPr>
+              </a:p>
+              <a:p>
+                <a:pPr lvl="1" fontAlgn="base"/>
+                <a:r>
+                  <a:rPr lang="ja-JP" altLang="en-US" sz="2000">
+                    <a:latin typeface="Hiragino Kaku Gothic ProN W3" panose="020B0300000000000000" pitchFamily="34" charset="-128"/>
+                    <a:ea typeface="Hiragino Kaku Gothic ProN W3" panose="020B0300000000000000" pitchFamily="34" charset="-128"/>
+                  </a:rPr>
+                  <a:t>リップカラーの比較は、元画像のリップカラーと推定したリップカラーのコサイン類似度を計算することで行った</a:t>
+                </a:r>
+                <a:endParaRPr lang="en-US" altLang="ja-JP" sz="2000" dirty="0">
+                  <a:latin typeface="Hiragino Kaku Gothic ProN W3" panose="020B0300000000000000" pitchFamily="34" charset="-128"/>
+                  <a:ea typeface="Hiragino Kaku Gothic ProN W3" panose="020B0300000000000000" pitchFamily="34" charset="-128"/>
+                </a:endParaRPr>
+              </a:p>
+              <a:p>
+                <a:pPr lvl="2" fontAlgn="base"/>
+                <a14:m>
+                  <m:oMath xmlns:m="http://schemas.openxmlformats.org/officeDocument/2006/math">
+                    <m:func>
+                      <m:funcPr>
+                        <m:ctrlPr>
+                          <a:rPr lang="en-US" altLang="ja-JP" i="1" smtClean="0">
+                            <a:latin typeface="Cambria Math" panose="02040503050406030204" pitchFamily="18" charset="0"/>
+                            <a:ea typeface="Hiragino Kaku Gothic ProN W3" panose="020B0300000000000000" pitchFamily="34" charset="-128"/>
+                          </a:rPr>
+                        </m:ctrlPr>
+                      </m:funcPr>
+                      <m:fName>
+                        <m:r>
+                          <m:rPr>
+                            <m:sty m:val="p"/>
+                          </m:rPr>
+                          <a:rPr lang="en-US" altLang="ja-JP" i="0" smtClean="0">
+                            <a:latin typeface="Cambria Math" panose="02040503050406030204" pitchFamily="18" charset="0"/>
+                            <a:ea typeface="Hiragino Kaku Gothic ProN W3" panose="020B0300000000000000" pitchFamily="34" charset="-128"/>
+                          </a:rPr>
+                          <m:t>cos</m:t>
+                        </m:r>
+                      </m:fName>
+                      <m:e>
+                        <m:d>
+                          <m:dPr>
+                            <m:ctrlPr>
+                              <a:rPr lang="en-US" altLang="ja-JP" b="0" i="1" smtClean="0">
+                                <a:latin typeface="Cambria Math" panose="02040503050406030204" pitchFamily="18" charset="0"/>
+                                <a:ea typeface="Hiragino Kaku Gothic ProN W3" panose="020B0300000000000000" pitchFamily="34" charset="-128"/>
+                              </a:rPr>
+                            </m:ctrlPr>
+                          </m:dPr>
+                          <m:e>
+                            <m:r>
+                              <a:rPr lang="en-US" altLang="ja-JP" b="0" i="1" smtClean="0">
+                                <a:latin typeface="Cambria Math" panose="02040503050406030204" pitchFamily="18" charset="0"/>
+                                <a:ea typeface="Hiragino Kaku Gothic ProN W3" panose="020B0300000000000000" pitchFamily="34" charset="-128"/>
+                              </a:rPr>
+                              <m:t>𝑥</m:t>
+                            </m:r>
+                            <m:r>
+                              <a:rPr lang="en-US" altLang="ja-JP" b="0" i="1" smtClean="0">
+                                <a:latin typeface="Cambria Math" panose="02040503050406030204" pitchFamily="18" charset="0"/>
+                                <a:ea typeface="Hiragino Kaku Gothic ProN W3" panose="020B0300000000000000" pitchFamily="34" charset="-128"/>
+                              </a:rPr>
+                              <m:t>, </m:t>
+                            </m:r>
+                            <m:r>
+                              <a:rPr lang="en-US" altLang="ja-JP" b="0" i="1" smtClean="0">
+                                <a:latin typeface="Cambria Math" panose="02040503050406030204" pitchFamily="18" charset="0"/>
+                                <a:ea typeface="Hiragino Kaku Gothic ProN W3" panose="020B0300000000000000" pitchFamily="34" charset="-128"/>
+                              </a:rPr>
+                              <m:t>𝑦</m:t>
+                            </m:r>
+                          </m:e>
+                        </m:d>
+                        <m:r>
+                          <a:rPr lang="en-US" altLang="ja-JP" b="0" i="1" smtClean="0">
+                            <a:latin typeface="Cambria Math" panose="02040503050406030204" pitchFamily="18" charset="0"/>
+                            <a:ea typeface="Hiragino Kaku Gothic ProN W3" panose="020B0300000000000000" pitchFamily="34" charset="-128"/>
+                          </a:rPr>
+                          <m:t>=</m:t>
+                        </m:r>
+                        <m:f>
+                          <m:fPr>
+                            <m:ctrlPr>
+                              <a:rPr lang="en-US" altLang="ja-JP" b="0" i="1" smtClean="0">
+                                <a:latin typeface="Cambria Math" panose="02040503050406030204" pitchFamily="18" charset="0"/>
+                                <a:ea typeface="Hiragino Kaku Gothic ProN W3" panose="020B0300000000000000" pitchFamily="34" charset="-128"/>
+                              </a:rPr>
+                            </m:ctrlPr>
+                          </m:fPr>
+                          <m:num>
+                            <m:nary>
+                              <m:naryPr>
+                                <m:chr m:val="∑"/>
+                                <m:limLoc m:val="subSup"/>
+                                <m:ctrlPr>
+                                  <a:rPr lang="en-US" altLang="ja-JP" b="0" i="1" smtClean="0">
+                                    <a:latin typeface="Cambria Math" panose="02040503050406030204" pitchFamily="18" charset="0"/>
+                                    <a:ea typeface="Hiragino Kaku Gothic ProN W3" panose="020B0300000000000000" pitchFamily="34" charset="-128"/>
+                                  </a:rPr>
+                                </m:ctrlPr>
+                              </m:naryPr>
+                              <m:sub>
+                                <m:r>
+                                  <m:rPr>
+                                    <m:brk m:alnAt="25"/>
+                                  </m:rPr>
+                                  <a:rPr lang="en-US" altLang="ja-JP" b="0" i="1" smtClean="0">
+                                    <a:latin typeface="Cambria Math" panose="02040503050406030204" pitchFamily="18" charset="0"/>
+                                    <a:ea typeface="Hiragino Kaku Gothic ProN W3" panose="020B0300000000000000" pitchFamily="34" charset="-128"/>
+                                  </a:rPr>
+                                  <m:t>𝑘</m:t>
+                                </m:r>
+                                <m:r>
+                                  <a:rPr lang="en-US" altLang="ja-JP" b="0" i="1" smtClean="0">
+                                    <a:latin typeface="Cambria Math" panose="02040503050406030204" pitchFamily="18" charset="0"/>
+                                    <a:ea typeface="Hiragino Kaku Gothic ProN W3" panose="020B0300000000000000" pitchFamily="34" charset="-128"/>
+                                  </a:rPr>
+                                  <m:t>=1</m:t>
+                                </m:r>
+                              </m:sub>
+                              <m:sup>
+                                <m:r>
+                                  <a:rPr lang="en-US" altLang="ja-JP" b="0" i="1" smtClean="0">
+                                    <a:latin typeface="Cambria Math" panose="02040503050406030204" pitchFamily="18" charset="0"/>
+                                    <a:ea typeface="Hiragino Kaku Gothic ProN W3" panose="020B0300000000000000" pitchFamily="34" charset="-128"/>
+                                  </a:rPr>
+                                  <m:t>𝑛</m:t>
+                                </m:r>
+                              </m:sup>
+                              <m:e>
+                                <m:sSub>
+                                  <m:sSubPr>
+                                    <m:ctrlPr>
+                                      <a:rPr lang="en-US" altLang="ja-JP" b="0" i="1" smtClean="0">
+                                        <a:latin typeface="Cambria Math" panose="02040503050406030204" pitchFamily="18" charset="0"/>
+                                        <a:ea typeface="Hiragino Kaku Gothic ProN W3" panose="020B0300000000000000" pitchFamily="34" charset="-128"/>
+                                      </a:rPr>
+                                    </m:ctrlPr>
+                                  </m:sSubPr>
+                                  <m:e>
+                                    <m:r>
+                                      <a:rPr lang="en-US" altLang="ja-JP" b="0" i="1" smtClean="0">
+                                        <a:latin typeface="Cambria Math" panose="02040503050406030204" pitchFamily="18" charset="0"/>
+                                        <a:ea typeface="Hiragino Kaku Gothic ProN W3" panose="020B0300000000000000" pitchFamily="34" charset="-128"/>
+                                      </a:rPr>
+                                      <m:t>𝑥</m:t>
+                                    </m:r>
+                                  </m:e>
+                                  <m:sub>
+                                    <m:r>
+                                      <a:rPr lang="en-US" altLang="ja-JP" b="0" i="1" smtClean="0">
+                                        <a:latin typeface="Cambria Math" panose="02040503050406030204" pitchFamily="18" charset="0"/>
+                                        <a:ea typeface="Hiragino Kaku Gothic ProN W3" panose="020B0300000000000000" pitchFamily="34" charset="-128"/>
+                                      </a:rPr>
+                                      <m:t>𝑘</m:t>
+                                    </m:r>
+                                  </m:sub>
+                                </m:sSub>
+                                <m:sSub>
+                                  <m:sSubPr>
+                                    <m:ctrlPr>
+                                      <a:rPr lang="en-US" altLang="ja-JP" b="0" i="1" smtClean="0">
+                                        <a:latin typeface="Cambria Math" panose="02040503050406030204" pitchFamily="18" charset="0"/>
+                                        <a:ea typeface="Hiragino Kaku Gothic ProN W3" panose="020B0300000000000000" pitchFamily="34" charset="-128"/>
+                                      </a:rPr>
+                                    </m:ctrlPr>
+                                  </m:sSubPr>
+                                  <m:e>
+                                    <m:r>
+                                      <a:rPr lang="en-US" altLang="ja-JP" b="0" i="1" smtClean="0">
+                                        <a:latin typeface="Cambria Math" panose="02040503050406030204" pitchFamily="18" charset="0"/>
+                                        <a:ea typeface="Hiragino Kaku Gothic ProN W3" panose="020B0300000000000000" pitchFamily="34" charset="-128"/>
+                                      </a:rPr>
+                                      <m:t>𝑦</m:t>
+                                    </m:r>
+                                  </m:e>
+                                  <m:sub>
+                                    <m:r>
+                                      <a:rPr lang="en-US" altLang="ja-JP" b="0" i="1" smtClean="0">
+                                        <a:latin typeface="Cambria Math" panose="02040503050406030204" pitchFamily="18" charset="0"/>
+                                        <a:ea typeface="Hiragino Kaku Gothic ProN W3" panose="020B0300000000000000" pitchFamily="34" charset="-128"/>
+                                      </a:rPr>
+                                      <m:t>𝑘</m:t>
+                                    </m:r>
+                                  </m:sub>
+                                </m:sSub>
+                              </m:e>
+                            </m:nary>
+                          </m:num>
+                          <m:den>
+                            <m:rad>
+                              <m:radPr>
+                                <m:degHide m:val="on"/>
+                                <m:ctrlPr>
+                                  <a:rPr lang="en-US" altLang="ja-JP" b="0" i="1" smtClean="0">
+                                    <a:latin typeface="Cambria Math" panose="02040503050406030204" pitchFamily="18" charset="0"/>
+                                    <a:ea typeface="Hiragino Kaku Gothic ProN W3" panose="020B0300000000000000" pitchFamily="34" charset="-128"/>
+                                  </a:rPr>
+                                </m:ctrlPr>
+                              </m:radPr>
+                              <m:deg/>
+                              <m:e>
+                                <m:nary>
+                                  <m:naryPr>
+                                    <m:chr m:val="∑"/>
+                                    <m:limLoc m:val="subSup"/>
+                                    <m:ctrlPr>
+                                      <a:rPr lang="en-US" altLang="ja-JP" b="0" i="1" smtClean="0">
+                                        <a:latin typeface="Cambria Math" panose="02040503050406030204" pitchFamily="18" charset="0"/>
+                                        <a:ea typeface="Hiragino Kaku Gothic ProN W3" panose="020B0300000000000000" pitchFamily="34" charset="-128"/>
+                                      </a:rPr>
+                                    </m:ctrlPr>
+                                  </m:naryPr>
+                                  <m:sub>
+                                    <m:r>
+                                      <m:rPr>
+                                        <m:brk m:alnAt="25"/>
+                                      </m:rPr>
+                                      <a:rPr lang="en-US" altLang="ja-JP" b="0" i="1" smtClean="0">
+                                        <a:latin typeface="Cambria Math" panose="02040503050406030204" pitchFamily="18" charset="0"/>
+                                        <a:ea typeface="Hiragino Kaku Gothic ProN W3" panose="020B0300000000000000" pitchFamily="34" charset="-128"/>
+                                      </a:rPr>
+                                      <m:t>𝑘</m:t>
+                                    </m:r>
+                                    <m:r>
+                                      <a:rPr lang="en-US" altLang="ja-JP" b="0" i="1" smtClean="0">
+                                        <a:latin typeface="Cambria Math" panose="02040503050406030204" pitchFamily="18" charset="0"/>
+                                        <a:ea typeface="Hiragino Kaku Gothic ProN W3" panose="020B0300000000000000" pitchFamily="34" charset="-128"/>
+                                      </a:rPr>
+                                      <m:t>=1</m:t>
+                                    </m:r>
+                                  </m:sub>
+                                  <m:sup>
+                                    <m:r>
+                                      <a:rPr lang="en-US" altLang="ja-JP" b="0" i="1" smtClean="0">
+                                        <a:latin typeface="Cambria Math" panose="02040503050406030204" pitchFamily="18" charset="0"/>
+                                        <a:ea typeface="Hiragino Kaku Gothic ProN W3" panose="020B0300000000000000" pitchFamily="34" charset="-128"/>
+                                      </a:rPr>
+                                      <m:t>𝑛</m:t>
+                                    </m:r>
+                                  </m:sup>
+                                  <m:e>
+                                    <m:sSubSup>
+                                      <m:sSubSupPr>
+                                        <m:ctrlPr>
+                                          <a:rPr lang="en-US" altLang="ja-JP" b="0" i="1" smtClean="0">
+                                            <a:latin typeface="Cambria Math" panose="02040503050406030204" pitchFamily="18" charset="0"/>
+                                            <a:ea typeface="Hiragino Kaku Gothic ProN W3" panose="020B0300000000000000" pitchFamily="34" charset="-128"/>
+                                          </a:rPr>
+                                        </m:ctrlPr>
+                                      </m:sSubSupPr>
+                                      <m:e>
+                                        <m:r>
+                                          <a:rPr lang="en-US" altLang="ja-JP" b="0" i="1" smtClean="0">
+                                            <a:latin typeface="Cambria Math" panose="02040503050406030204" pitchFamily="18" charset="0"/>
+                                            <a:ea typeface="Hiragino Kaku Gothic ProN W3" panose="020B0300000000000000" pitchFamily="34" charset="-128"/>
+                                          </a:rPr>
+                                          <m:t>𝑥</m:t>
+                                        </m:r>
+                                      </m:e>
+                                      <m:sub>
+                                        <m:r>
+                                          <a:rPr lang="en-US" altLang="ja-JP" b="0" i="1" smtClean="0">
+                                            <a:latin typeface="Cambria Math" panose="02040503050406030204" pitchFamily="18" charset="0"/>
+                                            <a:ea typeface="Hiragino Kaku Gothic ProN W3" panose="020B0300000000000000" pitchFamily="34" charset="-128"/>
+                                          </a:rPr>
+                                          <m:t>𝑘</m:t>
+                                        </m:r>
+                                      </m:sub>
+                                      <m:sup>
+                                        <m:r>
+                                          <a:rPr lang="en-US" altLang="ja-JP" b="0" i="1" smtClean="0">
+                                            <a:latin typeface="Cambria Math" panose="02040503050406030204" pitchFamily="18" charset="0"/>
+                                            <a:ea typeface="Hiragino Kaku Gothic ProN W3" panose="020B0300000000000000" pitchFamily="34" charset="-128"/>
+                                          </a:rPr>
+                                          <m:t>2</m:t>
+                                        </m:r>
+                                      </m:sup>
+                                    </m:sSubSup>
+                                  </m:e>
+                                </m:nary>
+                              </m:e>
+                            </m:rad>
+                            <m:rad>
+                              <m:radPr>
+                                <m:degHide m:val="on"/>
+                                <m:ctrlPr>
+                                  <a:rPr lang="en-US" altLang="ja-JP" b="0" i="1" smtClean="0">
+                                    <a:latin typeface="Cambria Math" panose="02040503050406030204" pitchFamily="18" charset="0"/>
+                                    <a:ea typeface="Hiragino Kaku Gothic ProN W3" panose="020B0300000000000000" pitchFamily="34" charset="-128"/>
+                                  </a:rPr>
+                                </m:ctrlPr>
+                              </m:radPr>
+                              <m:deg/>
+                              <m:e>
+                                <m:nary>
+                                  <m:naryPr>
+                                    <m:chr m:val="∑"/>
+                                    <m:limLoc m:val="subSup"/>
+                                    <m:ctrlPr>
+                                      <a:rPr lang="en-US" altLang="ja-JP" b="0" i="1" smtClean="0">
+                                        <a:latin typeface="Cambria Math" panose="02040503050406030204" pitchFamily="18" charset="0"/>
+                                        <a:ea typeface="Hiragino Kaku Gothic ProN W3" panose="020B0300000000000000" pitchFamily="34" charset="-128"/>
+                                      </a:rPr>
+                                    </m:ctrlPr>
+                                  </m:naryPr>
+                                  <m:sub>
+                                    <m:r>
+                                      <m:rPr>
+                                        <m:brk m:alnAt="25"/>
+                                      </m:rPr>
+                                      <a:rPr lang="en-US" altLang="ja-JP" b="0" i="1" smtClean="0">
+                                        <a:latin typeface="Cambria Math" panose="02040503050406030204" pitchFamily="18" charset="0"/>
+                                        <a:ea typeface="Hiragino Kaku Gothic ProN W3" panose="020B0300000000000000" pitchFamily="34" charset="-128"/>
+                                      </a:rPr>
+                                      <m:t>𝑘</m:t>
+                                    </m:r>
+                                    <m:r>
+                                      <a:rPr lang="en-US" altLang="ja-JP" b="0" i="1" smtClean="0">
+                                        <a:latin typeface="Cambria Math" panose="02040503050406030204" pitchFamily="18" charset="0"/>
+                                        <a:ea typeface="Hiragino Kaku Gothic ProN W3" panose="020B0300000000000000" pitchFamily="34" charset="-128"/>
+                                      </a:rPr>
+                                      <m:t>=1</m:t>
+                                    </m:r>
+                                  </m:sub>
+                                  <m:sup>
+                                    <m:r>
+                                      <a:rPr lang="en-US" altLang="ja-JP" b="0" i="1" smtClean="0">
+                                        <a:latin typeface="Cambria Math" panose="02040503050406030204" pitchFamily="18" charset="0"/>
+                                        <a:ea typeface="Hiragino Kaku Gothic ProN W3" panose="020B0300000000000000" pitchFamily="34" charset="-128"/>
+                                      </a:rPr>
+                                      <m:t>𝑛</m:t>
+                                    </m:r>
+                                  </m:sup>
+                                  <m:e>
+                                    <m:sSubSup>
+                                      <m:sSubSupPr>
+                                        <m:ctrlPr>
+                                          <a:rPr lang="en-US" altLang="ja-JP" b="0" i="1" smtClean="0">
+                                            <a:latin typeface="Cambria Math" panose="02040503050406030204" pitchFamily="18" charset="0"/>
+                                            <a:ea typeface="Hiragino Kaku Gothic ProN W3" panose="020B0300000000000000" pitchFamily="34" charset="-128"/>
+                                          </a:rPr>
+                                        </m:ctrlPr>
+                                      </m:sSubSupPr>
+                                      <m:e>
+                                        <m:r>
+                                          <a:rPr lang="en-US" altLang="ja-JP" b="0" i="1" smtClean="0">
+                                            <a:latin typeface="Cambria Math" panose="02040503050406030204" pitchFamily="18" charset="0"/>
+                                            <a:ea typeface="Hiragino Kaku Gothic ProN W3" panose="020B0300000000000000" pitchFamily="34" charset="-128"/>
+                                          </a:rPr>
+                                          <m:t>𝑦</m:t>
+                                        </m:r>
+                                      </m:e>
+                                      <m:sub>
+                                        <m:r>
+                                          <a:rPr lang="en-US" altLang="ja-JP" b="0" i="1" smtClean="0">
+                                            <a:latin typeface="Cambria Math" panose="02040503050406030204" pitchFamily="18" charset="0"/>
+                                            <a:ea typeface="Hiragino Kaku Gothic ProN W3" panose="020B0300000000000000" pitchFamily="34" charset="-128"/>
+                                          </a:rPr>
+                                          <m:t>𝑘</m:t>
+                                        </m:r>
+                                      </m:sub>
+                                      <m:sup>
+                                        <m:r>
+                                          <a:rPr lang="en-US" altLang="ja-JP" b="0" i="1" smtClean="0">
+                                            <a:latin typeface="Cambria Math" panose="02040503050406030204" pitchFamily="18" charset="0"/>
+                                            <a:ea typeface="Hiragino Kaku Gothic ProN W3" panose="020B0300000000000000" pitchFamily="34" charset="-128"/>
+                                          </a:rPr>
+                                          <m:t>2</m:t>
+                                        </m:r>
+                                      </m:sup>
+                                    </m:sSubSup>
+                                  </m:e>
+                                </m:nary>
+                              </m:e>
+                            </m:rad>
+                          </m:den>
+                        </m:f>
+                      </m:e>
+                    </m:func>
+                  </m:oMath>
+                </a14:m>
+                <a:endParaRPr lang="en-US" altLang="ja-JP" dirty="0">
+                  <a:latin typeface="Hiragino Kaku Gothic ProN W3" panose="020B0300000000000000" pitchFamily="34" charset="-128"/>
+                  <a:ea typeface="Hiragino Kaku Gothic ProN W3" panose="020B0300000000000000" pitchFamily="34" charset="-128"/>
+                </a:endParaRPr>
+              </a:p>
+              <a:p>
+                <a:pPr fontAlgn="base"/>
+                <a:endParaRPr lang="en-US" altLang="ja-JP" dirty="0">
+                  <a:latin typeface="Hiragino Kaku Gothic ProN W3" panose="020B0300000000000000" pitchFamily="34" charset="-128"/>
+                  <a:ea typeface="Hiragino Kaku Gothic ProN W3" panose="020B0300000000000000" pitchFamily="34" charset="-128"/>
+                </a:endParaRPr>
+              </a:p>
+              <a:p>
+                <a:pPr lvl="1" fontAlgn="base"/>
+                <a:endParaRPr lang="en-US" altLang="ja-JP" sz="2000" dirty="0">
+                  <a:latin typeface="Hiragino Kaku Gothic ProN W3" panose="020B0300000000000000" pitchFamily="34" charset="-128"/>
+                  <a:ea typeface="Hiragino Kaku Gothic ProN W3" panose="020B0300000000000000" pitchFamily="34" charset="-128"/>
+                </a:endParaRPr>
+              </a:p>
+            </p:txBody>
+          </p:sp>
+        </mc:Choice>
+        <mc:Fallback>
+          <p:sp>
+            <p:nvSpPr>
+              <p:cNvPr id="5" name="コンテンツ プレースホルダー 2">
+                <a:extLst>
+                  <a:ext uri="{FF2B5EF4-FFF2-40B4-BE49-F238E27FC236}">
+                    <a16:creationId xmlns:a16="http://schemas.microsoft.com/office/drawing/2014/main" id="{B040927F-1E6A-C26C-3C46-978E4552B438}"/>
+                  </a:ext>
+                </a:extLst>
+              </p:cNvPr>
+              <p:cNvSpPr txBox="1">
+                <a:spLocks noRot="1" noChangeAspect="1" noMove="1" noResize="1" noEditPoints="1" noAdjustHandles="1" noChangeArrowheads="1" noChangeShapeType="1" noTextEdit="1"/>
+              </p:cNvSpPr>
+              <p:nvPr/>
+            </p:nvSpPr>
+            <p:spPr>
+              <a:xfrm>
+                <a:off x="576043" y="1432140"/>
+                <a:ext cx="11039913" cy="5120640"/>
+              </a:xfrm>
+              <a:prstGeom prst="rect">
+                <a:avLst/>
+              </a:prstGeom>
+              <a:blipFill>
+                <a:blip r:embed="rId2"/>
+                <a:stretch>
+                  <a:fillRect l="-460" t="-990" r="-575" b="-4950"/>
+                </a:stretch>
+              </a:blipFill>
+            </p:spPr>
+            <p:txBody>
+              <a:bodyPr/>
+              <a:lstStyle/>
+              <a:p>
+                <a:r>
+                  <a:rPr lang="ja-JP" altLang="en-US">
+                    <a:noFill/>
+                  </a:rPr>
+                  <a:t> </a:t>
+                </a:r>
+              </a:p>
+            </p:txBody>
+          </p:sp>
+        </mc:Fallback>
+      </mc:AlternateContent>
       <p:sp>
         <p:nvSpPr>
           <p:cNvPr id="6" name="タイトル 1">
@@ -9181,296 +10001,6 @@
       </p:sp>
       <p:sp>
         <p:nvSpPr>
-          <p:cNvPr id="5" name="コンテンツ プレースホルダー 2">
-            <a:extLst>
-              <a:ext uri="{FF2B5EF4-FFF2-40B4-BE49-F238E27FC236}">
-                <a16:creationId xmlns:a16="http://schemas.microsoft.com/office/drawing/2014/main" id="{B040927F-1E6A-C26C-3C46-978E4552B438}"/>
-              </a:ext>
-            </a:extLst>
-          </p:cNvPr>
-          <p:cNvSpPr txBox="1">
-            <a:spLocks/>
-          </p:cNvSpPr>
-          <p:nvPr/>
-        </p:nvSpPr>
-        <p:spPr>
-          <a:xfrm>
-            <a:off x="576043" y="1432140"/>
-            <a:ext cx="11039913" cy="5120640"/>
-          </a:xfrm>
-          <a:prstGeom prst="rect">
-            <a:avLst/>
-          </a:prstGeom>
-        </p:spPr>
-        <p:txBody>
-          <a:bodyPr/>
-          <a:lstStyle>
-            <a:lvl1pPr marL="182880" indent="-182880" algn="l" defTabSz="914400" rtl="0" eaLnBrk="1" latinLnBrk="0" hangingPunct="1">
-              <a:lnSpc>
-                <a:spcPct val="90000"/>
-              </a:lnSpc>
-              <a:spcBef>
-                <a:spcPts val="1200"/>
-              </a:spcBef>
-              <a:buClr>
-                <a:schemeClr val="accent1"/>
-              </a:buClr>
-              <a:buFont typeface="Wingdings 2" pitchFamily="18" charset="2"/>
-              <a:buChar char=""/>
-              <a:defRPr kumimoji="1" sz="2000" kern="1200">
-                <a:solidFill>
-                  <a:schemeClr val="tx1">
-                    <a:lumMod val="65000"/>
-                    <a:lumOff val="35000"/>
-                  </a:schemeClr>
-                </a:solidFill>
-                <a:latin typeface="+mn-lt"/>
-                <a:ea typeface="+mn-ea"/>
-                <a:cs typeface="+mn-cs"/>
-              </a:defRPr>
-            </a:lvl1pPr>
-            <a:lvl2pPr marL="685800" indent="-182880" algn="l" defTabSz="914400" rtl="0" eaLnBrk="1" latinLnBrk="0" hangingPunct="1">
-              <a:lnSpc>
-                <a:spcPct val="90000"/>
-              </a:lnSpc>
-              <a:spcBef>
-                <a:spcPts val="250"/>
-              </a:spcBef>
-              <a:spcAft>
-                <a:spcPts val="250"/>
-              </a:spcAft>
-              <a:buClr>
-                <a:schemeClr val="accent1"/>
-              </a:buClr>
-              <a:buFont typeface="Wingdings 2" pitchFamily="18" charset="2"/>
-              <a:buChar char=""/>
-              <a:defRPr kumimoji="1" sz="1800" kern="1200">
-                <a:solidFill>
-                  <a:schemeClr val="tx1">
-                    <a:lumMod val="65000"/>
-                    <a:lumOff val="35000"/>
-                  </a:schemeClr>
-                </a:solidFill>
-                <a:latin typeface="+mn-lt"/>
-                <a:ea typeface="+mn-ea"/>
-                <a:cs typeface="+mn-cs"/>
-              </a:defRPr>
-            </a:lvl2pPr>
-            <a:lvl3pPr marL="1143000" indent="-182880" algn="l" defTabSz="914400" rtl="0" eaLnBrk="1" latinLnBrk="0" hangingPunct="1">
-              <a:lnSpc>
-                <a:spcPct val="90000"/>
-              </a:lnSpc>
-              <a:spcBef>
-                <a:spcPts val="250"/>
-              </a:spcBef>
-              <a:spcAft>
-                <a:spcPts val="250"/>
-              </a:spcAft>
-              <a:buClr>
-                <a:schemeClr val="accent1"/>
-              </a:buClr>
-              <a:buFont typeface="Wingdings 2" pitchFamily="18" charset="2"/>
-              <a:buChar char=""/>
-              <a:defRPr kumimoji="1" sz="1600" kern="1200">
-                <a:solidFill>
-                  <a:schemeClr val="tx1">
-                    <a:lumMod val="65000"/>
-                    <a:lumOff val="35000"/>
-                  </a:schemeClr>
-                </a:solidFill>
-                <a:latin typeface="+mn-lt"/>
-                <a:ea typeface="+mn-ea"/>
-                <a:cs typeface="+mn-cs"/>
-              </a:defRPr>
-            </a:lvl3pPr>
-            <a:lvl4pPr marL="1600200" indent="-182880" algn="l" defTabSz="914400" rtl="0" eaLnBrk="1" latinLnBrk="0" hangingPunct="1">
-              <a:lnSpc>
-                <a:spcPct val="90000"/>
-              </a:lnSpc>
-              <a:spcBef>
-                <a:spcPts val="250"/>
-              </a:spcBef>
-              <a:spcAft>
-                <a:spcPts val="250"/>
-              </a:spcAft>
-              <a:buClr>
-                <a:schemeClr val="accent1"/>
-              </a:buClr>
-              <a:buFont typeface="Wingdings 2" pitchFamily="18" charset="2"/>
-              <a:buChar char=""/>
-              <a:defRPr kumimoji="1" sz="1400" kern="1200">
-                <a:solidFill>
-                  <a:schemeClr val="tx1">
-                    <a:lumMod val="65000"/>
-                    <a:lumOff val="35000"/>
-                  </a:schemeClr>
-                </a:solidFill>
-                <a:latin typeface="+mn-lt"/>
-                <a:ea typeface="+mn-ea"/>
-                <a:cs typeface="+mn-cs"/>
-              </a:defRPr>
-            </a:lvl4pPr>
-            <a:lvl5pPr marL="2057400" indent="-182880" algn="l" defTabSz="914400" rtl="0" eaLnBrk="1" latinLnBrk="0" hangingPunct="1">
-              <a:lnSpc>
-                <a:spcPct val="90000"/>
-              </a:lnSpc>
-              <a:spcBef>
-                <a:spcPts val="250"/>
-              </a:spcBef>
-              <a:spcAft>
-                <a:spcPts val="250"/>
-              </a:spcAft>
-              <a:buClr>
-                <a:schemeClr val="accent1"/>
-              </a:buClr>
-              <a:buFont typeface="Wingdings 2" pitchFamily="18" charset="2"/>
-              <a:buChar char=""/>
-              <a:defRPr kumimoji="1" sz="1400" kern="1200">
-                <a:solidFill>
-                  <a:schemeClr val="tx1">
-                    <a:lumMod val="65000"/>
-                    <a:lumOff val="35000"/>
-                  </a:schemeClr>
-                </a:solidFill>
-                <a:latin typeface="+mn-lt"/>
-                <a:ea typeface="+mn-ea"/>
-                <a:cs typeface="+mn-cs"/>
-              </a:defRPr>
-            </a:lvl5pPr>
-            <a:lvl6pPr marL="2514600" indent="-228600" algn="l" defTabSz="914400" rtl="0" eaLnBrk="1" latinLnBrk="0" hangingPunct="1">
-              <a:lnSpc>
-                <a:spcPct val="90000"/>
-              </a:lnSpc>
-              <a:spcBef>
-                <a:spcPts val="250"/>
-              </a:spcBef>
-              <a:spcAft>
-                <a:spcPts val="250"/>
-              </a:spcAft>
-              <a:buClr>
-                <a:schemeClr val="accent1"/>
-              </a:buClr>
-              <a:buFont typeface="Wingdings 2" pitchFamily="18" charset="2"/>
-              <a:buChar char=""/>
-              <a:defRPr kumimoji="1" sz="1400" kern="1200">
-                <a:solidFill>
-                  <a:schemeClr val="tx1">
-                    <a:lumMod val="65000"/>
-                    <a:lumOff val="35000"/>
-                  </a:schemeClr>
-                </a:solidFill>
-                <a:latin typeface="+mn-lt"/>
-                <a:ea typeface="+mn-ea"/>
-                <a:cs typeface="+mn-cs"/>
-              </a:defRPr>
-            </a:lvl6pPr>
-            <a:lvl7pPr marL="2971800" indent="-228600" algn="l" defTabSz="914400" rtl="0" eaLnBrk="1" latinLnBrk="0" hangingPunct="1">
-              <a:lnSpc>
-                <a:spcPct val="90000"/>
-              </a:lnSpc>
-              <a:spcBef>
-                <a:spcPts val="250"/>
-              </a:spcBef>
-              <a:spcAft>
-                <a:spcPts val="250"/>
-              </a:spcAft>
-              <a:buClr>
-                <a:schemeClr val="accent1"/>
-              </a:buClr>
-              <a:buFont typeface="Wingdings 2" pitchFamily="18" charset="2"/>
-              <a:buChar char=""/>
-              <a:defRPr kumimoji="1" sz="1400" kern="1200">
-                <a:solidFill>
-                  <a:schemeClr val="tx1">
-                    <a:lumMod val="65000"/>
-                    <a:lumOff val="35000"/>
-                  </a:schemeClr>
-                </a:solidFill>
-                <a:latin typeface="+mn-lt"/>
-                <a:ea typeface="+mn-ea"/>
-                <a:cs typeface="+mn-cs"/>
-              </a:defRPr>
-            </a:lvl7pPr>
-            <a:lvl8pPr marL="3429000" indent="-228600" algn="l" defTabSz="914400" rtl="0" eaLnBrk="1" latinLnBrk="0" hangingPunct="1">
-              <a:lnSpc>
-                <a:spcPct val="90000"/>
-              </a:lnSpc>
-              <a:spcBef>
-                <a:spcPts val="250"/>
-              </a:spcBef>
-              <a:spcAft>
-                <a:spcPts val="250"/>
-              </a:spcAft>
-              <a:buClr>
-                <a:schemeClr val="accent1"/>
-              </a:buClr>
-              <a:buFont typeface="Wingdings 2" pitchFamily="18" charset="2"/>
-              <a:buChar char=""/>
-              <a:defRPr kumimoji="1" sz="1400" kern="1200">
-                <a:solidFill>
-                  <a:schemeClr val="tx1">
-                    <a:lumMod val="65000"/>
-                    <a:lumOff val="35000"/>
-                  </a:schemeClr>
-                </a:solidFill>
-                <a:latin typeface="+mn-lt"/>
-                <a:ea typeface="+mn-ea"/>
-                <a:cs typeface="+mn-cs"/>
-              </a:defRPr>
-            </a:lvl8pPr>
-            <a:lvl9pPr marL="3886200" indent="-228600" algn="l" defTabSz="914400" rtl="0" eaLnBrk="1" latinLnBrk="0" hangingPunct="1">
-              <a:lnSpc>
-                <a:spcPct val="90000"/>
-              </a:lnSpc>
-              <a:spcBef>
-                <a:spcPts val="250"/>
-              </a:spcBef>
-              <a:spcAft>
-                <a:spcPts val="250"/>
-              </a:spcAft>
-              <a:buClr>
-                <a:schemeClr val="accent1"/>
-              </a:buClr>
-              <a:buFont typeface="Wingdings 2" pitchFamily="18" charset="2"/>
-              <a:buChar char=""/>
-              <a:defRPr kumimoji="1" sz="1400" kern="1200">
-                <a:solidFill>
-                  <a:schemeClr val="tx1">
-                    <a:lumMod val="65000"/>
-                    <a:lumOff val="35000"/>
-                  </a:schemeClr>
-                </a:solidFill>
-                <a:latin typeface="+mn-lt"/>
-                <a:ea typeface="+mn-ea"/>
-                <a:cs typeface="+mn-cs"/>
-              </a:defRPr>
-            </a:lvl9pPr>
-          </a:lstStyle>
-          <a:p>
-            <a:pPr fontAlgn="base"/>
-            <a:r>
-              <a:rPr lang="ja-JP" altLang="en-US">
-                <a:latin typeface="Hiragino Kaku Gothic ProN W3" panose="020B0300000000000000" pitchFamily="34" charset="-128"/>
-                <a:ea typeface="Hiragino Kaku Gothic ProN W3" panose="020B0300000000000000" pitchFamily="34" charset="-128"/>
-              </a:rPr>
-              <a:t>実験結果</a:t>
-            </a:r>
-            <a:endParaRPr lang="en-US" altLang="ja-JP" dirty="0">
-              <a:latin typeface="Hiragino Kaku Gothic ProN W3" panose="020B0300000000000000" pitchFamily="34" charset="-128"/>
-              <a:ea typeface="Hiragino Kaku Gothic ProN W3" panose="020B0300000000000000" pitchFamily="34" charset="-128"/>
-            </a:endParaRPr>
-          </a:p>
-          <a:p>
-            <a:pPr lvl="1" fontAlgn="base"/>
-            <a:endParaRPr lang="en-US" altLang="ja-JP" sz="2000" dirty="0">
-              <a:latin typeface="Hiragino Kaku Gothic ProN W3" panose="020B0300000000000000" pitchFamily="34" charset="-128"/>
-              <a:ea typeface="Hiragino Kaku Gothic ProN W3" panose="020B0300000000000000" pitchFamily="34" charset="-128"/>
-            </a:endParaRPr>
-          </a:p>
-        </p:txBody>
-      </p:sp>
-      <p:sp>
-        <p:nvSpPr>
           <p:cNvPr id="6" name="タイトル 1">
             <a:extLst>
               <a:ext uri="{FF2B5EF4-FFF2-40B4-BE49-F238E27FC236}">
@@ -9528,10 +10058,594 @@
           </a:p>
         </p:txBody>
       </p:sp>
+      <p:pic>
+        <p:nvPicPr>
+          <p:cNvPr id="3" name="図 2">
+            <a:extLst>
+              <a:ext uri="{FF2B5EF4-FFF2-40B4-BE49-F238E27FC236}">
+                <a16:creationId xmlns:a16="http://schemas.microsoft.com/office/drawing/2014/main" id="{9274B588-7F42-086F-3F95-542F3D334505}"/>
+              </a:ext>
+            </a:extLst>
+          </p:cNvPr>
+          <p:cNvPicPr>
+            <a:picLocks noChangeAspect="1"/>
+          </p:cNvPicPr>
+          <p:nvPr/>
+        </p:nvPicPr>
+        <p:blipFill>
+          <a:blip r:embed="rId2"/>
+          <a:stretch>
+            <a:fillRect/>
+          </a:stretch>
+        </p:blipFill>
+        <p:spPr>
+          <a:xfrm>
+            <a:off x="971363" y="5155451"/>
+            <a:ext cx="1356018" cy="1356018"/>
+          </a:xfrm>
+          <a:prstGeom prst="rect">
+            <a:avLst/>
+          </a:prstGeom>
+        </p:spPr>
+      </p:pic>
+      <p:pic>
+        <p:nvPicPr>
+          <p:cNvPr id="10" name="図 9">
+            <a:extLst>
+              <a:ext uri="{FF2B5EF4-FFF2-40B4-BE49-F238E27FC236}">
+                <a16:creationId xmlns:a16="http://schemas.microsoft.com/office/drawing/2014/main" id="{86BE9025-60EC-2D5E-5C37-EB0B35847FE2}"/>
+              </a:ext>
+            </a:extLst>
+          </p:cNvPr>
+          <p:cNvPicPr>
+            <a:picLocks noChangeAspect="1"/>
+          </p:cNvPicPr>
+          <p:nvPr/>
+        </p:nvPicPr>
+        <p:blipFill>
+          <a:blip r:embed="rId3"/>
+          <a:stretch>
+            <a:fillRect/>
+          </a:stretch>
+        </p:blipFill>
+        <p:spPr>
+          <a:xfrm>
+            <a:off x="4208184" y="5159703"/>
+            <a:ext cx="1350361" cy="1350361"/>
+          </a:xfrm>
+          <a:prstGeom prst="rect">
+            <a:avLst/>
+          </a:prstGeom>
+        </p:spPr>
+      </p:pic>
+      <p:sp>
+        <p:nvSpPr>
+          <p:cNvPr id="11" name="正方形/長方形 10">
+            <a:extLst>
+              <a:ext uri="{FF2B5EF4-FFF2-40B4-BE49-F238E27FC236}">
+                <a16:creationId xmlns:a16="http://schemas.microsoft.com/office/drawing/2014/main" id="{75F94F86-A7D6-3584-3150-27EC6D7C9316}"/>
+              </a:ext>
+            </a:extLst>
+          </p:cNvPr>
+          <p:cNvSpPr/>
+          <p:nvPr/>
+        </p:nvSpPr>
+        <p:spPr>
+          <a:xfrm>
+            <a:off x="2583350" y="5155450"/>
+            <a:ext cx="1339852" cy="1350361"/>
+          </a:xfrm>
+          <a:prstGeom prst="rect">
+            <a:avLst/>
+          </a:prstGeom>
+          <a:solidFill>
+            <a:srgbClr val="F38480"/>
+          </a:solidFill>
+          <a:ln>
+            <a:noFill/>
+          </a:ln>
+        </p:spPr>
+        <p:style>
+          <a:lnRef idx="2">
+            <a:schemeClr val="accent1">
+              <a:shade val="15000"/>
+            </a:schemeClr>
+          </a:lnRef>
+          <a:fillRef idx="1">
+            <a:schemeClr val="accent1"/>
+          </a:fillRef>
+          <a:effectRef idx="0">
+            <a:schemeClr val="accent1"/>
+          </a:effectRef>
+          <a:fontRef idx="minor">
+            <a:schemeClr val="lt1"/>
+          </a:fontRef>
+        </p:style>
+        <p:txBody>
+          <a:bodyPr rtlCol="0" anchor="ctr"/>
+          <a:lstStyle/>
+          <a:p>
+            <a:pPr algn="ctr"/>
+            <a:endParaRPr kumimoji="1" lang="ja-JP" altLang="en-US"/>
+          </a:p>
+        </p:txBody>
+      </p:sp>
+      <p:pic>
+        <p:nvPicPr>
+          <p:cNvPr id="12" name="図 11">
+            <a:extLst>
+              <a:ext uri="{FF2B5EF4-FFF2-40B4-BE49-F238E27FC236}">
+                <a16:creationId xmlns:a16="http://schemas.microsoft.com/office/drawing/2014/main" id="{6B648E0B-48B1-D7AB-440C-808C4091D4A6}"/>
+              </a:ext>
+            </a:extLst>
+          </p:cNvPr>
+          <p:cNvPicPr>
+            <a:picLocks noChangeAspect="1"/>
+          </p:cNvPicPr>
+          <p:nvPr/>
+        </p:nvPicPr>
+        <p:blipFill>
+          <a:blip r:embed="rId4"/>
+          <a:stretch>
+            <a:fillRect/>
+          </a:stretch>
+        </p:blipFill>
+        <p:spPr>
+          <a:xfrm>
+            <a:off x="998046" y="1638500"/>
+            <a:ext cx="1339850" cy="1339850"/>
+          </a:xfrm>
+          <a:prstGeom prst="rect">
+            <a:avLst/>
+          </a:prstGeom>
+        </p:spPr>
+      </p:pic>
+      <p:pic>
+        <p:nvPicPr>
+          <p:cNvPr id="13" name="図 12">
+            <a:extLst>
+              <a:ext uri="{FF2B5EF4-FFF2-40B4-BE49-F238E27FC236}">
+                <a16:creationId xmlns:a16="http://schemas.microsoft.com/office/drawing/2014/main" id="{0936C426-E3C7-7EC9-1543-FD85EC660F18}"/>
+              </a:ext>
+            </a:extLst>
+          </p:cNvPr>
+          <p:cNvPicPr>
+            <a:picLocks noChangeAspect="1"/>
+          </p:cNvPicPr>
+          <p:nvPr/>
+        </p:nvPicPr>
+        <p:blipFill>
+          <a:blip r:embed="rId5"/>
+          <a:stretch>
+            <a:fillRect/>
+          </a:stretch>
+        </p:blipFill>
+        <p:spPr>
+          <a:xfrm>
+            <a:off x="2593866" y="1638499"/>
+            <a:ext cx="1339849" cy="1339849"/>
+          </a:xfrm>
+          <a:prstGeom prst="rect">
+            <a:avLst/>
+          </a:prstGeom>
+        </p:spPr>
+      </p:pic>
+      <p:pic>
+        <p:nvPicPr>
+          <p:cNvPr id="14" name="図 13">
+            <a:extLst>
+              <a:ext uri="{FF2B5EF4-FFF2-40B4-BE49-F238E27FC236}">
+                <a16:creationId xmlns:a16="http://schemas.microsoft.com/office/drawing/2014/main" id="{4A15F863-B752-A86B-55CA-DF89DAB8E57F}"/>
+              </a:ext>
+            </a:extLst>
+          </p:cNvPr>
+          <p:cNvPicPr>
+            <a:picLocks noChangeAspect="1"/>
+          </p:cNvPicPr>
+          <p:nvPr/>
+        </p:nvPicPr>
+        <p:blipFill>
+          <a:blip r:embed="rId6"/>
+          <a:stretch>
+            <a:fillRect/>
+          </a:stretch>
+        </p:blipFill>
+        <p:spPr>
+          <a:xfrm>
+            <a:off x="4189684" y="1648351"/>
+            <a:ext cx="1339849" cy="1339849"/>
+          </a:xfrm>
+          <a:prstGeom prst="rect">
+            <a:avLst/>
+          </a:prstGeom>
+        </p:spPr>
+      </p:pic>
+      <p:pic>
+        <p:nvPicPr>
+          <p:cNvPr id="15" name="図 14">
+            <a:extLst>
+              <a:ext uri="{FF2B5EF4-FFF2-40B4-BE49-F238E27FC236}">
+                <a16:creationId xmlns:a16="http://schemas.microsoft.com/office/drawing/2014/main" id="{2A1E1566-3D7F-1AC7-9AAB-1211475A0D3D}"/>
+              </a:ext>
+            </a:extLst>
+          </p:cNvPr>
+          <p:cNvPicPr>
+            <a:picLocks noChangeAspect="1"/>
+          </p:cNvPicPr>
+          <p:nvPr/>
+        </p:nvPicPr>
+        <p:blipFill>
+          <a:blip r:embed="rId7"/>
+          <a:stretch>
+            <a:fillRect/>
+          </a:stretch>
+        </p:blipFill>
+        <p:spPr>
+          <a:xfrm>
+            <a:off x="998046" y="3410379"/>
+            <a:ext cx="1339848" cy="1339848"/>
+          </a:xfrm>
+          <a:prstGeom prst="rect">
+            <a:avLst/>
+          </a:prstGeom>
+        </p:spPr>
+      </p:pic>
+      <p:sp>
+        <p:nvSpPr>
+          <p:cNvPr id="16" name="正方形/長方形 15">
+            <a:extLst>
+              <a:ext uri="{FF2B5EF4-FFF2-40B4-BE49-F238E27FC236}">
+                <a16:creationId xmlns:a16="http://schemas.microsoft.com/office/drawing/2014/main" id="{56773DC5-811B-9FFF-96EB-F57FBD4695E5}"/>
+              </a:ext>
+            </a:extLst>
+          </p:cNvPr>
+          <p:cNvSpPr/>
+          <p:nvPr/>
+        </p:nvSpPr>
+        <p:spPr>
+          <a:xfrm>
+            <a:off x="2593863" y="3420231"/>
+            <a:ext cx="1350362" cy="1329996"/>
+          </a:xfrm>
+          <a:prstGeom prst="rect">
+            <a:avLst/>
+          </a:prstGeom>
+          <a:solidFill>
+            <a:srgbClr val="E6886E"/>
+          </a:solidFill>
+          <a:ln>
+            <a:noFill/>
+          </a:ln>
+        </p:spPr>
+        <p:style>
+          <a:lnRef idx="2">
+            <a:schemeClr val="accent1">
+              <a:shade val="15000"/>
+            </a:schemeClr>
+          </a:lnRef>
+          <a:fillRef idx="1">
+            <a:schemeClr val="accent1"/>
+          </a:fillRef>
+          <a:effectRef idx="0">
+            <a:schemeClr val="accent1"/>
+          </a:effectRef>
+          <a:fontRef idx="minor">
+            <a:schemeClr val="lt1"/>
+          </a:fontRef>
+        </p:style>
+        <p:txBody>
+          <a:bodyPr rtlCol="0" anchor="ctr"/>
+          <a:lstStyle/>
+          <a:p>
+            <a:pPr algn="ctr"/>
+            <a:endParaRPr kumimoji="1" lang="ja-JP" altLang="en-US"/>
+          </a:p>
+        </p:txBody>
+      </p:sp>
+      <p:pic>
+        <p:nvPicPr>
+          <p:cNvPr id="17" name="図 16">
+            <a:extLst>
+              <a:ext uri="{FF2B5EF4-FFF2-40B4-BE49-F238E27FC236}">
+                <a16:creationId xmlns:a16="http://schemas.microsoft.com/office/drawing/2014/main" id="{019781EC-8620-32B5-6109-2EF6AB5770B3}"/>
+              </a:ext>
+            </a:extLst>
+          </p:cNvPr>
+          <p:cNvPicPr>
+            <a:picLocks noChangeAspect="1"/>
+          </p:cNvPicPr>
+          <p:nvPr/>
+        </p:nvPicPr>
+        <p:blipFill>
+          <a:blip r:embed="rId8"/>
+          <a:stretch>
+            <a:fillRect/>
+          </a:stretch>
+        </p:blipFill>
+        <p:spPr>
+          <a:xfrm>
+            <a:off x="4218698" y="3410379"/>
+            <a:ext cx="1339847" cy="1339847"/>
+          </a:xfrm>
+          <a:prstGeom prst="rect">
+            <a:avLst/>
+          </a:prstGeom>
+        </p:spPr>
+      </p:pic>
+      <p:pic>
+        <p:nvPicPr>
+          <p:cNvPr id="19" name="図 18">
+            <a:extLst>
+              <a:ext uri="{FF2B5EF4-FFF2-40B4-BE49-F238E27FC236}">
+                <a16:creationId xmlns:a16="http://schemas.microsoft.com/office/drawing/2014/main" id="{6748BDC0-C2BB-AEF4-572C-C263AC7FF174}"/>
+              </a:ext>
+            </a:extLst>
+          </p:cNvPr>
+          <p:cNvPicPr>
+            <a:picLocks noChangeAspect="1"/>
+          </p:cNvPicPr>
+          <p:nvPr/>
+        </p:nvPicPr>
+        <p:blipFill>
+          <a:blip r:embed="rId9"/>
+          <a:stretch>
+            <a:fillRect/>
+          </a:stretch>
+        </p:blipFill>
+        <p:spPr>
+          <a:xfrm>
+            <a:off x="7274249" y="1638499"/>
+            <a:ext cx="1339850" cy="1347092"/>
+          </a:xfrm>
+          <a:prstGeom prst="rect">
+            <a:avLst/>
+          </a:prstGeom>
+        </p:spPr>
+      </p:pic>
+      <p:pic>
+        <p:nvPicPr>
+          <p:cNvPr id="21" name="図 20">
+            <a:extLst>
+              <a:ext uri="{FF2B5EF4-FFF2-40B4-BE49-F238E27FC236}">
+                <a16:creationId xmlns:a16="http://schemas.microsoft.com/office/drawing/2014/main" id="{E43325B0-AB2E-8E4D-AFC2-DCA40CD6B437}"/>
+              </a:ext>
+            </a:extLst>
+          </p:cNvPr>
+          <p:cNvPicPr>
+            <a:picLocks noChangeAspect="1"/>
+          </p:cNvPicPr>
+          <p:nvPr/>
+        </p:nvPicPr>
+        <p:blipFill>
+          <a:blip r:embed="rId10"/>
+          <a:stretch>
+            <a:fillRect/>
+          </a:stretch>
+        </p:blipFill>
+        <p:spPr>
+          <a:xfrm>
+            <a:off x="8870066" y="1633987"/>
+            <a:ext cx="1339849" cy="1339849"/>
+          </a:xfrm>
+          <a:prstGeom prst="rect">
+            <a:avLst/>
+          </a:prstGeom>
+        </p:spPr>
+      </p:pic>
+      <p:pic>
+        <p:nvPicPr>
+          <p:cNvPr id="23" name="図 22">
+            <a:extLst>
+              <a:ext uri="{FF2B5EF4-FFF2-40B4-BE49-F238E27FC236}">
+                <a16:creationId xmlns:a16="http://schemas.microsoft.com/office/drawing/2014/main" id="{01A3E369-26BB-FCD7-740A-61CD847D9C92}"/>
+              </a:ext>
+            </a:extLst>
+          </p:cNvPr>
+          <p:cNvPicPr>
+            <a:picLocks noChangeAspect="1"/>
+          </p:cNvPicPr>
+          <p:nvPr/>
+        </p:nvPicPr>
+        <p:blipFill>
+          <a:blip r:embed="rId11"/>
+          <a:stretch>
+            <a:fillRect/>
+          </a:stretch>
+        </p:blipFill>
+        <p:spPr>
+          <a:xfrm>
+            <a:off x="10465882" y="1648351"/>
+            <a:ext cx="1339848" cy="1339848"/>
+          </a:xfrm>
+          <a:prstGeom prst="rect">
+            <a:avLst/>
+          </a:prstGeom>
+        </p:spPr>
+      </p:pic>
+      <p:pic>
+        <p:nvPicPr>
+          <p:cNvPr id="25" name="図 24">
+            <a:extLst>
+              <a:ext uri="{FF2B5EF4-FFF2-40B4-BE49-F238E27FC236}">
+                <a16:creationId xmlns:a16="http://schemas.microsoft.com/office/drawing/2014/main" id="{C81CB563-CA33-4966-4887-A794768129CC}"/>
+              </a:ext>
+            </a:extLst>
+          </p:cNvPr>
+          <p:cNvPicPr>
+            <a:picLocks noChangeAspect="1"/>
+          </p:cNvPicPr>
+          <p:nvPr/>
+        </p:nvPicPr>
+        <p:blipFill>
+          <a:blip r:embed="rId12"/>
+          <a:stretch>
+            <a:fillRect/>
+          </a:stretch>
+        </p:blipFill>
+        <p:spPr>
+          <a:xfrm>
+            <a:off x="7274249" y="3410379"/>
+            <a:ext cx="1339847" cy="1339847"/>
+          </a:xfrm>
+          <a:prstGeom prst="rect">
+            <a:avLst/>
+          </a:prstGeom>
+        </p:spPr>
+      </p:pic>
+      <p:pic>
+        <p:nvPicPr>
+          <p:cNvPr id="27" name="図 26">
+            <a:extLst>
+              <a:ext uri="{FF2B5EF4-FFF2-40B4-BE49-F238E27FC236}">
+                <a16:creationId xmlns:a16="http://schemas.microsoft.com/office/drawing/2014/main" id="{A0D18E11-4990-240F-EC54-F01974035BA3}"/>
+              </a:ext>
+            </a:extLst>
+          </p:cNvPr>
+          <p:cNvPicPr>
+            <a:picLocks noChangeAspect="1"/>
+          </p:cNvPicPr>
+          <p:nvPr/>
+        </p:nvPicPr>
+        <p:blipFill>
+          <a:blip r:embed="rId13"/>
+          <a:stretch>
+            <a:fillRect/>
+          </a:stretch>
+        </p:blipFill>
+        <p:spPr>
+          <a:xfrm>
+            <a:off x="8870064" y="3410379"/>
+            <a:ext cx="1339847" cy="1339847"/>
+          </a:xfrm>
+          <a:prstGeom prst="rect">
+            <a:avLst/>
+          </a:prstGeom>
+        </p:spPr>
+      </p:pic>
+      <p:pic>
+        <p:nvPicPr>
+          <p:cNvPr id="29" name="図 28">
+            <a:extLst>
+              <a:ext uri="{FF2B5EF4-FFF2-40B4-BE49-F238E27FC236}">
+                <a16:creationId xmlns:a16="http://schemas.microsoft.com/office/drawing/2014/main" id="{F4562CCE-03BB-38E3-6BF0-7ED895E964B1}"/>
+              </a:ext>
+            </a:extLst>
+          </p:cNvPr>
+          <p:cNvPicPr>
+            <a:picLocks noChangeAspect="1"/>
+          </p:cNvPicPr>
+          <p:nvPr/>
+        </p:nvPicPr>
+        <p:blipFill>
+          <a:blip r:embed="rId14"/>
+          <a:stretch>
+            <a:fillRect/>
+          </a:stretch>
+        </p:blipFill>
+        <p:spPr>
+          <a:xfrm>
+            <a:off x="10465879" y="3401901"/>
+            <a:ext cx="1339846" cy="1339846"/>
+          </a:xfrm>
+          <a:prstGeom prst="rect">
+            <a:avLst/>
+          </a:prstGeom>
+        </p:spPr>
+      </p:pic>
+      <p:pic>
+        <p:nvPicPr>
+          <p:cNvPr id="31" name="図 30">
+            <a:extLst>
+              <a:ext uri="{FF2B5EF4-FFF2-40B4-BE49-F238E27FC236}">
+                <a16:creationId xmlns:a16="http://schemas.microsoft.com/office/drawing/2014/main" id="{10A078C7-6075-89CB-4301-476665008E3B}"/>
+              </a:ext>
+            </a:extLst>
+          </p:cNvPr>
+          <p:cNvPicPr>
+            <a:picLocks noChangeAspect="1"/>
+          </p:cNvPicPr>
+          <p:nvPr/>
+        </p:nvPicPr>
+        <p:blipFill>
+          <a:blip r:embed="rId15"/>
+          <a:stretch>
+            <a:fillRect/>
+          </a:stretch>
+        </p:blipFill>
+        <p:spPr>
+          <a:xfrm>
+            <a:off x="7274249" y="5155450"/>
+            <a:ext cx="1339847" cy="1339847"/>
+          </a:xfrm>
+          <a:prstGeom prst="rect">
+            <a:avLst/>
+          </a:prstGeom>
+        </p:spPr>
+      </p:pic>
+      <p:pic>
+        <p:nvPicPr>
+          <p:cNvPr id="33" name="図 32">
+            <a:extLst>
+              <a:ext uri="{FF2B5EF4-FFF2-40B4-BE49-F238E27FC236}">
+                <a16:creationId xmlns:a16="http://schemas.microsoft.com/office/drawing/2014/main" id="{A405D32D-7580-872C-DBB4-E84571D3C094}"/>
+              </a:ext>
+            </a:extLst>
+          </p:cNvPr>
+          <p:cNvPicPr>
+            <a:picLocks noChangeAspect="1"/>
+          </p:cNvPicPr>
+          <p:nvPr/>
+        </p:nvPicPr>
+        <p:blipFill>
+          <a:blip r:embed="rId16"/>
+          <a:stretch>
+            <a:fillRect/>
+          </a:stretch>
+        </p:blipFill>
+        <p:spPr>
+          <a:xfrm>
+            <a:off x="8870064" y="5155449"/>
+            <a:ext cx="1339847" cy="1339847"/>
+          </a:xfrm>
+          <a:prstGeom prst="rect">
+            <a:avLst/>
+          </a:prstGeom>
+        </p:spPr>
+      </p:pic>
+      <p:pic>
+        <p:nvPicPr>
+          <p:cNvPr id="35" name="図 34">
+            <a:extLst>
+              <a:ext uri="{FF2B5EF4-FFF2-40B4-BE49-F238E27FC236}">
+                <a16:creationId xmlns:a16="http://schemas.microsoft.com/office/drawing/2014/main" id="{B32FA087-FBC8-BB6C-68B8-E993A3B6EE15}"/>
+              </a:ext>
+            </a:extLst>
+          </p:cNvPr>
+          <p:cNvPicPr>
+            <a:picLocks noChangeAspect="1"/>
+          </p:cNvPicPr>
+          <p:nvPr/>
+        </p:nvPicPr>
+        <p:blipFill>
+          <a:blip r:embed="rId17"/>
+          <a:stretch>
+            <a:fillRect/>
+          </a:stretch>
+        </p:blipFill>
+        <p:spPr>
+          <a:xfrm>
+            <a:off x="10465879" y="5155449"/>
+            <a:ext cx="1339846" cy="1339846"/>
+          </a:xfrm>
+          <a:prstGeom prst="rect">
+            <a:avLst/>
+          </a:prstGeom>
+        </p:spPr>
+      </p:pic>
     </p:spTree>
     <p:extLst>
       <p:ext uri="{BB962C8B-B14F-4D97-AF65-F5344CB8AC3E}">
-        <p14:creationId xmlns:p14="http://schemas.microsoft.com/office/powerpoint/2010/main" val="3860281592"/>
+        <p14:creationId xmlns:p14="http://schemas.microsoft.com/office/powerpoint/2010/main" val="2356162677"/>
       </p:ext>
     </p:extLst>
   </p:cSld>
@@ -9876,13 +10990,17 @@
           </a:lstStyle>
           <a:p>
             <a:pPr fontAlgn="base"/>
-            <a:r>
-              <a:rPr lang="ja-JP" altLang="en-US">
-                <a:latin typeface="Hiragino Kaku Gothic ProN W3" panose="020B0300000000000000" pitchFamily="34" charset="-128"/>
-                <a:ea typeface="Hiragino Kaku Gothic ProN W3" panose="020B0300000000000000" pitchFamily="34" charset="-128"/>
-              </a:rPr>
-              <a:t>あああ</a:t>
-            </a:r>
+            <a:endParaRPr lang="en-US" altLang="ja-JP" dirty="0">
+              <a:latin typeface="Hiragino Kaku Gothic ProN W3" panose="020B0300000000000000" pitchFamily="34" charset="-128"/>
+              <a:ea typeface="Hiragino Kaku Gothic ProN W3" panose="020B0300000000000000" pitchFamily="34" charset="-128"/>
+            </a:endParaRPr>
+          </a:p>
+          <a:p>
+            <a:pPr lvl="1" fontAlgn="base"/>
+            <a:endParaRPr lang="en-US" altLang="ja-JP" sz="2000" dirty="0">
+              <a:latin typeface="Hiragino Kaku Gothic ProN W3" panose="020B0300000000000000" pitchFamily="34" charset="-128"/>
+              <a:ea typeface="Hiragino Kaku Gothic ProN W3" panose="020B0300000000000000" pitchFamily="34" charset="-128"/>
+            </a:endParaRPr>
           </a:p>
         </p:txBody>
       </p:sp>
@@ -9932,18 +11050,11 @@
           </a:lstStyle>
           <a:p>
             <a:r>
-              <a:rPr lang="en-US" altLang="ja-JP" dirty="0">
-                <a:latin typeface="Hiragino Kaku Gothic ProN W3" panose="020B0300000000000000" pitchFamily="34" charset="-128"/>
-                <a:ea typeface="Hiragino Kaku Gothic ProN W3" panose="020B0300000000000000" pitchFamily="34" charset="-128"/>
-              </a:rPr>
-              <a:t>③</a:t>
-            </a:r>
-            <a:r>
               <a:rPr lang="ja-JP" altLang="en-US">
                 <a:latin typeface="Hiragino Kaku Gothic ProN W3" panose="020B0300000000000000" pitchFamily="34" charset="-128"/>
                 <a:ea typeface="Hiragino Kaku Gothic ProN W3" panose="020B0300000000000000" pitchFamily="34" charset="-128"/>
               </a:rPr>
-              <a:t>実際の使用を想定した実験</a:t>
+              <a:t>②学習データとは異なる媒体の画像を使用した実験</a:t>
             </a:r>
             <a:endParaRPr lang="en-US" altLang="ja-JP" dirty="0">
               <a:latin typeface="Hiragino Kaku Gothic ProN W3" panose="020B0300000000000000" pitchFamily="34" charset="-128"/>
@@ -9952,10 +11063,1254 @@
           </a:p>
         </p:txBody>
       </p:sp>
+      <p:graphicFrame>
+        <p:nvGraphicFramePr>
+          <p:cNvPr id="2" name="表 1">
+            <a:extLst>
+              <a:ext uri="{FF2B5EF4-FFF2-40B4-BE49-F238E27FC236}">
+                <a16:creationId xmlns:a16="http://schemas.microsoft.com/office/drawing/2014/main" id="{90D5215E-3A9A-D719-C57C-7087A4A25EDB}"/>
+              </a:ext>
+            </a:extLst>
+          </p:cNvPr>
+          <p:cNvGraphicFramePr>
+            <a:graphicFrameLocks noGrp="1"/>
+          </p:cNvGraphicFramePr>
+          <p:nvPr>
+            <p:extLst>
+              <p:ext uri="{D42A27DB-BD31-4B8C-83A1-F6EECF244321}">
+                <p14:modId xmlns:p14="http://schemas.microsoft.com/office/powerpoint/2010/main" val="4123616286"/>
+              </p:ext>
+            </p:extLst>
+          </p:nvPr>
+        </p:nvGraphicFramePr>
+        <p:xfrm>
+          <a:off x="1348826" y="1623556"/>
+          <a:ext cx="3780222" cy="4450080"/>
+        </p:xfrm>
+        <a:graphic>
+          <a:graphicData uri="http://schemas.openxmlformats.org/drawingml/2006/table">
+            <a:tbl>
+              <a:tblPr firstRow="1" bandRow="1">
+                <a:tableStyleId>{5C22544A-7EE6-4342-B048-85BDC9FD1C3A}</a:tableStyleId>
+              </a:tblPr>
+              <a:tblGrid>
+                <a:gridCol w="1890111">
+                  <a:extLst>
+                    <a:ext uri="{9D8B030D-6E8A-4147-A177-3AD203B41FA5}">
+                      <a16:colId xmlns:a16="http://schemas.microsoft.com/office/drawing/2014/main" val="11623888"/>
+                    </a:ext>
+                  </a:extLst>
+                </a:gridCol>
+                <a:gridCol w="1890111">
+                  <a:extLst>
+                    <a:ext uri="{9D8B030D-6E8A-4147-A177-3AD203B41FA5}">
+                      <a16:colId xmlns:a16="http://schemas.microsoft.com/office/drawing/2014/main" val="296748218"/>
+                    </a:ext>
+                  </a:extLst>
+                </a:gridCol>
+              </a:tblGrid>
+              <a:tr h="370840">
+                <a:tc>
+                  <a:txBody>
+                    <a:bodyPr/>
+                    <a:lstStyle/>
+                    <a:p>
+                      <a:r>
+                        <a:rPr kumimoji="1" lang="ja-JP" altLang="en-US" b="0" i="0">
+                          <a:latin typeface="Hiragino Kaku Gothic ProN W3" panose="020B0300000000000000" pitchFamily="34" charset="-128"/>
+                          <a:ea typeface="Hiragino Kaku Gothic ProN W3" panose="020B0300000000000000" pitchFamily="34" charset="-128"/>
+                        </a:rPr>
+                        <a:t>画像</a:t>
+                      </a:r>
+                      <a:r>
+                        <a:rPr kumimoji="1" lang="en-US" altLang="ja-JP" b="0" i="0" dirty="0">
+                          <a:latin typeface="Hiragino Kaku Gothic ProN W3" panose="020B0300000000000000" pitchFamily="34" charset="-128"/>
+                          <a:ea typeface="Hiragino Kaku Gothic ProN W3" panose="020B0300000000000000" pitchFamily="34" charset="-128"/>
+                        </a:rPr>
+                        <a:t>No.</a:t>
+                      </a:r>
+                      <a:endParaRPr kumimoji="1" lang="ja-JP" altLang="en-US" b="0" i="0">
+                        <a:latin typeface="Hiragino Kaku Gothic ProN W3" panose="020B0300000000000000" pitchFamily="34" charset="-128"/>
+                        <a:ea typeface="Hiragino Kaku Gothic ProN W3" panose="020B0300000000000000" pitchFamily="34" charset="-128"/>
+                      </a:endParaRPr>
+                    </a:p>
+                  </a:txBody>
+                  <a:tcPr/>
+                </a:tc>
+                <a:tc>
+                  <a:txBody>
+                    <a:bodyPr/>
+                    <a:lstStyle/>
+                    <a:p>
+                      <a:r>
+                        <a:rPr kumimoji="1" lang="ja-JP" altLang="en-US" b="0" i="0">
+                          <a:latin typeface="Hiragino Kaku Gothic ProN W3" panose="020B0300000000000000" pitchFamily="34" charset="-128"/>
+                          <a:ea typeface="Hiragino Kaku Gothic ProN W3" panose="020B0300000000000000" pitchFamily="34" charset="-128"/>
+                        </a:rPr>
+                        <a:t>コサイン類似度</a:t>
+                      </a:r>
+                    </a:p>
+                  </a:txBody>
+                  <a:tcPr/>
+                </a:tc>
+                <a:extLst>
+                  <a:ext uri="{0D108BD9-81ED-4DB2-BD59-A6C34878D82A}">
+                    <a16:rowId xmlns:a16="http://schemas.microsoft.com/office/drawing/2014/main" val="1426144974"/>
+                  </a:ext>
+                </a:extLst>
+              </a:tr>
+              <a:tr h="370840">
+                <a:tc>
+                  <a:txBody>
+                    <a:bodyPr/>
+                    <a:lstStyle/>
+                    <a:p>
+                      <a:r>
+                        <a:rPr kumimoji="1" lang="en-US" altLang="ja-JP" b="0" i="0" dirty="0">
+                          <a:latin typeface="Hiragino Kaku Gothic ProN W3" panose="020B0300000000000000" pitchFamily="34" charset="-128"/>
+                          <a:ea typeface="Hiragino Kaku Gothic ProN W3" panose="020B0300000000000000" pitchFamily="34" charset="-128"/>
+                        </a:rPr>
+                        <a:t>1</a:t>
+                      </a:r>
+                      <a:endParaRPr kumimoji="1" lang="ja-JP" altLang="en-US" b="0" i="0">
+                        <a:latin typeface="Hiragino Kaku Gothic ProN W3" panose="020B0300000000000000" pitchFamily="34" charset="-128"/>
+                        <a:ea typeface="Hiragino Kaku Gothic ProN W3" panose="020B0300000000000000" pitchFamily="34" charset="-128"/>
+                      </a:endParaRPr>
+                    </a:p>
+                  </a:txBody>
+                  <a:tcPr/>
+                </a:tc>
+                <a:tc>
+                  <a:txBody>
+                    <a:bodyPr/>
+                    <a:lstStyle/>
+                    <a:p>
+                      <a:r>
+                        <a:rPr kumimoji="1" lang="en-US" altLang="ja-JP" b="0" i="0" dirty="0">
+                          <a:latin typeface="Hiragino Kaku Gothic ProN W3" panose="020B0300000000000000" pitchFamily="34" charset="-128"/>
+                          <a:ea typeface="Hiragino Kaku Gothic ProN W3" panose="020B0300000000000000" pitchFamily="34" charset="-128"/>
+                        </a:rPr>
+                        <a:t>0.99761917</a:t>
+                      </a:r>
+                      <a:endParaRPr kumimoji="1" lang="ja-JP" altLang="en-US" b="0" i="0">
+                        <a:latin typeface="Hiragino Kaku Gothic ProN W3" panose="020B0300000000000000" pitchFamily="34" charset="-128"/>
+                        <a:ea typeface="Hiragino Kaku Gothic ProN W3" panose="020B0300000000000000" pitchFamily="34" charset="-128"/>
+                      </a:endParaRPr>
+                    </a:p>
+                  </a:txBody>
+                  <a:tcPr/>
+                </a:tc>
+                <a:extLst>
+                  <a:ext uri="{0D108BD9-81ED-4DB2-BD59-A6C34878D82A}">
+                    <a16:rowId xmlns:a16="http://schemas.microsoft.com/office/drawing/2014/main" val="1267876382"/>
+                  </a:ext>
+                </a:extLst>
+              </a:tr>
+              <a:tr h="370840">
+                <a:tc>
+                  <a:txBody>
+                    <a:bodyPr/>
+                    <a:lstStyle/>
+                    <a:p>
+                      <a:r>
+                        <a:rPr kumimoji="1" lang="en-US" altLang="ja-JP" b="0" i="0" dirty="0">
+                          <a:latin typeface="Hiragino Kaku Gothic ProN W3" panose="020B0300000000000000" pitchFamily="34" charset="-128"/>
+                          <a:ea typeface="Hiragino Kaku Gothic ProN W3" panose="020B0300000000000000" pitchFamily="34" charset="-128"/>
+                        </a:rPr>
+                        <a:t>2</a:t>
+                      </a:r>
+                      <a:endParaRPr kumimoji="1" lang="ja-JP" altLang="en-US" b="0" i="0">
+                        <a:latin typeface="Hiragino Kaku Gothic ProN W3" panose="020B0300000000000000" pitchFamily="34" charset="-128"/>
+                        <a:ea typeface="Hiragino Kaku Gothic ProN W3" panose="020B0300000000000000" pitchFamily="34" charset="-128"/>
+                      </a:endParaRPr>
+                    </a:p>
+                  </a:txBody>
+                  <a:tcPr/>
+                </a:tc>
+                <a:tc>
+                  <a:txBody>
+                    <a:bodyPr/>
+                    <a:lstStyle/>
+                    <a:p>
+                      <a:r>
+                        <a:rPr kumimoji="1" lang="en-US" altLang="ja-JP" b="0" i="0" dirty="0">
+                          <a:latin typeface="Hiragino Kaku Gothic ProN W3" panose="020B0300000000000000" pitchFamily="34" charset="-128"/>
+                          <a:ea typeface="Hiragino Kaku Gothic ProN W3" panose="020B0300000000000000" pitchFamily="34" charset="-128"/>
+                        </a:rPr>
+                        <a:t>0.99740683</a:t>
+                      </a:r>
+                      <a:endParaRPr kumimoji="1" lang="ja-JP" altLang="en-US" b="0" i="0">
+                        <a:latin typeface="Hiragino Kaku Gothic ProN W3" panose="020B0300000000000000" pitchFamily="34" charset="-128"/>
+                        <a:ea typeface="Hiragino Kaku Gothic ProN W3" panose="020B0300000000000000" pitchFamily="34" charset="-128"/>
+                      </a:endParaRPr>
+                    </a:p>
+                  </a:txBody>
+                  <a:tcPr/>
+                </a:tc>
+                <a:extLst>
+                  <a:ext uri="{0D108BD9-81ED-4DB2-BD59-A6C34878D82A}">
+                    <a16:rowId xmlns:a16="http://schemas.microsoft.com/office/drawing/2014/main" val="4095762818"/>
+                  </a:ext>
+                </a:extLst>
+              </a:tr>
+              <a:tr h="370840">
+                <a:tc>
+                  <a:txBody>
+                    <a:bodyPr/>
+                    <a:lstStyle/>
+                    <a:p>
+                      <a:r>
+                        <a:rPr kumimoji="1" lang="en-US" altLang="ja-JP" b="0" i="0" dirty="0">
+                          <a:latin typeface="Hiragino Kaku Gothic ProN W3" panose="020B0300000000000000" pitchFamily="34" charset="-128"/>
+                          <a:ea typeface="Hiragino Kaku Gothic ProN W3" panose="020B0300000000000000" pitchFamily="34" charset="-128"/>
+                        </a:rPr>
+                        <a:t>3</a:t>
+                      </a:r>
+                      <a:endParaRPr kumimoji="1" lang="ja-JP" altLang="en-US" b="0" i="0">
+                        <a:latin typeface="Hiragino Kaku Gothic ProN W3" panose="020B0300000000000000" pitchFamily="34" charset="-128"/>
+                        <a:ea typeface="Hiragino Kaku Gothic ProN W3" panose="020B0300000000000000" pitchFamily="34" charset="-128"/>
+                      </a:endParaRPr>
+                    </a:p>
+                  </a:txBody>
+                  <a:tcPr/>
+                </a:tc>
+                <a:tc>
+                  <a:txBody>
+                    <a:bodyPr/>
+                    <a:lstStyle/>
+                    <a:p>
+                      <a:r>
+                        <a:rPr kumimoji="1" lang="en-US" altLang="ja-JP" b="0" i="0" dirty="0">
+                          <a:latin typeface="Hiragino Kaku Gothic ProN W3" panose="020B0300000000000000" pitchFamily="34" charset="-128"/>
+                          <a:ea typeface="Hiragino Kaku Gothic ProN W3" panose="020B0300000000000000" pitchFamily="34" charset="-128"/>
+                        </a:rPr>
+                        <a:t>0.99742662</a:t>
+                      </a:r>
+                      <a:endParaRPr kumimoji="1" lang="ja-JP" altLang="en-US" b="0" i="0">
+                        <a:latin typeface="Hiragino Kaku Gothic ProN W3" panose="020B0300000000000000" pitchFamily="34" charset="-128"/>
+                        <a:ea typeface="Hiragino Kaku Gothic ProN W3" panose="020B0300000000000000" pitchFamily="34" charset="-128"/>
+                      </a:endParaRPr>
+                    </a:p>
+                  </a:txBody>
+                  <a:tcPr/>
+                </a:tc>
+                <a:extLst>
+                  <a:ext uri="{0D108BD9-81ED-4DB2-BD59-A6C34878D82A}">
+                    <a16:rowId xmlns:a16="http://schemas.microsoft.com/office/drawing/2014/main" val="249947393"/>
+                  </a:ext>
+                </a:extLst>
+              </a:tr>
+              <a:tr h="370840">
+                <a:tc>
+                  <a:txBody>
+                    <a:bodyPr/>
+                    <a:lstStyle/>
+                    <a:p>
+                      <a:r>
+                        <a:rPr kumimoji="1" lang="en-US" altLang="ja-JP" b="0" i="0" dirty="0">
+                          <a:latin typeface="Hiragino Kaku Gothic ProN W3" panose="020B0300000000000000" pitchFamily="34" charset="-128"/>
+                          <a:ea typeface="Hiragino Kaku Gothic ProN W3" panose="020B0300000000000000" pitchFamily="34" charset="-128"/>
+                        </a:rPr>
+                        <a:t>4</a:t>
+                      </a:r>
+                      <a:endParaRPr kumimoji="1" lang="ja-JP" altLang="en-US" b="0" i="0">
+                        <a:latin typeface="Hiragino Kaku Gothic ProN W3" panose="020B0300000000000000" pitchFamily="34" charset="-128"/>
+                        <a:ea typeface="Hiragino Kaku Gothic ProN W3" panose="020B0300000000000000" pitchFamily="34" charset="-128"/>
+                      </a:endParaRPr>
+                    </a:p>
+                  </a:txBody>
+                  <a:tcPr/>
+                </a:tc>
+                <a:tc>
+                  <a:txBody>
+                    <a:bodyPr/>
+                    <a:lstStyle/>
+                    <a:p>
+                      <a:r>
+                        <a:rPr kumimoji="1" lang="en-US" altLang="ja-JP" b="0" i="0" dirty="0">
+                          <a:latin typeface="Hiragino Kaku Gothic ProN W3" panose="020B0300000000000000" pitchFamily="34" charset="-128"/>
+                          <a:ea typeface="Hiragino Kaku Gothic ProN W3" panose="020B0300000000000000" pitchFamily="34" charset="-128"/>
+                        </a:rPr>
+                        <a:t>0.99224208</a:t>
+                      </a:r>
+                      <a:endParaRPr kumimoji="1" lang="ja-JP" altLang="en-US" b="0" i="0">
+                        <a:latin typeface="Hiragino Kaku Gothic ProN W3" panose="020B0300000000000000" pitchFamily="34" charset="-128"/>
+                        <a:ea typeface="Hiragino Kaku Gothic ProN W3" panose="020B0300000000000000" pitchFamily="34" charset="-128"/>
+                      </a:endParaRPr>
+                    </a:p>
+                  </a:txBody>
+                  <a:tcPr/>
+                </a:tc>
+                <a:extLst>
+                  <a:ext uri="{0D108BD9-81ED-4DB2-BD59-A6C34878D82A}">
+                    <a16:rowId xmlns:a16="http://schemas.microsoft.com/office/drawing/2014/main" val="3138670566"/>
+                  </a:ext>
+                </a:extLst>
+              </a:tr>
+              <a:tr h="370840">
+                <a:tc>
+                  <a:txBody>
+                    <a:bodyPr/>
+                    <a:lstStyle/>
+                    <a:p>
+                      <a:r>
+                        <a:rPr kumimoji="1" lang="en-US" altLang="ja-JP" b="0" i="0" dirty="0">
+                          <a:latin typeface="Hiragino Kaku Gothic ProN W3" panose="020B0300000000000000" pitchFamily="34" charset="-128"/>
+                          <a:ea typeface="Hiragino Kaku Gothic ProN W3" panose="020B0300000000000000" pitchFamily="34" charset="-128"/>
+                        </a:rPr>
+                        <a:t>5</a:t>
+                      </a:r>
+                      <a:endParaRPr kumimoji="1" lang="ja-JP" altLang="en-US" b="0" i="0">
+                        <a:latin typeface="Hiragino Kaku Gothic ProN W3" panose="020B0300000000000000" pitchFamily="34" charset="-128"/>
+                        <a:ea typeface="Hiragino Kaku Gothic ProN W3" panose="020B0300000000000000" pitchFamily="34" charset="-128"/>
+                      </a:endParaRPr>
+                    </a:p>
+                  </a:txBody>
+                  <a:tcPr/>
+                </a:tc>
+                <a:tc>
+                  <a:txBody>
+                    <a:bodyPr/>
+                    <a:lstStyle/>
+                    <a:p>
+                      <a:r>
+                        <a:rPr kumimoji="1" lang="en-US" altLang="ja-JP" b="0" i="0" dirty="0">
+                          <a:latin typeface="Hiragino Kaku Gothic ProN W3" panose="020B0300000000000000" pitchFamily="34" charset="-128"/>
+                          <a:ea typeface="Hiragino Kaku Gothic ProN W3" panose="020B0300000000000000" pitchFamily="34" charset="-128"/>
+                        </a:rPr>
+                        <a:t>0.99943519</a:t>
+                      </a:r>
+                      <a:endParaRPr kumimoji="1" lang="ja-JP" altLang="en-US" b="0" i="0">
+                        <a:latin typeface="Hiragino Kaku Gothic ProN W3" panose="020B0300000000000000" pitchFamily="34" charset="-128"/>
+                        <a:ea typeface="Hiragino Kaku Gothic ProN W3" panose="020B0300000000000000" pitchFamily="34" charset="-128"/>
+                      </a:endParaRPr>
+                    </a:p>
+                  </a:txBody>
+                  <a:tcPr/>
+                </a:tc>
+                <a:extLst>
+                  <a:ext uri="{0D108BD9-81ED-4DB2-BD59-A6C34878D82A}">
+                    <a16:rowId xmlns:a16="http://schemas.microsoft.com/office/drawing/2014/main" val="4129950384"/>
+                  </a:ext>
+                </a:extLst>
+              </a:tr>
+              <a:tr h="370840">
+                <a:tc>
+                  <a:txBody>
+                    <a:bodyPr/>
+                    <a:lstStyle/>
+                    <a:p>
+                      <a:r>
+                        <a:rPr kumimoji="1" lang="en-US" altLang="ja-JP" b="0" i="0" dirty="0">
+                          <a:latin typeface="Hiragino Kaku Gothic ProN W3" panose="020B0300000000000000" pitchFamily="34" charset="-128"/>
+                          <a:ea typeface="Hiragino Kaku Gothic ProN W3" panose="020B0300000000000000" pitchFamily="34" charset="-128"/>
+                        </a:rPr>
+                        <a:t>6</a:t>
+                      </a:r>
+                      <a:endParaRPr kumimoji="1" lang="ja-JP" altLang="en-US" b="0" i="0">
+                        <a:latin typeface="Hiragino Kaku Gothic ProN W3" panose="020B0300000000000000" pitchFamily="34" charset="-128"/>
+                        <a:ea typeface="Hiragino Kaku Gothic ProN W3" panose="020B0300000000000000" pitchFamily="34" charset="-128"/>
+                      </a:endParaRPr>
+                    </a:p>
+                  </a:txBody>
+                  <a:tcPr/>
+                </a:tc>
+                <a:tc>
+                  <a:txBody>
+                    <a:bodyPr/>
+                    <a:lstStyle/>
+                    <a:p>
+                      <a:r>
+                        <a:rPr kumimoji="1" lang="en-US" altLang="ja-JP" b="0" i="0" dirty="0">
+                          <a:latin typeface="Hiragino Kaku Gothic ProN W3" panose="020B0300000000000000" pitchFamily="34" charset="-128"/>
+                          <a:ea typeface="Hiragino Kaku Gothic ProN W3" panose="020B0300000000000000" pitchFamily="34" charset="-128"/>
+                        </a:rPr>
+                        <a:t>0.99901859</a:t>
+                      </a:r>
+                      <a:endParaRPr kumimoji="1" lang="ja-JP" altLang="en-US" b="0" i="0">
+                        <a:latin typeface="Hiragino Kaku Gothic ProN W3" panose="020B0300000000000000" pitchFamily="34" charset="-128"/>
+                        <a:ea typeface="Hiragino Kaku Gothic ProN W3" panose="020B0300000000000000" pitchFamily="34" charset="-128"/>
+                      </a:endParaRPr>
+                    </a:p>
+                  </a:txBody>
+                  <a:tcPr/>
+                </a:tc>
+                <a:extLst>
+                  <a:ext uri="{0D108BD9-81ED-4DB2-BD59-A6C34878D82A}">
+                    <a16:rowId xmlns:a16="http://schemas.microsoft.com/office/drawing/2014/main" val="4216427533"/>
+                  </a:ext>
+                </a:extLst>
+              </a:tr>
+              <a:tr h="370840">
+                <a:tc>
+                  <a:txBody>
+                    <a:bodyPr/>
+                    <a:lstStyle/>
+                    <a:p>
+                      <a:r>
+                        <a:rPr kumimoji="1" lang="en-US" altLang="ja-JP" b="0" i="0" dirty="0">
+                          <a:latin typeface="Hiragino Kaku Gothic ProN W3" panose="020B0300000000000000" pitchFamily="34" charset="-128"/>
+                          <a:ea typeface="Hiragino Kaku Gothic ProN W3" panose="020B0300000000000000" pitchFamily="34" charset="-128"/>
+                        </a:rPr>
+                        <a:t>7</a:t>
+                      </a:r>
+                      <a:endParaRPr kumimoji="1" lang="ja-JP" altLang="en-US" b="0" i="0">
+                        <a:latin typeface="Hiragino Kaku Gothic ProN W3" panose="020B0300000000000000" pitchFamily="34" charset="-128"/>
+                        <a:ea typeface="Hiragino Kaku Gothic ProN W3" panose="020B0300000000000000" pitchFamily="34" charset="-128"/>
+                      </a:endParaRPr>
+                    </a:p>
+                  </a:txBody>
+                  <a:tcPr/>
+                </a:tc>
+                <a:tc>
+                  <a:txBody>
+                    <a:bodyPr/>
+                    <a:lstStyle/>
+                    <a:p>
+                      <a:r>
+                        <a:rPr kumimoji="1" lang="en-US" altLang="ja-JP" b="0" i="0" dirty="0">
+                          <a:latin typeface="Hiragino Kaku Gothic ProN W3" panose="020B0300000000000000" pitchFamily="34" charset="-128"/>
+                          <a:ea typeface="Hiragino Kaku Gothic ProN W3" panose="020B0300000000000000" pitchFamily="34" charset="-128"/>
+                        </a:rPr>
+                        <a:t>0.99322504</a:t>
+                      </a:r>
+                      <a:endParaRPr kumimoji="1" lang="ja-JP" altLang="en-US" b="0" i="0">
+                        <a:latin typeface="Hiragino Kaku Gothic ProN W3" panose="020B0300000000000000" pitchFamily="34" charset="-128"/>
+                        <a:ea typeface="Hiragino Kaku Gothic ProN W3" panose="020B0300000000000000" pitchFamily="34" charset="-128"/>
+                      </a:endParaRPr>
+                    </a:p>
+                  </a:txBody>
+                  <a:tcPr/>
+                </a:tc>
+                <a:extLst>
+                  <a:ext uri="{0D108BD9-81ED-4DB2-BD59-A6C34878D82A}">
+                    <a16:rowId xmlns:a16="http://schemas.microsoft.com/office/drawing/2014/main" val="3374333035"/>
+                  </a:ext>
+                </a:extLst>
+              </a:tr>
+              <a:tr h="370840">
+                <a:tc>
+                  <a:txBody>
+                    <a:bodyPr/>
+                    <a:lstStyle/>
+                    <a:p>
+                      <a:r>
+                        <a:rPr kumimoji="1" lang="en-US" altLang="ja-JP" b="0" i="0" dirty="0">
+                          <a:latin typeface="Hiragino Kaku Gothic ProN W3" panose="020B0300000000000000" pitchFamily="34" charset="-128"/>
+                          <a:ea typeface="Hiragino Kaku Gothic ProN W3" panose="020B0300000000000000" pitchFamily="34" charset="-128"/>
+                        </a:rPr>
+                        <a:t>8</a:t>
+                      </a:r>
+                      <a:endParaRPr kumimoji="1" lang="ja-JP" altLang="en-US" b="0" i="0">
+                        <a:latin typeface="Hiragino Kaku Gothic ProN W3" panose="020B0300000000000000" pitchFamily="34" charset="-128"/>
+                        <a:ea typeface="Hiragino Kaku Gothic ProN W3" panose="020B0300000000000000" pitchFamily="34" charset="-128"/>
+                      </a:endParaRPr>
+                    </a:p>
+                  </a:txBody>
+                  <a:tcPr/>
+                </a:tc>
+                <a:tc>
+                  <a:txBody>
+                    <a:bodyPr/>
+                    <a:lstStyle/>
+                    <a:p>
+                      <a:r>
+                        <a:rPr kumimoji="1" lang="en-US" altLang="ja-JP" b="0" i="0" dirty="0">
+                          <a:latin typeface="Hiragino Kaku Gothic ProN W3" panose="020B0300000000000000" pitchFamily="34" charset="-128"/>
+                          <a:ea typeface="Hiragino Kaku Gothic ProN W3" panose="020B0300000000000000" pitchFamily="34" charset="-128"/>
+                        </a:rPr>
+                        <a:t>0.99419156</a:t>
+                      </a:r>
+                      <a:endParaRPr kumimoji="1" lang="ja-JP" altLang="en-US" b="0" i="0">
+                        <a:latin typeface="Hiragino Kaku Gothic ProN W3" panose="020B0300000000000000" pitchFamily="34" charset="-128"/>
+                        <a:ea typeface="Hiragino Kaku Gothic ProN W3" panose="020B0300000000000000" pitchFamily="34" charset="-128"/>
+                      </a:endParaRPr>
+                    </a:p>
+                  </a:txBody>
+                  <a:tcPr/>
+                </a:tc>
+                <a:extLst>
+                  <a:ext uri="{0D108BD9-81ED-4DB2-BD59-A6C34878D82A}">
+                    <a16:rowId xmlns:a16="http://schemas.microsoft.com/office/drawing/2014/main" val="857968729"/>
+                  </a:ext>
+                </a:extLst>
+              </a:tr>
+              <a:tr h="370840">
+                <a:tc>
+                  <a:txBody>
+                    <a:bodyPr/>
+                    <a:lstStyle/>
+                    <a:p>
+                      <a:r>
+                        <a:rPr kumimoji="1" lang="en-US" altLang="ja-JP" b="0" i="0" dirty="0">
+                          <a:latin typeface="Hiragino Kaku Gothic ProN W3" panose="020B0300000000000000" pitchFamily="34" charset="-128"/>
+                          <a:ea typeface="Hiragino Kaku Gothic ProN W3" panose="020B0300000000000000" pitchFamily="34" charset="-128"/>
+                        </a:rPr>
+                        <a:t>9</a:t>
+                      </a:r>
+                      <a:endParaRPr kumimoji="1" lang="ja-JP" altLang="en-US" b="0" i="0">
+                        <a:latin typeface="Hiragino Kaku Gothic ProN W3" panose="020B0300000000000000" pitchFamily="34" charset="-128"/>
+                        <a:ea typeface="Hiragino Kaku Gothic ProN W3" panose="020B0300000000000000" pitchFamily="34" charset="-128"/>
+                      </a:endParaRPr>
+                    </a:p>
+                  </a:txBody>
+                  <a:tcPr/>
+                </a:tc>
+                <a:tc>
+                  <a:txBody>
+                    <a:bodyPr/>
+                    <a:lstStyle/>
+                    <a:p>
+                      <a:r>
+                        <a:rPr kumimoji="1" lang="en-US" altLang="ja-JP" b="0" i="0" dirty="0">
+                          <a:latin typeface="Hiragino Kaku Gothic ProN W3" panose="020B0300000000000000" pitchFamily="34" charset="-128"/>
+                          <a:ea typeface="Hiragino Kaku Gothic ProN W3" panose="020B0300000000000000" pitchFamily="34" charset="-128"/>
+                        </a:rPr>
+                        <a:t>0.99874417</a:t>
+                      </a:r>
+                      <a:endParaRPr kumimoji="1" lang="ja-JP" altLang="en-US" b="0" i="0">
+                        <a:latin typeface="Hiragino Kaku Gothic ProN W3" panose="020B0300000000000000" pitchFamily="34" charset="-128"/>
+                        <a:ea typeface="Hiragino Kaku Gothic ProN W3" panose="020B0300000000000000" pitchFamily="34" charset="-128"/>
+                      </a:endParaRPr>
+                    </a:p>
+                  </a:txBody>
+                  <a:tcPr/>
+                </a:tc>
+                <a:extLst>
+                  <a:ext uri="{0D108BD9-81ED-4DB2-BD59-A6C34878D82A}">
+                    <a16:rowId xmlns:a16="http://schemas.microsoft.com/office/drawing/2014/main" val="3960013491"/>
+                  </a:ext>
+                </a:extLst>
+              </a:tr>
+              <a:tr h="370840">
+                <a:tc>
+                  <a:txBody>
+                    <a:bodyPr/>
+                    <a:lstStyle/>
+                    <a:p>
+                      <a:r>
+                        <a:rPr kumimoji="1" lang="en-US" altLang="ja-JP" b="0" i="0" dirty="0">
+                          <a:latin typeface="Hiragino Kaku Gothic ProN W3" panose="020B0300000000000000" pitchFamily="34" charset="-128"/>
+                          <a:ea typeface="Hiragino Kaku Gothic ProN W3" panose="020B0300000000000000" pitchFamily="34" charset="-128"/>
+                        </a:rPr>
+                        <a:t>10</a:t>
+                      </a:r>
+                      <a:endParaRPr kumimoji="1" lang="ja-JP" altLang="en-US" b="0" i="0">
+                        <a:latin typeface="Hiragino Kaku Gothic ProN W3" panose="020B0300000000000000" pitchFamily="34" charset="-128"/>
+                        <a:ea typeface="Hiragino Kaku Gothic ProN W3" panose="020B0300000000000000" pitchFamily="34" charset="-128"/>
+                      </a:endParaRPr>
+                    </a:p>
+                  </a:txBody>
+                  <a:tcPr/>
+                </a:tc>
+                <a:tc>
+                  <a:txBody>
+                    <a:bodyPr/>
+                    <a:lstStyle/>
+                    <a:p>
+                      <a:r>
+                        <a:rPr kumimoji="1" lang="en-US" altLang="ja-JP" b="0" i="0" dirty="0">
+                          <a:latin typeface="Hiragino Kaku Gothic ProN W3" panose="020B0300000000000000" pitchFamily="34" charset="-128"/>
+                          <a:ea typeface="Hiragino Kaku Gothic ProN W3" panose="020B0300000000000000" pitchFamily="34" charset="-128"/>
+                        </a:rPr>
+                        <a:t>0.99199379</a:t>
+                      </a:r>
+                      <a:endParaRPr kumimoji="1" lang="ja-JP" altLang="en-US" b="0" i="0">
+                        <a:latin typeface="Hiragino Kaku Gothic ProN W3" panose="020B0300000000000000" pitchFamily="34" charset="-128"/>
+                        <a:ea typeface="Hiragino Kaku Gothic ProN W3" panose="020B0300000000000000" pitchFamily="34" charset="-128"/>
+                      </a:endParaRPr>
+                    </a:p>
+                  </a:txBody>
+                  <a:tcPr/>
+                </a:tc>
+                <a:extLst>
+                  <a:ext uri="{0D108BD9-81ED-4DB2-BD59-A6C34878D82A}">
+                    <a16:rowId xmlns:a16="http://schemas.microsoft.com/office/drawing/2014/main" val="2859881722"/>
+                  </a:ext>
+                </a:extLst>
+              </a:tr>
+              <a:tr h="370840">
+                <a:tc>
+                  <a:txBody>
+                    <a:bodyPr/>
+                    <a:lstStyle/>
+                    <a:p>
+                      <a:r>
+                        <a:rPr kumimoji="1" lang="ja-JP" altLang="en-US" b="0" i="0">
+                          <a:highlight>
+                            <a:srgbClr val="FFFF00"/>
+                          </a:highlight>
+                          <a:latin typeface="Hiragino Kaku Gothic ProN W3" panose="020B0300000000000000" pitchFamily="34" charset="-128"/>
+                          <a:ea typeface="Hiragino Kaku Gothic ProN W3" panose="020B0300000000000000" pitchFamily="34" charset="-128"/>
+                        </a:rPr>
+                        <a:t>平均</a:t>
+                      </a:r>
+                    </a:p>
+                  </a:txBody>
+                  <a:tcPr/>
+                </a:tc>
+                <a:tc>
+                  <a:txBody>
+                    <a:bodyPr/>
+                    <a:lstStyle/>
+                    <a:p>
+                      <a:r>
+                        <a:rPr kumimoji="1" lang="en-US" altLang="ja-JP" b="0" i="0" dirty="0">
+                          <a:highlight>
+                            <a:srgbClr val="FFFF00"/>
+                          </a:highlight>
+                          <a:latin typeface="Hiragino Kaku Gothic ProN W3" panose="020B0300000000000000" pitchFamily="34" charset="-128"/>
+                          <a:ea typeface="Hiragino Kaku Gothic ProN W3" panose="020B0300000000000000" pitchFamily="34" charset="-128"/>
+                        </a:rPr>
+                        <a:t>0.9961303</a:t>
+                      </a:r>
+                      <a:endParaRPr kumimoji="1" lang="ja-JP" altLang="en-US" b="0" i="0">
+                        <a:highlight>
+                          <a:srgbClr val="FFFF00"/>
+                        </a:highlight>
+                        <a:latin typeface="Hiragino Kaku Gothic ProN W3" panose="020B0300000000000000" pitchFamily="34" charset="-128"/>
+                        <a:ea typeface="Hiragino Kaku Gothic ProN W3" panose="020B0300000000000000" pitchFamily="34" charset="-128"/>
+                      </a:endParaRPr>
+                    </a:p>
+                  </a:txBody>
+                  <a:tcPr/>
+                </a:tc>
+                <a:extLst>
+                  <a:ext uri="{0D108BD9-81ED-4DB2-BD59-A6C34878D82A}">
+                    <a16:rowId xmlns:a16="http://schemas.microsoft.com/office/drawing/2014/main" val="1901931170"/>
+                  </a:ext>
+                </a:extLst>
+              </a:tr>
+            </a:tbl>
+          </a:graphicData>
+        </a:graphic>
+      </p:graphicFrame>
+      <p:graphicFrame>
+        <p:nvGraphicFramePr>
+          <p:cNvPr id="3" name="表 2">
+            <a:extLst>
+              <a:ext uri="{FF2B5EF4-FFF2-40B4-BE49-F238E27FC236}">
+                <a16:creationId xmlns:a16="http://schemas.microsoft.com/office/drawing/2014/main" id="{F6801BBB-3D47-7631-BD47-4A9BE94C25E8}"/>
+              </a:ext>
+            </a:extLst>
+          </p:cNvPr>
+          <p:cNvGraphicFramePr>
+            <a:graphicFrameLocks noGrp="1"/>
+          </p:cNvGraphicFramePr>
+          <p:nvPr>
+            <p:extLst>
+              <p:ext uri="{D42A27DB-BD31-4B8C-83A1-F6EECF244321}">
+                <p14:modId xmlns:p14="http://schemas.microsoft.com/office/powerpoint/2010/main" val="3897564812"/>
+              </p:ext>
+            </p:extLst>
+          </p:nvPr>
+        </p:nvGraphicFramePr>
+        <p:xfrm>
+          <a:off x="6987627" y="1623556"/>
+          <a:ext cx="3780222" cy="4450080"/>
+        </p:xfrm>
+        <a:graphic>
+          <a:graphicData uri="http://schemas.openxmlformats.org/drawingml/2006/table">
+            <a:tbl>
+              <a:tblPr firstRow="1" bandRow="1">
+                <a:tableStyleId>{5C22544A-7EE6-4342-B048-85BDC9FD1C3A}</a:tableStyleId>
+              </a:tblPr>
+              <a:tblGrid>
+                <a:gridCol w="1890111">
+                  <a:extLst>
+                    <a:ext uri="{9D8B030D-6E8A-4147-A177-3AD203B41FA5}">
+                      <a16:colId xmlns:a16="http://schemas.microsoft.com/office/drawing/2014/main" val="11623888"/>
+                    </a:ext>
+                  </a:extLst>
+                </a:gridCol>
+                <a:gridCol w="1890111">
+                  <a:extLst>
+                    <a:ext uri="{9D8B030D-6E8A-4147-A177-3AD203B41FA5}">
+                      <a16:colId xmlns:a16="http://schemas.microsoft.com/office/drawing/2014/main" val="296748218"/>
+                    </a:ext>
+                  </a:extLst>
+                </a:gridCol>
+              </a:tblGrid>
+              <a:tr h="370840">
+                <a:tc>
+                  <a:txBody>
+                    <a:bodyPr/>
+                    <a:lstStyle/>
+                    <a:p>
+                      <a:r>
+                        <a:rPr kumimoji="1" lang="ja-JP" altLang="en-US" b="0" i="0">
+                          <a:latin typeface="Hiragino Kaku Gothic ProN W3" panose="020B0300000000000000" pitchFamily="34" charset="-128"/>
+                          <a:ea typeface="Hiragino Kaku Gothic ProN W3" panose="020B0300000000000000" pitchFamily="34" charset="-128"/>
+                        </a:rPr>
+                        <a:t>画像</a:t>
+                      </a:r>
+                      <a:r>
+                        <a:rPr kumimoji="1" lang="en-US" altLang="ja-JP" b="0" i="0" dirty="0">
+                          <a:latin typeface="Hiragino Kaku Gothic ProN W3" panose="020B0300000000000000" pitchFamily="34" charset="-128"/>
+                          <a:ea typeface="Hiragino Kaku Gothic ProN W3" panose="020B0300000000000000" pitchFamily="34" charset="-128"/>
+                        </a:rPr>
+                        <a:t>No.</a:t>
+                      </a:r>
+                      <a:endParaRPr kumimoji="1" lang="ja-JP" altLang="en-US" b="0" i="0">
+                        <a:latin typeface="Hiragino Kaku Gothic ProN W3" panose="020B0300000000000000" pitchFamily="34" charset="-128"/>
+                        <a:ea typeface="Hiragino Kaku Gothic ProN W3" panose="020B0300000000000000" pitchFamily="34" charset="-128"/>
+                      </a:endParaRPr>
+                    </a:p>
+                  </a:txBody>
+                  <a:tcPr/>
+                </a:tc>
+                <a:tc>
+                  <a:txBody>
+                    <a:bodyPr/>
+                    <a:lstStyle/>
+                    <a:p>
+                      <a:r>
+                        <a:rPr kumimoji="1" lang="ja-JP" altLang="en-US" b="0" i="0">
+                          <a:latin typeface="Hiragino Kaku Gothic ProN W3" panose="020B0300000000000000" pitchFamily="34" charset="-128"/>
+                          <a:ea typeface="Hiragino Kaku Gothic ProN W3" panose="020B0300000000000000" pitchFamily="34" charset="-128"/>
+                        </a:rPr>
+                        <a:t>コサイン類似度</a:t>
+                      </a:r>
+                    </a:p>
+                  </a:txBody>
+                  <a:tcPr/>
+                </a:tc>
+                <a:extLst>
+                  <a:ext uri="{0D108BD9-81ED-4DB2-BD59-A6C34878D82A}">
+                    <a16:rowId xmlns:a16="http://schemas.microsoft.com/office/drawing/2014/main" val="1426144974"/>
+                  </a:ext>
+                </a:extLst>
+              </a:tr>
+              <a:tr h="370840">
+                <a:tc>
+                  <a:txBody>
+                    <a:bodyPr/>
+                    <a:lstStyle/>
+                    <a:p>
+                      <a:r>
+                        <a:rPr kumimoji="1" lang="en-US" altLang="ja-JP" b="0" i="0" dirty="0">
+                          <a:latin typeface="Hiragino Kaku Gothic ProN W3" panose="020B0300000000000000" pitchFamily="34" charset="-128"/>
+                          <a:ea typeface="Hiragino Kaku Gothic ProN W3" panose="020B0300000000000000" pitchFamily="34" charset="-128"/>
+                        </a:rPr>
+                        <a:t>1</a:t>
+                      </a:r>
+                      <a:endParaRPr kumimoji="1" lang="ja-JP" altLang="en-US" b="0" i="0">
+                        <a:latin typeface="Hiragino Kaku Gothic ProN W3" panose="020B0300000000000000" pitchFamily="34" charset="-128"/>
+                        <a:ea typeface="Hiragino Kaku Gothic ProN W3" panose="020B0300000000000000" pitchFamily="34" charset="-128"/>
+                      </a:endParaRPr>
+                    </a:p>
+                  </a:txBody>
+                  <a:tcPr/>
+                </a:tc>
+                <a:tc>
+                  <a:txBody>
+                    <a:bodyPr/>
+                    <a:lstStyle/>
+                    <a:p>
+                      <a:r>
+                        <a:rPr kumimoji="1" lang="en-US" altLang="ja-JP" b="0" i="0" dirty="0">
+                          <a:latin typeface="Hiragino Kaku Gothic ProN W3" panose="020B0300000000000000" pitchFamily="34" charset="-128"/>
+                          <a:ea typeface="Hiragino Kaku Gothic ProN W3" panose="020B0300000000000000" pitchFamily="34" charset="-128"/>
+                        </a:rPr>
+                        <a:t>0.99957785</a:t>
+                      </a:r>
+                      <a:endParaRPr kumimoji="1" lang="ja-JP" altLang="en-US" b="0" i="0">
+                        <a:latin typeface="Hiragino Kaku Gothic ProN W3" panose="020B0300000000000000" pitchFamily="34" charset="-128"/>
+                        <a:ea typeface="Hiragino Kaku Gothic ProN W3" panose="020B0300000000000000" pitchFamily="34" charset="-128"/>
+                      </a:endParaRPr>
+                    </a:p>
+                  </a:txBody>
+                  <a:tcPr/>
+                </a:tc>
+                <a:extLst>
+                  <a:ext uri="{0D108BD9-81ED-4DB2-BD59-A6C34878D82A}">
+                    <a16:rowId xmlns:a16="http://schemas.microsoft.com/office/drawing/2014/main" val="1267876382"/>
+                  </a:ext>
+                </a:extLst>
+              </a:tr>
+              <a:tr h="370840">
+                <a:tc>
+                  <a:txBody>
+                    <a:bodyPr/>
+                    <a:lstStyle/>
+                    <a:p>
+                      <a:r>
+                        <a:rPr kumimoji="1" lang="en-US" altLang="ja-JP" b="0" i="0" dirty="0">
+                          <a:latin typeface="Hiragino Kaku Gothic ProN W3" panose="020B0300000000000000" pitchFamily="34" charset="-128"/>
+                          <a:ea typeface="Hiragino Kaku Gothic ProN W3" panose="020B0300000000000000" pitchFamily="34" charset="-128"/>
+                        </a:rPr>
+                        <a:t>2</a:t>
+                      </a:r>
+                      <a:endParaRPr kumimoji="1" lang="ja-JP" altLang="en-US" b="0" i="0">
+                        <a:latin typeface="Hiragino Kaku Gothic ProN W3" panose="020B0300000000000000" pitchFamily="34" charset="-128"/>
+                        <a:ea typeface="Hiragino Kaku Gothic ProN W3" panose="020B0300000000000000" pitchFamily="34" charset="-128"/>
+                      </a:endParaRPr>
+                    </a:p>
+                  </a:txBody>
+                  <a:tcPr/>
+                </a:tc>
+                <a:tc>
+                  <a:txBody>
+                    <a:bodyPr/>
+                    <a:lstStyle/>
+                    <a:p>
+                      <a:r>
+                        <a:rPr kumimoji="1" lang="en-US" altLang="ja-JP" b="0" i="0" dirty="0">
+                          <a:latin typeface="Hiragino Kaku Gothic ProN W3" panose="020B0300000000000000" pitchFamily="34" charset="-128"/>
+                          <a:ea typeface="Hiragino Kaku Gothic ProN W3" panose="020B0300000000000000" pitchFamily="34" charset="-128"/>
+                        </a:rPr>
+                        <a:t>0.99599621</a:t>
+                      </a:r>
+                      <a:endParaRPr kumimoji="1" lang="ja-JP" altLang="en-US" b="0" i="0">
+                        <a:latin typeface="Hiragino Kaku Gothic ProN W3" panose="020B0300000000000000" pitchFamily="34" charset="-128"/>
+                        <a:ea typeface="Hiragino Kaku Gothic ProN W3" panose="020B0300000000000000" pitchFamily="34" charset="-128"/>
+                      </a:endParaRPr>
+                    </a:p>
+                  </a:txBody>
+                  <a:tcPr/>
+                </a:tc>
+                <a:extLst>
+                  <a:ext uri="{0D108BD9-81ED-4DB2-BD59-A6C34878D82A}">
+                    <a16:rowId xmlns:a16="http://schemas.microsoft.com/office/drawing/2014/main" val="4095762818"/>
+                  </a:ext>
+                </a:extLst>
+              </a:tr>
+              <a:tr h="370840">
+                <a:tc>
+                  <a:txBody>
+                    <a:bodyPr/>
+                    <a:lstStyle/>
+                    <a:p>
+                      <a:r>
+                        <a:rPr kumimoji="1" lang="en-US" altLang="ja-JP" b="0" i="0" dirty="0">
+                          <a:latin typeface="Hiragino Kaku Gothic ProN W3" panose="020B0300000000000000" pitchFamily="34" charset="-128"/>
+                          <a:ea typeface="Hiragino Kaku Gothic ProN W3" panose="020B0300000000000000" pitchFamily="34" charset="-128"/>
+                        </a:rPr>
+                        <a:t>3</a:t>
+                      </a:r>
+                      <a:endParaRPr kumimoji="1" lang="ja-JP" altLang="en-US" b="0" i="0">
+                        <a:latin typeface="Hiragino Kaku Gothic ProN W3" panose="020B0300000000000000" pitchFamily="34" charset="-128"/>
+                        <a:ea typeface="Hiragino Kaku Gothic ProN W3" panose="020B0300000000000000" pitchFamily="34" charset="-128"/>
+                      </a:endParaRPr>
+                    </a:p>
+                  </a:txBody>
+                  <a:tcPr/>
+                </a:tc>
+                <a:tc>
+                  <a:txBody>
+                    <a:bodyPr/>
+                    <a:lstStyle/>
+                    <a:p>
+                      <a:r>
+                        <a:rPr kumimoji="1" lang="en-US" altLang="ja-JP" b="0" i="0" dirty="0">
+                          <a:latin typeface="Hiragino Kaku Gothic ProN W3" panose="020B0300000000000000" pitchFamily="34" charset="-128"/>
+                          <a:ea typeface="Hiragino Kaku Gothic ProN W3" panose="020B0300000000000000" pitchFamily="34" charset="-128"/>
+                        </a:rPr>
+                        <a:t>0.99529765</a:t>
+                      </a:r>
+                      <a:endParaRPr kumimoji="1" lang="ja-JP" altLang="en-US" b="0" i="0">
+                        <a:latin typeface="Hiragino Kaku Gothic ProN W3" panose="020B0300000000000000" pitchFamily="34" charset="-128"/>
+                        <a:ea typeface="Hiragino Kaku Gothic ProN W3" panose="020B0300000000000000" pitchFamily="34" charset="-128"/>
+                      </a:endParaRPr>
+                    </a:p>
+                  </a:txBody>
+                  <a:tcPr/>
+                </a:tc>
+                <a:extLst>
+                  <a:ext uri="{0D108BD9-81ED-4DB2-BD59-A6C34878D82A}">
+                    <a16:rowId xmlns:a16="http://schemas.microsoft.com/office/drawing/2014/main" val="249947393"/>
+                  </a:ext>
+                </a:extLst>
+              </a:tr>
+              <a:tr h="370840">
+                <a:tc>
+                  <a:txBody>
+                    <a:bodyPr/>
+                    <a:lstStyle/>
+                    <a:p>
+                      <a:r>
+                        <a:rPr kumimoji="1" lang="en-US" altLang="ja-JP" b="0" i="0" dirty="0">
+                          <a:latin typeface="Hiragino Kaku Gothic ProN W3" panose="020B0300000000000000" pitchFamily="34" charset="-128"/>
+                          <a:ea typeface="Hiragino Kaku Gothic ProN W3" panose="020B0300000000000000" pitchFamily="34" charset="-128"/>
+                        </a:rPr>
+                        <a:t>4</a:t>
+                      </a:r>
+                      <a:endParaRPr kumimoji="1" lang="ja-JP" altLang="en-US" b="0" i="0">
+                        <a:latin typeface="Hiragino Kaku Gothic ProN W3" panose="020B0300000000000000" pitchFamily="34" charset="-128"/>
+                        <a:ea typeface="Hiragino Kaku Gothic ProN W3" panose="020B0300000000000000" pitchFamily="34" charset="-128"/>
+                      </a:endParaRPr>
+                    </a:p>
+                  </a:txBody>
+                  <a:tcPr/>
+                </a:tc>
+                <a:tc>
+                  <a:txBody>
+                    <a:bodyPr/>
+                    <a:lstStyle/>
+                    <a:p>
+                      <a:r>
+                        <a:rPr kumimoji="1" lang="en-US" altLang="ja-JP" b="0" i="0" dirty="0">
+                          <a:latin typeface="Hiragino Kaku Gothic ProN W3" panose="020B0300000000000000" pitchFamily="34" charset="-128"/>
+                          <a:ea typeface="Hiragino Kaku Gothic ProN W3" panose="020B0300000000000000" pitchFamily="34" charset="-128"/>
+                        </a:rPr>
+                        <a:t>0.99674289</a:t>
+                      </a:r>
+                      <a:endParaRPr kumimoji="1" lang="ja-JP" altLang="en-US" b="0" i="0">
+                        <a:latin typeface="Hiragino Kaku Gothic ProN W3" panose="020B0300000000000000" pitchFamily="34" charset="-128"/>
+                        <a:ea typeface="Hiragino Kaku Gothic ProN W3" panose="020B0300000000000000" pitchFamily="34" charset="-128"/>
+                      </a:endParaRPr>
+                    </a:p>
+                  </a:txBody>
+                  <a:tcPr/>
+                </a:tc>
+                <a:extLst>
+                  <a:ext uri="{0D108BD9-81ED-4DB2-BD59-A6C34878D82A}">
+                    <a16:rowId xmlns:a16="http://schemas.microsoft.com/office/drawing/2014/main" val="3138670566"/>
+                  </a:ext>
+                </a:extLst>
+              </a:tr>
+              <a:tr h="370840">
+                <a:tc>
+                  <a:txBody>
+                    <a:bodyPr/>
+                    <a:lstStyle/>
+                    <a:p>
+                      <a:r>
+                        <a:rPr kumimoji="1" lang="en-US" altLang="ja-JP" b="0" i="0" dirty="0">
+                          <a:latin typeface="Hiragino Kaku Gothic ProN W3" panose="020B0300000000000000" pitchFamily="34" charset="-128"/>
+                          <a:ea typeface="Hiragino Kaku Gothic ProN W3" panose="020B0300000000000000" pitchFamily="34" charset="-128"/>
+                        </a:rPr>
+                        <a:t>5</a:t>
+                      </a:r>
+                      <a:endParaRPr kumimoji="1" lang="ja-JP" altLang="en-US" b="0" i="0">
+                        <a:latin typeface="Hiragino Kaku Gothic ProN W3" panose="020B0300000000000000" pitchFamily="34" charset="-128"/>
+                        <a:ea typeface="Hiragino Kaku Gothic ProN W3" panose="020B0300000000000000" pitchFamily="34" charset="-128"/>
+                      </a:endParaRPr>
+                    </a:p>
+                  </a:txBody>
+                  <a:tcPr/>
+                </a:tc>
+                <a:tc>
+                  <a:txBody>
+                    <a:bodyPr/>
+                    <a:lstStyle/>
+                    <a:p>
+                      <a:r>
+                        <a:rPr kumimoji="1" lang="en-US" altLang="ja-JP" b="0" i="0" dirty="0">
+                          <a:latin typeface="Hiragino Kaku Gothic ProN W3" panose="020B0300000000000000" pitchFamily="34" charset="-128"/>
+                          <a:ea typeface="Hiragino Kaku Gothic ProN W3" panose="020B0300000000000000" pitchFamily="34" charset="-128"/>
+                        </a:rPr>
+                        <a:t>0.9986452</a:t>
+                      </a:r>
+                      <a:endParaRPr kumimoji="1" lang="ja-JP" altLang="en-US" b="0" i="0">
+                        <a:latin typeface="Hiragino Kaku Gothic ProN W3" panose="020B0300000000000000" pitchFamily="34" charset="-128"/>
+                        <a:ea typeface="Hiragino Kaku Gothic ProN W3" panose="020B0300000000000000" pitchFamily="34" charset="-128"/>
+                      </a:endParaRPr>
+                    </a:p>
+                  </a:txBody>
+                  <a:tcPr/>
+                </a:tc>
+                <a:extLst>
+                  <a:ext uri="{0D108BD9-81ED-4DB2-BD59-A6C34878D82A}">
+                    <a16:rowId xmlns:a16="http://schemas.microsoft.com/office/drawing/2014/main" val="4129950384"/>
+                  </a:ext>
+                </a:extLst>
+              </a:tr>
+              <a:tr h="370840">
+                <a:tc>
+                  <a:txBody>
+                    <a:bodyPr/>
+                    <a:lstStyle/>
+                    <a:p>
+                      <a:r>
+                        <a:rPr kumimoji="1" lang="en-US" altLang="ja-JP" b="0" i="0" dirty="0">
+                          <a:latin typeface="Hiragino Kaku Gothic ProN W3" panose="020B0300000000000000" pitchFamily="34" charset="-128"/>
+                          <a:ea typeface="Hiragino Kaku Gothic ProN W3" panose="020B0300000000000000" pitchFamily="34" charset="-128"/>
+                        </a:rPr>
+                        <a:t>6</a:t>
+                      </a:r>
+                      <a:endParaRPr kumimoji="1" lang="ja-JP" altLang="en-US" b="0" i="0">
+                        <a:latin typeface="Hiragino Kaku Gothic ProN W3" panose="020B0300000000000000" pitchFamily="34" charset="-128"/>
+                        <a:ea typeface="Hiragino Kaku Gothic ProN W3" panose="020B0300000000000000" pitchFamily="34" charset="-128"/>
+                      </a:endParaRPr>
+                    </a:p>
+                  </a:txBody>
+                  <a:tcPr/>
+                </a:tc>
+                <a:tc>
+                  <a:txBody>
+                    <a:bodyPr/>
+                    <a:lstStyle/>
+                    <a:p>
+                      <a:r>
+                        <a:rPr kumimoji="1" lang="en-US" altLang="ja-JP" b="0" i="0" dirty="0">
+                          <a:latin typeface="Hiragino Kaku Gothic ProN W3" panose="020B0300000000000000" pitchFamily="34" charset="-128"/>
+                          <a:ea typeface="Hiragino Kaku Gothic ProN W3" panose="020B0300000000000000" pitchFamily="34" charset="-128"/>
+                        </a:rPr>
+                        <a:t>0.9956989</a:t>
+                      </a:r>
+                      <a:endParaRPr kumimoji="1" lang="ja-JP" altLang="en-US" b="0" i="0">
+                        <a:latin typeface="Hiragino Kaku Gothic ProN W3" panose="020B0300000000000000" pitchFamily="34" charset="-128"/>
+                        <a:ea typeface="Hiragino Kaku Gothic ProN W3" panose="020B0300000000000000" pitchFamily="34" charset="-128"/>
+                      </a:endParaRPr>
+                    </a:p>
+                  </a:txBody>
+                  <a:tcPr/>
+                </a:tc>
+                <a:extLst>
+                  <a:ext uri="{0D108BD9-81ED-4DB2-BD59-A6C34878D82A}">
+                    <a16:rowId xmlns:a16="http://schemas.microsoft.com/office/drawing/2014/main" val="4216427533"/>
+                  </a:ext>
+                </a:extLst>
+              </a:tr>
+              <a:tr h="370840">
+                <a:tc>
+                  <a:txBody>
+                    <a:bodyPr/>
+                    <a:lstStyle/>
+                    <a:p>
+                      <a:r>
+                        <a:rPr kumimoji="1" lang="en-US" altLang="ja-JP" b="0" i="0" dirty="0">
+                          <a:latin typeface="Hiragino Kaku Gothic ProN W3" panose="020B0300000000000000" pitchFamily="34" charset="-128"/>
+                          <a:ea typeface="Hiragino Kaku Gothic ProN W3" panose="020B0300000000000000" pitchFamily="34" charset="-128"/>
+                        </a:rPr>
+                        <a:t>7</a:t>
+                      </a:r>
+                      <a:endParaRPr kumimoji="1" lang="ja-JP" altLang="en-US" b="0" i="0">
+                        <a:latin typeface="Hiragino Kaku Gothic ProN W3" panose="020B0300000000000000" pitchFamily="34" charset="-128"/>
+                        <a:ea typeface="Hiragino Kaku Gothic ProN W3" panose="020B0300000000000000" pitchFamily="34" charset="-128"/>
+                      </a:endParaRPr>
+                    </a:p>
+                  </a:txBody>
+                  <a:tcPr/>
+                </a:tc>
+                <a:tc>
+                  <a:txBody>
+                    <a:bodyPr/>
+                    <a:lstStyle/>
+                    <a:p>
+                      <a:r>
+                        <a:rPr kumimoji="1" lang="en-US" altLang="ja-JP" b="0" i="0" dirty="0">
+                          <a:latin typeface="Hiragino Kaku Gothic ProN W3" panose="020B0300000000000000" pitchFamily="34" charset="-128"/>
+                          <a:ea typeface="Hiragino Kaku Gothic ProN W3" panose="020B0300000000000000" pitchFamily="34" charset="-128"/>
+                        </a:rPr>
+                        <a:t>0.9996078</a:t>
+                      </a:r>
+                      <a:endParaRPr kumimoji="1" lang="ja-JP" altLang="en-US" b="0" i="0">
+                        <a:latin typeface="Hiragino Kaku Gothic ProN W3" panose="020B0300000000000000" pitchFamily="34" charset="-128"/>
+                        <a:ea typeface="Hiragino Kaku Gothic ProN W3" panose="020B0300000000000000" pitchFamily="34" charset="-128"/>
+                      </a:endParaRPr>
+                    </a:p>
+                  </a:txBody>
+                  <a:tcPr/>
+                </a:tc>
+                <a:extLst>
+                  <a:ext uri="{0D108BD9-81ED-4DB2-BD59-A6C34878D82A}">
+                    <a16:rowId xmlns:a16="http://schemas.microsoft.com/office/drawing/2014/main" val="3374333035"/>
+                  </a:ext>
+                </a:extLst>
+              </a:tr>
+              <a:tr h="370840">
+                <a:tc>
+                  <a:txBody>
+                    <a:bodyPr/>
+                    <a:lstStyle/>
+                    <a:p>
+                      <a:r>
+                        <a:rPr kumimoji="1" lang="en-US" altLang="ja-JP" b="0" i="0" dirty="0">
+                          <a:latin typeface="Hiragino Kaku Gothic ProN W3" panose="020B0300000000000000" pitchFamily="34" charset="-128"/>
+                          <a:ea typeface="Hiragino Kaku Gothic ProN W3" panose="020B0300000000000000" pitchFamily="34" charset="-128"/>
+                        </a:rPr>
+                        <a:t>8</a:t>
+                      </a:r>
+                      <a:endParaRPr kumimoji="1" lang="ja-JP" altLang="en-US" b="0" i="0">
+                        <a:latin typeface="Hiragino Kaku Gothic ProN W3" panose="020B0300000000000000" pitchFamily="34" charset="-128"/>
+                        <a:ea typeface="Hiragino Kaku Gothic ProN W3" panose="020B0300000000000000" pitchFamily="34" charset="-128"/>
+                      </a:endParaRPr>
+                    </a:p>
+                  </a:txBody>
+                  <a:tcPr/>
+                </a:tc>
+                <a:tc>
+                  <a:txBody>
+                    <a:bodyPr/>
+                    <a:lstStyle/>
+                    <a:p>
+                      <a:r>
+                        <a:rPr kumimoji="1" lang="en-US" altLang="ja-JP" b="0" i="0" dirty="0">
+                          <a:latin typeface="Hiragino Kaku Gothic ProN W3" panose="020B0300000000000000" pitchFamily="34" charset="-128"/>
+                          <a:ea typeface="Hiragino Kaku Gothic ProN W3" panose="020B0300000000000000" pitchFamily="34" charset="-128"/>
+                        </a:rPr>
+                        <a:t>0.9970303</a:t>
+                      </a:r>
+                      <a:endParaRPr kumimoji="1" lang="ja-JP" altLang="en-US" b="0" i="0">
+                        <a:latin typeface="Hiragino Kaku Gothic ProN W3" panose="020B0300000000000000" pitchFamily="34" charset="-128"/>
+                        <a:ea typeface="Hiragino Kaku Gothic ProN W3" panose="020B0300000000000000" pitchFamily="34" charset="-128"/>
+                      </a:endParaRPr>
+                    </a:p>
+                  </a:txBody>
+                  <a:tcPr/>
+                </a:tc>
+                <a:extLst>
+                  <a:ext uri="{0D108BD9-81ED-4DB2-BD59-A6C34878D82A}">
+                    <a16:rowId xmlns:a16="http://schemas.microsoft.com/office/drawing/2014/main" val="857968729"/>
+                  </a:ext>
+                </a:extLst>
+              </a:tr>
+              <a:tr h="370840">
+                <a:tc>
+                  <a:txBody>
+                    <a:bodyPr/>
+                    <a:lstStyle/>
+                    <a:p>
+                      <a:r>
+                        <a:rPr kumimoji="1" lang="en-US" altLang="ja-JP" b="0" i="0" dirty="0">
+                          <a:latin typeface="Hiragino Kaku Gothic ProN W3" panose="020B0300000000000000" pitchFamily="34" charset="-128"/>
+                          <a:ea typeface="Hiragino Kaku Gothic ProN W3" panose="020B0300000000000000" pitchFamily="34" charset="-128"/>
+                        </a:rPr>
+                        <a:t>9</a:t>
+                      </a:r>
+                      <a:endParaRPr kumimoji="1" lang="ja-JP" altLang="en-US" b="0" i="0">
+                        <a:latin typeface="Hiragino Kaku Gothic ProN W3" panose="020B0300000000000000" pitchFamily="34" charset="-128"/>
+                        <a:ea typeface="Hiragino Kaku Gothic ProN W3" panose="020B0300000000000000" pitchFamily="34" charset="-128"/>
+                      </a:endParaRPr>
+                    </a:p>
+                  </a:txBody>
+                  <a:tcPr/>
+                </a:tc>
+                <a:tc>
+                  <a:txBody>
+                    <a:bodyPr/>
+                    <a:lstStyle/>
+                    <a:p>
+                      <a:r>
+                        <a:rPr kumimoji="1" lang="en-US" altLang="ja-JP" b="0" i="0" dirty="0">
+                          <a:latin typeface="Hiragino Kaku Gothic ProN W3" panose="020B0300000000000000" pitchFamily="34" charset="-128"/>
+                          <a:ea typeface="Hiragino Kaku Gothic ProN W3" panose="020B0300000000000000" pitchFamily="34" charset="-128"/>
+                        </a:rPr>
+                        <a:t>0.9970796</a:t>
+                      </a:r>
+                      <a:endParaRPr kumimoji="1" lang="ja-JP" altLang="en-US" b="0" i="0">
+                        <a:latin typeface="Hiragino Kaku Gothic ProN W3" panose="020B0300000000000000" pitchFamily="34" charset="-128"/>
+                        <a:ea typeface="Hiragino Kaku Gothic ProN W3" panose="020B0300000000000000" pitchFamily="34" charset="-128"/>
+                      </a:endParaRPr>
+                    </a:p>
+                  </a:txBody>
+                  <a:tcPr/>
+                </a:tc>
+                <a:extLst>
+                  <a:ext uri="{0D108BD9-81ED-4DB2-BD59-A6C34878D82A}">
+                    <a16:rowId xmlns:a16="http://schemas.microsoft.com/office/drawing/2014/main" val="3960013491"/>
+                  </a:ext>
+                </a:extLst>
+              </a:tr>
+              <a:tr h="370840">
+                <a:tc>
+                  <a:txBody>
+                    <a:bodyPr/>
+                    <a:lstStyle/>
+                    <a:p>
+                      <a:r>
+                        <a:rPr kumimoji="1" lang="en-US" altLang="ja-JP" b="0" i="0" dirty="0">
+                          <a:latin typeface="Hiragino Kaku Gothic ProN W3" panose="020B0300000000000000" pitchFamily="34" charset="-128"/>
+                          <a:ea typeface="Hiragino Kaku Gothic ProN W3" panose="020B0300000000000000" pitchFamily="34" charset="-128"/>
+                        </a:rPr>
+                        <a:t>10</a:t>
+                      </a:r>
+                      <a:endParaRPr kumimoji="1" lang="ja-JP" altLang="en-US" b="0" i="0">
+                        <a:latin typeface="Hiragino Kaku Gothic ProN W3" panose="020B0300000000000000" pitchFamily="34" charset="-128"/>
+                        <a:ea typeface="Hiragino Kaku Gothic ProN W3" panose="020B0300000000000000" pitchFamily="34" charset="-128"/>
+                      </a:endParaRPr>
+                    </a:p>
+                  </a:txBody>
+                  <a:tcPr/>
+                </a:tc>
+                <a:tc>
+                  <a:txBody>
+                    <a:bodyPr/>
+                    <a:lstStyle/>
+                    <a:p>
+                      <a:r>
+                        <a:rPr kumimoji="1" lang="en-US" altLang="ja-JP" b="0" i="0" dirty="0">
+                          <a:latin typeface="Hiragino Kaku Gothic ProN W3" panose="020B0300000000000000" pitchFamily="34" charset="-128"/>
+                          <a:ea typeface="Hiragino Kaku Gothic ProN W3" panose="020B0300000000000000" pitchFamily="34" charset="-128"/>
+                        </a:rPr>
+                        <a:t>0.99902824</a:t>
+                      </a:r>
+                      <a:endParaRPr kumimoji="1" lang="ja-JP" altLang="en-US" b="0" i="0">
+                        <a:latin typeface="Hiragino Kaku Gothic ProN W3" panose="020B0300000000000000" pitchFamily="34" charset="-128"/>
+                        <a:ea typeface="Hiragino Kaku Gothic ProN W3" panose="020B0300000000000000" pitchFamily="34" charset="-128"/>
+                      </a:endParaRPr>
+                    </a:p>
+                  </a:txBody>
+                  <a:tcPr/>
+                </a:tc>
+                <a:extLst>
+                  <a:ext uri="{0D108BD9-81ED-4DB2-BD59-A6C34878D82A}">
+                    <a16:rowId xmlns:a16="http://schemas.microsoft.com/office/drawing/2014/main" val="2859881722"/>
+                  </a:ext>
+                </a:extLst>
+              </a:tr>
+              <a:tr h="370840">
+                <a:tc>
+                  <a:txBody>
+                    <a:bodyPr/>
+                    <a:lstStyle/>
+                    <a:p>
+                      <a:r>
+                        <a:rPr kumimoji="1" lang="ja-JP" altLang="en-US" b="0" i="0">
+                          <a:highlight>
+                            <a:srgbClr val="FFFF00"/>
+                          </a:highlight>
+                          <a:latin typeface="Hiragino Kaku Gothic ProN W3" panose="020B0300000000000000" pitchFamily="34" charset="-128"/>
+                          <a:ea typeface="Hiragino Kaku Gothic ProN W3" panose="020B0300000000000000" pitchFamily="34" charset="-128"/>
+                        </a:rPr>
+                        <a:t>平均</a:t>
+                      </a:r>
+                    </a:p>
+                  </a:txBody>
+                  <a:tcPr/>
+                </a:tc>
+                <a:tc>
+                  <a:txBody>
+                    <a:bodyPr/>
+                    <a:lstStyle/>
+                    <a:p>
+                      <a:r>
+                        <a:rPr kumimoji="1" lang="en-US" altLang="ja-JP" b="0" i="0" dirty="0">
+                          <a:highlight>
+                            <a:srgbClr val="FFFF00"/>
+                          </a:highlight>
+                          <a:latin typeface="Hiragino Kaku Gothic ProN W3" panose="020B0300000000000000" pitchFamily="34" charset="-128"/>
+                          <a:ea typeface="Hiragino Kaku Gothic ProN W3" panose="020B0300000000000000" pitchFamily="34" charset="-128"/>
+                        </a:rPr>
+                        <a:t>0.9981204</a:t>
+                      </a:r>
+                      <a:endParaRPr kumimoji="1" lang="ja-JP" altLang="en-US" b="0" i="0">
+                        <a:highlight>
+                          <a:srgbClr val="FFFF00"/>
+                        </a:highlight>
+                        <a:latin typeface="Hiragino Kaku Gothic ProN W3" panose="020B0300000000000000" pitchFamily="34" charset="-128"/>
+                        <a:ea typeface="Hiragino Kaku Gothic ProN W3" panose="020B0300000000000000" pitchFamily="34" charset="-128"/>
+                      </a:endParaRPr>
+                    </a:p>
+                  </a:txBody>
+                  <a:tcPr/>
+                </a:tc>
+                <a:extLst>
+                  <a:ext uri="{0D108BD9-81ED-4DB2-BD59-A6C34878D82A}">
+                    <a16:rowId xmlns:a16="http://schemas.microsoft.com/office/drawing/2014/main" val="1901931170"/>
+                  </a:ext>
+                </a:extLst>
+              </a:tr>
+            </a:tbl>
+          </a:graphicData>
+        </a:graphic>
+      </p:graphicFrame>
     </p:spTree>
     <p:extLst>
       <p:ext uri="{BB962C8B-B14F-4D97-AF65-F5344CB8AC3E}">
-        <p14:creationId xmlns:p14="http://schemas.microsoft.com/office/powerpoint/2010/main" val="2146276442"/>
+        <p14:creationId xmlns:p14="http://schemas.microsoft.com/office/powerpoint/2010/main" val="3860281592"/>
       </p:ext>
     </p:extLst>
   </p:cSld>
@@ -10305,7 +12660,7 @@
                 <a:latin typeface="Hiragino Kaku Gothic ProN W3" panose="020B0300000000000000" pitchFamily="34" charset="-128"/>
                 <a:ea typeface="Hiragino Kaku Gothic ProN W3" panose="020B0300000000000000" pitchFamily="34" charset="-128"/>
               </a:rPr>
-              <a:t>学習データの違いによる推定の差異の再検討</a:t>
+              <a:t>今回作成した機械学習モデルが、実際にアプリケーションとして使用される場面を想定し、実験を行った</a:t>
             </a:r>
             <a:endParaRPr lang="en-US" altLang="ja-JP" dirty="0">
               <a:latin typeface="Hiragino Kaku Gothic ProN W3" panose="020B0300000000000000" pitchFamily="34" charset="-128"/>
@@ -10313,13 +12668,48 @@
             </a:endParaRPr>
           </a:p>
           <a:p>
+            <a:pPr lvl="1" fontAlgn="base"/>
+            <a:r>
+              <a:rPr lang="ja-JP" altLang="en-US" sz="2000">
+                <a:latin typeface="Hiragino Kaku Gothic ProN W3" panose="020B0300000000000000" pitchFamily="34" charset="-128"/>
+                <a:ea typeface="Hiragino Kaku Gothic ProN W3" panose="020B0300000000000000" pitchFamily="34" charset="-128"/>
+              </a:rPr>
+              <a:t>屋内の照明や屋外の自然光で、スマートフォンで撮影された顔画像</a:t>
+            </a:r>
+            <a:r>
+              <a:rPr lang="en-US" altLang="ja-JP" sz="2000" dirty="0">
+                <a:latin typeface="Hiragino Kaku Gothic ProN W3" panose="020B0300000000000000" pitchFamily="34" charset="-128"/>
+                <a:ea typeface="Hiragino Kaku Gothic ProN W3" panose="020B0300000000000000" pitchFamily="34" charset="-128"/>
+              </a:rPr>
+              <a:t>5</a:t>
+            </a:r>
+            <a:r>
+              <a:rPr lang="ja-JP" altLang="en-US" sz="2000">
+                <a:latin typeface="Hiragino Kaku Gothic ProN W3" panose="020B0300000000000000" pitchFamily="34" charset="-128"/>
+                <a:ea typeface="Hiragino Kaku Gothic ProN W3" panose="020B0300000000000000" pitchFamily="34" charset="-128"/>
+              </a:rPr>
+              <a:t>枚を使用し、実際にリップカラーの推定を行った</a:t>
+            </a:r>
+            <a:endParaRPr lang="en-US" altLang="ja-JP" sz="2000" dirty="0">
+              <a:latin typeface="Hiragino Kaku Gothic ProN W3" panose="020B0300000000000000" pitchFamily="34" charset="-128"/>
+              <a:ea typeface="Hiragino Kaku Gothic ProN W3" panose="020B0300000000000000" pitchFamily="34" charset="-128"/>
+            </a:endParaRPr>
+          </a:p>
+          <a:p>
+            <a:pPr lvl="1" fontAlgn="base"/>
+            <a:endParaRPr lang="en-US" altLang="ja-JP" sz="2000" dirty="0">
+              <a:latin typeface="Hiragino Kaku Gothic ProN W3" panose="020B0300000000000000" pitchFamily="34" charset="-128"/>
+              <a:ea typeface="Hiragino Kaku Gothic ProN W3" panose="020B0300000000000000" pitchFamily="34" charset="-128"/>
+            </a:endParaRPr>
+          </a:p>
+          <a:p>
             <a:pPr fontAlgn="base"/>
             <a:r>
               <a:rPr lang="ja-JP" altLang="en-US">
                 <a:latin typeface="Hiragino Kaku Gothic ProN W3" panose="020B0300000000000000" pitchFamily="34" charset="-128"/>
                 <a:ea typeface="Hiragino Kaku Gothic ProN W3" panose="020B0300000000000000" pitchFamily="34" charset="-128"/>
               </a:rPr>
-              <a:t>システム利用者に合わせた教師データの作成</a:t>
+              <a:t>実験結果</a:t>
             </a:r>
             <a:endParaRPr lang="en-US" altLang="ja-JP" dirty="0">
               <a:latin typeface="Hiragino Kaku Gothic ProN W3" panose="020B0300000000000000" pitchFamily="34" charset="-128"/>
@@ -10327,27 +12717,27 @@
             </a:endParaRPr>
           </a:p>
           <a:p>
-            <a:pPr fontAlgn="base"/>
-            <a:r>
-              <a:rPr lang="ja-JP" altLang="en-US">
-                <a:latin typeface="Hiragino Kaku Gothic ProN W3" panose="020B0300000000000000" pitchFamily="34" charset="-128"/>
-                <a:ea typeface="Hiragino Kaku Gothic ProN W3" panose="020B0300000000000000" pitchFamily="34" charset="-128"/>
-              </a:rPr>
-              <a:t>教師データの質の向上</a:t>
-            </a:r>
-            <a:endParaRPr lang="en-US" altLang="ja-JP" dirty="0">
+            <a:pPr lvl="1" fontAlgn="base"/>
+            <a:r>
+              <a:rPr lang="ja-JP" altLang="en-US" sz="2000">
+                <a:latin typeface="Hiragino Kaku Gothic ProN W3" panose="020B0300000000000000" pitchFamily="34" charset="-128"/>
+                <a:ea typeface="Hiragino Kaku Gothic ProN W3" panose="020B0300000000000000" pitchFamily="34" charset="-128"/>
+              </a:rPr>
+              <a:t>リップカラーとしては暗すぎるような色が推定された</a:t>
+            </a:r>
+            <a:endParaRPr lang="en-US" altLang="ja-JP" sz="2000" dirty="0">
               <a:latin typeface="Hiragino Kaku Gothic ProN W3" panose="020B0300000000000000" pitchFamily="34" charset="-128"/>
               <a:ea typeface="Hiragino Kaku Gothic ProN W3" panose="020B0300000000000000" pitchFamily="34" charset="-128"/>
             </a:endParaRPr>
           </a:p>
           <a:p>
-            <a:pPr fontAlgn="base"/>
-            <a:r>
-              <a:rPr lang="ja-JP" altLang="en-US">
-                <a:latin typeface="Hiragino Kaku Gothic ProN W3" panose="020B0300000000000000" pitchFamily="34" charset="-128"/>
-                <a:ea typeface="Hiragino Kaku Gothic ProN W3" panose="020B0300000000000000" pitchFamily="34" charset="-128"/>
-              </a:rPr>
-              <a:t>被験者実験での効果の検証と、アプトプットの形の検討</a:t>
+            <a:pPr lvl="1" fontAlgn="base"/>
+            <a:r>
+              <a:rPr lang="ja-JP" altLang="en-US" sz="2000">
+                <a:latin typeface="Hiragino Kaku Gothic ProN W3" panose="020B0300000000000000" pitchFamily="34" charset="-128"/>
+                <a:ea typeface="Hiragino Kaku Gothic ProN W3" panose="020B0300000000000000" pitchFamily="34" charset="-128"/>
+              </a:rPr>
+              <a:t>原因としては、学習データに使用した画像が明るく鮮やかだったのに対し、スマートフォンで撮影された画像はどうしても暗くくすんだ色味になってしまうため、推定結果も暗くなってしまったことが考えられる</a:t>
             </a:r>
           </a:p>
         </p:txBody>
@@ -10369,7 +12759,7 @@
         <p:spPr>
           <a:xfrm>
             <a:off x="252918" y="320508"/>
-            <a:ext cx="5843081" cy="771870"/>
+            <a:ext cx="11039913" cy="771870"/>
           </a:xfrm>
           <a:prstGeom prst="rect">
             <a:avLst/>
@@ -10398,16 +12788,232 @@
           </a:lstStyle>
           <a:p>
             <a:r>
-              <a:rPr lang="ja-JP" altLang="en-US"/>
-              <a:t>今後の課題・展望</a:t>
-            </a:r>
+              <a:rPr lang="en-US" altLang="ja-JP" dirty="0">
+                <a:latin typeface="Hiragino Kaku Gothic ProN W3" panose="020B0300000000000000" pitchFamily="34" charset="-128"/>
+                <a:ea typeface="Hiragino Kaku Gothic ProN W3" panose="020B0300000000000000" pitchFamily="34" charset="-128"/>
+              </a:rPr>
+              <a:t>③</a:t>
+            </a:r>
+            <a:r>
+              <a:rPr lang="ja-JP" altLang="en-US">
+                <a:latin typeface="Hiragino Kaku Gothic ProN W3" panose="020B0300000000000000" pitchFamily="34" charset="-128"/>
+                <a:ea typeface="Hiragino Kaku Gothic ProN W3" panose="020B0300000000000000" pitchFamily="34" charset="-128"/>
+              </a:rPr>
+              <a:t>実際の使用を想定した実験</a:t>
+            </a:r>
+            <a:endParaRPr lang="en-US" altLang="ja-JP" dirty="0">
+              <a:latin typeface="Hiragino Kaku Gothic ProN W3" panose="020B0300000000000000" pitchFamily="34" charset="-128"/>
+              <a:ea typeface="Hiragino Kaku Gothic ProN W3" panose="020B0300000000000000" pitchFamily="34" charset="-128"/>
+            </a:endParaRPr>
           </a:p>
         </p:txBody>
       </p:sp>
+      <p:pic>
+        <p:nvPicPr>
+          <p:cNvPr id="3" name="図 2">
+            <a:extLst>
+              <a:ext uri="{FF2B5EF4-FFF2-40B4-BE49-F238E27FC236}">
+                <a16:creationId xmlns:a16="http://schemas.microsoft.com/office/drawing/2014/main" id="{F6654873-CEC0-71F7-C6AA-9A76876DAD99}"/>
+              </a:ext>
+            </a:extLst>
+          </p:cNvPr>
+          <p:cNvPicPr>
+            <a:picLocks noChangeAspect="1"/>
+          </p:cNvPicPr>
+          <p:nvPr/>
+        </p:nvPicPr>
+        <p:blipFill>
+          <a:blip r:embed="rId2"/>
+          <a:stretch>
+            <a:fillRect/>
+          </a:stretch>
+        </p:blipFill>
+        <p:spPr>
+          <a:xfrm>
+            <a:off x="7466013" y="4805891"/>
+            <a:ext cx="1700104" cy="1692480"/>
+          </a:xfrm>
+          <a:prstGeom prst="rect">
+            <a:avLst/>
+          </a:prstGeom>
+        </p:spPr>
+      </p:pic>
+      <p:pic>
+        <p:nvPicPr>
+          <p:cNvPr id="8" name="図 7">
+            <a:extLst>
+              <a:ext uri="{FF2B5EF4-FFF2-40B4-BE49-F238E27FC236}">
+                <a16:creationId xmlns:a16="http://schemas.microsoft.com/office/drawing/2014/main" id="{9C7D433B-32BD-3D12-9376-BD15EA883F87}"/>
+              </a:ext>
+            </a:extLst>
+          </p:cNvPr>
+          <p:cNvPicPr>
+            <a:picLocks noChangeAspect="1"/>
+          </p:cNvPicPr>
+          <p:nvPr/>
+        </p:nvPicPr>
+        <p:blipFill>
+          <a:blip r:embed="rId3"/>
+          <a:stretch>
+            <a:fillRect/>
+          </a:stretch>
+        </p:blipFill>
+        <p:spPr>
+          <a:xfrm>
+            <a:off x="9856514" y="5591942"/>
+            <a:ext cx="635000" cy="635000"/>
+          </a:xfrm>
+          <a:prstGeom prst="rect">
+            <a:avLst/>
+          </a:prstGeom>
+        </p:spPr>
+      </p:pic>
+      <p:pic>
+        <p:nvPicPr>
+          <p:cNvPr id="10" name="図 9">
+            <a:extLst>
+              <a:ext uri="{FF2B5EF4-FFF2-40B4-BE49-F238E27FC236}">
+                <a16:creationId xmlns:a16="http://schemas.microsoft.com/office/drawing/2014/main" id="{969CD60E-40C3-3662-4AFC-062BB7945F79}"/>
+              </a:ext>
+            </a:extLst>
+          </p:cNvPr>
+          <p:cNvPicPr>
+            <a:picLocks noChangeAspect="1"/>
+          </p:cNvPicPr>
+          <p:nvPr/>
+        </p:nvPicPr>
+        <p:blipFill>
+          <a:blip r:embed="rId4"/>
+          <a:stretch>
+            <a:fillRect/>
+          </a:stretch>
+        </p:blipFill>
+        <p:spPr>
+          <a:xfrm>
+            <a:off x="11012487" y="5425860"/>
+            <a:ext cx="635000" cy="635000"/>
+          </a:xfrm>
+          <a:prstGeom prst="rect">
+            <a:avLst/>
+          </a:prstGeom>
+        </p:spPr>
+      </p:pic>
+      <p:pic>
+        <p:nvPicPr>
+          <p:cNvPr id="11" name="図 10">
+            <a:extLst>
+              <a:ext uri="{FF2B5EF4-FFF2-40B4-BE49-F238E27FC236}">
+                <a16:creationId xmlns:a16="http://schemas.microsoft.com/office/drawing/2014/main" id="{5440A7FB-19EA-2FA4-3F93-77FD57BA0C42}"/>
+              </a:ext>
+            </a:extLst>
+          </p:cNvPr>
+          <p:cNvPicPr>
+            <a:picLocks noChangeAspect="1"/>
+          </p:cNvPicPr>
+          <p:nvPr/>
+        </p:nvPicPr>
+        <p:blipFill>
+          <a:blip r:embed="rId5"/>
+          <a:stretch>
+            <a:fillRect/>
+          </a:stretch>
+        </p:blipFill>
+        <p:spPr>
+          <a:xfrm>
+            <a:off x="1030562" y="5158523"/>
+            <a:ext cx="1339848" cy="1339848"/>
+          </a:xfrm>
+          <a:prstGeom prst="rect">
+            <a:avLst/>
+          </a:prstGeom>
+        </p:spPr>
+      </p:pic>
+      <p:sp>
+        <p:nvSpPr>
+          <p:cNvPr id="12" name="正方形/長方形 11">
+            <a:extLst>
+              <a:ext uri="{FF2B5EF4-FFF2-40B4-BE49-F238E27FC236}">
+                <a16:creationId xmlns:a16="http://schemas.microsoft.com/office/drawing/2014/main" id="{703D67BE-0051-5262-4855-13E11C600FCA}"/>
+              </a:ext>
+            </a:extLst>
+          </p:cNvPr>
+          <p:cNvSpPr/>
+          <p:nvPr/>
+        </p:nvSpPr>
+        <p:spPr>
+          <a:xfrm>
+            <a:off x="2626379" y="5168375"/>
+            <a:ext cx="1350362" cy="1329996"/>
+          </a:xfrm>
+          <a:prstGeom prst="rect">
+            <a:avLst/>
+          </a:prstGeom>
+          <a:solidFill>
+            <a:srgbClr val="E6886E"/>
+          </a:solidFill>
+          <a:ln>
+            <a:noFill/>
+          </a:ln>
+        </p:spPr>
+        <p:style>
+          <a:lnRef idx="2">
+            <a:schemeClr val="accent1">
+              <a:shade val="15000"/>
+            </a:schemeClr>
+          </a:lnRef>
+          <a:fillRef idx="1">
+            <a:schemeClr val="accent1"/>
+          </a:fillRef>
+          <a:effectRef idx="0">
+            <a:schemeClr val="accent1"/>
+          </a:effectRef>
+          <a:fontRef idx="minor">
+            <a:schemeClr val="lt1"/>
+          </a:fontRef>
+        </p:style>
+        <p:txBody>
+          <a:bodyPr rtlCol="0" anchor="ctr"/>
+          <a:lstStyle/>
+          <a:p>
+            <a:pPr algn="ctr"/>
+            <a:endParaRPr kumimoji="1" lang="ja-JP" altLang="en-US"/>
+          </a:p>
+        </p:txBody>
+      </p:sp>
+      <p:pic>
+        <p:nvPicPr>
+          <p:cNvPr id="13" name="図 12">
+            <a:extLst>
+              <a:ext uri="{FF2B5EF4-FFF2-40B4-BE49-F238E27FC236}">
+                <a16:creationId xmlns:a16="http://schemas.microsoft.com/office/drawing/2014/main" id="{1E8973BF-928C-5F4E-B46E-C31091075BDA}"/>
+              </a:ext>
+            </a:extLst>
+          </p:cNvPr>
+          <p:cNvPicPr>
+            <a:picLocks noChangeAspect="1"/>
+          </p:cNvPicPr>
+          <p:nvPr/>
+        </p:nvPicPr>
+        <p:blipFill>
+          <a:blip r:embed="rId6"/>
+          <a:stretch>
+            <a:fillRect/>
+          </a:stretch>
+        </p:blipFill>
+        <p:spPr>
+          <a:xfrm>
+            <a:off x="4251214" y="5158523"/>
+            <a:ext cx="1339847" cy="1339847"/>
+          </a:xfrm>
+          <a:prstGeom prst="rect">
+            <a:avLst/>
+          </a:prstGeom>
+        </p:spPr>
+      </p:pic>
     </p:spTree>
     <p:extLst>
       <p:ext uri="{BB962C8B-B14F-4D97-AF65-F5344CB8AC3E}">
-        <p14:creationId xmlns:p14="http://schemas.microsoft.com/office/powerpoint/2010/main" val="2606106253"/>
+        <p14:creationId xmlns:p14="http://schemas.microsoft.com/office/powerpoint/2010/main" val="2146276442"/>
       </p:ext>
     </p:extLst>
   </p:cSld>
@@ -10986,7 +13592,7 @@
         </p:nvSpPr>
         <p:spPr>
           <a:xfrm>
-            <a:off x="576043" y="1432140"/>
+            <a:off x="576043" y="1411120"/>
             <a:ext cx="11039913" cy="5120640"/>
           </a:xfrm>
           <a:prstGeom prst="rect">
@@ -11240,70 +13846,25 @@
           <a:p>
             <a:pPr fontAlgn="base"/>
             <a:r>
+              <a:rPr lang="ja-JP" altLang="en-US" sz="1800">
+                <a:latin typeface="Hiragino Kaku Gothic ProN W3" panose="020B0300000000000000" pitchFamily="34" charset="-128"/>
+                <a:ea typeface="Hiragino Kaku Gothic ProN W3" panose="020B0300000000000000" pitchFamily="34" charset="-128"/>
+              </a:rPr>
+              <a:t>メイクアップにおける課題</a:t>
+            </a:r>
+            <a:endParaRPr lang="en-US" altLang="ja-JP" sz="1800" dirty="0">
+              <a:latin typeface="Hiragino Kaku Gothic ProN W3" panose="020B0300000000000000" pitchFamily="34" charset="-128"/>
+              <a:ea typeface="Hiragino Kaku Gothic ProN W3" panose="020B0300000000000000" pitchFamily="34" charset="-128"/>
+            </a:endParaRPr>
+          </a:p>
+          <a:p>
+            <a:pPr lvl="1" fontAlgn="base"/>
+            <a:r>
               <a:rPr lang="ja-JP" altLang="en-US">
                 <a:latin typeface="Hiragino Kaku Gothic ProN W3" panose="020B0300000000000000" pitchFamily="34" charset="-128"/>
                 <a:ea typeface="Hiragino Kaku Gothic ProN W3" panose="020B0300000000000000" pitchFamily="34" charset="-128"/>
               </a:rPr>
-              <a:t>あああ</a:t>
-            </a:r>
-          </a:p>
-        </p:txBody>
-      </p:sp>
-      <p:sp>
-        <p:nvSpPr>
-          <p:cNvPr id="6" name="タイトル 1">
-            <a:extLst>
-              <a:ext uri="{FF2B5EF4-FFF2-40B4-BE49-F238E27FC236}">
-                <a16:creationId xmlns:a16="http://schemas.microsoft.com/office/drawing/2014/main" id="{45A7B92C-AE3D-91D6-227C-099A94786625}"/>
-              </a:ext>
-            </a:extLst>
-          </p:cNvPr>
-          <p:cNvSpPr txBox="1">
-            <a:spLocks/>
-          </p:cNvSpPr>
-          <p:nvPr/>
-        </p:nvSpPr>
-        <p:spPr>
-          <a:xfrm>
-            <a:off x="252918" y="320508"/>
-            <a:ext cx="10215385" cy="771870"/>
-          </a:xfrm>
-          <a:prstGeom prst="rect">
-            <a:avLst/>
-          </a:prstGeom>
-        </p:spPr>
-        <p:txBody>
-          <a:bodyPr/>
-          <a:lstStyle>
-            <a:lvl1pPr algn="l" defTabSz="914400" rtl="0" eaLnBrk="1" latinLnBrk="0" hangingPunct="1">
-              <a:lnSpc>
-                <a:spcPct val="90000"/>
-              </a:lnSpc>
-              <a:spcBef>
-                <a:spcPct val="0"/>
-              </a:spcBef>
-              <a:buNone/>
-              <a:defRPr kumimoji="1" sz="3600" kern="1200" spc="-60" baseline="0">
-                <a:solidFill>
-                  <a:srgbClr val="FFFFFF"/>
-                </a:solidFill>
-                <a:latin typeface="+mj-lt"/>
-                <a:ea typeface="+mj-ea"/>
-                <a:cs typeface="+mj-cs"/>
-              </a:defRPr>
-            </a:lvl1pPr>
-          </a:lstStyle>
-          <a:p>
-            <a:r>
-              <a:rPr lang="ja-JP" altLang="en-US"/>
-              <a:t>①</a:t>
-            </a:r>
-            <a:r>
-              <a:rPr lang="ja-JP" altLang="en-US">
-                <a:latin typeface="Hiragino Kaku Gothic ProN W3" panose="020B0300000000000000" pitchFamily="34" charset="-128"/>
-                <a:ea typeface="Hiragino Kaku Gothic ProN W3" panose="020B0300000000000000" pitchFamily="34" charset="-128"/>
-              </a:rPr>
-              <a:t>学習データの違いによる推定の差異の再検討</a:t>
+              <a:t>自分自身でそれが似合っているかどうかを客観的に判断することが難しいため、自信が持てず不安になってしまったり、どう改善したら良いのか分からない</a:t>
             </a:r>
             <a:endParaRPr lang="en-US" altLang="ja-JP" dirty="0">
               <a:latin typeface="Hiragino Kaku Gothic ProN W3" panose="020B0300000000000000" pitchFamily="34" charset="-128"/>
@@ -11311,788 +13872,141 @@
             </a:endParaRPr>
           </a:p>
           <a:p>
-            <a:endParaRPr lang="ja-JP" altLang="en-US"/>
-          </a:p>
-        </p:txBody>
-      </p:sp>
-    </p:spTree>
-    <p:extLst>
-      <p:ext uri="{BB962C8B-B14F-4D97-AF65-F5344CB8AC3E}">
-        <p14:creationId xmlns:p14="http://schemas.microsoft.com/office/powerpoint/2010/main" val="2810340915"/>
-      </p:ext>
-    </p:extLst>
-  </p:cSld>
-  <p:clrMapOvr>
-    <a:masterClrMapping/>
-  </p:clrMapOvr>
-</p:sld>
-</file>
-
-<file path=ppt/slides/slide21.xml><?xml version="1.0" encoding="utf-8"?>
-<p:sld xmlns:a="http://schemas.openxmlformats.org/drawingml/2006/main" xmlns:r="http://schemas.openxmlformats.org/officeDocument/2006/relationships" xmlns:p="http://schemas.openxmlformats.org/presentationml/2006/main">
-  <p:cSld>
-    <p:spTree>
-      <p:nvGrpSpPr>
-        <p:cNvPr id="1" name=""/>
-        <p:cNvGrpSpPr/>
-        <p:nvPr/>
-      </p:nvGrpSpPr>
-      <p:grpSpPr>
-        <a:xfrm>
-          <a:off x="0" y="0"/>
-          <a:ext cx="0" cy="0"/>
-          <a:chOff x="0" y="0"/>
-          <a:chExt cx="0" cy="0"/>
-        </a:xfrm>
-      </p:grpSpPr>
-      <p:sp>
-        <p:nvSpPr>
-          <p:cNvPr id="7" name="正方形/長方形 6">
-            <a:extLst>
-              <a:ext uri="{FF2B5EF4-FFF2-40B4-BE49-F238E27FC236}">
-                <a16:creationId xmlns:a16="http://schemas.microsoft.com/office/drawing/2014/main" id="{D98ECB46-E3D4-3A0B-1D69-28EB8A1887F1}"/>
-              </a:ext>
-            </a:extLst>
-          </p:cNvPr>
-          <p:cNvSpPr/>
-          <p:nvPr/>
-        </p:nvSpPr>
-        <p:spPr>
-          <a:xfrm>
-            <a:off x="0" y="-1"/>
-            <a:ext cx="12192000" cy="1077091"/>
-          </a:xfrm>
-          <a:prstGeom prst="rect">
-            <a:avLst/>
-          </a:prstGeom>
-          <a:ln>
-            <a:noFill/>
-          </a:ln>
-        </p:spPr>
-        <p:style>
-          <a:lnRef idx="2">
-            <a:schemeClr val="accent1">
-              <a:shade val="50000"/>
-            </a:schemeClr>
-          </a:lnRef>
-          <a:fillRef idx="1">
-            <a:schemeClr val="accent1"/>
-          </a:fillRef>
-          <a:effectRef idx="0">
-            <a:schemeClr val="accent1"/>
-          </a:effectRef>
-          <a:fontRef idx="minor">
-            <a:schemeClr val="lt1"/>
-          </a:fontRef>
-        </p:style>
-        <p:txBody>
-          <a:bodyPr rtlCol="0" anchor="ctr"/>
-          <a:lstStyle/>
-          <a:p>
-            <a:pPr algn="ctr"/>
-            <a:endParaRPr kumimoji="1" lang="ja-JP" altLang="en-US"/>
-          </a:p>
-        </p:txBody>
-      </p:sp>
-      <p:sp>
-        <p:nvSpPr>
-          <p:cNvPr id="5" name="コンテンツ プレースホルダー 2">
-            <a:extLst>
-              <a:ext uri="{FF2B5EF4-FFF2-40B4-BE49-F238E27FC236}">
-                <a16:creationId xmlns:a16="http://schemas.microsoft.com/office/drawing/2014/main" id="{B040927F-1E6A-C26C-3C46-978E4552B438}"/>
-              </a:ext>
-            </a:extLst>
-          </p:cNvPr>
-          <p:cNvSpPr txBox="1">
-            <a:spLocks/>
-          </p:cNvSpPr>
-          <p:nvPr/>
-        </p:nvSpPr>
-        <p:spPr>
-          <a:xfrm>
-            <a:off x="576043" y="1432140"/>
-            <a:ext cx="11039913" cy="5120640"/>
-          </a:xfrm>
-          <a:prstGeom prst="rect">
-            <a:avLst/>
-          </a:prstGeom>
-        </p:spPr>
-        <p:txBody>
-          <a:bodyPr/>
-          <a:lstStyle>
-            <a:lvl1pPr marL="182880" indent="-182880" algn="l" defTabSz="914400" rtl="0" eaLnBrk="1" latinLnBrk="0" hangingPunct="1">
-              <a:lnSpc>
-                <a:spcPct val="90000"/>
-              </a:lnSpc>
-              <a:spcBef>
-                <a:spcPts val="1200"/>
-              </a:spcBef>
-              <a:buClr>
-                <a:schemeClr val="accent1"/>
-              </a:buClr>
-              <a:buFont typeface="Wingdings 2" pitchFamily="18" charset="2"/>
-              <a:buChar char=""/>
-              <a:defRPr kumimoji="1" sz="2000" kern="1200">
-                <a:solidFill>
-                  <a:schemeClr val="tx1">
-                    <a:lumMod val="65000"/>
-                    <a:lumOff val="35000"/>
-                  </a:schemeClr>
-                </a:solidFill>
-                <a:latin typeface="+mn-lt"/>
-                <a:ea typeface="+mn-ea"/>
-                <a:cs typeface="+mn-cs"/>
-              </a:defRPr>
-            </a:lvl1pPr>
-            <a:lvl2pPr marL="685800" indent="-182880" algn="l" defTabSz="914400" rtl="0" eaLnBrk="1" latinLnBrk="0" hangingPunct="1">
-              <a:lnSpc>
-                <a:spcPct val="90000"/>
-              </a:lnSpc>
-              <a:spcBef>
-                <a:spcPts val="250"/>
-              </a:spcBef>
-              <a:spcAft>
-                <a:spcPts val="250"/>
-              </a:spcAft>
-              <a:buClr>
-                <a:schemeClr val="accent1"/>
-              </a:buClr>
-              <a:buFont typeface="Wingdings 2" pitchFamily="18" charset="2"/>
-              <a:buChar char=""/>
-              <a:defRPr kumimoji="1" sz="1800" kern="1200">
-                <a:solidFill>
-                  <a:schemeClr val="tx1">
-                    <a:lumMod val="65000"/>
-                    <a:lumOff val="35000"/>
-                  </a:schemeClr>
-                </a:solidFill>
-                <a:latin typeface="+mn-lt"/>
-                <a:ea typeface="+mn-ea"/>
-                <a:cs typeface="+mn-cs"/>
-              </a:defRPr>
-            </a:lvl2pPr>
-            <a:lvl3pPr marL="1143000" indent="-182880" algn="l" defTabSz="914400" rtl="0" eaLnBrk="1" latinLnBrk="0" hangingPunct="1">
-              <a:lnSpc>
-                <a:spcPct val="90000"/>
-              </a:lnSpc>
-              <a:spcBef>
-                <a:spcPts val="250"/>
-              </a:spcBef>
-              <a:spcAft>
-                <a:spcPts val="250"/>
-              </a:spcAft>
-              <a:buClr>
-                <a:schemeClr val="accent1"/>
-              </a:buClr>
-              <a:buFont typeface="Wingdings 2" pitchFamily="18" charset="2"/>
-              <a:buChar char=""/>
-              <a:defRPr kumimoji="1" sz="1600" kern="1200">
-                <a:solidFill>
-                  <a:schemeClr val="tx1">
-                    <a:lumMod val="65000"/>
-                    <a:lumOff val="35000"/>
-                  </a:schemeClr>
-                </a:solidFill>
-                <a:latin typeface="+mn-lt"/>
-                <a:ea typeface="+mn-ea"/>
-                <a:cs typeface="+mn-cs"/>
-              </a:defRPr>
-            </a:lvl3pPr>
-            <a:lvl4pPr marL="1600200" indent="-182880" algn="l" defTabSz="914400" rtl="0" eaLnBrk="1" latinLnBrk="0" hangingPunct="1">
-              <a:lnSpc>
-                <a:spcPct val="90000"/>
-              </a:lnSpc>
-              <a:spcBef>
-                <a:spcPts val="250"/>
-              </a:spcBef>
-              <a:spcAft>
-                <a:spcPts val="250"/>
-              </a:spcAft>
-              <a:buClr>
-                <a:schemeClr val="accent1"/>
-              </a:buClr>
-              <a:buFont typeface="Wingdings 2" pitchFamily="18" charset="2"/>
-              <a:buChar char=""/>
-              <a:defRPr kumimoji="1" sz="1400" kern="1200">
-                <a:solidFill>
-                  <a:schemeClr val="tx1">
-                    <a:lumMod val="65000"/>
-                    <a:lumOff val="35000"/>
-                  </a:schemeClr>
-                </a:solidFill>
-                <a:latin typeface="+mn-lt"/>
-                <a:ea typeface="+mn-ea"/>
-                <a:cs typeface="+mn-cs"/>
-              </a:defRPr>
-            </a:lvl4pPr>
-            <a:lvl5pPr marL="2057400" indent="-182880" algn="l" defTabSz="914400" rtl="0" eaLnBrk="1" latinLnBrk="0" hangingPunct="1">
-              <a:lnSpc>
-                <a:spcPct val="90000"/>
-              </a:lnSpc>
-              <a:spcBef>
-                <a:spcPts val="250"/>
-              </a:spcBef>
-              <a:spcAft>
-                <a:spcPts val="250"/>
-              </a:spcAft>
-              <a:buClr>
-                <a:schemeClr val="accent1"/>
-              </a:buClr>
-              <a:buFont typeface="Wingdings 2" pitchFamily="18" charset="2"/>
-              <a:buChar char=""/>
-              <a:defRPr kumimoji="1" sz="1400" kern="1200">
-                <a:solidFill>
-                  <a:schemeClr val="tx1">
-                    <a:lumMod val="65000"/>
-                    <a:lumOff val="35000"/>
-                  </a:schemeClr>
-                </a:solidFill>
-                <a:latin typeface="+mn-lt"/>
-                <a:ea typeface="+mn-ea"/>
-                <a:cs typeface="+mn-cs"/>
-              </a:defRPr>
-            </a:lvl5pPr>
-            <a:lvl6pPr marL="2514600" indent="-228600" algn="l" defTabSz="914400" rtl="0" eaLnBrk="1" latinLnBrk="0" hangingPunct="1">
-              <a:lnSpc>
-                <a:spcPct val="90000"/>
-              </a:lnSpc>
-              <a:spcBef>
-                <a:spcPts val="250"/>
-              </a:spcBef>
-              <a:spcAft>
-                <a:spcPts val="250"/>
-              </a:spcAft>
-              <a:buClr>
-                <a:schemeClr val="accent1"/>
-              </a:buClr>
-              <a:buFont typeface="Wingdings 2" pitchFamily="18" charset="2"/>
-              <a:buChar char=""/>
-              <a:defRPr kumimoji="1" sz="1400" kern="1200">
-                <a:solidFill>
-                  <a:schemeClr val="tx1">
-                    <a:lumMod val="65000"/>
-                    <a:lumOff val="35000"/>
-                  </a:schemeClr>
-                </a:solidFill>
-                <a:latin typeface="+mn-lt"/>
-                <a:ea typeface="+mn-ea"/>
-                <a:cs typeface="+mn-cs"/>
-              </a:defRPr>
-            </a:lvl6pPr>
-            <a:lvl7pPr marL="2971800" indent="-228600" algn="l" defTabSz="914400" rtl="0" eaLnBrk="1" latinLnBrk="0" hangingPunct="1">
-              <a:lnSpc>
-                <a:spcPct val="90000"/>
-              </a:lnSpc>
-              <a:spcBef>
-                <a:spcPts val="250"/>
-              </a:spcBef>
-              <a:spcAft>
-                <a:spcPts val="250"/>
-              </a:spcAft>
-              <a:buClr>
-                <a:schemeClr val="accent1"/>
-              </a:buClr>
-              <a:buFont typeface="Wingdings 2" pitchFamily="18" charset="2"/>
-              <a:buChar char=""/>
-              <a:defRPr kumimoji="1" sz="1400" kern="1200">
-                <a:solidFill>
-                  <a:schemeClr val="tx1">
-                    <a:lumMod val="65000"/>
-                    <a:lumOff val="35000"/>
-                  </a:schemeClr>
-                </a:solidFill>
-                <a:latin typeface="+mn-lt"/>
-                <a:ea typeface="+mn-ea"/>
-                <a:cs typeface="+mn-cs"/>
-              </a:defRPr>
-            </a:lvl7pPr>
-            <a:lvl8pPr marL="3429000" indent="-228600" algn="l" defTabSz="914400" rtl="0" eaLnBrk="1" latinLnBrk="0" hangingPunct="1">
-              <a:lnSpc>
-                <a:spcPct val="90000"/>
-              </a:lnSpc>
-              <a:spcBef>
-                <a:spcPts val="250"/>
-              </a:spcBef>
-              <a:spcAft>
-                <a:spcPts val="250"/>
-              </a:spcAft>
-              <a:buClr>
-                <a:schemeClr val="accent1"/>
-              </a:buClr>
-              <a:buFont typeface="Wingdings 2" pitchFamily="18" charset="2"/>
-              <a:buChar char=""/>
-              <a:defRPr kumimoji="1" sz="1400" kern="1200">
-                <a:solidFill>
-                  <a:schemeClr val="tx1">
-                    <a:lumMod val="65000"/>
-                    <a:lumOff val="35000"/>
-                  </a:schemeClr>
-                </a:solidFill>
-                <a:latin typeface="+mn-lt"/>
-                <a:ea typeface="+mn-ea"/>
-                <a:cs typeface="+mn-cs"/>
-              </a:defRPr>
-            </a:lvl8pPr>
-            <a:lvl9pPr marL="3886200" indent="-228600" algn="l" defTabSz="914400" rtl="0" eaLnBrk="1" latinLnBrk="0" hangingPunct="1">
-              <a:lnSpc>
-                <a:spcPct val="90000"/>
-              </a:lnSpc>
-              <a:spcBef>
-                <a:spcPts val="250"/>
-              </a:spcBef>
-              <a:spcAft>
-                <a:spcPts val="250"/>
-              </a:spcAft>
-              <a:buClr>
-                <a:schemeClr val="accent1"/>
-              </a:buClr>
-              <a:buFont typeface="Wingdings 2" pitchFamily="18" charset="2"/>
-              <a:buChar char=""/>
-              <a:defRPr kumimoji="1" sz="1400" kern="1200">
-                <a:solidFill>
-                  <a:schemeClr val="tx1">
-                    <a:lumMod val="65000"/>
-                    <a:lumOff val="35000"/>
-                  </a:schemeClr>
-                </a:solidFill>
-                <a:latin typeface="+mn-lt"/>
-                <a:ea typeface="+mn-ea"/>
-                <a:cs typeface="+mn-cs"/>
-              </a:defRPr>
-            </a:lvl9pPr>
-          </a:lstStyle>
-          <a:p>
-            <a:pPr fontAlgn="base"/>
-            <a:r>
-              <a:rPr lang="ja-JP" altLang="en-US">
-                <a:latin typeface="Hiragino Kaku Gothic ProN W3" panose="020B0300000000000000" pitchFamily="34" charset="-128"/>
-                <a:ea typeface="Hiragino Kaku Gothic ProN W3" panose="020B0300000000000000" pitchFamily="34" charset="-128"/>
-              </a:rPr>
-              <a:t>あああ</a:t>
-            </a:r>
-          </a:p>
-        </p:txBody>
-      </p:sp>
-      <p:sp>
-        <p:nvSpPr>
-          <p:cNvPr id="6" name="タイトル 1">
-            <a:extLst>
-              <a:ext uri="{FF2B5EF4-FFF2-40B4-BE49-F238E27FC236}">
-                <a16:creationId xmlns:a16="http://schemas.microsoft.com/office/drawing/2014/main" id="{45A7B92C-AE3D-91D6-227C-099A94786625}"/>
-              </a:ext>
-            </a:extLst>
-          </p:cNvPr>
-          <p:cNvSpPr txBox="1">
-            <a:spLocks/>
-          </p:cNvSpPr>
-          <p:nvPr/>
-        </p:nvSpPr>
-        <p:spPr>
-          <a:xfrm>
-            <a:off x="252918" y="320508"/>
-            <a:ext cx="10015689" cy="771870"/>
-          </a:xfrm>
-          <a:prstGeom prst="rect">
-            <a:avLst/>
-          </a:prstGeom>
-        </p:spPr>
-        <p:txBody>
-          <a:bodyPr/>
-          <a:lstStyle>
-            <a:lvl1pPr algn="l" defTabSz="914400" rtl="0" eaLnBrk="1" latinLnBrk="0" hangingPunct="1">
-              <a:lnSpc>
-                <a:spcPct val="90000"/>
-              </a:lnSpc>
-              <a:spcBef>
-                <a:spcPct val="0"/>
-              </a:spcBef>
-              <a:buNone/>
-              <a:defRPr kumimoji="1" sz="3600" kern="1200" spc="-60" baseline="0">
-                <a:solidFill>
-                  <a:srgbClr val="FFFFFF"/>
-                </a:solidFill>
-                <a:latin typeface="+mj-lt"/>
-                <a:ea typeface="+mj-ea"/>
-                <a:cs typeface="+mj-cs"/>
-              </a:defRPr>
-            </a:lvl1pPr>
-          </a:lstStyle>
-          <a:p>
-            <a:r>
-              <a:rPr lang="ja-JP" altLang="en-US"/>
-              <a:t>②</a:t>
-            </a:r>
-            <a:r>
-              <a:rPr lang="ja-JP" altLang="en-US">
-                <a:latin typeface="Hiragino Kaku Gothic ProN W3" panose="020B0300000000000000" pitchFamily="34" charset="-128"/>
-                <a:ea typeface="Hiragino Kaku Gothic ProN W3" panose="020B0300000000000000" pitchFamily="34" charset="-128"/>
-              </a:rPr>
-              <a:t>システム利用者に合わせた教師データの作成</a:t>
-            </a:r>
+            <a:pPr lvl="1" fontAlgn="base"/>
             <a:endParaRPr lang="en-US" altLang="ja-JP" dirty="0">
               <a:latin typeface="Hiragino Kaku Gothic ProN W3" panose="020B0300000000000000" pitchFamily="34" charset="-128"/>
               <a:ea typeface="Hiragino Kaku Gothic ProN W3" panose="020B0300000000000000" pitchFamily="34" charset="-128"/>
             </a:endParaRPr>
           </a:p>
           <a:p>
-            <a:endParaRPr lang="ja-JP" altLang="en-US"/>
-          </a:p>
-        </p:txBody>
-      </p:sp>
-    </p:spTree>
-    <p:extLst>
-      <p:ext uri="{BB962C8B-B14F-4D97-AF65-F5344CB8AC3E}">
-        <p14:creationId xmlns:p14="http://schemas.microsoft.com/office/powerpoint/2010/main" val="824329744"/>
-      </p:ext>
-    </p:extLst>
-  </p:cSld>
-  <p:clrMapOvr>
-    <a:masterClrMapping/>
-  </p:clrMapOvr>
-</p:sld>
-</file>
-
-<file path=ppt/slides/slide22.xml><?xml version="1.0" encoding="utf-8"?>
-<p:sld xmlns:a="http://schemas.openxmlformats.org/drawingml/2006/main" xmlns:r="http://schemas.openxmlformats.org/officeDocument/2006/relationships" xmlns:p="http://schemas.openxmlformats.org/presentationml/2006/main">
-  <p:cSld>
-    <p:spTree>
-      <p:nvGrpSpPr>
-        <p:cNvPr id="1" name=""/>
-        <p:cNvGrpSpPr/>
-        <p:nvPr/>
-      </p:nvGrpSpPr>
-      <p:grpSpPr>
-        <a:xfrm>
-          <a:off x="0" y="0"/>
-          <a:ext cx="0" cy="0"/>
-          <a:chOff x="0" y="0"/>
-          <a:chExt cx="0" cy="0"/>
-        </a:xfrm>
-      </p:grpSpPr>
-      <p:sp>
-        <p:nvSpPr>
-          <p:cNvPr id="7" name="正方形/長方形 6">
-            <a:extLst>
-              <a:ext uri="{FF2B5EF4-FFF2-40B4-BE49-F238E27FC236}">
-                <a16:creationId xmlns:a16="http://schemas.microsoft.com/office/drawing/2014/main" id="{D98ECB46-E3D4-3A0B-1D69-28EB8A1887F1}"/>
-              </a:ext>
-            </a:extLst>
-          </p:cNvPr>
-          <p:cNvSpPr/>
-          <p:nvPr/>
-        </p:nvSpPr>
-        <p:spPr>
-          <a:xfrm>
-            <a:off x="0" y="-1"/>
-            <a:ext cx="12192000" cy="1077091"/>
-          </a:xfrm>
-          <a:prstGeom prst="rect">
-            <a:avLst/>
-          </a:prstGeom>
-          <a:ln>
-            <a:noFill/>
-          </a:ln>
-        </p:spPr>
-        <p:style>
-          <a:lnRef idx="2">
-            <a:schemeClr val="accent1">
-              <a:shade val="50000"/>
-            </a:schemeClr>
-          </a:lnRef>
-          <a:fillRef idx="1">
-            <a:schemeClr val="accent1"/>
-          </a:fillRef>
-          <a:effectRef idx="0">
-            <a:schemeClr val="accent1"/>
-          </a:effectRef>
-          <a:fontRef idx="minor">
-            <a:schemeClr val="lt1"/>
-          </a:fontRef>
-        </p:style>
-        <p:txBody>
-          <a:bodyPr rtlCol="0" anchor="ctr"/>
-          <a:lstStyle/>
-          <a:p>
-            <a:pPr algn="ctr"/>
-            <a:endParaRPr kumimoji="1" lang="ja-JP" altLang="en-US"/>
-          </a:p>
-        </p:txBody>
-      </p:sp>
-      <p:sp>
-        <p:nvSpPr>
-          <p:cNvPr id="5" name="コンテンツ プレースホルダー 2">
-            <a:extLst>
-              <a:ext uri="{FF2B5EF4-FFF2-40B4-BE49-F238E27FC236}">
-                <a16:creationId xmlns:a16="http://schemas.microsoft.com/office/drawing/2014/main" id="{B040927F-1E6A-C26C-3C46-978E4552B438}"/>
-              </a:ext>
-            </a:extLst>
-          </p:cNvPr>
-          <p:cNvSpPr txBox="1">
-            <a:spLocks/>
-          </p:cNvSpPr>
-          <p:nvPr/>
-        </p:nvSpPr>
-        <p:spPr>
-          <a:xfrm>
-            <a:off x="576043" y="1432140"/>
-            <a:ext cx="11039913" cy="5120640"/>
-          </a:xfrm>
-          <a:prstGeom prst="rect">
-            <a:avLst/>
-          </a:prstGeom>
-        </p:spPr>
-        <p:txBody>
-          <a:bodyPr/>
-          <a:lstStyle>
-            <a:lvl1pPr marL="182880" indent="-182880" algn="l" defTabSz="914400" rtl="0" eaLnBrk="1" latinLnBrk="0" hangingPunct="1">
-              <a:lnSpc>
-                <a:spcPct val="90000"/>
-              </a:lnSpc>
-              <a:spcBef>
-                <a:spcPts val="1200"/>
-              </a:spcBef>
-              <a:buClr>
-                <a:schemeClr val="accent1"/>
-              </a:buClr>
-              <a:buFont typeface="Wingdings 2" pitchFamily="18" charset="2"/>
-              <a:buChar char=""/>
-              <a:defRPr kumimoji="1" sz="2000" kern="1200">
-                <a:solidFill>
-                  <a:schemeClr val="tx1">
-                    <a:lumMod val="65000"/>
-                    <a:lumOff val="35000"/>
-                  </a:schemeClr>
-                </a:solidFill>
-                <a:latin typeface="+mn-lt"/>
-                <a:ea typeface="+mn-ea"/>
-                <a:cs typeface="+mn-cs"/>
-              </a:defRPr>
-            </a:lvl1pPr>
-            <a:lvl2pPr marL="685800" indent="-182880" algn="l" defTabSz="914400" rtl="0" eaLnBrk="1" latinLnBrk="0" hangingPunct="1">
-              <a:lnSpc>
-                <a:spcPct val="90000"/>
-              </a:lnSpc>
-              <a:spcBef>
-                <a:spcPts val="250"/>
-              </a:spcBef>
-              <a:spcAft>
-                <a:spcPts val="250"/>
-              </a:spcAft>
-              <a:buClr>
-                <a:schemeClr val="accent1"/>
-              </a:buClr>
-              <a:buFont typeface="Wingdings 2" pitchFamily="18" charset="2"/>
-              <a:buChar char=""/>
-              <a:defRPr kumimoji="1" sz="1800" kern="1200">
-                <a:solidFill>
-                  <a:schemeClr val="tx1">
-                    <a:lumMod val="65000"/>
-                    <a:lumOff val="35000"/>
-                  </a:schemeClr>
-                </a:solidFill>
-                <a:latin typeface="+mn-lt"/>
-                <a:ea typeface="+mn-ea"/>
-                <a:cs typeface="+mn-cs"/>
-              </a:defRPr>
-            </a:lvl2pPr>
-            <a:lvl3pPr marL="1143000" indent="-182880" algn="l" defTabSz="914400" rtl="0" eaLnBrk="1" latinLnBrk="0" hangingPunct="1">
-              <a:lnSpc>
-                <a:spcPct val="90000"/>
-              </a:lnSpc>
-              <a:spcBef>
-                <a:spcPts val="250"/>
-              </a:spcBef>
-              <a:spcAft>
-                <a:spcPts val="250"/>
-              </a:spcAft>
-              <a:buClr>
-                <a:schemeClr val="accent1"/>
-              </a:buClr>
-              <a:buFont typeface="Wingdings 2" pitchFamily="18" charset="2"/>
-              <a:buChar char=""/>
-              <a:defRPr kumimoji="1" sz="1600" kern="1200">
-                <a:solidFill>
-                  <a:schemeClr val="tx1">
-                    <a:lumMod val="65000"/>
-                    <a:lumOff val="35000"/>
-                  </a:schemeClr>
-                </a:solidFill>
-                <a:latin typeface="+mn-lt"/>
-                <a:ea typeface="+mn-ea"/>
-                <a:cs typeface="+mn-cs"/>
-              </a:defRPr>
-            </a:lvl3pPr>
-            <a:lvl4pPr marL="1600200" indent="-182880" algn="l" defTabSz="914400" rtl="0" eaLnBrk="1" latinLnBrk="0" hangingPunct="1">
-              <a:lnSpc>
-                <a:spcPct val="90000"/>
-              </a:lnSpc>
-              <a:spcBef>
-                <a:spcPts val="250"/>
-              </a:spcBef>
-              <a:spcAft>
-                <a:spcPts val="250"/>
-              </a:spcAft>
-              <a:buClr>
-                <a:schemeClr val="accent1"/>
-              </a:buClr>
-              <a:buFont typeface="Wingdings 2" pitchFamily="18" charset="2"/>
-              <a:buChar char=""/>
-              <a:defRPr kumimoji="1" sz="1400" kern="1200">
-                <a:solidFill>
-                  <a:schemeClr val="tx1">
-                    <a:lumMod val="65000"/>
-                    <a:lumOff val="35000"/>
-                  </a:schemeClr>
-                </a:solidFill>
-                <a:latin typeface="+mn-lt"/>
-                <a:ea typeface="+mn-ea"/>
-                <a:cs typeface="+mn-cs"/>
-              </a:defRPr>
-            </a:lvl4pPr>
-            <a:lvl5pPr marL="2057400" indent="-182880" algn="l" defTabSz="914400" rtl="0" eaLnBrk="1" latinLnBrk="0" hangingPunct="1">
-              <a:lnSpc>
-                <a:spcPct val="90000"/>
-              </a:lnSpc>
-              <a:spcBef>
-                <a:spcPts val="250"/>
-              </a:spcBef>
-              <a:spcAft>
-                <a:spcPts val="250"/>
-              </a:spcAft>
-              <a:buClr>
-                <a:schemeClr val="accent1"/>
-              </a:buClr>
-              <a:buFont typeface="Wingdings 2" pitchFamily="18" charset="2"/>
-              <a:buChar char=""/>
-              <a:defRPr kumimoji="1" sz="1400" kern="1200">
-                <a:solidFill>
-                  <a:schemeClr val="tx1">
-                    <a:lumMod val="65000"/>
-                    <a:lumOff val="35000"/>
-                  </a:schemeClr>
-                </a:solidFill>
-                <a:latin typeface="+mn-lt"/>
-                <a:ea typeface="+mn-ea"/>
-                <a:cs typeface="+mn-cs"/>
-              </a:defRPr>
-            </a:lvl5pPr>
-            <a:lvl6pPr marL="2514600" indent="-228600" algn="l" defTabSz="914400" rtl="0" eaLnBrk="1" latinLnBrk="0" hangingPunct="1">
-              <a:lnSpc>
-                <a:spcPct val="90000"/>
-              </a:lnSpc>
-              <a:spcBef>
-                <a:spcPts val="250"/>
-              </a:spcBef>
-              <a:spcAft>
-                <a:spcPts val="250"/>
-              </a:spcAft>
-              <a:buClr>
-                <a:schemeClr val="accent1"/>
-              </a:buClr>
-              <a:buFont typeface="Wingdings 2" pitchFamily="18" charset="2"/>
-              <a:buChar char=""/>
-              <a:defRPr kumimoji="1" sz="1400" kern="1200">
-                <a:solidFill>
-                  <a:schemeClr val="tx1">
-                    <a:lumMod val="65000"/>
-                    <a:lumOff val="35000"/>
-                  </a:schemeClr>
-                </a:solidFill>
-                <a:latin typeface="+mn-lt"/>
-                <a:ea typeface="+mn-ea"/>
-                <a:cs typeface="+mn-cs"/>
-              </a:defRPr>
-            </a:lvl6pPr>
-            <a:lvl7pPr marL="2971800" indent="-228600" algn="l" defTabSz="914400" rtl="0" eaLnBrk="1" latinLnBrk="0" hangingPunct="1">
-              <a:lnSpc>
-                <a:spcPct val="90000"/>
-              </a:lnSpc>
-              <a:spcBef>
-                <a:spcPts val="250"/>
-              </a:spcBef>
-              <a:spcAft>
-                <a:spcPts val="250"/>
-              </a:spcAft>
-              <a:buClr>
-                <a:schemeClr val="accent1"/>
-              </a:buClr>
-              <a:buFont typeface="Wingdings 2" pitchFamily="18" charset="2"/>
-              <a:buChar char=""/>
-              <a:defRPr kumimoji="1" sz="1400" kern="1200">
-                <a:solidFill>
-                  <a:schemeClr val="tx1">
-                    <a:lumMod val="65000"/>
-                    <a:lumOff val="35000"/>
-                  </a:schemeClr>
-                </a:solidFill>
-                <a:latin typeface="+mn-lt"/>
-                <a:ea typeface="+mn-ea"/>
-                <a:cs typeface="+mn-cs"/>
-              </a:defRPr>
-            </a:lvl7pPr>
-            <a:lvl8pPr marL="3429000" indent="-228600" algn="l" defTabSz="914400" rtl="0" eaLnBrk="1" latinLnBrk="0" hangingPunct="1">
-              <a:lnSpc>
-                <a:spcPct val="90000"/>
-              </a:lnSpc>
-              <a:spcBef>
-                <a:spcPts val="250"/>
-              </a:spcBef>
-              <a:spcAft>
-                <a:spcPts val="250"/>
-              </a:spcAft>
-              <a:buClr>
-                <a:schemeClr val="accent1"/>
-              </a:buClr>
-              <a:buFont typeface="Wingdings 2" pitchFamily="18" charset="2"/>
-              <a:buChar char=""/>
-              <a:defRPr kumimoji="1" sz="1400" kern="1200">
-                <a:solidFill>
-                  <a:schemeClr val="tx1">
-                    <a:lumMod val="65000"/>
-                    <a:lumOff val="35000"/>
-                  </a:schemeClr>
-                </a:solidFill>
-                <a:latin typeface="+mn-lt"/>
-                <a:ea typeface="+mn-ea"/>
-                <a:cs typeface="+mn-cs"/>
-              </a:defRPr>
-            </a:lvl8pPr>
-            <a:lvl9pPr marL="3886200" indent="-228600" algn="l" defTabSz="914400" rtl="0" eaLnBrk="1" latinLnBrk="0" hangingPunct="1">
-              <a:lnSpc>
-                <a:spcPct val="90000"/>
-              </a:lnSpc>
-              <a:spcBef>
-                <a:spcPts val="250"/>
-              </a:spcBef>
-              <a:spcAft>
-                <a:spcPts val="250"/>
-              </a:spcAft>
-              <a:buClr>
-                <a:schemeClr val="accent1"/>
-              </a:buClr>
-              <a:buFont typeface="Wingdings 2" pitchFamily="18" charset="2"/>
-              <a:buChar char=""/>
-              <a:defRPr kumimoji="1" sz="1400" kern="1200">
-                <a:solidFill>
-                  <a:schemeClr val="tx1">
-                    <a:lumMod val="65000"/>
-                    <a:lumOff val="35000"/>
-                  </a:schemeClr>
-                </a:solidFill>
-                <a:latin typeface="+mn-lt"/>
-                <a:ea typeface="+mn-ea"/>
-                <a:cs typeface="+mn-cs"/>
-              </a:defRPr>
-            </a:lvl9pPr>
-          </a:lstStyle>
-          <a:p>
             <a:pPr fontAlgn="base"/>
             <a:r>
+              <a:rPr lang="ja-JP" altLang="en-US" sz="1800">
+                <a:latin typeface="Hiragino Kaku Gothic ProN W3" panose="020B0300000000000000" pitchFamily="34" charset="-128"/>
+                <a:ea typeface="Hiragino Kaku Gothic ProN W3" panose="020B0300000000000000" pitchFamily="34" charset="-128"/>
+              </a:rPr>
+              <a:t>メイクアップの印象を大きく左右する要素としてリップメイクに着目</a:t>
+            </a:r>
+          </a:p>
+          <a:p>
+            <a:pPr lvl="1" fontAlgn="base"/>
+            <a:r>
               <a:rPr lang="ja-JP" altLang="en-US">
                 <a:latin typeface="Hiragino Kaku Gothic ProN W3" panose="020B0300000000000000" pitchFamily="34" charset="-128"/>
                 <a:ea typeface="Hiragino Kaku Gothic ProN W3" panose="020B0300000000000000" pitchFamily="34" charset="-128"/>
               </a:rPr>
-              <a:t>あああ</a:t>
+              <a:t>顔画像から、その人に似合うリップカラーを機械学習で推定・提案するシステムを作成</a:t>
+            </a:r>
+            <a:endParaRPr lang="en-US" altLang="ja-JP" dirty="0">
+              <a:latin typeface="Hiragino Kaku Gothic ProN W3" panose="020B0300000000000000" pitchFamily="34" charset="-128"/>
+              <a:ea typeface="Hiragino Kaku Gothic ProN W3" panose="020B0300000000000000" pitchFamily="34" charset="-128"/>
+            </a:endParaRPr>
+          </a:p>
+          <a:p>
+            <a:pPr lvl="1" fontAlgn="base"/>
+            <a:r>
+              <a:rPr lang="ja-JP" altLang="en-US">
+                <a:latin typeface="Hiragino Kaku Gothic ProN W3" panose="020B0300000000000000" pitchFamily="34" charset="-128"/>
+                <a:ea typeface="Hiragino Kaku Gothic ProN W3" panose="020B0300000000000000" pitchFamily="34" charset="-128"/>
+              </a:rPr>
+              <a:t>メイクアップ改善の方向性を示したり、今のリップカラーが似合っているかどうかの不安解消に繋げることを目指した</a:t>
+            </a:r>
+            <a:endParaRPr lang="en-US" altLang="ja-JP" dirty="0">
+              <a:latin typeface="Hiragino Kaku Gothic ProN W3" panose="020B0300000000000000" pitchFamily="34" charset="-128"/>
+              <a:ea typeface="Hiragino Kaku Gothic ProN W3" panose="020B0300000000000000" pitchFamily="34" charset="-128"/>
+            </a:endParaRPr>
+          </a:p>
+          <a:p>
+            <a:pPr lvl="1" fontAlgn="base"/>
+            <a:endParaRPr lang="en-US" altLang="ja-JP" dirty="0">
+              <a:latin typeface="Hiragino Kaku Gothic ProN W3" panose="020B0300000000000000" pitchFamily="34" charset="-128"/>
+              <a:ea typeface="Hiragino Kaku Gothic ProN W3" panose="020B0300000000000000" pitchFamily="34" charset="-128"/>
+            </a:endParaRPr>
+          </a:p>
+          <a:p>
+            <a:pPr fontAlgn="base"/>
+            <a:r>
+              <a:rPr lang="ja-JP" altLang="en-US" sz="1800">
+                <a:latin typeface="Hiragino Kaku Gothic ProN W3" panose="020B0300000000000000" pitchFamily="34" charset="-128"/>
+                <a:ea typeface="Hiragino Kaku Gothic ProN W3" panose="020B0300000000000000" pitchFamily="34" charset="-128"/>
+              </a:rPr>
+              <a:t>結果</a:t>
+            </a:r>
+            <a:endParaRPr lang="en-US" altLang="ja-JP" sz="1800" dirty="0">
+              <a:latin typeface="Hiragino Kaku Gothic ProN W3" panose="020B0300000000000000" pitchFamily="34" charset="-128"/>
+              <a:ea typeface="Hiragino Kaku Gothic ProN W3" panose="020B0300000000000000" pitchFamily="34" charset="-128"/>
+            </a:endParaRPr>
+          </a:p>
+          <a:p>
+            <a:pPr lvl="1" fontAlgn="base"/>
+            <a:r>
+              <a:rPr lang="ja-JP" altLang="en-US">
+                <a:latin typeface="Hiragino Kaku Gothic ProN W3" panose="020B0300000000000000" pitchFamily="34" charset="-128"/>
+                <a:ea typeface="Hiragino Kaku Gothic ProN W3" panose="020B0300000000000000" pitchFamily="34" charset="-128"/>
+              </a:rPr>
+              <a:t>雑誌媒体に掲載されているような写真では、ある程度違和感のない推定が可能</a:t>
+            </a:r>
+            <a:endParaRPr lang="en-US" altLang="ja-JP" dirty="0">
+              <a:latin typeface="Hiragino Kaku Gothic ProN W3" panose="020B0300000000000000" pitchFamily="34" charset="-128"/>
+              <a:ea typeface="Hiragino Kaku Gothic ProN W3" panose="020B0300000000000000" pitchFamily="34" charset="-128"/>
+            </a:endParaRPr>
+          </a:p>
+          <a:p>
+            <a:pPr lvl="1" fontAlgn="base"/>
+            <a:r>
+              <a:rPr lang="ja-JP" altLang="en-US">
+                <a:latin typeface="Hiragino Kaku Gothic ProN W3" panose="020B0300000000000000" pitchFamily="34" charset="-128"/>
+                <a:ea typeface="Hiragino Kaku Gothic ProN W3" panose="020B0300000000000000" pitchFamily="34" charset="-128"/>
+              </a:rPr>
+              <a:t>スマートフォンで撮影された画像では推定が上手くいかず、実際に使用するためには改善が必要</a:t>
+            </a:r>
+            <a:br>
+              <a:rPr lang="ja-JP" altLang="en-US">
+                <a:latin typeface="Hiragino Kaku Gothic ProN W3" panose="020B0300000000000000" pitchFamily="34" charset="-128"/>
+                <a:ea typeface="Hiragino Kaku Gothic ProN W3" panose="020B0300000000000000" pitchFamily="34" charset="-128"/>
+              </a:rPr>
+            </a:br>
+            <a:endParaRPr lang="en-US" altLang="ja-JP" dirty="0">
+              <a:latin typeface="Hiragino Kaku Gothic ProN W3" panose="020B0300000000000000" pitchFamily="34" charset="-128"/>
+              <a:ea typeface="Hiragino Kaku Gothic ProN W3" panose="020B0300000000000000" pitchFamily="34" charset="-128"/>
+            </a:endParaRPr>
+          </a:p>
+          <a:p>
+            <a:pPr fontAlgn="base"/>
+            <a:r>
+              <a:rPr lang="ja-JP" altLang="en-US" sz="1800">
+                <a:latin typeface="Hiragino Kaku Gothic ProN W3" panose="020B0300000000000000" pitchFamily="34" charset="-128"/>
+                <a:ea typeface="Hiragino Kaku Gothic ProN W3" panose="020B0300000000000000" pitchFamily="34" charset="-128"/>
+              </a:rPr>
+              <a:t>今後の課題</a:t>
+            </a:r>
+            <a:endParaRPr lang="en-US" altLang="ja-JP" sz="1800" dirty="0">
+              <a:latin typeface="Hiragino Kaku Gothic ProN W3" panose="020B0300000000000000" pitchFamily="34" charset="-128"/>
+              <a:ea typeface="Hiragino Kaku Gothic ProN W3" panose="020B0300000000000000" pitchFamily="34" charset="-128"/>
+            </a:endParaRPr>
+          </a:p>
+          <a:p>
+            <a:pPr lvl="1" fontAlgn="base"/>
+            <a:r>
+              <a:rPr lang="ja-JP" altLang="en-US">
+                <a:latin typeface="Hiragino Kaku Gothic ProN W3" panose="020B0300000000000000" pitchFamily="34" charset="-128"/>
+                <a:ea typeface="Hiragino Kaku Gothic ProN W3" panose="020B0300000000000000" pitchFamily="34" charset="-128"/>
+              </a:rPr>
+              <a:t>教師データの改善などによる、推定精度の向上</a:t>
+            </a:r>
+            <a:endParaRPr lang="en-US" altLang="ja-JP" dirty="0">
+              <a:latin typeface="Hiragino Kaku Gothic ProN W3" panose="020B0300000000000000" pitchFamily="34" charset="-128"/>
+              <a:ea typeface="Hiragino Kaku Gothic ProN W3" panose="020B0300000000000000" pitchFamily="34" charset="-128"/>
+            </a:endParaRPr>
+          </a:p>
+          <a:p>
+            <a:pPr lvl="1" fontAlgn="base"/>
+            <a:r>
+              <a:rPr lang="ja-JP" altLang="en-US">
+                <a:latin typeface="Hiragino Kaku Gothic ProN W3" panose="020B0300000000000000" pitchFamily="34" charset="-128"/>
+                <a:ea typeface="Hiragino Kaku Gothic ProN W3" panose="020B0300000000000000" pitchFamily="34" charset="-128"/>
+              </a:rPr>
+              <a:t>被験者実験での効果の検証と、アプトプットの形の検討</a:t>
             </a:r>
           </a:p>
         </p:txBody>
@@ -12144,26 +14058,15 @@
           <a:p>
             <a:r>
               <a:rPr lang="ja-JP" altLang="en-US"/>
-              <a:t>③</a:t>
-            </a:r>
-            <a:r>
-              <a:rPr lang="ja-JP" altLang="en-US">
-                <a:latin typeface="Hiragino Kaku Gothic ProN W3" panose="020B0300000000000000" pitchFamily="34" charset="-128"/>
-                <a:ea typeface="Hiragino Kaku Gothic ProN W3" panose="020B0300000000000000" pitchFamily="34" charset="-128"/>
-              </a:rPr>
-              <a:t>教師データの質の向上</a:t>
-            </a:r>
-            <a:endParaRPr lang="en-US" altLang="ja-JP" dirty="0">
-              <a:latin typeface="Hiragino Kaku Gothic ProN W3" panose="020B0300000000000000" pitchFamily="34" charset="-128"/>
-              <a:ea typeface="Hiragino Kaku Gothic ProN W3" panose="020B0300000000000000" pitchFamily="34" charset="-128"/>
-            </a:endParaRPr>
+              <a:t>まとめ</a:t>
+            </a:r>
           </a:p>
         </p:txBody>
       </p:sp>
     </p:spTree>
     <p:extLst>
       <p:ext uri="{BB962C8B-B14F-4D97-AF65-F5344CB8AC3E}">
-        <p14:creationId xmlns:p14="http://schemas.microsoft.com/office/powerpoint/2010/main" val="3405429668"/>
+        <p14:creationId xmlns:p14="http://schemas.microsoft.com/office/powerpoint/2010/main" val="2606106253"/>
       </p:ext>
     </p:extLst>
   </p:cSld>
@@ -12173,427 +14076,7 @@
 </p:sld>
 </file>
 
-<file path=ppt/slides/slide23.xml><?xml version="1.0" encoding="utf-8"?>
-<p:sld xmlns:a="http://schemas.openxmlformats.org/drawingml/2006/main" xmlns:r="http://schemas.openxmlformats.org/officeDocument/2006/relationships" xmlns:p="http://schemas.openxmlformats.org/presentationml/2006/main">
-  <p:cSld>
-    <p:spTree>
-      <p:nvGrpSpPr>
-        <p:cNvPr id="1" name=""/>
-        <p:cNvGrpSpPr/>
-        <p:nvPr/>
-      </p:nvGrpSpPr>
-      <p:grpSpPr>
-        <a:xfrm>
-          <a:off x="0" y="0"/>
-          <a:ext cx="0" cy="0"/>
-          <a:chOff x="0" y="0"/>
-          <a:chExt cx="0" cy="0"/>
-        </a:xfrm>
-      </p:grpSpPr>
-      <p:sp>
-        <p:nvSpPr>
-          <p:cNvPr id="7" name="正方形/長方形 6">
-            <a:extLst>
-              <a:ext uri="{FF2B5EF4-FFF2-40B4-BE49-F238E27FC236}">
-                <a16:creationId xmlns:a16="http://schemas.microsoft.com/office/drawing/2014/main" id="{D98ECB46-E3D4-3A0B-1D69-28EB8A1887F1}"/>
-              </a:ext>
-            </a:extLst>
-          </p:cNvPr>
-          <p:cNvSpPr/>
-          <p:nvPr/>
-        </p:nvSpPr>
-        <p:spPr>
-          <a:xfrm>
-            <a:off x="0" y="-1"/>
-            <a:ext cx="12192000" cy="1077091"/>
-          </a:xfrm>
-          <a:prstGeom prst="rect">
-            <a:avLst/>
-          </a:prstGeom>
-          <a:ln>
-            <a:noFill/>
-          </a:ln>
-        </p:spPr>
-        <p:style>
-          <a:lnRef idx="2">
-            <a:schemeClr val="accent1">
-              <a:shade val="50000"/>
-            </a:schemeClr>
-          </a:lnRef>
-          <a:fillRef idx="1">
-            <a:schemeClr val="accent1"/>
-          </a:fillRef>
-          <a:effectRef idx="0">
-            <a:schemeClr val="accent1"/>
-          </a:effectRef>
-          <a:fontRef idx="minor">
-            <a:schemeClr val="lt1"/>
-          </a:fontRef>
-        </p:style>
-        <p:txBody>
-          <a:bodyPr rtlCol="0" anchor="ctr"/>
-          <a:lstStyle/>
-          <a:p>
-            <a:pPr algn="ctr"/>
-            <a:endParaRPr kumimoji="1" lang="ja-JP" altLang="en-US"/>
-          </a:p>
-        </p:txBody>
-      </p:sp>
-      <p:sp>
-        <p:nvSpPr>
-          <p:cNvPr id="5" name="コンテンツ プレースホルダー 2">
-            <a:extLst>
-              <a:ext uri="{FF2B5EF4-FFF2-40B4-BE49-F238E27FC236}">
-                <a16:creationId xmlns:a16="http://schemas.microsoft.com/office/drawing/2014/main" id="{B040927F-1E6A-C26C-3C46-978E4552B438}"/>
-              </a:ext>
-            </a:extLst>
-          </p:cNvPr>
-          <p:cNvSpPr txBox="1">
-            <a:spLocks/>
-          </p:cNvSpPr>
-          <p:nvPr/>
-        </p:nvSpPr>
-        <p:spPr>
-          <a:xfrm>
-            <a:off x="576043" y="1432140"/>
-            <a:ext cx="11039913" cy="5120640"/>
-          </a:xfrm>
-          <a:prstGeom prst="rect">
-            <a:avLst/>
-          </a:prstGeom>
-        </p:spPr>
-        <p:txBody>
-          <a:bodyPr/>
-          <a:lstStyle>
-            <a:lvl1pPr marL="182880" indent="-182880" algn="l" defTabSz="914400" rtl="0" eaLnBrk="1" latinLnBrk="0" hangingPunct="1">
-              <a:lnSpc>
-                <a:spcPct val="90000"/>
-              </a:lnSpc>
-              <a:spcBef>
-                <a:spcPts val="1200"/>
-              </a:spcBef>
-              <a:buClr>
-                <a:schemeClr val="accent1"/>
-              </a:buClr>
-              <a:buFont typeface="Wingdings 2" pitchFamily="18" charset="2"/>
-              <a:buChar char=""/>
-              <a:defRPr kumimoji="1" sz="2000" kern="1200">
-                <a:solidFill>
-                  <a:schemeClr val="tx1">
-                    <a:lumMod val="65000"/>
-                    <a:lumOff val="35000"/>
-                  </a:schemeClr>
-                </a:solidFill>
-                <a:latin typeface="+mn-lt"/>
-                <a:ea typeface="+mn-ea"/>
-                <a:cs typeface="+mn-cs"/>
-              </a:defRPr>
-            </a:lvl1pPr>
-            <a:lvl2pPr marL="685800" indent="-182880" algn="l" defTabSz="914400" rtl="0" eaLnBrk="1" latinLnBrk="0" hangingPunct="1">
-              <a:lnSpc>
-                <a:spcPct val="90000"/>
-              </a:lnSpc>
-              <a:spcBef>
-                <a:spcPts val="250"/>
-              </a:spcBef>
-              <a:spcAft>
-                <a:spcPts val="250"/>
-              </a:spcAft>
-              <a:buClr>
-                <a:schemeClr val="accent1"/>
-              </a:buClr>
-              <a:buFont typeface="Wingdings 2" pitchFamily="18" charset="2"/>
-              <a:buChar char=""/>
-              <a:defRPr kumimoji="1" sz="1800" kern="1200">
-                <a:solidFill>
-                  <a:schemeClr val="tx1">
-                    <a:lumMod val="65000"/>
-                    <a:lumOff val="35000"/>
-                  </a:schemeClr>
-                </a:solidFill>
-                <a:latin typeface="+mn-lt"/>
-                <a:ea typeface="+mn-ea"/>
-                <a:cs typeface="+mn-cs"/>
-              </a:defRPr>
-            </a:lvl2pPr>
-            <a:lvl3pPr marL="1143000" indent="-182880" algn="l" defTabSz="914400" rtl="0" eaLnBrk="1" latinLnBrk="0" hangingPunct="1">
-              <a:lnSpc>
-                <a:spcPct val="90000"/>
-              </a:lnSpc>
-              <a:spcBef>
-                <a:spcPts val="250"/>
-              </a:spcBef>
-              <a:spcAft>
-                <a:spcPts val="250"/>
-              </a:spcAft>
-              <a:buClr>
-                <a:schemeClr val="accent1"/>
-              </a:buClr>
-              <a:buFont typeface="Wingdings 2" pitchFamily="18" charset="2"/>
-              <a:buChar char=""/>
-              <a:defRPr kumimoji="1" sz="1600" kern="1200">
-                <a:solidFill>
-                  <a:schemeClr val="tx1">
-                    <a:lumMod val="65000"/>
-                    <a:lumOff val="35000"/>
-                  </a:schemeClr>
-                </a:solidFill>
-                <a:latin typeface="+mn-lt"/>
-                <a:ea typeface="+mn-ea"/>
-                <a:cs typeface="+mn-cs"/>
-              </a:defRPr>
-            </a:lvl3pPr>
-            <a:lvl4pPr marL="1600200" indent="-182880" algn="l" defTabSz="914400" rtl="0" eaLnBrk="1" latinLnBrk="0" hangingPunct="1">
-              <a:lnSpc>
-                <a:spcPct val="90000"/>
-              </a:lnSpc>
-              <a:spcBef>
-                <a:spcPts val="250"/>
-              </a:spcBef>
-              <a:spcAft>
-                <a:spcPts val="250"/>
-              </a:spcAft>
-              <a:buClr>
-                <a:schemeClr val="accent1"/>
-              </a:buClr>
-              <a:buFont typeface="Wingdings 2" pitchFamily="18" charset="2"/>
-              <a:buChar char=""/>
-              <a:defRPr kumimoji="1" sz="1400" kern="1200">
-                <a:solidFill>
-                  <a:schemeClr val="tx1">
-                    <a:lumMod val="65000"/>
-                    <a:lumOff val="35000"/>
-                  </a:schemeClr>
-                </a:solidFill>
-                <a:latin typeface="+mn-lt"/>
-                <a:ea typeface="+mn-ea"/>
-                <a:cs typeface="+mn-cs"/>
-              </a:defRPr>
-            </a:lvl4pPr>
-            <a:lvl5pPr marL="2057400" indent="-182880" algn="l" defTabSz="914400" rtl="0" eaLnBrk="1" latinLnBrk="0" hangingPunct="1">
-              <a:lnSpc>
-                <a:spcPct val="90000"/>
-              </a:lnSpc>
-              <a:spcBef>
-                <a:spcPts val="250"/>
-              </a:spcBef>
-              <a:spcAft>
-                <a:spcPts val="250"/>
-              </a:spcAft>
-              <a:buClr>
-                <a:schemeClr val="accent1"/>
-              </a:buClr>
-              <a:buFont typeface="Wingdings 2" pitchFamily="18" charset="2"/>
-              <a:buChar char=""/>
-              <a:defRPr kumimoji="1" sz="1400" kern="1200">
-                <a:solidFill>
-                  <a:schemeClr val="tx1">
-                    <a:lumMod val="65000"/>
-                    <a:lumOff val="35000"/>
-                  </a:schemeClr>
-                </a:solidFill>
-                <a:latin typeface="+mn-lt"/>
-                <a:ea typeface="+mn-ea"/>
-                <a:cs typeface="+mn-cs"/>
-              </a:defRPr>
-            </a:lvl5pPr>
-            <a:lvl6pPr marL="2514600" indent="-228600" algn="l" defTabSz="914400" rtl="0" eaLnBrk="1" latinLnBrk="0" hangingPunct="1">
-              <a:lnSpc>
-                <a:spcPct val="90000"/>
-              </a:lnSpc>
-              <a:spcBef>
-                <a:spcPts val="250"/>
-              </a:spcBef>
-              <a:spcAft>
-                <a:spcPts val="250"/>
-              </a:spcAft>
-              <a:buClr>
-                <a:schemeClr val="accent1"/>
-              </a:buClr>
-              <a:buFont typeface="Wingdings 2" pitchFamily="18" charset="2"/>
-              <a:buChar char=""/>
-              <a:defRPr kumimoji="1" sz="1400" kern="1200">
-                <a:solidFill>
-                  <a:schemeClr val="tx1">
-                    <a:lumMod val="65000"/>
-                    <a:lumOff val="35000"/>
-                  </a:schemeClr>
-                </a:solidFill>
-                <a:latin typeface="+mn-lt"/>
-                <a:ea typeface="+mn-ea"/>
-                <a:cs typeface="+mn-cs"/>
-              </a:defRPr>
-            </a:lvl6pPr>
-            <a:lvl7pPr marL="2971800" indent="-228600" algn="l" defTabSz="914400" rtl="0" eaLnBrk="1" latinLnBrk="0" hangingPunct="1">
-              <a:lnSpc>
-                <a:spcPct val="90000"/>
-              </a:lnSpc>
-              <a:spcBef>
-                <a:spcPts val="250"/>
-              </a:spcBef>
-              <a:spcAft>
-                <a:spcPts val="250"/>
-              </a:spcAft>
-              <a:buClr>
-                <a:schemeClr val="accent1"/>
-              </a:buClr>
-              <a:buFont typeface="Wingdings 2" pitchFamily="18" charset="2"/>
-              <a:buChar char=""/>
-              <a:defRPr kumimoji="1" sz="1400" kern="1200">
-                <a:solidFill>
-                  <a:schemeClr val="tx1">
-                    <a:lumMod val="65000"/>
-                    <a:lumOff val="35000"/>
-                  </a:schemeClr>
-                </a:solidFill>
-                <a:latin typeface="+mn-lt"/>
-                <a:ea typeface="+mn-ea"/>
-                <a:cs typeface="+mn-cs"/>
-              </a:defRPr>
-            </a:lvl7pPr>
-            <a:lvl8pPr marL="3429000" indent="-228600" algn="l" defTabSz="914400" rtl="0" eaLnBrk="1" latinLnBrk="0" hangingPunct="1">
-              <a:lnSpc>
-                <a:spcPct val="90000"/>
-              </a:lnSpc>
-              <a:spcBef>
-                <a:spcPts val="250"/>
-              </a:spcBef>
-              <a:spcAft>
-                <a:spcPts val="250"/>
-              </a:spcAft>
-              <a:buClr>
-                <a:schemeClr val="accent1"/>
-              </a:buClr>
-              <a:buFont typeface="Wingdings 2" pitchFamily="18" charset="2"/>
-              <a:buChar char=""/>
-              <a:defRPr kumimoji="1" sz="1400" kern="1200">
-                <a:solidFill>
-                  <a:schemeClr val="tx1">
-                    <a:lumMod val="65000"/>
-                    <a:lumOff val="35000"/>
-                  </a:schemeClr>
-                </a:solidFill>
-                <a:latin typeface="+mn-lt"/>
-                <a:ea typeface="+mn-ea"/>
-                <a:cs typeface="+mn-cs"/>
-              </a:defRPr>
-            </a:lvl8pPr>
-            <a:lvl9pPr marL="3886200" indent="-228600" algn="l" defTabSz="914400" rtl="0" eaLnBrk="1" latinLnBrk="0" hangingPunct="1">
-              <a:lnSpc>
-                <a:spcPct val="90000"/>
-              </a:lnSpc>
-              <a:spcBef>
-                <a:spcPts val="250"/>
-              </a:spcBef>
-              <a:spcAft>
-                <a:spcPts val="250"/>
-              </a:spcAft>
-              <a:buClr>
-                <a:schemeClr val="accent1"/>
-              </a:buClr>
-              <a:buFont typeface="Wingdings 2" pitchFamily="18" charset="2"/>
-              <a:buChar char=""/>
-              <a:defRPr kumimoji="1" sz="1400" kern="1200">
-                <a:solidFill>
-                  <a:schemeClr val="tx1">
-                    <a:lumMod val="65000"/>
-                    <a:lumOff val="35000"/>
-                  </a:schemeClr>
-                </a:solidFill>
-                <a:latin typeface="+mn-lt"/>
-                <a:ea typeface="+mn-ea"/>
-                <a:cs typeface="+mn-cs"/>
-              </a:defRPr>
-            </a:lvl9pPr>
-          </a:lstStyle>
-          <a:p>
-            <a:pPr fontAlgn="base"/>
-            <a:r>
-              <a:rPr lang="ja-JP" altLang="en-US">
-                <a:latin typeface="Hiragino Kaku Gothic ProN W3" panose="020B0300000000000000" pitchFamily="34" charset="-128"/>
-                <a:ea typeface="Hiragino Kaku Gothic ProN W3" panose="020B0300000000000000" pitchFamily="34" charset="-128"/>
-              </a:rPr>
-              <a:t>あああ</a:t>
-            </a:r>
-          </a:p>
-        </p:txBody>
-      </p:sp>
-      <p:sp>
-        <p:nvSpPr>
-          <p:cNvPr id="6" name="タイトル 1">
-            <a:extLst>
-              <a:ext uri="{FF2B5EF4-FFF2-40B4-BE49-F238E27FC236}">
-                <a16:creationId xmlns:a16="http://schemas.microsoft.com/office/drawing/2014/main" id="{45A7B92C-AE3D-91D6-227C-099A94786625}"/>
-              </a:ext>
-            </a:extLst>
-          </p:cNvPr>
-          <p:cNvSpPr txBox="1">
-            <a:spLocks/>
-          </p:cNvSpPr>
-          <p:nvPr/>
-        </p:nvSpPr>
-        <p:spPr>
-          <a:xfrm>
-            <a:off x="252918" y="320508"/>
-            <a:ext cx="11939082" cy="771870"/>
-          </a:xfrm>
-          <a:prstGeom prst="rect">
-            <a:avLst/>
-          </a:prstGeom>
-        </p:spPr>
-        <p:txBody>
-          <a:bodyPr/>
-          <a:lstStyle>
-            <a:lvl1pPr algn="l" defTabSz="914400" rtl="0" eaLnBrk="1" latinLnBrk="0" hangingPunct="1">
-              <a:lnSpc>
-                <a:spcPct val="90000"/>
-              </a:lnSpc>
-              <a:spcBef>
-                <a:spcPct val="0"/>
-              </a:spcBef>
-              <a:buNone/>
-              <a:defRPr kumimoji="1" sz="3600" kern="1200" spc="-60" baseline="0">
-                <a:solidFill>
-                  <a:srgbClr val="FFFFFF"/>
-                </a:solidFill>
-                <a:latin typeface="+mj-lt"/>
-                <a:ea typeface="+mj-ea"/>
-                <a:cs typeface="+mj-cs"/>
-              </a:defRPr>
-            </a:lvl1pPr>
-          </a:lstStyle>
-          <a:p>
-            <a:r>
-              <a:rPr lang="ja-JP" altLang="en-US"/>
-              <a:t>④</a:t>
-            </a:r>
-            <a:r>
-              <a:rPr lang="ja-JP" altLang="en-US">
-                <a:latin typeface="Hiragino Kaku Gothic ProN W3" panose="020B0300000000000000" pitchFamily="34" charset="-128"/>
-                <a:ea typeface="Hiragino Kaku Gothic ProN W3" panose="020B0300000000000000" pitchFamily="34" charset="-128"/>
-              </a:rPr>
-              <a:t>被験者実験での効果の検証と、アプトプットの形の検討</a:t>
-            </a:r>
-          </a:p>
-          <a:p>
-            <a:endParaRPr lang="ja-JP" altLang="en-US"/>
-          </a:p>
-        </p:txBody>
-      </p:sp>
-    </p:spTree>
-    <p:extLst>
-      <p:ext uri="{BB962C8B-B14F-4D97-AF65-F5344CB8AC3E}">
-        <p14:creationId xmlns:p14="http://schemas.microsoft.com/office/powerpoint/2010/main" val="2819782249"/>
-      </p:ext>
-    </p:extLst>
-  </p:cSld>
-  <p:clrMapOvr>
-    <a:masterClrMapping/>
-  </p:clrMapOvr>
-</p:sld>
-</file>
-
-<file path=ppt/slides/slide24.xml><?xml version="1.0" encoding="utf-8"?>
+<file path=ppt/slides/slide21.xml><?xml version="1.0" encoding="utf-8"?>
 <p:sld xmlns:a="http://schemas.openxmlformats.org/drawingml/2006/main" xmlns:r="http://schemas.openxmlformats.org/officeDocument/2006/relationships" xmlns:p="http://schemas.openxmlformats.org/presentationml/2006/main" show="0">
   <p:cSld>
     <p:spTree>
@@ -13491,7 +14974,7 @@
 </p:sld>
 </file>
 
-<file path=ppt/slides/slide25.xml><?xml version="1.0" encoding="utf-8"?>
+<file path=ppt/slides/slide22.xml><?xml version="1.0" encoding="utf-8"?>
 <p:sld xmlns:a="http://schemas.openxmlformats.org/drawingml/2006/main" xmlns:r="http://schemas.openxmlformats.org/officeDocument/2006/relationships" xmlns:p="http://schemas.openxmlformats.org/presentationml/2006/main" show="0">
   <p:cSld>
     <p:spTree>
@@ -19458,7 +20941,28 @@
                 <a:latin typeface="Hiragino Kaku Gothic ProN W3" panose="020B0300000000000000" pitchFamily="34" charset="-128"/>
                 <a:ea typeface="Hiragino Kaku Gothic ProN W3" panose="020B0300000000000000" pitchFamily="34" charset="-128"/>
               </a:rPr>
-              <a:t>本研究では、「リップメイクの正解＝プロのメイクアップアーティストが施したメイク」と定義し、機械学習の教師データとして使用</a:t>
+              <a:t>本研究では、「リップメイクの正解＝プロのメイクアップアーティストが</a:t>
+            </a:r>
+            <a:r>
+              <a:rPr lang="ja-JP" altLang="en-US">
+                <a:solidFill>
+                  <a:srgbClr val="695D46"/>
+                </a:solidFill>
+                <a:latin typeface="Hiragino Kaku Gothic ProN W3" panose="020B0300000000000000" pitchFamily="34" charset="-128"/>
+                <a:ea typeface="Hiragino Kaku Gothic ProN W3" panose="020B0300000000000000" pitchFamily="34" charset="-128"/>
+              </a:rPr>
+              <a:t>行った</a:t>
+            </a:r>
+            <a:r>
+              <a:rPr lang="ja-JP" altLang="en-US" sz="2000" u="none" strike="noStrike">
+                <a:solidFill>
+                  <a:srgbClr val="695D46"/>
+                </a:solidFill>
+                <a:effectLst/>
+                <a:latin typeface="Hiragino Kaku Gothic ProN W3" panose="020B0300000000000000" pitchFamily="34" charset="-128"/>
+                <a:ea typeface="Hiragino Kaku Gothic ProN W3" panose="020B0300000000000000" pitchFamily="34" charset="-128"/>
+              </a:rPr>
+              <a:t>メイク」と定義し、機械学習の教師データとして使用</a:t>
             </a:r>
             <a:endParaRPr lang="en" altLang="ja-JP" u="none" strike="noStrike" dirty="0">
               <a:solidFill>

--- a/口頭試問.pptx
+++ b/口頭試問.pptx
@@ -1,9 +1,12 @@
 
 <file path=ppt/presentation.xml><?xml version="1.0" encoding="utf-8"?>
-<p:presentation xmlns:a="http://schemas.openxmlformats.org/drawingml/2006/main" xmlns:r="http://schemas.openxmlformats.org/officeDocument/2006/relationships" xmlns:p="http://schemas.openxmlformats.org/presentationml/2006/main" saveSubsetFonts="1" autoCompressPictures="0">
+<p:presentation xmlns:a="http://schemas.openxmlformats.org/drawingml/2006/main" xmlns:r="http://schemas.openxmlformats.org/officeDocument/2006/relationships" xmlns:p="http://schemas.openxmlformats.org/presentationml/2006/main" showSpecialPlsOnTitleSld="0" saveSubsetFonts="1" autoCompressPictures="0">
   <p:sldMasterIdLst>
     <p:sldMasterId id="2147483773" r:id="rId1"/>
   </p:sldMasterIdLst>
+  <p:notesMasterIdLst>
+    <p:notesMasterId r:id="rId24"/>
+  </p:notesMasterIdLst>
   <p:sldIdLst>
     <p:sldId id="256" r:id="rId2"/>
     <p:sldId id="258" r:id="rId3"/>
@@ -25,8 +28,8 @@
     <p:sldId id="282" r:id="rId19"/>
     <p:sldId id="274" r:id="rId20"/>
     <p:sldId id="270" r:id="rId21"/>
-    <p:sldId id="261" r:id="rId22"/>
-    <p:sldId id="262" r:id="rId23"/>
+    <p:sldId id="284" r:id="rId22"/>
+    <p:sldId id="285" r:id="rId23"/>
   </p:sldIdLst>
   <p:sldSz cx="12192000" cy="6858000"/>
   <p:notesSz cx="6858000" cy="9144000"/>
@@ -131,6 +134,767 @@
     </p:ext>
   </p:extLst>
 </p:presentation>
+</file>
+
+<file path=ppt/notesMasters/notesMaster1.xml><?xml version="1.0" encoding="utf-8"?>
+<p:notesMaster xmlns:a="http://schemas.openxmlformats.org/drawingml/2006/main" xmlns:r="http://schemas.openxmlformats.org/officeDocument/2006/relationships" xmlns:p="http://schemas.openxmlformats.org/presentationml/2006/main">
+  <p:cSld>
+    <p:bg>
+      <p:bgRef idx="1001">
+        <a:schemeClr val="bg1"/>
+      </p:bgRef>
+    </p:bg>
+    <p:spTree>
+      <p:nvGrpSpPr>
+        <p:cNvPr id="1" name=""/>
+        <p:cNvGrpSpPr/>
+        <p:nvPr/>
+      </p:nvGrpSpPr>
+      <p:grpSpPr>
+        <a:xfrm>
+          <a:off x="0" y="0"/>
+          <a:ext cx="0" cy="0"/>
+          <a:chOff x="0" y="0"/>
+          <a:chExt cx="0" cy="0"/>
+        </a:xfrm>
+      </p:grpSpPr>
+      <p:sp>
+        <p:nvSpPr>
+          <p:cNvPr id="2" name="ヘッダー プレースホルダー 1"/>
+          <p:cNvSpPr>
+            <a:spLocks noGrp="1"/>
+          </p:cNvSpPr>
+          <p:nvPr>
+            <p:ph type="hdr" sz="quarter"/>
+          </p:nvPr>
+        </p:nvSpPr>
+        <p:spPr>
+          <a:xfrm>
+            <a:off x="0" y="0"/>
+            <a:ext cx="2971800" cy="458788"/>
+          </a:xfrm>
+          <a:prstGeom prst="rect">
+            <a:avLst/>
+          </a:prstGeom>
+        </p:spPr>
+        <p:txBody>
+          <a:bodyPr vert="horz" lIns="91440" tIns="45720" rIns="91440" bIns="45720" rtlCol="0"/>
+          <a:lstStyle>
+            <a:lvl1pPr algn="l">
+              <a:defRPr sz="1200"/>
+            </a:lvl1pPr>
+          </a:lstStyle>
+          <a:p>
+            <a:endParaRPr kumimoji="1" lang="ja-JP" altLang="en-US"/>
+          </a:p>
+        </p:txBody>
+      </p:sp>
+      <p:sp>
+        <p:nvSpPr>
+          <p:cNvPr id="3" name="日付プレースホルダー 2"/>
+          <p:cNvSpPr>
+            <a:spLocks noGrp="1"/>
+          </p:cNvSpPr>
+          <p:nvPr>
+            <p:ph type="dt" idx="1"/>
+          </p:nvPr>
+        </p:nvSpPr>
+        <p:spPr>
+          <a:xfrm>
+            <a:off x="3884613" y="0"/>
+            <a:ext cx="2971800" cy="458788"/>
+          </a:xfrm>
+          <a:prstGeom prst="rect">
+            <a:avLst/>
+          </a:prstGeom>
+        </p:spPr>
+        <p:txBody>
+          <a:bodyPr vert="horz" lIns="91440" tIns="45720" rIns="91440" bIns="45720" rtlCol="0"/>
+          <a:lstStyle>
+            <a:lvl1pPr algn="r">
+              <a:defRPr sz="1200"/>
+            </a:lvl1pPr>
+          </a:lstStyle>
+          <a:p>
+            <a:fld id="{C5F2D0A7-E30A-3A4B-808C-C9DFBE97BA66}" type="datetimeFigureOut">
+              <a:rPr kumimoji="1" lang="ja-JP" altLang="en-US" smtClean="0"/>
+              <a:t>2024/2/1</a:t>
+            </a:fld>
+            <a:endParaRPr kumimoji="1" lang="ja-JP" altLang="en-US"/>
+          </a:p>
+        </p:txBody>
+      </p:sp>
+      <p:sp>
+        <p:nvSpPr>
+          <p:cNvPr id="4" name="スライド イメージ プレースホルダー 3"/>
+          <p:cNvSpPr>
+            <a:spLocks noGrp="1" noRot="1" noChangeAspect="1"/>
+          </p:cNvSpPr>
+          <p:nvPr>
+            <p:ph type="sldImg" idx="2"/>
+          </p:nvPr>
+        </p:nvSpPr>
+        <p:spPr>
+          <a:xfrm>
+            <a:off x="685800" y="1143000"/>
+            <a:ext cx="5486400" cy="3086100"/>
+          </a:xfrm>
+          <a:prstGeom prst="rect">
+            <a:avLst/>
+          </a:prstGeom>
+          <a:noFill/>
+          <a:ln w="12700">
+            <a:solidFill>
+              <a:prstClr val="black"/>
+            </a:solidFill>
+          </a:ln>
+        </p:spPr>
+        <p:txBody>
+          <a:bodyPr vert="horz" lIns="91440" tIns="45720" rIns="91440" bIns="45720" rtlCol="0" anchor="ctr"/>
+          <a:lstStyle/>
+          <a:p>
+            <a:endParaRPr lang="ja-JP" altLang="en-US"/>
+          </a:p>
+        </p:txBody>
+      </p:sp>
+      <p:sp>
+        <p:nvSpPr>
+          <p:cNvPr id="5" name="ノート プレースホルダー 4"/>
+          <p:cNvSpPr>
+            <a:spLocks noGrp="1"/>
+          </p:cNvSpPr>
+          <p:nvPr>
+            <p:ph type="body" sz="quarter" idx="3"/>
+          </p:nvPr>
+        </p:nvSpPr>
+        <p:spPr>
+          <a:xfrm>
+            <a:off x="685800" y="4400550"/>
+            <a:ext cx="5486400" cy="3600450"/>
+          </a:xfrm>
+          <a:prstGeom prst="rect">
+            <a:avLst/>
+          </a:prstGeom>
+        </p:spPr>
+        <p:txBody>
+          <a:bodyPr vert="horz" lIns="91440" tIns="45720" rIns="91440" bIns="45720" rtlCol="0"/>
+          <a:lstStyle/>
+          <a:p>
+            <a:pPr lvl="0"/>
+            <a:r>
+              <a:rPr kumimoji="1" lang="ja-JP" altLang="en-US"/>
+              <a:t>マスター テキストの書式設定</a:t>
+            </a:r>
+          </a:p>
+          <a:p>
+            <a:pPr lvl="1"/>
+            <a:r>
+              <a:rPr kumimoji="1" lang="ja-JP" altLang="en-US"/>
+              <a:t>第 </a:t>
+            </a:r>
+            <a:r>
+              <a:rPr kumimoji="1" lang="en-US" altLang="ja-JP"/>
+              <a:t>2 </a:t>
+            </a:r>
+            <a:r>
+              <a:rPr kumimoji="1" lang="ja-JP" altLang="en-US"/>
+              <a:t>レベル</a:t>
+            </a:r>
+          </a:p>
+          <a:p>
+            <a:pPr lvl="2"/>
+            <a:r>
+              <a:rPr kumimoji="1" lang="ja-JP" altLang="en-US"/>
+              <a:t>第 </a:t>
+            </a:r>
+            <a:r>
+              <a:rPr kumimoji="1" lang="en-US" altLang="ja-JP"/>
+              <a:t>3 </a:t>
+            </a:r>
+            <a:r>
+              <a:rPr kumimoji="1" lang="ja-JP" altLang="en-US"/>
+              <a:t>レベル</a:t>
+            </a:r>
+          </a:p>
+          <a:p>
+            <a:pPr lvl="3"/>
+            <a:r>
+              <a:rPr kumimoji="1" lang="ja-JP" altLang="en-US"/>
+              <a:t>第 </a:t>
+            </a:r>
+            <a:r>
+              <a:rPr kumimoji="1" lang="en-US" altLang="ja-JP"/>
+              <a:t>4 </a:t>
+            </a:r>
+            <a:r>
+              <a:rPr kumimoji="1" lang="ja-JP" altLang="en-US"/>
+              <a:t>レベル</a:t>
+            </a:r>
+          </a:p>
+          <a:p>
+            <a:pPr lvl="4"/>
+            <a:r>
+              <a:rPr kumimoji="1" lang="ja-JP" altLang="en-US"/>
+              <a:t>第 </a:t>
+            </a:r>
+            <a:r>
+              <a:rPr kumimoji="1" lang="en-US" altLang="ja-JP"/>
+              <a:t>5 </a:t>
+            </a:r>
+            <a:r>
+              <a:rPr kumimoji="1" lang="ja-JP" altLang="en-US"/>
+              <a:t>レベル</a:t>
+            </a:r>
+          </a:p>
+        </p:txBody>
+      </p:sp>
+      <p:sp>
+        <p:nvSpPr>
+          <p:cNvPr id="6" name="フッター プレースホルダー 5"/>
+          <p:cNvSpPr>
+            <a:spLocks noGrp="1"/>
+          </p:cNvSpPr>
+          <p:nvPr>
+            <p:ph type="ftr" sz="quarter" idx="4"/>
+          </p:nvPr>
+        </p:nvSpPr>
+        <p:spPr>
+          <a:xfrm>
+            <a:off x="0" y="8685213"/>
+            <a:ext cx="2971800" cy="458787"/>
+          </a:xfrm>
+          <a:prstGeom prst="rect">
+            <a:avLst/>
+          </a:prstGeom>
+        </p:spPr>
+        <p:txBody>
+          <a:bodyPr vert="horz" lIns="91440" tIns="45720" rIns="91440" bIns="45720" rtlCol="0" anchor="b"/>
+          <a:lstStyle>
+            <a:lvl1pPr algn="l">
+              <a:defRPr sz="1200"/>
+            </a:lvl1pPr>
+          </a:lstStyle>
+          <a:p>
+            <a:endParaRPr kumimoji="1" lang="ja-JP" altLang="en-US"/>
+          </a:p>
+        </p:txBody>
+      </p:sp>
+      <p:sp>
+        <p:nvSpPr>
+          <p:cNvPr id="7" name="スライド番号プレースホルダー 6"/>
+          <p:cNvSpPr>
+            <a:spLocks noGrp="1"/>
+          </p:cNvSpPr>
+          <p:nvPr>
+            <p:ph type="sldNum" sz="quarter" idx="5"/>
+          </p:nvPr>
+        </p:nvSpPr>
+        <p:spPr>
+          <a:xfrm>
+            <a:off x="3884613" y="8685213"/>
+            <a:ext cx="2971800" cy="458787"/>
+          </a:xfrm>
+          <a:prstGeom prst="rect">
+            <a:avLst/>
+          </a:prstGeom>
+        </p:spPr>
+        <p:txBody>
+          <a:bodyPr vert="horz" lIns="91440" tIns="45720" rIns="91440" bIns="45720" rtlCol="0" anchor="b"/>
+          <a:lstStyle>
+            <a:lvl1pPr algn="r">
+              <a:defRPr sz="1200"/>
+            </a:lvl1pPr>
+          </a:lstStyle>
+          <a:p>
+            <a:fld id="{83B3DF1A-6BCA-DF4B-BD60-A524DCFAF93C}" type="slidenum">
+              <a:rPr kumimoji="1" lang="ja-JP" altLang="en-US" smtClean="0"/>
+              <a:t>‹#›</a:t>
+            </a:fld>
+            <a:endParaRPr kumimoji="1" lang="ja-JP" altLang="en-US"/>
+          </a:p>
+        </p:txBody>
+      </p:sp>
+    </p:spTree>
+    <p:extLst>
+      <p:ext uri="{BB962C8B-B14F-4D97-AF65-F5344CB8AC3E}">
+        <p14:creationId xmlns:p14="http://schemas.microsoft.com/office/powerpoint/2010/main" val="4095224047"/>
+      </p:ext>
+    </p:extLst>
+  </p:cSld>
+  <p:clrMap bg1="lt1" tx1="dk1" bg2="lt2" tx2="dk2" accent1="accent1" accent2="accent2" accent3="accent3" accent4="accent4" accent5="accent5" accent6="accent6" hlink="hlink" folHlink="folHlink"/>
+  <p:notesStyle>
+    <a:lvl1pPr marL="0" algn="l" defTabSz="914400" rtl="0" eaLnBrk="1" latinLnBrk="0" hangingPunct="1">
+      <a:defRPr kumimoji="1" sz="1200" kern="1200">
+        <a:solidFill>
+          <a:schemeClr val="tx1"/>
+        </a:solidFill>
+        <a:latin typeface="+mn-lt"/>
+        <a:ea typeface="+mn-ea"/>
+        <a:cs typeface="+mn-cs"/>
+      </a:defRPr>
+    </a:lvl1pPr>
+    <a:lvl2pPr marL="457200" algn="l" defTabSz="914400" rtl="0" eaLnBrk="1" latinLnBrk="0" hangingPunct="1">
+      <a:defRPr kumimoji="1" sz="1200" kern="1200">
+        <a:solidFill>
+          <a:schemeClr val="tx1"/>
+        </a:solidFill>
+        <a:latin typeface="+mn-lt"/>
+        <a:ea typeface="+mn-ea"/>
+        <a:cs typeface="+mn-cs"/>
+      </a:defRPr>
+    </a:lvl2pPr>
+    <a:lvl3pPr marL="914400" algn="l" defTabSz="914400" rtl="0" eaLnBrk="1" latinLnBrk="0" hangingPunct="1">
+      <a:defRPr kumimoji="1" sz="1200" kern="1200">
+        <a:solidFill>
+          <a:schemeClr val="tx1"/>
+        </a:solidFill>
+        <a:latin typeface="+mn-lt"/>
+        <a:ea typeface="+mn-ea"/>
+        <a:cs typeface="+mn-cs"/>
+      </a:defRPr>
+    </a:lvl3pPr>
+    <a:lvl4pPr marL="1371600" algn="l" defTabSz="914400" rtl="0" eaLnBrk="1" latinLnBrk="0" hangingPunct="1">
+      <a:defRPr kumimoji="1" sz="1200" kern="1200">
+        <a:solidFill>
+          <a:schemeClr val="tx1"/>
+        </a:solidFill>
+        <a:latin typeface="+mn-lt"/>
+        <a:ea typeface="+mn-ea"/>
+        <a:cs typeface="+mn-cs"/>
+      </a:defRPr>
+    </a:lvl4pPr>
+    <a:lvl5pPr marL="1828800" algn="l" defTabSz="914400" rtl="0" eaLnBrk="1" latinLnBrk="0" hangingPunct="1">
+      <a:defRPr kumimoji="1" sz="1200" kern="1200">
+        <a:solidFill>
+          <a:schemeClr val="tx1"/>
+        </a:solidFill>
+        <a:latin typeface="+mn-lt"/>
+        <a:ea typeface="+mn-ea"/>
+        <a:cs typeface="+mn-cs"/>
+      </a:defRPr>
+    </a:lvl5pPr>
+    <a:lvl6pPr marL="2286000" algn="l" defTabSz="914400" rtl="0" eaLnBrk="1" latinLnBrk="0" hangingPunct="1">
+      <a:defRPr kumimoji="1" sz="1200" kern="1200">
+        <a:solidFill>
+          <a:schemeClr val="tx1"/>
+        </a:solidFill>
+        <a:latin typeface="+mn-lt"/>
+        <a:ea typeface="+mn-ea"/>
+        <a:cs typeface="+mn-cs"/>
+      </a:defRPr>
+    </a:lvl6pPr>
+    <a:lvl7pPr marL="2743200" algn="l" defTabSz="914400" rtl="0" eaLnBrk="1" latinLnBrk="0" hangingPunct="1">
+      <a:defRPr kumimoji="1" sz="1200" kern="1200">
+        <a:solidFill>
+          <a:schemeClr val="tx1"/>
+        </a:solidFill>
+        <a:latin typeface="+mn-lt"/>
+        <a:ea typeface="+mn-ea"/>
+        <a:cs typeface="+mn-cs"/>
+      </a:defRPr>
+    </a:lvl7pPr>
+    <a:lvl8pPr marL="3200400" algn="l" defTabSz="914400" rtl="0" eaLnBrk="1" latinLnBrk="0" hangingPunct="1">
+      <a:defRPr kumimoji="1" sz="1200" kern="1200">
+        <a:solidFill>
+          <a:schemeClr val="tx1"/>
+        </a:solidFill>
+        <a:latin typeface="+mn-lt"/>
+        <a:ea typeface="+mn-ea"/>
+        <a:cs typeface="+mn-cs"/>
+      </a:defRPr>
+    </a:lvl8pPr>
+    <a:lvl9pPr marL="3657600" algn="l" defTabSz="914400" rtl="0" eaLnBrk="1" latinLnBrk="0" hangingPunct="1">
+      <a:defRPr kumimoji="1" sz="1200" kern="1200">
+        <a:solidFill>
+          <a:schemeClr val="tx1"/>
+        </a:solidFill>
+        <a:latin typeface="+mn-lt"/>
+        <a:ea typeface="+mn-ea"/>
+        <a:cs typeface="+mn-cs"/>
+      </a:defRPr>
+    </a:lvl9pPr>
+  </p:notesStyle>
+</p:notesMaster>
+</file>
+
+<file path=ppt/notesSlides/notesSlide1.xml><?xml version="1.0" encoding="utf-8"?>
+<p:notes xmlns:a="http://schemas.openxmlformats.org/drawingml/2006/main" xmlns:r="http://schemas.openxmlformats.org/officeDocument/2006/relationships" xmlns:p="http://schemas.openxmlformats.org/presentationml/2006/main">
+  <p:cSld>
+    <p:spTree>
+      <p:nvGrpSpPr>
+        <p:cNvPr id="1" name=""/>
+        <p:cNvGrpSpPr/>
+        <p:nvPr/>
+      </p:nvGrpSpPr>
+      <p:grpSpPr>
+        <a:xfrm>
+          <a:off x="0" y="0"/>
+          <a:ext cx="0" cy="0"/>
+          <a:chOff x="0" y="0"/>
+          <a:chExt cx="0" cy="0"/>
+        </a:xfrm>
+      </p:grpSpPr>
+      <p:sp>
+        <p:nvSpPr>
+          <p:cNvPr id="2" name="スライド イメージ プレースホルダー 1"/>
+          <p:cNvSpPr>
+            <a:spLocks noGrp="1" noRot="1" noChangeAspect="1"/>
+          </p:cNvSpPr>
+          <p:nvPr>
+            <p:ph type="sldImg"/>
+          </p:nvPr>
+        </p:nvSpPr>
+        <p:spPr/>
+      </p:sp>
+      <p:sp>
+        <p:nvSpPr>
+          <p:cNvPr id="3" name="ノート プレースホルダー 2"/>
+          <p:cNvSpPr>
+            <a:spLocks noGrp="1"/>
+          </p:cNvSpPr>
+          <p:nvPr>
+            <p:ph type="body" idx="1"/>
+          </p:nvPr>
+        </p:nvSpPr>
+        <p:spPr/>
+        <p:txBody>
+          <a:bodyPr/>
+          <a:lstStyle/>
+          <a:p>
+            <a:pPr marL="0" marR="0" lvl="0" indent="0" algn="l" defTabSz="914400" rtl="0" eaLnBrk="1" fontAlgn="auto" latinLnBrk="0" hangingPunct="1">
+              <a:lnSpc>
+                <a:spcPct val="100000"/>
+              </a:lnSpc>
+              <a:spcBef>
+                <a:spcPts val="0"/>
+              </a:spcBef>
+              <a:spcAft>
+                <a:spcPts val="0"/>
+              </a:spcAft>
+              <a:buClrTx/>
+              <a:buSzTx/>
+              <a:buFontTx/>
+              <a:buNone/>
+              <a:tabLst/>
+              <a:defRPr/>
+            </a:pPr>
+            <a:r>
+              <a:rPr lang="ja-JP" altLang="en-US">
+                <a:latin typeface="Hiragino Kaku Gothic ProN W3" panose="020B0300000000000000" pitchFamily="34" charset="-128"/>
+                <a:ea typeface="Hiragino Kaku Gothic ProN W3" panose="020B0300000000000000" pitchFamily="34" charset="-128"/>
+              </a:rPr>
+              <a:t>株式会社</a:t>
+            </a:r>
+            <a:r>
+              <a:rPr lang="en" altLang="ja-JP" dirty="0">
+                <a:latin typeface="Hiragino Kaku Gothic ProN W3" panose="020B0300000000000000" pitchFamily="34" charset="-128"/>
+                <a:ea typeface="Hiragino Kaku Gothic ProN W3" panose="020B0300000000000000" pitchFamily="34" charset="-128"/>
+              </a:rPr>
+              <a:t>JINS</a:t>
+            </a:r>
+            <a:r>
+              <a:rPr lang="ja-JP" altLang="en-US">
+                <a:latin typeface="Hiragino Kaku Gothic ProN W3" panose="020B0300000000000000" pitchFamily="34" charset="-128"/>
+                <a:ea typeface="Hiragino Kaku Gothic ProN W3" panose="020B0300000000000000" pitchFamily="34" charset="-128"/>
+              </a:rPr>
+              <a:t>ホールディングスが提供するメガネの試着システム </a:t>
+            </a:r>
+            <a:endParaRPr lang="en-US" altLang="ja-JP" dirty="0">
+              <a:latin typeface="Hiragino Kaku Gothic ProN W3" panose="020B0300000000000000" pitchFamily="34" charset="-128"/>
+              <a:ea typeface="Hiragino Kaku Gothic ProN W3" panose="020B0300000000000000" pitchFamily="34" charset="-128"/>
+            </a:endParaRPr>
+          </a:p>
+          <a:p>
+            <a:endParaRPr kumimoji="1" lang="ja-JP" altLang="en-US"/>
+          </a:p>
+        </p:txBody>
+      </p:sp>
+      <p:sp>
+        <p:nvSpPr>
+          <p:cNvPr id="4" name="スライド番号プレースホルダー 3"/>
+          <p:cNvSpPr>
+            <a:spLocks noGrp="1"/>
+          </p:cNvSpPr>
+          <p:nvPr>
+            <p:ph type="sldNum" sz="quarter" idx="5"/>
+          </p:nvPr>
+        </p:nvSpPr>
+        <p:spPr/>
+        <p:txBody>
+          <a:bodyPr/>
+          <a:lstStyle/>
+          <a:p>
+            <a:fld id="{83B3DF1A-6BCA-DF4B-BD60-A524DCFAF93C}" type="slidenum">
+              <a:rPr kumimoji="1" lang="ja-JP" altLang="en-US" smtClean="0"/>
+              <a:t>4</a:t>
+            </a:fld>
+            <a:endParaRPr kumimoji="1" lang="ja-JP" altLang="en-US"/>
+          </a:p>
+        </p:txBody>
+      </p:sp>
+    </p:spTree>
+    <p:extLst>
+      <p:ext uri="{BB962C8B-B14F-4D97-AF65-F5344CB8AC3E}">
+        <p14:creationId xmlns:p14="http://schemas.microsoft.com/office/powerpoint/2010/main" val="3546958404"/>
+      </p:ext>
+    </p:extLst>
+  </p:cSld>
+  <p:clrMapOvr>
+    <a:masterClrMapping/>
+  </p:clrMapOvr>
+</p:notes>
+</file>
+
+<file path=ppt/notesSlides/notesSlide2.xml><?xml version="1.0" encoding="utf-8"?>
+<p:notes xmlns:a="http://schemas.openxmlformats.org/drawingml/2006/main" xmlns:r="http://schemas.openxmlformats.org/officeDocument/2006/relationships" xmlns:p="http://schemas.openxmlformats.org/presentationml/2006/main">
+  <p:cSld>
+    <p:spTree>
+      <p:nvGrpSpPr>
+        <p:cNvPr id="1" name=""/>
+        <p:cNvGrpSpPr/>
+        <p:nvPr/>
+      </p:nvGrpSpPr>
+      <p:grpSpPr>
+        <a:xfrm>
+          <a:off x="0" y="0"/>
+          <a:ext cx="0" cy="0"/>
+          <a:chOff x="0" y="0"/>
+          <a:chExt cx="0" cy="0"/>
+        </a:xfrm>
+      </p:grpSpPr>
+      <p:sp>
+        <p:nvSpPr>
+          <p:cNvPr id="2" name="スライド イメージ プレースホルダー 1"/>
+          <p:cNvSpPr>
+            <a:spLocks noGrp="1" noRot="1" noChangeAspect="1"/>
+          </p:cNvSpPr>
+          <p:nvPr>
+            <p:ph type="sldImg"/>
+          </p:nvPr>
+        </p:nvSpPr>
+        <p:spPr/>
+      </p:sp>
+      <p:sp>
+        <p:nvSpPr>
+          <p:cNvPr id="3" name="ノート プレースホルダー 2"/>
+          <p:cNvSpPr>
+            <a:spLocks noGrp="1"/>
+          </p:cNvSpPr>
+          <p:nvPr>
+            <p:ph type="body" idx="1"/>
+          </p:nvPr>
+        </p:nvSpPr>
+        <p:spPr/>
+        <p:txBody>
+          <a:bodyPr/>
+          <a:lstStyle/>
+          <a:p>
+            <a:endParaRPr kumimoji="1" lang="ja-JP" altLang="en-US"/>
+          </a:p>
+        </p:txBody>
+      </p:sp>
+      <p:sp>
+        <p:nvSpPr>
+          <p:cNvPr id="4" name="スライド番号プレースホルダー 3"/>
+          <p:cNvSpPr>
+            <a:spLocks noGrp="1"/>
+          </p:cNvSpPr>
+          <p:nvPr>
+            <p:ph type="sldNum" sz="quarter" idx="5"/>
+          </p:nvPr>
+        </p:nvSpPr>
+        <p:spPr/>
+        <p:txBody>
+          <a:bodyPr/>
+          <a:lstStyle/>
+          <a:p>
+            <a:fld id="{83B3DF1A-6BCA-DF4B-BD60-A524DCFAF93C}" type="slidenum">
+              <a:rPr kumimoji="1" lang="ja-JP" altLang="en-US" smtClean="0"/>
+              <a:t>8</a:t>
+            </a:fld>
+            <a:endParaRPr kumimoji="1" lang="ja-JP" altLang="en-US"/>
+          </a:p>
+        </p:txBody>
+      </p:sp>
+    </p:spTree>
+    <p:extLst>
+      <p:ext uri="{BB962C8B-B14F-4D97-AF65-F5344CB8AC3E}">
+        <p14:creationId xmlns:p14="http://schemas.microsoft.com/office/powerpoint/2010/main" val="2263965904"/>
+      </p:ext>
+    </p:extLst>
+  </p:cSld>
+  <p:clrMapOvr>
+    <a:masterClrMapping/>
+  </p:clrMapOvr>
+</p:notes>
+</file>
+
+<file path=ppt/notesSlides/notesSlide3.xml><?xml version="1.0" encoding="utf-8"?>
+<p:notes xmlns:a="http://schemas.openxmlformats.org/drawingml/2006/main" xmlns:r="http://schemas.openxmlformats.org/officeDocument/2006/relationships" xmlns:p="http://schemas.openxmlformats.org/presentationml/2006/main">
+  <p:cSld>
+    <p:spTree>
+      <p:nvGrpSpPr>
+        <p:cNvPr id="1" name=""/>
+        <p:cNvGrpSpPr/>
+        <p:nvPr/>
+      </p:nvGrpSpPr>
+      <p:grpSpPr>
+        <a:xfrm>
+          <a:off x="0" y="0"/>
+          <a:ext cx="0" cy="0"/>
+          <a:chOff x="0" y="0"/>
+          <a:chExt cx="0" cy="0"/>
+        </a:xfrm>
+      </p:grpSpPr>
+      <p:sp>
+        <p:nvSpPr>
+          <p:cNvPr id="2" name="スライド イメージ プレースホルダー 1"/>
+          <p:cNvSpPr>
+            <a:spLocks noGrp="1" noRot="1" noChangeAspect="1"/>
+          </p:cNvSpPr>
+          <p:nvPr>
+            <p:ph type="sldImg"/>
+          </p:nvPr>
+        </p:nvSpPr>
+        <p:spPr/>
+      </p:sp>
+      <p:sp>
+        <p:nvSpPr>
+          <p:cNvPr id="3" name="ノート プレースホルダー 2"/>
+          <p:cNvSpPr>
+            <a:spLocks noGrp="1"/>
+          </p:cNvSpPr>
+          <p:nvPr>
+            <p:ph type="body" idx="1"/>
+          </p:nvPr>
+        </p:nvSpPr>
+        <p:spPr/>
+        <p:txBody>
+          <a:bodyPr/>
+          <a:lstStyle/>
+          <a:p>
+            <a:endParaRPr kumimoji="1" lang="ja-JP" altLang="en-US"/>
+          </a:p>
+        </p:txBody>
+      </p:sp>
+      <p:sp>
+        <p:nvSpPr>
+          <p:cNvPr id="4" name="スライド番号プレースホルダー 3"/>
+          <p:cNvSpPr>
+            <a:spLocks noGrp="1"/>
+          </p:cNvSpPr>
+          <p:nvPr>
+            <p:ph type="sldNum" sz="quarter" idx="5"/>
+          </p:nvPr>
+        </p:nvSpPr>
+        <p:spPr/>
+        <p:txBody>
+          <a:bodyPr/>
+          <a:lstStyle/>
+          <a:p>
+            <a:fld id="{83B3DF1A-6BCA-DF4B-BD60-A524DCFAF93C}" type="slidenum">
+              <a:rPr kumimoji="1" lang="ja-JP" altLang="en-US" smtClean="0"/>
+              <a:t>15</a:t>
+            </a:fld>
+            <a:endParaRPr kumimoji="1" lang="ja-JP" altLang="en-US"/>
+          </a:p>
+        </p:txBody>
+      </p:sp>
+    </p:spTree>
+    <p:extLst>
+      <p:ext uri="{BB962C8B-B14F-4D97-AF65-F5344CB8AC3E}">
+        <p14:creationId xmlns:p14="http://schemas.microsoft.com/office/powerpoint/2010/main" val="2723945299"/>
+      </p:ext>
+    </p:extLst>
+  </p:cSld>
+  <p:clrMapOvr>
+    <a:masterClrMapping/>
+  </p:clrMapOvr>
+</p:notes>
+</file>
+
+<file path=ppt/notesSlides/notesSlide4.xml><?xml version="1.0" encoding="utf-8"?>
+<p:notes xmlns:a="http://schemas.openxmlformats.org/drawingml/2006/main" xmlns:r="http://schemas.openxmlformats.org/officeDocument/2006/relationships" xmlns:p="http://schemas.openxmlformats.org/presentationml/2006/main">
+  <p:cSld>
+    <p:spTree>
+      <p:nvGrpSpPr>
+        <p:cNvPr id="1" name=""/>
+        <p:cNvGrpSpPr/>
+        <p:nvPr/>
+      </p:nvGrpSpPr>
+      <p:grpSpPr>
+        <a:xfrm>
+          <a:off x="0" y="0"/>
+          <a:ext cx="0" cy="0"/>
+          <a:chOff x="0" y="0"/>
+          <a:chExt cx="0" cy="0"/>
+        </a:xfrm>
+      </p:grpSpPr>
+      <p:sp>
+        <p:nvSpPr>
+          <p:cNvPr id="2" name="スライド イメージ プレースホルダー 1"/>
+          <p:cNvSpPr>
+            <a:spLocks noGrp="1" noRot="1" noChangeAspect="1"/>
+          </p:cNvSpPr>
+          <p:nvPr>
+            <p:ph type="sldImg"/>
+          </p:nvPr>
+        </p:nvSpPr>
+        <p:spPr/>
+      </p:sp>
+      <p:sp>
+        <p:nvSpPr>
+          <p:cNvPr id="3" name="ノート プレースホルダー 2"/>
+          <p:cNvSpPr>
+            <a:spLocks noGrp="1"/>
+          </p:cNvSpPr>
+          <p:nvPr>
+            <p:ph type="body" idx="1"/>
+          </p:nvPr>
+        </p:nvSpPr>
+        <p:spPr/>
+        <p:txBody>
+          <a:bodyPr/>
+          <a:lstStyle/>
+          <a:p>
+            <a:endParaRPr kumimoji="1" lang="ja-JP" altLang="en-US"/>
+          </a:p>
+        </p:txBody>
+      </p:sp>
+      <p:sp>
+        <p:nvSpPr>
+          <p:cNvPr id="4" name="スライド番号プレースホルダー 3"/>
+          <p:cNvSpPr>
+            <a:spLocks noGrp="1"/>
+          </p:cNvSpPr>
+          <p:nvPr>
+            <p:ph type="sldNum" sz="quarter" idx="5"/>
+          </p:nvPr>
+        </p:nvSpPr>
+        <p:spPr/>
+        <p:txBody>
+          <a:bodyPr/>
+          <a:lstStyle/>
+          <a:p>
+            <a:fld id="{83B3DF1A-6BCA-DF4B-BD60-A524DCFAF93C}" type="slidenum">
+              <a:rPr kumimoji="1" lang="ja-JP" altLang="en-US" smtClean="0"/>
+              <a:t>18</a:t>
+            </a:fld>
+            <a:endParaRPr kumimoji="1" lang="ja-JP" altLang="en-US"/>
+          </a:p>
+        </p:txBody>
+      </p:sp>
+    </p:spTree>
+    <p:extLst>
+      <p:ext uri="{BB962C8B-B14F-4D97-AF65-F5344CB8AC3E}">
+        <p14:creationId xmlns:p14="http://schemas.microsoft.com/office/powerpoint/2010/main" val="3721127436"/>
+      </p:ext>
+    </p:extLst>
+  </p:cSld>
+  <p:clrMapOvr>
+    <a:masterClrMapping/>
+  </p:clrMapOvr>
+</p:notes>
 </file>
 
 <file path=ppt/slideLayouts/slideLayout1.xml><?xml version="1.0" encoding="utf-8"?>
@@ -351,9 +1115,9 @@
           <a:bodyPr/>
           <a:lstStyle/>
           <a:p>
-            <a:fld id="{A6E0AD41-3205-554B-A221-F12330F95C4E}" type="datetimeFigureOut">
+            <a:fld id="{4F0689D0-EE6A-9F41-A83E-000715A7B4DF}" type="datetime1">
               <a:rPr kumimoji="1" lang="ja-JP" altLang="en-US" smtClean="0"/>
-              <a:t>2024/1/26</a:t>
+              <a:t>2024/2/1</a:t>
             </a:fld>
             <a:endParaRPr kumimoji="1" lang="ja-JP" altLang="en-US"/>
           </a:p>
@@ -553,9 +1317,9 @@
           <a:bodyPr/>
           <a:lstStyle/>
           <a:p>
-            <a:fld id="{A6E0AD41-3205-554B-A221-F12330F95C4E}" type="datetimeFigureOut">
+            <a:fld id="{C7BD46B6-7CEF-7E41-A2E2-2B06C39DE3BE}" type="datetime1">
               <a:rPr kumimoji="1" lang="ja-JP" altLang="en-US" smtClean="0"/>
-              <a:t>2024/1/26</a:t>
+              <a:t>2024/2/1</a:t>
             </a:fld>
             <a:endParaRPr kumimoji="1" lang="ja-JP" altLang="en-US"/>
           </a:p>
@@ -765,9 +1529,9 @@
           <a:bodyPr/>
           <a:lstStyle/>
           <a:p>
-            <a:fld id="{A6E0AD41-3205-554B-A221-F12330F95C4E}" type="datetimeFigureOut">
+            <a:fld id="{7AFB5DDF-5FF4-0E4B-8AB5-7A0D0ED88F56}" type="datetime1">
               <a:rPr kumimoji="1" lang="ja-JP" altLang="en-US" smtClean="0"/>
-              <a:t>2024/1/26</a:t>
+              <a:t>2024/2/1</a:t>
             </a:fld>
             <a:endParaRPr kumimoji="1" lang="ja-JP" altLang="en-US"/>
           </a:p>
@@ -985,9 +1749,9 @@
           <a:bodyPr/>
           <a:lstStyle/>
           <a:p>
-            <a:fld id="{A6E0AD41-3205-554B-A221-F12330F95C4E}" type="datetimeFigureOut">
+            <a:fld id="{4A8B68C9-8A89-1D4A-AE9E-2650E43E9DD8}" type="datetime1">
               <a:rPr kumimoji="1" lang="ja-JP" altLang="en-US" smtClean="0"/>
-              <a:t>2024/1/26</a:t>
+              <a:t>2024/2/1</a:t>
             </a:fld>
             <a:endParaRPr kumimoji="1" lang="ja-JP" altLang="en-US"/>
           </a:p>
@@ -1243,9 +2007,9 @@
           <a:bodyPr/>
           <a:lstStyle/>
           <a:p>
-            <a:fld id="{A6E0AD41-3205-554B-A221-F12330F95C4E}" type="datetimeFigureOut">
+            <a:fld id="{47AFC893-8781-7E43-A7E8-C490CC6F0D41}" type="datetime1">
               <a:rPr kumimoji="1" lang="ja-JP" altLang="en-US" smtClean="0"/>
-              <a:t>2024/1/26</a:t>
+              <a:t>2024/2/1</a:t>
             </a:fld>
             <a:endParaRPr kumimoji="1" lang="ja-JP" altLang="en-US"/>
           </a:p>
@@ -1597,9 +2361,9 @@
           <a:bodyPr/>
           <a:lstStyle/>
           <a:p>
-            <a:fld id="{A6E0AD41-3205-554B-A221-F12330F95C4E}" type="datetimeFigureOut">
+            <a:fld id="{30699864-65B1-1B46-9F4F-EFEC28C14436}" type="datetime1">
               <a:rPr kumimoji="1" lang="ja-JP" altLang="en-US" smtClean="0"/>
-              <a:t>2024/1/26</a:t>
+              <a:t>2024/2/1</a:t>
             </a:fld>
             <a:endParaRPr kumimoji="1" lang="ja-JP" altLang="en-US"/>
           </a:p>
@@ -2103,9 +2867,9 @@
           <a:bodyPr/>
           <a:lstStyle/>
           <a:p>
-            <a:fld id="{A6E0AD41-3205-554B-A221-F12330F95C4E}" type="datetimeFigureOut">
+            <a:fld id="{EBF0D00D-383A-1E49-8D42-20C6F8A24971}" type="datetime1">
               <a:rPr kumimoji="1" lang="ja-JP" altLang="en-US" smtClean="0"/>
-              <a:t>2024/1/26</a:t>
+              <a:t>2024/2/1</a:t>
             </a:fld>
             <a:endParaRPr kumimoji="1" lang="ja-JP" altLang="en-US"/>
           </a:p>
@@ -2221,9 +2985,9 @@
           <a:bodyPr/>
           <a:lstStyle/>
           <a:p>
-            <a:fld id="{A6E0AD41-3205-554B-A221-F12330F95C4E}" type="datetimeFigureOut">
+            <a:fld id="{35F5D5A4-4BD9-144C-86C6-47E684A4824E}" type="datetime1">
               <a:rPr kumimoji="1" lang="ja-JP" altLang="en-US" smtClean="0"/>
-              <a:t>2024/1/26</a:t>
+              <a:t>2024/2/1</a:t>
             </a:fld>
             <a:endParaRPr kumimoji="1" lang="ja-JP" altLang="en-US"/>
           </a:p>
@@ -2316,9 +3080,9 @@
           <a:bodyPr/>
           <a:lstStyle/>
           <a:p>
-            <a:fld id="{A6E0AD41-3205-554B-A221-F12330F95C4E}" type="datetimeFigureOut">
+            <a:fld id="{DD2C3AD4-0617-D141-A958-6E9C581C99F8}" type="datetime1">
               <a:rPr kumimoji="1" lang="ja-JP" altLang="en-US" smtClean="0"/>
-              <a:t>2024/1/26</a:t>
+              <a:t>2024/2/1</a:t>
             </a:fld>
             <a:endParaRPr kumimoji="1" lang="ja-JP" altLang="en-US"/>
           </a:p>
@@ -2636,9 +3400,9 @@
           <a:bodyPr/>
           <a:lstStyle/>
           <a:p>
-            <a:fld id="{A6E0AD41-3205-554B-A221-F12330F95C4E}" type="datetimeFigureOut">
+            <a:fld id="{97333168-1043-414C-BAC1-8C17FED55BE1}" type="datetime1">
               <a:rPr kumimoji="1" lang="ja-JP" altLang="en-US" smtClean="0"/>
-              <a:t>2024/1/26</a:t>
+              <a:t>2024/2/1</a:t>
             </a:fld>
             <a:endParaRPr kumimoji="1" lang="ja-JP" altLang="en-US"/>
           </a:p>
@@ -2909,9 +3673,9 @@
           <a:bodyPr/>
           <a:lstStyle/>
           <a:p>
-            <a:fld id="{A6E0AD41-3205-554B-A221-F12330F95C4E}" type="datetimeFigureOut">
+            <a:fld id="{8F59A4F7-2100-1545-B83D-8AE529A8BB45}" type="datetime1">
               <a:rPr kumimoji="1" lang="ja-JP" altLang="en-US" smtClean="0"/>
-              <a:t>2024/1/26</a:t>
+              <a:t>2024/2/1</a:t>
             </a:fld>
             <a:endParaRPr kumimoji="1" lang="ja-JP" altLang="en-US"/>
           </a:p>
@@ -3238,9 +4002,9 @@
             </a:lvl1pPr>
           </a:lstStyle>
           <a:p>
-            <a:fld id="{A6E0AD41-3205-554B-A221-F12330F95C4E}" type="datetimeFigureOut">
+            <a:fld id="{E0AEBBE5-DA29-B94E-BDB8-9C4CD04B35EC}" type="datetime1">
               <a:rPr kumimoji="1" lang="ja-JP" altLang="en-US" smtClean="0"/>
-              <a:t>2024/1/26</a:t>
+              <a:t>2024/2/1</a:t>
             </a:fld>
             <a:endParaRPr kumimoji="1" lang="ja-JP" altLang="en-US"/>
           </a:p>
@@ -3344,6 +4108,7 @@
     <p:sldLayoutId id="2147483783" r:id="rId10"/>
     <p:sldLayoutId id="2147483784" r:id="rId11"/>
   </p:sldLayoutIdLst>
+  <p:hf hdr="0" ftr="0" dt="0"/>
   <p:txStyles>
     <p:titleStyle>
       <a:lvl1pPr algn="l" defTabSz="914400" rtl="0" eaLnBrk="1" latinLnBrk="0" hangingPunct="1">
@@ -4530,6 +5295,35 @@
           </a:fontRef>
         </p:style>
       </p:cxnSp>
+      <p:sp>
+        <p:nvSpPr>
+          <p:cNvPr id="14" name="スライド番号プレースホルダー 13">
+            <a:extLst>
+              <a:ext uri="{FF2B5EF4-FFF2-40B4-BE49-F238E27FC236}">
+                <a16:creationId xmlns:a16="http://schemas.microsoft.com/office/drawing/2014/main" id="{9128C575-9DD4-E60E-7B35-A46D705C4E3F}"/>
+              </a:ext>
+            </a:extLst>
+          </p:cNvPr>
+          <p:cNvSpPr>
+            <a:spLocks noGrp="1"/>
+          </p:cNvSpPr>
+          <p:nvPr>
+            <p:ph type="sldNum" sz="quarter" idx="12"/>
+          </p:nvPr>
+        </p:nvSpPr>
+        <p:spPr/>
+        <p:txBody>
+          <a:bodyPr/>
+          <a:lstStyle/>
+          <a:p>
+            <a:fld id="{2E72E7BF-67A1-9A45-B859-E63ACEF18531}" type="slidenum">
+              <a:rPr kumimoji="1" lang="ja-JP" altLang="en-US" smtClean="0"/>
+              <a:t>10</a:t>
+            </a:fld>
+            <a:endParaRPr kumimoji="1" lang="ja-JP" altLang="en-US"/>
+          </a:p>
+        </p:txBody>
+      </p:sp>
     </p:spTree>
     <p:extLst>
       <p:ext uri="{BB962C8B-B14F-4D97-AF65-F5344CB8AC3E}">
@@ -5317,6 +6111,35 @@
           </a:fontRef>
         </p:style>
       </p:cxnSp>
+      <p:sp>
+        <p:nvSpPr>
+          <p:cNvPr id="25" name="スライド番号プレースホルダー 24">
+            <a:extLst>
+              <a:ext uri="{FF2B5EF4-FFF2-40B4-BE49-F238E27FC236}">
+                <a16:creationId xmlns:a16="http://schemas.microsoft.com/office/drawing/2014/main" id="{3A57D388-591F-4A07-3B9A-918B1D507986}"/>
+              </a:ext>
+            </a:extLst>
+          </p:cNvPr>
+          <p:cNvSpPr>
+            <a:spLocks noGrp="1"/>
+          </p:cNvSpPr>
+          <p:nvPr>
+            <p:ph type="sldNum" sz="quarter" idx="12"/>
+          </p:nvPr>
+        </p:nvSpPr>
+        <p:spPr/>
+        <p:txBody>
+          <a:bodyPr/>
+          <a:lstStyle/>
+          <a:p>
+            <a:fld id="{2E72E7BF-67A1-9A45-B859-E63ACEF18531}" type="slidenum">
+              <a:rPr kumimoji="1" lang="ja-JP" altLang="en-US" smtClean="0"/>
+              <a:t>11</a:t>
+            </a:fld>
+            <a:endParaRPr kumimoji="1" lang="ja-JP" altLang="en-US"/>
+          </a:p>
+        </p:txBody>
+      </p:sp>
     </p:spTree>
     <p:extLst>
       <p:ext uri="{BB962C8B-B14F-4D97-AF65-F5344CB8AC3E}">
@@ -6180,7 +7003,7 @@
                 <a:latin typeface="Hiragino Kaku Gothic ProN W3" panose="020B0300000000000000" pitchFamily="34" charset="-128"/>
                 <a:ea typeface="Hiragino Kaku Gothic ProN W3" panose="020B0300000000000000" pitchFamily="34" charset="-128"/>
               </a:rPr>
-              <a:t>例）</a:t>
+              <a:t>活用事例）</a:t>
             </a:r>
             <a:endParaRPr lang="en-US" altLang="ja-JP" dirty="0">
               <a:solidFill>
@@ -6287,7 +7110,7 @@
                 <a:latin typeface="Hiragino Kaku Gothic ProN W3" panose="020B0300000000000000" pitchFamily="34" charset="-128"/>
                 <a:ea typeface="Hiragino Kaku Gothic ProN W3" panose="020B0300000000000000" pitchFamily="34" charset="-128"/>
               </a:rPr>
-              <a:t>レントゲンから病状を診断する</a:t>
+              <a:t>レントゲン写真から病状を診断する</a:t>
             </a:r>
             <a:endParaRPr lang="en-US" altLang="ja-JP" sz="2000" dirty="0">
               <a:solidFill>
@@ -6334,6 +7157,35 @@
               <a:latin typeface="Hiragino Kaku Gothic ProN W3" panose="020B0300000000000000" pitchFamily="34" charset="-128"/>
               <a:ea typeface="Hiragino Kaku Gothic ProN W3" panose="020B0300000000000000" pitchFamily="34" charset="-128"/>
             </a:endParaRPr>
+          </a:p>
+        </p:txBody>
+      </p:sp>
+      <p:sp>
+        <p:nvSpPr>
+          <p:cNvPr id="3" name="スライド番号プレースホルダー 2">
+            <a:extLst>
+              <a:ext uri="{FF2B5EF4-FFF2-40B4-BE49-F238E27FC236}">
+                <a16:creationId xmlns:a16="http://schemas.microsoft.com/office/drawing/2014/main" id="{FC47E80B-605B-6498-0ED9-BEBD204B672A}"/>
+              </a:ext>
+            </a:extLst>
+          </p:cNvPr>
+          <p:cNvSpPr>
+            <a:spLocks noGrp="1"/>
+          </p:cNvSpPr>
+          <p:nvPr>
+            <p:ph type="sldNum" sz="quarter" idx="12"/>
+          </p:nvPr>
+        </p:nvSpPr>
+        <p:spPr/>
+        <p:txBody>
+          <a:bodyPr/>
+          <a:lstStyle/>
+          <a:p>
+            <a:fld id="{2E72E7BF-67A1-9A45-B859-E63ACEF18531}" type="slidenum">
+              <a:rPr kumimoji="1" lang="ja-JP" altLang="en-US" smtClean="0"/>
+              <a:t>12</a:t>
+            </a:fld>
+            <a:endParaRPr kumimoji="1" lang="ja-JP" altLang="en-US"/>
           </a:p>
         </p:txBody>
       </p:sp>
@@ -7111,7 +7963,7 @@
             </a:endParaRPr>
           </a:p>
           <a:p>
-            <a:pPr lvl="2" fontAlgn="base">
+            <a:pPr lvl="1" fontAlgn="base">
               <a:spcBef>
                 <a:spcPts val="0"/>
               </a:spcBef>
@@ -7159,7 +8011,7 @@
                 <a:latin typeface="Hiragino Kaku Gothic ProN W3" panose="020B0300000000000000" pitchFamily="34" charset="-128"/>
                 <a:ea typeface="Hiragino Kaku Gothic ProN W3" panose="020B0300000000000000" pitchFamily="34" charset="-128"/>
               </a:rPr>
-              <a:t>件を教示データ、</a:t>
+              <a:t>件を教師データ、</a:t>
             </a:r>
             <a:r>
               <a:rPr lang="en-US" altLang="ja-JP" sz="2000" dirty="0">
@@ -7291,6 +8143,25 @@
               <a:buFont typeface="Arial" panose="020B0604020202020204" pitchFamily="34" charset="0"/>
               <a:buChar char="•"/>
             </a:pPr>
+            <a:endParaRPr lang="en-US" altLang="ja-JP" sz="2000" dirty="0">
+              <a:solidFill>
+                <a:srgbClr val="695D46"/>
+              </a:solidFill>
+              <a:latin typeface="Hiragino Kaku Gothic ProN W3" panose="020B0300000000000000" pitchFamily="34" charset="-128"/>
+              <a:ea typeface="Hiragino Kaku Gothic ProN W3" panose="020B0300000000000000" pitchFamily="34" charset="-128"/>
+            </a:endParaRPr>
+          </a:p>
+          <a:p>
+            <a:pPr lvl="1" fontAlgn="base">
+              <a:spcBef>
+                <a:spcPts val="0"/>
+              </a:spcBef>
+              <a:spcAft>
+                <a:spcPts val="1200"/>
+              </a:spcAft>
+              <a:buFont typeface="Arial" panose="020B0604020202020204" pitchFamily="34" charset="0"/>
+              <a:buChar char="•"/>
+            </a:pPr>
             <a:endParaRPr lang="en-US" altLang="ja-JP" sz="2200" dirty="0">
               <a:solidFill>
                 <a:srgbClr val="695D46"/>
@@ -7317,6 +8188,35 @@
               <a:latin typeface="Hiragino Kaku Gothic ProN W3" panose="020B0300000000000000" pitchFamily="34" charset="-128"/>
               <a:ea typeface="Hiragino Kaku Gothic ProN W3" panose="020B0300000000000000" pitchFamily="34" charset="-128"/>
             </a:endParaRPr>
+          </a:p>
+        </p:txBody>
+      </p:sp>
+      <p:sp>
+        <p:nvSpPr>
+          <p:cNvPr id="3" name="スライド番号プレースホルダー 2">
+            <a:extLst>
+              <a:ext uri="{FF2B5EF4-FFF2-40B4-BE49-F238E27FC236}">
+                <a16:creationId xmlns:a16="http://schemas.microsoft.com/office/drawing/2014/main" id="{59D35E7D-7225-9C07-A7F0-72C86795701E}"/>
+              </a:ext>
+            </a:extLst>
+          </p:cNvPr>
+          <p:cNvSpPr>
+            <a:spLocks noGrp="1"/>
+          </p:cNvSpPr>
+          <p:nvPr>
+            <p:ph type="sldNum" sz="quarter" idx="12"/>
+          </p:nvPr>
+        </p:nvSpPr>
+        <p:spPr/>
+        <p:txBody>
+          <a:bodyPr/>
+          <a:lstStyle/>
+          <a:p>
+            <a:fld id="{2E72E7BF-67A1-9A45-B859-E63ACEF18531}" type="slidenum">
+              <a:rPr kumimoji="1" lang="ja-JP" altLang="en-US" smtClean="0"/>
+              <a:t>13</a:t>
+            </a:fld>
+            <a:endParaRPr kumimoji="1" lang="ja-JP" altLang="en-US"/>
           </a:p>
         </p:txBody>
       </p:sp>
@@ -7667,6 +8567,43 @@
             </a:lvl9pPr>
           </a:lstStyle>
           <a:p>
+            <a:r>
+              <a:rPr lang="ja-JP" altLang="en-US">
+                <a:latin typeface="Hiragino Kaku Gothic ProN W3" panose="020B0300000000000000" pitchFamily="34" charset="-128"/>
+                <a:ea typeface="Hiragino Kaku Gothic ProN W3" panose="020B0300000000000000" pitchFamily="34" charset="-128"/>
+              </a:rPr>
+              <a:t>作成した機械学習モデルの実用性を確かめるために、</a:t>
+            </a:r>
+            <a:r>
+              <a:rPr lang="en-US" altLang="ja-JP" dirty="0">
+                <a:latin typeface="Hiragino Kaku Gothic ProN W3" panose="020B0300000000000000" pitchFamily="34" charset="-128"/>
+                <a:ea typeface="Hiragino Kaku Gothic ProN W3" panose="020B0300000000000000" pitchFamily="34" charset="-128"/>
+              </a:rPr>
+              <a:t>3</a:t>
+            </a:r>
+            <a:r>
+              <a:rPr lang="ja-JP" altLang="en-US">
+                <a:latin typeface="Hiragino Kaku Gothic ProN W3" panose="020B0300000000000000" pitchFamily="34" charset="-128"/>
+                <a:ea typeface="Hiragino Kaku Gothic ProN W3" panose="020B0300000000000000" pitchFamily="34" charset="-128"/>
+              </a:rPr>
+              <a:t>つの実験を行った</a:t>
+            </a:r>
+            <a:endParaRPr lang="en-US" altLang="ja-JP" dirty="0">
+              <a:latin typeface="Hiragino Kaku Gothic ProN W3" panose="020B0300000000000000" pitchFamily="34" charset="-128"/>
+              <a:ea typeface="Hiragino Kaku Gothic ProN W3" panose="020B0300000000000000" pitchFamily="34" charset="-128"/>
+            </a:endParaRPr>
+          </a:p>
+          <a:p>
+            <a:pPr marL="457200" indent="-457200">
+              <a:buFont typeface="+mj-lt"/>
+              <a:buAutoNum type="arabicPeriod"/>
+            </a:pPr>
+            <a:endParaRPr lang="en-US" altLang="ja-JP" dirty="0">
+              <a:latin typeface="Hiragino Kaku Gothic ProN W3" panose="020B0300000000000000" pitchFamily="34" charset="-128"/>
+              <a:ea typeface="Hiragino Kaku Gothic ProN W3" panose="020B0300000000000000" pitchFamily="34" charset="-128"/>
+            </a:endParaRPr>
+          </a:p>
+          <a:p>
             <a:pPr marL="457200" indent="-457200">
               <a:buFont typeface="+mj-lt"/>
               <a:buAutoNum type="arabicPeriod"/>
@@ -7785,6 +8722,35 @@
               <a:rPr lang="ja-JP" altLang="en-US"/>
               <a:t>実験と結果：実験内容</a:t>
             </a:r>
+          </a:p>
+        </p:txBody>
+      </p:sp>
+      <p:sp>
+        <p:nvSpPr>
+          <p:cNvPr id="2" name="スライド番号プレースホルダー 1">
+            <a:extLst>
+              <a:ext uri="{FF2B5EF4-FFF2-40B4-BE49-F238E27FC236}">
+                <a16:creationId xmlns:a16="http://schemas.microsoft.com/office/drawing/2014/main" id="{D03B5BE0-533D-78DA-2C5D-03A26973B48A}"/>
+              </a:ext>
+            </a:extLst>
+          </p:cNvPr>
+          <p:cNvSpPr>
+            <a:spLocks noGrp="1"/>
+          </p:cNvSpPr>
+          <p:nvPr>
+            <p:ph type="sldNum" sz="quarter" idx="12"/>
+          </p:nvPr>
+        </p:nvSpPr>
+        <p:spPr/>
+        <p:txBody>
+          <a:bodyPr/>
+          <a:lstStyle/>
+          <a:p>
+            <a:fld id="{2E72E7BF-67A1-9A45-B859-E63ACEF18531}" type="slidenum">
+              <a:rPr kumimoji="1" lang="ja-JP" altLang="en-US" smtClean="0"/>
+              <a:t>14</a:t>
+            </a:fld>
+            <a:endParaRPr kumimoji="1" lang="ja-JP" altLang="en-US"/>
           </a:p>
         </p:txBody>
       </p:sp>
@@ -8137,25 +9103,18 @@
           <a:p>
             <a:pPr fontAlgn="base"/>
             <a:r>
+              <a:rPr lang="en" altLang="ja-JP" dirty="0">
+                <a:latin typeface="Hiragino Kaku Gothic ProN W3" panose="020B0300000000000000" pitchFamily="34" charset="-128"/>
+                <a:ea typeface="Hiragino Kaku Gothic ProN W3" panose="020B0300000000000000" pitchFamily="34" charset="-128"/>
+              </a:rPr>
+              <a:t>『MAQUIA ONLINE』</a:t>
+            </a:r>
+            <a:r>
               <a:rPr lang="ja-JP" altLang="en-US">
                 <a:latin typeface="Hiragino Kaku Gothic ProN W3" panose="020B0300000000000000" pitchFamily="34" charset="-128"/>
                 <a:ea typeface="Hiragino Kaku Gothic ProN W3" panose="020B0300000000000000" pitchFamily="34" charset="-128"/>
               </a:rPr>
-              <a:t>教師データに使用した</a:t>
-            </a:r>
-            <a:r>
-              <a:rPr lang="en" altLang="ja-JP" dirty="0">
-                <a:latin typeface="Hiragino Kaku Gothic ProN W3" panose="020B0300000000000000" pitchFamily="34" charset="-128"/>
-                <a:ea typeface="Hiragino Kaku Gothic ProN W3" panose="020B0300000000000000" pitchFamily="34" charset="-128"/>
-              </a:rPr>
-              <a:t>『MAQUIA ONLINE』</a:t>
-            </a:r>
-            <a:r>
-              <a:rPr lang="ja-JP" altLang="en-US">
-                <a:latin typeface="Hiragino Kaku Gothic ProN W3" panose="020B0300000000000000" pitchFamily="34" charset="-128"/>
-                <a:ea typeface="Hiragino Kaku Gothic ProN W3" panose="020B0300000000000000" pitchFamily="34" charset="-128"/>
-              </a:rPr>
-              <a:t>から、未学習のメイクアップ画像を</a:t>
+              <a:t>から、未学習のメイクアップ画像を新たに</a:t>
             </a:r>
             <a:r>
               <a:rPr lang="en-US" altLang="ja-JP" dirty="0">
@@ -8183,7 +9142,7 @@
                 <a:latin typeface="Hiragino Kaku Gothic ProN W3" panose="020B0300000000000000" pitchFamily="34" charset="-128"/>
                 <a:ea typeface="Hiragino Kaku Gothic ProN W3" panose="020B0300000000000000" pitchFamily="34" charset="-128"/>
               </a:rPr>
-              <a:t>そしてその画像を使用し、作成した機械学習モデルで実際にリップカラーの推定を行った</a:t>
+              <a:t>その画像を使用し、作成した機械学習モデルで実際にリップカラーの推定を行った</a:t>
             </a:r>
             <a:endParaRPr lang="en-US" altLang="ja-JP" dirty="0">
               <a:latin typeface="Hiragino Kaku Gothic ProN W3" panose="020B0300000000000000" pitchFamily="34" charset="-128"/>
@@ -8218,7 +9177,7 @@
                 <a:latin typeface="Hiragino Kaku Gothic ProN W3" panose="020B0300000000000000" pitchFamily="34" charset="-128"/>
                 <a:ea typeface="Hiragino Kaku Gothic ProN W3" panose="020B0300000000000000" pitchFamily="34" charset="-128"/>
               </a:rPr>
-              <a:t>どの画像についても、抽出したリップカラーよりも暗く、くすんだカラーが推定結果となった。画像によっては暗すぎる、くすみすぎている色が推定されることもあった。</a:t>
+              <a:t>どの画像についても、実際のリップカラーよりも暗く、くすんだカラーが推定結果となった。画像によっては暗すぎる、くすみすぎている色が推定されることもあった</a:t>
             </a:r>
             <a:endParaRPr lang="en-US" altLang="ja-JP" sz="2000" dirty="0">
               <a:latin typeface="Hiragino Kaku Gothic ProN W3" panose="020B0300000000000000" pitchFamily="34" charset="-128"/>
@@ -8232,7 +9191,7 @@
                 <a:latin typeface="Hiragino Kaku Gothic ProN W3" panose="020B0300000000000000" pitchFamily="34" charset="-128"/>
                 <a:ea typeface="Hiragino Kaku Gothic ProN W3" panose="020B0300000000000000" pitchFamily="34" charset="-128"/>
               </a:rPr>
-              <a:t>しかし色の系統（ピンク系、オレンジ系など）は同じであることが多かった。</a:t>
+              <a:t>しかし色の系統（ピンク系、オレンジ系など）は同じであることが多かった</a:t>
             </a:r>
           </a:p>
         </p:txBody>
@@ -8321,7 +9280,7 @@
           <p:nvPr/>
         </p:nvPicPr>
         <p:blipFill>
-          <a:blip r:embed="rId2"/>
+          <a:blip r:embed="rId3"/>
           <a:stretch>
             <a:fillRect/>
           </a:stretch>
@@ -8351,7 +9310,7 @@
           <p:nvPr/>
         </p:nvPicPr>
         <p:blipFill>
-          <a:blip r:embed="rId3"/>
+          <a:blip r:embed="rId4"/>
           <a:stretch>
             <a:fillRect/>
           </a:stretch>
@@ -8381,7 +9340,7 @@
           <p:nvPr/>
         </p:nvPicPr>
         <p:blipFill>
-          <a:blip r:embed="rId4"/>
+          <a:blip r:embed="rId5"/>
           <a:stretch>
             <a:fillRect/>
           </a:stretch>
@@ -8390,36 +9349,6 @@
           <a:xfrm>
             <a:off x="4179174" y="4660898"/>
             <a:ext cx="1339849" cy="1339849"/>
-          </a:xfrm>
-          <a:prstGeom prst="rect">
-            <a:avLst/>
-          </a:prstGeom>
-        </p:spPr>
-      </p:pic>
-      <p:pic>
-        <p:nvPicPr>
-          <p:cNvPr id="12" name="図 11">
-            <a:extLst>
-              <a:ext uri="{FF2B5EF4-FFF2-40B4-BE49-F238E27FC236}">
-                <a16:creationId xmlns:a16="http://schemas.microsoft.com/office/drawing/2014/main" id="{0FF2BAD7-7778-6939-DD8E-83079CDCBBAC}"/>
-              </a:ext>
-            </a:extLst>
-          </p:cNvPr>
-          <p:cNvPicPr>
-            <a:picLocks noChangeAspect="1"/>
-          </p:cNvPicPr>
-          <p:nvPr/>
-        </p:nvPicPr>
-        <p:blipFill>
-          <a:blip r:embed="rId5"/>
-          <a:stretch>
-            <a:fillRect/>
-          </a:stretch>
-        </p:blipFill>
-        <p:spPr>
-          <a:xfrm>
-            <a:off x="6465014" y="4651046"/>
-            <a:ext cx="1339848" cy="1339848"/>
           </a:xfrm>
           <a:prstGeom prst="rect">
             <a:avLst/>
@@ -8840,6 +9769,125 @@
           </a:p>
         </p:txBody>
       </p:sp>
+      <p:sp>
+        <p:nvSpPr>
+          <p:cNvPr id="25" name="スライド番号プレースホルダー 24">
+            <a:extLst>
+              <a:ext uri="{FF2B5EF4-FFF2-40B4-BE49-F238E27FC236}">
+                <a16:creationId xmlns:a16="http://schemas.microsoft.com/office/drawing/2014/main" id="{DCFA4044-BECE-D4A6-6780-3F7A51A2FD91}"/>
+              </a:ext>
+            </a:extLst>
+          </p:cNvPr>
+          <p:cNvSpPr>
+            <a:spLocks noGrp="1"/>
+          </p:cNvSpPr>
+          <p:nvPr>
+            <p:ph type="sldNum" sz="quarter" idx="12"/>
+          </p:nvPr>
+        </p:nvSpPr>
+        <p:spPr/>
+        <p:txBody>
+          <a:bodyPr/>
+          <a:lstStyle/>
+          <a:p>
+            <a:fld id="{2E72E7BF-67A1-9A45-B859-E63ACEF18531}" type="slidenum">
+              <a:rPr kumimoji="1" lang="ja-JP" altLang="en-US" smtClean="0"/>
+              <a:t>15</a:t>
+            </a:fld>
+            <a:endParaRPr kumimoji="1" lang="ja-JP" altLang="en-US"/>
+          </a:p>
+        </p:txBody>
+      </p:sp>
+      <p:pic>
+        <p:nvPicPr>
+          <p:cNvPr id="27" name="図 26">
+            <a:extLst>
+              <a:ext uri="{FF2B5EF4-FFF2-40B4-BE49-F238E27FC236}">
+                <a16:creationId xmlns:a16="http://schemas.microsoft.com/office/drawing/2014/main" id="{FA499A68-C607-C558-CC6F-93A65069D658}"/>
+              </a:ext>
+            </a:extLst>
+          </p:cNvPr>
+          <p:cNvPicPr>
+            <a:picLocks noChangeAspect="1"/>
+          </p:cNvPicPr>
+          <p:nvPr/>
+        </p:nvPicPr>
+        <p:blipFill>
+          <a:blip r:embed="rId7"/>
+          <a:stretch>
+            <a:fillRect/>
+          </a:stretch>
+        </p:blipFill>
+        <p:spPr>
+          <a:xfrm>
+            <a:off x="6476830" y="4662193"/>
+            <a:ext cx="1339850" cy="1339850"/>
+          </a:xfrm>
+          <a:prstGeom prst="rect">
+            <a:avLst/>
+          </a:prstGeom>
+        </p:spPr>
+      </p:pic>
+      <p:pic>
+        <p:nvPicPr>
+          <p:cNvPr id="29" name="図 28">
+            <a:extLst>
+              <a:ext uri="{FF2B5EF4-FFF2-40B4-BE49-F238E27FC236}">
+                <a16:creationId xmlns:a16="http://schemas.microsoft.com/office/drawing/2014/main" id="{95FCB315-7414-4858-58AB-C419F299F877}"/>
+              </a:ext>
+            </a:extLst>
+          </p:cNvPr>
+          <p:cNvPicPr>
+            <a:picLocks noChangeAspect="1"/>
+          </p:cNvPicPr>
+          <p:nvPr/>
+        </p:nvPicPr>
+        <p:blipFill>
+          <a:blip r:embed="rId8"/>
+          <a:stretch>
+            <a:fillRect/>
+          </a:stretch>
+        </p:blipFill>
+        <p:spPr>
+          <a:xfrm>
+            <a:off x="8074407" y="4667941"/>
+            <a:ext cx="1358192" cy="1358192"/>
+          </a:xfrm>
+          <a:prstGeom prst="rect">
+            <a:avLst/>
+          </a:prstGeom>
+        </p:spPr>
+      </p:pic>
+      <p:pic>
+        <p:nvPicPr>
+          <p:cNvPr id="31" name="図 30">
+            <a:extLst>
+              <a:ext uri="{FF2B5EF4-FFF2-40B4-BE49-F238E27FC236}">
+                <a16:creationId xmlns:a16="http://schemas.microsoft.com/office/drawing/2014/main" id="{A8890358-DC48-1182-241A-D131FBCD54F2}"/>
+              </a:ext>
+            </a:extLst>
+          </p:cNvPr>
+          <p:cNvPicPr>
+            <a:picLocks noChangeAspect="1"/>
+          </p:cNvPicPr>
+          <p:nvPr/>
+        </p:nvPicPr>
+        <p:blipFill>
+          <a:blip r:embed="rId9"/>
+          <a:stretch>
+            <a:fillRect/>
+          </a:stretch>
+        </p:blipFill>
+        <p:spPr>
+          <a:xfrm>
+            <a:off x="9608643" y="4651046"/>
+            <a:ext cx="1339846" cy="1339846"/>
+          </a:xfrm>
+          <a:prstGeom prst="rect">
+            <a:avLst/>
+          </a:prstGeom>
+        </p:spPr>
+      </p:pic>
     </p:spTree>
     <p:extLst>
       <p:ext uri="{BB962C8B-B14F-4D97-AF65-F5344CB8AC3E}">
@@ -9191,6 +10239,20 @@
               <a:p>
                 <a:pPr fontAlgn="base"/>
                 <a:r>
+                  <a:rPr lang="ja-JP" altLang="en-US">
+                    <a:latin typeface="Hiragino Kaku Gothic ProN W3" panose="020B0300000000000000" pitchFamily="34" charset="-128"/>
+                    <a:ea typeface="Hiragino Kaku Gothic ProN W3" panose="020B0300000000000000" pitchFamily="34" charset="-128"/>
+                  </a:rPr>
+                  <a:t>「学習データの画像のモデルと、推定したい顔画像の人物の年齢が離れていた場合、リップカラーの推定が上手くできないのではないか」という仮説を検証するために実験を行った</a:t>
+                </a:r>
+                <a:endParaRPr lang="en-US" altLang="ja-JP" dirty="0">
+                  <a:latin typeface="Hiragino Kaku Gothic ProN W3" panose="020B0300000000000000" pitchFamily="34" charset="-128"/>
+                  <a:ea typeface="Hiragino Kaku Gothic ProN W3" panose="020B0300000000000000" pitchFamily="34" charset="-128"/>
+                </a:endParaRPr>
+              </a:p>
+              <a:p>
+                <a:pPr fontAlgn="base"/>
+                <a:r>
                   <a:rPr lang="en-US" altLang="ja-JP" dirty="0">
                     <a:latin typeface="Hiragino Kaku Gothic ProN W3" panose="020B0300000000000000" pitchFamily="34" charset="-128"/>
                     <a:ea typeface="Hiragino Kaku Gothic ProN W3" panose="020B0300000000000000" pitchFamily="34" charset="-128"/>
@@ -9265,8 +10327,15 @@
                     <a:latin typeface="Hiragino Kaku Gothic ProN W3" panose="020B0300000000000000" pitchFamily="34" charset="-128"/>
                     <a:ea typeface="Hiragino Kaku Gothic ProN W3" panose="020B0300000000000000" pitchFamily="34" charset="-128"/>
                   </a:rPr>
-                  <a:t>代をメインターゲットにした媒体であるのに対し、</a:t>
+                  <a:t>代がメインターゲット</a:t>
                 </a:r>
+                <a:endParaRPr lang="en-US" altLang="ja-JP" sz="2000" dirty="0">
+                  <a:latin typeface="Hiragino Kaku Gothic ProN W3" panose="020B0300000000000000" pitchFamily="34" charset="-128"/>
+                  <a:ea typeface="Hiragino Kaku Gothic ProN W3" panose="020B0300000000000000" pitchFamily="34" charset="-128"/>
+                </a:endParaRPr>
+              </a:p>
+              <a:p>
+                <a:pPr lvl="1" fontAlgn="base"/>
                 <a:r>
                   <a:rPr lang="en-US" altLang="ja-JP" sz="2000" dirty="0">
                     <a:latin typeface="Hiragino Kaku Gothic ProN W3" panose="020B0300000000000000" pitchFamily="34" charset="-128"/>
@@ -9293,7 +10362,7 @@
                     <a:latin typeface="Hiragino Kaku Gothic ProN W3" panose="020B0300000000000000" pitchFamily="34" charset="-128"/>
                     <a:ea typeface="Hiragino Kaku Gothic ProN W3" panose="020B0300000000000000" pitchFamily="34" charset="-128"/>
                   </a:rPr>
-                  <a:t>はティーンエイジャーをターゲットとしたメディア </a:t>
+                  <a:t>はティーンエイジャーがターゲット</a:t>
                 </a:r>
                 <a:endParaRPr lang="en-US" altLang="ja-JP" sz="2000" dirty="0">
                   <a:latin typeface="Hiragino Kaku Gothic ProN W3" panose="020B0300000000000000" pitchFamily="34" charset="-128"/>
@@ -9301,22 +10370,8 @@
                 </a:endParaRPr>
               </a:p>
               <a:p>
-                <a:pPr fontAlgn="base"/>
-                <a:r>
-                  <a:rPr lang="ja-JP" altLang="en-US">
-                    <a:latin typeface="Hiragino Kaku Gothic ProN W3" panose="020B0300000000000000" pitchFamily="34" charset="-128"/>
-                    <a:ea typeface="Hiragino Kaku Gothic ProN W3" panose="020B0300000000000000" pitchFamily="34" charset="-128"/>
-                  </a:rPr>
-                  <a:t>「学習データの画像のモデルと、推定したい顔画像の人物の年齢が離れていた場合、リップカラーの推定が上手くできないのではないか」という仮説を検証するために実験を行った</a:t>
-                </a:r>
-                <a:endParaRPr lang="en-US" altLang="ja-JP" dirty="0">
-                  <a:latin typeface="Hiragino Kaku Gothic ProN W3" panose="020B0300000000000000" pitchFamily="34" charset="-128"/>
-                  <a:ea typeface="Hiragino Kaku Gothic ProN W3" panose="020B0300000000000000" pitchFamily="34" charset="-128"/>
-                </a:endParaRPr>
-              </a:p>
-              <a:p>
-                <a:pPr fontAlgn="base"/>
-                <a:endParaRPr lang="en-US" altLang="ja-JP" dirty="0">
+                <a:pPr lvl="1" fontAlgn="base"/>
+                <a:endParaRPr lang="en-US" altLang="ja-JP" sz="2000" dirty="0">
                   <a:latin typeface="Hiragino Kaku Gothic ProN W3" panose="020B0300000000000000" pitchFamily="34" charset="-128"/>
                   <a:ea typeface="Hiragino Kaku Gothic ProN W3" panose="020B0300000000000000" pitchFamily="34" charset="-128"/>
                 </a:endParaRPr>
@@ -9391,7 +10446,7 @@
                     <a:latin typeface="Hiragino Kaku Gothic ProN W3" panose="020B0300000000000000" pitchFamily="34" charset="-128"/>
                     <a:ea typeface="Hiragino Kaku Gothic ProN W3" panose="020B0300000000000000" pitchFamily="34" charset="-128"/>
                   </a:rPr>
-                  <a:t>①で行った</a:t>
+                  <a:t>実験①の</a:t>
                 </a:r>
                 <a:r>
                   <a:rPr lang="en-US" altLang="ja-JP" sz="2000" dirty="0">
@@ -9405,7 +10460,7 @@
                     <a:latin typeface="Hiragino Kaku Gothic ProN W3" panose="020B0300000000000000" pitchFamily="34" charset="-128"/>
                     <a:ea typeface="Hiragino Kaku Gothic ProN W3" panose="020B0300000000000000" pitchFamily="34" charset="-128"/>
                   </a:rPr>
-                  <a:t>の画像を使用した実験と比較して、どちらの方が元の画像に近いリップカラーが推定できているかを比較した</a:t>
+                  <a:t>の画像を使用した実験と比較して、どちらの方が元の画像に近い（＝正解）リップカラーが推定できているかを比較した</a:t>
                 </a:r>
                 <a:endParaRPr lang="en-US" altLang="ja-JP" sz="2000" dirty="0">
                   <a:latin typeface="Hiragino Kaku Gothic ProN W3" panose="020B0300000000000000" pitchFamily="34" charset="-128"/>
@@ -9920,6 +10975,35 @@
           </a:p>
         </p:txBody>
       </p:sp>
+      <p:sp>
+        <p:nvSpPr>
+          <p:cNvPr id="2" name="スライド番号プレースホルダー 1">
+            <a:extLst>
+              <a:ext uri="{FF2B5EF4-FFF2-40B4-BE49-F238E27FC236}">
+                <a16:creationId xmlns:a16="http://schemas.microsoft.com/office/drawing/2014/main" id="{1BFA69F4-E6EB-B71A-14E2-CCBF05DE9299}"/>
+              </a:ext>
+            </a:extLst>
+          </p:cNvPr>
+          <p:cNvSpPr>
+            <a:spLocks noGrp="1"/>
+          </p:cNvSpPr>
+          <p:nvPr>
+            <p:ph type="sldNum" sz="quarter" idx="12"/>
+          </p:nvPr>
+        </p:nvSpPr>
+        <p:spPr/>
+        <p:txBody>
+          <a:bodyPr/>
+          <a:lstStyle/>
+          <a:p>
+            <a:fld id="{2E72E7BF-67A1-9A45-B859-E63ACEF18531}" type="slidenum">
+              <a:rPr kumimoji="1" lang="ja-JP" altLang="en-US" smtClean="0"/>
+              <a:t>16</a:t>
+            </a:fld>
+            <a:endParaRPr kumimoji="1" lang="ja-JP" altLang="en-US"/>
+          </a:p>
+        </p:txBody>
+      </p:sp>
     </p:spTree>
     <p:extLst>
       <p:ext uri="{BB962C8B-B14F-4D97-AF65-F5344CB8AC3E}">
@@ -10080,7 +11164,7 @@
         </p:blipFill>
         <p:spPr>
           <a:xfrm>
-            <a:off x="971363" y="5155451"/>
+            <a:off x="971363" y="4522180"/>
             <a:ext cx="1356018" cy="1356018"/>
           </a:xfrm>
           <a:prstGeom prst="rect">
@@ -10110,7 +11194,7 @@
         </p:blipFill>
         <p:spPr>
           <a:xfrm>
-            <a:off x="4208184" y="5159703"/>
+            <a:off x="4208184" y="4526432"/>
             <a:ext cx="1350361" cy="1350361"/>
           </a:xfrm>
           <a:prstGeom prst="rect">
@@ -10132,7 +11216,7 @@
         </p:nvSpPr>
         <p:spPr>
           <a:xfrm>
-            <a:off x="2583350" y="5155450"/>
+            <a:off x="2583350" y="4522179"/>
             <a:ext cx="1339852" cy="1350361"/>
           </a:xfrm>
           <a:prstGeom prst="rect">
@@ -10192,7 +11276,7 @@
         </p:blipFill>
         <p:spPr>
           <a:xfrm>
-            <a:off x="998046" y="1638500"/>
+            <a:off x="998046" y="1383589"/>
             <a:ext cx="1339850" cy="1339850"/>
           </a:xfrm>
           <a:prstGeom prst="rect">
@@ -10222,7 +11306,7 @@
         </p:blipFill>
         <p:spPr>
           <a:xfrm>
-            <a:off x="2593866" y="1638499"/>
+            <a:off x="2593866" y="1383588"/>
             <a:ext cx="1339849" cy="1339849"/>
           </a:xfrm>
           <a:prstGeom prst="rect">
@@ -10252,7 +11336,7 @@
         </p:blipFill>
         <p:spPr>
           <a:xfrm>
-            <a:off x="4189684" y="1648351"/>
+            <a:off x="4189684" y="1393440"/>
             <a:ext cx="1339849" cy="1339849"/>
           </a:xfrm>
           <a:prstGeom prst="rect">
@@ -10282,7 +11366,7 @@
         </p:blipFill>
         <p:spPr>
           <a:xfrm>
-            <a:off x="998046" y="3410379"/>
+            <a:off x="998046" y="2945268"/>
             <a:ext cx="1339848" cy="1339848"/>
           </a:xfrm>
           <a:prstGeom prst="rect">
@@ -10304,7 +11388,7 @@
         </p:nvSpPr>
         <p:spPr>
           <a:xfrm>
-            <a:off x="2593863" y="3420231"/>
+            <a:off x="2593863" y="2955120"/>
             <a:ext cx="1350362" cy="1329996"/>
           </a:xfrm>
           <a:prstGeom prst="rect">
@@ -10364,7 +11448,7 @@
         </p:blipFill>
         <p:spPr>
           <a:xfrm>
-            <a:off x="4218698" y="3410379"/>
+            <a:off x="4218698" y="2945268"/>
             <a:ext cx="1339847" cy="1339847"/>
           </a:xfrm>
           <a:prstGeom prst="rect">
@@ -10394,7 +11478,7 @@
         </p:blipFill>
         <p:spPr>
           <a:xfrm>
-            <a:off x="7274249" y="1638499"/>
+            <a:off x="6727719" y="1383588"/>
             <a:ext cx="1339850" cy="1347092"/>
           </a:xfrm>
           <a:prstGeom prst="rect">
@@ -10424,7 +11508,7 @@
         </p:blipFill>
         <p:spPr>
           <a:xfrm>
-            <a:off x="8870066" y="1633987"/>
+            <a:off x="8323536" y="1379076"/>
             <a:ext cx="1339849" cy="1339849"/>
           </a:xfrm>
           <a:prstGeom prst="rect">
@@ -10454,7 +11538,7 @@
         </p:blipFill>
         <p:spPr>
           <a:xfrm>
-            <a:off x="10465882" y="1648351"/>
+            <a:off x="9919352" y="1393440"/>
             <a:ext cx="1339848" cy="1339848"/>
           </a:xfrm>
           <a:prstGeom prst="rect">
@@ -10484,7 +11568,7 @@
         </p:blipFill>
         <p:spPr>
           <a:xfrm>
-            <a:off x="7274249" y="3410379"/>
+            <a:off x="6727719" y="2945268"/>
             <a:ext cx="1339847" cy="1339847"/>
           </a:xfrm>
           <a:prstGeom prst="rect">
@@ -10514,7 +11598,7 @@
         </p:blipFill>
         <p:spPr>
           <a:xfrm>
-            <a:off x="8870064" y="3410379"/>
+            <a:off x="8323534" y="2945268"/>
             <a:ext cx="1339847" cy="1339847"/>
           </a:xfrm>
           <a:prstGeom prst="rect">
@@ -10544,7 +11628,7 @@
         </p:blipFill>
         <p:spPr>
           <a:xfrm>
-            <a:off x="10465879" y="3401901"/>
+            <a:off x="9919349" y="2936790"/>
             <a:ext cx="1339846" cy="1339846"/>
           </a:xfrm>
           <a:prstGeom prst="rect">
@@ -10574,7 +11658,7 @@
         </p:blipFill>
         <p:spPr>
           <a:xfrm>
-            <a:off x="7274249" y="5155450"/>
+            <a:off x="6727719" y="4522179"/>
             <a:ext cx="1339847" cy="1339847"/>
           </a:xfrm>
           <a:prstGeom prst="rect">
@@ -10604,7 +11688,7 @@
         </p:blipFill>
         <p:spPr>
           <a:xfrm>
-            <a:off x="8870064" y="5155449"/>
+            <a:off x="8323534" y="4522178"/>
             <a:ext cx="1339847" cy="1339847"/>
           </a:xfrm>
           <a:prstGeom prst="rect">
@@ -10634,7 +11718,7 @@
         </p:blipFill>
         <p:spPr>
           <a:xfrm>
-            <a:off x="10465879" y="5155449"/>
+            <a:off x="9919349" y="4522178"/>
             <a:ext cx="1339846" cy="1339846"/>
           </a:xfrm>
           <a:prstGeom prst="rect">
@@ -10642,6 +11726,395 @@
           </a:prstGeom>
         </p:spPr>
       </p:pic>
+      <p:sp>
+        <p:nvSpPr>
+          <p:cNvPr id="36" name="テキスト ボックス 35">
+            <a:extLst>
+              <a:ext uri="{FF2B5EF4-FFF2-40B4-BE49-F238E27FC236}">
+                <a16:creationId xmlns:a16="http://schemas.microsoft.com/office/drawing/2014/main" id="{25A0FBB8-1177-EFAB-7608-7DD5E04D9FCC}"/>
+              </a:ext>
+            </a:extLst>
+          </p:cNvPr>
+          <p:cNvSpPr txBox="1"/>
+          <p:nvPr/>
+        </p:nvSpPr>
+        <p:spPr>
+          <a:xfrm>
+            <a:off x="2583350" y="6405438"/>
+            <a:ext cx="1339850" cy="307777"/>
+          </a:xfrm>
+          <a:prstGeom prst="rect">
+            <a:avLst/>
+          </a:prstGeom>
+          <a:noFill/>
+        </p:spPr>
+        <p:txBody>
+          <a:bodyPr wrap="square" rtlCol="0">
+            <a:spAutoFit/>
+          </a:bodyPr>
+          <a:lstStyle/>
+          <a:p>
+            <a:pPr algn="ctr"/>
+            <a:r>
+              <a:rPr kumimoji="1" lang="en-US" altLang="ja-JP" sz="1400" dirty="0">
+                <a:solidFill>
+                  <a:schemeClr val="tx2"/>
+                </a:solidFill>
+                <a:latin typeface="Hiragino Kaku Gothic ProN W3" panose="020B0300000000000000" pitchFamily="34" charset="-128"/>
+                <a:ea typeface="Hiragino Kaku Gothic ProN W3" panose="020B0300000000000000" pitchFamily="34" charset="-128"/>
+              </a:rPr>
+              <a:t>MAQUIA</a:t>
+            </a:r>
+            <a:endParaRPr kumimoji="1" lang="ja-JP" altLang="en-US" sz="1400">
+              <a:solidFill>
+                <a:schemeClr val="tx2"/>
+              </a:solidFill>
+              <a:latin typeface="Hiragino Kaku Gothic ProN W3" panose="020B0300000000000000" pitchFamily="34" charset="-128"/>
+              <a:ea typeface="Hiragino Kaku Gothic ProN W3" panose="020B0300000000000000" pitchFamily="34" charset="-128"/>
+            </a:endParaRPr>
+          </a:p>
+        </p:txBody>
+      </p:sp>
+      <p:sp>
+        <p:nvSpPr>
+          <p:cNvPr id="37" name="テキスト ボックス 36">
+            <a:extLst>
+              <a:ext uri="{FF2B5EF4-FFF2-40B4-BE49-F238E27FC236}">
+                <a16:creationId xmlns:a16="http://schemas.microsoft.com/office/drawing/2014/main" id="{10D4A8BF-F28A-4E9F-11B4-A8C8E74EC2AD}"/>
+              </a:ext>
+            </a:extLst>
+          </p:cNvPr>
+          <p:cNvSpPr txBox="1"/>
+          <p:nvPr/>
+        </p:nvSpPr>
+        <p:spPr>
+          <a:xfrm>
+            <a:off x="8067566" y="6395585"/>
+            <a:ext cx="1851783" cy="307777"/>
+          </a:xfrm>
+          <a:prstGeom prst="rect">
+            <a:avLst/>
+          </a:prstGeom>
+          <a:noFill/>
+        </p:spPr>
+        <p:txBody>
+          <a:bodyPr wrap="square" rtlCol="0">
+            <a:spAutoFit/>
+          </a:bodyPr>
+          <a:lstStyle/>
+          <a:p>
+            <a:pPr algn="ctr"/>
+            <a:r>
+              <a:rPr kumimoji="1" lang="en-US" altLang="ja-JP" sz="1400" dirty="0" err="1">
+                <a:solidFill>
+                  <a:schemeClr val="tx2"/>
+                </a:solidFill>
+                <a:latin typeface="Hiragino Kaku Gothic ProN W3" panose="020B0300000000000000" pitchFamily="34" charset="-128"/>
+                <a:ea typeface="Hiragino Kaku Gothic ProN W3" panose="020B0300000000000000" pitchFamily="34" charset="-128"/>
+              </a:rPr>
+              <a:t>popteen</a:t>
+            </a:r>
+            <a:r>
+              <a:rPr kumimoji="1" lang="en-US" altLang="ja-JP" sz="1400" dirty="0">
+                <a:solidFill>
+                  <a:schemeClr val="tx2"/>
+                </a:solidFill>
+                <a:latin typeface="Hiragino Kaku Gothic ProN W3" panose="020B0300000000000000" pitchFamily="34" charset="-128"/>
+                <a:ea typeface="Hiragino Kaku Gothic ProN W3" panose="020B0300000000000000" pitchFamily="34" charset="-128"/>
+              </a:rPr>
+              <a:t> Media</a:t>
+            </a:r>
+            <a:endParaRPr kumimoji="1" lang="ja-JP" altLang="en-US" sz="1400">
+              <a:solidFill>
+                <a:schemeClr val="tx2"/>
+              </a:solidFill>
+              <a:latin typeface="Hiragino Kaku Gothic ProN W3" panose="020B0300000000000000" pitchFamily="34" charset="-128"/>
+              <a:ea typeface="Hiragino Kaku Gothic ProN W3" panose="020B0300000000000000" pitchFamily="34" charset="-128"/>
+            </a:endParaRPr>
+          </a:p>
+        </p:txBody>
+      </p:sp>
+      <p:sp>
+        <p:nvSpPr>
+          <p:cNvPr id="38" name="スライド番号プレースホルダー 37">
+            <a:extLst>
+              <a:ext uri="{FF2B5EF4-FFF2-40B4-BE49-F238E27FC236}">
+                <a16:creationId xmlns:a16="http://schemas.microsoft.com/office/drawing/2014/main" id="{4460B4A3-5D70-F51A-B468-D0AD1493A95E}"/>
+              </a:ext>
+            </a:extLst>
+          </p:cNvPr>
+          <p:cNvSpPr>
+            <a:spLocks noGrp="1"/>
+          </p:cNvSpPr>
+          <p:nvPr>
+            <p:ph type="sldNum" sz="quarter" idx="12"/>
+          </p:nvPr>
+        </p:nvSpPr>
+        <p:spPr/>
+        <p:txBody>
+          <a:bodyPr/>
+          <a:lstStyle/>
+          <a:p>
+            <a:fld id="{2E72E7BF-67A1-9A45-B859-E63ACEF18531}" type="slidenum">
+              <a:rPr kumimoji="1" lang="ja-JP" altLang="en-US" smtClean="0"/>
+              <a:t>17</a:t>
+            </a:fld>
+            <a:endParaRPr kumimoji="1" lang="ja-JP" altLang="en-US"/>
+          </a:p>
+        </p:txBody>
+      </p:sp>
+      <p:sp>
+        <p:nvSpPr>
+          <p:cNvPr id="39" name="テキスト ボックス 38">
+            <a:extLst>
+              <a:ext uri="{FF2B5EF4-FFF2-40B4-BE49-F238E27FC236}">
+                <a16:creationId xmlns:a16="http://schemas.microsoft.com/office/drawing/2014/main" id="{D0A16CB3-3FB3-3B26-B1C7-5D5A149751BA}"/>
+              </a:ext>
+            </a:extLst>
+          </p:cNvPr>
+          <p:cNvSpPr txBox="1"/>
+          <p:nvPr/>
+        </p:nvSpPr>
+        <p:spPr>
+          <a:xfrm>
+            <a:off x="971363" y="6048573"/>
+            <a:ext cx="1339850" cy="261610"/>
+          </a:xfrm>
+          <a:prstGeom prst="rect">
+            <a:avLst/>
+          </a:prstGeom>
+          <a:noFill/>
+        </p:spPr>
+        <p:txBody>
+          <a:bodyPr wrap="square" rtlCol="0">
+            <a:spAutoFit/>
+          </a:bodyPr>
+          <a:lstStyle/>
+          <a:p>
+            <a:pPr algn="ctr"/>
+            <a:r>
+              <a:rPr kumimoji="1" lang="ja-JP" altLang="en-US" sz="1100">
+                <a:solidFill>
+                  <a:schemeClr val="tx2"/>
+                </a:solidFill>
+                <a:latin typeface="Hiragino Kaku Gothic ProN W3" panose="020B0300000000000000" pitchFamily="34" charset="-128"/>
+                <a:ea typeface="Hiragino Kaku Gothic ProN W3" panose="020B0300000000000000" pitchFamily="34" charset="-128"/>
+              </a:rPr>
+              <a:t>元の顔画像</a:t>
+            </a:r>
+          </a:p>
+        </p:txBody>
+      </p:sp>
+      <p:sp>
+        <p:nvSpPr>
+          <p:cNvPr id="40" name="テキスト ボックス 39">
+            <a:extLst>
+              <a:ext uri="{FF2B5EF4-FFF2-40B4-BE49-F238E27FC236}">
+                <a16:creationId xmlns:a16="http://schemas.microsoft.com/office/drawing/2014/main" id="{4FB3D795-A9D7-9202-690E-9A086B7FA3DE}"/>
+              </a:ext>
+            </a:extLst>
+          </p:cNvPr>
+          <p:cNvSpPr txBox="1"/>
+          <p:nvPr/>
+        </p:nvSpPr>
+        <p:spPr>
+          <a:xfrm>
+            <a:off x="2583350" y="6050136"/>
+            <a:ext cx="1339850" cy="261610"/>
+          </a:xfrm>
+          <a:prstGeom prst="rect">
+            <a:avLst/>
+          </a:prstGeom>
+          <a:noFill/>
+        </p:spPr>
+        <p:txBody>
+          <a:bodyPr wrap="square" rtlCol="0">
+            <a:spAutoFit/>
+          </a:bodyPr>
+          <a:lstStyle/>
+          <a:p>
+            <a:pPr algn="ctr"/>
+            <a:r>
+              <a:rPr kumimoji="1" lang="ja-JP" altLang="en-US" sz="1100">
+                <a:solidFill>
+                  <a:schemeClr val="tx2"/>
+                </a:solidFill>
+                <a:latin typeface="Hiragino Kaku Gothic ProN W3" panose="020B0300000000000000" pitchFamily="34" charset="-128"/>
+                <a:ea typeface="Hiragino Kaku Gothic ProN W3" panose="020B0300000000000000" pitchFamily="34" charset="-128"/>
+              </a:rPr>
+              <a:t>元のリップカラー</a:t>
+            </a:r>
+          </a:p>
+        </p:txBody>
+      </p:sp>
+      <p:sp>
+        <p:nvSpPr>
+          <p:cNvPr id="41" name="テキスト ボックス 40">
+            <a:extLst>
+              <a:ext uri="{FF2B5EF4-FFF2-40B4-BE49-F238E27FC236}">
+                <a16:creationId xmlns:a16="http://schemas.microsoft.com/office/drawing/2014/main" id="{C8510CD0-B80F-B55F-295B-81B961C7C002}"/>
+              </a:ext>
+            </a:extLst>
+          </p:cNvPr>
+          <p:cNvSpPr txBox="1"/>
+          <p:nvPr/>
+        </p:nvSpPr>
+        <p:spPr>
+          <a:xfrm>
+            <a:off x="4189683" y="6050136"/>
+            <a:ext cx="1339850" cy="261610"/>
+          </a:xfrm>
+          <a:prstGeom prst="rect">
+            <a:avLst/>
+          </a:prstGeom>
+          <a:noFill/>
+        </p:spPr>
+        <p:txBody>
+          <a:bodyPr wrap="square" rtlCol="0">
+            <a:spAutoFit/>
+          </a:bodyPr>
+          <a:lstStyle/>
+          <a:p>
+            <a:pPr algn="ctr"/>
+            <a:r>
+              <a:rPr kumimoji="1" lang="ja-JP" altLang="en-US" sz="1100">
+                <a:solidFill>
+                  <a:schemeClr val="tx2"/>
+                </a:solidFill>
+                <a:latin typeface="Hiragino Kaku Gothic ProN W3" panose="020B0300000000000000" pitchFamily="34" charset="-128"/>
+                <a:ea typeface="Hiragino Kaku Gothic ProN W3" panose="020B0300000000000000" pitchFamily="34" charset="-128"/>
+              </a:rPr>
+              <a:t>推定リップカラー</a:t>
+            </a:r>
+          </a:p>
+        </p:txBody>
+      </p:sp>
+      <p:sp>
+        <p:nvSpPr>
+          <p:cNvPr id="42" name="テキスト ボックス 41">
+            <a:extLst>
+              <a:ext uri="{FF2B5EF4-FFF2-40B4-BE49-F238E27FC236}">
+                <a16:creationId xmlns:a16="http://schemas.microsoft.com/office/drawing/2014/main" id="{50E4251A-E91E-72CB-A51F-DF4D998E7AE7}"/>
+              </a:ext>
+            </a:extLst>
+          </p:cNvPr>
+          <p:cNvSpPr txBox="1"/>
+          <p:nvPr/>
+        </p:nvSpPr>
+        <p:spPr>
+          <a:xfrm>
+            <a:off x="6651760" y="6047010"/>
+            <a:ext cx="1339850" cy="261610"/>
+          </a:xfrm>
+          <a:prstGeom prst="rect">
+            <a:avLst/>
+          </a:prstGeom>
+          <a:noFill/>
+        </p:spPr>
+        <p:txBody>
+          <a:bodyPr wrap="square" rtlCol="0">
+            <a:spAutoFit/>
+          </a:bodyPr>
+          <a:lstStyle/>
+          <a:p>
+            <a:pPr algn="ctr"/>
+            <a:r>
+              <a:rPr kumimoji="1" lang="ja-JP" altLang="en-US" sz="1100">
+                <a:solidFill>
+                  <a:schemeClr val="tx2"/>
+                </a:solidFill>
+                <a:latin typeface="Hiragino Kaku Gothic ProN W3" panose="020B0300000000000000" pitchFamily="34" charset="-128"/>
+                <a:ea typeface="Hiragino Kaku Gothic ProN W3" panose="020B0300000000000000" pitchFamily="34" charset="-128"/>
+              </a:rPr>
+              <a:t>元の顔画像</a:t>
+            </a:r>
+          </a:p>
+        </p:txBody>
+      </p:sp>
+      <p:sp>
+        <p:nvSpPr>
+          <p:cNvPr id="43" name="テキスト ボックス 42">
+            <a:extLst>
+              <a:ext uri="{FF2B5EF4-FFF2-40B4-BE49-F238E27FC236}">
+                <a16:creationId xmlns:a16="http://schemas.microsoft.com/office/drawing/2014/main" id="{F46390AA-5C72-9C0A-BCF1-7EEC9EC9F161}"/>
+              </a:ext>
+            </a:extLst>
+          </p:cNvPr>
+          <p:cNvSpPr txBox="1"/>
+          <p:nvPr/>
+        </p:nvSpPr>
+        <p:spPr>
+          <a:xfrm>
+            <a:off x="8263747" y="6048573"/>
+            <a:ext cx="1339850" cy="261610"/>
+          </a:xfrm>
+          <a:prstGeom prst="rect">
+            <a:avLst/>
+          </a:prstGeom>
+          <a:noFill/>
+        </p:spPr>
+        <p:txBody>
+          <a:bodyPr wrap="square" rtlCol="0">
+            <a:spAutoFit/>
+          </a:bodyPr>
+          <a:lstStyle/>
+          <a:p>
+            <a:pPr algn="ctr"/>
+            <a:r>
+              <a:rPr kumimoji="1" lang="ja-JP" altLang="en-US" sz="1100">
+                <a:solidFill>
+                  <a:schemeClr val="tx2"/>
+                </a:solidFill>
+                <a:latin typeface="Hiragino Kaku Gothic ProN W3" panose="020B0300000000000000" pitchFamily="34" charset="-128"/>
+                <a:ea typeface="Hiragino Kaku Gothic ProN W3" panose="020B0300000000000000" pitchFamily="34" charset="-128"/>
+              </a:rPr>
+              <a:t>元のリップカラー</a:t>
+            </a:r>
+          </a:p>
+        </p:txBody>
+      </p:sp>
+      <p:sp>
+        <p:nvSpPr>
+          <p:cNvPr id="44" name="テキスト ボックス 43">
+            <a:extLst>
+              <a:ext uri="{FF2B5EF4-FFF2-40B4-BE49-F238E27FC236}">
+                <a16:creationId xmlns:a16="http://schemas.microsoft.com/office/drawing/2014/main" id="{7E57F25F-8115-25AF-E5E2-97DFB3B22357}"/>
+              </a:ext>
+            </a:extLst>
+          </p:cNvPr>
+          <p:cNvSpPr txBox="1"/>
+          <p:nvPr/>
+        </p:nvSpPr>
+        <p:spPr>
+          <a:xfrm>
+            <a:off x="9870080" y="6048573"/>
+            <a:ext cx="1339850" cy="261610"/>
+          </a:xfrm>
+          <a:prstGeom prst="rect">
+            <a:avLst/>
+          </a:prstGeom>
+          <a:noFill/>
+        </p:spPr>
+        <p:txBody>
+          <a:bodyPr wrap="square" rtlCol="0">
+            <a:spAutoFit/>
+          </a:bodyPr>
+          <a:lstStyle/>
+          <a:p>
+            <a:pPr algn="ctr"/>
+            <a:r>
+              <a:rPr kumimoji="1" lang="ja-JP" altLang="en-US" sz="1100">
+                <a:solidFill>
+                  <a:schemeClr val="tx2"/>
+                </a:solidFill>
+                <a:latin typeface="Hiragino Kaku Gothic ProN W3" panose="020B0300000000000000" pitchFamily="34" charset="-128"/>
+                <a:ea typeface="Hiragino Kaku Gothic ProN W3" panose="020B0300000000000000" pitchFamily="34" charset="-128"/>
+              </a:rPr>
+              <a:t>推定リップカラー</a:t>
+            </a:r>
+          </a:p>
+        </p:txBody>
+      </p:sp>
     </p:spTree>
     <p:extLst>
       <p:ext uri="{BB962C8B-B14F-4D97-AF65-F5344CB8AC3E}">
@@ -10723,289 +12196,6 @@
       </p:sp>
       <p:sp>
         <p:nvSpPr>
-          <p:cNvPr id="5" name="コンテンツ プレースホルダー 2">
-            <a:extLst>
-              <a:ext uri="{FF2B5EF4-FFF2-40B4-BE49-F238E27FC236}">
-                <a16:creationId xmlns:a16="http://schemas.microsoft.com/office/drawing/2014/main" id="{B040927F-1E6A-C26C-3C46-978E4552B438}"/>
-              </a:ext>
-            </a:extLst>
-          </p:cNvPr>
-          <p:cNvSpPr txBox="1">
-            <a:spLocks/>
-          </p:cNvSpPr>
-          <p:nvPr/>
-        </p:nvSpPr>
-        <p:spPr>
-          <a:xfrm>
-            <a:off x="576043" y="1432140"/>
-            <a:ext cx="11039913" cy="5120640"/>
-          </a:xfrm>
-          <a:prstGeom prst="rect">
-            <a:avLst/>
-          </a:prstGeom>
-        </p:spPr>
-        <p:txBody>
-          <a:bodyPr/>
-          <a:lstStyle>
-            <a:lvl1pPr marL="182880" indent="-182880" algn="l" defTabSz="914400" rtl="0" eaLnBrk="1" latinLnBrk="0" hangingPunct="1">
-              <a:lnSpc>
-                <a:spcPct val="90000"/>
-              </a:lnSpc>
-              <a:spcBef>
-                <a:spcPts val="1200"/>
-              </a:spcBef>
-              <a:buClr>
-                <a:schemeClr val="accent1"/>
-              </a:buClr>
-              <a:buFont typeface="Wingdings 2" pitchFamily="18" charset="2"/>
-              <a:buChar char=""/>
-              <a:defRPr kumimoji="1" sz="2000" kern="1200">
-                <a:solidFill>
-                  <a:schemeClr val="tx1">
-                    <a:lumMod val="65000"/>
-                    <a:lumOff val="35000"/>
-                  </a:schemeClr>
-                </a:solidFill>
-                <a:latin typeface="+mn-lt"/>
-                <a:ea typeface="+mn-ea"/>
-                <a:cs typeface="+mn-cs"/>
-              </a:defRPr>
-            </a:lvl1pPr>
-            <a:lvl2pPr marL="685800" indent="-182880" algn="l" defTabSz="914400" rtl="0" eaLnBrk="1" latinLnBrk="0" hangingPunct="1">
-              <a:lnSpc>
-                <a:spcPct val="90000"/>
-              </a:lnSpc>
-              <a:spcBef>
-                <a:spcPts val="250"/>
-              </a:spcBef>
-              <a:spcAft>
-                <a:spcPts val="250"/>
-              </a:spcAft>
-              <a:buClr>
-                <a:schemeClr val="accent1"/>
-              </a:buClr>
-              <a:buFont typeface="Wingdings 2" pitchFamily="18" charset="2"/>
-              <a:buChar char=""/>
-              <a:defRPr kumimoji="1" sz="1800" kern="1200">
-                <a:solidFill>
-                  <a:schemeClr val="tx1">
-                    <a:lumMod val="65000"/>
-                    <a:lumOff val="35000"/>
-                  </a:schemeClr>
-                </a:solidFill>
-                <a:latin typeface="+mn-lt"/>
-                <a:ea typeface="+mn-ea"/>
-                <a:cs typeface="+mn-cs"/>
-              </a:defRPr>
-            </a:lvl2pPr>
-            <a:lvl3pPr marL="1143000" indent="-182880" algn="l" defTabSz="914400" rtl="0" eaLnBrk="1" latinLnBrk="0" hangingPunct="1">
-              <a:lnSpc>
-                <a:spcPct val="90000"/>
-              </a:lnSpc>
-              <a:spcBef>
-                <a:spcPts val="250"/>
-              </a:spcBef>
-              <a:spcAft>
-                <a:spcPts val="250"/>
-              </a:spcAft>
-              <a:buClr>
-                <a:schemeClr val="accent1"/>
-              </a:buClr>
-              <a:buFont typeface="Wingdings 2" pitchFamily="18" charset="2"/>
-              <a:buChar char=""/>
-              <a:defRPr kumimoji="1" sz="1600" kern="1200">
-                <a:solidFill>
-                  <a:schemeClr val="tx1">
-                    <a:lumMod val="65000"/>
-                    <a:lumOff val="35000"/>
-                  </a:schemeClr>
-                </a:solidFill>
-                <a:latin typeface="+mn-lt"/>
-                <a:ea typeface="+mn-ea"/>
-                <a:cs typeface="+mn-cs"/>
-              </a:defRPr>
-            </a:lvl3pPr>
-            <a:lvl4pPr marL="1600200" indent="-182880" algn="l" defTabSz="914400" rtl="0" eaLnBrk="1" latinLnBrk="0" hangingPunct="1">
-              <a:lnSpc>
-                <a:spcPct val="90000"/>
-              </a:lnSpc>
-              <a:spcBef>
-                <a:spcPts val="250"/>
-              </a:spcBef>
-              <a:spcAft>
-                <a:spcPts val="250"/>
-              </a:spcAft>
-              <a:buClr>
-                <a:schemeClr val="accent1"/>
-              </a:buClr>
-              <a:buFont typeface="Wingdings 2" pitchFamily="18" charset="2"/>
-              <a:buChar char=""/>
-              <a:defRPr kumimoji="1" sz="1400" kern="1200">
-                <a:solidFill>
-                  <a:schemeClr val="tx1">
-                    <a:lumMod val="65000"/>
-                    <a:lumOff val="35000"/>
-                  </a:schemeClr>
-                </a:solidFill>
-                <a:latin typeface="+mn-lt"/>
-                <a:ea typeface="+mn-ea"/>
-                <a:cs typeface="+mn-cs"/>
-              </a:defRPr>
-            </a:lvl4pPr>
-            <a:lvl5pPr marL="2057400" indent="-182880" algn="l" defTabSz="914400" rtl="0" eaLnBrk="1" latinLnBrk="0" hangingPunct="1">
-              <a:lnSpc>
-                <a:spcPct val="90000"/>
-              </a:lnSpc>
-              <a:spcBef>
-                <a:spcPts val="250"/>
-              </a:spcBef>
-              <a:spcAft>
-                <a:spcPts val="250"/>
-              </a:spcAft>
-              <a:buClr>
-                <a:schemeClr val="accent1"/>
-              </a:buClr>
-              <a:buFont typeface="Wingdings 2" pitchFamily="18" charset="2"/>
-              <a:buChar char=""/>
-              <a:defRPr kumimoji="1" sz="1400" kern="1200">
-                <a:solidFill>
-                  <a:schemeClr val="tx1">
-                    <a:lumMod val="65000"/>
-                    <a:lumOff val="35000"/>
-                  </a:schemeClr>
-                </a:solidFill>
-                <a:latin typeface="+mn-lt"/>
-                <a:ea typeface="+mn-ea"/>
-                <a:cs typeface="+mn-cs"/>
-              </a:defRPr>
-            </a:lvl5pPr>
-            <a:lvl6pPr marL="2514600" indent="-228600" algn="l" defTabSz="914400" rtl="0" eaLnBrk="1" latinLnBrk="0" hangingPunct="1">
-              <a:lnSpc>
-                <a:spcPct val="90000"/>
-              </a:lnSpc>
-              <a:spcBef>
-                <a:spcPts val="250"/>
-              </a:spcBef>
-              <a:spcAft>
-                <a:spcPts val="250"/>
-              </a:spcAft>
-              <a:buClr>
-                <a:schemeClr val="accent1"/>
-              </a:buClr>
-              <a:buFont typeface="Wingdings 2" pitchFamily="18" charset="2"/>
-              <a:buChar char=""/>
-              <a:defRPr kumimoji="1" sz="1400" kern="1200">
-                <a:solidFill>
-                  <a:schemeClr val="tx1">
-                    <a:lumMod val="65000"/>
-                    <a:lumOff val="35000"/>
-                  </a:schemeClr>
-                </a:solidFill>
-                <a:latin typeface="+mn-lt"/>
-                <a:ea typeface="+mn-ea"/>
-                <a:cs typeface="+mn-cs"/>
-              </a:defRPr>
-            </a:lvl6pPr>
-            <a:lvl7pPr marL="2971800" indent="-228600" algn="l" defTabSz="914400" rtl="0" eaLnBrk="1" latinLnBrk="0" hangingPunct="1">
-              <a:lnSpc>
-                <a:spcPct val="90000"/>
-              </a:lnSpc>
-              <a:spcBef>
-                <a:spcPts val="250"/>
-              </a:spcBef>
-              <a:spcAft>
-                <a:spcPts val="250"/>
-              </a:spcAft>
-              <a:buClr>
-                <a:schemeClr val="accent1"/>
-              </a:buClr>
-              <a:buFont typeface="Wingdings 2" pitchFamily="18" charset="2"/>
-              <a:buChar char=""/>
-              <a:defRPr kumimoji="1" sz="1400" kern="1200">
-                <a:solidFill>
-                  <a:schemeClr val="tx1">
-                    <a:lumMod val="65000"/>
-                    <a:lumOff val="35000"/>
-                  </a:schemeClr>
-                </a:solidFill>
-                <a:latin typeface="+mn-lt"/>
-                <a:ea typeface="+mn-ea"/>
-                <a:cs typeface="+mn-cs"/>
-              </a:defRPr>
-            </a:lvl7pPr>
-            <a:lvl8pPr marL="3429000" indent="-228600" algn="l" defTabSz="914400" rtl="0" eaLnBrk="1" latinLnBrk="0" hangingPunct="1">
-              <a:lnSpc>
-                <a:spcPct val="90000"/>
-              </a:lnSpc>
-              <a:spcBef>
-                <a:spcPts val="250"/>
-              </a:spcBef>
-              <a:spcAft>
-                <a:spcPts val="250"/>
-              </a:spcAft>
-              <a:buClr>
-                <a:schemeClr val="accent1"/>
-              </a:buClr>
-              <a:buFont typeface="Wingdings 2" pitchFamily="18" charset="2"/>
-              <a:buChar char=""/>
-              <a:defRPr kumimoji="1" sz="1400" kern="1200">
-                <a:solidFill>
-                  <a:schemeClr val="tx1">
-                    <a:lumMod val="65000"/>
-                    <a:lumOff val="35000"/>
-                  </a:schemeClr>
-                </a:solidFill>
-                <a:latin typeface="+mn-lt"/>
-                <a:ea typeface="+mn-ea"/>
-                <a:cs typeface="+mn-cs"/>
-              </a:defRPr>
-            </a:lvl8pPr>
-            <a:lvl9pPr marL="3886200" indent="-228600" algn="l" defTabSz="914400" rtl="0" eaLnBrk="1" latinLnBrk="0" hangingPunct="1">
-              <a:lnSpc>
-                <a:spcPct val="90000"/>
-              </a:lnSpc>
-              <a:spcBef>
-                <a:spcPts val="250"/>
-              </a:spcBef>
-              <a:spcAft>
-                <a:spcPts val="250"/>
-              </a:spcAft>
-              <a:buClr>
-                <a:schemeClr val="accent1"/>
-              </a:buClr>
-              <a:buFont typeface="Wingdings 2" pitchFamily="18" charset="2"/>
-              <a:buChar char=""/>
-              <a:defRPr kumimoji="1" sz="1400" kern="1200">
-                <a:solidFill>
-                  <a:schemeClr val="tx1">
-                    <a:lumMod val="65000"/>
-                    <a:lumOff val="35000"/>
-                  </a:schemeClr>
-                </a:solidFill>
-                <a:latin typeface="+mn-lt"/>
-                <a:ea typeface="+mn-ea"/>
-                <a:cs typeface="+mn-cs"/>
-              </a:defRPr>
-            </a:lvl9pPr>
-          </a:lstStyle>
-          <a:p>
-            <a:pPr fontAlgn="base"/>
-            <a:endParaRPr lang="en-US" altLang="ja-JP" dirty="0">
-              <a:latin typeface="Hiragino Kaku Gothic ProN W3" panose="020B0300000000000000" pitchFamily="34" charset="-128"/>
-              <a:ea typeface="Hiragino Kaku Gothic ProN W3" panose="020B0300000000000000" pitchFamily="34" charset="-128"/>
-            </a:endParaRPr>
-          </a:p>
-          <a:p>
-            <a:pPr lvl="1" fontAlgn="base"/>
-            <a:endParaRPr lang="en-US" altLang="ja-JP" sz="2000" dirty="0">
-              <a:latin typeface="Hiragino Kaku Gothic ProN W3" panose="020B0300000000000000" pitchFamily="34" charset="-128"/>
-              <a:ea typeface="Hiragino Kaku Gothic ProN W3" panose="020B0300000000000000" pitchFamily="34" charset="-128"/>
-            </a:endParaRPr>
-          </a:p>
-        </p:txBody>
-      </p:sp>
-      <p:sp>
-        <p:nvSpPr>
           <p:cNvPr id="6" name="タイトル 1">
             <a:extLst>
               <a:ext uri="{FF2B5EF4-FFF2-40B4-BE49-F238E27FC236}">
@@ -11078,14 +12268,14 @@
           <p:nvPr>
             <p:extLst>
               <p:ext uri="{D42A27DB-BD31-4B8C-83A1-F6EECF244321}">
-                <p14:modId xmlns:p14="http://schemas.microsoft.com/office/powerpoint/2010/main" val="4123616286"/>
+                <p14:modId xmlns:p14="http://schemas.microsoft.com/office/powerpoint/2010/main" val="3973241200"/>
               </p:ext>
             </p:extLst>
           </p:nvPr>
         </p:nvGraphicFramePr>
         <p:xfrm>
-          <a:off x="1348826" y="1623556"/>
-          <a:ext cx="3780222" cy="4450080"/>
+          <a:off x="423915" y="1608268"/>
+          <a:ext cx="3433382" cy="4423788"/>
         </p:xfrm>
         <a:graphic>
           <a:graphicData uri="http://schemas.openxmlformats.org/drawingml/2006/table">
@@ -11094,14 +12284,14 @@
                 <a:tableStyleId>{5C22544A-7EE6-4342-B048-85BDC9FD1C3A}</a:tableStyleId>
               </a:tblPr>
               <a:tblGrid>
-                <a:gridCol w="1890111">
+                <a:gridCol w="1268251">
                   <a:extLst>
                     <a:ext uri="{9D8B030D-6E8A-4147-A177-3AD203B41FA5}">
                       <a16:colId xmlns:a16="http://schemas.microsoft.com/office/drawing/2014/main" val="11623888"/>
                     </a:ext>
                   </a:extLst>
                 </a:gridCol>
-                <a:gridCol w="1890111">
+                <a:gridCol w="2165131">
                   <a:extLst>
                     <a:ext uri="{9D8B030D-6E8A-4147-A177-3AD203B41FA5}">
                       <a16:colId xmlns:a16="http://schemas.microsoft.com/office/drawing/2014/main" val="296748218"/>
@@ -11109,7 +12299,7 @@
                   </a:extLst>
                 </a:gridCol>
               </a:tblGrid>
-              <a:tr h="370840">
+              <a:tr h="368649">
                 <a:tc>
                   <a:txBody>
                     <a:bodyPr/>
@@ -11159,7 +12349,7 @@
                   </a:ext>
                 </a:extLst>
               </a:tr>
-              <a:tr h="370840">
+              <a:tr h="368649">
                 <a:tc>
                   <a:txBody>
                     <a:bodyPr/>
@@ -11190,7 +12380,7 @@
                           <a:latin typeface="Hiragino Kaku Gothic ProN W3" panose="020B0300000000000000" pitchFamily="34" charset="-128"/>
                           <a:ea typeface="Hiragino Kaku Gothic ProN W3" panose="020B0300000000000000" pitchFamily="34" charset="-128"/>
                         </a:rPr>
-                        <a:t>0.99761917</a:t>
+                        <a:t>0.9976192</a:t>
                       </a:r>
                       <a:endParaRPr kumimoji="1" lang="ja-JP" altLang="en-US" b="0" i="0">
                         <a:latin typeface="Hiragino Kaku Gothic ProN W3" panose="020B0300000000000000" pitchFamily="34" charset="-128"/>
@@ -11206,7 +12396,7 @@
                   </a:ext>
                 </a:extLst>
               </a:tr>
-              <a:tr h="370840">
+              <a:tr h="368649">
                 <a:tc>
                   <a:txBody>
                     <a:bodyPr/>
@@ -11237,7 +12427,7 @@
                           <a:latin typeface="Hiragino Kaku Gothic ProN W3" panose="020B0300000000000000" pitchFamily="34" charset="-128"/>
                           <a:ea typeface="Hiragino Kaku Gothic ProN W3" panose="020B0300000000000000" pitchFamily="34" charset="-128"/>
                         </a:rPr>
-                        <a:t>0.99740683</a:t>
+                        <a:t>0.9974068</a:t>
                       </a:r>
                       <a:endParaRPr kumimoji="1" lang="ja-JP" altLang="en-US" b="0" i="0">
                         <a:latin typeface="Hiragino Kaku Gothic ProN W3" panose="020B0300000000000000" pitchFamily="34" charset="-128"/>
@@ -11253,7 +12443,7 @@
                   </a:ext>
                 </a:extLst>
               </a:tr>
-              <a:tr h="370840">
+              <a:tr h="368649">
                 <a:tc>
                   <a:txBody>
                     <a:bodyPr/>
@@ -11284,7 +12474,7 @@
                           <a:latin typeface="Hiragino Kaku Gothic ProN W3" panose="020B0300000000000000" pitchFamily="34" charset="-128"/>
                           <a:ea typeface="Hiragino Kaku Gothic ProN W3" panose="020B0300000000000000" pitchFamily="34" charset="-128"/>
                         </a:rPr>
-                        <a:t>0.99742662</a:t>
+                        <a:t>0.9974266</a:t>
                       </a:r>
                       <a:endParaRPr kumimoji="1" lang="ja-JP" altLang="en-US" b="0" i="0">
                         <a:latin typeface="Hiragino Kaku Gothic ProN W3" panose="020B0300000000000000" pitchFamily="34" charset="-128"/>
@@ -11300,7 +12490,7 @@
                   </a:ext>
                 </a:extLst>
               </a:tr>
-              <a:tr h="370840">
+              <a:tr h="368649">
                 <a:tc>
                   <a:txBody>
                     <a:bodyPr/>
@@ -11331,7 +12521,7 @@
                           <a:latin typeface="Hiragino Kaku Gothic ProN W3" panose="020B0300000000000000" pitchFamily="34" charset="-128"/>
                           <a:ea typeface="Hiragino Kaku Gothic ProN W3" panose="020B0300000000000000" pitchFamily="34" charset="-128"/>
                         </a:rPr>
-                        <a:t>0.99224208</a:t>
+                        <a:t>0.9922421</a:t>
                       </a:r>
                       <a:endParaRPr kumimoji="1" lang="ja-JP" altLang="en-US" b="0" i="0">
                         <a:latin typeface="Hiragino Kaku Gothic ProN W3" panose="020B0300000000000000" pitchFamily="34" charset="-128"/>
@@ -11347,7 +12537,7 @@
                   </a:ext>
                 </a:extLst>
               </a:tr>
-              <a:tr h="370840">
+              <a:tr h="368649">
                 <a:tc>
                   <a:txBody>
                     <a:bodyPr/>
@@ -11378,7 +12568,7 @@
                           <a:latin typeface="Hiragino Kaku Gothic ProN W3" panose="020B0300000000000000" pitchFamily="34" charset="-128"/>
                           <a:ea typeface="Hiragino Kaku Gothic ProN W3" panose="020B0300000000000000" pitchFamily="34" charset="-128"/>
                         </a:rPr>
-                        <a:t>0.99943519</a:t>
+                        <a:t>0.9994352</a:t>
                       </a:r>
                       <a:endParaRPr kumimoji="1" lang="ja-JP" altLang="en-US" b="0" i="0">
                         <a:latin typeface="Hiragino Kaku Gothic ProN W3" panose="020B0300000000000000" pitchFamily="34" charset="-128"/>
@@ -11394,7 +12584,7 @@
                   </a:ext>
                 </a:extLst>
               </a:tr>
-              <a:tr h="370840">
+              <a:tr h="368649">
                 <a:tc>
                   <a:txBody>
                     <a:bodyPr/>
@@ -11425,7 +12615,7 @@
                           <a:latin typeface="Hiragino Kaku Gothic ProN W3" panose="020B0300000000000000" pitchFamily="34" charset="-128"/>
                           <a:ea typeface="Hiragino Kaku Gothic ProN W3" panose="020B0300000000000000" pitchFamily="34" charset="-128"/>
                         </a:rPr>
-                        <a:t>0.99901859</a:t>
+                        <a:t>0.9990186</a:t>
                       </a:r>
                       <a:endParaRPr kumimoji="1" lang="ja-JP" altLang="en-US" b="0" i="0">
                         <a:latin typeface="Hiragino Kaku Gothic ProN W3" panose="020B0300000000000000" pitchFamily="34" charset="-128"/>
@@ -11441,7 +12631,7 @@
                   </a:ext>
                 </a:extLst>
               </a:tr>
-              <a:tr h="370840">
+              <a:tr h="368649">
                 <a:tc>
                   <a:txBody>
                     <a:bodyPr/>
@@ -11472,7 +12662,7 @@
                           <a:latin typeface="Hiragino Kaku Gothic ProN W3" panose="020B0300000000000000" pitchFamily="34" charset="-128"/>
                           <a:ea typeface="Hiragino Kaku Gothic ProN W3" panose="020B0300000000000000" pitchFamily="34" charset="-128"/>
                         </a:rPr>
-                        <a:t>0.99322504</a:t>
+                        <a:t>0.9932250</a:t>
                       </a:r>
                       <a:endParaRPr kumimoji="1" lang="ja-JP" altLang="en-US" b="0" i="0">
                         <a:latin typeface="Hiragino Kaku Gothic ProN W3" panose="020B0300000000000000" pitchFamily="34" charset="-128"/>
@@ -11488,7 +12678,7 @@
                   </a:ext>
                 </a:extLst>
               </a:tr>
-              <a:tr h="370840">
+              <a:tr h="368649">
                 <a:tc>
                   <a:txBody>
                     <a:bodyPr/>
@@ -11519,7 +12709,7 @@
                           <a:latin typeface="Hiragino Kaku Gothic ProN W3" panose="020B0300000000000000" pitchFamily="34" charset="-128"/>
                           <a:ea typeface="Hiragino Kaku Gothic ProN W3" panose="020B0300000000000000" pitchFamily="34" charset="-128"/>
                         </a:rPr>
-                        <a:t>0.99419156</a:t>
+                        <a:t>0.9941916</a:t>
                       </a:r>
                       <a:endParaRPr kumimoji="1" lang="ja-JP" altLang="en-US" b="0" i="0">
                         <a:latin typeface="Hiragino Kaku Gothic ProN W3" panose="020B0300000000000000" pitchFamily="34" charset="-128"/>
@@ -11535,7 +12725,7 @@
                   </a:ext>
                 </a:extLst>
               </a:tr>
-              <a:tr h="370840">
+              <a:tr h="368649">
                 <a:tc>
                   <a:txBody>
                     <a:bodyPr/>
@@ -11566,7 +12756,7 @@
                           <a:latin typeface="Hiragino Kaku Gothic ProN W3" panose="020B0300000000000000" pitchFamily="34" charset="-128"/>
                           <a:ea typeface="Hiragino Kaku Gothic ProN W3" panose="020B0300000000000000" pitchFamily="34" charset="-128"/>
                         </a:rPr>
-                        <a:t>0.99874417</a:t>
+                        <a:t>0.9987441</a:t>
                       </a:r>
                       <a:endParaRPr kumimoji="1" lang="ja-JP" altLang="en-US" b="0" i="0">
                         <a:latin typeface="Hiragino Kaku Gothic ProN W3" panose="020B0300000000000000" pitchFamily="34" charset="-128"/>
@@ -11582,7 +12772,7 @@
                   </a:ext>
                 </a:extLst>
               </a:tr>
-              <a:tr h="370840">
+              <a:tr h="368649">
                 <a:tc>
                   <a:txBody>
                     <a:bodyPr/>
@@ -11613,7 +12803,7 @@
                           <a:latin typeface="Hiragino Kaku Gothic ProN W3" panose="020B0300000000000000" pitchFamily="34" charset="-128"/>
                           <a:ea typeface="Hiragino Kaku Gothic ProN W3" panose="020B0300000000000000" pitchFamily="34" charset="-128"/>
                         </a:rPr>
-                        <a:t>0.99199379</a:t>
+                        <a:t>0.9919938</a:t>
                       </a:r>
                       <a:endParaRPr kumimoji="1" lang="ja-JP" altLang="en-US" b="0" i="0">
                         <a:latin typeface="Hiragino Kaku Gothic ProN W3" panose="020B0300000000000000" pitchFamily="34" charset="-128"/>
@@ -11629,7 +12819,7 @@
                   </a:ext>
                 </a:extLst>
               </a:tr>
-              <a:tr h="370840">
+              <a:tr h="368649">
                 <a:tc>
                   <a:txBody>
                     <a:bodyPr/>
@@ -11700,14 +12890,14 @@
           <p:nvPr>
             <p:extLst>
               <p:ext uri="{D42A27DB-BD31-4B8C-83A1-F6EECF244321}">
-                <p14:modId xmlns:p14="http://schemas.microsoft.com/office/powerpoint/2010/main" val="3897564812"/>
+                <p14:modId xmlns:p14="http://schemas.microsoft.com/office/powerpoint/2010/main" val="2613890171"/>
               </p:ext>
             </p:extLst>
           </p:nvPr>
         </p:nvGraphicFramePr>
         <p:xfrm>
-          <a:off x="6987627" y="1623556"/>
-          <a:ext cx="3780222" cy="4450080"/>
+          <a:off x="4134277" y="1602721"/>
+          <a:ext cx="3433382" cy="4429331"/>
         </p:xfrm>
         <a:graphic>
           <a:graphicData uri="http://schemas.openxmlformats.org/drawingml/2006/table">
@@ -11716,14 +12906,14 @@
                 <a:tableStyleId>{5C22544A-7EE6-4342-B048-85BDC9FD1C3A}</a:tableStyleId>
               </a:tblPr>
               <a:tblGrid>
-                <a:gridCol w="1890111">
+                <a:gridCol w="1131406">
                   <a:extLst>
                     <a:ext uri="{9D8B030D-6E8A-4147-A177-3AD203B41FA5}">
                       <a16:colId xmlns:a16="http://schemas.microsoft.com/office/drawing/2014/main" val="11623888"/>
                     </a:ext>
                   </a:extLst>
                 </a:gridCol>
-                <a:gridCol w="1890111">
+                <a:gridCol w="2301976">
                   <a:extLst>
                     <a:ext uri="{9D8B030D-6E8A-4147-A177-3AD203B41FA5}">
                       <a16:colId xmlns:a16="http://schemas.microsoft.com/office/drawing/2014/main" val="296748218"/>
@@ -11731,7 +12921,7 @@
                   </a:extLst>
                 </a:gridCol>
               </a:tblGrid>
-              <a:tr h="370840">
+              <a:tr h="373224">
                 <a:tc>
                   <a:txBody>
                     <a:bodyPr/>
@@ -11781,7 +12971,7 @@
                   </a:ext>
                 </a:extLst>
               </a:tr>
-              <a:tr h="370840">
+              <a:tr h="368737">
                 <a:tc>
                   <a:txBody>
                     <a:bodyPr/>
@@ -11812,7 +13002,7 @@
                           <a:latin typeface="Hiragino Kaku Gothic ProN W3" panose="020B0300000000000000" pitchFamily="34" charset="-128"/>
                           <a:ea typeface="Hiragino Kaku Gothic ProN W3" panose="020B0300000000000000" pitchFamily="34" charset="-128"/>
                         </a:rPr>
-                        <a:t>0.99957785</a:t>
+                        <a:t>0.9995779</a:t>
                       </a:r>
                       <a:endParaRPr kumimoji="1" lang="ja-JP" altLang="en-US" b="0" i="0">
                         <a:latin typeface="Hiragino Kaku Gothic ProN W3" panose="020B0300000000000000" pitchFamily="34" charset="-128"/>
@@ -11828,7 +13018,7 @@
                   </a:ext>
                 </a:extLst>
               </a:tr>
-              <a:tr h="370840">
+              <a:tr h="368737">
                 <a:tc>
                   <a:txBody>
                     <a:bodyPr/>
@@ -11859,7 +13049,7 @@
                           <a:latin typeface="Hiragino Kaku Gothic ProN W3" panose="020B0300000000000000" pitchFamily="34" charset="-128"/>
                           <a:ea typeface="Hiragino Kaku Gothic ProN W3" panose="020B0300000000000000" pitchFamily="34" charset="-128"/>
                         </a:rPr>
-                        <a:t>0.99599621</a:t>
+                        <a:t>0.9959962</a:t>
                       </a:r>
                       <a:endParaRPr kumimoji="1" lang="ja-JP" altLang="en-US" b="0" i="0">
                         <a:latin typeface="Hiragino Kaku Gothic ProN W3" panose="020B0300000000000000" pitchFamily="34" charset="-128"/>
@@ -11875,7 +13065,7 @@
                   </a:ext>
                 </a:extLst>
               </a:tr>
-              <a:tr h="370840">
+              <a:tr h="368737">
                 <a:tc>
                   <a:txBody>
                     <a:bodyPr/>
@@ -11906,7 +13096,7 @@
                           <a:latin typeface="Hiragino Kaku Gothic ProN W3" panose="020B0300000000000000" pitchFamily="34" charset="-128"/>
                           <a:ea typeface="Hiragino Kaku Gothic ProN W3" panose="020B0300000000000000" pitchFamily="34" charset="-128"/>
                         </a:rPr>
-                        <a:t>0.99529765</a:t>
+                        <a:t>0.9952977</a:t>
                       </a:r>
                       <a:endParaRPr kumimoji="1" lang="ja-JP" altLang="en-US" b="0" i="0">
                         <a:latin typeface="Hiragino Kaku Gothic ProN W3" panose="020B0300000000000000" pitchFamily="34" charset="-128"/>
@@ -11922,7 +13112,7 @@
                   </a:ext>
                 </a:extLst>
               </a:tr>
-              <a:tr h="370840">
+              <a:tr h="368737">
                 <a:tc>
                   <a:txBody>
                     <a:bodyPr/>
@@ -11953,7 +13143,7 @@
                           <a:latin typeface="Hiragino Kaku Gothic ProN W3" panose="020B0300000000000000" pitchFamily="34" charset="-128"/>
                           <a:ea typeface="Hiragino Kaku Gothic ProN W3" panose="020B0300000000000000" pitchFamily="34" charset="-128"/>
                         </a:rPr>
-                        <a:t>0.99674289</a:t>
+                        <a:t>0.9967429</a:t>
                       </a:r>
                       <a:endParaRPr kumimoji="1" lang="ja-JP" altLang="en-US" b="0" i="0">
                         <a:latin typeface="Hiragino Kaku Gothic ProN W3" panose="020B0300000000000000" pitchFamily="34" charset="-128"/>
@@ -11969,7 +13159,7 @@
                   </a:ext>
                 </a:extLst>
               </a:tr>
-              <a:tr h="370840">
+              <a:tr h="368737">
                 <a:tc>
                   <a:txBody>
                     <a:bodyPr/>
@@ -12016,7 +13206,7 @@
                   </a:ext>
                 </a:extLst>
               </a:tr>
-              <a:tr h="370840">
+              <a:tr h="368737">
                 <a:tc>
                   <a:txBody>
                     <a:bodyPr/>
@@ -12063,7 +13253,7 @@
                   </a:ext>
                 </a:extLst>
               </a:tr>
-              <a:tr h="370840">
+              <a:tr h="368737">
                 <a:tc>
                   <a:txBody>
                     <a:bodyPr/>
@@ -12110,7 +13300,7 @@
                   </a:ext>
                 </a:extLst>
               </a:tr>
-              <a:tr h="370840">
+              <a:tr h="368737">
                 <a:tc>
                   <a:txBody>
                     <a:bodyPr/>
@@ -12157,7 +13347,7 @@
                   </a:ext>
                 </a:extLst>
               </a:tr>
-              <a:tr h="370840">
+              <a:tr h="368737">
                 <a:tc>
                   <a:txBody>
                     <a:bodyPr/>
@@ -12204,7 +13394,7 @@
                   </a:ext>
                 </a:extLst>
               </a:tr>
-              <a:tr h="370840">
+              <a:tr h="368737">
                 <a:tc>
                   <a:txBody>
                     <a:bodyPr/>
@@ -12235,7 +13425,7 @@
                           <a:latin typeface="Hiragino Kaku Gothic ProN W3" panose="020B0300000000000000" pitchFamily="34" charset="-128"/>
                           <a:ea typeface="Hiragino Kaku Gothic ProN W3" panose="020B0300000000000000" pitchFamily="34" charset="-128"/>
                         </a:rPr>
-                        <a:t>0.99902824</a:t>
+                        <a:t>0.9990282</a:t>
                       </a:r>
                       <a:endParaRPr kumimoji="1" lang="ja-JP" altLang="en-US" b="0" i="0">
                         <a:latin typeface="Hiragino Kaku Gothic ProN W3" panose="020B0300000000000000" pitchFamily="34" charset="-128"/>
@@ -12251,7 +13441,7 @@
                   </a:ext>
                 </a:extLst>
               </a:tr>
-              <a:tr h="370840">
+              <a:tr h="368737">
                 <a:tc>
                   <a:txBody>
                     <a:bodyPr/>
@@ -12307,6 +13497,459 @@
           </a:graphicData>
         </a:graphic>
       </p:graphicFrame>
+      <p:sp>
+        <p:nvSpPr>
+          <p:cNvPr id="4" name="テキスト ボックス 3">
+            <a:extLst>
+              <a:ext uri="{FF2B5EF4-FFF2-40B4-BE49-F238E27FC236}">
+                <a16:creationId xmlns:a16="http://schemas.microsoft.com/office/drawing/2014/main" id="{B500D5B0-D28F-B24C-AB25-D9A9BF8D199A}"/>
+              </a:ext>
+            </a:extLst>
+          </p:cNvPr>
+          <p:cNvSpPr txBox="1"/>
+          <p:nvPr/>
+        </p:nvSpPr>
+        <p:spPr>
+          <a:xfrm>
+            <a:off x="1470681" y="6245002"/>
+            <a:ext cx="1339850" cy="307777"/>
+          </a:xfrm>
+          <a:prstGeom prst="rect">
+            <a:avLst/>
+          </a:prstGeom>
+          <a:noFill/>
+        </p:spPr>
+        <p:txBody>
+          <a:bodyPr wrap="square" rtlCol="0">
+            <a:spAutoFit/>
+          </a:bodyPr>
+          <a:lstStyle/>
+          <a:p>
+            <a:pPr algn="ctr"/>
+            <a:r>
+              <a:rPr kumimoji="1" lang="en-US" altLang="ja-JP" sz="1400" dirty="0">
+                <a:solidFill>
+                  <a:schemeClr val="tx2"/>
+                </a:solidFill>
+                <a:latin typeface="Hiragino Kaku Gothic ProN W3" panose="020B0300000000000000" pitchFamily="34" charset="-128"/>
+                <a:ea typeface="Hiragino Kaku Gothic ProN W3" panose="020B0300000000000000" pitchFamily="34" charset="-128"/>
+              </a:rPr>
+              <a:t>MAQUIA</a:t>
+            </a:r>
+            <a:endParaRPr kumimoji="1" lang="ja-JP" altLang="en-US" sz="1400">
+              <a:solidFill>
+                <a:schemeClr val="tx2"/>
+              </a:solidFill>
+              <a:latin typeface="Hiragino Kaku Gothic ProN W3" panose="020B0300000000000000" pitchFamily="34" charset="-128"/>
+              <a:ea typeface="Hiragino Kaku Gothic ProN W3" panose="020B0300000000000000" pitchFamily="34" charset="-128"/>
+            </a:endParaRPr>
+          </a:p>
+        </p:txBody>
+      </p:sp>
+      <p:sp>
+        <p:nvSpPr>
+          <p:cNvPr id="8" name="テキスト ボックス 7">
+            <a:extLst>
+              <a:ext uri="{FF2B5EF4-FFF2-40B4-BE49-F238E27FC236}">
+                <a16:creationId xmlns:a16="http://schemas.microsoft.com/office/drawing/2014/main" id="{EDD2A17E-7AE4-CA18-E185-56B77A329859}"/>
+              </a:ext>
+            </a:extLst>
+          </p:cNvPr>
+          <p:cNvSpPr txBox="1"/>
+          <p:nvPr/>
+        </p:nvSpPr>
+        <p:spPr>
+          <a:xfrm>
+            <a:off x="4925076" y="6245002"/>
+            <a:ext cx="1851783" cy="307777"/>
+          </a:xfrm>
+          <a:prstGeom prst="rect">
+            <a:avLst/>
+          </a:prstGeom>
+          <a:noFill/>
+        </p:spPr>
+        <p:txBody>
+          <a:bodyPr wrap="square" rtlCol="0">
+            <a:spAutoFit/>
+          </a:bodyPr>
+          <a:lstStyle/>
+          <a:p>
+            <a:pPr algn="ctr"/>
+            <a:r>
+              <a:rPr kumimoji="1" lang="en-US" altLang="ja-JP" sz="1400" dirty="0" err="1">
+                <a:solidFill>
+                  <a:schemeClr val="tx2"/>
+                </a:solidFill>
+                <a:latin typeface="Hiragino Kaku Gothic ProN W3" panose="020B0300000000000000" pitchFamily="34" charset="-128"/>
+                <a:ea typeface="Hiragino Kaku Gothic ProN W3" panose="020B0300000000000000" pitchFamily="34" charset="-128"/>
+              </a:rPr>
+              <a:t>popteen</a:t>
+            </a:r>
+            <a:r>
+              <a:rPr kumimoji="1" lang="en-US" altLang="ja-JP" sz="1400" dirty="0">
+                <a:solidFill>
+                  <a:schemeClr val="tx2"/>
+                </a:solidFill>
+                <a:latin typeface="Hiragino Kaku Gothic ProN W3" panose="020B0300000000000000" pitchFamily="34" charset="-128"/>
+                <a:ea typeface="Hiragino Kaku Gothic ProN W3" panose="020B0300000000000000" pitchFamily="34" charset="-128"/>
+              </a:rPr>
+              <a:t> Media</a:t>
+            </a:r>
+            <a:endParaRPr kumimoji="1" lang="ja-JP" altLang="en-US" sz="1400">
+              <a:solidFill>
+                <a:schemeClr val="tx2"/>
+              </a:solidFill>
+              <a:latin typeface="Hiragino Kaku Gothic ProN W3" panose="020B0300000000000000" pitchFamily="34" charset="-128"/>
+              <a:ea typeface="Hiragino Kaku Gothic ProN W3" panose="020B0300000000000000" pitchFamily="34" charset="-128"/>
+            </a:endParaRPr>
+          </a:p>
+        </p:txBody>
+      </p:sp>
+      <p:sp>
+        <p:nvSpPr>
+          <p:cNvPr id="9" name="コンテンツ プレースホルダー 2">
+            <a:extLst>
+              <a:ext uri="{FF2B5EF4-FFF2-40B4-BE49-F238E27FC236}">
+                <a16:creationId xmlns:a16="http://schemas.microsoft.com/office/drawing/2014/main" id="{D2CD0C29-A786-1138-772C-04C6B0CD43FF}"/>
+              </a:ext>
+            </a:extLst>
+          </p:cNvPr>
+          <p:cNvSpPr txBox="1">
+            <a:spLocks/>
+          </p:cNvSpPr>
+          <p:nvPr/>
+        </p:nvSpPr>
+        <p:spPr>
+          <a:xfrm>
+            <a:off x="8019393" y="1584540"/>
+            <a:ext cx="3748963" cy="5120640"/>
+          </a:xfrm>
+          <a:prstGeom prst="rect">
+            <a:avLst/>
+          </a:prstGeom>
+        </p:spPr>
+        <p:txBody>
+          <a:bodyPr/>
+          <a:lstStyle>
+            <a:lvl1pPr marL="182880" indent="-182880" algn="l" defTabSz="914400" rtl="0" eaLnBrk="1" latinLnBrk="0" hangingPunct="1">
+              <a:lnSpc>
+                <a:spcPct val="90000"/>
+              </a:lnSpc>
+              <a:spcBef>
+                <a:spcPts val="1200"/>
+              </a:spcBef>
+              <a:buClr>
+                <a:schemeClr val="accent1"/>
+              </a:buClr>
+              <a:buFont typeface="Wingdings 2" pitchFamily="18" charset="2"/>
+              <a:buChar char=""/>
+              <a:defRPr kumimoji="1" sz="2000" kern="1200">
+                <a:solidFill>
+                  <a:schemeClr val="tx1">
+                    <a:lumMod val="65000"/>
+                    <a:lumOff val="35000"/>
+                  </a:schemeClr>
+                </a:solidFill>
+                <a:latin typeface="+mn-lt"/>
+                <a:ea typeface="+mn-ea"/>
+                <a:cs typeface="+mn-cs"/>
+              </a:defRPr>
+            </a:lvl1pPr>
+            <a:lvl2pPr marL="685800" indent="-182880" algn="l" defTabSz="914400" rtl="0" eaLnBrk="1" latinLnBrk="0" hangingPunct="1">
+              <a:lnSpc>
+                <a:spcPct val="90000"/>
+              </a:lnSpc>
+              <a:spcBef>
+                <a:spcPts val="250"/>
+              </a:spcBef>
+              <a:spcAft>
+                <a:spcPts val="250"/>
+              </a:spcAft>
+              <a:buClr>
+                <a:schemeClr val="accent1"/>
+              </a:buClr>
+              <a:buFont typeface="Wingdings 2" pitchFamily="18" charset="2"/>
+              <a:buChar char=""/>
+              <a:defRPr kumimoji="1" sz="1800" kern="1200">
+                <a:solidFill>
+                  <a:schemeClr val="tx1">
+                    <a:lumMod val="65000"/>
+                    <a:lumOff val="35000"/>
+                  </a:schemeClr>
+                </a:solidFill>
+                <a:latin typeface="+mn-lt"/>
+                <a:ea typeface="+mn-ea"/>
+                <a:cs typeface="+mn-cs"/>
+              </a:defRPr>
+            </a:lvl2pPr>
+            <a:lvl3pPr marL="1143000" indent="-182880" algn="l" defTabSz="914400" rtl="0" eaLnBrk="1" latinLnBrk="0" hangingPunct="1">
+              <a:lnSpc>
+                <a:spcPct val="90000"/>
+              </a:lnSpc>
+              <a:spcBef>
+                <a:spcPts val="250"/>
+              </a:spcBef>
+              <a:spcAft>
+                <a:spcPts val="250"/>
+              </a:spcAft>
+              <a:buClr>
+                <a:schemeClr val="accent1"/>
+              </a:buClr>
+              <a:buFont typeface="Wingdings 2" pitchFamily="18" charset="2"/>
+              <a:buChar char=""/>
+              <a:defRPr kumimoji="1" sz="1600" kern="1200">
+                <a:solidFill>
+                  <a:schemeClr val="tx1">
+                    <a:lumMod val="65000"/>
+                    <a:lumOff val="35000"/>
+                  </a:schemeClr>
+                </a:solidFill>
+                <a:latin typeface="+mn-lt"/>
+                <a:ea typeface="+mn-ea"/>
+                <a:cs typeface="+mn-cs"/>
+              </a:defRPr>
+            </a:lvl3pPr>
+            <a:lvl4pPr marL="1600200" indent="-182880" algn="l" defTabSz="914400" rtl="0" eaLnBrk="1" latinLnBrk="0" hangingPunct="1">
+              <a:lnSpc>
+                <a:spcPct val="90000"/>
+              </a:lnSpc>
+              <a:spcBef>
+                <a:spcPts val="250"/>
+              </a:spcBef>
+              <a:spcAft>
+                <a:spcPts val="250"/>
+              </a:spcAft>
+              <a:buClr>
+                <a:schemeClr val="accent1"/>
+              </a:buClr>
+              <a:buFont typeface="Wingdings 2" pitchFamily="18" charset="2"/>
+              <a:buChar char=""/>
+              <a:defRPr kumimoji="1" sz="1400" kern="1200">
+                <a:solidFill>
+                  <a:schemeClr val="tx1">
+                    <a:lumMod val="65000"/>
+                    <a:lumOff val="35000"/>
+                  </a:schemeClr>
+                </a:solidFill>
+                <a:latin typeface="+mn-lt"/>
+                <a:ea typeface="+mn-ea"/>
+                <a:cs typeface="+mn-cs"/>
+              </a:defRPr>
+            </a:lvl4pPr>
+            <a:lvl5pPr marL="2057400" indent="-182880" algn="l" defTabSz="914400" rtl="0" eaLnBrk="1" latinLnBrk="0" hangingPunct="1">
+              <a:lnSpc>
+                <a:spcPct val="90000"/>
+              </a:lnSpc>
+              <a:spcBef>
+                <a:spcPts val="250"/>
+              </a:spcBef>
+              <a:spcAft>
+                <a:spcPts val="250"/>
+              </a:spcAft>
+              <a:buClr>
+                <a:schemeClr val="accent1"/>
+              </a:buClr>
+              <a:buFont typeface="Wingdings 2" pitchFamily="18" charset="2"/>
+              <a:buChar char=""/>
+              <a:defRPr kumimoji="1" sz="1400" kern="1200">
+                <a:solidFill>
+                  <a:schemeClr val="tx1">
+                    <a:lumMod val="65000"/>
+                    <a:lumOff val="35000"/>
+                  </a:schemeClr>
+                </a:solidFill>
+                <a:latin typeface="+mn-lt"/>
+                <a:ea typeface="+mn-ea"/>
+                <a:cs typeface="+mn-cs"/>
+              </a:defRPr>
+            </a:lvl5pPr>
+            <a:lvl6pPr marL="2514600" indent="-228600" algn="l" defTabSz="914400" rtl="0" eaLnBrk="1" latinLnBrk="0" hangingPunct="1">
+              <a:lnSpc>
+                <a:spcPct val="90000"/>
+              </a:lnSpc>
+              <a:spcBef>
+                <a:spcPts val="250"/>
+              </a:spcBef>
+              <a:spcAft>
+                <a:spcPts val="250"/>
+              </a:spcAft>
+              <a:buClr>
+                <a:schemeClr val="accent1"/>
+              </a:buClr>
+              <a:buFont typeface="Wingdings 2" pitchFamily="18" charset="2"/>
+              <a:buChar char=""/>
+              <a:defRPr kumimoji="1" sz="1400" kern="1200">
+                <a:solidFill>
+                  <a:schemeClr val="tx1">
+                    <a:lumMod val="65000"/>
+                    <a:lumOff val="35000"/>
+                  </a:schemeClr>
+                </a:solidFill>
+                <a:latin typeface="+mn-lt"/>
+                <a:ea typeface="+mn-ea"/>
+                <a:cs typeface="+mn-cs"/>
+              </a:defRPr>
+            </a:lvl6pPr>
+            <a:lvl7pPr marL="2971800" indent="-228600" algn="l" defTabSz="914400" rtl="0" eaLnBrk="1" latinLnBrk="0" hangingPunct="1">
+              <a:lnSpc>
+                <a:spcPct val="90000"/>
+              </a:lnSpc>
+              <a:spcBef>
+                <a:spcPts val="250"/>
+              </a:spcBef>
+              <a:spcAft>
+                <a:spcPts val="250"/>
+              </a:spcAft>
+              <a:buClr>
+                <a:schemeClr val="accent1"/>
+              </a:buClr>
+              <a:buFont typeface="Wingdings 2" pitchFamily="18" charset="2"/>
+              <a:buChar char=""/>
+              <a:defRPr kumimoji="1" sz="1400" kern="1200">
+                <a:solidFill>
+                  <a:schemeClr val="tx1">
+                    <a:lumMod val="65000"/>
+                    <a:lumOff val="35000"/>
+                  </a:schemeClr>
+                </a:solidFill>
+                <a:latin typeface="+mn-lt"/>
+                <a:ea typeface="+mn-ea"/>
+                <a:cs typeface="+mn-cs"/>
+              </a:defRPr>
+            </a:lvl7pPr>
+            <a:lvl8pPr marL="3429000" indent="-228600" algn="l" defTabSz="914400" rtl="0" eaLnBrk="1" latinLnBrk="0" hangingPunct="1">
+              <a:lnSpc>
+                <a:spcPct val="90000"/>
+              </a:lnSpc>
+              <a:spcBef>
+                <a:spcPts val="250"/>
+              </a:spcBef>
+              <a:spcAft>
+                <a:spcPts val="250"/>
+              </a:spcAft>
+              <a:buClr>
+                <a:schemeClr val="accent1"/>
+              </a:buClr>
+              <a:buFont typeface="Wingdings 2" pitchFamily="18" charset="2"/>
+              <a:buChar char=""/>
+              <a:defRPr kumimoji="1" sz="1400" kern="1200">
+                <a:solidFill>
+                  <a:schemeClr val="tx1">
+                    <a:lumMod val="65000"/>
+                    <a:lumOff val="35000"/>
+                  </a:schemeClr>
+                </a:solidFill>
+                <a:latin typeface="+mn-lt"/>
+                <a:ea typeface="+mn-ea"/>
+                <a:cs typeface="+mn-cs"/>
+              </a:defRPr>
+            </a:lvl8pPr>
+            <a:lvl9pPr marL="3886200" indent="-228600" algn="l" defTabSz="914400" rtl="0" eaLnBrk="1" latinLnBrk="0" hangingPunct="1">
+              <a:lnSpc>
+                <a:spcPct val="90000"/>
+              </a:lnSpc>
+              <a:spcBef>
+                <a:spcPts val="250"/>
+              </a:spcBef>
+              <a:spcAft>
+                <a:spcPts val="250"/>
+              </a:spcAft>
+              <a:buClr>
+                <a:schemeClr val="accent1"/>
+              </a:buClr>
+              <a:buFont typeface="Wingdings 2" pitchFamily="18" charset="2"/>
+              <a:buChar char=""/>
+              <a:defRPr kumimoji="1" sz="1400" kern="1200">
+                <a:solidFill>
+                  <a:schemeClr val="tx1">
+                    <a:lumMod val="65000"/>
+                    <a:lumOff val="35000"/>
+                  </a:schemeClr>
+                </a:solidFill>
+                <a:latin typeface="+mn-lt"/>
+                <a:ea typeface="+mn-ea"/>
+                <a:cs typeface="+mn-cs"/>
+              </a:defRPr>
+            </a:lvl9pPr>
+          </a:lstStyle>
+          <a:p>
+            <a:r>
+              <a:rPr lang="ja-JP" altLang="ja-JP" kern="0">
+                <a:effectLst/>
+                <a:latin typeface="Hiragino Kaku Gothic ProN W3" panose="020B0300000000000000" pitchFamily="34" charset="-128"/>
+                <a:ea typeface="Hiragino Kaku Gothic ProN W3" panose="020B0300000000000000" pitchFamily="34" charset="-128"/>
+                <a:cs typeface="ＭＳ Ｐゴシック" panose="020B0600070205080204" pitchFamily="34" charset="-128"/>
+              </a:rPr>
+              <a:t>仮説とは異なり、コサイン類似度にほとんど差はなかった</a:t>
+            </a:r>
+            <a:endParaRPr lang="en-US" altLang="ja-JP" kern="0" dirty="0">
+              <a:effectLst/>
+              <a:latin typeface="Hiragino Kaku Gothic ProN W3" panose="020B0300000000000000" pitchFamily="34" charset="-128"/>
+              <a:ea typeface="Hiragino Kaku Gothic ProN W3" panose="020B0300000000000000" pitchFamily="34" charset="-128"/>
+              <a:cs typeface="ＭＳ Ｐゴシック" panose="020B0600070205080204" pitchFamily="34" charset="-128"/>
+            </a:endParaRPr>
+          </a:p>
+          <a:p>
+            <a:endParaRPr lang="en-US" altLang="ja-JP" kern="0" dirty="0">
+              <a:latin typeface="Hiragino Kaku Gothic ProN W3" panose="020B0300000000000000" pitchFamily="34" charset="-128"/>
+              <a:ea typeface="Hiragino Kaku Gothic ProN W3" panose="020B0300000000000000" pitchFamily="34" charset="-128"/>
+              <a:cs typeface="ＭＳ Ｐゴシック" panose="020B0600070205080204" pitchFamily="34" charset="-128"/>
+            </a:endParaRPr>
+          </a:p>
+          <a:p>
+            <a:r>
+              <a:rPr lang="ja-JP" altLang="en-US" kern="0">
+                <a:effectLst/>
+                <a:latin typeface="Hiragino Kaku Gothic ProN W3" panose="020B0300000000000000" pitchFamily="34" charset="-128"/>
+                <a:ea typeface="Hiragino Kaku Gothic ProN W3" panose="020B0300000000000000" pitchFamily="34" charset="-128"/>
+                <a:cs typeface="ＭＳ Ｐゴシック" panose="020B0600070205080204" pitchFamily="34" charset="-128"/>
+              </a:rPr>
+              <a:t>数値的に見ればほとんど差はないが、</a:t>
+            </a:r>
+            <a:r>
+              <a:rPr lang="ja-JP" altLang="en-US" kern="0">
+                <a:effectLst/>
+                <a:latin typeface="Hiragino Kaku Gothic ProN W3" panose="020B0300000000000000" pitchFamily="34" charset="-128"/>
+                <a:ea typeface="Hiragino Kaku Gothic ProN W3" panose="020B0300000000000000" pitchFamily="34" charset="-128"/>
+              </a:rPr>
+              <a:t>リップカラーは少しの色差でも違和感に繋がることがあるため、媒体ごとの推定の差についてはまだ検討を重ねる必要がある</a:t>
+            </a:r>
+            <a:endParaRPr lang="ja-JP" altLang="en-US">
+              <a:latin typeface="Hiragino Kaku Gothic ProN W3" panose="020B0300000000000000" pitchFamily="34" charset="-128"/>
+              <a:ea typeface="Hiragino Kaku Gothic ProN W3" panose="020B0300000000000000" pitchFamily="34" charset="-128"/>
+            </a:endParaRPr>
+          </a:p>
+        </p:txBody>
+      </p:sp>
+      <p:sp>
+        <p:nvSpPr>
+          <p:cNvPr id="10" name="スライド番号プレースホルダー 9">
+            <a:extLst>
+              <a:ext uri="{FF2B5EF4-FFF2-40B4-BE49-F238E27FC236}">
+                <a16:creationId xmlns:a16="http://schemas.microsoft.com/office/drawing/2014/main" id="{C194ECC2-6854-892A-E4DB-147622BA87F2}"/>
+              </a:ext>
+            </a:extLst>
+          </p:cNvPr>
+          <p:cNvSpPr>
+            <a:spLocks noGrp="1"/>
+          </p:cNvSpPr>
+          <p:nvPr>
+            <p:ph type="sldNum" sz="quarter" idx="12"/>
+          </p:nvPr>
+        </p:nvSpPr>
+        <p:spPr/>
+        <p:txBody>
+          <a:bodyPr/>
+          <a:lstStyle/>
+          <a:p>
+            <a:fld id="{2E72E7BF-67A1-9A45-B859-E63ACEF18531}" type="slidenum">
+              <a:rPr kumimoji="1" lang="ja-JP" altLang="en-US" smtClean="0"/>
+              <a:t>18</a:t>
+            </a:fld>
+            <a:endParaRPr kumimoji="1" lang="ja-JP" altLang="en-US"/>
+          </a:p>
+        </p:txBody>
+      </p:sp>
     </p:spTree>
     <p:extLst>
       <p:ext uri="{BB962C8B-B14F-4D97-AF65-F5344CB8AC3E}">
@@ -12402,7 +14045,7 @@
         </p:nvSpPr>
         <p:spPr>
           <a:xfrm>
-            <a:off x="576043" y="1432140"/>
+            <a:off x="576043" y="1400610"/>
             <a:ext cx="11039913" cy="5120640"/>
           </a:xfrm>
           <a:prstGeom prst="rect">
@@ -12830,8 +14473,8 @@
         </p:blipFill>
         <p:spPr>
           <a:xfrm>
-            <a:off x="7466013" y="4805891"/>
-            <a:ext cx="1700104" cy="1692480"/>
+            <a:off x="6572447" y="4933641"/>
+            <a:ext cx="1356444" cy="1350361"/>
           </a:xfrm>
           <a:prstGeom prst="rect">
             <a:avLst/>
@@ -12860,8 +14503,8 @@
         </p:blipFill>
         <p:spPr>
           <a:xfrm>
-            <a:off x="9856514" y="5591942"/>
-            <a:ext cx="635000" cy="635000"/>
+            <a:off x="8149441" y="4913276"/>
+            <a:ext cx="1350362" cy="1350362"/>
           </a:xfrm>
           <a:prstGeom prst="rect">
             <a:avLst/>
@@ -12890,8 +14533,8 @@
         </p:blipFill>
         <p:spPr>
           <a:xfrm>
-            <a:off x="11012487" y="5425860"/>
-            <a:ext cx="635000" cy="635000"/>
+            <a:off x="9740810" y="4913277"/>
+            <a:ext cx="1350361" cy="1350361"/>
           </a:xfrm>
           <a:prstGeom prst="rect">
             <a:avLst/>
@@ -12920,7 +14563,7 @@
         </p:blipFill>
         <p:spPr>
           <a:xfrm>
-            <a:off x="1030562" y="5158523"/>
+            <a:off x="1030562" y="4958832"/>
             <a:ext cx="1339848" cy="1339848"/>
           </a:xfrm>
           <a:prstGeom prst="rect">
@@ -12942,7 +14585,7 @@
         </p:nvSpPr>
         <p:spPr>
           <a:xfrm>
-            <a:off x="2626379" y="5168375"/>
+            <a:off x="2590047" y="4958831"/>
             <a:ext cx="1350362" cy="1329996"/>
           </a:xfrm>
           <a:prstGeom prst="rect">
@@ -13002,7 +14645,7 @@
         </p:blipFill>
         <p:spPr>
           <a:xfrm>
-            <a:off x="4251214" y="5158523"/>
+            <a:off x="4160046" y="4948980"/>
             <a:ext cx="1339847" cy="1339847"/>
           </a:xfrm>
           <a:prstGeom prst="rect">
@@ -13010,6 +14653,367 @@
           </a:prstGeom>
         </p:spPr>
       </p:pic>
+      <p:sp>
+        <p:nvSpPr>
+          <p:cNvPr id="14" name="テキスト ボックス 13">
+            <a:extLst>
+              <a:ext uri="{FF2B5EF4-FFF2-40B4-BE49-F238E27FC236}">
+                <a16:creationId xmlns:a16="http://schemas.microsoft.com/office/drawing/2014/main" id="{84D1A3D5-A31B-AB41-B3DE-801EBEECD1F0}"/>
+              </a:ext>
+            </a:extLst>
+          </p:cNvPr>
+          <p:cNvSpPr txBox="1"/>
+          <p:nvPr/>
+        </p:nvSpPr>
+        <p:spPr>
+          <a:xfrm>
+            <a:off x="987536" y="6358752"/>
+            <a:ext cx="1339850" cy="307777"/>
+          </a:xfrm>
+          <a:prstGeom prst="rect">
+            <a:avLst/>
+          </a:prstGeom>
+          <a:noFill/>
+        </p:spPr>
+        <p:txBody>
+          <a:bodyPr wrap="square" rtlCol="0">
+            <a:spAutoFit/>
+          </a:bodyPr>
+          <a:lstStyle/>
+          <a:p>
+            <a:pPr algn="ctr"/>
+            <a:r>
+              <a:rPr kumimoji="1" lang="ja-JP" altLang="en-US" sz="1400">
+                <a:solidFill>
+                  <a:schemeClr val="tx2"/>
+                </a:solidFill>
+                <a:latin typeface="Hiragino Kaku Gothic ProN W3" panose="020B0300000000000000" pitchFamily="34" charset="-128"/>
+                <a:ea typeface="Hiragino Kaku Gothic ProN W3" panose="020B0300000000000000" pitchFamily="34" charset="-128"/>
+              </a:rPr>
+              <a:t>入力画像</a:t>
+            </a:r>
+          </a:p>
+        </p:txBody>
+      </p:sp>
+      <p:sp>
+        <p:nvSpPr>
+          <p:cNvPr id="15" name="テキスト ボックス 14">
+            <a:extLst>
+              <a:ext uri="{FF2B5EF4-FFF2-40B4-BE49-F238E27FC236}">
+                <a16:creationId xmlns:a16="http://schemas.microsoft.com/office/drawing/2014/main" id="{BEF0115E-6A8B-D92F-746E-390BAE36E2D3}"/>
+              </a:ext>
+            </a:extLst>
+          </p:cNvPr>
+          <p:cNvSpPr txBox="1"/>
+          <p:nvPr/>
+        </p:nvSpPr>
+        <p:spPr>
+          <a:xfrm>
+            <a:off x="2530775" y="6302504"/>
+            <a:ext cx="1339850" cy="523220"/>
+          </a:xfrm>
+          <a:prstGeom prst="rect">
+            <a:avLst/>
+          </a:prstGeom>
+          <a:noFill/>
+        </p:spPr>
+        <p:txBody>
+          <a:bodyPr wrap="square" rtlCol="0">
+            <a:spAutoFit/>
+          </a:bodyPr>
+          <a:lstStyle/>
+          <a:p>
+            <a:pPr algn="ctr"/>
+            <a:r>
+              <a:rPr kumimoji="1" lang="ja-JP" altLang="en-US" sz="1400">
+                <a:solidFill>
+                  <a:schemeClr val="tx2"/>
+                </a:solidFill>
+                <a:latin typeface="Hiragino Kaku Gothic ProN W3" panose="020B0300000000000000" pitchFamily="34" charset="-128"/>
+                <a:ea typeface="Hiragino Kaku Gothic ProN W3" panose="020B0300000000000000" pitchFamily="34" charset="-128"/>
+              </a:rPr>
+              <a:t>実際の</a:t>
+            </a:r>
+            <a:endParaRPr kumimoji="1" lang="en-US" altLang="ja-JP" sz="1400" dirty="0">
+              <a:solidFill>
+                <a:schemeClr val="tx2"/>
+              </a:solidFill>
+              <a:latin typeface="Hiragino Kaku Gothic ProN W3" panose="020B0300000000000000" pitchFamily="34" charset="-128"/>
+              <a:ea typeface="Hiragino Kaku Gothic ProN W3" panose="020B0300000000000000" pitchFamily="34" charset="-128"/>
+            </a:endParaRPr>
+          </a:p>
+          <a:p>
+            <a:pPr algn="ctr"/>
+            <a:r>
+              <a:rPr kumimoji="1" lang="ja-JP" altLang="en-US" sz="1400">
+                <a:solidFill>
+                  <a:schemeClr val="tx2"/>
+                </a:solidFill>
+                <a:latin typeface="Hiragino Kaku Gothic ProN W3" panose="020B0300000000000000" pitchFamily="34" charset="-128"/>
+                <a:ea typeface="Hiragino Kaku Gothic ProN W3" panose="020B0300000000000000" pitchFamily="34" charset="-128"/>
+              </a:rPr>
+              <a:t>リップカラー</a:t>
+            </a:r>
+          </a:p>
+        </p:txBody>
+      </p:sp>
+      <p:sp>
+        <p:nvSpPr>
+          <p:cNvPr id="16" name="テキスト ボックス 15">
+            <a:extLst>
+              <a:ext uri="{FF2B5EF4-FFF2-40B4-BE49-F238E27FC236}">
+                <a16:creationId xmlns:a16="http://schemas.microsoft.com/office/drawing/2014/main" id="{40C20501-714A-6E09-6D3A-E23E208802CA}"/>
+              </a:ext>
+            </a:extLst>
+          </p:cNvPr>
+          <p:cNvSpPr txBox="1"/>
+          <p:nvPr/>
+        </p:nvSpPr>
+        <p:spPr>
+          <a:xfrm>
+            <a:off x="4179173" y="6305931"/>
+            <a:ext cx="1339850" cy="523220"/>
+          </a:xfrm>
+          <a:prstGeom prst="rect">
+            <a:avLst/>
+          </a:prstGeom>
+          <a:noFill/>
+        </p:spPr>
+        <p:txBody>
+          <a:bodyPr wrap="square" rtlCol="0">
+            <a:spAutoFit/>
+          </a:bodyPr>
+          <a:lstStyle/>
+          <a:p>
+            <a:pPr algn="ctr"/>
+            <a:r>
+              <a:rPr kumimoji="1" lang="ja-JP" altLang="en-US" sz="1400">
+                <a:solidFill>
+                  <a:schemeClr val="tx2"/>
+                </a:solidFill>
+                <a:latin typeface="Hiragino Kaku Gothic ProN W3" panose="020B0300000000000000" pitchFamily="34" charset="-128"/>
+                <a:ea typeface="Hiragino Kaku Gothic ProN W3" panose="020B0300000000000000" pitchFamily="34" charset="-128"/>
+              </a:rPr>
+              <a:t>推定した</a:t>
+            </a:r>
+            <a:endParaRPr kumimoji="1" lang="en-US" altLang="ja-JP" sz="1400" dirty="0">
+              <a:solidFill>
+                <a:schemeClr val="tx2"/>
+              </a:solidFill>
+              <a:latin typeface="Hiragino Kaku Gothic ProN W3" panose="020B0300000000000000" pitchFamily="34" charset="-128"/>
+              <a:ea typeface="Hiragino Kaku Gothic ProN W3" panose="020B0300000000000000" pitchFamily="34" charset="-128"/>
+            </a:endParaRPr>
+          </a:p>
+          <a:p>
+            <a:pPr algn="ctr"/>
+            <a:r>
+              <a:rPr kumimoji="1" lang="ja-JP" altLang="en-US" sz="1400">
+                <a:solidFill>
+                  <a:schemeClr val="tx2"/>
+                </a:solidFill>
+                <a:latin typeface="Hiragino Kaku Gothic ProN W3" panose="020B0300000000000000" pitchFamily="34" charset="-128"/>
+                <a:ea typeface="Hiragino Kaku Gothic ProN W3" panose="020B0300000000000000" pitchFamily="34" charset="-128"/>
+              </a:rPr>
+              <a:t>リップカラー</a:t>
+            </a:r>
+          </a:p>
+        </p:txBody>
+      </p:sp>
+      <p:sp>
+        <p:nvSpPr>
+          <p:cNvPr id="17" name="テキスト ボックス 16">
+            <a:extLst>
+              <a:ext uri="{FF2B5EF4-FFF2-40B4-BE49-F238E27FC236}">
+                <a16:creationId xmlns:a16="http://schemas.microsoft.com/office/drawing/2014/main" id="{AE78CA22-5B58-960E-B3B3-54A6C3934DB5}"/>
+              </a:ext>
+            </a:extLst>
+          </p:cNvPr>
+          <p:cNvSpPr txBox="1"/>
+          <p:nvPr/>
+        </p:nvSpPr>
+        <p:spPr>
+          <a:xfrm>
+            <a:off x="6572447" y="6358752"/>
+            <a:ext cx="1339850" cy="307777"/>
+          </a:xfrm>
+          <a:prstGeom prst="rect">
+            <a:avLst/>
+          </a:prstGeom>
+          <a:noFill/>
+        </p:spPr>
+        <p:txBody>
+          <a:bodyPr wrap="square" rtlCol="0">
+            <a:spAutoFit/>
+          </a:bodyPr>
+          <a:lstStyle/>
+          <a:p>
+            <a:pPr algn="ctr"/>
+            <a:r>
+              <a:rPr kumimoji="1" lang="ja-JP" altLang="en-US" sz="1400">
+                <a:solidFill>
+                  <a:schemeClr val="tx2"/>
+                </a:solidFill>
+                <a:latin typeface="Hiragino Kaku Gothic ProN W3" panose="020B0300000000000000" pitchFamily="34" charset="-128"/>
+                <a:ea typeface="Hiragino Kaku Gothic ProN W3" panose="020B0300000000000000" pitchFamily="34" charset="-128"/>
+              </a:rPr>
+              <a:t>入力画像</a:t>
+            </a:r>
+          </a:p>
+        </p:txBody>
+      </p:sp>
+      <p:sp>
+        <p:nvSpPr>
+          <p:cNvPr id="18" name="テキスト ボックス 17">
+            <a:extLst>
+              <a:ext uri="{FF2B5EF4-FFF2-40B4-BE49-F238E27FC236}">
+                <a16:creationId xmlns:a16="http://schemas.microsoft.com/office/drawing/2014/main" id="{09B4D266-FA41-F75F-0C91-0AAEC4C5E33D}"/>
+              </a:ext>
+            </a:extLst>
+          </p:cNvPr>
+          <p:cNvSpPr txBox="1"/>
+          <p:nvPr/>
+        </p:nvSpPr>
+        <p:spPr>
+          <a:xfrm>
+            <a:off x="8115686" y="6302504"/>
+            <a:ext cx="1339850" cy="523220"/>
+          </a:xfrm>
+          <a:prstGeom prst="rect">
+            <a:avLst/>
+          </a:prstGeom>
+          <a:noFill/>
+        </p:spPr>
+        <p:txBody>
+          <a:bodyPr wrap="square" rtlCol="0">
+            <a:spAutoFit/>
+          </a:bodyPr>
+          <a:lstStyle/>
+          <a:p>
+            <a:pPr algn="ctr"/>
+            <a:r>
+              <a:rPr kumimoji="1" lang="ja-JP" altLang="en-US" sz="1400">
+                <a:solidFill>
+                  <a:schemeClr val="tx2"/>
+                </a:solidFill>
+                <a:latin typeface="Hiragino Kaku Gothic ProN W3" panose="020B0300000000000000" pitchFamily="34" charset="-128"/>
+                <a:ea typeface="Hiragino Kaku Gothic ProN W3" panose="020B0300000000000000" pitchFamily="34" charset="-128"/>
+              </a:rPr>
+              <a:t>実際の</a:t>
+            </a:r>
+            <a:endParaRPr kumimoji="1" lang="en-US" altLang="ja-JP" sz="1400" dirty="0">
+              <a:solidFill>
+                <a:schemeClr val="tx2"/>
+              </a:solidFill>
+              <a:latin typeface="Hiragino Kaku Gothic ProN W3" panose="020B0300000000000000" pitchFamily="34" charset="-128"/>
+              <a:ea typeface="Hiragino Kaku Gothic ProN W3" panose="020B0300000000000000" pitchFamily="34" charset="-128"/>
+            </a:endParaRPr>
+          </a:p>
+          <a:p>
+            <a:pPr algn="ctr"/>
+            <a:r>
+              <a:rPr kumimoji="1" lang="ja-JP" altLang="en-US" sz="1400">
+                <a:solidFill>
+                  <a:schemeClr val="tx2"/>
+                </a:solidFill>
+                <a:latin typeface="Hiragino Kaku Gothic ProN W3" panose="020B0300000000000000" pitchFamily="34" charset="-128"/>
+                <a:ea typeface="Hiragino Kaku Gothic ProN W3" panose="020B0300000000000000" pitchFamily="34" charset="-128"/>
+              </a:rPr>
+              <a:t>リップカラー</a:t>
+            </a:r>
+          </a:p>
+        </p:txBody>
+      </p:sp>
+      <p:sp>
+        <p:nvSpPr>
+          <p:cNvPr id="19" name="テキスト ボックス 18">
+            <a:extLst>
+              <a:ext uri="{FF2B5EF4-FFF2-40B4-BE49-F238E27FC236}">
+                <a16:creationId xmlns:a16="http://schemas.microsoft.com/office/drawing/2014/main" id="{E770BCB0-3BF4-6B88-945E-F05B1D0A02D3}"/>
+              </a:ext>
+            </a:extLst>
+          </p:cNvPr>
+          <p:cNvSpPr txBox="1"/>
+          <p:nvPr/>
+        </p:nvSpPr>
+        <p:spPr>
+          <a:xfrm>
+            <a:off x="9764084" y="6305931"/>
+            <a:ext cx="1339850" cy="523220"/>
+          </a:xfrm>
+          <a:prstGeom prst="rect">
+            <a:avLst/>
+          </a:prstGeom>
+          <a:noFill/>
+        </p:spPr>
+        <p:txBody>
+          <a:bodyPr wrap="square" rtlCol="0">
+            <a:spAutoFit/>
+          </a:bodyPr>
+          <a:lstStyle/>
+          <a:p>
+            <a:pPr algn="ctr"/>
+            <a:r>
+              <a:rPr kumimoji="1" lang="ja-JP" altLang="en-US" sz="1400">
+                <a:solidFill>
+                  <a:schemeClr val="tx2"/>
+                </a:solidFill>
+                <a:latin typeface="Hiragino Kaku Gothic ProN W3" panose="020B0300000000000000" pitchFamily="34" charset="-128"/>
+                <a:ea typeface="Hiragino Kaku Gothic ProN W3" panose="020B0300000000000000" pitchFamily="34" charset="-128"/>
+              </a:rPr>
+              <a:t>推定した</a:t>
+            </a:r>
+            <a:endParaRPr kumimoji="1" lang="en-US" altLang="ja-JP" sz="1400" dirty="0">
+              <a:solidFill>
+                <a:schemeClr val="tx2"/>
+              </a:solidFill>
+              <a:latin typeface="Hiragino Kaku Gothic ProN W3" panose="020B0300000000000000" pitchFamily="34" charset="-128"/>
+              <a:ea typeface="Hiragino Kaku Gothic ProN W3" panose="020B0300000000000000" pitchFamily="34" charset="-128"/>
+            </a:endParaRPr>
+          </a:p>
+          <a:p>
+            <a:pPr algn="ctr"/>
+            <a:r>
+              <a:rPr kumimoji="1" lang="ja-JP" altLang="en-US" sz="1400">
+                <a:solidFill>
+                  <a:schemeClr val="tx2"/>
+                </a:solidFill>
+                <a:latin typeface="Hiragino Kaku Gothic ProN W3" panose="020B0300000000000000" pitchFamily="34" charset="-128"/>
+                <a:ea typeface="Hiragino Kaku Gothic ProN W3" panose="020B0300000000000000" pitchFamily="34" charset="-128"/>
+              </a:rPr>
+              <a:t>リップカラー</a:t>
+            </a:r>
+          </a:p>
+        </p:txBody>
+      </p:sp>
+      <p:sp>
+        <p:nvSpPr>
+          <p:cNvPr id="20" name="スライド番号プレースホルダー 19">
+            <a:extLst>
+              <a:ext uri="{FF2B5EF4-FFF2-40B4-BE49-F238E27FC236}">
+                <a16:creationId xmlns:a16="http://schemas.microsoft.com/office/drawing/2014/main" id="{B41C33EB-C901-A41B-D14C-48FBA94E6386}"/>
+              </a:ext>
+            </a:extLst>
+          </p:cNvPr>
+          <p:cNvSpPr>
+            <a:spLocks noGrp="1"/>
+          </p:cNvSpPr>
+          <p:nvPr>
+            <p:ph type="sldNum" sz="quarter" idx="12"/>
+          </p:nvPr>
+        </p:nvSpPr>
+        <p:spPr/>
+        <p:txBody>
+          <a:bodyPr/>
+          <a:lstStyle/>
+          <a:p>
+            <a:fld id="{2E72E7BF-67A1-9A45-B859-E63ACEF18531}" type="slidenum">
+              <a:rPr kumimoji="1" lang="ja-JP" altLang="en-US" smtClean="0"/>
+              <a:t>19</a:t>
+            </a:fld>
+            <a:endParaRPr kumimoji="1" lang="ja-JP" altLang="en-US"/>
+          </a:p>
+        </p:txBody>
+      </p:sp>
     </p:spTree>
     <p:extLst>
       <p:ext uri="{BB962C8B-B14F-4D97-AF65-F5344CB8AC3E}">
@@ -13440,7 +15444,7 @@
                 <a:latin typeface="Hiragino Kaku Gothic ProN W3" panose="020B0300000000000000" pitchFamily="34" charset="-128"/>
                 <a:ea typeface="Hiragino Kaku Gothic ProN W3" panose="020B0300000000000000" pitchFamily="34" charset="-128"/>
               </a:rPr>
-              <a:t>今後の課題・展望</a:t>
+              <a:t>まとめ</a:t>
             </a:r>
           </a:p>
         </p:txBody>
@@ -13494,6 +15498,35 @@
               <a:rPr lang="ja-JP" altLang="en-US"/>
               <a:t>目次</a:t>
             </a:r>
+          </a:p>
+        </p:txBody>
+      </p:sp>
+      <p:sp>
+        <p:nvSpPr>
+          <p:cNvPr id="2" name="スライド番号プレースホルダー 1">
+            <a:extLst>
+              <a:ext uri="{FF2B5EF4-FFF2-40B4-BE49-F238E27FC236}">
+                <a16:creationId xmlns:a16="http://schemas.microsoft.com/office/drawing/2014/main" id="{B89CCB8E-9E41-6773-9EFF-F6104FB03318}"/>
+              </a:ext>
+            </a:extLst>
+          </p:cNvPr>
+          <p:cNvSpPr>
+            <a:spLocks noGrp="1"/>
+          </p:cNvSpPr>
+          <p:nvPr>
+            <p:ph type="sldNum" sz="quarter" idx="12"/>
+          </p:nvPr>
+        </p:nvSpPr>
+        <p:spPr/>
+        <p:txBody>
+          <a:bodyPr/>
+          <a:lstStyle/>
+          <a:p>
+            <a:fld id="{2E72E7BF-67A1-9A45-B859-E63ACEF18531}" type="slidenum">
+              <a:rPr kumimoji="1" lang="ja-JP" altLang="en-US" smtClean="0"/>
+              <a:t>2</a:t>
+            </a:fld>
+            <a:endParaRPr kumimoji="1" lang="ja-JP" altLang="en-US"/>
           </a:p>
         </p:txBody>
       </p:sp>
@@ -13850,7 +15883,7 @@
                 <a:latin typeface="Hiragino Kaku Gothic ProN W3" panose="020B0300000000000000" pitchFamily="34" charset="-128"/>
                 <a:ea typeface="Hiragino Kaku Gothic ProN W3" panose="020B0300000000000000" pitchFamily="34" charset="-128"/>
               </a:rPr>
-              <a:t>メイクアップにおける課題</a:t>
+              <a:t>本研究の目的</a:t>
             </a:r>
             <a:endParaRPr lang="en-US" altLang="ja-JP" sz="1800" dirty="0">
               <a:latin typeface="Hiragino Kaku Gothic ProN W3" panose="020B0300000000000000" pitchFamily="34" charset="-128"/>
@@ -13864,9 +15897,61 @@
                 <a:latin typeface="Hiragino Kaku Gothic ProN W3" panose="020B0300000000000000" pitchFamily="34" charset="-128"/>
                 <a:ea typeface="Hiragino Kaku Gothic ProN W3" panose="020B0300000000000000" pitchFamily="34" charset="-128"/>
               </a:rPr>
+              <a:t>メイクアップにおける課題</a:t>
+            </a:r>
+            <a:endParaRPr lang="en-US" altLang="ja-JP" dirty="0">
+              <a:latin typeface="Hiragino Kaku Gothic ProN W3" panose="020B0300000000000000" pitchFamily="34" charset="-128"/>
+              <a:ea typeface="Hiragino Kaku Gothic ProN W3" panose="020B0300000000000000" pitchFamily="34" charset="-128"/>
+            </a:endParaRPr>
+          </a:p>
+          <a:p>
+            <a:pPr lvl="2" fontAlgn="base"/>
+            <a:r>
+              <a:rPr lang="ja-JP" altLang="en-US" sz="1800">
+                <a:latin typeface="Hiragino Kaku Gothic ProN W3" panose="020B0300000000000000" pitchFamily="34" charset="-128"/>
+                <a:ea typeface="Hiragino Kaku Gothic ProN W3" panose="020B0300000000000000" pitchFamily="34" charset="-128"/>
+              </a:rPr>
               <a:t>自分自身でそれが似合っているかどうかを客観的に判断することが難しいため、自信が持てず不安になってしまったり、どう改善したら良いのか分からない</a:t>
             </a:r>
-            <a:endParaRPr lang="en-US" altLang="ja-JP" dirty="0">
+            <a:endParaRPr lang="en-US" altLang="ja-JP" sz="1800" dirty="0">
+              <a:latin typeface="Hiragino Kaku Gothic ProN W3" panose="020B0300000000000000" pitchFamily="34" charset="-128"/>
+              <a:ea typeface="Hiragino Kaku Gothic ProN W3" panose="020B0300000000000000" pitchFamily="34" charset="-128"/>
+            </a:endParaRPr>
+          </a:p>
+          <a:p>
+            <a:pPr lvl="1" fontAlgn="base"/>
+            <a:r>
+              <a:rPr lang="ja-JP" altLang="en-US">
+                <a:latin typeface="Hiragino Kaku Gothic ProN W3" panose="020B0300000000000000" pitchFamily="34" charset="-128"/>
+                <a:ea typeface="Hiragino Kaku Gothic ProN W3" panose="020B0300000000000000" pitchFamily="34" charset="-128"/>
+              </a:rPr>
+              <a:t>メイクアップの印象を大きく左右する要素としてリップメイクに着目</a:t>
+            </a:r>
+          </a:p>
+          <a:p>
+            <a:pPr lvl="2" fontAlgn="base"/>
+            <a:r>
+              <a:rPr lang="ja-JP" altLang="en-US" sz="1800">
+                <a:latin typeface="Hiragino Kaku Gothic ProN W3" panose="020B0300000000000000" pitchFamily="34" charset="-128"/>
+                <a:ea typeface="Hiragino Kaku Gothic ProN W3" panose="020B0300000000000000" pitchFamily="34" charset="-128"/>
+              </a:rPr>
+              <a:t>顔画像から、その人に似合うリップカラーを機械学習で推定・提案するシステムを作成</a:t>
+            </a:r>
+            <a:endParaRPr lang="en-US" altLang="ja-JP" sz="1800" dirty="0">
+              <a:latin typeface="Hiragino Kaku Gothic ProN W3" panose="020B0300000000000000" pitchFamily="34" charset="-128"/>
+              <a:ea typeface="Hiragino Kaku Gothic ProN W3" panose="020B0300000000000000" pitchFamily="34" charset="-128"/>
+            </a:endParaRPr>
+          </a:p>
+          <a:p>
+            <a:pPr lvl="2" fontAlgn="base"/>
+            <a:r>
+              <a:rPr lang="ja-JP" altLang="en-US" sz="1800">
+                <a:latin typeface="Hiragino Kaku Gothic ProN W3" panose="020B0300000000000000" pitchFamily="34" charset="-128"/>
+                <a:ea typeface="Hiragino Kaku Gothic ProN W3" panose="020B0300000000000000" pitchFamily="34" charset="-128"/>
+              </a:rPr>
+              <a:t>メイクアップ改善の方向性を示したり、今のリップカラーが似合っているかどうかの不安解消に繋げることを目指した</a:t>
+            </a:r>
+            <a:endParaRPr lang="en-US" altLang="ja-JP" sz="1800" dirty="0">
               <a:latin typeface="Hiragino Kaku Gothic ProN W3" panose="020B0300000000000000" pitchFamily="34" charset="-128"/>
               <a:ea typeface="Hiragino Kaku Gothic ProN W3" panose="020B0300000000000000" pitchFamily="34" charset="-128"/>
             </a:endParaRPr>
@@ -13885,51 +15970,6 @@
                 <a:latin typeface="Hiragino Kaku Gothic ProN W3" panose="020B0300000000000000" pitchFamily="34" charset="-128"/>
                 <a:ea typeface="Hiragino Kaku Gothic ProN W3" panose="020B0300000000000000" pitchFamily="34" charset="-128"/>
               </a:rPr>
-              <a:t>メイクアップの印象を大きく左右する要素としてリップメイクに着目</a:t>
-            </a:r>
-          </a:p>
-          <a:p>
-            <a:pPr lvl="1" fontAlgn="base"/>
-            <a:r>
-              <a:rPr lang="ja-JP" altLang="en-US">
-                <a:latin typeface="Hiragino Kaku Gothic ProN W3" panose="020B0300000000000000" pitchFamily="34" charset="-128"/>
-                <a:ea typeface="Hiragino Kaku Gothic ProN W3" panose="020B0300000000000000" pitchFamily="34" charset="-128"/>
-              </a:rPr>
-              <a:t>顔画像から、その人に似合うリップカラーを機械学習で推定・提案するシステムを作成</a:t>
-            </a:r>
-            <a:endParaRPr lang="en-US" altLang="ja-JP" dirty="0">
-              <a:latin typeface="Hiragino Kaku Gothic ProN W3" panose="020B0300000000000000" pitchFamily="34" charset="-128"/>
-              <a:ea typeface="Hiragino Kaku Gothic ProN W3" panose="020B0300000000000000" pitchFamily="34" charset="-128"/>
-            </a:endParaRPr>
-          </a:p>
-          <a:p>
-            <a:pPr lvl="1" fontAlgn="base"/>
-            <a:r>
-              <a:rPr lang="ja-JP" altLang="en-US">
-                <a:latin typeface="Hiragino Kaku Gothic ProN W3" panose="020B0300000000000000" pitchFamily="34" charset="-128"/>
-                <a:ea typeface="Hiragino Kaku Gothic ProN W3" panose="020B0300000000000000" pitchFamily="34" charset="-128"/>
-              </a:rPr>
-              <a:t>メイクアップ改善の方向性を示したり、今のリップカラーが似合っているかどうかの不安解消に繋げることを目指した</a:t>
-            </a:r>
-            <a:endParaRPr lang="en-US" altLang="ja-JP" dirty="0">
-              <a:latin typeface="Hiragino Kaku Gothic ProN W3" panose="020B0300000000000000" pitchFamily="34" charset="-128"/>
-              <a:ea typeface="Hiragino Kaku Gothic ProN W3" panose="020B0300000000000000" pitchFamily="34" charset="-128"/>
-            </a:endParaRPr>
-          </a:p>
-          <a:p>
-            <a:pPr lvl="1" fontAlgn="base"/>
-            <a:endParaRPr lang="en-US" altLang="ja-JP" dirty="0">
-              <a:latin typeface="Hiragino Kaku Gothic ProN W3" panose="020B0300000000000000" pitchFamily="34" charset="-128"/>
-              <a:ea typeface="Hiragino Kaku Gothic ProN W3" panose="020B0300000000000000" pitchFamily="34" charset="-128"/>
-            </a:endParaRPr>
-          </a:p>
-          <a:p>
-            <a:pPr fontAlgn="base"/>
-            <a:r>
-              <a:rPr lang="ja-JP" altLang="en-US" sz="1800">
-                <a:latin typeface="Hiragino Kaku Gothic ProN W3" panose="020B0300000000000000" pitchFamily="34" charset="-128"/>
-                <a:ea typeface="Hiragino Kaku Gothic ProN W3" panose="020B0300000000000000" pitchFamily="34" charset="-128"/>
-              </a:rPr>
               <a:t>結果</a:t>
             </a:r>
             <a:endParaRPr lang="en-US" altLang="ja-JP" sz="1800" dirty="0">
@@ -14006,7 +16046,7 @@
                 <a:latin typeface="Hiragino Kaku Gothic ProN W3" panose="020B0300000000000000" pitchFamily="34" charset="-128"/>
                 <a:ea typeface="Hiragino Kaku Gothic ProN W3" panose="020B0300000000000000" pitchFamily="34" charset="-128"/>
               </a:rPr>
-              <a:t>被験者実験での効果の検証と、アプトプットの形の検討</a:t>
+              <a:t>被験者実験での効果の検証</a:t>
             </a:r>
           </a:p>
         </p:txBody>
@@ -14060,6 +16100,35 @@
               <a:rPr lang="ja-JP" altLang="en-US"/>
               <a:t>まとめ</a:t>
             </a:r>
+          </a:p>
+        </p:txBody>
+      </p:sp>
+      <p:sp>
+        <p:nvSpPr>
+          <p:cNvPr id="2" name="スライド番号プレースホルダー 1">
+            <a:extLst>
+              <a:ext uri="{FF2B5EF4-FFF2-40B4-BE49-F238E27FC236}">
+                <a16:creationId xmlns:a16="http://schemas.microsoft.com/office/drawing/2014/main" id="{6C3A7275-1758-12A6-D29B-0A2FFACB4E62}"/>
+              </a:ext>
+            </a:extLst>
+          </p:cNvPr>
+          <p:cNvSpPr>
+            <a:spLocks noGrp="1"/>
+          </p:cNvSpPr>
+          <p:nvPr>
+            <p:ph type="sldNum" sz="quarter" idx="12"/>
+          </p:nvPr>
+        </p:nvSpPr>
+        <p:spPr/>
+        <p:txBody>
+          <a:bodyPr/>
+          <a:lstStyle/>
+          <a:p>
+            <a:fld id="{2E72E7BF-67A1-9A45-B859-E63ACEF18531}" type="slidenum">
+              <a:rPr kumimoji="1" lang="ja-JP" altLang="en-US" smtClean="0"/>
+              <a:t>20</a:t>
+            </a:fld>
+            <a:endParaRPr kumimoji="1" lang="ja-JP" altLang="en-US"/>
           </a:p>
         </p:txBody>
       </p:sp>
@@ -14095,59 +16164,10 @@
       </p:grpSpPr>
       <p:sp>
         <p:nvSpPr>
-          <p:cNvPr id="7" name="正方形/長方形 6">
+          <p:cNvPr id="6" name="コンテンツ プレースホルダー 2">
             <a:extLst>
               <a:ext uri="{FF2B5EF4-FFF2-40B4-BE49-F238E27FC236}">
-                <a16:creationId xmlns:a16="http://schemas.microsoft.com/office/drawing/2014/main" id="{D98ECB46-E3D4-3A0B-1D69-28EB8A1887F1}"/>
-              </a:ext>
-            </a:extLst>
-          </p:cNvPr>
-          <p:cNvSpPr/>
-          <p:nvPr/>
-        </p:nvSpPr>
-        <p:spPr>
-          <a:xfrm>
-            <a:off x="0" y="-1"/>
-            <a:ext cx="12192000" cy="1077091"/>
-          </a:xfrm>
-          <a:prstGeom prst="rect">
-            <a:avLst/>
-          </a:prstGeom>
-          <a:ln>
-            <a:noFill/>
-          </a:ln>
-        </p:spPr>
-        <p:style>
-          <a:lnRef idx="2">
-            <a:schemeClr val="accent1">
-              <a:shade val="50000"/>
-            </a:schemeClr>
-          </a:lnRef>
-          <a:fillRef idx="1">
-            <a:schemeClr val="accent1"/>
-          </a:fillRef>
-          <a:effectRef idx="0">
-            <a:schemeClr val="accent1"/>
-          </a:effectRef>
-          <a:fontRef idx="minor">
-            <a:schemeClr val="lt1"/>
-          </a:fontRef>
-        </p:style>
-        <p:txBody>
-          <a:bodyPr rtlCol="0" anchor="ctr"/>
-          <a:lstStyle/>
-          <a:p>
-            <a:pPr algn="ctr"/>
-            <a:endParaRPr kumimoji="1" lang="ja-JP" altLang="en-US"/>
-          </a:p>
-        </p:txBody>
-      </p:sp>
-      <p:sp>
-        <p:nvSpPr>
-          <p:cNvPr id="5" name="コンテンツ プレースホルダー 2">
-            <a:extLst>
-              <a:ext uri="{FF2B5EF4-FFF2-40B4-BE49-F238E27FC236}">
-                <a16:creationId xmlns:a16="http://schemas.microsoft.com/office/drawing/2014/main" id="{B040927F-1E6A-C26C-3C46-978E4552B438}"/>
+                <a16:creationId xmlns:a16="http://schemas.microsoft.com/office/drawing/2014/main" id="{060D3CE0-EAF4-5D36-4204-14ED8F61ACA0}"/>
               </a:ext>
             </a:extLst>
           </p:cNvPr>
@@ -14158,8 +16178,8 @@
         </p:nvSpPr>
         <p:spPr>
           <a:xfrm>
-            <a:off x="576043" y="1432140"/>
-            <a:ext cx="11039913" cy="1077090"/>
+            <a:off x="445319" y="5578575"/>
+            <a:ext cx="11039913" cy="814132"/>
           </a:xfrm>
           <a:prstGeom prst="rect">
             <a:avLst/>
@@ -14410,12 +16430,20 @@
             </a:lvl9pPr>
           </a:lstStyle>
           <a:p>
+            <a:pPr fontAlgn="base"/>
+            <a:r>
+              <a:rPr lang="en-US" altLang="ja-JP" dirty="0">
+                <a:latin typeface="Hiragino Kaku Gothic ProN W3" panose="020B0300000000000000" pitchFamily="34" charset="-128"/>
+                <a:ea typeface="Hiragino Kaku Gothic ProN W3" panose="020B0300000000000000" pitchFamily="34" charset="-128"/>
+              </a:rPr>
+              <a:t>Validation accuracy</a:t>
+            </a:r>
             <a:r>
               <a:rPr lang="ja-JP" altLang="en-US">
                 <a:latin typeface="Hiragino Kaku Gothic ProN W3" panose="020B0300000000000000" pitchFamily="34" charset="-128"/>
                 <a:ea typeface="Hiragino Kaku Gothic ProN W3" panose="020B0300000000000000" pitchFamily="34" charset="-128"/>
               </a:rPr>
-              <a:t>卒業論文との差別化を図るために、修士論文で力を入れたい部分</a:t>
+              <a:t>（テストデータによる正解率）</a:t>
             </a:r>
             <a:endParaRPr lang="en-US" altLang="ja-JP" dirty="0">
               <a:latin typeface="Hiragino Kaku Gothic ProN W3" panose="020B0300000000000000" pitchFamily="34" charset="-128"/>
@@ -14423,540 +16451,130 @@
             </a:endParaRPr>
           </a:p>
           <a:p>
-            <a:pPr lvl="1"/>
+            <a:pPr lvl="1" fontAlgn="base"/>
+            <a:r>
+              <a:rPr lang="en-US" altLang="ja-JP" sz="2000" dirty="0">
+                <a:latin typeface="Hiragino Kaku Gothic ProN W3" panose="020B0300000000000000" pitchFamily="34" charset="-128"/>
+                <a:ea typeface="Hiragino Kaku Gothic ProN W3" panose="020B0300000000000000" pitchFamily="34" charset="-128"/>
+              </a:rPr>
+              <a:t>100</a:t>
+            </a:r>
             <a:r>
               <a:rPr lang="ja-JP" altLang="en-US" sz="2000">
                 <a:latin typeface="Hiragino Kaku Gothic ProN W3" panose="020B0300000000000000" pitchFamily="34" charset="-128"/>
                 <a:ea typeface="Hiragino Kaku Gothic ProN W3" panose="020B0300000000000000" pitchFamily="34" charset="-128"/>
               </a:rPr>
-              <a:t>機械学習の精度向上</a:t>
-            </a:r>
-            <a:endParaRPr lang="en-US" altLang="ja-JP" sz="2000" dirty="0">
+              <a:t>エポック目で</a:t>
+            </a:r>
+            <a:r>
+              <a:rPr lang="en-US" altLang="ja-JP" sz="2000" dirty="0">
+                <a:latin typeface="Hiragino Kaku Gothic ProN W3" panose="020B0300000000000000" pitchFamily="34" charset="-128"/>
+                <a:ea typeface="Hiragino Kaku Gothic ProN W3" panose="020B0300000000000000" pitchFamily="34" charset="-128"/>
+              </a:rPr>
+              <a:t>0.9955</a:t>
+            </a:r>
+            <a:endParaRPr lang="ja-JP" altLang="en-US" sz="2000">
               <a:latin typeface="Hiragino Kaku Gothic ProN W3" panose="020B0300000000000000" pitchFamily="34" charset="-128"/>
               <a:ea typeface="Hiragino Kaku Gothic ProN W3" panose="020B0300000000000000" pitchFamily="34" charset="-128"/>
             </a:endParaRPr>
           </a:p>
-          <a:p>
-            <a:pPr lvl="1"/>
-            <a:r>
-              <a:rPr lang="ja-JP" altLang="en-US" sz="2000">
-                <a:latin typeface="Hiragino Kaku Gothic ProN W3" panose="020B0300000000000000" pitchFamily="34" charset="-128"/>
-                <a:ea typeface="Hiragino Kaku Gothic ProN W3" panose="020B0300000000000000" pitchFamily="34" charset="-128"/>
-              </a:rPr>
-              <a:t>ユーザへのリップカラーの提示方法の検討</a:t>
-            </a:r>
-            <a:endParaRPr lang="en-US" altLang="ja-JP" sz="2000" dirty="0">
-              <a:latin typeface="Hiragino Kaku Gothic ProN W3" panose="020B0300000000000000" pitchFamily="34" charset="-128"/>
-              <a:ea typeface="Hiragino Kaku Gothic ProN W3" panose="020B0300000000000000" pitchFamily="34" charset="-128"/>
-            </a:endParaRPr>
-          </a:p>
-          <a:p>
-            <a:endParaRPr lang="ja-JP" altLang="en-US">
-              <a:latin typeface="Hiragino Kaku Gothic ProN W3" panose="020B0300000000000000" pitchFamily="34" charset="-128"/>
-              <a:ea typeface="Hiragino Kaku Gothic ProN W3" panose="020B0300000000000000" pitchFamily="34" charset="-128"/>
-            </a:endParaRPr>
-          </a:p>
         </p:txBody>
       </p:sp>
-      <p:sp>
-        <p:nvSpPr>
-          <p:cNvPr id="6" name="タイトル 1">
+      <p:pic>
+        <p:nvPicPr>
+          <p:cNvPr id="9" name="図 8">
             <a:extLst>
               <a:ext uri="{FF2B5EF4-FFF2-40B4-BE49-F238E27FC236}">
-                <a16:creationId xmlns:a16="http://schemas.microsoft.com/office/drawing/2014/main" id="{45A7B92C-AE3D-91D6-227C-099A94786625}"/>
+                <a16:creationId xmlns:a16="http://schemas.microsoft.com/office/drawing/2014/main" id="{AFC05DCB-0EA3-D0B2-1144-0F29A3CECB27}"/>
               </a:ext>
             </a:extLst>
           </p:cNvPr>
-          <p:cNvSpPr txBox="1">
-            <a:spLocks/>
-          </p:cNvSpPr>
+          <p:cNvPicPr>
+            <a:picLocks noChangeAspect="1"/>
+          </p:cNvPicPr>
           <p:nvPr/>
-        </p:nvSpPr>
+        </p:nvPicPr>
+        <p:blipFill>
+          <a:blip r:embed="rId2"/>
+          <a:stretch>
+            <a:fillRect/>
+          </a:stretch>
+        </p:blipFill>
         <p:spPr>
           <a:xfrm>
-            <a:off x="252918" y="320508"/>
-            <a:ext cx="5843081" cy="771870"/>
+            <a:off x="445319" y="872359"/>
+            <a:ext cx="5467057" cy="4212322"/>
           </a:xfrm>
           <a:prstGeom prst="rect">
             <a:avLst/>
           </a:prstGeom>
+          <a:ln>
+            <a:solidFill>
+              <a:schemeClr val="tx2"/>
+            </a:solidFill>
+          </a:ln>
         </p:spPr>
-        <p:txBody>
-          <a:bodyPr/>
-          <a:lstStyle>
-            <a:lvl1pPr algn="l" defTabSz="914400" rtl="0" eaLnBrk="1" latinLnBrk="0" hangingPunct="1">
-              <a:lnSpc>
-                <a:spcPct val="90000"/>
-              </a:lnSpc>
-              <a:spcBef>
-                <a:spcPct val="0"/>
-              </a:spcBef>
-              <a:buNone/>
-              <a:defRPr kumimoji="1" sz="3600" kern="1200" spc="-60" baseline="0">
-                <a:solidFill>
-                  <a:srgbClr val="FFFFFF"/>
-                </a:solidFill>
-                <a:latin typeface="+mj-lt"/>
-                <a:ea typeface="+mj-ea"/>
-                <a:cs typeface="+mj-cs"/>
-              </a:defRPr>
-            </a:lvl1pPr>
-          </a:lstStyle>
-          <a:p>
-            <a:r>
-              <a:rPr lang="ja-JP" altLang="en-US"/>
-              <a:t>卒業論文との違い</a:t>
-            </a:r>
-          </a:p>
-        </p:txBody>
-      </p:sp>
-      <p:sp>
-        <p:nvSpPr>
-          <p:cNvPr id="2" name="正方形/長方形 1">
+      </p:pic>
+      <p:pic>
+        <p:nvPicPr>
+          <p:cNvPr id="11" name="図 10">
             <a:extLst>
               <a:ext uri="{FF2B5EF4-FFF2-40B4-BE49-F238E27FC236}">
-                <a16:creationId xmlns:a16="http://schemas.microsoft.com/office/drawing/2014/main" id="{9C22C84C-98E3-5902-3E60-DB66562821D2}"/>
+                <a16:creationId xmlns:a16="http://schemas.microsoft.com/office/drawing/2014/main" id="{86E153A3-03D1-76B9-5507-A67E128E892A}"/>
               </a:ext>
             </a:extLst>
           </p:cNvPr>
-          <p:cNvSpPr/>
+          <p:cNvPicPr>
+            <a:picLocks noChangeAspect="1"/>
+          </p:cNvPicPr>
           <p:nvPr/>
-        </p:nvSpPr>
+        </p:nvPicPr>
+        <p:blipFill>
+          <a:blip r:embed="rId3"/>
+          <a:stretch>
+            <a:fillRect/>
+          </a:stretch>
+        </p:blipFill>
         <p:spPr>
           <a:xfrm>
-            <a:off x="2088891" y="2824953"/>
-            <a:ext cx="2118731" cy="1455234"/>
+            <a:off x="6272156" y="872359"/>
+            <a:ext cx="5474525" cy="4212322"/>
           </a:xfrm>
           <a:prstGeom prst="rect">
             <a:avLst/>
           </a:prstGeom>
+          <a:ln>
+            <a:solidFill>
+              <a:schemeClr val="tx2"/>
+            </a:solidFill>
+          </a:ln>
         </p:spPr>
-        <p:style>
-          <a:lnRef idx="2">
-            <a:schemeClr val="accent1">
-              <a:shade val="50000"/>
-            </a:schemeClr>
-          </a:lnRef>
-          <a:fillRef idx="1">
-            <a:schemeClr val="accent1"/>
-          </a:fillRef>
-          <a:effectRef idx="0">
-            <a:schemeClr val="accent1"/>
-          </a:effectRef>
-          <a:fontRef idx="minor">
-            <a:schemeClr val="lt1"/>
-          </a:fontRef>
-        </p:style>
-        <p:txBody>
-          <a:bodyPr rtlCol="0" anchor="ctr"/>
-          <a:lstStyle/>
-          <a:p>
-            <a:pPr algn="ctr"/>
-            <a:r>
-              <a:rPr kumimoji="1" lang="ja-JP" altLang="en-US"/>
-              <a:t>ユーザの</a:t>
-            </a:r>
-            <a:endParaRPr kumimoji="1" lang="en-US" altLang="ja-JP" dirty="0"/>
-          </a:p>
-          <a:p>
-            <a:pPr algn="ctr"/>
-            <a:r>
-              <a:rPr kumimoji="1" lang="ja-JP" altLang="en-US"/>
-              <a:t>顔写真</a:t>
-            </a:r>
-          </a:p>
-        </p:txBody>
-      </p:sp>
+      </p:pic>
       <p:sp>
         <p:nvSpPr>
-          <p:cNvPr id="3" name="正方形/長方形 2">
+          <p:cNvPr id="12" name="スライド番号プレースホルダー 11">
             <a:extLst>
               <a:ext uri="{FF2B5EF4-FFF2-40B4-BE49-F238E27FC236}">
-                <a16:creationId xmlns:a16="http://schemas.microsoft.com/office/drawing/2014/main" id="{3DBF45C6-D291-47D3-A61D-7DD64B4F27E5}"/>
+                <a16:creationId xmlns:a16="http://schemas.microsoft.com/office/drawing/2014/main" id="{2302F17F-4BE5-1FC8-EFD8-8CAF69D23243}"/>
               </a:ext>
             </a:extLst>
           </p:cNvPr>
-          <p:cNvSpPr/>
-          <p:nvPr/>
+          <p:cNvSpPr>
+            <a:spLocks noGrp="1"/>
+          </p:cNvSpPr>
+          <p:nvPr>
+            <p:ph type="sldNum" sz="quarter" idx="12"/>
+          </p:nvPr>
         </p:nvSpPr>
-        <p:spPr>
-          <a:xfrm>
-            <a:off x="5036633" y="2824953"/>
-            <a:ext cx="2118731" cy="1455234"/>
-          </a:xfrm>
-          <a:prstGeom prst="rect">
-            <a:avLst/>
-          </a:prstGeom>
-        </p:spPr>
-        <p:style>
-          <a:lnRef idx="2">
-            <a:schemeClr val="accent1">
-              <a:shade val="50000"/>
-            </a:schemeClr>
-          </a:lnRef>
-          <a:fillRef idx="1">
-            <a:schemeClr val="accent1"/>
-          </a:fillRef>
-          <a:effectRef idx="0">
-            <a:schemeClr val="accent1"/>
-          </a:effectRef>
-          <a:fontRef idx="minor">
-            <a:schemeClr val="lt1"/>
-          </a:fontRef>
-        </p:style>
+        <p:spPr/>
         <p:txBody>
-          <a:bodyPr rtlCol="0" anchor="ctr"/>
+          <a:bodyPr/>
           <a:lstStyle/>
           <a:p>
-            <a:pPr algn="ctr"/>
-            <a:r>
-              <a:rPr kumimoji="1" lang="ja-JP" altLang="en-US"/>
-              <a:t>機械学習</a:t>
-            </a:r>
-            <a:endParaRPr kumimoji="1" lang="en-US" altLang="ja-JP" dirty="0"/>
-          </a:p>
-          <a:p>
-            <a:pPr algn="ctr"/>
-            <a:r>
-              <a:rPr kumimoji="1" lang="ja-JP" altLang="en-US"/>
-              <a:t>モデル</a:t>
-            </a:r>
-          </a:p>
-        </p:txBody>
-      </p:sp>
-      <p:sp>
-        <p:nvSpPr>
-          <p:cNvPr id="4" name="正方形/長方形 3">
-            <a:extLst>
-              <a:ext uri="{FF2B5EF4-FFF2-40B4-BE49-F238E27FC236}">
-                <a16:creationId xmlns:a16="http://schemas.microsoft.com/office/drawing/2014/main" id="{0A65B00B-3F52-3EE1-21D0-02445B5EE9C0}"/>
-              </a:ext>
-            </a:extLst>
-          </p:cNvPr>
-          <p:cNvSpPr/>
-          <p:nvPr/>
-        </p:nvSpPr>
-        <p:spPr>
-          <a:xfrm>
-            <a:off x="7984375" y="2815660"/>
-            <a:ext cx="2118731" cy="1455234"/>
-          </a:xfrm>
-          <a:prstGeom prst="rect">
-            <a:avLst/>
-          </a:prstGeom>
-        </p:spPr>
-        <p:style>
-          <a:lnRef idx="2">
-            <a:schemeClr val="accent1">
-              <a:shade val="50000"/>
-            </a:schemeClr>
-          </a:lnRef>
-          <a:fillRef idx="1">
-            <a:schemeClr val="accent1"/>
-          </a:fillRef>
-          <a:effectRef idx="0">
-            <a:schemeClr val="accent1"/>
-          </a:effectRef>
-          <a:fontRef idx="minor">
-            <a:schemeClr val="lt1"/>
-          </a:fontRef>
-        </p:style>
-        <p:txBody>
-          <a:bodyPr rtlCol="0" anchor="ctr"/>
-          <a:lstStyle/>
-          <a:p>
-            <a:pPr algn="ctr"/>
-            <a:r>
-              <a:rPr kumimoji="1" lang="ja-JP" altLang="en-US"/>
-              <a:t>ユーザに似合う</a:t>
-            </a:r>
-            <a:endParaRPr kumimoji="1" lang="en-US" altLang="ja-JP" dirty="0"/>
-          </a:p>
-          <a:p>
-            <a:pPr algn="ctr"/>
-            <a:r>
-              <a:rPr kumimoji="1" lang="ja-JP" altLang="en-US"/>
-              <a:t>リップカラー</a:t>
-            </a:r>
-            <a:endParaRPr kumimoji="1" lang="en-US" altLang="ja-JP" dirty="0"/>
-          </a:p>
-          <a:p>
-            <a:pPr algn="ctr"/>
-            <a:r>
-              <a:rPr kumimoji="1" lang="ja-JP" altLang="en-US"/>
-              <a:t>の提示</a:t>
-            </a:r>
-          </a:p>
-        </p:txBody>
-      </p:sp>
-      <p:sp>
-        <p:nvSpPr>
-          <p:cNvPr id="8" name="正方形/長方形 7">
-            <a:extLst>
-              <a:ext uri="{FF2B5EF4-FFF2-40B4-BE49-F238E27FC236}">
-                <a16:creationId xmlns:a16="http://schemas.microsoft.com/office/drawing/2014/main" id="{AAA2F6BA-C655-5B59-6792-3E6CA58B80EE}"/>
-              </a:ext>
-            </a:extLst>
-          </p:cNvPr>
-          <p:cNvSpPr/>
-          <p:nvPr/>
-        </p:nvSpPr>
-        <p:spPr>
-          <a:xfrm>
-            <a:off x="5036633" y="4848549"/>
-            <a:ext cx="2118731" cy="1455234"/>
-          </a:xfrm>
-          <a:prstGeom prst="rect">
-            <a:avLst/>
-          </a:prstGeom>
-        </p:spPr>
-        <p:style>
-          <a:lnRef idx="2">
-            <a:schemeClr val="accent1">
-              <a:shade val="50000"/>
-            </a:schemeClr>
-          </a:lnRef>
-          <a:fillRef idx="1">
-            <a:schemeClr val="accent1"/>
-          </a:fillRef>
-          <a:effectRef idx="0">
-            <a:schemeClr val="accent1"/>
-          </a:effectRef>
-          <a:fontRef idx="minor">
-            <a:schemeClr val="lt1"/>
-          </a:fontRef>
-        </p:style>
-        <p:txBody>
-          <a:bodyPr rtlCol="0" anchor="ctr"/>
-          <a:lstStyle/>
-          <a:p>
-            <a:pPr algn="ctr"/>
-            <a:r>
-              <a:rPr kumimoji="1" lang="ja-JP" altLang="en-US"/>
-              <a:t>学習データ</a:t>
-            </a:r>
-          </a:p>
-        </p:txBody>
-      </p:sp>
-      <p:cxnSp>
-        <p:nvCxnSpPr>
-          <p:cNvPr id="10" name="直線矢印コネクタ 9">
-            <a:extLst>
-              <a:ext uri="{FF2B5EF4-FFF2-40B4-BE49-F238E27FC236}">
-                <a16:creationId xmlns:a16="http://schemas.microsoft.com/office/drawing/2014/main" id="{115C9D9E-C004-1503-9DCC-5552EB84358C}"/>
-              </a:ext>
-            </a:extLst>
-          </p:cNvPr>
-          <p:cNvCxnSpPr/>
-          <p:nvPr/>
-        </p:nvCxnSpPr>
-        <p:spPr>
-          <a:xfrm>
-            <a:off x="4382429" y="3552570"/>
-            <a:ext cx="501805" cy="0"/>
-          </a:xfrm>
-          <a:prstGeom prst="straightConnector1">
-            <a:avLst/>
-          </a:prstGeom>
-          <a:ln>
-            <a:tailEnd type="triangle"/>
-          </a:ln>
-        </p:spPr>
-        <p:style>
-          <a:lnRef idx="1">
-            <a:schemeClr val="dk1"/>
-          </a:lnRef>
-          <a:fillRef idx="0">
-            <a:schemeClr val="dk1"/>
-          </a:fillRef>
-          <a:effectRef idx="0">
-            <a:schemeClr val="dk1"/>
-          </a:effectRef>
-          <a:fontRef idx="minor">
-            <a:schemeClr val="tx1"/>
-          </a:fontRef>
-        </p:style>
-      </p:cxnSp>
-      <p:cxnSp>
-        <p:nvCxnSpPr>
-          <p:cNvPr id="11" name="直線矢印コネクタ 10">
-            <a:extLst>
-              <a:ext uri="{FF2B5EF4-FFF2-40B4-BE49-F238E27FC236}">
-                <a16:creationId xmlns:a16="http://schemas.microsoft.com/office/drawing/2014/main" id="{D8039561-BF70-8E02-8A1B-40033D6BA3C4}"/>
-              </a:ext>
-            </a:extLst>
-          </p:cNvPr>
-          <p:cNvCxnSpPr/>
-          <p:nvPr/>
-        </p:nvCxnSpPr>
-        <p:spPr>
-          <a:xfrm>
-            <a:off x="7344936" y="3543277"/>
-            <a:ext cx="501805" cy="0"/>
-          </a:xfrm>
-          <a:prstGeom prst="straightConnector1">
-            <a:avLst/>
-          </a:prstGeom>
-          <a:ln>
-            <a:tailEnd type="triangle"/>
-          </a:ln>
-        </p:spPr>
-        <p:style>
-          <a:lnRef idx="1">
-            <a:schemeClr val="dk1"/>
-          </a:lnRef>
-          <a:fillRef idx="0">
-            <a:schemeClr val="dk1"/>
-          </a:fillRef>
-          <a:effectRef idx="0">
-            <a:schemeClr val="dk1"/>
-          </a:effectRef>
-          <a:fontRef idx="minor">
-            <a:schemeClr val="tx1"/>
-          </a:fontRef>
-        </p:style>
-      </p:cxnSp>
-      <p:cxnSp>
-        <p:nvCxnSpPr>
-          <p:cNvPr id="12" name="直線矢印コネクタ 11">
-            <a:extLst>
-              <a:ext uri="{FF2B5EF4-FFF2-40B4-BE49-F238E27FC236}">
-                <a16:creationId xmlns:a16="http://schemas.microsoft.com/office/drawing/2014/main" id="{60052A9E-8E25-F5C6-5FFC-A53460D3FA7C}"/>
-              </a:ext>
-            </a:extLst>
-          </p:cNvPr>
-          <p:cNvCxnSpPr>
-            <a:cxnSpLocks/>
-          </p:cNvCxnSpPr>
-          <p:nvPr/>
-        </p:nvCxnSpPr>
-        <p:spPr>
-          <a:xfrm flipH="1" flipV="1">
-            <a:off x="6092281" y="4386877"/>
-            <a:ext cx="3717" cy="354981"/>
-          </a:xfrm>
-          <a:prstGeom prst="straightConnector1">
-            <a:avLst/>
-          </a:prstGeom>
-          <a:ln>
-            <a:tailEnd type="triangle"/>
-          </a:ln>
-        </p:spPr>
-        <p:style>
-          <a:lnRef idx="1">
-            <a:schemeClr val="dk1"/>
-          </a:lnRef>
-          <a:fillRef idx="0">
-            <a:schemeClr val="dk1"/>
-          </a:fillRef>
-          <a:effectRef idx="0">
-            <a:schemeClr val="dk1"/>
-          </a:effectRef>
-          <a:fontRef idx="minor">
-            <a:schemeClr val="tx1"/>
-          </a:fontRef>
-        </p:style>
-      </p:cxnSp>
-      <p:sp>
-        <p:nvSpPr>
-          <p:cNvPr id="9" name="円/楕円 8">
-            <a:extLst>
-              <a:ext uri="{FF2B5EF4-FFF2-40B4-BE49-F238E27FC236}">
-                <a16:creationId xmlns:a16="http://schemas.microsoft.com/office/drawing/2014/main" id="{14F6B24F-290A-A6E8-2F2B-EB48AA99DEE9}"/>
-              </a:ext>
-            </a:extLst>
-          </p:cNvPr>
-          <p:cNvSpPr/>
-          <p:nvPr/>
-        </p:nvSpPr>
-        <p:spPr>
-          <a:xfrm>
-            <a:off x="5441795" y="3179004"/>
-            <a:ext cx="1271239" cy="691376"/>
-          </a:xfrm>
-          <a:prstGeom prst="ellipse">
-            <a:avLst/>
-          </a:prstGeom>
-          <a:noFill/>
-          <a:ln w="38100">
-            <a:solidFill>
-              <a:schemeClr val="accent2"/>
-            </a:solidFill>
-          </a:ln>
-        </p:spPr>
-        <p:style>
-          <a:lnRef idx="2">
-            <a:schemeClr val="accent1">
-              <a:shade val="50000"/>
-            </a:schemeClr>
-          </a:lnRef>
-          <a:fillRef idx="1">
-            <a:schemeClr val="accent1"/>
-          </a:fillRef>
-          <a:effectRef idx="0">
-            <a:schemeClr val="accent1"/>
-          </a:effectRef>
-          <a:fontRef idx="minor">
-            <a:schemeClr val="lt1"/>
-          </a:fontRef>
-        </p:style>
-        <p:txBody>
-          <a:bodyPr rtlCol="0" anchor="ctr"/>
-          <a:lstStyle/>
-          <a:p>
-            <a:pPr algn="ctr"/>
-            <a:endParaRPr kumimoji="1" lang="ja-JP" altLang="en-US"/>
-          </a:p>
-        </p:txBody>
-      </p:sp>
-      <p:sp>
-        <p:nvSpPr>
-          <p:cNvPr id="13" name="円/楕円 12">
-            <a:extLst>
-              <a:ext uri="{FF2B5EF4-FFF2-40B4-BE49-F238E27FC236}">
-                <a16:creationId xmlns:a16="http://schemas.microsoft.com/office/drawing/2014/main" id="{6B1522D3-7D81-7ED7-5405-7379EDF9FB39}"/>
-              </a:ext>
-            </a:extLst>
-          </p:cNvPr>
-          <p:cNvSpPr/>
-          <p:nvPr/>
-        </p:nvSpPr>
-        <p:spPr>
-          <a:xfrm>
-            <a:off x="8107037" y="2933678"/>
-            <a:ext cx="1873405" cy="1172736"/>
-          </a:xfrm>
-          <a:prstGeom prst="ellipse">
-            <a:avLst/>
-          </a:prstGeom>
-          <a:noFill/>
-          <a:ln w="38100">
-            <a:solidFill>
-              <a:schemeClr val="accent2"/>
-            </a:solidFill>
-          </a:ln>
-        </p:spPr>
-        <p:style>
-          <a:lnRef idx="2">
-            <a:schemeClr val="accent1">
-              <a:shade val="50000"/>
-            </a:schemeClr>
-          </a:lnRef>
-          <a:fillRef idx="1">
-            <a:schemeClr val="accent1"/>
-          </a:fillRef>
-          <a:effectRef idx="0">
-            <a:schemeClr val="accent1"/>
-          </a:effectRef>
-          <a:fontRef idx="minor">
-            <a:schemeClr val="lt1"/>
-          </a:fontRef>
-        </p:style>
-        <p:txBody>
-          <a:bodyPr rtlCol="0" anchor="ctr"/>
-          <a:lstStyle/>
-          <a:p>
-            <a:pPr algn="ctr"/>
+            <a:fld id="{2E72E7BF-67A1-9A45-B859-E63ACEF18531}" type="slidenum">
+              <a:rPr kumimoji="1" lang="ja-JP" altLang="en-US" smtClean="0"/>
+              <a:t>21</a:t>
+            </a:fld>
             <a:endParaRPr kumimoji="1" lang="ja-JP" altLang="en-US"/>
           </a:p>
         </p:txBody>
@@ -14964,7 +16582,7 @@
     </p:spTree>
     <p:extLst>
       <p:ext uri="{BB962C8B-B14F-4D97-AF65-F5344CB8AC3E}">
-        <p14:creationId xmlns:p14="http://schemas.microsoft.com/office/powerpoint/2010/main" val="1958055250"/>
+        <p14:creationId xmlns:p14="http://schemas.microsoft.com/office/powerpoint/2010/main" val="1989235206"/>
       </p:ext>
     </p:extLst>
   </p:cSld>
@@ -14975,7 +16593,7 @@
 </file>
 
 <file path=ppt/slides/slide22.xml><?xml version="1.0" encoding="utf-8"?>
-<p:sld xmlns:a="http://schemas.openxmlformats.org/drawingml/2006/main" xmlns:r="http://schemas.openxmlformats.org/officeDocument/2006/relationships" xmlns:p="http://schemas.openxmlformats.org/presentationml/2006/main" show="0">
+<p:sld xmlns:a="http://schemas.openxmlformats.org/drawingml/2006/main" xmlns:r="http://schemas.openxmlformats.org/officeDocument/2006/relationships" xmlns:p="http://schemas.openxmlformats.org/presentationml/2006/main">
   <p:cSld>
     <p:spTree>
       <p:nvGrpSpPr>
@@ -14993,530 +16611,71 @@
       </p:grpSpPr>
       <p:sp>
         <p:nvSpPr>
-          <p:cNvPr id="7" name="正方形/長方形 6">
+          <p:cNvPr id="2" name="スライド番号プレースホルダー 1">
             <a:extLst>
               <a:ext uri="{FF2B5EF4-FFF2-40B4-BE49-F238E27FC236}">
-                <a16:creationId xmlns:a16="http://schemas.microsoft.com/office/drawing/2014/main" id="{D98ECB46-E3D4-3A0B-1D69-28EB8A1887F1}"/>
+                <a16:creationId xmlns:a16="http://schemas.microsoft.com/office/drawing/2014/main" id="{59C852C7-FD41-74CF-C6E4-B747B9D2EFFA}"/>
               </a:ext>
             </a:extLst>
           </p:cNvPr>
-          <p:cNvSpPr/>
+          <p:cNvSpPr>
+            <a:spLocks noGrp="1"/>
+          </p:cNvSpPr>
+          <p:nvPr>
+            <p:ph type="sldNum" sz="quarter" idx="12"/>
+          </p:nvPr>
+        </p:nvSpPr>
+        <p:spPr/>
+        <p:txBody>
+          <a:bodyPr/>
+          <a:lstStyle/>
+          <a:p>
+            <a:fld id="{2E72E7BF-67A1-9A45-B859-E63ACEF18531}" type="slidenum">
+              <a:rPr kumimoji="1" lang="ja-JP" altLang="en-US" smtClean="0"/>
+              <a:t>22</a:t>
+            </a:fld>
+            <a:endParaRPr kumimoji="1" lang="ja-JP" altLang="en-US"/>
+          </a:p>
+        </p:txBody>
+      </p:sp>
+      <p:sp>
+        <p:nvSpPr>
+          <p:cNvPr id="3" name="テキスト ボックス 2">
+            <a:extLst>
+              <a:ext uri="{FF2B5EF4-FFF2-40B4-BE49-F238E27FC236}">
+                <a16:creationId xmlns:a16="http://schemas.microsoft.com/office/drawing/2014/main" id="{FDED1491-25A0-A213-031E-F83224E468A7}"/>
+              </a:ext>
+            </a:extLst>
+          </p:cNvPr>
+          <p:cNvSpPr txBox="1"/>
           <p:nvPr/>
         </p:nvSpPr>
         <p:spPr>
           <a:xfrm>
-            <a:off x="0" y="15287"/>
-            <a:ext cx="12192000" cy="1077091"/>
+            <a:off x="1787236" y="3807229"/>
+            <a:ext cx="4570482" cy="646331"/>
           </a:xfrm>
           <a:prstGeom prst="rect">
             <a:avLst/>
           </a:prstGeom>
-          <a:ln>
-            <a:noFill/>
-          </a:ln>
-        </p:spPr>
-        <p:style>
-          <a:lnRef idx="2">
-            <a:schemeClr val="accent1">
-              <a:shade val="50000"/>
-            </a:schemeClr>
-          </a:lnRef>
-          <a:fillRef idx="1">
-            <a:schemeClr val="accent1"/>
-          </a:fillRef>
-          <a:effectRef idx="0">
-            <a:schemeClr val="accent1"/>
-          </a:effectRef>
-          <a:fontRef idx="minor">
-            <a:schemeClr val="lt1"/>
-          </a:fontRef>
-        </p:style>
-        <p:txBody>
-          <a:bodyPr rtlCol="0" anchor="ctr"/>
-          <a:lstStyle/>
-          <a:p>
-            <a:pPr algn="ctr"/>
-            <a:endParaRPr kumimoji="1" lang="ja-JP" altLang="en-US"/>
-          </a:p>
-        </p:txBody>
-      </p:sp>
-      <p:sp>
-        <p:nvSpPr>
-          <p:cNvPr id="5" name="コンテンツ プレースホルダー 2">
-            <a:extLst>
-              <a:ext uri="{FF2B5EF4-FFF2-40B4-BE49-F238E27FC236}">
-                <a16:creationId xmlns:a16="http://schemas.microsoft.com/office/drawing/2014/main" id="{B040927F-1E6A-C26C-3C46-978E4552B438}"/>
-              </a:ext>
-            </a:extLst>
-          </p:cNvPr>
-          <p:cNvSpPr txBox="1">
-            <a:spLocks/>
-          </p:cNvSpPr>
-          <p:nvPr/>
-        </p:nvSpPr>
-        <p:spPr>
-          <a:xfrm>
-            <a:off x="576043" y="1432140"/>
-            <a:ext cx="11039913" cy="3162162"/>
-          </a:xfrm>
-          <a:prstGeom prst="rect">
-            <a:avLst/>
-          </a:prstGeom>
+          <a:noFill/>
         </p:spPr>
         <p:txBody>
-          <a:bodyPr/>
-          <a:lstStyle>
-            <a:lvl1pPr marL="182880" indent="-182880" algn="l" defTabSz="914400" rtl="0" eaLnBrk="1" latinLnBrk="0" hangingPunct="1">
-              <a:lnSpc>
-                <a:spcPct val="90000"/>
-              </a:lnSpc>
-              <a:spcBef>
-                <a:spcPts val="1200"/>
-              </a:spcBef>
-              <a:buClr>
-                <a:schemeClr val="accent1"/>
-              </a:buClr>
-              <a:buFont typeface="Wingdings 2" pitchFamily="18" charset="2"/>
-              <a:buChar char=""/>
-              <a:defRPr kumimoji="1" sz="2000" kern="1200">
-                <a:solidFill>
-                  <a:schemeClr val="tx1">
-                    <a:lumMod val="65000"/>
-                    <a:lumOff val="35000"/>
-                  </a:schemeClr>
-                </a:solidFill>
-                <a:latin typeface="+mn-lt"/>
-                <a:ea typeface="+mn-ea"/>
-                <a:cs typeface="+mn-cs"/>
-              </a:defRPr>
-            </a:lvl1pPr>
-            <a:lvl2pPr marL="685800" indent="-182880" algn="l" defTabSz="914400" rtl="0" eaLnBrk="1" latinLnBrk="0" hangingPunct="1">
-              <a:lnSpc>
-                <a:spcPct val="90000"/>
-              </a:lnSpc>
-              <a:spcBef>
-                <a:spcPts val="250"/>
-              </a:spcBef>
-              <a:spcAft>
-                <a:spcPts val="250"/>
-              </a:spcAft>
-              <a:buClr>
-                <a:schemeClr val="accent1"/>
-              </a:buClr>
-              <a:buFont typeface="Wingdings 2" pitchFamily="18" charset="2"/>
-              <a:buChar char=""/>
-              <a:defRPr kumimoji="1" sz="1800" kern="1200">
-                <a:solidFill>
-                  <a:schemeClr val="tx1">
-                    <a:lumMod val="65000"/>
-                    <a:lumOff val="35000"/>
-                  </a:schemeClr>
-                </a:solidFill>
-                <a:latin typeface="+mn-lt"/>
-                <a:ea typeface="+mn-ea"/>
-                <a:cs typeface="+mn-cs"/>
-              </a:defRPr>
-            </a:lvl2pPr>
-            <a:lvl3pPr marL="1143000" indent="-182880" algn="l" defTabSz="914400" rtl="0" eaLnBrk="1" latinLnBrk="0" hangingPunct="1">
-              <a:lnSpc>
-                <a:spcPct val="90000"/>
-              </a:lnSpc>
-              <a:spcBef>
-                <a:spcPts val="250"/>
-              </a:spcBef>
-              <a:spcAft>
-                <a:spcPts val="250"/>
-              </a:spcAft>
-              <a:buClr>
-                <a:schemeClr val="accent1"/>
-              </a:buClr>
-              <a:buFont typeface="Wingdings 2" pitchFamily="18" charset="2"/>
-              <a:buChar char=""/>
-              <a:defRPr kumimoji="1" sz="1600" kern="1200">
-                <a:solidFill>
-                  <a:schemeClr val="tx1">
-                    <a:lumMod val="65000"/>
-                    <a:lumOff val="35000"/>
-                  </a:schemeClr>
-                </a:solidFill>
-                <a:latin typeface="+mn-lt"/>
-                <a:ea typeface="+mn-ea"/>
-                <a:cs typeface="+mn-cs"/>
-              </a:defRPr>
-            </a:lvl3pPr>
-            <a:lvl4pPr marL="1600200" indent="-182880" algn="l" defTabSz="914400" rtl="0" eaLnBrk="1" latinLnBrk="0" hangingPunct="1">
-              <a:lnSpc>
-                <a:spcPct val="90000"/>
-              </a:lnSpc>
-              <a:spcBef>
-                <a:spcPts val="250"/>
-              </a:spcBef>
-              <a:spcAft>
-                <a:spcPts val="250"/>
-              </a:spcAft>
-              <a:buClr>
-                <a:schemeClr val="accent1"/>
-              </a:buClr>
-              <a:buFont typeface="Wingdings 2" pitchFamily="18" charset="2"/>
-              <a:buChar char=""/>
-              <a:defRPr kumimoji="1" sz="1400" kern="1200">
-                <a:solidFill>
-                  <a:schemeClr val="tx1">
-                    <a:lumMod val="65000"/>
-                    <a:lumOff val="35000"/>
-                  </a:schemeClr>
-                </a:solidFill>
-                <a:latin typeface="+mn-lt"/>
-                <a:ea typeface="+mn-ea"/>
-                <a:cs typeface="+mn-cs"/>
-              </a:defRPr>
-            </a:lvl4pPr>
-            <a:lvl5pPr marL="2057400" indent="-182880" algn="l" defTabSz="914400" rtl="0" eaLnBrk="1" latinLnBrk="0" hangingPunct="1">
-              <a:lnSpc>
-                <a:spcPct val="90000"/>
-              </a:lnSpc>
-              <a:spcBef>
-                <a:spcPts val="250"/>
-              </a:spcBef>
-              <a:spcAft>
-                <a:spcPts val="250"/>
-              </a:spcAft>
-              <a:buClr>
-                <a:schemeClr val="accent1"/>
-              </a:buClr>
-              <a:buFont typeface="Wingdings 2" pitchFamily="18" charset="2"/>
-              <a:buChar char=""/>
-              <a:defRPr kumimoji="1" sz="1400" kern="1200">
-                <a:solidFill>
-                  <a:schemeClr val="tx1">
-                    <a:lumMod val="65000"/>
-                    <a:lumOff val="35000"/>
-                  </a:schemeClr>
-                </a:solidFill>
-                <a:latin typeface="+mn-lt"/>
-                <a:ea typeface="+mn-ea"/>
-                <a:cs typeface="+mn-cs"/>
-              </a:defRPr>
-            </a:lvl5pPr>
-            <a:lvl6pPr marL="2514600" indent="-228600" algn="l" defTabSz="914400" rtl="0" eaLnBrk="1" latinLnBrk="0" hangingPunct="1">
-              <a:lnSpc>
-                <a:spcPct val="90000"/>
-              </a:lnSpc>
-              <a:spcBef>
-                <a:spcPts val="250"/>
-              </a:spcBef>
-              <a:spcAft>
-                <a:spcPts val="250"/>
-              </a:spcAft>
-              <a:buClr>
-                <a:schemeClr val="accent1"/>
-              </a:buClr>
-              <a:buFont typeface="Wingdings 2" pitchFamily="18" charset="2"/>
-              <a:buChar char=""/>
-              <a:defRPr kumimoji="1" sz="1400" kern="1200">
-                <a:solidFill>
-                  <a:schemeClr val="tx1">
-                    <a:lumMod val="65000"/>
-                    <a:lumOff val="35000"/>
-                  </a:schemeClr>
-                </a:solidFill>
-                <a:latin typeface="+mn-lt"/>
-                <a:ea typeface="+mn-ea"/>
-                <a:cs typeface="+mn-cs"/>
-              </a:defRPr>
-            </a:lvl6pPr>
-            <a:lvl7pPr marL="2971800" indent="-228600" algn="l" defTabSz="914400" rtl="0" eaLnBrk="1" latinLnBrk="0" hangingPunct="1">
-              <a:lnSpc>
-                <a:spcPct val="90000"/>
-              </a:lnSpc>
-              <a:spcBef>
-                <a:spcPts val="250"/>
-              </a:spcBef>
-              <a:spcAft>
-                <a:spcPts val="250"/>
-              </a:spcAft>
-              <a:buClr>
-                <a:schemeClr val="accent1"/>
-              </a:buClr>
-              <a:buFont typeface="Wingdings 2" pitchFamily="18" charset="2"/>
-              <a:buChar char=""/>
-              <a:defRPr kumimoji="1" sz="1400" kern="1200">
-                <a:solidFill>
-                  <a:schemeClr val="tx1">
-                    <a:lumMod val="65000"/>
-                    <a:lumOff val="35000"/>
-                  </a:schemeClr>
-                </a:solidFill>
-                <a:latin typeface="+mn-lt"/>
-                <a:ea typeface="+mn-ea"/>
-                <a:cs typeface="+mn-cs"/>
-              </a:defRPr>
-            </a:lvl7pPr>
-            <a:lvl8pPr marL="3429000" indent="-228600" algn="l" defTabSz="914400" rtl="0" eaLnBrk="1" latinLnBrk="0" hangingPunct="1">
-              <a:lnSpc>
-                <a:spcPct val="90000"/>
-              </a:lnSpc>
-              <a:spcBef>
-                <a:spcPts val="250"/>
-              </a:spcBef>
-              <a:spcAft>
-                <a:spcPts val="250"/>
-              </a:spcAft>
-              <a:buClr>
-                <a:schemeClr val="accent1"/>
-              </a:buClr>
-              <a:buFont typeface="Wingdings 2" pitchFamily="18" charset="2"/>
-              <a:buChar char=""/>
-              <a:defRPr kumimoji="1" sz="1400" kern="1200">
-                <a:solidFill>
-                  <a:schemeClr val="tx1">
-                    <a:lumMod val="65000"/>
-                    <a:lumOff val="35000"/>
-                  </a:schemeClr>
-                </a:solidFill>
-                <a:latin typeface="+mn-lt"/>
-                <a:ea typeface="+mn-ea"/>
-                <a:cs typeface="+mn-cs"/>
-              </a:defRPr>
-            </a:lvl8pPr>
-            <a:lvl9pPr marL="3886200" indent="-228600" algn="l" defTabSz="914400" rtl="0" eaLnBrk="1" latinLnBrk="0" hangingPunct="1">
-              <a:lnSpc>
-                <a:spcPct val="90000"/>
-              </a:lnSpc>
-              <a:spcBef>
-                <a:spcPts val="250"/>
-              </a:spcBef>
-              <a:spcAft>
-                <a:spcPts val="250"/>
-              </a:spcAft>
-              <a:buClr>
-                <a:schemeClr val="accent1"/>
-              </a:buClr>
-              <a:buFont typeface="Wingdings 2" pitchFamily="18" charset="2"/>
-              <a:buChar char=""/>
-              <a:defRPr kumimoji="1" sz="1400" kern="1200">
-                <a:solidFill>
-                  <a:schemeClr val="tx1">
-                    <a:lumMod val="65000"/>
-                    <a:lumOff val="35000"/>
-                  </a:schemeClr>
-                </a:solidFill>
-                <a:latin typeface="+mn-lt"/>
-                <a:ea typeface="+mn-ea"/>
-                <a:cs typeface="+mn-cs"/>
-              </a:defRPr>
-            </a:lvl9pPr>
-          </a:lstStyle>
-          <a:p>
-            <a:r>
-              <a:rPr lang="ja-JP" altLang="en-US">
-                <a:latin typeface="Hiragino Kaku Gothic ProN W3" panose="020B0300000000000000" pitchFamily="34" charset="-128"/>
-                <a:ea typeface="Hiragino Kaku Gothic ProN W3" panose="020B0300000000000000" pitchFamily="34" charset="-128"/>
-              </a:rPr>
-              <a:t>機械学習の精度向上</a:t>
-            </a:r>
-            <a:endParaRPr lang="en-US" altLang="ja-JP" dirty="0">
-              <a:latin typeface="Hiragino Kaku Gothic ProN W3" panose="020B0300000000000000" pitchFamily="34" charset="-128"/>
-              <a:ea typeface="Hiragino Kaku Gothic ProN W3" panose="020B0300000000000000" pitchFamily="34" charset="-128"/>
-            </a:endParaRPr>
-          </a:p>
-          <a:p>
-            <a:pPr lvl="1"/>
-            <a:r>
-              <a:rPr lang="ja-JP" altLang="en-US" sz="2000">
-                <a:latin typeface="Hiragino Kaku Gothic ProN W3" panose="020B0300000000000000" pitchFamily="34" charset="-128"/>
-                <a:ea typeface="Hiragino Kaku Gothic ProN W3" panose="020B0300000000000000" pitchFamily="34" charset="-128"/>
-              </a:rPr>
-              <a:t>卒業研究時点では</a:t>
-            </a:r>
-            <a:r>
-              <a:rPr lang="en-US" altLang="ja-JP" sz="2000" dirty="0">
-                <a:latin typeface="Hiragino Kaku Gothic ProN W3" panose="020B0300000000000000" pitchFamily="34" charset="-128"/>
-                <a:ea typeface="Hiragino Kaku Gothic ProN W3" panose="020B0300000000000000" pitchFamily="34" charset="-128"/>
-              </a:rPr>
-              <a:t>SVM</a:t>
-            </a:r>
-            <a:r>
-              <a:rPr lang="ja-JP" altLang="en-US" sz="2000">
-                <a:latin typeface="Hiragino Kaku Gothic ProN W3" panose="020B0300000000000000" pitchFamily="34" charset="-128"/>
-                <a:ea typeface="Hiragino Kaku Gothic ProN W3" panose="020B0300000000000000" pitchFamily="34" charset="-128"/>
-              </a:rPr>
-              <a:t>（サポートベクター回帰）をアルゴリズムとして採用していたが、ディープラーニングに変更</a:t>
-            </a:r>
-            <a:endParaRPr lang="en-US" altLang="ja-JP" sz="2000" dirty="0">
-              <a:latin typeface="Hiragino Kaku Gothic ProN W3" panose="020B0300000000000000" pitchFamily="34" charset="-128"/>
-              <a:ea typeface="Hiragino Kaku Gothic ProN W3" panose="020B0300000000000000" pitchFamily="34" charset="-128"/>
-            </a:endParaRPr>
-          </a:p>
-          <a:p>
-            <a:pPr lvl="1"/>
-            <a:r>
-              <a:rPr lang="ja-JP" altLang="en-US" sz="2000">
-                <a:latin typeface="Hiragino Kaku Gothic ProN W3" panose="020B0300000000000000" pitchFamily="34" charset="-128"/>
-                <a:ea typeface="Hiragino Kaku Gothic ProN W3" panose="020B0300000000000000" pitchFamily="34" charset="-128"/>
-              </a:rPr>
-              <a:t>課題点</a:t>
-            </a:r>
-            <a:r>
-              <a:rPr lang="en-US" altLang="ja-JP" sz="2000" dirty="0">
-                <a:latin typeface="Hiragino Kaku Gothic ProN W3" panose="020B0300000000000000" pitchFamily="34" charset="-128"/>
-                <a:ea typeface="Hiragino Kaku Gothic ProN W3" panose="020B0300000000000000" pitchFamily="34" charset="-128"/>
-              </a:rPr>
-              <a:t>→</a:t>
-            </a:r>
-            <a:r>
-              <a:rPr lang="ja-JP" altLang="en-US" sz="2000">
-                <a:latin typeface="Hiragino Kaku Gothic ProN W3" panose="020B0300000000000000" pitchFamily="34" charset="-128"/>
-                <a:ea typeface="Hiragino Kaku Gothic ProN W3" panose="020B0300000000000000" pitchFamily="34" charset="-128"/>
-              </a:rPr>
-              <a:t>ディープラーニング自体の理解、機械学習の入力の種類の検討（カラーコード</a:t>
-            </a:r>
-            <a:r>
-              <a:rPr lang="en-US" altLang="ja-JP" sz="2000" dirty="0">
-                <a:latin typeface="Hiragino Kaku Gothic ProN W3" panose="020B0300000000000000" pitchFamily="34" charset="-128"/>
-                <a:ea typeface="Hiragino Kaku Gothic ProN W3" panose="020B0300000000000000" pitchFamily="34" charset="-128"/>
-              </a:rPr>
-              <a:t>or</a:t>
-            </a:r>
-            <a:r>
-              <a:rPr lang="ja-JP" altLang="en-US" sz="2000">
-                <a:latin typeface="Hiragino Kaku Gothic ProN W3" panose="020B0300000000000000" pitchFamily="34" charset="-128"/>
-                <a:ea typeface="Hiragino Kaku Gothic ProN W3" panose="020B0300000000000000" pitchFamily="34" charset="-128"/>
-              </a:rPr>
-              <a:t>画像）</a:t>
-            </a:r>
-            <a:endParaRPr lang="en-US" altLang="ja-JP" sz="2000" dirty="0">
-              <a:latin typeface="Hiragino Kaku Gothic ProN W3" panose="020B0300000000000000" pitchFamily="34" charset="-128"/>
-              <a:ea typeface="Hiragino Kaku Gothic ProN W3" panose="020B0300000000000000" pitchFamily="34" charset="-128"/>
-            </a:endParaRPr>
-          </a:p>
-          <a:p>
-            <a:pPr marL="0" indent="0">
-              <a:buNone/>
-            </a:pPr>
-            <a:endParaRPr lang="en-US" altLang="ja-JP" dirty="0">
-              <a:latin typeface="Hiragino Kaku Gothic ProN W3" panose="020B0300000000000000" pitchFamily="34" charset="-128"/>
-              <a:ea typeface="Hiragino Kaku Gothic ProN W3" panose="020B0300000000000000" pitchFamily="34" charset="-128"/>
-            </a:endParaRPr>
-          </a:p>
-          <a:p>
-            <a:r>
-              <a:rPr lang="ja-JP" altLang="en-US">
-                <a:latin typeface="Hiragino Kaku Gothic ProN W3" panose="020B0300000000000000" pitchFamily="34" charset="-128"/>
-                <a:ea typeface="Hiragino Kaku Gothic ProN W3" panose="020B0300000000000000" pitchFamily="34" charset="-128"/>
-              </a:rPr>
-              <a:t>ユーザへのリップカラーの提示方法の検討</a:t>
-            </a:r>
-            <a:endParaRPr lang="en-US" altLang="ja-JP" dirty="0">
-              <a:latin typeface="Hiragino Kaku Gothic ProN W3" panose="020B0300000000000000" pitchFamily="34" charset="-128"/>
-              <a:ea typeface="Hiragino Kaku Gothic ProN W3" panose="020B0300000000000000" pitchFamily="34" charset="-128"/>
-            </a:endParaRPr>
-          </a:p>
-          <a:p>
-            <a:pPr lvl="1"/>
-            <a:r>
-              <a:rPr lang="ja-JP" altLang="en-US" sz="2000">
-                <a:latin typeface="Hiragino Kaku Gothic ProN W3" panose="020B0300000000000000" pitchFamily="34" charset="-128"/>
-                <a:ea typeface="Hiragino Kaku Gothic ProN W3" panose="020B0300000000000000" pitchFamily="34" charset="-128"/>
-              </a:rPr>
-              <a:t>被験者実験</a:t>
-            </a:r>
-            <a:endParaRPr lang="en-US" altLang="ja-JP" sz="2000" dirty="0">
-              <a:latin typeface="Hiragino Kaku Gothic ProN W3" panose="020B0300000000000000" pitchFamily="34" charset="-128"/>
-              <a:ea typeface="Hiragino Kaku Gothic ProN W3" panose="020B0300000000000000" pitchFamily="34" charset="-128"/>
-            </a:endParaRPr>
-          </a:p>
-          <a:p>
-            <a:pPr lvl="1"/>
-            <a:r>
-              <a:rPr lang="ja-JP" altLang="en-US" sz="2000">
-                <a:latin typeface="Hiragino Kaku Gothic ProN W3" panose="020B0300000000000000" pitchFamily="34" charset="-128"/>
-                <a:ea typeface="Hiragino Kaku Gothic ProN W3" panose="020B0300000000000000" pitchFamily="34" charset="-128"/>
-              </a:rPr>
-              <a:t>シチュエーション別などによる複数のリップカラーの提示、楽天</a:t>
-            </a:r>
-            <a:r>
-              <a:rPr lang="en-US" altLang="ja-JP" sz="2000" dirty="0">
-                <a:latin typeface="Hiragino Kaku Gothic ProN W3" panose="020B0300000000000000" pitchFamily="34" charset="-128"/>
-                <a:ea typeface="Hiragino Kaku Gothic ProN W3" panose="020B0300000000000000" pitchFamily="34" charset="-128"/>
-              </a:rPr>
-              <a:t>API</a:t>
-            </a:r>
-            <a:r>
-              <a:rPr lang="ja-JP" altLang="en-US" sz="2000">
-                <a:latin typeface="Hiragino Kaku Gothic ProN W3" panose="020B0300000000000000" pitchFamily="34" charset="-128"/>
-                <a:ea typeface="Hiragino Kaku Gothic ProN W3" panose="020B0300000000000000" pitchFamily="34" charset="-128"/>
-              </a:rPr>
-              <a:t>による商品の提案</a:t>
-            </a:r>
-            <a:endParaRPr lang="en-US" altLang="ja-JP" sz="2000" dirty="0">
-              <a:latin typeface="Hiragino Kaku Gothic ProN W3" panose="020B0300000000000000" pitchFamily="34" charset="-128"/>
-              <a:ea typeface="Hiragino Kaku Gothic ProN W3" panose="020B0300000000000000" pitchFamily="34" charset="-128"/>
-            </a:endParaRPr>
-          </a:p>
-          <a:p>
-            <a:pPr lvl="1"/>
-            <a:endParaRPr lang="en-US" altLang="ja-JP" sz="2000" dirty="0">
-              <a:latin typeface="Hiragino Kaku Gothic ProN W3" panose="020B0300000000000000" pitchFamily="34" charset="-128"/>
-              <a:ea typeface="Hiragino Kaku Gothic ProN W3" panose="020B0300000000000000" pitchFamily="34" charset="-128"/>
-            </a:endParaRPr>
-          </a:p>
-          <a:p>
-            <a:endParaRPr lang="ja-JP" altLang="en-US">
-              <a:latin typeface="Hiragino Kaku Gothic ProN W3" panose="020B0300000000000000" pitchFamily="34" charset="-128"/>
-              <a:ea typeface="Hiragino Kaku Gothic ProN W3" panose="020B0300000000000000" pitchFamily="34" charset="-128"/>
-            </a:endParaRPr>
-          </a:p>
-        </p:txBody>
-      </p:sp>
-      <p:sp>
-        <p:nvSpPr>
-          <p:cNvPr id="6" name="タイトル 1">
-            <a:extLst>
-              <a:ext uri="{FF2B5EF4-FFF2-40B4-BE49-F238E27FC236}">
-                <a16:creationId xmlns:a16="http://schemas.microsoft.com/office/drawing/2014/main" id="{45A7B92C-AE3D-91D6-227C-099A94786625}"/>
-              </a:ext>
-            </a:extLst>
-          </p:cNvPr>
-          <p:cNvSpPr txBox="1">
-            <a:spLocks/>
-          </p:cNvSpPr>
-          <p:nvPr/>
-        </p:nvSpPr>
-        <p:spPr>
-          <a:xfrm>
-            <a:off x="252918" y="320508"/>
-            <a:ext cx="5843081" cy="771870"/>
-          </a:xfrm>
-          <a:prstGeom prst="rect">
-            <a:avLst/>
-          </a:prstGeom>
-        </p:spPr>
-        <p:txBody>
-          <a:bodyPr/>
-          <a:lstStyle>
-            <a:lvl1pPr algn="l" defTabSz="914400" rtl="0" eaLnBrk="1" latinLnBrk="0" hangingPunct="1">
-              <a:lnSpc>
-                <a:spcPct val="90000"/>
-              </a:lnSpc>
-              <a:spcBef>
-                <a:spcPct val="0"/>
-              </a:spcBef>
-              <a:buNone/>
-              <a:defRPr kumimoji="1" sz="3600" kern="1200" spc="-60" baseline="0">
-                <a:solidFill>
-                  <a:srgbClr val="FFFFFF"/>
-                </a:solidFill>
-                <a:latin typeface="+mj-lt"/>
-                <a:ea typeface="+mj-ea"/>
-                <a:cs typeface="+mj-cs"/>
-              </a:defRPr>
-            </a:lvl1pPr>
-          </a:lstStyle>
-          <a:p>
-            <a:r>
-              <a:rPr lang="ja-JP" altLang="en-US"/>
-              <a:t>卒業論文との違い</a:t>
+          <a:bodyPr wrap="none" rtlCol="0">
+            <a:spAutoFit/>
+          </a:bodyPr>
+          <a:lstStyle/>
+          <a:p>
+            <a:r>
+              <a:rPr kumimoji="1" lang="ja-JP" altLang="en-US"/>
+              <a:t>画像サイズ</a:t>
+            </a:r>
+            <a:endParaRPr kumimoji="1" lang="en-US" altLang="ja-JP" dirty="0"/>
+          </a:p>
+          <a:p>
+            <a:r>
+              <a:rPr kumimoji="1" lang="ja-JP" altLang="en-US"/>
+              <a:t>ネットワーク構造（フィルターの数とか）</a:t>
             </a:r>
           </a:p>
         </p:txBody>
@@ -15524,7 +16683,7 @@
     </p:spTree>
     <p:extLst>
       <p:ext uri="{BB962C8B-B14F-4D97-AF65-F5344CB8AC3E}">
-        <p14:creationId xmlns:p14="http://schemas.microsoft.com/office/powerpoint/2010/main" val="1722437370"/>
+        <p14:creationId xmlns:p14="http://schemas.microsoft.com/office/powerpoint/2010/main" val="3033192586"/>
       </p:ext>
     </p:extLst>
   </p:cSld>
@@ -15616,8 +16775,8 @@
         </p:nvSpPr>
         <p:spPr>
           <a:xfrm>
-            <a:off x="576043" y="1432140"/>
-            <a:ext cx="11039913" cy="5120640"/>
+            <a:off x="441435" y="1432140"/>
+            <a:ext cx="11361682" cy="5120640"/>
           </a:xfrm>
           <a:prstGeom prst="rect">
             <a:avLst/>
@@ -15874,59 +17033,87 @@
                 <a:latin typeface="Hiragino Kaku Gothic ProN W3" panose="020B0300000000000000" pitchFamily="34" charset="-128"/>
                 <a:ea typeface="Hiragino Kaku Gothic ProN W3" panose="020B0300000000000000" pitchFamily="34" charset="-128"/>
               </a:rPr>
-              <a:t>メイクアップは、自分自身でそれが似合っているかどうかを客観的に判断することが難しい</a:t>
-            </a:r>
-          </a:p>
-          <a:p>
-            <a:pPr lvl="1" fontAlgn="base"/>
-            <a:r>
-              <a:rPr lang="ja-JP" altLang="en-US" sz="2000">
-                <a:latin typeface="Hiragino Kaku Gothic ProN W3" panose="020B0300000000000000" pitchFamily="34" charset="-128"/>
-                <a:ea typeface="Hiragino Kaku Gothic ProN W3" panose="020B0300000000000000" pitchFamily="34" charset="-128"/>
-              </a:rPr>
-              <a:t>自分がしているメイクアップに自信が持てず、不安になってしまう</a:t>
-            </a:r>
-          </a:p>
-          <a:p>
-            <a:pPr lvl="1" fontAlgn="base"/>
-            <a:r>
-              <a:rPr lang="ja-JP" altLang="en-US" sz="2000">
-                <a:latin typeface="Hiragino Kaku Gothic ProN W3" panose="020B0300000000000000" pitchFamily="34" charset="-128"/>
-                <a:ea typeface="Hiragino Kaku Gothic ProN W3" panose="020B0300000000000000" pitchFamily="34" charset="-128"/>
-              </a:rPr>
-              <a:t>メイクアップをどう改善したら良いのか分からない</a:t>
-            </a:r>
-            <a:br>
-              <a:rPr lang="ja-JP" altLang="en-US" sz="2000">
-                <a:latin typeface="Hiragino Kaku Gothic ProN W3" panose="020B0300000000000000" pitchFamily="34" charset="-128"/>
-                <a:ea typeface="Hiragino Kaku Gothic ProN W3" panose="020B0300000000000000" pitchFamily="34" charset="-128"/>
-              </a:rPr>
-            </a:br>
-            <a:br>
-              <a:rPr lang="ja-JP" altLang="en-US" sz="2000">
-                <a:latin typeface="Hiragino Kaku Gothic ProN W3" panose="020B0300000000000000" pitchFamily="34" charset="-128"/>
-                <a:ea typeface="Hiragino Kaku Gothic ProN W3" panose="020B0300000000000000" pitchFamily="34" charset="-128"/>
-              </a:rPr>
-            </a:br>
-            <a:endParaRPr lang="ja-JP" altLang="en-US" sz="2000">
+              <a:t>背景</a:t>
+            </a:r>
+            <a:endParaRPr lang="en-US" altLang="ja-JP" dirty="0">
               <a:latin typeface="Hiragino Kaku Gothic ProN W3" panose="020B0300000000000000" pitchFamily="34" charset="-128"/>
               <a:ea typeface="Hiragino Kaku Gothic ProN W3" panose="020B0300000000000000" pitchFamily="34" charset="-128"/>
             </a:endParaRPr>
           </a:p>
           <a:p>
+            <a:pPr lvl="1" fontAlgn="base"/>
+            <a:r>
+              <a:rPr lang="ja-JP" altLang="en-US" sz="2000">
+                <a:latin typeface="Hiragino Kaku Gothic ProN W3" panose="020B0300000000000000" pitchFamily="34" charset="-128"/>
+                <a:ea typeface="Hiragino Kaku Gothic ProN W3" panose="020B0300000000000000" pitchFamily="34" charset="-128"/>
+              </a:rPr>
+              <a:t>メイクアップは、自分自身でそれが似合っているかどうかを客観的に判断することが難しい</a:t>
+            </a:r>
+          </a:p>
+          <a:p>
+            <a:pPr lvl="2" fontAlgn="base"/>
+            <a:r>
+              <a:rPr lang="ja-JP" altLang="en-US" sz="2000">
+                <a:latin typeface="Hiragino Kaku Gothic ProN W3" panose="020B0300000000000000" pitchFamily="34" charset="-128"/>
+                <a:ea typeface="Hiragino Kaku Gothic ProN W3" panose="020B0300000000000000" pitchFamily="34" charset="-128"/>
+              </a:rPr>
+              <a:t>自分がしているメイクアップに自信が持てず、不安になってしまう</a:t>
+            </a:r>
+          </a:p>
+          <a:p>
+            <a:pPr lvl="2" fontAlgn="base"/>
+            <a:r>
+              <a:rPr lang="ja-JP" altLang="en-US" sz="2000">
+                <a:latin typeface="Hiragino Kaku Gothic ProN W3" panose="020B0300000000000000" pitchFamily="34" charset="-128"/>
+                <a:ea typeface="Hiragino Kaku Gothic ProN W3" panose="020B0300000000000000" pitchFamily="34" charset="-128"/>
+              </a:rPr>
+              <a:t>どう改善したら良いのか分からない</a:t>
+            </a:r>
+            <a:br>
+              <a:rPr lang="ja-JP" altLang="en-US" sz="1800">
+                <a:latin typeface="Hiragino Kaku Gothic ProN W3" panose="020B0300000000000000" pitchFamily="34" charset="-128"/>
+                <a:ea typeface="Hiragino Kaku Gothic ProN W3" panose="020B0300000000000000" pitchFamily="34" charset="-128"/>
+              </a:rPr>
+            </a:br>
+            <a:br>
+              <a:rPr lang="ja-JP" altLang="en-US" sz="1800">
+                <a:latin typeface="Hiragino Kaku Gothic ProN W3" panose="020B0300000000000000" pitchFamily="34" charset="-128"/>
+                <a:ea typeface="Hiragino Kaku Gothic ProN W3" panose="020B0300000000000000" pitchFamily="34" charset="-128"/>
+              </a:rPr>
+            </a:br>
+            <a:endParaRPr lang="ja-JP" altLang="en-US" sz="1800">
+              <a:latin typeface="Hiragino Kaku Gothic ProN W3" panose="020B0300000000000000" pitchFamily="34" charset="-128"/>
+              <a:ea typeface="Hiragino Kaku Gothic ProN W3" panose="020B0300000000000000" pitchFamily="34" charset="-128"/>
+            </a:endParaRPr>
+          </a:p>
+          <a:p>
             <a:pPr fontAlgn="base"/>
             <a:r>
               <a:rPr lang="ja-JP" altLang="en-US">
                 <a:latin typeface="Hiragino Kaku Gothic ProN W3" panose="020B0300000000000000" pitchFamily="34" charset="-128"/>
                 <a:ea typeface="Hiragino Kaku Gothic ProN W3" panose="020B0300000000000000" pitchFamily="34" charset="-128"/>
               </a:rPr>
+              <a:t>目的</a:t>
+            </a:r>
+            <a:endParaRPr lang="en-US" altLang="ja-JP" dirty="0">
+              <a:latin typeface="Hiragino Kaku Gothic ProN W3" panose="020B0300000000000000" pitchFamily="34" charset="-128"/>
+              <a:ea typeface="Hiragino Kaku Gothic ProN W3" panose="020B0300000000000000" pitchFamily="34" charset="-128"/>
+            </a:endParaRPr>
+          </a:p>
+          <a:p>
+            <a:pPr lvl="1" fontAlgn="base"/>
+            <a:r>
+              <a:rPr lang="ja-JP" altLang="en-US" sz="2000">
+                <a:latin typeface="Hiragino Kaku Gothic ProN W3" panose="020B0300000000000000" pitchFamily="34" charset="-128"/>
+                <a:ea typeface="Hiragino Kaku Gothic ProN W3" panose="020B0300000000000000" pitchFamily="34" charset="-128"/>
+              </a:rPr>
               <a:t>メイクアップの印象を大きく左右する要素としてリップメイクに着目</a:t>
             </a:r>
           </a:p>
           <a:p>
-            <a:pPr fontAlgn="base"/>
-            <a:r>
-              <a:rPr lang="ja-JP" altLang="en-US">
+            <a:pPr lvl="1" fontAlgn="base"/>
+            <a:r>
+              <a:rPr lang="ja-JP" altLang="en-US" sz="2000">
                 <a:latin typeface="Hiragino Kaku Gothic ProN W3" panose="020B0300000000000000" pitchFamily="34" charset="-128"/>
                 <a:ea typeface="Hiragino Kaku Gothic ProN W3" panose="020B0300000000000000" pitchFamily="34" charset="-128"/>
               </a:rPr>
@@ -15934,7 +17121,7 @@
             </a:r>
           </a:p>
           <a:p>
-            <a:pPr lvl="1" fontAlgn="base"/>
+            <a:pPr lvl="2" fontAlgn="base"/>
             <a:r>
               <a:rPr lang="ja-JP" altLang="en-US" sz="2000">
                 <a:latin typeface="Hiragino Kaku Gothic ProN W3" panose="020B0300000000000000" pitchFamily="34" charset="-128"/>
@@ -15948,7 +17135,7 @@
             </a:endParaRPr>
           </a:p>
           <a:p>
-            <a:pPr lvl="1" fontAlgn="base"/>
+            <a:pPr lvl="2" fontAlgn="base"/>
             <a:r>
               <a:rPr lang="ja-JP" altLang="en-US" sz="2000">
                 <a:latin typeface="Hiragino Kaku Gothic ProN W3" panose="020B0300000000000000" pitchFamily="34" charset="-128"/>
@@ -16014,6 +17201,35 @@
               <a:rPr lang="ja-JP" altLang="en-US"/>
               <a:t>研究の目的と背景</a:t>
             </a:r>
+          </a:p>
+        </p:txBody>
+      </p:sp>
+      <p:sp>
+        <p:nvSpPr>
+          <p:cNvPr id="2" name="スライド番号プレースホルダー 1">
+            <a:extLst>
+              <a:ext uri="{FF2B5EF4-FFF2-40B4-BE49-F238E27FC236}">
+                <a16:creationId xmlns:a16="http://schemas.microsoft.com/office/drawing/2014/main" id="{5D911939-D397-2678-986C-A043DC4B64B3}"/>
+              </a:ext>
+            </a:extLst>
+          </p:cNvPr>
+          <p:cNvSpPr>
+            <a:spLocks noGrp="1"/>
+          </p:cNvSpPr>
+          <p:nvPr>
+            <p:ph type="sldNum" sz="quarter" idx="12"/>
+          </p:nvPr>
+        </p:nvSpPr>
+        <p:spPr/>
+        <p:txBody>
+          <a:bodyPr/>
+          <a:lstStyle/>
+          <a:p>
+            <a:fld id="{2E72E7BF-67A1-9A45-B859-E63ACEF18531}" type="slidenum">
+              <a:rPr kumimoji="1" lang="ja-JP" altLang="en-US" smtClean="0"/>
+              <a:t>3</a:t>
+            </a:fld>
+            <a:endParaRPr kumimoji="1" lang="ja-JP" altLang="en-US"/>
           </a:p>
         </p:txBody>
       </p:sp>
@@ -16388,7 +17604,7 @@
         <p:spPr>
           <a:xfrm>
             <a:off x="252918" y="320508"/>
-            <a:ext cx="6599827" cy="771870"/>
+            <a:ext cx="11119275" cy="771870"/>
           </a:xfrm>
           <a:prstGeom prst="rect">
             <a:avLst/>
@@ -16418,13 +17634,24 @@
           <a:p>
             <a:r>
               <a:rPr lang="ja-JP" altLang="en-US"/>
-              <a:t>関連システム①　</a:t>
+              <a:t>関連システム　</a:t>
             </a:r>
             <a:r>
               <a:rPr lang="en-US" altLang="ja-JP" dirty="0"/>
               <a:t>JINS BRAIN</a:t>
             </a:r>
-            <a:endParaRPr lang="ja-JP" altLang="en-US"/>
+            <a:r>
+              <a:rPr lang="ja-JP" altLang="en-US"/>
+              <a:t>・</a:t>
+            </a:r>
+            <a:r>
+              <a:rPr lang="en-US" altLang="ja-JP" dirty="0"/>
+              <a:t>AR</a:t>
+            </a:r>
+            <a:r>
+              <a:rPr lang="ja-JP" altLang="en-US"/>
+              <a:t>タッチアップシステム</a:t>
+            </a:r>
           </a:p>
         </p:txBody>
       </p:sp>
@@ -16443,7 +17670,7 @@
           <p:nvPr/>
         </p:nvPicPr>
         <p:blipFill>
-          <a:blip r:embed="rId2">
+          <a:blip r:embed="rId3">
             <a:extLst>
               <a:ext uri="{28A0092B-C50C-407E-A947-70E740481C1C}">
                 <a14:useLocalDpi xmlns:a14="http://schemas.microsoft.com/office/drawing/2010/main" val="0"/>
@@ -16457,8 +17684,8 @@
         </p:blipFill>
         <p:spPr bwMode="auto">
           <a:xfrm>
-            <a:off x="761180" y="1660416"/>
-            <a:ext cx="6091565" cy="4057212"/>
+            <a:off x="576043" y="1584540"/>
+            <a:ext cx="5696784" cy="3794273"/>
           </a:xfrm>
           <a:prstGeom prst="rect">
             <a:avLst/>
@@ -16691,7 +17918,7 @@
                 </a:solidFill>
                 <a:latin typeface="Hiragino Kaku Gothic ProN W3" panose="020B0300000000000000" pitchFamily="34" charset="-128"/>
                 <a:ea typeface="Hiragino Kaku Gothic ProN W3" panose="020B0300000000000000" pitchFamily="34" charset="-128"/>
-                <a:hlinkClick r:id="rId3"/>
+                <a:hlinkClick r:id="rId4"/>
               </a:rPr>
               <a:t>https://www.atpress.ne.jp/news/175815</a:t>
             </a:r>
@@ -16722,8 +17949,8 @@
         </p:nvSpPr>
         <p:spPr>
           <a:xfrm>
-            <a:off x="7168056" y="1584540"/>
-            <a:ext cx="4708635" cy="5120640"/>
+            <a:off x="6907321" y="1753499"/>
+            <a:ext cx="4708635" cy="3371184"/>
           </a:xfrm>
           <a:prstGeom prst="rect">
             <a:avLst/>
@@ -16979,21 +18206,21 @@
                 <a:latin typeface="Hiragino Kaku Gothic ProN W3" panose="020B0300000000000000" pitchFamily="34" charset="-128"/>
                 <a:ea typeface="Hiragino Kaku Gothic ProN W3" panose="020B0300000000000000" pitchFamily="34" charset="-128"/>
               </a:rPr>
-              <a:t>株式会社</a:t>
+              <a:t>メガネを試着した状態で、スマホのカメラもしくは店舗に設置されている専用機器で顔写真を撮影すると、</a:t>
             </a:r>
             <a:r>
               <a:rPr lang="en" altLang="ja-JP" dirty="0">
                 <a:latin typeface="Hiragino Kaku Gothic ProN W3" panose="020B0300000000000000" pitchFamily="34" charset="-128"/>
                 <a:ea typeface="Hiragino Kaku Gothic ProN W3" panose="020B0300000000000000" pitchFamily="34" charset="-128"/>
               </a:rPr>
-              <a:t>JINS</a:t>
+              <a:t>AI</a:t>
             </a:r>
             <a:r>
               <a:rPr lang="ja-JP" altLang="en-US">
                 <a:latin typeface="Hiragino Kaku Gothic ProN W3" panose="020B0300000000000000" pitchFamily="34" charset="-128"/>
                 <a:ea typeface="Hiragino Kaku Gothic ProN W3" panose="020B0300000000000000" pitchFamily="34" charset="-128"/>
               </a:rPr>
-              <a:t>ホールディングスが提供するメガネの試着システム </a:t>
+              <a:t>がそのメガネの「似合い度」を判定するというもの</a:t>
             </a:r>
             <a:endParaRPr lang="en-US" altLang="ja-JP" dirty="0">
               <a:latin typeface="Hiragino Kaku Gothic ProN W3" panose="020B0300000000000000" pitchFamily="34" charset="-128"/>
@@ -17001,27 +18228,6 @@
             </a:endParaRPr>
           </a:p>
           <a:p>
-            <a:r>
-              <a:rPr lang="ja-JP" altLang="en-US">
-                <a:latin typeface="Hiragino Kaku Gothic ProN W3" panose="020B0300000000000000" pitchFamily="34" charset="-128"/>
-                <a:ea typeface="Hiragino Kaku Gothic ProN W3" panose="020B0300000000000000" pitchFamily="34" charset="-128"/>
-              </a:rPr>
-              <a:t>メガネを試着した状態で、スマホのカメラもしくは店舗に設置されている専用機器で顔写真を撮影すると、</a:t>
-            </a:r>
-            <a:r>
-              <a:rPr lang="en" altLang="ja-JP" dirty="0">
-                <a:latin typeface="Hiragino Kaku Gothic ProN W3" panose="020B0300000000000000" pitchFamily="34" charset="-128"/>
-                <a:ea typeface="Hiragino Kaku Gothic ProN W3" panose="020B0300000000000000" pitchFamily="34" charset="-128"/>
-              </a:rPr>
-              <a:t>AI</a:t>
-            </a:r>
-            <a:r>
-              <a:rPr lang="ja-JP" altLang="en-US">
-                <a:latin typeface="Hiragino Kaku Gothic ProN W3" panose="020B0300000000000000" pitchFamily="34" charset="-128"/>
-                <a:ea typeface="Hiragino Kaku Gothic ProN W3" panose="020B0300000000000000" pitchFamily="34" charset="-128"/>
-              </a:rPr>
-              <a:t>がそのメガネの「似合い度」を判定するというもの</a:t>
-            </a:r>
             <a:endParaRPr lang="en-US" altLang="ja-JP" dirty="0">
               <a:latin typeface="Hiragino Kaku Gothic ProN W3" panose="020B0300000000000000" pitchFamily="34" charset="-128"/>
               <a:ea typeface="Hiragino Kaku Gothic ProN W3" panose="020B0300000000000000" pitchFamily="34" charset="-128"/>
@@ -17033,35 +18239,51 @@
                 <a:latin typeface="Hiragino Kaku Gothic ProN W3" panose="020B0300000000000000" pitchFamily="34" charset="-128"/>
                 <a:ea typeface="Hiragino Kaku Gothic ProN W3" panose="020B0300000000000000" pitchFamily="34" charset="-128"/>
               </a:rPr>
-              <a:t>店舗在庫の中からメガネを「似合い度順」でレコメンドする機能もある</a:t>
-            </a:r>
-            <a:endParaRPr lang="en-US" altLang="ja-JP" dirty="0">
-              <a:latin typeface="Hiragino Kaku Gothic ProN W3" panose="020B0300000000000000" pitchFamily="34" charset="-128"/>
-              <a:ea typeface="Hiragino Kaku Gothic ProN W3" panose="020B0300000000000000" pitchFamily="34" charset="-128"/>
-            </a:endParaRPr>
-          </a:p>
-          <a:p>
+              <a:t>本研究は</a:t>
+            </a:r>
+            <a:r>
+              <a:rPr lang="en-US" altLang="ja-JP" dirty="0">
+                <a:latin typeface="Hiragino Kaku Gothic ProN W3" panose="020B0300000000000000" pitchFamily="34" charset="-128"/>
+                <a:ea typeface="Hiragino Kaku Gothic ProN W3" panose="020B0300000000000000" pitchFamily="34" charset="-128"/>
+              </a:rPr>
+              <a:t>JINS BRAIN</a:t>
+            </a:r>
             <a:r>
               <a:rPr lang="ja-JP" altLang="en-US">
                 <a:latin typeface="Hiragino Kaku Gothic ProN W3" panose="020B0300000000000000" pitchFamily="34" charset="-128"/>
                 <a:ea typeface="Hiragino Kaku Gothic ProN W3" panose="020B0300000000000000" pitchFamily="34" charset="-128"/>
               </a:rPr>
-              <a:t>本研究は</a:t>
-            </a:r>
-            <a:r>
-              <a:rPr lang="en-US" altLang="ja-JP" dirty="0">
-                <a:latin typeface="Hiragino Kaku Gothic ProN W3" panose="020B0300000000000000" pitchFamily="34" charset="-128"/>
-                <a:ea typeface="Hiragino Kaku Gothic ProN W3" panose="020B0300000000000000" pitchFamily="34" charset="-128"/>
-              </a:rPr>
-              <a:t>JINS BRAIN</a:t>
-            </a:r>
-            <a:r>
-              <a:rPr lang="ja-JP" altLang="en-US">
-                <a:latin typeface="Hiragino Kaku Gothic ProN W3" panose="020B0300000000000000" pitchFamily="34" charset="-128"/>
-                <a:ea typeface="Hiragino Kaku Gothic ProN W3" panose="020B0300000000000000" pitchFamily="34" charset="-128"/>
-              </a:rPr>
               <a:t>の「似合っているかどうかを人工知能に判定させる」というところから着想を得ている </a:t>
             </a:r>
+          </a:p>
+        </p:txBody>
+      </p:sp>
+      <p:sp>
+        <p:nvSpPr>
+          <p:cNvPr id="2" name="スライド番号プレースホルダー 1">
+            <a:extLst>
+              <a:ext uri="{FF2B5EF4-FFF2-40B4-BE49-F238E27FC236}">
+                <a16:creationId xmlns:a16="http://schemas.microsoft.com/office/drawing/2014/main" id="{97881C9F-48AF-1D38-2E4D-641DAB997DA5}"/>
+              </a:ext>
+            </a:extLst>
+          </p:cNvPr>
+          <p:cNvSpPr>
+            <a:spLocks noGrp="1"/>
+          </p:cNvSpPr>
+          <p:nvPr>
+            <p:ph type="sldNum" sz="quarter" idx="12"/>
+          </p:nvPr>
+        </p:nvSpPr>
+        <p:spPr/>
+        <p:txBody>
+          <a:bodyPr/>
+          <a:lstStyle/>
+          <a:p>
+            <a:fld id="{2E72E7BF-67A1-9A45-B859-E63ACEF18531}" type="slidenum">
+              <a:rPr kumimoji="1" lang="ja-JP" altLang="en-US" smtClean="0"/>
+              <a:t>4</a:t>
+            </a:fld>
+            <a:endParaRPr kumimoji="1" lang="ja-JP" altLang="en-US"/>
           </a:p>
         </p:txBody>
       </p:sp>
@@ -17495,7 +18717,7 @@
         </p:nvSpPr>
         <p:spPr>
           <a:xfrm>
-            <a:off x="5328745" y="1584540"/>
+            <a:off x="5328745" y="1481508"/>
             <a:ext cx="6439611" cy="5120640"/>
           </a:xfrm>
           <a:prstGeom prst="rect">
@@ -17753,7 +18975,7 @@
                 <a:latin typeface="Hiragino Kaku Gothic ProN W3" panose="020B0300000000000000" pitchFamily="34" charset="-128"/>
                 <a:ea typeface="Hiragino Kaku Gothic ProN W3" panose="020B0300000000000000" pitchFamily="34" charset="-128"/>
               </a:rPr>
-              <a:t>タッチアップ＝化粧品を実際に肌に乗せて試し、発色や似合うかどうかを確かめること。百貨店の化粧品フロアでは接客の一環として行われることもある</a:t>
+              <a:t>タッチアップ＝化粧品を実際に肌に乗せて試し、発色や似合うかどうかを確かめること。</a:t>
             </a:r>
             <a:endParaRPr lang="en-US" altLang="ja-JP" dirty="0">
               <a:latin typeface="Hiragino Kaku Gothic ProN W3" panose="020B0300000000000000" pitchFamily="34" charset="-128"/>
@@ -17761,21 +18983,9 @@
             </a:endParaRPr>
           </a:p>
           <a:p>
-            <a:pPr fontAlgn="base"/>
-            <a:r>
-              <a:rPr lang="en-US" altLang="ja-JP" dirty="0">
-                <a:latin typeface="Hiragino Kaku Gothic ProN W3" panose="020B0300000000000000" pitchFamily="34" charset="-128"/>
-                <a:ea typeface="Hiragino Kaku Gothic ProN W3" panose="020B0300000000000000" pitchFamily="34" charset="-128"/>
-              </a:rPr>
-              <a:t>AR</a:t>
-            </a:r>
-            <a:r>
-              <a:rPr lang="ja-JP" altLang="en-US">
-                <a:latin typeface="Hiragino Kaku Gothic ProN W3" panose="020B0300000000000000" pitchFamily="34" charset="-128"/>
-                <a:ea typeface="Hiragino Kaku Gothic ProN W3" panose="020B0300000000000000" pitchFamily="34" charset="-128"/>
-              </a:rPr>
-              <a:t>＝拡張現実。カメラなどのデバイスを使用し、現実世界にデジタル情報を重ねて表示する技術</a:t>
-            </a:r>
+            <a:pPr marL="0" indent="0" fontAlgn="base">
+              <a:buNone/>
+            </a:pPr>
             <a:endParaRPr lang="en-US" altLang="ja-JP" dirty="0">
               <a:latin typeface="Hiragino Kaku Gothic ProN W3" panose="020B0300000000000000" pitchFamily="34" charset="-128"/>
               <a:ea typeface="Hiragino Kaku Gothic ProN W3" panose="020B0300000000000000" pitchFamily="34" charset="-128"/>
@@ -17795,7 +19005,7 @@
                 <a:latin typeface="Hiragino Kaku Gothic ProN W3" panose="020B0300000000000000" pitchFamily="34" charset="-128"/>
                 <a:ea typeface="Hiragino Kaku Gothic ProN W3" panose="020B0300000000000000" pitchFamily="34" charset="-128"/>
               </a:rPr>
-              <a:t>タッチアップシステム＝スマートフォンや専用デバイスを使用し、自身の顔で化粧品を試した際のイメージ画像を生成することで、実際に化粧品を顔に乗せることなく使用イメージを確認できるシステム</a:t>
+              <a:t>＝拡張現実。カメラなどのデバイスを使用し、現実世界にデジタル情報を重ねて表示する技術</a:t>
             </a:r>
             <a:endParaRPr lang="en-US" altLang="ja-JP" dirty="0">
               <a:latin typeface="Hiragino Kaku Gothic ProN W3" panose="020B0300000000000000" pitchFamily="34" charset="-128"/>
@@ -17803,15 +19013,36 @@
             </a:endParaRPr>
           </a:p>
           <a:p>
-            <a:pPr lvl="1" fontAlgn="base"/>
-            <a:r>
-              <a:rPr lang="ja-JP" altLang="en-US" sz="2000">
-                <a:latin typeface="Hiragino Kaku Gothic ProN W3" panose="020B0300000000000000" pitchFamily="34" charset="-128"/>
-                <a:ea typeface="Hiragino Kaku Gothic ProN W3" panose="020B0300000000000000" pitchFamily="34" charset="-128"/>
-              </a:rPr>
-              <a:t>コロナ禍で非対面、非接触が推奨されたことをきっかけに発展した</a:t>
-            </a:r>
-            <a:endParaRPr lang="en-US" altLang="ja-JP" sz="2000" dirty="0">
+            <a:pPr fontAlgn="base"/>
+            <a:endParaRPr lang="en-US" altLang="ja-JP" dirty="0">
+              <a:latin typeface="Hiragino Kaku Gothic ProN W3" panose="020B0300000000000000" pitchFamily="34" charset="-128"/>
+              <a:ea typeface="Hiragino Kaku Gothic ProN W3" panose="020B0300000000000000" pitchFamily="34" charset="-128"/>
+            </a:endParaRPr>
+          </a:p>
+          <a:p>
+            <a:pPr fontAlgn="base"/>
+            <a:r>
+              <a:rPr lang="en-US" altLang="ja-JP" dirty="0">
+                <a:latin typeface="Hiragino Kaku Gothic ProN W3" panose="020B0300000000000000" pitchFamily="34" charset="-128"/>
+                <a:ea typeface="Hiragino Kaku Gothic ProN W3" panose="020B0300000000000000" pitchFamily="34" charset="-128"/>
+              </a:rPr>
+              <a:t>AR</a:t>
+            </a:r>
+            <a:r>
+              <a:rPr lang="ja-JP" altLang="en-US">
+                <a:latin typeface="Hiragino Kaku Gothic ProN W3" panose="020B0300000000000000" pitchFamily="34" charset="-128"/>
+                <a:ea typeface="Hiragino Kaku Gothic ProN W3" panose="020B0300000000000000" pitchFamily="34" charset="-128"/>
+              </a:rPr>
+              <a:t>タッチアップシステム＝スマートフォンや専用デバイスを使用し、自身の顔で化粧品を試した際のイメージ画像を生成することで、実際に化粧品を顔に乗せることなく使用イメージを確認できるシステム</a:t>
+            </a:r>
+            <a:endParaRPr lang="en-US" altLang="ja-JP" dirty="0">
+              <a:latin typeface="Hiragino Kaku Gothic ProN W3" panose="020B0300000000000000" pitchFamily="34" charset="-128"/>
+              <a:ea typeface="Hiragino Kaku Gothic ProN W3" panose="020B0300000000000000" pitchFamily="34" charset="-128"/>
+            </a:endParaRPr>
+          </a:p>
+          <a:p>
+            <a:pPr fontAlgn="base"/>
+            <a:endParaRPr lang="en-US" altLang="ja-JP" dirty="0">
               <a:latin typeface="Hiragino Kaku Gothic ProN W3" panose="020B0300000000000000" pitchFamily="34" charset="-128"/>
               <a:ea typeface="Hiragino Kaku Gothic ProN W3" panose="020B0300000000000000" pitchFamily="34" charset="-128"/>
             </a:endParaRPr>
@@ -18023,6 +19254,35 @@
               <a:latin typeface="Hiragino Kaku Gothic ProN W3" panose="020B0300000000000000" pitchFamily="34" charset="-128"/>
               <a:ea typeface="Hiragino Kaku Gothic ProN W3" panose="020B0300000000000000" pitchFamily="34" charset="-128"/>
             </a:endParaRPr>
+          </a:p>
+        </p:txBody>
+      </p:sp>
+      <p:sp>
+        <p:nvSpPr>
+          <p:cNvPr id="3" name="スライド番号プレースホルダー 2">
+            <a:extLst>
+              <a:ext uri="{FF2B5EF4-FFF2-40B4-BE49-F238E27FC236}">
+                <a16:creationId xmlns:a16="http://schemas.microsoft.com/office/drawing/2014/main" id="{DA5BC81A-15F4-2D9C-5B13-90FC184C915B}"/>
+              </a:ext>
+            </a:extLst>
+          </p:cNvPr>
+          <p:cNvSpPr>
+            <a:spLocks noGrp="1"/>
+          </p:cNvSpPr>
+          <p:nvPr>
+            <p:ph type="sldNum" sz="quarter" idx="12"/>
+          </p:nvPr>
+        </p:nvSpPr>
+        <p:spPr/>
+        <p:txBody>
+          <a:bodyPr/>
+          <a:lstStyle/>
+          <a:p>
+            <a:fld id="{2E72E7BF-67A1-9A45-B859-E63ACEF18531}" type="slidenum">
+              <a:rPr kumimoji="1" lang="ja-JP" altLang="en-US" smtClean="0"/>
+              <a:t>5</a:t>
+            </a:fld>
+            <a:endParaRPr kumimoji="1" lang="ja-JP" altLang="en-US"/>
           </a:p>
         </p:txBody>
       </p:sp>
@@ -18826,6 +20086,35 @@
           </a:p>
         </p:txBody>
       </p:sp>
+      <p:sp>
+        <p:nvSpPr>
+          <p:cNvPr id="2" name="スライド番号プレースホルダー 1">
+            <a:extLst>
+              <a:ext uri="{FF2B5EF4-FFF2-40B4-BE49-F238E27FC236}">
+                <a16:creationId xmlns:a16="http://schemas.microsoft.com/office/drawing/2014/main" id="{523D6EFD-631E-D162-5BDA-76F92696EBDA}"/>
+              </a:ext>
+            </a:extLst>
+          </p:cNvPr>
+          <p:cNvSpPr>
+            <a:spLocks noGrp="1"/>
+          </p:cNvSpPr>
+          <p:nvPr>
+            <p:ph type="sldNum" sz="quarter" idx="12"/>
+          </p:nvPr>
+        </p:nvSpPr>
+        <p:spPr/>
+        <p:txBody>
+          <a:bodyPr/>
+          <a:lstStyle/>
+          <a:p>
+            <a:fld id="{2E72E7BF-67A1-9A45-B859-E63ACEF18531}" type="slidenum">
+              <a:rPr kumimoji="1" lang="ja-JP" altLang="en-US" smtClean="0"/>
+              <a:t>6</a:t>
+            </a:fld>
+            <a:endParaRPr kumimoji="1" lang="ja-JP" altLang="en-US"/>
+          </a:p>
+        </p:txBody>
+      </p:sp>
     </p:spTree>
     <p:extLst>
       <p:ext uri="{BB962C8B-B14F-4D97-AF65-F5344CB8AC3E}">
@@ -19571,6 +20860,35 @@
               <a:t>』</a:t>
             </a:r>
             <a:endParaRPr lang="ja-JP" altLang="en-US" sz="3000"/>
+          </a:p>
+        </p:txBody>
+      </p:sp>
+      <p:sp>
+        <p:nvSpPr>
+          <p:cNvPr id="2" name="スライド番号プレースホルダー 1">
+            <a:extLst>
+              <a:ext uri="{FF2B5EF4-FFF2-40B4-BE49-F238E27FC236}">
+                <a16:creationId xmlns:a16="http://schemas.microsoft.com/office/drawing/2014/main" id="{3B3D4FEA-A19F-2FAA-B879-1A330AE3ADE9}"/>
+              </a:ext>
+            </a:extLst>
+          </p:cNvPr>
+          <p:cNvSpPr>
+            <a:spLocks noGrp="1"/>
+          </p:cNvSpPr>
+          <p:nvPr>
+            <p:ph type="sldNum" sz="quarter" idx="12"/>
+          </p:nvPr>
+        </p:nvSpPr>
+        <p:spPr/>
+        <p:txBody>
+          <a:bodyPr/>
+          <a:lstStyle/>
+          <a:p>
+            <a:fld id="{2E72E7BF-67A1-9A45-B859-E63ACEF18531}" type="slidenum">
+              <a:rPr kumimoji="1" lang="ja-JP" altLang="en-US" smtClean="0"/>
+              <a:t>7</a:t>
+            </a:fld>
+            <a:endParaRPr kumimoji="1" lang="ja-JP" altLang="en-US"/>
           </a:p>
         </p:txBody>
       </p:sp>
@@ -19926,7 +21244,7 @@
                 <a:latin typeface="Hiragino Kaku Gothic ProN W3" panose="020B0300000000000000" pitchFamily="34" charset="-128"/>
                 <a:ea typeface="Hiragino Kaku Gothic ProN W3" panose="020B0300000000000000" pitchFamily="34" charset="-128"/>
               </a:rPr>
-              <a:t>研究の目的：機械学習を使って、ユーザーに似合うリップカラーを推定、提示する</a:t>
+              <a:t>機械学習を使って、ユーザーに似合うリップカラーを推定、提示するシステム</a:t>
             </a:r>
             <a:endParaRPr lang="en-US" altLang="ja-JP" dirty="0">
               <a:latin typeface="Hiragino Kaku Gothic ProN W3" panose="020B0300000000000000" pitchFamily="34" charset="-128"/>
@@ -19995,10 +21313,10 @@
       </p:sp>
       <p:sp>
         <p:nvSpPr>
-          <p:cNvPr id="2" name="正方形/長方形 1">
+          <p:cNvPr id="3" name="正方形/長方形 2">
             <a:extLst>
               <a:ext uri="{FF2B5EF4-FFF2-40B4-BE49-F238E27FC236}">
-                <a16:creationId xmlns:a16="http://schemas.microsoft.com/office/drawing/2014/main" id="{9C22C84C-98E3-5902-3E60-DB66562821D2}"/>
+                <a16:creationId xmlns:a16="http://schemas.microsoft.com/office/drawing/2014/main" id="{3DBF45C6-D291-47D3-A61D-7DD64B4F27E5}"/>
               </a:ext>
             </a:extLst>
           </p:cNvPr>
@@ -20007,7 +21325,7 @@
         </p:nvSpPr>
         <p:spPr>
           <a:xfrm>
-            <a:off x="2088891" y="1976174"/>
+            <a:off x="4920239" y="4792920"/>
             <a:ext cx="2118731" cy="1455234"/>
           </a:xfrm>
           <a:prstGeom prst="rect">
@@ -20037,7 +21355,7 @@
             <a:pPr algn="ctr"/>
             <a:r>
               <a:rPr kumimoji="1" lang="ja-JP" altLang="en-US"/>
-              <a:t>ユーザの</a:t>
+              <a:t>機械学習</a:t>
             </a:r>
             <a:endParaRPr kumimoji="1" lang="en-US" altLang="ja-JP" dirty="0"/>
           </a:p>
@@ -20045,17 +21363,17 @@
             <a:pPr algn="ctr"/>
             <a:r>
               <a:rPr kumimoji="1" lang="ja-JP" altLang="en-US"/>
-              <a:t>顔写真</a:t>
+              <a:t>モデル</a:t>
             </a:r>
           </a:p>
         </p:txBody>
       </p:sp>
       <p:sp>
         <p:nvSpPr>
-          <p:cNvPr id="3" name="正方形/長方形 2">
+          <p:cNvPr id="8" name="正方形/長方形 7">
             <a:extLst>
               <a:ext uri="{FF2B5EF4-FFF2-40B4-BE49-F238E27FC236}">
-                <a16:creationId xmlns:a16="http://schemas.microsoft.com/office/drawing/2014/main" id="{3DBF45C6-D291-47D3-A61D-7DD64B4F27E5}"/>
+                <a16:creationId xmlns:a16="http://schemas.microsoft.com/office/drawing/2014/main" id="{AAA2F6BA-C655-5B59-6792-3E6CA58B80EE}"/>
               </a:ext>
             </a:extLst>
           </p:cNvPr>
@@ -20064,8 +21382,8 @@
         </p:nvSpPr>
         <p:spPr>
           <a:xfrm>
-            <a:off x="5036633" y="1976174"/>
-            <a:ext cx="2118731" cy="1455234"/>
+            <a:off x="2976117" y="2212414"/>
+            <a:ext cx="2118731" cy="1056746"/>
           </a:xfrm>
           <a:prstGeom prst="rect">
             <a:avLst/>
@@ -20094,128 +21412,6 @@
             <a:pPr algn="ctr"/>
             <a:r>
               <a:rPr kumimoji="1" lang="ja-JP" altLang="en-US"/>
-              <a:t>機械学習</a:t>
-            </a:r>
-            <a:endParaRPr kumimoji="1" lang="en-US" altLang="ja-JP" dirty="0"/>
-          </a:p>
-          <a:p>
-            <a:pPr algn="ctr"/>
-            <a:r>
-              <a:rPr kumimoji="1" lang="ja-JP" altLang="en-US"/>
-              <a:t>モデル</a:t>
-            </a:r>
-          </a:p>
-        </p:txBody>
-      </p:sp>
-      <p:sp>
-        <p:nvSpPr>
-          <p:cNvPr id="4" name="正方形/長方形 3">
-            <a:extLst>
-              <a:ext uri="{FF2B5EF4-FFF2-40B4-BE49-F238E27FC236}">
-                <a16:creationId xmlns:a16="http://schemas.microsoft.com/office/drawing/2014/main" id="{0A65B00B-3F52-3EE1-21D0-02445B5EE9C0}"/>
-              </a:ext>
-            </a:extLst>
-          </p:cNvPr>
-          <p:cNvSpPr/>
-          <p:nvPr/>
-        </p:nvSpPr>
-        <p:spPr>
-          <a:xfrm>
-            <a:off x="7984375" y="1976174"/>
-            <a:ext cx="2118731" cy="1455234"/>
-          </a:xfrm>
-          <a:prstGeom prst="rect">
-            <a:avLst/>
-          </a:prstGeom>
-        </p:spPr>
-        <p:style>
-          <a:lnRef idx="2">
-            <a:schemeClr val="accent1">
-              <a:shade val="50000"/>
-            </a:schemeClr>
-          </a:lnRef>
-          <a:fillRef idx="1">
-            <a:schemeClr val="accent1"/>
-          </a:fillRef>
-          <a:effectRef idx="0">
-            <a:schemeClr val="accent1"/>
-          </a:effectRef>
-          <a:fontRef idx="minor">
-            <a:schemeClr val="lt1"/>
-          </a:fontRef>
-        </p:style>
-        <p:txBody>
-          <a:bodyPr rtlCol="0" anchor="ctr"/>
-          <a:lstStyle/>
-          <a:p>
-            <a:pPr algn="ctr"/>
-            <a:r>
-              <a:rPr kumimoji="1" lang="ja-JP" altLang="en-US"/>
-              <a:t>ユーザに似合う</a:t>
-            </a:r>
-            <a:endParaRPr kumimoji="1" lang="en-US" altLang="ja-JP" dirty="0"/>
-          </a:p>
-          <a:p>
-            <a:pPr algn="ctr"/>
-            <a:r>
-              <a:rPr kumimoji="1" lang="ja-JP" altLang="en-US"/>
-              <a:t>リップカラー</a:t>
-            </a:r>
-            <a:endParaRPr kumimoji="1" lang="en-US" altLang="ja-JP" dirty="0"/>
-          </a:p>
-          <a:p>
-            <a:pPr algn="ctr"/>
-            <a:r>
-              <a:rPr kumimoji="1" lang="ja-JP" altLang="en-US"/>
-              <a:t>の提示</a:t>
-            </a:r>
-          </a:p>
-        </p:txBody>
-      </p:sp>
-      <p:sp>
-        <p:nvSpPr>
-          <p:cNvPr id="8" name="正方形/長方形 7">
-            <a:extLst>
-              <a:ext uri="{FF2B5EF4-FFF2-40B4-BE49-F238E27FC236}">
-                <a16:creationId xmlns:a16="http://schemas.microsoft.com/office/drawing/2014/main" id="{AAA2F6BA-C655-5B59-6792-3E6CA58B80EE}"/>
-              </a:ext>
-            </a:extLst>
-          </p:cNvPr>
-          <p:cNvSpPr/>
-          <p:nvPr/>
-        </p:nvSpPr>
-        <p:spPr>
-          <a:xfrm>
-            <a:off x="5036633" y="3999770"/>
-            <a:ext cx="2118731" cy="1455234"/>
-          </a:xfrm>
-          <a:prstGeom prst="rect">
-            <a:avLst/>
-          </a:prstGeom>
-        </p:spPr>
-        <p:style>
-          <a:lnRef idx="2">
-            <a:schemeClr val="accent1">
-              <a:shade val="50000"/>
-            </a:schemeClr>
-          </a:lnRef>
-          <a:fillRef idx="1">
-            <a:schemeClr val="accent1"/>
-          </a:fillRef>
-          <a:effectRef idx="0">
-            <a:schemeClr val="accent1"/>
-          </a:effectRef>
-          <a:fontRef idx="minor">
-            <a:schemeClr val="lt1"/>
-          </a:fontRef>
-        </p:style>
-        <p:txBody>
-          <a:bodyPr rtlCol="0" anchor="ctr"/>
-          <a:lstStyle/>
-          <a:p>
-            <a:pPr algn="ctr"/>
-            <a:r>
-              <a:rPr kumimoji="1" lang="ja-JP" altLang="en-US"/>
               <a:t>学習データ</a:t>
             </a:r>
           </a:p>
@@ -20235,7 +21431,7 @@
         </p:nvCxnSpPr>
         <p:spPr>
           <a:xfrm>
-            <a:off x="4382429" y="2703791"/>
+            <a:off x="1565355" y="5411550"/>
             <a:ext cx="501805" cy="0"/>
           </a:xfrm>
           <a:prstGeom prst="straightConnector1">
@@ -20274,49 +21470,8 @@
         </p:nvCxnSpPr>
         <p:spPr>
           <a:xfrm>
-            <a:off x="7344936" y="2694498"/>
+            <a:off x="7396452" y="5500647"/>
             <a:ext cx="501805" cy="0"/>
-          </a:xfrm>
-          <a:prstGeom prst="straightConnector1">
-            <a:avLst/>
-          </a:prstGeom>
-          <a:ln>
-            <a:tailEnd type="triangle"/>
-          </a:ln>
-        </p:spPr>
-        <p:style>
-          <a:lnRef idx="1">
-            <a:schemeClr val="dk1"/>
-          </a:lnRef>
-          <a:fillRef idx="0">
-            <a:schemeClr val="dk1"/>
-          </a:fillRef>
-          <a:effectRef idx="0">
-            <a:schemeClr val="dk1"/>
-          </a:effectRef>
-          <a:fontRef idx="minor">
-            <a:schemeClr val="tx1"/>
-          </a:fontRef>
-        </p:style>
-      </p:cxnSp>
-      <p:cxnSp>
-        <p:nvCxnSpPr>
-          <p:cNvPr id="12" name="直線矢印コネクタ 11">
-            <a:extLst>
-              <a:ext uri="{FF2B5EF4-FFF2-40B4-BE49-F238E27FC236}">
-                <a16:creationId xmlns:a16="http://schemas.microsoft.com/office/drawing/2014/main" id="{60052A9E-8E25-F5C6-5FFC-A53460D3FA7C}"/>
-              </a:ext>
-            </a:extLst>
-          </p:cNvPr>
-          <p:cNvCxnSpPr>
-            <a:cxnSpLocks/>
-          </p:cNvCxnSpPr>
-          <p:nvPr/>
-        </p:nvCxnSpPr>
-        <p:spPr>
-          <a:xfrm flipH="1" flipV="1">
-            <a:off x="6092281" y="3538098"/>
-            <a:ext cx="3717" cy="354981"/>
           </a:xfrm>
           <a:prstGeom prst="straightConnector1">
             <a:avLst/>
@@ -20355,13 +21510,13 @@
           <p:nvPr/>
         </p:nvPicPr>
         <p:blipFill rotWithShape="1">
-          <a:blip r:embed="rId2"/>
+          <a:blip r:embed="rId3"/>
           <a:srcRect t="15706" b="9732"/>
           <a:stretch/>
         </p:blipFill>
         <p:spPr>
           <a:xfrm>
-            <a:off x="1066483" y="1976174"/>
+            <a:off x="600569" y="4787136"/>
             <a:ext cx="832836" cy="1455234"/>
           </a:xfrm>
           <a:prstGeom prst="rect">
@@ -20383,7 +21538,7 @@
         </p:nvSpPr>
         <p:spPr>
           <a:xfrm>
-            <a:off x="10240740" y="2692744"/>
+            <a:off x="8721033" y="5354478"/>
             <a:ext cx="1051034" cy="738664"/>
           </a:xfrm>
           <a:prstGeom prst="rect">
@@ -20456,14 +21611,14 @@
           <p:nvPr/>
         </p:nvPicPr>
         <p:blipFill>
-          <a:blip r:embed="rId3"/>
+          <a:blip r:embed="rId4"/>
           <a:stretch>
             <a:fillRect/>
           </a:stretch>
         </p:blipFill>
         <p:spPr>
           <a:xfrm>
-            <a:off x="5119126" y="5582715"/>
+            <a:off x="3128310" y="3004853"/>
             <a:ext cx="1095476" cy="1095476"/>
           </a:xfrm>
           <a:prstGeom prst="rect">
@@ -20485,7 +21640,7 @@
         </p:nvSpPr>
         <p:spPr>
           <a:xfrm>
-            <a:off x="6367088" y="5792589"/>
+            <a:off x="4302318" y="3004853"/>
             <a:ext cx="704193" cy="675728"/>
           </a:xfrm>
           <a:prstGeom prst="rect">
@@ -20537,7 +21692,7 @@
         </p:nvSpPr>
         <p:spPr>
           <a:xfrm>
-            <a:off x="10318249" y="2058934"/>
+            <a:off x="8798542" y="4720668"/>
             <a:ext cx="541282" cy="546467"/>
           </a:xfrm>
           <a:prstGeom prst="rect">
@@ -20575,6 +21730,359 @@
           </a:p>
         </p:txBody>
       </p:sp>
+      <p:pic>
+        <p:nvPicPr>
+          <p:cNvPr id="21" name="図 20">
+            <a:extLst>
+              <a:ext uri="{FF2B5EF4-FFF2-40B4-BE49-F238E27FC236}">
+                <a16:creationId xmlns:a16="http://schemas.microsoft.com/office/drawing/2014/main" id="{150AD31F-F647-5E37-F436-6F4B0E245A11}"/>
+              </a:ext>
+            </a:extLst>
+          </p:cNvPr>
+          <p:cNvPicPr>
+            <a:picLocks noChangeAspect="1"/>
+          </p:cNvPicPr>
+          <p:nvPr/>
+        </p:nvPicPr>
+        <p:blipFill>
+          <a:blip r:embed="rId5"/>
+          <a:stretch>
+            <a:fillRect/>
+          </a:stretch>
+        </p:blipFill>
+        <p:spPr>
+          <a:xfrm>
+            <a:off x="2567100" y="5090358"/>
+            <a:ext cx="1018506" cy="1013939"/>
+          </a:xfrm>
+          <a:prstGeom prst="rect">
+            <a:avLst/>
+          </a:prstGeom>
+        </p:spPr>
+      </p:pic>
+      <p:sp>
+        <p:nvSpPr>
+          <p:cNvPr id="22" name="正方形/長方形 21">
+            <a:extLst>
+              <a:ext uri="{FF2B5EF4-FFF2-40B4-BE49-F238E27FC236}">
+                <a16:creationId xmlns:a16="http://schemas.microsoft.com/office/drawing/2014/main" id="{C5FA9371-DE50-A825-911E-637A2B0C2216}"/>
+              </a:ext>
+            </a:extLst>
+          </p:cNvPr>
+          <p:cNvSpPr/>
+          <p:nvPr/>
+        </p:nvSpPr>
+        <p:spPr>
+          <a:xfrm>
+            <a:off x="6337086" y="2012650"/>
+            <a:ext cx="2118731" cy="1455234"/>
+          </a:xfrm>
+          <a:prstGeom prst="rect">
+            <a:avLst/>
+          </a:prstGeom>
+        </p:spPr>
+        <p:style>
+          <a:lnRef idx="2">
+            <a:schemeClr val="accent1">
+              <a:shade val="50000"/>
+            </a:schemeClr>
+          </a:lnRef>
+          <a:fillRef idx="1">
+            <a:schemeClr val="accent1"/>
+          </a:fillRef>
+          <a:effectRef idx="0">
+            <a:schemeClr val="accent1"/>
+          </a:effectRef>
+          <a:fontRef idx="minor">
+            <a:schemeClr val="lt1"/>
+          </a:fontRef>
+        </p:style>
+        <p:txBody>
+          <a:bodyPr rtlCol="0" anchor="ctr"/>
+          <a:lstStyle/>
+          <a:p>
+            <a:pPr algn="ctr"/>
+            <a:r>
+              <a:rPr kumimoji="1" lang="ja-JP" altLang="en-US"/>
+              <a:t>機械学習</a:t>
+            </a:r>
+            <a:endParaRPr kumimoji="1" lang="en-US" altLang="ja-JP" dirty="0"/>
+          </a:p>
+          <a:p>
+            <a:pPr algn="ctr"/>
+            <a:r>
+              <a:rPr kumimoji="1" lang="ja-JP" altLang="en-US"/>
+              <a:t>モデル</a:t>
+            </a:r>
+          </a:p>
+        </p:txBody>
+      </p:sp>
+      <p:cxnSp>
+        <p:nvCxnSpPr>
+          <p:cNvPr id="23" name="直線矢印コネクタ 22">
+            <a:extLst>
+              <a:ext uri="{FF2B5EF4-FFF2-40B4-BE49-F238E27FC236}">
+                <a16:creationId xmlns:a16="http://schemas.microsoft.com/office/drawing/2014/main" id="{97CB155A-81BA-0424-8586-45F18F0ADB9C}"/>
+              </a:ext>
+            </a:extLst>
+          </p:cNvPr>
+          <p:cNvCxnSpPr/>
+          <p:nvPr/>
+        </p:nvCxnSpPr>
+        <p:spPr>
+          <a:xfrm>
+            <a:off x="5423471" y="2740267"/>
+            <a:ext cx="501805" cy="0"/>
+          </a:xfrm>
+          <a:prstGeom prst="straightConnector1">
+            <a:avLst/>
+          </a:prstGeom>
+          <a:ln>
+            <a:tailEnd type="triangle"/>
+          </a:ln>
+        </p:spPr>
+        <p:style>
+          <a:lnRef idx="1">
+            <a:schemeClr val="dk1"/>
+          </a:lnRef>
+          <a:fillRef idx="0">
+            <a:schemeClr val="dk1"/>
+          </a:fillRef>
+          <a:effectRef idx="0">
+            <a:schemeClr val="dk1"/>
+          </a:effectRef>
+          <a:fontRef idx="minor">
+            <a:schemeClr val="tx1"/>
+          </a:fontRef>
+        </p:style>
+      </p:cxnSp>
+      <p:sp>
+        <p:nvSpPr>
+          <p:cNvPr id="24" name="テキスト ボックス 23">
+            <a:extLst>
+              <a:ext uri="{FF2B5EF4-FFF2-40B4-BE49-F238E27FC236}">
+                <a16:creationId xmlns:a16="http://schemas.microsoft.com/office/drawing/2014/main" id="{67BEC282-5101-8710-6A67-FDF177CA8063}"/>
+              </a:ext>
+            </a:extLst>
+          </p:cNvPr>
+          <p:cNvSpPr txBox="1"/>
+          <p:nvPr/>
+        </p:nvSpPr>
+        <p:spPr>
+          <a:xfrm>
+            <a:off x="45601" y="6406656"/>
+            <a:ext cx="1770657" cy="307777"/>
+          </a:xfrm>
+          <a:prstGeom prst="rect">
+            <a:avLst/>
+          </a:prstGeom>
+          <a:noFill/>
+        </p:spPr>
+        <p:txBody>
+          <a:bodyPr wrap="square" rtlCol="0">
+            <a:spAutoFit/>
+          </a:bodyPr>
+          <a:lstStyle/>
+          <a:p>
+            <a:pPr algn="ctr"/>
+            <a:r>
+              <a:rPr kumimoji="1" lang="ja-JP" altLang="en-US" sz="1400">
+                <a:solidFill>
+                  <a:schemeClr val="tx2"/>
+                </a:solidFill>
+                <a:latin typeface="Hiragino Kaku Gothic ProN W3" panose="020B0300000000000000" pitchFamily="34" charset="-128"/>
+                <a:ea typeface="Hiragino Kaku Gothic ProN W3" panose="020B0300000000000000" pitchFamily="34" charset="-128"/>
+              </a:rPr>
+              <a:t>ユーザの顔写真</a:t>
+            </a:r>
+          </a:p>
+        </p:txBody>
+      </p:sp>
+      <p:sp>
+        <p:nvSpPr>
+          <p:cNvPr id="25" name="テキスト ボックス 24">
+            <a:extLst>
+              <a:ext uri="{FF2B5EF4-FFF2-40B4-BE49-F238E27FC236}">
+                <a16:creationId xmlns:a16="http://schemas.microsoft.com/office/drawing/2014/main" id="{E1954476-AC69-0AA2-AFB3-709BD6681A3D}"/>
+              </a:ext>
+            </a:extLst>
+          </p:cNvPr>
+          <p:cNvSpPr txBox="1"/>
+          <p:nvPr/>
+        </p:nvSpPr>
+        <p:spPr>
+          <a:xfrm>
+            <a:off x="2583350" y="6212648"/>
+            <a:ext cx="1339850" cy="307777"/>
+          </a:xfrm>
+          <a:prstGeom prst="rect">
+            <a:avLst/>
+          </a:prstGeom>
+          <a:noFill/>
+        </p:spPr>
+        <p:txBody>
+          <a:bodyPr wrap="square" rtlCol="0">
+            <a:spAutoFit/>
+          </a:bodyPr>
+          <a:lstStyle/>
+          <a:p>
+            <a:pPr algn="ctr"/>
+            <a:r>
+              <a:rPr kumimoji="1" lang="ja-JP" altLang="en-US" sz="1400">
+                <a:solidFill>
+                  <a:schemeClr val="tx2"/>
+                </a:solidFill>
+                <a:latin typeface="Hiragino Kaku Gothic ProN W3" panose="020B0300000000000000" pitchFamily="34" charset="-128"/>
+                <a:ea typeface="Hiragino Kaku Gothic ProN W3" panose="020B0300000000000000" pitchFamily="34" charset="-128"/>
+              </a:rPr>
+              <a:t>顔写真の加工</a:t>
+            </a:r>
+          </a:p>
+        </p:txBody>
+      </p:sp>
+      <p:sp>
+        <p:nvSpPr>
+          <p:cNvPr id="26" name="テキスト ボックス 25">
+            <a:extLst>
+              <a:ext uri="{FF2B5EF4-FFF2-40B4-BE49-F238E27FC236}">
+                <a16:creationId xmlns:a16="http://schemas.microsoft.com/office/drawing/2014/main" id="{23D395B8-2003-C2F1-6383-30F72A188C33}"/>
+              </a:ext>
+            </a:extLst>
+          </p:cNvPr>
+          <p:cNvSpPr txBox="1"/>
+          <p:nvPr/>
+        </p:nvSpPr>
+        <p:spPr>
+          <a:xfrm>
+            <a:off x="5410251" y="6413698"/>
+            <a:ext cx="1339850" cy="307777"/>
+          </a:xfrm>
+          <a:prstGeom prst="rect">
+            <a:avLst/>
+          </a:prstGeom>
+          <a:noFill/>
+        </p:spPr>
+        <p:txBody>
+          <a:bodyPr wrap="square" rtlCol="0">
+            <a:spAutoFit/>
+          </a:bodyPr>
+          <a:lstStyle/>
+          <a:p>
+            <a:pPr algn="ctr"/>
+            <a:r>
+              <a:rPr kumimoji="1" lang="ja-JP" altLang="en-US" sz="1400">
+                <a:solidFill>
+                  <a:schemeClr val="tx2"/>
+                </a:solidFill>
+                <a:latin typeface="Hiragino Kaku Gothic ProN W3" panose="020B0300000000000000" pitchFamily="34" charset="-128"/>
+                <a:ea typeface="Hiragino Kaku Gothic ProN W3" panose="020B0300000000000000" pitchFamily="34" charset="-128"/>
+              </a:rPr>
+              <a:t>色の推定</a:t>
+            </a:r>
+          </a:p>
+        </p:txBody>
+      </p:sp>
+      <p:sp>
+        <p:nvSpPr>
+          <p:cNvPr id="27" name="テキスト ボックス 26">
+            <a:extLst>
+              <a:ext uri="{FF2B5EF4-FFF2-40B4-BE49-F238E27FC236}">
+                <a16:creationId xmlns:a16="http://schemas.microsoft.com/office/drawing/2014/main" id="{1406F915-71E1-6165-E3F1-DCEB3551A47E}"/>
+              </a:ext>
+            </a:extLst>
+          </p:cNvPr>
+          <p:cNvSpPr txBox="1"/>
+          <p:nvPr/>
+        </p:nvSpPr>
+        <p:spPr>
+          <a:xfrm>
+            <a:off x="8144340" y="6224697"/>
+            <a:ext cx="2278182" cy="523220"/>
+          </a:xfrm>
+          <a:prstGeom prst="rect">
+            <a:avLst/>
+          </a:prstGeom>
+          <a:noFill/>
+        </p:spPr>
+        <p:txBody>
+          <a:bodyPr wrap="square" rtlCol="0">
+            <a:spAutoFit/>
+          </a:bodyPr>
+          <a:lstStyle/>
+          <a:p>
+            <a:pPr algn="ctr"/>
+            <a:r>
+              <a:rPr kumimoji="1" lang="ja-JP" altLang="en-US" sz="1400">
+                <a:solidFill>
+                  <a:schemeClr val="tx2"/>
+                </a:solidFill>
+                <a:latin typeface="Hiragino Kaku Gothic ProN W3" panose="020B0300000000000000" pitchFamily="34" charset="-128"/>
+                <a:ea typeface="Hiragino Kaku Gothic ProN W3" panose="020B0300000000000000" pitchFamily="34" charset="-128"/>
+              </a:rPr>
+              <a:t>ユーザに似合う</a:t>
+            </a:r>
+            <a:endParaRPr kumimoji="1" lang="en-US" altLang="ja-JP" sz="1400" dirty="0">
+              <a:solidFill>
+                <a:schemeClr val="tx2"/>
+              </a:solidFill>
+              <a:latin typeface="Hiragino Kaku Gothic ProN W3" panose="020B0300000000000000" pitchFamily="34" charset="-128"/>
+              <a:ea typeface="Hiragino Kaku Gothic ProN W3" panose="020B0300000000000000" pitchFamily="34" charset="-128"/>
+            </a:endParaRPr>
+          </a:p>
+          <a:p>
+            <a:pPr algn="ctr"/>
+            <a:r>
+              <a:rPr kumimoji="1" lang="ja-JP" altLang="en-US" sz="1400">
+                <a:solidFill>
+                  <a:schemeClr val="tx2"/>
+                </a:solidFill>
+                <a:latin typeface="Hiragino Kaku Gothic ProN W3" panose="020B0300000000000000" pitchFamily="34" charset="-128"/>
+                <a:ea typeface="Hiragino Kaku Gothic ProN W3" panose="020B0300000000000000" pitchFamily="34" charset="-128"/>
+              </a:rPr>
+              <a:t>リップカラーの提示</a:t>
+            </a:r>
+          </a:p>
+        </p:txBody>
+      </p:sp>
+      <p:cxnSp>
+        <p:nvCxnSpPr>
+          <p:cNvPr id="28" name="直線矢印コネクタ 27">
+            <a:extLst>
+              <a:ext uri="{FF2B5EF4-FFF2-40B4-BE49-F238E27FC236}">
+                <a16:creationId xmlns:a16="http://schemas.microsoft.com/office/drawing/2014/main" id="{CAC2F491-97F5-1DB5-39A6-4A15AFED21B8}"/>
+              </a:ext>
+            </a:extLst>
+          </p:cNvPr>
+          <p:cNvCxnSpPr/>
+          <p:nvPr/>
+        </p:nvCxnSpPr>
+        <p:spPr>
+          <a:xfrm>
+            <a:off x="4051415" y="5498893"/>
+            <a:ext cx="501805" cy="0"/>
+          </a:xfrm>
+          <a:prstGeom prst="straightConnector1">
+            <a:avLst/>
+          </a:prstGeom>
+          <a:ln>
+            <a:tailEnd type="triangle"/>
+          </a:ln>
+        </p:spPr>
+        <p:style>
+          <a:lnRef idx="1">
+            <a:schemeClr val="dk1"/>
+          </a:lnRef>
+          <a:fillRef idx="0">
+            <a:schemeClr val="dk1"/>
+          </a:fillRef>
+          <a:effectRef idx="0">
+            <a:schemeClr val="dk1"/>
+          </a:effectRef>
+          <a:fontRef idx="minor">
+            <a:schemeClr val="tx1"/>
+          </a:fontRef>
+        </p:style>
+      </p:cxnSp>
     </p:spTree>
     <p:extLst>
       <p:ext uri="{BB962C8B-B14F-4D97-AF65-F5344CB8AC3E}">
@@ -21439,6 +22947,35 @@
           </a:prstGeom>
         </p:spPr>
       </p:pic>
+      <p:sp>
+        <p:nvSpPr>
+          <p:cNvPr id="9" name="スライド番号プレースホルダー 8">
+            <a:extLst>
+              <a:ext uri="{FF2B5EF4-FFF2-40B4-BE49-F238E27FC236}">
+                <a16:creationId xmlns:a16="http://schemas.microsoft.com/office/drawing/2014/main" id="{F147E981-FBA3-3499-7703-A0F1D50AF5FB}"/>
+              </a:ext>
+            </a:extLst>
+          </p:cNvPr>
+          <p:cNvSpPr>
+            <a:spLocks noGrp="1"/>
+          </p:cNvSpPr>
+          <p:nvPr>
+            <p:ph type="sldNum" sz="quarter" idx="12"/>
+          </p:nvPr>
+        </p:nvSpPr>
+        <p:spPr/>
+        <p:txBody>
+          <a:bodyPr/>
+          <a:lstStyle/>
+          <a:p>
+            <a:fld id="{2E72E7BF-67A1-9A45-B859-E63ACEF18531}" type="slidenum">
+              <a:rPr kumimoji="1" lang="ja-JP" altLang="en-US" smtClean="0"/>
+              <a:t>9</a:t>
+            </a:fld>
+            <a:endParaRPr kumimoji="1" lang="ja-JP" altLang="en-US"/>
+          </a:p>
+        </p:txBody>
+      </p:sp>
     </p:spTree>
     <p:extLst>
       <p:ext uri="{BB962C8B-B14F-4D97-AF65-F5344CB8AC3E}">
@@ -21681,4 +23218,299 @@
     </a:ext>
   </a:extLst>
 </a:theme>
+</file>
+
+<file path=ppt/theme/theme2.xml><?xml version="1.0" encoding="utf-8"?>
+<a:theme xmlns:a="http://schemas.openxmlformats.org/drawingml/2006/main" name="Office テーマ">
+  <a:themeElements>
+    <a:clrScheme name="Office">
+      <a:dk1>
+        <a:sysClr val="windowText" lastClr="000000"/>
+      </a:dk1>
+      <a:lt1>
+        <a:sysClr val="window" lastClr="FFFFFF"/>
+      </a:lt1>
+      <a:dk2>
+        <a:srgbClr val="44546A"/>
+      </a:dk2>
+      <a:lt2>
+        <a:srgbClr val="E7E6E6"/>
+      </a:lt2>
+      <a:accent1>
+        <a:srgbClr val="4472C4"/>
+      </a:accent1>
+      <a:accent2>
+        <a:srgbClr val="ED7D31"/>
+      </a:accent2>
+      <a:accent3>
+        <a:srgbClr val="A5A5A5"/>
+      </a:accent3>
+      <a:accent4>
+        <a:srgbClr val="FFC000"/>
+      </a:accent4>
+      <a:accent5>
+        <a:srgbClr val="5B9BD5"/>
+      </a:accent5>
+      <a:accent6>
+        <a:srgbClr val="70AD47"/>
+      </a:accent6>
+      <a:hlink>
+        <a:srgbClr val="0563C1"/>
+      </a:hlink>
+      <a:folHlink>
+        <a:srgbClr val="954F72"/>
+      </a:folHlink>
+    </a:clrScheme>
+    <a:fontScheme name="Office">
+      <a:majorFont>
+        <a:latin typeface="游ゴシック Light" panose="020F0302020204030204"/>
+        <a:ea typeface=""/>
+        <a:cs typeface=""/>
+        <a:font script="Jpan" typeface="游ゴシック Light"/>
+        <a:font script="Hang" typeface="맑은 고딕"/>
+        <a:font script="Hans" typeface="等线 Light"/>
+        <a:font script="Hant" typeface="新細明體"/>
+        <a:font script="Arab" typeface="Times New Roman"/>
+        <a:font script="Hebr" typeface="Times New Roman"/>
+        <a:font script="Thai" typeface="Angsana New"/>
+        <a:font script="Ethi" typeface="Nyala"/>
+        <a:font script="Beng" typeface="Vrinda"/>
+        <a:font script="Gujr" typeface="Shruti"/>
+        <a:font script="Khmr" typeface="MoolBoran"/>
+        <a:font script="Knda" typeface="Tunga"/>
+        <a:font script="Guru" typeface="Raavi"/>
+        <a:font script="Cans" typeface="Euphemia"/>
+        <a:font script="Cher" typeface="Plantagenet Cherokee"/>
+        <a:font script="Yiii" typeface="Microsoft Yi Baiti"/>
+        <a:font script="Tibt" typeface="Microsoft Himalaya"/>
+        <a:font script="Thaa" typeface="MV Boli"/>
+        <a:font script="Deva" typeface="Mangal"/>
+        <a:font script="Telu" typeface="Gautami"/>
+        <a:font script="Taml" typeface="Latha"/>
+        <a:font script="Syrc" typeface="Estrangelo Edessa"/>
+        <a:font script="Orya" typeface="Kalinga"/>
+        <a:font script="Mlym" typeface="Kartika"/>
+        <a:font script="Laoo" typeface="DokChampa"/>
+        <a:font script="Sinh" typeface="Iskoola Pota"/>
+        <a:font script="Mong" typeface="Mongolian Baiti"/>
+        <a:font script="Viet" typeface="Times New Roman"/>
+        <a:font script="Uigh" typeface="Microsoft Uighur"/>
+        <a:font script="Geor" typeface="Sylfaen"/>
+        <a:font script="Armn" typeface="Arial"/>
+        <a:font script="Bugi" typeface="Leelawadee UI"/>
+        <a:font script="Bopo" typeface="Microsoft JhengHei"/>
+        <a:font script="Java" typeface="Javanese Text"/>
+        <a:font script="Lisu" typeface="Segoe UI"/>
+        <a:font script="Mymr" typeface="Myanmar Text"/>
+        <a:font script="Nkoo" typeface="Ebrima"/>
+        <a:font script="Olck" typeface="Nirmala UI"/>
+        <a:font script="Osma" typeface="Ebrima"/>
+        <a:font script="Phag" typeface="Phagspa"/>
+        <a:font script="Syrn" typeface="Estrangelo Edessa"/>
+        <a:font script="Syrj" typeface="Estrangelo Edessa"/>
+        <a:font script="Syre" typeface="Estrangelo Edessa"/>
+        <a:font script="Sora" typeface="Nirmala UI"/>
+        <a:font script="Tale" typeface="Microsoft Tai Le"/>
+        <a:font script="Talu" typeface="Microsoft New Tai Lue"/>
+        <a:font script="Tfng" typeface="Ebrima"/>
+      </a:majorFont>
+      <a:minorFont>
+        <a:latin typeface="游ゴシック" panose="020F0502020204030204"/>
+        <a:ea typeface=""/>
+        <a:cs typeface=""/>
+        <a:font script="Jpan" typeface="游ゴシック"/>
+        <a:font script="Hang" typeface="맑은 고딕"/>
+        <a:font script="Hans" typeface="等线"/>
+        <a:font script="Hant" typeface="新細明體"/>
+        <a:font script="Arab" typeface="Arial"/>
+        <a:font script="Hebr" typeface="Arial"/>
+        <a:font script="Thai" typeface="Cordia New"/>
+        <a:font script="Ethi" typeface="Nyala"/>
+        <a:font script="Beng" typeface="Vrinda"/>
+        <a:font script="Gujr" typeface="Shruti"/>
+        <a:font script="Khmr" typeface="DaunPenh"/>
+        <a:font script="Knda" typeface="Tunga"/>
+        <a:font script="Guru" typeface="Raavi"/>
+        <a:font script="Cans" typeface="Euphemia"/>
+        <a:font script="Cher" typeface="Plantagenet Cherokee"/>
+        <a:font script="Yiii" typeface="Microsoft Yi Baiti"/>
+        <a:font script="Tibt" typeface="Microsoft Himalaya"/>
+        <a:font script="Thaa" typeface="MV Boli"/>
+        <a:font script="Deva" typeface="Mangal"/>
+        <a:font script="Telu" typeface="Gautami"/>
+        <a:font script="Taml" typeface="Latha"/>
+        <a:font script="Syrc" typeface="Estrangelo Edessa"/>
+        <a:font script="Orya" typeface="Kalinga"/>
+        <a:font script="Mlym" typeface="Kartika"/>
+        <a:font script="Laoo" typeface="DokChampa"/>
+        <a:font script="Sinh" typeface="Iskoola Pota"/>
+        <a:font script="Mong" typeface="Mongolian Baiti"/>
+        <a:font script="Viet" typeface="Arial"/>
+        <a:font script="Uigh" typeface="Microsoft Uighur"/>
+        <a:font script="Geor" typeface="Sylfaen"/>
+        <a:font script="Armn" typeface="Arial"/>
+        <a:font script="Bugi" typeface="Leelawadee UI"/>
+        <a:font script="Bopo" typeface="Microsoft JhengHei"/>
+        <a:font script="Java" typeface="Javanese Text"/>
+        <a:font script="Lisu" typeface="Segoe UI"/>
+        <a:font script="Mymr" typeface="Myanmar Text"/>
+        <a:font script="Nkoo" typeface="Ebrima"/>
+        <a:font script="Olck" typeface="Nirmala UI"/>
+        <a:font script="Osma" typeface="Ebrima"/>
+        <a:font script="Phag" typeface="Phagspa"/>
+        <a:font script="Syrn" typeface="Estrangelo Edessa"/>
+        <a:font script="Syrj" typeface="Estrangelo Edessa"/>
+        <a:font script="Syre" typeface="Estrangelo Edessa"/>
+        <a:font script="Sora" typeface="Nirmala UI"/>
+        <a:font script="Tale" typeface="Microsoft Tai Le"/>
+        <a:font script="Talu" typeface="Microsoft New Tai Lue"/>
+        <a:font script="Tfng" typeface="Ebrima"/>
+      </a:minorFont>
+    </a:fontScheme>
+    <a:fmtScheme name="Office">
+      <a:fillStyleLst>
+        <a:solidFill>
+          <a:schemeClr val="phClr"/>
+        </a:solidFill>
+        <a:gradFill rotWithShape="1">
+          <a:gsLst>
+            <a:gs pos="0">
+              <a:schemeClr val="phClr">
+                <a:lumMod val="110000"/>
+                <a:satMod val="105000"/>
+                <a:tint val="67000"/>
+              </a:schemeClr>
+            </a:gs>
+            <a:gs pos="50000">
+              <a:schemeClr val="phClr">
+                <a:lumMod val="105000"/>
+                <a:satMod val="103000"/>
+                <a:tint val="73000"/>
+              </a:schemeClr>
+            </a:gs>
+            <a:gs pos="100000">
+              <a:schemeClr val="phClr">
+                <a:lumMod val="105000"/>
+                <a:satMod val="109000"/>
+                <a:tint val="81000"/>
+              </a:schemeClr>
+            </a:gs>
+          </a:gsLst>
+          <a:lin ang="5400000" scaled="0"/>
+        </a:gradFill>
+        <a:gradFill rotWithShape="1">
+          <a:gsLst>
+            <a:gs pos="0">
+              <a:schemeClr val="phClr">
+                <a:satMod val="103000"/>
+                <a:lumMod val="102000"/>
+                <a:tint val="94000"/>
+              </a:schemeClr>
+            </a:gs>
+            <a:gs pos="50000">
+              <a:schemeClr val="phClr">
+                <a:satMod val="110000"/>
+                <a:lumMod val="100000"/>
+                <a:shade val="100000"/>
+              </a:schemeClr>
+            </a:gs>
+            <a:gs pos="100000">
+              <a:schemeClr val="phClr">
+                <a:lumMod val="99000"/>
+                <a:satMod val="120000"/>
+                <a:shade val="78000"/>
+              </a:schemeClr>
+            </a:gs>
+          </a:gsLst>
+          <a:lin ang="5400000" scaled="0"/>
+        </a:gradFill>
+      </a:fillStyleLst>
+      <a:lnStyleLst>
+        <a:ln w="6350" cap="flat" cmpd="sng" algn="ctr">
+          <a:solidFill>
+            <a:schemeClr val="phClr"/>
+          </a:solidFill>
+          <a:prstDash val="solid"/>
+          <a:miter lim="800000"/>
+        </a:ln>
+        <a:ln w="12700" cap="flat" cmpd="sng" algn="ctr">
+          <a:solidFill>
+            <a:schemeClr val="phClr"/>
+          </a:solidFill>
+          <a:prstDash val="solid"/>
+          <a:miter lim="800000"/>
+        </a:ln>
+        <a:ln w="19050" cap="flat" cmpd="sng" algn="ctr">
+          <a:solidFill>
+            <a:schemeClr val="phClr"/>
+          </a:solidFill>
+          <a:prstDash val="solid"/>
+          <a:miter lim="800000"/>
+        </a:ln>
+      </a:lnStyleLst>
+      <a:effectStyleLst>
+        <a:effectStyle>
+          <a:effectLst/>
+        </a:effectStyle>
+        <a:effectStyle>
+          <a:effectLst/>
+        </a:effectStyle>
+        <a:effectStyle>
+          <a:effectLst>
+            <a:outerShdw blurRad="57150" dist="19050" dir="5400000" algn="ctr" rotWithShape="0">
+              <a:srgbClr val="000000">
+                <a:alpha val="63000"/>
+              </a:srgbClr>
+            </a:outerShdw>
+          </a:effectLst>
+        </a:effectStyle>
+      </a:effectStyleLst>
+      <a:bgFillStyleLst>
+        <a:solidFill>
+          <a:schemeClr val="phClr"/>
+        </a:solidFill>
+        <a:solidFill>
+          <a:schemeClr val="phClr">
+            <a:tint val="95000"/>
+            <a:satMod val="170000"/>
+          </a:schemeClr>
+        </a:solidFill>
+        <a:gradFill rotWithShape="1">
+          <a:gsLst>
+            <a:gs pos="0">
+              <a:schemeClr val="phClr">
+                <a:tint val="93000"/>
+                <a:satMod val="150000"/>
+                <a:shade val="98000"/>
+                <a:lumMod val="102000"/>
+              </a:schemeClr>
+            </a:gs>
+            <a:gs pos="50000">
+              <a:schemeClr val="phClr">
+                <a:tint val="98000"/>
+                <a:satMod val="130000"/>
+                <a:shade val="90000"/>
+                <a:lumMod val="103000"/>
+              </a:schemeClr>
+            </a:gs>
+            <a:gs pos="100000">
+              <a:schemeClr val="phClr">
+                <a:shade val="63000"/>
+                <a:satMod val="120000"/>
+              </a:schemeClr>
+            </a:gs>
+          </a:gsLst>
+          <a:lin ang="5400000" scaled="0"/>
+        </a:gradFill>
+      </a:bgFillStyleLst>
+    </a:fmtScheme>
+  </a:themeElements>
+  <a:objectDefaults/>
+  <a:extraClrSchemeLst/>
+  <a:extLst>
+    <a:ext uri="{05A4C25C-085E-4340-85A3-A5531E510DB2}">
+      <thm15:themeFamily xmlns:thm15="http://schemas.microsoft.com/office/thememl/2012/main" name="Office Theme" id="{62F939B6-93AF-4DB8-9C6B-D6C7DFDC589F}" vid="{4A3C46E8-61CC-4603-A589-7422A47A8E4A}"/>
+    </a:ext>
+  </a:extLst>
+</a:theme>
 </file>
--- a/口頭試問.pptx
+++ b/口頭試問.pptx
@@ -561,50 +561,6 @@
           <a:bodyPr/>
           <a:lstStyle/>
           <a:p>
-            <a:pPr marL="0" marR="0" lvl="0" indent="0" algn="l" defTabSz="914400" rtl="0" eaLnBrk="1" fontAlgn="auto" latinLnBrk="0" hangingPunct="1">
-              <a:lnSpc>
-                <a:spcPct val="100000"/>
-              </a:lnSpc>
-              <a:spcBef>
-                <a:spcPts val="0"/>
-              </a:spcBef>
-              <a:spcAft>
-                <a:spcPts val="0"/>
-              </a:spcAft>
-              <a:buClrTx/>
-              <a:buSzTx/>
-              <a:buFontTx/>
-              <a:buNone/>
-              <a:tabLst/>
-              <a:defRPr/>
-            </a:pPr>
-            <a:r>
-              <a:rPr lang="ja-JP" altLang="en-US">
-                <a:latin typeface="Hiragino Kaku Gothic ProN W3" panose="020B0300000000000000" pitchFamily="34" charset="-128"/>
-                <a:ea typeface="Hiragino Kaku Gothic ProN W3" panose="020B0300000000000000" pitchFamily="34" charset="-128"/>
-              </a:rPr>
-              <a:t>株式会社</a:t>
-            </a:r>
-            <a:r>
-              <a:rPr lang="en" altLang="ja-JP" dirty="0">
-                <a:latin typeface="Hiragino Kaku Gothic ProN W3" panose="020B0300000000000000" pitchFamily="34" charset="-128"/>
-                <a:ea typeface="Hiragino Kaku Gothic ProN W3" panose="020B0300000000000000" pitchFamily="34" charset="-128"/>
-              </a:rPr>
-              <a:t>JINS</a:t>
-            </a:r>
-            <a:r>
-              <a:rPr lang="ja-JP" altLang="en-US">
-                <a:latin typeface="Hiragino Kaku Gothic ProN W3" panose="020B0300000000000000" pitchFamily="34" charset="-128"/>
-                <a:ea typeface="Hiragino Kaku Gothic ProN W3" panose="020B0300000000000000" pitchFamily="34" charset="-128"/>
-              </a:rPr>
-              <a:t>ホールディングスが提供するメガネの試着システム </a:t>
-            </a:r>
-            <a:endParaRPr lang="en-US" altLang="ja-JP" dirty="0">
-              <a:latin typeface="Hiragino Kaku Gothic ProN W3" panose="020B0300000000000000" pitchFamily="34" charset="-128"/>
-              <a:ea typeface="Hiragino Kaku Gothic ProN W3" panose="020B0300000000000000" pitchFamily="34" charset="-128"/>
-            </a:endParaRPr>
-          </a:p>
-          <a:p>
             <a:endParaRPr kumimoji="1" lang="ja-JP" altLang="en-US"/>
           </a:p>
         </p:txBody>
@@ -626,7 +582,7 @@
           <a:p>
             <a:fld id="{83B3DF1A-6BCA-DF4B-BD60-A524DCFAF93C}" type="slidenum">
               <a:rPr kumimoji="1" lang="ja-JP" altLang="en-US" smtClean="0"/>
-              <a:t>4</a:t>
+              <a:t>1</a:t>
             </a:fld>
             <a:endParaRPr kumimoji="1" lang="ja-JP" altLang="en-US"/>
           </a:p>
@@ -635,7 +591,7 @@
     </p:spTree>
     <p:extLst>
       <p:ext uri="{BB962C8B-B14F-4D97-AF65-F5344CB8AC3E}">
-        <p14:creationId xmlns:p14="http://schemas.microsoft.com/office/powerpoint/2010/main" val="3546958404"/>
+        <p14:creationId xmlns:p14="http://schemas.microsoft.com/office/powerpoint/2010/main" val="1438978765"/>
       </p:ext>
     </p:extLst>
   </p:cSld>
@@ -689,6 +645,50 @@
           <a:bodyPr/>
           <a:lstStyle/>
           <a:p>
+            <a:pPr marL="0" marR="0" lvl="0" indent="0" algn="l" defTabSz="914400" rtl="0" eaLnBrk="1" fontAlgn="auto" latinLnBrk="0" hangingPunct="1">
+              <a:lnSpc>
+                <a:spcPct val="100000"/>
+              </a:lnSpc>
+              <a:spcBef>
+                <a:spcPts val="0"/>
+              </a:spcBef>
+              <a:spcAft>
+                <a:spcPts val="0"/>
+              </a:spcAft>
+              <a:buClrTx/>
+              <a:buSzTx/>
+              <a:buFontTx/>
+              <a:buNone/>
+              <a:tabLst/>
+              <a:defRPr/>
+            </a:pPr>
+            <a:r>
+              <a:rPr lang="ja-JP" altLang="en-US">
+                <a:latin typeface="Hiragino Kaku Gothic ProN W3" panose="020B0300000000000000" pitchFamily="34" charset="-128"/>
+                <a:ea typeface="Hiragino Kaku Gothic ProN W3" panose="020B0300000000000000" pitchFamily="34" charset="-128"/>
+              </a:rPr>
+              <a:t>株式会社</a:t>
+            </a:r>
+            <a:r>
+              <a:rPr lang="en" altLang="ja-JP" dirty="0">
+                <a:latin typeface="Hiragino Kaku Gothic ProN W3" panose="020B0300000000000000" pitchFamily="34" charset="-128"/>
+                <a:ea typeface="Hiragino Kaku Gothic ProN W3" panose="020B0300000000000000" pitchFamily="34" charset="-128"/>
+              </a:rPr>
+              <a:t>JINS</a:t>
+            </a:r>
+            <a:r>
+              <a:rPr lang="ja-JP" altLang="en-US">
+                <a:latin typeface="Hiragino Kaku Gothic ProN W3" panose="020B0300000000000000" pitchFamily="34" charset="-128"/>
+                <a:ea typeface="Hiragino Kaku Gothic ProN W3" panose="020B0300000000000000" pitchFamily="34" charset="-128"/>
+              </a:rPr>
+              <a:t>ホールディングスが提供するメガネの試着システム </a:t>
+            </a:r>
+            <a:endParaRPr lang="en-US" altLang="ja-JP" dirty="0">
+              <a:latin typeface="Hiragino Kaku Gothic ProN W3" panose="020B0300000000000000" pitchFamily="34" charset="-128"/>
+              <a:ea typeface="Hiragino Kaku Gothic ProN W3" panose="020B0300000000000000" pitchFamily="34" charset="-128"/>
+            </a:endParaRPr>
+          </a:p>
+          <a:p>
             <a:endParaRPr kumimoji="1" lang="ja-JP" altLang="en-US"/>
           </a:p>
         </p:txBody>
@@ -710,7 +710,7 @@
           <a:p>
             <a:fld id="{83B3DF1A-6BCA-DF4B-BD60-A524DCFAF93C}" type="slidenum">
               <a:rPr kumimoji="1" lang="ja-JP" altLang="en-US" smtClean="0"/>
-              <a:t>8</a:t>
+              <a:t>4</a:t>
             </a:fld>
             <a:endParaRPr kumimoji="1" lang="ja-JP" altLang="en-US"/>
           </a:p>
@@ -719,7 +719,7 @@
     </p:spTree>
     <p:extLst>
       <p:ext uri="{BB962C8B-B14F-4D97-AF65-F5344CB8AC3E}">
-        <p14:creationId xmlns:p14="http://schemas.microsoft.com/office/powerpoint/2010/main" val="2263965904"/>
+        <p14:creationId xmlns:p14="http://schemas.microsoft.com/office/powerpoint/2010/main" val="3546958404"/>
       </p:ext>
     </p:extLst>
   </p:cSld>
@@ -773,7 +773,18 @@
           <a:bodyPr/>
           <a:lstStyle/>
           <a:p>
-            <a:endParaRPr kumimoji="1" lang="ja-JP" altLang="en-US"/>
+            <a:r>
+              <a:rPr kumimoji="1" lang="ja-JP" altLang="en-US"/>
+              <a:t>次に、メイクアップを支援するデジタル技術として、</a:t>
+            </a:r>
+            <a:r>
+              <a:rPr kumimoji="1" lang="en-US" altLang="ja-JP" dirty="0"/>
+              <a:t>AR</a:t>
+            </a:r>
+            <a:r>
+              <a:rPr kumimoji="1" lang="ja-JP" altLang="en-US"/>
+              <a:t>タッチアップシステムというものがあります</a:t>
+            </a:r>
           </a:p>
         </p:txBody>
       </p:sp>
@@ -794,6 +805,261 @@
           <a:p>
             <a:fld id="{83B3DF1A-6BCA-DF4B-BD60-A524DCFAF93C}" type="slidenum">
               <a:rPr kumimoji="1" lang="ja-JP" altLang="en-US" smtClean="0"/>
+              <a:t>5</a:t>
+            </a:fld>
+            <a:endParaRPr kumimoji="1" lang="ja-JP" altLang="en-US"/>
+          </a:p>
+        </p:txBody>
+      </p:sp>
+    </p:spTree>
+    <p:extLst>
+      <p:ext uri="{BB962C8B-B14F-4D97-AF65-F5344CB8AC3E}">
+        <p14:creationId xmlns:p14="http://schemas.microsoft.com/office/powerpoint/2010/main" val="2583223376"/>
+      </p:ext>
+    </p:extLst>
+  </p:cSld>
+  <p:clrMapOvr>
+    <a:masterClrMapping/>
+  </p:clrMapOvr>
+</p:notes>
+</file>
+
+<file path=ppt/notesSlides/notesSlide4.xml><?xml version="1.0" encoding="utf-8"?>
+<p:notes xmlns:a="http://schemas.openxmlformats.org/drawingml/2006/main" xmlns:r="http://schemas.openxmlformats.org/officeDocument/2006/relationships" xmlns:p="http://schemas.openxmlformats.org/presentationml/2006/main">
+  <p:cSld>
+    <p:spTree>
+      <p:nvGrpSpPr>
+        <p:cNvPr id="1" name=""/>
+        <p:cNvGrpSpPr/>
+        <p:nvPr/>
+      </p:nvGrpSpPr>
+      <p:grpSpPr>
+        <a:xfrm>
+          <a:off x="0" y="0"/>
+          <a:ext cx="0" cy="0"/>
+          <a:chOff x="0" y="0"/>
+          <a:chExt cx="0" cy="0"/>
+        </a:xfrm>
+      </p:grpSpPr>
+      <p:sp>
+        <p:nvSpPr>
+          <p:cNvPr id="2" name="スライド イメージ プレースホルダー 1"/>
+          <p:cNvSpPr>
+            <a:spLocks noGrp="1" noRot="1" noChangeAspect="1"/>
+          </p:cNvSpPr>
+          <p:nvPr>
+            <p:ph type="sldImg"/>
+          </p:nvPr>
+        </p:nvSpPr>
+        <p:spPr/>
+      </p:sp>
+      <p:sp>
+        <p:nvSpPr>
+          <p:cNvPr id="3" name="ノート プレースホルダー 2"/>
+          <p:cNvSpPr>
+            <a:spLocks noGrp="1"/>
+          </p:cNvSpPr>
+          <p:nvPr>
+            <p:ph type="body" idx="1"/>
+          </p:nvPr>
+        </p:nvSpPr>
+        <p:spPr/>
+        <p:txBody>
+          <a:bodyPr/>
+          <a:lstStyle/>
+          <a:p>
+            <a:endParaRPr kumimoji="1" lang="ja-JP" altLang="en-US"/>
+          </a:p>
+        </p:txBody>
+      </p:sp>
+      <p:sp>
+        <p:nvSpPr>
+          <p:cNvPr id="4" name="スライド番号プレースホルダー 3"/>
+          <p:cNvSpPr>
+            <a:spLocks noGrp="1"/>
+          </p:cNvSpPr>
+          <p:nvPr>
+            <p:ph type="sldNum" sz="quarter" idx="5"/>
+          </p:nvPr>
+        </p:nvSpPr>
+        <p:spPr/>
+        <p:txBody>
+          <a:bodyPr/>
+          <a:lstStyle/>
+          <a:p>
+            <a:fld id="{83B3DF1A-6BCA-DF4B-BD60-A524DCFAF93C}" type="slidenum">
+              <a:rPr kumimoji="1" lang="ja-JP" altLang="en-US" smtClean="0"/>
+              <a:t>8</a:t>
+            </a:fld>
+            <a:endParaRPr kumimoji="1" lang="ja-JP" altLang="en-US"/>
+          </a:p>
+        </p:txBody>
+      </p:sp>
+    </p:spTree>
+    <p:extLst>
+      <p:ext uri="{BB962C8B-B14F-4D97-AF65-F5344CB8AC3E}">
+        <p14:creationId xmlns:p14="http://schemas.microsoft.com/office/powerpoint/2010/main" val="2263965904"/>
+      </p:ext>
+    </p:extLst>
+  </p:cSld>
+  <p:clrMapOvr>
+    <a:masterClrMapping/>
+  </p:clrMapOvr>
+</p:notes>
+</file>
+
+<file path=ppt/notesSlides/notesSlide5.xml><?xml version="1.0" encoding="utf-8"?>
+<p:notes xmlns:a="http://schemas.openxmlformats.org/drawingml/2006/main" xmlns:r="http://schemas.openxmlformats.org/officeDocument/2006/relationships" xmlns:p="http://schemas.openxmlformats.org/presentationml/2006/main">
+  <p:cSld>
+    <p:spTree>
+      <p:nvGrpSpPr>
+        <p:cNvPr id="1" name=""/>
+        <p:cNvGrpSpPr/>
+        <p:nvPr/>
+      </p:nvGrpSpPr>
+      <p:grpSpPr>
+        <a:xfrm>
+          <a:off x="0" y="0"/>
+          <a:ext cx="0" cy="0"/>
+          <a:chOff x="0" y="0"/>
+          <a:chExt cx="0" cy="0"/>
+        </a:xfrm>
+      </p:grpSpPr>
+      <p:sp>
+        <p:nvSpPr>
+          <p:cNvPr id="2" name="スライド イメージ プレースホルダー 1"/>
+          <p:cNvSpPr>
+            <a:spLocks noGrp="1" noRot="1" noChangeAspect="1"/>
+          </p:cNvSpPr>
+          <p:nvPr>
+            <p:ph type="sldImg"/>
+          </p:nvPr>
+        </p:nvSpPr>
+        <p:spPr/>
+      </p:sp>
+      <p:sp>
+        <p:nvSpPr>
+          <p:cNvPr id="3" name="ノート プレースホルダー 2"/>
+          <p:cNvSpPr>
+            <a:spLocks noGrp="1"/>
+          </p:cNvSpPr>
+          <p:nvPr>
+            <p:ph type="body" idx="1"/>
+          </p:nvPr>
+        </p:nvSpPr>
+        <p:spPr/>
+        <p:txBody>
+          <a:bodyPr/>
+          <a:lstStyle/>
+          <a:p>
+            <a:r>
+              <a:rPr kumimoji="1" lang="ja-JP" altLang="en-US"/>
+              <a:t>続いて、スクレイピングした写真を機械学習用に加工していきます</a:t>
+            </a:r>
+          </a:p>
+        </p:txBody>
+      </p:sp>
+      <p:sp>
+        <p:nvSpPr>
+          <p:cNvPr id="4" name="スライド番号プレースホルダー 3"/>
+          <p:cNvSpPr>
+            <a:spLocks noGrp="1"/>
+          </p:cNvSpPr>
+          <p:nvPr>
+            <p:ph type="sldNum" sz="quarter" idx="5"/>
+          </p:nvPr>
+        </p:nvSpPr>
+        <p:spPr/>
+        <p:txBody>
+          <a:bodyPr/>
+          <a:lstStyle/>
+          <a:p>
+            <a:fld id="{83B3DF1A-6BCA-DF4B-BD60-A524DCFAF93C}" type="slidenum">
+              <a:rPr kumimoji="1" lang="ja-JP" altLang="en-US" smtClean="0"/>
+              <a:t>10</a:t>
+            </a:fld>
+            <a:endParaRPr kumimoji="1" lang="ja-JP" altLang="en-US"/>
+          </a:p>
+        </p:txBody>
+      </p:sp>
+    </p:spTree>
+    <p:extLst>
+      <p:ext uri="{BB962C8B-B14F-4D97-AF65-F5344CB8AC3E}">
+        <p14:creationId xmlns:p14="http://schemas.microsoft.com/office/powerpoint/2010/main" val="2542017522"/>
+      </p:ext>
+    </p:extLst>
+  </p:cSld>
+  <p:clrMapOvr>
+    <a:masterClrMapping/>
+  </p:clrMapOvr>
+</p:notes>
+</file>
+
+<file path=ppt/notesSlides/notesSlide6.xml><?xml version="1.0" encoding="utf-8"?>
+<p:notes xmlns:a="http://schemas.openxmlformats.org/drawingml/2006/main" xmlns:r="http://schemas.openxmlformats.org/officeDocument/2006/relationships" xmlns:p="http://schemas.openxmlformats.org/presentationml/2006/main">
+  <p:cSld>
+    <p:spTree>
+      <p:nvGrpSpPr>
+        <p:cNvPr id="1" name=""/>
+        <p:cNvGrpSpPr/>
+        <p:nvPr/>
+      </p:nvGrpSpPr>
+      <p:grpSpPr>
+        <a:xfrm>
+          <a:off x="0" y="0"/>
+          <a:ext cx="0" cy="0"/>
+          <a:chOff x="0" y="0"/>
+          <a:chExt cx="0" cy="0"/>
+        </a:xfrm>
+      </p:grpSpPr>
+      <p:sp>
+        <p:nvSpPr>
+          <p:cNvPr id="2" name="スライド イメージ プレースホルダー 1"/>
+          <p:cNvSpPr>
+            <a:spLocks noGrp="1" noRot="1" noChangeAspect="1"/>
+          </p:cNvSpPr>
+          <p:nvPr>
+            <p:ph type="sldImg"/>
+          </p:nvPr>
+        </p:nvSpPr>
+        <p:spPr/>
+      </p:sp>
+      <p:sp>
+        <p:nvSpPr>
+          <p:cNvPr id="3" name="ノート プレースホルダー 2"/>
+          <p:cNvSpPr>
+            <a:spLocks noGrp="1"/>
+          </p:cNvSpPr>
+          <p:nvPr>
+            <p:ph type="body" idx="1"/>
+          </p:nvPr>
+        </p:nvSpPr>
+        <p:spPr/>
+        <p:txBody>
+          <a:bodyPr/>
+          <a:lstStyle/>
+          <a:p>
+            <a:endParaRPr kumimoji="1" lang="ja-JP" altLang="en-US"/>
+          </a:p>
+        </p:txBody>
+      </p:sp>
+      <p:sp>
+        <p:nvSpPr>
+          <p:cNvPr id="4" name="スライド番号プレースホルダー 3"/>
+          <p:cNvSpPr>
+            <a:spLocks noGrp="1"/>
+          </p:cNvSpPr>
+          <p:nvPr>
+            <p:ph type="sldNum" sz="quarter" idx="5"/>
+          </p:nvPr>
+        </p:nvSpPr>
+        <p:spPr/>
+        <p:txBody>
+          <a:bodyPr/>
+          <a:lstStyle/>
+          <a:p>
+            <a:fld id="{83B3DF1A-6BCA-DF4B-BD60-A524DCFAF93C}" type="slidenum">
+              <a:rPr kumimoji="1" lang="ja-JP" altLang="en-US" smtClean="0"/>
               <a:t>15</a:t>
             </a:fld>
             <a:endParaRPr kumimoji="1" lang="ja-JP" altLang="en-US"/>
@@ -813,7 +1079,7 @@
 </p:notes>
 </file>
 
-<file path=ppt/notesSlides/notesSlide4.xml><?xml version="1.0" encoding="utf-8"?>
+<file path=ppt/notesSlides/notesSlide7.xml><?xml version="1.0" encoding="utf-8"?>
 <p:notes xmlns:a="http://schemas.openxmlformats.org/drawingml/2006/main" xmlns:r="http://schemas.openxmlformats.org/officeDocument/2006/relationships" xmlns:p="http://schemas.openxmlformats.org/presentationml/2006/main">
   <p:cSld>
     <p:spTree>
@@ -5142,7 +5408,7 @@
           <p:nvPr/>
         </p:nvPicPr>
         <p:blipFill>
-          <a:blip r:embed="rId2"/>
+          <a:blip r:embed="rId3"/>
           <a:stretch>
             <a:fillRect/>
           </a:stretch>
@@ -5172,7 +5438,7 @@
           <p:nvPr/>
         </p:nvPicPr>
         <p:blipFill>
-          <a:blip r:embed="rId3"/>
+          <a:blip r:embed="rId4"/>
           <a:stretch>
             <a:fillRect/>
           </a:stretch>
@@ -5202,7 +5468,7 @@
           <p:nvPr/>
         </p:nvPicPr>
         <p:blipFill>
-          <a:blip r:embed="rId4"/>
+          <a:blip r:embed="rId5"/>
           <a:stretch>
             <a:fillRect/>
           </a:stretch>
@@ -5682,7 +5948,7 @@
               <a:buChar char="•"/>
             </a:pPr>
             <a:r>
-              <a:rPr lang="ja-JP" altLang="en-US" sz="2000" u="none" strike="noStrike">
+              <a:rPr lang="ja-JP" altLang="en-US" u="none" strike="noStrike">
                 <a:solidFill>
                   <a:srgbClr val="695D46"/>
                 </a:solidFill>
@@ -5692,7 +5958,7 @@
               </a:rPr>
               <a:t>学習データの出力</a:t>
             </a:r>
-            <a:endParaRPr lang="en-US" altLang="ja-JP" sz="2000" u="none" strike="noStrike" dirty="0">
+            <a:endParaRPr lang="en-US" altLang="ja-JP" u="none" strike="noStrike" dirty="0">
               <a:solidFill>
                 <a:srgbClr val="695D46"/>
               </a:solidFill>
@@ -5742,7 +6008,7 @@
               <a:buChar char="•"/>
             </a:pPr>
             <a:r>
-              <a:rPr lang="en-US" altLang="ja-JP" sz="1800" dirty="0" err="1">
+              <a:rPr lang="en-US" altLang="ja-JP" sz="2000" dirty="0" err="1">
                 <a:solidFill>
                   <a:srgbClr val="695D46"/>
                 </a:solidFill>
@@ -5752,7 +6018,7 @@
               <a:t>dlib</a:t>
             </a:r>
             <a:r>
-              <a:rPr lang="ja-JP" altLang="en-US" sz="1800">
+              <a:rPr lang="ja-JP" altLang="en-US" sz="2000">
                 <a:solidFill>
                   <a:srgbClr val="695D46"/>
                 </a:solidFill>
@@ -5761,7 +6027,7 @@
               </a:rPr>
               <a:t>で顔のランドマーク検出</a:t>
             </a:r>
-            <a:endParaRPr lang="en-US" altLang="ja-JP" sz="1800" dirty="0">
+            <a:endParaRPr lang="en-US" altLang="ja-JP" sz="2000" dirty="0">
               <a:solidFill>
                 <a:srgbClr val="695D46"/>
               </a:solidFill>
@@ -5781,7 +6047,7 @@
               <a:buChar char="•"/>
             </a:pPr>
             <a:r>
-              <a:rPr lang="ja-JP" altLang="en-US" sz="1800">
+              <a:rPr lang="ja-JP" altLang="en-US" sz="2000">
                 <a:solidFill>
                   <a:srgbClr val="695D46"/>
                 </a:solidFill>
@@ -5791,7 +6057,7 @@
               <a:t>下唇の中心</a:t>
             </a:r>
             <a:r>
-              <a:rPr lang="en-US" altLang="ja-JP" sz="1800" dirty="0">
+              <a:rPr lang="en-US" altLang="ja-JP" sz="2000" dirty="0">
                 <a:solidFill>
                   <a:srgbClr val="695D46"/>
                 </a:solidFill>
@@ -5801,7 +6067,7 @@
               <a:t>6</a:t>
             </a:r>
             <a:r>
-              <a:rPr lang="ja-JP" altLang="en-US" sz="1800">
+              <a:rPr lang="ja-JP" altLang="en-US" sz="2000">
                 <a:solidFill>
                   <a:srgbClr val="695D46"/>
                 </a:solidFill>
@@ -5810,7 +6076,7 @@
               </a:rPr>
               <a:t>点の座標で画像を切り取り</a:t>
             </a:r>
-            <a:endParaRPr lang="en-US" altLang="ja-JP" sz="1800" dirty="0">
+            <a:endParaRPr lang="en-US" altLang="ja-JP" sz="2000" dirty="0">
               <a:solidFill>
                 <a:srgbClr val="695D46"/>
               </a:solidFill>
@@ -5830,7 +6096,7 @@
               <a:buChar char="•"/>
             </a:pPr>
             <a:r>
-              <a:rPr lang="ja-JP" altLang="en-US" sz="1800">
+              <a:rPr lang="ja-JP" altLang="en-US" sz="2000">
                 <a:solidFill>
                   <a:srgbClr val="695D46"/>
                 </a:solidFill>
@@ -5840,7 +6106,7 @@
               <a:t>座標内のピクセルの</a:t>
             </a:r>
             <a:r>
-              <a:rPr lang="en-US" altLang="ja-JP" sz="1800" dirty="0">
+              <a:rPr lang="en-US" altLang="ja-JP" sz="2000" dirty="0">
                 <a:solidFill>
                   <a:srgbClr val="695D46"/>
                 </a:solidFill>
@@ -5850,7 +6116,7 @@
               <a:t>RGB</a:t>
             </a:r>
             <a:r>
-              <a:rPr lang="ja-JP" altLang="en-US" sz="1800">
+              <a:rPr lang="ja-JP" altLang="en-US" sz="2000">
                 <a:solidFill>
                   <a:srgbClr val="695D46"/>
                 </a:solidFill>
@@ -5859,7 +6125,7 @@
               </a:rPr>
               <a:t>の平均値を計算</a:t>
             </a:r>
-            <a:endParaRPr lang="en-US" altLang="ja-JP" sz="1800" dirty="0">
+            <a:endParaRPr lang="en-US" altLang="ja-JP" sz="2000" dirty="0">
               <a:solidFill>
                 <a:srgbClr val="695D46"/>
               </a:solidFill>
@@ -10474,7 +10740,7 @@
                     <a:latin typeface="Hiragino Kaku Gothic ProN W3" panose="020B0300000000000000" pitchFamily="34" charset="-128"/>
                     <a:ea typeface="Hiragino Kaku Gothic ProN W3" panose="020B0300000000000000" pitchFamily="34" charset="-128"/>
                   </a:rPr>
-                  <a:t>リップカラーの比較は、元画像のリップカラーと推定したリップカラーのコサイン類似度を計算することで行った</a:t>
+                  <a:t>リップカラーの推定精度の比較は、元画像のリップカラーと推定したリップカラーのコサイン類似度を計算することで行った</a:t>
                 </a:r>
                 <a:endParaRPr lang="en-US" altLang="ja-JP" sz="2000" dirty="0">
                   <a:latin typeface="Hiragino Kaku Gothic ProN W3" panose="020B0300000000000000" pitchFamily="34" charset="-128"/>
@@ -15366,7 +15632,7 @@
                 <a:latin typeface="Hiragino Kaku Gothic ProN W3" panose="020B0300000000000000" pitchFamily="34" charset="-128"/>
                 <a:ea typeface="Hiragino Kaku Gothic ProN W3" panose="020B0300000000000000" pitchFamily="34" charset="-128"/>
               </a:rPr>
-              <a:t>研究の目的と背景</a:t>
+              <a:t>研究の背景と目的</a:t>
             </a:r>
             <a:endParaRPr lang="en-US" altLang="ja-JP" sz="2400" dirty="0">
               <a:latin typeface="Hiragino Kaku Gothic ProN W3" panose="020B0300000000000000" pitchFamily="34" charset="-128"/>
@@ -15418,7 +15684,33 @@
                 <a:latin typeface="Hiragino Kaku Gothic ProN W3" panose="020B0300000000000000" pitchFamily="34" charset="-128"/>
                 <a:ea typeface="Hiragino Kaku Gothic ProN W3" panose="020B0300000000000000" pitchFamily="34" charset="-128"/>
               </a:rPr>
+              <a:t>学習データについて</a:t>
+            </a:r>
+            <a:endParaRPr lang="en-US" altLang="ja-JP" sz="2400" dirty="0">
+              <a:latin typeface="Hiragino Kaku Gothic ProN W3" panose="020B0300000000000000" pitchFamily="34" charset="-128"/>
+              <a:ea typeface="Hiragino Kaku Gothic ProN W3" panose="020B0300000000000000" pitchFamily="34" charset="-128"/>
+            </a:endParaRPr>
+          </a:p>
+          <a:p>
+            <a:r>
+              <a:rPr lang="ja-JP" altLang="en-US" sz="2400">
+                <a:latin typeface="Hiragino Kaku Gothic ProN W3" panose="020B0300000000000000" pitchFamily="34" charset="-128"/>
+                <a:ea typeface="Hiragino Kaku Gothic ProN W3" panose="020B0300000000000000" pitchFamily="34" charset="-128"/>
+              </a:rPr>
               <a:t>使用した技術</a:t>
+            </a:r>
+            <a:endParaRPr lang="en-US" altLang="ja-JP" sz="2400" dirty="0">
+              <a:latin typeface="Hiragino Kaku Gothic ProN W3" panose="020B0300000000000000" pitchFamily="34" charset="-128"/>
+              <a:ea typeface="Hiragino Kaku Gothic ProN W3" panose="020B0300000000000000" pitchFamily="34" charset="-128"/>
+            </a:endParaRPr>
+          </a:p>
+          <a:p>
+            <a:r>
+              <a:rPr lang="ja-JP" altLang="en-US" sz="2400">
+                <a:latin typeface="Hiragino Kaku Gothic ProN W3" panose="020B0300000000000000" pitchFamily="34" charset="-128"/>
+                <a:ea typeface="Hiragino Kaku Gothic ProN W3" panose="020B0300000000000000" pitchFamily="34" charset="-128"/>
+              </a:rPr>
+              <a:t>機械学習モデルの実装</a:t>
             </a:r>
             <a:endParaRPr lang="en-US" altLang="ja-JP" sz="2400" dirty="0">
               <a:latin typeface="Hiragino Kaku Gothic ProN W3" panose="020B0300000000000000" pitchFamily="34" charset="-128"/>
@@ -16178,7 +16470,7 @@
         </p:nvSpPr>
         <p:spPr>
           <a:xfrm>
-            <a:off x="445319" y="5578575"/>
+            <a:off x="445319" y="5087926"/>
             <a:ext cx="11039913" cy="814132"/>
           </a:xfrm>
           <a:prstGeom prst="rect">
@@ -16432,20 +16724,20 @@
           <a:p>
             <a:pPr fontAlgn="base"/>
             <a:r>
-              <a:rPr lang="en-US" altLang="ja-JP" dirty="0">
+              <a:rPr lang="en-US" altLang="ja-JP" sz="1800" dirty="0">
                 <a:latin typeface="Hiragino Kaku Gothic ProN W3" panose="020B0300000000000000" pitchFamily="34" charset="-128"/>
                 <a:ea typeface="Hiragino Kaku Gothic ProN W3" panose="020B0300000000000000" pitchFamily="34" charset="-128"/>
               </a:rPr>
               <a:t>Validation accuracy</a:t>
             </a:r>
             <a:r>
-              <a:rPr lang="ja-JP" altLang="en-US">
+              <a:rPr lang="ja-JP" altLang="en-US" sz="1800">
                 <a:latin typeface="Hiragino Kaku Gothic ProN W3" panose="020B0300000000000000" pitchFamily="34" charset="-128"/>
                 <a:ea typeface="Hiragino Kaku Gothic ProN W3" panose="020B0300000000000000" pitchFamily="34" charset="-128"/>
               </a:rPr>
               <a:t>（テストデータによる正解率）</a:t>
             </a:r>
-            <a:endParaRPr lang="en-US" altLang="ja-JP" dirty="0">
+            <a:endParaRPr lang="en-US" altLang="ja-JP" sz="1800" dirty="0">
               <a:latin typeface="Hiragino Kaku Gothic ProN W3" panose="020B0300000000000000" pitchFamily="34" charset="-128"/>
               <a:ea typeface="Hiragino Kaku Gothic ProN W3" panose="020B0300000000000000" pitchFamily="34" charset="-128"/>
             </a:endParaRPr>
@@ -16453,27 +16745,72 @@
           <a:p>
             <a:pPr lvl="1" fontAlgn="base"/>
             <a:r>
-              <a:rPr lang="en-US" altLang="ja-JP" sz="2000" dirty="0">
+              <a:rPr lang="en-US" altLang="ja-JP" dirty="0">
                 <a:latin typeface="Hiragino Kaku Gothic ProN W3" panose="020B0300000000000000" pitchFamily="34" charset="-128"/>
                 <a:ea typeface="Hiragino Kaku Gothic ProN W3" panose="020B0300000000000000" pitchFamily="34" charset="-128"/>
               </a:rPr>
               <a:t>100</a:t>
             </a:r>
             <a:r>
-              <a:rPr lang="ja-JP" altLang="en-US" sz="2000">
+              <a:rPr lang="ja-JP" altLang="en-US">
                 <a:latin typeface="Hiragino Kaku Gothic ProN W3" panose="020B0300000000000000" pitchFamily="34" charset="-128"/>
                 <a:ea typeface="Hiragino Kaku Gothic ProN W3" panose="020B0300000000000000" pitchFamily="34" charset="-128"/>
               </a:rPr>
               <a:t>エポック目で</a:t>
             </a:r>
             <a:r>
-              <a:rPr lang="en-US" altLang="ja-JP" sz="2000" dirty="0">
+              <a:rPr lang="en-US" altLang="ja-JP" dirty="0">
                 <a:latin typeface="Hiragino Kaku Gothic ProN W3" panose="020B0300000000000000" pitchFamily="34" charset="-128"/>
                 <a:ea typeface="Hiragino Kaku Gothic ProN W3" panose="020B0300000000000000" pitchFamily="34" charset="-128"/>
               </a:rPr>
               <a:t>0.9955</a:t>
             </a:r>
-            <a:endParaRPr lang="ja-JP" altLang="en-US" sz="2000">
+          </a:p>
+          <a:p>
+            <a:pPr fontAlgn="base"/>
+            <a:r>
+              <a:rPr lang="en-US" altLang="ja-JP" sz="1800" dirty="0">
+                <a:latin typeface="Hiragino Kaku Gothic ProN W3" panose="020B0300000000000000" pitchFamily="34" charset="-128"/>
+                <a:ea typeface="Hiragino Kaku Gothic ProN W3" panose="020B0300000000000000" pitchFamily="34" charset="-128"/>
+              </a:rPr>
+              <a:t>Training loss</a:t>
+            </a:r>
+            <a:r>
+              <a:rPr lang="ja-JP" altLang="en-US" sz="1800">
+                <a:latin typeface="Hiragino Kaku Gothic ProN W3" panose="020B0300000000000000" pitchFamily="34" charset="-128"/>
+                <a:ea typeface="Hiragino Kaku Gothic ProN W3" panose="020B0300000000000000" pitchFamily="34" charset="-128"/>
+              </a:rPr>
+              <a:t>（学習データの損失）</a:t>
+            </a:r>
+            <a:endParaRPr lang="en-US" altLang="ja-JP" sz="1800" dirty="0">
+              <a:latin typeface="Hiragino Kaku Gothic ProN W3" panose="020B0300000000000000" pitchFamily="34" charset="-128"/>
+              <a:ea typeface="Hiragino Kaku Gothic ProN W3" panose="020B0300000000000000" pitchFamily="34" charset="-128"/>
+            </a:endParaRPr>
+          </a:p>
+          <a:p>
+            <a:pPr lvl="1" fontAlgn="base"/>
+            <a:r>
+              <a:rPr lang="en-US" altLang="ja-JP" dirty="0">
+                <a:latin typeface="Hiragino Kaku Gothic ProN W3" panose="020B0300000000000000" pitchFamily="34" charset="-128"/>
+                <a:ea typeface="Hiragino Kaku Gothic ProN W3" panose="020B0300000000000000" pitchFamily="34" charset="-128"/>
+              </a:rPr>
+              <a:t>100</a:t>
+            </a:r>
+            <a:r>
+              <a:rPr lang="ja-JP" altLang="en-US">
+                <a:latin typeface="Hiragino Kaku Gothic ProN W3" panose="020B0300000000000000" pitchFamily="34" charset="-128"/>
+                <a:ea typeface="Hiragino Kaku Gothic ProN W3" panose="020B0300000000000000" pitchFamily="34" charset="-128"/>
+              </a:rPr>
+              <a:t>エポック目で</a:t>
+            </a:r>
+            <a:r>
+              <a:rPr lang="en-US" altLang="ja-JP" dirty="0">
+                <a:latin typeface="Hiragino Kaku Gothic ProN W3" panose="020B0300000000000000" pitchFamily="34" charset="-128"/>
+                <a:ea typeface="Hiragino Kaku Gothic ProN W3" panose="020B0300000000000000" pitchFamily="34" charset="-128"/>
+              </a:rPr>
+              <a:t>0.0020</a:t>
+            </a:r>
+            <a:endParaRPr lang="ja-JP" altLang="en-US">
               <a:latin typeface="Hiragino Kaku Gothic ProN W3" panose="020B0300000000000000" pitchFamily="34" charset="-128"/>
               <a:ea typeface="Hiragino Kaku Gothic ProN W3" panose="020B0300000000000000" pitchFamily="34" charset="-128"/>
             </a:endParaRPr>
@@ -16502,7 +16839,7 @@
         </p:blipFill>
         <p:spPr>
           <a:xfrm>
-            <a:off x="445319" y="872359"/>
+            <a:off x="445319" y="593580"/>
             <a:ext cx="5467057" cy="4212322"/>
           </a:xfrm>
           <a:prstGeom prst="rect">
@@ -16537,7 +16874,7 @@
         </p:blipFill>
         <p:spPr>
           <a:xfrm>
-            <a:off x="6272156" y="872359"/>
+            <a:off x="6272156" y="593580"/>
             <a:ext cx="5474525" cy="4212322"/>
           </a:xfrm>
           <a:prstGeom prst="rect">
@@ -16593,7 +16930,7 @@
 </file>
 
 <file path=ppt/slides/slide22.xml><?xml version="1.0" encoding="utf-8"?>
-<p:sld xmlns:a="http://schemas.openxmlformats.org/drawingml/2006/main" xmlns:r="http://schemas.openxmlformats.org/officeDocument/2006/relationships" xmlns:p="http://schemas.openxmlformats.org/presentationml/2006/main">
+<p:sld xmlns:a="http://schemas.openxmlformats.org/drawingml/2006/main" xmlns:r="http://schemas.openxmlformats.org/officeDocument/2006/relationships" xmlns:p="http://schemas.openxmlformats.org/presentationml/2006/main" show="0">
   <p:cSld>
     <p:spTree>
       <p:nvGrpSpPr>
@@ -16640,43 +16977,434 @@
       </p:sp>
       <p:sp>
         <p:nvSpPr>
-          <p:cNvPr id="3" name="テキスト ボックス 2">
+          <p:cNvPr id="4" name="コンテンツ プレースホルダー 2">
             <a:extLst>
               <a:ext uri="{FF2B5EF4-FFF2-40B4-BE49-F238E27FC236}">
-                <a16:creationId xmlns:a16="http://schemas.microsoft.com/office/drawing/2014/main" id="{FDED1491-25A0-A213-031E-F83224E468A7}"/>
+                <a16:creationId xmlns:a16="http://schemas.microsoft.com/office/drawing/2014/main" id="{20DE199D-9212-952F-7D61-9150EC3D2B5D}"/>
               </a:ext>
             </a:extLst>
           </p:cNvPr>
-          <p:cNvSpPr txBox="1"/>
+          <p:cNvSpPr txBox="1">
+            <a:spLocks/>
+          </p:cNvSpPr>
           <p:nvPr/>
         </p:nvSpPr>
         <p:spPr>
           <a:xfrm>
-            <a:off x="1787236" y="3807229"/>
-            <a:ext cx="4570482" cy="646331"/>
+            <a:off x="576043" y="1411120"/>
+            <a:ext cx="11039913" cy="5120640"/>
           </a:xfrm>
           <a:prstGeom prst="rect">
             <a:avLst/>
           </a:prstGeom>
-          <a:noFill/>
         </p:spPr>
         <p:txBody>
-          <a:bodyPr wrap="none" rtlCol="0">
-            <a:spAutoFit/>
-          </a:bodyPr>
-          <a:lstStyle/>
-          <a:p>
-            <a:r>
-              <a:rPr kumimoji="1" lang="ja-JP" altLang="en-US"/>
+          <a:bodyPr/>
+          <a:lstStyle>
+            <a:lvl1pPr marL="182880" indent="-182880" algn="l" defTabSz="914400" rtl="0" eaLnBrk="1" latinLnBrk="0" hangingPunct="1">
+              <a:lnSpc>
+                <a:spcPct val="90000"/>
+              </a:lnSpc>
+              <a:spcBef>
+                <a:spcPts val="1200"/>
+              </a:spcBef>
+              <a:buClr>
+                <a:schemeClr val="accent1"/>
+              </a:buClr>
+              <a:buFont typeface="Wingdings 2" pitchFamily="18" charset="2"/>
+              <a:buChar char=""/>
+              <a:defRPr kumimoji="1" sz="2000" kern="1200">
+                <a:solidFill>
+                  <a:schemeClr val="tx1">
+                    <a:lumMod val="65000"/>
+                    <a:lumOff val="35000"/>
+                  </a:schemeClr>
+                </a:solidFill>
+                <a:latin typeface="+mn-lt"/>
+                <a:ea typeface="+mn-ea"/>
+                <a:cs typeface="+mn-cs"/>
+              </a:defRPr>
+            </a:lvl1pPr>
+            <a:lvl2pPr marL="685800" indent="-182880" algn="l" defTabSz="914400" rtl="0" eaLnBrk="1" latinLnBrk="0" hangingPunct="1">
+              <a:lnSpc>
+                <a:spcPct val="90000"/>
+              </a:lnSpc>
+              <a:spcBef>
+                <a:spcPts val="250"/>
+              </a:spcBef>
+              <a:spcAft>
+                <a:spcPts val="250"/>
+              </a:spcAft>
+              <a:buClr>
+                <a:schemeClr val="accent1"/>
+              </a:buClr>
+              <a:buFont typeface="Wingdings 2" pitchFamily="18" charset="2"/>
+              <a:buChar char=""/>
+              <a:defRPr kumimoji="1" sz="1800" kern="1200">
+                <a:solidFill>
+                  <a:schemeClr val="tx1">
+                    <a:lumMod val="65000"/>
+                    <a:lumOff val="35000"/>
+                  </a:schemeClr>
+                </a:solidFill>
+                <a:latin typeface="+mn-lt"/>
+                <a:ea typeface="+mn-ea"/>
+                <a:cs typeface="+mn-cs"/>
+              </a:defRPr>
+            </a:lvl2pPr>
+            <a:lvl3pPr marL="1143000" indent="-182880" algn="l" defTabSz="914400" rtl="0" eaLnBrk="1" latinLnBrk="0" hangingPunct="1">
+              <a:lnSpc>
+                <a:spcPct val="90000"/>
+              </a:lnSpc>
+              <a:spcBef>
+                <a:spcPts val="250"/>
+              </a:spcBef>
+              <a:spcAft>
+                <a:spcPts val="250"/>
+              </a:spcAft>
+              <a:buClr>
+                <a:schemeClr val="accent1"/>
+              </a:buClr>
+              <a:buFont typeface="Wingdings 2" pitchFamily="18" charset="2"/>
+              <a:buChar char=""/>
+              <a:defRPr kumimoji="1" sz="1600" kern="1200">
+                <a:solidFill>
+                  <a:schemeClr val="tx1">
+                    <a:lumMod val="65000"/>
+                    <a:lumOff val="35000"/>
+                  </a:schemeClr>
+                </a:solidFill>
+                <a:latin typeface="+mn-lt"/>
+                <a:ea typeface="+mn-ea"/>
+                <a:cs typeface="+mn-cs"/>
+              </a:defRPr>
+            </a:lvl3pPr>
+            <a:lvl4pPr marL="1600200" indent="-182880" algn="l" defTabSz="914400" rtl="0" eaLnBrk="1" latinLnBrk="0" hangingPunct="1">
+              <a:lnSpc>
+                <a:spcPct val="90000"/>
+              </a:lnSpc>
+              <a:spcBef>
+                <a:spcPts val="250"/>
+              </a:spcBef>
+              <a:spcAft>
+                <a:spcPts val="250"/>
+              </a:spcAft>
+              <a:buClr>
+                <a:schemeClr val="accent1"/>
+              </a:buClr>
+              <a:buFont typeface="Wingdings 2" pitchFamily="18" charset="2"/>
+              <a:buChar char=""/>
+              <a:defRPr kumimoji="1" sz="1400" kern="1200">
+                <a:solidFill>
+                  <a:schemeClr val="tx1">
+                    <a:lumMod val="65000"/>
+                    <a:lumOff val="35000"/>
+                  </a:schemeClr>
+                </a:solidFill>
+                <a:latin typeface="+mn-lt"/>
+                <a:ea typeface="+mn-ea"/>
+                <a:cs typeface="+mn-cs"/>
+              </a:defRPr>
+            </a:lvl4pPr>
+            <a:lvl5pPr marL="2057400" indent="-182880" algn="l" defTabSz="914400" rtl="0" eaLnBrk="1" latinLnBrk="0" hangingPunct="1">
+              <a:lnSpc>
+                <a:spcPct val="90000"/>
+              </a:lnSpc>
+              <a:spcBef>
+                <a:spcPts val="250"/>
+              </a:spcBef>
+              <a:spcAft>
+                <a:spcPts val="250"/>
+              </a:spcAft>
+              <a:buClr>
+                <a:schemeClr val="accent1"/>
+              </a:buClr>
+              <a:buFont typeface="Wingdings 2" pitchFamily="18" charset="2"/>
+              <a:buChar char=""/>
+              <a:defRPr kumimoji="1" sz="1400" kern="1200">
+                <a:solidFill>
+                  <a:schemeClr val="tx1">
+                    <a:lumMod val="65000"/>
+                    <a:lumOff val="35000"/>
+                  </a:schemeClr>
+                </a:solidFill>
+                <a:latin typeface="+mn-lt"/>
+                <a:ea typeface="+mn-ea"/>
+                <a:cs typeface="+mn-cs"/>
+              </a:defRPr>
+            </a:lvl5pPr>
+            <a:lvl6pPr marL="2514600" indent="-228600" algn="l" defTabSz="914400" rtl="0" eaLnBrk="1" latinLnBrk="0" hangingPunct="1">
+              <a:lnSpc>
+                <a:spcPct val="90000"/>
+              </a:lnSpc>
+              <a:spcBef>
+                <a:spcPts val="250"/>
+              </a:spcBef>
+              <a:spcAft>
+                <a:spcPts val="250"/>
+              </a:spcAft>
+              <a:buClr>
+                <a:schemeClr val="accent1"/>
+              </a:buClr>
+              <a:buFont typeface="Wingdings 2" pitchFamily="18" charset="2"/>
+              <a:buChar char=""/>
+              <a:defRPr kumimoji="1" sz="1400" kern="1200">
+                <a:solidFill>
+                  <a:schemeClr val="tx1">
+                    <a:lumMod val="65000"/>
+                    <a:lumOff val="35000"/>
+                  </a:schemeClr>
+                </a:solidFill>
+                <a:latin typeface="+mn-lt"/>
+                <a:ea typeface="+mn-ea"/>
+                <a:cs typeface="+mn-cs"/>
+              </a:defRPr>
+            </a:lvl6pPr>
+            <a:lvl7pPr marL="2971800" indent="-228600" algn="l" defTabSz="914400" rtl="0" eaLnBrk="1" latinLnBrk="0" hangingPunct="1">
+              <a:lnSpc>
+                <a:spcPct val="90000"/>
+              </a:lnSpc>
+              <a:spcBef>
+                <a:spcPts val="250"/>
+              </a:spcBef>
+              <a:spcAft>
+                <a:spcPts val="250"/>
+              </a:spcAft>
+              <a:buClr>
+                <a:schemeClr val="accent1"/>
+              </a:buClr>
+              <a:buFont typeface="Wingdings 2" pitchFamily="18" charset="2"/>
+              <a:buChar char=""/>
+              <a:defRPr kumimoji="1" sz="1400" kern="1200">
+                <a:solidFill>
+                  <a:schemeClr val="tx1">
+                    <a:lumMod val="65000"/>
+                    <a:lumOff val="35000"/>
+                  </a:schemeClr>
+                </a:solidFill>
+                <a:latin typeface="+mn-lt"/>
+                <a:ea typeface="+mn-ea"/>
+                <a:cs typeface="+mn-cs"/>
+              </a:defRPr>
+            </a:lvl7pPr>
+            <a:lvl8pPr marL="3429000" indent="-228600" algn="l" defTabSz="914400" rtl="0" eaLnBrk="1" latinLnBrk="0" hangingPunct="1">
+              <a:lnSpc>
+                <a:spcPct val="90000"/>
+              </a:lnSpc>
+              <a:spcBef>
+                <a:spcPts val="250"/>
+              </a:spcBef>
+              <a:spcAft>
+                <a:spcPts val="250"/>
+              </a:spcAft>
+              <a:buClr>
+                <a:schemeClr val="accent1"/>
+              </a:buClr>
+              <a:buFont typeface="Wingdings 2" pitchFamily="18" charset="2"/>
+              <a:buChar char=""/>
+              <a:defRPr kumimoji="1" sz="1400" kern="1200">
+                <a:solidFill>
+                  <a:schemeClr val="tx1">
+                    <a:lumMod val="65000"/>
+                    <a:lumOff val="35000"/>
+                  </a:schemeClr>
+                </a:solidFill>
+                <a:latin typeface="+mn-lt"/>
+                <a:ea typeface="+mn-ea"/>
+                <a:cs typeface="+mn-cs"/>
+              </a:defRPr>
+            </a:lvl8pPr>
+            <a:lvl9pPr marL="3886200" indent="-228600" algn="l" defTabSz="914400" rtl="0" eaLnBrk="1" latinLnBrk="0" hangingPunct="1">
+              <a:lnSpc>
+                <a:spcPct val="90000"/>
+              </a:lnSpc>
+              <a:spcBef>
+                <a:spcPts val="250"/>
+              </a:spcBef>
+              <a:spcAft>
+                <a:spcPts val="250"/>
+              </a:spcAft>
+              <a:buClr>
+                <a:schemeClr val="accent1"/>
+              </a:buClr>
+              <a:buFont typeface="Wingdings 2" pitchFamily="18" charset="2"/>
+              <a:buChar char=""/>
+              <a:defRPr kumimoji="1" sz="1400" kern="1200">
+                <a:solidFill>
+                  <a:schemeClr val="tx1">
+                    <a:lumMod val="65000"/>
+                    <a:lumOff val="35000"/>
+                  </a:schemeClr>
+                </a:solidFill>
+                <a:latin typeface="+mn-lt"/>
+                <a:ea typeface="+mn-ea"/>
+                <a:cs typeface="+mn-cs"/>
+              </a:defRPr>
+            </a:lvl9pPr>
+          </a:lstStyle>
+          <a:p>
+            <a:pPr fontAlgn="base"/>
+            <a:r>
+              <a:rPr lang="ja-JP" altLang="en-US">
+                <a:latin typeface="Hiragino Kaku Gothic ProN W3" panose="020B0300000000000000" pitchFamily="34" charset="-128"/>
+                <a:ea typeface="Hiragino Kaku Gothic ProN W3" panose="020B0300000000000000" pitchFamily="34" charset="-128"/>
+              </a:rPr>
               <a:t>画像サイズ</a:t>
             </a:r>
-            <a:endParaRPr kumimoji="1" lang="en-US" altLang="ja-JP" dirty="0"/>
-          </a:p>
-          <a:p>
-            <a:r>
-              <a:rPr kumimoji="1" lang="ja-JP" altLang="en-US"/>
-              <a:t>ネットワーク構造（フィルターの数とか）</a:t>
-            </a:r>
+            <a:endParaRPr lang="en-US" altLang="ja-JP" dirty="0">
+              <a:latin typeface="Hiragino Kaku Gothic ProN W3" panose="020B0300000000000000" pitchFamily="34" charset="-128"/>
+              <a:ea typeface="Hiragino Kaku Gothic ProN W3" panose="020B0300000000000000" pitchFamily="34" charset="-128"/>
+            </a:endParaRPr>
+          </a:p>
+          <a:p>
+            <a:pPr lvl="1" fontAlgn="base"/>
+            <a:r>
+              <a:rPr lang="en-US" altLang="ja-JP" sz="2000" dirty="0">
+                <a:latin typeface="Hiragino Kaku Gothic ProN W3" panose="020B0300000000000000" pitchFamily="34" charset="-128"/>
+                <a:ea typeface="Hiragino Kaku Gothic ProN W3" panose="020B0300000000000000" pitchFamily="34" charset="-128"/>
+              </a:rPr>
+              <a:t>150px  ×</a:t>
+            </a:r>
+            <a:r>
+              <a:rPr lang="ja-JP" altLang="en-US" sz="2000">
+                <a:latin typeface="Hiragino Kaku Gothic ProN W3" panose="020B0300000000000000" pitchFamily="34" charset="-128"/>
+                <a:ea typeface="Hiragino Kaku Gothic ProN W3" panose="020B0300000000000000" pitchFamily="34" charset="-128"/>
+              </a:rPr>
+              <a:t> </a:t>
+            </a:r>
+            <a:r>
+              <a:rPr lang="en-US" altLang="ja-JP" sz="2000" dirty="0">
+                <a:latin typeface="Hiragino Kaku Gothic ProN W3" panose="020B0300000000000000" pitchFamily="34" charset="-128"/>
+                <a:ea typeface="Hiragino Kaku Gothic ProN W3" panose="020B0300000000000000" pitchFamily="34" charset="-128"/>
+              </a:rPr>
+              <a:t>150px</a:t>
+            </a:r>
+          </a:p>
+          <a:p>
+            <a:pPr lvl="1" fontAlgn="base"/>
+            <a:endParaRPr lang="en-US" altLang="ja-JP" sz="2000" dirty="0">
+              <a:latin typeface="Hiragino Kaku Gothic ProN W3" panose="020B0300000000000000" pitchFamily="34" charset="-128"/>
+              <a:ea typeface="Hiragino Kaku Gothic ProN W3" panose="020B0300000000000000" pitchFamily="34" charset="-128"/>
+            </a:endParaRPr>
+          </a:p>
+          <a:p>
+            <a:pPr fontAlgn="base"/>
+            <a:r>
+              <a:rPr lang="ja-JP" altLang="en-US">
+                <a:latin typeface="Hiragino Kaku Gothic ProN W3" panose="020B0300000000000000" pitchFamily="34" charset="-128"/>
+                <a:ea typeface="Hiragino Kaku Gothic ProN W3" panose="020B0300000000000000" pitchFamily="34" charset="-128"/>
+              </a:rPr>
+              <a:t>ネットワーク構造</a:t>
+            </a:r>
+            <a:endParaRPr lang="en-US" altLang="ja-JP" dirty="0">
+              <a:latin typeface="Hiragino Kaku Gothic ProN W3" panose="020B0300000000000000" pitchFamily="34" charset="-128"/>
+              <a:ea typeface="Hiragino Kaku Gothic ProN W3" panose="020B0300000000000000" pitchFamily="34" charset="-128"/>
+            </a:endParaRPr>
+          </a:p>
+          <a:p>
+            <a:pPr lvl="1" fontAlgn="base"/>
+            <a:r>
+              <a:rPr lang="ja-JP" altLang="en-US" sz="2000">
+                <a:latin typeface="Hiragino Kaku Gothic ProN W3" panose="020B0300000000000000" pitchFamily="34" charset="-128"/>
+                <a:ea typeface="Hiragino Kaku Gothic ProN W3" panose="020B0300000000000000" pitchFamily="34" charset="-128"/>
+              </a:rPr>
+              <a:t>畳み込み層・プーリング層（</a:t>
+            </a:r>
+            <a:r>
+              <a:rPr lang="en-US" altLang="ja-JP" sz="2000" dirty="0" err="1">
+                <a:latin typeface="Hiragino Kaku Gothic ProN W3" panose="020B0300000000000000" pitchFamily="34" charset="-128"/>
+                <a:ea typeface="Hiragino Kaku Gothic ProN W3" panose="020B0300000000000000" pitchFamily="34" charset="-128"/>
+              </a:rPr>
+              <a:t>MaxPooling</a:t>
+            </a:r>
+            <a:r>
+              <a:rPr lang="ja-JP" altLang="en-US" sz="2000">
+                <a:latin typeface="Hiragino Kaku Gothic ProN W3" panose="020B0300000000000000" pitchFamily="34" charset="-128"/>
+                <a:ea typeface="Hiragino Kaku Gothic ProN W3" panose="020B0300000000000000" pitchFamily="34" charset="-128"/>
+              </a:rPr>
+              <a:t>）</a:t>
+            </a:r>
+            <a:r>
+              <a:rPr lang="en-US" altLang="ja-JP" sz="2000" dirty="0">
+                <a:latin typeface="Hiragino Kaku Gothic ProN W3" panose="020B0300000000000000" pitchFamily="34" charset="-128"/>
+                <a:ea typeface="Hiragino Kaku Gothic ProN W3" panose="020B0300000000000000" pitchFamily="34" charset="-128"/>
+              </a:rPr>
+              <a:t> - </a:t>
+            </a:r>
+            <a:r>
+              <a:rPr lang="ja-JP" altLang="en-US" sz="2000">
+                <a:latin typeface="Hiragino Kaku Gothic ProN W3" panose="020B0300000000000000" pitchFamily="34" charset="-128"/>
+                <a:ea typeface="Hiragino Kaku Gothic ProN W3" panose="020B0300000000000000" pitchFamily="34" charset="-128"/>
+              </a:rPr>
+              <a:t>　</a:t>
+            </a:r>
+            <a:r>
+              <a:rPr lang="en-US" altLang="ja-JP" sz="2000" dirty="0">
+                <a:latin typeface="Hiragino Kaku Gothic ProN W3" panose="020B0300000000000000" pitchFamily="34" charset="-128"/>
+                <a:ea typeface="Hiragino Kaku Gothic ProN W3" panose="020B0300000000000000" pitchFamily="34" charset="-128"/>
+              </a:rPr>
+              <a:t>4</a:t>
+            </a:r>
+            <a:r>
+              <a:rPr lang="ja-JP" altLang="en-US" sz="2000">
+                <a:latin typeface="Hiragino Kaku Gothic ProN W3" panose="020B0300000000000000" pitchFamily="34" charset="-128"/>
+                <a:ea typeface="Hiragino Kaku Gothic ProN W3" panose="020B0300000000000000" pitchFamily="34" charset="-128"/>
+              </a:rPr>
+              <a:t>層ずつ</a:t>
+            </a:r>
+            <a:endParaRPr lang="en-US" altLang="ja-JP" sz="2000" dirty="0">
+              <a:latin typeface="Hiragino Kaku Gothic ProN W3" panose="020B0300000000000000" pitchFamily="34" charset="-128"/>
+              <a:ea typeface="Hiragino Kaku Gothic ProN W3" panose="020B0300000000000000" pitchFamily="34" charset="-128"/>
+            </a:endParaRPr>
+          </a:p>
+          <a:p>
+            <a:pPr lvl="1" fontAlgn="base"/>
+            <a:r>
+              <a:rPr lang="ja-JP" altLang="en-US" sz="2000">
+                <a:latin typeface="Hiragino Kaku Gothic ProN W3" panose="020B0300000000000000" pitchFamily="34" charset="-128"/>
+                <a:ea typeface="Hiragino Kaku Gothic ProN W3" panose="020B0300000000000000" pitchFamily="34" charset="-128"/>
+              </a:rPr>
+              <a:t>活性化関数：</a:t>
+            </a:r>
+            <a:r>
+              <a:rPr lang="en-US" altLang="ja-JP" sz="2000" dirty="0" err="1">
+                <a:latin typeface="Hiragino Kaku Gothic ProN W3" panose="020B0300000000000000" pitchFamily="34" charset="-128"/>
+                <a:ea typeface="Hiragino Kaku Gothic ProN W3" panose="020B0300000000000000" pitchFamily="34" charset="-128"/>
+              </a:rPr>
+              <a:t>ReLU</a:t>
+            </a:r>
+            <a:endParaRPr lang="en-US" altLang="ja-JP" sz="2000" dirty="0">
+              <a:latin typeface="Hiragino Kaku Gothic ProN W3" panose="020B0300000000000000" pitchFamily="34" charset="-128"/>
+              <a:ea typeface="Hiragino Kaku Gothic ProN W3" panose="020B0300000000000000" pitchFamily="34" charset="-128"/>
+            </a:endParaRPr>
+          </a:p>
+          <a:p>
+            <a:pPr lvl="1" fontAlgn="base"/>
+            <a:r>
+              <a:rPr lang="ja-JP" altLang="en-US" sz="2000">
+                <a:latin typeface="Hiragino Kaku Gothic ProN W3" panose="020B0300000000000000" pitchFamily="34" charset="-128"/>
+                <a:ea typeface="Hiragino Kaku Gothic ProN W3" panose="020B0300000000000000" pitchFamily="34" charset="-128"/>
+              </a:rPr>
+              <a:t>全結合層</a:t>
+            </a:r>
+            <a:endParaRPr lang="en-US" altLang="ja-JP" sz="2000" dirty="0">
+              <a:latin typeface="Hiragino Kaku Gothic ProN W3" panose="020B0300000000000000" pitchFamily="34" charset="-128"/>
+              <a:ea typeface="Hiragino Kaku Gothic ProN W3" panose="020B0300000000000000" pitchFamily="34" charset="-128"/>
+            </a:endParaRPr>
+          </a:p>
+          <a:p>
+            <a:pPr lvl="1" fontAlgn="base"/>
+            <a:r>
+              <a:rPr lang="ja-JP" altLang="en-US" sz="2000">
+                <a:latin typeface="Hiragino Kaku Gothic ProN W3" panose="020B0300000000000000" pitchFamily="34" charset="-128"/>
+                <a:ea typeface="Hiragino Kaku Gothic ProN W3" panose="020B0300000000000000" pitchFamily="34" charset="-128"/>
+              </a:rPr>
+              <a:t>出力層</a:t>
+            </a:r>
+            <a:endParaRPr lang="ja-JP" altLang="en-US">
+              <a:latin typeface="Hiragino Kaku Gothic ProN W3" panose="020B0300000000000000" pitchFamily="34" charset="-128"/>
+              <a:ea typeface="Hiragino Kaku Gothic ProN W3" panose="020B0300000000000000" pitchFamily="34" charset="-128"/>
+            </a:endParaRPr>
           </a:p>
         </p:txBody>
       </p:sp>
@@ -17057,7 +17785,7 @@
                 <a:latin typeface="Hiragino Kaku Gothic ProN W3" panose="020B0300000000000000" pitchFamily="34" charset="-128"/>
                 <a:ea typeface="Hiragino Kaku Gothic ProN W3" panose="020B0300000000000000" pitchFamily="34" charset="-128"/>
               </a:rPr>
-              <a:t>自分がしているメイクアップに自信が持てず、不安になってしまう</a:t>
+              <a:t>自信が持てず、不安になってしまう</a:t>
             </a:r>
           </a:p>
           <a:p>
@@ -17199,7 +17927,7 @@
           <a:p>
             <a:r>
               <a:rPr lang="ja-JP" altLang="en-US"/>
-              <a:t>研究の目的と背景</a:t>
+              <a:t>研究の背景と目的</a:t>
             </a:r>
           </a:p>
         </p:txBody>
@@ -17640,18 +18368,7 @@
               <a:rPr lang="en-US" altLang="ja-JP" dirty="0"/>
               <a:t>JINS BRAIN</a:t>
             </a:r>
-            <a:r>
-              <a:rPr lang="ja-JP" altLang="en-US"/>
-              <a:t>・</a:t>
-            </a:r>
-            <a:r>
-              <a:rPr lang="en-US" altLang="ja-JP" dirty="0"/>
-              <a:t>AR</a:t>
-            </a:r>
-            <a:r>
-              <a:rPr lang="ja-JP" altLang="en-US"/>
-              <a:t>タッチアップシステム</a:t>
-            </a:r>
+            <a:endParaRPr lang="ja-JP" altLang="en-US"/>
           </a:p>
         </p:txBody>
       </p:sp>
@@ -19078,7 +19795,7 @@
           <p:nvPr/>
         </p:nvPicPr>
         <p:blipFill>
-          <a:blip r:embed="rId2">
+          <a:blip r:embed="rId3">
             <a:extLst>
               <a:ext uri="{28A0092B-C50C-407E-A947-70E740481C1C}">
                 <a14:useLocalDpi xmlns:a14="http://schemas.microsoft.com/office/drawing/2010/main" val="0"/>
@@ -19245,7 +19962,7 @@
                 <a:effectLst/>
                 <a:latin typeface="Hiragino Kaku Gothic ProN W3" panose="020B0300000000000000" pitchFamily="34" charset="-128"/>
                 <a:ea typeface="Hiragino Kaku Gothic ProN W3" panose="020B0300000000000000" pitchFamily="34" charset="-128"/>
-                <a:hlinkClick r:id="rId3"/>
+                <a:hlinkClick r:id="rId4"/>
               </a:rPr>
               <a:t>https://prtimes.jp/main/html/rd/p/000000900.000005794.html</a:t>
             </a:r>
@@ -19381,8 +20098,8 @@
         </p:nvSpPr>
         <p:spPr>
           <a:xfrm>
-            <a:off x="576043" y="1432140"/>
-            <a:ext cx="11039913" cy="5120640"/>
+            <a:off x="357809" y="1432140"/>
+            <a:ext cx="11258147" cy="5120640"/>
           </a:xfrm>
           <a:prstGeom prst="rect">
             <a:avLst/>
@@ -19734,6 +20451,27 @@
               </a:rPr>
               <a:t>得られた結果を色彩調和論の観点から分析し、肌色と似合うリップカラーの関係性を明らかにしようとした</a:t>
             </a:r>
+            <a:endParaRPr lang="en-US" altLang="ja-JP" sz="2000" dirty="0">
+              <a:latin typeface="Hiragino Kaku Gothic ProN W3" panose="020B0300000000000000" pitchFamily="34" charset="-128"/>
+              <a:ea typeface="Hiragino Kaku Gothic ProN W3" panose="020B0300000000000000" pitchFamily="34" charset="-128"/>
+            </a:endParaRPr>
+          </a:p>
+          <a:p>
+            <a:pPr fontAlgn="base"/>
+            <a:endParaRPr lang="ja-JP" altLang="en-US">
+              <a:latin typeface="Hiragino Kaku Gothic ProN W3" panose="020B0300000000000000" pitchFamily="34" charset="-128"/>
+              <a:ea typeface="Hiragino Kaku Gothic ProN W3" panose="020B0300000000000000" pitchFamily="34" charset="-128"/>
+            </a:endParaRPr>
+          </a:p>
+          <a:p>
+            <a:pPr fontAlgn="base"/>
+            <a:r>
+              <a:rPr lang="ja-JP" altLang="en-US">
+                <a:latin typeface="Hiragino Kaku Gothic ProN W3" panose="020B0300000000000000" pitchFamily="34" charset="-128"/>
+                <a:ea typeface="Hiragino Kaku Gothic ProN W3" panose="020B0300000000000000" pitchFamily="34" charset="-128"/>
+              </a:rPr>
+              <a:t>実験の結果</a:t>
+            </a:r>
           </a:p>
           <a:p>
             <a:pPr lvl="1" fontAlgn="base"/>
@@ -19742,18 +20480,19 @@
                 <a:latin typeface="Hiragino Kaku Gothic ProN W3" panose="020B0300000000000000" pitchFamily="34" charset="-128"/>
                 <a:ea typeface="Hiragino Kaku Gothic ProN W3" panose="020B0300000000000000" pitchFamily="34" charset="-128"/>
               </a:rPr>
-              <a:t>実験の結果</a:t>
-            </a:r>
-          </a:p>
-          <a:p>
-            <a:pPr lvl="2" fontAlgn="base"/>
-            <a:r>
-              <a:rPr lang="ja-JP" altLang="en-US" sz="2000">
-                <a:latin typeface="Hiragino Kaku Gothic ProN W3" panose="020B0300000000000000" pitchFamily="34" charset="-128"/>
-                <a:ea typeface="Hiragino Kaku Gothic ProN W3" panose="020B0300000000000000" pitchFamily="34" charset="-128"/>
-              </a:rPr>
               <a:t>肌色と似合うリップカラーにはある程度の関係性がある（リップカラーと肌色の明度差、色相差、彩度差の順で影響）</a:t>
             </a:r>
+            <a:endParaRPr lang="en-US" altLang="ja-JP" sz="2000" dirty="0">
+              <a:latin typeface="Hiragino Kaku Gothic ProN W3" panose="020B0300000000000000" pitchFamily="34" charset="-128"/>
+              <a:ea typeface="Hiragino Kaku Gothic ProN W3" panose="020B0300000000000000" pitchFamily="34" charset="-128"/>
+            </a:endParaRPr>
+          </a:p>
+          <a:p>
+            <a:pPr lvl="1" fontAlgn="base"/>
+            <a:endParaRPr lang="ja-JP" altLang="en-US" sz="2000">
+              <a:latin typeface="Hiragino Kaku Gothic ProN W3" panose="020B0300000000000000" pitchFamily="34" charset="-128"/>
+              <a:ea typeface="Hiragino Kaku Gothic ProN W3" panose="020B0300000000000000" pitchFamily="34" charset="-128"/>
+            </a:endParaRPr>
           </a:p>
           <a:p>
             <a:pPr fontAlgn="base"/>
@@ -20535,6 +21274,17 @@
               </a:rPr>
               <a:t>機械学習の教師データとして、ヘアカタログの写真を使用</a:t>
             </a:r>
+            <a:endParaRPr lang="en-US" altLang="ja-JP" sz="2000" dirty="0">
+              <a:latin typeface="Hiragino Kaku Gothic ProN W3" panose="020B0300000000000000" pitchFamily="34" charset="-128"/>
+              <a:ea typeface="Hiragino Kaku Gothic ProN W3" panose="020B0300000000000000" pitchFamily="34" charset="-128"/>
+            </a:endParaRPr>
+          </a:p>
+          <a:p>
+            <a:pPr lvl="1" fontAlgn="base"/>
+            <a:endParaRPr lang="ja-JP" altLang="en-US" sz="2000">
+              <a:latin typeface="Hiragino Kaku Gothic ProN W3" panose="020B0300000000000000" pitchFamily="34" charset="-128"/>
+              <a:ea typeface="Hiragino Kaku Gothic ProN W3" panose="020B0300000000000000" pitchFamily="34" charset="-128"/>
+            </a:endParaRPr>
           </a:p>
           <a:p>
             <a:pPr fontAlgn="base"/>
@@ -20559,13 +21309,6 @@
               </a:rPr>
               <a:t>リップカラーが似合っていない例は学習させていない</a:t>
             </a:r>
-            <a:endParaRPr lang="en-US" altLang="ja-JP" sz="2000" dirty="0">
-              <a:latin typeface="Hiragino Kaku Gothic ProN W3" panose="020B0300000000000000" pitchFamily="34" charset="-128"/>
-              <a:ea typeface="Hiragino Kaku Gothic ProN W3" panose="020B0300000000000000" pitchFamily="34" charset="-128"/>
-            </a:endParaRPr>
-          </a:p>
-          <a:p>
-            <a:pPr lvl="1" fontAlgn="base"/>
             <a:endParaRPr lang="en-US" altLang="ja-JP" sz="2000" dirty="0">
               <a:latin typeface="Hiragino Kaku Gothic ProN W3" panose="020B0300000000000000" pitchFamily="34" charset="-128"/>
               <a:ea typeface="Hiragino Kaku Gothic ProN W3" panose="020B0300000000000000" pitchFamily="34" charset="-128"/>
@@ -21325,7 +22068,7 @@
         </p:nvSpPr>
         <p:spPr>
           <a:xfrm>
-            <a:off x="4920239" y="4792920"/>
+            <a:off x="5622973" y="4801639"/>
             <a:ext cx="2118731" cy="1455234"/>
           </a:xfrm>
           <a:prstGeom prst="rect">
@@ -21382,7 +22125,7 @@
         </p:nvSpPr>
         <p:spPr>
           <a:xfrm>
-            <a:off x="2976117" y="2212414"/>
+            <a:off x="2735030" y="2227850"/>
             <a:ext cx="2118731" cy="1056746"/>
           </a:xfrm>
           <a:prstGeom prst="rect">
@@ -21431,7 +22174,7 @@
         </p:nvCxnSpPr>
         <p:spPr>
           <a:xfrm>
-            <a:off x="1565355" y="5411550"/>
+            <a:off x="2725214" y="5494080"/>
             <a:ext cx="501805" cy="0"/>
           </a:xfrm>
           <a:prstGeom prst="straightConnector1">
@@ -21470,7 +22213,7 @@
         </p:nvCxnSpPr>
         <p:spPr>
           <a:xfrm>
-            <a:off x="7396452" y="5500647"/>
+            <a:off x="7954012" y="5519374"/>
             <a:ext cx="501805" cy="0"/>
           </a:xfrm>
           <a:prstGeom prst="straightConnector1">
@@ -21516,7 +22259,7 @@
         </p:blipFill>
         <p:spPr>
           <a:xfrm>
-            <a:off x="600569" y="4787136"/>
+            <a:off x="1700499" y="4782323"/>
             <a:ext cx="832836" cy="1455234"/>
           </a:xfrm>
           <a:prstGeom prst="rect">
@@ -21538,7 +22281,7 @@
         </p:nvSpPr>
         <p:spPr>
           <a:xfrm>
-            <a:off x="8721033" y="5354478"/>
+            <a:off x="8815797" y="5434966"/>
             <a:ext cx="1051034" cy="738664"/>
           </a:xfrm>
           <a:prstGeom prst="rect">
@@ -21618,7 +22361,7 @@
         </p:blipFill>
         <p:spPr>
           <a:xfrm>
-            <a:off x="3128310" y="3004853"/>
+            <a:off x="2887223" y="3020289"/>
             <a:ext cx="1095476" cy="1095476"/>
           </a:xfrm>
           <a:prstGeom prst="rect">
@@ -21640,7 +22383,7 @@
         </p:nvSpPr>
         <p:spPr>
           <a:xfrm>
-            <a:off x="4302318" y="3004853"/>
+            <a:off x="4061231" y="3020289"/>
             <a:ext cx="704193" cy="675728"/>
           </a:xfrm>
           <a:prstGeom prst="rect">
@@ -21692,7 +22435,7 @@
         </p:nvSpPr>
         <p:spPr>
           <a:xfrm>
-            <a:off x="8798542" y="4720668"/>
+            <a:off x="8893306" y="4801156"/>
             <a:ext cx="541282" cy="546467"/>
           </a:xfrm>
           <a:prstGeom prst="rect">
@@ -21752,7 +22495,7 @@
         </p:blipFill>
         <p:spPr>
           <a:xfrm>
-            <a:off x="2567100" y="5090358"/>
+            <a:off x="3530374" y="5074390"/>
             <a:ext cx="1018506" cy="1013939"/>
           </a:xfrm>
           <a:prstGeom prst="rect">
@@ -21774,7 +22517,7 @@
         </p:nvSpPr>
         <p:spPr>
           <a:xfrm>
-            <a:off x="6337086" y="2012650"/>
+            <a:off x="6095999" y="2028086"/>
             <a:ext cx="2118731" cy="1455234"/>
           </a:xfrm>
           <a:prstGeom prst="rect">
@@ -21831,7 +22574,7 @@
         </p:nvCxnSpPr>
         <p:spPr>
           <a:xfrm>
-            <a:off x="5423471" y="2740267"/>
+            <a:off x="5182384" y="2755703"/>
             <a:ext cx="501805" cy="0"/>
           </a:xfrm>
           <a:prstGeom prst="straightConnector1">
@@ -21870,7 +22613,7 @@
         </p:nvSpPr>
         <p:spPr>
           <a:xfrm>
-            <a:off x="45601" y="6406656"/>
+            <a:off x="1231588" y="6383603"/>
             <a:ext cx="1770657" cy="307777"/>
           </a:xfrm>
           <a:prstGeom prst="rect">
@@ -21912,7 +22655,7 @@
         </p:nvSpPr>
         <p:spPr>
           <a:xfrm>
-            <a:off x="2583350" y="6212648"/>
+            <a:off x="3373334" y="6247582"/>
             <a:ext cx="1339850" cy="307777"/>
           </a:xfrm>
           <a:prstGeom prst="rect">
@@ -21954,7 +22697,7 @@
         </p:nvSpPr>
         <p:spPr>
           <a:xfrm>
-            <a:off x="5410251" y="6413698"/>
+            <a:off x="6012413" y="6371021"/>
             <a:ext cx="1339850" cy="307777"/>
           </a:xfrm>
           <a:prstGeom prst="rect">
@@ -21996,7 +22739,7 @@
         </p:nvSpPr>
         <p:spPr>
           <a:xfrm>
-            <a:off x="8144340" y="6224697"/>
+            <a:off x="8084249" y="6256873"/>
             <a:ext cx="2278182" cy="523220"/>
           </a:xfrm>
           <a:prstGeom prst="rect">
@@ -22058,7 +22801,7 @@
         </p:nvCxnSpPr>
         <p:spPr>
           <a:xfrm>
-            <a:off x="4051415" y="5498893"/>
+            <a:off x="4834914" y="5529256"/>
             <a:ext cx="501805" cy="0"/>
           </a:xfrm>
           <a:prstGeom prst="straightConnector1">
